--- a/presentation/защита.pptx
+++ b/presentation/защита.pptx
@@ -5,7 +5,7 @@
     <p:sldMasterId id="2147483713" r:id="rId1"/>
   </p:sldMasterIdLst>
   <p:notesMasterIdLst>
-    <p:notesMasterId r:id="rId13"/>
+    <p:notesMasterId r:id="rId15"/>
   </p:notesMasterIdLst>
   <p:sldIdLst>
     <p:sldId id="256" r:id="rId2"/>
@@ -15,10 +15,12 @@
     <p:sldId id="264" r:id="rId6"/>
     <p:sldId id="266" r:id="rId7"/>
     <p:sldId id="268" r:id="rId8"/>
-    <p:sldId id="262" r:id="rId9"/>
-    <p:sldId id="259" r:id="rId10"/>
-    <p:sldId id="261" r:id="rId11"/>
-    <p:sldId id="258" r:id="rId12"/>
+    <p:sldId id="259" r:id="rId9"/>
+    <p:sldId id="269" r:id="rId10"/>
+    <p:sldId id="271" r:id="rId11"/>
+    <p:sldId id="272" r:id="rId12"/>
+    <p:sldId id="261" r:id="rId13"/>
+    <p:sldId id="258" r:id="rId14"/>
   </p:sldIdLst>
   <p:sldSz cx="12192000" cy="6858000"/>
   <p:notesSz cx="6858000" cy="9144000"/>
@@ -119,10 +121,1777 @@
   </p:defaultTextStyle>
   <p:extLst>
     <p:ext uri="{EFAFB233-063F-42B5-8137-9DF3F51BA10A}">
-      <p15:sldGuideLst xmlns:p15="http://schemas.microsoft.com/office/powerpoint/2012/main"/>
+      <p15:sldGuideLst xmlns:p15="http://schemas.microsoft.com/office/powerpoint/2012/main">
+        <p15:guide id="1" orient="horz" pos="2160" userDrawn="1">
+          <p15:clr>
+            <a:srgbClr val="A4A3A4"/>
+          </p15:clr>
+        </p15:guide>
+        <p15:guide id="2" pos="3840" userDrawn="1">
+          <p15:clr>
+            <a:srgbClr val="A4A3A4"/>
+          </p15:clr>
+        </p15:guide>
+      </p15:sldGuideLst>
     </p:ext>
   </p:extLst>
 </p:presentation>
+</file>
+
+<file path=ppt/charts/chart1.xml><?xml version="1.0" encoding="utf-8"?>
+<c:chartSpace xmlns:c="http://schemas.openxmlformats.org/drawingml/2006/chart" xmlns:a="http://schemas.openxmlformats.org/drawingml/2006/main" xmlns:r="http://schemas.openxmlformats.org/officeDocument/2006/relationships">
+  <c:date1904 val="0"/>
+  <c:lang val="ru-RU"/>
+  <c:roundedCorners val="0"/>
+  <mc:AlternateContent xmlns:mc="http://schemas.openxmlformats.org/markup-compatibility/2006">
+    <mc:Choice xmlns:c14="http://schemas.microsoft.com/office/drawing/2007/8/2/chart" Requires="c14">
+      <c14:style val="102"/>
+    </mc:Choice>
+    <mc:Fallback>
+      <c:style val="2"/>
+    </mc:Fallback>
+  </mc:AlternateContent>
+  <c:chart>
+    <c:title>
+      <c:layout/>
+      <c:overlay val="0"/>
+      <c:spPr>
+        <a:noFill/>
+        <a:ln>
+          <a:noFill/>
+        </a:ln>
+        <a:effectLst/>
+      </c:spPr>
+      <c:txPr>
+        <a:bodyPr rot="0" spcFirstLastPara="1" vertOverflow="ellipsis" vert="horz" wrap="square" anchor="ctr" anchorCtr="1"/>
+        <a:lstStyle/>
+        <a:p>
+          <a:pPr>
+            <a:defRPr sz="1862" b="0" i="0" u="none" strike="noStrike" kern="1200" spc="0" baseline="0">
+              <a:solidFill>
+                <a:schemeClr val="tx1">
+                  <a:lumMod val="65000"/>
+                  <a:lumOff val="35000"/>
+                </a:schemeClr>
+              </a:solidFill>
+              <a:latin typeface="+mn-lt"/>
+              <a:ea typeface="+mn-ea"/>
+              <a:cs typeface="+mn-cs"/>
+            </a:defRPr>
+          </a:pPr>
+          <a:endParaRPr lang="ru-RU"/>
+        </a:p>
+      </c:txPr>
+    </c:title>
+    <c:autoTitleDeleted val="0"/>
+    <c:plotArea>
+      <c:layout/>
+      <c:barChart>
+        <c:barDir val="col"/>
+        <c:grouping val="clustered"/>
+        <c:varyColors val="0"/>
+        <c:ser>
+          <c:idx val="0"/>
+          <c:order val="0"/>
+          <c:tx>
+            <c:strRef>
+              <c:f>Лист1!$B$1</c:f>
+              <c:strCache>
+                <c:ptCount val="1"/>
+                <c:pt idx="0">
+                  <c:v>один поток</c:v>
+                </c:pt>
+              </c:strCache>
+            </c:strRef>
+          </c:tx>
+          <c:spPr>
+            <a:solidFill>
+              <a:schemeClr val="accent1"/>
+            </a:solidFill>
+            <a:ln>
+              <a:noFill/>
+            </a:ln>
+            <a:effectLst/>
+          </c:spPr>
+          <c:invertIfNegative val="0"/>
+          <c:cat>
+            <c:strRef>
+              <c:f>Лист1!$A$2</c:f>
+              <c:strCache>
+                <c:ptCount val="1"/>
+                <c:pt idx="0">
+                  <c:v>скорость чтения, мс</c:v>
+                </c:pt>
+              </c:strCache>
+            </c:strRef>
+          </c:cat>
+          <c:val>
+            <c:numRef>
+              <c:f>Лист1!$B$2</c:f>
+              <c:numCache>
+                <c:formatCode>General</c:formatCode>
+                <c:ptCount val="1"/>
+                <c:pt idx="0">
+                  <c:v>4.3</c:v>
+                </c:pt>
+              </c:numCache>
+            </c:numRef>
+          </c:val>
+        </c:ser>
+        <c:ser>
+          <c:idx val="1"/>
+          <c:order val="1"/>
+          <c:tx>
+            <c:strRef>
+              <c:f>Лист1!$C$1</c:f>
+              <c:strCache>
+                <c:ptCount val="1"/>
+                <c:pt idx="0">
+                  <c:v>несколько потоков </c:v>
+                </c:pt>
+              </c:strCache>
+            </c:strRef>
+          </c:tx>
+          <c:spPr>
+            <a:solidFill>
+              <a:schemeClr val="accent2"/>
+            </a:solidFill>
+            <a:ln>
+              <a:noFill/>
+            </a:ln>
+            <a:effectLst/>
+          </c:spPr>
+          <c:invertIfNegative val="0"/>
+          <c:cat>
+            <c:strRef>
+              <c:f>Лист1!$A$2</c:f>
+              <c:strCache>
+                <c:ptCount val="1"/>
+                <c:pt idx="0">
+                  <c:v>скорость чтения, мс</c:v>
+                </c:pt>
+              </c:strCache>
+            </c:strRef>
+          </c:cat>
+          <c:val>
+            <c:numRef>
+              <c:f>Лист1!$C$2</c:f>
+              <c:numCache>
+                <c:formatCode>General</c:formatCode>
+                <c:ptCount val="1"/>
+                <c:pt idx="0">
+                  <c:v>2.4</c:v>
+                </c:pt>
+              </c:numCache>
+            </c:numRef>
+          </c:val>
+        </c:ser>
+        <c:dLbls>
+          <c:showLegendKey val="0"/>
+          <c:showVal val="0"/>
+          <c:showCatName val="0"/>
+          <c:showSerName val="0"/>
+          <c:showPercent val="0"/>
+          <c:showBubbleSize val="0"/>
+        </c:dLbls>
+        <c:gapWidth val="219"/>
+        <c:overlap val="-27"/>
+        <c:axId val="381094552"/>
+        <c:axId val="381096904"/>
+      </c:barChart>
+      <c:catAx>
+        <c:axId val="381094552"/>
+        <c:scaling>
+          <c:orientation val="minMax"/>
+        </c:scaling>
+        <c:delete val="0"/>
+        <c:axPos val="b"/>
+        <c:numFmt formatCode="General" sourceLinked="1"/>
+        <c:majorTickMark val="none"/>
+        <c:minorTickMark val="none"/>
+        <c:tickLblPos val="nextTo"/>
+        <c:spPr>
+          <a:noFill/>
+          <a:ln w="9525" cap="flat" cmpd="sng" algn="ctr">
+            <a:solidFill>
+              <a:schemeClr val="tx1">
+                <a:lumMod val="15000"/>
+                <a:lumOff val="85000"/>
+              </a:schemeClr>
+            </a:solidFill>
+            <a:round/>
+          </a:ln>
+          <a:effectLst/>
+        </c:spPr>
+        <c:txPr>
+          <a:bodyPr rot="-60000000" spcFirstLastPara="1" vertOverflow="ellipsis" vert="horz" wrap="square" anchor="ctr" anchorCtr="1"/>
+          <a:lstStyle/>
+          <a:p>
+            <a:pPr>
+              <a:defRPr sz="1197" b="0" i="0" u="none" strike="noStrike" kern="1200" baseline="0">
+                <a:solidFill>
+                  <a:schemeClr val="tx1">
+                    <a:lumMod val="65000"/>
+                    <a:lumOff val="35000"/>
+                  </a:schemeClr>
+                </a:solidFill>
+                <a:latin typeface="+mn-lt"/>
+                <a:ea typeface="+mn-ea"/>
+                <a:cs typeface="+mn-cs"/>
+              </a:defRPr>
+            </a:pPr>
+            <a:endParaRPr lang="ru-RU"/>
+          </a:p>
+        </c:txPr>
+        <c:crossAx val="381096904"/>
+        <c:crosses val="autoZero"/>
+        <c:auto val="1"/>
+        <c:lblAlgn val="ctr"/>
+        <c:lblOffset val="100"/>
+        <c:noMultiLvlLbl val="0"/>
+      </c:catAx>
+      <c:valAx>
+        <c:axId val="381096904"/>
+        <c:scaling>
+          <c:orientation val="minMax"/>
+        </c:scaling>
+        <c:delete val="0"/>
+        <c:axPos val="l"/>
+        <c:majorGridlines>
+          <c:spPr>
+            <a:ln w="9525" cap="flat" cmpd="sng" algn="ctr">
+              <a:solidFill>
+                <a:schemeClr val="tx1">
+                  <a:lumMod val="15000"/>
+                  <a:lumOff val="85000"/>
+                </a:schemeClr>
+              </a:solidFill>
+              <a:round/>
+            </a:ln>
+            <a:effectLst/>
+          </c:spPr>
+        </c:majorGridlines>
+        <c:numFmt formatCode="General" sourceLinked="1"/>
+        <c:majorTickMark val="none"/>
+        <c:minorTickMark val="none"/>
+        <c:tickLblPos val="nextTo"/>
+        <c:spPr>
+          <a:noFill/>
+          <a:ln>
+            <a:noFill/>
+          </a:ln>
+          <a:effectLst/>
+        </c:spPr>
+        <c:txPr>
+          <a:bodyPr rot="-60000000" spcFirstLastPara="1" vertOverflow="ellipsis" vert="horz" wrap="square" anchor="ctr" anchorCtr="1"/>
+          <a:lstStyle/>
+          <a:p>
+            <a:pPr>
+              <a:defRPr sz="1197" b="0" i="0" u="none" strike="noStrike" kern="1200" baseline="0">
+                <a:solidFill>
+                  <a:schemeClr val="tx1">
+                    <a:lumMod val="65000"/>
+                    <a:lumOff val="35000"/>
+                  </a:schemeClr>
+                </a:solidFill>
+                <a:latin typeface="+mn-lt"/>
+                <a:ea typeface="+mn-ea"/>
+                <a:cs typeface="+mn-cs"/>
+              </a:defRPr>
+            </a:pPr>
+            <a:endParaRPr lang="ru-RU"/>
+          </a:p>
+        </c:txPr>
+        <c:crossAx val="381094552"/>
+        <c:crosses val="autoZero"/>
+        <c:crossBetween val="between"/>
+      </c:valAx>
+      <c:spPr>
+        <a:noFill/>
+        <a:ln>
+          <a:noFill/>
+        </a:ln>
+        <a:effectLst/>
+      </c:spPr>
+    </c:plotArea>
+    <c:legend>
+      <c:legendPos val="b"/>
+      <c:layout/>
+      <c:overlay val="0"/>
+      <c:spPr>
+        <a:noFill/>
+        <a:ln>
+          <a:noFill/>
+        </a:ln>
+        <a:effectLst/>
+      </c:spPr>
+      <c:txPr>
+        <a:bodyPr rot="0" spcFirstLastPara="1" vertOverflow="ellipsis" vert="horz" wrap="square" anchor="ctr" anchorCtr="1"/>
+        <a:lstStyle/>
+        <a:p>
+          <a:pPr>
+            <a:defRPr sz="1197" b="0" i="0" u="none" strike="noStrike" kern="1200" baseline="0">
+              <a:solidFill>
+                <a:schemeClr val="tx1">
+                  <a:lumMod val="65000"/>
+                  <a:lumOff val="35000"/>
+                </a:schemeClr>
+              </a:solidFill>
+              <a:latin typeface="+mn-lt"/>
+              <a:ea typeface="+mn-ea"/>
+              <a:cs typeface="+mn-cs"/>
+            </a:defRPr>
+          </a:pPr>
+          <a:endParaRPr lang="ru-RU"/>
+        </a:p>
+      </c:txPr>
+    </c:legend>
+    <c:plotVisOnly val="1"/>
+    <c:dispBlanksAs val="gap"/>
+    <c:showDLblsOverMax val="0"/>
+  </c:chart>
+  <c:spPr>
+    <a:noFill/>
+    <a:ln>
+      <a:noFill/>
+    </a:ln>
+    <a:effectLst/>
+  </c:spPr>
+  <c:txPr>
+    <a:bodyPr/>
+    <a:lstStyle/>
+    <a:p>
+      <a:pPr>
+        <a:defRPr/>
+      </a:pPr>
+      <a:endParaRPr lang="ru-RU"/>
+    </a:p>
+  </c:txPr>
+  <c:externalData r:id="rId3">
+    <c:autoUpdate val="0"/>
+  </c:externalData>
+</c:chartSpace>
+</file>
+
+<file path=ppt/charts/chart2.xml><?xml version="1.0" encoding="utf-8"?>
+<c:chartSpace xmlns:c="http://schemas.openxmlformats.org/drawingml/2006/chart" xmlns:a="http://schemas.openxmlformats.org/drawingml/2006/main" xmlns:r="http://schemas.openxmlformats.org/officeDocument/2006/relationships">
+  <c:date1904 val="0"/>
+  <c:lang val="ru-RU"/>
+  <c:roundedCorners val="0"/>
+  <mc:AlternateContent xmlns:mc="http://schemas.openxmlformats.org/markup-compatibility/2006">
+    <mc:Choice xmlns:c14="http://schemas.microsoft.com/office/drawing/2007/8/2/chart" Requires="c14">
+      <c14:style val="102"/>
+    </mc:Choice>
+    <mc:Fallback>
+      <c:style val="2"/>
+    </mc:Fallback>
+  </mc:AlternateContent>
+  <c:chart>
+    <c:title>
+      <c:layout/>
+      <c:overlay val="0"/>
+      <c:spPr>
+        <a:noFill/>
+        <a:ln>
+          <a:noFill/>
+        </a:ln>
+        <a:effectLst/>
+      </c:spPr>
+      <c:txPr>
+        <a:bodyPr rot="0" spcFirstLastPara="1" vertOverflow="ellipsis" vert="horz" wrap="square" anchor="ctr" anchorCtr="1"/>
+        <a:lstStyle/>
+        <a:p>
+          <a:pPr>
+            <a:defRPr sz="1862" b="0" i="0" u="none" strike="noStrike" kern="1200" spc="0" baseline="0">
+              <a:solidFill>
+                <a:schemeClr val="tx1">
+                  <a:lumMod val="65000"/>
+                  <a:lumOff val="35000"/>
+                </a:schemeClr>
+              </a:solidFill>
+              <a:latin typeface="+mn-lt"/>
+              <a:ea typeface="+mn-ea"/>
+              <a:cs typeface="+mn-cs"/>
+            </a:defRPr>
+          </a:pPr>
+          <a:endParaRPr lang="ru-RU"/>
+        </a:p>
+      </c:txPr>
+    </c:title>
+    <c:autoTitleDeleted val="0"/>
+    <c:plotArea>
+      <c:layout/>
+      <c:barChart>
+        <c:barDir val="col"/>
+        <c:grouping val="clustered"/>
+        <c:varyColors val="0"/>
+        <c:ser>
+          <c:idx val="0"/>
+          <c:order val="0"/>
+          <c:tx>
+            <c:strRef>
+              <c:f>Лист1!$B$1</c:f>
+              <c:strCache>
+                <c:ptCount val="1"/>
+                <c:pt idx="0">
+                  <c:v>один поток</c:v>
+                </c:pt>
+              </c:strCache>
+            </c:strRef>
+          </c:tx>
+          <c:spPr>
+            <a:solidFill>
+              <a:schemeClr val="accent1"/>
+            </a:solidFill>
+            <a:ln>
+              <a:noFill/>
+            </a:ln>
+            <a:effectLst/>
+          </c:spPr>
+          <c:invertIfNegative val="0"/>
+          <c:cat>
+            <c:strRef>
+              <c:f>Лист1!$A$2</c:f>
+              <c:strCache>
+                <c:ptCount val="1"/>
+                <c:pt idx="0">
+                  <c:v>скорость формирования инвертированного индекса, мс</c:v>
+                </c:pt>
+              </c:strCache>
+            </c:strRef>
+          </c:cat>
+          <c:val>
+            <c:numRef>
+              <c:f>Лист1!$B$2</c:f>
+              <c:numCache>
+                <c:formatCode>General</c:formatCode>
+                <c:ptCount val="1"/>
+                <c:pt idx="0">
+                  <c:v>4.3</c:v>
+                </c:pt>
+              </c:numCache>
+            </c:numRef>
+          </c:val>
+        </c:ser>
+        <c:ser>
+          <c:idx val="1"/>
+          <c:order val="1"/>
+          <c:tx>
+            <c:strRef>
+              <c:f>Лист1!$C$1</c:f>
+              <c:strCache>
+                <c:ptCount val="1"/>
+                <c:pt idx="0">
+                  <c:v>несколько потоков</c:v>
+                </c:pt>
+              </c:strCache>
+            </c:strRef>
+          </c:tx>
+          <c:spPr>
+            <a:solidFill>
+              <a:schemeClr val="accent2"/>
+            </a:solidFill>
+            <a:ln>
+              <a:noFill/>
+            </a:ln>
+            <a:effectLst/>
+          </c:spPr>
+          <c:invertIfNegative val="0"/>
+          <c:cat>
+            <c:strRef>
+              <c:f>Лист1!$A$2</c:f>
+              <c:strCache>
+                <c:ptCount val="1"/>
+                <c:pt idx="0">
+                  <c:v>скорость формирования инвертированного индекса, мс</c:v>
+                </c:pt>
+              </c:strCache>
+            </c:strRef>
+          </c:cat>
+          <c:val>
+            <c:numRef>
+              <c:f>Лист1!$C$2</c:f>
+              <c:numCache>
+                <c:formatCode>General</c:formatCode>
+                <c:ptCount val="1"/>
+                <c:pt idx="0">
+                  <c:v>2.4</c:v>
+                </c:pt>
+              </c:numCache>
+            </c:numRef>
+          </c:val>
+        </c:ser>
+        <c:dLbls>
+          <c:showLegendKey val="0"/>
+          <c:showVal val="0"/>
+          <c:showCatName val="0"/>
+          <c:showSerName val="0"/>
+          <c:showPercent val="0"/>
+          <c:showBubbleSize val="0"/>
+        </c:dLbls>
+        <c:gapWidth val="219"/>
+        <c:overlap val="-27"/>
+        <c:axId val="176244216"/>
+        <c:axId val="176242648"/>
+      </c:barChart>
+      <c:catAx>
+        <c:axId val="176244216"/>
+        <c:scaling>
+          <c:orientation val="minMax"/>
+        </c:scaling>
+        <c:delete val="0"/>
+        <c:axPos val="b"/>
+        <c:numFmt formatCode="General" sourceLinked="1"/>
+        <c:majorTickMark val="none"/>
+        <c:minorTickMark val="none"/>
+        <c:tickLblPos val="nextTo"/>
+        <c:spPr>
+          <a:noFill/>
+          <a:ln w="9525" cap="flat" cmpd="sng" algn="ctr">
+            <a:solidFill>
+              <a:schemeClr val="tx1">
+                <a:lumMod val="15000"/>
+                <a:lumOff val="85000"/>
+              </a:schemeClr>
+            </a:solidFill>
+            <a:round/>
+          </a:ln>
+          <a:effectLst/>
+        </c:spPr>
+        <c:txPr>
+          <a:bodyPr rot="-60000000" spcFirstLastPara="1" vertOverflow="ellipsis" vert="horz" wrap="square" anchor="ctr" anchorCtr="1"/>
+          <a:lstStyle/>
+          <a:p>
+            <a:pPr>
+              <a:defRPr sz="1197" b="0" i="0" u="none" strike="noStrike" kern="1200" baseline="0">
+                <a:solidFill>
+                  <a:schemeClr val="tx1">
+                    <a:lumMod val="65000"/>
+                    <a:lumOff val="35000"/>
+                  </a:schemeClr>
+                </a:solidFill>
+                <a:latin typeface="+mn-lt"/>
+                <a:ea typeface="+mn-ea"/>
+                <a:cs typeface="+mn-cs"/>
+              </a:defRPr>
+            </a:pPr>
+            <a:endParaRPr lang="ru-RU"/>
+          </a:p>
+        </c:txPr>
+        <c:crossAx val="176242648"/>
+        <c:crosses val="autoZero"/>
+        <c:auto val="1"/>
+        <c:lblAlgn val="ctr"/>
+        <c:lblOffset val="100"/>
+        <c:noMultiLvlLbl val="0"/>
+      </c:catAx>
+      <c:valAx>
+        <c:axId val="176242648"/>
+        <c:scaling>
+          <c:orientation val="minMax"/>
+        </c:scaling>
+        <c:delete val="0"/>
+        <c:axPos val="l"/>
+        <c:majorGridlines>
+          <c:spPr>
+            <a:ln w="9525" cap="flat" cmpd="sng" algn="ctr">
+              <a:solidFill>
+                <a:schemeClr val="tx1">
+                  <a:lumMod val="15000"/>
+                  <a:lumOff val="85000"/>
+                </a:schemeClr>
+              </a:solidFill>
+              <a:round/>
+            </a:ln>
+            <a:effectLst/>
+          </c:spPr>
+        </c:majorGridlines>
+        <c:numFmt formatCode="General" sourceLinked="1"/>
+        <c:majorTickMark val="none"/>
+        <c:minorTickMark val="none"/>
+        <c:tickLblPos val="nextTo"/>
+        <c:spPr>
+          <a:noFill/>
+          <a:ln>
+            <a:noFill/>
+          </a:ln>
+          <a:effectLst/>
+        </c:spPr>
+        <c:txPr>
+          <a:bodyPr rot="-60000000" spcFirstLastPara="1" vertOverflow="ellipsis" vert="horz" wrap="square" anchor="ctr" anchorCtr="1"/>
+          <a:lstStyle/>
+          <a:p>
+            <a:pPr>
+              <a:defRPr sz="1197" b="0" i="0" u="none" strike="noStrike" kern="1200" baseline="0">
+                <a:solidFill>
+                  <a:schemeClr val="tx1">
+                    <a:lumMod val="65000"/>
+                    <a:lumOff val="35000"/>
+                  </a:schemeClr>
+                </a:solidFill>
+                <a:latin typeface="+mn-lt"/>
+                <a:ea typeface="+mn-ea"/>
+                <a:cs typeface="+mn-cs"/>
+              </a:defRPr>
+            </a:pPr>
+            <a:endParaRPr lang="ru-RU"/>
+          </a:p>
+        </c:txPr>
+        <c:crossAx val="176244216"/>
+        <c:crosses val="autoZero"/>
+        <c:crossBetween val="between"/>
+      </c:valAx>
+      <c:spPr>
+        <a:noFill/>
+        <a:ln>
+          <a:noFill/>
+        </a:ln>
+        <a:effectLst/>
+      </c:spPr>
+    </c:plotArea>
+    <c:legend>
+      <c:legendPos val="b"/>
+      <c:layout/>
+      <c:overlay val="0"/>
+      <c:spPr>
+        <a:noFill/>
+        <a:ln>
+          <a:noFill/>
+        </a:ln>
+        <a:effectLst/>
+      </c:spPr>
+      <c:txPr>
+        <a:bodyPr rot="0" spcFirstLastPara="1" vertOverflow="ellipsis" vert="horz" wrap="square" anchor="ctr" anchorCtr="1"/>
+        <a:lstStyle/>
+        <a:p>
+          <a:pPr>
+            <a:defRPr sz="1197" b="0" i="0" u="none" strike="noStrike" kern="1200" baseline="0">
+              <a:solidFill>
+                <a:schemeClr val="tx1">
+                  <a:lumMod val="65000"/>
+                  <a:lumOff val="35000"/>
+                </a:schemeClr>
+              </a:solidFill>
+              <a:latin typeface="+mn-lt"/>
+              <a:ea typeface="+mn-ea"/>
+              <a:cs typeface="+mn-cs"/>
+            </a:defRPr>
+          </a:pPr>
+          <a:endParaRPr lang="ru-RU"/>
+        </a:p>
+      </c:txPr>
+    </c:legend>
+    <c:plotVisOnly val="1"/>
+    <c:dispBlanksAs val="gap"/>
+    <c:showDLblsOverMax val="0"/>
+  </c:chart>
+  <c:spPr>
+    <a:noFill/>
+    <a:ln>
+      <a:noFill/>
+    </a:ln>
+    <a:effectLst/>
+  </c:spPr>
+  <c:txPr>
+    <a:bodyPr/>
+    <a:lstStyle/>
+    <a:p>
+      <a:pPr>
+        <a:defRPr/>
+      </a:pPr>
+      <a:endParaRPr lang="ru-RU"/>
+    </a:p>
+  </c:txPr>
+  <c:externalData r:id="rId3">
+    <c:autoUpdate val="0"/>
+  </c:externalData>
+</c:chartSpace>
+</file>
+
+<file path=ppt/charts/colors1.xml><?xml version="1.0" encoding="utf-8"?>
+<cs:colorStyle xmlns:cs="http://schemas.microsoft.com/office/drawing/2012/chartStyle" xmlns:a="http://schemas.openxmlformats.org/drawingml/2006/main" meth="cycle" id="10">
+  <a:schemeClr val="accent1"/>
+  <a:schemeClr val="accent2"/>
+  <a:schemeClr val="accent3"/>
+  <a:schemeClr val="accent4"/>
+  <a:schemeClr val="accent5"/>
+  <a:schemeClr val="accent6"/>
+  <cs:variation/>
+  <cs:variation>
+    <a:lumMod val="60000"/>
+  </cs:variation>
+  <cs:variation>
+    <a:lumMod val="80000"/>
+    <a:lumOff val="20000"/>
+  </cs:variation>
+  <cs:variation>
+    <a:lumMod val="80000"/>
+  </cs:variation>
+  <cs:variation>
+    <a:lumMod val="60000"/>
+    <a:lumOff val="40000"/>
+  </cs:variation>
+  <cs:variation>
+    <a:lumMod val="50000"/>
+  </cs:variation>
+  <cs:variation>
+    <a:lumMod val="70000"/>
+    <a:lumOff val="30000"/>
+  </cs:variation>
+  <cs:variation>
+    <a:lumMod val="70000"/>
+  </cs:variation>
+  <cs:variation>
+    <a:lumMod val="50000"/>
+    <a:lumOff val="50000"/>
+  </cs:variation>
+</cs:colorStyle>
+</file>
+
+<file path=ppt/charts/colors2.xml><?xml version="1.0" encoding="utf-8"?>
+<cs:colorStyle xmlns:cs="http://schemas.microsoft.com/office/drawing/2012/chartStyle" xmlns:a="http://schemas.openxmlformats.org/drawingml/2006/main" meth="cycle" id="10">
+  <a:schemeClr val="accent1"/>
+  <a:schemeClr val="accent2"/>
+  <a:schemeClr val="accent3"/>
+  <a:schemeClr val="accent4"/>
+  <a:schemeClr val="accent5"/>
+  <a:schemeClr val="accent6"/>
+  <cs:variation/>
+  <cs:variation>
+    <a:lumMod val="60000"/>
+  </cs:variation>
+  <cs:variation>
+    <a:lumMod val="80000"/>
+    <a:lumOff val="20000"/>
+  </cs:variation>
+  <cs:variation>
+    <a:lumMod val="80000"/>
+  </cs:variation>
+  <cs:variation>
+    <a:lumMod val="60000"/>
+    <a:lumOff val="40000"/>
+  </cs:variation>
+  <cs:variation>
+    <a:lumMod val="50000"/>
+  </cs:variation>
+  <cs:variation>
+    <a:lumMod val="70000"/>
+    <a:lumOff val="30000"/>
+  </cs:variation>
+  <cs:variation>
+    <a:lumMod val="70000"/>
+  </cs:variation>
+  <cs:variation>
+    <a:lumMod val="50000"/>
+    <a:lumOff val="50000"/>
+  </cs:variation>
+</cs:colorStyle>
+</file>
+
+<file path=ppt/charts/style1.xml><?xml version="1.0" encoding="utf-8"?>
+<cs:chartStyle xmlns:cs="http://schemas.microsoft.com/office/drawing/2012/chartStyle" xmlns:a="http://schemas.openxmlformats.org/drawingml/2006/main" id="201">
+  <cs:axisTitle>
+    <cs:lnRef idx="0"/>
+    <cs:fillRef idx="0"/>
+    <cs:effectRef idx="0"/>
+    <cs:fontRef idx="minor">
+      <a:schemeClr val="tx1">
+        <a:lumMod val="65000"/>
+        <a:lumOff val="35000"/>
+      </a:schemeClr>
+    </cs:fontRef>
+    <cs:defRPr sz="1330" kern="1200"/>
+  </cs:axisTitle>
+  <cs:categoryAxis>
+    <cs:lnRef idx="0"/>
+    <cs:fillRef idx="0"/>
+    <cs:effectRef idx="0"/>
+    <cs:fontRef idx="minor">
+      <a:schemeClr val="tx1">
+        <a:lumMod val="65000"/>
+        <a:lumOff val="35000"/>
+      </a:schemeClr>
+    </cs:fontRef>
+    <cs:spPr>
+      <a:ln w="9525" cap="flat" cmpd="sng" algn="ctr">
+        <a:solidFill>
+          <a:schemeClr val="tx1">
+            <a:lumMod val="15000"/>
+            <a:lumOff val="85000"/>
+          </a:schemeClr>
+        </a:solidFill>
+        <a:round/>
+      </a:ln>
+    </cs:spPr>
+    <cs:defRPr sz="1197" kern="1200"/>
+  </cs:categoryAxis>
+  <cs:chartArea mods="allowNoFillOverride allowNoLineOverride">
+    <cs:lnRef idx="0"/>
+    <cs:fillRef idx="0"/>
+    <cs:effectRef idx="0"/>
+    <cs:fontRef idx="minor">
+      <a:schemeClr val="tx1"/>
+    </cs:fontRef>
+    <cs:spPr>
+      <a:solidFill>
+        <a:schemeClr val="bg1"/>
+      </a:solidFill>
+      <a:ln w="9525" cap="flat" cmpd="sng" algn="ctr">
+        <a:solidFill>
+          <a:schemeClr val="tx1">
+            <a:lumMod val="15000"/>
+            <a:lumOff val="85000"/>
+          </a:schemeClr>
+        </a:solidFill>
+        <a:round/>
+      </a:ln>
+    </cs:spPr>
+    <cs:defRPr sz="1330" kern="1200"/>
+  </cs:chartArea>
+  <cs:dataLabel>
+    <cs:lnRef idx="0"/>
+    <cs:fillRef idx="0"/>
+    <cs:effectRef idx="0"/>
+    <cs:fontRef idx="minor">
+      <a:schemeClr val="tx1">
+        <a:lumMod val="75000"/>
+        <a:lumOff val="25000"/>
+      </a:schemeClr>
+    </cs:fontRef>
+    <cs:defRPr sz="1197" kern="1200"/>
+  </cs:dataLabel>
+  <cs:dataLabelCallout>
+    <cs:lnRef idx="0"/>
+    <cs:fillRef idx="0"/>
+    <cs:effectRef idx="0"/>
+    <cs:fontRef idx="minor">
+      <a:schemeClr val="dk1">
+        <a:lumMod val="65000"/>
+        <a:lumOff val="35000"/>
+      </a:schemeClr>
+    </cs:fontRef>
+    <cs:spPr>
+      <a:solidFill>
+        <a:schemeClr val="lt1"/>
+      </a:solidFill>
+      <a:ln>
+        <a:solidFill>
+          <a:schemeClr val="dk1">
+            <a:lumMod val="25000"/>
+            <a:lumOff val="75000"/>
+          </a:schemeClr>
+        </a:solidFill>
+      </a:ln>
+    </cs:spPr>
+    <cs:defRPr sz="1197" kern="1200"/>
+    <cs:bodyPr rot="0" spcFirstLastPara="1" vertOverflow="clip" horzOverflow="clip" vert="horz" wrap="square" lIns="36576" tIns="18288" rIns="36576" bIns="18288" anchor="ctr" anchorCtr="1">
+      <a:spAutoFit/>
+    </cs:bodyPr>
+  </cs:dataLabelCallout>
+  <cs:dataPoint>
+    <cs:lnRef idx="0"/>
+    <cs:fillRef idx="1">
+      <cs:styleClr val="auto"/>
+    </cs:fillRef>
+    <cs:effectRef idx="0"/>
+    <cs:fontRef idx="minor">
+      <a:schemeClr val="tx1"/>
+    </cs:fontRef>
+  </cs:dataPoint>
+  <cs:dataPoint3D>
+    <cs:lnRef idx="0"/>
+    <cs:fillRef idx="1">
+      <cs:styleClr val="auto"/>
+    </cs:fillRef>
+    <cs:effectRef idx="0"/>
+    <cs:fontRef idx="minor">
+      <a:schemeClr val="tx1"/>
+    </cs:fontRef>
+  </cs:dataPoint3D>
+  <cs:dataPointLine>
+    <cs:lnRef idx="0">
+      <cs:styleClr val="auto"/>
+    </cs:lnRef>
+    <cs:fillRef idx="1"/>
+    <cs:effectRef idx="0"/>
+    <cs:fontRef idx="minor">
+      <a:schemeClr val="tx1"/>
+    </cs:fontRef>
+    <cs:spPr>
+      <a:ln w="28575" cap="rnd">
+        <a:solidFill>
+          <a:schemeClr val="phClr"/>
+        </a:solidFill>
+        <a:round/>
+      </a:ln>
+    </cs:spPr>
+  </cs:dataPointLine>
+  <cs:dataPointMarker>
+    <cs:lnRef idx="0">
+      <cs:styleClr val="auto"/>
+    </cs:lnRef>
+    <cs:fillRef idx="1">
+      <cs:styleClr val="auto"/>
+    </cs:fillRef>
+    <cs:effectRef idx="0"/>
+    <cs:fontRef idx="minor">
+      <a:schemeClr val="tx1"/>
+    </cs:fontRef>
+    <cs:spPr>
+      <a:ln w="9525">
+        <a:solidFill>
+          <a:schemeClr val="phClr"/>
+        </a:solidFill>
+      </a:ln>
+    </cs:spPr>
+  </cs:dataPointMarker>
+  <cs:dataPointMarkerLayout symbol="circle" size="5"/>
+  <cs:dataPointWireframe>
+    <cs:lnRef idx="0">
+      <cs:styleClr val="auto"/>
+    </cs:lnRef>
+    <cs:fillRef idx="1"/>
+    <cs:effectRef idx="0"/>
+    <cs:fontRef idx="minor">
+      <a:schemeClr val="tx1"/>
+    </cs:fontRef>
+    <cs:spPr>
+      <a:ln w="9525" cap="rnd">
+        <a:solidFill>
+          <a:schemeClr val="phClr"/>
+        </a:solidFill>
+        <a:round/>
+      </a:ln>
+    </cs:spPr>
+  </cs:dataPointWireframe>
+  <cs:dataTable>
+    <cs:lnRef idx="0"/>
+    <cs:fillRef idx="0"/>
+    <cs:effectRef idx="0"/>
+    <cs:fontRef idx="minor">
+      <a:schemeClr val="tx1">
+        <a:lumMod val="65000"/>
+        <a:lumOff val="35000"/>
+      </a:schemeClr>
+    </cs:fontRef>
+    <cs:spPr>
+      <a:noFill/>
+      <a:ln w="9525" cap="flat" cmpd="sng" algn="ctr">
+        <a:solidFill>
+          <a:schemeClr val="tx1">
+            <a:lumMod val="15000"/>
+            <a:lumOff val="85000"/>
+          </a:schemeClr>
+        </a:solidFill>
+        <a:round/>
+      </a:ln>
+    </cs:spPr>
+    <cs:defRPr sz="1197" kern="1200"/>
+  </cs:dataTable>
+  <cs:downBar>
+    <cs:lnRef idx="0"/>
+    <cs:fillRef idx="0"/>
+    <cs:effectRef idx="0"/>
+    <cs:fontRef idx="minor">
+      <a:schemeClr val="dk1"/>
+    </cs:fontRef>
+    <cs:spPr>
+      <a:solidFill>
+        <a:schemeClr val="dk1">
+          <a:lumMod val="65000"/>
+          <a:lumOff val="35000"/>
+        </a:schemeClr>
+      </a:solidFill>
+      <a:ln w="9525">
+        <a:solidFill>
+          <a:schemeClr val="tx1">
+            <a:lumMod val="65000"/>
+            <a:lumOff val="35000"/>
+          </a:schemeClr>
+        </a:solidFill>
+      </a:ln>
+    </cs:spPr>
+  </cs:downBar>
+  <cs:dropLine>
+    <cs:lnRef idx="0"/>
+    <cs:fillRef idx="0"/>
+    <cs:effectRef idx="0"/>
+    <cs:fontRef idx="minor">
+      <a:schemeClr val="tx1"/>
+    </cs:fontRef>
+    <cs:spPr>
+      <a:ln w="9525" cap="flat" cmpd="sng" algn="ctr">
+        <a:solidFill>
+          <a:schemeClr val="tx1">
+            <a:lumMod val="35000"/>
+            <a:lumOff val="65000"/>
+          </a:schemeClr>
+        </a:solidFill>
+        <a:round/>
+      </a:ln>
+    </cs:spPr>
+  </cs:dropLine>
+  <cs:errorBar>
+    <cs:lnRef idx="0"/>
+    <cs:fillRef idx="0"/>
+    <cs:effectRef idx="0"/>
+    <cs:fontRef idx="minor">
+      <a:schemeClr val="tx1"/>
+    </cs:fontRef>
+    <cs:spPr>
+      <a:ln w="9525" cap="flat" cmpd="sng" algn="ctr">
+        <a:solidFill>
+          <a:schemeClr val="tx1">
+            <a:lumMod val="65000"/>
+            <a:lumOff val="35000"/>
+          </a:schemeClr>
+        </a:solidFill>
+        <a:round/>
+      </a:ln>
+    </cs:spPr>
+  </cs:errorBar>
+  <cs:floor>
+    <cs:lnRef idx="0"/>
+    <cs:fillRef idx="0"/>
+    <cs:effectRef idx="0"/>
+    <cs:fontRef idx="minor">
+      <a:schemeClr val="tx1"/>
+    </cs:fontRef>
+    <cs:spPr>
+      <a:noFill/>
+      <a:ln>
+        <a:noFill/>
+      </a:ln>
+    </cs:spPr>
+  </cs:floor>
+  <cs:gridlineMajor>
+    <cs:lnRef idx="0"/>
+    <cs:fillRef idx="0"/>
+    <cs:effectRef idx="0"/>
+    <cs:fontRef idx="minor">
+      <a:schemeClr val="tx1"/>
+    </cs:fontRef>
+    <cs:spPr>
+      <a:ln w="9525" cap="flat" cmpd="sng" algn="ctr">
+        <a:solidFill>
+          <a:schemeClr val="tx1">
+            <a:lumMod val="15000"/>
+            <a:lumOff val="85000"/>
+          </a:schemeClr>
+        </a:solidFill>
+        <a:round/>
+      </a:ln>
+    </cs:spPr>
+  </cs:gridlineMajor>
+  <cs:gridlineMinor>
+    <cs:lnRef idx="0"/>
+    <cs:fillRef idx="0"/>
+    <cs:effectRef idx="0"/>
+    <cs:fontRef idx="minor">
+      <a:schemeClr val="tx1"/>
+    </cs:fontRef>
+    <cs:spPr>
+      <a:ln w="9525" cap="flat" cmpd="sng" algn="ctr">
+        <a:solidFill>
+          <a:schemeClr val="tx1">
+            <a:lumMod val="5000"/>
+            <a:lumOff val="95000"/>
+          </a:schemeClr>
+        </a:solidFill>
+        <a:round/>
+      </a:ln>
+    </cs:spPr>
+  </cs:gridlineMinor>
+  <cs:hiLoLine>
+    <cs:lnRef idx="0"/>
+    <cs:fillRef idx="0"/>
+    <cs:effectRef idx="0"/>
+    <cs:fontRef idx="minor">
+      <a:schemeClr val="tx1"/>
+    </cs:fontRef>
+    <cs:spPr>
+      <a:ln w="9525" cap="flat" cmpd="sng" algn="ctr">
+        <a:solidFill>
+          <a:schemeClr val="tx1">
+            <a:lumMod val="75000"/>
+            <a:lumOff val="25000"/>
+          </a:schemeClr>
+        </a:solidFill>
+        <a:round/>
+      </a:ln>
+    </cs:spPr>
+  </cs:hiLoLine>
+  <cs:leaderLine>
+    <cs:lnRef idx="0"/>
+    <cs:fillRef idx="0"/>
+    <cs:effectRef idx="0"/>
+    <cs:fontRef idx="minor">
+      <a:schemeClr val="tx1"/>
+    </cs:fontRef>
+    <cs:spPr>
+      <a:ln w="9525" cap="flat" cmpd="sng" algn="ctr">
+        <a:solidFill>
+          <a:schemeClr val="tx1">
+            <a:lumMod val="35000"/>
+            <a:lumOff val="65000"/>
+          </a:schemeClr>
+        </a:solidFill>
+        <a:round/>
+      </a:ln>
+    </cs:spPr>
+  </cs:leaderLine>
+  <cs:legend>
+    <cs:lnRef idx="0"/>
+    <cs:fillRef idx="0"/>
+    <cs:effectRef idx="0"/>
+    <cs:fontRef idx="minor">
+      <a:schemeClr val="tx1">
+        <a:lumMod val="65000"/>
+        <a:lumOff val="35000"/>
+      </a:schemeClr>
+    </cs:fontRef>
+    <cs:defRPr sz="1197" kern="1200"/>
+  </cs:legend>
+  <cs:plotArea mods="allowNoFillOverride allowNoLineOverride">
+    <cs:lnRef idx="0"/>
+    <cs:fillRef idx="0"/>
+    <cs:effectRef idx="0"/>
+    <cs:fontRef idx="minor">
+      <a:schemeClr val="tx1"/>
+    </cs:fontRef>
+  </cs:plotArea>
+  <cs:plotArea3D mods="allowNoFillOverride allowNoLineOverride">
+    <cs:lnRef idx="0"/>
+    <cs:fillRef idx="0"/>
+    <cs:effectRef idx="0"/>
+    <cs:fontRef idx="minor">
+      <a:schemeClr val="tx1"/>
+    </cs:fontRef>
+  </cs:plotArea3D>
+  <cs:seriesAxis>
+    <cs:lnRef idx="0"/>
+    <cs:fillRef idx="0"/>
+    <cs:effectRef idx="0"/>
+    <cs:fontRef idx="minor">
+      <a:schemeClr val="tx1">
+        <a:lumMod val="65000"/>
+        <a:lumOff val="35000"/>
+      </a:schemeClr>
+    </cs:fontRef>
+    <cs:defRPr sz="1197" kern="1200"/>
+  </cs:seriesAxis>
+  <cs:seriesLine>
+    <cs:lnRef idx="0"/>
+    <cs:fillRef idx="0"/>
+    <cs:effectRef idx="0"/>
+    <cs:fontRef idx="minor">
+      <a:schemeClr val="tx1"/>
+    </cs:fontRef>
+    <cs:spPr>
+      <a:ln w="9525" cap="flat" cmpd="sng" algn="ctr">
+        <a:solidFill>
+          <a:schemeClr val="tx1">
+            <a:lumMod val="35000"/>
+            <a:lumOff val="65000"/>
+          </a:schemeClr>
+        </a:solidFill>
+        <a:round/>
+      </a:ln>
+    </cs:spPr>
+  </cs:seriesLine>
+  <cs:title>
+    <cs:lnRef idx="0"/>
+    <cs:fillRef idx="0"/>
+    <cs:effectRef idx="0"/>
+    <cs:fontRef idx="minor">
+      <a:schemeClr val="tx1">
+        <a:lumMod val="65000"/>
+        <a:lumOff val="35000"/>
+      </a:schemeClr>
+    </cs:fontRef>
+    <cs:defRPr sz="1862" b="0" kern="1200" spc="0" baseline="0"/>
+  </cs:title>
+  <cs:trendline>
+    <cs:lnRef idx="0">
+      <cs:styleClr val="auto"/>
+    </cs:lnRef>
+    <cs:fillRef idx="0"/>
+    <cs:effectRef idx="0"/>
+    <cs:fontRef idx="minor">
+      <a:schemeClr val="tx1"/>
+    </cs:fontRef>
+    <cs:spPr>
+      <a:ln w="19050" cap="rnd">
+        <a:solidFill>
+          <a:schemeClr val="phClr"/>
+        </a:solidFill>
+        <a:prstDash val="sysDot"/>
+      </a:ln>
+    </cs:spPr>
+  </cs:trendline>
+  <cs:trendlineLabel>
+    <cs:lnRef idx="0"/>
+    <cs:fillRef idx="0"/>
+    <cs:effectRef idx="0"/>
+    <cs:fontRef idx="minor">
+      <a:schemeClr val="tx1">
+        <a:lumMod val="65000"/>
+        <a:lumOff val="35000"/>
+      </a:schemeClr>
+    </cs:fontRef>
+    <cs:defRPr sz="1197" kern="1200"/>
+  </cs:trendlineLabel>
+  <cs:upBar>
+    <cs:lnRef idx="0"/>
+    <cs:fillRef idx="0"/>
+    <cs:effectRef idx="0"/>
+    <cs:fontRef idx="minor">
+      <a:schemeClr val="dk1"/>
+    </cs:fontRef>
+    <cs:spPr>
+      <a:solidFill>
+        <a:schemeClr val="lt1"/>
+      </a:solidFill>
+      <a:ln w="9525">
+        <a:solidFill>
+          <a:schemeClr val="tx1">
+            <a:lumMod val="15000"/>
+            <a:lumOff val="85000"/>
+          </a:schemeClr>
+        </a:solidFill>
+      </a:ln>
+    </cs:spPr>
+  </cs:upBar>
+  <cs:valueAxis>
+    <cs:lnRef idx="0"/>
+    <cs:fillRef idx="0"/>
+    <cs:effectRef idx="0"/>
+    <cs:fontRef idx="minor">
+      <a:schemeClr val="tx1">
+        <a:lumMod val="65000"/>
+        <a:lumOff val="35000"/>
+      </a:schemeClr>
+    </cs:fontRef>
+    <cs:defRPr sz="1197" kern="1200"/>
+  </cs:valueAxis>
+  <cs:wall>
+    <cs:lnRef idx="0"/>
+    <cs:fillRef idx="0"/>
+    <cs:effectRef idx="0"/>
+    <cs:fontRef idx="minor">
+      <a:schemeClr val="tx1"/>
+    </cs:fontRef>
+    <cs:spPr>
+      <a:noFill/>
+      <a:ln>
+        <a:noFill/>
+      </a:ln>
+    </cs:spPr>
+  </cs:wall>
+</cs:chartStyle>
+</file>
+
+<file path=ppt/charts/style2.xml><?xml version="1.0" encoding="utf-8"?>
+<cs:chartStyle xmlns:cs="http://schemas.microsoft.com/office/drawing/2012/chartStyle" xmlns:a="http://schemas.openxmlformats.org/drawingml/2006/main" id="201">
+  <cs:axisTitle>
+    <cs:lnRef idx="0"/>
+    <cs:fillRef idx="0"/>
+    <cs:effectRef idx="0"/>
+    <cs:fontRef idx="minor">
+      <a:schemeClr val="tx1">
+        <a:lumMod val="65000"/>
+        <a:lumOff val="35000"/>
+      </a:schemeClr>
+    </cs:fontRef>
+    <cs:defRPr sz="1330" kern="1200"/>
+  </cs:axisTitle>
+  <cs:categoryAxis>
+    <cs:lnRef idx="0"/>
+    <cs:fillRef idx="0"/>
+    <cs:effectRef idx="0"/>
+    <cs:fontRef idx="minor">
+      <a:schemeClr val="tx1">
+        <a:lumMod val="65000"/>
+        <a:lumOff val="35000"/>
+      </a:schemeClr>
+    </cs:fontRef>
+    <cs:spPr>
+      <a:ln w="9525" cap="flat" cmpd="sng" algn="ctr">
+        <a:solidFill>
+          <a:schemeClr val="tx1">
+            <a:lumMod val="15000"/>
+            <a:lumOff val="85000"/>
+          </a:schemeClr>
+        </a:solidFill>
+        <a:round/>
+      </a:ln>
+    </cs:spPr>
+    <cs:defRPr sz="1197" kern="1200"/>
+  </cs:categoryAxis>
+  <cs:chartArea mods="allowNoFillOverride allowNoLineOverride">
+    <cs:lnRef idx="0"/>
+    <cs:fillRef idx="0"/>
+    <cs:effectRef idx="0"/>
+    <cs:fontRef idx="minor">
+      <a:schemeClr val="tx1"/>
+    </cs:fontRef>
+    <cs:spPr>
+      <a:solidFill>
+        <a:schemeClr val="bg1"/>
+      </a:solidFill>
+      <a:ln w="9525" cap="flat" cmpd="sng" algn="ctr">
+        <a:solidFill>
+          <a:schemeClr val="tx1">
+            <a:lumMod val="15000"/>
+            <a:lumOff val="85000"/>
+          </a:schemeClr>
+        </a:solidFill>
+        <a:round/>
+      </a:ln>
+    </cs:spPr>
+    <cs:defRPr sz="1330" kern="1200"/>
+  </cs:chartArea>
+  <cs:dataLabel>
+    <cs:lnRef idx="0"/>
+    <cs:fillRef idx="0"/>
+    <cs:effectRef idx="0"/>
+    <cs:fontRef idx="minor">
+      <a:schemeClr val="tx1">
+        <a:lumMod val="75000"/>
+        <a:lumOff val="25000"/>
+      </a:schemeClr>
+    </cs:fontRef>
+    <cs:defRPr sz="1197" kern="1200"/>
+  </cs:dataLabel>
+  <cs:dataLabelCallout>
+    <cs:lnRef idx="0"/>
+    <cs:fillRef idx="0"/>
+    <cs:effectRef idx="0"/>
+    <cs:fontRef idx="minor">
+      <a:schemeClr val="dk1">
+        <a:lumMod val="65000"/>
+        <a:lumOff val="35000"/>
+      </a:schemeClr>
+    </cs:fontRef>
+    <cs:spPr>
+      <a:solidFill>
+        <a:schemeClr val="lt1"/>
+      </a:solidFill>
+      <a:ln>
+        <a:solidFill>
+          <a:schemeClr val="dk1">
+            <a:lumMod val="25000"/>
+            <a:lumOff val="75000"/>
+          </a:schemeClr>
+        </a:solidFill>
+      </a:ln>
+    </cs:spPr>
+    <cs:defRPr sz="1197" kern="1200"/>
+    <cs:bodyPr rot="0" spcFirstLastPara="1" vertOverflow="clip" horzOverflow="clip" vert="horz" wrap="square" lIns="36576" tIns="18288" rIns="36576" bIns="18288" anchor="ctr" anchorCtr="1">
+      <a:spAutoFit/>
+    </cs:bodyPr>
+  </cs:dataLabelCallout>
+  <cs:dataPoint>
+    <cs:lnRef idx="0"/>
+    <cs:fillRef idx="1">
+      <cs:styleClr val="auto"/>
+    </cs:fillRef>
+    <cs:effectRef idx="0"/>
+    <cs:fontRef idx="minor">
+      <a:schemeClr val="tx1"/>
+    </cs:fontRef>
+  </cs:dataPoint>
+  <cs:dataPoint3D>
+    <cs:lnRef idx="0"/>
+    <cs:fillRef idx="1">
+      <cs:styleClr val="auto"/>
+    </cs:fillRef>
+    <cs:effectRef idx="0"/>
+    <cs:fontRef idx="minor">
+      <a:schemeClr val="tx1"/>
+    </cs:fontRef>
+  </cs:dataPoint3D>
+  <cs:dataPointLine>
+    <cs:lnRef idx="0">
+      <cs:styleClr val="auto"/>
+    </cs:lnRef>
+    <cs:fillRef idx="1"/>
+    <cs:effectRef idx="0"/>
+    <cs:fontRef idx="minor">
+      <a:schemeClr val="tx1"/>
+    </cs:fontRef>
+    <cs:spPr>
+      <a:ln w="28575" cap="rnd">
+        <a:solidFill>
+          <a:schemeClr val="phClr"/>
+        </a:solidFill>
+        <a:round/>
+      </a:ln>
+    </cs:spPr>
+  </cs:dataPointLine>
+  <cs:dataPointMarker>
+    <cs:lnRef idx="0">
+      <cs:styleClr val="auto"/>
+    </cs:lnRef>
+    <cs:fillRef idx="1">
+      <cs:styleClr val="auto"/>
+    </cs:fillRef>
+    <cs:effectRef idx="0"/>
+    <cs:fontRef idx="minor">
+      <a:schemeClr val="tx1"/>
+    </cs:fontRef>
+    <cs:spPr>
+      <a:ln w="9525">
+        <a:solidFill>
+          <a:schemeClr val="phClr"/>
+        </a:solidFill>
+      </a:ln>
+    </cs:spPr>
+  </cs:dataPointMarker>
+  <cs:dataPointMarkerLayout symbol="circle" size="5"/>
+  <cs:dataPointWireframe>
+    <cs:lnRef idx="0">
+      <cs:styleClr val="auto"/>
+    </cs:lnRef>
+    <cs:fillRef idx="1"/>
+    <cs:effectRef idx="0"/>
+    <cs:fontRef idx="minor">
+      <a:schemeClr val="tx1"/>
+    </cs:fontRef>
+    <cs:spPr>
+      <a:ln w="9525" cap="rnd">
+        <a:solidFill>
+          <a:schemeClr val="phClr"/>
+        </a:solidFill>
+        <a:round/>
+      </a:ln>
+    </cs:spPr>
+  </cs:dataPointWireframe>
+  <cs:dataTable>
+    <cs:lnRef idx="0"/>
+    <cs:fillRef idx="0"/>
+    <cs:effectRef idx="0"/>
+    <cs:fontRef idx="minor">
+      <a:schemeClr val="tx1">
+        <a:lumMod val="65000"/>
+        <a:lumOff val="35000"/>
+      </a:schemeClr>
+    </cs:fontRef>
+    <cs:spPr>
+      <a:noFill/>
+      <a:ln w="9525" cap="flat" cmpd="sng" algn="ctr">
+        <a:solidFill>
+          <a:schemeClr val="tx1">
+            <a:lumMod val="15000"/>
+            <a:lumOff val="85000"/>
+          </a:schemeClr>
+        </a:solidFill>
+        <a:round/>
+      </a:ln>
+    </cs:spPr>
+    <cs:defRPr sz="1197" kern="1200"/>
+  </cs:dataTable>
+  <cs:downBar>
+    <cs:lnRef idx="0"/>
+    <cs:fillRef idx="0"/>
+    <cs:effectRef idx="0"/>
+    <cs:fontRef idx="minor">
+      <a:schemeClr val="dk1"/>
+    </cs:fontRef>
+    <cs:spPr>
+      <a:solidFill>
+        <a:schemeClr val="dk1">
+          <a:lumMod val="65000"/>
+          <a:lumOff val="35000"/>
+        </a:schemeClr>
+      </a:solidFill>
+      <a:ln w="9525">
+        <a:solidFill>
+          <a:schemeClr val="tx1">
+            <a:lumMod val="65000"/>
+            <a:lumOff val="35000"/>
+          </a:schemeClr>
+        </a:solidFill>
+      </a:ln>
+    </cs:spPr>
+  </cs:downBar>
+  <cs:dropLine>
+    <cs:lnRef idx="0"/>
+    <cs:fillRef idx="0"/>
+    <cs:effectRef idx="0"/>
+    <cs:fontRef idx="minor">
+      <a:schemeClr val="tx1"/>
+    </cs:fontRef>
+    <cs:spPr>
+      <a:ln w="9525" cap="flat" cmpd="sng" algn="ctr">
+        <a:solidFill>
+          <a:schemeClr val="tx1">
+            <a:lumMod val="35000"/>
+            <a:lumOff val="65000"/>
+          </a:schemeClr>
+        </a:solidFill>
+        <a:round/>
+      </a:ln>
+    </cs:spPr>
+  </cs:dropLine>
+  <cs:errorBar>
+    <cs:lnRef idx="0"/>
+    <cs:fillRef idx="0"/>
+    <cs:effectRef idx="0"/>
+    <cs:fontRef idx="minor">
+      <a:schemeClr val="tx1"/>
+    </cs:fontRef>
+    <cs:spPr>
+      <a:ln w="9525" cap="flat" cmpd="sng" algn="ctr">
+        <a:solidFill>
+          <a:schemeClr val="tx1">
+            <a:lumMod val="65000"/>
+            <a:lumOff val="35000"/>
+          </a:schemeClr>
+        </a:solidFill>
+        <a:round/>
+      </a:ln>
+    </cs:spPr>
+  </cs:errorBar>
+  <cs:floor>
+    <cs:lnRef idx="0"/>
+    <cs:fillRef idx="0"/>
+    <cs:effectRef idx="0"/>
+    <cs:fontRef idx="minor">
+      <a:schemeClr val="tx1"/>
+    </cs:fontRef>
+    <cs:spPr>
+      <a:noFill/>
+      <a:ln>
+        <a:noFill/>
+      </a:ln>
+    </cs:spPr>
+  </cs:floor>
+  <cs:gridlineMajor>
+    <cs:lnRef idx="0"/>
+    <cs:fillRef idx="0"/>
+    <cs:effectRef idx="0"/>
+    <cs:fontRef idx="minor">
+      <a:schemeClr val="tx1"/>
+    </cs:fontRef>
+    <cs:spPr>
+      <a:ln w="9525" cap="flat" cmpd="sng" algn="ctr">
+        <a:solidFill>
+          <a:schemeClr val="tx1">
+            <a:lumMod val="15000"/>
+            <a:lumOff val="85000"/>
+          </a:schemeClr>
+        </a:solidFill>
+        <a:round/>
+      </a:ln>
+    </cs:spPr>
+  </cs:gridlineMajor>
+  <cs:gridlineMinor>
+    <cs:lnRef idx="0"/>
+    <cs:fillRef idx="0"/>
+    <cs:effectRef idx="0"/>
+    <cs:fontRef idx="minor">
+      <a:schemeClr val="tx1"/>
+    </cs:fontRef>
+    <cs:spPr>
+      <a:ln w="9525" cap="flat" cmpd="sng" algn="ctr">
+        <a:solidFill>
+          <a:schemeClr val="tx1">
+            <a:lumMod val="5000"/>
+            <a:lumOff val="95000"/>
+          </a:schemeClr>
+        </a:solidFill>
+        <a:round/>
+      </a:ln>
+    </cs:spPr>
+  </cs:gridlineMinor>
+  <cs:hiLoLine>
+    <cs:lnRef idx="0"/>
+    <cs:fillRef idx="0"/>
+    <cs:effectRef idx="0"/>
+    <cs:fontRef idx="minor">
+      <a:schemeClr val="tx1"/>
+    </cs:fontRef>
+    <cs:spPr>
+      <a:ln w="9525" cap="flat" cmpd="sng" algn="ctr">
+        <a:solidFill>
+          <a:schemeClr val="tx1">
+            <a:lumMod val="75000"/>
+            <a:lumOff val="25000"/>
+          </a:schemeClr>
+        </a:solidFill>
+        <a:round/>
+      </a:ln>
+    </cs:spPr>
+  </cs:hiLoLine>
+  <cs:leaderLine>
+    <cs:lnRef idx="0"/>
+    <cs:fillRef idx="0"/>
+    <cs:effectRef idx="0"/>
+    <cs:fontRef idx="minor">
+      <a:schemeClr val="tx1"/>
+    </cs:fontRef>
+    <cs:spPr>
+      <a:ln w="9525" cap="flat" cmpd="sng" algn="ctr">
+        <a:solidFill>
+          <a:schemeClr val="tx1">
+            <a:lumMod val="35000"/>
+            <a:lumOff val="65000"/>
+          </a:schemeClr>
+        </a:solidFill>
+        <a:round/>
+      </a:ln>
+    </cs:spPr>
+  </cs:leaderLine>
+  <cs:legend>
+    <cs:lnRef idx="0"/>
+    <cs:fillRef idx="0"/>
+    <cs:effectRef idx="0"/>
+    <cs:fontRef idx="minor">
+      <a:schemeClr val="tx1">
+        <a:lumMod val="65000"/>
+        <a:lumOff val="35000"/>
+      </a:schemeClr>
+    </cs:fontRef>
+    <cs:defRPr sz="1197" kern="1200"/>
+  </cs:legend>
+  <cs:plotArea mods="allowNoFillOverride allowNoLineOverride">
+    <cs:lnRef idx="0"/>
+    <cs:fillRef idx="0"/>
+    <cs:effectRef idx="0"/>
+    <cs:fontRef idx="minor">
+      <a:schemeClr val="tx1"/>
+    </cs:fontRef>
+  </cs:plotArea>
+  <cs:plotArea3D mods="allowNoFillOverride allowNoLineOverride">
+    <cs:lnRef idx="0"/>
+    <cs:fillRef idx="0"/>
+    <cs:effectRef idx="0"/>
+    <cs:fontRef idx="minor">
+      <a:schemeClr val="tx1"/>
+    </cs:fontRef>
+  </cs:plotArea3D>
+  <cs:seriesAxis>
+    <cs:lnRef idx="0"/>
+    <cs:fillRef idx="0"/>
+    <cs:effectRef idx="0"/>
+    <cs:fontRef idx="minor">
+      <a:schemeClr val="tx1">
+        <a:lumMod val="65000"/>
+        <a:lumOff val="35000"/>
+      </a:schemeClr>
+    </cs:fontRef>
+    <cs:defRPr sz="1197" kern="1200"/>
+  </cs:seriesAxis>
+  <cs:seriesLine>
+    <cs:lnRef idx="0"/>
+    <cs:fillRef idx="0"/>
+    <cs:effectRef idx="0"/>
+    <cs:fontRef idx="minor">
+      <a:schemeClr val="tx1"/>
+    </cs:fontRef>
+    <cs:spPr>
+      <a:ln w="9525" cap="flat" cmpd="sng" algn="ctr">
+        <a:solidFill>
+          <a:schemeClr val="tx1">
+            <a:lumMod val="35000"/>
+            <a:lumOff val="65000"/>
+          </a:schemeClr>
+        </a:solidFill>
+        <a:round/>
+      </a:ln>
+    </cs:spPr>
+  </cs:seriesLine>
+  <cs:title>
+    <cs:lnRef idx="0"/>
+    <cs:fillRef idx="0"/>
+    <cs:effectRef idx="0"/>
+    <cs:fontRef idx="minor">
+      <a:schemeClr val="tx1">
+        <a:lumMod val="65000"/>
+        <a:lumOff val="35000"/>
+      </a:schemeClr>
+    </cs:fontRef>
+    <cs:defRPr sz="1862" b="0" kern="1200" spc="0" baseline="0"/>
+  </cs:title>
+  <cs:trendline>
+    <cs:lnRef idx="0">
+      <cs:styleClr val="auto"/>
+    </cs:lnRef>
+    <cs:fillRef idx="0"/>
+    <cs:effectRef idx="0"/>
+    <cs:fontRef idx="minor">
+      <a:schemeClr val="tx1"/>
+    </cs:fontRef>
+    <cs:spPr>
+      <a:ln w="19050" cap="rnd">
+        <a:solidFill>
+          <a:schemeClr val="phClr"/>
+        </a:solidFill>
+        <a:prstDash val="sysDot"/>
+      </a:ln>
+    </cs:spPr>
+  </cs:trendline>
+  <cs:trendlineLabel>
+    <cs:lnRef idx="0"/>
+    <cs:fillRef idx="0"/>
+    <cs:effectRef idx="0"/>
+    <cs:fontRef idx="minor">
+      <a:schemeClr val="tx1">
+        <a:lumMod val="65000"/>
+        <a:lumOff val="35000"/>
+      </a:schemeClr>
+    </cs:fontRef>
+    <cs:defRPr sz="1197" kern="1200"/>
+  </cs:trendlineLabel>
+  <cs:upBar>
+    <cs:lnRef idx="0"/>
+    <cs:fillRef idx="0"/>
+    <cs:effectRef idx="0"/>
+    <cs:fontRef idx="minor">
+      <a:schemeClr val="dk1"/>
+    </cs:fontRef>
+    <cs:spPr>
+      <a:solidFill>
+        <a:schemeClr val="lt1"/>
+      </a:solidFill>
+      <a:ln w="9525">
+        <a:solidFill>
+          <a:schemeClr val="tx1">
+            <a:lumMod val="15000"/>
+            <a:lumOff val="85000"/>
+          </a:schemeClr>
+        </a:solidFill>
+      </a:ln>
+    </cs:spPr>
+  </cs:upBar>
+  <cs:valueAxis>
+    <cs:lnRef idx="0"/>
+    <cs:fillRef idx="0"/>
+    <cs:effectRef idx="0"/>
+    <cs:fontRef idx="minor">
+      <a:schemeClr val="tx1">
+        <a:lumMod val="65000"/>
+        <a:lumOff val="35000"/>
+      </a:schemeClr>
+    </cs:fontRef>
+    <cs:defRPr sz="1197" kern="1200"/>
+  </cs:valueAxis>
+  <cs:wall>
+    <cs:lnRef idx="0"/>
+    <cs:fillRef idx="0"/>
+    <cs:effectRef idx="0"/>
+    <cs:fontRef idx="minor">
+      <a:schemeClr val="tx1"/>
+    </cs:fontRef>
+    <cs:spPr>
+      <a:noFill/>
+      <a:ln>
+        <a:noFill/>
+      </a:ln>
+    </cs:spPr>
+  </cs:wall>
+</cs:chartStyle>
 </file>
 
 <file path=ppt/diagrams/colors1.xml><?xml version="1.0" encoding="utf-8"?>
@@ -873,6 +2642,753 @@
 </file>
 
 <file path=ppt/diagrams/colors10.xml><?xml version="1.0" encoding="utf-8"?>
+<dgm:colorsDef xmlns:dgm="http://schemas.openxmlformats.org/drawingml/2006/diagram" xmlns:a="http://schemas.openxmlformats.org/drawingml/2006/main" uniqueId="urn:microsoft.com/office/officeart/2005/8/colors/accent1_2">
+  <dgm:title val=""/>
+  <dgm:desc val=""/>
+  <dgm:catLst>
+    <dgm:cat type="accent1" pri="11200"/>
+  </dgm:catLst>
+  <dgm:styleLbl name="node0">
+    <dgm:fillClrLst meth="repeat">
+      <a:schemeClr val="accent1"/>
+    </dgm:fillClrLst>
+    <dgm:linClrLst meth="repeat">
+      <a:schemeClr val="lt1"/>
+    </dgm:linClrLst>
+    <dgm:effectClrLst/>
+    <dgm:txLinClrLst/>
+    <dgm:txFillClrLst/>
+    <dgm:txEffectClrLst/>
+  </dgm:styleLbl>
+  <dgm:styleLbl name="alignNode1">
+    <dgm:fillClrLst meth="repeat">
+      <a:schemeClr val="accent1"/>
+    </dgm:fillClrLst>
+    <dgm:linClrLst meth="repeat">
+      <a:schemeClr val="accent1"/>
+    </dgm:linClrLst>
+    <dgm:effectClrLst/>
+    <dgm:txLinClrLst/>
+    <dgm:txFillClrLst/>
+    <dgm:txEffectClrLst/>
+  </dgm:styleLbl>
+  <dgm:styleLbl name="node1">
+    <dgm:fillClrLst meth="repeat">
+      <a:schemeClr val="accent1"/>
+    </dgm:fillClrLst>
+    <dgm:linClrLst meth="repeat">
+      <a:schemeClr val="lt1"/>
+    </dgm:linClrLst>
+    <dgm:effectClrLst/>
+    <dgm:txLinClrLst/>
+    <dgm:txFillClrLst/>
+    <dgm:txEffectClrLst/>
+  </dgm:styleLbl>
+  <dgm:styleLbl name="lnNode1">
+    <dgm:fillClrLst meth="repeat">
+      <a:schemeClr val="accent1"/>
+    </dgm:fillClrLst>
+    <dgm:linClrLst meth="repeat">
+      <a:schemeClr val="lt1"/>
+    </dgm:linClrLst>
+    <dgm:effectClrLst/>
+    <dgm:txLinClrLst/>
+    <dgm:txFillClrLst/>
+    <dgm:txEffectClrLst/>
+  </dgm:styleLbl>
+  <dgm:styleLbl name="vennNode1">
+    <dgm:fillClrLst meth="repeat">
+      <a:schemeClr val="accent1">
+        <a:alpha val="50000"/>
+      </a:schemeClr>
+    </dgm:fillClrLst>
+    <dgm:linClrLst meth="repeat">
+      <a:schemeClr val="lt1"/>
+    </dgm:linClrLst>
+    <dgm:effectClrLst/>
+    <dgm:txLinClrLst/>
+    <dgm:txFillClrLst/>
+    <dgm:txEffectClrLst/>
+  </dgm:styleLbl>
+  <dgm:styleLbl name="node2">
+    <dgm:fillClrLst meth="repeat">
+      <a:schemeClr val="accent1"/>
+    </dgm:fillClrLst>
+    <dgm:linClrLst meth="repeat">
+      <a:schemeClr val="lt1"/>
+    </dgm:linClrLst>
+    <dgm:effectClrLst/>
+    <dgm:txLinClrLst/>
+    <dgm:txFillClrLst/>
+    <dgm:txEffectClrLst/>
+  </dgm:styleLbl>
+  <dgm:styleLbl name="node3">
+    <dgm:fillClrLst meth="repeat">
+      <a:schemeClr val="accent1"/>
+    </dgm:fillClrLst>
+    <dgm:linClrLst meth="repeat">
+      <a:schemeClr val="lt1"/>
+    </dgm:linClrLst>
+    <dgm:effectClrLst/>
+    <dgm:txLinClrLst/>
+    <dgm:txFillClrLst/>
+    <dgm:txEffectClrLst/>
+  </dgm:styleLbl>
+  <dgm:styleLbl name="node4">
+    <dgm:fillClrLst meth="repeat">
+      <a:schemeClr val="accent1"/>
+    </dgm:fillClrLst>
+    <dgm:linClrLst meth="repeat">
+      <a:schemeClr val="lt1"/>
+    </dgm:linClrLst>
+    <dgm:effectClrLst/>
+    <dgm:txLinClrLst/>
+    <dgm:txFillClrLst/>
+    <dgm:txEffectClrLst/>
+  </dgm:styleLbl>
+  <dgm:styleLbl name="fgImgPlace1">
+    <dgm:fillClrLst meth="repeat">
+      <a:schemeClr val="accent1">
+        <a:tint val="50000"/>
+      </a:schemeClr>
+    </dgm:fillClrLst>
+    <dgm:linClrLst meth="repeat">
+      <a:schemeClr val="lt1"/>
+    </dgm:linClrLst>
+    <dgm:effectClrLst/>
+    <dgm:txLinClrLst/>
+    <dgm:txFillClrLst meth="repeat">
+      <a:schemeClr val="lt1"/>
+    </dgm:txFillClrLst>
+    <dgm:txEffectClrLst/>
+  </dgm:styleLbl>
+  <dgm:styleLbl name="alignImgPlace1">
+    <dgm:fillClrLst meth="repeat">
+      <a:schemeClr val="accent1">
+        <a:tint val="50000"/>
+      </a:schemeClr>
+    </dgm:fillClrLst>
+    <dgm:linClrLst meth="repeat">
+      <a:schemeClr val="lt1"/>
+    </dgm:linClrLst>
+    <dgm:effectClrLst/>
+    <dgm:txLinClrLst/>
+    <dgm:txFillClrLst meth="repeat">
+      <a:schemeClr val="lt1"/>
+    </dgm:txFillClrLst>
+    <dgm:txEffectClrLst/>
+  </dgm:styleLbl>
+  <dgm:styleLbl name="bgImgPlace1">
+    <dgm:fillClrLst meth="repeat">
+      <a:schemeClr val="accent1">
+        <a:tint val="50000"/>
+      </a:schemeClr>
+    </dgm:fillClrLst>
+    <dgm:linClrLst meth="repeat">
+      <a:schemeClr val="lt1"/>
+    </dgm:linClrLst>
+    <dgm:effectClrLst/>
+    <dgm:txLinClrLst/>
+    <dgm:txFillClrLst meth="repeat">
+      <a:schemeClr val="lt1"/>
+    </dgm:txFillClrLst>
+    <dgm:txEffectClrLst/>
+  </dgm:styleLbl>
+  <dgm:styleLbl name="sibTrans2D1">
+    <dgm:fillClrLst meth="repeat">
+      <a:schemeClr val="accent1">
+        <a:tint val="60000"/>
+      </a:schemeClr>
+    </dgm:fillClrLst>
+    <dgm:linClrLst meth="repeat">
+      <a:schemeClr val="accent1">
+        <a:tint val="60000"/>
+      </a:schemeClr>
+    </dgm:linClrLst>
+    <dgm:effectClrLst/>
+    <dgm:txLinClrLst/>
+    <dgm:txFillClrLst/>
+    <dgm:txEffectClrLst/>
+  </dgm:styleLbl>
+  <dgm:styleLbl name="fgSibTrans2D1">
+    <dgm:fillClrLst meth="repeat">
+      <a:schemeClr val="accent1">
+        <a:tint val="60000"/>
+      </a:schemeClr>
+    </dgm:fillClrLst>
+    <dgm:linClrLst meth="repeat">
+      <a:schemeClr val="accent1">
+        <a:tint val="60000"/>
+      </a:schemeClr>
+    </dgm:linClrLst>
+    <dgm:effectClrLst/>
+    <dgm:txLinClrLst/>
+    <dgm:txFillClrLst/>
+    <dgm:txEffectClrLst/>
+  </dgm:styleLbl>
+  <dgm:styleLbl name="bgSibTrans2D1">
+    <dgm:fillClrLst meth="repeat">
+      <a:schemeClr val="accent1">
+        <a:tint val="60000"/>
+      </a:schemeClr>
+    </dgm:fillClrLst>
+    <dgm:linClrLst meth="repeat">
+      <a:schemeClr val="accent1">
+        <a:tint val="60000"/>
+      </a:schemeClr>
+    </dgm:linClrLst>
+    <dgm:effectClrLst/>
+    <dgm:txLinClrLst/>
+    <dgm:txFillClrLst/>
+    <dgm:txEffectClrLst/>
+  </dgm:styleLbl>
+  <dgm:styleLbl name="sibTrans1D1">
+    <dgm:fillClrLst meth="repeat">
+      <a:schemeClr val="accent1"/>
+    </dgm:fillClrLst>
+    <dgm:linClrLst meth="repeat">
+      <a:schemeClr val="accent1"/>
+    </dgm:linClrLst>
+    <dgm:effectClrLst/>
+    <dgm:txLinClrLst/>
+    <dgm:txFillClrLst meth="repeat">
+      <a:schemeClr val="tx1"/>
+    </dgm:txFillClrLst>
+    <dgm:txEffectClrLst/>
+  </dgm:styleLbl>
+  <dgm:styleLbl name="callout">
+    <dgm:fillClrLst meth="repeat">
+      <a:schemeClr val="accent1"/>
+    </dgm:fillClrLst>
+    <dgm:linClrLst meth="repeat">
+      <a:schemeClr val="accent1">
+        <a:tint val="50000"/>
+      </a:schemeClr>
+    </dgm:linClrLst>
+    <dgm:effectClrLst/>
+    <dgm:txLinClrLst/>
+    <dgm:txFillClrLst meth="repeat">
+      <a:schemeClr val="tx1"/>
+    </dgm:txFillClrLst>
+    <dgm:txEffectClrLst/>
+  </dgm:styleLbl>
+  <dgm:styleLbl name="asst0">
+    <dgm:fillClrLst meth="repeat">
+      <a:schemeClr val="accent1"/>
+    </dgm:fillClrLst>
+    <dgm:linClrLst meth="repeat">
+      <a:schemeClr val="lt1"/>
+    </dgm:linClrLst>
+    <dgm:effectClrLst/>
+    <dgm:txLinClrLst/>
+    <dgm:txFillClrLst/>
+    <dgm:txEffectClrLst/>
+  </dgm:styleLbl>
+  <dgm:styleLbl name="asst1">
+    <dgm:fillClrLst meth="repeat">
+      <a:schemeClr val="accent1"/>
+    </dgm:fillClrLst>
+    <dgm:linClrLst meth="repeat">
+      <a:schemeClr val="lt1"/>
+    </dgm:linClrLst>
+    <dgm:effectClrLst/>
+    <dgm:txLinClrLst/>
+    <dgm:txFillClrLst/>
+    <dgm:txEffectClrLst/>
+  </dgm:styleLbl>
+  <dgm:styleLbl name="asst2">
+    <dgm:fillClrLst meth="repeat">
+      <a:schemeClr val="accent1"/>
+    </dgm:fillClrLst>
+    <dgm:linClrLst meth="repeat">
+      <a:schemeClr val="lt1"/>
+    </dgm:linClrLst>
+    <dgm:effectClrLst/>
+    <dgm:txLinClrLst/>
+    <dgm:txFillClrLst/>
+    <dgm:txEffectClrLst/>
+  </dgm:styleLbl>
+  <dgm:styleLbl name="asst3">
+    <dgm:fillClrLst meth="repeat">
+      <a:schemeClr val="accent1"/>
+    </dgm:fillClrLst>
+    <dgm:linClrLst meth="repeat">
+      <a:schemeClr val="lt1"/>
+    </dgm:linClrLst>
+    <dgm:effectClrLst/>
+    <dgm:txLinClrLst/>
+    <dgm:txFillClrLst/>
+    <dgm:txEffectClrLst/>
+  </dgm:styleLbl>
+  <dgm:styleLbl name="asst4">
+    <dgm:fillClrLst meth="repeat">
+      <a:schemeClr val="accent1"/>
+    </dgm:fillClrLst>
+    <dgm:linClrLst meth="repeat">
+      <a:schemeClr val="lt1"/>
+    </dgm:linClrLst>
+    <dgm:effectClrLst/>
+    <dgm:txLinClrLst/>
+    <dgm:txFillClrLst/>
+    <dgm:txEffectClrLst/>
+  </dgm:styleLbl>
+  <dgm:styleLbl name="parChTrans2D1">
+    <dgm:fillClrLst meth="repeat">
+      <a:schemeClr val="accent1">
+        <a:tint val="60000"/>
+      </a:schemeClr>
+    </dgm:fillClrLst>
+    <dgm:linClrLst meth="repeat">
+      <a:schemeClr val="accent1">
+        <a:tint val="60000"/>
+      </a:schemeClr>
+    </dgm:linClrLst>
+    <dgm:effectClrLst/>
+    <dgm:txLinClrLst/>
+    <dgm:txFillClrLst meth="repeat">
+      <a:schemeClr val="lt1"/>
+    </dgm:txFillClrLst>
+    <dgm:txEffectClrLst/>
+  </dgm:styleLbl>
+  <dgm:styleLbl name="parChTrans2D2">
+    <dgm:fillClrLst meth="repeat">
+      <a:schemeClr val="accent1"/>
+    </dgm:fillClrLst>
+    <dgm:linClrLst meth="repeat">
+      <a:schemeClr val="accent1"/>
+    </dgm:linClrLst>
+    <dgm:effectClrLst/>
+    <dgm:txLinClrLst/>
+    <dgm:txFillClrLst meth="repeat">
+      <a:schemeClr val="lt1"/>
+    </dgm:txFillClrLst>
+    <dgm:txEffectClrLst/>
+  </dgm:styleLbl>
+  <dgm:styleLbl name="parChTrans2D3">
+    <dgm:fillClrLst meth="repeat">
+      <a:schemeClr val="accent1"/>
+    </dgm:fillClrLst>
+    <dgm:linClrLst meth="repeat">
+      <a:schemeClr val="accent1"/>
+    </dgm:linClrLst>
+    <dgm:effectClrLst/>
+    <dgm:txLinClrLst/>
+    <dgm:txFillClrLst meth="repeat">
+      <a:schemeClr val="lt1"/>
+    </dgm:txFillClrLst>
+    <dgm:txEffectClrLst/>
+  </dgm:styleLbl>
+  <dgm:styleLbl name="parChTrans2D4">
+    <dgm:fillClrLst meth="repeat">
+      <a:schemeClr val="accent1"/>
+    </dgm:fillClrLst>
+    <dgm:linClrLst meth="repeat">
+      <a:schemeClr val="accent1"/>
+    </dgm:linClrLst>
+    <dgm:effectClrLst/>
+    <dgm:txLinClrLst/>
+    <dgm:txFillClrLst meth="repeat">
+      <a:schemeClr val="lt1"/>
+    </dgm:txFillClrLst>
+    <dgm:txEffectClrLst/>
+  </dgm:styleLbl>
+  <dgm:styleLbl name="parChTrans1D1">
+    <dgm:fillClrLst meth="repeat">
+      <a:schemeClr val="accent1"/>
+    </dgm:fillClrLst>
+    <dgm:linClrLst meth="repeat">
+      <a:schemeClr val="accent1">
+        <a:shade val="60000"/>
+      </a:schemeClr>
+    </dgm:linClrLst>
+    <dgm:effectClrLst/>
+    <dgm:txLinClrLst/>
+    <dgm:txFillClrLst meth="repeat">
+      <a:schemeClr val="tx1"/>
+    </dgm:txFillClrLst>
+    <dgm:txEffectClrLst/>
+  </dgm:styleLbl>
+  <dgm:styleLbl name="parChTrans1D2">
+    <dgm:fillClrLst meth="repeat">
+      <a:schemeClr val="accent1"/>
+    </dgm:fillClrLst>
+    <dgm:linClrLst meth="repeat">
+      <a:schemeClr val="accent1">
+        <a:shade val="60000"/>
+      </a:schemeClr>
+    </dgm:linClrLst>
+    <dgm:effectClrLst/>
+    <dgm:txLinClrLst/>
+    <dgm:txFillClrLst meth="repeat">
+      <a:schemeClr val="tx1"/>
+    </dgm:txFillClrLst>
+    <dgm:txEffectClrLst/>
+  </dgm:styleLbl>
+  <dgm:styleLbl name="parChTrans1D3">
+    <dgm:fillClrLst meth="repeat">
+      <a:schemeClr val="accent1"/>
+    </dgm:fillClrLst>
+    <dgm:linClrLst meth="repeat">
+      <a:schemeClr val="accent1">
+        <a:shade val="80000"/>
+      </a:schemeClr>
+    </dgm:linClrLst>
+    <dgm:effectClrLst/>
+    <dgm:txLinClrLst/>
+    <dgm:txFillClrLst meth="repeat">
+      <a:schemeClr val="tx1"/>
+    </dgm:txFillClrLst>
+    <dgm:txEffectClrLst/>
+  </dgm:styleLbl>
+  <dgm:styleLbl name="parChTrans1D4">
+    <dgm:fillClrLst meth="repeat">
+      <a:schemeClr val="accent1"/>
+    </dgm:fillClrLst>
+    <dgm:linClrLst meth="repeat">
+      <a:schemeClr val="accent1">
+        <a:shade val="80000"/>
+      </a:schemeClr>
+    </dgm:linClrLst>
+    <dgm:effectClrLst/>
+    <dgm:txLinClrLst/>
+    <dgm:txFillClrLst meth="repeat">
+      <a:schemeClr val="tx1"/>
+    </dgm:txFillClrLst>
+    <dgm:txEffectClrLst/>
+  </dgm:styleLbl>
+  <dgm:styleLbl name="fgAcc1">
+    <dgm:fillClrLst meth="repeat">
+      <a:schemeClr val="lt1">
+        <a:alpha val="90000"/>
+      </a:schemeClr>
+    </dgm:fillClrLst>
+    <dgm:linClrLst meth="repeat">
+      <a:schemeClr val="accent1"/>
+    </dgm:linClrLst>
+    <dgm:effectClrLst/>
+    <dgm:txLinClrLst/>
+    <dgm:txFillClrLst meth="repeat">
+      <a:schemeClr val="dk1"/>
+    </dgm:txFillClrLst>
+    <dgm:txEffectClrLst/>
+  </dgm:styleLbl>
+  <dgm:styleLbl name="conFgAcc1">
+    <dgm:fillClrLst meth="repeat">
+      <a:schemeClr val="lt1">
+        <a:alpha val="90000"/>
+      </a:schemeClr>
+    </dgm:fillClrLst>
+    <dgm:linClrLst meth="repeat">
+      <a:schemeClr val="accent1"/>
+    </dgm:linClrLst>
+    <dgm:effectClrLst/>
+    <dgm:txLinClrLst/>
+    <dgm:txFillClrLst meth="repeat">
+      <a:schemeClr val="dk1"/>
+    </dgm:txFillClrLst>
+    <dgm:txEffectClrLst/>
+  </dgm:styleLbl>
+  <dgm:styleLbl name="alignAcc1">
+    <dgm:fillClrLst meth="repeat">
+      <a:schemeClr val="lt1">
+        <a:alpha val="90000"/>
+      </a:schemeClr>
+    </dgm:fillClrLst>
+    <dgm:linClrLst meth="repeat">
+      <a:schemeClr val="accent1"/>
+    </dgm:linClrLst>
+    <dgm:effectClrLst/>
+    <dgm:txLinClrLst/>
+    <dgm:txFillClrLst meth="repeat">
+      <a:schemeClr val="dk1"/>
+    </dgm:txFillClrLst>
+    <dgm:txEffectClrLst/>
+  </dgm:styleLbl>
+  <dgm:styleLbl name="trAlignAcc1">
+    <dgm:fillClrLst meth="repeat">
+      <a:schemeClr val="lt1">
+        <a:alpha val="40000"/>
+      </a:schemeClr>
+    </dgm:fillClrLst>
+    <dgm:linClrLst meth="repeat">
+      <a:schemeClr val="accent1"/>
+    </dgm:linClrLst>
+    <dgm:effectClrLst/>
+    <dgm:txLinClrLst/>
+    <dgm:txFillClrLst meth="repeat">
+      <a:schemeClr val="dk1"/>
+    </dgm:txFillClrLst>
+    <dgm:txEffectClrLst/>
+  </dgm:styleLbl>
+  <dgm:styleLbl name="bgAcc1">
+    <dgm:fillClrLst meth="repeat">
+      <a:schemeClr val="lt1">
+        <a:alpha val="90000"/>
+      </a:schemeClr>
+    </dgm:fillClrLst>
+    <dgm:linClrLst meth="repeat">
+      <a:schemeClr val="accent1"/>
+    </dgm:linClrLst>
+    <dgm:effectClrLst/>
+    <dgm:txLinClrLst/>
+    <dgm:txFillClrLst meth="repeat">
+      <a:schemeClr val="dk1"/>
+    </dgm:txFillClrLst>
+    <dgm:txEffectClrLst/>
+  </dgm:styleLbl>
+  <dgm:styleLbl name="solidFgAcc1">
+    <dgm:fillClrLst meth="repeat">
+      <a:schemeClr val="lt1"/>
+    </dgm:fillClrLst>
+    <dgm:linClrLst meth="repeat">
+      <a:schemeClr val="accent1"/>
+    </dgm:linClrLst>
+    <dgm:effectClrLst/>
+    <dgm:txLinClrLst/>
+    <dgm:txFillClrLst meth="repeat">
+      <a:schemeClr val="dk1"/>
+    </dgm:txFillClrLst>
+    <dgm:txEffectClrLst/>
+  </dgm:styleLbl>
+  <dgm:styleLbl name="solidAlignAcc1">
+    <dgm:fillClrLst meth="repeat">
+      <a:schemeClr val="lt1"/>
+    </dgm:fillClrLst>
+    <dgm:linClrLst meth="repeat">
+      <a:schemeClr val="accent1"/>
+    </dgm:linClrLst>
+    <dgm:effectClrLst/>
+    <dgm:txLinClrLst/>
+    <dgm:txFillClrLst meth="repeat">
+      <a:schemeClr val="dk1"/>
+    </dgm:txFillClrLst>
+    <dgm:txEffectClrLst/>
+  </dgm:styleLbl>
+  <dgm:styleLbl name="solidBgAcc1">
+    <dgm:fillClrLst meth="repeat">
+      <a:schemeClr val="lt1"/>
+    </dgm:fillClrLst>
+    <dgm:linClrLst meth="repeat">
+      <a:schemeClr val="accent1"/>
+    </dgm:linClrLst>
+    <dgm:effectClrLst/>
+    <dgm:txLinClrLst/>
+    <dgm:txFillClrLst meth="repeat">
+      <a:schemeClr val="dk1"/>
+    </dgm:txFillClrLst>
+    <dgm:txEffectClrLst/>
+  </dgm:styleLbl>
+  <dgm:styleLbl name="fgAccFollowNode1">
+    <dgm:fillClrLst meth="repeat">
+      <a:schemeClr val="accent1">
+        <a:alpha val="90000"/>
+        <a:tint val="40000"/>
+      </a:schemeClr>
+    </dgm:fillClrLst>
+    <dgm:linClrLst meth="repeat">
+      <a:schemeClr val="accent1">
+        <a:alpha val="90000"/>
+        <a:tint val="40000"/>
+      </a:schemeClr>
+    </dgm:linClrLst>
+    <dgm:effectClrLst/>
+    <dgm:txLinClrLst/>
+    <dgm:txFillClrLst meth="repeat">
+      <a:schemeClr val="dk1"/>
+    </dgm:txFillClrLst>
+    <dgm:txEffectClrLst/>
+  </dgm:styleLbl>
+  <dgm:styleLbl name="alignAccFollowNode1">
+    <dgm:fillClrLst meth="repeat">
+      <a:schemeClr val="accent1">
+        <a:alpha val="90000"/>
+        <a:tint val="40000"/>
+      </a:schemeClr>
+    </dgm:fillClrLst>
+    <dgm:linClrLst meth="repeat">
+      <a:schemeClr val="accent1">
+        <a:alpha val="90000"/>
+        <a:tint val="40000"/>
+      </a:schemeClr>
+    </dgm:linClrLst>
+    <dgm:effectClrLst/>
+    <dgm:txLinClrLst/>
+    <dgm:txFillClrLst meth="repeat">
+      <a:schemeClr val="dk1"/>
+    </dgm:txFillClrLst>
+    <dgm:txEffectClrLst/>
+  </dgm:styleLbl>
+  <dgm:styleLbl name="bgAccFollowNode1">
+    <dgm:fillClrLst meth="repeat">
+      <a:schemeClr val="accent1">
+        <a:alpha val="90000"/>
+        <a:tint val="40000"/>
+      </a:schemeClr>
+    </dgm:fillClrLst>
+    <dgm:linClrLst meth="repeat">
+      <a:schemeClr val="accent1">
+        <a:alpha val="90000"/>
+        <a:tint val="40000"/>
+      </a:schemeClr>
+    </dgm:linClrLst>
+    <dgm:effectClrLst/>
+    <dgm:txLinClrLst/>
+    <dgm:txFillClrLst meth="repeat">
+      <a:schemeClr val="dk1"/>
+    </dgm:txFillClrLst>
+    <dgm:txEffectClrLst/>
+  </dgm:styleLbl>
+  <dgm:styleLbl name="fgAcc0">
+    <dgm:fillClrLst meth="repeat">
+      <a:schemeClr val="lt1">
+        <a:alpha val="90000"/>
+      </a:schemeClr>
+    </dgm:fillClrLst>
+    <dgm:linClrLst meth="repeat">
+      <a:schemeClr val="accent1"/>
+    </dgm:linClrLst>
+    <dgm:effectClrLst/>
+    <dgm:txLinClrLst/>
+    <dgm:txFillClrLst meth="repeat">
+      <a:schemeClr val="dk1"/>
+    </dgm:txFillClrLst>
+    <dgm:txEffectClrLst/>
+  </dgm:styleLbl>
+  <dgm:styleLbl name="fgAcc2">
+    <dgm:fillClrLst meth="repeat">
+      <a:schemeClr val="lt1">
+        <a:alpha val="90000"/>
+      </a:schemeClr>
+    </dgm:fillClrLst>
+    <dgm:linClrLst meth="repeat">
+      <a:schemeClr val="accent1"/>
+    </dgm:linClrLst>
+    <dgm:effectClrLst/>
+    <dgm:txLinClrLst/>
+    <dgm:txFillClrLst meth="repeat">
+      <a:schemeClr val="dk1"/>
+    </dgm:txFillClrLst>
+    <dgm:txEffectClrLst/>
+  </dgm:styleLbl>
+  <dgm:styleLbl name="fgAcc3">
+    <dgm:fillClrLst meth="repeat">
+      <a:schemeClr val="lt1">
+        <a:alpha val="90000"/>
+      </a:schemeClr>
+    </dgm:fillClrLst>
+    <dgm:linClrLst meth="repeat">
+      <a:schemeClr val="accent1"/>
+    </dgm:linClrLst>
+    <dgm:effectClrLst/>
+    <dgm:txLinClrLst/>
+    <dgm:txFillClrLst meth="repeat">
+      <a:schemeClr val="dk1"/>
+    </dgm:txFillClrLst>
+    <dgm:txEffectClrLst/>
+  </dgm:styleLbl>
+  <dgm:styleLbl name="fgAcc4">
+    <dgm:fillClrLst meth="repeat">
+      <a:schemeClr val="lt1">
+        <a:alpha val="90000"/>
+      </a:schemeClr>
+    </dgm:fillClrLst>
+    <dgm:linClrLst meth="repeat">
+      <a:schemeClr val="accent1"/>
+    </dgm:linClrLst>
+    <dgm:effectClrLst/>
+    <dgm:txLinClrLst/>
+    <dgm:txFillClrLst meth="repeat">
+      <a:schemeClr val="dk1"/>
+    </dgm:txFillClrLst>
+    <dgm:txEffectClrLst/>
+  </dgm:styleLbl>
+  <dgm:styleLbl name="bgShp">
+    <dgm:fillClrLst meth="repeat">
+      <a:schemeClr val="accent1">
+        <a:tint val="40000"/>
+      </a:schemeClr>
+    </dgm:fillClrLst>
+    <dgm:linClrLst meth="repeat">
+      <a:schemeClr val="accent1"/>
+    </dgm:linClrLst>
+    <dgm:effectClrLst/>
+    <dgm:txLinClrLst/>
+    <dgm:txFillClrLst meth="repeat">
+      <a:schemeClr val="dk1"/>
+    </dgm:txFillClrLst>
+    <dgm:txEffectClrLst/>
+  </dgm:styleLbl>
+  <dgm:styleLbl name="dkBgShp">
+    <dgm:fillClrLst meth="repeat">
+      <a:schemeClr val="accent1">
+        <a:shade val="80000"/>
+      </a:schemeClr>
+    </dgm:fillClrLst>
+    <dgm:linClrLst meth="repeat">
+      <a:schemeClr val="accent1"/>
+    </dgm:linClrLst>
+    <dgm:effectClrLst/>
+    <dgm:txLinClrLst/>
+    <dgm:txFillClrLst meth="repeat">
+      <a:schemeClr val="lt1"/>
+    </dgm:txFillClrLst>
+    <dgm:txEffectClrLst/>
+  </dgm:styleLbl>
+  <dgm:styleLbl name="trBgShp">
+    <dgm:fillClrLst meth="repeat">
+      <a:schemeClr val="accent1">
+        <a:tint val="50000"/>
+        <a:alpha val="40000"/>
+      </a:schemeClr>
+    </dgm:fillClrLst>
+    <dgm:linClrLst meth="repeat">
+      <a:schemeClr val="accent1"/>
+    </dgm:linClrLst>
+    <dgm:effectClrLst/>
+    <dgm:txLinClrLst/>
+    <dgm:txFillClrLst meth="repeat">
+      <a:schemeClr val="lt1"/>
+    </dgm:txFillClrLst>
+    <dgm:txEffectClrLst/>
+  </dgm:styleLbl>
+  <dgm:styleLbl name="fgShp">
+    <dgm:fillClrLst meth="repeat">
+      <a:schemeClr val="accent1">
+        <a:tint val="60000"/>
+      </a:schemeClr>
+    </dgm:fillClrLst>
+    <dgm:linClrLst meth="repeat">
+      <a:schemeClr val="lt1"/>
+    </dgm:linClrLst>
+    <dgm:effectClrLst/>
+    <dgm:txLinClrLst/>
+    <dgm:txFillClrLst meth="repeat">
+      <a:schemeClr val="dk1"/>
+    </dgm:txFillClrLst>
+    <dgm:txEffectClrLst/>
+  </dgm:styleLbl>
+  <dgm:styleLbl name="revTx">
+    <dgm:fillClrLst meth="repeat">
+      <a:schemeClr val="lt1">
+        <a:alpha val="0"/>
+      </a:schemeClr>
+    </dgm:fillClrLst>
+    <dgm:linClrLst meth="repeat">
+      <a:schemeClr val="dk1">
+        <a:alpha val="0"/>
+      </a:schemeClr>
+    </dgm:linClrLst>
+    <dgm:effectClrLst/>
+    <dgm:txLinClrLst/>
+    <dgm:txFillClrLst meth="repeat">
+      <a:schemeClr val="tx1"/>
+    </dgm:txFillClrLst>
+    <dgm:txEffectClrLst/>
+  </dgm:styleLbl>
+</dgm:colorsDef>
+</file>
+
+<file path=ppt/diagrams/colors11.xml><?xml version="1.0" encoding="utf-8"?>
 <dgm:colorsDef xmlns:dgm="http://schemas.openxmlformats.org/drawingml/2006/diagram" xmlns:a="http://schemas.openxmlformats.org/drawingml/2006/main" uniqueId="urn:microsoft.com/office/officeart/2005/8/colors/accent1_2">
   <dgm:title val=""/>
   <dgm:desc val=""/>
@@ -8093,29 +10609,29 @@
     </dgm:pt>
   </dgm:ptLst>
   <dgm:cxnLst>
-    <dgm:cxn modelId="{C9C3564E-0803-4DB4-8B73-487370AC23D2}" type="presOf" srcId="{5251211C-2A96-4DCB-B96A-718B7FEE29FC}" destId="{EB1EB879-57B0-4BB0-8304-82EAAE352B32}" srcOrd="1" destOrd="0" presId="urn:microsoft.com/office/officeart/2005/8/layout/hProcess10"/>
-    <dgm:cxn modelId="{2394CF16-B8FA-412F-8D9C-2E43DD302D7B}" srcId="{4489C5E7-4CB3-4705-ADC7-EC2D7DB205C7}" destId="{7B5CB32F-AC22-4F46-A5FC-85700A25BB5F}" srcOrd="1" destOrd="0" parTransId="{6CC02667-E25A-44FD-A525-354411A07A9E}" sibTransId="{93C17E5A-2FFB-43E4-9FE6-0FA213A7D041}"/>
     <dgm:cxn modelId="{BA9F8CE6-03D0-40D2-97FF-C1924FB389A9}" type="presOf" srcId="{90757D3F-86D0-4602-8E71-75B55EB1FC14}" destId="{9FBC957F-813F-4C5F-8238-EDB031A6FB65}" srcOrd="0" destOrd="0" presId="urn:microsoft.com/office/officeart/2005/8/layout/hProcess10"/>
-    <dgm:cxn modelId="{FABFD9C9-6DEB-44D8-81E7-EDDEB04CCE2E}" srcId="{4489C5E7-4CB3-4705-ADC7-EC2D7DB205C7}" destId="{E319911A-4062-482D-A56A-1A04EAA79D6F}" srcOrd="0" destOrd="0" parTransId="{53B05F91-52ED-4447-B4C1-8852A419B243}" sibTransId="{60465054-A24A-44E2-BE9D-3F4BD3E2F5BA}"/>
-    <dgm:cxn modelId="{BCBCFB0C-00EA-4E84-82EB-D6A27005F000}" srcId="{C50D24E8-6499-477C-96DB-674B3153D74A}" destId="{9FB912DC-886C-4A8E-8B9D-C887D1794C4A}" srcOrd="1" destOrd="0" parTransId="{DEF4A1FC-B9FE-43AF-B8BD-038446A7563E}" sibTransId="{5251211C-2A96-4DCB-B96A-718B7FEE29FC}"/>
-    <dgm:cxn modelId="{9CC9FB07-2368-4E99-A036-7DF5BDA3E92B}" srcId="{9FB912DC-886C-4A8E-8B9D-C887D1794C4A}" destId="{E10D2585-F7BB-48D0-BC9F-A7F2B45E452E}" srcOrd="0" destOrd="0" parTransId="{A270FCEA-C681-47D3-9931-149B2879945E}" sibTransId="{70FE9CF9-128D-4B4D-B6E7-B557A2DF7B19}"/>
-    <dgm:cxn modelId="{0E3EF668-330E-4336-81CC-C6D03F1181D7}" srcId="{C50D24E8-6499-477C-96DB-674B3153D74A}" destId="{75C30775-A0DD-4D8A-AB7E-083B6F7D180F}" srcOrd="0" destOrd="0" parTransId="{FE11706D-B7B9-47FF-9CB4-A244A09AC58E}" sibTransId="{90757D3F-86D0-4602-8E71-75B55EB1FC14}"/>
-    <dgm:cxn modelId="{AFBB6E71-6EF7-4238-A366-1E0EFE1BC842}" srcId="{75C30775-A0DD-4D8A-AB7E-083B6F7D180F}" destId="{8B67BDF8-EECD-40A6-95C0-6F0D0AA823D5}" srcOrd="1" destOrd="0" parTransId="{EC7C0393-9A10-410C-97A9-0A2663C1A196}" sibTransId="{4C102AA3-ED5E-4F51-A79B-CEF0026C72DA}"/>
     <dgm:cxn modelId="{03CE2F1B-4996-4A16-B41C-87FE558E4977}" srcId="{75C30775-A0DD-4D8A-AB7E-083B6F7D180F}" destId="{266C79A3-239E-493F-B8D3-7A33A63FAEF5}" srcOrd="0" destOrd="0" parTransId="{EC81D479-9562-446C-BC8D-A4F12B86374D}" sibTransId="{32231B83-A94A-442E-9A48-D1C2C4A0922A}"/>
     <dgm:cxn modelId="{DCEF3A6B-DB6C-449C-B71C-7A0128ECF7E7}" type="presOf" srcId="{75C30775-A0DD-4D8A-AB7E-083B6F7D180F}" destId="{0F9F2284-2284-4732-9015-3FEC425942BA}" srcOrd="0" destOrd="0" presId="urn:microsoft.com/office/officeart/2005/8/layout/hProcess10"/>
-    <dgm:cxn modelId="{66A78BA1-617E-4401-BBD3-BDDF922EC72B}" type="presOf" srcId="{7B5CB32F-AC22-4F46-A5FC-85700A25BB5F}" destId="{A4C03D11-F0CB-4F23-9EF7-0AB2535DC95B}" srcOrd="0" destOrd="2" presId="urn:microsoft.com/office/officeart/2005/8/layout/hProcess10"/>
+    <dgm:cxn modelId="{BCBCFB0C-00EA-4E84-82EB-D6A27005F000}" srcId="{C50D24E8-6499-477C-96DB-674B3153D74A}" destId="{9FB912DC-886C-4A8E-8B9D-C887D1794C4A}" srcOrd="1" destOrd="0" parTransId="{DEF4A1FC-B9FE-43AF-B8BD-038446A7563E}" sibTransId="{5251211C-2A96-4DCB-B96A-718B7FEE29FC}"/>
+    <dgm:cxn modelId="{0E3EF668-330E-4336-81CC-C6D03F1181D7}" srcId="{C50D24E8-6499-477C-96DB-674B3153D74A}" destId="{75C30775-A0DD-4D8A-AB7E-083B6F7D180F}" srcOrd="0" destOrd="0" parTransId="{FE11706D-B7B9-47FF-9CB4-A244A09AC58E}" sibTransId="{90757D3F-86D0-4602-8E71-75B55EB1FC14}"/>
+    <dgm:cxn modelId="{2394CF16-B8FA-412F-8D9C-2E43DD302D7B}" srcId="{4489C5E7-4CB3-4705-ADC7-EC2D7DB205C7}" destId="{7B5CB32F-AC22-4F46-A5FC-85700A25BB5F}" srcOrd="1" destOrd="0" parTransId="{6CC02667-E25A-44FD-A525-354411A07A9E}" sibTransId="{93C17E5A-2FFB-43E4-9FE6-0FA213A7D041}"/>
+    <dgm:cxn modelId="{9CC9FB07-2368-4E99-A036-7DF5BDA3E92B}" srcId="{9FB912DC-886C-4A8E-8B9D-C887D1794C4A}" destId="{E10D2585-F7BB-48D0-BC9F-A7F2B45E452E}" srcOrd="0" destOrd="0" parTransId="{A270FCEA-C681-47D3-9931-149B2879945E}" sibTransId="{70FE9CF9-128D-4B4D-B6E7-B557A2DF7B19}"/>
     <dgm:cxn modelId="{23425499-D5EB-493A-84E0-B2CCCB5AB00C}" type="presOf" srcId="{9FB912DC-886C-4A8E-8B9D-C887D1794C4A}" destId="{88B2F004-F12C-4EE6-9C27-742F06C18109}" srcOrd="0" destOrd="0" presId="urn:microsoft.com/office/officeart/2005/8/layout/hProcess10"/>
-    <dgm:cxn modelId="{1E29528C-D471-4631-B9E7-BDEE5355D36B}" type="presOf" srcId="{B92C896A-8E81-4D84-B983-6966E2549ABD}" destId="{88B2F004-F12C-4EE6-9C27-742F06C18109}" srcOrd="0" destOrd="2" presId="urn:microsoft.com/office/officeart/2005/8/layout/hProcess10"/>
     <dgm:cxn modelId="{68A68D77-0BFD-457C-96FF-F22700EA349A}" srcId="{9FB912DC-886C-4A8E-8B9D-C887D1794C4A}" destId="{B92C896A-8E81-4D84-B983-6966E2549ABD}" srcOrd="1" destOrd="0" parTransId="{69BD31A5-00E3-4E36-8C42-B7D1AEC7C345}" sibTransId="{6B170223-3EDD-465E-A756-29DDAC64B1B9}"/>
-    <dgm:cxn modelId="{6136DE81-2B02-4719-B534-06743435DB86}" type="presOf" srcId="{8B67BDF8-EECD-40A6-95C0-6F0D0AA823D5}" destId="{0F9F2284-2284-4732-9015-3FEC425942BA}" srcOrd="0" destOrd="2" presId="urn:microsoft.com/office/officeart/2005/8/layout/hProcess10"/>
     <dgm:cxn modelId="{C6864C09-089B-4308-B0F2-813ADE56238F}" type="presOf" srcId="{4489C5E7-4CB3-4705-ADC7-EC2D7DB205C7}" destId="{A4C03D11-F0CB-4F23-9EF7-0AB2535DC95B}" srcOrd="0" destOrd="0" presId="urn:microsoft.com/office/officeart/2005/8/layout/hProcess10"/>
+    <dgm:cxn modelId="{AFBB6E71-6EF7-4238-A366-1E0EFE1BC842}" srcId="{75C30775-A0DD-4D8A-AB7E-083B6F7D180F}" destId="{8B67BDF8-EECD-40A6-95C0-6F0D0AA823D5}" srcOrd="1" destOrd="0" parTransId="{EC7C0393-9A10-410C-97A9-0A2663C1A196}" sibTransId="{4C102AA3-ED5E-4F51-A79B-CEF0026C72DA}"/>
+    <dgm:cxn modelId="{CABDF726-E265-4DE2-812B-A207997C5DF1}" type="presOf" srcId="{E10D2585-F7BB-48D0-BC9F-A7F2B45E452E}" destId="{88B2F004-F12C-4EE6-9C27-742F06C18109}" srcOrd="0" destOrd="1" presId="urn:microsoft.com/office/officeart/2005/8/layout/hProcess10"/>
     <dgm:cxn modelId="{E1298878-BA94-40C2-9A18-9303E40E3F85}" type="presOf" srcId="{90757D3F-86D0-4602-8E71-75B55EB1FC14}" destId="{60F1287C-D0E7-49A4-BAAD-8B39C0D7CA8E}" srcOrd="1" destOrd="0" presId="urn:microsoft.com/office/officeart/2005/8/layout/hProcess10"/>
-    <dgm:cxn modelId="{CABDF726-E265-4DE2-812B-A207997C5DF1}" type="presOf" srcId="{E10D2585-F7BB-48D0-BC9F-A7F2B45E452E}" destId="{88B2F004-F12C-4EE6-9C27-742F06C18109}" srcOrd="0" destOrd="1" presId="urn:microsoft.com/office/officeart/2005/8/layout/hProcess10"/>
-    <dgm:cxn modelId="{7B05F940-D60B-474F-A4CF-2F4ACEC597B6}" srcId="{C50D24E8-6499-477C-96DB-674B3153D74A}" destId="{4489C5E7-4CB3-4705-ADC7-EC2D7DB205C7}" srcOrd="2" destOrd="0" parTransId="{6D408471-4568-4B52-BE8B-DA57397642DA}" sibTransId="{58F91A13-C6F4-40EA-A098-589F2C0EFCE6}"/>
-    <dgm:cxn modelId="{E3D02B66-32EF-4254-881F-48EE1E325450}" type="presOf" srcId="{E319911A-4062-482D-A56A-1A04EAA79D6F}" destId="{A4C03D11-F0CB-4F23-9EF7-0AB2535DC95B}" srcOrd="0" destOrd="1" presId="urn:microsoft.com/office/officeart/2005/8/layout/hProcess10"/>
     <dgm:cxn modelId="{C70B4AA7-6D52-45F8-9DC3-8048D68FD8BC}" type="presOf" srcId="{C50D24E8-6499-477C-96DB-674B3153D74A}" destId="{A496A00F-42B7-423E-912B-4CC3A32EA4B8}" srcOrd="0" destOrd="0" presId="urn:microsoft.com/office/officeart/2005/8/layout/hProcess10"/>
     <dgm:cxn modelId="{42020FE2-2852-4C3E-A62C-F2B1EBD16778}" type="presOf" srcId="{5251211C-2A96-4DCB-B96A-718B7FEE29FC}" destId="{E68B74AE-7391-4157-BAA9-8CC59951EBEE}" srcOrd="0" destOrd="0" presId="urn:microsoft.com/office/officeart/2005/8/layout/hProcess10"/>
     <dgm:cxn modelId="{E55897A8-FA16-4BC7-8E4B-F0F8702019DF}" type="presOf" srcId="{266C79A3-239E-493F-B8D3-7A33A63FAEF5}" destId="{0F9F2284-2284-4732-9015-3FEC425942BA}" srcOrd="0" destOrd="1" presId="urn:microsoft.com/office/officeart/2005/8/layout/hProcess10"/>
+    <dgm:cxn modelId="{7B05F940-D60B-474F-A4CF-2F4ACEC597B6}" srcId="{C50D24E8-6499-477C-96DB-674B3153D74A}" destId="{4489C5E7-4CB3-4705-ADC7-EC2D7DB205C7}" srcOrd="2" destOrd="0" parTransId="{6D408471-4568-4B52-BE8B-DA57397642DA}" sibTransId="{58F91A13-C6F4-40EA-A098-589F2C0EFCE6}"/>
+    <dgm:cxn modelId="{E3D02B66-32EF-4254-881F-48EE1E325450}" type="presOf" srcId="{E319911A-4062-482D-A56A-1A04EAA79D6F}" destId="{A4C03D11-F0CB-4F23-9EF7-0AB2535DC95B}" srcOrd="0" destOrd="1" presId="urn:microsoft.com/office/officeart/2005/8/layout/hProcess10"/>
+    <dgm:cxn modelId="{C9C3564E-0803-4DB4-8B73-487370AC23D2}" type="presOf" srcId="{5251211C-2A96-4DCB-B96A-718B7FEE29FC}" destId="{EB1EB879-57B0-4BB0-8304-82EAAE352B32}" srcOrd="1" destOrd="0" presId="urn:microsoft.com/office/officeart/2005/8/layout/hProcess10"/>
+    <dgm:cxn modelId="{6136DE81-2B02-4719-B534-06743435DB86}" type="presOf" srcId="{8B67BDF8-EECD-40A6-95C0-6F0D0AA823D5}" destId="{0F9F2284-2284-4732-9015-3FEC425942BA}" srcOrd="0" destOrd="2" presId="urn:microsoft.com/office/officeart/2005/8/layout/hProcess10"/>
+    <dgm:cxn modelId="{1E29528C-D471-4631-B9E7-BDEE5355D36B}" type="presOf" srcId="{B92C896A-8E81-4D84-B983-6966E2549ABD}" destId="{88B2F004-F12C-4EE6-9C27-742F06C18109}" srcOrd="0" destOrd="2" presId="urn:microsoft.com/office/officeart/2005/8/layout/hProcess10"/>
+    <dgm:cxn modelId="{FABFD9C9-6DEB-44D8-81E7-EDDEB04CCE2E}" srcId="{4489C5E7-4CB3-4705-ADC7-EC2D7DB205C7}" destId="{E319911A-4062-482D-A56A-1A04EAA79D6F}" srcOrd="0" destOrd="0" parTransId="{53B05F91-52ED-4447-B4C1-8852A419B243}" sibTransId="{60465054-A24A-44E2-BE9D-3F4BD3E2F5BA}"/>
+    <dgm:cxn modelId="{66A78BA1-617E-4401-BBD3-BDDF922EC72B}" type="presOf" srcId="{7B5CB32F-AC22-4F46-A5FC-85700A25BB5F}" destId="{A4C03D11-F0CB-4F23-9EF7-0AB2535DC95B}" srcOrd="0" destOrd="2" presId="urn:microsoft.com/office/officeart/2005/8/layout/hProcess10"/>
     <dgm:cxn modelId="{B78354E6-2421-4181-9ABE-40B926821D7A}" type="presParOf" srcId="{A496A00F-42B7-423E-912B-4CC3A32EA4B8}" destId="{0E037597-9865-4384-81EB-EFF058A57824}" srcOrd="0" destOrd="0" presId="urn:microsoft.com/office/officeart/2005/8/layout/hProcess10"/>
     <dgm:cxn modelId="{2C490231-1538-461B-8E61-29C13EC38A46}" type="presParOf" srcId="{0E037597-9865-4384-81EB-EFF058A57824}" destId="{C79E3C58-C50D-4A55-BAE6-20C3BE97D482}" srcOrd="0" destOrd="0" presId="urn:microsoft.com/office/officeart/2005/8/layout/hProcess10"/>
     <dgm:cxn modelId="{86B29170-3893-4D5C-BA2C-B8EA87848B52}" type="presParOf" srcId="{0E037597-9865-4384-81EB-EFF058A57824}" destId="{0F9F2284-2284-4732-9015-3FEC425942BA}" srcOrd="1" destOrd="0" presId="urn:microsoft.com/office/officeart/2005/8/layout/hProcess10"/>
@@ -8143,8 +10659,8 @@
 <file path=ppt/diagrams/data10.xml><?xml version="1.0" encoding="utf-8"?>
 <dgm:dataModel xmlns:dgm="http://schemas.openxmlformats.org/drawingml/2006/diagram" xmlns:a="http://schemas.openxmlformats.org/drawingml/2006/main">
   <dgm:ptLst>
-    <dgm:pt modelId="{027E30A3-236D-4B79-B31D-57B2B8028FAE}" type="doc">
-      <dgm:prSet loTypeId="urn:microsoft.com/office/officeart/2005/8/layout/hProcess10" loCatId="process" qsTypeId="urn:microsoft.com/office/officeart/2005/8/quickstyle/simple1" qsCatId="simple" csTypeId="urn:microsoft.com/office/officeart/2005/8/colors/accent1_2" csCatId="accent1" phldr="0"/>
+    <dgm:pt modelId="{43654343-DB53-42AB-A74A-F1B8C77FC7AB}" type="doc">
+      <dgm:prSet loTypeId="urn:microsoft.com/office/officeart/2005/8/layout/vList2" loCatId="list" qsTypeId="urn:microsoft.com/office/officeart/2005/8/quickstyle/simple1" qsCatId="simple" csTypeId="urn:microsoft.com/office/officeart/2005/8/colors/accent1_2" csCatId="accent1" phldr="1"/>
       <dgm:spPr/>
       <dgm:t>
         <a:bodyPr/>
@@ -8154,18 +10670,22 @@
         </a:p>
       </dgm:t>
     </dgm:pt>
-    <dgm:pt modelId="{760F338A-0B21-4C8D-8073-308CE7AFDB64}">
-      <dgm:prSet phldrT="[Текст]" phldr="1"/>
+    <dgm:pt modelId="{2E623F1E-8BE3-4C3D-8265-19EDBBBD0197}">
+      <dgm:prSet phldrT="[Текст]"/>
       <dgm:spPr/>
       <dgm:t>
         <a:bodyPr/>
         <a:lstStyle/>
         <a:p>
-          <a:endParaRPr lang="ru-RU"/>
+          <a:r>
+            <a:rPr lang="ru-RU" dirty="0" smtClean="0"/>
+            <a:t>Функции библиотеки</a:t>
+          </a:r>
+          <a:endParaRPr lang="ru-RU" dirty="0"/>
         </a:p>
       </dgm:t>
     </dgm:pt>
-    <dgm:pt modelId="{F023E250-4D7B-454D-88CE-6A34E6F6B1AE}" type="parTrans" cxnId="{69CFC9B1-96F8-4A54-9DB1-1C1491A83AA4}">
+    <dgm:pt modelId="{DC9D396A-E0D1-49AA-A782-4C3FBF25DB9D}" type="parTrans" cxnId="{1DC3C6B9-EDD0-4B3C-817F-3B6C7FA796B1}">
       <dgm:prSet/>
       <dgm:spPr/>
       <dgm:t>
@@ -8176,7 +10696,7 @@
         </a:p>
       </dgm:t>
     </dgm:pt>
-    <dgm:pt modelId="{7668CB60-F8AD-401F-A179-1BC6FCB02C0A}" type="sibTrans" cxnId="{69CFC9B1-96F8-4A54-9DB1-1C1491A83AA4}">
+    <dgm:pt modelId="{D487729C-3736-4AB6-8A23-244116BE78F6}" type="sibTrans" cxnId="{1DC3C6B9-EDD0-4B3C-817F-3B6C7FA796B1}">
       <dgm:prSet/>
       <dgm:spPr/>
       <dgm:t>
@@ -8187,18 +10707,22 @@
         </a:p>
       </dgm:t>
     </dgm:pt>
-    <dgm:pt modelId="{5692516F-9C37-4999-B595-65CBC561067D}">
-      <dgm:prSet phldrT="[Текст]" phldr="1"/>
+    <dgm:pt modelId="{79306A6F-DF62-4B70-AEAA-7AACBA933274}">
+      <dgm:prSet phldrT="[Текст]"/>
       <dgm:spPr/>
       <dgm:t>
         <a:bodyPr/>
         <a:lstStyle/>
         <a:p>
-          <a:endParaRPr lang="ru-RU"/>
+          <a:r>
+            <a:rPr lang="ru-RU" dirty="0" smtClean="0"/>
+            <a:t>Прочитать/записать текстовый файл</a:t>
+          </a:r>
+          <a:endParaRPr lang="ru-RU" dirty="0"/>
         </a:p>
       </dgm:t>
     </dgm:pt>
-    <dgm:pt modelId="{6BFC3AC8-713F-4E30-89C6-D93531EFDD72}" type="parTrans" cxnId="{32C5FBDB-F1BD-4283-A2A2-8BC8BB74CFBD}">
+    <dgm:pt modelId="{ED6D6C32-A6A4-4F53-BECD-31DF94AB2F2D}" type="parTrans" cxnId="{BAC2D091-19B2-47EA-A560-CF3C9EE07EEE}">
       <dgm:prSet/>
       <dgm:spPr/>
       <dgm:t>
@@ -8209,7 +10733,7 @@
         </a:p>
       </dgm:t>
     </dgm:pt>
-    <dgm:pt modelId="{47AE2194-B122-45A8-907B-ED2ABC62A1E4}" type="sibTrans" cxnId="{32C5FBDB-F1BD-4283-A2A2-8BC8BB74CFBD}">
+    <dgm:pt modelId="{3C0A9A96-F363-4021-A337-B08E7E4FF28B}" type="sibTrans" cxnId="{BAC2D091-19B2-47EA-A560-CF3C9EE07EEE}">
       <dgm:prSet/>
       <dgm:spPr/>
       <dgm:t>
@@ -8220,18 +10744,22 @@
         </a:p>
       </dgm:t>
     </dgm:pt>
-    <dgm:pt modelId="{83CD6D0E-6253-41C6-9EAF-81AE39CB9D9D}">
-      <dgm:prSet phldrT="[Текст]" phldr="1"/>
+    <dgm:pt modelId="{1EF42ADA-5F02-4E46-BE50-FEA15D3D173E}">
+      <dgm:prSet phldrT="[Текст]"/>
       <dgm:spPr/>
       <dgm:t>
         <a:bodyPr/>
         <a:lstStyle/>
         <a:p>
-          <a:endParaRPr lang="ru-RU"/>
+          <a:r>
+            <a:rPr lang="ru-RU" dirty="0" smtClean="0"/>
+            <a:t>Проверка при работе с файлами</a:t>
+          </a:r>
+          <a:endParaRPr lang="ru-RU" dirty="0"/>
         </a:p>
       </dgm:t>
     </dgm:pt>
-    <dgm:pt modelId="{47520CD3-C204-4525-AB6B-E5DE1E2C9581}" type="parTrans" cxnId="{1BCE1DB8-852E-4076-9FC4-517D41EAA103}">
+    <dgm:pt modelId="{3C59A9C2-E01F-46D5-B3B1-192E43353452}" type="parTrans" cxnId="{6436DBCA-1735-4B6C-96BD-2870F8DDD555}">
       <dgm:prSet/>
       <dgm:spPr/>
       <dgm:t>
@@ -8242,7 +10770,7 @@
         </a:p>
       </dgm:t>
     </dgm:pt>
-    <dgm:pt modelId="{8910FAF0-B7BE-45CA-AD8E-44248BADE365}" type="sibTrans" cxnId="{1BCE1DB8-852E-4076-9FC4-517D41EAA103}">
+    <dgm:pt modelId="{16D47AF7-45E3-4CA0-A461-E4B2D347912E}" type="sibTrans" cxnId="{6436DBCA-1735-4B6C-96BD-2870F8DDD555}">
       <dgm:prSet/>
       <dgm:spPr/>
       <dgm:t>
@@ -8253,18 +10781,22 @@
         </a:p>
       </dgm:t>
     </dgm:pt>
-    <dgm:pt modelId="{9B33B1CC-66F4-4AAA-846D-249FB4D50659}">
-      <dgm:prSet phldrT="[Текст]" phldr="1"/>
+    <dgm:pt modelId="{573D393A-66A2-446E-BFEF-C3FBF1C42C84}">
+      <dgm:prSet phldrT="[Текст]"/>
       <dgm:spPr/>
       <dgm:t>
         <a:bodyPr/>
         <a:lstStyle/>
         <a:p>
-          <a:endParaRPr lang="ru-RU"/>
+          <a:r>
+            <a:rPr lang="ru-RU" dirty="0" smtClean="0"/>
+            <a:t>Проверка на существование файла</a:t>
+          </a:r>
+          <a:endParaRPr lang="ru-RU" dirty="0"/>
         </a:p>
       </dgm:t>
     </dgm:pt>
-    <dgm:pt modelId="{5E2096E7-9742-43A4-9BB2-84FF99D565FC}" type="parTrans" cxnId="{9CB06D9B-8183-4433-BE4B-7CA05F4C9314}">
+    <dgm:pt modelId="{8FB5C8FE-E193-41CA-9D85-84904BACA977}" type="parTrans" cxnId="{48A65D49-CABF-4D36-AE62-7F08CF0329A8}">
       <dgm:prSet/>
       <dgm:spPr/>
       <dgm:t>
@@ -8275,7 +10807,7 @@
         </a:p>
       </dgm:t>
     </dgm:pt>
-    <dgm:pt modelId="{7E415396-34A7-4BA1-B038-BADA3F25E00D}" type="sibTrans" cxnId="{9CB06D9B-8183-4433-BE4B-7CA05F4C9314}">
+    <dgm:pt modelId="{20177508-7C4A-44B7-9491-F2F874B79DF0}" type="sibTrans" cxnId="{48A65D49-CABF-4D36-AE62-7F08CF0329A8}">
       <dgm:prSet/>
       <dgm:spPr/>
       <dgm:t>
@@ -8286,18 +10818,30 @@
         </a:p>
       </dgm:t>
     </dgm:pt>
-    <dgm:pt modelId="{0314A8ED-6404-47C2-9E8E-71104968CDD3}">
-      <dgm:prSet phldrT="[Текст]" phldr="1"/>
+    <dgm:pt modelId="{6BC8465F-F152-4B2B-B6B0-8BEFA793F1E3}">
+      <dgm:prSet phldrT="[Текст]"/>
       <dgm:spPr/>
       <dgm:t>
         <a:bodyPr/>
         <a:lstStyle/>
         <a:p>
-          <a:endParaRPr lang="ru-RU"/>
+          <a:r>
+            <a:rPr lang="ru-RU" dirty="0" smtClean="0"/>
+            <a:t>Прочитать/записать </a:t>
+          </a:r>
+          <a:r>
+            <a:rPr lang="en-US" dirty="0" smtClean="0"/>
+            <a:t>JSON-</a:t>
+          </a:r>
+          <a:r>
+            <a:rPr lang="ru-RU" dirty="0" smtClean="0"/>
+            <a:t>файл</a:t>
+          </a:r>
+          <a:endParaRPr lang="ru-RU" dirty="0"/>
         </a:p>
       </dgm:t>
     </dgm:pt>
-    <dgm:pt modelId="{BFB8E420-BBE3-4B39-9255-5F91B865553F}" type="parTrans" cxnId="{02C851DA-86D0-488F-85E3-6DA4F6986C60}">
+    <dgm:pt modelId="{9A34D1F0-FD46-4312-B06F-D5D631444813}" type="parTrans" cxnId="{3CD1693C-FD15-4008-95EC-E01AA2B4F014}">
       <dgm:prSet/>
       <dgm:spPr/>
       <dgm:t>
@@ -8308,7 +10852,7 @@
         </a:p>
       </dgm:t>
     </dgm:pt>
-    <dgm:pt modelId="{D5E3E63D-4FE3-48F1-9A0A-523344912038}" type="sibTrans" cxnId="{02C851DA-86D0-488F-85E3-6DA4F6986C60}">
+    <dgm:pt modelId="{A9B214D6-FC85-452E-A1AA-6CACFC7D5066}" type="sibTrans" cxnId="{3CD1693C-FD15-4008-95EC-E01AA2B4F014}">
       <dgm:prSet/>
       <dgm:spPr/>
       <dgm:t>
@@ -8319,18 +10863,30 @@
         </a:p>
       </dgm:t>
     </dgm:pt>
-    <dgm:pt modelId="{CA56D1AC-77F2-4CEA-85FC-7CC4E1A4EC15}">
-      <dgm:prSet phldrT="[Текст]" phldr="1"/>
+    <dgm:pt modelId="{A11CB2FD-A157-4C68-83D6-C4C5B942172A}">
+      <dgm:prSet phldrT="[Текст]"/>
       <dgm:spPr/>
       <dgm:t>
         <a:bodyPr/>
         <a:lstStyle/>
         <a:p>
-          <a:endParaRPr lang="ru-RU"/>
+          <a:r>
+            <a:rPr lang="ru-RU" dirty="0" smtClean="0"/>
+            <a:t>Проверить </a:t>
+          </a:r>
+          <a:r>
+            <a:rPr lang="en-US" dirty="0" smtClean="0"/>
+            <a:t>JSON-</a:t>
+          </a:r>
+          <a:r>
+            <a:rPr lang="ru-RU" dirty="0" smtClean="0"/>
+            <a:t>структуру на соответствие шаблону</a:t>
+          </a:r>
+          <a:endParaRPr lang="ru-RU" dirty="0"/>
         </a:p>
       </dgm:t>
     </dgm:pt>
-    <dgm:pt modelId="{E19D255F-E1D3-479E-9AE5-D4DEC997763F}" type="parTrans" cxnId="{F9BF24EF-56A2-4C2B-B8E6-24737508D1E8}">
+    <dgm:pt modelId="{0253DC1D-0C3C-405D-93F7-80D19AD67065}" type="parTrans" cxnId="{F3B4AF9B-7FE3-40D3-BA22-E241A2CE68FB}">
       <dgm:prSet/>
       <dgm:spPr/>
       <dgm:t>
@@ -8341,7 +10897,7 @@
         </a:p>
       </dgm:t>
     </dgm:pt>
-    <dgm:pt modelId="{24CE723F-BF71-4C6D-BCEB-480EF2D5F000}" type="sibTrans" cxnId="{F9BF24EF-56A2-4C2B-B8E6-24737508D1E8}">
+    <dgm:pt modelId="{72CE49A4-A530-4D9D-B4FC-D654EF8E746F}" type="sibTrans" cxnId="{F3B4AF9B-7FE3-40D3-BA22-E241A2CE68FB}">
       <dgm:prSet/>
       <dgm:spPr/>
       <dgm:t>
@@ -8352,18 +10908,22 @@
         </a:p>
       </dgm:t>
     </dgm:pt>
-    <dgm:pt modelId="{15AF5C27-F96D-4627-B4EB-1682114BFFCB}">
-      <dgm:prSet phldrT="[Текст]" phldr="1"/>
+    <dgm:pt modelId="{6EC4C7A0-7E2A-47DE-B2E1-3DBF10A006E4}">
+      <dgm:prSet phldrT="[Текст]"/>
       <dgm:spPr/>
       <dgm:t>
         <a:bodyPr/>
         <a:lstStyle/>
         <a:p>
-          <a:endParaRPr lang="ru-RU"/>
+          <a:r>
+            <a:rPr lang="ru-RU" dirty="0" smtClean="0"/>
+            <a:t>Проверка на открытие файла</a:t>
+          </a:r>
+          <a:endParaRPr lang="ru-RU" dirty="0"/>
         </a:p>
       </dgm:t>
     </dgm:pt>
-    <dgm:pt modelId="{E6C9B780-E879-40DD-98B1-AB09CD0F8852}" type="parTrans" cxnId="{0C4E12C9-19F8-415F-9D81-D69C5ED43489}">
+    <dgm:pt modelId="{153CCD8A-EEDE-42A6-83D5-2DBF09F852E6}" type="parTrans" cxnId="{A077084D-BD82-48E8-9493-C824B2A7DEC1}">
       <dgm:prSet/>
       <dgm:spPr/>
       <dgm:t>
@@ -8374,7 +10934,7 @@
         </a:p>
       </dgm:t>
     </dgm:pt>
-    <dgm:pt modelId="{17111F5E-66C1-4DF5-BD35-017387182D32}" type="sibTrans" cxnId="{0C4E12C9-19F8-415F-9D81-D69C5ED43489}">
+    <dgm:pt modelId="{18B62E41-65DF-4ED6-9329-DB071B0EAC9F}" type="sibTrans" cxnId="{A077084D-BD82-48E8-9493-C824B2A7DEC1}">
       <dgm:prSet/>
       <dgm:spPr/>
       <dgm:t>
@@ -8385,18 +10945,22 @@
         </a:p>
       </dgm:t>
     </dgm:pt>
-    <dgm:pt modelId="{21022DCB-8F51-48A6-A811-D992EF6D17DC}">
-      <dgm:prSet phldrT="[Текст]" phldr="1"/>
+    <dgm:pt modelId="{017FE366-74F1-4A0F-BBA6-BE17472606E3}">
+      <dgm:prSet phldrT="[Текст]"/>
       <dgm:spPr/>
       <dgm:t>
         <a:bodyPr/>
         <a:lstStyle/>
         <a:p>
-          <a:endParaRPr lang="ru-RU"/>
+          <a:r>
+            <a:rPr lang="ru-RU" dirty="0" smtClean="0"/>
+            <a:t>Проверка на ошибки во время чтения/записи файла</a:t>
+          </a:r>
+          <a:endParaRPr lang="ru-RU" dirty="0"/>
         </a:p>
       </dgm:t>
     </dgm:pt>
-    <dgm:pt modelId="{29CC23EF-B4E6-4CD7-AD1E-B289D1398ADB}" type="parTrans" cxnId="{C924CAEB-92E8-4C1C-AD7E-EB8B83C4BCF6}">
+    <dgm:pt modelId="{6204BB66-3532-4E4F-B7A3-5D564691C70E}" type="parTrans" cxnId="{ABE72B95-550F-4C6F-A736-9AEE0A6AFA42}">
       <dgm:prSet/>
       <dgm:spPr/>
       <dgm:t>
@@ -8407,7 +10971,7 @@
         </a:p>
       </dgm:t>
     </dgm:pt>
-    <dgm:pt modelId="{DAC46346-1714-4A38-8D53-31931A99AE04}" type="sibTrans" cxnId="{C924CAEB-92E8-4C1C-AD7E-EB8B83C4BCF6}">
+    <dgm:pt modelId="{84425D09-E092-4EB6-A849-487EBDBB914D}" type="sibTrans" cxnId="{ABE72B95-550F-4C6F-A736-9AEE0A6AFA42}">
       <dgm:prSet/>
       <dgm:spPr/>
       <dgm:t>
@@ -8418,44 +10982,20 @@
         </a:p>
       </dgm:t>
     </dgm:pt>
-    <dgm:pt modelId="{49F48EA4-DDC1-4B78-8762-6F485BE0E7D5}">
-      <dgm:prSet phldrT="[Текст]" phldr="1"/>
+    <dgm:pt modelId="{8997A8C5-71D1-4253-A406-6EEF7A742701}" type="pres">
+      <dgm:prSet presAssocID="{43654343-DB53-42AB-A74A-F1B8C77FC7AB}" presName="linear" presStyleCnt="0">
+        <dgm:presLayoutVars>
+          <dgm:animLvl val="lvl"/>
+          <dgm:resizeHandles val="exact"/>
+        </dgm:presLayoutVars>
+      </dgm:prSet>
       <dgm:spPr/>
-      <dgm:t>
-        <a:bodyPr/>
-        <a:lstStyle/>
-        <a:p>
-          <a:endParaRPr lang="ru-RU"/>
-        </a:p>
-      </dgm:t>
     </dgm:pt>
-    <dgm:pt modelId="{8237D61C-5F9B-4E50-BCA1-A41E25547CF0}" type="parTrans" cxnId="{AF26FB36-3FC8-43FC-B51C-22B203516F9C}">
-      <dgm:prSet/>
-      <dgm:spPr/>
-      <dgm:t>
-        <a:bodyPr/>
-        <a:lstStyle/>
-        <a:p>
-          <a:endParaRPr lang="ru-RU"/>
-        </a:p>
-      </dgm:t>
-    </dgm:pt>
-    <dgm:pt modelId="{39CE0728-621F-4BCB-B4B4-003FBA390184}" type="sibTrans" cxnId="{AF26FB36-3FC8-43FC-B51C-22B203516F9C}">
-      <dgm:prSet/>
-      <dgm:spPr/>
-      <dgm:t>
-        <a:bodyPr/>
-        <a:lstStyle/>
-        <a:p>
-          <a:endParaRPr lang="ru-RU"/>
-        </a:p>
-      </dgm:t>
-    </dgm:pt>
-    <dgm:pt modelId="{A34641BA-1901-4CD2-8E90-A39AB9015536}" type="pres">
-      <dgm:prSet presAssocID="{027E30A3-236D-4B79-B31D-57B2B8028FAE}" presName="Name0" presStyleCnt="0">
+    <dgm:pt modelId="{B9E4810E-52F3-40F0-9593-6C037BA1D12A}" type="pres">
+      <dgm:prSet presAssocID="{2E623F1E-8BE3-4C3D-8265-19EDBBBD0197}" presName="parentText" presStyleLbl="node1" presStyleIdx="0" presStyleCnt="2">
         <dgm:presLayoutVars>
-          <dgm:dir/>
-          <dgm:resizeHandles val="exact"/>
+          <dgm:chMax val="0"/>
+          <dgm:bulletEnabled val="1"/>
         </dgm:presLayoutVars>
       </dgm:prSet>
       <dgm:spPr/>
@@ -8467,16 +11007,8 @@
         </a:p>
       </dgm:t>
     </dgm:pt>
-    <dgm:pt modelId="{BF7B1D8C-3575-4263-9F63-579F6CBC0A0E}" type="pres">
-      <dgm:prSet presAssocID="{760F338A-0B21-4C8D-8073-308CE7AFDB64}" presName="composite" presStyleCnt="0"/>
-      <dgm:spPr/>
-    </dgm:pt>
-    <dgm:pt modelId="{9007CCC9-62FA-4BF8-BC1B-1742332E7490}" type="pres">
-      <dgm:prSet presAssocID="{760F338A-0B21-4C8D-8073-308CE7AFDB64}" presName="imagSh" presStyleLbl="bgImgPlace1" presStyleIdx="0" presStyleCnt="3"/>
-      <dgm:spPr/>
-    </dgm:pt>
-    <dgm:pt modelId="{7436D173-27E0-40D2-B413-52C4A15451DD}" type="pres">
-      <dgm:prSet presAssocID="{760F338A-0B21-4C8D-8073-308CE7AFDB64}" presName="txNode" presStyleLbl="node1" presStyleIdx="0" presStyleCnt="3">
+    <dgm:pt modelId="{625A264F-F3DF-4EEC-8B66-102C93BB9818}" type="pres">
+      <dgm:prSet presAssocID="{2E623F1E-8BE3-4C3D-8265-19EDBBBD0197}" presName="childText" presStyleLbl="revTx" presStyleIdx="0" presStyleCnt="2">
         <dgm:presLayoutVars>
           <dgm:bulletEnabled val="1"/>
         </dgm:presLayoutVars>
@@ -8490,39 +11022,10 @@
         </a:p>
       </dgm:t>
     </dgm:pt>
-    <dgm:pt modelId="{A9E8C83E-2C35-49F4-A158-31A34E479288}" type="pres">
-      <dgm:prSet presAssocID="{7668CB60-F8AD-401F-A179-1BC6FCB02C0A}" presName="sibTrans" presStyleLbl="sibTrans2D1" presStyleIdx="0" presStyleCnt="2"/>
-      <dgm:spPr/>
-      <dgm:t>
-        <a:bodyPr/>
-        <a:lstStyle/>
-        <a:p>
-          <a:endParaRPr lang="ru-RU"/>
-        </a:p>
-      </dgm:t>
-    </dgm:pt>
-    <dgm:pt modelId="{2053202E-69F2-410E-B2C5-1F29818AF1AC}" type="pres">
-      <dgm:prSet presAssocID="{7668CB60-F8AD-401F-A179-1BC6FCB02C0A}" presName="connTx" presStyleLbl="sibTrans2D1" presStyleIdx="0" presStyleCnt="2"/>
-      <dgm:spPr/>
-      <dgm:t>
-        <a:bodyPr/>
-        <a:lstStyle/>
-        <a:p>
-          <a:endParaRPr lang="ru-RU"/>
-        </a:p>
-      </dgm:t>
-    </dgm:pt>
-    <dgm:pt modelId="{9D601210-CA88-4585-8A7C-FC988A3120F1}" type="pres">
-      <dgm:prSet presAssocID="{9B33B1CC-66F4-4AAA-846D-249FB4D50659}" presName="composite" presStyleCnt="0"/>
-      <dgm:spPr/>
-    </dgm:pt>
-    <dgm:pt modelId="{A1C90A83-0560-429C-BDF8-566F261D6748}" type="pres">
-      <dgm:prSet presAssocID="{9B33B1CC-66F4-4AAA-846D-249FB4D50659}" presName="imagSh" presStyleLbl="bgImgPlace1" presStyleIdx="1" presStyleCnt="3"/>
-      <dgm:spPr/>
-    </dgm:pt>
-    <dgm:pt modelId="{B10AB445-88A2-4946-A216-D2A5E4DBE459}" type="pres">
-      <dgm:prSet presAssocID="{9B33B1CC-66F4-4AAA-846D-249FB4D50659}" presName="txNode" presStyleLbl="node1" presStyleIdx="1" presStyleCnt="3">
+    <dgm:pt modelId="{557F1F5C-6D75-4492-8EF1-6580ED92ACAF}" type="pres">
+      <dgm:prSet presAssocID="{1EF42ADA-5F02-4E46-BE50-FEA15D3D173E}" presName="parentText" presStyleLbl="node1" presStyleIdx="1" presStyleCnt="2">
         <dgm:presLayoutVars>
+          <dgm:chMax val="0"/>
           <dgm:bulletEnabled val="1"/>
         </dgm:presLayoutVars>
       </dgm:prSet>
@@ -8535,38 +11038,8 @@
         </a:p>
       </dgm:t>
     </dgm:pt>
-    <dgm:pt modelId="{DADD8E6F-F48E-47D9-A01F-E41516BF2B5C}" type="pres">
-      <dgm:prSet presAssocID="{7E415396-34A7-4BA1-B038-BADA3F25E00D}" presName="sibTrans" presStyleLbl="sibTrans2D1" presStyleIdx="1" presStyleCnt="2"/>
-      <dgm:spPr/>
-      <dgm:t>
-        <a:bodyPr/>
-        <a:lstStyle/>
-        <a:p>
-          <a:endParaRPr lang="ru-RU"/>
-        </a:p>
-      </dgm:t>
-    </dgm:pt>
-    <dgm:pt modelId="{DEAD7210-0E30-444A-B3F1-B89C93BE3BBF}" type="pres">
-      <dgm:prSet presAssocID="{7E415396-34A7-4BA1-B038-BADA3F25E00D}" presName="connTx" presStyleLbl="sibTrans2D1" presStyleIdx="1" presStyleCnt="2"/>
-      <dgm:spPr/>
-      <dgm:t>
-        <a:bodyPr/>
-        <a:lstStyle/>
-        <a:p>
-          <a:endParaRPr lang="ru-RU"/>
-        </a:p>
-      </dgm:t>
-    </dgm:pt>
-    <dgm:pt modelId="{6C77F872-8BA8-4104-90EC-9A5FA791F5C4}" type="pres">
-      <dgm:prSet presAssocID="{15AF5C27-F96D-4627-B4EB-1682114BFFCB}" presName="composite" presStyleCnt="0"/>
-      <dgm:spPr/>
-    </dgm:pt>
-    <dgm:pt modelId="{8D493300-5C1E-4AD1-8E27-3479FBFE62A8}" type="pres">
-      <dgm:prSet presAssocID="{15AF5C27-F96D-4627-B4EB-1682114BFFCB}" presName="imagSh" presStyleLbl="bgImgPlace1" presStyleIdx="2" presStyleCnt="3"/>
-      <dgm:spPr/>
-    </dgm:pt>
-    <dgm:pt modelId="{98E438B2-B36A-46B3-B98B-0D0B83079644}" type="pres">
-      <dgm:prSet presAssocID="{15AF5C27-F96D-4627-B4EB-1682114BFFCB}" presName="txNode" presStyleLbl="node1" presStyleIdx="2" presStyleCnt="3">
+    <dgm:pt modelId="{657A1B8A-9783-4C29-9201-29A02D448FA4}" type="pres">
+      <dgm:prSet presAssocID="{1EF42ADA-5F02-4E46-BE50-FEA15D3D173E}" presName="childText" presStyleLbl="revTx" presStyleIdx="1" presStyleCnt="2">
         <dgm:presLayoutVars>
           <dgm:bulletEnabled val="1"/>
         </dgm:presLayoutVars>
@@ -8582,42 +11055,438 @@
     </dgm:pt>
   </dgm:ptLst>
   <dgm:cxnLst>
-    <dgm:cxn modelId="{C924CAEB-92E8-4C1C-AD7E-EB8B83C4BCF6}" srcId="{15AF5C27-F96D-4627-B4EB-1682114BFFCB}" destId="{21022DCB-8F51-48A6-A811-D992EF6D17DC}" srcOrd="0" destOrd="0" parTransId="{29CC23EF-B4E6-4CD7-AD1E-B289D1398ADB}" sibTransId="{DAC46346-1714-4A38-8D53-31931A99AE04}"/>
-    <dgm:cxn modelId="{1BCE1DB8-852E-4076-9FC4-517D41EAA103}" srcId="{760F338A-0B21-4C8D-8073-308CE7AFDB64}" destId="{83CD6D0E-6253-41C6-9EAF-81AE39CB9D9D}" srcOrd="1" destOrd="0" parTransId="{47520CD3-C204-4525-AB6B-E5DE1E2C9581}" sibTransId="{8910FAF0-B7BE-45CA-AD8E-44248BADE365}"/>
-    <dgm:cxn modelId="{AFD8E661-492C-494D-AFA7-217DB84C2F28}" type="presOf" srcId="{83CD6D0E-6253-41C6-9EAF-81AE39CB9D9D}" destId="{7436D173-27E0-40D2-B413-52C4A15451DD}" srcOrd="0" destOrd="2" presId="urn:microsoft.com/office/officeart/2005/8/layout/hProcess10"/>
-    <dgm:cxn modelId="{69237375-65D4-4FDD-B310-D9395E8862FC}" type="presOf" srcId="{7668CB60-F8AD-401F-A179-1BC6FCB02C0A}" destId="{A9E8C83E-2C35-49F4-A158-31A34E479288}" srcOrd="0" destOrd="0" presId="urn:microsoft.com/office/officeart/2005/8/layout/hProcess10"/>
-    <dgm:cxn modelId="{93779FA4-3999-4021-B647-E40E29D50A48}" type="presOf" srcId="{7668CB60-F8AD-401F-A179-1BC6FCB02C0A}" destId="{2053202E-69F2-410E-B2C5-1F29818AF1AC}" srcOrd="1" destOrd="0" presId="urn:microsoft.com/office/officeart/2005/8/layout/hProcess10"/>
-    <dgm:cxn modelId="{7003885A-81E2-4C41-93A3-8F534A2B046F}" type="presOf" srcId="{760F338A-0B21-4C8D-8073-308CE7AFDB64}" destId="{7436D173-27E0-40D2-B413-52C4A15451DD}" srcOrd="0" destOrd="0" presId="urn:microsoft.com/office/officeart/2005/8/layout/hProcess10"/>
-    <dgm:cxn modelId="{639527F1-B3F2-4BD1-8647-C5D818EF5F32}" type="presOf" srcId="{027E30A3-236D-4B79-B31D-57B2B8028FAE}" destId="{A34641BA-1901-4CD2-8E90-A39AB9015536}" srcOrd="0" destOrd="0" presId="urn:microsoft.com/office/officeart/2005/8/layout/hProcess10"/>
-    <dgm:cxn modelId="{6DBE4A38-89FD-4DBA-BFDA-A147BC1326C5}" type="presOf" srcId="{9B33B1CC-66F4-4AAA-846D-249FB4D50659}" destId="{B10AB445-88A2-4946-A216-D2A5E4DBE459}" srcOrd="0" destOrd="0" presId="urn:microsoft.com/office/officeart/2005/8/layout/hProcess10"/>
-    <dgm:cxn modelId="{08F560BE-2C6A-4D17-8C79-71A2939E3649}" type="presOf" srcId="{49F48EA4-DDC1-4B78-8762-6F485BE0E7D5}" destId="{98E438B2-B36A-46B3-B98B-0D0B83079644}" srcOrd="0" destOrd="2" presId="urn:microsoft.com/office/officeart/2005/8/layout/hProcess10"/>
-    <dgm:cxn modelId="{F9BF24EF-56A2-4C2B-B8E6-24737508D1E8}" srcId="{9B33B1CC-66F4-4AAA-846D-249FB4D50659}" destId="{CA56D1AC-77F2-4CEA-85FC-7CC4E1A4EC15}" srcOrd="1" destOrd="0" parTransId="{E19D255F-E1D3-479E-9AE5-D4DEC997763F}" sibTransId="{24CE723F-BF71-4C6D-BCEB-480EF2D5F000}"/>
-    <dgm:cxn modelId="{32C5FBDB-F1BD-4283-A2A2-8BC8BB74CFBD}" srcId="{760F338A-0B21-4C8D-8073-308CE7AFDB64}" destId="{5692516F-9C37-4999-B595-65CBC561067D}" srcOrd="0" destOrd="0" parTransId="{6BFC3AC8-713F-4E30-89C6-D93531EFDD72}" sibTransId="{47AE2194-B122-45A8-907B-ED2ABC62A1E4}"/>
-    <dgm:cxn modelId="{69CFC9B1-96F8-4A54-9DB1-1C1491A83AA4}" srcId="{027E30A3-236D-4B79-B31D-57B2B8028FAE}" destId="{760F338A-0B21-4C8D-8073-308CE7AFDB64}" srcOrd="0" destOrd="0" parTransId="{F023E250-4D7B-454D-88CE-6A34E6F6B1AE}" sibTransId="{7668CB60-F8AD-401F-A179-1BC6FCB02C0A}"/>
-    <dgm:cxn modelId="{3E323652-54D4-4BCB-AD53-7CA7643EDA58}" type="presOf" srcId="{15AF5C27-F96D-4627-B4EB-1682114BFFCB}" destId="{98E438B2-B36A-46B3-B98B-0D0B83079644}" srcOrd="0" destOrd="0" presId="urn:microsoft.com/office/officeart/2005/8/layout/hProcess10"/>
-    <dgm:cxn modelId="{02C851DA-86D0-488F-85E3-6DA4F6986C60}" srcId="{9B33B1CC-66F4-4AAA-846D-249FB4D50659}" destId="{0314A8ED-6404-47C2-9E8E-71104968CDD3}" srcOrd="0" destOrd="0" parTransId="{BFB8E420-BBE3-4B39-9255-5F91B865553F}" sibTransId="{D5E3E63D-4FE3-48F1-9A0A-523344912038}"/>
-    <dgm:cxn modelId="{AF26FB36-3FC8-43FC-B51C-22B203516F9C}" srcId="{15AF5C27-F96D-4627-B4EB-1682114BFFCB}" destId="{49F48EA4-DDC1-4B78-8762-6F485BE0E7D5}" srcOrd="1" destOrd="0" parTransId="{8237D61C-5F9B-4E50-BCA1-A41E25547CF0}" sibTransId="{39CE0728-621F-4BCB-B4B4-003FBA390184}"/>
-    <dgm:cxn modelId="{6C6F494B-A434-48C0-A265-FB53915B8B7A}" type="presOf" srcId="{7E415396-34A7-4BA1-B038-BADA3F25E00D}" destId="{DADD8E6F-F48E-47D9-A01F-E41516BF2B5C}" srcOrd="0" destOrd="0" presId="urn:microsoft.com/office/officeart/2005/8/layout/hProcess10"/>
-    <dgm:cxn modelId="{03E723B8-76DF-4F01-9CA2-4959CE05A85E}" type="presOf" srcId="{CA56D1AC-77F2-4CEA-85FC-7CC4E1A4EC15}" destId="{B10AB445-88A2-4946-A216-D2A5E4DBE459}" srcOrd="0" destOrd="2" presId="urn:microsoft.com/office/officeart/2005/8/layout/hProcess10"/>
-    <dgm:cxn modelId="{CB26119F-FA7B-4E58-BC48-1FB1E7C732A6}" type="presOf" srcId="{5692516F-9C37-4999-B595-65CBC561067D}" destId="{7436D173-27E0-40D2-B413-52C4A15451DD}" srcOrd="0" destOrd="1" presId="urn:microsoft.com/office/officeart/2005/8/layout/hProcess10"/>
-    <dgm:cxn modelId="{8DD9E3BD-E4BB-48CA-A298-8234AA77C62F}" type="presOf" srcId="{21022DCB-8F51-48A6-A811-D992EF6D17DC}" destId="{98E438B2-B36A-46B3-B98B-0D0B83079644}" srcOrd="0" destOrd="1" presId="urn:microsoft.com/office/officeart/2005/8/layout/hProcess10"/>
-    <dgm:cxn modelId="{0C4E12C9-19F8-415F-9D81-D69C5ED43489}" srcId="{027E30A3-236D-4B79-B31D-57B2B8028FAE}" destId="{15AF5C27-F96D-4627-B4EB-1682114BFFCB}" srcOrd="2" destOrd="0" parTransId="{E6C9B780-E879-40DD-98B1-AB09CD0F8852}" sibTransId="{17111F5E-66C1-4DF5-BD35-017387182D32}"/>
-    <dgm:cxn modelId="{99B3C57A-8138-4C5B-8A4E-6A791445BAE7}" type="presOf" srcId="{0314A8ED-6404-47C2-9E8E-71104968CDD3}" destId="{B10AB445-88A2-4946-A216-D2A5E4DBE459}" srcOrd="0" destOrd="1" presId="urn:microsoft.com/office/officeart/2005/8/layout/hProcess10"/>
-    <dgm:cxn modelId="{9CB06D9B-8183-4433-BE4B-7CA05F4C9314}" srcId="{027E30A3-236D-4B79-B31D-57B2B8028FAE}" destId="{9B33B1CC-66F4-4AAA-846D-249FB4D50659}" srcOrd="1" destOrd="0" parTransId="{5E2096E7-9742-43A4-9BB2-84FF99D565FC}" sibTransId="{7E415396-34A7-4BA1-B038-BADA3F25E00D}"/>
-    <dgm:cxn modelId="{6A0C2B43-B668-4A6F-A9CF-80E0F7269B39}" type="presOf" srcId="{7E415396-34A7-4BA1-B038-BADA3F25E00D}" destId="{DEAD7210-0E30-444A-B3F1-B89C93BE3BBF}" srcOrd="1" destOrd="0" presId="urn:microsoft.com/office/officeart/2005/8/layout/hProcess10"/>
-    <dgm:cxn modelId="{827A34FF-026E-4CAA-A170-CABCDA480D66}" type="presParOf" srcId="{A34641BA-1901-4CD2-8E90-A39AB9015536}" destId="{BF7B1D8C-3575-4263-9F63-579F6CBC0A0E}" srcOrd="0" destOrd="0" presId="urn:microsoft.com/office/officeart/2005/8/layout/hProcess10"/>
-    <dgm:cxn modelId="{ECDB6F7F-1AF1-46A7-A0A5-92A1548B536F}" type="presParOf" srcId="{BF7B1D8C-3575-4263-9F63-579F6CBC0A0E}" destId="{9007CCC9-62FA-4BF8-BC1B-1742332E7490}" srcOrd="0" destOrd="0" presId="urn:microsoft.com/office/officeart/2005/8/layout/hProcess10"/>
-    <dgm:cxn modelId="{5E8570D3-B94B-44F7-85F0-AFCAC0B37B5D}" type="presParOf" srcId="{BF7B1D8C-3575-4263-9F63-579F6CBC0A0E}" destId="{7436D173-27E0-40D2-B413-52C4A15451DD}" srcOrd="1" destOrd="0" presId="urn:microsoft.com/office/officeart/2005/8/layout/hProcess10"/>
-    <dgm:cxn modelId="{266A6B20-8329-4BB4-97E3-3102666D7C64}" type="presParOf" srcId="{A34641BA-1901-4CD2-8E90-A39AB9015536}" destId="{A9E8C83E-2C35-49F4-A158-31A34E479288}" srcOrd="1" destOrd="0" presId="urn:microsoft.com/office/officeart/2005/8/layout/hProcess10"/>
-    <dgm:cxn modelId="{D0667544-C70C-43F1-915B-894EA0C6C56A}" type="presParOf" srcId="{A9E8C83E-2C35-49F4-A158-31A34E479288}" destId="{2053202E-69F2-410E-B2C5-1F29818AF1AC}" srcOrd="0" destOrd="0" presId="urn:microsoft.com/office/officeart/2005/8/layout/hProcess10"/>
-    <dgm:cxn modelId="{27C37F3F-C887-4F98-9E31-72400C9C4B65}" type="presParOf" srcId="{A34641BA-1901-4CD2-8E90-A39AB9015536}" destId="{9D601210-CA88-4585-8A7C-FC988A3120F1}" srcOrd="2" destOrd="0" presId="urn:microsoft.com/office/officeart/2005/8/layout/hProcess10"/>
-    <dgm:cxn modelId="{D606E427-7077-427A-9FE1-2C0A3C70E94B}" type="presParOf" srcId="{9D601210-CA88-4585-8A7C-FC988A3120F1}" destId="{A1C90A83-0560-429C-BDF8-566F261D6748}" srcOrd="0" destOrd="0" presId="urn:microsoft.com/office/officeart/2005/8/layout/hProcess10"/>
-    <dgm:cxn modelId="{565C48DF-0A7C-4291-8F1D-3AD0CB81E663}" type="presParOf" srcId="{9D601210-CA88-4585-8A7C-FC988A3120F1}" destId="{B10AB445-88A2-4946-A216-D2A5E4DBE459}" srcOrd="1" destOrd="0" presId="urn:microsoft.com/office/officeart/2005/8/layout/hProcess10"/>
-    <dgm:cxn modelId="{551AA431-43FF-46CB-8B65-B7939F1D52D1}" type="presParOf" srcId="{A34641BA-1901-4CD2-8E90-A39AB9015536}" destId="{DADD8E6F-F48E-47D9-A01F-E41516BF2B5C}" srcOrd="3" destOrd="0" presId="urn:microsoft.com/office/officeart/2005/8/layout/hProcess10"/>
-    <dgm:cxn modelId="{A9EA93CC-E297-4277-A5CF-761CC2C61DCE}" type="presParOf" srcId="{DADD8E6F-F48E-47D9-A01F-E41516BF2B5C}" destId="{DEAD7210-0E30-444A-B3F1-B89C93BE3BBF}" srcOrd="0" destOrd="0" presId="urn:microsoft.com/office/officeart/2005/8/layout/hProcess10"/>
-    <dgm:cxn modelId="{9B101687-9B9D-4B14-9974-D32B50A26A6E}" type="presParOf" srcId="{A34641BA-1901-4CD2-8E90-A39AB9015536}" destId="{6C77F872-8BA8-4104-90EC-9A5FA791F5C4}" srcOrd="4" destOrd="0" presId="urn:microsoft.com/office/officeart/2005/8/layout/hProcess10"/>
-    <dgm:cxn modelId="{5515A12B-0E0F-4955-88B6-AA0F1095C5D7}" type="presParOf" srcId="{6C77F872-8BA8-4104-90EC-9A5FA791F5C4}" destId="{8D493300-5C1E-4AD1-8E27-3479FBFE62A8}" srcOrd="0" destOrd="0" presId="urn:microsoft.com/office/officeart/2005/8/layout/hProcess10"/>
-    <dgm:cxn modelId="{5BA04428-CD29-4AB7-93FB-CE29011072A1}" type="presParOf" srcId="{6C77F872-8BA8-4104-90EC-9A5FA791F5C4}" destId="{98E438B2-B36A-46B3-B98B-0D0B83079644}" srcOrd="1" destOrd="0" presId="urn:microsoft.com/office/officeart/2005/8/layout/hProcess10"/>
+    <dgm:cxn modelId="{1DC3C6B9-EDD0-4B3C-817F-3B6C7FA796B1}" srcId="{43654343-DB53-42AB-A74A-F1B8C77FC7AB}" destId="{2E623F1E-8BE3-4C3D-8265-19EDBBBD0197}" srcOrd="0" destOrd="0" parTransId="{DC9D396A-E0D1-49AA-A782-4C3FBF25DB9D}" sibTransId="{D487729C-3736-4AB6-8A23-244116BE78F6}"/>
+    <dgm:cxn modelId="{D817F523-88F6-435B-AF3D-410EB41D04C7}" type="presOf" srcId="{79306A6F-DF62-4B70-AEAA-7AACBA933274}" destId="{625A264F-F3DF-4EEC-8B66-102C93BB9818}" srcOrd="0" destOrd="0" presId="urn:microsoft.com/office/officeart/2005/8/layout/vList2"/>
+    <dgm:cxn modelId="{050D1CCC-6CCB-47AC-B1B0-006D5C3B9463}" type="presOf" srcId="{017FE366-74F1-4A0F-BBA6-BE17472606E3}" destId="{657A1B8A-9783-4C29-9201-29A02D448FA4}" srcOrd="0" destOrd="2" presId="urn:microsoft.com/office/officeart/2005/8/layout/vList2"/>
+    <dgm:cxn modelId="{A077084D-BD82-48E8-9493-C824B2A7DEC1}" srcId="{1EF42ADA-5F02-4E46-BE50-FEA15D3D173E}" destId="{6EC4C7A0-7E2A-47DE-B2E1-3DBF10A006E4}" srcOrd="1" destOrd="0" parTransId="{153CCD8A-EEDE-42A6-83D5-2DBF09F852E6}" sibTransId="{18B62E41-65DF-4ED6-9329-DB071B0EAC9F}"/>
+    <dgm:cxn modelId="{64AA8193-3439-4C5F-B251-813F4773F941}" type="presOf" srcId="{43654343-DB53-42AB-A74A-F1B8C77FC7AB}" destId="{8997A8C5-71D1-4253-A406-6EEF7A742701}" srcOrd="0" destOrd="0" presId="urn:microsoft.com/office/officeart/2005/8/layout/vList2"/>
+    <dgm:cxn modelId="{3CD1693C-FD15-4008-95EC-E01AA2B4F014}" srcId="{2E623F1E-8BE3-4C3D-8265-19EDBBBD0197}" destId="{6BC8465F-F152-4B2B-B6B0-8BEFA793F1E3}" srcOrd="1" destOrd="0" parTransId="{9A34D1F0-FD46-4312-B06F-D5D631444813}" sibTransId="{A9B214D6-FC85-452E-A1AA-6CACFC7D5066}"/>
+    <dgm:cxn modelId="{ABE72B95-550F-4C6F-A736-9AEE0A6AFA42}" srcId="{1EF42ADA-5F02-4E46-BE50-FEA15D3D173E}" destId="{017FE366-74F1-4A0F-BBA6-BE17472606E3}" srcOrd="2" destOrd="0" parTransId="{6204BB66-3532-4E4F-B7A3-5D564691C70E}" sibTransId="{84425D09-E092-4EB6-A849-487EBDBB914D}"/>
+    <dgm:cxn modelId="{BAC2D091-19B2-47EA-A560-CF3C9EE07EEE}" srcId="{2E623F1E-8BE3-4C3D-8265-19EDBBBD0197}" destId="{79306A6F-DF62-4B70-AEAA-7AACBA933274}" srcOrd="0" destOrd="0" parTransId="{ED6D6C32-A6A4-4F53-BECD-31DF94AB2F2D}" sibTransId="{3C0A9A96-F363-4021-A337-B08E7E4FF28B}"/>
+    <dgm:cxn modelId="{6436DBCA-1735-4B6C-96BD-2870F8DDD555}" srcId="{43654343-DB53-42AB-A74A-F1B8C77FC7AB}" destId="{1EF42ADA-5F02-4E46-BE50-FEA15D3D173E}" srcOrd="1" destOrd="0" parTransId="{3C59A9C2-E01F-46D5-B3B1-192E43353452}" sibTransId="{16D47AF7-45E3-4CA0-A461-E4B2D347912E}"/>
+    <dgm:cxn modelId="{F10569FF-8F86-4F84-B533-45D6AE975FD5}" type="presOf" srcId="{A11CB2FD-A157-4C68-83D6-C4C5B942172A}" destId="{625A264F-F3DF-4EEC-8B66-102C93BB9818}" srcOrd="0" destOrd="2" presId="urn:microsoft.com/office/officeart/2005/8/layout/vList2"/>
+    <dgm:cxn modelId="{C3CFC676-C5FC-4571-B86C-5A148CFD44A5}" type="presOf" srcId="{6EC4C7A0-7E2A-47DE-B2E1-3DBF10A006E4}" destId="{657A1B8A-9783-4C29-9201-29A02D448FA4}" srcOrd="0" destOrd="1" presId="urn:microsoft.com/office/officeart/2005/8/layout/vList2"/>
+    <dgm:cxn modelId="{8D2F85D3-D5F7-4AFE-ACBB-57AD0CD0C668}" type="presOf" srcId="{6BC8465F-F152-4B2B-B6B0-8BEFA793F1E3}" destId="{625A264F-F3DF-4EEC-8B66-102C93BB9818}" srcOrd="0" destOrd="1" presId="urn:microsoft.com/office/officeart/2005/8/layout/vList2"/>
+    <dgm:cxn modelId="{6CF4803D-F75D-4A12-AC1C-B72C879BD512}" type="presOf" srcId="{1EF42ADA-5F02-4E46-BE50-FEA15D3D173E}" destId="{557F1F5C-6D75-4492-8EF1-6580ED92ACAF}" srcOrd="0" destOrd="0" presId="urn:microsoft.com/office/officeart/2005/8/layout/vList2"/>
+    <dgm:cxn modelId="{E8D8967D-C691-4B22-97CC-DB357D43275D}" type="presOf" srcId="{573D393A-66A2-446E-BFEF-C3FBF1C42C84}" destId="{657A1B8A-9783-4C29-9201-29A02D448FA4}" srcOrd="0" destOrd="0" presId="urn:microsoft.com/office/officeart/2005/8/layout/vList2"/>
+    <dgm:cxn modelId="{F3B4AF9B-7FE3-40D3-BA22-E241A2CE68FB}" srcId="{2E623F1E-8BE3-4C3D-8265-19EDBBBD0197}" destId="{A11CB2FD-A157-4C68-83D6-C4C5B942172A}" srcOrd="2" destOrd="0" parTransId="{0253DC1D-0C3C-405D-93F7-80D19AD67065}" sibTransId="{72CE49A4-A530-4D9D-B4FC-D654EF8E746F}"/>
+    <dgm:cxn modelId="{CAD3D820-E2B7-4353-8121-030808F9E88E}" type="presOf" srcId="{2E623F1E-8BE3-4C3D-8265-19EDBBBD0197}" destId="{B9E4810E-52F3-40F0-9593-6C037BA1D12A}" srcOrd="0" destOrd="0" presId="urn:microsoft.com/office/officeart/2005/8/layout/vList2"/>
+    <dgm:cxn modelId="{48A65D49-CABF-4D36-AE62-7F08CF0329A8}" srcId="{1EF42ADA-5F02-4E46-BE50-FEA15D3D173E}" destId="{573D393A-66A2-446E-BFEF-C3FBF1C42C84}" srcOrd="0" destOrd="0" parTransId="{8FB5C8FE-E193-41CA-9D85-84904BACA977}" sibTransId="{20177508-7C4A-44B7-9491-F2F874B79DF0}"/>
+    <dgm:cxn modelId="{B0F92AEA-C73F-4AC3-ADE5-AD6CDED41AA6}" type="presParOf" srcId="{8997A8C5-71D1-4253-A406-6EEF7A742701}" destId="{B9E4810E-52F3-40F0-9593-6C037BA1D12A}" srcOrd="0" destOrd="0" presId="urn:microsoft.com/office/officeart/2005/8/layout/vList2"/>
+    <dgm:cxn modelId="{E4A5257F-7DB9-4081-9EE2-928FC54713AA}" type="presParOf" srcId="{8997A8C5-71D1-4253-A406-6EEF7A742701}" destId="{625A264F-F3DF-4EEC-8B66-102C93BB9818}" srcOrd="1" destOrd="0" presId="urn:microsoft.com/office/officeart/2005/8/layout/vList2"/>
+    <dgm:cxn modelId="{637DB6D7-B307-41C3-8B70-014AB2C84E55}" type="presParOf" srcId="{8997A8C5-71D1-4253-A406-6EEF7A742701}" destId="{557F1F5C-6D75-4492-8EF1-6580ED92ACAF}" srcOrd="2" destOrd="0" presId="urn:microsoft.com/office/officeart/2005/8/layout/vList2"/>
+    <dgm:cxn modelId="{C7445A9E-61AD-411A-98E4-88100172EE7C}" type="presParOf" srcId="{8997A8C5-71D1-4253-A406-6EEF7A742701}" destId="{657A1B8A-9783-4C29-9201-29A02D448FA4}" srcOrd="3" destOrd="0" presId="urn:microsoft.com/office/officeart/2005/8/layout/vList2"/>
+  </dgm:cxnLst>
+  <dgm:bg/>
+  <dgm:whole/>
+  <dgm:extLst>
+    <a:ext uri="http://schemas.microsoft.com/office/drawing/2008/diagram">
+      <dsp:dataModelExt xmlns:dsp="http://schemas.microsoft.com/office/drawing/2008/diagram" relId="rId6" minVer="http://schemas.openxmlformats.org/drawingml/2006/diagram"/>
+    </a:ext>
+  </dgm:extLst>
+</dgm:dataModel>
+</file>
+
+<file path=ppt/diagrams/data11.xml><?xml version="1.0" encoding="utf-8"?>
+<dgm:dataModel xmlns:dgm="http://schemas.openxmlformats.org/drawingml/2006/diagram" xmlns:a="http://schemas.openxmlformats.org/drawingml/2006/main">
+  <dgm:ptLst>
+    <dgm:pt modelId="{DE97C37A-15F9-479B-99A3-F6B494A17A28}" type="doc">
+      <dgm:prSet loTypeId="urn:microsoft.com/office/officeart/2005/8/layout/vList2" loCatId="list" qsTypeId="urn:microsoft.com/office/officeart/2005/8/quickstyle/simple1" qsCatId="simple" csTypeId="urn:microsoft.com/office/officeart/2005/8/colors/accent1_2" csCatId="accent1" phldr="1"/>
+      <dgm:spPr/>
+      <dgm:t>
+        <a:bodyPr/>
+        <a:lstStyle/>
+        <a:p>
+          <a:endParaRPr lang="ru-RU"/>
+        </a:p>
+      </dgm:t>
+    </dgm:pt>
+    <dgm:pt modelId="{48CC3452-B333-4F90-887E-97722077E109}">
+      <dgm:prSet phldrT="[Текст]"/>
+      <dgm:spPr/>
+      <dgm:t>
+        <a:bodyPr/>
+        <a:lstStyle/>
+        <a:p>
+          <a:r>
+            <a:rPr lang="ru-RU" dirty="0" smtClean="0"/>
+            <a:t>Функции библиотеки</a:t>
+          </a:r>
+          <a:endParaRPr lang="ru-RU" dirty="0"/>
+        </a:p>
+      </dgm:t>
+    </dgm:pt>
+    <dgm:pt modelId="{35712032-4428-4257-9017-747507727C01}" type="parTrans" cxnId="{6E5F6FAF-D8FF-4B9A-95AB-5E41E36C5067}">
+      <dgm:prSet/>
+      <dgm:spPr/>
+      <dgm:t>
+        <a:bodyPr/>
+        <a:lstStyle/>
+        <a:p>
+          <a:endParaRPr lang="ru-RU"/>
+        </a:p>
+      </dgm:t>
+    </dgm:pt>
+    <dgm:pt modelId="{E4073338-D12C-4A4B-BB0F-7A4D7334FDF9}" type="sibTrans" cxnId="{6E5F6FAF-D8FF-4B9A-95AB-5E41E36C5067}">
+      <dgm:prSet/>
+      <dgm:spPr/>
+      <dgm:t>
+        <a:bodyPr/>
+        <a:lstStyle/>
+        <a:p>
+          <a:endParaRPr lang="ru-RU"/>
+        </a:p>
+      </dgm:t>
+    </dgm:pt>
+    <dgm:pt modelId="{9B56D241-76D7-4251-B32B-D23DBA23DD57}">
+      <dgm:prSet phldrT="[Текст]"/>
+      <dgm:spPr/>
+      <dgm:t>
+        <a:bodyPr/>
+        <a:lstStyle/>
+        <a:p>
+          <a:r>
+            <a:rPr lang="ru-RU" dirty="0" smtClean="0"/>
+            <a:t>Предоставляет 5 уровней логирования</a:t>
+          </a:r>
+          <a:endParaRPr lang="ru-RU" dirty="0"/>
+        </a:p>
+      </dgm:t>
+    </dgm:pt>
+    <dgm:pt modelId="{6FF665C2-6B19-4231-9619-04858625CE9E}" type="parTrans" cxnId="{8A696FEE-1277-452D-A088-A2A0DAE032E4}">
+      <dgm:prSet/>
+      <dgm:spPr/>
+      <dgm:t>
+        <a:bodyPr/>
+        <a:lstStyle/>
+        <a:p>
+          <a:endParaRPr lang="ru-RU"/>
+        </a:p>
+      </dgm:t>
+    </dgm:pt>
+    <dgm:pt modelId="{033FF7EA-AA5C-45DB-95B2-A6FC5F7DCF5A}" type="sibTrans" cxnId="{8A696FEE-1277-452D-A088-A2A0DAE032E4}">
+      <dgm:prSet/>
+      <dgm:spPr/>
+      <dgm:t>
+        <a:bodyPr/>
+        <a:lstStyle/>
+        <a:p>
+          <a:endParaRPr lang="ru-RU"/>
+        </a:p>
+      </dgm:t>
+    </dgm:pt>
+    <dgm:pt modelId="{D02487A7-D405-4913-B5D3-9E4B813ED8A3}">
+      <dgm:prSet phldrT="[Текст]"/>
+      <dgm:spPr/>
+      <dgm:t>
+        <a:bodyPr/>
+        <a:lstStyle/>
+        <a:p>
+          <a:r>
+            <a:rPr lang="ru-RU" dirty="0" smtClean="0"/>
+            <a:t>Внутренние функции</a:t>
+          </a:r>
+          <a:endParaRPr lang="ru-RU" dirty="0"/>
+        </a:p>
+      </dgm:t>
+    </dgm:pt>
+    <dgm:pt modelId="{5A3BC19E-47B9-4A58-9EB8-BD29DF168158}" type="parTrans" cxnId="{8C4092E5-17AE-4DF4-B0A6-9820210905D1}">
+      <dgm:prSet/>
+      <dgm:spPr/>
+      <dgm:t>
+        <a:bodyPr/>
+        <a:lstStyle/>
+        <a:p>
+          <a:endParaRPr lang="ru-RU"/>
+        </a:p>
+      </dgm:t>
+    </dgm:pt>
+    <dgm:pt modelId="{94DB38CC-2E78-4908-B401-D8F6866C6328}" type="sibTrans" cxnId="{8C4092E5-17AE-4DF4-B0A6-9820210905D1}">
+      <dgm:prSet/>
+      <dgm:spPr/>
+      <dgm:t>
+        <a:bodyPr/>
+        <a:lstStyle/>
+        <a:p>
+          <a:endParaRPr lang="ru-RU"/>
+        </a:p>
+      </dgm:t>
+    </dgm:pt>
+    <dgm:pt modelId="{8BFD0C5C-B51E-4EC7-ADD9-528DAF03ABF3}">
+      <dgm:prSet phldrT="[Текст]"/>
+      <dgm:spPr/>
+      <dgm:t>
+        <a:bodyPr/>
+        <a:lstStyle/>
+        <a:p>
+          <a:r>
+            <a:rPr lang="ru-RU" dirty="0" smtClean="0"/>
+            <a:t>Записывает сообщения в лог-файлы в другом потоке</a:t>
+          </a:r>
+          <a:endParaRPr lang="ru-RU" dirty="0"/>
+        </a:p>
+      </dgm:t>
+    </dgm:pt>
+    <dgm:pt modelId="{BB8B7341-F9C0-4D44-BFF3-EF4184FB971B}" type="parTrans" cxnId="{EABBA5E9-2939-4F28-A387-DD26B4742B91}">
+      <dgm:prSet/>
+      <dgm:spPr/>
+      <dgm:t>
+        <a:bodyPr/>
+        <a:lstStyle/>
+        <a:p>
+          <a:endParaRPr lang="ru-RU"/>
+        </a:p>
+      </dgm:t>
+    </dgm:pt>
+    <dgm:pt modelId="{F42BB69E-AF42-478D-B006-D93189C1974B}" type="sibTrans" cxnId="{EABBA5E9-2939-4F28-A387-DD26B4742B91}">
+      <dgm:prSet/>
+      <dgm:spPr/>
+      <dgm:t>
+        <a:bodyPr/>
+        <a:lstStyle/>
+        <a:p>
+          <a:endParaRPr lang="ru-RU"/>
+        </a:p>
+      </dgm:t>
+    </dgm:pt>
+    <dgm:pt modelId="{E63A86B8-E71D-4DCF-8529-FC80F323294E}">
+      <dgm:prSet phldrT="[Текст]"/>
+      <dgm:spPr/>
+      <dgm:t>
+        <a:bodyPr/>
+        <a:lstStyle/>
+        <a:p>
+          <a:r>
+            <a:rPr lang="ru-RU" dirty="0" smtClean="0"/>
+            <a:t>Выводит события в консоль в другом потоке и в другом процессе</a:t>
+          </a:r>
+          <a:endParaRPr lang="ru-RU" dirty="0"/>
+        </a:p>
+      </dgm:t>
+    </dgm:pt>
+    <dgm:pt modelId="{47AF8924-2A5F-4625-AE87-F524E7E949DD}" type="parTrans" cxnId="{0A75C6FB-C679-4699-9B74-0EDF79087546}">
+      <dgm:prSet/>
+      <dgm:spPr/>
+      <dgm:t>
+        <a:bodyPr/>
+        <a:lstStyle/>
+        <a:p>
+          <a:endParaRPr lang="ru-RU"/>
+        </a:p>
+      </dgm:t>
+    </dgm:pt>
+    <dgm:pt modelId="{B71E376A-E657-4C43-BF6D-716913A47424}" type="sibTrans" cxnId="{0A75C6FB-C679-4699-9B74-0EDF79087546}">
+      <dgm:prSet/>
+      <dgm:spPr/>
+      <dgm:t>
+        <a:bodyPr/>
+        <a:lstStyle/>
+        <a:p>
+          <a:endParaRPr lang="ru-RU"/>
+        </a:p>
+      </dgm:t>
+    </dgm:pt>
+    <dgm:pt modelId="{055380E7-1356-4300-812C-461537FDAF9B}">
+      <dgm:prSet phldrT="[Текст]"/>
+      <dgm:spPr/>
+      <dgm:t>
+        <a:bodyPr/>
+        <a:lstStyle/>
+        <a:p>
+          <a:r>
+            <a:rPr lang="ru-RU" dirty="0" smtClean="0"/>
+            <a:t>Регулирует интервал времени использования файла</a:t>
+          </a:r>
+          <a:endParaRPr lang="ru-RU" dirty="0"/>
+        </a:p>
+      </dgm:t>
+    </dgm:pt>
+    <dgm:pt modelId="{75C7FA51-3E92-4F51-A151-B733AF643E08}" type="parTrans" cxnId="{292E37D6-5817-418F-8356-00BAA360ED99}">
+      <dgm:prSet/>
+      <dgm:spPr/>
+      <dgm:t>
+        <a:bodyPr/>
+        <a:lstStyle/>
+        <a:p>
+          <a:endParaRPr lang="ru-RU"/>
+        </a:p>
+      </dgm:t>
+    </dgm:pt>
+    <dgm:pt modelId="{1BF5A7B9-846E-49DC-AE12-12C6C253096B}" type="sibTrans" cxnId="{292E37D6-5817-418F-8356-00BAA360ED99}">
+      <dgm:prSet/>
+      <dgm:spPr/>
+      <dgm:t>
+        <a:bodyPr/>
+        <a:lstStyle/>
+        <a:p>
+          <a:endParaRPr lang="ru-RU"/>
+        </a:p>
+      </dgm:t>
+    </dgm:pt>
+    <dgm:pt modelId="{36FF98E9-5656-4EF7-8B92-CC6F2A5F3655}">
+      <dgm:prSet phldrT="[Текст]"/>
+      <dgm:spPr/>
+      <dgm:t>
+        <a:bodyPr/>
+        <a:lstStyle/>
+        <a:p>
+          <a:r>
+            <a:rPr lang="ru-RU" dirty="0" smtClean="0"/>
+            <a:t>Регулирует интервал времени хранения файла</a:t>
+          </a:r>
+          <a:endParaRPr lang="ru-RU" dirty="0"/>
+        </a:p>
+      </dgm:t>
+    </dgm:pt>
+    <dgm:pt modelId="{8E8E9C50-21B7-4177-99CD-CFA3DFF060E1}" type="parTrans" cxnId="{E9A4FEA3-CFB4-4EE6-8C72-DE0E32EC7C9E}">
+      <dgm:prSet/>
+      <dgm:spPr/>
+      <dgm:t>
+        <a:bodyPr/>
+        <a:lstStyle/>
+        <a:p>
+          <a:endParaRPr lang="ru-RU"/>
+        </a:p>
+      </dgm:t>
+    </dgm:pt>
+    <dgm:pt modelId="{CF367263-300A-4100-B1C8-2469043859E7}" type="sibTrans" cxnId="{E9A4FEA3-CFB4-4EE6-8C72-DE0E32EC7C9E}">
+      <dgm:prSet/>
+      <dgm:spPr/>
+      <dgm:t>
+        <a:bodyPr/>
+        <a:lstStyle/>
+        <a:p>
+          <a:endParaRPr lang="ru-RU"/>
+        </a:p>
+      </dgm:t>
+    </dgm:pt>
+    <dgm:pt modelId="{A765A4A8-D9EA-411B-BB69-52A9710F2630}">
+      <dgm:prSet phldrT="[Текст]"/>
+      <dgm:spPr/>
+      <dgm:t>
+        <a:bodyPr/>
+        <a:lstStyle/>
+        <a:p>
+          <a:endParaRPr lang="ru-RU" dirty="0"/>
+        </a:p>
+      </dgm:t>
+    </dgm:pt>
+    <dgm:pt modelId="{EA7E045F-72D8-4A79-B9BB-E4709CC8F5FF}" type="parTrans" cxnId="{A6156309-2BA0-4C3C-9452-55FC45A16B5C}">
+      <dgm:prSet/>
+      <dgm:spPr/>
+      <dgm:t>
+        <a:bodyPr/>
+        <a:lstStyle/>
+        <a:p>
+          <a:endParaRPr lang="ru-RU"/>
+        </a:p>
+      </dgm:t>
+    </dgm:pt>
+    <dgm:pt modelId="{7C87BFC3-5B3B-466A-AA3A-26DFAF5EB4D8}" type="sibTrans" cxnId="{A6156309-2BA0-4C3C-9452-55FC45A16B5C}">
+      <dgm:prSet/>
+      <dgm:spPr/>
+      <dgm:t>
+        <a:bodyPr/>
+        <a:lstStyle/>
+        <a:p>
+          <a:endParaRPr lang="ru-RU"/>
+        </a:p>
+      </dgm:t>
+    </dgm:pt>
+    <dgm:pt modelId="{C10E8076-8318-4B9B-A3D2-9D98281FA950}" type="pres">
+      <dgm:prSet presAssocID="{DE97C37A-15F9-479B-99A3-F6B494A17A28}" presName="linear" presStyleCnt="0">
+        <dgm:presLayoutVars>
+          <dgm:animLvl val="lvl"/>
+          <dgm:resizeHandles val="exact"/>
+        </dgm:presLayoutVars>
+      </dgm:prSet>
+      <dgm:spPr/>
+    </dgm:pt>
+    <dgm:pt modelId="{A44F0C9A-3648-4916-982F-AF9587978149}" type="pres">
+      <dgm:prSet presAssocID="{48CC3452-B333-4F90-887E-97722077E109}" presName="parentText" presStyleLbl="node1" presStyleIdx="0" presStyleCnt="2" custLinFactNeighborY="-3949">
+        <dgm:presLayoutVars>
+          <dgm:chMax val="0"/>
+          <dgm:bulletEnabled val="1"/>
+        </dgm:presLayoutVars>
+      </dgm:prSet>
+      <dgm:spPr/>
+      <dgm:t>
+        <a:bodyPr/>
+        <a:lstStyle/>
+        <a:p>
+          <a:endParaRPr lang="ru-RU"/>
+        </a:p>
+      </dgm:t>
+    </dgm:pt>
+    <dgm:pt modelId="{F2725D4B-59A7-40CF-AA8E-A27EC37530B2}" type="pres">
+      <dgm:prSet presAssocID="{48CC3452-B333-4F90-887E-97722077E109}" presName="childText" presStyleLbl="revTx" presStyleIdx="0" presStyleCnt="2">
+        <dgm:presLayoutVars>
+          <dgm:bulletEnabled val="1"/>
+        </dgm:presLayoutVars>
+      </dgm:prSet>
+      <dgm:spPr/>
+      <dgm:t>
+        <a:bodyPr/>
+        <a:lstStyle/>
+        <a:p>
+          <a:endParaRPr lang="ru-RU"/>
+        </a:p>
+      </dgm:t>
+    </dgm:pt>
+    <dgm:pt modelId="{6C5C9815-44A2-4551-A509-FE6F0947C3DB}" type="pres">
+      <dgm:prSet presAssocID="{D02487A7-D405-4913-B5D3-9E4B813ED8A3}" presName="parentText" presStyleLbl="node1" presStyleIdx="1" presStyleCnt="2">
+        <dgm:presLayoutVars>
+          <dgm:chMax val="0"/>
+          <dgm:bulletEnabled val="1"/>
+        </dgm:presLayoutVars>
+      </dgm:prSet>
+      <dgm:spPr/>
+      <dgm:t>
+        <a:bodyPr/>
+        <a:lstStyle/>
+        <a:p>
+          <a:endParaRPr lang="ru-RU"/>
+        </a:p>
+      </dgm:t>
+    </dgm:pt>
+    <dgm:pt modelId="{84271FDF-D644-48A5-8BBB-391AF85E26F5}" type="pres">
+      <dgm:prSet presAssocID="{D02487A7-D405-4913-B5D3-9E4B813ED8A3}" presName="childText" presStyleLbl="revTx" presStyleIdx="1" presStyleCnt="2">
+        <dgm:presLayoutVars>
+          <dgm:bulletEnabled val="1"/>
+        </dgm:presLayoutVars>
+      </dgm:prSet>
+      <dgm:spPr/>
+      <dgm:t>
+        <a:bodyPr/>
+        <a:lstStyle/>
+        <a:p>
+          <a:endParaRPr lang="ru-RU"/>
+        </a:p>
+      </dgm:t>
+    </dgm:pt>
+  </dgm:ptLst>
+  <dgm:cxnLst>
+    <dgm:cxn modelId="{ACECFABB-76FA-40CD-9BBD-5943CA621126}" type="presOf" srcId="{DE97C37A-15F9-479B-99A3-F6B494A17A28}" destId="{C10E8076-8318-4B9B-A3D2-9D98281FA950}" srcOrd="0" destOrd="0" presId="urn:microsoft.com/office/officeart/2005/8/layout/vList2"/>
+    <dgm:cxn modelId="{928B8612-29A1-4AF7-8C9C-B2E81B819C0C}" type="presOf" srcId="{8BFD0C5C-B51E-4EC7-ADD9-528DAF03ABF3}" destId="{84271FDF-D644-48A5-8BBB-391AF85E26F5}" srcOrd="0" destOrd="0" presId="urn:microsoft.com/office/officeart/2005/8/layout/vList2"/>
+    <dgm:cxn modelId="{45C6F249-C43F-44BD-A69C-06024208D4CD}" type="presOf" srcId="{D02487A7-D405-4913-B5D3-9E4B813ED8A3}" destId="{6C5C9815-44A2-4551-A509-FE6F0947C3DB}" srcOrd="0" destOrd="0" presId="urn:microsoft.com/office/officeart/2005/8/layout/vList2"/>
+    <dgm:cxn modelId="{0A75C6FB-C679-4699-9B74-0EDF79087546}" srcId="{D02487A7-D405-4913-B5D3-9E4B813ED8A3}" destId="{E63A86B8-E71D-4DCF-8529-FC80F323294E}" srcOrd="1" destOrd="0" parTransId="{47AF8924-2A5F-4625-AE87-F524E7E949DD}" sibTransId="{B71E376A-E657-4C43-BF6D-716913A47424}"/>
+    <dgm:cxn modelId="{10FBC9D2-A87E-47C9-90AC-21A4E8F04A6E}" type="presOf" srcId="{055380E7-1356-4300-812C-461537FDAF9B}" destId="{84271FDF-D644-48A5-8BBB-391AF85E26F5}" srcOrd="0" destOrd="2" presId="urn:microsoft.com/office/officeart/2005/8/layout/vList2"/>
+    <dgm:cxn modelId="{6E5F6FAF-D8FF-4B9A-95AB-5E41E36C5067}" srcId="{DE97C37A-15F9-479B-99A3-F6B494A17A28}" destId="{48CC3452-B333-4F90-887E-97722077E109}" srcOrd="0" destOrd="0" parTransId="{35712032-4428-4257-9017-747507727C01}" sibTransId="{E4073338-D12C-4A4B-BB0F-7A4D7334FDF9}"/>
+    <dgm:cxn modelId="{A6156309-2BA0-4C3C-9452-55FC45A16B5C}" srcId="{D02487A7-D405-4913-B5D3-9E4B813ED8A3}" destId="{A765A4A8-D9EA-411B-BB69-52A9710F2630}" srcOrd="4" destOrd="0" parTransId="{EA7E045F-72D8-4A79-B9BB-E4709CC8F5FF}" sibTransId="{7C87BFC3-5B3B-466A-AA3A-26DFAF5EB4D8}"/>
+    <dgm:cxn modelId="{37AA7197-7AF4-41DC-87A5-948259B6B358}" type="presOf" srcId="{36FF98E9-5656-4EF7-8B92-CC6F2A5F3655}" destId="{84271FDF-D644-48A5-8BBB-391AF85E26F5}" srcOrd="0" destOrd="3" presId="urn:microsoft.com/office/officeart/2005/8/layout/vList2"/>
+    <dgm:cxn modelId="{8C4092E5-17AE-4DF4-B0A6-9820210905D1}" srcId="{DE97C37A-15F9-479B-99A3-F6B494A17A28}" destId="{D02487A7-D405-4913-B5D3-9E4B813ED8A3}" srcOrd="1" destOrd="0" parTransId="{5A3BC19E-47B9-4A58-9EB8-BD29DF168158}" sibTransId="{94DB38CC-2E78-4908-B401-D8F6866C6328}"/>
+    <dgm:cxn modelId="{6CF9AE95-5CBE-4130-BDA5-89517B80A488}" type="presOf" srcId="{48CC3452-B333-4F90-887E-97722077E109}" destId="{A44F0C9A-3648-4916-982F-AF9587978149}" srcOrd="0" destOrd="0" presId="urn:microsoft.com/office/officeart/2005/8/layout/vList2"/>
+    <dgm:cxn modelId="{EABBA5E9-2939-4F28-A387-DD26B4742B91}" srcId="{D02487A7-D405-4913-B5D3-9E4B813ED8A3}" destId="{8BFD0C5C-B51E-4EC7-ADD9-528DAF03ABF3}" srcOrd="0" destOrd="0" parTransId="{BB8B7341-F9C0-4D44-BFF3-EF4184FB971B}" sibTransId="{F42BB69E-AF42-478D-B006-D93189C1974B}"/>
+    <dgm:cxn modelId="{292E37D6-5817-418F-8356-00BAA360ED99}" srcId="{D02487A7-D405-4913-B5D3-9E4B813ED8A3}" destId="{055380E7-1356-4300-812C-461537FDAF9B}" srcOrd="2" destOrd="0" parTransId="{75C7FA51-3E92-4F51-A151-B733AF643E08}" sibTransId="{1BF5A7B9-846E-49DC-AE12-12C6C253096B}"/>
+    <dgm:cxn modelId="{65FDA107-F44B-492D-A4B2-474539DB3F44}" type="presOf" srcId="{A765A4A8-D9EA-411B-BB69-52A9710F2630}" destId="{84271FDF-D644-48A5-8BBB-391AF85E26F5}" srcOrd="0" destOrd="4" presId="urn:microsoft.com/office/officeart/2005/8/layout/vList2"/>
+    <dgm:cxn modelId="{BB4D84FE-B35E-426F-AB9F-453154F18EFF}" type="presOf" srcId="{E63A86B8-E71D-4DCF-8529-FC80F323294E}" destId="{84271FDF-D644-48A5-8BBB-391AF85E26F5}" srcOrd="0" destOrd="1" presId="urn:microsoft.com/office/officeart/2005/8/layout/vList2"/>
+    <dgm:cxn modelId="{E9A4FEA3-CFB4-4EE6-8C72-DE0E32EC7C9E}" srcId="{D02487A7-D405-4913-B5D3-9E4B813ED8A3}" destId="{36FF98E9-5656-4EF7-8B92-CC6F2A5F3655}" srcOrd="3" destOrd="0" parTransId="{8E8E9C50-21B7-4177-99CD-CFA3DFF060E1}" sibTransId="{CF367263-300A-4100-B1C8-2469043859E7}"/>
+    <dgm:cxn modelId="{8A696FEE-1277-452D-A088-A2A0DAE032E4}" srcId="{48CC3452-B333-4F90-887E-97722077E109}" destId="{9B56D241-76D7-4251-B32B-D23DBA23DD57}" srcOrd="0" destOrd="0" parTransId="{6FF665C2-6B19-4231-9619-04858625CE9E}" sibTransId="{033FF7EA-AA5C-45DB-95B2-A6FC5F7DCF5A}"/>
+    <dgm:cxn modelId="{A8E51018-5A4E-4B00-952F-D37BA21810CA}" type="presOf" srcId="{9B56D241-76D7-4251-B32B-D23DBA23DD57}" destId="{F2725D4B-59A7-40CF-AA8E-A27EC37530B2}" srcOrd="0" destOrd="0" presId="urn:microsoft.com/office/officeart/2005/8/layout/vList2"/>
+    <dgm:cxn modelId="{8A6C2138-6402-4452-9E4D-3C076A465B77}" type="presParOf" srcId="{C10E8076-8318-4B9B-A3D2-9D98281FA950}" destId="{A44F0C9A-3648-4916-982F-AF9587978149}" srcOrd="0" destOrd="0" presId="urn:microsoft.com/office/officeart/2005/8/layout/vList2"/>
+    <dgm:cxn modelId="{D0F92004-6579-41C3-A714-E6EDACAF1E01}" type="presParOf" srcId="{C10E8076-8318-4B9B-A3D2-9D98281FA950}" destId="{F2725D4B-59A7-40CF-AA8E-A27EC37530B2}" srcOrd="1" destOrd="0" presId="urn:microsoft.com/office/officeart/2005/8/layout/vList2"/>
+    <dgm:cxn modelId="{0A75F33F-A9F7-4CF5-B884-15CA5ACF7B1A}" type="presParOf" srcId="{C10E8076-8318-4B9B-A3D2-9D98281FA950}" destId="{6C5C9815-44A2-4551-A509-FE6F0947C3DB}" srcOrd="2" destOrd="0" presId="urn:microsoft.com/office/officeart/2005/8/layout/vList2"/>
+    <dgm:cxn modelId="{5BA7020F-13A4-483D-8003-BB6D7E210669}" type="presParOf" srcId="{C10E8076-8318-4B9B-A3D2-9D98281FA950}" destId="{84271FDF-D644-48A5-8BBB-391AF85E26F5}" srcOrd="3" destOrd="0" presId="urn:microsoft.com/office/officeart/2005/8/layout/vList2"/>
   </dgm:cxnLst>
   <dgm:bg/>
   <dgm:whole/>
@@ -9078,6 +11947,13 @@
     <dgm:pt modelId="{65390B38-AF76-4E62-872B-309581DF08C7}" type="pres">
       <dgm:prSet presAssocID="{4A4C6070-4A61-47AA-8ABA-32229F0F8F3A}" presName="Name56" presStyleLbl="parChTrans1D2" presStyleIdx="1" presStyleCnt="6"/>
       <dgm:spPr/>
+      <dgm:t>
+        <a:bodyPr/>
+        <a:lstStyle/>
+        <a:p>
+          <a:endParaRPr lang="ru-RU"/>
+        </a:p>
+      </dgm:t>
     </dgm:pt>
     <dgm:pt modelId="{24EC1B40-97B8-4A97-A728-C57093596661}" type="pres">
       <dgm:prSet presAssocID="{EC1AF752-7BDE-4D7F-BBE3-D620E8B4D26C}" presName="text0" presStyleLbl="node1" presStyleIdx="2" presStyleCnt="7" custScaleX="221423" custScaleY="221423" custRadScaleRad="264753" custRadScaleInc="150707">
@@ -9202,11 +12078,11 @@
   <dgm:cxnLst>
     <dgm:cxn modelId="{62E61146-244B-49BE-8FAC-4DB94D94975C}" srcId="{854A1BCD-286B-4DA3-949B-D8FB85C0D014}" destId="{1B13CC71-181F-4215-A78C-EB5B97876B1E}" srcOrd="5" destOrd="0" parTransId="{AA62E804-61D2-4247-AB46-39B7B206B101}" sibTransId="{5251CEE5-3A1B-49CF-B520-A0D16AA827C4}"/>
     <dgm:cxn modelId="{FED975EE-D761-4513-BBC6-C4F43BA48D5C}" type="presOf" srcId="{AA62E804-61D2-4247-AB46-39B7B206B101}" destId="{645660FC-29F0-4ECD-9736-2F09D9960928}" srcOrd="0" destOrd="0" presId="urn:microsoft.com/office/officeart/2008/layout/RadialCluster"/>
+    <dgm:cxn modelId="{8563956E-C855-41EB-B38B-85C1FE7C630E}" type="presOf" srcId="{96897B08-3730-437B-BBBF-A34ED6D96B87}" destId="{8F086A69-6FE7-48AB-8D4E-831F6AAADB3F}" srcOrd="0" destOrd="0" presId="urn:microsoft.com/office/officeart/2008/layout/RadialCluster"/>
     <dgm:cxn modelId="{A3E73796-D0F5-47ED-9D00-E296C65583ED}" type="presOf" srcId="{09175996-8951-4E60-ACF9-F91AAA0AB774}" destId="{1503B29C-C796-4217-A6E0-D8D0E4C12287}" srcOrd="0" destOrd="0" presId="urn:microsoft.com/office/officeart/2008/layout/RadialCluster"/>
-    <dgm:cxn modelId="{8563956E-C855-41EB-B38B-85C1FE7C630E}" type="presOf" srcId="{96897B08-3730-437B-BBBF-A34ED6D96B87}" destId="{8F086A69-6FE7-48AB-8D4E-831F6AAADB3F}" srcOrd="0" destOrd="0" presId="urn:microsoft.com/office/officeart/2008/layout/RadialCluster"/>
     <dgm:cxn modelId="{6E19CDCE-7287-479A-8768-CB375E2D63DF}" type="presOf" srcId="{04A48D68-CC72-4B7D-B019-6E9B41D34E99}" destId="{76784C24-975E-4373-9AB0-0D36214A64F1}" srcOrd="0" destOrd="0" presId="urn:microsoft.com/office/officeart/2008/layout/RadialCluster"/>
+    <dgm:cxn modelId="{387408DC-5588-4A36-8421-958F33884D48}" srcId="{854A1BCD-286B-4DA3-949B-D8FB85C0D014}" destId="{1D3FBEC9-571B-458F-ACA0-2710242E71A4}" srcOrd="2" destOrd="0" parTransId="{96897B08-3730-437B-BBBF-A34ED6D96B87}" sibTransId="{1881E3BC-8B21-47AD-834A-9C36C92986B6}"/>
     <dgm:cxn modelId="{5725E79B-29E6-443F-A86D-CAF23817DBBD}" srcId="{4E1389FE-DC0E-4066-92F3-3CCEB251EAFB}" destId="{A474C934-D39B-4ABB-98F5-064CF7AEAC29}" srcOrd="2" destOrd="0" parTransId="{58E3C384-E176-45DA-AFA9-2EBEB938309D}" sibTransId="{27FED808-3F98-4A72-9DE0-EAEAF7E7FD30}"/>
-    <dgm:cxn modelId="{387408DC-5588-4A36-8421-958F33884D48}" srcId="{854A1BCD-286B-4DA3-949B-D8FB85C0D014}" destId="{1D3FBEC9-571B-458F-ACA0-2710242E71A4}" srcOrd="2" destOrd="0" parTransId="{96897B08-3730-437B-BBBF-A34ED6D96B87}" sibTransId="{1881E3BC-8B21-47AD-834A-9C36C92986B6}"/>
     <dgm:cxn modelId="{ECCE758F-4761-4107-8EAA-6A1AF38863BD}" type="presOf" srcId="{CC6EFFBD-D857-44D8-A554-1C53B719B6DA}" destId="{635D6D0E-E44D-465D-9B55-5006A2372644}" srcOrd="0" destOrd="0" presId="urn:microsoft.com/office/officeart/2008/layout/RadialCluster"/>
     <dgm:cxn modelId="{E2950397-7973-45B7-9A8A-B5287CF7676E}" type="presOf" srcId="{258A11A1-AFD8-47D2-BC45-8BBE869DEB52}" destId="{F29DD78D-084E-44BB-95B2-65781CA7A531}" srcOrd="0" destOrd="0" presId="urn:microsoft.com/office/officeart/2008/layout/RadialCluster"/>
     <dgm:cxn modelId="{ACC19EC5-2801-4EFF-A589-088C61DC03E2}" type="presOf" srcId="{1B13CC71-181F-4215-A78C-EB5B97876B1E}" destId="{EF6A00EF-2BA3-4AAD-B69B-A8E8767F6738}" srcOrd="0" destOrd="0" presId="urn:microsoft.com/office/officeart/2008/layout/RadialCluster"/>
@@ -9215,8 +12091,8 @@
     <dgm:cxn modelId="{9259EE65-3344-4279-B2DE-CD2D0F3E076D}" srcId="{854A1BCD-286B-4DA3-949B-D8FB85C0D014}" destId="{CC6EFFBD-D857-44D8-A554-1C53B719B6DA}" srcOrd="4" destOrd="0" parTransId="{2E57BB01-68FA-4D0D-8C7A-B42E79CEB108}" sibTransId="{D0BC1636-D907-4B63-ACD9-B489EF98EBA4}"/>
     <dgm:cxn modelId="{A65AEC00-A92B-45EA-B572-F456BD1979A4}" type="presOf" srcId="{4E1389FE-DC0E-4066-92F3-3CCEB251EAFB}" destId="{4D30D1BA-01EB-42FE-A7D6-8969C3AB4CB0}" srcOrd="0" destOrd="0" presId="urn:microsoft.com/office/officeart/2008/layout/RadialCluster"/>
     <dgm:cxn modelId="{CC4FE5FD-B7C9-40BA-872B-498CE774840A}" srcId="{4E1389FE-DC0E-4066-92F3-3CCEB251EAFB}" destId="{854A1BCD-286B-4DA3-949B-D8FB85C0D014}" srcOrd="0" destOrd="0" parTransId="{86863718-AB7B-421A-B53D-D29B3222815B}" sibTransId="{48FE42EB-D914-4DC9-BA5F-17D664563849}"/>
+    <dgm:cxn modelId="{4A475A00-F60B-410B-8470-9EA0E1C3E244}" type="presOf" srcId="{EC1AF752-7BDE-4D7F-BBE3-D620E8B4D26C}" destId="{24EC1B40-97B8-4A97-A728-C57093596661}" srcOrd="0" destOrd="0" presId="urn:microsoft.com/office/officeart/2008/layout/RadialCluster"/>
     <dgm:cxn modelId="{B51B8D91-8E4E-44B0-82BF-67EF5A3FA512}" type="presOf" srcId="{0320C3D9-2B7B-4CF1-930A-C9D1714593A9}" destId="{667DE06D-C223-4C57-8F2C-DDC107791A47}" srcOrd="0" destOrd="0" presId="urn:microsoft.com/office/officeart/2008/layout/RadialCluster"/>
-    <dgm:cxn modelId="{4A475A00-F60B-410B-8470-9EA0E1C3E244}" type="presOf" srcId="{EC1AF752-7BDE-4D7F-BBE3-D620E8B4D26C}" destId="{24EC1B40-97B8-4A97-A728-C57093596661}" srcOrd="0" destOrd="0" presId="urn:microsoft.com/office/officeart/2008/layout/RadialCluster"/>
     <dgm:cxn modelId="{6D6CF6BD-20AB-45DE-BD8F-7724AB08659B}" type="presOf" srcId="{2E57BB01-68FA-4D0D-8C7A-B42E79CEB108}" destId="{B23D5C2B-B6D2-4298-9DAF-A69442F1C2D7}" srcOrd="0" destOrd="0" presId="urn:microsoft.com/office/officeart/2008/layout/RadialCluster"/>
     <dgm:cxn modelId="{18EF6DB3-3087-4F3E-882C-92F6C8F6899C}" srcId="{854A1BCD-286B-4DA3-949B-D8FB85C0D014}" destId="{258A11A1-AFD8-47D2-BC45-8BBE869DEB52}" srcOrd="0" destOrd="0" parTransId="{0320C3D9-2B7B-4CF1-930A-C9D1714593A9}" sibTransId="{383D3AFB-4D80-4300-A0A1-03CD0A94377A}"/>
     <dgm:cxn modelId="{82616DB1-0687-468F-BA64-08D535074412}" srcId="{854A1BCD-286B-4DA3-949B-D8FB85C0D014}" destId="{EC1AF752-7BDE-4D7F-BBE3-D620E8B4D26C}" srcOrd="1" destOrd="0" parTransId="{4A4C6070-4A61-47AA-8ABA-32229F0F8F3A}" sibTransId="{86117725-F453-45C3-BDED-502035BCFDCA}"/>
@@ -10461,17 +13337,17 @@
     </dgm:pt>
   </dgm:ptLst>
   <dgm:cxnLst>
+    <dgm:cxn modelId="{7C7D474C-D18B-4BB1-A050-EE77F57CB1EB}" type="presOf" srcId="{A83CD0B5-99BC-4BE5-BEB2-E6030DA5E9B8}" destId="{1FA1B9C7-0E34-4A44-A18B-216DF888F0C5}" srcOrd="0" destOrd="0" presId="urn:microsoft.com/office/officeart/2005/8/layout/hProcess6"/>
+    <dgm:cxn modelId="{B0FEFEE0-CE18-43CB-90DE-6AF3FF218F61}" type="presOf" srcId="{8DB3673A-1FB4-4230-9129-2F630C046F7A}" destId="{B0B6F61C-C060-4C4C-96BF-4EE40B41E6A0}" srcOrd="0" destOrd="0" presId="urn:microsoft.com/office/officeart/2005/8/layout/hProcess6"/>
+    <dgm:cxn modelId="{BAEBFEDC-88C7-4E2B-8374-8D82281EA5DD}" srcId="{F7887599-5144-4F89-A6FD-21AD526F0AC5}" destId="{96B43729-32E7-4966-82B3-07411DB75AAD}" srcOrd="0" destOrd="0" parTransId="{C06EE498-6C3C-4E22-8987-E7AA46028558}" sibTransId="{078144A0-6773-4DF4-A6D5-2E4B64907C23}"/>
+    <dgm:cxn modelId="{5D7FE7FF-912C-4EA7-8823-E62C0400EF55}" type="presOf" srcId="{96B43729-32E7-4966-82B3-07411DB75AAD}" destId="{E644A287-01BC-4CF5-B466-30846E7BBA7F}" srcOrd="0" destOrd="0" presId="urn:microsoft.com/office/officeart/2005/8/layout/hProcess6"/>
+    <dgm:cxn modelId="{A1298707-4F10-4E03-AC2E-5998703D8BD8}" srcId="{99708AB0-1646-4132-BB14-3DF8F6758D28}" destId="{A83CD0B5-99BC-4BE5-BEB2-E6030DA5E9B8}" srcOrd="0" destOrd="0" parTransId="{29D46E2A-0493-4148-8D53-7FEC0981D220}" sibTransId="{FB98DAD8-2F41-4A1A-8E52-5A17988C12AE}"/>
+    <dgm:cxn modelId="{B27E4B46-A786-4B51-96B1-76697E6D3CD2}" srcId="{F7887599-5144-4F89-A6FD-21AD526F0AC5}" destId="{99708AB0-1646-4132-BB14-3DF8F6758D28}" srcOrd="1" destOrd="0" parTransId="{4485501E-98DA-4F48-9290-B9B204228490}" sibTransId="{7AAE1CE8-C90A-40F0-853F-3DFB5F65AC24}"/>
+    <dgm:cxn modelId="{8C05B348-AB6B-4A4D-B12E-99E5147D7CFA}" srcId="{96B43729-32E7-4966-82B3-07411DB75AAD}" destId="{8DB3673A-1FB4-4230-9129-2F630C046F7A}" srcOrd="0" destOrd="0" parTransId="{1D763C43-04A0-4278-8A70-3DA6F43A52BB}" sibTransId="{7BDD3017-D7BF-4037-B9FB-5C3FDA7E0748}"/>
+    <dgm:cxn modelId="{EDEA4B48-393D-48C5-A059-1A1B93B15D02}" type="presOf" srcId="{8DB3673A-1FB4-4230-9129-2F630C046F7A}" destId="{493E8DDC-FB4F-479C-B6D3-EC8C78C12EEC}" srcOrd="1" destOrd="0" presId="urn:microsoft.com/office/officeart/2005/8/layout/hProcess6"/>
+    <dgm:cxn modelId="{DD90C7FB-FC40-41E4-9695-581861395268}" type="presOf" srcId="{F7887599-5144-4F89-A6FD-21AD526F0AC5}" destId="{DFB0D441-0B51-4119-A4EA-2C95C6F52CAD}" srcOrd="0" destOrd="0" presId="urn:microsoft.com/office/officeart/2005/8/layout/hProcess6"/>
     <dgm:cxn modelId="{7F955B28-06AF-4351-AEC9-C6746107636A}" type="presOf" srcId="{A83CD0B5-99BC-4BE5-BEB2-E6030DA5E9B8}" destId="{F125536A-C7C4-4ECE-8B6D-D4E95D24701B}" srcOrd="1" destOrd="0" presId="urn:microsoft.com/office/officeart/2005/8/layout/hProcess6"/>
-    <dgm:cxn modelId="{DD90C7FB-FC40-41E4-9695-581861395268}" type="presOf" srcId="{F7887599-5144-4F89-A6FD-21AD526F0AC5}" destId="{DFB0D441-0B51-4119-A4EA-2C95C6F52CAD}" srcOrd="0" destOrd="0" presId="urn:microsoft.com/office/officeart/2005/8/layout/hProcess6"/>
-    <dgm:cxn modelId="{A1298707-4F10-4E03-AC2E-5998703D8BD8}" srcId="{99708AB0-1646-4132-BB14-3DF8F6758D28}" destId="{A83CD0B5-99BC-4BE5-BEB2-E6030DA5E9B8}" srcOrd="0" destOrd="0" parTransId="{29D46E2A-0493-4148-8D53-7FEC0981D220}" sibTransId="{FB98DAD8-2F41-4A1A-8E52-5A17988C12AE}"/>
     <dgm:cxn modelId="{B488B6E2-20BB-4471-A601-19B861239C8F}" type="presOf" srcId="{99708AB0-1646-4132-BB14-3DF8F6758D28}" destId="{0A88A3E8-7701-48D6-969C-59DBA88CA534}" srcOrd="0" destOrd="0" presId="urn:microsoft.com/office/officeart/2005/8/layout/hProcess6"/>
-    <dgm:cxn modelId="{EDEA4B48-393D-48C5-A059-1A1B93B15D02}" type="presOf" srcId="{8DB3673A-1FB4-4230-9129-2F630C046F7A}" destId="{493E8DDC-FB4F-479C-B6D3-EC8C78C12EEC}" srcOrd="1" destOrd="0" presId="urn:microsoft.com/office/officeart/2005/8/layout/hProcess6"/>
-    <dgm:cxn modelId="{B0FEFEE0-CE18-43CB-90DE-6AF3FF218F61}" type="presOf" srcId="{8DB3673A-1FB4-4230-9129-2F630C046F7A}" destId="{B0B6F61C-C060-4C4C-96BF-4EE40B41E6A0}" srcOrd="0" destOrd="0" presId="urn:microsoft.com/office/officeart/2005/8/layout/hProcess6"/>
-    <dgm:cxn modelId="{5D7FE7FF-912C-4EA7-8823-E62C0400EF55}" type="presOf" srcId="{96B43729-32E7-4966-82B3-07411DB75AAD}" destId="{E644A287-01BC-4CF5-B466-30846E7BBA7F}" srcOrd="0" destOrd="0" presId="urn:microsoft.com/office/officeart/2005/8/layout/hProcess6"/>
-    <dgm:cxn modelId="{BAEBFEDC-88C7-4E2B-8374-8D82281EA5DD}" srcId="{F7887599-5144-4F89-A6FD-21AD526F0AC5}" destId="{96B43729-32E7-4966-82B3-07411DB75AAD}" srcOrd="0" destOrd="0" parTransId="{C06EE498-6C3C-4E22-8987-E7AA46028558}" sibTransId="{078144A0-6773-4DF4-A6D5-2E4B64907C23}"/>
-    <dgm:cxn modelId="{B27E4B46-A786-4B51-96B1-76697E6D3CD2}" srcId="{F7887599-5144-4F89-A6FD-21AD526F0AC5}" destId="{99708AB0-1646-4132-BB14-3DF8F6758D28}" srcOrd="1" destOrd="0" parTransId="{4485501E-98DA-4F48-9290-B9B204228490}" sibTransId="{7AAE1CE8-C90A-40F0-853F-3DFB5F65AC24}"/>
-    <dgm:cxn modelId="{7C7D474C-D18B-4BB1-A050-EE77F57CB1EB}" type="presOf" srcId="{A83CD0B5-99BC-4BE5-BEB2-E6030DA5E9B8}" destId="{1FA1B9C7-0E34-4A44-A18B-216DF888F0C5}" srcOrd="0" destOrd="0" presId="urn:microsoft.com/office/officeart/2005/8/layout/hProcess6"/>
-    <dgm:cxn modelId="{8C05B348-AB6B-4A4D-B12E-99E5147D7CFA}" srcId="{96B43729-32E7-4966-82B3-07411DB75AAD}" destId="{8DB3673A-1FB4-4230-9129-2F630C046F7A}" srcOrd="0" destOrd="0" parTransId="{1D763C43-04A0-4278-8A70-3DA6F43A52BB}" sibTransId="{7BDD3017-D7BF-4037-B9FB-5C3FDA7E0748}"/>
     <dgm:cxn modelId="{D34049BE-68DA-4B20-9FF3-AAD95CF3FA18}" type="presParOf" srcId="{DFB0D441-0B51-4119-A4EA-2C95C6F52CAD}" destId="{43654DF6-E018-4ED3-B633-3B2651E35CF5}" srcOrd="0" destOrd="0" presId="urn:microsoft.com/office/officeart/2005/8/layout/hProcess6"/>
     <dgm:cxn modelId="{CAE12547-78EF-49AF-B301-E263AFFD17C3}" type="presParOf" srcId="{43654DF6-E018-4ED3-B633-3B2651E35CF5}" destId="{B0D32EEB-1CC2-427D-8466-60D47ABB5F2C}" srcOrd="0" destOrd="0" presId="urn:microsoft.com/office/officeart/2005/8/layout/hProcess6"/>
     <dgm:cxn modelId="{CA9F18F6-CE21-4B0C-A64C-8285C3C0AD1A}" type="presParOf" srcId="{43654DF6-E018-4ED3-B633-3B2651E35CF5}" destId="{B0B6F61C-C060-4C4C-96BF-4EE40B41E6A0}" srcOrd="1" destOrd="0" presId="urn:microsoft.com/office/officeart/2005/8/layout/hProcess6"/>
@@ -10973,11 +13849,7 @@
         <a:p>
           <a:r>
             <a:rPr lang="ru-RU" dirty="0" smtClean="0"/>
-            <a:t>ссылка на базу </a:t>
-          </a:r>
-          <a:r>
-            <a:rPr lang="ru-RU" dirty="0" smtClean="0"/>
-            <a:t>инвертированных индексов</a:t>
+            <a:t>ссылка на базу инвертированных индексов</a:t>
           </a:r>
           <a:endParaRPr lang="ru-RU" dirty="0"/>
         </a:p>
@@ -11130,15 +14002,15 @@
   <dgm:cxnLst>
     <dgm:cxn modelId="{A1723A8E-A14B-47CD-BCFA-BB2DE3AD2E48}" type="presOf" srcId="{A83CD0B5-99BC-4BE5-BEB2-E6030DA5E9B8}" destId="{1FA1B9C7-0E34-4A44-A18B-216DF888F0C5}" srcOrd="0" destOrd="0" presId="urn:microsoft.com/office/officeart/2005/8/layout/hProcess6"/>
     <dgm:cxn modelId="{DD79ECB3-0EFC-4FB6-9210-8227D25C4E34}" type="presOf" srcId="{F7887599-5144-4F89-A6FD-21AD526F0AC5}" destId="{DFB0D441-0B51-4119-A4EA-2C95C6F52CAD}" srcOrd="0" destOrd="0" presId="urn:microsoft.com/office/officeart/2005/8/layout/hProcess6"/>
+    <dgm:cxn modelId="{A1298707-4F10-4E03-AC2E-5998703D8BD8}" srcId="{99708AB0-1646-4132-BB14-3DF8F6758D28}" destId="{A83CD0B5-99BC-4BE5-BEB2-E6030DA5E9B8}" srcOrd="0" destOrd="0" parTransId="{29D46E2A-0493-4148-8D53-7FEC0981D220}" sibTransId="{FB98DAD8-2F41-4A1A-8E52-5A17988C12AE}"/>
+    <dgm:cxn modelId="{8C05B348-AB6B-4A4D-B12E-99E5147D7CFA}" srcId="{96B43729-32E7-4966-82B3-07411DB75AAD}" destId="{8DB3673A-1FB4-4230-9129-2F630C046F7A}" srcOrd="0" destOrd="0" parTransId="{1D763C43-04A0-4278-8A70-3DA6F43A52BB}" sibTransId="{7BDD3017-D7BF-4037-B9FB-5C3FDA7E0748}"/>
+    <dgm:cxn modelId="{0F53DE8F-27A1-41BD-87AA-059DDDD4FF3E}" type="presOf" srcId="{A83CD0B5-99BC-4BE5-BEB2-E6030DA5E9B8}" destId="{F125536A-C7C4-4ECE-8B6D-D4E95D24701B}" srcOrd="1" destOrd="0" presId="urn:microsoft.com/office/officeart/2005/8/layout/hProcess6"/>
+    <dgm:cxn modelId="{CFB046B4-BCE5-4B5C-AC0A-37C79F441415}" type="presOf" srcId="{8DB3673A-1FB4-4230-9129-2F630C046F7A}" destId="{B0B6F61C-C060-4C4C-96BF-4EE40B41E6A0}" srcOrd="0" destOrd="0" presId="urn:microsoft.com/office/officeart/2005/8/layout/hProcess6"/>
+    <dgm:cxn modelId="{BAEBFEDC-88C7-4E2B-8374-8D82281EA5DD}" srcId="{F7887599-5144-4F89-A6FD-21AD526F0AC5}" destId="{96B43729-32E7-4966-82B3-07411DB75AAD}" srcOrd="0" destOrd="0" parTransId="{C06EE498-6C3C-4E22-8987-E7AA46028558}" sibTransId="{078144A0-6773-4DF4-A6D5-2E4B64907C23}"/>
+    <dgm:cxn modelId="{1EB3B1F2-0D28-45C5-A7EB-76AF655A07DA}" type="presOf" srcId="{8DB3673A-1FB4-4230-9129-2F630C046F7A}" destId="{493E8DDC-FB4F-479C-B6D3-EC8C78C12EEC}" srcOrd="1" destOrd="0" presId="urn:microsoft.com/office/officeart/2005/8/layout/hProcess6"/>
     <dgm:cxn modelId="{0F4A3348-4FC5-4357-AECD-24336DD7386C}" type="presOf" srcId="{99708AB0-1646-4132-BB14-3DF8F6758D28}" destId="{0A88A3E8-7701-48D6-969C-59DBA88CA534}" srcOrd="0" destOrd="0" presId="urn:microsoft.com/office/officeart/2005/8/layout/hProcess6"/>
-    <dgm:cxn modelId="{1EB3B1F2-0D28-45C5-A7EB-76AF655A07DA}" type="presOf" srcId="{8DB3673A-1FB4-4230-9129-2F630C046F7A}" destId="{493E8DDC-FB4F-479C-B6D3-EC8C78C12EEC}" srcOrd="1" destOrd="0" presId="urn:microsoft.com/office/officeart/2005/8/layout/hProcess6"/>
-    <dgm:cxn modelId="{BAEBFEDC-88C7-4E2B-8374-8D82281EA5DD}" srcId="{F7887599-5144-4F89-A6FD-21AD526F0AC5}" destId="{96B43729-32E7-4966-82B3-07411DB75AAD}" srcOrd="0" destOrd="0" parTransId="{C06EE498-6C3C-4E22-8987-E7AA46028558}" sibTransId="{078144A0-6773-4DF4-A6D5-2E4B64907C23}"/>
+    <dgm:cxn modelId="{B27E4B46-A786-4B51-96B1-76697E6D3CD2}" srcId="{F7887599-5144-4F89-A6FD-21AD526F0AC5}" destId="{99708AB0-1646-4132-BB14-3DF8F6758D28}" srcOrd="1" destOrd="0" parTransId="{4485501E-98DA-4F48-9290-B9B204228490}" sibTransId="{7AAE1CE8-C90A-40F0-853F-3DFB5F65AC24}"/>
     <dgm:cxn modelId="{983BAA11-5F11-4878-8AA1-A95DB42E61B1}" type="presOf" srcId="{96B43729-32E7-4966-82B3-07411DB75AAD}" destId="{E644A287-01BC-4CF5-B466-30846E7BBA7F}" srcOrd="0" destOrd="0" presId="urn:microsoft.com/office/officeart/2005/8/layout/hProcess6"/>
-    <dgm:cxn modelId="{A1298707-4F10-4E03-AC2E-5998703D8BD8}" srcId="{99708AB0-1646-4132-BB14-3DF8F6758D28}" destId="{A83CD0B5-99BC-4BE5-BEB2-E6030DA5E9B8}" srcOrd="0" destOrd="0" parTransId="{29D46E2A-0493-4148-8D53-7FEC0981D220}" sibTransId="{FB98DAD8-2F41-4A1A-8E52-5A17988C12AE}"/>
-    <dgm:cxn modelId="{B27E4B46-A786-4B51-96B1-76697E6D3CD2}" srcId="{F7887599-5144-4F89-A6FD-21AD526F0AC5}" destId="{99708AB0-1646-4132-BB14-3DF8F6758D28}" srcOrd="1" destOrd="0" parTransId="{4485501E-98DA-4F48-9290-B9B204228490}" sibTransId="{7AAE1CE8-C90A-40F0-853F-3DFB5F65AC24}"/>
-    <dgm:cxn modelId="{8C05B348-AB6B-4A4D-B12E-99E5147D7CFA}" srcId="{96B43729-32E7-4966-82B3-07411DB75AAD}" destId="{8DB3673A-1FB4-4230-9129-2F630C046F7A}" srcOrd="0" destOrd="0" parTransId="{1D763C43-04A0-4278-8A70-3DA6F43A52BB}" sibTransId="{7BDD3017-D7BF-4037-B9FB-5C3FDA7E0748}"/>
-    <dgm:cxn modelId="{CFB046B4-BCE5-4B5C-AC0A-37C79F441415}" type="presOf" srcId="{8DB3673A-1FB4-4230-9129-2F630C046F7A}" destId="{B0B6F61C-C060-4C4C-96BF-4EE40B41E6A0}" srcOrd="0" destOrd="0" presId="urn:microsoft.com/office/officeart/2005/8/layout/hProcess6"/>
-    <dgm:cxn modelId="{0F53DE8F-27A1-41BD-87AA-059DDDD4FF3E}" type="presOf" srcId="{A83CD0B5-99BC-4BE5-BEB2-E6030DA5E9B8}" destId="{F125536A-C7C4-4ECE-8B6D-D4E95D24701B}" srcOrd="1" destOrd="0" presId="urn:microsoft.com/office/officeart/2005/8/layout/hProcess6"/>
     <dgm:cxn modelId="{A2F5E5B9-01D9-4930-914D-F36927F49F69}" type="presParOf" srcId="{DFB0D441-0B51-4119-A4EA-2C95C6F52CAD}" destId="{43654DF6-E018-4ED3-B633-3B2651E35CF5}" srcOrd="0" destOrd="0" presId="urn:microsoft.com/office/officeart/2005/8/layout/hProcess6"/>
     <dgm:cxn modelId="{ACFBD078-91F1-4658-BF0D-4A0632DCBC8A}" type="presParOf" srcId="{43654DF6-E018-4ED3-B633-3B2651E35CF5}" destId="{B0D32EEB-1CC2-427D-8466-60D47ABB5F2C}" srcOrd="0" destOrd="0" presId="urn:microsoft.com/office/officeart/2005/8/layout/hProcess6"/>
     <dgm:cxn modelId="{EFC495B4-FB49-4F2A-BD10-C271816866CF}" type="presParOf" srcId="{43654DF6-E018-4ED3-B633-3B2651E35CF5}" destId="{B0B6F61C-C060-4C4C-96BF-4EE40B41E6A0}" srcOrd="1" destOrd="0" presId="urn:microsoft.com/office/officeart/2005/8/layout/hProcess6"/>
@@ -11941,15 +14813,15 @@
   </dgm:ptLst>
   <dgm:cxnLst>
     <dgm:cxn modelId="{8773AC68-D4E5-4E0F-8A9C-D80ACED6B4E1}" type="presOf" srcId="{8DB3673A-1FB4-4230-9129-2F630C046F7A}" destId="{B0B6F61C-C060-4C4C-96BF-4EE40B41E6A0}" srcOrd="0" destOrd="0" presId="urn:microsoft.com/office/officeart/2005/8/layout/hProcess6"/>
+    <dgm:cxn modelId="{15B3F786-5A84-4A80-B2F8-C2F3BA18425F}" type="presOf" srcId="{A83CD0B5-99BC-4BE5-BEB2-E6030DA5E9B8}" destId="{1FA1B9C7-0E34-4A44-A18B-216DF888F0C5}" srcOrd="0" destOrd="0" presId="urn:microsoft.com/office/officeart/2005/8/layout/hProcess6"/>
     <dgm:cxn modelId="{33BDD9BD-21C8-4310-A351-0961BF2E2B3D}" type="presOf" srcId="{96B43729-32E7-4966-82B3-07411DB75AAD}" destId="{E644A287-01BC-4CF5-B466-30846E7BBA7F}" srcOrd="0" destOrd="0" presId="urn:microsoft.com/office/officeart/2005/8/layout/hProcess6"/>
+    <dgm:cxn modelId="{756FE671-C7A9-4EDE-8AEB-7966D3D6399B}" type="presOf" srcId="{99708AB0-1646-4132-BB14-3DF8F6758D28}" destId="{0A88A3E8-7701-48D6-969C-59DBA88CA534}" srcOrd="0" destOrd="0" presId="urn:microsoft.com/office/officeart/2005/8/layout/hProcess6"/>
+    <dgm:cxn modelId="{37A94EF3-E978-42D3-8162-19DADFEC16C6}" type="presOf" srcId="{A83CD0B5-99BC-4BE5-BEB2-E6030DA5E9B8}" destId="{F125536A-C7C4-4ECE-8B6D-D4E95D24701B}" srcOrd="1" destOrd="0" presId="urn:microsoft.com/office/officeart/2005/8/layout/hProcess6"/>
+    <dgm:cxn modelId="{BAEBFEDC-88C7-4E2B-8374-8D82281EA5DD}" srcId="{F7887599-5144-4F89-A6FD-21AD526F0AC5}" destId="{96B43729-32E7-4966-82B3-07411DB75AAD}" srcOrd="0" destOrd="0" parTransId="{C06EE498-6C3C-4E22-8987-E7AA46028558}" sibTransId="{078144A0-6773-4DF4-A6D5-2E4B64907C23}"/>
+    <dgm:cxn modelId="{30B4A2BC-F7C3-4A50-87F4-7C2FB445B286}" type="presOf" srcId="{F7887599-5144-4F89-A6FD-21AD526F0AC5}" destId="{DFB0D441-0B51-4119-A4EA-2C95C6F52CAD}" srcOrd="0" destOrd="0" presId="urn:microsoft.com/office/officeart/2005/8/layout/hProcess6"/>
     <dgm:cxn modelId="{A1298707-4F10-4E03-AC2E-5998703D8BD8}" srcId="{99708AB0-1646-4132-BB14-3DF8F6758D28}" destId="{A83CD0B5-99BC-4BE5-BEB2-E6030DA5E9B8}" srcOrd="0" destOrd="0" parTransId="{29D46E2A-0493-4148-8D53-7FEC0981D220}" sibTransId="{FB98DAD8-2F41-4A1A-8E52-5A17988C12AE}"/>
+    <dgm:cxn modelId="{B27E4B46-A786-4B51-96B1-76697E6D3CD2}" srcId="{F7887599-5144-4F89-A6FD-21AD526F0AC5}" destId="{99708AB0-1646-4132-BB14-3DF8F6758D28}" srcOrd="1" destOrd="0" parTransId="{4485501E-98DA-4F48-9290-B9B204228490}" sibTransId="{7AAE1CE8-C90A-40F0-853F-3DFB5F65AC24}"/>
     <dgm:cxn modelId="{8C05B348-AB6B-4A4D-B12E-99E5147D7CFA}" srcId="{96B43729-32E7-4966-82B3-07411DB75AAD}" destId="{8DB3673A-1FB4-4230-9129-2F630C046F7A}" srcOrd="0" destOrd="0" parTransId="{1D763C43-04A0-4278-8A70-3DA6F43A52BB}" sibTransId="{7BDD3017-D7BF-4037-B9FB-5C3FDA7E0748}"/>
-    <dgm:cxn modelId="{37A94EF3-E978-42D3-8162-19DADFEC16C6}" type="presOf" srcId="{A83CD0B5-99BC-4BE5-BEB2-E6030DA5E9B8}" destId="{F125536A-C7C4-4ECE-8B6D-D4E95D24701B}" srcOrd="1" destOrd="0" presId="urn:microsoft.com/office/officeart/2005/8/layout/hProcess6"/>
-    <dgm:cxn modelId="{756FE671-C7A9-4EDE-8AEB-7966D3D6399B}" type="presOf" srcId="{99708AB0-1646-4132-BB14-3DF8F6758D28}" destId="{0A88A3E8-7701-48D6-969C-59DBA88CA534}" srcOrd="0" destOrd="0" presId="urn:microsoft.com/office/officeart/2005/8/layout/hProcess6"/>
-    <dgm:cxn modelId="{BAEBFEDC-88C7-4E2B-8374-8D82281EA5DD}" srcId="{F7887599-5144-4F89-A6FD-21AD526F0AC5}" destId="{96B43729-32E7-4966-82B3-07411DB75AAD}" srcOrd="0" destOrd="0" parTransId="{C06EE498-6C3C-4E22-8987-E7AA46028558}" sibTransId="{078144A0-6773-4DF4-A6D5-2E4B64907C23}"/>
-    <dgm:cxn modelId="{15B3F786-5A84-4A80-B2F8-C2F3BA18425F}" type="presOf" srcId="{A83CD0B5-99BC-4BE5-BEB2-E6030DA5E9B8}" destId="{1FA1B9C7-0E34-4A44-A18B-216DF888F0C5}" srcOrd="0" destOrd="0" presId="urn:microsoft.com/office/officeart/2005/8/layout/hProcess6"/>
-    <dgm:cxn modelId="{30B4A2BC-F7C3-4A50-87F4-7C2FB445B286}" type="presOf" srcId="{F7887599-5144-4F89-A6FD-21AD526F0AC5}" destId="{DFB0D441-0B51-4119-A4EA-2C95C6F52CAD}" srcOrd="0" destOrd="0" presId="urn:microsoft.com/office/officeart/2005/8/layout/hProcess6"/>
-    <dgm:cxn modelId="{B27E4B46-A786-4B51-96B1-76697E6D3CD2}" srcId="{F7887599-5144-4F89-A6FD-21AD526F0AC5}" destId="{99708AB0-1646-4132-BB14-3DF8F6758D28}" srcOrd="1" destOrd="0" parTransId="{4485501E-98DA-4F48-9290-B9B204228490}" sibTransId="{7AAE1CE8-C90A-40F0-853F-3DFB5F65AC24}"/>
     <dgm:cxn modelId="{1146FEBF-230B-4A38-A4DF-32E622225E65}" type="presOf" srcId="{8DB3673A-1FB4-4230-9129-2F630C046F7A}" destId="{493E8DDC-FB4F-479C-B6D3-EC8C78C12EEC}" srcOrd="1" destOrd="0" presId="urn:microsoft.com/office/officeart/2005/8/layout/hProcess6"/>
     <dgm:cxn modelId="{BCE3AC4D-DC24-4399-A8C1-1727835A5086}" type="presParOf" srcId="{DFB0D441-0B51-4119-A4EA-2C95C6F52CAD}" destId="{43654DF6-E018-4ED3-B633-3B2651E35CF5}" srcOrd="0" destOrd="0" presId="urn:microsoft.com/office/officeart/2005/8/layout/hProcess6"/>
     <dgm:cxn modelId="{43297464-3AE7-402C-8E0E-0CF63BFC80E0}" type="presParOf" srcId="{43654DF6-E018-4ED3-B633-3B2651E35CF5}" destId="{B0D32EEB-1CC2-427D-8466-60D47ABB5F2C}" srcOrd="0" destOrd="0" presId="urn:microsoft.com/office/officeart/2005/8/layout/hProcess6"/>
@@ -12608,630 +15480,15 @@
       <dsp:cNvGrpSpPr/>
     </dsp:nvGrpSpPr>
     <dsp:grpSpPr/>
-    <dsp:sp modelId="{9007CCC9-62FA-4BF8-BC1B-1742332E7490}">
+    <dsp:sp modelId="{B9E4810E-52F3-40F0-9593-6C037BA1D12A}">
       <dsp:nvSpPr>
         <dsp:cNvPr id="0" name=""/>
         <dsp:cNvSpPr/>
       </dsp:nvSpPr>
       <dsp:spPr>
         <a:xfrm>
-          <a:off x="5002" y="125883"/>
-          <a:ext cx="2356848" cy="2356848"/>
-        </a:xfrm>
-        <a:prstGeom prst="roundRect">
-          <a:avLst>
-            <a:gd name="adj" fmla="val 10000"/>
-          </a:avLst>
-        </a:prstGeom>
-        <a:solidFill>
-          <a:schemeClr val="accent1">
-            <a:tint val="50000"/>
-            <a:hueOff val="0"/>
-            <a:satOff val="0"/>
-            <a:lumOff val="0"/>
-            <a:alphaOff val="0"/>
-          </a:schemeClr>
-        </a:solidFill>
-        <a:ln w="15875" cap="flat" cmpd="sng" algn="ctr">
-          <a:solidFill>
-            <a:schemeClr val="lt1">
-              <a:hueOff val="0"/>
-              <a:satOff val="0"/>
-              <a:lumOff val="0"/>
-              <a:alphaOff val="0"/>
-            </a:schemeClr>
-          </a:solidFill>
-          <a:prstDash val="solid"/>
-        </a:ln>
-        <a:effectLst/>
-      </dsp:spPr>
-      <dsp:style>
-        <a:lnRef idx="2">
-          <a:scrgbClr r="0" g="0" b="0"/>
-        </a:lnRef>
-        <a:fillRef idx="1">
-          <a:scrgbClr r="0" g="0" b="0"/>
-        </a:fillRef>
-        <a:effectRef idx="0">
-          <a:scrgbClr r="0" g="0" b="0"/>
-        </a:effectRef>
-        <a:fontRef idx="minor"/>
-      </dsp:style>
-    </dsp:sp>
-    <dsp:sp modelId="{7436D173-27E0-40D2-B413-52C4A15451DD}">
-      <dsp:nvSpPr>
-        <dsp:cNvPr id="0" name=""/>
-        <dsp:cNvSpPr/>
-      </dsp:nvSpPr>
-      <dsp:spPr>
-        <a:xfrm>
-          <a:off x="388675" y="1539992"/>
-          <a:ext cx="2356848" cy="2356848"/>
-        </a:xfrm>
-        <a:prstGeom prst="roundRect">
-          <a:avLst>
-            <a:gd name="adj" fmla="val 10000"/>
-          </a:avLst>
-        </a:prstGeom>
-        <a:solidFill>
-          <a:schemeClr val="accent1">
-            <a:hueOff val="0"/>
-            <a:satOff val="0"/>
-            <a:lumOff val="0"/>
-            <a:alphaOff val="0"/>
-          </a:schemeClr>
-        </a:solidFill>
-        <a:ln w="15875" cap="flat" cmpd="sng" algn="ctr">
-          <a:solidFill>
-            <a:schemeClr val="lt1">
-              <a:hueOff val="0"/>
-              <a:satOff val="0"/>
-              <a:lumOff val="0"/>
-              <a:alphaOff val="0"/>
-            </a:schemeClr>
-          </a:solidFill>
-          <a:prstDash val="solid"/>
-        </a:ln>
-        <a:effectLst/>
-      </dsp:spPr>
-      <dsp:style>
-        <a:lnRef idx="2">
-          <a:scrgbClr r="0" g="0" b="0"/>
-        </a:lnRef>
-        <a:fillRef idx="1">
-          <a:scrgbClr r="0" g="0" b="0"/>
-        </a:fillRef>
-        <a:effectRef idx="0">
-          <a:scrgbClr r="0" g="0" b="0"/>
-        </a:effectRef>
-        <a:fontRef idx="minor">
-          <a:schemeClr val="lt1"/>
-        </a:fontRef>
-      </dsp:style>
-      <dsp:txBody>
-        <a:bodyPr spcFirstLastPara="0" vert="horz" wrap="square" lIns="167640" tIns="167640" rIns="167640" bIns="167640" numCol="1" spcCol="1270" anchor="t" anchorCtr="0">
-          <a:noAutofit/>
-        </a:bodyPr>
-        <a:lstStyle/>
-        <a:p>
-          <a:pPr lvl="0" algn="l" defTabSz="1955800">
-            <a:lnSpc>
-              <a:spcPct val="90000"/>
-            </a:lnSpc>
-            <a:spcBef>
-              <a:spcPct val="0"/>
-            </a:spcBef>
-            <a:spcAft>
-              <a:spcPct val="35000"/>
-            </a:spcAft>
-          </a:pPr>
-          <a:endParaRPr lang="ru-RU" sz="4400" kern="1200"/>
-        </a:p>
-        <a:p>
-          <a:pPr marL="285750" lvl="1" indent="-285750" algn="l" defTabSz="1511300">
-            <a:lnSpc>
-              <a:spcPct val="90000"/>
-            </a:lnSpc>
-            <a:spcBef>
-              <a:spcPct val="0"/>
-            </a:spcBef>
-            <a:spcAft>
-              <a:spcPct val="15000"/>
-            </a:spcAft>
-            <a:buChar char="••"/>
-          </a:pPr>
-          <a:endParaRPr lang="ru-RU" sz="3400" kern="1200"/>
-        </a:p>
-        <a:p>
-          <a:pPr marL="285750" lvl="1" indent="-285750" algn="l" defTabSz="1511300">
-            <a:lnSpc>
-              <a:spcPct val="90000"/>
-            </a:lnSpc>
-            <a:spcBef>
-              <a:spcPct val="0"/>
-            </a:spcBef>
-            <a:spcAft>
-              <a:spcPct val="15000"/>
-            </a:spcAft>
-            <a:buChar char="••"/>
-          </a:pPr>
-          <a:endParaRPr lang="ru-RU" sz="3400" kern="1200"/>
-        </a:p>
-      </dsp:txBody>
-      <dsp:txXfrm>
-        <a:off x="457705" y="1609022"/>
-        <a:ext cx="2218788" cy="2218788"/>
-      </dsp:txXfrm>
-    </dsp:sp>
-    <dsp:sp modelId="{A9E8C83E-2C35-49F4-A158-31A34E479288}">
-      <dsp:nvSpPr>
-        <dsp:cNvPr id="0" name=""/>
-        <dsp:cNvSpPr/>
-      </dsp:nvSpPr>
-      <dsp:spPr>
-        <a:xfrm>
-          <a:off x="2815831" y="1021149"/>
-          <a:ext cx="453981" cy="566317"/>
-        </a:xfrm>
-        <a:prstGeom prst="rightArrow">
-          <a:avLst>
-            <a:gd name="adj1" fmla="val 60000"/>
-            <a:gd name="adj2" fmla="val 50000"/>
-          </a:avLst>
-        </a:prstGeom>
-        <a:solidFill>
-          <a:schemeClr val="accent1">
-            <a:tint val="60000"/>
-            <a:hueOff val="0"/>
-            <a:satOff val="0"/>
-            <a:lumOff val="0"/>
-            <a:alphaOff val="0"/>
-          </a:schemeClr>
-        </a:solidFill>
-        <a:ln>
-          <a:noFill/>
-        </a:ln>
-        <a:effectLst/>
-      </dsp:spPr>
-      <dsp:style>
-        <a:lnRef idx="0">
-          <a:scrgbClr r="0" g="0" b="0"/>
-        </a:lnRef>
-        <a:fillRef idx="1">
-          <a:scrgbClr r="0" g="0" b="0"/>
-        </a:fillRef>
-        <a:effectRef idx="0">
-          <a:scrgbClr r="0" g="0" b="0"/>
-        </a:effectRef>
-        <a:fontRef idx="minor">
-          <a:schemeClr val="lt1"/>
-        </a:fontRef>
-      </dsp:style>
-      <dsp:txBody>
-        <a:bodyPr spcFirstLastPara="0" vert="horz" wrap="square" lIns="0" tIns="0" rIns="0" bIns="0" numCol="1" spcCol="1270" anchor="ctr" anchorCtr="0">
-          <a:noAutofit/>
-        </a:bodyPr>
-        <a:lstStyle/>
-        <a:p>
-          <a:pPr lvl="0" algn="ctr" defTabSz="1066800">
-            <a:lnSpc>
-              <a:spcPct val="90000"/>
-            </a:lnSpc>
-            <a:spcBef>
-              <a:spcPct val="0"/>
-            </a:spcBef>
-            <a:spcAft>
-              <a:spcPct val="35000"/>
-            </a:spcAft>
-          </a:pPr>
-          <a:endParaRPr lang="ru-RU" sz="2400" kern="1200"/>
-        </a:p>
-      </dsp:txBody>
-      <dsp:txXfrm>
-        <a:off x="2815831" y="1134412"/>
-        <a:ext cx="317787" cy="339791"/>
-      </dsp:txXfrm>
-    </dsp:sp>
-    <dsp:sp modelId="{A1C90A83-0560-429C-BDF8-566F261D6748}">
-      <dsp:nvSpPr>
-        <dsp:cNvPr id="0" name=""/>
-        <dsp:cNvSpPr/>
-      </dsp:nvSpPr>
-      <dsp:spPr>
-        <a:xfrm>
-          <a:off x="3658939" y="125883"/>
-          <a:ext cx="2356848" cy="2356848"/>
-        </a:xfrm>
-        <a:prstGeom prst="roundRect">
-          <a:avLst>
-            <a:gd name="adj" fmla="val 10000"/>
-          </a:avLst>
-        </a:prstGeom>
-        <a:solidFill>
-          <a:schemeClr val="accent1">
-            <a:tint val="50000"/>
-            <a:hueOff val="0"/>
-            <a:satOff val="0"/>
-            <a:lumOff val="0"/>
-            <a:alphaOff val="0"/>
-          </a:schemeClr>
-        </a:solidFill>
-        <a:ln w="15875" cap="flat" cmpd="sng" algn="ctr">
-          <a:solidFill>
-            <a:schemeClr val="lt1">
-              <a:hueOff val="0"/>
-              <a:satOff val="0"/>
-              <a:lumOff val="0"/>
-              <a:alphaOff val="0"/>
-            </a:schemeClr>
-          </a:solidFill>
-          <a:prstDash val="solid"/>
-        </a:ln>
-        <a:effectLst/>
-      </dsp:spPr>
-      <dsp:style>
-        <a:lnRef idx="2">
-          <a:scrgbClr r="0" g="0" b="0"/>
-        </a:lnRef>
-        <a:fillRef idx="1">
-          <a:scrgbClr r="0" g="0" b="0"/>
-        </a:fillRef>
-        <a:effectRef idx="0">
-          <a:scrgbClr r="0" g="0" b="0"/>
-        </a:effectRef>
-        <a:fontRef idx="minor"/>
-      </dsp:style>
-    </dsp:sp>
-    <dsp:sp modelId="{B10AB445-88A2-4946-A216-D2A5E4DBE459}">
-      <dsp:nvSpPr>
-        <dsp:cNvPr id="0" name=""/>
-        <dsp:cNvSpPr/>
-      </dsp:nvSpPr>
-      <dsp:spPr>
-        <a:xfrm>
-          <a:off x="4042612" y="1539992"/>
-          <a:ext cx="2356848" cy="2356848"/>
-        </a:xfrm>
-        <a:prstGeom prst="roundRect">
-          <a:avLst>
-            <a:gd name="adj" fmla="val 10000"/>
-          </a:avLst>
-        </a:prstGeom>
-        <a:solidFill>
-          <a:schemeClr val="accent1">
-            <a:hueOff val="0"/>
-            <a:satOff val="0"/>
-            <a:lumOff val="0"/>
-            <a:alphaOff val="0"/>
-          </a:schemeClr>
-        </a:solidFill>
-        <a:ln w="15875" cap="flat" cmpd="sng" algn="ctr">
-          <a:solidFill>
-            <a:schemeClr val="lt1">
-              <a:hueOff val="0"/>
-              <a:satOff val="0"/>
-              <a:lumOff val="0"/>
-              <a:alphaOff val="0"/>
-            </a:schemeClr>
-          </a:solidFill>
-          <a:prstDash val="solid"/>
-        </a:ln>
-        <a:effectLst/>
-      </dsp:spPr>
-      <dsp:style>
-        <a:lnRef idx="2">
-          <a:scrgbClr r="0" g="0" b="0"/>
-        </a:lnRef>
-        <a:fillRef idx="1">
-          <a:scrgbClr r="0" g="0" b="0"/>
-        </a:fillRef>
-        <a:effectRef idx="0">
-          <a:scrgbClr r="0" g="0" b="0"/>
-        </a:effectRef>
-        <a:fontRef idx="minor">
-          <a:schemeClr val="lt1"/>
-        </a:fontRef>
-      </dsp:style>
-      <dsp:txBody>
-        <a:bodyPr spcFirstLastPara="0" vert="horz" wrap="square" lIns="167640" tIns="167640" rIns="167640" bIns="167640" numCol="1" spcCol="1270" anchor="t" anchorCtr="0">
-          <a:noAutofit/>
-        </a:bodyPr>
-        <a:lstStyle/>
-        <a:p>
-          <a:pPr lvl="0" algn="l" defTabSz="1955800">
-            <a:lnSpc>
-              <a:spcPct val="90000"/>
-            </a:lnSpc>
-            <a:spcBef>
-              <a:spcPct val="0"/>
-            </a:spcBef>
-            <a:spcAft>
-              <a:spcPct val="35000"/>
-            </a:spcAft>
-          </a:pPr>
-          <a:endParaRPr lang="ru-RU" sz="4400" kern="1200"/>
-        </a:p>
-        <a:p>
-          <a:pPr marL="285750" lvl="1" indent="-285750" algn="l" defTabSz="1511300">
-            <a:lnSpc>
-              <a:spcPct val="90000"/>
-            </a:lnSpc>
-            <a:spcBef>
-              <a:spcPct val="0"/>
-            </a:spcBef>
-            <a:spcAft>
-              <a:spcPct val="15000"/>
-            </a:spcAft>
-            <a:buChar char="••"/>
-          </a:pPr>
-          <a:endParaRPr lang="ru-RU" sz="3400" kern="1200"/>
-        </a:p>
-        <a:p>
-          <a:pPr marL="285750" lvl="1" indent="-285750" algn="l" defTabSz="1511300">
-            <a:lnSpc>
-              <a:spcPct val="90000"/>
-            </a:lnSpc>
-            <a:spcBef>
-              <a:spcPct val="0"/>
-            </a:spcBef>
-            <a:spcAft>
-              <a:spcPct val="15000"/>
-            </a:spcAft>
-            <a:buChar char="••"/>
-          </a:pPr>
-          <a:endParaRPr lang="ru-RU" sz="3400" kern="1200"/>
-        </a:p>
-      </dsp:txBody>
-      <dsp:txXfrm>
-        <a:off x="4111642" y="1609022"/>
-        <a:ext cx="2218788" cy="2218788"/>
-      </dsp:txXfrm>
-    </dsp:sp>
-    <dsp:sp modelId="{DADD8E6F-F48E-47D9-A01F-E41516BF2B5C}">
-      <dsp:nvSpPr>
-        <dsp:cNvPr id="0" name=""/>
-        <dsp:cNvSpPr/>
-      </dsp:nvSpPr>
-      <dsp:spPr>
-        <a:xfrm>
-          <a:off x="6469768" y="1021149"/>
-          <a:ext cx="453981" cy="566317"/>
-        </a:xfrm>
-        <a:prstGeom prst="rightArrow">
-          <a:avLst>
-            <a:gd name="adj1" fmla="val 60000"/>
-            <a:gd name="adj2" fmla="val 50000"/>
-          </a:avLst>
-        </a:prstGeom>
-        <a:solidFill>
-          <a:schemeClr val="accent1">
-            <a:tint val="60000"/>
-            <a:hueOff val="0"/>
-            <a:satOff val="0"/>
-            <a:lumOff val="0"/>
-            <a:alphaOff val="0"/>
-          </a:schemeClr>
-        </a:solidFill>
-        <a:ln>
-          <a:noFill/>
-        </a:ln>
-        <a:effectLst/>
-      </dsp:spPr>
-      <dsp:style>
-        <a:lnRef idx="0">
-          <a:scrgbClr r="0" g="0" b="0"/>
-        </a:lnRef>
-        <a:fillRef idx="1">
-          <a:scrgbClr r="0" g="0" b="0"/>
-        </a:fillRef>
-        <a:effectRef idx="0">
-          <a:scrgbClr r="0" g="0" b="0"/>
-        </a:effectRef>
-        <a:fontRef idx="minor">
-          <a:schemeClr val="lt1"/>
-        </a:fontRef>
-      </dsp:style>
-      <dsp:txBody>
-        <a:bodyPr spcFirstLastPara="0" vert="horz" wrap="square" lIns="0" tIns="0" rIns="0" bIns="0" numCol="1" spcCol="1270" anchor="ctr" anchorCtr="0">
-          <a:noAutofit/>
-        </a:bodyPr>
-        <a:lstStyle/>
-        <a:p>
-          <a:pPr lvl="0" algn="ctr" defTabSz="1066800">
-            <a:lnSpc>
-              <a:spcPct val="90000"/>
-            </a:lnSpc>
-            <a:spcBef>
-              <a:spcPct val="0"/>
-            </a:spcBef>
-            <a:spcAft>
-              <a:spcPct val="35000"/>
-            </a:spcAft>
-          </a:pPr>
-          <a:endParaRPr lang="ru-RU" sz="2400" kern="1200"/>
-        </a:p>
-      </dsp:txBody>
-      <dsp:txXfrm>
-        <a:off x="6469768" y="1134412"/>
-        <a:ext cx="317787" cy="339791"/>
-      </dsp:txXfrm>
-    </dsp:sp>
-    <dsp:sp modelId="{8D493300-5C1E-4AD1-8E27-3479FBFE62A8}">
-      <dsp:nvSpPr>
-        <dsp:cNvPr id="0" name=""/>
-        <dsp:cNvSpPr/>
-      </dsp:nvSpPr>
-      <dsp:spPr>
-        <a:xfrm>
-          <a:off x="7312876" y="125883"/>
-          <a:ext cx="2356848" cy="2356848"/>
-        </a:xfrm>
-        <a:prstGeom prst="roundRect">
-          <a:avLst>
-            <a:gd name="adj" fmla="val 10000"/>
-          </a:avLst>
-        </a:prstGeom>
-        <a:solidFill>
-          <a:schemeClr val="accent1">
-            <a:tint val="50000"/>
-            <a:hueOff val="0"/>
-            <a:satOff val="0"/>
-            <a:lumOff val="0"/>
-            <a:alphaOff val="0"/>
-          </a:schemeClr>
-        </a:solidFill>
-        <a:ln w="15875" cap="flat" cmpd="sng" algn="ctr">
-          <a:solidFill>
-            <a:schemeClr val="lt1">
-              <a:hueOff val="0"/>
-              <a:satOff val="0"/>
-              <a:lumOff val="0"/>
-              <a:alphaOff val="0"/>
-            </a:schemeClr>
-          </a:solidFill>
-          <a:prstDash val="solid"/>
-        </a:ln>
-        <a:effectLst/>
-      </dsp:spPr>
-      <dsp:style>
-        <a:lnRef idx="2">
-          <a:scrgbClr r="0" g="0" b="0"/>
-        </a:lnRef>
-        <a:fillRef idx="1">
-          <a:scrgbClr r="0" g="0" b="0"/>
-        </a:fillRef>
-        <a:effectRef idx="0">
-          <a:scrgbClr r="0" g="0" b="0"/>
-        </a:effectRef>
-        <a:fontRef idx="minor"/>
-      </dsp:style>
-    </dsp:sp>
-    <dsp:sp modelId="{98E438B2-B36A-46B3-B98B-0D0B83079644}">
-      <dsp:nvSpPr>
-        <dsp:cNvPr id="0" name=""/>
-        <dsp:cNvSpPr/>
-      </dsp:nvSpPr>
-      <dsp:spPr>
-        <a:xfrm>
-          <a:off x="7696549" y="1539992"/>
-          <a:ext cx="2356848" cy="2356848"/>
-        </a:xfrm>
-        <a:prstGeom prst="roundRect">
-          <a:avLst>
-            <a:gd name="adj" fmla="val 10000"/>
-          </a:avLst>
-        </a:prstGeom>
-        <a:solidFill>
-          <a:schemeClr val="accent1">
-            <a:hueOff val="0"/>
-            <a:satOff val="0"/>
-            <a:lumOff val="0"/>
-            <a:alphaOff val="0"/>
-          </a:schemeClr>
-        </a:solidFill>
-        <a:ln w="15875" cap="flat" cmpd="sng" algn="ctr">
-          <a:solidFill>
-            <a:schemeClr val="lt1">
-              <a:hueOff val="0"/>
-              <a:satOff val="0"/>
-              <a:lumOff val="0"/>
-              <a:alphaOff val="0"/>
-            </a:schemeClr>
-          </a:solidFill>
-          <a:prstDash val="solid"/>
-        </a:ln>
-        <a:effectLst/>
-      </dsp:spPr>
-      <dsp:style>
-        <a:lnRef idx="2">
-          <a:scrgbClr r="0" g="0" b="0"/>
-        </a:lnRef>
-        <a:fillRef idx="1">
-          <a:scrgbClr r="0" g="0" b="0"/>
-        </a:fillRef>
-        <a:effectRef idx="0">
-          <a:scrgbClr r="0" g="0" b="0"/>
-        </a:effectRef>
-        <a:fontRef idx="minor">
-          <a:schemeClr val="lt1"/>
-        </a:fontRef>
-      </dsp:style>
-      <dsp:txBody>
-        <a:bodyPr spcFirstLastPara="0" vert="horz" wrap="square" lIns="167640" tIns="167640" rIns="167640" bIns="167640" numCol="1" spcCol="1270" anchor="t" anchorCtr="0">
-          <a:noAutofit/>
-        </a:bodyPr>
-        <a:lstStyle/>
-        <a:p>
-          <a:pPr lvl="0" algn="l" defTabSz="1955800">
-            <a:lnSpc>
-              <a:spcPct val="90000"/>
-            </a:lnSpc>
-            <a:spcBef>
-              <a:spcPct val="0"/>
-            </a:spcBef>
-            <a:spcAft>
-              <a:spcPct val="35000"/>
-            </a:spcAft>
-          </a:pPr>
-          <a:endParaRPr lang="ru-RU" sz="4400" kern="1200"/>
-        </a:p>
-        <a:p>
-          <a:pPr marL="285750" lvl="1" indent="-285750" algn="l" defTabSz="1511300">
-            <a:lnSpc>
-              <a:spcPct val="90000"/>
-            </a:lnSpc>
-            <a:spcBef>
-              <a:spcPct val="0"/>
-            </a:spcBef>
-            <a:spcAft>
-              <a:spcPct val="15000"/>
-            </a:spcAft>
-            <a:buChar char="••"/>
-          </a:pPr>
-          <a:endParaRPr lang="ru-RU" sz="3400" kern="1200"/>
-        </a:p>
-        <a:p>
-          <a:pPr marL="285750" lvl="1" indent="-285750" algn="l" defTabSz="1511300">
-            <a:lnSpc>
-              <a:spcPct val="90000"/>
-            </a:lnSpc>
-            <a:spcBef>
-              <a:spcPct val="0"/>
-            </a:spcBef>
-            <a:spcAft>
-              <a:spcPct val="15000"/>
-            </a:spcAft>
-            <a:buChar char="••"/>
-          </a:pPr>
-          <a:endParaRPr lang="ru-RU" sz="3400" kern="1200"/>
-        </a:p>
-      </dsp:txBody>
-      <dsp:txXfrm>
-        <a:off x="7765579" y="1609022"/>
-        <a:ext cx="2218788" cy="2218788"/>
-      </dsp:txXfrm>
-    </dsp:sp>
-  </dsp:spTree>
-</dsp:drawing>
-</file>
-
-<file path=ppt/diagrams/drawing2.xml><?xml version="1.0" encoding="utf-8"?>
-<dsp:drawing xmlns:dgm="http://schemas.openxmlformats.org/drawingml/2006/diagram" xmlns:dsp="http://schemas.microsoft.com/office/drawing/2008/diagram" xmlns:a="http://schemas.openxmlformats.org/drawingml/2006/main">
-  <dsp:spTree>
-    <dsp:nvGrpSpPr>
-      <dsp:cNvPr id="0" name=""/>
-      <dsp:cNvGrpSpPr/>
-    </dsp:nvGrpSpPr>
-    <dsp:grpSpPr/>
-    <dsp:sp modelId="{628E21F9-F946-457A-B5D6-7107E4B5B54D}">
-      <dsp:nvSpPr>
-        <dsp:cNvPr id="0" name=""/>
-        <dsp:cNvSpPr/>
-      </dsp:nvSpPr>
-      <dsp:spPr>
-        <a:xfrm>
-          <a:off x="3949301" y="1884398"/>
-          <a:ext cx="2159999" cy="2159999"/>
+          <a:off x="0" y="63087"/>
+          <a:ext cx="8208085" cy="719549"/>
         </a:xfrm>
         <a:prstGeom prst="roundRect">
           <a:avLst/>
@@ -13272,12 +15529,12 @@
         </a:fontRef>
       </dsp:style>
       <dsp:txBody>
-        <a:bodyPr spcFirstLastPara="0" vert="horz" wrap="square" lIns="86360" tIns="86360" rIns="86360" bIns="86360" numCol="1" spcCol="1270" anchor="ctr" anchorCtr="0">
+        <a:bodyPr spcFirstLastPara="0" vert="horz" wrap="square" lIns="114300" tIns="114300" rIns="114300" bIns="114300" numCol="1" spcCol="1270" anchor="ctr" anchorCtr="0">
           <a:noAutofit/>
         </a:bodyPr>
         <a:lstStyle/>
         <a:p>
-          <a:pPr lvl="0" algn="ctr" defTabSz="1511300">
+          <a:pPr lvl="0" algn="l" defTabSz="1333500">
             <a:lnSpc>
               <a:spcPct val="90000"/>
             </a:lnSpc>
@@ -13289,79 +15546,38 @@
             </a:spcAft>
           </a:pPr>
           <a:r>
-            <a:rPr lang="en-US" sz="3400" kern="1200" dirty="0" smtClean="0"/>
-            <a:t>Search</a:t>
+            <a:rPr lang="ru-RU" sz="3000" kern="1200" dirty="0" smtClean="0"/>
+            <a:t>Функции библиотеки</a:t>
           </a:r>
-          <a:endParaRPr lang="ru-RU" sz="3400" kern="1200" dirty="0" smtClean="0"/>
-        </a:p>
-        <a:p>
-          <a:pPr lvl="0" algn="ctr" defTabSz="1511300">
-            <a:lnSpc>
-              <a:spcPct val="90000"/>
-            </a:lnSpc>
-            <a:spcBef>
-              <a:spcPct val="0"/>
-            </a:spcBef>
-            <a:spcAft>
-              <a:spcPct val="35000"/>
-            </a:spcAft>
-          </a:pPr>
-          <a:r>
-            <a:rPr lang="en-US" sz="3400" kern="1200" dirty="0" smtClean="0"/>
-            <a:t>Engine</a:t>
-          </a:r>
-          <a:endParaRPr lang="ru-RU" sz="3400" kern="1200" dirty="0"/>
+          <a:endParaRPr lang="ru-RU" sz="3000" kern="1200" dirty="0"/>
         </a:p>
       </dsp:txBody>
       <dsp:txXfrm>
-        <a:off x="4054743" y="1989840"/>
-        <a:ext cx="1949115" cy="1949115"/>
+        <a:off x="35125" y="98212"/>
+        <a:ext cx="8137835" cy="649299"/>
       </dsp:txXfrm>
     </dsp:sp>
-    <dsp:sp modelId="{667DE06D-C223-4C57-8F2C-DDC107791A47}">
+    <dsp:sp modelId="{625A264F-F3DF-4EEC-8B66-102C93BB9818}">
       <dsp:nvSpPr>
         <dsp:cNvPr id="0" name=""/>
         <dsp:cNvSpPr/>
       </dsp:nvSpPr>
       <dsp:spPr>
-        <a:xfrm rot="14126138">
-          <a:off x="4202269" y="1840799"/>
-          <a:ext cx="105887" cy="0"/>
+        <a:xfrm>
+          <a:off x="0" y="782637"/>
+          <a:ext cx="8208085" cy="1210950"/>
         </a:xfrm>
-        <a:custGeom>
+        <a:prstGeom prst="rect">
           <a:avLst/>
-          <a:gdLst/>
-          <a:ahLst/>
-          <a:cxnLst/>
-          <a:rect l="0" t="0" r="0" b="0"/>
-          <a:pathLst>
-            <a:path>
-              <a:moveTo>
-                <a:pt x="0" y="0"/>
-              </a:moveTo>
-              <a:lnTo>
-                <a:pt x="105887" y="0"/>
-              </a:lnTo>
-            </a:path>
-          </a:pathLst>
-        </a:custGeom>
+        </a:prstGeom>
         <a:noFill/>
-        <a:ln w="15875" cap="flat" cmpd="sng" algn="ctr">
-          <a:solidFill>
-            <a:schemeClr val="accent1">
-              <a:shade val="60000"/>
-              <a:hueOff val="0"/>
-              <a:satOff val="0"/>
-              <a:lumOff val="0"/>
-              <a:alphaOff val="0"/>
-            </a:schemeClr>
-          </a:solidFill>
-          <a:prstDash val="solid"/>
+        <a:ln>
+          <a:noFill/>
         </a:ln>
         <a:effectLst/>
       </dsp:spPr>
       <dsp:style>
-        <a:lnRef idx="2">
+        <a:lnRef idx="0">
           <a:scrgbClr r="0" g="0" b="0"/>
         </a:lnRef>
         <a:fillRef idx="0">
@@ -13372,16 +15588,99 @@
         </a:effectRef>
         <a:fontRef idx="minor"/>
       </dsp:style>
+      <dsp:txBody>
+        <a:bodyPr spcFirstLastPara="0" vert="horz" wrap="square" lIns="260607" tIns="38100" rIns="213360" bIns="38100" numCol="1" spcCol="1270" anchor="t" anchorCtr="0">
+          <a:noAutofit/>
+        </a:bodyPr>
+        <a:lstStyle/>
+        <a:p>
+          <a:pPr marL="228600" lvl="1" indent="-228600" algn="l" defTabSz="1022350">
+            <a:lnSpc>
+              <a:spcPct val="90000"/>
+            </a:lnSpc>
+            <a:spcBef>
+              <a:spcPct val="0"/>
+            </a:spcBef>
+            <a:spcAft>
+              <a:spcPct val="20000"/>
+            </a:spcAft>
+            <a:buChar char="••"/>
+          </a:pPr>
+          <a:r>
+            <a:rPr lang="ru-RU" sz="2300" kern="1200" dirty="0" smtClean="0"/>
+            <a:t>Прочитать/записать текстовый файл</a:t>
+          </a:r>
+          <a:endParaRPr lang="ru-RU" sz="2300" kern="1200" dirty="0"/>
+        </a:p>
+        <a:p>
+          <a:pPr marL="228600" lvl="1" indent="-228600" algn="l" defTabSz="1022350">
+            <a:lnSpc>
+              <a:spcPct val="90000"/>
+            </a:lnSpc>
+            <a:spcBef>
+              <a:spcPct val="0"/>
+            </a:spcBef>
+            <a:spcAft>
+              <a:spcPct val="20000"/>
+            </a:spcAft>
+            <a:buChar char="••"/>
+          </a:pPr>
+          <a:r>
+            <a:rPr lang="ru-RU" sz="2300" kern="1200" dirty="0" smtClean="0"/>
+            <a:t>Прочитать/записать </a:t>
+          </a:r>
+          <a:r>
+            <a:rPr lang="en-US" sz="2300" kern="1200" dirty="0" smtClean="0"/>
+            <a:t>JSON-</a:t>
+          </a:r>
+          <a:r>
+            <a:rPr lang="ru-RU" sz="2300" kern="1200" dirty="0" smtClean="0"/>
+            <a:t>файл</a:t>
+          </a:r>
+          <a:endParaRPr lang="ru-RU" sz="2300" kern="1200" dirty="0"/>
+        </a:p>
+        <a:p>
+          <a:pPr marL="228600" lvl="1" indent="-228600" algn="l" defTabSz="1022350">
+            <a:lnSpc>
+              <a:spcPct val="90000"/>
+            </a:lnSpc>
+            <a:spcBef>
+              <a:spcPct val="0"/>
+            </a:spcBef>
+            <a:spcAft>
+              <a:spcPct val="20000"/>
+            </a:spcAft>
+            <a:buChar char="••"/>
+          </a:pPr>
+          <a:r>
+            <a:rPr lang="ru-RU" sz="2300" kern="1200" dirty="0" smtClean="0"/>
+            <a:t>Проверить </a:t>
+          </a:r>
+          <a:r>
+            <a:rPr lang="en-US" sz="2300" kern="1200" dirty="0" smtClean="0"/>
+            <a:t>JSON-</a:t>
+          </a:r>
+          <a:r>
+            <a:rPr lang="ru-RU" sz="2300" kern="1200" dirty="0" smtClean="0"/>
+            <a:t>структуру на соответствие шаблону</a:t>
+          </a:r>
+          <a:endParaRPr lang="ru-RU" sz="2300" kern="1200" dirty="0"/>
+        </a:p>
+      </dsp:txBody>
+      <dsp:txXfrm>
+        <a:off x="0" y="782637"/>
+        <a:ext cx="8208085" cy="1210950"/>
+      </dsp:txXfrm>
     </dsp:sp>
-    <dsp:sp modelId="{F29DD78D-084E-44BB-95B2-65781CA7A531}">
+    <dsp:sp modelId="{557F1F5C-6D75-4492-8EF1-6580ED92ACAF}">
       <dsp:nvSpPr>
         <dsp:cNvPr id="0" name=""/>
         <dsp:cNvSpPr/>
       </dsp:nvSpPr>
       <dsp:spPr>
         <a:xfrm>
-          <a:off x="2705133" y="-2799"/>
-          <a:ext cx="1800000" cy="1800000"/>
+          <a:off x="0" y="1993587"/>
+          <a:ext cx="8208085" cy="719549"/>
         </a:xfrm>
         <a:prstGeom prst="roundRect">
           <a:avLst/>
@@ -13422,12 +15721,12 @@
         </a:fontRef>
       </dsp:style>
       <dsp:txBody>
-        <a:bodyPr spcFirstLastPara="0" vert="horz" wrap="square" lIns="40640" tIns="40640" rIns="40640" bIns="40640" numCol="1" spcCol="1270" anchor="ctr" anchorCtr="0">
+        <a:bodyPr spcFirstLastPara="0" vert="horz" wrap="square" lIns="114300" tIns="114300" rIns="114300" bIns="114300" numCol="1" spcCol="1270" anchor="ctr" anchorCtr="0">
           <a:noAutofit/>
         </a:bodyPr>
         <a:lstStyle/>
         <a:p>
-          <a:pPr lvl="0" algn="ctr" defTabSz="711200">
+          <a:pPr lvl="0" algn="l" defTabSz="1333500">
             <a:lnSpc>
               <a:spcPct val="90000"/>
             </a:lnSpc>
@@ -13439,79 +15738,38 @@
             </a:spcAft>
           </a:pPr>
           <a:r>
-            <a:rPr lang="en-US" sz="1600" kern="1200" dirty="0" smtClean="0"/>
-            <a:t>Converter</a:t>
+            <a:rPr lang="ru-RU" sz="3000" kern="1200" dirty="0" smtClean="0"/>
+            <a:t>Проверка при работе с файлами</a:t>
           </a:r>
-          <a:endParaRPr lang="ru-RU" sz="1600" kern="1200" dirty="0" smtClean="0"/>
-        </a:p>
-        <a:p>
-          <a:pPr lvl="0" algn="ctr" defTabSz="711200">
-            <a:lnSpc>
-              <a:spcPct val="90000"/>
-            </a:lnSpc>
-            <a:spcBef>
-              <a:spcPct val="0"/>
-            </a:spcBef>
-            <a:spcAft>
-              <a:spcPct val="35000"/>
-            </a:spcAft>
-          </a:pPr>
-          <a:r>
-            <a:rPr lang="en-US" sz="1600" kern="1200" dirty="0" smtClean="0"/>
-            <a:t>JSON </a:t>
-          </a:r>
-          <a:endParaRPr lang="ru-RU" sz="1600" kern="1200" dirty="0"/>
+          <a:endParaRPr lang="ru-RU" sz="3000" kern="1200" dirty="0"/>
         </a:p>
       </dsp:txBody>
       <dsp:txXfrm>
-        <a:off x="2793002" y="85070"/>
-        <a:ext cx="1624262" cy="1624262"/>
+        <a:off x="35125" y="2028712"/>
+        <a:ext cx="8137835" cy="649299"/>
       </dsp:txXfrm>
     </dsp:sp>
-    <dsp:sp modelId="{65390B38-AF76-4E62-872B-309581DF08C7}">
+    <dsp:sp modelId="{657A1B8A-9783-4C29-9201-29A02D448FA4}">
       <dsp:nvSpPr>
         <dsp:cNvPr id="0" name=""/>
         <dsp:cNvSpPr/>
       </dsp:nvSpPr>
       <dsp:spPr>
-        <a:xfrm rot="149778">
-          <a:off x="6108280" y="3058321"/>
-          <a:ext cx="2150822" cy="0"/>
+        <a:xfrm>
+          <a:off x="0" y="2713137"/>
+          <a:ext cx="8208085" cy="1210950"/>
         </a:xfrm>
-        <a:custGeom>
+        <a:prstGeom prst="rect">
           <a:avLst/>
-          <a:gdLst/>
-          <a:ahLst/>
-          <a:cxnLst/>
-          <a:rect l="0" t="0" r="0" b="0"/>
-          <a:pathLst>
-            <a:path>
-              <a:moveTo>
-                <a:pt x="0" y="0"/>
-              </a:moveTo>
-              <a:lnTo>
-                <a:pt x="2150822" y="0"/>
-              </a:lnTo>
-            </a:path>
-          </a:pathLst>
-        </a:custGeom>
+        </a:prstGeom>
         <a:noFill/>
-        <a:ln w="15875" cap="flat" cmpd="sng" algn="ctr">
-          <a:solidFill>
-            <a:schemeClr val="accent1">
-              <a:shade val="60000"/>
-              <a:hueOff val="0"/>
-              <a:satOff val="0"/>
-              <a:lumOff val="0"/>
-              <a:alphaOff val="0"/>
-            </a:schemeClr>
-          </a:solidFill>
-          <a:prstDash val="solid"/>
+        <a:ln>
+          <a:noFill/>
         </a:ln>
         <a:effectLst/>
       </dsp:spPr>
       <dsp:style>
-        <a:lnRef idx="2">
+        <a:lnRef idx="0">
           <a:scrgbClr r="0" g="0" b="0"/>
         </a:lnRef>
         <a:fillRef idx="0">
@@ -13522,16 +15780,95 @@
         </a:effectRef>
         <a:fontRef idx="minor"/>
       </dsp:style>
+      <dsp:txBody>
+        <a:bodyPr spcFirstLastPara="0" vert="horz" wrap="square" lIns="260607" tIns="38100" rIns="213360" bIns="38100" numCol="1" spcCol="1270" anchor="t" anchorCtr="0">
+          <a:noAutofit/>
+        </a:bodyPr>
+        <a:lstStyle/>
+        <a:p>
+          <a:pPr marL="228600" lvl="1" indent="-228600" algn="l" defTabSz="1022350">
+            <a:lnSpc>
+              <a:spcPct val="90000"/>
+            </a:lnSpc>
+            <a:spcBef>
+              <a:spcPct val="0"/>
+            </a:spcBef>
+            <a:spcAft>
+              <a:spcPct val="20000"/>
+            </a:spcAft>
+            <a:buChar char="••"/>
+          </a:pPr>
+          <a:r>
+            <a:rPr lang="ru-RU" sz="2300" kern="1200" dirty="0" smtClean="0"/>
+            <a:t>Проверка на существование файла</a:t>
+          </a:r>
+          <a:endParaRPr lang="ru-RU" sz="2300" kern="1200" dirty="0"/>
+        </a:p>
+        <a:p>
+          <a:pPr marL="228600" lvl="1" indent="-228600" algn="l" defTabSz="1022350">
+            <a:lnSpc>
+              <a:spcPct val="90000"/>
+            </a:lnSpc>
+            <a:spcBef>
+              <a:spcPct val="0"/>
+            </a:spcBef>
+            <a:spcAft>
+              <a:spcPct val="20000"/>
+            </a:spcAft>
+            <a:buChar char="••"/>
+          </a:pPr>
+          <a:r>
+            <a:rPr lang="ru-RU" sz="2300" kern="1200" dirty="0" smtClean="0"/>
+            <a:t>Проверка на открытие файла</a:t>
+          </a:r>
+          <a:endParaRPr lang="ru-RU" sz="2300" kern="1200" dirty="0"/>
+        </a:p>
+        <a:p>
+          <a:pPr marL="228600" lvl="1" indent="-228600" algn="l" defTabSz="1022350">
+            <a:lnSpc>
+              <a:spcPct val="90000"/>
+            </a:lnSpc>
+            <a:spcBef>
+              <a:spcPct val="0"/>
+            </a:spcBef>
+            <a:spcAft>
+              <a:spcPct val="20000"/>
+            </a:spcAft>
+            <a:buChar char="••"/>
+          </a:pPr>
+          <a:r>
+            <a:rPr lang="ru-RU" sz="2300" kern="1200" dirty="0" smtClean="0"/>
+            <a:t>Проверка на ошибки во время чтения/записи файла</a:t>
+          </a:r>
+          <a:endParaRPr lang="ru-RU" sz="2300" kern="1200" dirty="0"/>
+        </a:p>
+      </dsp:txBody>
+      <dsp:txXfrm>
+        <a:off x="0" y="2713137"/>
+        <a:ext cx="8208085" cy="1210950"/>
+      </dsp:txXfrm>
     </dsp:sp>
-    <dsp:sp modelId="{24EC1B40-97B8-4A97-A728-C57093596661}">
+  </dsp:spTree>
+</dsp:drawing>
+</file>
+
+<file path=ppt/diagrams/drawing11.xml><?xml version="1.0" encoding="utf-8"?>
+<dsp:drawing xmlns:dgm="http://schemas.openxmlformats.org/drawingml/2006/diagram" xmlns:dsp="http://schemas.microsoft.com/office/drawing/2008/diagram" xmlns:a="http://schemas.openxmlformats.org/drawingml/2006/main">
+  <dsp:spTree>
+    <dsp:nvGrpSpPr>
+      <dsp:cNvPr id="0" name=""/>
+      <dsp:cNvGrpSpPr/>
+    </dsp:nvGrpSpPr>
+    <dsp:grpSpPr/>
+    <dsp:sp modelId="{A44F0C9A-3648-4916-982F-AF9587978149}">
       <dsp:nvSpPr>
         <dsp:cNvPr id="0" name=""/>
         <dsp:cNvSpPr/>
       </dsp:nvSpPr>
       <dsp:spPr>
         <a:xfrm>
-          <a:off x="8258082" y="2244397"/>
-          <a:ext cx="1800000" cy="1800000"/>
+          <a:off x="0" y="0"/>
+          <a:ext cx="7868458" cy="647595"/>
         </a:xfrm>
         <a:prstGeom prst="roundRect">
           <a:avLst/>
@@ -13572,12 +15909,12 @@
         </a:fontRef>
       </dsp:style>
       <dsp:txBody>
-        <a:bodyPr spcFirstLastPara="0" vert="horz" wrap="square" lIns="66040" tIns="66040" rIns="66040" bIns="66040" numCol="1" spcCol="1270" anchor="ctr" anchorCtr="0">
+        <a:bodyPr spcFirstLastPara="0" vert="horz" wrap="square" lIns="102870" tIns="102870" rIns="102870" bIns="102870" numCol="1" spcCol="1270" anchor="ctr" anchorCtr="0">
           <a:noAutofit/>
         </a:bodyPr>
         <a:lstStyle/>
         <a:p>
-          <a:pPr lvl="0" algn="ctr" defTabSz="1155700">
+          <a:pPr lvl="0" algn="l" defTabSz="1200150">
             <a:lnSpc>
               <a:spcPct val="90000"/>
             </a:lnSpc>
@@ -13589,97 +15926,38 @@
             </a:spcAft>
           </a:pPr>
           <a:r>
-            <a:rPr lang="en-US" sz="2600" kern="1200" dirty="0" smtClean="0"/>
-            <a:t>Dispatcher</a:t>
+            <a:rPr lang="ru-RU" sz="2700" kern="1200" dirty="0" smtClean="0"/>
+            <a:t>Функции библиотеки</a:t>
           </a:r>
-          <a:endParaRPr lang="ru-RU" sz="2600" kern="1200" dirty="0" smtClean="0"/>
-        </a:p>
-        <a:p>
-          <a:pPr lvl="0" algn="ctr" defTabSz="1155700">
-            <a:lnSpc>
-              <a:spcPct val="90000"/>
-            </a:lnSpc>
-            <a:spcBef>
-              <a:spcPct val="0"/>
-            </a:spcBef>
-            <a:spcAft>
-              <a:spcPct val="35000"/>
-            </a:spcAft>
-          </a:pPr>
-          <a:r>
-            <a:rPr lang="en-US" sz="2600" kern="1200" dirty="0" smtClean="0"/>
-            <a:t>Operation</a:t>
-          </a:r>
-          <a:endParaRPr lang="ru-RU" sz="2600" kern="1200" dirty="0" smtClean="0"/>
-        </a:p>
-        <a:p>
-          <a:pPr lvl="0" algn="ctr" defTabSz="1155700">
-            <a:lnSpc>
-              <a:spcPct val="90000"/>
-            </a:lnSpc>
-            <a:spcBef>
-              <a:spcPct val="0"/>
-            </a:spcBef>
-            <a:spcAft>
-              <a:spcPct val="35000"/>
-            </a:spcAft>
-          </a:pPr>
-          <a:r>
-            <a:rPr lang="en-US" sz="2600" kern="1200" dirty="0" smtClean="0"/>
-            <a:t>Validity</a:t>
-          </a:r>
-          <a:endParaRPr lang="ru-RU" sz="2600" kern="1200" dirty="0"/>
+          <a:endParaRPr lang="ru-RU" sz="2700" kern="1200" dirty="0"/>
         </a:p>
       </dsp:txBody>
       <dsp:txXfrm>
-        <a:off x="8345951" y="2332266"/>
-        <a:ext cx="1624262" cy="1624262"/>
+        <a:off x="31613" y="31613"/>
+        <a:ext cx="7805232" cy="584369"/>
       </dsp:txXfrm>
     </dsp:sp>
-    <dsp:sp modelId="{8F086A69-6FE7-48AB-8D4E-831F6AAADB3F}">
+    <dsp:sp modelId="{F2725D4B-59A7-40CF-AA8E-A27EC37530B2}">
       <dsp:nvSpPr>
         <dsp:cNvPr id="0" name=""/>
         <dsp:cNvSpPr/>
       </dsp:nvSpPr>
       <dsp:spPr>
-        <a:xfrm rot="18340887">
-          <a:off x="5783181" y="1842200"/>
-          <a:ext cx="103900" cy="0"/>
+        <a:xfrm>
+          <a:off x="0" y="665250"/>
+          <a:ext cx="7868458" cy="447120"/>
         </a:xfrm>
-        <a:custGeom>
+        <a:prstGeom prst="rect">
           <a:avLst/>
-          <a:gdLst/>
-          <a:ahLst/>
-          <a:cxnLst/>
-          <a:rect l="0" t="0" r="0" b="0"/>
-          <a:pathLst>
-            <a:path>
-              <a:moveTo>
-                <a:pt x="0" y="0"/>
-              </a:moveTo>
-              <a:lnTo>
-                <a:pt x="103900" y="0"/>
-              </a:lnTo>
-            </a:path>
-          </a:pathLst>
-        </a:custGeom>
+        </a:prstGeom>
         <a:noFill/>
-        <a:ln w="15875" cap="flat" cmpd="sng" algn="ctr">
-          <a:solidFill>
-            <a:schemeClr val="accent1">
-              <a:shade val="60000"/>
-              <a:hueOff val="0"/>
-              <a:satOff val="0"/>
-              <a:lumOff val="0"/>
-              <a:alphaOff val="0"/>
-            </a:schemeClr>
-          </a:solidFill>
-          <a:prstDash val="solid"/>
+        <a:ln>
+          <a:noFill/>
         </a:ln>
         <a:effectLst/>
       </dsp:spPr>
       <dsp:style>
-        <a:lnRef idx="2">
+        <a:lnRef idx="0">
           <a:scrgbClr r="0" g="0" b="0"/>
         </a:lnRef>
         <a:fillRef idx="0">
@@ -13690,16 +15968,45 @@
         </a:effectRef>
         <a:fontRef idx="minor"/>
       </dsp:style>
+      <dsp:txBody>
+        <a:bodyPr spcFirstLastPara="0" vert="horz" wrap="square" lIns="249824" tIns="34290" rIns="192024" bIns="34290" numCol="1" spcCol="1270" anchor="t" anchorCtr="0">
+          <a:noAutofit/>
+        </a:bodyPr>
+        <a:lstStyle/>
+        <a:p>
+          <a:pPr marL="228600" lvl="1" indent="-228600" algn="l" defTabSz="933450">
+            <a:lnSpc>
+              <a:spcPct val="90000"/>
+            </a:lnSpc>
+            <a:spcBef>
+              <a:spcPct val="0"/>
+            </a:spcBef>
+            <a:spcAft>
+              <a:spcPct val="20000"/>
+            </a:spcAft>
+            <a:buChar char="••"/>
+          </a:pPr>
+          <a:r>
+            <a:rPr lang="ru-RU" sz="2100" kern="1200" dirty="0" smtClean="0"/>
+            <a:t>Предоставляет 5 уровней логирования</a:t>
+          </a:r>
+          <a:endParaRPr lang="ru-RU" sz="2100" kern="1200" dirty="0"/>
+        </a:p>
+      </dsp:txBody>
+      <dsp:txXfrm>
+        <a:off x="0" y="665250"/>
+        <a:ext cx="7868458" cy="447120"/>
+      </dsp:txXfrm>
     </dsp:sp>
-    <dsp:sp modelId="{D5C3917E-2284-4E85-847C-82C5C871E472}">
+    <dsp:sp modelId="{6C5C9815-44A2-4551-A509-FE6F0947C3DB}">
       <dsp:nvSpPr>
         <dsp:cNvPr id="0" name=""/>
         <dsp:cNvSpPr/>
       </dsp:nvSpPr>
       <dsp:spPr>
         <a:xfrm>
-          <a:off x="5611707" y="1"/>
-          <a:ext cx="1800000" cy="1800000"/>
+          <a:off x="0" y="1112370"/>
+          <a:ext cx="7868458" cy="647595"/>
         </a:xfrm>
         <a:prstGeom prst="roundRect">
           <a:avLst/>
@@ -13740,12 +16047,12 @@
         </a:fontRef>
       </dsp:style>
       <dsp:txBody>
-        <a:bodyPr spcFirstLastPara="0" vert="horz" wrap="square" lIns="40640" tIns="40640" rIns="40640" bIns="40640" numCol="1" spcCol="1270" anchor="ctr" anchorCtr="0">
+        <a:bodyPr spcFirstLastPara="0" vert="horz" wrap="square" lIns="102870" tIns="102870" rIns="102870" bIns="102870" numCol="1" spcCol="1270" anchor="ctr" anchorCtr="0">
           <a:noAutofit/>
         </a:bodyPr>
         <a:lstStyle/>
         <a:p>
-          <a:pPr lvl="0" algn="ctr" defTabSz="711200">
+          <a:pPr lvl="0" algn="l" defTabSz="1200150">
             <a:lnSpc>
               <a:spcPct val="90000"/>
             </a:lnSpc>
@@ -13757,61 +16064,38 @@
             </a:spcAft>
           </a:pPr>
           <a:r>
-            <a:rPr lang="en-US" sz="1600" kern="1200" dirty="0" smtClean="0"/>
-            <a:t>Documents </a:t>
+            <a:rPr lang="ru-RU" sz="2700" kern="1200" dirty="0" smtClean="0"/>
+            <a:t>Внутренние функции</a:t>
           </a:r>
-          <a:endParaRPr lang="ru-RU" sz="1600" kern="1200" dirty="0"/>
+          <a:endParaRPr lang="ru-RU" sz="2700" kern="1200" dirty="0"/>
         </a:p>
       </dsp:txBody>
       <dsp:txXfrm>
-        <a:off x="5699576" y="87870"/>
-        <a:ext cx="1624262" cy="1624262"/>
+        <a:off x="31613" y="1143983"/>
+        <a:ext cx="7805232" cy="584369"/>
       </dsp:txXfrm>
     </dsp:sp>
-    <dsp:sp modelId="{1503B29C-C796-4217-A6E0-D8D0E4C12287}">
+    <dsp:sp modelId="{84271FDF-D644-48A5-8BBB-391AF85E26F5}">
       <dsp:nvSpPr>
         <dsp:cNvPr id="0" name=""/>
         <dsp:cNvSpPr/>
       </dsp:nvSpPr>
       <dsp:spPr>
-        <a:xfrm rot="20006092">
-          <a:off x="5982485" y="1887199"/>
-          <a:ext cx="2402411" cy="0"/>
+        <a:xfrm>
+          <a:off x="0" y="1759965"/>
+          <a:ext cx="7868458" cy="2123819"/>
         </a:xfrm>
-        <a:custGeom>
+        <a:prstGeom prst="rect">
           <a:avLst/>
-          <a:gdLst/>
-          <a:ahLst/>
-          <a:cxnLst/>
-          <a:rect l="0" t="0" r="0" b="0"/>
-          <a:pathLst>
-            <a:path>
-              <a:moveTo>
-                <a:pt x="0" y="0"/>
-              </a:moveTo>
-              <a:lnTo>
-                <a:pt x="2402411" y="0"/>
-              </a:lnTo>
-            </a:path>
-          </a:pathLst>
-        </a:custGeom>
+        </a:prstGeom>
         <a:noFill/>
-        <a:ln w="15875" cap="flat" cmpd="sng" algn="ctr">
-          <a:solidFill>
-            <a:schemeClr val="accent1">
-              <a:shade val="60000"/>
-              <a:hueOff val="0"/>
-              <a:satOff val="0"/>
-              <a:lumOff val="0"/>
-              <a:alphaOff val="0"/>
-            </a:schemeClr>
-          </a:solidFill>
-          <a:prstDash val="solid"/>
+        <a:ln>
+          <a:noFill/>
         </a:ln>
         <a:effectLst/>
       </dsp:spPr>
       <dsp:style>
-        <a:lnRef idx="2">
+        <a:lnRef idx="0">
           <a:scrgbClr r="0" g="0" b="0"/>
         </a:lnRef>
         <a:fillRef idx="0">
@@ -13822,62 +16106,13 @@
         </a:effectRef>
         <a:fontRef idx="minor"/>
       </dsp:style>
-    </dsp:sp>
-    <dsp:sp modelId="{76784C24-975E-4373-9AB0-0D36214A64F1}">
-      <dsp:nvSpPr>
-        <dsp:cNvPr id="0" name=""/>
-        <dsp:cNvSpPr/>
-      </dsp:nvSpPr>
-      <dsp:spPr>
-        <a:xfrm>
-          <a:off x="8258082" y="0"/>
-          <a:ext cx="1800000" cy="1800000"/>
-        </a:xfrm>
-        <a:prstGeom prst="roundRect">
-          <a:avLst/>
-        </a:prstGeom>
-        <a:solidFill>
-          <a:schemeClr val="accent1">
-            <a:hueOff val="0"/>
-            <a:satOff val="0"/>
-            <a:lumOff val="0"/>
-            <a:alphaOff val="0"/>
-          </a:schemeClr>
-        </a:solidFill>
-        <a:ln w="15875" cap="flat" cmpd="sng" algn="ctr">
-          <a:solidFill>
-            <a:schemeClr val="lt1">
-              <a:hueOff val="0"/>
-              <a:satOff val="0"/>
-              <a:lumOff val="0"/>
-              <a:alphaOff val="0"/>
-            </a:schemeClr>
-          </a:solidFill>
-          <a:prstDash val="solid"/>
-        </a:ln>
-        <a:effectLst/>
-      </dsp:spPr>
-      <dsp:style>
-        <a:lnRef idx="2">
-          <a:scrgbClr r="0" g="0" b="0"/>
-        </a:lnRef>
-        <a:fillRef idx="1">
-          <a:scrgbClr r="0" g="0" b="0"/>
-        </a:fillRef>
-        <a:effectRef idx="0">
-          <a:scrgbClr r="0" g="0" b="0"/>
-        </a:effectRef>
-        <a:fontRef idx="minor">
-          <a:schemeClr val="lt1"/>
-        </a:fontRef>
-      </dsp:style>
       <dsp:txBody>
-        <a:bodyPr spcFirstLastPara="0" vert="horz" wrap="square" lIns="40640" tIns="40640" rIns="40640" bIns="40640" numCol="1" spcCol="1270" anchor="ctr" anchorCtr="0">
+        <a:bodyPr spcFirstLastPara="0" vert="horz" wrap="square" lIns="249824" tIns="34290" rIns="192024" bIns="34290" numCol="1" spcCol="1270" anchor="t" anchorCtr="0">
           <a:noAutofit/>
         </a:bodyPr>
         <a:lstStyle/>
         <a:p>
-          <a:pPr lvl="0" algn="ctr" defTabSz="711200">
+          <a:pPr marL="228600" lvl="1" indent="-228600" algn="l" defTabSz="933450">
             <a:lnSpc>
               <a:spcPct val="90000"/>
             </a:lnSpc>
@@ -13885,131 +16120,18 @@
               <a:spcPct val="0"/>
             </a:spcBef>
             <a:spcAft>
-              <a:spcPct val="35000"/>
+              <a:spcPct val="20000"/>
             </a:spcAft>
+            <a:buChar char="••"/>
           </a:pPr>
           <a:r>
-            <a:rPr lang="ru-RU" sz="1600" kern="1200" dirty="0" smtClean="0"/>
-            <a:t>Requests </a:t>
+            <a:rPr lang="ru-RU" sz="2100" kern="1200" dirty="0" smtClean="0"/>
+            <a:t>Записывает сообщения в лог-файлы в другом потоке</a:t>
           </a:r>
-          <a:endParaRPr lang="ru-RU" sz="1600" kern="1200" dirty="0"/>
+          <a:endParaRPr lang="ru-RU" sz="2100" kern="1200" dirty="0"/>
         </a:p>
-      </dsp:txBody>
-      <dsp:txXfrm>
-        <a:off x="8345951" y="87869"/>
-        <a:ext cx="1624262" cy="1624262"/>
-      </dsp:txXfrm>
-    </dsp:sp>
-    <dsp:sp modelId="{B23D5C2B-B6D2-4298-9DAF-A69442F1C2D7}">
-      <dsp:nvSpPr>
-        <dsp:cNvPr id="0" name=""/>
-        <dsp:cNvSpPr/>
-      </dsp:nvSpPr>
-      <dsp:spPr>
-        <a:xfrm rot="10654099">
-          <a:off x="1808734" y="3055692"/>
-          <a:ext cx="2141531" cy="0"/>
-        </a:xfrm>
-        <a:custGeom>
-          <a:avLst/>
-          <a:gdLst/>
-          <a:ahLst/>
-          <a:cxnLst/>
-          <a:rect l="0" t="0" r="0" b="0"/>
-          <a:pathLst>
-            <a:path>
-              <a:moveTo>
-                <a:pt x="0" y="0"/>
-              </a:moveTo>
-              <a:lnTo>
-                <a:pt x="2141531" y="0"/>
-              </a:lnTo>
-            </a:path>
-          </a:pathLst>
-        </a:custGeom>
-        <a:noFill/>
-        <a:ln w="15875" cap="flat" cmpd="sng" algn="ctr">
-          <a:solidFill>
-            <a:schemeClr val="accent1">
-              <a:shade val="60000"/>
-              <a:hueOff val="0"/>
-              <a:satOff val="0"/>
-              <a:lumOff val="0"/>
-              <a:alphaOff val="0"/>
-            </a:schemeClr>
-          </a:solidFill>
-          <a:prstDash val="solid"/>
-        </a:ln>
-        <a:effectLst/>
-      </dsp:spPr>
-      <dsp:style>
-        <a:lnRef idx="2">
-          <a:scrgbClr r="0" g="0" b="0"/>
-        </a:lnRef>
-        <a:fillRef idx="0">
-          <a:scrgbClr r="0" g="0" b="0"/>
-        </a:fillRef>
-        <a:effectRef idx="0">
-          <a:scrgbClr r="0" g="0" b="0"/>
-        </a:effectRef>
-        <a:fontRef idx="minor"/>
-      </dsp:style>
-    </dsp:sp>
-    <dsp:sp modelId="{635D6D0E-E44D-465D-9B55-5006A2372644}">
-      <dsp:nvSpPr>
-        <dsp:cNvPr id="0" name=""/>
-        <dsp:cNvSpPr/>
-      </dsp:nvSpPr>
-      <dsp:spPr>
-        <a:xfrm>
-          <a:off x="0" y="2234699"/>
-          <a:ext cx="1809698" cy="1809698"/>
-        </a:xfrm>
-        <a:prstGeom prst="roundRect">
-          <a:avLst/>
-        </a:prstGeom>
-        <a:solidFill>
-          <a:schemeClr val="accent1">
-            <a:hueOff val="0"/>
-            <a:satOff val="0"/>
-            <a:lumOff val="0"/>
-            <a:alphaOff val="0"/>
-          </a:schemeClr>
-        </a:solidFill>
-        <a:ln w="15875" cap="flat" cmpd="sng" algn="ctr">
-          <a:solidFill>
-            <a:schemeClr val="lt1">
-              <a:hueOff val="0"/>
-              <a:satOff val="0"/>
-              <a:lumOff val="0"/>
-              <a:alphaOff val="0"/>
-            </a:schemeClr>
-          </a:solidFill>
-          <a:prstDash val="solid"/>
-        </a:ln>
-        <a:effectLst/>
-      </dsp:spPr>
-      <dsp:style>
-        <a:lnRef idx="2">
-          <a:scrgbClr r="0" g="0" b="0"/>
-        </a:lnRef>
-        <a:fillRef idx="1">
-          <a:scrgbClr r="0" g="0" b="0"/>
-        </a:fillRef>
-        <a:effectRef idx="0">
-          <a:scrgbClr r="0" g="0" b="0"/>
-        </a:effectRef>
-        <a:fontRef idx="minor">
-          <a:schemeClr val="lt1"/>
-        </a:fontRef>
-      </dsp:style>
-      <dsp:txBody>
-        <a:bodyPr spcFirstLastPara="0" vert="horz" wrap="square" lIns="40640" tIns="40640" rIns="40640" bIns="40640" numCol="1" spcCol="1270" anchor="ctr" anchorCtr="0">
-          <a:noAutofit/>
-        </a:bodyPr>
-        <a:lstStyle/>
         <a:p>
-          <a:pPr lvl="0" algn="ctr" defTabSz="711200">
+          <a:pPr marL="228600" lvl="1" indent="-228600" algn="l" defTabSz="933450">
             <a:lnSpc>
               <a:spcPct val="90000"/>
             </a:lnSpc>
@@ -14017,17 +16139,18 @@
               <a:spcPct val="0"/>
             </a:spcBef>
             <a:spcAft>
-              <a:spcPct val="35000"/>
+              <a:spcPct val="20000"/>
             </a:spcAft>
+            <a:buChar char="••"/>
           </a:pPr>
           <a:r>
-            <a:rPr lang="en-US" sz="1600" kern="1200" dirty="0" smtClean="0"/>
-            <a:t>Inverted</a:t>
+            <a:rPr lang="ru-RU" sz="2100" kern="1200" dirty="0" smtClean="0"/>
+            <a:t>Выводит события в консоль в другом потоке и в другом процессе</a:t>
           </a:r>
-          <a:endParaRPr lang="ru-RU" sz="1600" kern="1200" dirty="0" smtClean="0"/>
+          <a:endParaRPr lang="ru-RU" sz="2100" kern="1200" dirty="0"/>
         </a:p>
         <a:p>
-          <a:pPr lvl="0" algn="ctr" defTabSz="711200">
+          <a:pPr marL="228600" lvl="1" indent="-228600" algn="l" defTabSz="933450">
             <a:lnSpc>
               <a:spcPct val="90000"/>
             </a:lnSpc>
@@ -14035,131 +16158,18 @@
               <a:spcPct val="0"/>
             </a:spcBef>
             <a:spcAft>
-              <a:spcPct val="35000"/>
+              <a:spcPct val="20000"/>
             </a:spcAft>
+            <a:buChar char="••"/>
           </a:pPr>
           <a:r>
-            <a:rPr lang="en-US" sz="1600" kern="1200" dirty="0" smtClean="0"/>
-            <a:t>Index </a:t>
+            <a:rPr lang="ru-RU" sz="2100" kern="1200" dirty="0" smtClean="0"/>
+            <a:t>Регулирует интервал времени использования файла</a:t>
           </a:r>
-          <a:endParaRPr lang="ru-RU" sz="1600" kern="1200" dirty="0"/>
+          <a:endParaRPr lang="ru-RU" sz="2100" kern="1200" dirty="0"/>
         </a:p>
-      </dsp:txBody>
-      <dsp:txXfrm>
-        <a:off x="88342" y="2323041"/>
-        <a:ext cx="1633014" cy="1633014"/>
-      </dsp:txXfrm>
-    </dsp:sp>
-    <dsp:sp modelId="{645660FC-29F0-4ECD-9736-2F09D9960928}">
-      <dsp:nvSpPr>
-        <dsp:cNvPr id="0" name=""/>
-        <dsp:cNvSpPr/>
-      </dsp:nvSpPr>
-      <dsp:spPr>
-        <a:xfrm rot="12392118">
-          <a:off x="1683739" y="1890892"/>
-          <a:ext cx="2391524" cy="0"/>
-        </a:xfrm>
-        <a:custGeom>
-          <a:avLst/>
-          <a:gdLst/>
-          <a:ahLst/>
-          <a:cxnLst/>
-          <a:rect l="0" t="0" r="0" b="0"/>
-          <a:pathLst>
-            <a:path>
-              <a:moveTo>
-                <a:pt x="0" y="0"/>
-              </a:moveTo>
-              <a:lnTo>
-                <a:pt x="2391524" y="0"/>
-              </a:lnTo>
-            </a:path>
-          </a:pathLst>
-        </a:custGeom>
-        <a:noFill/>
-        <a:ln w="15875" cap="flat" cmpd="sng" algn="ctr">
-          <a:solidFill>
-            <a:schemeClr val="accent1">
-              <a:shade val="60000"/>
-              <a:hueOff val="0"/>
-              <a:satOff val="0"/>
-              <a:lumOff val="0"/>
-              <a:alphaOff val="0"/>
-            </a:schemeClr>
-          </a:solidFill>
-          <a:prstDash val="solid"/>
-        </a:ln>
-        <a:effectLst/>
-      </dsp:spPr>
-      <dsp:style>
-        <a:lnRef idx="2">
-          <a:scrgbClr r="0" g="0" b="0"/>
-        </a:lnRef>
-        <a:fillRef idx="0">
-          <a:scrgbClr r="0" g="0" b="0"/>
-        </a:fillRef>
-        <a:effectRef idx="0">
-          <a:scrgbClr r="0" g="0" b="0"/>
-        </a:effectRef>
-        <a:fontRef idx="minor"/>
-      </dsp:style>
-    </dsp:sp>
-    <dsp:sp modelId="{EF6A00EF-2BA3-4AAD-B69B-A8E8767F6738}">
-      <dsp:nvSpPr>
-        <dsp:cNvPr id="0" name=""/>
-        <dsp:cNvSpPr/>
-      </dsp:nvSpPr>
-      <dsp:spPr>
-        <a:xfrm>
-          <a:off x="3" y="0"/>
-          <a:ext cx="1809698" cy="1809698"/>
-        </a:xfrm>
-        <a:prstGeom prst="roundRect">
-          <a:avLst/>
-        </a:prstGeom>
-        <a:solidFill>
-          <a:schemeClr val="accent1">
-            <a:hueOff val="0"/>
-            <a:satOff val="0"/>
-            <a:lumOff val="0"/>
-            <a:alphaOff val="0"/>
-          </a:schemeClr>
-        </a:solidFill>
-        <a:ln w="15875" cap="flat" cmpd="sng" algn="ctr">
-          <a:solidFill>
-            <a:schemeClr val="lt1">
-              <a:hueOff val="0"/>
-              <a:satOff val="0"/>
-              <a:lumOff val="0"/>
-              <a:alphaOff val="0"/>
-            </a:schemeClr>
-          </a:solidFill>
-          <a:prstDash val="solid"/>
-        </a:ln>
-        <a:effectLst/>
-      </dsp:spPr>
-      <dsp:style>
-        <a:lnRef idx="2">
-          <a:scrgbClr r="0" g="0" b="0"/>
-        </a:lnRef>
-        <a:fillRef idx="1">
-          <a:scrgbClr r="0" g="0" b="0"/>
-        </a:fillRef>
-        <a:effectRef idx="0">
-          <a:scrgbClr r="0" g="0" b="0"/>
-        </a:effectRef>
-        <a:fontRef idx="minor">
-          <a:schemeClr val="lt1"/>
-        </a:fontRef>
-      </dsp:style>
-      <dsp:txBody>
-        <a:bodyPr spcFirstLastPara="0" vert="horz" wrap="square" lIns="40640" tIns="40640" rIns="40640" bIns="40640" numCol="1" spcCol="1270" anchor="ctr" anchorCtr="0">
-          <a:noAutofit/>
-        </a:bodyPr>
-        <a:lstStyle/>
         <a:p>
-          <a:pPr lvl="0" algn="ctr" defTabSz="711200">
+          <a:pPr marL="228600" lvl="1" indent="-228600" algn="l" defTabSz="933450">
             <a:lnSpc>
               <a:spcPct val="90000"/>
             </a:lnSpc>
@@ -14167,17 +16177,18 @@
               <a:spcPct val="0"/>
             </a:spcBef>
             <a:spcAft>
-              <a:spcPct val="35000"/>
+              <a:spcPct val="20000"/>
             </a:spcAft>
+            <a:buChar char="••"/>
           </a:pPr>
           <a:r>
-            <a:rPr lang="en-US" sz="1600" kern="1200" dirty="0" smtClean="0"/>
-            <a:t>Relevant</a:t>
+            <a:rPr lang="ru-RU" sz="2100" kern="1200" dirty="0" smtClean="0"/>
+            <a:t>Регулирует интервал времени хранения файла</a:t>
           </a:r>
-          <a:endParaRPr lang="ru-RU" sz="1600" kern="1200" dirty="0" smtClean="0"/>
+          <a:endParaRPr lang="ru-RU" sz="2100" kern="1200" dirty="0"/>
         </a:p>
         <a:p>
-          <a:pPr lvl="0" algn="ctr" defTabSz="711200">
+          <a:pPr marL="228600" lvl="1" indent="-228600" algn="l" defTabSz="933450">
             <a:lnSpc>
               <a:spcPct val="90000"/>
             </a:lnSpc>
@@ -14185,21 +16196,30 @@
               <a:spcPct val="0"/>
             </a:spcBef>
             <a:spcAft>
-              <a:spcPct val="35000"/>
+              <a:spcPct val="20000"/>
             </a:spcAft>
+            <a:buChar char="••"/>
           </a:pPr>
-          <a:r>
-            <a:rPr lang="en-US" sz="1600" kern="1200" dirty="0" smtClean="0"/>
-            <a:t>Response </a:t>
-          </a:r>
-          <a:endParaRPr lang="ru-RU" sz="1600" kern="1200" dirty="0"/>
+          <a:endParaRPr lang="ru-RU" sz="2100" kern="1200" dirty="0"/>
         </a:p>
       </dsp:txBody>
       <dsp:txXfrm>
-        <a:off x="88345" y="88342"/>
-        <a:ext cx="1633014" cy="1633014"/>
+        <a:off x="0" y="1759965"/>
+        <a:ext cx="7868458" cy="2123819"/>
       </dsp:txXfrm>
     </dsp:sp>
+  </dsp:spTree>
+</dsp:drawing>
+</file>
+
+<file path=ppt/diagrams/drawing2.xml><?xml version="1.0" encoding="utf-8"?>
+<dsp:drawing xmlns:dgm="http://schemas.openxmlformats.org/drawingml/2006/diagram" xmlns:dsp="http://schemas.microsoft.com/office/drawing/2008/diagram" xmlns:a="http://schemas.openxmlformats.org/drawingml/2006/main">
+  <dsp:spTree>
+    <dsp:nvGrpSpPr>
+      <dsp:cNvPr id="0" name=""/>
+      <dsp:cNvGrpSpPr/>
+    </dsp:nvGrpSpPr>
+    <dsp:grpSpPr/>
   </dsp:spTree>
 </dsp:drawing>
 </file>
@@ -14212,580 +16232,6 @@
       <dsp:cNvGrpSpPr/>
     </dsp:nvGrpSpPr>
     <dsp:grpSpPr/>
-    <dsp:sp modelId="{A10362D1-A377-43A9-BD1F-AD314ADD2D68}">
-      <dsp:nvSpPr>
-        <dsp:cNvPr id="0" name=""/>
-        <dsp:cNvSpPr/>
-      </dsp:nvSpPr>
-      <dsp:spPr>
-        <a:xfrm>
-          <a:off x="452726" y="0"/>
-          <a:ext cx="5130899" cy="4143676"/>
-        </a:xfrm>
-        <a:prstGeom prst="rightArrow">
-          <a:avLst/>
-        </a:prstGeom>
-        <a:solidFill>
-          <a:schemeClr val="accent1">
-            <a:tint val="40000"/>
-            <a:hueOff val="0"/>
-            <a:satOff val="0"/>
-            <a:lumOff val="0"/>
-            <a:alphaOff val="0"/>
-          </a:schemeClr>
-        </a:solidFill>
-        <a:ln>
-          <a:noFill/>
-        </a:ln>
-        <a:effectLst/>
-      </dsp:spPr>
-      <dsp:style>
-        <a:lnRef idx="0">
-          <a:scrgbClr r="0" g="0" b="0"/>
-        </a:lnRef>
-        <a:fillRef idx="1">
-          <a:scrgbClr r="0" g="0" b="0"/>
-        </a:fillRef>
-        <a:effectRef idx="0">
-          <a:scrgbClr r="0" g="0" b="0"/>
-        </a:effectRef>
-        <a:fontRef idx="minor"/>
-      </dsp:style>
-    </dsp:sp>
-    <dsp:sp modelId="{AF958E4B-1079-43B8-AA41-59A175711EE3}">
-      <dsp:nvSpPr>
-        <dsp:cNvPr id="0" name=""/>
-        <dsp:cNvSpPr/>
-      </dsp:nvSpPr>
-      <dsp:spPr>
-        <a:xfrm>
-          <a:off x="3859" y="1243102"/>
-          <a:ext cx="927033" cy="1657470"/>
-        </a:xfrm>
-        <a:prstGeom prst="roundRect">
-          <a:avLst/>
-        </a:prstGeom>
-        <a:solidFill>
-          <a:schemeClr val="accent1">
-            <a:hueOff val="0"/>
-            <a:satOff val="0"/>
-            <a:lumOff val="0"/>
-            <a:alphaOff val="0"/>
-          </a:schemeClr>
-        </a:solidFill>
-        <a:ln w="15875" cap="flat" cmpd="sng" algn="ctr">
-          <a:solidFill>
-            <a:schemeClr val="lt1">
-              <a:hueOff val="0"/>
-              <a:satOff val="0"/>
-              <a:lumOff val="0"/>
-              <a:alphaOff val="0"/>
-            </a:schemeClr>
-          </a:solidFill>
-          <a:prstDash val="solid"/>
-        </a:ln>
-        <a:effectLst/>
-      </dsp:spPr>
-      <dsp:style>
-        <a:lnRef idx="2">
-          <a:scrgbClr r="0" g="0" b="0"/>
-        </a:lnRef>
-        <a:fillRef idx="1">
-          <a:scrgbClr r="0" g="0" b="0"/>
-        </a:fillRef>
-        <a:effectRef idx="0">
-          <a:scrgbClr r="0" g="0" b="0"/>
-        </a:effectRef>
-        <a:fontRef idx="minor">
-          <a:schemeClr val="lt1"/>
-        </a:fontRef>
-      </dsp:style>
-      <dsp:txBody>
-        <a:bodyPr spcFirstLastPara="0" vert="horz" wrap="square" lIns="45720" tIns="45720" rIns="45720" bIns="45720" numCol="1" spcCol="1270" anchor="ctr" anchorCtr="0">
-          <a:noAutofit/>
-        </a:bodyPr>
-        <a:lstStyle/>
-        <a:p>
-          <a:pPr lvl="0" algn="ctr" defTabSz="533400">
-            <a:lnSpc>
-              <a:spcPct val="90000"/>
-            </a:lnSpc>
-            <a:spcBef>
-              <a:spcPct val="0"/>
-            </a:spcBef>
-            <a:spcAft>
-              <a:spcPct val="35000"/>
-            </a:spcAft>
-          </a:pPr>
-          <a:r>
-            <a:rPr lang="en-US" sz="1200" kern="1200" dirty="0" smtClean="0"/>
-            <a:t>Search</a:t>
-          </a:r>
-          <a:endParaRPr lang="ru-RU" sz="1200" kern="1200" dirty="0" smtClean="0"/>
-        </a:p>
-        <a:p>
-          <a:pPr lvl="0" algn="ctr" defTabSz="533400">
-            <a:lnSpc>
-              <a:spcPct val="90000"/>
-            </a:lnSpc>
-            <a:spcBef>
-              <a:spcPct val="0"/>
-            </a:spcBef>
-            <a:spcAft>
-              <a:spcPct val="35000"/>
-            </a:spcAft>
-          </a:pPr>
-          <a:r>
-            <a:rPr lang="en-US" sz="1200" kern="1200" dirty="0" smtClean="0"/>
-            <a:t>Engine</a:t>
-          </a:r>
-          <a:endParaRPr lang="ru-RU" sz="1200" kern="1200" dirty="0"/>
-        </a:p>
-      </dsp:txBody>
-      <dsp:txXfrm>
-        <a:off x="49113" y="1288356"/>
-        <a:ext cx="836525" cy="1566962"/>
-      </dsp:txXfrm>
-    </dsp:sp>
-    <dsp:sp modelId="{0A15E6E4-35BF-4314-8C3D-ED211E2F9958}">
-      <dsp:nvSpPr>
-        <dsp:cNvPr id="0" name=""/>
-        <dsp:cNvSpPr/>
-      </dsp:nvSpPr>
-      <dsp:spPr>
-        <a:xfrm>
-          <a:off x="1024179" y="1243102"/>
-          <a:ext cx="927033" cy="1657470"/>
-        </a:xfrm>
-        <a:prstGeom prst="roundRect">
-          <a:avLst/>
-        </a:prstGeom>
-        <a:solidFill>
-          <a:schemeClr val="accent1">
-            <a:hueOff val="0"/>
-            <a:satOff val="0"/>
-            <a:lumOff val="0"/>
-            <a:alphaOff val="0"/>
-          </a:schemeClr>
-        </a:solidFill>
-        <a:ln w="15875" cap="flat" cmpd="sng" algn="ctr">
-          <a:solidFill>
-            <a:schemeClr val="lt1">
-              <a:hueOff val="0"/>
-              <a:satOff val="0"/>
-              <a:lumOff val="0"/>
-              <a:alphaOff val="0"/>
-            </a:schemeClr>
-          </a:solidFill>
-          <a:prstDash val="solid"/>
-        </a:ln>
-        <a:effectLst/>
-      </dsp:spPr>
-      <dsp:style>
-        <a:lnRef idx="2">
-          <a:scrgbClr r="0" g="0" b="0"/>
-        </a:lnRef>
-        <a:fillRef idx="1">
-          <a:scrgbClr r="0" g="0" b="0"/>
-        </a:fillRef>
-        <a:effectRef idx="0">
-          <a:scrgbClr r="0" g="0" b="0"/>
-        </a:effectRef>
-        <a:fontRef idx="minor">
-          <a:schemeClr val="lt1"/>
-        </a:fontRef>
-      </dsp:style>
-      <dsp:txBody>
-        <a:bodyPr spcFirstLastPara="0" vert="horz" wrap="square" lIns="45720" tIns="45720" rIns="45720" bIns="45720" numCol="1" spcCol="1270" anchor="ctr" anchorCtr="0">
-          <a:noAutofit/>
-        </a:bodyPr>
-        <a:lstStyle/>
-        <a:p>
-          <a:pPr lvl="0" algn="ctr" defTabSz="533400">
-            <a:lnSpc>
-              <a:spcPct val="90000"/>
-            </a:lnSpc>
-            <a:spcBef>
-              <a:spcPct val="0"/>
-            </a:spcBef>
-            <a:spcAft>
-              <a:spcPct val="35000"/>
-            </a:spcAft>
-          </a:pPr>
-          <a:r>
-            <a:rPr lang="en-US" sz="1200" kern="1200" dirty="0" smtClean="0"/>
-            <a:t>Converter</a:t>
-          </a:r>
-          <a:endParaRPr lang="ru-RU" sz="1200" kern="1200" dirty="0" smtClean="0"/>
-        </a:p>
-        <a:p>
-          <a:pPr lvl="0" algn="ctr" defTabSz="533400">
-            <a:lnSpc>
-              <a:spcPct val="90000"/>
-            </a:lnSpc>
-            <a:spcBef>
-              <a:spcPct val="0"/>
-            </a:spcBef>
-            <a:spcAft>
-              <a:spcPct val="35000"/>
-            </a:spcAft>
-          </a:pPr>
-          <a:r>
-            <a:rPr lang="en-US" sz="1200" kern="1200" dirty="0" smtClean="0"/>
-            <a:t>JSON</a:t>
-          </a:r>
-          <a:endParaRPr lang="ru-RU" sz="1200" kern="1200" dirty="0"/>
-        </a:p>
-      </dsp:txBody>
-      <dsp:txXfrm>
-        <a:off x="1069433" y="1288356"/>
-        <a:ext cx="836525" cy="1566962"/>
-      </dsp:txXfrm>
-    </dsp:sp>
-    <dsp:sp modelId="{F054BA0B-B3F7-4B6B-BD2F-4AE8F4442468}">
-      <dsp:nvSpPr>
-        <dsp:cNvPr id="0" name=""/>
-        <dsp:cNvSpPr/>
-      </dsp:nvSpPr>
-      <dsp:spPr>
-        <a:xfrm>
-          <a:off x="2044499" y="1243102"/>
-          <a:ext cx="927033" cy="1657470"/>
-        </a:xfrm>
-        <a:prstGeom prst="roundRect">
-          <a:avLst/>
-        </a:prstGeom>
-        <a:solidFill>
-          <a:schemeClr val="accent1">
-            <a:hueOff val="0"/>
-            <a:satOff val="0"/>
-            <a:lumOff val="0"/>
-            <a:alphaOff val="0"/>
-          </a:schemeClr>
-        </a:solidFill>
-        <a:ln w="15875" cap="flat" cmpd="sng" algn="ctr">
-          <a:solidFill>
-            <a:schemeClr val="lt1">
-              <a:hueOff val="0"/>
-              <a:satOff val="0"/>
-              <a:lumOff val="0"/>
-              <a:alphaOff val="0"/>
-            </a:schemeClr>
-          </a:solidFill>
-          <a:prstDash val="solid"/>
-        </a:ln>
-        <a:effectLst/>
-      </dsp:spPr>
-      <dsp:style>
-        <a:lnRef idx="2">
-          <a:scrgbClr r="0" g="0" b="0"/>
-        </a:lnRef>
-        <a:fillRef idx="1">
-          <a:scrgbClr r="0" g="0" b="0"/>
-        </a:fillRef>
-        <a:effectRef idx="0">
-          <a:scrgbClr r="0" g="0" b="0"/>
-        </a:effectRef>
-        <a:fontRef idx="minor">
-          <a:schemeClr val="lt1"/>
-        </a:fontRef>
-      </dsp:style>
-      <dsp:txBody>
-        <a:bodyPr spcFirstLastPara="0" vert="horz" wrap="square" lIns="45720" tIns="45720" rIns="45720" bIns="45720" numCol="1" spcCol="1270" anchor="ctr" anchorCtr="0">
-          <a:noAutofit/>
-        </a:bodyPr>
-        <a:lstStyle/>
-        <a:p>
-          <a:pPr lvl="0" algn="ctr" defTabSz="533400">
-            <a:lnSpc>
-              <a:spcPct val="90000"/>
-            </a:lnSpc>
-            <a:spcBef>
-              <a:spcPct val="0"/>
-            </a:spcBef>
-            <a:spcAft>
-              <a:spcPct val="35000"/>
-            </a:spcAft>
-          </a:pPr>
-          <a:r>
-            <a:rPr lang="en-US" sz="1200" kern="1200" dirty="0" smtClean="0"/>
-            <a:t>Documents</a:t>
-          </a:r>
-          <a:endParaRPr lang="ru-RU" sz="1200" kern="1200" dirty="0"/>
-        </a:p>
-      </dsp:txBody>
-      <dsp:txXfrm>
-        <a:off x="2089753" y="1288356"/>
-        <a:ext cx="836525" cy="1566962"/>
-      </dsp:txXfrm>
-    </dsp:sp>
-    <dsp:sp modelId="{DC4AEBBC-A52D-40F6-9146-7F10088A6B32}">
-      <dsp:nvSpPr>
-        <dsp:cNvPr id="0" name=""/>
-        <dsp:cNvSpPr/>
-      </dsp:nvSpPr>
-      <dsp:spPr>
-        <a:xfrm>
-          <a:off x="3064819" y="1243102"/>
-          <a:ext cx="927033" cy="1657470"/>
-        </a:xfrm>
-        <a:prstGeom prst="roundRect">
-          <a:avLst/>
-        </a:prstGeom>
-        <a:solidFill>
-          <a:schemeClr val="accent1">
-            <a:hueOff val="0"/>
-            <a:satOff val="0"/>
-            <a:lumOff val="0"/>
-            <a:alphaOff val="0"/>
-          </a:schemeClr>
-        </a:solidFill>
-        <a:ln w="15875" cap="flat" cmpd="sng" algn="ctr">
-          <a:solidFill>
-            <a:schemeClr val="lt1">
-              <a:hueOff val="0"/>
-              <a:satOff val="0"/>
-              <a:lumOff val="0"/>
-              <a:alphaOff val="0"/>
-            </a:schemeClr>
-          </a:solidFill>
-          <a:prstDash val="solid"/>
-        </a:ln>
-        <a:effectLst/>
-      </dsp:spPr>
-      <dsp:style>
-        <a:lnRef idx="2">
-          <a:scrgbClr r="0" g="0" b="0"/>
-        </a:lnRef>
-        <a:fillRef idx="1">
-          <a:scrgbClr r="0" g="0" b="0"/>
-        </a:fillRef>
-        <a:effectRef idx="0">
-          <a:scrgbClr r="0" g="0" b="0"/>
-        </a:effectRef>
-        <a:fontRef idx="minor">
-          <a:schemeClr val="lt1"/>
-        </a:fontRef>
-      </dsp:style>
-      <dsp:txBody>
-        <a:bodyPr spcFirstLastPara="0" vert="horz" wrap="square" lIns="45720" tIns="45720" rIns="45720" bIns="45720" numCol="1" spcCol="1270" anchor="ctr" anchorCtr="0">
-          <a:noAutofit/>
-        </a:bodyPr>
-        <a:lstStyle/>
-        <a:p>
-          <a:pPr lvl="0" algn="ctr" defTabSz="533400">
-            <a:lnSpc>
-              <a:spcPct val="90000"/>
-            </a:lnSpc>
-            <a:spcBef>
-              <a:spcPct val="0"/>
-            </a:spcBef>
-            <a:spcAft>
-              <a:spcPct val="35000"/>
-            </a:spcAft>
-          </a:pPr>
-          <a:r>
-            <a:rPr lang="en-US" sz="1200" kern="1200" dirty="0" smtClean="0"/>
-            <a:t>Inverted</a:t>
-          </a:r>
-          <a:endParaRPr lang="ru-RU" sz="1200" kern="1200" dirty="0" smtClean="0"/>
-        </a:p>
-        <a:p>
-          <a:pPr lvl="0" algn="ctr" defTabSz="533400">
-            <a:lnSpc>
-              <a:spcPct val="90000"/>
-            </a:lnSpc>
-            <a:spcBef>
-              <a:spcPct val="0"/>
-            </a:spcBef>
-            <a:spcAft>
-              <a:spcPct val="35000"/>
-            </a:spcAft>
-          </a:pPr>
-          <a:r>
-            <a:rPr lang="en-US" sz="1200" kern="1200" dirty="0" smtClean="0"/>
-            <a:t>Index</a:t>
-          </a:r>
-          <a:endParaRPr lang="ru-RU" sz="1200" kern="1200" dirty="0"/>
-        </a:p>
-      </dsp:txBody>
-      <dsp:txXfrm>
-        <a:off x="3110073" y="1288356"/>
-        <a:ext cx="836525" cy="1566962"/>
-      </dsp:txXfrm>
-    </dsp:sp>
-    <dsp:sp modelId="{014D856F-0A4A-4760-9506-E63C9F5DE09D}">
-      <dsp:nvSpPr>
-        <dsp:cNvPr id="0" name=""/>
-        <dsp:cNvSpPr/>
-      </dsp:nvSpPr>
-      <dsp:spPr>
-        <a:xfrm>
-          <a:off x="4085139" y="1243102"/>
-          <a:ext cx="927033" cy="1657470"/>
-        </a:xfrm>
-        <a:prstGeom prst="roundRect">
-          <a:avLst/>
-        </a:prstGeom>
-        <a:solidFill>
-          <a:schemeClr val="accent1">
-            <a:hueOff val="0"/>
-            <a:satOff val="0"/>
-            <a:lumOff val="0"/>
-            <a:alphaOff val="0"/>
-          </a:schemeClr>
-        </a:solidFill>
-        <a:ln w="15875" cap="flat" cmpd="sng" algn="ctr">
-          <a:solidFill>
-            <a:schemeClr val="lt1">
-              <a:hueOff val="0"/>
-              <a:satOff val="0"/>
-              <a:lumOff val="0"/>
-              <a:alphaOff val="0"/>
-            </a:schemeClr>
-          </a:solidFill>
-          <a:prstDash val="solid"/>
-        </a:ln>
-        <a:effectLst/>
-      </dsp:spPr>
-      <dsp:style>
-        <a:lnRef idx="2">
-          <a:scrgbClr r="0" g="0" b="0"/>
-        </a:lnRef>
-        <a:fillRef idx="1">
-          <a:scrgbClr r="0" g="0" b="0"/>
-        </a:fillRef>
-        <a:effectRef idx="0">
-          <a:scrgbClr r="0" g="0" b="0"/>
-        </a:effectRef>
-        <a:fontRef idx="minor">
-          <a:schemeClr val="lt1"/>
-        </a:fontRef>
-      </dsp:style>
-      <dsp:txBody>
-        <a:bodyPr spcFirstLastPara="0" vert="horz" wrap="square" lIns="45720" tIns="45720" rIns="45720" bIns="45720" numCol="1" spcCol="1270" anchor="ctr" anchorCtr="0">
-          <a:noAutofit/>
-        </a:bodyPr>
-        <a:lstStyle/>
-        <a:p>
-          <a:pPr lvl="0" algn="ctr" defTabSz="533400">
-            <a:lnSpc>
-              <a:spcPct val="90000"/>
-            </a:lnSpc>
-            <a:spcBef>
-              <a:spcPct val="0"/>
-            </a:spcBef>
-            <a:spcAft>
-              <a:spcPct val="35000"/>
-            </a:spcAft>
-          </a:pPr>
-          <a:r>
-            <a:rPr lang="en-US" sz="1200" kern="1200" dirty="0" smtClean="0"/>
-            <a:t>Requests</a:t>
-          </a:r>
-          <a:endParaRPr lang="ru-RU" sz="1200" kern="1200" dirty="0"/>
-        </a:p>
-      </dsp:txBody>
-      <dsp:txXfrm>
-        <a:off x="4130393" y="1288356"/>
-        <a:ext cx="836525" cy="1566962"/>
-      </dsp:txXfrm>
-    </dsp:sp>
-    <dsp:sp modelId="{2EF5CFF0-CC5C-43EE-B44D-1D53039F8A29}">
-      <dsp:nvSpPr>
-        <dsp:cNvPr id="0" name=""/>
-        <dsp:cNvSpPr/>
-      </dsp:nvSpPr>
-      <dsp:spPr>
-        <a:xfrm>
-          <a:off x="5105459" y="1243102"/>
-          <a:ext cx="927033" cy="1657470"/>
-        </a:xfrm>
-        <a:prstGeom prst="roundRect">
-          <a:avLst/>
-        </a:prstGeom>
-        <a:solidFill>
-          <a:schemeClr val="accent1">
-            <a:hueOff val="0"/>
-            <a:satOff val="0"/>
-            <a:lumOff val="0"/>
-            <a:alphaOff val="0"/>
-          </a:schemeClr>
-        </a:solidFill>
-        <a:ln w="15875" cap="flat" cmpd="sng" algn="ctr">
-          <a:solidFill>
-            <a:schemeClr val="lt1">
-              <a:hueOff val="0"/>
-              <a:satOff val="0"/>
-              <a:lumOff val="0"/>
-              <a:alphaOff val="0"/>
-            </a:schemeClr>
-          </a:solidFill>
-          <a:prstDash val="solid"/>
-        </a:ln>
-        <a:effectLst/>
-      </dsp:spPr>
-      <dsp:style>
-        <a:lnRef idx="2">
-          <a:scrgbClr r="0" g="0" b="0"/>
-        </a:lnRef>
-        <a:fillRef idx="1">
-          <a:scrgbClr r="0" g="0" b="0"/>
-        </a:fillRef>
-        <a:effectRef idx="0">
-          <a:scrgbClr r="0" g="0" b="0"/>
-        </a:effectRef>
-        <a:fontRef idx="minor">
-          <a:schemeClr val="lt1"/>
-        </a:fontRef>
-      </dsp:style>
-      <dsp:txBody>
-        <a:bodyPr spcFirstLastPara="0" vert="horz" wrap="square" lIns="45720" tIns="45720" rIns="45720" bIns="45720" numCol="1" spcCol="1270" anchor="ctr" anchorCtr="0">
-          <a:noAutofit/>
-        </a:bodyPr>
-        <a:lstStyle/>
-        <a:p>
-          <a:pPr lvl="0" algn="ctr" defTabSz="533400">
-            <a:lnSpc>
-              <a:spcPct val="90000"/>
-            </a:lnSpc>
-            <a:spcBef>
-              <a:spcPct val="0"/>
-            </a:spcBef>
-            <a:spcAft>
-              <a:spcPct val="35000"/>
-            </a:spcAft>
-          </a:pPr>
-          <a:r>
-            <a:rPr lang="en-US" sz="1200" kern="1200" dirty="0" smtClean="0"/>
-            <a:t>Relevant</a:t>
-          </a:r>
-          <a:endParaRPr lang="ru-RU" sz="1200" kern="1200" dirty="0" smtClean="0"/>
-        </a:p>
-        <a:p>
-          <a:pPr lvl="0" algn="ctr" defTabSz="533400">
-            <a:lnSpc>
-              <a:spcPct val="90000"/>
-            </a:lnSpc>
-            <a:spcBef>
-              <a:spcPct val="0"/>
-            </a:spcBef>
-            <a:spcAft>
-              <a:spcPct val="35000"/>
-            </a:spcAft>
-          </a:pPr>
-          <a:r>
-            <a:rPr lang="en-US" sz="1200" kern="1200" dirty="0" smtClean="0"/>
-            <a:t>Response</a:t>
-          </a:r>
-          <a:endParaRPr lang="ru-RU" sz="1200" kern="1200" dirty="0"/>
-        </a:p>
-      </dsp:txBody>
-      <dsp:txXfrm>
-        <a:off x="5150713" y="1288356"/>
-        <a:ext cx="836525" cy="1566962"/>
-      </dsp:txXfrm>
-    </dsp:sp>
   </dsp:spTree>
 </dsp:drawing>
 </file>
@@ -16304,11 +17750,7 @@
           </a:pPr>
           <a:r>
             <a:rPr lang="ru-RU" sz="1000" kern="1200" dirty="0" smtClean="0"/>
-            <a:t>ссылка на базу </a:t>
-          </a:r>
-          <a:r>
-            <a:rPr lang="ru-RU" sz="1000" kern="1200" dirty="0" smtClean="0"/>
-            <a:t>инвертированных индексов</a:t>
+            <a:t>ссылка на базу инвертированных индексов</a:t>
           </a:r>
           <a:endParaRPr lang="ru-RU" sz="1000" kern="1200" dirty="0"/>
         </a:p>
@@ -17568,13 +19010,12 @@
 </file>
 
 <file path=ppt/diagrams/layout10.xml><?xml version="1.0" encoding="utf-8"?>
-<dgm:layoutDef xmlns:dgm="http://schemas.openxmlformats.org/drawingml/2006/diagram" xmlns:a="http://schemas.openxmlformats.org/drawingml/2006/main" uniqueId="urn:microsoft.com/office/officeart/2005/8/layout/hProcess10">
+<dgm:layoutDef xmlns:dgm="http://schemas.openxmlformats.org/drawingml/2006/diagram" xmlns:a="http://schemas.openxmlformats.org/drawingml/2006/main" uniqueId="urn:microsoft.com/office/officeart/2005/8/layout/vList2">
   <dgm:title val=""/>
   <dgm:desc val=""/>
   <dgm:catLst>
-    <dgm:cat type="process" pri="3000"/>
-    <dgm:cat type="picture" pri="30000"/>
-    <dgm:cat type="pictureconvert" pri="30000"/>
+    <dgm:cat type="list" pri="3000"/>
+    <dgm:cat type="convert" pri="1000"/>
   </dgm:catLst>
   <dgm:sampData>
     <dgm:dataModel>
@@ -17586,38 +19027,18 @@
         <dgm:pt modelId="11">
           <dgm:prSet phldr="1"/>
         </dgm:pt>
-        <dgm:pt modelId="12">
-          <dgm:prSet phldr="1"/>
-        </dgm:pt>
         <dgm:pt modelId="2">
           <dgm:prSet phldr="1"/>
         </dgm:pt>
         <dgm:pt modelId="21">
           <dgm:prSet phldr="1"/>
         </dgm:pt>
-        <dgm:pt modelId="22">
-          <dgm:prSet phldr="1"/>
-        </dgm:pt>
-        <dgm:pt modelId="3">
-          <dgm:prSet phldr="1"/>
-        </dgm:pt>
-        <dgm:pt modelId="31">
-          <dgm:prSet phldr="1"/>
-        </dgm:pt>
-        <dgm:pt modelId="32">
-          <dgm:prSet phldr="1"/>
-        </dgm:pt>
       </dgm:ptLst>
       <dgm:cxnLst>
         <dgm:cxn modelId="4" srcId="0" destId="1" srcOrd="0" destOrd="0"/>
         <dgm:cxn modelId="5" srcId="0" destId="2" srcOrd="1" destOrd="0"/>
-        <dgm:cxn modelId="6" srcId="0" destId="3" srcOrd="2" destOrd="0"/>
-        <dgm:cxn modelId="13" srcId="1" destId="11" srcOrd="0" destOrd="0"/>
-        <dgm:cxn modelId="14" srcId="1" destId="12" srcOrd="1" destOrd="0"/>
+        <dgm:cxn modelId="12" srcId="1" destId="11" srcOrd="0" destOrd="0"/>
         <dgm:cxn modelId="23" srcId="2" destId="21" srcOrd="0" destOrd="0"/>
-        <dgm:cxn modelId="24" srcId="2" destId="22" srcOrd="1" destOrd="0"/>
-        <dgm:cxn modelId="33" srcId="3" destId="31" srcOrd="0" destOrd="0"/>
-        <dgm:cxn modelId="34" srcId="3" destId="32" srcOrd="1" destOrd="0"/>
       </dgm:cxnLst>
       <dgm:bg/>
       <dgm:whole/>
@@ -17628,15 +19049,11 @@
       <dgm:ptLst>
         <dgm:pt modelId="0" type="doc"/>
         <dgm:pt modelId="1"/>
-        <dgm:pt modelId="11"/>
         <dgm:pt modelId="2"/>
-        <dgm:pt modelId="21"/>
       </dgm:ptLst>
       <dgm:cxnLst>
-        <dgm:cxn modelId="4" srcId="0" destId="1" srcOrd="0" destOrd="0"/>
-        <dgm:cxn modelId="5" srcId="0" destId="2" srcOrd="1" destOrd="0"/>
-        <dgm:cxn modelId="13" srcId="1" destId="11" srcOrd="0" destOrd="0"/>
-        <dgm:cxn modelId="23" srcId="2" destId="21" srcOrd="0" destOrd="0"/>
+        <dgm:cxn modelId="3" srcId="0" destId="1" srcOrd="0" destOrd="0"/>
+        <dgm:cxn modelId="4" srcId="0" destId="2" srcOrd="1" destOrd="0"/>
       </dgm:cxnLst>
       <dgm:bg/>
       <dgm:whole/>
@@ -17647,161 +19064,280 @@
       <dgm:ptLst>
         <dgm:pt modelId="0" type="doc"/>
         <dgm:pt modelId="1"/>
-        <dgm:pt modelId="11"/>
         <dgm:pt modelId="2"/>
-        <dgm:pt modelId="21"/>
         <dgm:pt modelId="3"/>
-        <dgm:pt modelId="31"/>
         <dgm:pt modelId="4"/>
-        <dgm:pt modelId="41"/>
       </dgm:ptLst>
       <dgm:cxnLst>
         <dgm:cxn modelId="5" srcId="0" destId="1" srcOrd="0" destOrd="0"/>
         <dgm:cxn modelId="6" srcId="0" destId="2" srcOrd="1" destOrd="0"/>
         <dgm:cxn modelId="7" srcId="0" destId="3" srcOrd="2" destOrd="0"/>
         <dgm:cxn modelId="8" srcId="0" destId="4" srcOrd="3" destOrd="0"/>
-        <dgm:cxn modelId="13" srcId="1" destId="11" srcOrd="0" destOrd="0"/>
-        <dgm:cxn modelId="23" srcId="2" destId="21" srcOrd="0" destOrd="0"/>
-        <dgm:cxn modelId="33" srcId="3" destId="31" srcOrd="0" destOrd="0"/>
-        <dgm:cxn modelId="43" srcId="4" destId="41" srcOrd="0" destOrd="0"/>
       </dgm:cxnLst>
       <dgm:bg/>
       <dgm:whole/>
     </dgm:dataModel>
   </dgm:clrData>
-  <dgm:layoutNode name="Name0">
+  <dgm:layoutNode name="linear">
     <dgm:varLst>
-      <dgm:dir/>
+      <dgm:animLvl val="lvl"/>
       <dgm:resizeHandles val="exact"/>
     </dgm:varLst>
-    <dgm:choose name="Name1">
-      <dgm:if name="Name2" func="var" arg="dir" op="equ" val="norm">
-        <dgm:alg type="lin"/>
-      </dgm:if>
-      <dgm:else name="Name3">
-        <dgm:alg type="lin">
-          <dgm:param type="linDir" val="fromR"/>
-        </dgm:alg>
-      </dgm:else>
-    </dgm:choose>
+    <dgm:alg type="lin">
+      <dgm:param type="linDir" val="fromT"/>
+      <dgm:param type="vertAlign" val="mid"/>
+    </dgm:alg>
     <dgm:shape xmlns:r="http://schemas.openxmlformats.org/officeDocument/2006/relationships" r:blip="">
       <dgm:adjLst/>
     </dgm:shape>
     <dgm:presOf/>
     <dgm:constrLst>
-      <dgm:constr type="w" for="ch" forName="composite" refType="w"/>
-      <dgm:constr type="w" for="ch" ptType="sibTrans" refType="w" refFor="ch" refForName="composite" op="equ" fact="0.3333"/>
-      <dgm:constr type="primFontSz" for="des" forName="txNode" op="equ" val="65"/>
-      <dgm:constr type="primFontSz" for="des" forName="connTx" op="equ" val="55"/>
-      <dgm:constr type="primFontSz" for="des" forName="connTx" refType="primFontSz" refFor="des" refForName="txNode" op="lte" fact="0.8"/>
+      <dgm:constr type="w" for="ch" forName="parentText" refType="w"/>
+      <dgm:constr type="h" for="ch" forName="parentText" refType="primFontSz" refFor="ch" refForName="parentText" fact="0.52"/>
+      <dgm:constr type="w" for="ch" forName="childText" refType="w"/>
+      <dgm:constr type="h" for="ch" forName="childText" refType="primFontSz" refFor="ch" refForName="parentText" fact="0.46"/>
+      <dgm:constr type="h" for="ch" forName="parentText" op="equ"/>
+      <dgm:constr type="primFontSz" for="ch" forName="parentText" op="equ" val="65"/>
+      <dgm:constr type="primFontSz" for="ch" forName="childText" refType="primFontSz" refFor="ch" refForName="parentText" op="equ"/>
+      <dgm:constr type="h" for="ch" forName="spacer" refType="primFontSz" refFor="ch" refForName="parentText" fact="0.08"/>
     </dgm:constrLst>
-    <dgm:ruleLst/>
-    <dgm:forEach name="Name4" axis="ch" ptType="node">
-      <dgm:layoutNode name="composite">
-        <dgm:alg type="composite"/>
-        <dgm:shape xmlns:r="http://schemas.openxmlformats.org/officeDocument/2006/relationships" r:blip="">
+    <dgm:ruleLst>
+      <dgm:rule type="primFontSz" for="ch" forName="parentText" val="5" fact="NaN" max="NaN"/>
+    </dgm:ruleLst>
+    <dgm:forEach name="Name0" axis="ch" ptType="node">
+      <dgm:layoutNode name="parentText" styleLbl="node1">
+        <dgm:varLst>
+          <dgm:chMax val="0"/>
+          <dgm:bulletEnabled val="1"/>
+        </dgm:varLst>
+        <dgm:alg type="tx">
+          <dgm:param type="parTxLTRAlign" val="l"/>
+          <dgm:param type="parTxRTLAlign" val="r"/>
+        </dgm:alg>
+        <dgm:shape xmlns:r="http://schemas.openxmlformats.org/officeDocument/2006/relationships" type="roundRect" r:blip="">
           <dgm:adjLst/>
         </dgm:shape>
-        <dgm:presOf/>
-        <dgm:choose name="Name5">
-          <dgm:if name="Name6" func="var" arg="dir" op="equ" val="norm">
-            <dgm:constrLst>
-              <dgm:constr type="l" for="ch" forName="imagSh"/>
-              <dgm:constr type="w" for="ch" forName="imagSh" refType="w" fact="0.86"/>
-              <dgm:constr type="t" for="ch" forName="imagSh"/>
-              <dgm:constr type="h" for="ch" forName="imagSh" refType="w" refFor="ch" refForName="imagSh"/>
-              <dgm:constr type="l" for="ch" forName="txNode" refType="w" fact="0.14"/>
-              <dgm:constr type="w" for="ch" forName="txNode" refType="w" refFor="ch" refForName="imagSh"/>
-              <dgm:constr type="t" for="ch" forName="txNode" refType="h" refFor="ch" refForName="imagSh" fact="0.6"/>
-              <dgm:constr type="h" for="ch" forName="txNode" refType="h" refFor="ch" refForName="imagSh"/>
-            </dgm:constrLst>
-          </dgm:if>
-          <dgm:else name="Name7">
-            <dgm:constrLst>
-              <dgm:constr type="l" for="ch" forName="imagSh" refType="w" fact="0.14"/>
-              <dgm:constr type="w" for="ch" forName="imagSh" refType="w" fact="0.86"/>
-              <dgm:constr type="t" for="ch" forName="imagSh"/>
-              <dgm:constr type="h" for="ch" forName="imagSh" refType="w" refFor="ch" refForName="imagSh"/>
-              <dgm:constr type="l" for="ch" forName="txNode"/>
-              <dgm:constr type="w" for="ch" forName="txNode" refType="w" refFor="ch" refForName="imagSh"/>
-              <dgm:constr type="t" for="ch" forName="txNode" refType="h" refFor="ch" refForName="imagSh" fact="0.6"/>
-              <dgm:constr type="h" for="ch" forName="txNode" refType="h" refFor="ch" refForName="imagSh"/>
-            </dgm:constrLst>
-          </dgm:else>
-        </dgm:choose>
-        <dgm:ruleLst/>
-        <dgm:layoutNode name="imagSh" styleLbl="bgImgPlace1">
-          <dgm:alg type="sp"/>
-          <dgm:shape xmlns:r="http://schemas.openxmlformats.org/officeDocument/2006/relationships" type="roundRect" r:blip="" blipPhldr="1">
-            <dgm:adjLst>
-              <dgm:adj idx="1" val="0.1"/>
-            </dgm:adjLst>
-          </dgm:shape>
-          <dgm:presOf/>
-          <dgm:constrLst/>
-          <dgm:ruleLst/>
-        </dgm:layoutNode>
-        <dgm:layoutNode name="txNode" styleLbl="node1">
-          <dgm:varLst>
-            <dgm:bulletEnabled val="1"/>
-          </dgm:varLst>
-          <dgm:alg type="tx"/>
-          <dgm:shape xmlns:r="http://schemas.openxmlformats.org/officeDocument/2006/relationships" type="roundRect" r:blip="">
-            <dgm:adjLst>
-              <dgm:adj idx="1" val="0.1"/>
-            </dgm:adjLst>
-          </dgm:shape>
-          <dgm:presOf axis="desOrSelf" ptType="node"/>
-          <dgm:constrLst>
-            <dgm:constr type="tMarg" refType="primFontSz" fact="0.3"/>
-            <dgm:constr type="bMarg" refType="primFontSz" fact="0.3"/>
-            <dgm:constr type="lMarg" refType="primFontSz" fact="0.3"/>
-            <dgm:constr type="rMarg" refType="primFontSz" fact="0.3"/>
-          </dgm:constrLst>
-          <dgm:ruleLst>
-            <dgm:rule type="primFontSz" val="5" fact="NaN" max="NaN"/>
-          </dgm:ruleLst>
-        </dgm:layoutNode>
+        <dgm:presOf axis="self"/>
+        <dgm:constrLst>
+          <dgm:constr type="tMarg" refType="primFontSz" fact="0.3"/>
+          <dgm:constr type="bMarg" refType="primFontSz" fact="0.3"/>
+          <dgm:constr type="lMarg" refType="primFontSz" fact="0.3"/>
+          <dgm:constr type="rMarg" refType="primFontSz" fact="0.3"/>
+        </dgm:constrLst>
+        <dgm:ruleLst>
+          <dgm:rule type="h" val="INF" fact="NaN" max="NaN"/>
+        </dgm:ruleLst>
       </dgm:layoutNode>
-      <dgm:forEach name="sibTransForEach" axis="followSib" ptType="sibTrans" cnt="1">
-        <dgm:layoutNode name="sibTrans">
-          <dgm:alg type="conn">
-            <dgm:param type="begPts" val="auto"/>
-            <dgm:param type="endPts" val="auto"/>
-            <dgm:param type="srcNode" val="imagSh"/>
-            <dgm:param type="dstNode" val="imagSh"/>
-          </dgm:alg>
-          <dgm:shape xmlns:r="http://schemas.openxmlformats.org/officeDocument/2006/relationships" type="conn" r:blip="">
-            <dgm:adjLst/>
-          </dgm:shape>
-          <dgm:presOf axis="self"/>
-          <dgm:constrLst>
-            <dgm:constr type="h" refType="w" fact="0.62"/>
-            <dgm:constr type="connDist"/>
-            <dgm:constr type="begPad" refType="connDist" fact="0.35"/>
-            <dgm:constr type="endPad" refType="connDist" fact="0.3"/>
-          </dgm:constrLst>
-          <dgm:ruleLst/>
-          <dgm:layoutNode name="connTx">
+      <dgm:choose name="Name1">
+        <dgm:if name="Name2" axis="ch" ptType="node" func="cnt" op="gte" val="1">
+          <dgm:layoutNode name="childText" styleLbl="revTx">
+            <dgm:varLst>
+              <dgm:bulletEnabled val="1"/>
+            </dgm:varLst>
             <dgm:alg type="tx">
-              <dgm:param type="autoTxRot" val="grav"/>
+              <dgm:param type="stBulletLvl" val="1"/>
+              <dgm:param type="lnSpAfChP" val="20"/>
             </dgm:alg>
-            <dgm:shape xmlns:r="http://schemas.openxmlformats.org/officeDocument/2006/relationships" type="conn" r:blip="" hideGeom="1">
+            <dgm:shape xmlns:r="http://schemas.openxmlformats.org/officeDocument/2006/relationships" type="rect" r:blip="">
               <dgm:adjLst/>
             </dgm:shape>
-            <dgm:presOf axis="self"/>
+            <dgm:presOf axis="des" ptType="node"/>
             <dgm:constrLst>
-              <dgm:constr type="lMarg"/>
-              <dgm:constr type="rMarg"/>
-              <dgm:constr type="tMarg"/>
-              <dgm:constr type="bMarg"/>
+              <dgm:constr type="tMarg" refType="primFontSz" fact="0.1"/>
+              <dgm:constr type="bMarg" refType="primFontSz" fact="0.1"/>
+              <dgm:constr type="lMarg" refType="w" fact="0.09"/>
             </dgm:constrLst>
             <dgm:ruleLst>
-              <dgm:rule type="primFontSz" val="5" fact="NaN" max="NaN"/>
+              <dgm:rule type="h" val="INF" fact="NaN" max="NaN"/>
             </dgm:ruleLst>
           </dgm:layoutNode>
-        </dgm:layoutNode>
-      </dgm:forEach>
+        </dgm:if>
+        <dgm:else name="Name3">
+          <dgm:choose name="Name4">
+            <dgm:if name="Name5" axis="par ch" ptType="doc node" func="cnt" op="gte" val="2">
+              <dgm:forEach name="Name6" axis="followSib" ptType="sibTrans" cnt="1">
+                <dgm:layoutNode name="spacer">
+                  <dgm:alg type="sp"/>
+                  <dgm:shape xmlns:r="http://schemas.openxmlformats.org/officeDocument/2006/relationships" r:blip="">
+                    <dgm:adjLst/>
+                  </dgm:shape>
+                  <dgm:presOf/>
+                  <dgm:constrLst/>
+                  <dgm:ruleLst/>
+                </dgm:layoutNode>
+              </dgm:forEach>
+            </dgm:if>
+            <dgm:else name="Name7"/>
+          </dgm:choose>
+        </dgm:else>
+      </dgm:choose>
+    </dgm:forEach>
+  </dgm:layoutNode>
+</dgm:layoutDef>
+</file>
+
+<file path=ppt/diagrams/layout11.xml><?xml version="1.0" encoding="utf-8"?>
+<dgm:layoutDef xmlns:dgm="http://schemas.openxmlformats.org/drawingml/2006/diagram" xmlns:a="http://schemas.openxmlformats.org/drawingml/2006/main" uniqueId="urn:microsoft.com/office/officeart/2005/8/layout/vList2">
+  <dgm:title val=""/>
+  <dgm:desc val=""/>
+  <dgm:catLst>
+    <dgm:cat type="list" pri="3000"/>
+    <dgm:cat type="convert" pri="1000"/>
+  </dgm:catLst>
+  <dgm:sampData>
+    <dgm:dataModel>
+      <dgm:ptLst>
+        <dgm:pt modelId="0" type="doc"/>
+        <dgm:pt modelId="1">
+          <dgm:prSet phldr="1"/>
+        </dgm:pt>
+        <dgm:pt modelId="11">
+          <dgm:prSet phldr="1"/>
+        </dgm:pt>
+        <dgm:pt modelId="2">
+          <dgm:prSet phldr="1"/>
+        </dgm:pt>
+        <dgm:pt modelId="21">
+          <dgm:prSet phldr="1"/>
+        </dgm:pt>
+      </dgm:ptLst>
+      <dgm:cxnLst>
+        <dgm:cxn modelId="4" srcId="0" destId="1" srcOrd="0" destOrd="0"/>
+        <dgm:cxn modelId="5" srcId="0" destId="2" srcOrd="1" destOrd="0"/>
+        <dgm:cxn modelId="12" srcId="1" destId="11" srcOrd="0" destOrd="0"/>
+        <dgm:cxn modelId="23" srcId="2" destId="21" srcOrd="0" destOrd="0"/>
+      </dgm:cxnLst>
+      <dgm:bg/>
+      <dgm:whole/>
+    </dgm:dataModel>
+  </dgm:sampData>
+  <dgm:styleData>
+    <dgm:dataModel>
+      <dgm:ptLst>
+        <dgm:pt modelId="0" type="doc"/>
+        <dgm:pt modelId="1"/>
+        <dgm:pt modelId="2"/>
+      </dgm:ptLst>
+      <dgm:cxnLst>
+        <dgm:cxn modelId="3" srcId="0" destId="1" srcOrd="0" destOrd="0"/>
+        <dgm:cxn modelId="4" srcId="0" destId="2" srcOrd="1" destOrd="0"/>
+      </dgm:cxnLst>
+      <dgm:bg/>
+      <dgm:whole/>
+    </dgm:dataModel>
+  </dgm:styleData>
+  <dgm:clrData>
+    <dgm:dataModel>
+      <dgm:ptLst>
+        <dgm:pt modelId="0" type="doc"/>
+        <dgm:pt modelId="1"/>
+        <dgm:pt modelId="2"/>
+        <dgm:pt modelId="3"/>
+        <dgm:pt modelId="4"/>
+      </dgm:ptLst>
+      <dgm:cxnLst>
+        <dgm:cxn modelId="5" srcId="0" destId="1" srcOrd="0" destOrd="0"/>
+        <dgm:cxn modelId="6" srcId="0" destId="2" srcOrd="1" destOrd="0"/>
+        <dgm:cxn modelId="7" srcId="0" destId="3" srcOrd="2" destOrd="0"/>
+        <dgm:cxn modelId="8" srcId="0" destId="4" srcOrd="3" destOrd="0"/>
+      </dgm:cxnLst>
+      <dgm:bg/>
+      <dgm:whole/>
+    </dgm:dataModel>
+  </dgm:clrData>
+  <dgm:layoutNode name="linear">
+    <dgm:varLst>
+      <dgm:animLvl val="lvl"/>
+      <dgm:resizeHandles val="exact"/>
+    </dgm:varLst>
+    <dgm:alg type="lin">
+      <dgm:param type="linDir" val="fromT"/>
+      <dgm:param type="vertAlign" val="mid"/>
+    </dgm:alg>
+    <dgm:shape xmlns:r="http://schemas.openxmlformats.org/officeDocument/2006/relationships" r:blip="">
+      <dgm:adjLst/>
+    </dgm:shape>
+    <dgm:presOf/>
+    <dgm:constrLst>
+      <dgm:constr type="w" for="ch" forName="parentText" refType="w"/>
+      <dgm:constr type="h" for="ch" forName="parentText" refType="primFontSz" refFor="ch" refForName="parentText" fact="0.52"/>
+      <dgm:constr type="w" for="ch" forName="childText" refType="w"/>
+      <dgm:constr type="h" for="ch" forName="childText" refType="primFontSz" refFor="ch" refForName="parentText" fact="0.46"/>
+      <dgm:constr type="h" for="ch" forName="parentText" op="equ"/>
+      <dgm:constr type="primFontSz" for="ch" forName="parentText" op="equ" val="65"/>
+      <dgm:constr type="primFontSz" for="ch" forName="childText" refType="primFontSz" refFor="ch" refForName="parentText" op="equ"/>
+      <dgm:constr type="h" for="ch" forName="spacer" refType="primFontSz" refFor="ch" refForName="parentText" fact="0.08"/>
+    </dgm:constrLst>
+    <dgm:ruleLst>
+      <dgm:rule type="primFontSz" for="ch" forName="parentText" val="5" fact="NaN" max="NaN"/>
+    </dgm:ruleLst>
+    <dgm:forEach name="Name0" axis="ch" ptType="node">
+      <dgm:layoutNode name="parentText" styleLbl="node1">
+        <dgm:varLst>
+          <dgm:chMax val="0"/>
+          <dgm:bulletEnabled val="1"/>
+        </dgm:varLst>
+        <dgm:alg type="tx">
+          <dgm:param type="parTxLTRAlign" val="l"/>
+          <dgm:param type="parTxRTLAlign" val="r"/>
+        </dgm:alg>
+        <dgm:shape xmlns:r="http://schemas.openxmlformats.org/officeDocument/2006/relationships" type="roundRect" r:blip="">
+          <dgm:adjLst/>
+        </dgm:shape>
+        <dgm:presOf axis="self"/>
+        <dgm:constrLst>
+          <dgm:constr type="tMarg" refType="primFontSz" fact="0.3"/>
+          <dgm:constr type="bMarg" refType="primFontSz" fact="0.3"/>
+          <dgm:constr type="lMarg" refType="primFontSz" fact="0.3"/>
+          <dgm:constr type="rMarg" refType="primFontSz" fact="0.3"/>
+        </dgm:constrLst>
+        <dgm:ruleLst>
+          <dgm:rule type="h" val="INF" fact="NaN" max="NaN"/>
+        </dgm:ruleLst>
+      </dgm:layoutNode>
+      <dgm:choose name="Name1">
+        <dgm:if name="Name2" axis="ch" ptType="node" func="cnt" op="gte" val="1">
+          <dgm:layoutNode name="childText" styleLbl="revTx">
+            <dgm:varLst>
+              <dgm:bulletEnabled val="1"/>
+            </dgm:varLst>
+            <dgm:alg type="tx">
+              <dgm:param type="stBulletLvl" val="1"/>
+              <dgm:param type="lnSpAfChP" val="20"/>
+            </dgm:alg>
+            <dgm:shape xmlns:r="http://schemas.openxmlformats.org/officeDocument/2006/relationships" type="rect" r:blip="">
+              <dgm:adjLst/>
+            </dgm:shape>
+            <dgm:presOf axis="des" ptType="node"/>
+            <dgm:constrLst>
+              <dgm:constr type="tMarg" refType="primFontSz" fact="0.1"/>
+              <dgm:constr type="bMarg" refType="primFontSz" fact="0.1"/>
+              <dgm:constr type="lMarg" refType="w" fact="0.09"/>
+            </dgm:constrLst>
+            <dgm:ruleLst>
+              <dgm:rule type="h" val="INF" fact="NaN" max="NaN"/>
+            </dgm:ruleLst>
+          </dgm:layoutNode>
+        </dgm:if>
+        <dgm:else name="Name3">
+          <dgm:choose name="Name4">
+            <dgm:if name="Name5" axis="par ch" ptType="doc node" func="cnt" op="gte" val="2">
+              <dgm:forEach name="Name6" axis="followSib" ptType="sibTrans" cnt="1">
+                <dgm:layoutNode name="spacer">
+                  <dgm:alg type="sp"/>
+                  <dgm:shape xmlns:r="http://schemas.openxmlformats.org/officeDocument/2006/relationships" r:blip="">
+                    <dgm:adjLst/>
+                  </dgm:shape>
+                  <dgm:presOf/>
+                  <dgm:constrLst/>
+                  <dgm:ruleLst/>
+                </dgm:layoutNode>
+              </dgm:forEach>
+            </dgm:if>
+            <dgm:else name="Name7"/>
+          </dgm:choose>
+        </dgm:else>
+      </dgm:choose>
     </dgm:forEach>
   </dgm:layoutNode>
 </dgm:layoutDef>
@@ -24871,6 +26407,1040 @@
 </dgm:styleDef>
 </file>
 
+<file path=ppt/diagrams/quickStyle11.xml><?xml version="1.0" encoding="utf-8"?>
+<dgm:styleDef xmlns:dgm="http://schemas.openxmlformats.org/drawingml/2006/diagram" xmlns:a="http://schemas.openxmlformats.org/drawingml/2006/main" uniqueId="urn:microsoft.com/office/officeart/2005/8/quickstyle/simple1">
+  <dgm:title val=""/>
+  <dgm:desc val=""/>
+  <dgm:catLst>
+    <dgm:cat type="simple" pri="10100"/>
+  </dgm:catLst>
+  <dgm:scene3d>
+    <a:camera prst="orthographicFront"/>
+    <a:lightRig rig="threePt" dir="t"/>
+  </dgm:scene3d>
+  <dgm:styleLbl name="node0">
+    <dgm:scene3d>
+      <a:camera prst="orthographicFront"/>
+      <a:lightRig rig="threePt" dir="t"/>
+    </dgm:scene3d>
+    <dgm:sp3d/>
+    <dgm:txPr/>
+    <dgm:style>
+      <a:lnRef idx="2">
+        <a:scrgbClr r="0" g="0" b="0"/>
+      </a:lnRef>
+      <a:fillRef idx="1">
+        <a:scrgbClr r="0" g="0" b="0"/>
+      </a:fillRef>
+      <a:effectRef idx="0">
+        <a:scrgbClr r="0" g="0" b="0"/>
+      </a:effectRef>
+      <a:fontRef idx="minor">
+        <a:schemeClr val="lt1"/>
+      </a:fontRef>
+    </dgm:style>
+  </dgm:styleLbl>
+  <dgm:styleLbl name="lnNode1">
+    <dgm:scene3d>
+      <a:camera prst="orthographicFront"/>
+      <a:lightRig rig="threePt" dir="t"/>
+    </dgm:scene3d>
+    <dgm:sp3d/>
+    <dgm:txPr/>
+    <dgm:style>
+      <a:lnRef idx="2">
+        <a:scrgbClr r="0" g="0" b="0"/>
+      </a:lnRef>
+      <a:fillRef idx="1">
+        <a:scrgbClr r="0" g="0" b="0"/>
+      </a:fillRef>
+      <a:effectRef idx="0">
+        <a:scrgbClr r="0" g="0" b="0"/>
+      </a:effectRef>
+      <a:fontRef idx="minor">
+        <a:schemeClr val="lt1"/>
+      </a:fontRef>
+    </dgm:style>
+  </dgm:styleLbl>
+  <dgm:styleLbl name="vennNode1">
+    <dgm:scene3d>
+      <a:camera prst="orthographicFront"/>
+      <a:lightRig rig="threePt" dir="t"/>
+    </dgm:scene3d>
+    <dgm:sp3d/>
+    <dgm:txPr/>
+    <dgm:style>
+      <a:lnRef idx="2">
+        <a:scrgbClr r="0" g="0" b="0"/>
+      </a:lnRef>
+      <a:fillRef idx="1">
+        <a:scrgbClr r="0" g="0" b="0"/>
+      </a:fillRef>
+      <a:effectRef idx="0">
+        <a:scrgbClr r="0" g="0" b="0"/>
+      </a:effectRef>
+      <a:fontRef idx="minor">
+        <a:schemeClr val="tx1"/>
+      </a:fontRef>
+    </dgm:style>
+  </dgm:styleLbl>
+  <dgm:styleLbl name="alignNode1">
+    <dgm:scene3d>
+      <a:camera prst="orthographicFront"/>
+      <a:lightRig rig="threePt" dir="t"/>
+    </dgm:scene3d>
+    <dgm:sp3d/>
+    <dgm:txPr/>
+    <dgm:style>
+      <a:lnRef idx="2">
+        <a:scrgbClr r="0" g="0" b="0"/>
+      </a:lnRef>
+      <a:fillRef idx="1">
+        <a:scrgbClr r="0" g="0" b="0"/>
+      </a:fillRef>
+      <a:effectRef idx="0">
+        <a:scrgbClr r="0" g="0" b="0"/>
+      </a:effectRef>
+      <a:fontRef idx="minor">
+        <a:schemeClr val="lt1"/>
+      </a:fontRef>
+    </dgm:style>
+  </dgm:styleLbl>
+  <dgm:styleLbl name="node1">
+    <dgm:scene3d>
+      <a:camera prst="orthographicFront"/>
+      <a:lightRig rig="threePt" dir="t"/>
+    </dgm:scene3d>
+    <dgm:sp3d/>
+    <dgm:txPr/>
+    <dgm:style>
+      <a:lnRef idx="2">
+        <a:scrgbClr r="0" g="0" b="0"/>
+      </a:lnRef>
+      <a:fillRef idx="1">
+        <a:scrgbClr r="0" g="0" b="0"/>
+      </a:fillRef>
+      <a:effectRef idx="0">
+        <a:scrgbClr r="0" g="0" b="0"/>
+      </a:effectRef>
+      <a:fontRef idx="minor">
+        <a:schemeClr val="lt1"/>
+      </a:fontRef>
+    </dgm:style>
+  </dgm:styleLbl>
+  <dgm:styleLbl name="node2">
+    <dgm:scene3d>
+      <a:camera prst="orthographicFront"/>
+      <a:lightRig rig="threePt" dir="t"/>
+    </dgm:scene3d>
+    <dgm:sp3d/>
+    <dgm:txPr/>
+    <dgm:style>
+      <a:lnRef idx="2">
+        <a:scrgbClr r="0" g="0" b="0"/>
+      </a:lnRef>
+      <a:fillRef idx="1">
+        <a:scrgbClr r="0" g="0" b="0"/>
+      </a:fillRef>
+      <a:effectRef idx="0">
+        <a:scrgbClr r="0" g="0" b="0"/>
+      </a:effectRef>
+      <a:fontRef idx="minor">
+        <a:schemeClr val="lt1"/>
+      </a:fontRef>
+    </dgm:style>
+  </dgm:styleLbl>
+  <dgm:styleLbl name="node3">
+    <dgm:scene3d>
+      <a:camera prst="orthographicFront"/>
+      <a:lightRig rig="threePt" dir="t"/>
+    </dgm:scene3d>
+    <dgm:sp3d/>
+    <dgm:txPr/>
+    <dgm:style>
+      <a:lnRef idx="2">
+        <a:scrgbClr r="0" g="0" b="0"/>
+      </a:lnRef>
+      <a:fillRef idx="1">
+        <a:scrgbClr r="0" g="0" b="0"/>
+      </a:fillRef>
+      <a:effectRef idx="0">
+        <a:scrgbClr r="0" g="0" b="0"/>
+      </a:effectRef>
+      <a:fontRef idx="minor">
+        <a:schemeClr val="lt1"/>
+      </a:fontRef>
+    </dgm:style>
+  </dgm:styleLbl>
+  <dgm:styleLbl name="node4">
+    <dgm:scene3d>
+      <a:camera prst="orthographicFront"/>
+      <a:lightRig rig="threePt" dir="t"/>
+    </dgm:scene3d>
+    <dgm:sp3d/>
+    <dgm:txPr/>
+    <dgm:style>
+      <a:lnRef idx="2">
+        <a:scrgbClr r="0" g="0" b="0"/>
+      </a:lnRef>
+      <a:fillRef idx="1">
+        <a:scrgbClr r="0" g="0" b="0"/>
+      </a:fillRef>
+      <a:effectRef idx="0">
+        <a:scrgbClr r="0" g="0" b="0"/>
+      </a:effectRef>
+      <a:fontRef idx="minor">
+        <a:schemeClr val="lt1"/>
+      </a:fontRef>
+    </dgm:style>
+  </dgm:styleLbl>
+  <dgm:styleLbl name="fgImgPlace1">
+    <dgm:scene3d>
+      <a:camera prst="orthographicFront"/>
+      <a:lightRig rig="threePt" dir="t"/>
+    </dgm:scene3d>
+    <dgm:sp3d/>
+    <dgm:txPr/>
+    <dgm:style>
+      <a:lnRef idx="2">
+        <a:scrgbClr r="0" g="0" b="0"/>
+      </a:lnRef>
+      <a:fillRef idx="1">
+        <a:scrgbClr r="0" g="0" b="0"/>
+      </a:fillRef>
+      <a:effectRef idx="0">
+        <a:scrgbClr r="0" g="0" b="0"/>
+      </a:effectRef>
+      <a:fontRef idx="minor"/>
+    </dgm:style>
+  </dgm:styleLbl>
+  <dgm:styleLbl name="alignImgPlace1">
+    <dgm:scene3d>
+      <a:camera prst="orthographicFront"/>
+      <a:lightRig rig="threePt" dir="t"/>
+    </dgm:scene3d>
+    <dgm:sp3d/>
+    <dgm:txPr/>
+    <dgm:style>
+      <a:lnRef idx="2">
+        <a:scrgbClr r="0" g="0" b="0"/>
+      </a:lnRef>
+      <a:fillRef idx="1">
+        <a:scrgbClr r="0" g="0" b="0"/>
+      </a:fillRef>
+      <a:effectRef idx="0">
+        <a:scrgbClr r="0" g="0" b="0"/>
+      </a:effectRef>
+      <a:fontRef idx="minor"/>
+    </dgm:style>
+  </dgm:styleLbl>
+  <dgm:styleLbl name="bgImgPlace1">
+    <dgm:scene3d>
+      <a:camera prst="orthographicFront"/>
+      <a:lightRig rig="threePt" dir="t"/>
+    </dgm:scene3d>
+    <dgm:sp3d/>
+    <dgm:txPr/>
+    <dgm:style>
+      <a:lnRef idx="2">
+        <a:scrgbClr r="0" g="0" b="0"/>
+      </a:lnRef>
+      <a:fillRef idx="1">
+        <a:scrgbClr r="0" g="0" b="0"/>
+      </a:fillRef>
+      <a:effectRef idx="0">
+        <a:scrgbClr r="0" g="0" b="0"/>
+      </a:effectRef>
+      <a:fontRef idx="minor"/>
+    </dgm:style>
+  </dgm:styleLbl>
+  <dgm:styleLbl name="sibTrans2D1">
+    <dgm:scene3d>
+      <a:camera prst="orthographicFront"/>
+      <a:lightRig rig="threePt" dir="t"/>
+    </dgm:scene3d>
+    <dgm:sp3d/>
+    <dgm:txPr/>
+    <dgm:style>
+      <a:lnRef idx="0">
+        <a:scrgbClr r="0" g="0" b="0"/>
+      </a:lnRef>
+      <a:fillRef idx="1">
+        <a:scrgbClr r="0" g="0" b="0"/>
+      </a:fillRef>
+      <a:effectRef idx="0">
+        <a:scrgbClr r="0" g="0" b="0"/>
+      </a:effectRef>
+      <a:fontRef idx="minor">
+        <a:schemeClr val="lt1"/>
+      </a:fontRef>
+    </dgm:style>
+  </dgm:styleLbl>
+  <dgm:styleLbl name="fgSibTrans2D1">
+    <dgm:scene3d>
+      <a:camera prst="orthographicFront"/>
+      <a:lightRig rig="threePt" dir="t"/>
+    </dgm:scene3d>
+    <dgm:sp3d/>
+    <dgm:txPr/>
+    <dgm:style>
+      <a:lnRef idx="0">
+        <a:scrgbClr r="0" g="0" b="0"/>
+      </a:lnRef>
+      <a:fillRef idx="1">
+        <a:scrgbClr r="0" g="0" b="0"/>
+      </a:fillRef>
+      <a:effectRef idx="0">
+        <a:scrgbClr r="0" g="0" b="0"/>
+      </a:effectRef>
+      <a:fontRef idx="minor">
+        <a:schemeClr val="lt1"/>
+      </a:fontRef>
+    </dgm:style>
+  </dgm:styleLbl>
+  <dgm:styleLbl name="bgSibTrans2D1">
+    <dgm:scene3d>
+      <a:camera prst="orthographicFront"/>
+      <a:lightRig rig="threePt" dir="t"/>
+    </dgm:scene3d>
+    <dgm:sp3d/>
+    <dgm:txPr/>
+    <dgm:style>
+      <a:lnRef idx="0">
+        <a:scrgbClr r="0" g="0" b="0"/>
+      </a:lnRef>
+      <a:fillRef idx="1">
+        <a:scrgbClr r="0" g="0" b="0"/>
+      </a:fillRef>
+      <a:effectRef idx="0">
+        <a:scrgbClr r="0" g="0" b="0"/>
+      </a:effectRef>
+      <a:fontRef idx="minor">
+        <a:schemeClr val="lt1"/>
+      </a:fontRef>
+    </dgm:style>
+  </dgm:styleLbl>
+  <dgm:styleLbl name="sibTrans1D1">
+    <dgm:scene3d>
+      <a:camera prst="orthographicFront"/>
+      <a:lightRig rig="threePt" dir="t"/>
+    </dgm:scene3d>
+    <dgm:sp3d/>
+    <dgm:txPr/>
+    <dgm:style>
+      <a:lnRef idx="1">
+        <a:scrgbClr r="0" g="0" b="0"/>
+      </a:lnRef>
+      <a:fillRef idx="0">
+        <a:scrgbClr r="0" g="0" b="0"/>
+      </a:fillRef>
+      <a:effectRef idx="0">
+        <a:scrgbClr r="0" g="0" b="0"/>
+      </a:effectRef>
+      <a:fontRef idx="minor"/>
+    </dgm:style>
+  </dgm:styleLbl>
+  <dgm:styleLbl name="callout">
+    <dgm:scene3d>
+      <a:camera prst="orthographicFront"/>
+      <a:lightRig rig="threePt" dir="t"/>
+    </dgm:scene3d>
+    <dgm:sp3d/>
+    <dgm:txPr/>
+    <dgm:style>
+      <a:lnRef idx="2">
+        <a:scrgbClr r="0" g="0" b="0"/>
+      </a:lnRef>
+      <a:fillRef idx="1">
+        <a:scrgbClr r="0" g="0" b="0"/>
+      </a:fillRef>
+      <a:effectRef idx="0">
+        <a:scrgbClr r="0" g="0" b="0"/>
+      </a:effectRef>
+      <a:fontRef idx="minor"/>
+    </dgm:style>
+  </dgm:styleLbl>
+  <dgm:styleLbl name="asst0">
+    <dgm:scene3d>
+      <a:camera prst="orthographicFront"/>
+      <a:lightRig rig="threePt" dir="t"/>
+    </dgm:scene3d>
+    <dgm:sp3d/>
+    <dgm:txPr/>
+    <dgm:style>
+      <a:lnRef idx="2">
+        <a:scrgbClr r="0" g="0" b="0"/>
+      </a:lnRef>
+      <a:fillRef idx="1">
+        <a:scrgbClr r="0" g="0" b="0"/>
+      </a:fillRef>
+      <a:effectRef idx="0">
+        <a:scrgbClr r="0" g="0" b="0"/>
+      </a:effectRef>
+      <a:fontRef idx="minor">
+        <a:schemeClr val="lt1"/>
+      </a:fontRef>
+    </dgm:style>
+  </dgm:styleLbl>
+  <dgm:styleLbl name="asst1">
+    <dgm:scene3d>
+      <a:camera prst="orthographicFront"/>
+      <a:lightRig rig="threePt" dir="t"/>
+    </dgm:scene3d>
+    <dgm:sp3d/>
+    <dgm:txPr/>
+    <dgm:style>
+      <a:lnRef idx="2">
+        <a:scrgbClr r="0" g="0" b="0"/>
+      </a:lnRef>
+      <a:fillRef idx="1">
+        <a:scrgbClr r="0" g="0" b="0"/>
+      </a:fillRef>
+      <a:effectRef idx="0">
+        <a:scrgbClr r="0" g="0" b="0"/>
+      </a:effectRef>
+      <a:fontRef idx="minor">
+        <a:schemeClr val="lt1"/>
+      </a:fontRef>
+    </dgm:style>
+  </dgm:styleLbl>
+  <dgm:styleLbl name="asst2">
+    <dgm:scene3d>
+      <a:camera prst="orthographicFront"/>
+      <a:lightRig rig="threePt" dir="t"/>
+    </dgm:scene3d>
+    <dgm:sp3d/>
+    <dgm:txPr/>
+    <dgm:style>
+      <a:lnRef idx="2">
+        <a:scrgbClr r="0" g="0" b="0"/>
+      </a:lnRef>
+      <a:fillRef idx="1">
+        <a:scrgbClr r="0" g="0" b="0"/>
+      </a:fillRef>
+      <a:effectRef idx="0">
+        <a:scrgbClr r="0" g="0" b="0"/>
+      </a:effectRef>
+      <a:fontRef idx="minor">
+        <a:schemeClr val="lt1"/>
+      </a:fontRef>
+    </dgm:style>
+  </dgm:styleLbl>
+  <dgm:styleLbl name="asst3">
+    <dgm:scene3d>
+      <a:camera prst="orthographicFront"/>
+      <a:lightRig rig="threePt" dir="t"/>
+    </dgm:scene3d>
+    <dgm:sp3d/>
+    <dgm:txPr/>
+    <dgm:style>
+      <a:lnRef idx="2">
+        <a:scrgbClr r="0" g="0" b="0"/>
+      </a:lnRef>
+      <a:fillRef idx="1">
+        <a:scrgbClr r="0" g="0" b="0"/>
+      </a:fillRef>
+      <a:effectRef idx="0">
+        <a:scrgbClr r="0" g="0" b="0"/>
+      </a:effectRef>
+      <a:fontRef idx="minor">
+        <a:schemeClr val="lt1"/>
+      </a:fontRef>
+    </dgm:style>
+  </dgm:styleLbl>
+  <dgm:styleLbl name="asst4">
+    <dgm:scene3d>
+      <a:camera prst="orthographicFront"/>
+      <a:lightRig rig="threePt" dir="t"/>
+    </dgm:scene3d>
+    <dgm:sp3d/>
+    <dgm:txPr/>
+    <dgm:style>
+      <a:lnRef idx="2">
+        <a:scrgbClr r="0" g="0" b="0"/>
+      </a:lnRef>
+      <a:fillRef idx="1">
+        <a:scrgbClr r="0" g="0" b="0"/>
+      </a:fillRef>
+      <a:effectRef idx="0">
+        <a:scrgbClr r="0" g="0" b="0"/>
+      </a:effectRef>
+      <a:fontRef idx="minor">
+        <a:schemeClr val="lt1"/>
+      </a:fontRef>
+    </dgm:style>
+  </dgm:styleLbl>
+  <dgm:styleLbl name="parChTrans2D1">
+    <dgm:scene3d>
+      <a:camera prst="orthographicFront"/>
+      <a:lightRig rig="threePt" dir="t"/>
+    </dgm:scene3d>
+    <dgm:sp3d/>
+    <dgm:txPr/>
+    <dgm:style>
+      <a:lnRef idx="2">
+        <a:scrgbClr r="0" g="0" b="0"/>
+      </a:lnRef>
+      <a:fillRef idx="1">
+        <a:scrgbClr r="0" g="0" b="0"/>
+      </a:fillRef>
+      <a:effectRef idx="0">
+        <a:scrgbClr r="0" g="0" b="0"/>
+      </a:effectRef>
+      <a:fontRef idx="minor">
+        <a:schemeClr val="lt1"/>
+      </a:fontRef>
+    </dgm:style>
+  </dgm:styleLbl>
+  <dgm:styleLbl name="parChTrans2D2">
+    <dgm:scene3d>
+      <a:camera prst="orthographicFront"/>
+      <a:lightRig rig="threePt" dir="t"/>
+    </dgm:scene3d>
+    <dgm:sp3d/>
+    <dgm:txPr/>
+    <dgm:style>
+      <a:lnRef idx="2">
+        <a:scrgbClr r="0" g="0" b="0"/>
+      </a:lnRef>
+      <a:fillRef idx="1">
+        <a:scrgbClr r="0" g="0" b="0"/>
+      </a:fillRef>
+      <a:effectRef idx="0">
+        <a:scrgbClr r="0" g="0" b="0"/>
+      </a:effectRef>
+      <a:fontRef idx="minor">
+        <a:schemeClr val="lt1"/>
+      </a:fontRef>
+    </dgm:style>
+  </dgm:styleLbl>
+  <dgm:styleLbl name="parChTrans2D3">
+    <dgm:scene3d>
+      <a:camera prst="orthographicFront"/>
+      <a:lightRig rig="threePt" dir="t"/>
+    </dgm:scene3d>
+    <dgm:sp3d/>
+    <dgm:txPr/>
+    <dgm:style>
+      <a:lnRef idx="2">
+        <a:scrgbClr r="0" g="0" b="0"/>
+      </a:lnRef>
+      <a:fillRef idx="1">
+        <a:scrgbClr r="0" g="0" b="0"/>
+      </a:fillRef>
+      <a:effectRef idx="0">
+        <a:scrgbClr r="0" g="0" b="0"/>
+      </a:effectRef>
+      <a:fontRef idx="minor">
+        <a:schemeClr val="lt1"/>
+      </a:fontRef>
+    </dgm:style>
+  </dgm:styleLbl>
+  <dgm:styleLbl name="parChTrans2D4">
+    <dgm:scene3d>
+      <a:camera prst="orthographicFront"/>
+      <a:lightRig rig="threePt" dir="t"/>
+    </dgm:scene3d>
+    <dgm:sp3d/>
+    <dgm:txPr/>
+    <dgm:style>
+      <a:lnRef idx="2">
+        <a:scrgbClr r="0" g="0" b="0"/>
+      </a:lnRef>
+      <a:fillRef idx="1">
+        <a:scrgbClr r="0" g="0" b="0"/>
+      </a:fillRef>
+      <a:effectRef idx="0">
+        <a:scrgbClr r="0" g="0" b="0"/>
+      </a:effectRef>
+      <a:fontRef idx="minor">
+        <a:schemeClr val="lt1"/>
+      </a:fontRef>
+    </dgm:style>
+  </dgm:styleLbl>
+  <dgm:styleLbl name="parChTrans1D1">
+    <dgm:scene3d>
+      <a:camera prst="orthographicFront"/>
+      <a:lightRig rig="threePt" dir="t"/>
+    </dgm:scene3d>
+    <dgm:sp3d/>
+    <dgm:txPr/>
+    <dgm:style>
+      <a:lnRef idx="2">
+        <a:scrgbClr r="0" g="0" b="0"/>
+      </a:lnRef>
+      <a:fillRef idx="0">
+        <a:scrgbClr r="0" g="0" b="0"/>
+      </a:fillRef>
+      <a:effectRef idx="0">
+        <a:scrgbClr r="0" g="0" b="0"/>
+      </a:effectRef>
+      <a:fontRef idx="minor"/>
+    </dgm:style>
+  </dgm:styleLbl>
+  <dgm:styleLbl name="parChTrans1D2">
+    <dgm:scene3d>
+      <a:camera prst="orthographicFront"/>
+      <a:lightRig rig="threePt" dir="t"/>
+    </dgm:scene3d>
+    <dgm:sp3d/>
+    <dgm:txPr/>
+    <dgm:style>
+      <a:lnRef idx="2">
+        <a:scrgbClr r="0" g="0" b="0"/>
+      </a:lnRef>
+      <a:fillRef idx="0">
+        <a:scrgbClr r="0" g="0" b="0"/>
+      </a:fillRef>
+      <a:effectRef idx="0">
+        <a:scrgbClr r="0" g="0" b="0"/>
+      </a:effectRef>
+      <a:fontRef idx="minor"/>
+    </dgm:style>
+  </dgm:styleLbl>
+  <dgm:styleLbl name="parChTrans1D3">
+    <dgm:scene3d>
+      <a:camera prst="orthographicFront"/>
+      <a:lightRig rig="threePt" dir="t"/>
+    </dgm:scene3d>
+    <dgm:sp3d/>
+    <dgm:txPr/>
+    <dgm:style>
+      <a:lnRef idx="2">
+        <a:scrgbClr r="0" g="0" b="0"/>
+      </a:lnRef>
+      <a:fillRef idx="0">
+        <a:scrgbClr r="0" g="0" b="0"/>
+      </a:fillRef>
+      <a:effectRef idx="0">
+        <a:scrgbClr r="0" g="0" b="0"/>
+      </a:effectRef>
+      <a:fontRef idx="minor"/>
+    </dgm:style>
+  </dgm:styleLbl>
+  <dgm:styleLbl name="parChTrans1D4">
+    <dgm:scene3d>
+      <a:camera prst="orthographicFront"/>
+      <a:lightRig rig="threePt" dir="t"/>
+    </dgm:scene3d>
+    <dgm:sp3d/>
+    <dgm:txPr/>
+    <dgm:style>
+      <a:lnRef idx="2">
+        <a:scrgbClr r="0" g="0" b="0"/>
+      </a:lnRef>
+      <a:fillRef idx="0">
+        <a:scrgbClr r="0" g="0" b="0"/>
+      </a:fillRef>
+      <a:effectRef idx="0">
+        <a:scrgbClr r="0" g="0" b="0"/>
+      </a:effectRef>
+      <a:fontRef idx="minor"/>
+    </dgm:style>
+  </dgm:styleLbl>
+  <dgm:styleLbl name="fgAcc1">
+    <dgm:scene3d>
+      <a:camera prst="orthographicFront"/>
+      <a:lightRig rig="threePt" dir="t"/>
+    </dgm:scene3d>
+    <dgm:sp3d/>
+    <dgm:txPr/>
+    <dgm:style>
+      <a:lnRef idx="2">
+        <a:scrgbClr r="0" g="0" b="0"/>
+      </a:lnRef>
+      <a:fillRef idx="1">
+        <a:scrgbClr r="0" g="0" b="0"/>
+      </a:fillRef>
+      <a:effectRef idx="0">
+        <a:scrgbClr r="0" g="0" b="0"/>
+      </a:effectRef>
+      <a:fontRef idx="minor"/>
+    </dgm:style>
+  </dgm:styleLbl>
+  <dgm:styleLbl name="conFgAcc1">
+    <dgm:scene3d>
+      <a:camera prst="orthographicFront"/>
+      <a:lightRig rig="threePt" dir="t"/>
+    </dgm:scene3d>
+    <dgm:sp3d/>
+    <dgm:txPr/>
+    <dgm:style>
+      <a:lnRef idx="2">
+        <a:scrgbClr r="0" g="0" b="0"/>
+      </a:lnRef>
+      <a:fillRef idx="1">
+        <a:scrgbClr r="0" g="0" b="0"/>
+      </a:fillRef>
+      <a:effectRef idx="0">
+        <a:scrgbClr r="0" g="0" b="0"/>
+      </a:effectRef>
+      <a:fontRef idx="minor"/>
+    </dgm:style>
+  </dgm:styleLbl>
+  <dgm:styleLbl name="alignAcc1">
+    <dgm:scene3d>
+      <a:camera prst="orthographicFront"/>
+      <a:lightRig rig="threePt" dir="t"/>
+    </dgm:scene3d>
+    <dgm:sp3d/>
+    <dgm:txPr/>
+    <dgm:style>
+      <a:lnRef idx="2">
+        <a:scrgbClr r="0" g="0" b="0"/>
+      </a:lnRef>
+      <a:fillRef idx="1">
+        <a:scrgbClr r="0" g="0" b="0"/>
+      </a:fillRef>
+      <a:effectRef idx="0">
+        <a:scrgbClr r="0" g="0" b="0"/>
+      </a:effectRef>
+      <a:fontRef idx="minor"/>
+    </dgm:style>
+  </dgm:styleLbl>
+  <dgm:styleLbl name="trAlignAcc1">
+    <dgm:scene3d>
+      <a:camera prst="orthographicFront"/>
+      <a:lightRig rig="threePt" dir="t"/>
+    </dgm:scene3d>
+    <dgm:sp3d/>
+    <dgm:txPr/>
+    <dgm:style>
+      <a:lnRef idx="1">
+        <a:scrgbClr r="0" g="0" b="0"/>
+      </a:lnRef>
+      <a:fillRef idx="1">
+        <a:scrgbClr r="0" g="0" b="0"/>
+      </a:fillRef>
+      <a:effectRef idx="0">
+        <a:scrgbClr r="0" g="0" b="0"/>
+      </a:effectRef>
+      <a:fontRef idx="minor"/>
+    </dgm:style>
+  </dgm:styleLbl>
+  <dgm:styleLbl name="bgAcc1">
+    <dgm:scene3d>
+      <a:camera prst="orthographicFront"/>
+      <a:lightRig rig="threePt" dir="t"/>
+    </dgm:scene3d>
+    <dgm:sp3d/>
+    <dgm:txPr/>
+    <dgm:style>
+      <a:lnRef idx="2">
+        <a:scrgbClr r="0" g="0" b="0"/>
+      </a:lnRef>
+      <a:fillRef idx="1">
+        <a:scrgbClr r="0" g="0" b="0"/>
+      </a:fillRef>
+      <a:effectRef idx="0">
+        <a:scrgbClr r="0" g="0" b="0"/>
+      </a:effectRef>
+      <a:fontRef idx="minor"/>
+    </dgm:style>
+  </dgm:styleLbl>
+  <dgm:styleLbl name="solidFgAcc1">
+    <dgm:scene3d>
+      <a:camera prst="orthographicFront"/>
+      <a:lightRig rig="threePt" dir="t"/>
+    </dgm:scene3d>
+    <dgm:sp3d/>
+    <dgm:txPr/>
+    <dgm:style>
+      <a:lnRef idx="2">
+        <a:scrgbClr r="0" g="0" b="0"/>
+      </a:lnRef>
+      <a:fillRef idx="1">
+        <a:scrgbClr r="0" g="0" b="0"/>
+      </a:fillRef>
+      <a:effectRef idx="0">
+        <a:scrgbClr r="0" g="0" b="0"/>
+      </a:effectRef>
+      <a:fontRef idx="minor"/>
+    </dgm:style>
+  </dgm:styleLbl>
+  <dgm:styleLbl name="solidAlignAcc1">
+    <dgm:scene3d>
+      <a:camera prst="orthographicFront"/>
+      <a:lightRig rig="threePt" dir="t"/>
+    </dgm:scene3d>
+    <dgm:sp3d/>
+    <dgm:txPr/>
+    <dgm:style>
+      <a:lnRef idx="2">
+        <a:scrgbClr r="0" g="0" b="0"/>
+      </a:lnRef>
+      <a:fillRef idx="1">
+        <a:scrgbClr r="0" g="0" b="0"/>
+      </a:fillRef>
+      <a:effectRef idx="0">
+        <a:scrgbClr r="0" g="0" b="0"/>
+      </a:effectRef>
+      <a:fontRef idx="minor"/>
+    </dgm:style>
+  </dgm:styleLbl>
+  <dgm:styleLbl name="solidBgAcc1">
+    <dgm:scene3d>
+      <a:camera prst="orthographicFront"/>
+      <a:lightRig rig="threePt" dir="t"/>
+    </dgm:scene3d>
+    <dgm:sp3d/>
+    <dgm:txPr/>
+    <dgm:style>
+      <a:lnRef idx="2">
+        <a:scrgbClr r="0" g="0" b="0"/>
+      </a:lnRef>
+      <a:fillRef idx="1">
+        <a:scrgbClr r="0" g="0" b="0"/>
+      </a:fillRef>
+      <a:effectRef idx="0">
+        <a:scrgbClr r="0" g="0" b="0"/>
+      </a:effectRef>
+      <a:fontRef idx="minor"/>
+    </dgm:style>
+  </dgm:styleLbl>
+  <dgm:styleLbl name="fgAccFollowNode1">
+    <dgm:scene3d>
+      <a:camera prst="orthographicFront"/>
+      <a:lightRig rig="threePt" dir="t"/>
+    </dgm:scene3d>
+    <dgm:sp3d/>
+    <dgm:txPr/>
+    <dgm:style>
+      <a:lnRef idx="2">
+        <a:scrgbClr r="0" g="0" b="0"/>
+      </a:lnRef>
+      <a:fillRef idx="1">
+        <a:scrgbClr r="0" g="0" b="0"/>
+      </a:fillRef>
+      <a:effectRef idx="0">
+        <a:scrgbClr r="0" g="0" b="0"/>
+      </a:effectRef>
+      <a:fontRef idx="minor"/>
+    </dgm:style>
+  </dgm:styleLbl>
+  <dgm:styleLbl name="alignAccFollowNode1">
+    <dgm:scene3d>
+      <a:camera prst="orthographicFront"/>
+      <a:lightRig rig="threePt" dir="t"/>
+    </dgm:scene3d>
+    <dgm:sp3d/>
+    <dgm:txPr/>
+    <dgm:style>
+      <a:lnRef idx="2">
+        <a:scrgbClr r="0" g="0" b="0"/>
+      </a:lnRef>
+      <a:fillRef idx="1">
+        <a:scrgbClr r="0" g="0" b="0"/>
+      </a:fillRef>
+      <a:effectRef idx="0">
+        <a:scrgbClr r="0" g="0" b="0"/>
+      </a:effectRef>
+      <a:fontRef idx="minor"/>
+    </dgm:style>
+  </dgm:styleLbl>
+  <dgm:styleLbl name="bgAccFollowNode1">
+    <dgm:scene3d>
+      <a:camera prst="orthographicFront"/>
+      <a:lightRig rig="threePt" dir="t"/>
+    </dgm:scene3d>
+    <dgm:sp3d/>
+    <dgm:txPr/>
+    <dgm:style>
+      <a:lnRef idx="2">
+        <a:scrgbClr r="0" g="0" b="0"/>
+      </a:lnRef>
+      <a:fillRef idx="1">
+        <a:scrgbClr r="0" g="0" b="0"/>
+      </a:fillRef>
+      <a:effectRef idx="0">
+        <a:scrgbClr r="0" g="0" b="0"/>
+      </a:effectRef>
+      <a:fontRef idx="minor"/>
+    </dgm:style>
+  </dgm:styleLbl>
+  <dgm:styleLbl name="fgAcc0">
+    <dgm:scene3d>
+      <a:camera prst="orthographicFront"/>
+      <a:lightRig rig="threePt" dir="t"/>
+    </dgm:scene3d>
+    <dgm:sp3d/>
+    <dgm:txPr/>
+    <dgm:style>
+      <a:lnRef idx="2">
+        <a:scrgbClr r="0" g="0" b="0"/>
+      </a:lnRef>
+      <a:fillRef idx="1">
+        <a:scrgbClr r="0" g="0" b="0"/>
+      </a:fillRef>
+      <a:effectRef idx="0">
+        <a:scrgbClr r="0" g="0" b="0"/>
+      </a:effectRef>
+      <a:fontRef idx="minor"/>
+    </dgm:style>
+  </dgm:styleLbl>
+  <dgm:styleLbl name="fgAcc2">
+    <dgm:scene3d>
+      <a:camera prst="orthographicFront"/>
+      <a:lightRig rig="threePt" dir="t"/>
+    </dgm:scene3d>
+    <dgm:sp3d/>
+    <dgm:txPr/>
+    <dgm:style>
+      <a:lnRef idx="2">
+        <a:scrgbClr r="0" g="0" b="0"/>
+      </a:lnRef>
+      <a:fillRef idx="1">
+        <a:scrgbClr r="0" g="0" b="0"/>
+      </a:fillRef>
+      <a:effectRef idx="0">
+        <a:scrgbClr r="0" g="0" b="0"/>
+      </a:effectRef>
+      <a:fontRef idx="minor"/>
+    </dgm:style>
+  </dgm:styleLbl>
+  <dgm:styleLbl name="fgAcc3">
+    <dgm:scene3d>
+      <a:camera prst="orthographicFront"/>
+      <a:lightRig rig="threePt" dir="t"/>
+    </dgm:scene3d>
+    <dgm:sp3d/>
+    <dgm:txPr/>
+    <dgm:style>
+      <a:lnRef idx="2">
+        <a:scrgbClr r="0" g="0" b="0"/>
+      </a:lnRef>
+      <a:fillRef idx="1">
+        <a:scrgbClr r="0" g="0" b="0"/>
+      </a:fillRef>
+      <a:effectRef idx="0">
+        <a:scrgbClr r="0" g="0" b="0"/>
+      </a:effectRef>
+      <a:fontRef idx="minor"/>
+    </dgm:style>
+  </dgm:styleLbl>
+  <dgm:styleLbl name="fgAcc4">
+    <dgm:scene3d>
+      <a:camera prst="orthographicFront"/>
+      <a:lightRig rig="threePt" dir="t"/>
+    </dgm:scene3d>
+    <dgm:sp3d/>
+    <dgm:txPr/>
+    <dgm:style>
+      <a:lnRef idx="2">
+        <a:scrgbClr r="0" g="0" b="0"/>
+      </a:lnRef>
+      <a:fillRef idx="1">
+        <a:scrgbClr r="0" g="0" b="0"/>
+      </a:fillRef>
+      <a:effectRef idx="0">
+        <a:scrgbClr r="0" g="0" b="0"/>
+      </a:effectRef>
+      <a:fontRef idx="minor"/>
+    </dgm:style>
+  </dgm:styleLbl>
+  <dgm:styleLbl name="bgShp">
+    <dgm:scene3d>
+      <a:camera prst="orthographicFront"/>
+      <a:lightRig rig="threePt" dir="t"/>
+    </dgm:scene3d>
+    <dgm:sp3d/>
+    <dgm:txPr/>
+    <dgm:style>
+      <a:lnRef idx="0">
+        <a:scrgbClr r="0" g="0" b="0"/>
+      </a:lnRef>
+      <a:fillRef idx="1">
+        <a:scrgbClr r="0" g="0" b="0"/>
+      </a:fillRef>
+      <a:effectRef idx="0">
+        <a:scrgbClr r="0" g="0" b="0"/>
+      </a:effectRef>
+      <a:fontRef idx="minor"/>
+    </dgm:style>
+  </dgm:styleLbl>
+  <dgm:styleLbl name="dkBgShp">
+    <dgm:scene3d>
+      <a:camera prst="orthographicFront"/>
+      <a:lightRig rig="threePt" dir="t"/>
+    </dgm:scene3d>
+    <dgm:sp3d/>
+    <dgm:txPr/>
+    <dgm:style>
+      <a:lnRef idx="0">
+        <a:scrgbClr r="0" g="0" b="0"/>
+      </a:lnRef>
+      <a:fillRef idx="1">
+        <a:scrgbClr r="0" g="0" b="0"/>
+      </a:fillRef>
+      <a:effectRef idx="0">
+        <a:scrgbClr r="0" g="0" b="0"/>
+      </a:effectRef>
+      <a:fontRef idx="minor"/>
+    </dgm:style>
+  </dgm:styleLbl>
+  <dgm:styleLbl name="trBgShp">
+    <dgm:scene3d>
+      <a:camera prst="orthographicFront"/>
+      <a:lightRig rig="threePt" dir="t"/>
+    </dgm:scene3d>
+    <dgm:sp3d/>
+    <dgm:txPr/>
+    <dgm:style>
+      <a:lnRef idx="0">
+        <a:scrgbClr r="0" g="0" b="0"/>
+      </a:lnRef>
+      <a:fillRef idx="1">
+        <a:scrgbClr r="0" g="0" b="0"/>
+      </a:fillRef>
+      <a:effectRef idx="0">
+        <a:scrgbClr r="0" g="0" b="0"/>
+      </a:effectRef>
+      <a:fontRef idx="minor"/>
+    </dgm:style>
+  </dgm:styleLbl>
+  <dgm:styleLbl name="fgShp">
+    <dgm:scene3d>
+      <a:camera prst="orthographicFront"/>
+      <a:lightRig rig="threePt" dir="t"/>
+    </dgm:scene3d>
+    <dgm:sp3d/>
+    <dgm:txPr/>
+    <dgm:style>
+      <a:lnRef idx="2">
+        <a:scrgbClr r="0" g="0" b="0"/>
+      </a:lnRef>
+      <a:fillRef idx="1">
+        <a:scrgbClr r="0" g="0" b="0"/>
+      </a:fillRef>
+      <a:effectRef idx="0">
+        <a:scrgbClr r="0" g="0" b="0"/>
+      </a:effectRef>
+      <a:fontRef idx="minor"/>
+    </dgm:style>
+  </dgm:styleLbl>
+  <dgm:styleLbl name="revTx">
+    <dgm:scene3d>
+      <a:camera prst="orthographicFront"/>
+      <a:lightRig rig="threePt" dir="t"/>
+    </dgm:scene3d>
+    <dgm:sp3d/>
+    <dgm:txPr/>
+    <dgm:style>
+      <a:lnRef idx="0">
+        <a:scrgbClr r="0" g="0" b="0"/>
+      </a:lnRef>
+      <a:fillRef idx="0">
+        <a:scrgbClr r="0" g="0" b="0"/>
+      </a:fillRef>
+      <a:effectRef idx="0">
+        <a:scrgbClr r="0" g="0" b="0"/>
+      </a:effectRef>
+      <a:fontRef idx="minor"/>
+    </dgm:style>
+  </dgm:styleLbl>
+</dgm:styleDef>
+</file>
+
 <file path=ppt/diagrams/quickStyle2.xml><?xml version="1.0" encoding="utf-8"?>
 <dgm:styleDef xmlns:dgm="http://schemas.openxmlformats.org/drawingml/2006/diagram" xmlns:a="http://schemas.openxmlformats.org/drawingml/2006/main" uniqueId="urn:microsoft.com/office/officeart/2005/8/quickstyle/simple1">
   <dgm:title val=""/>
@@ -33225,7 +35795,7 @@
           <a:p>
             <a:fld id="{FF87DA49-9917-4A7E-BE43-A1E4A72285DB}" type="datetimeFigureOut">
               <a:rPr lang="ru-RU" smtClean="0"/>
-              <a:t>17.10.2025</a:t>
+              <a:t>19.10.2025</a:t>
             </a:fld>
             <a:endParaRPr lang="ru-RU"/>
           </a:p>
@@ -33805,7 +36375,7 @@
           <a:p>
             <a:fld id="{82D494A6-AC0E-4564-848B-C9299726F19B}" type="datetime1">
               <a:rPr lang="ru-RU" smtClean="0"/>
-              <a:t>17.10.2025</a:t>
+              <a:t>19.10.2025</a:t>
             </a:fld>
             <a:endParaRPr lang="ru-RU"/>
           </a:p>
@@ -34013,7 +36583,7 @@
           <a:p>
             <a:fld id="{8F54F09E-5B73-4FCA-A245-E4B9F24EF6EE}" type="datetime1">
               <a:rPr lang="ru-RU" smtClean="0"/>
-              <a:t>17.10.2025</a:t>
+              <a:t>19.10.2025</a:t>
             </a:fld>
             <a:endParaRPr lang="ru-RU"/>
           </a:p>
@@ -34271,7 +36841,7 @@
           <a:p>
             <a:fld id="{EE0EF1CB-1F45-4BB0-ACA2-7F2CD691ED8E}" type="datetime1">
               <a:rPr lang="ru-RU" smtClean="0"/>
-              <a:t>17.10.2025</a:t>
+              <a:t>19.10.2025</a:t>
             </a:fld>
             <a:endParaRPr lang="ru-RU"/>
           </a:p>
@@ -34441,7 +37011,7 @@
           <a:p>
             <a:fld id="{8AC5719E-8A6A-457D-98CF-1B213C53F5CE}" type="datetime1">
               <a:rPr lang="ru-RU" smtClean="0"/>
-              <a:t>17.10.2025</a:t>
+              <a:t>19.10.2025</a:t>
             </a:fld>
             <a:endParaRPr lang="ru-RU"/>
           </a:p>
@@ -34778,7 +37348,7 @@
           <a:p>
             <a:fld id="{9187F089-DB3A-44EC-8E6C-70C807261B64}" type="datetime1">
               <a:rPr lang="ru-RU" smtClean="0"/>
-              <a:t>17.10.2025</a:t>
+              <a:t>19.10.2025</a:t>
             </a:fld>
             <a:endParaRPr lang="ru-RU"/>
           </a:p>
@@ -35053,7 +37623,7 @@
           <a:p>
             <a:fld id="{8D89F477-1E06-42B9-98CE-724D285F544D}" type="datetime1">
               <a:rPr lang="ru-RU" smtClean="0"/>
-              <a:t>17.10.2025</a:t>
+              <a:t>19.10.2025</a:t>
             </a:fld>
             <a:endParaRPr lang="ru-RU"/>
           </a:p>
@@ -35432,7 +38002,7 @@
           <a:p>
             <a:fld id="{D1ABE4F1-295B-4CC0-A10F-3BDEF5F6B9B6}" type="datetime1">
               <a:rPr lang="ru-RU" smtClean="0"/>
-              <a:t>17.10.2025</a:t>
+              <a:t>19.10.2025</a:t>
             </a:fld>
             <a:endParaRPr lang="ru-RU"/>
           </a:p>
@@ -35550,7 +38120,7 @@
           <a:p>
             <a:fld id="{5415850B-FCCB-4950-8D75-8D81D52F3FBD}" type="datetime1">
               <a:rPr lang="ru-RU" smtClean="0"/>
-              <a:t>17.10.2025</a:t>
+              <a:t>19.10.2025</a:t>
             </a:fld>
             <a:endParaRPr lang="ru-RU"/>
           </a:p>
@@ -35723,7 +38293,7 @@
           <a:p>
             <a:fld id="{BFEAB0DF-01E8-4782-A602-314B3FF37A29}" type="datetime1">
               <a:rPr lang="ru-RU" smtClean="0"/>
-              <a:t>17.10.2025</a:t>
+              <a:t>19.10.2025</a:t>
             </a:fld>
             <a:endParaRPr lang="ru-RU"/>
           </a:p>
@@ -36079,7 +38649,7 @@
           <a:p>
             <a:fld id="{AA82D743-4282-4860-9AE2-FAD442C19B6D}" type="datetime1">
               <a:rPr lang="ru-RU" smtClean="0"/>
-              <a:t>17.10.2025</a:t>
+              <a:t>19.10.2025</a:t>
             </a:fld>
             <a:endParaRPr lang="ru-RU"/>
           </a:p>
@@ -36458,7 +39028,7 @@
           <a:p>
             <a:fld id="{F2122F36-14C5-4E46-8DE1-22F5FE5A6635}" type="datetime1">
               <a:rPr lang="ru-RU" smtClean="0"/>
-              <a:t>17.10.2025</a:t>
+              <a:t>19.10.2025</a:t>
             </a:fld>
             <a:endParaRPr lang="ru-RU"/>
           </a:p>
@@ -36747,7 +39317,7 @@
           <a:p>
             <a:fld id="{DF78E439-9BA7-4640-B448-B030DCC85B49}" type="datetime1">
               <a:rPr lang="ru-RU" smtClean="0"/>
-              <a:t>17.10.2025</a:t>
+              <a:t>19.10.2025</a:t>
             </a:fld>
             <a:endParaRPr lang="ru-RU"/>
           </a:p>
@@ -37367,7 +39937,476 @@
           <a:bodyPr/>
           <a:lstStyle/>
           <a:p>
+            <a:r>
+              <a:rPr lang="ru-RU" dirty="0" smtClean="0"/>
+              <a:t>Библиотека </a:t>
+            </a:r>
+            <a:r>
+              <a:rPr lang="en-US" dirty="0" smtClean="0"/>
+              <a:t>kav_check</a:t>
+            </a:r>
+            <a:endParaRPr lang="ru-RU" dirty="0"/>
+          </a:p>
+        </p:txBody>
+      </p:sp>
+      <p:sp>
+        <p:nvSpPr>
+          <p:cNvPr id="3" name="Дата 2"/>
+          <p:cNvSpPr>
+            <a:spLocks noGrp="1"/>
+          </p:cNvSpPr>
+          <p:nvPr>
+            <p:ph type="dt" sz="half" idx="10"/>
+          </p:nvPr>
+        </p:nvSpPr>
+        <p:spPr/>
+        <p:txBody>
+          <a:bodyPr/>
+          <a:lstStyle/>
+          <a:p>
+            <a:fld id="{5415850B-FCCB-4950-8D75-8D81D52F3FBD}" type="datetime1">
+              <a:rPr lang="ru-RU" smtClean="0"/>
+              <a:t>19.10.2025</a:t>
+            </a:fld>
             <a:endParaRPr lang="ru-RU"/>
+          </a:p>
+        </p:txBody>
+      </p:sp>
+      <p:sp>
+        <p:nvSpPr>
+          <p:cNvPr id="4" name="Нижний колонтитул 3"/>
+          <p:cNvSpPr>
+            <a:spLocks noGrp="1"/>
+          </p:cNvSpPr>
+          <p:nvPr>
+            <p:ph type="ftr" sz="quarter" idx="11"/>
+          </p:nvPr>
+        </p:nvSpPr>
+        <p:spPr/>
+        <p:txBody>
+          <a:bodyPr/>
+          <a:lstStyle/>
+          <a:p>
+            <a:endParaRPr lang="ru-RU"/>
+          </a:p>
+        </p:txBody>
+      </p:sp>
+      <p:sp>
+        <p:nvSpPr>
+          <p:cNvPr id="5" name="Номер слайда 4"/>
+          <p:cNvSpPr>
+            <a:spLocks noGrp="1"/>
+          </p:cNvSpPr>
+          <p:nvPr>
+            <p:ph type="sldNum" sz="quarter" idx="12"/>
+          </p:nvPr>
+        </p:nvSpPr>
+        <p:spPr/>
+        <p:txBody>
+          <a:bodyPr/>
+          <a:lstStyle/>
+          <a:p>
+            <a:fld id="{DEBD715E-836E-42D1-BDDD-058C1EE5707C}" type="slidenum">
+              <a:rPr lang="ru-RU" smtClean="0"/>
+              <a:t>10</a:t>
+            </a:fld>
+            <a:endParaRPr lang="ru-RU"/>
+          </a:p>
+        </p:txBody>
+      </p:sp>
+      <p:graphicFrame>
+        <p:nvGraphicFramePr>
+          <p:cNvPr id="6" name="Схема 5"/>
+          <p:cNvGraphicFramePr/>
+          <p:nvPr>
+            <p:extLst>
+              <p:ext uri="{D42A27DB-BD31-4B8C-83A1-F6EECF244321}">
+                <p14:modId xmlns:p14="http://schemas.microsoft.com/office/powerpoint/2010/main" val="2642172954"/>
+              </p:ext>
+            </p:extLst>
+          </p:nvPr>
+        </p:nvGraphicFramePr>
+        <p:xfrm>
+          <a:off x="2947595" y="1855694"/>
+          <a:ext cx="8208085" cy="3987175"/>
+        </p:xfrm>
+        <a:graphic>
+          <a:graphicData uri="http://schemas.openxmlformats.org/drawingml/2006/diagram">
+            <dgm:relIds xmlns:dgm="http://schemas.openxmlformats.org/drawingml/2006/diagram" xmlns:r="http://schemas.openxmlformats.org/officeDocument/2006/relationships" r:dm="rId2" r:lo="rId3" r:qs="rId4" r:cs="rId5"/>
+          </a:graphicData>
+        </a:graphic>
+      </p:graphicFrame>
+    </p:spTree>
+    <p:extLst>
+      <p:ext uri="{BB962C8B-B14F-4D97-AF65-F5344CB8AC3E}">
+        <p14:creationId xmlns:p14="http://schemas.microsoft.com/office/powerpoint/2010/main" val="1543651154"/>
+      </p:ext>
+    </p:extLst>
+  </p:cSld>
+  <p:clrMapOvr>
+    <a:masterClrMapping/>
+  </p:clrMapOvr>
+  <p:timing>
+    <p:tnLst>
+      <p:par>
+        <p:cTn id="1" dur="indefinite" restart="never" nodeType="tmRoot"/>
+      </p:par>
+    </p:tnLst>
+  </p:timing>
+</p:sld>
+</file>
+
+<file path=ppt/slides/slide11.xml><?xml version="1.0" encoding="utf-8"?>
+<p:sld xmlns:a="http://schemas.openxmlformats.org/drawingml/2006/main" xmlns:r="http://schemas.openxmlformats.org/officeDocument/2006/relationships" xmlns:p="http://schemas.openxmlformats.org/presentationml/2006/main">
+  <p:cSld>
+    <p:spTree>
+      <p:nvGrpSpPr>
+        <p:cNvPr id="1" name=""/>
+        <p:cNvGrpSpPr/>
+        <p:nvPr/>
+      </p:nvGrpSpPr>
+      <p:grpSpPr>
+        <a:xfrm>
+          <a:off x="0" y="0"/>
+          <a:ext cx="0" cy="0"/>
+          <a:chOff x="0" y="0"/>
+          <a:chExt cx="0" cy="0"/>
+        </a:xfrm>
+      </p:grpSpPr>
+      <p:sp>
+        <p:nvSpPr>
+          <p:cNvPr id="2" name="Заголовок 1"/>
+          <p:cNvSpPr>
+            <a:spLocks noGrp="1"/>
+          </p:cNvSpPr>
+          <p:nvPr>
+            <p:ph type="title"/>
+          </p:nvPr>
+        </p:nvSpPr>
+        <p:spPr>
+          <a:xfrm>
+            <a:off x="1097280" y="286603"/>
+            <a:ext cx="10058400" cy="735373"/>
+          </a:xfrm>
+        </p:spPr>
+        <p:txBody>
+          <a:bodyPr/>
+          <a:lstStyle/>
+          <a:p>
+            <a:r>
+              <a:rPr lang="ru-RU" dirty="0" smtClean="0"/>
+              <a:t>Библиотека </a:t>
+            </a:r>
+            <a:r>
+              <a:rPr lang="en-US" dirty="0" smtClean="0"/>
+              <a:t>kav_logger</a:t>
+            </a:r>
+            <a:endParaRPr lang="ru-RU" dirty="0"/>
+          </a:p>
+        </p:txBody>
+      </p:sp>
+      <p:sp>
+        <p:nvSpPr>
+          <p:cNvPr id="3" name="Дата 2"/>
+          <p:cNvSpPr>
+            <a:spLocks noGrp="1"/>
+          </p:cNvSpPr>
+          <p:nvPr>
+            <p:ph type="dt" sz="half" idx="10"/>
+          </p:nvPr>
+        </p:nvSpPr>
+        <p:spPr/>
+        <p:txBody>
+          <a:bodyPr/>
+          <a:lstStyle/>
+          <a:p>
+            <a:fld id="{5415850B-FCCB-4950-8D75-8D81D52F3FBD}" type="datetime1">
+              <a:rPr lang="ru-RU" smtClean="0"/>
+              <a:t>19.10.2025</a:t>
+            </a:fld>
+            <a:endParaRPr lang="ru-RU"/>
+          </a:p>
+        </p:txBody>
+      </p:sp>
+      <p:sp>
+        <p:nvSpPr>
+          <p:cNvPr id="4" name="Нижний колонтитул 3"/>
+          <p:cNvSpPr>
+            <a:spLocks noGrp="1"/>
+          </p:cNvSpPr>
+          <p:nvPr>
+            <p:ph type="ftr" sz="quarter" idx="11"/>
+          </p:nvPr>
+        </p:nvSpPr>
+        <p:spPr/>
+        <p:txBody>
+          <a:bodyPr/>
+          <a:lstStyle/>
+          <a:p>
+            <a:endParaRPr lang="ru-RU"/>
+          </a:p>
+        </p:txBody>
+      </p:sp>
+      <p:sp>
+        <p:nvSpPr>
+          <p:cNvPr id="5" name="Номер слайда 4"/>
+          <p:cNvSpPr>
+            <a:spLocks noGrp="1"/>
+          </p:cNvSpPr>
+          <p:nvPr>
+            <p:ph type="sldNum" sz="quarter" idx="12"/>
+          </p:nvPr>
+        </p:nvSpPr>
+        <p:spPr/>
+        <p:txBody>
+          <a:bodyPr/>
+          <a:lstStyle/>
+          <a:p>
+            <a:fld id="{DEBD715E-836E-42D1-BDDD-058C1EE5707C}" type="slidenum">
+              <a:rPr lang="ru-RU" smtClean="0"/>
+              <a:t>11</a:t>
+            </a:fld>
+            <a:endParaRPr lang="ru-RU"/>
+          </a:p>
+        </p:txBody>
+      </p:sp>
+      <p:graphicFrame>
+        <p:nvGraphicFramePr>
+          <p:cNvPr id="6" name="Схема 5"/>
+          <p:cNvGraphicFramePr/>
+          <p:nvPr>
+            <p:extLst>
+              <p:ext uri="{D42A27DB-BD31-4B8C-83A1-F6EECF244321}">
+                <p14:modId xmlns:p14="http://schemas.microsoft.com/office/powerpoint/2010/main" val="1091872992"/>
+              </p:ext>
+            </p:extLst>
+          </p:nvPr>
+        </p:nvGraphicFramePr>
+        <p:xfrm>
+          <a:off x="3287222" y="1104599"/>
+          <a:ext cx="7868458" cy="3901440"/>
+        </p:xfrm>
+        <a:graphic>
+          <a:graphicData uri="http://schemas.openxmlformats.org/drawingml/2006/diagram">
+            <dgm:relIds xmlns:dgm="http://schemas.openxmlformats.org/drawingml/2006/diagram" xmlns:r="http://schemas.openxmlformats.org/officeDocument/2006/relationships" r:dm="rId2" r:lo="rId3" r:qs="rId4" r:cs="rId5"/>
+          </a:graphicData>
+        </a:graphic>
+      </p:graphicFrame>
+      <p:sp>
+        <p:nvSpPr>
+          <p:cNvPr id="7" name="TextBox 6"/>
+          <p:cNvSpPr txBox="1"/>
+          <p:nvPr/>
+        </p:nvSpPr>
+        <p:spPr>
+          <a:xfrm>
+            <a:off x="1097280" y="4823012"/>
+            <a:ext cx="6338047" cy="1477328"/>
+          </a:xfrm>
+          <a:prstGeom prst="rect">
+            <a:avLst/>
+          </a:prstGeom>
+          <a:noFill/>
+        </p:spPr>
+        <p:txBody>
+          <a:bodyPr wrap="square" rtlCol="0">
+            <a:spAutoFit/>
+          </a:bodyPr>
+          <a:lstStyle/>
+          <a:p>
+            <a:r>
+              <a:rPr lang="ru-RU" dirty="0" smtClean="0"/>
+              <a:t>Для вывода сообщений на консоль используется библиотека очереди сообщений </a:t>
+            </a:r>
+            <a:r>
+              <a:rPr lang="ru-RU" dirty="0" err="1" smtClean="0">
+                <a:hlinkClick r:id="rId7"/>
+              </a:rPr>
+              <a:t>boost</a:t>
+            </a:r>
+            <a:r>
+              <a:rPr lang="ru-RU" dirty="0" smtClean="0">
+                <a:hlinkClick r:id="rId7"/>
+              </a:rPr>
+              <a:t>/</a:t>
+            </a:r>
+            <a:r>
+              <a:rPr lang="ru-RU" dirty="0" err="1" smtClean="0">
+                <a:hlinkClick r:id="rId7"/>
+              </a:rPr>
+              <a:t>interprocess</a:t>
+            </a:r>
+            <a:r>
+              <a:rPr lang="ru-RU" dirty="0" smtClean="0">
+                <a:hlinkClick r:id="rId7"/>
+              </a:rPr>
+              <a:t>/</a:t>
+            </a:r>
+            <a:r>
+              <a:rPr lang="ru-RU" dirty="0" err="1" smtClean="0">
+                <a:hlinkClick r:id="rId7"/>
+              </a:rPr>
+              <a:t>ipc</a:t>
+            </a:r>
+            <a:r>
+              <a:rPr lang="ru-RU" dirty="0" smtClean="0">
+                <a:hlinkClick r:id="rId7"/>
+              </a:rPr>
+              <a:t>/</a:t>
+            </a:r>
+            <a:r>
+              <a:rPr lang="ru-RU" dirty="0" err="1" smtClean="0">
+                <a:hlinkClick r:id="rId7"/>
+              </a:rPr>
+              <a:t>message_queue</a:t>
+            </a:r>
+            <a:r>
+              <a:rPr lang="ru-RU" dirty="0" smtClean="0"/>
+              <a:t> для </a:t>
+            </a:r>
+            <a:r>
+              <a:rPr lang="ru-RU" dirty="0" err="1"/>
+              <a:t>межпроцессного</a:t>
+            </a:r>
+            <a:r>
+              <a:rPr lang="ru-RU" dirty="0"/>
+              <a:t> обмена </a:t>
+            </a:r>
+            <a:r>
+              <a:rPr lang="ru-RU" dirty="0" smtClean="0"/>
+              <a:t>данными</a:t>
+            </a:r>
+            <a:r>
+              <a:rPr lang="en-US" dirty="0" smtClean="0"/>
+              <a:t>.</a:t>
+            </a:r>
+            <a:r>
+              <a:rPr lang="ru-RU" dirty="0" smtClean="0"/>
+              <a:t> Для этого используется вспомогательный класс </a:t>
+            </a:r>
+            <a:r>
+              <a:rPr lang="en-US" b="1" dirty="0" err="1"/>
+              <a:t>kav</a:t>
+            </a:r>
+            <a:r>
+              <a:rPr lang="en-US" b="1" dirty="0"/>
+              <a:t>::</a:t>
+            </a:r>
+            <a:r>
+              <a:rPr lang="en-US" b="1" dirty="0" err="1" smtClean="0"/>
+              <a:t>MonitorSender</a:t>
+            </a:r>
+            <a:r>
+              <a:rPr lang="ru-RU" b="1" dirty="0" smtClean="0"/>
+              <a:t>.</a:t>
+            </a:r>
+            <a:endParaRPr lang="en-US" b="1" dirty="0"/>
+          </a:p>
+          <a:p>
+            <a:endParaRPr lang="ru-RU" dirty="0"/>
+          </a:p>
+        </p:txBody>
+      </p:sp>
+      <p:sp>
+        <p:nvSpPr>
+          <p:cNvPr id="9" name="TextBox 8"/>
+          <p:cNvSpPr txBox="1"/>
+          <p:nvPr/>
+        </p:nvSpPr>
+        <p:spPr>
+          <a:xfrm>
+            <a:off x="1640541" y="2599765"/>
+            <a:ext cx="1383712" cy="923330"/>
+          </a:xfrm>
+          <a:prstGeom prst="rect">
+            <a:avLst/>
+          </a:prstGeom>
+          <a:noFill/>
+        </p:spPr>
+        <p:txBody>
+          <a:bodyPr wrap="none" rtlCol="0">
+            <a:spAutoFit/>
+          </a:bodyPr>
+          <a:lstStyle/>
+          <a:p>
+            <a:r>
+              <a:rPr lang="ru-RU" dirty="0" smtClean="0"/>
+              <a:t>Картинка </a:t>
+            </a:r>
+          </a:p>
+          <a:p>
+            <a:r>
+              <a:rPr lang="ru-RU" dirty="0" smtClean="0"/>
+              <a:t>Лог-файла и</a:t>
+            </a:r>
+          </a:p>
+          <a:p>
+            <a:r>
+              <a:rPr lang="ru-RU" dirty="0" smtClean="0"/>
+              <a:t>консоли</a:t>
+            </a:r>
+            <a:endParaRPr lang="ru-RU" dirty="0"/>
+          </a:p>
+        </p:txBody>
+      </p:sp>
+    </p:spTree>
+    <p:extLst>
+      <p:ext uri="{BB962C8B-B14F-4D97-AF65-F5344CB8AC3E}">
+        <p14:creationId xmlns:p14="http://schemas.microsoft.com/office/powerpoint/2010/main" val="128083256"/>
+      </p:ext>
+    </p:extLst>
+  </p:cSld>
+  <p:clrMapOvr>
+    <a:masterClrMapping/>
+  </p:clrMapOvr>
+  <p:timing>
+    <p:tnLst>
+      <p:par>
+        <p:cTn id="1" dur="indefinite" restart="never" nodeType="tmRoot"/>
+      </p:par>
+    </p:tnLst>
+  </p:timing>
+</p:sld>
+</file>
+
+<file path=ppt/slides/slide12.xml><?xml version="1.0" encoding="utf-8"?>
+<p:sld xmlns:a="http://schemas.openxmlformats.org/drawingml/2006/main" xmlns:r="http://schemas.openxmlformats.org/officeDocument/2006/relationships" xmlns:p="http://schemas.openxmlformats.org/presentationml/2006/main">
+  <p:cSld>
+    <p:spTree>
+      <p:nvGrpSpPr>
+        <p:cNvPr id="1" name=""/>
+        <p:cNvGrpSpPr/>
+        <p:nvPr/>
+      </p:nvGrpSpPr>
+      <p:grpSpPr>
+        <a:xfrm>
+          <a:off x="0" y="0"/>
+          <a:ext cx="0" cy="0"/>
+          <a:chOff x="0" y="0"/>
+          <a:chExt cx="0" cy="0"/>
+        </a:xfrm>
+      </p:grpSpPr>
+      <p:sp>
+        <p:nvSpPr>
+          <p:cNvPr id="2" name="Заголовок 1"/>
+          <p:cNvSpPr>
+            <a:spLocks noGrp="1"/>
+          </p:cNvSpPr>
+          <p:nvPr>
+            <p:ph type="title"/>
+          </p:nvPr>
+        </p:nvSpPr>
+        <p:spPr>
+          <a:xfrm>
+            <a:off x="1097280" y="758952"/>
+            <a:ext cx="10058400" cy="1335855"/>
+          </a:xfrm>
+        </p:spPr>
+        <p:txBody>
+          <a:bodyPr/>
+          <a:lstStyle/>
+          <a:p>
+            <a:endParaRPr lang="ru-RU" dirty="0"/>
           </a:p>
         </p:txBody>
       </p:sp>
@@ -37381,12 +40420,17 @@
             <p:ph type="body" idx="1"/>
           </p:nvPr>
         </p:nvSpPr>
-        <p:spPr/>
+        <p:spPr>
+          <a:xfrm>
+            <a:off x="1097280" y="3075709"/>
+            <a:ext cx="10058400" cy="2520419"/>
+          </a:xfrm>
+        </p:spPr>
         <p:txBody>
           <a:bodyPr/>
           <a:lstStyle/>
           <a:p>
-            <a:endParaRPr lang="ru-RU"/>
+            <a:endParaRPr lang="ru-RU" dirty="0"/>
           </a:p>
         </p:txBody>
       </p:sp>
@@ -37407,7 +40451,7 @@
           <a:p>
             <a:fld id="{9187F089-DB3A-44EC-8E6C-70C807261B64}" type="datetime1">
               <a:rPr lang="ru-RU" smtClean="0"/>
-              <a:t>17.10.2025</a:t>
+              <a:t>19.10.2025</a:t>
             </a:fld>
             <a:endParaRPr lang="ru-RU"/>
           </a:p>
@@ -37449,7 +40493,7 @@
           <a:p>
             <a:fld id="{DEBD715E-836E-42D1-BDDD-058C1EE5707C}" type="slidenum">
               <a:rPr lang="ru-RU" smtClean="0"/>
-              <a:t>10</a:t>
+              <a:t>12</a:t>
             </a:fld>
             <a:endParaRPr lang="ru-RU"/>
           </a:p>
@@ -37465,10 +40509,17 @@
   <p:clrMapOvr>
     <a:masterClrMapping/>
   </p:clrMapOvr>
+  <p:timing>
+    <p:tnLst>
+      <p:par>
+        <p:cTn id="1" dur="indefinite" restart="never" nodeType="tmRoot"/>
+      </p:par>
+    </p:tnLst>
+  </p:timing>
 </p:sld>
 </file>
 
-<file path=ppt/slides/slide11.xml><?xml version="1.0" encoding="utf-8"?>
+<file path=ppt/slides/slide13.xml><?xml version="1.0" encoding="utf-8"?>
 <p:sld xmlns:a="http://schemas.openxmlformats.org/drawingml/2006/main" xmlns:r="http://schemas.openxmlformats.org/officeDocument/2006/relationships" xmlns:p="http://schemas.openxmlformats.org/presentationml/2006/main">
   <p:cSld>
     <p:spTree>
@@ -37540,7 +40591,7 @@
           <a:p>
             <a:fld id="{8D89F477-1E06-42B9-98CE-724D285F544D}" type="datetime1">
               <a:rPr lang="ru-RU" smtClean="0"/>
-              <a:t>17.10.2025</a:t>
+              <a:t>19.10.2025</a:t>
             </a:fld>
             <a:endParaRPr lang="ru-RU"/>
           </a:p>
@@ -37582,7 +40633,7 @@
           <a:p>
             <a:fld id="{DEBD715E-836E-42D1-BDDD-058C1EE5707C}" type="slidenum">
               <a:rPr lang="ru-RU" smtClean="0"/>
-              <a:t>11</a:t>
+              <a:t>13</a:t>
             </a:fld>
             <a:endParaRPr lang="ru-RU"/>
           </a:p>
@@ -37617,6 +40668,13 @@
   <p:clrMapOvr>
     <a:masterClrMapping/>
   </p:clrMapOvr>
+  <p:timing>
+    <p:tnLst>
+      <p:par>
+        <p:cTn id="1" dur="indefinite" restart="never" nodeType="tmRoot"/>
+      </p:par>
+    </p:tnLst>
+  </p:timing>
 </p:sld>
 </file>
 
@@ -37673,7 +40731,7 @@
           <a:p>
             <a:fld id="{22C4FDAF-C654-4288-9437-917D77737F5E}" type="datetime1">
               <a:rPr lang="ru-RU" smtClean="0"/>
-              <a:t>17.10.2025</a:t>
+              <a:t>19.10.2025</a:t>
             </a:fld>
             <a:endParaRPr lang="ru-RU"/>
           </a:p>
@@ -37844,7 +40902,7 @@
           <a:p>
             <a:fld id="{8AC5719E-8A6A-457D-98CF-1B213C53F5CE}" type="datetime1">
               <a:rPr lang="ru-RU" smtClean="0"/>
-              <a:t>17.10.2025</a:t>
+              <a:t>19.10.2025</a:t>
             </a:fld>
             <a:endParaRPr lang="ru-RU"/>
           </a:p>
@@ -37983,7 +41041,7 @@
           <a:p>
             <a:fld id="{8AC5719E-8A6A-457D-98CF-1B213C53F5CE}" type="datetime1">
               <a:rPr lang="ru-RU" smtClean="0"/>
-              <a:t>17.10.2025</a:t>
+              <a:t>19.10.2025</a:t>
             </a:fld>
             <a:endParaRPr lang="ru-RU"/>
           </a:p>
@@ -38471,7 +41529,7 @@
           <a:p>
             <a:fld id="{8AC5719E-8A6A-457D-98CF-1B213C53F5CE}" type="datetime1">
               <a:rPr lang="ru-RU" smtClean="0"/>
-              <a:t>17.10.2025</a:t>
+              <a:t>19.10.2025</a:t>
             </a:fld>
             <a:endParaRPr lang="ru-RU"/>
           </a:p>
@@ -38528,7 +41586,7 @@
         <p:spPr>
           <a:xfrm>
             <a:off x="7338389" y="3538447"/>
-            <a:ext cx="2991973" cy="369332"/>
+            <a:ext cx="4624984" cy="369332"/>
           </a:xfrm>
           <a:prstGeom prst="rect">
             <a:avLst/>
@@ -38543,7 +41601,11 @@
           <a:p>
             <a:r>
               <a:rPr lang="ru-RU" dirty="0" smtClean="0"/>
-              <a:t>формирует базу документов</a:t>
+              <a:t>формирует базу </a:t>
+            </a:r>
+            <a:r>
+              <a:rPr lang="ru-RU" dirty="0" smtClean="0"/>
+              <a:t>документов (много потоков)</a:t>
             </a:r>
             <a:endParaRPr lang="ru-RU" dirty="0"/>
           </a:p>
@@ -38598,7 +41660,6 @@
               <a:rPr lang="ru-RU" dirty="0"/>
               <a:t>формирует базу запросов</a:t>
             </a:r>
-            <a:endParaRPr lang="ru-RU" dirty="0"/>
           </a:p>
         </p:txBody>
       </p:sp>
@@ -38668,7 +41729,7 @@
           <a:p>
             <a:fld id="{8AC5719E-8A6A-457D-98CF-1B213C53F5CE}" type="datetime1">
               <a:rPr lang="ru-RU" smtClean="0"/>
-              <a:t>17.10.2025</a:t>
+              <a:t>19.10.2025</a:t>
             </a:fld>
             <a:endParaRPr lang="ru-RU"/>
           </a:p>
@@ -38749,7 +41810,7 @@
         <p:spPr>
           <a:xfrm>
             <a:off x="5677276" y="3318296"/>
-            <a:ext cx="2473692" cy="923330"/>
+            <a:ext cx="2473692" cy="1200329"/>
           </a:xfrm>
           <a:prstGeom prst="rect">
             <a:avLst/>
@@ -38764,11 +41825,11 @@
           <a:p>
             <a:r>
               <a:rPr lang="ru-RU" dirty="0" smtClean="0"/>
-              <a:t>формирует базу </a:t>
+              <a:t>формирует базу инвертированных </a:t>
             </a:r>
             <a:r>
               <a:rPr lang="ru-RU" dirty="0" smtClean="0"/>
-              <a:t>инвертированных индексов</a:t>
+              <a:t>индексов (много потоков)</a:t>
             </a:r>
             <a:endParaRPr lang="ru-RU" dirty="0"/>
           </a:p>
@@ -38895,7 +41956,7 @@
           <a:p>
             <a:fld id="{8AC5719E-8A6A-457D-98CF-1B213C53F5CE}" type="datetime1">
               <a:rPr lang="ru-RU" smtClean="0"/>
-              <a:t>17.10.2025</a:t>
+              <a:t>19.10.2025</a:t>
             </a:fld>
             <a:endParaRPr lang="ru-RU"/>
           </a:p>
@@ -39111,145 +42172,6 @@
           </a:p>
         </p:txBody>
       </p:sp>
-      <p:graphicFrame>
-        <p:nvGraphicFramePr>
-          <p:cNvPr id="7" name="Объект 6"/>
-          <p:cNvGraphicFramePr>
-            <a:graphicFrameLocks noGrp="1"/>
-          </p:cNvGraphicFramePr>
-          <p:nvPr>
-            <p:ph idx="1"/>
-            <p:extLst>
-              <p:ext uri="{D42A27DB-BD31-4B8C-83A1-F6EECF244321}">
-                <p14:modId xmlns:p14="http://schemas.microsoft.com/office/powerpoint/2010/main" val="954686051"/>
-              </p:ext>
-            </p:extLst>
-          </p:nvPr>
-        </p:nvGraphicFramePr>
-        <p:xfrm>
-          <a:off x="1096963" y="1846263"/>
-          <a:ext cx="10058400" cy="4022725"/>
-        </p:xfrm>
-        <a:graphic>
-          <a:graphicData uri="http://schemas.openxmlformats.org/drawingml/2006/diagram">
-            <dgm:relIds xmlns:dgm="http://schemas.openxmlformats.org/drawingml/2006/diagram" xmlns:r="http://schemas.openxmlformats.org/officeDocument/2006/relationships" r:dm="rId2" r:lo="rId3" r:qs="rId4" r:cs="rId5"/>
-          </a:graphicData>
-        </a:graphic>
-      </p:graphicFrame>
-      <p:sp>
-        <p:nvSpPr>
-          <p:cNvPr id="4" name="Дата 3"/>
-          <p:cNvSpPr>
-            <a:spLocks noGrp="1"/>
-          </p:cNvSpPr>
-          <p:nvPr>
-            <p:ph type="dt" sz="half" idx="10"/>
-          </p:nvPr>
-        </p:nvSpPr>
-        <p:spPr/>
-        <p:txBody>
-          <a:bodyPr/>
-          <a:lstStyle/>
-          <a:p>
-            <a:fld id="{8AC5719E-8A6A-457D-98CF-1B213C53F5CE}" type="datetime1">
-              <a:rPr lang="ru-RU" smtClean="0"/>
-              <a:t>17.10.2025</a:t>
-            </a:fld>
-            <a:endParaRPr lang="ru-RU"/>
-          </a:p>
-        </p:txBody>
-      </p:sp>
-      <p:sp>
-        <p:nvSpPr>
-          <p:cNvPr id="5" name="Нижний колонтитул 4"/>
-          <p:cNvSpPr>
-            <a:spLocks noGrp="1"/>
-          </p:cNvSpPr>
-          <p:nvPr>
-            <p:ph type="ftr" sz="quarter" idx="11"/>
-          </p:nvPr>
-        </p:nvSpPr>
-        <p:spPr/>
-        <p:txBody>
-          <a:bodyPr/>
-          <a:lstStyle/>
-          <a:p>
-            <a:endParaRPr lang="ru-RU"/>
-          </a:p>
-        </p:txBody>
-      </p:sp>
-      <p:sp>
-        <p:nvSpPr>
-          <p:cNvPr id="6" name="Номер слайда 5"/>
-          <p:cNvSpPr>
-            <a:spLocks noGrp="1"/>
-          </p:cNvSpPr>
-          <p:nvPr>
-            <p:ph type="sldNum" sz="quarter" idx="12"/>
-          </p:nvPr>
-        </p:nvSpPr>
-        <p:spPr/>
-        <p:txBody>
-          <a:bodyPr/>
-          <a:lstStyle/>
-          <a:p>
-            <a:fld id="{DEBD715E-836E-42D1-BDDD-058C1EE5707C}" type="slidenum">
-              <a:rPr lang="ru-RU" smtClean="0"/>
-              <a:t>8</a:t>
-            </a:fld>
-            <a:endParaRPr lang="ru-RU"/>
-          </a:p>
-        </p:txBody>
-      </p:sp>
-    </p:spTree>
-    <p:extLst>
-      <p:ext uri="{BB962C8B-B14F-4D97-AF65-F5344CB8AC3E}">
-        <p14:creationId xmlns:p14="http://schemas.microsoft.com/office/powerpoint/2010/main" val="2090196777"/>
-      </p:ext>
-    </p:extLst>
-  </p:cSld>
-  <p:clrMapOvr>
-    <a:masterClrMapping/>
-  </p:clrMapOvr>
-</p:sld>
-</file>
-
-<file path=ppt/slides/slide9.xml><?xml version="1.0" encoding="utf-8"?>
-<p:sld xmlns:a="http://schemas.openxmlformats.org/drawingml/2006/main" xmlns:r="http://schemas.openxmlformats.org/officeDocument/2006/relationships" xmlns:p="http://schemas.openxmlformats.org/presentationml/2006/main">
-  <p:cSld>
-    <p:spTree>
-      <p:nvGrpSpPr>
-        <p:cNvPr id="1" name=""/>
-        <p:cNvGrpSpPr/>
-        <p:nvPr/>
-      </p:nvGrpSpPr>
-      <p:grpSpPr>
-        <a:xfrm>
-          <a:off x="0" y="0"/>
-          <a:ext cx="0" cy="0"/>
-          <a:chOff x="0" y="0"/>
-          <a:chExt cx="0" cy="0"/>
-        </a:xfrm>
-      </p:grpSpPr>
-      <p:sp>
-        <p:nvSpPr>
-          <p:cNvPr id="2" name="Заголовок 1"/>
-          <p:cNvSpPr>
-            <a:spLocks noGrp="1"/>
-          </p:cNvSpPr>
-          <p:nvPr>
-            <p:ph type="title"/>
-          </p:nvPr>
-        </p:nvSpPr>
-        <p:spPr/>
-        <p:txBody>
-          <a:bodyPr/>
-          <a:lstStyle/>
-          <a:p>
-            <a:endParaRPr lang="ru-RU"/>
-          </a:p>
-        </p:txBody>
-      </p:sp>
       <p:sp>
         <p:nvSpPr>
           <p:cNvPr id="3" name="Объект 2"/>
@@ -39305,7 +42227,176 @@
           <a:p>
             <a:fld id="{AA82D743-4282-4860-9AE2-FAD442C19B6D}" type="datetime1">
               <a:rPr lang="ru-RU" smtClean="0"/>
-              <a:t>17.10.2025</a:t>
+              <a:t>19.10.2025</a:t>
+            </a:fld>
+            <a:endParaRPr lang="ru-RU"/>
+          </a:p>
+        </p:txBody>
+      </p:sp>
+      <p:sp>
+        <p:nvSpPr>
+          <p:cNvPr id="6" name="Нижний колонтитул 5"/>
+          <p:cNvSpPr>
+            <a:spLocks noGrp="1"/>
+          </p:cNvSpPr>
+          <p:nvPr>
+            <p:ph type="ftr" sz="quarter" idx="11"/>
+          </p:nvPr>
+        </p:nvSpPr>
+        <p:spPr/>
+        <p:txBody>
+          <a:bodyPr/>
+          <a:lstStyle/>
+          <a:p>
+            <a:endParaRPr lang="ru-RU"/>
+          </a:p>
+        </p:txBody>
+      </p:sp>
+      <p:sp>
+        <p:nvSpPr>
+          <p:cNvPr id="7" name="Номер слайда 6"/>
+          <p:cNvSpPr>
+            <a:spLocks noGrp="1"/>
+          </p:cNvSpPr>
+          <p:nvPr>
+            <p:ph type="sldNum" sz="quarter" idx="12"/>
+          </p:nvPr>
+        </p:nvSpPr>
+        <p:spPr/>
+        <p:txBody>
+          <a:bodyPr/>
+          <a:lstStyle/>
+          <a:p>
+            <a:fld id="{DEBD715E-836E-42D1-BDDD-058C1EE5707C}" type="slidenum">
+              <a:rPr lang="ru-RU" smtClean="0"/>
+              <a:t>8</a:t>
+            </a:fld>
+            <a:endParaRPr lang="ru-RU"/>
+          </a:p>
+        </p:txBody>
+      </p:sp>
+    </p:spTree>
+    <p:extLst>
+      <p:ext uri="{BB962C8B-B14F-4D97-AF65-F5344CB8AC3E}">
+        <p14:creationId xmlns:p14="http://schemas.microsoft.com/office/powerpoint/2010/main" val="622360236"/>
+      </p:ext>
+    </p:extLst>
+  </p:cSld>
+  <p:clrMapOvr>
+    <a:masterClrMapping/>
+  </p:clrMapOvr>
+</p:sld>
+</file>
+
+<file path=ppt/slides/slide9.xml><?xml version="1.0" encoding="utf-8"?>
+<p:sld xmlns:a="http://schemas.openxmlformats.org/drawingml/2006/main" xmlns:r="http://schemas.openxmlformats.org/officeDocument/2006/relationships" xmlns:p="http://schemas.openxmlformats.org/presentationml/2006/main">
+  <p:cSld>
+    <p:spTree>
+      <p:nvGrpSpPr>
+        <p:cNvPr id="1" name=""/>
+        <p:cNvGrpSpPr/>
+        <p:nvPr/>
+      </p:nvGrpSpPr>
+      <p:grpSpPr>
+        <a:xfrm>
+          <a:off x="0" y="0"/>
+          <a:ext cx="0" cy="0"/>
+          <a:chOff x="0" y="0"/>
+          <a:chExt cx="0" cy="0"/>
+        </a:xfrm>
+      </p:grpSpPr>
+      <p:sp>
+        <p:nvSpPr>
+          <p:cNvPr id="2" name="Заголовок 1"/>
+          <p:cNvSpPr>
+            <a:spLocks noGrp="1"/>
+          </p:cNvSpPr>
+          <p:nvPr>
+            <p:ph type="title"/>
+          </p:nvPr>
+        </p:nvSpPr>
+        <p:spPr>
+          <a:xfrm>
+            <a:off x="1097280" y="286604"/>
+            <a:ext cx="10058400" cy="1076684"/>
+          </a:xfrm>
+        </p:spPr>
+        <p:txBody>
+          <a:bodyPr/>
+          <a:lstStyle/>
+          <a:p>
+            <a:endParaRPr lang="ru-RU" dirty="0"/>
+          </a:p>
+        </p:txBody>
+      </p:sp>
+      <p:graphicFrame>
+        <p:nvGraphicFramePr>
+          <p:cNvPr id="10" name="Объект 9"/>
+          <p:cNvGraphicFramePr>
+            <a:graphicFrameLocks noGrp="1"/>
+          </p:cNvGraphicFramePr>
+          <p:nvPr>
+            <p:ph sz="half" idx="1"/>
+            <p:extLst>
+              <p:ext uri="{D42A27DB-BD31-4B8C-83A1-F6EECF244321}">
+                <p14:modId xmlns:p14="http://schemas.microsoft.com/office/powerpoint/2010/main" val="3900125123"/>
+              </p:ext>
+            </p:extLst>
+          </p:nvPr>
+        </p:nvGraphicFramePr>
+        <p:xfrm>
+          <a:off x="1096963" y="1846263"/>
+          <a:ext cx="4938712" cy="3049933"/>
+        </p:xfrm>
+        <a:graphic>
+          <a:graphicData uri="http://schemas.openxmlformats.org/drawingml/2006/chart">
+            <c:chart xmlns:c="http://schemas.openxmlformats.org/drawingml/2006/chart" xmlns:r="http://schemas.openxmlformats.org/officeDocument/2006/relationships" r:id="rId2"/>
+          </a:graphicData>
+        </a:graphic>
+      </p:graphicFrame>
+      <p:graphicFrame>
+        <p:nvGraphicFramePr>
+          <p:cNvPr id="13" name="Объект 12"/>
+          <p:cNvGraphicFramePr>
+            <a:graphicFrameLocks noGrp="1"/>
+          </p:cNvGraphicFramePr>
+          <p:nvPr>
+            <p:ph sz="half" idx="2"/>
+            <p:extLst>
+              <p:ext uri="{D42A27DB-BD31-4B8C-83A1-F6EECF244321}">
+                <p14:modId xmlns:p14="http://schemas.microsoft.com/office/powerpoint/2010/main" val="1191107573"/>
+              </p:ext>
+            </p:extLst>
+          </p:nvPr>
+        </p:nvGraphicFramePr>
+        <p:xfrm>
+          <a:off x="6218238" y="1846264"/>
+          <a:ext cx="4937125" cy="2875366"/>
+        </p:xfrm>
+        <a:graphic>
+          <a:graphicData uri="http://schemas.openxmlformats.org/drawingml/2006/chart">
+            <c:chart xmlns:c="http://schemas.openxmlformats.org/drawingml/2006/chart" xmlns:r="http://schemas.openxmlformats.org/officeDocument/2006/relationships" r:id="rId3"/>
+          </a:graphicData>
+        </a:graphic>
+      </p:graphicFrame>
+      <p:sp>
+        <p:nvSpPr>
+          <p:cNvPr id="5" name="Дата 4"/>
+          <p:cNvSpPr>
+            <a:spLocks noGrp="1"/>
+          </p:cNvSpPr>
+          <p:nvPr>
+            <p:ph type="dt" sz="half" idx="10"/>
+          </p:nvPr>
+        </p:nvSpPr>
+        <p:spPr/>
+        <p:txBody>
+          <a:bodyPr/>
+          <a:lstStyle/>
+          <a:p>
+            <a:fld id="{8D89F477-1E06-42B9-98CE-724D285F544D}" type="datetime1">
+              <a:rPr lang="ru-RU" smtClean="0"/>
+              <a:t>19.10.2025</a:t>
             </a:fld>
             <a:endParaRPr lang="ru-RU"/>
           </a:p>
@@ -39353,10 +42444,706 @@
           </a:p>
         </p:txBody>
       </p:sp>
+      <p:sp>
+        <p:nvSpPr>
+          <p:cNvPr id="16" name="TextBox 15"/>
+          <p:cNvSpPr txBox="1"/>
+          <p:nvPr/>
+        </p:nvSpPr>
+        <p:spPr>
+          <a:xfrm>
+            <a:off x="1225362" y="5220393"/>
+            <a:ext cx="4688378" cy="553998"/>
+          </a:xfrm>
+          <a:prstGeom prst="rect">
+            <a:avLst/>
+          </a:prstGeom>
+          <a:noFill/>
+        </p:spPr>
+        <p:txBody>
+          <a:bodyPr wrap="square" rtlCol="0">
+            <a:spAutoFit/>
+          </a:bodyPr>
+          <a:lstStyle/>
+          <a:p>
+            <a:pPr lvl="0"/>
+            <a:r>
+              <a:rPr lang="ru-RU" altLang="ru-RU" sz="1000" dirty="0">
+                <a:solidFill>
+                  <a:srgbClr val="008080"/>
+                </a:solidFill>
+                <a:latin typeface="JetBrains Mono"/>
+              </a:rPr>
+              <a:t>std</a:t>
+            </a:r>
+            <a:r>
+              <a:rPr lang="ru-RU" altLang="ru-RU" sz="1000" dirty="0">
+                <a:solidFill>
+                  <a:srgbClr val="000000"/>
+                </a:solidFill>
+                <a:latin typeface="JetBrains Mono"/>
+              </a:rPr>
+              <a:t>::async(</a:t>
+            </a:r>
+            <a:r>
+              <a:rPr lang="ru-RU" altLang="ru-RU" sz="1000" dirty="0" err="1">
+                <a:solidFill>
+                  <a:srgbClr val="008080"/>
+                </a:solidFill>
+                <a:latin typeface="JetBrains Mono"/>
+              </a:rPr>
+              <a:t>DispatcherOperationValidity</a:t>
+            </a:r>
+            <a:r>
+              <a:rPr lang="ru-RU" altLang="ru-RU" sz="1000" dirty="0">
+                <a:solidFill>
+                  <a:srgbClr val="000000"/>
+                </a:solidFill>
+                <a:latin typeface="JetBrains Mono"/>
+              </a:rPr>
+              <a:t>::readTextFile, </a:t>
+            </a:r>
+            <a:r>
+              <a:rPr lang="ru-RU" altLang="ru-RU" sz="1000" dirty="0">
+                <a:solidFill>
+                  <a:srgbClr val="008080"/>
+                </a:solidFill>
+                <a:latin typeface="JetBrains Mono"/>
+              </a:rPr>
+              <a:t>std</a:t>
+            </a:r>
+            <a:r>
+              <a:rPr lang="ru-RU" altLang="ru-RU" sz="1000" dirty="0">
+                <a:solidFill>
+                  <a:srgbClr val="000000"/>
+                </a:solidFill>
+                <a:latin typeface="JetBrains Mono"/>
+              </a:rPr>
+              <a:t>::cref(</a:t>
+            </a:r>
+            <a:r>
+              <a:rPr lang="ru-RU" altLang="ru-RU" sz="1000" dirty="0" err="1">
+                <a:solidFill>
+                  <a:srgbClr val="000000"/>
+                </a:solidFill>
+                <a:latin typeface="JetBrains Mono"/>
+              </a:rPr>
+              <a:t>filePaths</a:t>
+            </a:r>
+            <a:r>
+              <a:rPr lang="ru-RU" altLang="ru-RU" sz="1000" dirty="0">
+                <a:solidFill>
+                  <a:srgbClr val="008080"/>
+                </a:solidFill>
+                <a:latin typeface="JetBrains Mono"/>
+              </a:rPr>
+              <a:t>[</a:t>
+            </a:r>
+            <a:r>
+              <a:rPr lang="ru-RU" altLang="ru-RU" sz="1000" dirty="0" err="1">
+                <a:solidFill>
+                  <a:srgbClr val="000000"/>
+                </a:solidFill>
+                <a:latin typeface="JetBrains Mono"/>
+              </a:rPr>
+              <a:t>docID</a:t>
+            </a:r>
+            <a:r>
+              <a:rPr lang="ru-RU" altLang="ru-RU" sz="1000" dirty="0">
+                <a:solidFill>
+                  <a:srgbClr val="008080"/>
+                </a:solidFill>
+                <a:latin typeface="JetBrains Mono"/>
+              </a:rPr>
+              <a:t>]</a:t>
+            </a:r>
+            <a:r>
+              <a:rPr lang="ru-RU" altLang="ru-RU" sz="1000" dirty="0">
+                <a:solidFill>
+                  <a:srgbClr val="000000"/>
+                </a:solidFill>
+                <a:latin typeface="JetBrains Mono"/>
+              </a:rPr>
+              <a:t>), </a:t>
+            </a:r>
+            <a:r>
+              <a:rPr lang="ru-RU" altLang="ru-RU" sz="1000" dirty="0">
+                <a:solidFill>
+                  <a:srgbClr val="008080"/>
+                </a:solidFill>
+                <a:latin typeface="JetBrains Mono"/>
+              </a:rPr>
+              <a:t>ErrorLevel</a:t>
+            </a:r>
+            <a:r>
+              <a:rPr lang="ru-RU" altLang="ru-RU" sz="1000" dirty="0">
+                <a:solidFill>
+                  <a:srgbClr val="000000"/>
+                </a:solidFill>
+                <a:latin typeface="JetBrains Mono"/>
+              </a:rPr>
+              <a:t>::</a:t>
+            </a:r>
+            <a:r>
+              <a:rPr lang="ru-RU" altLang="ru-RU" sz="1000" b="1" i="1" dirty="0">
+                <a:solidFill>
+                  <a:srgbClr val="660E7A"/>
+                </a:solidFill>
+                <a:latin typeface="JetBrains Mono"/>
+              </a:rPr>
+              <a:t>error</a:t>
+            </a:r>
+            <a:r>
+              <a:rPr lang="ru-RU" altLang="ru-RU" sz="1000" dirty="0">
+                <a:solidFill>
+                  <a:srgbClr val="000000"/>
+                </a:solidFill>
+                <a:latin typeface="JetBrains Mono"/>
+              </a:rPr>
+              <a:t>, </a:t>
+            </a:r>
+            <a:r>
+              <a:rPr lang="ru-RU" altLang="ru-RU" sz="1000" b="1" dirty="0">
+                <a:solidFill>
+                  <a:srgbClr val="008000"/>
+                </a:solidFill>
+                <a:latin typeface="JetBrains Mono"/>
+              </a:rPr>
+              <a:t>""</a:t>
+            </a:r>
+            <a:r>
+              <a:rPr lang="ru-RU" altLang="ru-RU" sz="1000" dirty="0">
+                <a:solidFill>
+                  <a:srgbClr val="000000"/>
+                </a:solidFill>
+                <a:latin typeface="JetBrains Mono"/>
+              </a:rPr>
+              <a:t>, </a:t>
+            </a:r>
+            <a:r>
+              <a:rPr lang="ru-RU" altLang="ru-RU" sz="1000" b="1" dirty="0">
+                <a:solidFill>
+                  <a:srgbClr val="1F542E"/>
+                </a:solidFill>
+                <a:latin typeface="JetBrains Mono"/>
+              </a:rPr>
+              <a:t>BOOST_CURRENT_LOCATION</a:t>
+            </a:r>
+            <a:r>
+              <a:rPr lang="ru-RU" altLang="ru-RU" sz="1000" dirty="0">
+                <a:solidFill>
+                  <a:srgbClr val="000000"/>
+                </a:solidFill>
+                <a:latin typeface="JetBrains Mono"/>
+              </a:rPr>
+              <a:t>)</a:t>
+            </a:r>
+            <a:endParaRPr lang="ru-RU" altLang="ru-RU" sz="1000" dirty="0">
+              <a:latin typeface="Arial" panose="020B0604020202020204" pitchFamily="34" charset="0"/>
+            </a:endParaRPr>
+          </a:p>
+          <a:p>
+            <a:endParaRPr lang="ru-RU" sz="1000" dirty="0"/>
+          </a:p>
+        </p:txBody>
+      </p:sp>
+      <p:sp>
+        <p:nvSpPr>
+          <p:cNvPr id="19" name="TextBox 18"/>
+          <p:cNvSpPr txBox="1"/>
+          <p:nvPr/>
+        </p:nvSpPr>
+        <p:spPr>
+          <a:xfrm>
+            <a:off x="6270568" y="4828569"/>
+            <a:ext cx="5455340" cy="1631216"/>
+          </a:xfrm>
+          <a:prstGeom prst="rect">
+            <a:avLst/>
+          </a:prstGeom>
+          <a:noFill/>
+        </p:spPr>
+        <p:txBody>
+          <a:bodyPr wrap="none" rtlCol="0">
+            <a:spAutoFit/>
+          </a:bodyPr>
+          <a:lstStyle/>
+          <a:p>
+            <a:r>
+              <a:rPr lang="ru-RU" altLang="ru-RU" sz="1000" dirty="0">
+                <a:solidFill>
+                  <a:srgbClr val="008080"/>
+                </a:solidFill>
+                <a:latin typeface="JetBrains Mono"/>
+              </a:rPr>
+              <a:t>std</a:t>
+            </a:r>
+            <a:r>
+              <a:rPr lang="ru-RU" altLang="ru-RU" sz="1000" dirty="0">
+                <a:solidFill>
+                  <a:srgbClr val="000000"/>
+                </a:solidFill>
+                <a:latin typeface="JetBrains Mono"/>
+              </a:rPr>
+              <a:t>::async(&amp;</a:t>
+            </a:r>
+            <a:r>
+              <a:rPr lang="ru-RU" altLang="ru-RU" sz="1000" dirty="0" err="1">
+                <a:solidFill>
+                  <a:srgbClr val="008080"/>
+                </a:solidFill>
+                <a:latin typeface="JetBrains Mono"/>
+              </a:rPr>
+              <a:t>InvertedIndex</a:t>
+            </a:r>
+            <a:r>
+              <a:rPr lang="ru-RU" altLang="ru-RU" sz="1000" dirty="0">
+                <a:solidFill>
+                  <a:srgbClr val="000000"/>
+                </a:solidFill>
+                <a:latin typeface="JetBrains Mono"/>
+              </a:rPr>
+              <a:t>::</a:t>
+            </a:r>
+            <a:r>
+              <a:rPr lang="ru-RU" altLang="ru-RU" sz="1000" dirty="0" err="1">
+                <a:solidFill>
+                  <a:srgbClr val="000000"/>
+                </a:solidFill>
+                <a:latin typeface="JetBrains Mono"/>
+              </a:rPr>
+              <a:t>defineWord</a:t>
+            </a:r>
+            <a:r>
+              <a:rPr lang="ru-RU" altLang="ru-RU" sz="1000" dirty="0">
+                <a:solidFill>
+                  <a:srgbClr val="000000"/>
+                </a:solidFill>
+                <a:latin typeface="JetBrains Mono"/>
+              </a:rPr>
+              <a:t>, </a:t>
+            </a:r>
+            <a:r>
+              <a:rPr lang="ru-RU" altLang="ru-RU" sz="1000" b="1" dirty="0" err="1">
+                <a:solidFill>
+                  <a:srgbClr val="000080"/>
+                </a:solidFill>
+                <a:latin typeface="JetBrains Mono"/>
+              </a:rPr>
+              <a:t>this</a:t>
+            </a:r>
+            <a:r>
+              <a:rPr lang="ru-RU" altLang="ru-RU" sz="1000" dirty="0">
+                <a:solidFill>
+                  <a:srgbClr val="000000"/>
+                </a:solidFill>
+                <a:latin typeface="JetBrains Mono"/>
+              </a:rPr>
+              <a:t>, </a:t>
+            </a:r>
+            <a:r>
+              <a:rPr lang="ru-RU" altLang="ru-RU" sz="1000" dirty="0" err="1">
+                <a:solidFill>
+                  <a:srgbClr val="000000"/>
+                </a:solidFill>
+                <a:latin typeface="JetBrains Mono"/>
+              </a:rPr>
+              <a:t>docID</a:t>
+            </a:r>
+            <a:r>
+              <a:rPr lang="ru-RU" altLang="ru-RU" sz="1000" dirty="0">
+                <a:solidFill>
+                  <a:srgbClr val="000000"/>
+                </a:solidFill>
+                <a:latin typeface="JetBrains Mono"/>
+              </a:rPr>
+              <a:t>, </a:t>
+            </a:r>
+            <a:r>
+              <a:rPr lang="ru-RU" altLang="ru-RU" sz="1000" dirty="0">
+                <a:solidFill>
+                  <a:srgbClr val="008080"/>
+                </a:solidFill>
+                <a:latin typeface="JetBrains Mono"/>
+              </a:rPr>
+              <a:t>std</a:t>
+            </a:r>
+            <a:r>
+              <a:rPr lang="ru-RU" altLang="ru-RU" sz="1000" dirty="0">
+                <a:solidFill>
+                  <a:srgbClr val="000000"/>
+                </a:solidFill>
+                <a:latin typeface="JetBrains Mono"/>
+              </a:rPr>
+              <a:t>::cref(</a:t>
+            </a:r>
+            <a:r>
+              <a:rPr lang="ru-RU" altLang="ru-RU" sz="1000" dirty="0" err="1">
+                <a:solidFill>
+                  <a:srgbClr val="660E7A"/>
+                </a:solidFill>
+                <a:latin typeface="JetBrains Mono"/>
+              </a:rPr>
+              <a:t>documents</a:t>
+            </a:r>
+            <a:r>
+              <a:rPr lang="ru-RU" altLang="ru-RU" sz="1000" dirty="0">
+                <a:solidFill>
+                  <a:srgbClr val="008080"/>
+                </a:solidFill>
+                <a:latin typeface="JetBrains Mono"/>
+              </a:rPr>
+              <a:t>[</a:t>
+            </a:r>
+            <a:r>
+              <a:rPr lang="ru-RU" altLang="ru-RU" sz="1000" dirty="0" err="1">
+                <a:solidFill>
+                  <a:srgbClr val="000000"/>
+                </a:solidFill>
+                <a:latin typeface="JetBrains Mono"/>
+              </a:rPr>
+              <a:t>docID</a:t>
+            </a:r>
+            <a:r>
+              <a:rPr lang="ru-RU" altLang="ru-RU" sz="1000" dirty="0">
+                <a:solidFill>
+                  <a:srgbClr val="008080"/>
+                </a:solidFill>
+                <a:latin typeface="JetBrains Mono"/>
+              </a:rPr>
+              <a:t>]</a:t>
+            </a:r>
+            <a:r>
+              <a:rPr lang="ru-RU" altLang="ru-RU" sz="1000" dirty="0">
+                <a:solidFill>
+                  <a:srgbClr val="000000"/>
+                </a:solidFill>
+                <a:latin typeface="JetBrains Mono"/>
+              </a:rPr>
+              <a:t>))</a:t>
+            </a:r>
+            <a:endParaRPr lang="ru-RU" altLang="ru-RU" dirty="0">
+              <a:latin typeface="Arial" panose="020B0604020202020204" pitchFamily="34" charset="0"/>
+            </a:endParaRPr>
+          </a:p>
+          <a:p>
+            <a:pPr lvl="0"/>
+            <a:endParaRPr lang="ru-RU" altLang="ru-RU" sz="1000" i="1" dirty="0" smtClean="0">
+              <a:solidFill>
+                <a:srgbClr val="808080"/>
+              </a:solidFill>
+              <a:latin typeface="JetBrains Mono"/>
+            </a:endParaRPr>
+          </a:p>
+          <a:p>
+            <a:pPr lvl="0"/>
+            <a:r>
+              <a:rPr lang="ru-RU" altLang="ru-RU" sz="1000" i="1" dirty="0" smtClean="0">
+                <a:solidFill>
+                  <a:srgbClr val="808080"/>
+                </a:solidFill>
+                <a:latin typeface="JetBrains Mono"/>
+              </a:rPr>
+              <a:t>…</a:t>
+            </a:r>
+          </a:p>
+          <a:p>
+            <a:pPr lvl="0"/>
+            <a:r>
+              <a:rPr lang="ru-RU" altLang="ru-RU" sz="1000" i="1" dirty="0" smtClean="0">
+                <a:solidFill>
+                  <a:srgbClr val="808080"/>
+                </a:solidFill>
+                <a:latin typeface="JetBrains Mono"/>
+              </a:rPr>
+              <a:t>//</a:t>
+            </a:r>
+            <a:r>
+              <a:rPr lang="ru-RU" altLang="ru-RU" sz="1000" i="1" dirty="0">
+                <a:solidFill>
+                  <a:srgbClr val="808080"/>
+                </a:solidFill>
+                <a:latin typeface="JetBrains Mono"/>
+              </a:rPr>
+              <a:t>Установить защиту на поиск и добавление слова в базе инвертированных индексов</a:t>
+            </a:r>
+            <a:br>
+              <a:rPr lang="ru-RU" altLang="ru-RU" sz="1000" i="1" dirty="0">
+                <a:solidFill>
+                  <a:srgbClr val="808080"/>
+                </a:solidFill>
+                <a:latin typeface="JetBrains Mono"/>
+              </a:rPr>
+            </a:br>
+            <a:r>
+              <a:rPr lang="ru-RU" altLang="ru-RU" sz="1000" dirty="0">
+                <a:solidFill>
+                  <a:srgbClr val="008080"/>
+                </a:solidFill>
+                <a:latin typeface="JetBrains Mono"/>
+              </a:rPr>
+              <a:t>std</a:t>
+            </a:r>
+            <a:r>
+              <a:rPr lang="ru-RU" altLang="ru-RU" sz="1000" dirty="0">
+                <a:solidFill>
+                  <a:srgbClr val="000000"/>
+                </a:solidFill>
+                <a:latin typeface="JetBrains Mono"/>
+              </a:rPr>
+              <a:t>::</a:t>
+            </a:r>
+            <a:r>
+              <a:rPr lang="ru-RU" altLang="ru-RU" sz="1000" dirty="0" err="1">
+                <a:solidFill>
+                  <a:srgbClr val="008080"/>
+                </a:solidFill>
+                <a:latin typeface="JetBrains Mono"/>
+              </a:rPr>
+              <a:t>unique_lock</a:t>
+            </a:r>
+            <a:r>
+              <a:rPr lang="ru-RU" altLang="ru-RU" sz="1000" dirty="0">
+                <a:solidFill>
+                  <a:srgbClr val="000000"/>
+                </a:solidFill>
+                <a:latin typeface="JetBrains Mono"/>
+              </a:rPr>
+              <a:t>&lt;</a:t>
+            </a:r>
+            <a:r>
+              <a:rPr lang="ru-RU" altLang="ru-RU" sz="1000" dirty="0">
+                <a:solidFill>
+                  <a:srgbClr val="008080"/>
+                </a:solidFill>
+                <a:latin typeface="JetBrains Mono"/>
+              </a:rPr>
+              <a:t>std</a:t>
+            </a:r>
+            <a:r>
+              <a:rPr lang="ru-RU" altLang="ru-RU" sz="1000" dirty="0">
+                <a:solidFill>
+                  <a:srgbClr val="000000"/>
+                </a:solidFill>
+                <a:latin typeface="JetBrains Mono"/>
+              </a:rPr>
+              <a:t>::</a:t>
+            </a:r>
+            <a:r>
+              <a:rPr lang="ru-RU" altLang="ru-RU" sz="1000" dirty="0" err="1">
+                <a:solidFill>
+                  <a:srgbClr val="008080"/>
+                </a:solidFill>
+                <a:latin typeface="JetBrains Mono"/>
+              </a:rPr>
+              <a:t>mutex</a:t>
+            </a:r>
+            <a:r>
+              <a:rPr lang="ru-RU" altLang="ru-RU" sz="1000" dirty="0">
+                <a:solidFill>
+                  <a:srgbClr val="000000"/>
+                </a:solidFill>
+                <a:latin typeface="JetBrains Mono"/>
+              </a:rPr>
+              <a:t>&gt; </a:t>
+            </a:r>
+            <a:r>
+              <a:rPr lang="ru-RU" altLang="ru-RU" sz="1000" dirty="0" err="1">
+                <a:solidFill>
+                  <a:srgbClr val="000000"/>
+                </a:solidFill>
+                <a:latin typeface="JetBrains Mono"/>
+              </a:rPr>
+              <a:t>lgAddWord</a:t>
+            </a:r>
+            <a:r>
+              <a:rPr lang="ru-RU" altLang="ru-RU" sz="1000" dirty="0">
+                <a:solidFill>
+                  <a:srgbClr val="000000"/>
+                </a:solidFill>
+                <a:latin typeface="JetBrains Mono"/>
+              </a:rPr>
+              <a:t>(</a:t>
+            </a:r>
+            <a:r>
+              <a:rPr lang="ru-RU" altLang="ru-RU" sz="1000" dirty="0" err="1">
+                <a:solidFill>
+                  <a:srgbClr val="660E7A"/>
+                </a:solidFill>
+                <a:latin typeface="JetBrains Mono"/>
+              </a:rPr>
+              <a:t>mutexFindAddWord</a:t>
+            </a:r>
+            <a:r>
+              <a:rPr lang="ru-RU" altLang="ru-RU" sz="1000" dirty="0" smtClean="0">
+                <a:solidFill>
+                  <a:srgbClr val="000000"/>
+                </a:solidFill>
+                <a:latin typeface="JetBrains Mono"/>
+              </a:rPr>
+              <a:t>);</a:t>
+            </a:r>
+          </a:p>
+          <a:p>
+            <a:pPr lvl="0"/>
+            <a:r>
+              <a:rPr lang="ru-RU" altLang="ru-RU" sz="1000" dirty="0" smtClean="0">
+                <a:latin typeface="Arial" panose="020B0604020202020204" pitchFamily="34" charset="0"/>
+              </a:rPr>
+              <a:t>…</a:t>
+            </a:r>
+          </a:p>
+          <a:p>
+            <a:r>
+              <a:rPr lang="ru-RU" altLang="ru-RU" sz="1000" i="1" dirty="0">
+                <a:solidFill>
+                  <a:srgbClr val="808080"/>
+                </a:solidFill>
+                <a:latin typeface="JetBrains Mono"/>
+              </a:rPr>
+              <a:t>//Установить защиту на поиск и добавление структуры инвертированного индекса</a:t>
+            </a:r>
+            <a:br>
+              <a:rPr lang="ru-RU" altLang="ru-RU" sz="1000" i="1" dirty="0">
+                <a:solidFill>
+                  <a:srgbClr val="808080"/>
+                </a:solidFill>
+                <a:latin typeface="JetBrains Mono"/>
+              </a:rPr>
+            </a:br>
+            <a:r>
+              <a:rPr lang="ru-RU" altLang="ru-RU" sz="1000" dirty="0">
+                <a:solidFill>
+                  <a:srgbClr val="008080"/>
+                </a:solidFill>
+                <a:latin typeface="JetBrains Mono"/>
+              </a:rPr>
+              <a:t>std</a:t>
+            </a:r>
+            <a:r>
+              <a:rPr lang="ru-RU" altLang="ru-RU" sz="1000" dirty="0">
+                <a:solidFill>
+                  <a:srgbClr val="000000"/>
+                </a:solidFill>
+                <a:latin typeface="JetBrains Mono"/>
+              </a:rPr>
+              <a:t>::</a:t>
+            </a:r>
+            <a:r>
+              <a:rPr lang="ru-RU" altLang="ru-RU" sz="1000" dirty="0" err="1">
+                <a:solidFill>
+                  <a:srgbClr val="008080"/>
+                </a:solidFill>
+                <a:latin typeface="JetBrains Mono"/>
+              </a:rPr>
+              <a:t>unique_lock</a:t>
+            </a:r>
+            <a:r>
+              <a:rPr lang="ru-RU" altLang="ru-RU" sz="1000" dirty="0">
+                <a:solidFill>
+                  <a:srgbClr val="000000"/>
+                </a:solidFill>
+                <a:latin typeface="JetBrains Mono"/>
+              </a:rPr>
+              <a:t>&lt;</a:t>
+            </a:r>
+            <a:r>
+              <a:rPr lang="ru-RU" altLang="ru-RU" sz="1000" dirty="0">
+                <a:solidFill>
+                  <a:srgbClr val="008080"/>
+                </a:solidFill>
+                <a:latin typeface="JetBrains Mono"/>
+              </a:rPr>
+              <a:t>std</a:t>
+            </a:r>
+            <a:r>
+              <a:rPr lang="ru-RU" altLang="ru-RU" sz="1000" dirty="0">
+                <a:solidFill>
+                  <a:srgbClr val="000000"/>
+                </a:solidFill>
+                <a:latin typeface="JetBrains Mono"/>
+              </a:rPr>
+              <a:t>::</a:t>
+            </a:r>
+            <a:r>
+              <a:rPr lang="ru-RU" altLang="ru-RU" sz="1000" dirty="0" err="1">
+                <a:solidFill>
+                  <a:srgbClr val="008080"/>
+                </a:solidFill>
+                <a:latin typeface="JetBrains Mono"/>
+              </a:rPr>
+              <a:t>mutex</a:t>
+            </a:r>
+            <a:r>
+              <a:rPr lang="ru-RU" altLang="ru-RU" sz="1000" dirty="0">
+                <a:solidFill>
+                  <a:srgbClr val="000000"/>
+                </a:solidFill>
+                <a:latin typeface="JetBrains Mono"/>
+              </a:rPr>
+              <a:t>&gt; </a:t>
+            </a:r>
+            <a:r>
+              <a:rPr lang="ru-RU" altLang="ru-RU" sz="1000" dirty="0" err="1">
+                <a:solidFill>
+                  <a:srgbClr val="000000"/>
+                </a:solidFill>
+                <a:latin typeface="JetBrains Mono"/>
+              </a:rPr>
+              <a:t>lgAddEntry</a:t>
+            </a:r>
+            <a:r>
+              <a:rPr lang="ru-RU" altLang="ru-RU" sz="1000" dirty="0">
+                <a:solidFill>
+                  <a:srgbClr val="000000"/>
+                </a:solidFill>
+                <a:latin typeface="JetBrains Mono"/>
+              </a:rPr>
+              <a:t>(</a:t>
+            </a:r>
+            <a:r>
+              <a:rPr lang="ru-RU" altLang="ru-RU" sz="1000" dirty="0" err="1">
+                <a:solidFill>
+                  <a:srgbClr val="660E7A"/>
+                </a:solidFill>
+                <a:latin typeface="JetBrains Mono"/>
+              </a:rPr>
+              <a:t>mutexFindAddEntry</a:t>
+            </a:r>
+            <a:r>
+              <a:rPr lang="ru-RU" altLang="ru-RU" sz="1000" dirty="0">
+                <a:solidFill>
+                  <a:srgbClr val="000000"/>
+                </a:solidFill>
+                <a:latin typeface="JetBrains Mono"/>
+              </a:rPr>
+              <a:t>);</a:t>
+            </a:r>
+            <a:endParaRPr lang="ru-RU" altLang="ru-RU" dirty="0">
+              <a:latin typeface="Arial" panose="020B0604020202020204" pitchFamily="34" charset="0"/>
+            </a:endParaRPr>
+          </a:p>
+          <a:p>
+            <a:pPr lvl="0"/>
+            <a:r>
+              <a:rPr lang="ru-RU" altLang="ru-RU" sz="1000" dirty="0" smtClean="0">
+                <a:latin typeface="Arial" panose="020B0604020202020204" pitchFamily="34" charset="0"/>
+              </a:rPr>
+              <a:t>…</a:t>
+            </a:r>
+            <a:endParaRPr lang="ru-RU" altLang="ru-RU" sz="1000" dirty="0">
+              <a:latin typeface="Arial" panose="020B0604020202020204" pitchFamily="34" charset="0"/>
+            </a:endParaRPr>
+          </a:p>
+          <a:p>
+            <a:endParaRPr lang="ru-RU" sz="1000" dirty="0"/>
+          </a:p>
+        </p:txBody>
+      </p:sp>
     </p:spTree>
     <p:extLst>
       <p:ext uri="{BB962C8B-B14F-4D97-AF65-F5344CB8AC3E}">
-        <p14:creationId xmlns:p14="http://schemas.microsoft.com/office/powerpoint/2010/main" val="622360236"/>
+        <p14:creationId xmlns:p14="http://schemas.microsoft.com/office/powerpoint/2010/main" val="74110464"/>
       </p:ext>
     </p:extLst>
   </p:cSld>

--- a/presentation/защита.pptx
+++ b/presentation/защита.pptx
@@ -5,22 +5,25 @@
     <p:sldMasterId id="2147483713" r:id="rId1"/>
   </p:sldMasterIdLst>
   <p:notesMasterIdLst>
-    <p:notesMasterId r:id="rId15"/>
+    <p:notesMasterId r:id="rId18"/>
   </p:notesMasterIdLst>
   <p:sldIdLst>
     <p:sldId id="256" r:id="rId2"/>
-    <p:sldId id="257" r:id="rId3"/>
-    <p:sldId id="260" r:id="rId4"/>
-    <p:sldId id="263" r:id="rId5"/>
-    <p:sldId id="264" r:id="rId6"/>
-    <p:sldId id="266" r:id="rId7"/>
-    <p:sldId id="268" r:id="rId8"/>
-    <p:sldId id="259" r:id="rId9"/>
-    <p:sldId id="269" r:id="rId10"/>
-    <p:sldId id="271" r:id="rId11"/>
-    <p:sldId id="272" r:id="rId12"/>
-    <p:sldId id="261" r:id="rId13"/>
-    <p:sldId id="258" r:id="rId14"/>
+    <p:sldId id="274" r:id="rId3"/>
+    <p:sldId id="275" r:id="rId4"/>
+    <p:sldId id="273" r:id="rId5"/>
+    <p:sldId id="257" r:id="rId6"/>
+    <p:sldId id="260" r:id="rId7"/>
+    <p:sldId id="263" r:id="rId8"/>
+    <p:sldId id="264" r:id="rId9"/>
+    <p:sldId id="266" r:id="rId10"/>
+    <p:sldId id="268" r:id="rId11"/>
+    <p:sldId id="259" r:id="rId12"/>
+    <p:sldId id="269" r:id="rId13"/>
+    <p:sldId id="271" r:id="rId14"/>
+    <p:sldId id="272" r:id="rId15"/>
+    <p:sldId id="261" r:id="rId16"/>
+    <p:sldId id="258" r:id="rId17"/>
   </p:sldIdLst>
   <p:sldSz cx="12192000" cy="6858000"/>
   <p:notesSz cx="6858000" cy="9144000"/>
@@ -296,11 +299,11 @@
         </c:dLbls>
         <c:gapWidth val="219"/>
         <c:overlap val="-27"/>
-        <c:axId val="381094552"/>
-        <c:axId val="381096904"/>
+        <c:axId val="476997688"/>
+        <c:axId val="476998080"/>
       </c:barChart>
       <c:catAx>
-        <c:axId val="381094552"/>
+        <c:axId val="476997688"/>
         <c:scaling>
           <c:orientation val="minMax"/>
         </c:scaling>
@@ -343,7 +346,7 @@
             <a:endParaRPr lang="ru-RU"/>
           </a:p>
         </c:txPr>
-        <c:crossAx val="381096904"/>
+        <c:crossAx val="476998080"/>
         <c:crosses val="autoZero"/>
         <c:auto val="1"/>
         <c:lblAlgn val="ctr"/>
@@ -351,7 +354,7 @@
         <c:noMultiLvlLbl val="0"/>
       </c:catAx>
       <c:valAx>
-        <c:axId val="381096904"/>
+        <c:axId val="476998080"/>
         <c:scaling>
           <c:orientation val="minMax"/>
         </c:scaling>
@@ -402,7 +405,7 @@
             <a:endParaRPr lang="ru-RU"/>
           </a:p>
         </c:txPr>
-        <c:crossAx val="381094552"/>
+        <c:crossAx val="476997688"/>
         <c:crosses val="autoZero"/>
         <c:crossBetween val="between"/>
       </c:valAx>
@@ -631,11 +634,11 @@
         </c:dLbls>
         <c:gapWidth val="219"/>
         <c:overlap val="-27"/>
-        <c:axId val="176244216"/>
-        <c:axId val="176242648"/>
+        <c:axId val="476999648"/>
+        <c:axId val="476996904"/>
       </c:barChart>
       <c:catAx>
-        <c:axId val="176244216"/>
+        <c:axId val="476999648"/>
         <c:scaling>
           <c:orientation val="minMax"/>
         </c:scaling>
@@ -678,7 +681,7 @@
             <a:endParaRPr lang="ru-RU"/>
           </a:p>
         </c:txPr>
-        <c:crossAx val="176242648"/>
+        <c:crossAx val="476996904"/>
         <c:crosses val="autoZero"/>
         <c:auto val="1"/>
         <c:lblAlgn val="ctr"/>
@@ -686,7 +689,7 @@
         <c:noMultiLvlLbl val="0"/>
       </c:catAx>
       <c:valAx>
-        <c:axId val="176242648"/>
+        <c:axId val="476996904"/>
         <c:scaling>
           <c:orientation val="minMax"/>
         </c:scaling>
@@ -737,7 +740,7 @@
             <a:endParaRPr lang="ru-RU"/>
           </a:p>
         </c:txPr>
-        <c:crossAx val="176244216"/>
+        <c:crossAx val="476999648"/>
         <c:crosses val="autoZero"/>
         <c:crossBetween val="between"/>
       </c:valAx>
@@ -10609,29 +10612,29 @@
     </dgm:pt>
   </dgm:ptLst>
   <dgm:cxnLst>
+    <dgm:cxn modelId="{C9C3564E-0803-4DB4-8B73-487370AC23D2}" type="presOf" srcId="{5251211C-2A96-4DCB-B96A-718B7FEE29FC}" destId="{EB1EB879-57B0-4BB0-8304-82EAAE352B32}" srcOrd="1" destOrd="0" presId="urn:microsoft.com/office/officeart/2005/8/layout/hProcess10"/>
+    <dgm:cxn modelId="{2394CF16-B8FA-412F-8D9C-2E43DD302D7B}" srcId="{4489C5E7-4CB3-4705-ADC7-EC2D7DB205C7}" destId="{7B5CB32F-AC22-4F46-A5FC-85700A25BB5F}" srcOrd="1" destOrd="0" parTransId="{6CC02667-E25A-44FD-A525-354411A07A9E}" sibTransId="{93C17E5A-2FFB-43E4-9FE6-0FA213A7D041}"/>
     <dgm:cxn modelId="{BA9F8CE6-03D0-40D2-97FF-C1924FB389A9}" type="presOf" srcId="{90757D3F-86D0-4602-8E71-75B55EB1FC14}" destId="{9FBC957F-813F-4C5F-8238-EDB031A6FB65}" srcOrd="0" destOrd="0" presId="urn:microsoft.com/office/officeart/2005/8/layout/hProcess10"/>
+    <dgm:cxn modelId="{FABFD9C9-6DEB-44D8-81E7-EDDEB04CCE2E}" srcId="{4489C5E7-4CB3-4705-ADC7-EC2D7DB205C7}" destId="{E319911A-4062-482D-A56A-1A04EAA79D6F}" srcOrd="0" destOrd="0" parTransId="{53B05F91-52ED-4447-B4C1-8852A419B243}" sibTransId="{60465054-A24A-44E2-BE9D-3F4BD3E2F5BA}"/>
+    <dgm:cxn modelId="{BCBCFB0C-00EA-4E84-82EB-D6A27005F000}" srcId="{C50D24E8-6499-477C-96DB-674B3153D74A}" destId="{9FB912DC-886C-4A8E-8B9D-C887D1794C4A}" srcOrd="1" destOrd="0" parTransId="{DEF4A1FC-B9FE-43AF-B8BD-038446A7563E}" sibTransId="{5251211C-2A96-4DCB-B96A-718B7FEE29FC}"/>
+    <dgm:cxn modelId="{9CC9FB07-2368-4E99-A036-7DF5BDA3E92B}" srcId="{9FB912DC-886C-4A8E-8B9D-C887D1794C4A}" destId="{E10D2585-F7BB-48D0-BC9F-A7F2B45E452E}" srcOrd="0" destOrd="0" parTransId="{A270FCEA-C681-47D3-9931-149B2879945E}" sibTransId="{70FE9CF9-128D-4B4D-B6E7-B557A2DF7B19}"/>
+    <dgm:cxn modelId="{0E3EF668-330E-4336-81CC-C6D03F1181D7}" srcId="{C50D24E8-6499-477C-96DB-674B3153D74A}" destId="{75C30775-A0DD-4D8A-AB7E-083B6F7D180F}" srcOrd="0" destOrd="0" parTransId="{FE11706D-B7B9-47FF-9CB4-A244A09AC58E}" sibTransId="{90757D3F-86D0-4602-8E71-75B55EB1FC14}"/>
+    <dgm:cxn modelId="{AFBB6E71-6EF7-4238-A366-1E0EFE1BC842}" srcId="{75C30775-A0DD-4D8A-AB7E-083B6F7D180F}" destId="{8B67BDF8-EECD-40A6-95C0-6F0D0AA823D5}" srcOrd="1" destOrd="0" parTransId="{EC7C0393-9A10-410C-97A9-0A2663C1A196}" sibTransId="{4C102AA3-ED5E-4F51-A79B-CEF0026C72DA}"/>
     <dgm:cxn modelId="{03CE2F1B-4996-4A16-B41C-87FE558E4977}" srcId="{75C30775-A0DD-4D8A-AB7E-083B6F7D180F}" destId="{266C79A3-239E-493F-B8D3-7A33A63FAEF5}" srcOrd="0" destOrd="0" parTransId="{EC81D479-9562-446C-BC8D-A4F12B86374D}" sibTransId="{32231B83-A94A-442E-9A48-D1C2C4A0922A}"/>
     <dgm:cxn modelId="{DCEF3A6B-DB6C-449C-B71C-7A0128ECF7E7}" type="presOf" srcId="{75C30775-A0DD-4D8A-AB7E-083B6F7D180F}" destId="{0F9F2284-2284-4732-9015-3FEC425942BA}" srcOrd="0" destOrd="0" presId="urn:microsoft.com/office/officeart/2005/8/layout/hProcess10"/>
-    <dgm:cxn modelId="{BCBCFB0C-00EA-4E84-82EB-D6A27005F000}" srcId="{C50D24E8-6499-477C-96DB-674B3153D74A}" destId="{9FB912DC-886C-4A8E-8B9D-C887D1794C4A}" srcOrd="1" destOrd="0" parTransId="{DEF4A1FC-B9FE-43AF-B8BD-038446A7563E}" sibTransId="{5251211C-2A96-4DCB-B96A-718B7FEE29FC}"/>
-    <dgm:cxn modelId="{0E3EF668-330E-4336-81CC-C6D03F1181D7}" srcId="{C50D24E8-6499-477C-96DB-674B3153D74A}" destId="{75C30775-A0DD-4D8A-AB7E-083B6F7D180F}" srcOrd="0" destOrd="0" parTransId="{FE11706D-B7B9-47FF-9CB4-A244A09AC58E}" sibTransId="{90757D3F-86D0-4602-8E71-75B55EB1FC14}"/>
-    <dgm:cxn modelId="{2394CF16-B8FA-412F-8D9C-2E43DD302D7B}" srcId="{4489C5E7-4CB3-4705-ADC7-EC2D7DB205C7}" destId="{7B5CB32F-AC22-4F46-A5FC-85700A25BB5F}" srcOrd="1" destOrd="0" parTransId="{6CC02667-E25A-44FD-A525-354411A07A9E}" sibTransId="{93C17E5A-2FFB-43E4-9FE6-0FA213A7D041}"/>
-    <dgm:cxn modelId="{9CC9FB07-2368-4E99-A036-7DF5BDA3E92B}" srcId="{9FB912DC-886C-4A8E-8B9D-C887D1794C4A}" destId="{E10D2585-F7BB-48D0-BC9F-A7F2B45E452E}" srcOrd="0" destOrd="0" parTransId="{A270FCEA-C681-47D3-9931-149B2879945E}" sibTransId="{70FE9CF9-128D-4B4D-B6E7-B557A2DF7B19}"/>
+    <dgm:cxn modelId="{66A78BA1-617E-4401-BBD3-BDDF922EC72B}" type="presOf" srcId="{7B5CB32F-AC22-4F46-A5FC-85700A25BB5F}" destId="{A4C03D11-F0CB-4F23-9EF7-0AB2535DC95B}" srcOrd="0" destOrd="2" presId="urn:microsoft.com/office/officeart/2005/8/layout/hProcess10"/>
     <dgm:cxn modelId="{23425499-D5EB-493A-84E0-B2CCCB5AB00C}" type="presOf" srcId="{9FB912DC-886C-4A8E-8B9D-C887D1794C4A}" destId="{88B2F004-F12C-4EE6-9C27-742F06C18109}" srcOrd="0" destOrd="0" presId="urn:microsoft.com/office/officeart/2005/8/layout/hProcess10"/>
+    <dgm:cxn modelId="{1E29528C-D471-4631-B9E7-BDEE5355D36B}" type="presOf" srcId="{B92C896A-8E81-4D84-B983-6966E2549ABD}" destId="{88B2F004-F12C-4EE6-9C27-742F06C18109}" srcOrd="0" destOrd="2" presId="urn:microsoft.com/office/officeart/2005/8/layout/hProcess10"/>
     <dgm:cxn modelId="{68A68D77-0BFD-457C-96FF-F22700EA349A}" srcId="{9FB912DC-886C-4A8E-8B9D-C887D1794C4A}" destId="{B92C896A-8E81-4D84-B983-6966E2549ABD}" srcOrd="1" destOrd="0" parTransId="{69BD31A5-00E3-4E36-8C42-B7D1AEC7C345}" sibTransId="{6B170223-3EDD-465E-A756-29DDAC64B1B9}"/>
+    <dgm:cxn modelId="{6136DE81-2B02-4719-B534-06743435DB86}" type="presOf" srcId="{8B67BDF8-EECD-40A6-95C0-6F0D0AA823D5}" destId="{0F9F2284-2284-4732-9015-3FEC425942BA}" srcOrd="0" destOrd="2" presId="urn:microsoft.com/office/officeart/2005/8/layout/hProcess10"/>
     <dgm:cxn modelId="{C6864C09-089B-4308-B0F2-813ADE56238F}" type="presOf" srcId="{4489C5E7-4CB3-4705-ADC7-EC2D7DB205C7}" destId="{A4C03D11-F0CB-4F23-9EF7-0AB2535DC95B}" srcOrd="0" destOrd="0" presId="urn:microsoft.com/office/officeart/2005/8/layout/hProcess10"/>
-    <dgm:cxn modelId="{AFBB6E71-6EF7-4238-A366-1E0EFE1BC842}" srcId="{75C30775-A0DD-4D8A-AB7E-083B6F7D180F}" destId="{8B67BDF8-EECD-40A6-95C0-6F0D0AA823D5}" srcOrd="1" destOrd="0" parTransId="{EC7C0393-9A10-410C-97A9-0A2663C1A196}" sibTransId="{4C102AA3-ED5E-4F51-A79B-CEF0026C72DA}"/>
+    <dgm:cxn modelId="{E1298878-BA94-40C2-9A18-9303E40E3F85}" type="presOf" srcId="{90757D3F-86D0-4602-8E71-75B55EB1FC14}" destId="{60F1287C-D0E7-49A4-BAAD-8B39C0D7CA8E}" srcOrd="1" destOrd="0" presId="urn:microsoft.com/office/officeart/2005/8/layout/hProcess10"/>
     <dgm:cxn modelId="{CABDF726-E265-4DE2-812B-A207997C5DF1}" type="presOf" srcId="{E10D2585-F7BB-48D0-BC9F-A7F2B45E452E}" destId="{88B2F004-F12C-4EE6-9C27-742F06C18109}" srcOrd="0" destOrd="1" presId="urn:microsoft.com/office/officeart/2005/8/layout/hProcess10"/>
-    <dgm:cxn modelId="{E1298878-BA94-40C2-9A18-9303E40E3F85}" type="presOf" srcId="{90757D3F-86D0-4602-8E71-75B55EB1FC14}" destId="{60F1287C-D0E7-49A4-BAAD-8B39C0D7CA8E}" srcOrd="1" destOrd="0" presId="urn:microsoft.com/office/officeart/2005/8/layout/hProcess10"/>
+    <dgm:cxn modelId="{7B05F940-D60B-474F-A4CF-2F4ACEC597B6}" srcId="{C50D24E8-6499-477C-96DB-674B3153D74A}" destId="{4489C5E7-4CB3-4705-ADC7-EC2D7DB205C7}" srcOrd="2" destOrd="0" parTransId="{6D408471-4568-4B52-BE8B-DA57397642DA}" sibTransId="{58F91A13-C6F4-40EA-A098-589F2C0EFCE6}"/>
+    <dgm:cxn modelId="{E3D02B66-32EF-4254-881F-48EE1E325450}" type="presOf" srcId="{E319911A-4062-482D-A56A-1A04EAA79D6F}" destId="{A4C03D11-F0CB-4F23-9EF7-0AB2535DC95B}" srcOrd="0" destOrd="1" presId="urn:microsoft.com/office/officeart/2005/8/layout/hProcess10"/>
     <dgm:cxn modelId="{C70B4AA7-6D52-45F8-9DC3-8048D68FD8BC}" type="presOf" srcId="{C50D24E8-6499-477C-96DB-674B3153D74A}" destId="{A496A00F-42B7-423E-912B-4CC3A32EA4B8}" srcOrd="0" destOrd="0" presId="urn:microsoft.com/office/officeart/2005/8/layout/hProcess10"/>
     <dgm:cxn modelId="{42020FE2-2852-4C3E-A62C-F2B1EBD16778}" type="presOf" srcId="{5251211C-2A96-4DCB-B96A-718B7FEE29FC}" destId="{E68B74AE-7391-4157-BAA9-8CC59951EBEE}" srcOrd="0" destOrd="0" presId="urn:microsoft.com/office/officeart/2005/8/layout/hProcess10"/>
     <dgm:cxn modelId="{E55897A8-FA16-4BC7-8E4B-F0F8702019DF}" type="presOf" srcId="{266C79A3-239E-493F-B8D3-7A33A63FAEF5}" destId="{0F9F2284-2284-4732-9015-3FEC425942BA}" srcOrd="0" destOrd="1" presId="urn:microsoft.com/office/officeart/2005/8/layout/hProcess10"/>
-    <dgm:cxn modelId="{7B05F940-D60B-474F-A4CF-2F4ACEC597B6}" srcId="{C50D24E8-6499-477C-96DB-674B3153D74A}" destId="{4489C5E7-4CB3-4705-ADC7-EC2D7DB205C7}" srcOrd="2" destOrd="0" parTransId="{6D408471-4568-4B52-BE8B-DA57397642DA}" sibTransId="{58F91A13-C6F4-40EA-A098-589F2C0EFCE6}"/>
-    <dgm:cxn modelId="{E3D02B66-32EF-4254-881F-48EE1E325450}" type="presOf" srcId="{E319911A-4062-482D-A56A-1A04EAA79D6F}" destId="{A4C03D11-F0CB-4F23-9EF7-0AB2535DC95B}" srcOrd="0" destOrd="1" presId="urn:microsoft.com/office/officeart/2005/8/layout/hProcess10"/>
-    <dgm:cxn modelId="{C9C3564E-0803-4DB4-8B73-487370AC23D2}" type="presOf" srcId="{5251211C-2A96-4DCB-B96A-718B7FEE29FC}" destId="{EB1EB879-57B0-4BB0-8304-82EAAE352B32}" srcOrd="1" destOrd="0" presId="urn:microsoft.com/office/officeart/2005/8/layout/hProcess10"/>
-    <dgm:cxn modelId="{6136DE81-2B02-4719-B534-06743435DB86}" type="presOf" srcId="{8B67BDF8-EECD-40A6-95C0-6F0D0AA823D5}" destId="{0F9F2284-2284-4732-9015-3FEC425942BA}" srcOrd="0" destOrd="2" presId="urn:microsoft.com/office/officeart/2005/8/layout/hProcess10"/>
-    <dgm:cxn modelId="{1E29528C-D471-4631-B9E7-BDEE5355D36B}" type="presOf" srcId="{B92C896A-8E81-4D84-B983-6966E2549ABD}" destId="{88B2F004-F12C-4EE6-9C27-742F06C18109}" srcOrd="0" destOrd="2" presId="urn:microsoft.com/office/officeart/2005/8/layout/hProcess10"/>
-    <dgm:cxn modelId="{FABFD9C9-6DEB-44D8-81E7-EDDEB04CCE2E}" srcId="{4489C5E7-4CB3-4705-ADC7-EC2D7DB205C7}" destId="{E319911A-4062-482D-A56A-1A04EAA79D6F}" srcOrd="0" destOrd="0" parTransId="{53B05F91-52ED-4447-B4C1-8852A419B243}" sibTransId="{60465054-A24A-44E2-BE9D-3F4BD3E2F5BA}"/>
-    <dgm:cxn modelId="{66A78BA1-617E-4401-BBD3-BDDF922EC72B}" type="presOf" srcId="{7B5CB32F-AC22-4F46-A5FC-85700A25BB5F}" destId="{A4C03D11-F0CB-4F23-9EF7-0AB2535DC95B}" srcOrd="0" destOrd="2" presId="urn:microsoft.com/office/officeart/2005/8/layout/hProcess10"/>
     <dgm:cxn modelId="{B78354E6-2421-4181-9ABE-40B926821D7A}" type="presParOf" srcId="{A496A00F-42B7-423E-912B-4CC3A32EA4B8}" destId="{0E037597-9865-4384-81EB-EFF058A57824}" srcOrd="0" destOrd="0" presId="urn:microsoft.com/office/officeart/2005/8/layout/hProcess10"/>
     <dgm:cxn modelId="{2C490231-1538-461B-8E61-29C13EC38A46}" type="presParOf" srcId="{0E037597-9865-4384-81EB-EFF058A57824}" destId="{C79E3C58-C50D-4A55-BAE6-20C3BE97D482}" srcOrd="0" destOrd="0" presId="urn:microsoft.com/office/officeart/2005/8/layout/hProcess10"/>
     <dgm:cxn modelId="{86B29170-3893-4D5C-BA2C-B8EA87848B52}" type="presParOf" srcId="{0E037597-9865-4384-81EB-EFF058A57824}" destId="{0F9F2284-2284-4732-9015-3FEC425942BA}" srcOrd="1" destOrd="0" presId="urn:microsoft.com/office/officeart/2005/8/layout/hProcess10"/>
@@ -10990,6 +10993,13 @@
         </dgm:presLayoutVars>
       </dgm:prSet>
       <dgm:spPr/>
+      <dgm:t>
+        <a:bodyPr/>
+        <a:lstStyle/>
+        <a:p>
+          <a:endParaRPr lang="ru-RU"/>
+        </a:p>
+      </dgm:t>
     </dgm:pt>
     <dgm:pt modelId="{B9E4810E-52F3-40F0-9593-6C037BA1D12A}" type="pres">
       <dgm:prSet presAssocID="{2E623F1E-8BE3-4C3D-8265-19EDBBBD0197}" presName="parentText" presStyleLbl="node1" presStyleIdx="0" presStyleCnt="2">
@@ -11401,6 +11411,13 @@
         </dgm:presLayoutVars>
       </dgm:prSet>
       <dgm:spPr/>
+      <dgm:t>
+        <a:bodyPr/>
+        <a:lstStyle/>
+        <a:p>
+          <a:endParaRPr lang="ru-RU"/>
+        </a:p>
+      </dgm:t>
     </dgm:pt>
     <dgm:pt modelId="{A44F0C9A-3648-4916-982F-AF9587978149}" type="pres">
       <dgm:prSet presAssocID="{48CC3452-B333-4F90-887E-97722077E109}" presName="parentText" presStyleLbl="node1" presStyleIdx="0" presStyleCnt="2" custLinFactNeighborY="-3949">
@@ -11466,23 +11483,23 @@
     </dgm:pt>
   </dgm:ptLst>
   <dgm:cxnLst>
+    <dgm:cxn modelId="{45C6F249-C43F-44BD-A69C-06024208D4CD}" type="presOf" srcId="{D02487A7-D405-4913-B5D3-9E4B813ED8A3}" destId="{6C5C9815-44A2-4551-A509-FE6F0947C3DB}" srcOrd="0" destOrd="0" presId="urn:microsoft.com/office/officeart/2005/8/layout/vList2"/>
+    <dgm:cxn modelId="{292E37D6-5817-418F-8356-00BAA360ED99}" srcId="{D02487A7-D405-4913-B5D3-9E4B813ED8A3}" destId="{055380E7-1356-4300-812C-461537FDAF9B}" srcOrd="2" destOrd="0" parTransId="{75C7FA51-3E92-4F51-A151-B733AF643E08}" sibTransId="{1BF5A7B9-846E-49DC-AE12-12C6C253096B}"/>
+    <dgm:cxn modelId="{BB4D84FE-B35E-426F-AB9F-453154F18EFF}" type="presOf" srcId="{E63A86B8-E71D-4DCF-8529-FC80F323294E}" destId="{84271FDF-D644-48A5-8BBB-391AF85E26F5}" srcOrd="0" destOrd="1" presId="urn:microsoft.com/office/officeart/2005/8/layout/vList2"/>
+    <dgm:cxn modelId="{6E5F6FAF-D8FF-4B9A-95AB-5E41E36C5067}" srcId="{DE97C37A-15F9-479B-99A3-F6B494A17A28}" destId="{48CC3452-B333-4F90-887E-97722077E109}" srcOrd="0" destOrd="0" parTransId="{35712032-4428-4257-9017-747507727C01}" sibTransId="{E4073338-D12C-4A4B-BB0F-7A4D7334FDF9}"/>
+    <dgm:cxn modelId="{65FDA107-F44B-492D-A4B2-474539DB3F44}" type="presOf" srcId="{A765A4A8-D9EA-411B-BB69-52A9710F2630}" destId="{84271FDF-D644-48A5-8BBB-391AF85E26F5}" srcOrd="0" destOrd="4" presId="urn:microsoft.com/office/officeart/2005/8/layout/vList2"/>
+    <dgm:cxn modelId="{6CF9AE95-5CBE-4130-BDA5-89517B80A488}" type="presOf" srcId="{48CC3452-B333-4F90-887E-97722077E109}" destId="{A44F0C9A-3648-4916-982F-AF9587978149}" srcOrd="0" destOrd="0" presId="urn:microsoft.com/office/officeart/2005/8/layout/vList2"/>
+    <dgm:cxn modelId="{8C4092E5-17AE-4DF4-B0A6-9820210905D1}" srcId="{DE97C37A-15F9-479B-99A3-F6B494A17A28}" destId="{D02487A7-D405-4913-B5D3-9E4B813ED8A3}" srcOrd="1" destOrd="0" parTransId="{5A3BC19E-47B9-4A58-9EB8-BD29DF168158}" sibTransId="{94DB38CC-2E78-4908-B401-D8F6866C6328}"/>
+    <dgm:cxn modelId="{8A696FEE-1277-452D-A088-A2A0DAE032E4}" srcId="{48CC3452-B333-4F90-887E-97722077E109}" destId="{9B56D241-76D7-4251-B32B-D23DBA23DD57}" srcOrd="0" destOrd="0" parTransId="{6FF665C2-6B19-4231-9619-04858625CE9E}" sibTransId="{033FF7EA-AA5C-45DB-95B2-A6FC5F7DCF5A}"/>
+    <dgm:cxn modelId="{EABBA5E9-2939-4F28-A387-DD26B4742B91}" srcId="{D02487A7-D405-4913-B5D3-9E4B813ED8A3}" destId="{8BFD0C5C-B51E-4EC7-ADD9-528DAF03ABF3}" srcOrd="0" destOrd="0" parTransId="{BB8B7341-F9C0-4D44-BFF3-EF4184FB971B}" sibTransId="{F42BB69E-AF42-478D-B006-D93189C1974B}"/>
+    <dgm:cxn modelId="{0A75C6FB-C679-4699-9B74-0EDF79087546}" srcId="{D02487A7-D405-4913-B5D3-9E4B813ED8A3}" destId="{E63A86B8-E71D-4DCF-8529-FC80F323294E}" srcOrd="1" destOrd="0" parTransId="{47AF8924-2A5F-4625-AE87-F524E7E949DD}" sibTransId="{B71E376A-E657-4C43-BF6D-716913A47424}"/>
     <dgm:cxn modelId="{ACECFABB-76FA-40CD-9BBD-5943CA621126}" type="presOf" srcId="{DE97C37A-15F9-479B-99A3-F6B494A17A28}" destId="{C10E8076-8318-4B9B-A3D2-9D98281FA950}" srcOrd="0" destOrd="0" presId="urn:microsoft.com/office/officeart/2005/8/layout/vList2"/>
-    <dgm:cxn modelId="{928B8612-29A1-4AF7-8C9C-B2E81B819C0C}" type="presOf" srcId="{8BFD0C5C-B51E-4EC7-ADD9-528DAF03ABF3}" destId="{84271FDF-D644-48A5-8BBB-391AF85E26F5}" srcOrd="0" destOrd="0" presId="urn:microsoft.com/office/officeart/2005/8/layout/vList2"/>
-    <dgm:cxn modelId="{45C6F249-C43F-44BD-A69C-06024208D4CD}" type="presOf" srcId="{D02487A7-D405-4913-B5D3-9E4B813ED8A3}" destId="{6C5C9815-44A2-4551-A509-FE6F0947C3DB}" srcOrd="0" destOrd="0" presId="urn:microsoft.com/office/officeart/2005/8/layout/vList2"/>
-    <dgm:cxn modelId="{0A75C6FB-C679-4699-9B74-0EDF79087546}" srcId="{D02487A7-D405-4913-B5D3-9E4B813ED8A3}" destId="{E63A86B8-E71D-4DCF-8529-FC80F323294E}" srcOrd="1" destOrd="0" parTransId="{47AF8924-2A5F-4625-AE87-F524E7E949DD}" sibTransId="{B71E376A-E657-4C43-BF6D-716913A47424}"/>
-    <dgm:cxn modelId="{10FBC9D2-A87E-47C9-90AC-21A4E8F04A6E}" type="presOf" srcId="{055380E7-1356-4300-812C-461537FDAF9B}" destId="{84271FDF-D644-48A5-8BBB-391AF85E26F5}" srcOrd="0" destOrd="2" presId="urn:microsoft.com/office/officeart/2005/8/layout/vList2"/>
-    <dgm:cxn modelId="{6E5F6FAF-D8FF-4B9A-95AB-5E41E36C5067}" srcId="{DE97C37A-15F9-479B-99A3-F6B494A17A28}" destId="{48CC3452-B333-4F90-887E-97722077E109}" srcOrd="0" destOrd="0" parTransId="{35712032-4428-4257-9017-747507727C01}" sibTransId="{E4073338-D12C-4A4B-BB0F-7A4D7334FDF9}"/>
     <dgm:cxn modelId="{A6156309-2BA0-4C3C-9452-55FC45A16B5C}" srcId="{D02487A7-D405-4913-B5D3-9E4B813ED8A3}" destId="{A765A4A8-D9EA-411B-BB69-52A9710F2630}" srcOrd="4" destOrd="0" parTransId="{EA7E045F-72D8-4A79-B9BB-E4709CC8F5FF}" sibTransId="{7C87BFC3-5B3B-466A-AA3A-26DFAF5EB4D8}"/>
     <dgm:cxn modelId="{37AA7197-7AF4-41DC-87A5-948259B6B358}" type="presOf" srcId="{36FF98E9-5656-4EF7-8B92-CC6F2A5F3655}" destId="{84271FDF-D644-48A5-8BBB-391AF85E26F5}" srcOrd="0" destOrd="3" presId="urn:microsoft.com/office/officeart/2005/8/layout/vList2"/>
-    <dgm:cxn modelId="{8C4092E5-17AE-4DF4-B0A6-9820210905D1}" srcId="{DE97C37A-15F9-479B-99A3-F6B494A17A28}" destId="{D02487A7-D405-4913-B5D3-9E4B813ED8A3}" srcOrd="1" destOrd="0" parTransId="{5A3BC19E-47B9-4A58-9EB8-BD29DF168158}" sibTransId="{94DB38CC-2E78-4908-B401-D8F6866C6328}"/>
-    <dgm:cxn modelId="{6CF9AE95-5CBE-4130-BDA5-89517B80A488}" type="presOf" srcId="{48CC3452-B333-4F90-887E-97722077E109}" destId="{A44F0C9A-3648-4916-982F-AF9587978149}" srcOrd="0" destOrd="0" presId="urn:microsoft.com/office/officeart/2005/8/layout/vList2"/>
-    <dgm:cxn modelId="{EABBA5E9-2939-4F28-A387-DD26B4742B91}" srcId="{D02487A7-D405-4913-B5D3-9E4B813ED8A3}" destId="{8BFD0C5C-B51E-4EC7-ADD9-528DAF03ABF3}" srcOrd="0" destOrd="0" parTransId="{BB8B7341-F9C0-4D44-BFF3-EF4184FB971B}" sibTransId="{F42BB69E-AF42-478D-B006-D93189C1974B}"/>
-    <dgm:cxn modelId="{292E37D6-5817-418F-8356-00BAA360ED99}" srcId="{D02487A7-D405-4913-B5D3-9E4B813ED8A3}" destId="{055380E7-1356-4300-812C-461537FDAF9B}" srcOrd="2" destOrd="0" parTransId="{75C7FA51-3E92-4F51-A151-B733AF643E08}" sibTransId="{1BF5A7B9-846E-49DC-AE12-12C6C253096B}"/>
-    <dgm:cxn modelId="{65FDA107-F44B-492D-A4B2-474539DB3F44}" type="presOf" srcId="{A765A4A8-D9EA-411B-BB69-52A9710F2630}" destId="{84271FDF-D644-48A5-8BBB-391AF85E26F5}" srcOrd="0" destOrd="4" presId="urn:microsoft.com/office/officeart/2005/8/layout/vList2"/>
-    <dgm:cxn modelId="{BB4D84FE-B35E-426F-AB9F-453154F18EFF}" type="presOf" srcId="{E63A86B8-E71D-4DCF-8529-FC80F323294E}" destId="{84271FDF-D644-48A5-8BBB-391AF85E26F5}" srcOrd="0" destOrd="1" presId="urn:microsoft.com/office/officeart/2005/8/layout/vList2"/>
+    <dgm:cxn modelId="{A8E51018-5A4E-4B00-952F-D37BA21810CA}" type="presOf" srcId="{9B56D241-76D7-4251-B32B-D23DBA23DD57}" destId="{F2725D4B-59A7-40CF-AA8E-A27EC37530B2}" srcOrd="0" destOrd="0" presId="urn:microsoft.com/office/officeart/2005/8/layout/vList2"/>
     <dgm:cxn modelId="{E9A4FEA3-CFB4-4EE6-8C72-DE0E32EC7C9E}" srcId="{D02487A7-D405-4913-B5D3-9E4B813ED8A3}" destId="{36FF98E9-5656-4EF7-8B92-CC6F2A5F3655}" srcOrd="3" destOrd="0" parTransId="{8E8E9C50-21B7-4177-99CD-CFA3DFF060E1}" sibTransId="{CF367263-300A-4100-B1C8-2469043859E7}"/>
-    <dgm:cxn modelId="{8A696FEE-1277-452D-A088-A2A0DAE032E4}" srcId="{48CC3452-B333-4F90-887E-97722077E109}" destId="{9B56D241-76D7-4251-B32B-D23DBA23DD57}" srcOrd="0" destOrd="0" parTransId="{6FF665C2-6B19-4231-9619-04858625CE9E}" sibTransId="{033FF7EA-AA5C-45DB-95B2-A6FC5F7DCF5A}"/>
-    <dgm:cxn modelId="{A8E51018-5A4E-4B00-952F-D37BA21810CA}" type="presOf" srcId="{9B56D241-76D7-4251-B32B-D23DBA23DD57}" destId="{F2725D4B-59A7-40CF-AA8E-A27EC37530B2}" srcOrd="0" destOrd="0" presId="urn:microsoft.com/office/officeart/2005/8/layout/vList2"/>
+    <dgm:cxn modelId="{10FBC9D2-A87E-47C9-90AC-21A4E8F04A6E}" type="presOf" srcId="{055380E7-1356-4300-812C-461537FDAF9B}" destId="{84271FDF-D644-48A5-8BBB-391AF85E26F5}" srcOrd="0" destOrd="2" presId="urn:microsoft.com/office/officeart/2005/8/layout/vList2"/>
+    <dgm:cxn modelId="{928B8612-29A1-4AF7-8C9C-B2E81B819C0C}" type="presOf" srcId="{8BFD0C5C-B51E-4EC7-ADD9-528DAF03ABF3}" destId="{84271FDF-D644-48A5-8BBB-391AF85E26F5}" srcOrd="0" destOrd="0" presId="urn:microsoft.com/office/officeart/2005/8/layout/vList2"/>
     <dgm:cxn modelId="{8A6C2138-6402-4452-9E4D-3C076A465B77}" type="presParOf" srcId="{C10E8076-8318-4B9B-A3D2-9D98281FA950}" destId="{A44F0C9A-3648-4916-982F-AF9587978149}" srcOrd="0" destOrd="0" presId="urn:microsoft.com/office/officeart/2005/8/layout/vList2"/>
     <dgm:cxn modelId="{D0F92004-6579-41C3-A714-E6EDACAF1E01}" type="presParOf" srcId="{C10E8076-8318-4B9B-A3D2-9D98281FA950}" destId="{F2725D4B-59A7-40CF-AA8E-A27EC37530B2}" srcOrd="1" destOrd="0" presId="urn:microsoft.com/office/officeart/2005/8/layout/vList2"/>
     <dgm:cxn modelId="{0A75F33F-A9F7-4CF5-B884-15CA5ACF7B1A}" type="presParOf" srcId="{C10E8076-8318-4B9B-A3D2-9D98281FA950}" destId="{6C5C9815-44A2-4551-A509-FE6F0947C3DB}" srcOrd="2" destOrd="0" presId="urn:microsoft.com/office/officeart/2005/8/layout/vList2"/>
@@ -16220,6 +16237,983 @@
       <dsp:cNvGrpSpPr/>
     </dsp:nvGrpSpPr>
     <dsp:grpSpPr/>
+    <dsp:sp modelId="{628E21F9-F946-457A-B5D6-7107E4B5B54D}">
+      <dsp:nvSpPr>
+        <dsp:cNvPr id="0" name=""/>
+        <dsp:cNvSpPr/>
+      </dsp:nvSpPr>
+      <dsp:spPr>
+        <a:xfrm>
+          <a:off x="3949301" y="1884398"/>
+          <a:ext cx="2159999" cy="2159999"/>
+        </a:xfrm>
+        <a:prstGeom prst="roundRect">
+          <a:avLst/>
+        </a:prstGeom>
+        <a:solidFill>
+          <a:schemeClr val="accent1">
+            <a:hueOff val="0"/>
+            <a:satOff val="0"/>
+            <a:lumOff val="0"/>
+            <a:alphaOff val="0"/>
+          </a:schemeClr>
+        </a:solidFill>
+        <a:ln w="15875" cap="flat" cmpd="sng" algn="ctr">
+          <a:solidFill>
+            <a:schemeClr val="lt1">
+              <a:hueOff val="0"/>
+              <a:satOff val="0"/>
+              <a:lumOff val="0"/>
+              <a:alphaOff val="0"/>
+            </a:schemeClr>
+          </a:solidFill>
+          <a:prstDash val="solid"/>
+        </a:ln>
+        <a:effectLst/>
+      </dsp:spPr>
+      <dsp:style>
+        <a:lnRef idx="2">
+          <a:scrgbClr r="0" g="0" b="0"/>
+        </a:lnRef>
+        <a:fillRef idx="1">
+          <a:scrgbClr r="0" g="0" b="0"/>
+        </a:fillRef>
+        <a:effectRef idx="0">
+          <a:scrgbClr r="0" g="0" b="0"/>
+        </a:effectRef>
+        <a:fontRef idx="minor">
+          <a:schemeClr val="lt1"/>
+        </a:fontRef>
+      </dsp:style>
+      <dsp:txBody>
+        <a:bodyPr spcFirstLastPara="0" vert="horz" wrap="square" lIns="86360" tIns="86360" rIns="86360" bIns="86360" numCol="1" spcCol="1270" anchor="ctr" anchorCtr="0">
+          <a:noAutofit/>
+        </a:bodyPr>
+        <a:lstStyle/>
+        <a:p>
+          <a:pPr lvl="0" algn="ctr" defTabSz="1511300">
+            <a:lnSpc>
+              <a:spcPct val="90000"/>
+            </a:lnSpc>
+            <a:spcBef>
+              <a:spcPct val="0"/>
+            </a:spcBef>
+            <a:spcAft>
+              <a:spcPct val="35000"/>
+            </a:spcAft>
+          </a:pPr>
+          <a:r>
+            <a:rPr lang="en-US" sz="3400" kern="1200" dirty="0" smtClean="0"/>
+            <a:t>Search</a:t>
+          </a:r>
+          <a:endParaRPr lang="ru-RU" sz="3400" kern="1200" dirty="0" smtClean="0"/>
+        </a:p>
+        <a:p>
+          <a:pPr lvl="0" algn="ctr" defTabSz="1511300">
+            <a:lnSpc>
+              <a:spcPct val="90000"/>
+            </a:lnSpc>
+            <a:spcBef>
+              <a:spcPct val="0"/>
+            </a:spcBef>
+            <a:spcAft>
+              <a:spcPct val="35000"/>
+            </a:spcAft>
+          </a:pPr>
+          <a:r>
+            <a:rPr lang="en-US" sz="3400" kern="1200" dirty="0" smtClean="0"/>
+            <a:t>Engine</a:t>
+          </a:r>
+          <a:endParaRPr lang="ru-RU" sz="3400" kern="1200" dirty="0"/>
+        </a:p>
+      </dsp:txBody>
+      <dsp:txXfrm>
+        <a:off x="4054743" y="1989840"/>
+        <a:ext cx="1949115" cy="1949115"/>
+      </dsp:txXfrm>
+    </dsp:sp>
+    <dsp:sp modelId="{667DE06D-C223-4C57-8F2C-DDC107791A47}">
+      <dsp:nvSpPr>
+        <dsp:cNvPr id="0" name=""/>
+        <dsp:cNvSpPr/>
+      </dsp:nvSpPr>
+      <dsp:spPr>
+        <a:xfrm rot="14126138">
+          <a:off x="4202269" y="1840799"/>
+          <a:ext cx="105887" cy="0"/>
+        </a:xfrm>
+        <a:custGeom>
+          <a:avLst/>
+          <a:gdLst/>
+          <a:ahLst/>
+          <a:cxnLst/>
+          <a:rect l="0" t="0" r="0" b="0"/>
+          <a:pathLst>
+            <a:path>
+              <a:moveTo>
+                <a:pt x="0" y="0"/>
+              </a:moveTo>
+              <a:lnTo>
+                <a:pt x="105887" y="0"/>
+              </a:lnTo>
+            </a:path>
+          </a:pathLst>
+        </a:custGeom>
+        <a:noFill/>
+        <a:ln w="15875" cap="flat" cmpd="sng" algn="ctr">
+          <a:solidFill>
+            <a:schemeClr val="accent1">
+              <a:shade val="60000"/>
+              <a:hueOff val="0"/>
+              <a:satOff val="0"/>
+              <a:lumOff val="0"/>
+              <a:alphaOff val="0"/>
+            </a:schemeClr>
+          </a:solidFill>
+          <a:prstDash val="solid"/>
+        </a:ln>
+        <a:effectLst/>
+      </dsp:spPr>
+      <dsp:style>
+        <a:lnRef idx="2">
+          <a:scrgbClr r="0" g="0" b="0"/>
+        </a:lnRef>
+        <a:fillRef idx="0">
+          <a:scrgbClr r="0" g="0" b="0"/>
+        </a:fillRef>
+        <a:effectRef idx="0">
+          <a:scrgbClr r="0" g="0" b="0"/>
+        </a:effectRef>
+        <a:fontRef idx="minor"/>
+      </dsp:style>
+    </dsp:sp>
+    <dsp:sp modelId="{F29DD78D-084E-44BB-95B2-65781CA7A531}">
+      <dsp:nvSpPr>
+        <dsp:cNvPr id="0" name=""/>
+        <dsp:cNvSpPr/>
+      </dsp:nvSpPr>
+      <dsp:spPr>
+        <a:xfrm>
+          <a:off x="2705133" y="-2799"/>
+          <a:ext cx="1800000" cy="1800000"/>
+        </a:xfrm>
+        <a:prstGeom prst="roundRect">
+          <a:avLst/>
+        </a:prstGeom>
+        <a:solidFill>
+          <a:schemeClr val="accent1">
+            <a:hueOff val="0"/>
+            <a:satOff val="0"/>
+            <a:lumOff val="0"/>
+            <a:alphaOff val="0"/>
+          </a:schemeClr>
+        </a:solidFill>
+        <a:ln w="15875" cap="flat" cmpd="sng" algn="ctr">
+          <a:solidFill>
+            <a:schemeClr val="lt1">
+              <a:hueOff val="0"/>
+              <a:satOff val="0"/>
+              <a:lumOff val="0"/>
+              <a:alphaOff val="0"/>
+            </a:schemeClr>
+          </a:solidFill>
+          <a:prstDash val="solid"/>
+        </a:ln>
+        <a:effectLst/>
+      </dsp:spPr>
+      <dsp:style>
+        <a:lnRef idx="2">
+          <a:scrgbClr r="0" g="0" b="0"/>
+        </a:lnRef>
+        <a:fillRef idx="1">
+          <a:scrgbClr r="0" g="0" b="0"/>
+        </a:fillRef>
+        <a:effectRef idx="0">
+          <a:scrgbClr r="0" g="0" b="0"/>
+        </a:effectRef>
+        <a:fontRef idx="minor">
+          <a:schemeClr val="lt1"/>
+        </a:fontRef>
+      </dsp:style>
+      <dsp:txBody>
+        <a:bodyPr spcFirstLastPara="0" vert="horz" wrap="square" lIns="40640" tIns="40640" rIns="40640" bIns="40640" numCol="1" spcCol="1270" anchor="ctr" anchorCtr="0">
+          <a:noAutofit/>
+        </a:bodyPr>
+        <a:lstStyle/>
+        <a:p>
+          <a:pPr lvl="0" algn="ctr" defTabSz="711200">
+            <a:lnSpc>
+              <a:spcPct val="90000"/>
+            </a:lnSpc>
+            <a:spcBef>
+              <a:spcPct val="0"/>
+            </a:spcBef>
+            <a:spcAft>
+              <a:spcPct val="35000"/>
+            </a:spcAft>
+          </a:pPr>
+          <a:r>
+            <a:rPr lang="en-US" sz="1600" kern="1200" dirty="0" smtClean="0"/>
+            <a:t>Converter</a:t>
+          </a:r>
+          <a:endParaRPr lang="ru-RU" sz="1600" kern="1200" dirty="0" smtClean="0"/>
+        </a:p>
+        <a:p>
+          <a:pPr lvl="0" algn="ctr" defTabSz="711200">
+            <a:lnSpc>
+              <a:spcPct val="90000"/>
+            </a:lnSpc>
+            <a:spcBef>
+              <a:spcPct val="0"/>
+            </a:spcBef>
+            <a:spcAft>
+              <a:spcPct val="35000"/>
+            </a:spcAft>
+          </a:pPr>
+          <a:r>
+            <a:rPr lang="en-US" sz="1600" kern="1200" dirty="0" smtClean="0"/>
+            <a:t>JSON </a:t>
+          </a:r>
+          <a:endParaRPr lang="ru-RU" sz="1600" kern="1200" dirty="0"/>
+        </a:p>
+      </dsp:txBody>
+      <dsp:txXfrm>
+        <a:off x="2793002" y="85070"/>
+        <a:ext cx="1624262" cy="1624262"/>
+      </dsp:txXfrm>
+    </dsp:sp>
+    <dsp:sp modelId="{65390B38-AF76-4E62-872B-309581DF08C7}">
+      <dsp:nvSpPr>
+        <dsp:cNvPr id="0" name=""/>
+        <dsp:cNvSpPr/>
+      </dsp:nvSpPr>
+      <dsp:spPr>
+        <a:xfrm rot="149778">
+          <a:off x="6108280" y="3058321"/>
+          <a:ext cx="2150822" cy="0"/>
+        </a:xfrm>
+        <a:custGeom>
+          <a:avLst/>
+          <a:gdLst/>
+          <a:ahLst/>
+          <a:cxnLst/>
+          <a:rect l="0" t="0" r="0" b="0"/>
+          <a:pathLst>
+            <a:path>
+              <a:moveTo>
+                <a:pt x="0" y="0"/>
+              </a:moveTo>
+              <a:lnTo>
+                <a:pt x="2150822" y="0"/>
+              </a:lnTo>
+            </a:path>
+          </a:pathLst>
+        </a:custGeom>
+        <a:noFill/>
+        <a:ln w="15875" cap="flat" cmpd="sng" algn="ctr">
+          <a:solidFill>
+            <a:schemeClr val="accent1">
+              <a:shade val="60000"/>
+              <a:hueOff val="0"/>
+              <a:satOff val="0"/>
+              <a:lumOff val="0"/>
+              <a:alphaOff val="0"/>
+            </a:schemeClr>
+          </a:solidFill>
+          <a:prstDash val="solid"/>
+        </a:ln>
+        <a:effectLst/>
+      </dsp:spPr>
+      <dsp:style>
+        <a:lnRef idx="2">
+          <a:scrgbClr r="0" g="0" b="0"/>
+        </a:lnRef>
+        <a:fillRef idx="0">
+          <a:scrgbClr r="0" g="0" b="0"/>
+        </a:fillRef>
+        <a:effectRef idx="0">
+          <a:scrgbClr r="0" g="0" b="0"/>
+        </a:effectRef>
+        <a:fontRef idx="minor"/>
+      </dsp:style>
+    </dsp:sp>
+    <dsp:sp modelId="{24EC1B40-97B8-4A97-A728-C57093596661}">
+      <dsp:nvSpPr>
+        <dsp:cNvPr id="0" name=""/>
+        <dsp:cNvSpPr/>
+      </dsp:nvSpPr>
+      <dsp:spPr>
+        <a:xfrm>
+          <a:off x="8258082" y="2244397"/>
+          <a:ext cx="1800000" cy="1800000"/>
+        </a:xfrm>
+        <a:prstGeom prst="roundRect">
+          <a:avLst/>
+        </a:prstGeom>
+        <a:solidFill>
+          <a:schemeClr val="accent1">
+            <a:hueOff val="0"/>
+            <a:satOff val="0"/>
+            <a:lumOff val="0"/>
+            <a:alphaOff val="0"/>
+          </a:schemeClr>
+        </a:solidFill>
+        <a:ln w="15875" cap="flat" cmpd="sng" algn="ctr">
+          <a:solidFill>
+            <a:schemeClr val="lt1">
+              <a:hueOff val="0"/>
+              <a:satOff val="0"/>
+              <a:lumOff val="0"/>
+              <a:alphaOff val="0"/>
+            </a:schemeClr>
+          </a:solidFill>
+          <a:prstDash val="solid"/>
+        </a:ln>
+        <a:effectLst/>
+      </dsp:spPr>
+      <dsp:style>
+        <a:lnRef idx="2">
+          <a:scrgbClr r="0" g="0" b="0"/>
+        </a:lnRef>
+        <a:fillRef idx="1">
+          <a:scrgbClr r="0" g="0" b="0"/>
+        </a:fillRef>
+        <a:effectRef idx="0">
+          <a:scrgbClr r="0" g="0" b="0"/>
+        </a:effectRef>
+        <a:fontRef idx="minor">
+          <a:schemeClr val="lt1"/>
+        </a:fontRef>
+      </dsp:style>
+      <dsp:txBody>
+        <a:bodyPr spcFirstLastPara="0" vert="horz" wrap="square" lIns="66040" tIns="66040" rIns="66040" bIns="66040" numCol="1" spcCol="1270" anchor="ctr" anchorCtr="0">
+          <a:noAutofit/>
+        </a:bodyPr>
+        <a:lstStyle/>
+        <a:p>
+          <a:pPr lvl="0" algn="ctr" defTabSz="1155700">
+            <a:lnSpc>
+              <a:spcPct val="90000"/>
+            </a:lnSpc>
+            <a:spcBef>
+              <a:spcPct val="0"/>
+            </a:spcBef>
+            <a:spcAft>
+              <a:spcPct val="35000"/>
+            </a:spcAft>
+          </a:pPr>
+          <a:r>
+            <a:rPr lang="en-US" sz="2600" kern="1200" dirty="0" smtClean="0"/>
+            <a:t>Dispatcher</a:t>
+          </a:r>
+          <a:endParaRPr lang="ru-RU" sz="2600" kern="1200" dirty="0" smtClean="0"/>
+        </a:p>
+        <a:p>
+          <a:pPr lvl="0" algn="ctr" defTabSz="1155700">
+            <a:lnSpc>
+              <a:spcPct val="90000"/>
+            </a:lnSpc>
+            <a:spcBef>
+              <a:spcPct val="0"/>
+            </a:spcBef>
+            <a:spcAft>
+              <a:spcPct val="35000"/>
+            </a:spcAft>
+          </a:pPr>
+          <a:r>
+            <a:rPr lang="en-US" sz="2600" kern="1200" dirty="0" smtClean="0"/>
+            <a:t>Operation</a:t>
+          </a:r>
+          <a:endParaRPr lang="ru-RU" sz="2600" kern="1200" dirty="0" smtClean="0"/>
+        </a:p>
+        <a:p>
+          <a:pPr lvl="0" algn="ctr" defTabSz="1155700">
+            <a:lnSpc>
+              <a:spcPct val="90000"/>
+            </a:lnSpc>
+            <a:spcBef>
+              <a:spcPct val="0"/>
+            </a:spcBef>
+            <a:spcAft>
+              <a:spcPct val="35000"/>
+            </a:spcAft>
+          </a:pPr>
+          <a:r>
+            <a:rPr lang="en-US" sz="2600" kern="1200" dirty="0" smtClean="0"/>
+            <a:t>Validity</a:t>
+          </a:r>
+          <a:endParaRPr lang="ru-RU" sz="2600" kern="1200" dirty="0"/>
+        </a:p>
+      </dsp:txBody>
+      <dsp:txXfrm>
+        <a:off x="8345951" y="2332266"/>
+        <a:ext cx="1624262" cy="1624262"/>
+      </dsp:txXfrm>
+    </dsp:sp>
+    <dsp:sp modelId="{8F086A69-6FE7-48AB-8D4E-831F6AAADB3F}">
+      <dsp:nvSpPr>
+        <dsp:cNvPr id="0" name=""/>
+        <dsp:cNvSpPr/>
+      </dsp:nvSpPr>
+      <dsp:spPr>
+        <a:xfrm rot="18340887">
+          <a:off x="5783181" y="1842200"/>
+          <a:ext cx="103900" cy="0"/>
+        </a:xfrm>
+        <a:custGeom>
+          <a:avLst/>
+          <a:gdLst/>
+          <a:ahLst/>
+          <a:cxnLst/>
+          <a:rect l="0" t="0" r="0" b="0"/>
+          <a:pathLst>
+            <a:path>
+              <a:moveTo>
+                <a:pt x="0" y="0"/>
+              </a:moveTo>
+              <a:lnTo>
+                <a:pt x="103900" y="0"/>
+              </a:lnTo>
+            </a:path>
+          </a:pathLst>
+        </a:custGeom>
+        <a:noFill/>
+        <a:ln w="15875" cap="flat" cmpd="sng" algn="ctr">
+          <a:solidFill>
+            <a:schemeClr val="accent1">
+              <a:shade val="60000"/>
+              <a:hueOff val="0"/>
+              <a:satOff val="0"/>
+              <a:lumOff val="0"/>
+              <a:alphaOff val="0"/>
+            </a:schemeClr>
+          </a:solidFill>
+          <a:prstDash val="solid"/>
+        </a:ln>
+        <a:effectLst/>
+      </dsp:spPr>
+      <dsp:style>
+        <a:lnRef idx="2">
+          <a:scrgbClr r="0" g="0" b="0"/>
+        </a:lnRef>
+        <a:fillRef idx="0">
+          <a:scrgbClr r="0" g="0" b="0"/>
+        </a:fillRef>
+        <a:effectRef idx="0">
+          <a:scrgbClr r="0" g="0" b="0"/>
+        </a:effectRef>
+        <a:fontRef idx="minor"/>
+      </dsp:style>
+    </dsp:sp>
+    <dsp:sp modelId="{D5C3917E-2284-4E85-847C-82C5C871E472}">
+      <dsp:nvSpPr>
+        <dsp:cNvPr id="0" name=""/>
+        <dsp:cNvSpPr/>
+      </dsp:nvSpPr>
+      <dsp:spPr>
+        <a:xfrm>
+          <a:off x="5611707" y="1"/>
+          <a:ext cx="1800000" cy="1800000"/>
+        </a:xfrm>
+        <a:prstGeom prst="roundRect">
+          <a:avLst/>
+        </a:prstGeom>
+        <a:solidFill>
+          <a:schemeClr val="accent1">
+            <a:hueOff val="0"/>
+            <a:satOff val="0"/>
+            <a:lumOff val="0"/>
+            <a:alphaOff val="0"/>
+          </a:schemeClr>
+        </a:solidFill>
+        <a:ln w="15875" cap="flat" cmpd="sng" algn="ctr">
+          <a:solidFill>
+            <a:schemeClr val="lt1">
+              <a:hueOff val="0"/>
+              <a:satOff val="0"/>
+              <a:lumOff val="0"/>
+              <a:alphaOff val="0"/>
+            </a:schemeClr>
+          </a:solidFill>
+          <a:prstDash val="solid"/>
+        </a:ln>
+        <a:effectLst/>
+      </dsp:spPr>
+      <dsp:style>
+        <a:lnRef idx="2">
+          <a:scrgbClr r="0" g="0" b="0"/>
+        </a:lnRef>
+        <a:fillRef idx="1">
+          <a:scrgbClr r="0" g="0" b="0"/>
+        </a:fillRef>
+        <a:effectRef idx="0">
+          <a:scrgbClr r="0" g="0" b="0"/>
+        </a:effectRef>
+        <a:fontRef idx="minor">
+          <a:schemeClr val="lt1"/>
+        </a:fontRef>
+      </dsp:style>
+      <dsp:txBody>
+        <a:bodyPr spcFirstLastPara="0" vert="horz" wrap="square" lIns="40640" tIns="40640" rIns="40640" bIns="40640" numCol="1" spcCol="1270" anchor="ctr" anchorCtr="0">
+          <a:noAutofit/>
+        </a:bodyPr>
+        <a:lstStyle/>
+        <a:p>
+          <a:pPr lvl="0" algn="ctr" defTabSz="711200">
+            <a:lnSpc>
+              <a:spcPct val="90000"/>
+            </a:lnSpc>
+            <a:spcBef>
+              <a:spcPct val="0"/>
+            </a:spcBef>
+            <a:spcAft>
+              <a:spcPct val="35000"/>
+            </a:spcAft>
+          </a:pPr>
+          <a:r>
+            <a:rPr lang="en-US" sz="1600" kern="1200" dirty="0" smtClean="0"/>
+            <a:t>Documents </a:t>
+          </a:r>
+          <a:endParaRPr lang="ru-RU" sz="1600" kern="1200" dirty="0"/>
+        </a:p>
+      </dsp:txBody>
+      <dsp:txXfrm>
+        <a:off x="5699576" y="87870"/>
+        <a:ext cx="1624262" cy="1624262"/>
+      </dsp:txXfrm>
+    </dsp:sp>
+    <dsp:sp modelId="{1503B29C-C796-4217-A6E0-D8D0E4C12287}">
+      <dsp:nvSpPr>
+        <dsp:cNvPr id="0" name=""/>
+        <dsp:cNvSpPr/>
+      </dsp:nvSpPr>
+      <dsp:spPr>
+        <a:xfrm rot="20006092">
+          <a:off x="5982485" y="1887199"/>
+          <a:ext cx="2402411" cy="0"/>
+        </a:xfrm>
+        <a:custGeom>
+          <a:avLst/>
+          <a:gdLst/>
+          <a:ahLst/>
+          <a:cxnLst/>
+          <a:rect l="0" t="0" r="0" b="0"/>
+          <a:pathLst>
+            <a:path>
+              <a:moveTo>
+                <a:pt x="0" y="0"/>
+              </a:moveTo>
+              <a:lnTo>
+                <a:pt x="2402411" y="0"/>
+              </a:lnTo>
+            </a:path>
+          </a:pathLst>
+        </a:custGeom>
+        <a:noFill/>
+        <a:ln w="15875" cap="flat" cmpd="sng" algn="ctr">
+          <a:solidFill>
+            <a:schemeClr val="accent1">
+              <a:shade val="60000"/>
+              <a:hueOff val="0"/>
+              <a:satOff val="0"/>
+              <a:lumOff val="0"/>
+              <a:alphaOff val="0"/>
+            </a:schemeClr>
+          </a:solidFill>
+          <a:prstDash val="solid"/>
+        </a:ln>
+        <a:effectLst/>
+      </dsp:spPr>
+      <dsp:style>
+        <a:lnRef idx="2">
+          <a:scrgbClr r="0" g="0" b="0"/>
+        </a:lnRef>
+        <a:fillRef idx="0">
+          <a:scrgbClr r="0" g="0" b="0"/>
+        </a:fillRef>
+        <a:effectRef idx="0">
+          <a:scrgbClr r="0" g="0" b="0"/>
+        </a:effectRef>
+        <a:fontRef idx="minor"/>
+      </dsp:style>
+    </dsp:sp>
+    <dsp:sp modelId="{76784C24-975E-4373-9AB0-0D36214A64F1}">
+      <dsp:nvSpPr>
+        <dsp:cNvPr id="0" name=""/>
+        <dsp:cNvSpPr/>
+      </dsp:nvSpPr>
+      <dsp:spPr>
+        <a:xfrm>
+          <a:off x="8258082" y="0"/>
+          <a:ext cx="1800000" cy="1800000"/>
+        </a:xfrm>
+        <a:prstGeom prst="roundRect">
+          <a:avLst/>
+        </a:prstGeom>
+        <a:solidFill>
+          <a:schemeClr val="accent1">
+            <a:hueOff val="0"/>
+            <a:satOff val="0"/>
+            <a:lumOff val="0"/>
+            <a:alphaOff val="0"/>
+          </a:schemeClr>
+        </a:solidFill>
+        <a:ln w="15875" cap="flat" cmpd="sng" algn="ctr">
+          <a:solidFill>
+            <a:schemeClr val="lt1">
+              <a:hueOff val="0"/>
+              <a:satOff val="0"/>
+              <a:lumOff val="0"/>
+              <a:alphaOff val="0"/>
+            </a:schemeClr>
+          </a:solidFill>
+          <a:prstDash val="solid"/>
+        </a:ln>
+        <a:effectLst/>
+      </dsp:spPr>
+      <dsp:style>
+        <a:lnRef idx="2">
+          <a:scrgbClr r="0" g="0" b="0"/>
+        </a:lnRef>
+        <a:fillRef idx="1">
+          <a:scrgbClr r="0" g="0" b="0"/>
+        </a:fillRef>
+        <a:effectRef idx="0">
+          <a:scrgbClr r="0" g="0" b="0"/>
+        </a:effectRef>
+        <a:fontRef idx="minor">
+          <a:schemeClr val="lt1"/>
+        </a:fontRef>
+      </dsp:style>
+      <dsp:txBody>
+        <a:bodyPr spcFirstLastPara="0" vert="horz" wrap="square" lIns="40640" tIns="40640" rIns="40640" bIns="40640" numCol="1" spcCol="1270" anchor="ctr" anchorCtr="0">
+          <a:noAutofit/>
+        </a:bodyPr>
+        <a:lstStyle/>
+        <a:p>
+          <a:pPr lvl="0" algn="ctr" defTabSz="711200">
+            <a:lnSpc>
+              <a:spcPct val="90000"/>
+            </a:lnSpc>
+            <a:spcBef>
+              <a:spcPct val="0"/>
+            </a:spcBef>
+            <a:spcAft>
+              <a:spcPct val="35000"/>
+            </a:spcAft>
+          </a:pPr>
+          <a:r>
+            <a:rPr lang="ru-RU" sz="1600" kern="1200" dirty="0" smtClean="0"/>
+            <a:t>Requests </a:t>
+          </a:r>
+          <a:endParaRPr lang="ru-RU" sz="1600" kern="1200" dirty="0"/>
+        </a:p>
+      </dsp:txBody>
+      <dsp:txXfrm>
+        <a:off x="8345951" y="87869"/>
+        <a:ext cx="1624262" cy="1624262"/>
+      </dsp:txXfrm>
+    </dsp:sp>
+    <dsp:sp modelId="{B23D5C2B-B6D2-4298-9DAF-A69442F1C2D7}">
+      <dsp:nvSpPr>
+        <dsp:cNvPr id="0" name=""/>
+        <dsp:cNvSpPr/>
+      </dsp:nvSpPr>
+      <dsp:spPr>
+        <a:xfrm rot="10654099">
+          <a:off x="1808734" y="3055692"/>
+          <a:ext cx="2141531" cy="0"/>
+        </a:xfrm>
+        <a:custGeom>
+          <a:avLst/>
+          <a:gdLst/>
+          <a:ahLst/>
+          <a:cxnLst/>
+          <a:rect l="0" t="0" r="0" b="0"/>
+          <a:pathLst>
+            <a:path>
+              <a:moveTo>
+                <a:pt x="0" y="0"/>
+              </a:moveTo>
+              <a:lnTo>
+                <a:pt x="2141531" y="0"/>
+              </a:lnTo>
+            </a:path>
+          </a:pathLst>
+        </a:custGeom>
+        <a:noFill/>
+        <a:ln w="15875" cap="flat" cmpd="sng" algn="ctr">
+          <a:solidFill>
+            <a:schemeClr val="accent1">
+              <a:shade val="60000"/>
+              <a:hueOff val="0"/>
+              <a:satOff val="0"/>
+              <a:lumOff val="0"/>
+              <a:alphaOff val="0"/>
+            </a:schemeClr>
+          </a:solidFill>
+          <a:prstDash val="solid"/>
+        </a:ln>
+        <a:effectLst/>
+      </dsp:spPr>
+      <dsp:style>
+        <a:lnRef idx="2">
+          <a:scrgbClr r="0" g="0" b="0"/>
+        </a:lnRef>
+        <a:fillRef idx="0">
+          <a:scrgbClr r="0" g="0" b="0"/>
+        </a:fillRef>
+        <a:effectRef idx="0">
+          <a:scrgbClr r="0" g="0" b="0"/>
+        </a:effectRef>
+        <a:fontRef idx="minor"/>
+      </dsp:style>
+    </dsp:sp>
+    <dsp:sp modelId="{635D6D0E-E44D-465D-9B55-5006A2372644}">
+      <dsp:nvSpPr>
+        <dsp:cNvPr id="0" name=""/>
+        <dsp:cNvSpPr/>
+      </dsp:nvSpPr>
+      <dsp:spPr>
+        <a:xfrm>
+          <a:off x="0" y="2234699"/>
+          <a:ext cx="1809698" cy="1809698"/>
+        </a:xfrm>
+        <a:prstGeom prst="roundRect">
+          <a:avLst/>
+        </a:prstGeom>
+        <a:solidFill>
+          <a:schemeClr val="accent1">
+            <a:hueOff val="0"/>
+            <a:satOff val="0"/>
+            <a:lumOff val="0"/>
+            <a:alphaOff val="0"/>
+          </a:schemeClr>
+        </a:solidFill>
+        <a:ln w="15875" cap="flat" cmpd="sng" algn="ctr">
+          <a:solidFill>
+            <a:schemeClr val="lt1">
+              <a:hueOff val="0"/>
+              <a:satOff val="0"/>
+              <a:lumOff val="0"/>
+              <a:alphaOff val="0"/>
+            </a:schemeClr>
+          </a:solidFill>
+          <a:prstDash val="solid"/>
+        </a:ln>
+        <a:effectLst/>
+      </dsp:spPr>
+      <dsp:style>
+        <a:lnRef idx="2">
+          <a:scrgbClr r="0" g="0" b="0"/>
+        </a:lnRef>
+        <a:fillRef idx="1">
+          <a:scrgbClr r="0" g="0" b="0"/>
+        </a:fillRef>
+        <a:effectRef idx="0">
+          <a:scrgbClr r="0" g="0" b="0"/>
+        </a:effectRef>
+        <a:fontRef idx="minor">
+          <a:schemeClr val="lt1"/>
+        </a:fontRef>
+      </dsp:style>
+      <dsp:txBody>
+        <a:bodyPr spcFirstLastPara="0" vert="horz" wrap="square" lIns="40640" tIns="40640" rIns="40640" bIns="40640" numCol="1" spcCol="1270" anchor="ctr" anchorCtr="0">
+          <a:noAutofit/>
+        </a:bodyPr>
+        <a:lstStyle/>
+        <a:p>
+          <a:pPr lvl="0" algn="ctr" defTabSz="711200">
+            <a:lnSpc>
+              <a:spcPct val="90000"/>
+            </a:lnSpc>
+            <a:spcBef>
+              <a:spcPct val="0"/>
+            </a:spcBef>
+            <a:spcAft>
+              <a:spcPct val="35000"/>
+            </a:spcAft>
+          </a:pPr>
+          <a:r>
+            <a:rPr lang="en-US" sz="1600" kern="1200" dirty="0" smtClean="0"/>
+            <a:t>Inverted</a:t>
+          </a:r>
+          <a:endParaRPr lang="ru-RU" sz="1600" kern="1200" dirty="0" smtClean="0"/>
+        </a:p>
+        <a:p>
+          <a:pPr lvl="0" algn="ctr" defTabSz="711200">
+            <a:lnSpc>
+              <a:spcPct val="90000"/>
+            </a:lnSpc>
+            <a:spcBef>
+              <a:spcPct val="0"/>
+            </a:spcBef>
+            <a:spcAft>
+              <a:spcPct val="35000"/>
+            </a:spcAft>
+          </a:pPr>
+          <a:r>
+            <a:rPr lang="en-US" sz="1600" kern="1200" dirty="0" smtClean="0"/>
+            <a:t>Index </a:t>
+          </a:r>
+          <a:endParaRPr lang="ru-RU" sz="1600" kern="1200" dirty="0"/>
+        </a:p>
+      </dsp:txBody>
+      <dsp:txXfrm>
+        <a:off x="88342" y="2323041"/>
+        <a:ext cx="1633014" cy="1633014"/>
+      </dsp:txXfrm>
+    </dsp:sp>
+    <dsp:sp modelId="{645660FC-29F0-4ECD-9736-2F09D9960928}">
+      <dsp:nvSpPr>
+        <dsp:cNvPr id="0" name=""/>
+        <dsp:cNvSpPr/>
+      </dsp:nvSpPr>
+      <dsp:spPr>
+        <a:xfrm rot="12392118">
+          <a:off x="1683739" y="1890892"/>
+          <a:ext cx="2391524" cy="0"/>
+        </a:xfrm>
+        <a:custGeom>
+          <a:avLst/>
+          <a:gdLst/>
+          <a:ahLst/>
+          <a:cxnLst/>
+          <a:rect l="0" t="0" r="0" b="0"/>
+          <a:pathLst>
+            <a:path>
+              <a:moveTo>
+                <a:pt x="0" y="0"/>
+              </a:moveTo>
+              <a:lnTo>
+                <a:pt x="2391524" y="0"/>
+              </a:lnTo>
+            </a:path>
+          </a:pathLst>
+        </a:custGeom>
+        <a:noFill/>
+        <a:ln w="15875" cap="flat" cmpd="sng" algn="ctr">
+          <a:solidFill>
+            <a:schemeClr val="accent1">
+              <a:shade val="60000"/>
+              <a:hueOff val="0"/>
+              <a:satOff val="0"/>
+              <a:lumOff val="0"/>
+              <a:alphaOff val="0"/>
+            </a:schemeClr>
+          </a:solidFill>
+          <a:prstDash val="solid"/>
+        </a:ln>
+        <a:effectLst/>
+      </dsp:spPr>
+      <dsp:style>
+        <a:lnRef idx="2">
+          <a:scrgbClr r="0" g="0" b="0"/>
+        </a:lnRef>
+        <a:fillRef idx="0">
+          <a:scrgbClr r="0" g="0" b="0"/>
+        </a:fillRef>
+        <a:effectRef idx="0">
+          <a:scrgbClr r="0" g="0" b="0"/>
+        </a:effectRef>
+        <a:fontRef idx="minor"/>
+      </dsp:style>
+    </dsp:sp>
+    <dsp:sp modelId="{EF6A00EF-2BA3-4AAD-B69B-A8E8767F6738}">
+      <dsp:nvSpPr>
+        <dsp:cNvPr id="0" name=""/>
+        <dsp:cNvSpPr/>
+      </dsp:nvSpPr>
+      <dsp:spPr>
+        <a:xfrm>
+          <a:off x="3" y="0"/>
+          <a:ext cx="1809698" cy="1809698"/>
+        </a:xfrm>
+        <a:prstGeom prst="roundRect">
+          <a:avLst/>
+        </a:prstGeom>
+        <a:solidFill>
+          <a:schemeClr val="accent1">
+            <a:hueOff val="0"/>
+            <a:satOff val="0"/>
+            <a:lumOff val="0"/>
+            <a:alphaOff val="0"/>
+          </a:schemeClr>
+        </a:solidFill>
+        <a:ln w="15875" cap="flat" cmpd="sng" algn="ctr">
+          <a:solidFill>
+            <a:schemeClr val="lt1">
+              <a:hueOff val="0"/>
+              <a:satOff val="0"/>
+              <a:lumOff val="0"/>
+              <a:alphaOff val="0"/>
+            </a:schemeClr>
+          </a:solidFill>
+          <a:prstDash val="solid"/>
+        </a:ln>
+        <a:effectLst/>
+      </dsp:spPr>
+      <dsp:style>
+        <a:lnRef idx="2">
+          <a:scrgbClr r="0" g="0" b="0"/>
+        </a:lnRef>
+        <a:fillRef idx="1">
+          <a:scrgbClr r="0" g="0" b="0"/>
+        </a:fillRef>
+        <a:effectRef idx="0">
+          <a:scrgbClr r="0" g="0" b="0"/>
+        </a:effectRef>
+        <a:fontRef idx="minor">
+          <a:schemeClr val="lt1"/>
+        </a:fontRef>
+      </dsp:style>
+      <dsp:txBody>
+        <a:bodyPr spcFirstLastPara="0" vert="horz" wrap="square" lIns="40640" tIns="40640" rIns="40640" bIns="40640" numCol="1" spcCol="1270" anchor="ctr" anchorCtr="0">
+          <a:noAutofit/>
+        </a:bodyPr>
+        <a:lstStyle/>
+        <a:p>
+          <a:pPr lvl="0" algn="ctr" defTabSz="711200">
+            <a:lnSpc>
+              <a:spcPct val="90000"/>
+            </a:lnSpc>
+            <a:spcBef>
+              <a:spcPct val="0"/>
+            </a:spcBef>
+            <a:spcAft>
+              <a:spcPct val="35000"/>
+            </a:spcAft>
+          </a:pPr>
+          <a:r>
+            <a:rPr lang="en-US" sz="1600" kern="1200" dirty="0" smtClean="0"/>
+            <a:t>Relevant</a:t>
+          </a:r>
+          <a:endParaRPr lang="ru-RU" sz="1600" kern="1200" dirty="0" smtClean="0"/>
+        </a:p>
+        <a:p>
+          <a:pPr lvl="0" algn="ctr" defTabSz="711200">
+            <a:lnSpc>
+              <a:spcPct val="90000"/>
+            </a:lnSpc>
+            <a:spcBef>
+              <a:spcPct val="0"/>
+            </a:spcBef>
+            <a:spcAft>
+              <a:spcPct val="35000"/>
+            </a:spcAft>
+          </a:pPr>
+          <a:r>
+            <a:rPr lang="en-US" sz="1600" kern="1200" dirty="0" smtClean="0"/>
+            <a:t>Response </a:t>
+          </a:r>
+          <a:endParaRPr lang="ru-RU" sz="1600" kern="1200" dirty="0"/>
+        </a:p>
+      </dsp:txBody>
+      <dsp:txXfrm>
+        <a:off x="88345" y="88342"/>
+        <a:ext cx="1633014" cy="1633014"/>
+      </dsp:txXfrm>
+    </dsp:sp>
   </dsp:spTree>
 </dsp:drawing>
 </file>
@@ -16232,6 +17226,580 @@
       <dsp:cNvGrpSpPr/>
     </dsp:nvGrpSpPr>
     <dsp:grpSpPr/>
+    <dsp:sp modelId="{A10362D1-A377-43A9-BD1F-AD314ADD2D68}">
+      <dsp:nvSpPr>
+        <dsp:cNvPr id="0" name=""/>
+        <dsp:cNvSpPr/>
+      </dsp:nvSpPr>
+      <dsp:spPr>
+        <a:xfrm>
+          <a:off x="452726" y="0"/>
+          <a:ext cx="5130899" cy="4143676"/>
+        </a:xfrm>
+        <a:prstGeom prst="rightArrow">
+          <a:avLst/>
+        </a:prstGeom>
+        <a:solidFill>
+          <a:schemeClr val="accent1">
+            <a:tint val="40000"/>
+            <a:hueOff val="0"/>
+            <a:satOff val="0"/>
+            <a:lumOff val="0"/>
+            <a:alphaOff val="0"/>
+          </a:schemeClr>
+        </a:solidFill>
+        <a:ln>
+          <a:noFill/>
+        </a:ln>
+        <a:effectLst/>
+      </dsp:spPr>
+      <dsp:style>
+        <a:lnRef idx="0">
+          <a:scrgbClr r="0" g="0" b="0"/>
+        </a:lnRef>
+        <a:fillRef idx="1">
+          <a:scrgbClr r="0" g="0" b="0"/>
+        </a:fillRef>
+        <a:effectRef idx="0">
+          <a:scrgbClr r="0" g="0" b="0"/>
+        </a:effectRef>
+        <a:fontRef idx="minor"/>
+      </dsp:style>
+    </dsp:sp>
+    <dsp:sp modelId="{AF958E4B-1079-43B8-AA41-59A175711EE3}">
+      <dsp:nvSpPr>
+        <dsp:cNvPr id="0" name=""/>
+        <dsp:cNvSpPr/>
+      </dsp:nvSpPr>
+      <dsp:spPr>
+        <a:xfrm>
+          <a:off x="3859" y="1243102"/>
+          <a:ext cx="927033" cy="1657470"/>
+        </a:xfrm>
+        <a:prstGeom prst="roundRect">
+          <a:avLst/>
+        </a:prstGeom>
+        <a:solidFill>
+          <a:schemeClr val="accent1">
+            <a:hueOff val="0"/>
+            <a:satOff val="0"/>
+            <a:lumOff val="0"/>
+            <a:alphaOff val="0"/>
+          </a:schemeClr>
+        </a:solidFill>
+        <a:ln w="15875" cap="flat" cmpd="sng" algn="ctr">
+          <a:solidFill>
+            <a:schemeClr val="lt1">
+              <a:hueOff val="0"/>
+              <a:satOff val="0"/>
+              <a:lumOff val="0"/>
+              <a:alphaOff val="0"/>
+            </a:schemeClr>
+          </a:solidFill>
+          <a:prstDash val="solid"/>
+        </a:ln>
+        <a:effectLst/>
+      </dsp:spPr>
+      <dsp:style>
+        <a:lnRef idx="2">
+          <a:scrgbClr r="0" g="0" b="0"/>
+        </a:lnRef>
+        <a:fillRef idx="1">
+          <a:scrgbClr r="0" g="0" b="0"/>
+        </a:fillRef>
+        <a:effectRef idx="0">
+          <a:scrgbClr r="0" g="0" b="0"/>
+        </a:effectRef>
+        <a:fontRef idx="minor">
+          <a:schemeClr val="lt1"/>
+        </a:fontRef>
+      </dsp:style>
+      <dsp:txBody>
+        <a:bodyPr spcFirstLastPara="0" vert="horz" wrap="square" lIns="45720" tIns="45720" rIns="45720" bIns="45720" numCol="1" spcCol="1270" anchor="ctr" anchorCtr="0">
+          <a:noAutofit/>
+        </a:bodyPr>
+        <a:lstStyle/>
+        <a:p>
+          <a:pPr lvl="0" algn="ctr" defTabSz="533400">
+            <a:lnSpc>
+              <a:spcPct val="90000"/>
+            </a:lnSpc>
+            <a:spcBef>
+              <a:spcPct val="0"/>
+            </a:spcBef>
+            <a:spcAft>
+              <a:spcPct val="35000"/>
+            </a:spcAft>
+          </a:pPr>
+          <a:r>
+            <a:rPr lang="en-US" sz="1200" kern="1200" dirty="0" smtClean="0"/>
+            <a:t>Search</a:t>
+          </a:r>
+          <a:endParaRPr lang="ru-RU" sz="1200" kern="1200" dirty="0" smtClean="0"/>
+        </a:p>
+        <a:p>
+          <a:pPr lvl="0" algn="ctr" defTabSz="533400">
+            <a:lnSpc>
+              <a:spcPct val="90000"/>
+            </a:lnSpc>
+            <a:spcBef>
+              <a:spcPct val="0"/>
+            </a:spcBef>
+            <a:spcAft>
+              <a:spcPct val="35000"/>
+            </a:spcAft>
+          </a:pPr>
+          <a:r>
+            <a:rPr lang="en-US" sz="1200" kern="1200" dirty="0" smtClean="0"/>
+            <a:t>Engine</a:t>
+          </a:r>
+          <a:endParaRPr lang="ru-RU" sz="1200" kern="1200" dirty="0"/>
+        </a:p>
+      </dsp:txBody>
+      <dsp:txXfrm>
+        <a:off x="49113" y="1288356"/>
+        <a:ext cx="836525" cy="1566962"/>
+      </dsp:txXfrm>
+    </dsp:sp>
+    <dsp:sp modelId="{0A15E6E4-35BF-4314-8C3D-ED211E2F9958}">
+      <dsp:nvSpPr>
+        <dsp:cNvPr id="0" name=""/>
+        <dsp:cNvSpPr/>
+      </dsp:nvSpPr>
+      <dsp:spPr>
+        <a:xfrm>
+          <a:off x="1024179" y="1243102"/>
+          <a:ext cx="927033" cy="1657470"/>
+        </a:xfrm>
+        <a:prstGeom prst="roundRect">
+          <a:avLst/>
+        </a:prstGeom>
+        <a:solidFill>
+          <a:schemeClr val="accent1">
+            <a:hueOff val="0"/>
+            <a:satOff val="0"/>
+            <a:lumOff val="0"/>
+            <a:alphaOff val="0"/>
+          </a:schemeClr>
+        </a:solidFill>
+        <a:ln w="15875" cap="flat" cmpd="sng" algn="ctr">
+          <a:solidFill>
+            <a:schemeClr val="lt1">
+              <a:hueOff val="0"/>
+              <a:satOff val="0"/>
+              <a:lumOff val="0"/>
+              <a:alphaOff val="0"/>
+            </a:schemeClr>
+          </a:solidFill>
+          <a:prstDash val="solid"/>
+        </a:ln>
+        <a:effectLst/>
+      </dsp:spPr>
+      <dsp:style>
+        <a:lnRef idx="2">
+          <a:scrgbClr r="0" g="0" b="0"/>
+        </a:lnRef>
+        <a:fillRef idx="1">
+          <a:scrgbClr r="0" g="0" b="0"/>
+        </a:fillRef>
+        <a:effectRef idx="0">
+          <a:scrgbClr r="0" g="0" b="0"/>
+        </a:effectRef>
+        <a:fontRef idx="minor">
+          <a:schemeClr val="lt1"/>
+        </a:fontRef>
+      </dsp:style>
+      <dsp:txBody>
+        <a:bodyPr spcFirstLastPara="0" vert="horz" wrap="square" lIns="45720" tIns="45720" rIns="45720" bIns="45720" numCol="1" spcCol="1270" anchor="ctr" anchorCtr="0">
+          <a:noAutofit/>
+        </a:bodyPr>
+        <a:lstStyle/>
+        <a:p>
+          <a:pPr lvl="0" algn="ctr" defTabSz="533400">
+            <a:lnSpc>
+              <a:spcPct val="90000"/>
+            </a:lnSpc>
+            <a:spcBef>
+              <a:spcPct val="0"/>
+            </a:spcBef>
+            <a:spcAft>
+              <a:spcPct val="35000"/>
+            </a:spcAft>
+          </a:pPr>
+          <a:r>
+            <a:rPr lang="en-US" sz="1200" kern="1200" dirty="0" smtClean="0"/>
+            <a:t>Converter</a:t>
+          </a:r>
+          <a:endParaRPr lang="ru-RU" sz="1200" kern="1200" dirty="0" smtClean="0"/>
+        </a:p>
+        <a:p>
+          <a:pPr lvl="0" algn="ctr" defTabSz="533400">
+            <a:lnSpc>
+              <a:spcPct val="90000"/>
+            </a:lnSpc>
+            <a:spcBef>
+              <a:spcPct val="0"/>
+            </a:spcBef>
+            <a:spcAft>
+              <a:spcPct val="35000"/>
+            </a:spcAft>
+          </a:pPr>
+          <a:r>
+            <a:rPr lang="en-US" sz="1200" kern="1200" dirty="0" smtClean="0"/>
+            <a:t>JSON</a:t>
+          </a:r>
+          <a:endParaRPr lang="ru-RU" sz="1200" kern="1200" dirty="0"/>
+        </a:p>
+      </dsp:txBody>
+      <dsp:txXfrm>
+        <a:off x="1069433" y="1288356"/>
+        <a:ext cx="836525" cy="1566962"/>
+      </dsp:txXfrm>
+    </dsp:sp>
+    <dsp:sp modelId="{F054BA0B-B3F7-4B6B-BD2F-4AE8F4442468}">
+      <dsp:nvSpPr>
+        <dsp:cNvPr id="0" name=""/>
+        <dsp:cNvSpPr/>
+      </dsp:nvSpPr>
+      <dsp:spPr>
+        <a:xfrm>
+          <a:off x="2044499" y="1243102"/>
+          <a:ext cx="927033" cy="1657470"/>
+        </a:xfrm>
+        <a:prstGeom prst="roundRect">
+          <a:avLst/>
+        </a:prstGeom>
+        <a:solidFill>
+          <a:schemeClr val="accent1">
+            <a:hueOff val="0"/>
+            <a:satOff val="0"/>
+            <a:lumOff val="0"/>
+            <a:alphaOff val="0"/>
+          </a:schemeClr>
+        </a:solidFill>
+        <a:ln w="15875" cap="flat" cmpd="sng" algn="ctr">
+          <a:solidFill>
+            <a:schemeClr val="lt1">
+              <a:hueOff val="0"/>
+              <a:satOff val="0"/>
+              <a:lumOff val="0"/>
+              <a:alphaOff val="0"/>
+            </a:schemeClr>
+          </a:solidFill>
+          <a:prstDash val="solid"/>
+        </a:ln>
+        <a:effectLst/>
+      </dsp:spPr>
+      <dsp:style>
+        <a:lnRef idx="2">
+          <a:scrgbClr r="0" g="0" b="0"/>
+        </a:lnRef>
+        <a:fillRef idx="1">
+          <a:scrgbClr r="0" g="0" b="0"/>
+        </a:fillRef>
+        <a:effectRef idx="0">
+          <a:scrgbClr r="0" g="0" b="0"/>
+        </a:effectRef>
+        <a:fontRef idx="minor">
+          <a:schemeClr val="lt1"/>
+        </a:fontRef>
+      </dsp:style>
+      <dsp:txBody>
+        <a:bodyPr spcFirstLastPara="0" vert="horz" wrap="square" lIns="45720" tIns="45720" rIns="45720" bIns="45720" numCol="1" spcCol="1270" anchor="ctr" anchorCtr="0">
+          <a:noAutofit/>
+        </a:bodyPr>
+        <a:lstStyle/>
+        <a:p>
+          <a:pPr lvl="0" algn="ctr" defTabSz="533400">
+            <a:lnSpc>
+              <a:spcPct val="90000"/>
+            </a:lnSpc>
+            <a:spcBef>
+              <a:spcPct val="0"/>
+            </a:spcBef>
+            <a:spcAft>
+              <a:spcPct val="35000"/>
+            </a:spcAft>
+          </a:pPr>
+          <a:r>
+            <a:rPr lang="en-US" sz="1200" kern="1200" dirty="0" smtClean="0"/>
+            <a:t>Documents</a:t>
+          </a:r>
+          <a:endParaRPr lang="ru-RU" sz="1200" kern="1200" dirty="0"/>
+        </a:p>
+      </dsp:txBody>
+      <dsp:txXfrm>
+        <a:off x="2089753" y="1288356"/>
+        <a:ext cx="836525" cy="1566962"/>
+      </dsp:txXfrm>
+    </dsp:sp>
+    <dsp:sp modelId="{DC4AEBBC-A52D-40F6-9146-7F10088A6B32}">
+      <dsp:nvSpPr>
+        <dsp:cNvPr id="0" name=""/>
+        <dsp:cNvSpPr/>
+      </dsp:nvSpPr>
+      <dsp:spPr>
+        <a:xfrm>
+          <a:off x="3064819" y="1243102"/>
+          <a:ext cx="927033" cy="1657470"/>
+        </a:xfrm>
+        <a:prstGeom prst="roundRect">
+          <a:avLst/>
+        </a:prstGeom>
+        <a:solidFill>
+          <a:schemeClr val="accent1">
+            <a:hueOff val="0"/>
+            <a:satOff val="0"/>
+            <a:lumOff val="0"/>
+            <a:alphaOff val="0"/>
+          </a:schemeClr>
+        </a:solidFill>
+        <a:ln w="15875" cap="flat" cmpd="sng" algn="ctr">
+          <a:solidFill>
+            <a:schemeClr val="lt1">
+              <a:hueOff val="0"/>
+              <a:satOff val="0"/>
+              <a:lumOff val="0"/>
+              <a:alphaOff val="0"/>
+            </a:schemeClr>
+          </a:solidFill>
+          <a:prstDash val="solid"/>
+        </a:ln>
+        <a:effectLst/>
+      </dsp:spPr>
+      <dsp:style>
+        <a:lnRef idx="2">
+          <a:scrgbClr r="0" g="0" b="0"/>
+        </a:lnRef>
+        <a:fillRef idx="1">
+          <a:scrgbClr r="0" g="0" b="0"/>
+        </a:fillRef>
+        <a:effectRef idx="0">
+          <a:scrgbClr r="0" g="0" b="0"/>
+        </a:effectRef>
+        <a:fontRef idx="minor">
+          <a:schemeClr val="lt1"/>
+        </a:fontRef>
+      </dsp:style>
+      <dsp:txBody>
+        <a:bodyPr spcFirstLastPara="0" vert="horz" wrap="square" lIns="45720" tIns="45720" rIns="45720" bIns="45720" numCol="1" spcCol="1270" anchor="ctr" anchorCtr="0">
+          <a:noAutofit/>
+        </a:bodyPr>
+        <a:lstStyle/>
+        <a:p>
+          <a:pPr lvl="0" algn="ctr" defTabSz="533400">
+            <a:lnSpc>
+              <a:spcPct val="90000"/>
+            </a:lnSpc>
+            <a:spcBef>
+              <a:spcPct val="0"/>
+            </a:spcBef>
+            <a:spcAft>
+              <a:spcPct val="35000"/>
+            </a:spcAft>
+          </a:pPr>
+          <a:r>
+            <a:rPr lang="en-US" sz="1200" kern="1200" dirty="0" smtClean="0"/>
+            <a:t>Inverted</a:t>
+          </a:r>
+          <a:endParaRPr lang="ru-RU" sz="1200" kern="1200" dirty="0" smtClean="0"/>
+        </a:p>
+        <a:p>
+          <a:pPr lvl="0" algn="ctr" defTabSz="533400">
+            <a:lnSpc>
+              <a:spcPct val="90000"/>
+            </a:lnSpc>
+            <a:spcBef>
+              <a:spcPct val="0"/>
+            </a:spcBef>
+            <a:spcAft>
+              <a:spcPct val="35000"/>
+            </a:spcAft>
+          </a:pPr>
+          <a:r>
+            <a:rPr lang="en-US" sz="1200" kern="1200" dirty="0" smtClean="0"/>
+            <a:t>Index</a:t>
+          </a:r>
+          <a:endParaRPr lang="ru-RU" sz="1200" kern="1200" dirty="0"/>
+        </a:p>
+      </dsp:txBody>
+      <dsp:txXfrm>
+        <a:off x="3110073" y="1288356"/>
+        <a:ext cx="836525" cy="1566962"/>
+      </dsp:txXfrm>
+    </dsp:sp>
+    <dsp:sp modelId="{014D856F-0A4A-4760-9506-E63C9F5DE09D}">
+      <dsp:nvSpPr>
+        <dsp:cNvPr id="0" name=""/>
+        <dsp:cNvSpPr/>
+      </dsp:nvSpPr>
+      <dsp:spPr>
+        <a:xfrm>
+          <a:off x="4085139" y="1243102"/>
+          <a:ext cx="927033" cy="1657470"/>
+        </a:xfrm>
+        <a:prstGeom prst="roundRect">
+          <a:avLst/>
+        </a:prstGeom>
+        <a:solidFill>
+          <a:schemeClr val="accent1">
+            <a:hueOff val="0"/>
+            <a:satOff val="0"/>
+            <a:lumOff val="0"/>
+            <a:alphaOff val="0"/>
+          </a:schemeClr>
+        </a:solidFill>
+        <a:ln w="15875" cap="flat" cmpd="sng" algn="ctr">
+          <a:solidFill>
+            <a:schemeClr val="lt1">
+              <a:hueOff val="0"/>
+              <a:satOff val="0"/>
+              <a:lumOff val="0"/>
+              <a:alphaOff val="0"/>
+            </a:schemeClr>
+          </a:solidFill>
+          <a:prstDash val="solid"/>
+        </a:ln>
+        <a:effectLst/>
+      </dsp:spPr>
+      <dsp:style>
+        <a:lnRef idx="2">
+          <a:scrgbClr r="0" g="0" b="0"/>
+        </a:lnRef>
+        <a:fillRef idx="1">
+          <a:scrgbClr r="0" g="0" b="0"/>
+        </a:fillRef>
+        <a:effectRef idx="0">
+          <a:scrgbClr r="0" g="0" b="0"/>
+        </a:effectRef>
+        <a:fontRef idx="minor">
+          <a:schemeClr val="lt1"/>
+        </a:fontRef>
+      </dsp:style>
+      <dsp:txBody>
+        <a:bodyPr spcFirstLastPara="0" vert="horz" wrap="square" lIns="45720" tIns="45720" rIns="45720" bIns="45720" numCol="1" spcCol="1270" anchor="ctr" anchorCtr="0">
+          <a:noAutofit/>
+        </a:bodyPr>
+        <a:lstStyle/>
+        <a:p>
+          <a:pPr lvl="0" algn="ctr" defTabSz="533400">
+            <a:lnSpc>
+              <a:spcPct val="90000"/>
+            </a:lnSpc>
+            <a:spcBef>
+              <a:spcPct val="0"/>
+            </a:spcBef>
+            <a:spcAft>
+              <a:spcPct val="35000"/>
+            </a:spcAft>
+          </a:pPr>
+          <a:r>
+            <a:rPr lang="en-US" sz="1200" kern="1200" dirty="0" smtClean="0"/>
+            <a:t>Requests</a:t>
+          </a:r>
+          <a:endParaRPr lang="ru-RU" sz="1200" kern="1200" dirty="0"/>
+        </a:p>
+      </dsp:txBody>
+      <dsp:txXfrm>
+        <a:off x="4130393" y="1288356"/>
+        <a:ext cx="836525" cy="1566962"/>
+      </dsp:txXfrm>
+    </dsp:sp>
+    <dsp:sp modelId="{2EF5CFF0-CC5C-43EE-B44D-1D53039F8A29}">
+      <dsp:nvSpPr>
+        <dsp:cNvPr id="0" name=""/>
+        <dsp:cNvSpPr/>
+      </dsp:nvSpPr>
+      <dsp:spPr>
+        <a:xfrm>
+          <a:off x="5105459" y="1243102"/>
+          <a:ext cx="927033" cy="1657470"/>
+        </a:xfrm>
+        <a:prstGeom prst="roundRect">
+          <a:avLst/>
+        </a:prstGeom>
+        <a:solidFill>
+          <a:schemeClr val="accent1">
+            <a:hueOff val="0"/>
+            <a:satOff val="0"/>
+            <a:lumOff val="0"/>
+            <a:alphaOff val="0"/>
+          </a:schemeClr>
+        </a:solidFill>
+        <a:ln w="15875" cap="flat" cmpd="sng" algn="ctr">
+          <a:solidFill>
+            <a:schemeClr val="lt1">
+              <a:hueOff val="0"/>
+              <a:satOff val="0"/>
+              <a:lumOff val="0"/>
+              <a:alphaOff val="0"/>
+            </a:schemeClr>
+          </a:solidFill>
+          <a:prstDash val="solid"/>
+        </a:ln>
+        <a:effectLst/>
+      </dsp:spPr>
+      <dsp:style>
+        <a:lnRef idx="2">
+          <a:scrgbClr r="0" g="0" b="0"/>
+        </a:lnRef>
+        <a:fillRef idx="1">
+          <a:scrgbClr r="0" g="0" b="0"/>
+        </a:fillRef>
+        <a:effectRef idx="0">
+          <a:scrgbClr r="0" g="0" b="0"/>
+        </a:effectRef>
+        <a:fontRef idx="minor">
+          <a:schemeClr val="lt1"/>
+        </a:fontRef>
+      </dsp:style>
+      <dsp:txBody>
+        <a:bodyPr spcFirstLastPara="0" vert="horz" wrap="square" lIns="45720" tIns="45720" rIns="45720" bIns="45720" numCol="1" spcCol="1270" anchor="ctr" anchorCtr="0">
+          <a:noAutofit/>
+        </a:bodyPr>
+        <a:lstStyle/>
+        <a:p>
+          <a:pPr lvl="0" algn="ctr" defTabSz="533400">
+            <a:lnSpc>
+              <a:spcPct val="90000"/>
+            </a:lnSpc>
+            <a:spcBef>
+              <a:spcPct val="0"/>
+            </a:spcBef>
+            <a:spcAft>
+              <a:spcPct val="35000"/>
+            </a:spcAft>
+          </a:pPr>
+          <a:r>
+            <a:rPr lang="en-US" sz="1200" kern="1200" dirty="0" smtClean="0"/>
+            <a:t>Relevant</a:t>
+          </a:r>
+          <a:endParaRPr lang="ru-RU" sz="1200" kern="1200" dirty="0" smtClean="0"/>
+        </a:p>
+        <a:p>
+          <a:pPr lvl="0" algn="ctr" defTabSz="533400">
+            <a:lnSpc>
+              <a:spcPct val="90000"/>
+            </a:lnSpc>
+            <a:spcBef>
+              <a:spcPct val="0"/>
+            </a:spcBef>
+            <a:spcAft>
+              <a:spcPct val="35000"/>
+            </a:spcAft>
+          </a:pPr>
+          <a:r>
+            <a:rPr lang="en-US" sz="1200" kern="1200" dirty="0" smtClean="0"/>
+            <a:t>Response</a:t>
+          </a:r>
+          <a:endParaRPr lang="ru-RU" sz="1200" kern="1200" dirty="0"/>
+        </a:p>
+      </dsp:txBody>
+      <dsp:txXfrm>
+        <a:off x="5150713" y="1288356"/>
+        <a:ext cx="836525" cy="1566962"/>
+      </dsp:txXfrm>
+    </dsp:sp>
   </dsp:spTree>
 </dsp:drawing>
 </file>
@@ -35795,7 +37363,7 @@
           <a:p>
             <a:fld id="{FF87DA49-9917-4A7E-BE43-A1E4A72285DB}" type="datetimeFigureOut">
               <a:rPr lang="ru-RU" smtClean="0"/>
-              <a:t>19.10.2025</a:t>
+              <a:t>21.10.2025</a:t>
             </a:fld>
             <a:endParaRPr lang="ru-RU"/>
           </a:p>
@@ -36128,7 +37696,7 @@
           <a:p>
             <a:fld id="{D89D1B74-7F90-4CBF-9224-F66A6D7BD4DA}" type="slidenum">
               <a:rPr lang="ru-RU" smtClean="0"/>
-              <a:t>2</a:t>
+              <a:t>5</a:t>
             </a:fld>
             <a:endParaRPr lang="ru-RU"/>
           </a:p>
@@ -36375,7 +37943,7 @@
           <a:p>
             <a:fld id="{82D494A6-AC0E-4564-848B-C9299726F19B}" type="datetime1">
               <a:rPr lang="ru-RU" smtClean="0"/>
-              <a:t>19.10.2025</a:t>
+              <a:t>21.10.2025</a:t>
             </a:fld>
             <a:endParaRPr lang="ru-RU"/>
           </a:p>
@@ -36583,7 +38151,7 @@
           <a:p>
             <a:fld id="{8F54F09E-5B73-4FCA-A245-E4B9F24EF6EE}" type="datetime1">
               <a:rPr lang="ru-RU" smtClean="0"/>
-              <a:t>19.10.2025</a:t>
+              <a:t>21.10.2025</a:t>
             </a:fld>
             <a:endParaRPr lang="ru-RU"/>
           </a:p>
@@ -36841,7 +38409,7 @@
           <a:p>
             <a:fld id="{EE0EF1CB-1F45-4BB0-ACA2-7F2CD691ED8E}" type="datetime1">
               <a:rPr lang="ru-RU" smtClean="0"/>
-              <a:t>19.10.2025</a:t>
+              <a:t>21.10.2025</a:t>
             </a:fld>
             <a:endParaRPr lang="ru-RU"/>
           </a:p>
@@ -37011,7 +38579,7 @@
           <a:p>
             <a:fld id="{8AC5719E-8A6A-457D-98CF-1B213C53F5CE}" type="datetime1">
               <a:rPr lang="ru-RU" smtClean="0"/>
-              <a:t>19.10.2025</a:t>
+              <a:t>21.10.2025</a:t>
             </a:fld>
             <a:endParaRPr lang="ru-RU"/>
           </a:p>
@@ -37348,7 +38916,7 @@
           <a:p>
             <a:fld id="{9187F089-DB3A-44EC-8E6C-70C807261B64}" type="datetime1">
               <a:rPr lang="ru-RU" smtClean="0"/>
-              <a:t>19.10.2025</a:t>
+              <a:t>21.10.2025</a:t>
             </a:fld>
             <a:endParaRPr lang="ru-RU"/>
           </a:p>
@@ -37623,7 +39191,7 @@
           <a:p>
             <a:fld id="{8D89F477-1E06-42B9-98CE-724D285F544D}" type="datetime1">
               <a:rPr lang="ru-RU" smtClean="0"/>
-              <a:t>19.10.2025</a:t>
+              <a:t>21.10.2025</a:t>
             </a:fld>
             <a:endParaRPr lang="ru-RU"/>
           </a:p>
@@ -38002,7 +39570,7 @@
           <a:p>
             <a:fld id="{D1ABE4F1-295B-4CC0-A10F-3BDEF5F6B9B6}" type="datetime1">
               <a:rPr lang="ru-RU" smtClean="0"/>
-              <a:t>19.10.2025</a:t>
+              <a:t>21.10.2025</a:t>
             </a:fld>
             <a:endParaRPr lang="ru-RU"/>
           </a:p>
@@ -38120,7 +39688,7 @@
           <a:p>
             <a:fld id="{5415850B-FCCB-4950-8D75-8D81D52F3FBD}" type="datetime1">
               <a:rPr lang="ru-RU" smtClean="0"/>
-              <a:t>19.10.2025</a:t>
+              <a:t>21.10.2025</a:t>
             </a:fld>
             <a:endParaRPr lang="ru-RU"/>
           </a:p>
@@ -38293,7 +39861,7 @@
           <a:p>
             <a:fld id="{BFEAB0DF-01E8-4782-A602-314B3FF37A29}" type="datetime1">
               <a:rPr lang="ru-RU" smtClean="0"/>
-              <a:t>19.10.2025</a:t>
+              <a:t>21.10.2025</a:t>
             </a:fld>
             <a:endParaRPr lang="ru-RU"/>
           </a:p>
@@ -38649,7 +40217,7 @@
           <a:p>
             <a:fld id="{AA82D743-4282-4860-9AE2-FAD442C19B6D}" type="datetime1">
               <a:rPr lang="ru-RU" smtClean="0"/>
-              <a:t>19.10.2025</a:t>
+              <a:t>21.10.2025</a:t>
             </a:fld>
             <a:endParaRPr lang="ru-RU"/>
           </a:p>
@@ -39028,7 +40596,7 @@
           <a:p>
             <a:fld id="{F2122F36-14C5-4E46-8DE1-22F5FE5A6635}" type="datetime1">
               <a:rPr lang="ru-RU" smtClean="0"/>
-              <a:t>19.10.2025</a:t>
+              <a:t>21.10.2025</a:t>
             </a:fld>
             <a:endParaRPr lang="ru-RU"/>
           </a:p>
@@ -39317,7 +40885,7 @@
           <a:p>
             <a:fld id="{DF78E439-9BA7-4640-B448-B030DCC85B49}" type="datetime1">
               <a:rPr lang="ru-RU" smtClean="0"/>
-              <a:t>19.10.2025</a:t>
+              <a:t>21.10.2025</a:t>
             </a:fld>
             <a:endParaRPr lang="ru-RU"/>
           </a:p>
@@ -39937,500 +41505,7 @@
           <a:bodyPr/>
           <a:lstStyle/>
           <a:p>
-            <a:r>
-              <a:rPr lang="ru-RU" dirty="0" smtClean="0"/>
-              <a:t>Библиотека </a:t>
-            </a:r>
-            <a:r>
-              <a:rPr lang="en-US" dirty="0" smtClean="0"/>
-              <a:t>kav_check</a:t>
-            </a:r>
-            <a:endParaRPr lang="ru-RU" dirty="0"/>
-          </a:p>
-        </p:txBody>
-      </p:sp>
-      <p:sp>
-        <p:nvSpPr>
-          <p:cNvPr id="3" name="Дата 2"/>
-          <p:cNvSpPr>
-            <a:spLocks noGrp="1"/>
-          </p:cNvSpPr>
-          <p:nvPr>
-            <p:ph type="dt" sz="half" idx="10"/>
-          </p:nvPr>
-        </p:nvSpPr>
-        <p:spPr/>
-        <p:txBody>
-          <a:bodyPr/>
-          <a:lstStyle/>
-          <a:p>
-            <a:fld id="{5415850B-FCCB-4950-8D75-8D81D52F3FBD}" type="datetime1">
-              <a:rPr lang="ru-RU" smtClean="0"/>
-              <a:t>19.10.2025</a:t>
-            </a:fld>
             <a:endParaRPr lang="ru-RU"/>
-          </a:p>
-        </p:txBody>
-      </p:sp>
-      <p:sp>
-        <p:nvSpPr>
-          <p:cNvPr id="4" name="Нижний колонтитул 3"/>
-          <p:cNvSpPr>
-            <a:spLocks noGrp="1"/>
-          </p:cNvSpPr>
-          <p:nvPr>
-            <p:ph type="ftr" sz="quarter" idx="11"/>
-          </p:nvPr>
-        </p:nvSpPr>
-        <p:spPr/>
-        <p:txBody>
-          <a:bodyPr/>
-          <a:lstStyle/>
-          <a:p>
-            <a:endParaRPr lang="ru-RU"/>
-          </a:p>
-        </p:txBody>
-      </p:sp>
-      <p:sp>
-        <p:nvSpPr>
-          <p:cNvPr id="5" name="Номер слайда 4"/>
-          <p:cNvSpPr>
-            <a:spLocks noGrp="1"/>
-          </p:cNvSpPr>
-          <p:nvPr>
-            <p:ph type="sldNum" sz="quarter" idx="12"/>
-          </p:nvPr>
-        </p:nvSpPr>
-        <p:spPr/>
-        <p:txBody>
-          <a:bodyPr/>
-          <a:lstStyle/>
-          <a:p>
-            <a:fld id="{DEBD715E-836E-42D1-BDDD-058C1EE5707C}" type="slidenum">
-              <a:rPr lang="ru-RU" smtClean="0"/>
-              <a:t>10</a:t>
-            </a:fld>
-            <a:endParaRPr lang="ru-RU"/>
-          </a:p>
-        </p:txBody>
-      </p:sp>
-      <p:graphicFrame>
-        <p:nvGraphicFramePr>
-          <p:cNvPr id="6" name="Схема 5"/>
-          <p:cNvGraphicFramePr/>
-          <p:nvPr>
-            <p:extLst>
-              <p:ext uri="{D42A27DB-BD31-4B8C-83A1-F6EECF244321}">
-                <p14:modId xmlns:p14="http://schemas.microsoft.com/office/powerpoint/2010/main" val="2642172954"/>
-              </p:ext>
-            </p:extLst>
-          </p:nvPr>
-        </p:nvGraphicFramePr>
-        <p:xfrm>
-          <a:off x="2947595" y="1855694"/>
-          <a:ext cx="8208085" cy="3987175"/>
-        </p:xfrm>
-        <a:graphic>
-          <a:graphicData uri="http://schemas.openxmlformats.org/drawingml/2006/diagram">
-            <dgm:relIds xmlns:dgm="http://schemas.openxmlformats.org/drawingml/2006/diagram" xmlns:r="http://schemas.openxmlformats.org/officeDocument/2006/relationships" r:dm="rId2" r:lo="rId3" r:qs="rId4" r:cs="rId5"/>
-          </a:graphicData>
-        </a:graphic>
-      </p:graphicFrame>
-    </p:spTree>
-    <p:extLst>
-      <p:ext uri="{BB962C8B-B14F-4D97-AF65-F5344CB8AC3E}">
-        <p14:creationId xmlns:p14="http://schemas.microsoft.com/office/powerpoint/2010/main" val="1543651154"/>
-      </p:ext>
-    </p:extLst>
-  </p:cSld>
-  <p:clrMapOvr>
-    <a:masterClrMapping/>
-  </p:clrMapOvr>
-  <p:timing>
-    <p:tnLst>
-      <p:par>
-        <p:cTn id="1" dur="indefinite" restart="never" nodeType="tmRoot"/>
-      </p:par>
-    </p:tnLst>
-  </p:timing>
-</p:sld>
-</file>
-
-<file path=ppt/slides/slide11.xml><?xml version="1.0" encoding="utf-8"?>
-<p:sld xmlns:a="http://schemas.openxmlformats.org/drawingml/2006/main" xmlns:r="http://schemas.openxmlformats.org/officeDocument/2006/relationships" xmlns:p="http://schemas.openxmlformats.org/presentationml/2006/main">
-  <p:cSld>
-    <p:spTree>
-      <p:nvGrpSpPr>
-        <p:cNvPr id="1" name=""/>
-        <p:cNvGrpSpPr/>
-        <p:nvPr/>
-      </p:nvGrpSpPr>
-      <p:grpSpPr>
-        <a:xfrm>
-          <a:off x="0" y="0"/>
-          <a:ext cx="0" cy="0"/>
-          <a:chOff x="0" y="0"/>
-          <a:chExt cx="0" cy="0"/>
-        </a:xfrm>
-      </p:grpSpPr>
-      <p:sp>
-        <p:nvSpPr>
-          <p:cNvPr id="2" name="Заголовок 1"/>
-          <p:cNvSpPr>
-            <a:spLocks noGrp="1"/>
-          </p:cNvSpPr>
-          <p:nvPr>
-            <p:ph type="title"/>
-          </p:nvPr>
-        </p:nvSpPr>
-        <p:spPr>
-          <a:xfrm>
-            <a:off x="1097280" y="286603"/>
-            <a:ext cx="10058400" cy="735373"/>
-          </a:xfrm>
-        </p:spPr>
-        <p:txBody>
-          <a:bodyPr/>
-          <a:lstStyle/>
-          <a:p>
-            <a:r>
-              <a:rPr lang="ru-RU" dirty="0" smtClean="0"/>
-              <a:t>Библиотека </a:t>
-            </a:r>
-            <a:r>
-              <a:rPr lang="en-US" dirty="0" smtClean="0"/>
-              <a:t>kav_logger</a:t>
-            </a:r>
-            <a:endParaRPr lang="ru-RU" dirty="0"/>
-          </a:p>
-        </p:txBody>
-      </p:sp>
-      <p:sp>
-        <p:nvSpPr>
-          <p:cNvPr id="3" name="Дата 2"/>
-          <p:cNvSpPr>
-            <a:spLocks noGrp="1"/>
-          </p:cNvSpPr>
-          <p:nvPr>
-            <p:ph type="dt" sz="half" idx="10"/>
-          </p:nvPr>
-        </p:nvSpPr>
-        <p:spPr/>
-        <p:txBody>
-          <a:bodyPr/>
-          <a:lstStyle/>
-          <a:p>
-            <a:fld id="{5415850B-FCCB-4950-8D75-8D81D52F3FBD}" type="datetime1">
-              <a:rPr lang="ru-RU" smtClean="0"/>
-              <a:t>19.10.2025</a:t>
-            </a:fld>
-            <a:endParaRPr lang="ru-RU"/>
-          </a:p>
-        </p:txBody>
-      </p:sp>
-      <p:sp>
-        <p:nvSpPr>
-          <p:cNvPr id="4" name="Нижний колонтитул 3"/>
-          <p:cNvSpPr>
-            <a:spLocks noGrp="1"/>
-          </p:cNvSpPr>
-          <p:nvPr>
-            <p:ph type="ftr" sz="quarter" idx="11"/>
-          </p:nvPr>
-        </p:nvSpPr>
-        <p:spPr/>
-        <p:txBody>
-          <a:bodyPr/>
-          <a:lstStyle/>
-          <a:p>
-            <a:endParaRPr lang="ru-RU"/>
-          </a:p>
-        </p:txBody>
-      </p:sp>
-      <p:sp>
-        <p:nvSpPr>
-          <p:cNvPr id="5" name="Номер слайда 4"/>
-          <p:cNvSpPr>
-            <a:spLocks noGrp="1"/>
-          </p:cNvSpPr>
-          <p:nvPr>
-            <p:ph type="sldNum" sz="quarter" idx="12"/>
-          </p:nvPr>
-        </p:nvSpPr>
-        <p:spPr/>
-        <p:txBody>
-          <a:bodyPr/>
-          <a:lstStyle/>
-          <a:p>
-            <a:fld id="{DEBD715E-836E-42D1-BDDD-058C1EE5707C}" type="slidenum">
-              <a:rPr lang="ru-RU" smtClean="0"/>
-              <a:t>11</a:t>
-            </a:fld>
-            <a:endParaRPr lang="ru-RU"/>
-          </a:p>
-        </p:txBody>
-      </p:sp>
-      <p:graphicFrame>
-        <p:nvGraphicFramePr>
-          <p:cNvPr id="6" name="Схема 5"/>
-          <p:cNvGraphicFramePr/>
-          <p:nvPr>
-            <p:extLst>
-              <p:ext uri="{D42A27DB-BD31-4B8C-83A1-F6EECF244321}">
-                <p14:modId xmlns:p14="http://schemas.microsoft.com/office/powerpoint/2010/main" val="1091872992"/>
-              </p:ext>
-            </p:extLst>
-          </p:nvPr>
-        </p:nvGraphicFramePr>
-        <p:xfrm>
-          <a:off x="3287222" y="1104599"/>
-          <a:ext cx="7868458" cy="3901440"/>
-        </p:xfrm>
-        <a:graphic>
-          <a:graphicData uri="http://schemas.openxmlformats.org/drawingml/2006/diagram">
-            <dgm:relIds xmlns:dgm="http://schemas.openxmlformats.org/drawingml/2006/diagram" xmlns:r="http://schemas.openxmlformats.org/officeDocument/2006/relationships" r:dm="rId2" r:lo="rId3" r:qs="rId4" r:cs="rId5"/>
-          </a:graphicData>
-        </a:graphic>
-      </p:graphicFrame>
-      <p:sp>
-        <p:nvSpPr>
-          <p:cNvPr id="7" name="TextBox 6"/>
-          <p:cNvSpPr txBox="1"/>
-          <p:nvPr/>
-        </p:nvSpPr>
-        <p:spPr>
-          <a:xfrm>
-            <a:off x="1097280" y="4823012"/>
-            <a:ext cx="6338047" cy="1477328"/>
-          </a:xfrm>
-          <a:prstGeom prst="rect">
-            <a:avLst/>
-          </a:prstGeom>
-          <a:noFill/>
-        </p:spPr>
-        <p:txBody>
-          <a:bodyPr wrap="square" rtlCol="0">
-            <a:spAutoFit/>
-          </a:bodyPr>
-          <a:lstStyle/>
-          <a:p>
-            <a:r>
-              <a:rPr lang="ru-RU" dirty="0" smtClean="0"/>
-              <a:t>Для вывода сообщений на консоль используется библиотека очереди сообщений </a:t>
-            </a:r>
-            <a:r>
-              <a:rPr lang="ru-RU" dirty="0" err="1" smtClean="0">
-                <a:hlinkClick r:id="rId7"/>
-              </a:rPr>
-              <a:t>boost</a:t>
-            </a:r>
-            <a:r>
-              <a:rPr lang="ru-RU" dirty="0" smtClean="0">
-                <a:hlinkClick r:id="rId7"/>
-              </a:rPr>
-              <a:t>/</a:t>
-            </a:r>
-            <a:r>
-              <a:rPr lang="ru-RU" dirty="0" err="1" smtClean="0">
-                <a:hlinkClick r:id="rId7"/>
-              </a:rPr>
-              <a:t>interprocess</a:t>
-            </a:r>
-            <a:r>
-              <a:rPr lang="ru-RU" dirty="0" smtClean="0">
-                <a:hlinkClick r:id="rId7"/>
-              </a:rPr>
-              <a:t>/</a:t>
-            </a:r>
-            <a:r>
-              <a:rPr lang="ru-RU" dirty="0" err="1" smtClean="0">
-                <a:hlinkClick r:id="rId7"/>
-              </a:rPr>
-              <a:t>ipc</a:t>
-            </a:r>
-            <a:r>
-              <a:rPr lang="ru-RU" dirty="0" smtClean="0">
-                <a:hlinkClick r:id="rId7"/>
-              </a:rPr>
-              <a:t>/</a:t>
-            </a:r>
-            <a:r>
-              <a:rPr lang="ru-RU" dirty="0" err="1" smtClean="0">
-                <a:hlinkClick r:id="rId7"/>
-              </a:rPr>
-              <a:t>message_queue</a:t>
-            </a:r>
-            <a:r>
-              <a:rPr lang="ru-RU" dirty="0" smtClean="0"/>
-              <a:t> для </a:t>
-            </a:r>
-            <a:r>
-              <a:rPr lang="ru-RU" dirty="0" err="1"/>
-              <a:t>межпроцессного</a:t>
-            </a:r>
-            <a:r>
-              <a:rPr lang="ru-RU" dirty="0"/>
-              <a:t> обмена </a:t>
-            </a:r>
-            <a:r>
-              <a:rPr lang="ru-RU" dirty="0" smtClean="0"/>
-              <a:t>данными</a:t>
-            </a:r>
-            <a:r>
-              <a:rPr lang="en-US" dirty="0" smtClean="0"/>
-              <a:t>.</a:t>
-            </a:r>
-            <a:r>
-              <a:rPr lang="ru-RU" dirty="0" smtClean="0"/>
-              <a:t> Для этого используется вспомогательный класс </a:t>
-            </a:r>
-            <a:r>
-              <a:rPr lang="en-US" b="1" dirty="0" err="1"/>
-              <a:t>kav</a:t>
-            </a:r>
-            <a:r>
-              <a:rPr lang="en-US" b="1" dirty="0"/>
-              <a:t>::</a:t>
-            </a:r>
-            <a:r>
-              <a:rPr lang="en-US" b="1" dirty="0" err="1" smtClean="0"/>
-              <a:t>MonitorSender</a:t>
-            </a:r>
-            <a:r>
-              <a:rPr lang="ru-RU" b="1" dirty="0" smtClean="0"/>
-              <a:t>.</a:t>
-            </a:r>
-            <a:endParaRPr lang="en-US" b="1" dirty="0"/>
-          </a:p>
-          <a:p>
-            <a:endParaRPr lang="ru-RU" dirty="0"/>
-          </a:p>
-        </p:txBody>
-      </p:sp>
-      <p:sp>
-        <p:nvSpPr>
-          <p:cNvPr id="9" name="TextBox 8"/>
-          <p:cNvSpPr txBox="1"/>
-          <p:nvPr/>
-        </p:nvSpPr>
-        <p:spPr>
-          <a:xfrm>
-            <a:off x="1640541" y="2599765"/>
-            <a:ext cx="1383712" cy="923330"/>
-          </a:xfrm>
-          <a:prstGeom prst="rect">
-            <a:avLst/>
-          </a:prstGeom>
-          <a:noFill/>
-        </p:spPr>
-        <p:txBody>
-          <a:bodyPr wrap="none" rtlCol="0">
-            <a:spAutoFit/>
-          </a:bodyPr>
-          <a:lstStyle/>
-          <a:p>
-            <a:r>
-              <a:rPr lang="ru-RU" dirty="0" smtClean="0"/>
-              <a:t>Картинка </a:t>
-            </a:r>
-          </a:p>
-          <a:p>
-            <a:r>
-              <a:rPr lang="ru-RU" dirty="0" smtClean="0"/>
-              <a:t>Лог-файла и</a:t>
-            </a:r>
-          </a:p>
-          <a:p>
-            <a:r>
-              <a:rPr lang="ru-RU" dirty="0" smtClean="0"/>
-              <a:t>консоли</a:t>
-            </a:r>
-            <a:endParaRPr lang="ru-RU" dirty="0"/>
-          </a:p>
-        </p:txBody>
-      </p:sp>
-    </p:spTree>
-    <p:extLst>
-      <p:ext uri="{BB962C8B-B14F-4D97-AF65-F5344CB8AC3E}">
-        <p14:creationId xmlns:p14="http://schemas.microsoft.com/office/powerpoint/2010/main" val="128083256"/>
-      </p:ext>
-    </p:extLst>
-  </p:cSld>
-  <p:clrMapOvr>
-    <a:masterClrMapping/>
-  </p:clrMapOvr>
-  <p:timing>
-    <p:tnLst>
-      <p:par>
-        <p:cTn id="1" dur="indefinite" restart="never" nodeType="tmRoot"/>
-      </p:par>
-    </p:tnLst>
-  </p:timing>
-</p:sld>
-</file>
-
-<file path=ppt/slides/slide12.xml><?xml version="1.0" encoding="utf-8"?>
-<p:sld xmlns:a="http://schemas.openxmlformats.org/drawingml/2006/main" xmlns:r="http://schemas.openxmlformats.org/officeDocument/2006/relationships" xmlns:p="http://schemas.openxmlformats.org/presentationml/2006/main">
-  <p:cSld>
-    <p:spTree>
-      <p:nvGrpSpPr>
-        <p:cNvPr id="1" name=""/>
-        <p:cNvGrpSpPr/>
-        <p:nvPr/>
-      </p:nvGrpSpPr>
-      <p:grpSpPr>
-        <a:xfrm>
-          <a:off x="0" y="0"/>
-          <a:ext cx="0" cy="0"/>
-          <a:chOff x="0" y="0"/>
-          <a:chExt cx="0" cy="0"/>
-        </a:xfrm>
-      </p:grpSpPr>
-      <p:sp>
-        <p:nvSpPr>
-          <p:cNvPr id="2" name="Заголовок 1"/>
-          <p:cNvSpPr>
-            <a:spLocks noGrp="1"/>
-          </p:cNvSpPr>
-          <p:nvPr>
-            <p:ph type="title"/>
-          </p:nvPr>
-        </p:nvSpPr>
-        <p:spPr>
-          <a:xfrm>
-            <a:off x="1097280" y="758952"/>
-            <a:ext cx="10058400" cy="1335855"/>
-          </a:xfrm>
-        </p:spPr>
-        <p:txBody>
-          <a:bodyPr/>
-          <a:lstStyle/>
-          <a:p>
-            <a:endParaRPr lang="ru-RU" dirty="0"/>
-          </a:p>
-        </p:txBody>
-      </p:sp>
-      <p:sp>
-        <p:nvSpPr>
-          <p:cNvPr id="3" name="Текст 2"/>
-          <p:cNvSpPr>
-            <a:spLocks noGrp="1"/>
-          </p:cNvSpPr>
-          <p:nvPr>
-            <p:ph type="body" idx="1"/>
-          </p:nvPr>
-        </p:nvSpPr>
-        <p:spPr>
-          <a:xfrm>
-            <a:off x="1097280" y="3075709"/>
-            <a:ext cx="10058400" cy="2520419"/>
-          </a:xfrm>
-        </p:spPr>
-        <p:txBody>
-          <a:bodyPr/>
-          <a:lstStyle/>
-          <a:p>
-            <a:endParaRPr lang="ru-RU" dirty="0"/>
           </a:p>
         </p:txBody>
       </p:sp>
@@ -40449,9 +41524,9 @@
           <a:bodyPr/>
           <a:lstStyle/>
           <a:p>
-            <a:fld id="{9187F089-DB3A-44EC-8E6C-70C807261B64}" type="datetime1">
+            <a:fld id="{8AC5719E-8A6A-457D-98CF-1B213C53F5CE}" type="datetime1">
               <a:rPr lang="ru-RU" smtClean="0"/>
-              <a:t>19.10.2025</a:t>
+              <a:t>21.10.2025</a:t>
             </a:fld>
             <a:endParaRPr lang="ru-RU"/>
           </a:p>
@@ -40493,1512 +41568,7 @@
           <a:p>
             <a:fld id="{DEBD715E-836E-42D1-BDDD-058C1EE5707C}" type="slidenum">
               <a:rPr lang="ru-RU" smtClean="0"/>
-              <a:t>12</a:t>
-            </a:fld>
-            <a:endParaRPr lang="ru-RU"/>
-          </a:p>
-        </p:txBody>
-      </p:sp>
-    </p:spTree>
-    <p:extLst>
-      <p:ext uri="{BB962C8B-B14F-4D97-AF65-F5344CB8AC3E}">
-        <p14:creationId xmlns:p14="http://schemas.microsoft.com/office/powerpoint/2010/main" val="531275108"/>
-      </p:ext>
-    </p:extLst>
-  </p:cSld>
-  <p:clrMapOvr>
-    <a:masterClrMapping/>
-  </p:clrMapOvr>
-  <p:timing>
-    <p:tnLst>
-      <p:par>
-        <p:cTn id="1" dur="indefinite" restart="never" nodeType="tmRoot"/>
-      </p:par>
-    </p:tnLst>
-  </p:timing>
-</p:sld>
-</file>
-
-<file path=ppt/slides/slide13.xml><?xml version="1.0" encoding="utf-8"?>
-<p:sld xmlns:a="http://schemas.openxmlformats.org/drawingml/2006/main" xmlns:r="http://schemas.openxmlformats.org/officeDocument/2006/relationships" xmlns:p="http://schemas.openxmlformats.org/presentationml/2006/main">
-  <p:cSld>
-    <p:spTree>
-      <p:nvGrpSpPr>
-        <p:cNvPr id="1" name=""/>
-        <p:cNvGrpSpPr/>
-        <p:nvPr/>
-      </p:nvGrpSpPr>
-      <p:grpSpPr>
-        <a:xfrm>
-          <a:off x="0" y="0"/>
-          <a:ext cx="0" cy="0"/>
-          <a:chOff x="0" y="0"/>
-          <a:chExt cx="0" cy="0"/>
-        </a:xfrm>
-      </p:grpSpPr>
-      <p:sp>
-        <p:nvSpPr>
-          <p:cNvPr id="2" name="Заголовок 1"/>
-          <p:cNvSpPr>
-            <a:spLocks noGrp="1"/>
-          </p:cNvSpPr>
-          <p:nvPr>
-            <p:ph type="title"/>
-          </p:nvPr>
-        </p:nvSpPr>
-        <p:spPr/>
-        <p:txBody>
-          <a:bodyPr/>
-          <a:lstStyle/>
-          <a:p>
-            <a:endParaRPr lang="ru-RU"/>
-          </a:p>
-        </p:txBody>
-      </p:sp>
-      <p:sp>
-        <p:nvSpPr>
-          <p:cNvPr id="4" name="Объект 3"/>
-          <p:cNvSpPr>
-            <a:spLocks noGrp="1"/>
-          </p:cNvSpPr>
-          <p:nvPr>
-            <p:ph sz="half" idx="2"/>
-          </p:nvPr>
-        </p:nvSpPr>
-        <p:spPr/>
-        <p:txBody>
-          <a:bodyPr/>
-          <a:lstStyle/>
-          <a:p>
-            <a:endParaRPr lang="ru-RU"/>
-          </a:p>
-        </p:txBody>
-      </p:sp>
-      <p:sp>
-        <p:nvSpPr>
-          <p:cNvPr id="5" name="Дата 4"/>
-          <p:cNvSpPr>
-            <a:spLocks noGrp="1"/>
-          </p:cNvSpPr>
-          <p:nvPr>
-            <p:ph type="dt" sz="half" idx="10"/>
-          </p:nvPr>
-        </p:nvSpPr>
-        <p:spPr/>
-        <p:txBody>
-          <a:bodyPr/>
-          <a:lstStyle/>
-          <a:p>
-            <a:fld id="{8D89F477-1E06-42B9-98CE-724D285F544D}" type="datetime1">
-              <a:rPr lang="ru-RU" smtClean="0"/>
-              <a:t>19.10.2025</a:t>
-            </a:fld>
-            <a:endParaRPr lang="ru-RU"/>
-          </a:p>
-        </p:txBody>
-      </p:sp>
-      <p:sp>
-        <p:nvSpPr>
-          <p:cNvPr id="6" name="Нижний колонтитул 5"/>
-          <p:cNvSpPr>
-            <a:spLocks noGrp="1"/>
-          </p:cNvSpPr>
-          <p:nvPr>
-            <p:ph type="ftr" sz="quarter" idx="11"/>
-          </p:nvPr>
-        </p:nvSpPr>
-        <p:spPr/>
-        <p:txBody>
-          <a:bodyPr/>
-          <a:lstStyle/>
-          <a:p>
-            <a:endParaRPr lang="ru-RU"/>
-          </a:p>
-        </p:txBody>
-      </p:sp>
-      <p:sp>
-        <p:nvSpPr>
-          <p:cNvPr id="7" name="Номер слайда 6"/>
-          <p:cNvSpPr>
-            <a:spLocks noGrp="1"/>
-          </p:cNvSpPr>
-          <p:nvPr>
-            <p:ph type="sldNum" sz="quarter" idx="12"/>
-          </p:nvPr>
-        </p:nvSpPr>
-        <p:spPr/>
-        <p:txBody>
-          <a:bodyPr/>
-          <a:lstStyle/>
-          <a:p>
-            <a:fld id="{DEBD715E-836E-42D1-BDDD-058C1EE5707C}" type="slidenum">
-              <a:rPr lang="ru-RU" smtClean="0"/>
-              <a:t>13</a:t>
-            </a:fld>
-            <a:endParaRPr lang="ru-RU"/>
-          </a:p>
-        </p:txBody>
-      </p:sp>
-      <p:sp>
-        <p:nvSpPr>
-          <p:cNvPr id="9" name="Объект 8"/>
-          <p:cNvSpPr>
-            <a:spLocks noGrp="1"/>
-          </p:cNvSpPr>
-          <p:nvPr>
-            <p:ph sz="half" idx="1"/>
-          </p:nvPr>
-        </p:nvSpPr>
-        <p:spPr/>
-        <p:txBody>
-          <a:bodyPr/>
-          <a:lstStyle/>
-          <a:p>
-            <a:endParaRPr lang="ru-RU"/>
-          </a:p>
-        </p:txBody>
-      </p:sp>
-    </p:spTree>
-    <p:extLst>
-      <p:ext uri="{BB962C8B-B14F-4D97-AF65-F5344CB8AC3E}">
-        <p14:creationId xmlns:p14="http://schemas.microsoft.com/office/powerpoint/2010/main" val="3500730888"/>
-      </p:ext>
-    </p:extLst>
-  </p:cSld>
-  <p:clrMapOvr>
-    <a:masterClrMapping/>
-  </p:clrMapOvr>
-  <p:timing>
-    <p:tnLst>
-      <p:par>
-        <p:cTn id="1" dur="indefinite" restart="never" nodeType="tmRoot"/>
-      </p:par>
-    </p:tnLst>
-  </p:timing>
-</p:sld>
-</file>
-
-<file path=ppt/slides/slide2.xml><?xml version="1.0" encoding="utf-8"?>
-<p:sld xmlns:a="http://schemas.openxmlformats.org/drawingml/2006/main" xmlns:r="http://schemas.openxmlformats.org/officeDocument/2006/relationships" xmlns:p="http://schemas.openxmlformats.org/presentationml/2006/main">
-  <p:cSld>
-    <p:spTree>
-      <p:nvGrpSpPr>
-        <p:cNvPr id="1" name=""/>
-        <p:cNvGrpSpPr/>
-        <p:nvPr/>
-      </p:nvGrpSpPr>
-      <p:grpSpPr>
-        <a:xfrm>
-          <a:off x="0" y="0"/>
-          <a:ext cx="0" cy="0"/>
-          <a:chOff x="0" y="0"/>
-          <a:chExt cx="0" cy="0"/>
-        </a:xfrm>
-      </p:grpSpPr>
-      <p:sp>
-        <p:nvSpPr>
-          <p:cNvPr id="2" name="Заголовок 1"/>
-          <p:cNvSpPr>
-            <a:spLocks noGrp="1"/>
-          </p:cNvSpPr>
-          <p:nvPr>
-            <p:ph type="title"/>
-          </p:nvPr>
-        </p:nvSpPr>
-        <p:spPr/>
-        <p:txBody>
-          <a:bodyPr/>
-          <a:lstStyle/>
-          <a:p>
-            <a:endParaRPr lang="ru-RU"/>
-          </a:p>
-        </p:txBody>
-      </p:sp>
-      <p:sp>
-        <p:nvSpPr>
-          <p:cNvPr id="4" name="Дата 3"/>
-          <p:cNvSpPr>
-            <a:spLocks noGrp="1"/>
-          </p:cNvSpPr>
-          <p:nvPr>
-            <p:ph type="dt" sz="half" idx="10"/>
-          </p:nvPr>
-        </p:nvSpPr>
-        <p:spPr/>
-        <p:txBody>
-          <a:bodyPr/>
-          <a:lstStyle/>
-          <a:p>
-            <a:fld id="{22C4FDAF-C654-4288-9437-917D77737F5E}" type="datetime1">
-              <a:rPr lang="ru-RU" smtClean="0"/>
-              <a:t>19.10.2025</a:t>
-            </a:fld>
-            <a:endParaRPr lang="ru-RU"/>
-          </a:p>
-        </p:txBody>
-      </p:sp>
-      <p:sp>
-        <p:nvSpPr>
-          <p:cNvPr id="5" name="Нижний колонтитул 4"/>
-          <p:cNvSpPr>
-            <a:spLocks noGrp="1"/>
-          </p:cNvSpPr>
-          <p:nvPr>
-            <p:ph type="ftr" sz="quarter" idx="11"/>
-          </p:nvPr>
-        </p:nvSpPr>
-        <p:spPr/>
-        <p:txBody>
-          <a:bodyPr/>
-          <a:lstStyle/>
-          <a:p>
-            <a:endParaRPr lang="ru-RU" dirty="0"/>
-          </a:p>
-        </p:txBody>
-      </p:sp>
-      <p:sp>
-        <p:nvSpPr>
-          <p:cNvPr id="6" name="Номер слайда 5"/>
-          <p:cNvSpPr>
-            <a:spLocks noGrp="1"/>
-          </p:cNvSpPr>
-          <p:nvPr>
-            <p:ph type="sldNum" sz="quarter" idx="12"/>
-          </p:nvPr>
-        </p:nvSpPr>
-        <p:spPr/>
-        <p:txBody>
-          <a:bodyPr/>
-          <a:lstStyle/>
-          <a:p>
-            <a:fld id="{DEBD715E-836E-42D1-BDDD-058C1EE5707C}" type="slidenum">
-              <a:rPr lang="ru-RU" smtClean="0"/>
-              <a:t>2</a:t>
-            </a:fld>
-            <a:endParaRPr lang="ru-RU"/>
-          </a:p>
-        </p:txBody>
-      </p:sp>
-      <p:graphicFrame>
-        <p:nvGraphicFramePr>
-          <p:cNvPr id="11" name="Объект 10"/>
-          <p:cNvGraphicFramePr>
-            <a:graphicFrameLocks noGrp="1"/>
-          </p:cNvGraphicFramePr>
-          <p:nvPr>
-            <p:ph idx="1"/>
-            <p:extLst>
-              <p:ext uri="{D42A27DB-BD31-4B8C-83A1-F6EECF244321}">
-                <p14:modId xmlns:p14="http://schemas.microsoft.com/office/powerpoint/2010/main" val="2076157808"/>
-              </p:ext>
-            </p:extLst>
-          </p:nvPr>
-        </p:nvGraphicFramePr>
-        <p:xfrm>
-          <a:off x="1096963" y="1846263"/>
-          <a:ext cx="10058400" cy="4022725"/>
-        </p:xfrm>
-        <a:graphic>
-          <a:graphicData uri="http://schemas.openxmlformats.org/drawingml/2006/diagram">
-            <dgm:relIds xmlns:dgm="http://schemas.openxmlformats.org/drawingml/2006/diagram" xmlns:r="http://schemas.openxmlformats.org/officeDocument/2006/relationships" r:dm="rId3" r:lo="rId4" r:qs="rId5" r:cs="rId6"/>
-          </a:graphicData>
-        </a:graphic>
-      </p:graphicFrame>
-    </p:spTree>
-    <p:extLst>
-      <p:ext uri="{BB962C8B-B14F-4D97-AF65-F5344CB8AC3E}">
-        <p14:creationId xmlns:p14="http://schemas.microsoft.com/office/powerpoint/2010/main" val="984395803"/>
-      </p:ext>
-    </p:extLst>
-  </p:cSld>
-  <p:clrMapOvr>
-    <a:masterClrMapping/>
-  </p:clrMapOvr>
-  <p:timing>
-    <p:tnLst>
-      <p:par>
-        <p:cTn id="1" dur="indefinite" restart="never" nodeType="tmRoot"/>
-      </p:par>
-    </p:tnLst>
-  </p:timing>
-</p:sld>
-</file>
-
-<file path=ppt/slides/slide3.xml><?xml version="1.0" encoding="utf-8"?>
-<p:sld xmlns:a="http://schemas.openxmlformats.org/drawingml/2006/main" xmlns:r="http://schemas.openxmlformats.org/officeDocument/2006/relationships" xmlns:p="http://schemas.openxmlformats.org/presentationml/2006/main">
-  <p:cSld>
-    <p:spTree>
-      <p:nvGrpSpPr>
-        <p:cNvPr id="1" name=""/>
-        <p:cNvGrpSpPr/>
-        <p:nvPr/>
-      </p:nvGrpSpPr>
-      <p:grpSpPr>
-        <a:xfrm>
-          <a:off x="0" y="0"/>
-          <a:ext cx="0" cy="0"/>
-          <a:chOff x="0" y="0"/>
-          <a:chExt cx="0" cy="0"/>
-        </a:xfrm>
-      </p:grpSpPr>
-      <p:sp>
-        <p:nvSpPr>
-          <p:cNvPr id="2" name="Заголовок 1"/>
-          <p:cNvSpPr>
-            <a:spLocks noGrp="1"/>
-          </p:cNvSpPr>
-          <p:nvPr>
-            <p:ph type="title"/>
-          </p:nvPr>
-        </p:nvSpPr>
-        <p:spPr/>
-        <p:txBody>
-          <a:bodyPr/>
-          <a:lstStyle/>
-          <a:p>
-            <a:endParaRPr lang="ru-RU" dirty="0"/>
-          </a:p>
-        </p:txBody>
-      </p:sp>
-      <p:graphicFrame>
-        <p:nvGraphicFramePr>
-          <p:cNvPr id="7" name="Объект 6"/>
-          <p:cNvGraphicFramePr>
-            <a:graphicFrameLocks noGrp="1"/>
-          </p:cNvGraphicFramePr>
-          <p:nvPr>
-            <p:ph idx="1"/>
-            <p:extLst>
-              <p:ext uri="{D42A27DB-BD31-4B8C-83A1-F6EECF244321}">
-                <p14:modId xmlns:p14="http://schemas.microsoft.com/office/powerpoint/2010/main" val="74025464"/>
-              </p:ext>
-            </p:extLst>
-          </p:nvPr>
-        </p:nvGraphicFramePr>
-        <p:xfrm>
-          <a:off x="1097279" y="1846263"/>
-          <a:ext cx="10058083" cy="4044398"/>
-        </p:xfrm>
-        <a:graphic>
-          <a:graphicData uri="http://schemas.openxmlformats.org/drawingml/2006/diagram">
-            <dgm:relIds xmlns:dgm="http://schemas.openxmlformats.org/drawingml/2006/diagram" xmlns:r="http://schemas.openxmlformats.org/officeDocument/2006/relationships" r:dm="rId2" r:lo="rId3" r:qs="rId4" r:cs="rId5"/>
-          </a:graphicData>
-        </a:graphic>
-      </p:graphicFrame>
-      <p:sp>
-        <p:nvSpPr>
-          <p:cNvPr id="4" name="Дата 3"/>
-          <p:cNvSpPr>
-            <a:spLocks noGrp="1"/>
-          </p:cNvSpPr>
-          <p:nvPr>
-            <p:ph type="dt" sz="half" idx="10"/>
-          </p:nvPr>
-        </p:nvSpPr>
-        <p:spPr/>
-        <p:txBody>
-          <a:bodyPr/>
-          <a:lstStyle/>
-          <a:p>
-            <a:fld id="{8AC5719E-8A6A-457D-98CF-1B213C53F5CE}" type="datetime1">
-              <a:rPr lang="ru-RU" smtClean="0"/>
-              <a:t>19.10.2025</a:t>
-            </a:fld>
-            <a:endParaRPr lang="ru-RU"/>
-          </a:p>
-        </p:txBody>
-      </p:sp>
-      <p:sp>
-        <p:nvSpPr>
-          <p:cNvPr id="5" name="Нижний колонтитул 4"/>
-          <p:cNvSpPr>
-            <a:spLocks noGrp="1"/>
-          </p:cNvSpPr>
-          <p:nvPr>
-            <p:ph type="ftr" sz="quarter" idx="11"/>
-          </p:nvPr>
-        </p:nvSpPr>
-        <p:spPr/>
-        <p:txBody>
-          <a:bodyPr/>
-          <a:lstStyle/>
-          <a:p>
-            <a:endParaRPr lang="ru-RU"/>
-          </a:p>
-        </p:txBody>
-      </p:sp>
-      <p:sp>
-        <p:nvSpPr>
-          <p:cNvPr id="6" name="Номер слайда 5"/>
-          <p:cNvSpPr>
-            <a:spLocks noGrp="1"/>
-          </p:cNvSpPr>
-          <p:nvPr>
-            <p:ph type="sldNum" sz="quarter" idx="12"/>
-          </p:nvPr>
-        </p:nvSpPr>
-        <p:spPr/>
-        <p:txBody>
-          <a:bodyPr/>
-          <a:lstStyle/>
-          <a:p>
-            <a:fld id="{DEBD715E-836E-42D1-BDDD-058C1EE5707C}" type="slidenum">
-              <a:rPr lang="ru-RU" smtClean="0"/>
-              <a:t>3</a:t>
-            </a:fld>
-            <a:endParaRPr lang="ru-RU"/>
-          </a:p>
-        </p:txBody>
-      </p:sp>
-    </p:spTree>
-    <p:extLst>
-      <p:ext uri="{BB962C8B-B14F-4D97-AF65-F5344CB8AC3E}">
-        <p14:creationId xmlns:p14="http://schemas.microsoft.com/office/powerpoint/2010/main" val="4081062377"/>
-      </p:ext>
-    </p:extLst>
-  </p:cSld>
-  <p:clrMapOvr>
-    <a:masterClrMapping/>
-  </p:clrMapOvr>
-</p:sld>
-</file>
-
-<file path=ppt/slides/slide4.xml><?xml version="1.0" encoding="utf-8"?>
-<p:sld xmlns:a="http://schemas.openxmlformats.org/drawingml/2006/main" xmlns:r="http://schemas.openxmlformats.org/officeDocument/2006/relationships" xmlns:p="http://schemas.openxmlformats.org/presentationml/2006/main">
-  <p:cSld>
-    <p:spTree>
-      <p:nvGrpSpPr>
-        <p:cNvPr id="1" name=""/>
-        <p:cNvGrpSpPr/>
-        <p:nvPr/>
-      </p:nvGrpSpPr>
-      <p:grpSpPr>
-        <a:xfrm>
-          <a:off x="0" y="0"/>
-          <a:ext cx="0" cy="0"/>
-          <a:chOff x="0" y="0"/>
-          <a:chExt cx="0" cy="0"/>
-        </a:xfrm>
-      </p:grpSpPr>
-      <p:sp>
-        <p:nvSpPr>
-          <p:cNvPr id="2" name="Заголовок 1"/>
-          <p:cNvSpPr>
-            <a:spLocks noGrp="1"/>
-          </p:cNvSpPr>
-          <p:nvPr>
-            <p:ph type="title"/>
-          </p:nvPr>
-        </p:nvSpPr>
-        <p:spPr/>
-        <p:txBody>
-          <a:bodyPr/>
-          <a:lstStyle/>
-          <a:p>
-            <a:endParaRPr lang="ru-RU" dirty="0"/>
-          </a:p>
-        </p:txBody>
-      </p:sp>
-      <p:graphicFrame>
-        <p:nvGraphicFramePr>
-          <p:cNvPr id="8" name="Объект 7"/>
-          <p:cNvGraphicFramePr>
-            <a:graphicFrameLocks noGrp="1"/>
-          </p:cNvGraphicFramePr>
-          <p:nvPr>
-            <p:ph idx="1"/>
-            <p:extLst>
-              <p:ext uri="{D42A27DB-BD31-4B8C-83A1-F6EECF244321}">
-                <p14:modId xmlns:p14="http://schemas.microsoft.com/office/powerpoint/2010/main" val="2511891170"/>
-              </p:ext>
-            </p:extLst>
-          </p:nvPr>
-        </p:nvGraphicFramePr>
-        <p:xfrm>
-          <a:off x="5021247" y="1949116"/>
-          <a:ext cx="6036352" cy="4143676"/>
-        </p:xfrm>
-        <a:graphic>
-          <a:graphicData uri="http://schemas.openxmlformats.org/drawingml/2006/diagram">
-            <dgm:relIds xmlns:dgm="http://schemas.openxmlformats.org/drawingml/2006/diagram" xmlns:r="http://schemas.openxmlformats.org/officeDocument/2006/relationships" r:dm="rId2" r:lo="rId3" r:qs="rId4" r:cs="rId5"/>
-          </a:graphicData>
-        </a:graphic>
-      </p:graphicFrame>
-      <p:sp>
-        <p:nvSpPr>
-          <p:cNvPr id="4" name="Дата 3"/>
-          <p:cNvSpPr>
-            <a:spLocks noGrp="1"/>
-          </p:cNvSpPr>
-          <p:nvPr>
-            <p:ph type="dt" sz="half" idx="10"/>
-          </p:nvPr>
-        </p:nvSpPr>
-        <p:spPr/>
-        <p:txBody>
-          <a:bodyPr/>
-          <a:lstStyle/>
-          <a:p>
-            <a:fld id="{8AC5719E-8A6A-457D-98CF-1B213C53F5CE}" type="datetime1">
-              <a:rPr lang="ru-RU" smtClean="0"/>
-              <a:t>19.10.2025</a:t>
-            </a:fld>
-            <a:endParaRPr lang="ru-RU"/>
-          </a:p>
-        </p:txBody>
-      </p:sp>
-      <p:sp>
-        <p:nvSpPr>
-          <p:cNvPr id="5" name="Нижний колонтитул 4"/>
-          <p:cNvSpPr>
-            <a:spLocks noGrp="1"/>
-          </p:cNvSpPr>
-          <p:nvPr>
-            <p:ph type="ftr" sz="quarter" idx="11"/>
-          </p:nvPr>
-        </p:nvSpPr>
-        <p:spPr/>
-        <p:txBody>
-          <a:bodyPr/>
-          <a:lstStyle/>
-          <a:p>
-            <a:endParaRPr lang="ru-RU"/>
-          </a:p>
-        </p:txBody>
-      </p:sp>
-      <p:sp>
-        <p:nvSpPr>
-          <p:cNvPr id="6" name="Номер слайда 5"/>
-          <p:cNvSpPr>
-            <a:spLocks noGrp="1"/>
-          </p:cNvSpPr>
-          <p:nvPr>
-            <p:ph type="sldNum" sz="quarter" idx="12"/>
-          </p:nvPr>
-        </p:nvSpPr>
-        <p:spPr/>
-        <p:txBody>
-          <a:bodyPr/>
-          <a:lstStyle/>
-          <a:p>
-            <a:fld id="{DEBD715E-836E-42D1-BDDD-058C1EE5707C}" type="slidenum">
-              <a:rPr lang="ru-RU" smtClean="0"/>
-              <a:t>4</a:t>
-            </a:fld>
-            <a:endParaRPr lang="ru-RU"/>
-          </a:p>
-        </p:txBody>
-      </p:sp>
-      <p:pic>
-        <p:nvPicPr>
-          <p:cNvPr id="10" name="Рисунок 9"/>
-          <p:cNvPicPr>
-            <a:picLocks noChangeAspect="1"/>
-          </p:cNvPicPr>
-          <p:nvPr/>
-        </p:nvPicPr>
-        <p:blipFill>
-          <a:blip r:embed="rId7" cstate="print">
-            <a:extLst>
-              <a:ext uri="{28A0092B-C50C-407E-A947-70E740481C1C}">
-                <a14:useLocalDpi xmlns:a14="http://schemas.microsoft.com/office/drawing/2010/main" val="0"/>
-              </a:ext>
-            </a:extLst>
-          </a:blip>
-          <a:stretch>
-            <a:fillRect/>
-          </a:stretch>
-        </p:blipFill>
-        <p:spPr>
-          <a:xfrm>
-            <a:off x="695357" y="2363002"/>
-            <a:ext cx="2038216" cy="2882766"/>
-          </a:xfrm>
-          <a:prstGeom prst="rect">
-            <a:avLst/>
-          </a:prstGeom>
-        </p:spPr>
-      </p:pic>
-      <p:sp>
-        <p:nvSpPr>
-          <p:cNvPr id="11" name="Стрелка вправо 10"/>
-          <p:cNvSpPr/>
-          <p:nvPr/>
-        </p:nvSpPr>
-        <p:spPr>
-          <a:xfrm>
-            <a:off x="2550696" y="3778638"/>
-            <a:ext cx="525014" cy="484632"/>
-          </a:xfrm>
-          <a:prstGeom prst="rightArrow">
-            <a:avLst/>
-          </a:prstGeom>
-        </p:spPr>
-        <p:style>
-          <a:lnRef idx="2">
-            <a:schemeClr val="accent1">
-              <a:shade val="50000"/>
-            </a:schemeClr>
-          </a:lnRef>
-          <a:fillRef idx="1">
-            <a:schemeClr val="accent1"/>
-          </a:fillRef>
-          <a:effectRef idx="0">
-            <a:schemeClr val="accent1"/>
-          </a:effectRef>
-          <a:fontRef idx="minor">
-            <a:schemeClr val="lt1"/>
-          </a:fontRef>
-        </p:style>
-        <p:txBody>
-          <a:bodyPr rtlCol="0" anchor="ctr"/>
-          <a:lstStyle/>
-          <a:p>
-            <a:pPr algn="ctr"/>
-            <a:endParaRPr lang="ru-RU"/>
-          </a:p>
-        </p:txBody>
-      </p:sp>
-      <p:sp>
-        <p:nvSpPr>
-          <p:cNvPr id="26" name="TextBox 25"/>
-          <p:cNvSpPr txBox="1"/>
-          <p:nvPr/>
-        </p:nvSpPr>
-        <p:spPr>
-          <a:xfrm>
-            <a:off x="993954" y="5015622"/>
-            <a:ext cx="3113481" cy="923330"/>
-          </a:xfrm>
-          <a:prstGeom prst="rect">
-            <a:avLst/>
-          </a:prstGeom>
-          <a:noFill/>
-        </p:spPr>
-        <p:txBody>
-          <a:bodyPr wrap="none" rtlCol="0">
-            <a:spAutoFit/>
-          </a:bodyPr>
-          <a:lstStyle/>
-          <a:p>
-            <a:pPr marL="285750" indent="-285750">
-              <a:buFontTx/>
-              <a:buChar char="-"/>
-            </a:pPr>
-            <a:r>
-              <a:rPr lang="ru-RU" dirty="0" smtClean="0"/>
-              <a:t>пути к файлам документов</a:t>
-            </a:r>
-          </a:p>
-          <a:p>
-            <a:pPr marL="285750" indent="-285750">
-              <a:buFontTx/>
-              <a:buChar char="-"/>
-            </a:pPr>
-            <a:r>
-              <a:rPr lang="ru-RU" dirty="0" smtClean="0"/>
-              <a:t>запросы</a:t>
-            </a:r>
-          </a:p>
-          <a:p>
-            <a:pPr marL="285750" indent="-285750">
-              <a:buFontTx/>
-              <a:buChar char="-"/>
-            </a:pPr>
-            <a:endParaRPr lang="ru-RU" dirty="0"/>
-          </a:p>
-        </p:txBody>
-      </p:sp>
-      <p:sp>
-        <p:nvSpPr>
-          <p:cNvPr id="27" name="TextBox 26"/>
-          <p:cNvSpPr txBox="1"/>
-          <p:nvPr/>
-        </p:nvSpPr>
-        <p:spPr>
-          <a:xfrm>
-            <a:off x="4073529" y="2398917"/>
-            <a:ext cx="1834541" cy="369332"/>
-          </a:xfrm>
-          <a:prstGeom prst="rect">
-            <a:avLst/>
-          </a:prstGeom>
-          <a:noFill/>
-        </p:spPr>
-        <p:txBody>
-          <a:bodyPr wrap="none" rtlCol="0">
-            <a:spAutoFit/>
-          </a:bodyPr>
-          <a:lstStyle/>
-          <a:p>
-            <a:r>
-              <a:rPr lang="ru-RU" dirty="0"/>
-              <a:t>о</a:t>
-            </a:r>
-            <a:r>
-              <a:rPr lang="ru-RU" dirty="0" smtClean="0"/>
-              <a:t>бъекты классов</a:t>
-            </a:r>
-            <a:endParaRPr lang="ru-RU" dirty="0"/>
-          </a:p>
-        </p:txBody>
-      </p:sp>
-      <p:grpSp>
-        <p:nvGrpSpPr>
-          <p:cNvPr id="12" name="Группа 11"/>
-          <p:cNvGrpSpPr/>
-          <p:nvPr/>
-        </p:nvGrpSpPr>
-        <p:grpSpPr>
-          <a:xfrm>
-            <a:off x="3270165" y="3317427"/>
-            <a:ext cx="1296590" cy="1296590"/>
-            <a:chOff x="3408461" y="590301"/>
-            <a:chExt cx="1296590" cy="1296590"/>
-          </a:xfrm>
-        </p:grpSpPr>
-        <p:sp>
-          <p:nvSpPr>
-            <p:cNvPr id="13" name="Скругленный прямоугольник 12"/>
-            <p:cNvSpPr/>
-            <p:nvPr/>
-          </p:nvSpPr>
-          <p:spPr>
-            <a:xfrm>
-              <a:off x="3408461" y="590301"/>
-              <a:ext cx="1296590" cy="1296590"/>
-            </a:xfrm>
-            <a:prstGeom prst="roundRect">
-              <a:avLst/>
-            </a:prstGeom>
-          </p:spPr>
-          <p:style>
-            <a:lnRef idx="2">
-              <a:schemeClr val="lt1">
-                <a:hueOff val="0"/>
-                <a:satOff val="0"/>
-                <a:lumOff val="0"/>
-                <a:alphaOff val="0"/>
-              </a:schemeClr>
-            </a:lnRef>
-            <a:fillRef idx="1">
-              <a:schemeClr val="accent1">
-                <a:hueOff val="0"/>
-                <a:satOff val="0"/>
-                <a:lumOff val="0"/>
-                <a:alphaOff val="0"/>
-              </a:schemeClr>
-            </a:fillRef>
-            <a:effectRef idx="0">
-              <a:schemeClr val="accent1">
-                <a:hueOff val="0"/>
-                <a:satOff val="0"/>
-                <a:lumOff val="0"/>
-                <a:alphaOff val="0"/>
-              </a:schemeClr>
-            </a:effectRef>
-            <a:fontRef idx="minor">
-              <a:schemeClr val="lt1"/>
-            </a:fontRef>
-          </p:style>
-        </p:sp>
-        <p:sp>
-          <p:nvSpPr>
-            <p:cNvPr id="14" name="Скругленный прямоугольник 4"/>
-            <p:cNvSpPr/>
-            <p:nvPr/>
-          </p:nvSpPr>
-          <p:spPr>
-            <a:xfrm>
-              <a:off x="3471755" y="653595"/>
-              <a:ext cx="1170002" cy="1170002"/>
-            </a:xfrm>
-            <a:prstGeom prst="rect">
-              <a:avLst/>
-            </a:prstGeom>
-          </p:spPr>
-          <p:style>
-            <a:lnRef idx="0">
-              <a:scrgbClr r="0" g="0" b="0"/>
-            </a:lnRef>
-            <a:fillRef idx="0">
-              <a:scrgbClr r="0" g="0" b="0"/>
-            </a:fillRef>
-            <a:effectRef idx="0">
-              <a:scrgbClr r="0" g="0" b="0"/>
-            </a:effectRef>
-            <a:fontRef idx="minor">
-              <a:schemeClr val="lt1"/>
-            </a:fontRef>
-          </p:style>
-          <p:txBody>
-            <a:bodyPr spcFirstLastPara="0" vert="horz" wrap="square" lIns="12065" tIns="12065" rIns="12065" bIns="12065" numCol="1" spcCol="1270" anchor="ctr" anchorCtr="0">
-              <a:noAutofit/>
-            </a:bodyPr>
-            <a:lstStyle/>
-            <a:p>
-              <a:pPr lvl="0" algn="ctr" defTabSz="844550">
-                <a:lnSpc>
-                  <a:spcPct val="90000"/>
-                </a:lnSpc>
-                <a:spcBef>
-                  <a:spcPct val="0"/>
-                </a:spcBef>
-                <a:spcAft>
-                  <a:spcPct val="35000"/>
-                </a:spcAft>
-              </a:pPr>
-              <a:r>
-                <a:rPr lang="en-US" sz="1900" kern="1200" dirty="0" smtClean="0"/>
-                <a:t>Dispatcher</a:t>
-              </a:r>
-              <a:endParaRPr lang="ru-RU" sz="1900" kern="1200" dirty="0" smtClean="0"/>
-            </a:p>
-            <a:p>
-              <a:pPr lvl="0" algn="ctr" defTabSz="844550">
-                <a:lnSpc>
-                  <a:spcPct val="90000"/>
-                </a:lnSpc>
-                <a:spcBef>
-                  <a:spcPct val="0"/>
-                </a:spcBef>
-                <a:spcAft>
-                  <a:spcPct val="35000"/>
-                </a:spcAft>
-              </a:pPr>
-              <a:r>
-                <a:rPr lang="en-US" sz="1900" kern="1200" dirty="0" smtClean="0"/>
-                <a:t>Operation</a:t>
-              </a:r>
-              <a:endParaRPr lang="ru-RU" sz="1900" kern="1200" dirty="0" smtClean="0"/>
-            </a:p>
-            <a:p>
-              <a:pPr lvl="0" algn="ctr" defTabSz="844550">
-                <a:lnSpc>
-                  <a:spcPct val="90000"/>
-                </a:lnSpc>
-                <a:spcBef>
-                  <a:spcPct val="0"/>
-                </a:spcBef>
-                <a:spcAft>
-                  <a:spcPct val="35000"/>
-                </a:spcAft>
-              </a:pPr>
-              <a:r>
-                <a:rPr lang="en-US" sz="1900" kern="1200" dirty="0" smtClean="0"/>
-                <a:t>Validity</a:t>
-              </a:r>
-              <a:endParaRPr lang="ru-RU" sz="1900" kern="1200" dirty="0"/>
-            </a:p>
-          </p:txBody>
-        </p:sp>
-      </p:grpSp>
-      <p:sp>
-        <p:nvSpPr>
-          <p:cNvPr id="15" name="Стрелка вправо 14"/>
-          <p:cNvSpPr/>
-          <p:nvPr/>
-        </p:nvSpPr>
-        <p:spPr>
-          <a:xfrm>
-            <a:off x="4544097" y="3778638"/>
-            <a:ext cx="525014" cy="484632"/>
-          </a:xfrm>
-          <a:prstGeom prst="rightArrow">
-            <a:avLst/>
-          </a:prstGeom>
-        </p:spPr>
-        <p:style>
-          <a:lnRef idx="2">
-            <a:schemeClr val="accent1">
-              <a:shade val="50000"/>
-            </a:schemeClr>
-          </a:lnRef>
-          <a:fillRef idx="1">
-            <a:schemeClr val="accent1"/>
-          </a:fillRef>
-          <a:effectRef idx="0">
-            <a:schemeClr val="accent1"/>
-          </a:effectRef>
-          <a:fontRef idx="minor">
-            <a:schemeClr val="lt1"/>
-          </a:fontRef>
-        </p:style>
-        <p:txBody>
-          <a:bodyPr rtlCol="0" anchor="ctr"/>
-          <a:lstStyle/>
-          <a:p>
-            <a:pPr algn="ctr"/>
-            <a:endParaRPr lang="ru-RU"/>
-          </a:p>
-        </p:txBody>
-      </p:sp>
-    </p:spTree>
-    <p:extLst>
-      <p:ext uri="{BB962C8B-B14F-4D97-AF65-F5344CB8AC3E}">
-        <p14:creationId xmlns:p14="http://schemas.microsoft.com/office/powerpoint/2010/main" val="4054293722"/>
-      </p:ext>
-    </p:extLst>
-  </p:cSld>
-  <p:clrMapOvr>
-    <a:masterClrMapping/>
-  </p:clrMapOvr>
-</p:sld>
-</file>
-
-<file path=ppt/slides/slide5.xml><?xml version="1.0" encoding="utf-8"?>
-<p:sld xmlns:a="http://schemas.openxmlformats.org/drawingml/2006/main" xmlns:r="http://schemas.openxmlformats.org/officeDocument/2006/relationships" xmlns:p="http://schemas.openxmlformats.org/presentationml/2006/main">
-  <p:cSld>
-    <p:spTree>
-      <p:nvGrpSpPr>
-        <p:cNvPr id="1" name=""/>
-        <p:cNvGrpSpPr/>
-        <p:nvPr/>
-      </p:nvGrpSpPr>
-      <p:grpSpPr>
-        <a:xfrm>
-          <a:off x="0" y="0"/>
-          <a:ext cx="0" cy="0"/>
-          <a:chOff x="0" y="0"/>
-          <a:chExt cx="0" cy="0"/>
-        </a:xfrm>
-      </p:grpSpPr>
-      <p:sp>
-        <p:nvSpPr>
-          <p:cNvPr id="2" name="Заголовок 1"/>
-          <p:cNvSpPr>
-            <a:spLocks noGrp="1"/>
-          </p:cNvSpPr>
-          <p:nvPr>
-            <p:ph type="title"/>
-          </p:nvPr>
-        </p:nvSpPr>
-        <p:spPr>
-          <a:xfrm>
-            <a:off x="1097280" y="286604"/>
-            <a:ext cx="10058400" cy="1118248"/>
-          </a:xfrm>
-        </p:spPr>
-        <p:txBody>
-          <a:bodyPr/>
-          <a:lstStyle/>
-          <a:p>
-            <a:endParaRPr lang="ru-RU" dirty="0"/>
-          </a:p>
-        </p:txBody>
-      </p:sp>
-      <p:graphicFrame>
-        <p:nvGraphicFramePr>
-          <p:cNvPr id="7" name="Объект 6"/>
-          <p:cNvGraphicFramePr>
-            <a:graphicFrameLocks noGrp="1"/>
-          </p:cNvGraphicFramePr>
-          <p:nvPr>
-            <p:ph idx="1"/>
-            <p:extLst>
-              <p:ext uri="{D42A27DB-BD31-4B8C-83A1-F6EECF244321}">
-                <p14:modId xmlns:p14="http://schemas.microsoft.com/office/powerpoint/2010/main" val="793467764"/>
-              </p:ext>
-            </p:extLst>
-          </p:nvPr>
-        </p:nvGraphicFramePr>
-        <p:xfrm>
-          <a:off x="1096963" y="1479665"/>
-          <a:ext cx="10058400" cy="2477193"/>
-        </p:xfrm>
-        <a:graphic>
-          <a:graphicData uri="http://schemas.openxmlformats.org/drawingml/2006/diagram">
-            <dgm:relIds xmlns:dgm="http://schemas.openxmlformats.org/drawingml/2006/diagram" xmlns:r="http://schemas.openxmlformats.org/officeDocument/2006/relationships" r:dm="rId2" r:lo="rId3" r:qs="rId4" r:cs="rId5"/>
-          </a:graphicData>
-        </a:graphic>
-      </p:graphicFrame>
-      <p:sp>
-        <p:nvSpPr>
-          <p:cNvPr id="4" name="Дата 3"/>
-          <p:cNvSpPr>
-            <a:spLocks noGrp="1"/>
-          </p:cNvSpPr>
-          <p:nvPr>
-            <p:ph type="dt" sz="half" idx="10"/>
-          </p:nvPr>
-        </p:nvSpPr>
-        <p:spPr/>
-        <p:txBody>
-          <a:bodyPr/>
-          <a:lstStyle/>
-          <a:p>
-            <a:fld id="{8AC5719E-8A6A-457D-98CF-1B213C53F5CE}" type="datetime1">
-              <a:rPr lang="ru-RU" smtClean="0"/>
-              <a:t>19.10.2025</a:t>
-            </a:fld>
-            <a:endParaRPr lang="ru-RU"/>
-          </a:p>
-        </p:txBody>
-      </p:sp>
-      <p:sp>
-        <p:nvSpPr>
-          <p:cNvPr id="5" name="Нижний колонтитул 4"/>
-          <p:cNvSpPr>
-            <a:spLocks noGrp="1"/>
-          </p:cNvSpPr>
-          <p:nvPr>
-            <p:ph type="ftr" sz="quarter" idx="11"/>
-          </p:nvPr>
-        </p:nvSpPr>
-        <p:spPr/>
-        <p:txBody>
-          <a:bodyPr/>
-          <a:lstStyle/>
-          <a:p>
-            <a:endParaRPr lang="ru-RU"/>
-          </a:p>
-        </p:txBody>
-      </p:sp>
-      <p:sp>
-        <p:nvSpPr>
-          <p:cNvPr id="6" name="Номер слайда 5"/>
-          <p:cNvSpPr>
-            <a:spLocks noGrp="1"/>
-          </p:cNvSpPr>
-          <p:nvPr>
-            <p:ph type="sldNum" sz="quarter" idx="12"/>
-          </p:nvPr>
-        </p:nvSpPr>
-        <p:spPr/>
-        <p:txBody>
-          <a:bodyPr/>
-          <a:lstStyle/>
-          <a:p>
-            <a:fld id="{DEBD715E-836E-42D1-BDDD-058C1EE5707C}" type="slidenum">
-              <a:rPr lang="ru-RU" smtClean="0"/>
-              <a:t>5</a:t>
-            </a:fld>
-            <a:endParaRPr lang="ru-RU"/>
-          </a:p>
-        </p:txBody>
-      </p:sp>
-      <p:sp>
-        <p:nvSpPr>
-          <p:cNvPr id="8" name="TextBox 7"/>
-          <p:cNvSpPr txBox="1"/>
-          <p:nvPr/>
-        </p:nvSpPr>
-        <p:spPr>
-          <a:xfrm>
-            <a:off x="7338389" y="3538447"/>
-            <a:ext cx="4624984" cy="369332"/>
-          </a:xfrm>
-          <a:prstGeom prst="rect">
-            <a:avLst/>
-          </a:prstGeom>
-          <a:noFill/>
-        </p:spPr>
-        <p:txBody>
-          <a:bodyPr wrap="none" rtlCol="0">
-            <a:spAutoFit/>
-          </a:bodyPr>
-          <a:lstStyle/>
-          <a:p>
-            <a:r>
-              <a:rPr lang="ru-RU" dirty="0" smtClean="0"/>
-              <a:t>формирует базу </a:t>
-            </a:r>
-            <a:r>
-              <a:rPr lang="ru-RU" dirty="0" smtClean="0"/>
-              <a:t>документов (много потоков)</a:t>
-            </a:r>
-            <a:endParaRPr lang="ru-RU" dirty="0"/>
-          </a:p>
-        </p:txBody>
-      </p:sp>
-      <p:graphicFrame>
-        <p:nvGraphicFramePr>
-          <p:cNvPr id="9" name="Объект 6"/>
-          <p:cNvGraphicFramePr>
-            <a:graphicFrameLocks/>
-          </p:cNvGraphicFramePr>
-          <p:nvPr>
-            <p:extLst>
-              <p:ext uri="{D42A27DB-BD31-4B8C-83A1-F6EECF244321}">
-                <p14:modId xmlns:p14="http://schemas.microsoft.com/office/powerpoint/2010/main" val="299934725"/>
-              </p:ext>
-            </p:extLst>
-          </p:nvPr>
-        </p:nvGraphicFramePr>
-        <p:xfrm>
-          <a:off x="1096963" y="4031671"/>
-          <a:ext cx="10058400" cy="1837317"/>
-        </p:xfrm>
-        <a:graphic>
-          <a:graphicData uri="http://schemas.openxmlformats.org/drawingml/2006/diagram">
-            <dgm:relIds xmlns:dgm="http://schemas.openxmlformats.org/drawingml/2006/diagram" xmlns:r="http://schemas.openxmlformats.org/officeDocument/2006/relationships" r:dm="rId7" r:lo="rId8" r:qs="rId9" r:cs="rId10"/>
-          </a:graphicData>
-        </a:graphic>
-      </p:graphicFrame>
-      <p:sp>
-        <p:nvSpPr>
-          <p:cNvPr id="3" name="Прямоугольник 2"/>
-          <p:cNvSpPr/>
-          <p:nvPr/>
-        </p:nvSpPr>
-        <p:spPr>
-          <a:xfrm>
-            <a:off x="5786449" y="5759135"/>
-            <a:ext cx="2722540" cy="369332"/>
-          </a:xfrm>
-          <a:prstGeom prst="rect">
-            <a:avLst/>
-          </a:prstGeom>
-        </p:spPr>
-        <p:txBody>
-          <a:bodyPr wrap="none">
-            <a:spAutoFit/>
-          </a:bodyPr>
-          <a:lstStyle/>
-          <a:p>
-            <a:r>
-              <a:rPr lang="ru-RU" dirty="0"/>
-              <a:t>формирует базу запросов</a:t>
-            </a:r>
-          </a:p>
-        </p:txBody>
-      </p:sp>
-    </p:spTree>
-    <p:extLst>
-      <p:ext uri="{BB962C8B-B14F-4D97-AF65-F5344CB8AC3E}">
-        <p14:creationId xmlns:p14="http://schemas.microsoft.com/office/powerpoint/2010/main" val="3976156181"/>
-      </p:ext>
-    </p:extLst>
-  </p:cSld>
-  <p:clrMapOvr>
-    <a:masterClrMapping/>
-  </p:clrMapOvr>
-</p:sld>
-</file>
-
-<file path=ppt/slides/slide6.xml><?xml version="1.0" encoding="utf-8"?>
-<p:sld xmlns:a="http://schemas.openxmlformats.org/drawingml/2006/main" xmlns:r="http://schemas.openxmlformats.org/officeDocument/2006/relationships" xmlns:p="http://schemas.openxmlformats.org/presentationml/2006/main">
-  <p:cSld>
-    <p:spTree>
-      <p:nvGrpSpPr>
-        <p:cNvPr id="1" name=""/>
-        <p:cNvGrpSpPr/>
-        <p:nvPr/>
-      </p:nvGrpSpPr>
-      <p:grpSpPr>
-        <a:xfrm>
-          <a:off x="0" y="0"/>
-          <a:ext cx="0" cy="0"/>
-          <a:chOff x="0" y="0"/>
-          <a:chExt cx="0" cy="0"/>
-        </a:xfrm>
-      </p:grpSpPr>
-      <p:sp>
-        <p:nvSpPr>
-          <p:cNvPr id="2" name="Заголовок 1"/>
-          <p:cNvSpPr>
-            <a:spLocks noGrp="1"/>
-          </p:cNvSpPr>
-          <p:nvPr>
-            <p:ph type="title"/>
-          </p:nvPr>
-        </p:nvSpPr>
-        <p:spPr/>
-        <p:txBody>
-          <a:bodyPr/>
-          <a:lstStyle/>
-          <a:p>
-            <a:endParaRPr lang="ru-RU"/>
-          </a:p>
-        </p:txBody>
-      </p:sp>
-      <p:sp>
-        <p:nvSpPr>
-          <p:cNvPr id="4" name="Дата 3"/>
-          <p:cNvSpPr>
-            <a:spLocks noGrp="1"/>
-          </p:cNvSpPr>
-          <p:nvPr>
-            <p:ph type="dt" sz="half" idx="10"/>
-          </p:nvPr>
-        </p:nvSpPr>
-        <p:spPr/>
-        <p:txBody>
-          <a:bodyPr/>
-          <a:lstStyle/>
-          <a:p>
-            <a:fld id="{8AC5719E-8A6A-457D-98CF-1B213C53F5CE}" type="datetime1">
-              <a:rPr lang="ru-RU" smtClean="0"/>
-              <a:t>19.10.2025</a:t>
-            </a:fld>
-            <a:endParaRPr lang="ru-RU"/>
-          </a:p>
-        </p:txBody>
-      </p:sp>
-      <p:sp>
-        <p:nvSpPr>
-          <p:cNvPr id="5" name="Нижний колонтитул 4"/>
-          <p:cNvSpPr>
-            <a:spLocks noGrp="1"/>
-          </p:cNvSpPr>
-          <p:nvPr>
-            <p:ph type="ftr" sz="quarter" idx="11"/>
-          </p:nvPr>
-        </p:nvSpPr>
-        <p:spPr/>
-        <p:txBody>
-          <a:bodyPr/>
-          <a:lstStyle/>
-          <a:p>
-            <a:endParaRPr lang="ru-RU"/>
-          </a:p>
-        </p:txBody>
-      </p:sp>
-      <p:sp>
-        <p:nvSpPr>
-          <p:cNvPr id="6" name="Номер слайда 5"/>
-          <p:cNvSpPr>
-            <a:spLocks noGrp="1"/>
-          </p:cNvSpPr>
-          <p:nvPr>
-            <p:ph type="sldNum" sz="quarter" idx="12"/>
-          </p:nvPr>
-        </p:nvSpPr>
-        <p:spPr/>
-        <p:txBody>
-          <a:bodyPr/>
-          <a:lstStyle/>
-          <a:p>
-            <a:fld id="{DEBD715E-836E-42D1-BDDD-058C1EE5707C}" type="slidenum">
-              <a:rPr lang="ru-RU" smtClean="0"/>
-              <a:t>6</a:t>
-            </a:fld>
-            <a:endParaRPr lang="ru-RU"/>
-          </a:p>
-        </p:txBody>
-      </p:sp>
-      <p:graphicFrame>
-        <p:nvGraphicFramePr>
-          <p:cNvPr id="7" name="Объект 6"/>
-          <p:cNvGraphicFramePr>
-            <a:graphicFrameLocks/>
-          </p:cNvGraphicFramePr>
-          <p:nvPr>
-            <p:extLst>
-              <p:ext uri="{D42A27DB-BD31-4B8C-83A1-F6EECF244321}">
-                <p14:modId xmlns:p14="http://schemas.microsoft.com/office/powerpoint/2010/main" val="151285255"/>
-              </p:ext>
-            </p:extLst>
-          </p:nvPr>
-        </p:nvGraphicFramePr>
-        <p:xfrm>
-          <a:off x="1096963" y="3998422"/>
-          <a:ext cx="10058400" cy="1870566"/>
-        </p:xfrm>
-        <a:graphic>
-          <a:graphicData uri="http://schemas.openxmlformats.org/drawingml/2006/diagram">
-            <dgm:relIds xmlns:dgm="http://schemas.openxmlformats.org/drawingml/2006/diagram" xmlns:r="http://schemas.openxmlformats.org/officeDocument/2006/relationships" r:dm="rId2" r:lo="rId3" r:qs="rId4" r:cs="rId5"/>
-          </a:graphicData>
-        </a:graphic>
-      </p:graphicFrame>
-      <p:sp>
-        <p:nvSpPr>
-          <p:cNvPr id="8" name="TextBox 7"/>
-          <p:cNvSpPr txBox="1"/>
-          <p:nvPr/>
-        </p:nvSpPr>
-        <p:spPr>
-          <a:xfrm>
-            <a:off x="5677276" y="3318296"/>
-            <a:ext cx="2473692" cy="1200329"/>
-          </a:xfrm>
-          <a:prstGeom prst="rect">
-            <a:avLst/>
-          </a:prstGeom>
-          <a:noFill/>
-        </p:spPr>
-        <p:txBody>
-          <a:bodyPr wrap="square" rtlCol="0">
-            <a:spAutoFit/>
-          </a:bodyPr>
-          <a:lstStyle/>
-          <a:p>
-            <a:r>
-              <a:rPr lang="ru-RU" dirty="0" smtClean="0"/>
-              <a:t>формирует базу инвертированных </a:t>
-            </a:r>
-            <a:r>
-              <a:rPr lang="ru-RU" dirty="0" smtClean="0"/>
-              <a:t>индексов (много потоков)</a:t>
-            </a:r>
-            <a:endParaRPr lang="ru-RU" dirty="0"/>
-          </a:p>
-        </p:txBody>
-      </p:sp>
-      <p:graphicFrame>
-        <p:nvGraphicFramePr>
-          <p:cNvPr id="9" name="Объект 6"/>
-          <p:cNvGraphicFramePr>
-            <a:graphicFrameLocks noGrp="1"/>
-          </p:cNvGraphicFramePr>
-          <p:nvPr>
-            <p:ph idx="1"/>
-            <p:extLst>
-              <p:ext uri="{D42A27DB-BD31-4B8C-83A1-F6EECF244321}">
-                <p14:modId xmlns:p14="http://schemas.microsoft.com/office/powerpoint/2010/main" val="3703318879"/>
-              </p:ext>
-            </p:extLst>
-          </p:nvPr>
-        </p:nvGraphicFramePr>
-        <p:xfrm>
-          <a:off x="1096963" y="1846264"/>
-          <a:ext cx="10058400" cy="1894464"/>
-        </p:xfrm>
-        <a:graphic>
-          <a:graphicData uri="http://schemas.openxmlformats.org/drawingml/2006/diagram">
-            <dgm:relIds xmlns:dgm="http://schemas.openxmlformats.org/drawingml/2006/diagram" xmlns:r="http://schemas.openxmlformats.org/officeDocument/2006/relationships" r:dm="rId7" r:lo="rId8" r:qs="rId9" r:cs="rId10"/>
-          </a:graphicData>
-        </a:graphic>
-      </p:graphicFrame>
-      <p:sp>
-        <p:nvSpPr>
-          <p:cNvPr id="10" name="TextBox 9"/>
-          <p:cNvSpPr txBox="1"/>
-          <p:nvPr/>
-        </p:nvSpPr>
-        <p:spPr>
-          <a:xfrm>
-            <a:off x="6278563" y="5670455"/>
-            <a:ext cx="2473692" cy="646331"/>
-          </a:xfrm>
-          <a:prstGeom prst="rect">
-            <a:avLst/>
-          </a:prstGeom>
-          <a:noFill/>
-        </p:spPr>
-        <p:txBody>
-          <a:bodyPr wrap="square" rtlCol="0">
-            <a:spAutoFit/>
-          </a:bodyPr>
-          <a:lstStyle/>
-          <a:p>
-            <a:r>
-              <a:rPr lang="ru-RU" dirty="0" smtClean="0"/>
-              <a:t>формирует базу релевантности ответов</a:t>
-            </a:r>
-            <a:endParaRPr lang="ru-RU" dirty="0"/>
-          </a:p>
-        </p:txBody>
-      </p:sp>
-    </p:spTree>
-    <p:extLst>
-      <p:ext uri="{BB962C8B-B14F-4D97-AF65-F5344CB8AC3E}">
-        <p14:creationId xmlns:p14="http://schemas.microsoft.com/office/powerpoint/2010/main" val="3078828939"/>
-      </p:ext>
-    </p:extLst>
-  </p:cSld>
-  <p:clrMapOvr>
-    <a:masterClrMapping/>
-  </p:clrMapOvr>
-</p:sld>
-</file>
-
-<file path=ppt/slides/slide7.xml><?xml version="1.0" encoding="utf-8"?>
-<p:sld xmlns:a="http://schemas.openxmlformats.org/drawingml/2006/main" xmlns:r="http://schemas.openxmlformats.org/officeDocument/2006/relationships" xmlns:p="http://schemas.openxmlformats.org/presentationml/2006/main">
-  <p:cSld>
-    <p:spTree>
-      <p:nvGrpSpPr>
-        <p:cNvPr id="1" name=""/>
-        <p:cNvGrpSpPr/>
-        <p:nvPr/>
-      </p:nvGrpSpPr>
-      <p:grpSpPr>
-        <a:xfrm>
-          <a:off x="0" y="0"/>
-          <a:ext cx="0" cy="0"/>
-          <a:chOff x="0" y="0"/>
-          <a:chExt cx="0" cy="0"/>
-        </a:xfrm>
-      </p:grpSpPr>
-      <p:sp>
-        <p:nvSpPr>
-          <p:cNvPr id="2" name="Заголовок 1"/>
-          <p:cNvSpPr>
-            <a:spLocks noGrp="1"/>
-          </p:cNvSpPr>
-          <p:nvPr>
-            <p:ph type="title"/>
-          </p:nvPr>
-        </p:nvSpPr>
-        <p:spPr/>
-        <p:txBody>
-          <a:bodyPr/>
-          <a:lstStyle/>
-          <a:p>
-            <a:endParaRPr lang="ru-RU"/>
-          </a:p>
-        </p:txBody>
-      </p:sp>
-      <p:sp>
-        <p:nvSpPr>
-          <p:cNvPr id="4" name="Дата 3"/>
-          <p:cNvSpPr>
-            <a:spLocks noGrp="1"/>
-          </p:cNvSpPr>
-          <p:nvPr>
-            <p:ph type="dt" sz="half" idx="10"/>
-          </p:nvPr>
-        </p:nvSpPr>
-        <p:spPr/>
-        <p:txBody>
-          <a:bodyPr/>
-          <a:lstStyle/>
-          <a:p>
-            <a:fld id="{8AC5719E-8A6A-457D-98CF-1B213C53F5CE}" type="datetime1">
-              <a:rPr lang="ru-RU" smtClean="0"/>
-              <a:t>19.10.2025</a:t>
-            </a:fld>
-            <a:endParaRPr lang="ru-RU"/>
-          </a:p>
-        </p:txBody>
-      </p:sp>
-      <p:sp>
-        <p:nvSpPr>
-          <p:cNvPr id="5" name="Нижний колонтитул 4"/>
-          <p:cNvSpPr>
-            <a:spLocks noGrp="1"/>
-          </p:cNvSpPr>
-          <p:nvPr>
-            <p:ph type="ftr" sz="quarter" idx="11"/>
-          </p:nvPr>
-        </p:nvSpPr>
-        <p:spPr/>
-        <p:txBody>
-          <a:bodyPr/>
-          <a:lstStyle/>
-          <a:p>
-            <a:endParaRPr lang="ru-RU"/>
-          </a:p>
-        </p:txBody>
-      </p:sp>
-      <p:sp>
-        <p:nvSpPr>
-          <p:cNvPr id="6" name="Номер слайда 5"/>
-          <p:cNvSpPr>
-            <a:spLocks noGrp="1"/>
-          </p:cNvSpPr>
-          <p:nvPr>
-            <p:ph type="sldNum" sz="quarter" idx="12"/>
-          </p:nvPr>
-        </p:nvSpPr>
-        <p:spPr/>
-        <p:txBody>
-          <a:bodyPr/>
-          <a:lstStyle/>
-          <a:p>
-            <a:fld id="{DEBD715E-836E-42D1-BDDD-058C1EE5707C}" type="slidenum">
-              <a:rPr lang="ru-RU" smtClean="0"/>
-              <a:t>7</a:t>
+              <a:t>10</a:t>
             </a:fld>
             <a:endParaRPr lang="ru-RU"/>
           </a:p>
@@ -42136,7 +41706,7 @@
 </p:sld>
 </file>
 
-<file path=ppt/slides/slide8.xml><?xml version="1.0" encoding="utf-8"?>
+<file path=ppt/slides/slide11.xml><?xml version="1.0" encoding="utf-8"?>
 <p:sld xmlns:a="http://schemas.openxmlformats.org/drawingml/2006/main" xmlns:r="http://schemas.openxmlformats.org/officeDocument/2006/relationships" xmlns:p="http://schemas.openxmlformats.org/presentationml/2006/main">
   <p:cSld>
     <p:spTree>
@@ -42227,7 +41797,7 @@
           <a:p>
             <a:fld id="{AA82D743-4282-4860-9AE2-FAD442C19B6D}" type="datetime1">
               <a:rPr lang="ru-RU" smtClean="0"/>
-              <a:t>19.10.2025</a:t>
+              <a:t>21.10.2025</a:t>
             </a:fld>
             <a:endParaRPr lang="ru-RU"/>
           </a:p>
@@ -42269,7 +41839,7 @@
           <a:p>
             <a:fld id="{DEBD715E-836E-42D1-BDDD-058C1EE5707C}" type="slidenum">
               <a:rPr lang="ru-RU" smtClean="0"/>
-              <a:t>8</a:t>
+              <a:t>11</a:t>
             </a:fld>
             <a:endParaRPr lang="ru-RU"/>
           </a:p>
@@ -42288,7 +41858,7 @@
 </p:sld>
 </file>
 
-<file path=ppt/slides/slide9.xml><?xml version="1.0" encoding="utf-8"?>
+<file path=ppt/slides/slide12.xml><?xml version="1.0" encoding="utf-8"?>
 <p:sld xmlns:a="http://schemas.openxmlformats.org/drawingml/2006/main" xmlns:r="http://schemas.openxmlformats.org/officeDocument/2006/relationships" xmlns:p="http://schemas.openxmlformats.org/presentationml/2006/main">
   <p:cSld>
     <p:spTree>
@@ -42396,7 +41966,7 @@
           <a:p>
             <a:fld id="{8D89F477-1E06-42B9-98CE-724D285F544D}" type="datetime1">
               <a:rPr lang="ru-RU" smtClean="0"/>
-              <a:t>19.10.2025</a:t>
+              <a:t>21.10.2025</a:t>
             </a:fld>
             <a:endParaRPr lang="ru-RU"/>
           </a:p>
@@ -42438,7 +42008,7 @@
           <a:p>
             <a:fld id="{DEBD715E-836E-42D1-BDDD-058C1EE5707C}" type="slidenum">
               <a:rPr lang="ru-RU" smtClean="0"/>
-              <a:t>9</a:t>
+              <a:t>12</a:t>
             </a:fld>
             <a:endParaRPr lang="ru-RU"/>
           </a:p>
@@ -43153,6 +42723,2424 @@
 </p:sld>
 </file>
 
+<file path=ppt/slides/slide13.xml><?xml version="1.0" encoding="utf-8"?>
+<p:sld xmlns:a="http://schemas.openxmlformats.org/drawingml/2006/main" xmlns:r="http://schemas.openxmlformats.org/officeDocument/2006/relationships" xmlns:p="http://schemas.openxmlformats.org/presentationml/2006/main">
+  <p:cSld>
+    <p:spTree>
+      <p:nvGrpSpPr>
+        <p:cNvPr id="1" name=""/>
+        <p:cNvGrpSpPr/>
+        <p:nvPr/>
+      </p:nvGrpSpPr>
+      <p:grpSpPr>
+        <a:xfrm>
+          <a:off x="0" y="0"/>
+          <a:ext cx="0" cy="0"/>
+          <a:chOff x="0" y="0"/>
+          <a:chExt cx="0" cy="0"/>
+        </a:xfrm>
+      </p:grpSpPr>
+      <p:sp>
+        <p:nvSpPr>
+          <p:cNvPr id="2" name="Заголовок 1"/>
+          <p:cNvSpPr>
+            <a:spLocks noGrp="1"/>
+          </p:cNvSpPr>
+          <p:nvPr>
+            <p:ph type="title"/>
+          </p:nvPr>
+        </p:nvSpPr>
+        <p:spPr/>
+        <p:txBody>
+          <a:bodyPr/>
+          <a:lstStyle/>
+          <a:p>
+            <a:r>
+              <a:rPr lang="ru-RU" dirty="0" smtClean="0"/>
+              <a:t>Библиотека </a:t>
+            </a:r>
+            <a:r>
+              <a:rPr lang="en-US" dirty="0" smtClean="0"/>
+              <a:t>kav_check</a:t>
+            </a:r>
+            <a:endParaRPr lang="ru-RU" dirty="0"/>
+          </a:p>
+        </p:txBody>
+      </p:sp>
+      <p:sp>
+        <p:nvSpPr>
+          <p:cNvPr id="3" name="Дата 2"/>
+          <p:cNvSpPr>
+            <a:spLocks noGrp="1"/>
+          </p:cNvSpPr>
+          <p:nvPr>
+            <p:ph type="dt" sz="half" idx="10"/>
+          </p:nvPr>
+        </p:nvSpPr>
+        <p:spPr/>
+        <p:txBody>
+          <a:bodyPr/>
+          <a:lstStyle/>
+          <a:p>
+            <a:fld id="{5415850B-FCCB-4950-8D75-8D81D52F3FBD}" type="datetime1">
+              <a:rPr lang="ru-RU" smtClean="0"/>
+              <a:t>21.10.2025</a:t>
+            </a:fld>
+            <a:endParaRPr lang="ru-RU"/>
+          </a:p>
+        </p:txBody>
+      </p:sp>
+      <p:sp>
+        <p:nvSpPr>
+          <p:cNvPr id="4" name="Нижний колонтитул 3"/>
+          <p:cNvSpPr>
+            <a:spLocks noGrp="1"/>
+          </p:cNvSpPr>
+          <p:nvPr>
+            <p:ph type="ftr" sz="quarter" idx="11"/>
+          </p:nvPr>
+        </p:nvSpPr>
+        <p:spPr/>
+        <p:txBody>
+          <a:bodyPr/>
+          <a:lstStyle/>
+          <a:p>
+            <a:endParaRPr lang="ru-RU"/>
+          </a:p>
+        </p:txBody>
+      </p:sp>
+      <p:sp>
+        <p:nvSpPr>
+          <p:cNvPr id="5" name="Номер слайда 4"/>
+          <p:cNvSpPr>
+            <a:spLocks noGrp="1"/>
+          </p:cNvSpPr>
+          <p:nvPr>
+            <p:ph type="sldNum" sz="quarter" idx="12"/>
+          </p:nvPr>
+        </p:nvSpPr>
+        <p:spPr/>
+        <p:txBody>
+          <a:bodyPr/>
+          <a:lstStyle/>
+          <a:p>
+            <a:fld id="{DEBD715E-836E-42D1-BDDD-058C1EE5707C}" type="slidenum">
+              <a:rPr lang="ru-RU" smtClean="0"/>
+              <a:t>13</a:t>
+            </a:fld>
+            <a:endParaRPr lang="ru-RU"/>
+          </a:p>
+        </p:txBody>
+      </p:sp>
+      <p:graphicFrame>
+        <p:nvGraphicFramePr>
+          <p:cNvPr id="6" name="Схема 5"/>
+          <p:cNvGraphicFramePr/>
+          <p:nvPr>
+            <p:extLst>
+              <p:ext uri="{D42A27DB-BD31-4B8C-83A1-F6EECF244321}">
+                <p14:modId xmlns:p14="http://schemas.microsoft.com/office/powerpoint/2010/main" val="2642172954"/>
+              </p:ext>
+            </p:extLst>
+          </p:nvPr>
+        </p:nvGraphicFramePr>
+        <p:xfrm>
+          <a:off x="2947595" y="1855694"/>
+          <a:ext cx="8208085" cy="3987175"/>
+        </p:xfrm>
+        <a:graphic>
+          <a:graphicData uri="http://schemas.openxmlformats.org/drawingml/2006/diagram">
+            <dgm:relIds xmlns:dgm="http://schemas.openxmlformats.org/drawingml/2006/diagram" xmlns:r="http://schemas.openxmlformats.org/officeDocument/2006/relationships" r:dm="rId2" r:lo="rId3" r:qs="rId4" r:cs="rId5"/>
+          </a:graphicData>
+        </a:graphic>
+      </p:graphicFrame>
+    </p:spTree>
+    <p:extLst>
+      <p:ext uri="{BB962C8B-B14F-4D97-AF65-F5344CB8AC3E}">
+        <p14:creationId xmlns:p14="http://schemas.microsoft.com/office/powerpoint/2010/main" val="1543651154"/>
+      </p:ext>
+    </p:extLst>
+  </p:cSld>
+  <p:clrMapOvr>
+    <a:masterClrMapping/>
+  </p:clrMapOvr>
+  <p:timing>
+    <p:tnLst>
+      <p:par>
+        <p:cTn id="1" dur="indefinite" restart="never" nodeType="tmRoot"/>
+      </p:par>
+    </p:tnLst>
+  </p:timing>
+</p:sld>
+</file>
+
+<file path=ppt/slides/slide14.xml><?xml version="1.0" encoding="utf-8"?>
+<p:sld xmlns:a="http://schemas.openxmlformats.org/drawingml/2006/main" xmlns:r="http://schemas.openxmlformats.org/officeDocument/2006/relationships" xmlns:p="http://schemas.openxmlformats.org/presentationml/2006/main">
+  <p:cSld>
+    <p:spTree>
+      <p:nvGrpSpPr>
+        <p:cNvPr id="1" name=""/>
+        <p:cNvGrpSpPr/>
+        <p:nvPr/>
+      </p:nvGrpSpPr>
+      <p:grpSpPr>
+        <a:xfrm>
+          <a:off x="0" y="0"/>
+          <a:ext cx="0" cy="0"/>
+          <a:chOff x="0" y="0"/>
+          <a:chExt cx="0" cy="0"/>
+        </a:xfrm>
+      </p:grpSpPr>
+      <p:sp>
+        <p:nvSpPr>
+          <p:cNvPr id="2" name="Заголовок 1"/>
+          <p:cNvSpPr>
+            <a:spLocks noGrp="1"/>
+          </p:cNvSpPr>
+          <p:nvPr>
+            <p:ph type="title"/>
+          </p:nvPr>
+        </p:nvSpPr>
+        <p:spPr>
+          <a:xfrm>
+            <a:off x="1097280" y="286603"/>
+            <a:ext cx="10058400" cy="735373"/>
+          </a:xfrm>
+        </p:spPr>
+        <p:txBody>
+          <a:bodyPr/>
+          <a:lstStyle/>
+          <a:p>
+            <a:r>
+              <a:rPr lang="ru-RU" dirty="0" smtClean="0"/>
+              <a:t>Библиотека </a:t>
+            </a:r>
+            <a:r>
+              <a:rPr lang="en-US" dirty="0" smtClean="0"/>
+              <a:t>kav_logger</a:t>
+            </a:r>
+            <a:endParaRPr lang="ru-RU" dirty="0"/>
+          </a:p>
+        </p:txBody>
+      </p:sp>
+      <p:sp>
+        <p:nvSpPr>
+          <p:cNvPr id="3" name="Дата 2"/>
+          <p:cNvSpPr>
+            <a:spLocks noGrp="1"/>
+          </p:cNvSpPr>
+          <p:nvPr>
+            <p:ph type="dt" sz="half" idx="10"/>
+          </p:nvPr>
+        </p:nvSpPr>
+        <p:spPr/>
+        <p:txBody>
+          <a:bodyPr/>
+          <a:lstStyle/>
+          <a:p>
+            <a:fld id="{5415850B-FCCB-4950-8D75-8D81D52F3FBD}" type="datetime1">
+              <a:rPr lang="ru-RU" smtClean="0"/>
+              <a:t>21.10.2025</a:t>
+            </a:fld>
+            <a:endParaRPr lang="ru-RU"/>
+          </a:p>
+        </p:txBody>
+      </p:sp>
+      <p:sp>
+        <p:nvSpPr>
+          <p:cNvPr id="4" name="Нижний колонтитул 3"/>
+          <p:cNvSpPr>
+            <a:spLocks noGrp="1"/>
+          </p:cNvSpPr>
+          <p:nvPr>
+            <p:ph type="ftr" sz="quarter" idx="11"/>
+          </p:nvPr>
+        </p:nvSpPr>
+        <p:spPr/>
+        <p:txBody>
+          <a:bodyPr/>
+          <a:lstStyle/>
+          <a:p>
+            <a:endParaRPr lang="ru-RU"/>
+          </a:p>
+        </p:txBody>
+      </p:sp>
+      <p:sp>
+        <p:nvSpPr>
+          <p:cNvPr id="5" name="Номер слайда 4"/>
+          <p:cNvSpPr>
+            <a:spLocks noGrp="1"/>
+          </p:cNvSpPr>
+          <p:nvPr>
+            <p:ph type="sldNum" sz="quarter" idx="12"/>
+          </p:nvPr>
+        </p:nvSpPr>
+        <p:spPr/>
+        <p:txBody>
+          <a:bodyPr/>
+          <a:lstStyle/>
+          <a:p>
+            <a:fld id="{DEBD715E-836E-42D1-BDDD-058C1EE5707C}" type="slidenum">
+              <a:rPr lang="ru-RU" smtClean="0"/>
+              <a:t>14</a:t>
+            </a:fld>
+            <a:endParaRPr lang="ru-RU"/>
+          </a:p>
+        </p:txBody>
+      </p:sp>
+      <p:graphicFrame>
+        <p:nvGraphicFramePr>
+          <p:cNvPr id="6" name="Схема 5"/>
+          <p:cNvGraphicFramePr/>
+          <p:nvPr>
+            <p:extLst>
+              <p:ext uri="{D42A27DB-BD31-4B8C-83A1-F6EECF244321}">
+                <p14:modId xmlns:p14="http://schemas.microsoft.com/office/powerpoint/2010/main" val="1091872992"/>
+              </p:ext>
+            </p:extLst>
+          </p:nvPr>
+        </p:nvGraphicFramePr>
+        <p:xfrm>
+          <a:off x="3287222" y="1104599"/>
+          <a:ext cx="7868458" cy="3901440"/>
+        </p:xfrm>
+        <a:graphic>
+          <a:graphicData uri="http://schemas.openxmlformats.org/drawingml/2006/diagram">
+            <dgm:relIds xmlns:dgm="http://schemas.openxmlformats.org/drawingml/2006/diagram" xmlns:r="http://schemas.openxmlformats.org/officeDocument/2006/relationships" r:dm="rId2" r:lo="rId3" r:qs="rId4" r:cs="rId5"/>
+          </a:graphicData>
+        </a:graphic>
+      </p:graphicFrame>
+      <p:sp>
+        <p:nvSpPr>
+          <p:cNvPr id="7" name="TextBox 6"/>
+          <p:cNvSpPr txBox="1"/>
+          <p:nvPr/>
+        </p:nvSpPr>
+        <p:spPr>
+          <a:xfrm>
+            <a:off x="1097280" y="4823012"/>
+            <a:ext cx="6338047" cy="1477328"/>
+          </a:xfrm>
+          <a:prstGeom prst="rect">
+            <a:avLst/>
+          </a:prstGeom>
+          <a:noFill/>
+        </p:spPr>
+        <p:txBody>
+          <a:bodyPr wrap="square" rtlCol="0">
+            <a:spAutoFit/>
+          </a:bodyPr>
+          <a:lstStyle/>
+          <a:p>
+            <a:r>
+              <a:rPr lang="ru-RU" dirty="0" smtClean="0"/>
+              <a:t>Для вывода сообщений на консоль используется библиотека очереди сообщений </a:t>
+            </a:r>
+            <a:r>
+              <a:rPr lang="ru-RU" dirty="0" smtClean="0">
+                <a:hlinkClick r:id="rId7"/>
+              </a:rPr>
+              <a:t>boost/</a:t>
+            </a:r>
+            <a:r>
+              <a:rPr lang="ru-RU" dirty="0" err="1" smtClean="0">
+                <a:hlinkClick r:id="rId7"/>
+              </a:rPr>
+              <a:t>interprocess</a:t>
+            </a:r>
+            <a:r>
+              <a:rPr lang="ru-RU" dirty="0" smtClean="0">
+                <a:hlinkClick r:id="rId7"/>
+              </a:rPr>
+              <a:t>/</a:t>
+            </a:r>
+            <a:r>
+              <a:rPr lang="ru-RU" dirty="0" err="1" smtClean="0">
+                <a:hlinkClick r:id="rId7"/>
+              </a:rPr>
+              <a:t>ipc</a:t>
+            </a:r>
+            <a:r>
+              <a:rPr lang="ru-RU" dirty="0" smtClean="0">
+                <a:hlinkClick r:id="rId7"/>
+              </a:rPr>
+              <a:t>/</a:t>
+            </a:r>
+            <a:r>
+              <a:rPr lang="ru-RU" dirty="0" err="1" smtClean="0">
+                <a:hlinkClick r:id="rId7"/>
+              </a:rPr>
+              <a:t>message_queue</a:t>
+            </a:r>
+            <a:r>
+              <a:rPr lang="ru-RU" dirty="0" smtClean="0"/>
+              <a:t> для </a:t>
+            </a:r>
+            <a:r>
+              <a:rPr lang="ru-RU" dirty="0"/>
+              <a:t>межпроцессного обмена </a:t>
+            </a:r>
+            <a:r>
+              <a:rPr lang="ru-RU" dirty="0" smtClean="0"/>
+              <a:t>данными</a:t>
+            </a:r>
+            <a:r>
+              <a:rPr lang="en-US" dirty="0" smtClean="0"/>
+              <a:t>.</a:t>
+            </a:r>
+            <a:r>
+              <a:rPr lang="ru-RU" dirty="0" smtClean="0"/>
+              <a:t> Для этого используется вспомогательный класс </a:t>
+            </a:r>
+            <a:r>
+              <a:rPr lang="en-US" b="1" dirty="0"/>
+              <a:t>kav::</a:t>
+            </a:r>
+            <a:r>
+              <a:rPr lang="en-US" b="1" dirty="0" smtClean="0"/>
+              <a:t>MonitorSender</a:t>
+            </a:r>
+            <a:r>
+              <a:rPr lang="ru-RU" b="1" dirty="0" smtClean="0"/>
+              <a:t>.</a:t>
+            </a:r>
+            <a:endParaRPr lang="en-US" b="1" dirty="0"/>
+          </a:p>
+          <a:p>
+            <a:endParaRPr lang="ru-RU" dirty="0"/>
+          </a:p>
+        </p:txBody>
+      </p:sp>
+      <p:sp>
+        <p:nvSpPr>
+          <p:cNvPr id="9" name="TextBox 8"/>
+          <p:cNvSpPr txBox="1"/>
+          <p:nvPr/>
+        </p:nvSpPr>
+        <p:spPr>
+          <a:xfrm>
+            <a:off x="1640541" y="2599765"/>
+            <a:ext cx="1383712" cy="923330"/>
+          </a:xfrm>
+          <a:prstGeom prst="rect">
+            <a:avLst/>
+          </a:prstGeom>
+          <a:noFill/>
+        </p:spPr>
+        <p:txBody>
+          <a:bodyPr wrap="none" rtlCol="0">
+            <a:spAutoFit/>
+          </a:bodyPr>
+          <a:lstStyle/>
+          <a:p>
+            <a:r>
+              <a:rPr lang="ru-RU" dirty="0" smtClean="0"/>
+              <a:t>Картинка </a:t>
+            </a:r>
+          </a:p>
+          <a:p>
+            <a:r>
+              <a:rPr lang="ru-RU" dirty="0" smtClean="0"/>
+              <a:t>Лог-файла и</a:t>
+            </a:r>
+          </a:p>
+          <a:p>
+            <a:r>
+              <a:rPr lang="ru-RU" dirty="0" smtClean="0"/>
+              <a:t>консоли</a:t>
+            </a:r>
+            <a:endParaRPr lang="ru-RU" dirty="0"/>
+          </a:p>
+        </p:txBody>
+      </p:sp>
+    </p:spTree>
+    <p:extLst>
+      <p:ext uri="{BB962C8B-B14F-4D97-AF65-F5344CB8AC3E}">
+        <p14:creationId xmlns:p14="http://schemas.microsoft.com/office/powerpoint/2010/main" val="128083256"/>
+      </p:ext>
+    </p:extLst>
+  </p:cSld>
+  <p:clrMapOvr>
+    <a:masterClrMapping/>
+  </p:clrMapOvr>
+  <p:timing>
+    <p:tnLst>
+      <p:par>
+        <p:cTn id="1" dur="indefinite" restart="never" nodeType="tmRoot"/>
+      </p:par>
+    </p:tnLst>
+  </p:timing>
+</p:sld>
+</file>
+
+<file path=ppt/slides/slide15.xml><?xml version="1.0" encoding="utf-8"?>
+<p:sld xmlns:a="http://schemas.openxmlformats.org/drawingml/2006/main" xmlns:r="http://schemas.openxmlformats.org/officeDocument/2006/relationships" xmlns:p="http://schemas.openxmlformats.org/presentationml/2006/main">
+  <p:cSld>
+    <p:spTree>
+      <p:nvGrpSpPr>
+        <p:cNvPr id="1" name=""/>
+        <p:cNvGrpSpPr/>
+        <p:nvPr/>
+      </p:nvGrpSpPr>
+      <p:grpSpPr>
+        <a:xfrm>
+          <a:off x="0" y="0"/>
+          <a:ext cx="0" cy="0"/>
+          <a:chOff x="0" y="0"/>
+          <a:chExt cx="0" cy="0"/>
+        </a:xfrm>
+      </p:grpSpPr>
+      <p:sp>
+        <p:nvSpPr>
+          <p:cNvPr id="2" name="Заголовок 1"/>
+          <p:cNvSpPr>
+            <a:spLocks noGrp="1"/>
+          </p:cNvSpPr>
+          <p:nvPr>
+            <p:ph type="title"/>
+          </p:nvPr>
+        </p:nvSpPr>
+        <p:spPr>
+          <a:xfrm>
+            <a:off x="1097280" y="758952"/>
+            <a:ext cx="10058400" cy="1335855"/>
+          </a:xfrm>
+        </p:spPr>
+        <p:txBody>
+          <a:bodyPr/>
+          <a:lstStyle/>
+          <a:p>
+            <a:endParaRPr lang="ru-RU" dirty="0"/>
+          </a:p>
+        </p:txBody>
+      </p:sp>
+      <p:sp>
+        <p:nvSpPr>
+          <p:cNvPr id="3" name="Текст 2"/>
+          <p:cNvSpPr>
+            <a:spLocks noGrp="1"/>
+          </p:cNvSpPr>
+          <p:nvPr>
+            <p:ph type="body" idx="1"/>
+          </p:nvPr>
+        </p:nvSpPr>
+        <p:spPr>
+          <a:xfrm>
+            <a:off x="1097280" y="3075709"/>
+            <a:ext cx="10058400" cy="2520419"/>
+          </a:xfrm>
+        </p:spPr>
+        <p:txBody>
+          <a:bodyPr/>
+          <a:lstStyle/>
+          <a:p>
+            <a:endParaRPr lang="ru-RU" dirty="0"/>
+          </a:p>
+        </p:txBody>
+      </p:sp>
+      <p:sp>
+        <p:nvSpPr>
+          <p:cNvPr id="4" name="Дата 3"/>
+          <p:cNvSpPr>
+            <a:spLocks noGrp="1"/>
+          </p:cNvSpPr>
+          <p:nvPr>
+            <p:ph type="dt" sz="half" idx="10"/>
+          </p:nvPr>
+        </p:nvSpPr>
+        <p:spPr/>
+        <p:txBody>
+          <a:bodyPr/>
+          <a:lstStyle/>
+          <a:p>
+            <a:fld id="{9187F089-DB3A-44EC-8E6C-70C807261B64}" type="datetime1">
+              <a:rPr lang="ru-RU" smtClean="0"/>
+              <a:t>21.10.2025</a:t>
+            </a:fld>
+            <a:endParaRPr lang="ru-RU"/>
+          </a:p>
+        </p:txBody>
+      </p:sp>
+      <p:sp>
+        <p:nvSpPr>
+          <p:cNvPr id="5" name="Нижний колонтитул 4"/>
+          <p:cNvSpPr>
+            <a:spLocks noGrp="1"/>
+          </p:cNvSpPr>
+          <p:nvPr>
+            <p:ph type="ftr" sz="quarter" idx="11"/>
+          </p:nvPr>
+        </p:nvSpPr>
+        <p:spPr/>
+        <p:txBody>
+          <a:bodyPr/>
+          <a:lstStyle/>
+          <a:p>
+            <a:endParaRPr lang="ru-RU"/>
+          </a:p>
+        </p:txBody>
+      </p:sp>
+      <p:sp>
+        <p:nvSpPr>
+          <p:cNvPr id="6" name="Номер слайда 5"/>
+          <p:cNvSpPr>
+            <a:spLocks noGrp="1"/>
+          </p:cNvSpPr>
+          <p:nvPr>
+            <p:ph type="sldNum" sz="quarter" idx="12"/>
+          </p:nvPr>
+        </p:nvSpPr>
+        <p:spPr/>
+        <p:txBody>
+          <a:bodyPr/>
+          <a:lstStyle/>
+          <a:p>
+            <a:fld id="{DEBD715E-836E-42D1-BDDD-058C1EE5707C}" type="slidenum">
+              <a:rPr lang="ru-RU" smtClean="0"/>
+              <a:t>15</a:t>
+            </a:fld>
+            <a:endParaRPr lang="ru-RU"/>
+          </a:p>
+        </p:txBody>
+      </p:sp>
+    </p:spTree>
+    <p:extLst>
+      <p:ext uri="{BB962C8B-B14F-4D97-AF65-F5344CB8AC3E}">
+        <p14:creationId xmlns:p14="http://schemas.microsoft.com/office/powerpoint/2010/main" val="531275108"/>
+      </p:ext>
+    </p:extLst>
+  </p:cSld>
+  <p:clrMapOvr>
+    <a:masterClrMapping/>
+  </p:clrMapOvr>
+  <p:timing>
+    <p:tnLst>
+      <p:par>
+        <p:cTn id="1" dur="indefinite" restart="never" nodeType="tmRoot"/>
+      </p:par>
+    </p:tnLst>
+  </p:timing>
+</p:sld>
+</file>
+
+<file path=ppt/slides/slide16.xml><?xml version="1.0" encoding="utf-8"?>
+<p:sld xmlns:a="http://schemas.openxmlformats.org/drawingml/2006/main" xmlns:r="http://schemas.openxmlformats.org/officeDocument/2006/relationships" xmlns:p="http://schemas.openxmlformats.org/presentationml/2006/main">
+  <p:cSld>
+    <p:spTree>
+      <p:nvGrpSpPr>
+        <p:cNvPr id="1" name=""/>
+        <p:cNvGrpSpPr/>
+        <p:nvPr/>
+      </p:nvGrpSpPr>
+      <p:grpSpPr>
+        <a:xfrm>
+          <a:off x="0" y="0"/>
+          <a:ext cx="0" cy="0"/>
+          <a:chOff x="0" y="0"/>
+          <a:chExt cx="0" cy="0"/>
+        </a:xfrm>
+      </p:grpSpPr>
+      <p:sp>
+        <p:nvSpPr>
+          <p:cNvPr id="2" name="Заголовок 1"/>
+          <p:cNvSpPr>
+            <a:spLocks noGrp="1"/>
+          </p:cNvSpPr>
+          <p:nvPr>
+            <p:ph type="title"/>
+          </p:nvPr>
+        </p:nvSpPr>
+        <p:spPr/>
+        <p:txBody>
+          <a:bodyPr/>
+          <a:lstStyle/>
+          <a:p>
+            <a:endParaRPr lang="ru-RU"/>
+          </a:p>
+        </p:txBody>
+      </p:sp>
+      <p:sp>
+        <p:nvSpPr>
+          <p:cNvPr id="4" name="Объект 3"/>
+          <p:cNvSpPr>
+            <a:spLocks noGrp="1"/>
+          </p:cNvSpPr>
+          <p:nvPr>
+            <p:ph sz="half" idx="2"/>
+          </p:nvPr>
+        </p:nvSpPr>
+        <p:spPr/>
+        <p:txBody>
+          <a:bodyPr/>
+          <a:lstStyle/>
+          <a:p>
+            <a:endParaRPr lang="ru-RU"/>
+          </a:p>
+        </p:txBody>
+      </p:sp>
+      <p:sp>
+        <p:nvSpPr>
+          <p:cNvPr id="5" name="Дата 4"/>
+          <p:cNvSpPr>
+            <a:spLocks noGrp="1"/>
+          </p:cNvSpPr>
+          <p:nvPr>
+            <p:ph type="dt" sz="half" idx="10"/>
+          </p:nvPr>
+        </p:nvSpPr>
+        <p:spPr/>
+        <p:txBody>
+          <a:bodyPr/>
+          <a:lstStyle/>
+          <a:p>
+            <a:fld id="{8D89F477-1E06-42B9-98CE-724D285F544D}" type="datetime1">
+              <a:rPr lang="ru-RU" smtClean="0"/>
+              <a:t>21.10.2025</a:t>
+            </a:fld>
+            <a:endParaRPr lang="ru-RU"/>
+          </a:p>
+        </p:txBody>
+      </p:sp>
+      <p:sp>
+        <p:nvSpPr>
+          <p:cNvPr id="6" name="Нижний колонтитул 5"/>
+          <p:cNvSpPr>
+            <a:spLocks noGrp="1"/>
+          </p:cNvSpPr>
+          <p:nvPr>
+            <p:ph type="ftr" sz="quarter" idx="11"/>
+          </p:nvPr>
+        </p:nvSpPr>
+        <p:spPr/>
+        <p:txBody>
+          <a:bodyPr/>
+          <a:lstStyle/>
+          <a:p>
+            <a:endParaRPr lang="ru-RU"/>
+          </a:p>
+        </p:txBody>
+      </p:sp>
+      <p:sp>
+        <p:nvSpPr>
+          <p:cNvPr id="7" name="Номер слайда 6"/>
+          <p:cNvSpPr>
+            <a:spLocks noGrp="1"/>
+          </p:cNvSpPr>
+          <p:nvPr>
+            <p:ph type="sldNum" sz="quarter" idx="12"/>
+          </p:nvPr>
+        </p:nvSpPr>
+        <p:spPr/>
+        <p:txBody>
+          <a:bodyPr/>
+          <a:lstStyle/>
+          <a:p>
+            <a:fld id="{DEBD715E-836E-42D1-BDDD-058C1EE5707C}" type="slidenum">
+              <a:rPr lang="ru-RU" smtClean="0"/>
+              <a:t>16</a:t>
+            </a:fld>
+            <a:endParaRPr lang="ru-RU"/>
+          </a:p>
+        </p:txBody>
+      </p:sp>
+      <p:sp>
+        <p:nvSpPr>
+          <p:cNvPr id="9" name="Объект 8"/>
+          <p:cNvSpPr>
+            <a:spLocks noGrp="1"/>
+          </p:cNvSpPr>
+          <p:nvPr>
+            <p:ph sz="half" idx="1"/>
+          </p:nvPr>
+        </p:nvSpPr>
+        <p:spPr/>
+        <p:txBody>
+          <a:bodyPr/>
+          <a:lstStyle/>
+          <a:p>
+            <a:endParaRPr lang="ru-RU"/>
+          </a:p>
+        </p:txBody>
+      </p:sp>
+    </p:spTree>
+    <p:extLst>
+      <p:ext uri="{BB962C8B-B14F-4D97-AF65-F5344CB8AC3E}">
+        <p14:creationId xmlns:p14="http://schemas.microsoft.com/office/powerpoint/2010/main" val="3500730888"/>
+      </p:ext>
+    </p:extLst>
+  </p:cSld>
+  <p:clrMapOvr>
+    <a:masterClrMapping/>
+  </p:clrMapOvr>
+  <p:timing>
+    <p:tnLst>
+      <p:par>
+        <p:cTn id="1" dur="indefinite" restart="never" nodeType="tmRoot"/>
+      </p:par>
+    </p:tnLst>
+  </p:timing>
+</p:sld>
+</file>
+
+<file path=ppt/slides/slide2.xml><?xml version="1.0" encoding="utf-8"?>
+<p:sld xmlns:a="http://schemas.openxmlformats.org/drawingml/2006/main" xmlns:r="http://schemas.openxmlformats.org/officeDocument/2006/relationships" xmlns:p="http://schemas.openxmlformats.org/presentationml/2006/main">
+  <p:cSld>
+    <p:spTree>
+      <p:nvGrpSpPr>
+        <p:cNvPr id="1" name=""/>
+        <p:cNvGrpSpPr/>
+        <p:nvPr/>
+      </p:nvGrpSpPr>
+      <p:grpSpPr>
+        <a:xfrm>
+          <a:off x="0" y="0"/>
+          <a:ext cx="0" cy="0"/>
+          <a:chOff x="0" y="0"/>
+          <a:chExt cx="0" cy="0"/>
+        </a:xfrm>
+      </p:grpSpPr>
+      <p:sp>
+        <p:nvSpPr>
+          <p:cNvPr id="2" name="Заголовок 1"/>
+          <p:cNvSpPr>
+            <a:spLocks noGrp="1"/>
+          </p:cNvSpPr>
+          <p:nvPr>
+            <p:ph type="title"/>
+          </p:nvPr>
+        </p:nvSpPr>
+        <p:spPr/>
+        <p:txBody>
+          <a:bodyPr/>
+          <a:lstStyle/>
+          <a:p>
+            <a:endParaRPr lang="ru-RU"/>
+          </a:p>
+        </p:txBody>
+      </p:sp>
+      <p:sp>
+        <p:nvSpPr>
+          <p:cNvPr id="3" name="Текст 2"/>
+          <p:cNvSpPr>
+            <a:spLocks noGrp="1"/>
+          </p:cNvSpPr>
+          <p:nvPr>
+            <p:ph type="body" idx="1"/>
+          </p:nvPr>
+        </p:nvSpPr>
+        <p:spPr/>
+        <p:txBody>
+          <a:bodyPr/>
+          <a:lstStyle/>
+          <a:p>
+            <a:endParaRPr lang="ru-RU"/>
+          </a:p>
+        </p:txBody>
+      </p:sp>
+      <p:sp>
+        <p:nvSpPr>
+          <p:cNvPr id="4" name="Дата 3"/>
+          <p:cNvSpPr>
+            <a:spLocks noGrp="1"/>
+          </p:cNvSpPr>
+          <p:nvPr>
+            <p:ph type="dt" sz="half" idx="10"/>
+          </p:nvPr>
+        </p:nvSpPr>
+        <p:spPr/>
+        <p:txBody>
+          <a:bodyPr/>
+          <a:lstStyle/>
+          <a:p>
+            <a:fld id="{9187F089-DB3A-44EC-8E6C-70C807261B64}" type="datetime1">
+              <a:rPr lang="ru-RU" smtClean="0"/>
+              <a:t>21.10.2025</a:t>
+            </a:fld>
+            <a:endParaRPr lang="ru-RU"/>
+          </a:p>
+        </p:txBody>
+      </p:sp>
+      <p:sp>
+        <p:nvSpPr>
+          <p:cNvPr id="5" name="Нижний колонтитул 4"/>
+          <p:cNvSpPr>
+            <a:spLocks noGrp="1"/>
+          </p:cNvSpPr>
+          <p:nvPr>
+            <p:ph type="ftr" sz="quarter" idx="11"/>
+          </p:nvPr>
+        </p:nvSpPr>
+        <p:spPr/>
+        <p:txBody>
+          <a:bodyPr/>
+          <a:lstStyle/>
+          <a:p>
+            <a:endParaRPr lang="ru-RU"/>
+          </a:p>
+        </p:txBody>
+      </p:sp>
+      <p:sp>
+        <p:nvSpPr>
+          <p:cNvPr id="6" name="Номер слайда 5"/>
+          <p:cNvSpPr>
+            <a:spLocks noGrp="1"/>
+          </p:cNvSpPr>
+          <p:nvPr>
+            <p:ph type="sldNum" sz="quarter" idx="12"/>
+          </p:nvPr>
+        </p:nvSpPr>
+        <p:spPr/>
+        <p:txBody>
+          <a:bodyPr/>
+          <a:lstStyle/>
+          <a:p>
+            <a:fld id="{DEBD715E-836E-42D1-BDDD-058C1EE5707C}" type="slidenum">
+              <a:rPr lang="ru-RU" smtClean="0"/>
+              <a:t>2</a:t>
+            </a:fld>
+            <a:endParaRPr lang="ru-RU"/>
+          </a:p>
+        </p:txBody>
+      </p:sp>
+    </p:spTree>
+    <p:extLst>
+      <p:ext uri="{BB962C8B-B14F-4D97-AF65-F5344CB8AC3E}">
+        <p14:creationId xmlns:p14="http://schemas.microsoft.com/office/powerpoint/2010/main" val="4200741218"/>
+      </p:ext>
+    </p:extLst>
+  </p:cSld>
+  <p:clrMapOvr>
+    <a:masterClrMapping/>
+  </p:clrMapOvr>
+</p:sld>
+</file>
+
+<file path=ppt/slides/slide3.xml><?xml version="1.0" encoding="utf-8"?>
+<p:sld xmlns:a="http://schemas.openxmlformats.org/drawingml/2006/main" xmlns:r="http://schemas.openxmlformats.org/officeDocument/2006/relationships" xmlns:p="http://schemas.openxmlformats.org/presentationml/2006/main">
+  <p:cSld>
+    <p:spTree>
+      <p:nvGrpSpPr>
+        <p:cNvPr id="1" name=""/>
+        <p:cNvGrpSpPr/>
+        <p:nvPr/>
+      </p:nvGrpSpPr>
+      <p:grpSpPr>
+        <a:xfrm>
+          <a:off x="0" y="0"/>
+          <a:ext cx="0" cy="0"/>
+          <a:chOff x="0" y="0"/>
+          <a:chExt cx="0" cy="0"/>
+        </a:xfrm>
+      </p:grpSpPr>
+      <p:sp>
+        <p:nvSpPr>
+          <p:cNvPr id="2" name="Заголовок 1"/>
+          <p:cNvSpPr>
+            <a:spLocks noGrp="1"/>
+          </p:cNvSpPr>
+          <p:nvPr>
+            <p:ph type="title"/>
+          </p:nvPr>
+        </p:nvSpPr>
+        <p:spPr/>
+        <p:txBody>
+          <a:bodyPr/>
+          <a:lstStyle/>
+          <a:p>
+            <a:endParaRPr lang="ru-RU"/>
+          </a:p>
+        </p:txBody>
+      </p:sp>
+      <p:pic>
+        <p:nvPicPr>
+          <p:cNvPr id="7" name="Объект 6"/>
+          <p:cNvPicPr>
+            <a:picLocks noGrp="1" noChangeAspect="1"/>
+          </p:cNvPicPr>
+          <p:nvPr>
+            <p:ph idx="1"/>
+          </p:nvPr>
+        </p:nvPicPr>
+        <p:blipFill>
+          <a:blip r:embed="rId2" cstate="print">
+            <a:extLst>
+              <a:ext uri="{28A0092B-C50C-407E-A947-70E740481C1C}">
+                <a14:useLocalDpi xmlns:a14="http://schemas.microsoft.com/office/drawing/2010/main" val="0"/>
+              </a:ext>
+            </a:extLst>
+          </a:blip>
+          <a:stretch>
+            <a:fillRect/>
+          </a:stretch>
+        </p:blipFill>
+        <p:spPr>
+          <a:xfrm>
+            <a:off x="6281437" y="1997195"/>
+            <a:ext cx="2129317" cy="709773"/>
+          </a:xfrm>
+        </p:spPr>
+      </p:pic>
+      <p:sp>
+        <p:nvSpPr>
+          <p:cNvPr id="4" name="Дата 3"/>
+          <p:cNvSpPr>
+            <a:spLocks noGrp="1"/>
+          </p:cNvSpPr>
+          <p:nvPr>
+            <p:ph type="dt" sz="half" idx="10"/>
+          </p:nvPr>
+        </p:nvSpPr>
+        <p:spPr/>
+        <p:txBody>
+          <a:bodyPr/>
+          <a:lstStyle/>
+          <a:p>
+            <a:fld id="{8AC5719E-8A6A-457D-98CF-1B213C53F5CE}" type="datetime1">
+              <a:rPr lang="ru-RU" smtClean="0"/>
+              <a:t>21.10.2025</a:t>
+            </a:fld>
+            <a:endParaRPr lang="ru-RU"/>
+          </a:p>
+        </p:txBody>
+      </p:sp>
+      <p:sp>
+        <p:nvSpPr>
+          <p:cNvPr id="5" name="Нижний колонтитул 4"/>
+          <p:cNvSpPr>
+            <a:spLocks noGrp="1"/>
+          </p:cNvSpPr>
+          <p:nvPr>
+            <p:ph type="ftr" sz="quarter" idx="11"/>
+          </p:nvPr>
+        </p:nvSpPr>
+        <p:spPr/>
+        <p:txBody>
+          <a:bodyPr/>
+          <a:lstStyle/>
+          <a:p>
+            <a:endParaRPr lang="ru-RU"/>
+          </a:p>
+        </p:txBody>
+      </p:sp>
+      <p:sp>
+        <p:nvSpPr>
+          <p:cNvPr id="6" name="Номер слайда 5"/>
+          <p:cNvSpPr>
+            <a:spLocks noGrp="1"/>
+          </p:cNvSpPr>
+          <p:nvPr>
+            <p:ph type="sldNum" sz="quarter" idx="12"/>
+          </p:nvPr>
+        </p:nvSpPr>
+        <p:spPr/>
+        <p:txBody>
+          <a:bodyPr/>
+          <a:lstStyle/>
+          <a:p>
+            <a:fld id="{DEBD715E-836E-42D1-BDDD-058C1EE5707C}" type="slidenum">
+              <a:rPr lang="ru-RU" smtClean="0"/>
+              <a:t>3</a:t>
+            </a:fld>
+            <a:endParaRPr lang="ru-RU"/>
+          </a:p>
+        </p:txBody>
+      </p:sp>
+    </p:spTree>
+    <p:extLst>
+      <p:ext uri="{BB962C8B-B14F-4D97-AF65-F5344CB8AC3E}">
+        <p14:creationId xmlns:p14="http://schemas.microsoft.com/office/powerpoint/2010/main" val="3524723622"/>
+      </p:ext>
+    </p:extLst>
+  </p:cSld>
+  <p:clrMapOvr>
+    <a:masterClrMapping/>
+  </p:clrMapOvr>
+  <p:timing>
+    <p:tnLst>
+      <p:par>
+        <p:cTn id="1" dur="indefinite" restart="never" nodeType="tmRoot"/>
+      </p:par>
+    </p:tnLst>
+  </p:timing>
+</p:sld>
+</file>
+
+<file path=ppt/slides/slide4.xml><?xml version="1.0" encoding="utf-8"?>
+<p:sld xmlns:a="http://schemas.openxmlformats.org/drawingml/2006/main" xmlns:r="http://schemas.openxmlformats.org/officeDocument/2006/relationships" xmlns:p="http://schemas.openxmlformats.org/presentationml/2006/main">
+  <p:cSld>
+    <p:spTree>
+      <p:nvGrpSpPr>
+        <p:cNvPr id="1" name=""/>
+        <p:cNvGrpSpPr/>
+        <p:nvPr/>
+      </p:nvGrpSpPr>
+      <p:grpSpPr>
+        <a:xfrm>
+          <a:off x="0" y="0"/>
+          <a:ext cx="0" cy="0"/>
+          <a:chOff x="0" y="0"/>
+          <a:chExt cx="0" cy="0"/>
+        </a:xfrm>
+      </p:grpSpPr>
+      <p:sp>
+        <p:nvSpPr>
+          <p:cNvPr id="2" name="Заголовок 1"/>
+          <p:cNvSpPr>
+            <a:spLocks noGrp="1"/>
+          </p:cNvSpPr>
+          <p:nvPr>
+            <p:ph type="title"/>
+          </p:nvPr>
+        </p:nvSpPr>
+        <p:spPr/>
+        <p:txBody>
+          <a:bodyPr/>
+          <a:lstStyle/>
+          <a:p>
+            <a:endParaRPr lang="ru-RU"/>
+          </a:p>
+        </p:txBody>
+      </p:sp>
+      <p:sp>
+        <p:nvSpPr>
+          <p:cNvPr id="3" name="Объект 2"/>
+          <p:cNvSpPr>
+            <a:spLocks noGrp="1"/>
+          </p:cNvSpPr>
+          <p:nvPr>
+            <p:ph idx="1"/>
+          </p:nvPr>
+        </p:nvSpPr>
+        <p:spPr/>
+        <p:txBody>
+          <a:bodyPr/>
+          <a:lstStyle/>
+          <a:p>
+            <a:endParaRPr lang="ru-RU"/>
+          </a:p>
+        </p:txBody>
+      </p:sp>
+      <p:sp>
+        <p:nvSpPr>
+          <p:cNvPr id="4" name="Текст 3"/>
+          <p:cNvSpPr>
+            <a:spLocks noGrp="1"/>
+          </p:cNvSpPr>
+          <p:nvPr>
+            <p:ph type="body" sz="half" idx="2"/>
+          </p:nvPr>
+        </p:nvSpPr>
+        <p:spPr/>
+        <p:txBody>
+          <a:bodyPr/>
+          <a:lstStyle/>
+          <a:p>
+            <a:endParaRPr lang="ru-RU"/>
+          </a:p>
+        </p:txBody>
+      </p:sp>
+      <p:sp>
+        <p:nvSpPr>
+          <p:cNvPr id="5" name="Дата 4"/>
+          <p:cNvSpPr>
+            <a:spLocks noGrp="1"/>
+          </p:cNvSpPr>
+          <p:nvPr>
+            <p:ph type="dt" sz="half" idx="10"/>
+          </p:nvPr>
+        </p:nvSpPr>
+        <p:spPr/>
+        <p:txBody>
+          <a:bodyPr/>
+          <a:lstStyle/>
+          <a:p>
+            <a:fld id="{AA82D743-4282-4860-9AE2-FAD442C19B6D}" type="datetime1">
+              <a:rPr lang="ru-RU" smtClean="0"/>
+              <a:t>21.10.2025</a:t>
+            </a:fld>
+            <a:endParaRPr lang="ru-RU"/>
+          </a:p>
+        </p:txBody>
+      </p:sp>
+      <p:sp>
+        <p:nvSpPr>
+          <p:cNvPr id="6" name="Нижний колонтитул 5"/>
+          <p:cNvSpPr>
+            <a:spLocks noGrp="1"/>
+          </p:cNvSpPr>
+          <p:nvPr>
+            <p:ph type="ftr" sz="quarter" idx="11"/>
+          </p:nvPr>
+        </p:nvSpPr>
+        <p:spPr/>
+        <p:txBody>
+          <a:bodyPr/>
+          <a:lstStyle/>
+          <a:p>
+            <a:endParaRPr lang="ru-RU"/>
+          </a:p>
+        </p:txBody>
+      </p:sp>
+      <p:sp>
+        <p:nvSpPr>
+          <p:cNvPr id="7" name="Номер слайда 6"/>
+          <p:cNvSpPr>
+            <a:spLocks noGrp="1"/>
+          </p:cNvSpPr>
+          <p:nvPr>
+            <p:ph type="sldNum" sz="quarter" idx="12"/>
+          </p:nvPr>
+        </p:nvSpPr>
+        <p:spPr/>
+        <p:txBody>
+          <a:bodyPr/>
+          <a:lstStyle/>
+          <a:p>
+            <a:fld id="{DEBD715E-836E-42D1-BDDD-058C1EE5707C}" type="slidenum">
+              <a:rPr lang="ru-RU" smtClean="0"/>
+              <a:t>4</a:t>
+            </a:fld>
+            <a:endParaRPr lang="ru-RU"/>
+          </a:p>
+        </p:txBody>
+      </p:sp>
+    </p:spTree>
+    <p:extLst>
+      <p:ext uri="{BB962C8B-B14F-4D97-AF65-F5344CB8AC3E}">
+        <p14:creationId xmlns:p14="http://schemas.microsoft.com/office/powerpoint/2010/main" val="2874515362"/>
+      </p:ext>
+    </p:extLst>
+  </p:cSld>
+  <p:clrMapOvr>
+    <a:masterClrMapping/>
+  </p:clrMapOvr>
+  <p:timing>
+    <p:tnLst>
+      <p:par>
+        <p:cTn id="1" dur="indefinite" restart="never" nodeType="tmRoot"/>
+      </p:par>
+    </p:tnLst>
+  </p:timing>
+</p:sld>
+</file>
+
+<file path=ppt/slides/slide5.xml><?xml version="1.0" encoding="utf-8"?>
+<p:sld xmlns:a="http://schemas.openxmlformats.org/drawingml/2006/main" xmlns:r="http://schemas.openxmlformats.org/officeDocument/2006/relationships" xmlns:p="http://schemas.openxmlformats.org/presentationml/2006/main">
+  <p:cSld>
+    <p:spTree>
+      <p:nvGrpSpPr>
+        <p:cNvPr id="1" name=""/>
+        <p:cNvGrpSpPr/>
+        <p:nvPr/>
+      </p:nvGrpSpPr>
+      <p:grpSpPr>
+        <a:xfrm>
+          <a:off x="0" y="0"/>
+          <a:ext cx="0" cy="0"/>
+          <a:chOff x="0" y="0"/>
+          <a:chExt cx="0" cy="0"/>
+        </a:xfrm>
+      </p:grpSpPr>
+      <p:sp>
+        <p:nvSpPr>
+          <p:cNvPr id="2" name="Заголовок 1"/>
+          <p:cNvSpPr>
+            <a:spLocks noGrp="1"/>
+          </p:cNvSpPr>
+          <p:nvPr>
+            <p:ph type="title"/>
+          </p:nvPr>
+        </p:nvSpPr>
+        <p:spPr/>
+        <p:txBody>
+          <a:bodyPr/>
+          <a:lstStyle/>
+          <a:p>
+            <a:endParaRPr lang="ru-RU"/>
+          </a:p>
+        </p:txBody>
+      </p:sp>
+      <p:sp>
+        <p:nvSpPr>
+          <p:cNvPr id="4" name="Дата 3"/>
+          <p:cNvSpPr>
+            <a:spLocks noGrp="1"/>
+          </p:cNvSpPr>
+          <p:nvPr>
+            <p:ph type="dt" sz="half" idx="10"/>
+          </p:nvPr>
+        </p:nvSpPr>
+        <p:spPr/>
+        <p:txBody>
+          <a:bodyPr/>
+          <a:lstStyle/>
+          <a:p>
+            <a:fld id="{22C4FDAF-C654-4288-9437-917D77737F5E}" type="datetime1">
+              <a:rPr lang="ru-RU" smtClean="0"/>
+              <a:t>21.10.2025</a:t>
+            </a:fld>
+            <a:endParaRPr lang="ru-RU"/>
+          </a:p>
+        </p:txBody>
+      </p:sp>
+      <p:sp>
+        <p:nvSpPr>
+          <p:cNvPr id="5" name="Нижний колонтитул 4"/>
+          <p:cNvSpPr>
+            <a:spLocks noGrp="1"/>
+          </p:cNvSpPr>
+          <p:nvPr>
+            <p:ph type="ftr" sz="quarter" idx="11"/>
+          </p:nvPr>
+        </p:nvSpPr>
+        <p:spPr/>
+        <p:txBody>
+          <a:bodyPr/>
+          <a:lstStyle/>
+          <a:p>
+            <a:endParaRPr lang="ru-RU" dirty="0"/>
+          </a:p>
+        </p:txBody>
+      </p:sp>
+      <p:sp>
+        <p:nvSpPr>
+          <p:cNvPr id="6" name="Номер слайда 5"/>
+          <p:cNvSpPr>
+            <a:spLocks noGrp="1"/>
+          </p:cNvSpPr>
+          <p:nvPr>
+            <p:ph type="sldNum" sz="quarter" idx="12"/>
+          </p:nvPr>
+        </p:nvSpPr>
+        <p:spPr/>
+        <p:txBody>
+          <a:bodyPr/>
+          <a:lstStyle/>
+          <a:p>
+            <a:fld id="{DEBD715E-836E-42D1-BDDD-058C1EE5707C}" type="slidenum">
+              <a:rPr lang="ru-RU" smtClean="0"/>
+              <a:t>5</a:t>
+            </a:fld>
+            <a:endParaRPr lang="ru-RU"/>
+          </a:p>
+        </p:txBody>
+      </p:sp>
+      <p:graphicFrame>
+        <p:nvGraphicFramePr>
+          <p:cNvPr id="11" name="Объект 10"/>
+          <p:cNvGraphicFramePr>
+            <a:graphicFrameLocks noGrp="1"/>
+          </p:cNvGraphicFramePr>
+          <p:nvPr>
+            <p:ph idx="1"/>
+            <p:extLst>
+              <p:ext uri="{D42A27DB-BD31-4B8C-83A1-F6EECF244321}">
+                <p14:modId xmlns:p14="http://schemas.microsoft.com/office/powerpoint/2010/main" val="2076157808"/>
+              </p:ext>
+            </p:extLst>
+          </p:nvPr>
+        </p:nvGraphicFramePr>
+        <p:xfrm>
+          <a:off x="1096963" y="1846263"/>
+          <a:ext cx="10058400" cy="4022725"/>
+        </p:xfrm>
+        <a:graphic>
+          <a:graphicData uri="http://schemas.openxmlformats.org/drawingml/2006/diagram">
+            <dgm:relIds xmlns:dgm="http://schemas.openxmlformats.org/drawingml/2006/diagram" xmlns:r="http://schemas.openxmlformats.org/officeDocument/2006/relationships" r:dm="rId3" r:lo="rId4" r:qs="rId5" r:cs="rId6"/>
+          </a:graphicData>
+        </a:graphic>
+      </p:graphicFrame>
+    </p:spTree>
+    <p:extLst>
+      <p:ext uri="{BB962C8B-B14F-4D97-AF65-F5344CB8AC3E}">
+        <p14:creationId xmlns:p14="http://schemas.microsoft.com/office/powerpoint/2010/main" val="984395803"/>
+      </p:ext>
+    </p:extLst>
+  </p:cSld>
+  <p:clrMapOvr>
+    <a:masterClrMapping/>
+  </p:clrMapOvr>
+  <p:timing>
+    <p:tnLst>
+      <p:par>
+        <p:cTn id="1" dur="indefinite" restart="never" nodeType="tmRoot"/>
+      </p:par>
+    </p:tnLst>
+  </p:timing>
+</p:sld>
+</file>
+
+<file path=ppt/slides/slide6.xml><?xml version="1.0" encoding="utf-8"?>
+<p:sld xmlns:a="http://schemas.openxmlformats.org/drawingml/2006/main" xmlns:r="http://schemas.openxmlformats.org/officeDocument/2006/relationships" xmlns:p="http://schemas.openxmlformats.org/presentationml/2006/main">
+  <p:cSld>
+    <p:spTree>
+      <p:nvGrpSpPr>
+        <p:cNvPr id="1" name=""/>
+        <p:cNvGrpSpPr/>
+        <p:nvPr/>
+      </p:nvGrpSpPr>
+      <p:grpSpPr>
+        <a:xfrm>
+          <a:off x="0" y="0"/>
+          <a:ext cx="0" cy="0"/>
+          <a:chOff x="0" y="0"/>
+          <a:chExt cx="0" cy="0"/>
+        </a:xfrm>
+      </p:grpSpPr>
+      <p:sp>
+        <p:nvSpPr>
+          <p:cNvPr id="2" name="Заголовок 1"/>
+          <p:cNvSpPr>
+            <a:spLocks noGrp="1"/>
+          </p:cNvSpPr>
+          <p:nvPr>
+            <p:ph type="title"/>
+          </p:nvPr>
+        </p:nvSpPr>
+        <p:spPr/>
+        <p:txBody>
+          <a:bodyPr/>
+          <a:lstStyle/>
+          <a:p>
+            <a:endParaRPr lang="ru-RU" dirty="0"/>
+          </a:p>
+        </p:txBody>
+      </p:sp>
+      <p:graphicFrame>
+        <p:nvGraphicFramePr>
+          <p:cNvPr id="7" name="Объект 6"/>
+          <p:cNvGraphicFramePr>
+            <a:graphicFrameLocks noGrp="1"/>
+          </p:cNvGraphicFramePr>
+          <p:nvPr>
+            <p:ph idx="1"/>
+            <p:extLst>
+              <p:ext uri="{D42A27DB-BD31-4B8C-83A1-F6EECF244321}">
+                <p14:modId xmlns:p14="http://schemas.microsoft.com/office/powerpoint/2010/main" val="74025464"/>
+              </p:ext>
+            </p:extLst>
+          </p:nvPr>
+        </p:nvGraphicFramePr>
+        <p:xfrm>
+          <a:off x="1097279" y="1846263"/>
+          <a:ext cx="10058083" cy="4044398"/>
+        </p:xfrm>
+        <a:graphic>
+          <a:graphicData uri="http://schemas.openxmlformats.org/drawingml/2006/diagram">
+            <dgm:relIds xmlns:dgm="http://schemas.openxmlformats.org/drawingml/2006/diagram" xmlns:r="http://schemas.openxmlformats.org/officeDocument/2006/relationships" r:dm="rId2" r:lo="rId3" r:qs="rId4" r:cs="rId5"/>
+          </a:graphicData>
+        </a:graphic>
+      </p:graphicFrame>
+      <p:sp>
+        <p:nvSpPr>
+          <p:cNvPr id="4" name="Дата 3"/>
+          <p:cNvSpPr>
+            <a:spLocks noGrp="1"/>
+          </p:cNvSpPr>
+          <p:nvPr>
+            <p:ph type="dt" sz="half" idx="10"/>
+          </p:nvPr>
+        </p:nvSpPr>
+        <p:spPr/>
+        <p:txBody>
+          <a:bodyPr/>
+          <a:lstStyle/>
+          <a:p>
+            <a:fld id="{8AC5719E-8A6A-457D-98CF-1B213C53F5CE}" type="datetime1">
+              <a:rPr lang="ru-RU" smtClean="0"/>
+              <a:t>21.10.2025</a:t>
+            </a:fld>
+            <a:endParaRPr lang="ru-RU"/>
+          </a:p>
+        </p:txBody>
+      </p:sp>
+      <p:sp>
+        <p:nvSpPr>
+          <p:cNvPr id="5" name="Нижний колонтитул 4"/>
+          <p:cNvSpPr>
+            <a:spLocks noGrp="1"/>
+          </p:cNvSpPr>
+          <p:nvPr>
+            <p:ph type="ftr" sz="quarter" idx="11"/>
+          </p:nvPr>
+        </p:nvSpPr>
+        <p:spPr/>
+        <p:txBody>
+          <a:bodyPr/>
+          <a:lstStyle/>
+          <a:p>
+            <a:endParaRPr lang="ru-RU"/>
+          </a:p>
+        </p:txBody>
+      </p:sp>
+      <p:sp>
+        <p:nvSpPr>
+          <p:cNvPr id="6" name="Номер слайда 5"/>
+          <p:cNvSpPr>
+            <a:spLocks noGrp="1"/>
+          </p:cNvSpPr>
+          <p:nvPr>
+            <p:ph type="sldNum" sz="quarter" idx="12"/>
+          </p:nvPr>
+        </p:nvSpPr>
+        <p:spPr/>
+        <p:txBody>
+          <a:bodyPr/>
+          <a:lstStyle/>
+          <a:p>
+            <a:fld id="{DEBD715E-836E-42D1-BDDD-058C1EE5707C}" type="slidenum">
+              <a:rPr lang="ru-RU" smtClean="0"/>
+              <a:t>6</a:t>
+            </a:fld>
+            <a:endParaRPr lang="ru-RU"/>
+          </a:p>
+        </p:txBody>
+      </p:sp>
+    </p:spTree>
+    <p:extLst>
+      <p:ext uri="{BB962C8B-B14F-4D97-AF65-F5344CB8AC3E}">
+        <p14:creationId xmlns:p14="http://schemas.microsoft.com/office/powerpoint/2010/main" val="4081062377"/>
+      </p:ext>
+    </p:extLst>
+  </p:cSld>
+  <p:clrMapOvr>
+    <a:masterClrMapping/>
+  </p:clrMapOvr>
+</p:sld>
+</file>
+
+<file path=ppt/slides/slide7.xml><?xml version="1.0" encoding="utf-8"?>
+<p:sld xmlns:a="http://schemas.openxmlformats.org/drawingml/2006/main" xmlns:r="http://schemas.openxmlformats.org/officeDocument/2006/relationships" xmlns:p="http://schemas.openxmlformats.org/presentationml/2006/main">
+  <p:cSld>
+    <p:spTree>
+      <p:nvGrpSpPr>
+        <p:cNvPr id="1" name=""/>
+        <p:cNvGrpSpPr/>
+        <p:nvPr/>
+      </p:nvGrpSpPr>
+      <p:grpSpPr>
+        <a:xfrm>
+          <a:off x="0" y="0"/>
+          <a:ext cx="0" cy="0"/>
+          <a:chOff x="0" y="0"/>
+          <a:chExt cx="0" cy="0"/>
+        </a:xfrm>
+      </p:grpSpPr>
+      <p:sp>
+        <p:nvSpPr>
+          <p:cNvPr id="2" name="Заголовок 1"/>
+          <p:cNvSpPr>
+            <a:spLocks noGrp="1"/>
+          </p:cNvSpPr>
+          <p:nvPr>
+            <p:ph type="title"/>
+          </p:nvPr>
+        </p:nvSpPr>
+        <p:spPr/>
+        <p:txBody>
+          <a:bodyPr/>
+          <a:lstStyle/>
+          <a:p>
+            <a:endParaRPr lang="ru-RU" dirty="0"/>
+          </a:p>
+        </p:txBody>
+      </p:sp>
+      <p:graphicFrame>
+        <p:nvGraphicFramePr>
+          <p:cNvPr id="8" name="Объект 7"/>
+          <p:cNvGraphicFramePr>
+            <a:graphicFrameLocks noGrp="1"/>
+          </p:cNvGraphicFramePr>
+          <p:nvPr>
+            <p:ph idx="1"/>
+            <p:extLst>
+              <p:ext uri="{D42A27DB-BD31-4B8C-83A1-F6EECF244321}">
+                <p14:modId xmlns:p14="http://schemas.microsoft.com/office/powerpoint/2010/main" val="2511891170"/>
+              </p:ext>
+            </p:extLst>
+          </p:nvPr>
+        </p:nvGraphicFramePr>
+        <p:xfrm>
+          <a:off x="5021247" y="1949116"/>
+          <a:ext cx="6036352" cy="4143676"/>
+        </p:xfrm>
+        <a:graphic>
+          <a:graphicData uri="http://schemas.openxmlformats.org/drawingml/2006/diagram">
+            <dgm:relIds xmlns:dgm="http://schemas.openxmlformats.org/drawingml/2006/diagram" xmlns:r="http://schemas.openxmlformats.org/officeDocument/2006/relationships" r:dm="rId2" r:lo="rId3" r:qs="rId4" r:cs="rId5"/>
+          </a:graphicData>
+        </a:graphic>
+      </p:graphicFrame>
+      <p:sp>
+        <p:nvSpPr>
+          <p:cNvPr id="4" name="Дата 3"/>
+          <p:cNvSpPr>
+            <a:spLocks noGrp="1"/>
+          </p:cNvSpPr>
+          <p:nvPr>
+            <p:ph type="dt" sz="half" idx="10"/>
+          </p:nvPr>
+        </p:nvSpPr>
+        <p:spPr/>
+        <p:txBody>
+          <a:bodyPr/>
+          <a:lstStyle/>
+          <a:p>
+            <a:fld id="{8AC5719E-8A6A-457D-98CF-1B213C53F5CE}" type="datetime1">
+              <a:rPr lang="ru-RU" smtClean="0"/>
+              <a:t>21.10.2025</a:t>
+            </a:fld>
+            <a:endParaRPr lang="ru-RU"/>
+          </a:p>
+        </p:txBody>
+      </p:sp>
+      <p:sp>
+        <p:nvSpPr>
+          <p:cNvPr id="5" name="Нижний колонтитул 4"/>
+          <p:cNvSpPr>
+            <a:spLocks noGrp="1"/>
+          </p:cNvSpPr>
+          <p:nvPr>
+            <p:ph type="ftr" sz="quarter" idx="11"/>
+          </p:nvPr>
+        </p:nvSpPr>
+        <p:spPr/>
+        <p:txBody>
+          <a:bodyPr/>
+          <a:lstStyle/>
+          <a:p>
+            <a:endParaRPr lang="ru-RU"/>
+          </a:p>
+        </p:txBody>
+      </p:sp>
+      <p:sp>
+        <p:nvSpPr>
+          <p:cNvPr id="6" name="Номер слайда 5"/>
+          <p:cNvSpPr>
+            <a:spLocks noGrp="1"/>
+          </p:cNvSpPr>
+          <p:nvPr>
+            <p:ph type="sldNum" sz="quarter" idx="12"/>
+          </p:nvPr>
+        </p:nvSpPr>
+        <p:spPr/>
+        <p:txBody>
+          <a:bodyPr/>
+          <a:lstStyle/>
+          <a:p>
+            <a:fld id="{DEBD715E-836E-42D1-BDDD-058C1EE5707C}" type="slidenum">
+              <a:rPr lang="ru-RU" smtClean="0"/>
+              <a:t>7</a:t>
+            </a:fld>
+            <a:endParaRPr lang="ru-RU"/>
+          </a:p>
+        </p:txBody>
+      </p:sp>
+      <p:pic>
+        <p:nvPicPr>
+          <p:cNvPr id="10" name="Рисунок 9"/>
+          <p:cNvPicPr>
+            <a:picLocks noChangeAspect="1"/>
+          </p:cNvPicPr>
+          <p:nvPr/>
+        </p:nvPicPr>
+        <p:blipFill>
+          <a:blip r:embed="rId7" cstate="print">
+            <a:extLst>
+              <a:ext uri="{28A0092B-C50C-407E-A947-70E740481C1C}">
+                <a14:useLocalDpi xmlns:a14="http://schemas.microsoft.com/office/drawing/2010/main" val="0"/>
+              </a:ext>
+            </a:extLst>
+          </a:blip>
+          <a:stretch>
+            <a:fillRect/>
+          </a:stretch>
+        </p:blipFill>
+        <p:spPr>
+          <a:xfrm>
+            <a:off x="695357" y="2363002"/>
+            <a:ext cx="2038216" cy="2882766"/>
+          </a:xfrm>
+          <a:prstGeom prst="rect">
+            <a:avLst/>
+          </a:prstGeom>
+        </p:spPr>
+      </p:pic>
+      <p:sp>
+        <p:nvSpPr>
+          <p:cNvPr id="11" name="Стрелка вправо 10"/>
+          <p:cNvSpPr/>
+          <p:nvPr/>
+        </p:nvSpPr>
+        <p:spPr>
+          <a:xfrm>
+            <a:off x="2550696" y="3778638"/>
+            <a:ext cx="525014" cy="484632"/>
+          </a:xfrm>
+          <a:prstGeom prst="rightArrow">
+            <a:avLst/>
+          </a:prstGeom>
+        </p:spPr>
+        <p:style>
+          <a:lnRef idx="2">
+            <a:schemeClr val="accent1">
+              <a:shade val="50000"/>
+            </a:schemeClr>
+          </a:lnRef>
+          <a:fillRef idx="1">
+            <a:schemeClr val="accent1"/>
+          </a:fillRef>
+          <a:effectRef idx="0">
+            <a:schemeClr val="accent1"/>
+          </a:effectRef>
+          <a:fontRef idx="minor">
+            <a:schemeClr val="lt1"/>
+          </a:fontRef>
+        </p:style>
+        <p:txBody>
+          <a:bodyPr rtlCol="0" anchor="ctr"/>
+          <a:lstStyle/>
+          <a:p>
+            <a:pPr algn="ctr"/>
+            <a:endParaRPr lang="ru-RU"/>
+          </a:p>
+        </p:txBody>
+      </p:sp>
+      <p:sp>
+        <p:nvSpPr>
+          <p:cNvPr id="26" name="TextBox 25"/>
+          <p:cNvSpPr txBox="1"/>
+          <p:nvPr/>
+        </p:nvSpPr>
+        <p:spPr>
+          <a:xfrm>
+            <a:off x="993954" y="5015622"/>
+            <a:ext cx="3113481" cy="923330"/>
+          </a:xfrm>
+          <a:prstGeom prst="rect">
+            <a:avLst/>
+          </a:prstGeom>
+          <a:noFill/>
+        </p:spPr>
+        <p:txBody>
+          <a:bodyPr wrap="none" rtlCol="0">
+            <a:spAutoFit/>
+          </a:bodyPr>
+          <a:lstStyle/>
+          <a:p>
+            <a:pPr marL="285750" indent="-285750">
+              <a:buFontTx/>
+              <a:buChar char="-"/>
+            </a:pPr>
+            <a:r>
+              <a:rPr lang="ru-RU" dirty="0" smtClean="0"/>
+              <a:t>пути к файлам документов</a:t>
+            </a:r>
+          </a:p>
+          <a:p>
+            <a:pPr marL="285750" indent="-285750">
+              <a:buFontTx/>
+              <a:buChar char="-"/>
+            </a:pPr>
+            <a:r>
+              <a:rPr lang="ru-RU" dirty="0" smtClean="0"/>
+              <a:t>запросы</a:t>
+            </a:r>
+          </a:p>
+          <a:p>
+            <a:pPr marL="285750" indent="-285750">
+              <a:buFontTx/>
+              <a:buChar char="-"/>
+            </a:pPr>
+            <a:endParaRPr lang="ru-RU" dirty="0"/>
+          </a:p>
+        </p:txBody>
+      </p:sp>
+      <p:sp>
+        <p:nvSpPr>
+          <p:cNvPr id="27" name="TextBox 26"/>
+          <p:cNvSpPr txBox="1"/>
+          <p:nvPr/>
+        </p:nvSpPr>
+        <p:spPr>
+          <a:xfrm>
+            <a:off x="4073529" y="2398917"/>
+            <a:ext cx="1834541" cy="369332"/>
+          </a:xfrm>
+          <a:prstGeom prst="rect">
+            <a:avLst/>
+          </a:prstGeom>
+          <a:noFill/>
+        </p:spPr>
+        <p:txBody>
+          <a:bodyPr wrap="none" rtlCol="0">
+            <a:spAutoFit/>
+          </a:bodyPr>
+          <a:lstStyle/>
+          <a:p>
+            <a:r>
+              <a:rPr lang="ru-RU" dirty="0"/>
+              <a:t>о</a:t>
+            </a:r>
+            <a:r>
+              <a:rPr lang="ru-RU" dirty="0" smtClean="0"/>
+              <a:t>бъекты классов</a:t>
+            </a:r>
+            <a:endParaRPr lang="ru-RU" dirty="0"/>
+          </a:p>
+        </p:txBody>
+      </p:sp>
+      <p:grpSp>
+        <p:nvGrpSpPr>
+          <p:cNvPr id="12" name="Группа 11"/>
+          <p:cNvGrpSpPr/>
+          <p:nvPr/>
+        </p:nvGrpSpPr>
+        <p:grpSpPr>
+          <a:xfrm>
+            <a:off x="3270165" y="3317427"/>
+            <a:ext cx="1296590" cy="1296590"/>
+            <a:chOff x="3408461" y="590301"/>
+            <a:chExt cx="1296590" cy="1296590"/>
+          </a:xfrm>
+        </p:grpSpPr>
+        <p:sp>
+          <p:nvSpPr>
+            <p:cNvPr id="13" name="Скругленный прямоугольник 12"/>
+            <p:cNvSpPr/>
+            <p:nvPr/>
+          </p:nvSpPr>
+          <p:spPr>
+            <a:xfrm>
+              <a:off x="3408461" y="590301"/>
+              <a:ext cx="1296590" cy="1296590"/>
+            </a:xfrm>
+            <a:prstGeom prst="roundRect">
+              <a:avLst/>
+            </a:prstGeom>
+          </p:spPr>
+          <p:style>
+            <a:lnRef idx="2">
+              <a:schemeClr val="lt1">
+                <a:hueOff val="0"/>
+                <a:satOff val="0"/>
+                <a:lumOff val="0"/>
+                <a:alphaOff val="0"/>
+              </a:schemeClr>
+            </a:lnRef>
+            <a:fillRef idx="1">
+              <a:schemeClr val="accent1">
+                <a:hueOff val="0"/>
+                <a:satOff val="0"/>
+                <a:lumOff val="0"/>
+                <a:alphaOff val="0"/>
+              </a:schemeClr>
+            </a:fillRef>
+            <a:effectRef idx="0">
+              <a:schemeClr val="accent1">
+                <a:hueOff val="0"/>
+                <a:satOff val="0"/>
+                <a:lumOff val="0"/>
+                <a:alphaOff val="0"/>
+              </a:schemeClr>
+            </a:effectRef>
+            <a:fontRef idx="minor">
+              <a:schemeClr val="lt1"/>
+            </a:fontRef>
+          </p:style>
+        </p:sp>
+        <p:sp>
+          <p:nvSpPr>
+            <p:cNvPr id="14" name="Скругленный прямоугольник 4"/>
+            <p:cNvSpPr/>
+            <p:nvPr/>
+          </p:nvSpPr>
+          <p:spPr>
+            <a:xfrm>
+              <a:off x="3471755" y="653595"/>
+              <a:ext cx="1170002" cy="1170002"/>
+            </a:xfrm>
+            <a:prstGeom prst="rect">
+              <a:avLst/>
+            </a:prstGeom>
+          </p:spPr>
+          <p:style>
+            <a:lnRef idx="0">
+              <a:scrgbClr r="0" g="0" b="0"/>
+            </a:lnRef>
+            <a:fillRef idx="0">
+              <a:scrgbClr r="0" g="0" b="0"/>
+            </a:fillRef>
+            <a:effectRef idx="0">
+              <a:scrgbClr r="0" g="0" b="0"/>
+            </a:effectRef>
+            <a:fontRef idx="minor">
+              <a:schemeClr val="lt1"/>
+            </a:fontRef>
+          </p:style>
+          <p:txBody>
+            <a:bodyPr spcFirstLastPara="0" vert="horz" wrap="square" lIns="12065" tIns="12065" rIns="12065" bIns="12065" numCol="1" spcCol="1270" anchor="ctr" anchorCtr="0">
+              <a:noAutofit/>
+            </a:bodyPr>
+            <a:lstStyle/>
+            <a:p>
+              <a:pPr lvl="0" algn="ctr" defTabSz="844550">
+                <a:lnSpc>
+                  <a:spcPct val="90000"/>
+                </a:lnSpc>
+                <a:spcBef>
+                  <a:spcPct val="0"/>
+                </a:spcBef>
+                <a:spcAft>
+                  <a:spcPct val="35000"/>
+                </a:spcAft>
+              </a:pPr>
+              <a:r>
+                <a:rPr lang="en-US" sz="1900" kern="1200" dirty="0" smtClean="0"/>
+                <a:t>Dispatcher</a:t>
+              </a:r>
+              <a:endParaRPr lang="ru-RU" sz="1900" kern="1200" dirty="0" smtClean="0"/>
+            </a:p>
+            <a:p>
+              <a:pPr lvl="0" algn="ctr" defTabSz="844550">
+                <a:lnSpc>
+                  <a:spcPct val="90000"/>
+                </a:lnSpc>
+                <a:spcBef>
+                  <a:spcPct val="0"/>
+                </a:spcBef>
+                <a:spcAft>
+                  <a:spcPct val="35000"/>
+                </a:spcAft>
+              </a:pPr>
+              <a:r>
+                <a:rPr lang="en-US" sz="1900" kern="1200" dirty="0" smtClean="0"/>
+                <a:t>Operation</a:t>
+              </a:r>
+              <a:endParaRPr lang="ru-RU" sz="1900" kern="1200" dirty="0" smtClean="0"/>
+            </a:p>
+            <a:p>
+              <a:pPr lvl="0" algn="ctr" defTabSz="844550">
+                <a:lnSpc>
+                  <a:spcPct val="90000"/>
+                </a:lnSpc>
+                <a:spcBef>
+                  <a:spcPct val="0"/>
+                </a:spcBef>
+                <a:spcAft>
+                  <a:spcPct val="35000"/>
+                </a:spcAft>
+              </a:pPr>
+              <a:r>
+                <a:rPr lang="en-US" sz="1900" kern="1200" dirty="0" smtClean="0"/>
+                <a:t>Validity</a:t>
+              </a:r>
+              <a:endParaRPr lang="ru-RU" sz="1900" kern="1200" dirty="0"/>
+            </a:p>
+          </p:txBody>
+        </p:sp>
+      </p:grpSp>
+      <p:sp>
+        <p:nvSpPr>
+          <p:cNvPr id="15" name="Стрелка вправо 14"/>
+          <p:cNvSpPr/>
+          <p:nvPr/>
+        </p:nvSpPr>
+        <p:spPr>
+          <a:xfrm>
+            <a:off x="4544097" y="3778638"/>
+            <a:ext cx="525014" cy="484632"/>
+          </a:xfrm>
+          <a:prstGeom prst="rightArrow">
+            <a:avLst/>
+          </a:prstGeom>
+        </p:spPr>
+        <p:style>
+          <a:lnRef idx="2">
+            <a:schemeClr val="accent1">
+              <a:shade val="50000"/>
+            </a:schemeClr>
+          </a:lnRef>
+          <a:fillRef idx="1">
+            <a:schemeClr val="accent1"/>
+          </a:fillRef>
+          <a:effectRef idx="0">
+            <a:schemeClr val="accent1"/>
+          </a:effectRef>
+          <a:fontRef idx="minor">
+            <a:schemeClr val="lt1"/>
+          </a:fontRef>
+        </p:style>
+        <p:txBody>
+          <a:bodyPr rtlCol="0" anchor="ctr"/>
+          <a:lstStyle/>
+          <a:p>
+            <a:pPr algn="ctr"/>
+            <a:endParaRPr lang="ru-RU"/>
+          </a:p>
+        </p:txBody>
+      </p:sp>
+    </p:spTree>
+    <p:extLst>
+      <p:ext uri="{BB962C8B-B14F-4D97-AF65-F5344CB8AC3E}">
+        <p14:creationId xmlns:p14="http://schemas.microsoft.com/office/powerpoint/2010/main" val="4054293722"/>
+      </p:ext>
+    </p:extLst>
+  </p:cSld>
+  <p:clrMapOvr>
+    <a:masterClrMapping/>
+  </p:clrMapOvr>
+</p:sld>
+</file>
+
+<file path=ppt/slides/slide8.xml><?xml version="1.0" encoding="utf-8"?>
+<p:sld xmlns:a="http://schemas.openxmlformats.org/drawingml/2006/main" xmlns:r="http://schemas.openxmlformats.org/officeDocument/2006/relationships" xmlns:p="http://schemas.openxmlformats.org/presentationml/2006/main">
+  <p:cSld>
+    <p:spTree>
+      <p:nvGrpSpPr>
+        <p:cNvPr id="1" name=""/>
+        <p:cNvGrpSpPr/>
+        <p:nvPr/>
+      </p:nvGrpSpPr>
+      <p:grpSpPr>
+        <a:xfrm>
+          <a:off x="0" y="0"/>
+          <a:ext cx="0" cy="0"/>
+          <a:chOff x="0" y="0"/>
+          <a:chExt cx="0" cy="0"/>
+        </a:xfrm>
+      </p:grpSpPr>
+      <p:sp>
+        <p:nvSpPr>
+          <p:cNvPr id="2" name="Заголовок 1"/>
+          <p:cNvSpPr>
+            <a:spLocks noGrp="1"/>
+          </p:cNvSpPr>
+          <p:nvPr>
+            <p:ph type="title"/>
+          </p:nvPr>
+        </p:nvSpPr>
+        <p:spPr>
+          <a:xfrm>
+            <a:off x="1097280" y="286604"/>
+            <a:ext cx="10058400" cy="1118248"/>
+          </a:xfrm>
+        </p:spPr>
+        <p:txBody>
+          <a:bodyPr/>
+          <a:lstStyle/>
+          <a:p>
+            <a:endParaRPr lang="ru-RU" dirty="0"/>
+          </a:p>
+        </p:txBody>
+      </p:sp>
+      <p:graphicFrame>
+        <p:nvGraphicFramePr>
+          <p:cNvPr id="7" name="Объект 6"/>
+          <p:cNvGraphicFramePr>
+            <a:graphicFrameLocks noGrp="1"/>
+          </p:cNvGraphicFramePr>
+          <p:nvPr>
+            <p:ph idx="1"/>
+            <p:extLst>
+              <p:ext uri="{D42A27DB-BD31-4B8C-83A1-F6EECF244321}">
+                <p14:modId xmlns:p14="http://schemas.microsoft.com/office/powerpoint/2010/main" val="793467764"/>
+              </p:ext>
+            </p:extLst>
+          </p:nvPr>
+        </p:nvGraphicFramePr>
+        <p:xfrm>
+          <a:off x="1096963" y="1479665"/>
+          <a:ext cx="10058400" cy="2477193"/>
+        </p:xfrm>
+        <a:graphic>
+          <a:graphicData uri="http://schemas.openxmlformats.org/drawingml/2006/diagram">
+            <dgm:relIds xmlns:dgm="http://schemas.openxmlformats.org/drawingml/2006/diagram" xmlns:r="http://schemas.openxmlformats.org/officeDocument/2006/relationships" r:dm="rId2" r:lo="rId3" r:qs="rId4" r:cs="rId5"/>
+          </a:graphicData>
+        </a:graphic>
+      </p:graphicFrame>
+      <p:sp>
+        <p:nvSpPr>
+          <p:cNvPr id="4" name="Дата 3"/>
+          <p:cNvSpPr>
+            <a:spLocks noGrp="1"/>
+          </p:cNvSpPr>
+          <p:nvPr>
+            <p:ph type="dt" sz="half" idx="10"/>
+          </p:nvPr>
+        </p:nvSpPr>
+        <p:spPr/>
+        <p:txBody>
+          <a:bodyPr/>
+          <a:lstStyle/>
+          <a:p>
+            <a:fld id="{8AC5719E-8A6A-457D-98CF-1B213C53F5CE}" type="datetime1">
+              <a:rPr lang="ru-RU" smtClean="0"/>
+              <a:t>21.10.2025</a:t>
+            </a:fld>
+            <a:endParaRPr lang="ru-RU"/>
+          </a:p>
+        </p:txBody>
+      </p:sp>
+      <p:sp>
+        <p:nvSpPr>
+          <p:cNvPr id="5" name="Нижний колонтитул 4"/>
+          <p:cNvSpPr>
+            <a:spLocks noGrp="1"/>
+          </p:cNvSpPr>
+          <p:nvPr>
+            <p:ph type="ftr" sz="quarter" idx="11"/>
+          </p:nvPr>
+        </p:nvSpPr>
+        <p:spPr/>
+        <p:txBody>
+          <a:bodyPr/>
+          <a:lstStyle/>
+          <a:p>
+            <a:endParaRPr lang="ru-RU"/>
+          </a:p>
+        </p:txBody>
+      </p:sp>
+      <p:sp>
+        <p:nvSpPr>
+          <p:cNvPr id="6" name="Номер слайда 5"/>
+          <p:cNvSpPr>
+            <a:spLocks noGrp="1"/>
+          </p:cNvSpPr>
+          <p:nvPr>
+            <p:ph type="sldNum" sz="quarter" idx="12"/>
+          </p:nvPr>
+        </p:nvSpPr>
+        <p:spPr/>
+        <p:txBody>
+          <a:bodyPr/>
+          <a:lstStyle/>
+          <a:p>
+            <a:fld id="{DEBD715E-836E-42D1-BDDD-058C1EE5707C}" type="slidenum">
+              <a:rPr lang="ru-RU" smtClean="0"/>
+              <a:t>8</a:t>
+            </a:fld>
+            <a:endParaRPr lang="ru-RU"/>
+          </a:p>
+        </p:txBody>
+      </p:sp>
+      <p:sp>
+        <p:nvSpPr>
+          <p:cNvPr id="8" name="TextBox 7"/>
+          <p:cNvSpPr txBox="1"/>
+          <p:nvPr/>
+        </p:nvSpPr>
+        <p:spPr>
+          <a:xfrm>
+            <a:off x="7338389" y="3538447"/>
+            <a:ext cx="4624984" cy="369332"/>
+          </a:xfrm>
+          <a:prstGeom prst="rect">
+            <a:avLst/>
+          </a:prstGeom>
+          <a:noFill/>
+        </p:spPr>
+        <p:txBody>
+          <a:bodyPr wrap="none" rtlCol="0">
+            <a:spAutoFit/>
+          </a:bodyPr>
+          <a:lstStyle/>
+          <a:p>
+            <a:r>
+              <a:rPr lang="ru-RU" dirty="0" smtClean="0"/>
+              <a:t>формирует базу документов (много потоков)</a:t>
+            </a:r>
+            <a:endParaRPr lang="ru-RU" dirty="0"/>
+          </a:p>
+        </p:txBody>
+      </p:sp>
+      <p:graphicFrame>
+        <p:nvGraphicFramePr>
+          <p:cNvPr id="9" name="Объект 6"/>
+          <p:cNvGraphicFramePr>
+            <a:graphicFrameLocks/>
+          </p:cNvGraphicFramePr>
+          <p:nvPr>
+            <p:extLst>
+              <p:ext uri="{D42A27DB-BD31-4B8C-83A1-F6EECF244321}">
+                <p14:modId xmlns:p14="http://schemas.microsoft.com/office/powerpoint/2010/main" val="299934725"/>
+              </p:ext>
+            </p:extLst>
+          </p:nvPr>
+        </p:nvGraphicFramePr>
+        <p:xfrm>
+          <a:off x="1096963" y="4031671"/>
+          <a:ext cx="10058400" cy="1837317"/>
+        </p:xfrm>
+        <a:graphic>
+          <a:graphicData uri="http://schemas.openxmlformats.org/drawingml/2006/diagram">
+            <dgm:relIds xmlns:dgm="http://schemas.openxmlformats.org/drawingml/2006/diagram" xmlns:r="http://schemas.openxmlformats.org/officeDocument/2006/relationships" r:dm="rId7" r:lo="rId8" r:qs="rId9" r:cs="rId10"/>
+          </a:graphicData>
+        </a:graphic>
+      </p:graphicFrame>
+      <p:sp>
+        <p:nvSpPr>
+          <p:cNvPr id="3" name="Прямоугольник 2"/>
+          <p:cNvSpPr/>
+          <p:nvPr/>
+        </p:nvSpPr>
+        <p:spPr>
+          <a:xfrm>
+            <a:off x="5786449" y="5759135"/>
+            <a:ext cx="2722540" cy="369332"/>
+          </a:xfrm>
+          <a:prstGeom prst="rect">
+            <a:avLst/>
+          </a:prstGeom>
+        </p:spPr>
+        <p:txBody>
+          <a:bodyPr wrap="none">
+            <a:spAutoFit/>
+          </a:bodyPr>
+          <a:lstStyle/>
+          <a:p>
+            <a:r>
+              <a:rPr lang="ru-RU" dirty="0"/>
+              <a:t>формирует базу запросов</a:t>
+            </a:r>
+          </a:p>
+        </p:txBody>
+      </p:sp>
+    </p:spTree>
+    <p:extLst>
+      <p:ext uri="{BB962C8B-B14F-4D97-AF65-F5344CB8AC3E}">
+        <p14:creationId xmlns:p14="http://schemas.microsoft.com/office/powerpoint/2010/main" val="3976156181"/>
+      </p:ext>
+    </p:extLst>
+  </p:cSld>
+  <p:clrMapOvr>
+    <a:masterClrMapping/>
+  </p:clrMapOvr>
+</p:sld>
+</file>
+
+<file path=ppt/slides/slide9.xml><?xml version="1.0" encoding="utf-8"?>
+<p:sld xmlns:a="http://schemas.openxmlformats.org/drawingml/2006/main" xmlns:r="http://schemas.openxmlformats.org/officeDocument/2006/relationships" xmlns:p="http://schemas.openxmlformats.org/presentationml/2006/main">
+  <p:cSld>
+    <p:spTree>
+      <p:nvGrpSpPr>
+        <p:cNvPr id="1" name=""/>
+        <p:cNvGrpSpPr/>
+        <p:nvPr/>
+      </p:nvGrpSpPr>
+      <p:grpSpPr>
+        <a:xfrm>
+          <a:off x="0" y="0"/>
+          <a:ext cx="0" cy="0"/>
+          <a:chOff x="0" y="0"/>
+          <a:chExt cx="0" cy="0"/>
+        </a:xfrm>
+      </p:grpSpPr>
+      <p:sp>
+        <p:nvSpPr>
+          <p:cNvPr id="2" name="Заголовок 1"/>
+          <p:cNvSpPr>
+            <a:spLocks noGrp="1"/>
+          </p:cNvSpPr>
+          <p:nvPr>
+            <p:ph type="title"/>
+          </p:nvPr>
+        </p:nvSpPr>
+        <p:spPr/>
+        <p:txBody>
+          <a:bodyPr/>
+          <a:lstStyle/>
+          <a:p>
+            <a:endParaRPr lang="ru-RU"/>
+          </a:p>
+        </p:txBody>
+      </p:sp>
+      <p:sp>
+        <p:nvSpPr>
+          <p:cNvPr id="4" name="Дата 3"/>
+          <p:cNvSpPr>
+            <a:spLocks noGrp="1"/>
+          </p:cNvSpPr>
+          <p:nvPr>
+            <p:ph type="dt" sz="half" idx="10"/>
+          </p:nvPr>
+        </p:nvSpPr>
+        <p:spPr/>
+        <p:txBody>
+          <a:bodyPr/>
+          <a:lstStyle/>
+          <a:p>
+            <a:fld id="{8AC5719E-8A6A-457D-98CF-1B213C53F5CE}" type="datetime1">
+              <a:rPr lang="ru-RU" smtClean="0"/>
+              <a:t>21.10.2025</a:t>
+            </a:fld>
+            <a:endParaRPr lang="ru-RU"/>
+          </a:p>
+        </p:txBody>
+      </p:sp>
+      <p:sp>
+        <p:nvSpPr>
+          <p:cNvPr id="5" name="Нижний колонтитул 4"/>
+          <p:cNvSpPr>
+            <a:spLocks noGrp="1"/>
+          </p:cNvSpPr>
+          <p:nvPr>
+            <p:ph type="ftr" sz="quarter" idx="11"/>
+          </p:nvPr>
+        </p:nvSpPr>
+        <p:spPr/>
+        <p:txBody>
+          <a:bodyPr/>
+          <a:lstStyle/>
+          <a:p>
+            <a:endParaRPr lang="ru-RU"/>
+          </a:p>
+        </p:txBody>
+      </p:sp>
+      <p:sp>
+        <p:nvSpPr>
+          <p:cNvPr id="6" name="Номер слайда 5"/>
+          <p:cNvSpPr>
+            <a:spLocks noGrp="1"/>
+          </p:cNvSpPr>
+          <p:nvPr>
+            <p:ph type="sldNum" sz="quarter" idx="12"/>
+          </p:nvPr>
+        </p:nvSpPr>
+        <p:spPr/>
+        <p:txBody>
+          <a:bodyPr/>
+          <a:lstStyle/>
+          <a:p>
+            <a:fld id="{DEBD715E-836E-42D1-BDDD-058C1EE5707C}" type="slidenum">
+              <a:rPr lang="ru-RU" smtClean="0"/>
+              <a:t>9</a:t>
+            </a:fld>
+            <a:endParaRPr lang="ru-RU"/>
+          </a:p>
+        </p:txBody>
+      </p:sp>
+      <p:graphicFrame>
+        <p:nvGraphicFramePr>
+          <p:cNvPr id="7" name="Объект 6"/>
+          <p:cNvGraphicFramePr>
+            <a:graphicFrameLocks/>
+          </p:cNvGraphicFramePr>
+          <p:nvPr>
+            <p:extLst>
+              <p:ext uri="{D42A27DB-BD31-4B8C-83A1-F6EECF244321}">
+                <p14:modId xmlns:p14="http://schemas.microsoft.com/office/powerpoint/2010/main" val="151285255"/>
+              </p:ext>
+            </p:extLst>
+          </p:nvPr>
+        </p:nvGraphicFramePr>
+        <p:xfrm>
+          <a:off x="1096963" y="3998422"/>
+          <a:ext cx="10058400" cy="1870566"/>
+        </p:xfrm>
+        <a:graphic>
+          <a:graphicData uri="http://schemas.openxmlformats.org/drawingml/2006/diagram">
+            <dgm:relIds xmlns:dgm="http://schemas.openxmlformats.org/drawingml/2006/diagram" xmlns:r="http://schemas.openxmlformats.org/officeDocument/2006/relationships" r:dm="rId2" r:lo="rId3" r:qs="rId4" r:cs="rId5"/>
+          </a:graphicData>
+        </a:graphic>
+      </p:graphicFrame>
+      <p:sp>
+        <p:nvSpPr>
+          <p:cNvPr id="8" name="TextBox 7"/>
+          <p:cNvSpPr txBox="1"/>
+          <p:nvPr/>
+        </p:nvSpPr>
+        <p:spPr>
+          <a:xfrm>
+            <a:off x="5677276" y="3318296"/>
+            <a:ext cx="2473692" cy="1200329"/>
+          </a:xfrm>
+          <a:prstGeom prst="rect">
+            <a:avLst/>
+          </a:prstGeom>
+          <a:noFill/>
+        </p:spPr>
+        <p:txBody>
+          <a:bodyPr wrap="square" rtlCol="0">
+            <a:spAutoFit/>
+          </a:bodyPr>
+          <a:lstStyle/>
+          <a:p>
+            <a:r>
+              <a:rPr lang="ru-RU" dirty="0" smtClean="0"/>
+              <a:t>формирует базу инвертированных индексов (много потоков)</a:t>
+            </a:r>
+            <a:endParaRPr lang="ru-RU" dirty="0"/>
+          </a:p>
+        </p:txBody>
+      </p:sp>
+      <p:graphicFrame>
+        <p:nvGraphicFramePr>
+          <p:cNvPr id="9" name="Объект 6"/>
+          <p:cNvGraphicFramePr>
+            <a:graphicFrameLocks noGrp="1"/>
+          </p:cNvGraphicFramePr>
+          <p:nvPr>
+            <p:ph idx="1"/>
+            <p:extLst>
+              <p:ext uri="{D42A27DB-BD31-4B8C-83A1-F6EECF244321}">
+                <p14:modId xmlns:p14="http://schemas.microsoft.com/office/powerpoint/2010/main" val="3703318879"/>
+              </p:ext>
+            </p:extLst>
+          </p:nvPr>
+        </p:nvGraphicFramePr>
+        <p:xfrm>
+          <a:off x="1096963" y="1846264"/>
+          <a:ext cx="10058400" cy="1894464"/>
+        </p:xfrm>
+        <a:graphic>
+          <a:graphicData uri="http://schemas.openxmlformats.org/drawingml/2006/diagram">
+            <dgm:relIds xmlns:dgm="http://schemas.openxmlformats.org/drawingml/2006/diagram" xmlns:r="http://schemas.openxmlformats.org/officeDocument/2006/relationships" r:dm="rId7" r:lo="rId8" r:qs="rId9" r:cs="rId10"/>
+          </a:graphicData>
+        </a:graphic>
+      </p:graphicFrame>
+      <p:sp>
+        <p:nvSpPr>
+          <p:cNvPr id="10" name="TextBox 9"/>
+          <p:cNvSpPr txBox="1"/>
+          <p:nvPr/>
+        </p:nvSpPr>
+        <p:spPr>
+          <a:xfrm>
+            <a:off x="6278563" y="5670455"/>
+            <a:ext cx="2473692" cy="646331"/>
+          </a:xfrm>
+          <a:prstGeom prst="rect">
+            <a:avLst/>
+          </a:prstGeom>
+          <a:noFill/>
+        </p:spPr>
+        <p:txBody>
+          <a:bodyPr wrap="square" rtlCol="0">
+            <a:spAutoFit/>
+          </a:bodyPr>
+          <a:lstStyle/>
+          <a:p>
+            <a:r>
+              <a:rPr lang="ru-RU" dirty="0" smtClean="0"/>
+              <a:t>формирует базу релевантности ответов</a:t>
+            </a:r>
+            <a:endParaRPr lang="ru-RU" dirty="0"/>
+          </a:p>
+        </p:txBody>
+      </p:sp>
+    </p:spTree>
+    <p:extLst>
+      <p:ext uri="{BB962C8B-B14F-4D97-AF65-F5344CB8AC3E}">
+        <p14:creationId xmlns:p14="http://schemas.microsoft.com/office/powerpoint/2010/main" val="3078828939"/>
+      </p:ext>
+    </p:extLst>
+  </p:cSld>
+  <p:clrMapOvr>
+    <a:masterClrMapping/>
+  </p:clrMapOvr>
+</p:sld>
+</file>
+
 <file path=ppt/theme/theme1.xml><?xml version="1.0" encoding="utf-8"?>
 <a:theme xmlns:a="http://schemas.openxmlformats.org/drawingml/2006/main" name="Ретро">
   <a:themeElements>

--- a/presentation/защита.pptx
+++ b/presentation/защита.pptx
@@ -156,6 +156,32 @@
   </mc:AlternateContent>
   <c:chart>
     <c:title>
+      <c:tx>
+        <c:rich>
+          <a:bodyPr rot="0" spcFirstLastPara="1" vertOverflow="ellipsis" vert="horz" wrap="square" anchor="ctr" anchorCtr="1"/>
+          <a:lstStyle/>
+          <a:p>
+            <a:pPr>
+              <a:defRPr sz="1862" b="0" i="0" u="none" strike="noStrike" kern="1200" spc="0" baseline="0">
+                <a:solidFill>
+                  <a:schemeClr val="tx1">
+                    <a:lumMod val="65000"/>
+                    <a:lumOff val="35000"/>
+                  </a:schemeClr>
+                </a:solidFill>
+                <a:latin typeface="+mn-lt"/>
+                <a:ea typeface="+mn-ea"/>
+                <a:cs typeface="+mn-cs"/>
+              </a:defRPr>
+            </a:pPr>
+            <a:r>
+              <a:rPr lang="ru-RU" baseline="0" dirty="0" smtClean="0"/>
+              <a:t>чтение документов</a:t>
+            </a:r>
+            <a:endParaRPr lang="ru-RU" dirty="0"/>
+          </a:p>
+        </c:rich>
+      </c:tx>
       <c:layout/>
       <c:overlay val="0"/>
       <c:spPr>
@@ -235,7 +261,7 @@
                 <c:formatCode>General</c:formatCode>
                 <c:ptCount val="1"/>
                 <c:pt idx="0">
-                  <c:v>4.3</c:v>
+                  <c:v>4.9000000000000002E-2</c:v>
                 </c:pt>
               </c:numCache>
             </c:numRef>
@@ -283,7 +309,7 @@
                 <c:formatCode>General</c:formatCode>
                 <c:ptCount val="1"/>
                 <c:pt idx="0">
-                  <c:v>2.4</c:v>
+                  <c:v>0.193</c:v>
                 </c:pt>
               </c:numCache>
             </c:numRef>
@@ -299,11 +325,11 @@
         </c:dLbls>
         <c:gapWidth val="219"/>
         <c:overlap val="-27"/>
-        <c:axId val="476997688"/>
-        <c:axId val="476998080"/>
+        <c:axId val="476668128"/>
+        <c:axId val="476667344"/>
       </c:barChart>
       <c:catAx>
-        <c:axId val="476997688"/>
+        <c:axId val="476668128"/>
         <c:scaling>
           <c:orientation val="minMax"/>
         </c:scaling>
@@ -346,7 +372,7 @@
             <a:endParaRPr lang="ru-RU"/>
           </a:p>
         </c:txPr>
-        <c:crossAx val="476998080"/>
+        <c:crossAx val="476667344"/>
         <c:crosses val="autoZero"/>
         <c:auto val="1"/>
         <c:lblAlgn val="ctr"/>
@@ -354,7 +380,7 @@
         <c:noMultiLvlLbl val="0"/>
       </c:catAx>
       <c:valAx>
-        <c:axId val="476998080"/>
+        <c:axId val="476667344"/>
         <c:scaling>
           <c:orientation val="minMax"/>
         </c:scaling>
@@ -405,7 +431,7 @@
             <a:endParaRPr lang="ru-RU"/>
           </a:p>
         </c:txPr>
-        <c:crossAx val="476997688"/>
+        <c:crossAx val="476668128"/>
         <c:crosses val="autoZero"/>
         <c:crossBetween val="between"/>
       </c:valAx>
@@ -634,11 +660,11 @@
         </c:dLbls>
         <c:gapWidth val="219"/>
         <c:overlap val="-27"/>
-        <c:axId val="476999648"/>
-        <c:axId val="476996904"/>
+        <c:axId val="476668520"/>
+        <c:axId val="476666952"/>
       </c:barChart>
       <c:catAx>
-        <c:axId val="476999648"/>
+        <c:axId val="476668520"/>
         <c:scaling>
           <c:orientation val="minMax"/>
         </c:scaling>
@@ -681,7 +707,7 @@
             <a:endParaRPr lang="ru-RU"/>
           </a:p>
         </c:txPr>
-        <c:crossAx val="476996904"/>
+        <c:crossAx val="476666952"/>
         <c:crosses val="autoZero"/>
         <c:auto val="1"/>
         <c:lblAlgn val="ctr"/>
@@ -689,7 +715,7 @@
         <c:noMultiLvlLbl val="0"/>
       </c:catAx>
       <c:valAx>
-        <c:axId val="476996904"/>
+        <c:axId val="476666952"/>
         <c:scaling>
           <c:orientation val="minMax"/>
         </c:scaling>
@@ -740,7 +766,7 @@
             <a:endParaRPr lang="ru-RU"/>
           </a:p>
         </c:txPr>
-        <c:crossAx val="476999648"/>
+        <c:crossAx val="476668520"/>
         <c:crosses val="autoZero"/>
         <c:crossBetween val="between"/>
       </c:valAx>
@@ -10612,29 +10638,29 @@
     </dgm:pt>
   </dgm:ptLst>
   <dgm:cxnLst>
-    <dgm:cxn modelId="{C9C3564E-0803-4DB4-8B73-487370AC23D2}" type="presOf" srcId="{5251211C-2A96-4DCB-B96A-718B7FEE29FC}" destId="{EB1EB879-57B0-4BB0-8304-82EAAE352B32}" srcOrd="1" destOrd="0" presId="urn:microsoft.com/office/officeart/2005/8/layout/hProcess10"/>
-    <dgm:cxn modelId="{2394CF16-B8FA-412F-8D9C-2E43DD302D7B}" srcId="{4489C5E7-4CB3-4705-ADC7-EC2D7DB205C7}" destId="{7B5CB32F-AC22-4F46-A5FC-85700A25BB5F}" srcOrd="1" destOrd="0" parTransId="{6CC02667-E25A-44FD-A525-354411A07A9E}" sibTransId="{93C17E5A-2FFB-43E4-9FE6-0FA213A7D041}"/>
     <dgm:cxn modelId="{BA9F8CE6-03D0-40D2-97FF-C1924FB389A9}" type="presOf" srcId="{90757D3F-86D0-4602-8E71-75B55EB1FC14}" destId="{9FBC957F-813F-4C5F-8238-EDB031A6FB65}" srcOrd="0" destOrd="0" presId="urn:microsoft.com/office/officeart/2005/8/layout/hProcess10"/>
-    <dgm:cxn modelId="{FABFD9C9-6DEB-44D8-81E7-EDDEB04CCE2E}" srcId="{4489C5E7-4CB3-4705-ADC7-EC2D7DB205C7}" destId="{E319911A-4062-482D-A56A-1A04EAA79D6F}" srcOrd="0" destOrd="0" parTransId="{53B05F91-52ED-4447-B4C1-8852A419B243}" sibTransId="{60465054-A24A-44E2-BE9D-3F4BD3E2F5BA}"/>
-    <dgm:cxn modelId="{BCBCFB0C-00EA-4E84-82EB-D6A27005F000}" srcId="{C50D24E8-6499-477C-96DB-674B3153D74A}" destId="{9FB912DC-886C-4A8E-8B9D-C887D1794C4A}" srcOrd="1" destOrd="0" parTransId="{DEF4A1FC-B9FE-43AF-B8BD-038446A7563E}" sibTransId="{5251211C-2A96-4DCB-B96A-718B7FEE29FC}"/>
-    <dgm:cxn modelId="{9CC9FB07-2368-4E99-A036-7DF5BDA3E92B}" srcId="{9FB912DC-886C-4A8E-8B9D-C887D1794C4A}" destId="{E10D2585-F7BB-48D0-BC9F-A7F2B45E452E}" srcOrd="0" destOrd="0" parTransId="{A270FCEA-C681-47D3-9931-149B2879945E}" sibTransId="{70FE9CF9-128D-4B4D-B6E7-B557A2DF7B19}"/>
-    <dgm:cxn modelId="{0E3EF668-330E-4336-81CC-C6D03F1181D7}" srcId="{C50D24E8-6499-477C-96DB-674B3153D74A}" destId="{75C30775-A0DD-4D8A-AB7E-083B6F7D180F}" srcOrd="0" destOrd="0" parTransId="{FE11706D-B7B9-47FF-9CB4-A244A09AC58E}" sibTransId="{90757D3F-86D0-4602-8E71-75B55EB1FC14}"/>
-    <dgm:cxn modelId="{AFBB6E71-6EF7-4238-A366-1E0EFE1BC842}" srcId="{75C30775-A0DD-4D8A-AB7E-083B6F7D180F}" destId="{8B67BDF8-EECD-40A6-95C0-6F0D0AA823D5}" srcOrd="1" destOrd="0" parTransId="{EC7C0393-9A10-410C-97A9-0A2663C1A196}" sibTransId="{4C102AA3-ED5E-4F51-A79B-CEF0026C72DA}"/>
     <dgm:cxn modelId="{03CE2F1B-4996-4A16-B41C-87FE558E4977}" srcId="{75C30775-A0DD-4D8A-AB7E-083B6F7D180F}" destId="{266C79A3-239E-493F-B8D3-7A33A63FAEF5}" srcOrd="0" destOrd="0" parTransId="{EC81D479-9562-446C-BC8D-A4F12B86374D}" sibTransId="{32231B83-A94A-442E-9A48-D1C2C4A0922A}"/>
     <dgm:cxn modelId="{DCEF3A6B-DB6C-449C-B71C-7A0128ECF7E7}" type="presOf" srcId="{75C30775-A0DD-4D8A-AB7E-083B6F7D180F}" destId="{0F9F2284-2284-4732-9015-3FEC425942BA}" srcOrd="0" destOrd="0" presId="urn:microsoft.com/office/officeart/2005/8/layout/hProcess10"/>
-    <dgm:cxn modelId="{66A78BA1-617E-4401-BBD3-BDDF922EC72B}" type="presOf" srcId="{7B5CB32F-AC22-4F46-A5FC-85700A25BB5F}" destId="{A4C03D11-F0CB-4F23-9EF7-0AB2535DC95B}" srcOrd="0" destOrd="2" presId="urn:microsoft.com/office/officeart/2005/8/layout/hProcess10"/>
+    <dgm:cxn modelId="{BCBCFB0C-00EA-4E84-82EB-D6A27005F000}" srcId="{C50D24E8-6499-477C-96DB-674B3153D74A}" destId="{9FB912DC-886C-4A8E-8B9D-C887D1794C4A}" srcOrd="1" destOrd="0" parTransId="{DEF4A1FC-B9FE-43AF-B8BD-038446A7563E}" sibTransId="{5251211C-2A96-4DCB-B96A-718B7FEE29FC}"/>
+    <dgm:cxn modelId="{0E3EF668-330E-4336-81CC-C6D03F1181D7}" srcId="{C50D24E8-6499-477C-96DB-674B3153D74A}" destId="{75C30775-A0DD-4D8A-AB7E-083B6F7D180F}" srcOrd="0" destOrd="0" parTransId="{FE11706D-B7B9-47FF-9CB4-A244A09AC58E}" sibTransId="{90757D3F-86D0-4602-8E71-75B55EB1FC14}"/>
+    <dgm:cxn modelId="{2394CF16-B8FA-412F-8D9C-2E43DD302D7B}" srcId="{4489C5E7-4CB3-4705-ADC7-EC2D7DB205C7}" destId="{7B5CB32F-AC22-4F46-A5FC-85700A25BB5F}" srcOrd="1" destOrd="0" parTransId="{6CC02667-E25A-44FD-A525-354411A07A9E}" sibTransId="{93C17E5A-2FFB-43E4-9FE6-0FA213A7D041}"/>
+    <dgm:cxn modelId="{9CC9FB07-2368-4E99-A036-7DF5BDA3E92B}" srcId="{9FB912DC-886C-4A8E-8B9D-C887D1794C4A}" destId="{E10D2585-F7BB-48D0-BC9F-A7F2B45E452E}" srcOrd="0" destOrd="0" parTransId="{A270FCEA-C681-47D3-9931-149B2879945E}" sibTransId="{70FE9CF9-128D-4B4D-B6E7-B557A2DF7B19}"/>
     <dgm:cxn modelId="{23425499-D5EB-493A-84E0-B2CCCB5AB00C}" type="presOf" srcId="{9FB912DC-886C-4A8E-8B9D-C887D1794C4A}" destId="{88B2F004-F12C-4EE6-9C27-742F06C18109}" srcOrd="0" destOrd="0" presId="urn:microsoft.com/office/officeart/2005/8/layout/hProcess10"/>
-    <dgm:cxn modelId="{1E29528C-D471-4631-B9E7-BDEE5355D36B}" type="presOf" srcId="{B92C896A-8E81-4D84-B983-6966E2549ABD}" destId="{88B2F004-F12C-4EE6-9C27-742F06C18109}" srcOrd="0" destOrd="2" presId="urn:microsoft.com/office/officeart/2005/8/layout/hProcess10"/>
     <dgm:cxn modelId="{68A68D77-0BFD-457C-96FF-F22700EA349A}" srcId="{9FB912DC-886C-4A8E-8B9D-C887D1794C4A}" destId="{B92C896A-8E81-4D84-B983-6966E2549ABD}" srcOrd="1" destOrd="0" parTransId="{69BD31A5-00E3-4E36-8C42-B7D1AEC7C345}" sibTransId="{6B170223-3EDD-465E-A756-29DDAC64B1B9}"/>
-    <dgm:cxn modelId="{6136DE81-2B02-4719-B534-06743435DB86}" type="presOf" srcId="{8B67BDF8-EECD-40A6-95C0-6F0D0AA823D5}" destId="{0F9F2284-2284-4732-9015-3FEC425942BA}" srcOrd="0" destOrd="2" presId="urn:microsoft.com/office/officeart/2005/8/layout/hProcess10"/>
     <dgm:cxn modelId="{C6864C09-089B-4308-B0F2-813ADE56238F}" type="presOf" srcId="{4489C5E7-4CB3-4705-ADC7-EC2D7DB205C7}" destId="{A4C03D11-F0CB-4F23-9EF7-0AB2535DC95B}" srcOrd="0" destOrd="0" presId="urn:microsoft.com/office/officeart/2005/8/layout/hProcess10"/>
+    <dgm:cxn modelId="{AFBB6E71-6EF7-4238-A366-1E0EFE1BC842}" srcId="{75C30775-A0DD-4D8A-AB7E-083B6F7D180F}" destId="{8B67BDF8-EECD-40A6-95C0-6F0D0AA823D5}" srcOrd="1" destOrd="0" parTransId="{EC7C0393-9A10-410C-97A9-0A2663C1A196}" sibTransId="{4C102AA3-ED5E-4F51-A79B-CEF0026C72DA}"/>
+    <dgm:cxn modelId="{CABDF726-E265-4DE2-812B-A207997C5DF1}" type="presOf" srcId="{E10D2585-F7BB-48D0-BC9F-A7F2B45E452E}" destId="{88B2F004-F12C-4EE6-9C27-742F06C18109}" srcOrd="0" destOrd="1" presId="urn:microsoft.com/office/officeart/2005/8/layout/hProcess10"/>
     <dgm:cxn modelId="{E1298878-BA94-40C2-9A18-9303E40E3F85}" type="presOf" srcId="{90757D3F-86D0-4602-8E71-75B55EB1FC14}" destId="{60F1287C-D0E7-49A4-BAAD-8B39C0D7CA8E}" srcOrd="1" destOrd="0" presId="urn:microsoft.com/office/officeart/2005/8/layout/hProcess10"/>
-    <dgm:cxn modelId="{CABDF726-E265-4DE2-812B-A207997C5DF1}" type="presOf" srcId="{E10D2585-F7BB-48D0-BC9F-A7F2B45E452E}" destId="{88B2F004-F12C-4EE6-9C27-742F06C18109}" srcOrd="0" destOrd="1" presId="urn:microsoft.com/office/officeart/2005/8/layout/hProcess10"/>
-    <dgm:cxn modelId="{7B05F940-D60B-474F-A4CF-2F4ACEC597B6}" srcId="{C50D24E8-6499-477C-96DB-674B3153D74A}" destId="{4489C5E7-4CB3-4705-ADC7-EC2D7DB205C7}" srcOrd="2" destOrd="0" parTransId="{6D408471-4568-4B52-BE8B-DA57397642DA}" sibTransId="{58F91A13-C6F4-40EA-A098-589F2C0EFCE6}"/>
-    <dgm:cxn modelId="{E3D02B66-32EF-4254-881F-48EE1E325450}" type="presOf" srcId="{E319911A-4062-482D-A56A-1A04EAA79D6F}" destId="{A4C03D11-F0CB-4F23-9EF7-0AB2535DC95B}" srcOrd="0" destOrd="1" presId="urn:microsoft.com/office/officeart/2005/8/layout/hProcess10"/>
     <dgm:cxn modelId="{C70B4AA7-6D52-45F8-9DC3-8048D68FD8BC}" type="presOf" srcId="{C50D24E8-6499-477C-96DB-674B3153D74A}" destId="{A496A00F-42B7-423E-912B-4CC3A32EA4B8}" srcOrd="0" destOrd="0" presId="urn:microsoft.com/office/officeart/2005/8/layout/hProcess10"/>
     <dgm:cxn modelId="{42020FE2-2852-4C3E-A62C-F2B1EBD16778}" type="presOf" srcId="{5251211C-2A96-4DCB-B96A-718B7FEE29FC}" destId="{E68B74AE-7391-4157-BAA9-8CC59951EBEE}" srcOrd="0" destOrd="0" presId="urn:microsoft.com/office/officeart/2005/8/layout/hProcess10"/>
     <dgm:cxn modelId="{E55897A8-FA16-4BC7-8E4B-F0F8702019DF}" type="presOf" srcId="{266C79A3-239E-493F-B8D3-7A33A63FAEF5}" destId="{0F9F2284-2284-4732-9015-3FEC425942BA}" srcOrd="0" destOrd="1" presId="urn:microsoft.com/office/officeart/2005/8/layout/hProcess10"/>
+    <dgm:cxn modelId="{7B05F940-D60B-474F-A4CF-2F4ACEC597B6}" srcId="{C50D24E8-6499-477C-96DB-674B3153D74A}" destId="{4489C5E7-4CB3-4705-ADC7-EC2D7DB205C7}" srcOrd="2" destOrd="0" parTransId="{6D408471-4568-4B52-BE8B-DA57397642DA}" sibTransId="{58F91A13-C6F4-40EA-A098-589F2C0EFCE6}"/>
+    <dgm:cxn modelId="{E3D02B66-32EF-4254-881F-48EE1E325450}" type="presOf" srcId="{E319911A-4062-482D-A56A-1A04EAA79D6F}" destId="{A4C03D11-F0CB-4F23-9EF7-0AB2535DC95B}" srcOrd="0" destOrd="1" presId="urn:microsoft.com/office/officeart/2005/8/layout/hProcess10"/>
+    <dgm:cxn modelId="{C9C3564E-0803-4DB4-8B73-487370AC23D2}" type="presOf" srcId="{5251211C-2A96-4DCB-B96A-718B7FEE29FC}" destId="{EB1EB879-57B0-4BB0-8304-82EAAE352B32}" srcOrd="1" destOrd="0" presId="urn:microsoft.com/office/officeart/2005/8/layout/hProcess10"/>
+    <dgm:cxn modelId="{6136DE81-2B02-4719-B534-06743435DB86}" type="presOf" srcId="{8B67BDF8-EECD-40A6-95C0-6F0D0AA823D5}" destId="{0F9F2284-2284-4732-9015-3FEC425942BA}" srcOrd="0" destOrd="2" presId="urn:microsoft.com/office/officeart/2005/8/layout/hProcess10"/>
+    <dgm:cxn modelId="{1E29528C-D471-4631-B9E7-BDEE5355D36B}" type="presOf" srcId="{B92C896A-8E81-4D84-B983-6966E2549ABD}" destId="{88B2F004-F12C-4EE6-9C27-742F06C18109}" srcOrd="0" destOrd="2" presId="urn:microsoft.com/office/officeart/2005/8/layout/hProcess10"/>
+    <dgm:cxn modelId="{FABFD9C9-6DEB-44D8-81E7-EDDEB04CCE2E}" srcId="{4489C5E7-4CB3-4705-ADC7-EC2D7DB205C7}" destId="{E319911A-4062-482D-A56A-1A04EAA79D6F}" srcOrd="0" destOrd="0" parTransId="{53B05F91-52ED-4447-B4C1-8852A419B243}" sibTransId="{60465054-A24A-44E2-BE9D-3F4BD3E2F5BA}"/>
+    <dgm:cxn modelId="{66A78BA1-617E-4401-BBD3-BDDF922EC72B}" type="presOf" srcId="{7B5CB32F-AC22-4F46-A5FC-85700A25BB5F}" destId="{A4C03D11-F0CB-4F23-9EF7-0AB2535DC95B}" srcOrd="0" destOrd="2" presId="urn:microsoft.com/office/officeart/2005/8/layout/hProcess10"/>
     <dgm:cxn modelId="{B78354E6-2421-4181-9ABE-40B926821D7A}" type="presParOf" srcId="{A496A00F-42B7-423E-912B-4CC3A32EA4B8}" destId="{0E037597-9865-4384-81EB-EFF058A57824}" srcOrd="0" destOrd="0" presId="urn:microsoft.com/office/officeart/2005/8/layout/hProcess10"/>
     <dgm:cxn modelId="{2C490231-1538-461B-8E61-29C13EC38A46}" type="presParOf" srcId="{0E037597-9865-4384-81EB-EFF058A57824}" destId="{C79E3C58-C50D-4A55-BAE6-20C3BE97D482}" srcOrd="0" destOrd="0" presId="urn:microsoft.com/office/officeart/2005/8/layout/hProcess10"/>
     <dgm:cxn modelId="{86B29170-3893-4D5C-BA2C-B8EA87848B52}" type="presParOf" srcId="{0E037597-9865-4384-81EB-EFF058A57824}" destId="{0F9F2284-2284-4732-9015-3FEC425942BA}" srcOrd="1" destOrd="0" presId="urn:microsoft.com/office/officeart/2005/8/layout/hProcess10"/>
@@ -14870,621 +14896,6 @@
       <dsp:cNvGrpSpPr/>
     </dsp:nvGrpSpPr>
     <dsp:grpSpPr/>
-    <dsp:sp modelId="{C79E3C58-C50D-4A55-BAE6-20C3BE97D482}">
-      <dsp:nvSpPr>
-        <dsp:cNvPr id="0" name=""/>
-        <dsp:cNvSpPr/>
-      </dsp:nvSpPr>
-      <dsp:spPr>
-        <a:xfrm>
-          <a:off x="5391" y="221260"/>
-          <a:ext cx="1934180" cy="1704195"/>
-        </a:xfrm>
-        <a:prstGeom prst="roundRect">
-          <a:avLst>
-            <a:gd name="adj" fmla="val 10000"/>
-          </a:avLst>
-        </a:prstGeom>
-        <a:blipFill>
-          <a:blip xmlns:r="http://schemas.openxmlformats.org/officeDocument/2006/relationships" r:embed="rId1" cstate="print">
-            <a:extLst>
-              <a:ext uri="{28A0092B-C50C-407E-A947-70E740481C1C}">
-                <a14:useLocalDpi xmlns:a14="http://schemas.microsoft.com/office/drawing/2010/main" val="0"/>
-              </a:ext>
-            </a:extLst>
-          </a:blip>
-          <a:srcRect/>
-          <a:stretch>
-            <a:fillRect t="-21000" b="-21000"/>
-          </a:stretch>
-        </a:blipFill>
-        <a:ln w="15875" cap="flat" cmpd="sng" algn="ctr">
-          <a:solidFill>
-            <a:schemeClr val="lt1">
-              <a:hueOff val="0"/>
-              <a:satOff val="0"/>
-              <a:lumOff val="0"/>
-              <a:alphaOff val="0"/>
-            </a:schemeClr>
-          </a:solidFill>
-          <a:prstDash val="solid"/>
-        </a:ln>
-        <a:effectLst/>
-      </dsp:spPr>
-      <dsp:style>
-        <a:lnRef idx="2">
-          <a:scrgbClr r="0" g="0" b="0"/>
-        </a:lnRef>
-        <a:fillRef idx="1">
-          <a:scrgbClr r="0" g="0" b="0"/>
-        </a:fillRef>
-        <a:effectRef idx="0">
-          <a:scrgbClr r="0" g="0" b="0"/>
-        </a:effectRef>
-        <a:fontRef idx="minor"/>
-      </dsp:style>
-    </dsp:sp>
-    <dsp:sp modelId="{0F9F2284-2284-4732-9015-3FEC425942BA}">
-      <dsp:nvSpPr>
-        <dsp:cNvPr id="0" name=""/>
-        <dsp:cNvSpPr/>
-      </dsp:nvSpPr>
-      <dsp:spPr>
-        <a:xfrm>
-          <a:off x="0" y="2605836"/>
-          <a:ext cx="2411756" cy="1265448"/>
-        </a:xfrm>
-        <a:prstGeom prst="roundRect">
-          <a:avLst>
-            <a:gd name="adj" fmla="val 10000"/>
-          </a:avLst>
-        </a:prstGeom>
-        <a:solidFill>
-          <a:schemeClr val="accent1">
-            <a:hueOff val="0"/>
-            <a:satOff val="0"/>
-            <a:lumOff val="0"/>
-            <a:alphaOff val="0"/>
-          </a:schemeClr>
-        </a:solidFill>
-        <a:ln w="15875" cap="flat" cmpd="sng" algn="ctr">
-          <a:solidFill>
-            <a:schemeClr val="lt1">
-              <a:hueOff val="0"/>
-              <a:satOff val="0"/>
-              <a:lumOff val="0"/>
-              <a:alphaOff val="0"/>
-            </a:schemeClr>
-          </a:solidFill>
-          <a:prstDash val="solid"/>
-        </a:ln>
-        <a:effectLst/>
-      </dsp:spPr>
-      <dsp:style>
-        <a:lnRef idx="2">
-          <a:scrgbClr r="0" g="0" b="0"/>
-        </a:lnRef>
-        <a:fillRef idx="1">
-          <a:scrgbClr r="0" g="0" b="0"/>
-        </a:fillRef>
-        <a:effectRef idx="0">
-          <a:scrgbClr r="0" g="0" b="0"/>
-        </a:effectRef>
-        <a:fontRef idx="minor">
-          <a:schemeClr val="lt1"/>
-        </a:fontRef>
-      </dsp:style>
-      <dsp:txBody>
-        <a:bodyPr spcFirstLastPara="0" vert="horz" wrap="square" lIns="87630" tIns="87630" rIns="87630" bIns="87630" numCol="1" spcCol="1270" anchor="t" anchorCtr="0">
-          <a:noAutofit/>
-        </a:bodyPr>
-        <a:lstStyle/>
-        <a:p>
-          <a:pPr lvl="0" algn="l" defTabSz="1022350">
-            <a:lnSpc>
-              <a:spcPct val="90000"/>
-            </a:lnSpc>
-            <a:spcBef>
-              <a:spcPct val="0"/>
-            </a:spcBef>
-            <a:spcAft>
-              <a:spcPct val="35000"/>
-            </a:spcAft>
-          </a:pPr>
-          <a:endParaRPr lang="ru-RU" sz="2300" kern="1200"/>
-        </a:p>
-        <a:p>
-          <a:pPr marL="171450" lvl="1" indent="-171450" algn="l" defTabSz="800100">
-            <a:lnSpc>
-              <a:spcPct val="90000"/>
-            </a:lnSpc>
-            <a:spcBef>
-              <a:spcPct val="0"/>
-            </a:spcBef>
-            <a:spcAft>
-              <a:spcPct val="15000"/>
-            </a:spcAft>
-            <a:buChar char="••"/>
-          </a:pPr>
-          <a:endParaRPr lang="ru-RU" sz="1800" kern="1200"/>
-        </a:p>
-        <a:p>
-          <a:pPr marL="171450" lvl="1" indent="-171450" algn="l" defTabSz="800100">
-            <a:lnSpc>
-              <a:spcPct val="90000"/>
-            </a:lnSpc>
-            <a:spcBef>
-              <a:spcPct val="0"/>
-            </a:spcBef>
-            <a:spcAft>
-              <a:spcPct val="15000"/>
-            </a:spcAft>
-            <a:buChar char="••"/>
-          </a:pPr>
-          <a:endParaRPr lang="ru-RU" sz="1800" kern="1200"/>
-        </a:p>
-      </dsp:txBody>
-      <dsp:txXfrm>
-        <a:off x="37064" y="2642900"/>
-        <a:ext cx="2337628" cy="1191320"/>
-      </dsp:txXfrm>
-    </dsp:sp>
-    <dsp:sp modelId="{9FBC957F-813F-4C5F-8238-EDB031A6FB65}">
-      <dsp:nvSpPr>
-        <dsp:cNvPr id="0" name=""/>
-        <dsp:cNvSpPr/>
-      </dsp:nvSpPr>
-      <dsp:spPr>
-        <a:xfrm>
-          <a:off x="2487939" y="886243"/>
-          <a:ext cx="549718" cy="579511"/>
-        </a:xfrm>
-        <a:prstGeom prst="rightArrow">
-          <a:avLst>
-            <a:gd name="adj1" fmla="val 60000"/>
-            <a:gd name="adj2" fmla="val 50000"/>
-          </a:avLst>
-        </a:prstGeom>
-        <a:solidFill>
-          <a:schemeClr val="accent1">
-            <a:tint val="60000"/>
-            <a:hueOff val="0"/>
-            <a:satOff val="0"/>
-            <a:lumOff val="0"/>
-            <a:alphaOff val="0"/>
-          </a:schemeClr>
-        </a:solidFill>
-        <a:ln>
-          <a:noFill/>
-        </a:ln>
-        <a:effectLst/>
-      </dsp:spPr>
-      <dsp:style>
-        <a:lnRef idx="0">
-          <a:scrgbClr r="0" g="0" b="0"/>
-        </a:lnRef>
-        <a:fillRef idx="1">
-          <a:scrgbClr r="0" g="0" b="0"/>
-        </a:fillRef>
-        <a:effectRef idx="0">
-          <a:scrgbClr r="0" g="0" b="0"/>
-        </a:effectRef>
-        <a:fontRef idx="minor">
-          <a:schemeClr val="lt1"/>
-        </a:fontRef>
-      </dsp:style>
-      <dsp:txBody>
-        <a:bodyPr spcFirstLastPara="0" vert="horz" wrap="square" lIns="0" tIns="0" rIns="0" bIns="0" numCol="1" spcCol="1270" anchor="ctr" anchorCtr="0">
-          <a:noAutofit/>
-        </a:bodyPr>
-        <a:lstStyle/>
-        <a:p>
-          <a:pPr lvl="0" algn="ctr" defTabSz="1066800">
-            <a:lnSpc>
-              <a:spcPct val="90000"/>
-            </a:lnSpc>
-            <a:spcBef>
-              <a:spcPct val="0"/>
-            </a:spcBef>
-            <a:spcAft>
-              <a:spcPct val="35000"/>
-            </a:spcAft>
-          </a:pPr>
-          <a:endParaRPr lang="ru-RU" sz="2400" kern="1200"/>
-        </a:p>
-      </dsp:txBody>
-      <dsp:txXfrm>
-        <a:off x="2487939" y="1002145"/>
-        <a:ext cx="384803" cy="347707"/>
-      </dsp:txXfrm>
-    </dsp:sp>
-    <dsp:sp modelId="{61281C31-B14F-4E73-AB15-634EE2F04D08}">
-      <dsp:nvSpPr>
-        <dsp:cNvPr id="0" name=""/>
-        <dsp:cNvSpPr/>
-      </dsp:nvSpPr>
-      <dsp:spPr>
-        <a:xfrm>
-          <a:off x="3507621" y="81957"/>
-          <a:ext cx="2411756" cy="2411756"/>
-        </a:xfrm>
-        <a:prstGeom prst="roundRect">
-          <a:avLst>
-            <a:gd name="adj" fmla="val 10000"/>
-          </a:avLst>
-        </a:prstGeom>
-        <a:blipFill>
-          <a:blip xmlns:r="http://schemas.openxmlformats.org/officeDocument/2006/relationships" r:embed="rId2">
-            <a:extLst>
-              <a:ext uri="{28A0092B-C50C-407E-A947-70E740481C1C}">
-                <a14:useLocalDpi xmlns:a14="http://schemas.microsoft.com/office/drawing/2010/main" val="0"/>
-              </a:ext>
-            </a:extLst>
-          </a:blip>
-          <a:srcRect/>
-          <a:stretch>
-            <a:fillRect t="-21000" b="-21000"/>
-          </a:stretch>
-        </a:blipFill>
-        <a:ln w="15875" cap="flat" cmpd="sng" algn="ctr">
-          <a:solidFill>
-            <a:schemeClr val="lt1">
-              <a:hueOff val="0"/>
-              <a:satOff val="0"/>
-              <a:lumOff val="0"/>
-              <a:alphaOff val="0"/>
-            </a:schemeClr>
-          </a:solidFill>
-          <a:prstDash val="solid"/>
-        </a:ln>
-        <a:effectLst/>
-      </dsp:spPr>
-      <dsp:style>
-        <a:lnRef idx="2">
-          <a:scrgbClr r="0" g="0" b="0"/>
-        </a:lnRef>
-        <a:fillRef idx="1">
-          <a:scrgbClr r="0" g="0" b="0"/>
-        </a:fillRef>
-        <a:effectRef idx="0">
-          <a:scrgbClr r="0" g="0" b="0"/>
-        </a:effectRef>
-        <a:fontRef idx="minor"/>
-      </dsp:style>
-    </dsp:sp>
-    <dsp:sp modelId="{88B2F004-F12C-4EE6-9C27-742F06C18109}">
-      <dsp:nvSpPr>
-        <dsp:cNvPr id="0" name=""/>
-        <dsp:cNvSpPr/>
-      </dsp:nvSpPr>
-      <dsp:spPr>
-        <a:xfrm>
-          <a:off x="4474038" y="1610968"/>
-          <a:ext cx="2411756" cy="2411756"/>
-        </a:xfrm>
-        <a:prstGeom prst="roundRect">
-          <a:avLst>
-            <a:gd name="adj" fmla="val 10000"/>
-          </a:avLst>
-        </a:prstGeom>
-        <a:solidFill>
-          <a:schemeClr val="accent1">
-            <a:hueOff val="0"/>
-            <a:satOff val="0"/>
-            <a:lumOff val="0"/>
-            <a:alphaOff val="0"/>
-          </a:schemeClr>
-        </a:solidFill>
-        <a:ln w="15875" cap="flat" cmpd="sng" algn="ctr">
-          <a:solidFill>
-            <a:schemeClr val="lt1">
-              <a:hueOff val="0"/>
-              <a:satOff val="0"/>
-              <a:lumOff val="0"/>
-              <a:alphaOff val="0"/>
-            </a:schemeClr>
-          </a:solidFill>
-          <a:prstDash val="solid"/>
-        </a:ln>
-        <a:effectLst/>
-      </dsp:spPr>
-      <dsp:style>
-        <a:lnRef idx="2">
-          <a:scrgbClr r="0" g="0" b="0"/>
-        </a:lnRef>
-        <a:fillRef idx="1">
-          <a:scrgbClr r="0" g="0" b="0"/>
-        </a:fillRef>
-        <a:effectRef idx="0">
-          <a:scrgbClr r="0" g="0" b="0"/>
-        </a:effectRef>
-        <a:fontRef idx="minor">
-          <a:schemeClr val="lt1"/>
-        </a:fontRef>
-      </dsp:style>
-      <dsp:txBody>
-        <a:bodyPr spcFirstLastPara="0" vert="horz" wrap="square" lIns="167640" tIns="167640" rIns="167640" bIns="167640" numCol="1" spcCol="1270" anchor="t" anchorCtr="0">
-          <a:noAutofit/>
-        </a:bodyPr>
-        <a:lstStyle/>
-        <a:p>
-          <a:pPr lvl="0" algn="l" defTabSz="1955800">
-            <a:lnSpc>
-              <a:spcPct val="90000"/>
-            </a:lnSpc>
-            <a:spcBef>
-              <a:spcPct val="0"/>
-            </a:spcBef>
-            <a:spcAft>
-              <a:spcPct val="35000"/>
-            </a:spcAft>
-          </a:pPr>
-          <a:endParaRPr lang="ru-RU" sz="4400" kern="1200"/>
-        </a:p>
-        <a:p>
-          <a:pPr marL="285750" lvl="1" indent="-285750" algn="l" defTabSz="1511300">
-            <a:lnSpc>
-              <a:spcPct val="90000"/>
-            </a:lnSpc>
-            <a:spcBef>
-              <a:spcPct val="0"/>
-            </a:spcBef>
-            <a:spcAft>
-              <a:spcPct val="15000"/>
-            </a:spcAft>
-            <a:buChar char="••"/>
-          </a:pPr>
-          <a:endParaRPr lang="ru-RU" sz="3400" kern="1200"/>
-        </a:p>
-        <a:p>
-          <a:pPr marL="285750" lvl="1" indent="-285750" algn="l" defTabSz="1511300">
-            <a:lnSpc>
-              <a:spcPct val="90000"/>
-            </a:lnSpc>
-            <a:spcBef>
-              <a:spcPct val="0"/>
-            </a:spcBef>
-            <a:spcAft>
-              <a:spcPct val="15000"/>
-            </a:spcAft>
-            <a:buChar char="••"/>
-          </a:pPr>
-          <a:endParaRPr lang="ru-RU" sz="3400" kern="1200"/>
-        </a:p>
-      </dsp:txBody>
-      <dsp:txXfrm>
-        <a:off x="4544676" y="1681606"/>
-        <a:ext cx="2270480" cy="2270480"/>
-      </dsp:txXfrm>
-    </dsp:sp>
-    <dsp:sp modelId="{E68B74AE-7391-4157-BAA9-8CC59951EBEE}">
-      <dsp:nvSpPr>
-        <dsp:cNvPr id="0" name=""/>
-        <dsp:cNvSpPr/>
-      </dsp:nvSpPr>
-      <dsp:spPr>
-        <a:xfrm>
-          <a:off x="6383936" y="998079"/>
-          <a:ext cx="464557" cy="579511"/>
-        </a:xfrm>
-        <a:prstGeom prst="rightArrow">
-          <a:avLst>
-            <a:gd name="adj1" fmla="val 60000"/>
-            <a:gd name="adj2" fmla="val 50000"/>
-          </a:avLst>
-        </a:prstGeom>
-        <a:solidFill>
-          <a:schemeClr val="accent1">
-            <a:tint val="60000"/>
-            <a:hueOff val="0"/>
-            <a:satOff val="0"/>
-            <a:lumOff val="0"/>
-            <a:alphaOff val="0"/>
-          </a:schemeClr>
-        </a:solidFill>
-        <a:ln>
-          <a:noFill/>
-        </a:ln>
-        <a:effectLst/>
-      </dsp:spPr>
-      <dsp:style>
-        <a:lnRef idx="0">
-          <a:scrgbClr r="0" g="0" b="0"/>
-        </a:lnRef>
-        <a:fillRef idx="1">
-          <a:scrgbClr r="0" g="0" b="0"/>
-        </a:fillRef>
-        <a:effectRef idx="0">
-          <a:scrgbClr r="0" g="0" b="0"/>
-        </a:effectRef>
-        <a:fontRef idx="minor">
-          <a:schemeClr val="lt1"/>
-        </a:fontRef>
-      </dsp:style>
-      <dsp:txBody>
-        <a:bodyPr spcFirstLastPara="0" vert="horz" wrap="square" lIns="0" tIns="0" rIns="0" bIns="0" numCol="1" spcCol="1270" anchor="ctr" anchorCtr="0">
-          <a:noAutofit/>
-        </a:bodyPr>
-        <a:lstStyle/>
-        <a:p>
-          <a:pPr lvl="0" algn="ctr" defTabSz="1066800">
-            <a:lnSpc>
-              <a:spcPct val="90000"/>
-            </a:lnSpc>
-            <a:spcBef>
-              <a:spcPct val="0"/>
-            </a:spcBef>
-            <a:spcAft>
-              <a:spcPct val="35000"/>
-            </a:spcAft>
-          </a:pPr>
-          <a:endParaRPr lang="ru-RU" sz="2400" kern="1200"/>
-        </a:p>
-      </dsp:txBody>
-      <dsp:txXfrm>
-        <a:off x="6383936" y="1113981"/>
-        <a:ext cx="325190" cy="347707"/>
-      </dsp:txXfrm>
-    </dsp:sp>
-    <dsp:sp modelId="{941BA2DE-8CA4-4FC8-A6F3-EC5622CDF476}">
-      <dsp:nvSpPr>
-        <dsp:cNvPr id="0" name=""/>
-        <dsp:cNvSpPr/>
-      </dsp:nvSpPr>
-      <dsp:spPr>
-        <a:xfrm>
-          <a:off x="7246686" y="81957"/>
-          <a:ext cx="2411756" cy="2411756"/>
-        </a:xfrm>
-        <a:prstGeom prst="roundRect">
-          <a:avLst>
-            <a:gd name="adj" fmla="val 10000"/>
-          </a:avLst>
-        </a:prstGeom>
-        <a:blipFill>
-          <a:blip xmlns:r="http://schemas.openxmlformats.org/officeDocument/2006/relationships" r:embed="rId3">
-            <a:extLst>
-              <a:ext uri="{28A0092B-C50C-407E-A947-70E740481C1C}">
-                <a14:useLocalDpi xmlns:a14="http://schemas.microsoft.com/office/drawing/2010/main" val="0"/>
-              </a:ext>
-            </a:extLst>
-          </a:blip>
-          <a:srcRect/>
-          <a:stretch>
-            <a:fillRect t="-21000" b="-21000"/>
-          </a:stretch>
-        </a:blipFill>
-        <a:ln w="15875" cap="flat" cmpd="sng" algn="ctr">
-          <a:solidFill>
-            <a:schemeClr val="lt1">
-              <a:hueOff val="0"/>
-              <a:satOff val="0"/>
-              <a:lumOff val="0"/>
-              <a:alphaOff val="0"/>
-            </a:schemeClr>
-          </a:solidFill>
-          <a:prstDash val="solid"/>
-        </a:ln>
-        <a:effectLst/>
-      </dsp:spPr>
-      <dsp:style>
-        <a:lnRef idx="2">
-          <a:scrgbClr r="0" g="0" b="0"/>
-        </a:lnRef>
-        <a:fillRef idx="1">
-          <a:scrgbClr r="0" g="0" b="0"/>
-        </a:fillRef>
-        <a:effectRef idx="0">
-          <a:scrgbClr r="0" g="0" b="0"/>
-        </a:effectRef>
-        <a:fontRef idx="minor"/>
-      </dsp:style>
-    </dsp:sp>
-    <dsp:sp modelId="{A4C03D11-F0CB-4F23-9EF7-0AB2535DC95B}">
-      <dsp:nvSpPr>
-        <dsp:cNvPr id="0" name=""/>
-        <dsp:cNvSpPr/>
-      </dsp:nvSpPr>
-      <dsp:spPr>
-        <a:xfrm>
-          <a:off x="7644748" y="1500214"/>
-          <a:ext cx="2411756" cy="2411756"/>
-        </a:xfrm>
-        <a:prstGeom prst="roundRect">
-          <a:avLst>
-            <a:gd name="adj" fmla="val 10000"/>
-          </a:avLst>
-        </a:prstGeom>
-        <a:solidFill>
-          <a:schemeClr val="accent1">
-            <a:hueOff val="0"/>
-            <a:satOff val="0"/>
-            <a:lumOff val="0"/>
-            <a:alphaOff val="0"/>
-          </a:schemeClr>
-        </a:solidFill>
-        <a:ln w="15875" cap="flat" cmpd="sng" algn="ctr">
-          <a:solidFill>
-            <a:schemeClr val="lt1">
-              <a:hueOff val="0"/>
-              <a:satOff val="0"/>
-              <a:lumOff val="0"/>
-              <a:alphaOff val="0"/>
-            </a:schemeClr>
-          </a:solidFill>
-          <a:prstDash val="solid"/>
-        </a:ln>
-        <a:effectLst/>
-      </dsp:spPr>
-      <dsp:style>
-        <a:lnRef idx="2">
-          <a:scrgbClr r="0" g="0" b="0"/>
-        </a:lnRef>
-        <a:fillRef idx="1">
-          <a:scrgbClr r="0" g="0" b="0"/>
-        </a:fillRef>
-        <a:effectRef idx="0">
-          <a:scrgbClr r="0" g="0" b="0"/>
-        </a:effectRef>
-        <a:fontRef idx="minor">
-          <a:schemeClr val="lt1"/>
-        </a:fontRef>
-      </dsp:style>
-      <dsp:txBody>
-        <a:bodyPr spcFirstLastPara="0" vert="horz" wrap="square" lIns="167640" tIns="167640" rIns="167640" bIns="167640" numCol="1" spcCol="1270" anchor="t" anchorCtr="0">
-          <a:noAutofit/>
-        </a:bodyPr>
-        <a:lstStyle/>
-        <a:p>
-          <a:pPr lvl="0" algn="l" defTabSz="1955800">
-            <a:lnSpc>
-              <a:spcPct val="90000"/>
-            </a:lnSpc>
-            <a:spcBef>
-              <a:spcPct val="0"/>
-            </a:spcBef>
-            <a:spcAft>
-              <a:spcPct val="35000"/>
-            </a:spcAft>
-          </a:pPr>
-          <a:endParaRPr lang="ru-RU" sz="4400" kern="1200"/>
-        </a:p>
-        <a:p>
-          <a:pPr marL="285750" lvl="1" indent="-285750" algn="l" defTabSz="1511300">
-            <a:lnSpc>
-              <a:spcPct val="90000"/>
-            </a:lnSpc>
-            <a:spcBef>
-              <a:spcPct val="0"/>
-            </a:spcBef>
-            <a:spcAft>
-              <a:spcPct val="15000"/>
-            </a:spcAft>
-            <a:buChar char="••"/>
-          </a:pPr>
-          <a:endParaRPr lang="ru-RU" sz="3400" kern="1200"/>
-        </a:p>
-        <a:p>
-          <a:pPr marL="285750" lvl="1" indent="-285750" algn="l" defTabSz="1511300">
-            <a:lnSpc>
-              <a:spcPct val="90000"/>
-            </a:lnSpc>
-            <a:spcBef>
-              <a:spcPct val="0"/>
-            </a:spcBef>
-            <a:spcAft>
-              <a:spcPct val="15000"/>
-            </a:spcAft>
-            <a:buChar char="••"/>
-          </a:pPr>
-          <a:endParaRPr lang="ru-RU" sz="3400" kern="1200"/>
-        </a:p>
-      </dsp:txBody>
-      <dsp:txXfrm>
-        <a:off x="7715386" y="1570852"/>
-        <a:ext cx="2270480" cy="2270480"/>
-      </dsp:txXfrm>
-    </dsp:sp>
   </dsp:spTree>
 </dsp:drawing>
 </file>
@@ -15497,374 +14908,6 @@
       <dsp:cNvGrpSpPr/>
     </dsp:nvGrpSpPr>
     <dsp:grpSpPr/>
-    <dsp:sp modelId="{B9E4810E-52F3-40F0-9593-6C037BA1D12A}">
-      <dsp:nvSpPr>
-        <dsp:cNvPr id="0" name=""/>
-        <dsp:cNvSpPr/>
-      </dsp:nvSpPr>
-      <dsp:spPr>
-        <a:xfrm>
-          <a:off x="0" y="63087"/>
-          <a:ext cx="8208085" cy="719549"/>
-        </a:xfrm>
-        <a:prstGeom prst="roundRect">
-          <a:avLst/>
-        </a:prstGeom>
-        <a:solidFill>
-          <a:schemeClr val="accent1">
-            <a:hueOff val="0"/>
-            <a:satOff val="0"/>
-            <a:lumOff val="0"/>
-            <a:alphaOff val="0"/>
-          </a:schemeClr>
-        </a:solidFill>
-        <a:ln w="15875" cap="flat" cmpd="sng" algn="ctr">
-          <a:solidFill>
-            <a:schemeClr val="lt1">
-              <a:hueOff val="0"/>
-              <a:satOff val="0"/>
-              <a:lumOff val="0"/>
-              <a:alphaOff val="0"/>
-            </a:schemeClr>
-          </a:solidFill>
-          <a:prstDash val="solid"/>
-        </a:ln>
-        <a:effectLst/>
-      </dsp:spPr>
-      <dsp:style>
-        <a:lnRef idx="2">
-          <a:scrgbClr r="0" g="0" b="0"/>
-        </a:lnRef>
-        <a:fillRef idx="1">
-          <a:scrgbClr r="0" g="0" b="0"/>
-        </a:fillRef>
-        <a:effectRef idx="0">
-          <a:scrgbClr r="0" g="0" b="0"/>
-        </a:effectRef>
-        <a:fontRef idx="minor">
-          <a:schemeClr val="lt1"/>
-        </a:fontRef>
-      </dsp:style>
-      <dsp:txBody>
-        <a:bodyPr spcFirstLastPara="0" vert="horz" wrap="square" lIns="114300" tIns="114300" rIns="114300" bIns="114300" numCol="1" spcCol="1270" anchor="ctr" anchorCtr="0">
-          <a:noAutofit/>
-        </a:bodyPr>
-        <a:lstStyle/>
-        <a:p>
-          <a:pPr lvl="0" algn="l" defTabSz="1333500">
-            <a:lnSpc>
-              <a:spcPct val="90000"/>
-            </a:lnSpc>
-            <a:spcBef>
-              <a:spcPct val="0"/>
-            </a:spcBef>
-            <a:spcAft>
-              <a:spcPct val="35000"/>
-            </a:spcAft>
-          </a:pPr>
-          <a:r>
-            <a:rPr lang="ru-RU" sz="3000" kern="1200" dirty="0" smtClean="0"/>
-            <a:t>Функции библиотеки</a:t>
-          </a:r>
-          <a:endParaRPr lang="ru-RU" sz="3000" kern="1200" dirty="0"/>
-        </a:p>
-      </dsp:txBody>
-      <dsp:txXfrm>
-        <a:off x="35125" y="98212"/>
-        <a:ext cx="8137835" cy="649299"/>
-      </dsp:txXfrm>
-    </dsp:sp>
-    <dsp:sp modelId="{625A264F-F3DF-4EEC-8B66-102C93BB9818}">
-      <dsp:nvSpPr>
-        <dsp:cNvPr id="0" name=""/>
-        <dsp:cNvSpPr/>
-      </dsp:nvSpPr>
-      <dsp:spPr>
-        <a:xfrm>
-          <a:off x="0" y="782637"/>
-          <a:ext cx="8208085" cy="1210950"/>
-        </a:xfrm>
-        <a:prstGeom prst="rect">
-          <a:avLst/>
-        </a:prstGeom>
-        <a:noFill/>
-        <a:ln>
-          <a:noFill/>
-        </a:ln>
-        <a:effectLst/>
-      </dsp:spPr>
-      <dsp:style>
-        <a:lnRef idx="0">
-          <a:scrgbClr r="0" g="0" b="0"/>
-        </a:lnRef>
-        <a:fillRef idx="0">
-          <a:scrgbClr r="0" g="0" b="0"/>
-        </a:fillRef>
-        <a:effectRef idx="0">
-          <a:scrgbClr r="0" g="0" b="0"/>
-        </a:effectRef>
-        <a:fontRef idx="minor"/>
-      </dsp:style>
-      <dsp:txBody>
-        <a:bodyPr spcFirstLastPara="0" vert="horz" wrap="square" lIns="260607" tIns="38100" rIns="213360" bIns="38100" numCol="1" spcCol="1270" anchor="t" anchorCtr="0">
-          <a:noAutofit/>
-        </a:bodyPr>
-        <a:lstStyle/>
-        <a:p>
-          <a:pPr marL="228600" lvl="1" indent="-228600" algn="l" defTabSz="1022350">
-            <a:lnSpc>
-              <a:spcPct val="90000"/>
-            </a:lnSpc>
-            <a:spcBef>
-              <a:spcPct val="0"/>
-            </a:spcBef>
-            <a:spcAft>
-              <a:spcPct val="20000"/>
-            </a:spcAft>
-            <a:buChar char="••"/>
-          </a:pPr>
-          <a:r>
-            <a:rPr lang="ru-RU" sz="2300" kern="1200" dirty="0" smtClean="0"/>
-            <a:t>Прочитать/записать текстовый файл</a:t>
-          </a:r>
-          <a:endParaRPr lang="ru-RU" sz="2300" kern="1200" dirty="0"/>
-        </a:p>
-        <a:p>
-          <a:pPr marL="228600" lvl="1" indent="-228600" algn="l" defTabSz="1022350">
-            <a:lnSpc>
-              <a:spcPct val="90000"/>
-            </a:lnSpc>
-            <a:spcBef>
-              <a:spcPct val="0"/>
-            </a:spcBef>
-            <a:spcAft>
-              <a:spcPct val="20000"/>
-            </a:spcAft>
-            <a:buChar char="••"/>
-          </a:pPr>
-          <a:r>
-            <a:rPr lang="ru-RU" sz="2300" kern="1200" dirty="0" smtClean="0"/>
-            <a:t>Прочитать/записать </a:t>
-          </a:r>
-          <a:r>
-            <a:rPr lang="en-US" sz="2300" kern="1200" dirty="0" smtClean="0"/>
-            <a:t>JSON-</a:t>
-          </a:r>
-          <a:r>
-            <a:rPr lang="ru-RU" sz="2300" kern="1200" dirty="0" smtClean="0"/>
-            <a:t>файл</a:t>
-          </a:r>
-          <a:endParaRPr lang="ru-RU" sz="2300" kern="1200" dirty="0"/>
-        </a:p>
-        <a:p>
-          <a:pPr marL="228600" lvl="1" indent="-228600" algn="l" defTabSz="1022350">
-            <a:lnSpc>
-              <a:spcPct val="90000"/>
-            </a:lnSpc>
-            <a:spcBef>
-              <a:spcPct val="0"/>
-            </a:spcBef>
-            <a:spcAft>
-              <a:spcPct val="20000"/>
-            </a:spcAft>
-            <a:buChar char="••"/>
-          </a:pPr>
-          <a:r>
-            <a:rPr lang="ru-RU" sz="2300" kern="1200" dirty="0" smtClean="0"/>
-            <a:t>Проверить </a:t>
-          </a:r>
-          <a:r>
-            <a:rPr lang="en-US" sz="2300" kern="1200" dirty="0" smtClean="0"/>
-            <a:t>JSON-</a:t>
-          </a:r>
-          <a:r>
-            <a:rPr lang="ru-RU" sz="2300" kern="1200" dirty="0" smtClean="0"/>
-            <a:t>структуру на соответствие шаблону</a:t>
-          </a:r>
-          <a:endParaRPr lang="ru-RU" sz="2300" kern="1200" dirty="0"/>
-        </a:p>
-      </dsp:txBody>
-      <dsp:txXfrm>
-        <a:off x="0" y="782637"/>
-        <a:ext cx="8208085" cy="1210950"/>
-      </dsp:txXfrm>
-    </dsp:sp>
-    <dsp:sp modelId="{557F1F5C-6D75-4492-8EF1-6580ED92ACAF}">
-      <dsp:nvSpPr>
-        <dsp:cNvPr id="0" name=""/>
-        <dsp:cNvSpPr/>
-      </dsp:nvSpPr>
-      <dsp:spPr>
-        <a:xfrm>
-          <a:off x="0" y="1993587"/>
-          <a:ext cx="8208085" cy="719549"/>
-        </a:xfrm>
-        <a:prstGeom prst="roundRect">
-          <a:avLst/>
-        </a:prstGeom>
-        <a:solidFill>
-          <a:schemeClr val="accent1">
-            <a:hueOff val="0"/>
-            <a:satOff val="0"/>
-            <a:lumOff val="0"/>
-            <a:alphaOff val="0"/>
-          </a:schemeClr>
-        </a:solidFill>
-        <a:ln w="15875" cap="flat" cmpd="sng" algn="ctr">
-          <a:solidFill>
-            <a:schemeClr val="lt1">
-              <a:hueOff val="0"/>
-              <a:satOff val="0"/>
-              <a:lumOff val="0"/>
-              <a:alphaOff val="0"/>
-            </a:schemeClr>
-          </a:solidFill>
-          <a:prstDash val="solid"/>
-        </a:ln>
-        <a:effectLst/>
-      </dsp:spPr>
-      <dsp:style>
-        <a:lnRef idx="2">
-          <a:scrgbClr r="0" g="0" b="0"/>
-        </a:lnRef>
-        <a:fillRef idx="1">
-          <a:scrgbClr r="0" g="0" b="0"/>
-        </a:fillRef>
-        <a:effectRef idx="0">
-          <a:scrgbClr r="0" g="0" b="0"/>
-        </a:effectRef>
-        <a:fontRef idx="minor">
-          <a:schemeClr val="lt1"/>
-        </a:fontRef>
-      </dsp:style>
-      <dsp:txBody>
-        <a:bodyPr spcFirstLastPara="0" vert="horz" wrap="square" lIns="114300" tIns="114300" rIns="114300" bIns="114300" numCol="1" spcCol="1270" anchor="ctr" anchorCtr="0">
-          <a:noAutofit/>
-        </a:bodyPr>
-        <a:lstStyle/>
-        <a:p>
-          <a:pPr lvl="0" algn="l" defTabSz="1333500">
-            <a:lnSpc>
-              <a:spcPct val="90000"/>
-            </a:lnSpc>
-            <a:spcBef>
-              <a:spcPct val="0"/>
-            </a:spcBef>
-            <a:spcAft>
-              <a:spcPct val="35000"/>
-            </a:spcAft>
-          </a:pPr>
-          <a:r>
-            <a:rPr lang="ru-RU" sz="3000" kern="1200" dirty="0" smtClean="0"/>
-            <a:t>Проверка при работе с файлами</a:t>
-          </a:r>
-          <a:endParaRPr lang="ru-RU" sz="3000" kern="1200" dirty="0"/>
-        </a:p>
-      </dsp:txBody>
-      <dsp:txXfrm>
-        <a:off x="35125" y="2028712"/>
-        <a:ext cx="8137835" cy="649299"/>
-      </dsp:txXfrm>
-    </dsp:sp>
-    <dsp:sp modelId="{657A1B8A-9783-4C29-9201-29A02D448FA4}">
-      <dsp:nvSpPr>
-        <dsp:cNvPr id="0" name=""/>
-        <dsp:cNvSpPr/>
-      </dsp:nvSpPr>
-      <dsp:spPr>
-        <a:xfrm>
-          <a:off x="0" y="2713137"/>
-          <a:ext cx="8208085" cy="1210950"/>
-        </a:xfrm>
-        <a:prstGeom prst="rect">
-          <a:avLst/>
-        </a:prstGeom>
-        <a:noFill/>
-        <a:ln>
-          <a:noFill/>
-        </a:ln>
-        <a:effectLst/>
-      </dsp:spPr>
-      <dsp:style>
-        <a:lnRef idx="0">
-          <a:scrgbClr r="0" g="0" b="0"/>
-        </a:lnRef>
-        <a:fillRef idx="0">
-          <a:scrgbClr r="0" g="0" b="0"/>
-        </a:fillRef>
-        <a:effectRef idx="0">
-          <a:scrgbClr r="0" g="0" b="0"/>
-        </a:effectRef>
-        <a:fontRef idx="minor"/>
-      </dsp:style>
-      <dsp:txBody>
-        <a:bodyPr spcFirstLastPara="0" vert="horz" wrap="square" lIns="260607" tIns="38100" rIns="213360" bIns="38100" numCol="1" spcCol="1270" anchor="t" anchorCtr="0">
-          <a:noAutofit/>
-        </a:bodyPr>
-        <a:lstStyle/>
-        <a:p>
-          <a:pPr marL="228600" lvl="1" indent="-228600" algn="l" defTabSz="1022350">
-            <a:lnSpc>
-              <a:spcPct val="90000"/>
-            </a:lnSpc>
-            <a:spcBef>
-              <a:spcPct val="0"/>
-            </a:spcBef>
-            <a:spcAft>
-              <a:spcPct val="20000"/>
-            </a:spcAft>
-            <a:buChar char="••"/>
-          </a:pPr>
-          <a:r>
-            <a:rPr lang="ru-RU" sz="2300" kern="1200" dirty="0" smtClean="0"/>
-            <a:t>Проверка на существование файла</a:t>
-          </a:r>
-          <a:endParaRPr lang="ru-RU" sz="2300" kern="1200" dirty="0"/>
-        </a:p>
-        <a:p>
-          <a:pPr marL="228600" lvl="1" indent="-228600" algn="l" defTabSz="1022350">
-            <a:lnSpc>
-              <a:spcPct val="90000"/>
-            </a:lnSpc>
-            <a:spcBef>
-              <a:spcPct val="0"/>
-            </a:spcBef>
-            <a:spcAft>
-              <a:spcPct val="20000"/>
-            </a:spcAft>
-            <a:buChar char="••"/>
-          </a:pPr>
-          <a:r>
-            <a:rPr lang="ru-RU" sz="2300" kern="1200" dirty="0" smtClean="0"/>
-            <a:t>Проверка на открытие файла</a:t>
-          </a:r>
-          <a:endParaRPr lang="ru-RU" sz="2300" kern="1200" dirty="0"/>
-        </a:p>
-        <a:p>
-          <a:pPr marL="228600" lvl="1" indent="-228600" algn="l" defTabSz="1022350">
-            <a:lnSpc>
-              <a:spcPct val="90000"/>
-            </a:lnSpc>
-            <a:spcBef>
-              <a:spcPct val="0"/>
-            </a:spcBef>
-            <a:spcAft>
-              <a:spcPct val="20000"/>
-            </a:spcAft>
-            <a:buChar char="••"/>
-          </a:pPr>
-          <a:r>
-            <a:rPr lang="ru-RU" sz="2300" kern="1200" dirty="0" smtClean="0"/>
-            <a:t>Проверка на ошибки во время чтения/записи файла</a:t>
-          </a:r>
-          <a:endParaRPr lang="ru-RU" sz="2300" kern="1200" dirty="0"/>
-        </a:p>
-      </dsp:txBody>
-      <dsp:txXfrm>
-        <a:off x="0" y="2713137"/>
-        <a:ext cx="8208085" cy="1210950"/>
-      </dsp:txXfrm>
-    </dsp:sp>
   </dsp:spTree>
 </dsp:drawing>
 </file>
@@ -15877,354 +14920,6 @@
       <dsp:cNvGrpSpPr/>
     </dsp:nvGrpSpPr>
     <dsp:grpSpPr/>
-    <dsp:sp modelId="{A44F0C9A-3648-4916-982F-AF9587978149}">
-      <dsp:nvSpPr>
-        <dsp:cNvPr id="0" name=""/>
-        <dsp:cNvSpPr/>
-      </dsp:nvSpPr>
-      <dsp:spPr>
-        <a:xfrm>
-          <a:off x="0" y="0"/>
-          <a:ext cx="7868458" cy="647595"/>
-        </a:xfrm>
-        <a:prstGeom prst="roundRect">
-          <a:avLst/>
-        </a:prstGeom>
-        <a:solidFill>
-          <a:schemeClr val="accent1">
-            <a:hueOff val="0"/>
-            <a:satOff val="0"/>
-            <a:lumOff val="0"/>
-            <a:alphaOff val="0"/>
-          </a:schemeClr>
-        </a:solidFill>
-        <a:ln w="15875" cap="flat" cmpd="sng" algn="ctr">
-          <a:solidFill>
-            <a:schemeClr val="lt1">
-              <a:hueOff val="0"/>
-              <a:satOff val="0"/>
-              <a:lumOff val="0"/>
-              <a:alphaOff val="0"/>
-            </a:schemeClr>
-          </a:solidFill>
-          <a:prstDash val="solid"/>
-        </a:ln>
-        <a:effectLst/>
-      </dsp:spPr>
-      <dsp:style>
-        <a:lnRef idx="2">
-          <a:scrgbClr r="0" g="0" b="0"/>
-        </a:lnRef>
-        <a:fillRef idx="1">
-          <a:scrgbClr r="0" g="0" b="0"/>
-        </a:fillRef>
-        <a:effectRef idx="0">
-          <a:scrgbClr r="0" g="0" b="0"/>
-        </a:effectRef>
-        <a:fontRef idx="minor">
-          <a:schemeClr val="lt1"/>
-        </a:fontRef>
-      </dsp:style>
-      <dsp:txBody>
-        <a:bodyPr spcFirstLastPara="0" vert="horz" wrap="square" lIns="102870" tIns="102870" rIns="102870" bIns="102870" numCol="1" spcCol="1270" anchor="ctr" anchorCtr="0">
-          <a:noAutofit/>
-        </a:bodyPr>
-        <a:lstStyle/>
-        <a:p>
-          <a:pPr lvl="0" algn="l" defTabSz="1200150">
-            <a:lnSpc>
-              <a:spcPct val="90000"/>
-            </a:lnSpc>
-            <a:spcBef>
-              <a:spcPct val="0"/>
-            </a:spcBef>
-            <a:spcAft>
-              <a:spcPct val="35000"/>
-            </a:spcAft>
-          </a:pPr>
-          <a:r>
-            <a:rPr lang="ru-RU" sz="2700" kern="1200" dirty="0" smtClean="0"/>
-            <a:t>Функции библиотеки</a:t>
-          </a:r>
-          <a:endParaRPr lang="ru-RU" sz="2700" kern="1200" dirty="0"/>
-        </a:p>
-      </dsp:txBody>
-      <dsp:txXfrm>
-        <a:off x="31613" y="31613"/>
-        <a:ext cx="7805232" cy="584369"/>
-      </dsp:txXfrm>
-    </dsp:sp>
-    <dsp:sp modelId="{F2725D4B-59A7-40CF-AA8E-A27EC37530B2}">
-      <dsp:nvSpPr>
-        <dsp:cNvPr id="0" name=""/>
-        <dsp:cNvSpPr/>
-      </dsp:nvSpPr>
-      <dsp:spPr>
-        <a:xfrm>
-          <a:off x="0" y="665250"/>
-          <a:ext cx="7868458" cy="447120"/>
-        </a:xfrm>
-        <a:prstGeom prst="rect">
-          <a:avLst/>
-        </a:prstGeom>
-        <a:noFill/>
-        <a:ln>
-          <a:noFill/>
-        </a:ln>
-        <a:effectLst/>
-      </dsp:spPr>
-      <dsp:style>
-        <a:lnRef idx="0">
-          <a:scrgbClr r="0" g="0" b="0"/>
-        </a:lnRef>
-        <a:fillRef idx="0">
-          <a:scrgbClr r="0" g="0" b="0"/>
-        </a:fillRef>
-        <a:effectRef idx="0">
-          <a:scrgbClr r="0" g="0" b="0"/>
-        </a:effectRef>
-        <a:fontRef idx="minor"/>
-      </dsp:style>
-      <dsp:txBody>
-        <a:bodyPr spcFirstLastPara="0" vert="horz" wrap="square" lIns="249824" tIns="34290" rIns="192024" bIns="34290" numCol="1" spcCol="1270" anchor="t" anchorCtr="0">
-          <a:noAutofit/>
-        </a:bodyPr>
-        <a:lstStyle/>
-        <a:p>
-          <a:pPr marL="228600" lvl="1" indent="-228600" algn="l" defTabSz="933450">
-            <a:lnSpc>
-              <a:spcPct val="90000"/>
-            </a:lnSpc>
-            <a:spcBef>
-              <a:spcPct val="0"/>
-            </a:spcBef>
-            <a:spcAft>
-              <a:spcPct val="20000"/>
-            </a:spcAft>
-            <a:buChar char="••"/>
-          </a:pPr>
-          <a:r>
-            <a:rPr lang="ru-RU" sz="2100" kern="1200" dirty="0" smtClean="0"/>
-            <a:t>Предоставляет 5 уровней логирования</a:t>
-          </a:r>
-          <a:endParaRPr lang="ru-RU" sz="2100" kern="1200" dirty="0"/>
-        </a:p>
-      </dsp:txBody>
-      <dsp:txXfrm>
-        <a:off x="0" y="665250"/>
-        <a:ext cx="7868458" cy="447120"/>
-      </dsp:txXfrm>
-    </dsp:sp>
-    <dsp:sp modelId="{6C5C9815-44A2-4551-A509-FE6F0947C3DB}">
-      <dsp:nvSpPr>
-        <dsp:cNvPr id="0" name=""/>
-        <dsp:cNvSpPr/>
-      </dsp:nvSpPr>
-      <dsp:spPr>
-        <a:xfrm>
-          <a:off x="0" y="1112370"/>
-          <a:ext cx="7868458" cy="647595"/>
-        </a:xfrm>
-        <a:prstGeom prst="roundRect">
-          <a:avLst/>
-        </a:prstGeom>
-        <a:solidFill>
-          <a:schemeClr val="accent1">
-            <a:hueOff val="0"/>
-            <a:satOff val="0"/>
-            <a:lumOff val="0"/>
-            <a:alphaOff val="0"/>
-          </a:schemeClr>
-        </a:solidFill>
-        <a:ln w="15875" cap="flat" cmpd="sng" algn="ctr">
-          <a:solidFill>
-            <a:schemeClr val="lt1">
-              <a:hueOff val="0"/>
-              <a:satOff val="0"/>
-              <a:lumOff val="0"/>
-              <a:alphaOff val="0"/>
-            </a:schemeClr>
-          </a:solidFill>
-          <a:prstDash val="solid"/>
-        </a:ln>
-        <a:effectLst/>
-      </dsp:spPr>
-      <dsp:style>
-        <a:lnRef idx="2">
-          <a:scrgbClr r="0" g="0" b="0"/>
-        </a:lnRef>
-        <a:fillRef idx="1">
-          <a:scrgbClr r="0" g="0" b="0"/>
-        </a:fillRef>
-        <a:effectRef idx="0">
-          <a:scrgbClr r="0" g="0" b="0"/>
-        </a:effectRef>
-        <a:fontRef idx="minor">
-          <a:schemeClr val="lt1"/>
-        </a:fontRef>
-      </dsp:style>
-      <dsp:txBody>
-        <a:bodyPr spcFirstLastPara="0" vert="horz" wrap="square" lIns="102870" tIns="102870" rIns="102870" bIns="102870" numCol="1" spcCol="1270" anchor="ctr" anchorCtr="0">
-          <a:noAutofit/>
-        </a:bodyPr>
-        <a:lstStyle/>
-        <a:p>
-          <a:pPr lvl="0" algn="l" defTabSz="1200150">
-            <a:lnSpc>
-              <a:spcPct val="90000"/>
-            </a:lnSpc>
-            <a:spcBef>
-              <a:spcPct val="0"/>
-            </a:spcBef>
-            <a:spcAft>
-              <a:spcPct val="35000"/>
-            </a:spcAft>
-          </a:pPr>
-          <a:r>
-            <a:rPr lang="ru-RU" sz="2700" kern="1200" dirty="0" smtClean="0"/>
-            <a:t>Внутренние функции</a:t>
-          </a:r>
-          <a:endParaRPr lang="ru-RU" sz="2700" kern="1200" dirty="0"/>
-        </a:p>
-      </dsp:txBody>
-      <dsp:txXfrm>
-        <a:off x="31613" y="1143983"/>
-        <a:ext cx="7805232" cy="584369"/>
-      </dsp:txXfrm>
-    </dsp:sp>
-    <dsp:sp modelId="{84271FDF-D644-48A5-8BBB-391AF85E26F5}">
-      <dsp:nvSpPr>
-        <dsp:cNvPr id="0" name=""/>
-        <dsp:cNvSpPr/>
-      </dsp:nvSpPr>
-      <dsp:spPr>
-        <a:xfrm>
-          <a:off x="0" y="1759965"/>
-          <a:ext cx="7868458" cy="2123819"/>
-        </a:xfrm>
-        <a:prstGeom prst="rect">
-          <a:avLst/>
-        </a:prstGeom>
-        <a:noFill/>
-        <a:ln>
-          <a:noFill/>
-        </a:ln>
-        <a:effectLst/>
-      </dsp:spPr>
-      <dsp:style>
-        <a:lnRef idx="0">
-          <a:scrgbClr r="0" g="0" b="0"/>
-        </a:lnRef>
-        <a:fillRef idx="0">
-          <a:scrgbClr r="0" g="0" b="0"/>
-        </a:fillRef>
-        <a:effectRef idx="0">
-          <a:scrgbClr r="0" g="0" b="0"/>
-        </a:effectRef>
-        <a:fontRef idx="minor"/>
-      </dsp:style>
-      <dsp:txBody>
-        <a:bodyPr spcFirstLastPara="0" vert="horz" wrap="square" lIns="249824" tIns="34290" rIns="192024" bIns="34290" numCol="1" spcCol="1270" anchor="t" anchorCtr="0">
-          <a:noAutofit/>
-        </a:bodyPr>
-        <a:lstStyle/>
-        <a:p>
-          <a:pPr marL="228600" lvl="1" indent="-228600" algn="l" defTabSz="933450">
-            <a:lnSpc>
-              <a:spcPct val="90000"/>
-            </a:lnSpc>
-            <a:spcBef>
-              <a:spcPct val="0"/>
-            </a:spcBef>
-            <a:spcAft>
-              <a:spcPct val="20000"/>
-            </a:spcAft>
-            <a:buChar char="••"/>
-          </a:pPr>
-          <a:r>
-            <a:rPr lang="ru-RU" sz="2100" kern="1200" dirty="0" smtClean="0"/>
-            <a:t>Записывает сообщения в лог-файлы в другом потоке</a:t>
-          </a:r>
-          <a:endParaRPr lang="ru-RU" sz="2100" kern="1200" dirty="0"/>
-        </a:p>
-        <a:p>
-          <a:pPr marL="228600" lvl="1" indent="-228600" algn="l" defTabSz="933450">
-            <a:lnSpc>
-              <a:spcPct val="90000"/>
-            </a:lnSpc>
-            <a:spcBef>
-              <a:spcPct val="0"/>
-            </a:spcBef>
-            <a:spcAft>
-              <a:spcPct val="20000"/>
-            </a:spcAft>
-            <a:buChar char="••"/>
-          </a:pPr>
-          <a:r>
-            <a:rPr lang="ru-RU" sz="2100" kern="1200" dirty="0" smtClean="0"/>
-            <a:t>Выводит события в консоль в другом потоке и в другом процессе</a:t>
-          </a:r>
-          <a:endParaRPr lang="ru-RU" sz="2100" kern="1200" dirty="0"/>
-        </a:p>
-        <a:p>
-          <a:pPr marL="228600" lvl="1" indent="-228600" algn="l" defTabSz="933450">
-            <a:lnSpc>
-              <a:spcPct val="90000"/>
-            </a:lnSpc>
-            <a:spcBef>
-              <a:spcPct val="0"/>
-            </a:spcBef>
-            <a:spcAft>
-              <a:spcPct val="20000"/>
-            </a:spcAft>
-            <a:buChar char="••"/>
-          </a:pPr>
-          <a:r>
-            <a:rPr lang="ru-RU" sz="2100" kern="1200" dirty="0" smtClean="0"/>
-            <a:t>Регулирует интервал времени использования файла</a:t>
-          </a:r>
-          <a:endParaRPr lang="ru-RU" sz="2100" kern="1200" dirty="0"/>
-        </a:p>
-        <a:p>
-          <a:pPr marL="228600" lvl="1" indent="-228600" algn="l" defTabSz="933450">
-            <a:lnSpc>
-              <a:spcPct val="90000"/>
-            </a:lnSpc>
-            <a:spcBef>
-              <a:spcPct val="0"/>
-            </a:spcBef>
-            <a:spcAft>
-              <a:spcPct val="20000"/>
-            </a:spcAft>
-            <a:buChar char="••"/>
-          </a:pPr>
-          <a:r>
-            <a:rPr lang="ru-RU" sz="2100" kern="1200" dirty="0" smtClean="0"/>
-            <a:t>Регулирует интервал времени хранения файла</a:t>
-          </a:r>
-          <a:endParaRPr lang="ru-RU" sz="2100" kern="1200" dirty="0"/>
-        </a:p>
-        <a:p>
-          <a:pPr marL="228600" lvl="1" indent="-228600" algn="l" defTabSz="933450">
-            <a:lnSpc>
-              <a:spcPct val="90000"/>
-            </a:lnSpc>
-            <a:spcBef>
-              <a:spcPct val="0"/>
-            </a:spcBef>
-            <a:spcAft>
-              <a:spcPct val="20000"/>
-            </a:spcAft>
-            <a:buChar char="••"/>
-          </a:pPr>
-          <a:endParaRPr lang="ru-RU" sz="2100" kern="1200" dirty="0"/>
-        </a:p>
-      </dsp:txBody>
-      <dsp:txXfrm>
-        <a:off x="0" y="1759965"/>
-        <a:ext cx="7868458" cy="2123819"/>
-      </dsp:txXfrm>
-    </dsp:sp>
   </dsp:spTree>
 </dsp:drawing>
 </file>
@@ -16237,983 +14932,6 @@
       <dsp:cNvGrpSpPr/>
     </dsp:nvGrpSpPr>
     <dsp:grpSpPr/>
-    <dsp:sp modelId="{628E21F9-F946-457A-B5D6-7107E4B5B54D}">
-      <dsp:nvSpPr>
-        <dsp:cNvPr id="0" name=""/>
-        <dsp:cNvSpPr/>
-      </dsp:nvSpPr>
-      <dsp:spPr>
-        <a:xfrm>
-          <a:off x="3949301" y="1884398"/>
-          <a:ext cx="2159999" cy="2159999"/>
-        </a:xfrm>
-        <a:prstGeom prst="roundRect">
-          <a:avLst/>
-        </a:prstGeom>
-        <a:solidFill>
-          <a:schemeClr val="accent1">
-            <a:hueOff val="0"/>
-            <a:satOff val="0"/>
-            <a:lumOff val="0"/>
-            <a:alphaOff val="0"/>
-          </a:schemeClr>
-        </a:solidFill>
-        <a:ln w="15875" cap="flat" cmpd="sng" algn="ctr">
-          <a:solidFill>
-            <a:schemeClr val="lt1">
-              <a:hueOff val="0"/>
-              <a:satOff val="0"/>
-              <a:lumOff val="0"/>
-              <a:alphaOff val="0"/>
-            </a:schemeClr>
-          </a:solidFill>
-          <a:prstDash val="solid"/>
-        </a:ln>
-        <a:effectLst/>
-      </dsp:spPr>
-      <dsp:style>
-        <a:lnRef idx="2">
-          <a:scrgbClr r="0" g="0" b="0"/>
-        </a:lnRef>
-        <a:fillRef idx="1">
-          <a:scrgbClr r="0" g="0" b="0"/>
-        </a:fillRef>
-        <a:effectRef idx="0">
-          <a:scrgbClr r="0" g="0" b="0"/>
-        </a:effectRef>
-        <a:fontRef idx="minor">
-          <a:schemeClr val="lt1"/>
-        </a:fontRef>
-      </dsp:style>
-      <dsp:txBody>
-        <a:bodyPr spcFirstLastPara="0" vert="horz" wrap="square" lIns="86360" tIns="86360" rIns="86360" bIns="86360" numCol="1" spcCol="1270" anchor="ctr" anchorCtr="0">
-          <a:noAutofit/>
-        </a:bodyPr>
-        <a:lstStyle/>
-        <a:p>
-          <a:pPr lvl="0" algn="ctr" defTabSz="1511300">
-            <a:lnSpc>
-              <a:spcPct val="90000"/>
-            </a:lnSpc>
-            <a:spcBef>
-              <a:spcPct val="0"/>
-            </a:spcBef>
-            <a:spcAft>
-              <a:spcPct val="35000"/>
-            </a:spcAft>
-          </a:pPr>
-          <a:r>
-            <a:rPr lang="en-US" sz="3400" kern="1200" dirty="0" smtClean="0"/>
-            <a:t>Search</a:t>
-          </a:r>
-          <a:endParaRPr lang="ru-RU" sz="3400" kern="1200" dirty="0" smtClean="0"/>
-        </a:p>
-        <a:p>
-          <a:pPr lvl="0" algn="ctr" defTabSz="1511300">
-            <a:lnSpc>
-              <a:spcPct val="90000"/>
-            </a:lnSpc>
-            <a:spcBef>
-              <a:spcPct val="0"/>
-            </a:spcBef>
-            <a:spcAft>
-              <a:spcPct val="35000"/>
-            </a:spcAft>
-          </a:pPr>
-          <a:r>
-            <a:rPr lang="en-US" sz="3400" kern="1200" dirty="0" smtClean="0"/>
-            <a:t>Engine</a:t>
-          </a:r>
-          <a:endParaRPr lang="ru-RU" sz="3400" kern="1200" dirty="0"/>
-        </a:p>
-      </dsp:txBody>
-      <dsp:txXfrm>
-        <a:off x="4054743" y="1989840"/>
-        <a:ext cx="1949115" cy="1949115"/>
-      </dsp:txXfrm>
-    </dsp:sp>
-    <dsp:sp modelId="{667DE06D-C223-4C57-8F2C-DDC107791A47}">
-      <dsp:nvSpPr>
-        <dsp:cNvPr id="0" name=""/>
-        <dsp:cNvSpPr/>
-      </dsp:nvSpPr>
-      <dsp:spPr>
-        <a:xfrm rot="14126138">
-          <a:off x="4202269" y="1840799"/>
-          <a:ext cx="105887" cy="0"/>
-        </a:xfrm>
-        <a:custGeom>
-          <a:avLst/>
-          <a:gdLst/>
-          <a:ahLst/>
-          <a:cxnLst/>
-          <a:rect l="0" t="0" r="0" b="0"/>
-          <a:pathLst>
-            <a:path>
-              <a:moveTo>
-                <a:pt x="0" y="0"/>
-              </a:moveTo>
-              <a:lnTo>
-                <a:pt x="105887" y="0"/>
-              </a:lnTo>
-            </a:path>
-          </a:pathLst>
-        </a:custGeom>
-        <a:noFill/>
-        <a:ln w="15875" cap="flat" cmpd="sng" algn="ctr">
-          <a:solidFill>
-            <a:schemeClr val="accent1">
-              <a:shade val="60000"/>
-              <a:hueOff val="0"/>
-              <a:satOff val="0"/>
-              <a:lumOff val="0"/>
-              <a:alphaOff val="0"/>
-            </a:schemeClr>
-          </a:solidFill>
-          <a:prstDash val="solid"/>
-        </a:ln>
-        <a:effectLst/>
-      </dsp:spPr>
-      <dsp:style>
-        <a:lnRef idx="2">
-          <a:scrgbClr r="0" g="0" b="0"/>
-        </a:lnRef>
-        <a:fillRef idx="0">
-          <a:scrgbClr r="0" g="0" b="0"/>
-        </a:fillRef>
-        <a:effectRef idx="0">
-          <a:scrgbClr r="0" g="0" b="0"/>
-        </a:effectRef>
-        <a:fontRef idx="minor"/>
-      </dsp:style>
-    </dsp:sp>
-    <dsp:sp modelId="{F29DD78D-084E-44BB-95B2-65781CA7A531}">
-      <dsp:nvSpPr>
-        <dsp:cNvPr id="0" name=""/>
-        <dsp:cNvSpPr/>
-      </dsp:nvSpPr>
-      <dsp:spPr>
-        <a:xfrm>
-          <a:off x="2705133" y="-2799"/>
-          <a:ext cx="1800000" cy="1800000"/>
-        </a:xfrm>
-        <a:prstGeom prst="roundRect">
-          <a:avLst/>
-        </a:prstGeom>
-        <a:solidFill>
-          <a:schemeClr val="accent1">
-            <a:hueOff val="0"/>
-            <a:satOff val="0"/>
-            <a:lumOff val="0"/>
-            <a:alphaOff val="0"/>
-          </a:schemeClr>
-        </a:solidFill>
-        <a:ln w="15875" cap="flat" cmpd="sng" algn="ctr">
-          <a:solidFill>
-            <a:schemeClr val="lt1">
-              <a:hueOff val="0"/>
-              <a:satOff val="0"/>
-              <a:lumOff val="0"/>
-              <a:alphaOff val="0"/>
-            </a:schemeClr>
-          </a:solidFill>
-          <a:prstDash val="solid"/>
-        </a:ln>
-        <a:effectLst/>
-      </dsp:spPr>
-      <dsp:style>
-        <a:lnRef idx="2">
-          <a:scrgbClr r="0" g="0" b="0"/>
-        </a:lnRef>
-        <a:fillRef idx="1">
-          <a:scrgbClr r="0" g="0" b="0"/>
-        </a:fillRef>
-        <a:effectRef idx="0">
-          <a:scrgbClr r="0" g="0" b="0"/>
-        </a:effectRef>
-        <a:fontRef idx="minor">
-          <a:schemeClr val="lt1"/>
-        </a:fontRef>
-      </dsp:style>
-      <dsp:txBody>
-        <a:bodyPr spcFirstLastPara="0" vert="horz" wrap="square" lIns="40640" tIns="40640" rIns="40640" bIns="40640" numCol="1" spcCol="1270" anchor="ctr" anchorCtr="0">
-          <a:noAutofit/>
-        </a:bodyPr>
-        <a:lstStyle/>
-        <a:p>
-          <a:pPr lvl="0" algn="ctr" defTabSz="711200">
-            <a:lnSpc>
-              <a:spcPct val="90000"/>
-            </a:lnSpc>
-            <a:spcBef>
-              <a:spcPct val="0"/>
-            </a:spcBef>
-            <a:spcAft>
-              <a:spcPct val="35000"/>
-            </a:spcAft>
-          </a:pPr>
-          <a:r>
-            <a:rPr lang="en-US" sz="1600" kern="1200" dirty="0" smtClean="0"/>
-            <a:t>Converter</a:t>
-          </a:r>
-          <a:endParaRPr lang="ru-RU" sz="1600" kern="1200" dirty="0" smtClean="0"/>
-        </a:p>
-        <a:p>
-          <a:pPr lvl="0" algn="ctr" defTabSz="711200">
-            <a:lnSpc>
-              <a:spcPct val="90000"/>
-            </a:lnSpc>
-            <a:spcBef>
-              <a:spcPct val="0"/>
-            </a:spcBef>
-            <a:spcAft>
-              <a:spcPct val="35000"/>
-            </a:spcAft>
-          </a:pPr>
-          <a:r>
-            <a:rPr lang="en-US" sz="1600" kern="1200" dirty="0" smtClean="0"/>
-            <a:t>JSON </a:t>
-          </a:r>
-          <a:endParaRPr lang="ru-RU" sz="1600" kern="1200" dirty="0"/>
-        </a:p>
-      </dsp:txBody>
-      <dsp:txXfrm>
-        <a:off x="2793002" y="85070"/>
-        <a:ext cx="1624262" cy="1624262"/>
-      </dsp:txXfrm>
-    </dsp:sp>
-    <dsp:sp modelId="{65390B38-AF76-4E62-872B-309581DF08C7}">
-      <dsp:nvSpPr>
-        <dsp:cNvPr id="0" name=""/>
-        <dsp:cNvSpPr/>
-      </dsp:nvSpPr>
-      <dsp:spPr>
-        <a:xfrm rot="149778">
-          <a:off x="6108280" y="3058321"/>
-          <a:ext cx="2150822" cy="0"/>
-        </a:xfrm>
-        <a:custGeom>
-          <a:avLst/>
-          <a:gdLst/>
-          <a:ahLst/>
-          <a:cxnLst/>
-          <a:rect l="0" t="0" r="0" b="0"/>
-          <a:pathLst>
-            <a:path>
-              <a:moveTo>
-                <a:pt x="0" y="0"/>
-              </a:moveTo>
-              <a:lnTo>
-                <a:pt x="2150822" y="0"/>
-              </a:lnTo>
-            </a:path>
-          </a:pathLst>
-        </a:custGeom>
-        <a:noFill/>
-        <a:ln w="15875" cap="flat" cmpd="sng" algn="ctr">
-          <a:solidFill>
-            <a:schemeClr val="accent1">
-              <a:shade val="60000"/>
-              <a:hueOff val="0"/>
-              <a:satOff val="0"/>
-              <a:lumOff val="0"/>
-              <a:alphaOff val="0"/>
-            </a:schemeClr>
-          </a:solidFill>
-          <a:prstDash val="solid"/>
-        </a:ln>
-        <a:effectLst/>
-      </dsp:spPr>
-      <dsp:style>
-        <a:lnRef idx="2">
-          <a:scrgbClr r="0" g="0" b="0"/>
-        </a:lnRef>
-        <a:fillRef idx="0">
-          <a:scrgbClr r="0" g="0" b="0"/>
-        </a:fillRef>
-        <a:effectRef idx="0">
-          <a:scrgbClr r="0" g="0" b="0"/>
-        </a:effectRef>
-        <a:fontRef idx="minor"/>
-      </dsp:style>
-    </dsp:sp>
-    <dsp:sp modelId="{24EC1B40-97B8-4A97-A728-C57093596661}">
-      <dsp:nvSpPr>
-        <dsp:cNvPr id="0" name=""/>
-        <dsp:cNvSpPr/>
-      </dsp:nvSpPr>
-      <dsp:spPr>
-        <a:xfrm>
-          <a:off x="8258082" y="2244397"/>
-          <a:ext cx="1800000" cy="1800000"/>
-        </a:xfrm>
-        <a:prstGeom prst="roundRect">
-          <a:avLst/>
-        </a:prstGeom>
-        <a:solidFill>
-          <a:schemeClr val="accent1">
-            <a:hueOff val="0"/>
-            <a:satOff val="0"/>
-            <a:lumOff val="0"/>
-            <a:alphaOff val="0"/>
-          </a:schemeClr>
-        </a:solidFill>
-        <a:ln w="15875" cap="flat" cmpd="sng" algn="ctr">
-          <a:solidFill>
-            <a:schemeClr val="lt1">
-              <a:hueOff val="0"/>
-              <a:satOff val="0"/>
-              <a:lumOff val="0"/>
-              <a:alphaOff val="0"/>
-            </a:schemeClr>
-          </a:solidFill>
-          <a:prstDash val="solid"/>
-        </a:ln>
-        <a:effectLst/>
-      </dsp:spPr>
-      <dsp:style>
-        <a:lnRef idx="2">
-          <a:scrgbClr r="0" g="0" b="0"/>
-        </a:lnRef>
-        <a:fillRef idx="1">
-          <a:scrgbClr r="0" g="0" b="0"/>
-        </a:fillRef>
-        <a:effectRef idx="0">
-          <a:scrgbClr r="0" g="0" b="0"/>
-        </a:effectRef>
-        <a:fontRef idx="minor">
-          <a:schemeClr val="lt1"/>
-        </a:fontRef>
-      </dsp:style>
-      <dsp:txBody>
-        <a:bodyPr spcFirstLastPara="0" vert="horz" wrap="square" lIns="66040" tIns="66040" rIns="66040" bIns="66040" numCol="1" spcCol="1270" anchor="ctr" anchorCtr="0">
-          <a:noAutofit/>
-        </a:bodyPr>
-        <a:lstStyle/>
-        <a:p>
-          <a:pPr lvl="0" algn="ctr" defTabSz="1155700">
-            <a:lnSpc>
-              <a:spcPct val="90000"/>
-            </a:lnSpc>
-            <a:spcBef>
-              <a:spcPct val="0"/>
-            </a:spcBef>
-            <a:spcAft>
-              <a:spcPct val="35000"/>
-            </a:spcAft>
-          </a:pPr>
-          <a:r>
-            <a:rPr lang="en-US" sz="2600" kern="1200" dirty="0" smtClean="0"/>
-            <a:t>Dispatcher</a:t>
-          </a:r>
-          <a:endParaRPr lang="ru-RU" sz="2600" kern="1200" dirty="0" smtClean="0"/>
-        </a:p>
-        <a:p>
-          <a:pPr lvl="0" algn="ctr" defTabSz="1155700">
-            <a:lnSpc>
-              <a:spcPct val="90000"/>
-            </a:lnSpc>
-            <a:spcBef>
-              <a:spcPct val="0"/>
-            </a:spcBef>
-            <a:spcAft>
-              <a:spcPct val="35000"/>
-            </a:spcAft>
-          </a:pPr>
-          <a:r>
-            <a:rPr lang="en-US" sz="2600" kern="1200" dirty="0" smtClean="0"/>
-            <a:t>Operation</a:t>
-          </a:r>
-          <a:endParaRPr lang="ru-RU" sz="2600" kern="1200" dirty="0" smtClean="0"/>
-        </a:p>
-        <a:p>
-          <a:pPr lvl="0" algn="ctr" defTabSz="1155700">
-            <a:lnSpc>
-              <a:spcPct val="90000"/>
-            </a:lnSpc>
-            <a:spcBef>
-              <a:spcPct val="0"/>
-            </a:spcBef>
-            <a:spcAft>
-              <a:spcPct val="35000"/>
-            </a:spcAft>
-          </a:pPr>
-          <a:r>
-            <a:rPr lang="en-US" sz="2600" kern="1200" dirty="0" smtClean="0"/>
-            <a:t>Validity</a:t>
-          </a:r>
-          <a:endParaRPr lang="ru-RU" sz="2600" kern="1200" dirty="0"/>
-        </a:p>
-      </dsp:txBody>
-      <dsp:txXfrm>
-        <a:off x="8345951" y="2332266"/>
-        <a:ext cx="1624262" cy="1624262"/>
-      </dsp:txXfrm>
-    </dsp:sp>
-    <dsp:sp modelId="{8F086A69-6FE7-48AB-8D4E-831F6AAADB3F}">
-      <dsp:nvSpPr>
-        <dsp:cNvPr id="0" name=""/>
-        <dsp:cNvSpPr/>
-      </dsp:nvSpPr>
-      <dsp:spPr>
-        <a:xfrm rot="18340887">
-          <a:off x="5783181" y="1842200"/>
-          <a:ext cx="103900" cy="0"/>
-        </a:xfrm>
-        <a:custGeom>
-          <a:avLst/>
-          <a:gdLst/>
-          <a:ahLst/>
-          <a:cxnLst/>
-          <a:rect l="0" t="0" r="0" b="0"/>
-          <a:pathLst>
-            <a:path>
-              <a:moveTo>
-                <a:pt x="0" y="0"/>
-              </a:moveTo>
-              <a:lnTo>
-                <a:pt x="103900" y="0"/>
-              </a:lnTo>
-            </a:path>
-          </a:pathLst>
-        </a:custGeom>
-        <a:noFill/>
-        <a:ln w="15875" cap="flat" cmpd="sng" algn="ctr">
-          <a:solidFill>
-            <a:schemeClr val="accent1">
-              <a:shade val="60000"/>
-              <a:hueOff val="0"/>
-              <a:satOff val="0"/>
-              <a:lumOff val="0"/>
-              <a:alphaOff val="0"/>
-            </a:schemeClr>
-          </a:solidFill>
-          <a:prstDash val="solid"/>
-        </a:ln>
-        <a:effectLst/>
-      </dsp:spPr>
-      <dsp:style>
-        <a:lnRef idx="2">
-          <a:scrgbClr r="0" g="0" b="0"/>
-        </a:lnRef>
-        <a:fillRef idx="0">
-          <a:scrgbClr r="0" g="0" b="0"/>
-        </a:fillRef>
-        <a:effectRef idx="0">
-          <a:scrgbClr r="0" g="0" b="0"/>
-        </a:effectRef>
-        <a:fontRef idx="minor"/>
-      </dsp:style>
-    </dsp:sp>
-    <dsp:sp modelId="{D5C3917E-2284-4E85-847C-82C5C871E472}">
-      <dsp:nvSpPr>
-        <dsp:cNvPr id="0" name=""/>
-        <dsp:cNvSpPr/>
-      </dsp:nvSpPr>
-      <dsp:spPr>
-        <a:xfrm>
-          <a:off x="5611707" y="1"/>
-          <a:ext cx="1800000" cy="1800000"/>
-        </a:xfrm>
-        <a:prstGeom prst="roundRect">
-          <a:avLst/>
-        </a:prstGeom>
-        <a:solidFill>
-          <a:schemeClr val="accent1">
-            <a:hueOff val="0"/>
-            <a:satOff val="0"/>
-            <a:lumOff val="0"/>
-            <a:alphaOff val="0"/>
-          </a:schemeClr>
-        </a:solidFill>
-        <a:ln w="15875" cap="flat" cmpd="sng" algn="ctr">
-          <a:solidFill>
-            <a:schemeClr val="lt1">
-              <a:hueOff val="0"/>
-              <a:satOff val="0"/>
-              <a:lumOff val="0"/>
-              <a:alphaOff val="0"/>
-            </a:schemeClr>
-          </a:solidFill>
-          <a:prstDash val="solid"/>
-        </a:ln>
-        <a:effectLst/>
-      </dsp:spPr>
-      <dsp:style>
-        <a:lnRef idx="2">
-          <a:scrgbClr r="0" g="0" b="0"/>
-        </a:lnRef>
-        <a:fillRef idx="1">
-          <a:scrgbClr r="0" g="0" b="0"/>
-        </a:fillRef>
-        <a:effectRef idx="0">
-          <a:scrgbClr r="0" g="0" b="0"/>
-        </a:effectRef>
-        <a:fontRef idx="minor">
-          <a:schemeClr val="lt1"/>
-        </a:fontRef>
-      </dsp:style>
-      <dsp:txBody>
-        <a:bodyPr spcFirstLastPara="0" vert="horz" wrap="square" lIns="40640" tIns="40640" rIns="40640" bIns="40640" numCol="1" spcCol="1270" anchor="ctr" anchorCtr="0">
-          <a:noAutofit/>
-        </a:bodyPr>
-        <a:lstStyle/>
-        <a:p>
-          <a:pPr lvl="0" algn="ctr" defTabSz="711200">
-            <a:lnSpc>
-              <a:spcPct val="90000"/>
-            </a:lnSpc>
-            <a:spcBef>
-              <a:spcPct val="0"/>
-            </a:spcBef>
-            <a:spcAft>
-              <a:spcPct val="35000"/>
-            </a:spcAft>
-          </a:pPr>
-          <a:r>
-            <a:rPr lang="en-US" sz="1600" kern="1200" dirty="0" smtClean="0"/>
-            <a:t>Documents </a:t>
-          </a:r>
-          <a:endParaRPr lang="ru-RU" sz="1600" kern="1200" dirty="0"/>
-        </a:p>
-      </dsp:txBody>
-      <dsp:txXfrm>
-        <a:off x="5699576" y="87870"/>
-        <a:ext cx="1624262" cy="1624262"/>
-      </dsp:txXfrm>
-    </dsp:sp>
-    <dsp:sp modelId="{1503B29C-C796-4217-A6E0-D8D0E4C12287}">
-      <dsp:nvSpPr>
-        <dsp:cNvPr id="0" name=""/>
-        <dsp:cNvSpPr/>
-      </dsp:nvSpPr>
-      <dsp:spPr>
-        <a:xfrm rot="20006092">
-          <a:off x="5982485" y="1887199"/>
-          <a:ext cx="2402411" cy="0"/>
-        </a:xfrm>
-        <a:custGeom>
-          <a:avLst/>
-          <a:gdLst/>
-          <a:ahLst/>
-          <a:cxnLst/>
-          <a:rect l="0" t="0" r="0" b="0"/>
-          <a:pathLst>
-            <a:path>
-              <a:moveTo>
-                <a:pt x="0" y="0"/>
-              </a:moveTo>
-              <a:lnTo>
-                <a:pt x="2402411" y="0"/>
-              </a:lnTo>
-            </a:path>
-          </a:pathLst>
-        </a:custGeom>
-        <a:noFill/>
-        <a:ln w="15875" cap="flat" cmpd="sng" algn="ctr">
-          <a:solidFill>
-            <a:schemeClr val="accent1">
-              <a:shade val="60000"/>
-              <a:hueOff val="0"/>
-              <a:satOff val="0"/>
-              <a:lumOff val="0"/>
-              <a:alphaOff val="0"/>
-            </a:schemeClr>
-          </a:solidFill>
-          <a:prstDash val="solid"/>
-        </a:ln>
-        <a:effectLst/>
-      </dsp:spPr>
-      <dsp:style>
-        <a:lnRef idx="2">
-          <a:scrgbClr r="0" g="0" b="0"/>
-        </a:lnRef>
-        <a:fillRef idx="0">
-          <a:scrgbClr r="0" g="0" b="0"/>
-        </a:fillRef>
-        <a:effectRef idx="0">
-          <a:scrgbClr r="0" g="0" b="0"/>
-        </a:effectRef>
-        <a:fontRef idx="minor"/>
-      </dsp:style>
-    </dsp:sp>
-    <dsp:sp modelId="{76784C24-975E-4373-9AB0-0D36214A64F1}">
-      <dsp:nvSpPr>
-        <dsp:cNvPr id="0" name=""/>
-        <dsp:cNvSpPr/>
-      </dsp:nvSpPr>
-      <dsp:spPr>
-        <a:xfrm>
-          <a:off x="8258082" y="0"/>
-          <a:ext cx="1800000" cy="1800000"/>
-        </a:xfrm>
-        <a:prstGeom prst="roundRect">
-          <a:avLst/>
-        </a:prstGeom>
-        <a:solidFill>
-          <a:schemeClr val="accent1">
-            <a:hueOff val="0"/>
-            <a:satOff val="0"/>
-            <a:lumOff val="0"/>
-            <a:alphaOff val="0"/>
-          </a:schemeClr>
-        </a:solidFill>
-        <a:ln w="15875" cap="flat" cmpd="sng" algn="ctr">
-          <a:solidFill>
-            <a:schemeClr val="lt1">
-              <a:hueOff val="0"/>
-              <a:satOff val="0"/>
-              <a:lumOff val="0"/>
-              <a:alphaOff val="0"/>
-            </a:schemeClr>
-          </a:solidFill>
-          <a:prstDash val="solid"/>
-        </a:ln>
-        <a:effectLst/>
-      </dsp:spPr>
-      <dsp:style>
-        <a:lnRef idx="2">
-          <a:scrgbClr r="0" g="0" b="0"/>
-        </a:lnRef>
-        <a:fillRef idx="1">
-          <a:scrgbClr r="0" g="0" b="0"/>
-        </a:fillRef>
-        <a:effectRef idx="0">
-          <a:scrgbClr r="0" g="0" b="0"/>
-        </a:effectRef>
-        <a:fontRef idx="minor">
-          <a:schemeClr val="lt1"/>
-        </a:fontRef>
-      </dsp:style>
-      <dsp:txBody>
-        <a:bodyPr spcFirstLastPara="0" vert="horz" wrap="square" lIns="40640" tIns="40640" rIns="40640" bIns="40640" numCol="1" spcCol="1270" anchor="ctr" anchorCtr="0">
-          <a:noAutofit/>
-        </a:bodyPr>
-        <a:lstStyle/>
-        <a:p>
-          <a:pPr lvl="0" algn="ctr" defTabSz="711200">
-            <a:lnSpc>
-              <a:spcPct val="90000"/>
-            </a:lnSpc>
-            <a:spcBef>
-              <a:spcPct val="0"/>
-            </a:spcBef>
-            <a:spcAft>
-              <a:spcPct val="35000"/>
-            </a:spcAft>
-          </a:pPr>
-          <a:r>
-            <a:rPr lang="ru-RU" sz="1600" kern="1200" dirty="0" smtClean="0"/>
-            <a:t>Requests </a:t>
-          </a:r>
-          <a:endParaRPr lang="ru-RU" sz="1600" kern="1200" dirty="0"/>
-        </a:p>
-      </dsp:txBody>
-      <dsp:txXfrm>
-        <a:off x="8345951" y="87869"/>
-        <a:ext cx="1624262" cy="1624262"/>
-      </dsp:txXfrm>
-    </dsp:sp>
-    <dsp:sp modelId="{B23D5C2B-B6D2-4298-9DAF-A69442F1C2D7}">
-      <dsp:nvSpPr>
-        <dsp:cNvPr id="0" name=""/>
-        <dsp:cNvSpPr/>
-      </dsp:nvSpPr>
-      <dsp:spPr>
-        <a:xfrm rot="10654099">
-          <a:off x="1808734" y="3055692"/>
-          <a:ext cx="2141531" cy="0"/>
-        </a:xfrm>
-        <a:custGeom>
-          <a:avLst/>
-          <a:gdLst/>
-          <a:ahLst/>
-          <a:cxnLst/>
-          <a:rect l="0" t="0" r="0" b="0"/>
-          <a:pathLst>
-            <a:path>
-              <a:moveTo>
-                <a:pt x="0" y="0"/>
-              </a:moveTo>
-              <a:lnTo>
-                <a:pt x="2141531" y="0"/>
-              </a:lnTo>
-            </a:path>
-          </a:pathLst>
-        </a:custGeom>
-        <a:noFill/>
-        <a:ln w="15875" cap="flat" cmpd="sng" algn="ctr">
-          <a:solidFill>
-            <a:schemeClr val="accent1">
-              <a:shade val="60000"/>
-              <a:hueOff val="0"/>
-              <a:satOff val="0"/>
-              <a:lumOff val="0"/>
-              <a:alphaOff val="0"/>
-            </a:schemeClr>
-          </a:solidFill>
-          <a:prstDash val="solid"/>
-        </a:ln>
-        <a:effectLst/>
-      </dsp:spPr>
-      <dsp:style>
-        <a:lnRef idx="2">
-          <a:scrgbClr r="0" g="0" b="0"/>
-        </a:lnRef>
-        <a:fillRef idx="0">
-          <a:scrgbClr r="0" g="0" b="0"/>
-        </a:fillRef>
-        <a:effectRef idx="0">
-          <a:scrgbClr r="0" g="0" b="0"/>
-        </a:effectRef>
-        <a:fontRef idx="minor"/>
-      </dsp:style>
-    </dsp:sp>
-    <dsp:sp modelId="{635D6D0E-E44D-465D-9B55-5006A2372644}">
-      <dsp:nvSpPr>
-        <dsp:cNvPr id="0" name=""/>
-        <dsp:cNvSpPr/>
-      </dsp:nvSpPr>
-      <dsp:spPr>
-        <a:xfrm>
-          <a:off x="0" y="2234699"/>
-          <a:ext cx="1809698" cy="1809698"/>
-        </a:xfrm>
-        <a:prstGeom prst="roundRect">
-          <a:avLst/>
-        </a:prstGeom>
-        <a:solidFill>
-          <a:schemeClr val="accent1">
-            <a:hueOff val="0"/>
-            <a:satOff val="0"/>
-            <a:lumOff val="0"/>
-            <a:alphaOff val="0"/>
-          </a:schemeClr>
-        </a:solidFill>
-        <a:ln w="15875" cap="flat" cmpd="sng" algn="ctr">
-          <a:solidFill>
-            <a:schemeClr val="lt1">
-              <a:hueOff val="0"/>
-              <a:satOff val="0"/>
-              <a:lumOff val="0"/>
-              <a:alphaOff val="0"/>
-            </a:schemeClr>
-          </a:solidFill>
-          <a:prstDash val="solid"/>
-        </a:ln>
-        <a:effectLst/>
-      </dsp:spPr>
-      <dsp:style>
-        <a:lnRef idx="2">
-          <a:scrgbClr r="0" g="0" b="0"/>
-        </a:lnRef>
-        <a:fillRef idx="1">
-          <a:scrgbClr r="0" g="0" b="0"/>
-        </a:fillRef>
-        <a:effectRef idx="0">
-          <a:scrgbClr r="0" g="0" b="0"/>
-        </a:effectRef>
-        <a:fontRef idx="minor">
-          <a:schemeClr val="lt1"/>
-        </a:fontRef>
-      </dsp:style>
-      <dsp:txBody>
-        <a:bodyPr spcFirstLastPara="0" vert="horz" wrap="square" lIns="40640" tIns="40640" rIns="40640" bIns="40640" numCol="1" spcCol="1270" anchor="ctr" anchorCtr="0">
-          <a:noAutofit/>
-        </a:bodyPr>
-        <a:lstStyle/>
-        <a:p>
-          <a:pPr lvl="0" algn="ctr" defTabSz="711200">
-            <a:lnSpc>
-              <a:spcPct val="90000"/>
-            </a:lnSpc>
-            <a:spcBef>
-              <a:spcPct val="0"/>
-            </a:spcBef>
-            <a:spcAft>
-              <a:spcPct val="35000"/>
-            </a:spcAft>
-          </a:pPr>
-          <a:r>
-            <a:rPr lang="en-US" sz="1600" kern="1200" dirty="0" smtClean="0"/>
-            <a:t>Inverted</a:t>
-          </a:r>
-          <a:endParaRPr lang="ru-RU" sz="1600" kern="1200" dirty="0" smtClean="0"/>
-        </a:p>
-        <a:p>
-          <a:pPr lvl="0" algn="ctr" defTabSz="711200">
-            <a:lnSpc>
-              <a:spcPct val="90000"/>
-            </a:lnSpc>
-            <a:spcBef>
-              <a:spcPct val="0"/>
-            </a:spcBef>
-            <a:spcAft>
-              <a:spcPct val="35000"/>
-            </a:spcAft>
-          </a:pPr>
-          <a:r>
-            <a:rPr lang="en-US" sz="1600" kern="1200" dirty="0" smtClean="0"/>
-            <a:t>Index </a:t>
-          </a:r>
-          <a:endParaRPr lang="ru-RU" sz="1600" kern="1200" dirty="0"/>
-        </a:p>
-      </dsp:txBody>
-      <dsp:txXfrm>
-        <a:off x="88342" y="2323041"/>
-        <a:ext cx="1633014" cy="1633014"/>
-      </dsp:txXfrm>
-    </dsp:sp>
-    <dsp:sp modelId="{645660FC-29F0-4ECD-9736-2F09D9960928}">
-      <dsp:nvSpPr>
-        <dsp:cNvPr id="0" name=""/>
-        <dsp:cNvSpPr/>
-      </dsp:nvSpPr>
-      <dsp:spPr>
-        <a:xfrm rot="12392118">
-          <a:off x="1683739" y="1890892"/>
-          <a:ext cx="2391524" cy="0"/>
-        </a:xfrm>
-        <a:custGeom>
-          <a:avLst/>
-          <a:gdLst/>
-          <a:ahLst/>
-          <a:cxnLst/>
-          <a:rect l="0" t="0" r="0" b="0"/>
-          <a:pathLst>
-            <a:path>
-              <a:moveTo>
-                <a:pt x="0" y="0"/>
-              </a:moveTo>
-              <a:lnTo>
-                <a:pt x="2391524" y="0"/>
-              </a:lnTo>
-            </a:path>
-          </a:pathLst>
-        </a:custGeom>
-        <a:noFill/>
-        <a:ln w="15875" cap="flat" cmpd="sng" algn="ctr">
-          <a:solidFill>
-            <a:schemeClr val="accent1">
-              <a:shade val="60000"/>
-              <a:hueOff val="0"/>
-              <a:satOff val="0"/>
-              <a:lumOff val="0"/>
-              <a:alphaOff val="0"/>
-            </a:schemeClr>
-          </a:solidFill>
-          <a:prstDash val="solid"/>
-        </a:ln>
-        <a:effectLst/>
-      </dsp:spPr>
-      <dsp:style>
-        <a:lnRef idx="2">
-          <a:scrgbClr r="0" g="0" b="0"/>
-        </a:lnRef>
-        <a:fillRef idx="0">
-          <a:scrgbClr r="0" g="0" b="0"/>
-        </a:fillRef>
-        <a:effectRef idx="0">
-          <a:scrgbClr r="0" g="0" b="0"/>
-        </a:effectRef>
-        <a:fontRef idx="minor"/>
-      </dsp:style>
-    </dsp:sp>
-    <dsp:sp modelId="{EF6A00EF-2BA3-4AAD-B69B-A8E8767F6738}">
-      <dsp:nvSpPr>
-        <dsp:cNvPr id="0" name=""/>
-        <dsp:cNvSpPr/>
-      </dsp:nvSpPr>
-      <dsp:spPr>
-        <a:xfrm>
-          <a:off x="3" y="0"/>
-          <a:ext cx="1809698" cy="1809698"/>
-        </a:xfrm>
-        <a:prstGeom prst="roundRect">
-          <a:avLst/>
-        </a:prstGeom>
-        <a:solidFill>
-          <a:schemeClr val="accent1">
-            <a:hueOff val="0"/>
-            <a:satOff val="0"/>
-            <a:lumOff val="0"/>
-            <a:alphaOff val="0"/>
-          </a:schemeClr>
-        </a:solidFill>
-        <a:ln w="15875" cap="flat" cmpd="sng" algn="ctr">
-          <a:solidFill>
-            <a:schemeClr val="lt1">
-              <a:hueOff val="0"/>
-              <a:satOff val="0"/>
-              <a:lumOff val="0"/>
-              <a:alphaOff val="0"/>
-            </a:schemeClr>
-          </a:solidFill>
-          <a:prstDash val="solid"/>
-        </a:ln>
-        <a:effectLst/>
-      </dsp:spPr>
-      <dsp:style>
-        <a:lnRef idx="2">
-          <a:scrgbClr r="0" g="0" b="0"/>
-        </a:lnRef>
-        <a:fillRef idx="1">
-          <a:scrgbClr r="0" g="0" b="0"/>
-        </a:fillRef>
-        <a:effectRef idx="0">
-          <a:scrgbClr r="0" g="0" b="0"/>
-        </a:effectRef>
-        <a:fontRef idx="minor">
-          <a:schemeClr val="lt1"/>
-        </a:fontRef>
-      </dsp:style>
-      <dsp:txBody>
-        <a:bodyPr spcFirstLastPara="0" vert="horz" wrap="square" lIns="40640" tIns="40640" rIns="40640" bIns="40640" numCol="1" spcCol="1270" anchor="ctr" anchorCtr="0">
-          <a:noAutofit/>
-        </a:bodyPr>
-        <a:lstStyle/>
-        <a:p>
-          <a:pPr lvl="0" algn="ctr" defTabSz="711200">
-            <a:lnSpc>
-              <a:spcPct val="90000"/>
-            </a:lnSpc>
-            <a:spcBef>
-              <a:spcPct val="0"/>
-            </a:spcBef>
-            <a:spcAft>
-              <a:spcPct val="35000"/>
-            </a:spcAft>
-          </a:pPr>
-          <a:r>
-            <a:rPr lang="en-US" sz="1600" kern="1200" dirty="0" smtClean="0"/>
-            <a:t>Relevant</a:t>
-          </a:r>
-          <a:endParaRPr lang="ru-RU" sz="1600" kern="1200" dirty="0" smtClean="0"/>
-        </a:p>
-        <a:p>
-          <a:pPr lvl="0" algn="ctr" defTabSz="711200">
-            <a:lnSpc>
-              <a:spcPct val="90000"/>
-            </a:lnSpc>
-            <a:spcBef>
-              <a:spcPct val="0"/>
-            </a:spcBef>
-            <a:spcAft>
-              <a:spcPct val="35000"/>
-            </a:spcAft>
-          </a:pPr>
-          <a:r>
-            <a:rPr lang="en-US" sz="1600" kern="1200" dirty="0" smtClean="0"/>
-            <a:t>Response </a:t>
-          </a:r>
-          <a:endParaRPr lang="ru-RU" sz="1600" kern="1200" dirty="0"/>
-        </a:p>
-      </dsp:txBody>
-      <dsp:txXfrm>
-        <a:off x="88345" y="88342"/>
-        <a:ext cx="1633014" cy="1633014"/>
-      </dsp:txXfrm>
-    </dsp:sp>
   </dsp:spTree>
 </dsp:drawing>
 </file>
@@ -17226,580 +14944,6 @@
       <dsp:cNvGrpSpPr/>
     </dsp:nvGrpSpPr>
     <dsp:grpSpPr/>
-    <dsp:sp modelId="{A10362D1-A377-43A9-BD1F-AD314ADD2D68}">
-      <dsp:nvSpPr>
-        <dsp:cNvPr id="0" name=""/>
-        <dsp:cNvSpPr/>
-      </dsp:nvSpPr>
-      <dsp:spPr>
-        <a:xfrm>
-          <a:off x="452726" y="0"/>
-          <a:ext cx="5130899" cy="4143676"/>
-        </a:xfrm>
-        <a:prstGeom prst="rightArrow">
-          <a:avLst/>
-        </a:prstGeom>
-        <a:solidFill>
-          <a:schemeClr val="accent1">
-            <a:tint val="40000"/>
-            <a:hueOff val="0"/>
-            <a:satOff val="0"/>
-            <a:lumOff val="0"/>
-            <a:alphaOff val="0"/>
-          </a:schemeClr>
-        </a:solidFill>
-        <a:ln>
-          <a:noFill/>
-        </a:ln>
-        <a:effectLst/>
-      </dsp:spPr>
-      <dsp:style>
-        <a:lnRef idx="0">
-          <a:scrgbClr r="0" g="0" b="0"/>
-        </a:lnRef>
-        <a:fillRef idx="1">
-          <a:scrgbClr r="0" g="0" b="0"/>
-        </a:fillRef>
-        <a:effectRef idx="0">
-          <a:scrgbClr r="0" g="0" b="0"/>
-        </a:effectRef>
-        <a:fontRef idx="minor"/>
-      </dsp:style>
-    </dsp:sp>
-    <dsp:sp modelId="{AF958E4B-1079-43B8-AA41-59A175711EE3}">
-      <dsp:nvSpPr>
-        <dsp:cNvPr id="0" name=""/>
-        <dsp:cNvSpPr/>
-      </dsp:nvSpPr>
-      <dsp:spPr>
-        <a:xfrm>
-          <a:off x="3859" y="1243102"/>
-          <a:ext cx="927033" cy="1657470"/>
-        </a:xfrm>
-        <a:prstGeom prst="roundRect">
-          <a:avLst/>
-        </a:prstGeom>
-        <a:solidFill>
-          <a:schemeClr val="accent1">
-            <a:hueOff val="0"/>
-            <a:satOff val="0"/>
-            <a:lumOff val="0"/>
-            <a:alphaOff val="0"/>
-          </a:schemeClr>
-        </a:solidFill>
-        <a:ln w="15875" cap="flat" cmpd="sng" algn="ctr">
-          <a:solidFill>
-            <a:schemeClr val="lt1">
-              <a:hueOff val="0"/>
-              <a:satOff val="0"/>
-              <a:lumOff val="0"/>
-              <a:alphaOff val="0"/>
-            </a:schemeClr>
-          </a:solidFill>
-          <a:prstDash val="solid"/>
-        </a:ln>
-        <a:effectLst/>
-      </dsp:spPr>
-      <dsp:style>
-        <a:lnRef idx="2">
-          <a:scrgbClr r="0" g="0" b="0"/>
-        </a:lnRef>
-        <a:fillRef idx="1">
-          <a:scrgbClr r="0" g="0" b="0"/>
-        </a:fillRef>
-        <a:effectRef idx="0">
-          <a:scrgbClr r="0" g="0" b="0"/>
-        </a:effectRef>
-        <a:fontRef idx="minor">
-          <a:schemeClr val="lt1"/>
-        </a:fontRef>
-      </dsp:style>
-      <dsp:txBody>
-        <a:bodyPr spcFirstLastPara="0" vert="horz" wrap="square" lIns="45720" tIns="45720" rIns="45720" bIns="45720" numCol="1" spcCol="1270" anchor="ctr" anchorCtr="0">
-          <a:noAutofit/>
-        </a:bodyPr>
-        <a:lstStyle/>
-        <a:p>
-          <a:pPr lvl="0" algn="ctr" defTabSz="533400">
-            <a:lnSpc>
-              <a:spcPct val="90000"/>
-            </a:lnSpc>
-            <a:spcBef>
-              <a:spcPct val="0"/>
-            </a:spcBef>
-            <a:spcAft>
-              <a:spcPct val="35000"/>
-            </a:spcAft>
-          </a:pPr>
-          <a:r>
-            <a:rPr lang="en-US" sz="1200" kern="1200" dirty="0" smtClean="0"/>
-            <a:t>Search</a:t>
-          </a:r>
-          <a:endParaRPr lang="ru-RU" sz="1200" kern="1200" dirty="0" smtClean="0"/>
-        </a:p>
-        <a:p>
-          <a:pPr lvl="0" algn="ctr" defTabSz="533400">
-            <a:lnSpc>
-              <a:spcPct val="90000"/>
-            </a:lnSpc>
-            <a:spcBef>
-              <a:spcPct val="0"/>
-            </a:spcBef>
-            <a:spcAft>
-              <a:spcPct val="35000"/>
-            </a:spcAft>
-          </a:pPr>
-          <a:r>
-            <a:rPr lang="en-US" sz="1200" kern="1200" dirty="0" smtClean="0"/>
-            <a:t>Engine</a:t>
-          </a:r>
-          <a:endParaRPr lang="ru-RU" sz="1200" kern="1200" dirty="0"/>
-        </a:p>
-      </dsp:txBody>
-      <dsp:txXfrm>
-        <a:off x="49113" y="1288356"/>
-        <a:ext cx="836525" cy="1566962"/>
-      </dsp:txXfrm>
-    </dsp:sp>
-    <dsp:sp modelId="{0A15E6E4-35BF-4314-8C3D-ED211E2F9958}">
-      <dsp:nvSpPr>
-        <dsp:cNvPr id="0" name=""/>
-        <dsp:cNvSpPr/>
-      </dsp:nvSpPr>
-      <dsp:spPr>
-        <a:xfrm>
-          <a:off x="1024179" y="1243102"/>
-          <a:ext cx="927033" cy="1657470"/>
-        </a:xfrm>
-        <a:prstGeom prst="roundRect">
-          <a:avLst/>
-        </a:prstGeom>
-        <a:solidFill>
-          <a:schemeClr val="accent1">
-            <a:hueOff val="0"/>
-            <a:satOff val="0"/>
-            <a:lumOff val="0"/>
-            <a:alphaOff val="0"/>
-          </a:schemeClr>
-        </a:solidFill>
-        <a:ln w="15875" cap="flat" cmpd="sng" algn="ctr">
-          <a:solidFill>
-            <a:schemeClr val="lt1">
-              <a:hueOff val="0"/>
-              <a:satOff val="0"/>
-              <a:lumOff val="0"/>
-              <a:alphaOff val="0"/>
-            </a:schemeClr>
-          </a:solidFill>
-          <a:prstDash val="solid"/>
-        </a:ln>
-        <a:effectLst/>
-      </dsp:spPr>
-      <dsp:style>
-        <a:lnRef idx="2">
-          <a:scrgbClr r="0" g="0" b="0"/>
-        </a:lnRef>
-        <a:fillRef idx="1">
-          <a:scrgbClr r="0" g="0" b="0"/>
-        </a:fillRef>
-        <a:effectRef idx="0">
-          <a:scrgbClr r="0" g="0" b="0"/>
-        </a:effectRef>
-        <a:fontRef idx="minor">
-          <a:schemeClr val="lt1"/>
-        </a:fontRef>
-      </dsp:style>
-      <dsp:txBody>
-        <a:bodyPr spcFirstLastPara="0" vert="horz" wrap="square" lIns="45720" tIns="45720" rIns="45720" bIns="45720" numCol="1" spcCol="1270" anchor="ctr" anchorCtr="0">
-          <a:noAutofit/>
-        </a:bodyPr>
-        <a:lstStyle/>
-        <a:p>
-          <a:pPr lvl="0" algn="ctr" defTabSz="533400">
-            <a:lnSpc>
-              <a:spcPct val="90000"/>
-            </a:lnSpc>
-            <a:spcBef>
-              <a:spcPct val="0"/>
-            </a:spcBef>
-            <a:spcAft>
-              <a:spcPct val="35000"/>
-            </a:spcAft>
-          </a:pPr>
-          <a:r>
-            <a:rPr lang="en-US" sz="1200" kern="1200" dirty="0" smtClean="0"/>
-            <a:t>Converter</a:t>
-          </a:r>
-          <a:endParaRPr lang="ru-RU" sz="1200" kern="1200" dirty="0" smtClean="0"/>
-        </a:p>
-        <a:p>
-          <a:pPr lvl="0" algn="ctr" defTabSz="533400">
-            <a:lnSpc>
-              <a:spcPct val="90000"/>
-            </a:lnSpc>
-            <a:spcBef>
-              <a:spcPct val="0"/>
-            </a:spcBef>
-            <a:spcAft>
-              <a:spcPct val="35000"/>
-            </a:spcAft>
-          </a:pPr>
-          <a:r>
-            <a:rPr lang="en-US" sz="1200" kern="1200" dirty="0" smtClean="0"/>
-            <a:t>JSON</a:t>
-          </a:r>
-          <a:endParaRPr lang="ru-RU" sz="1200" kern="1200" dirty="0"/>
-        </a:p>
-      </dsp:txBody>
-      <dsp:txXfrm>
-        <a:off x="1069433" y="1288356"/>
-        <a:ext cx="836525" cy="1566962"/>
-      </dsp:txXfrm>
-    </dsp:sp>
-    <dsp:sp modelId="{F054BA0B-B3F7-4B6B-BD2F-4AE8F4442468}">
-      <dsp:nvSpPr>
-        <dsp:cNvPr id="0" name=""/>
-        <dsp:cNvSpPr/>
-      </dsp:nvSpPr>
-      <dsp:spPr>
-        <a:xfrm>
-          <a:off x="2044499" y="1243102"/>
-          <a:ext cx="927033" cy="1657470"/>
-        </a:xfrm>
-        <a:prstGeom prst="roundRect">
-          <a:avLst/>
-        </a:prstGeom>
-        <a:solidFill>
-          <a:schemeClr val="accent1">
-            <a:hueOff val="0"/>
-            <a:satOff val="0"/>
-            <a:lumOff val="0"/>
-            <a:alphaOff val="0"/>
-          </a:schemeClr>
-        </a:solidFill>
-        <a:ln w="15875" cap="flat" cmpd="sng" algn="ctr">
-          <a:solidFill>
-            <a:schemeClr val="lt1">
-              <a:hueOff val="0"/>
-              <a:satOff val="0"/>
-              <a:lumOff val="0"/>
-              <a:alphaOff val="0"/>
-            </a:schemeClr>
-          </a:solidFill>
-          <a:prstDash val="solid"/>
-        </a:ln>
-        <a:effectLst/>
-      </dsp:spPr>
-      <dsp:style>
-        <a:lnRef idx="2">
-          <a:scrgbClr r="0" g="0" b="0"/>
-        </a:lnRef>
-        <a:fillRef idx="1">
-          <a:scrgbClr r="0" g="0" b="0"/>
-        </a:fillRef>
-        <a:effectRef idx="0">
-          <a:scrgbClr r="0" g="0" b="0"/>
-        </a:effectRef>
-        <a:fontRef idx="minor">
-          <a:schemeClr val="lt1"/>
-        </a:fontRef>
-      </dsp:style>
-      <dsp:txBody>
-        <a:bodyPr spcFirstLastPara="0" vert="horz" wrap="square" lIns="45720" tIns="45720" rIns="45720" bIns="45720" numCol="1" spcCol="1270" anchor="ctr" anchorCtr="0">
-          <a:noAutofit/>
-        </a:bodyPr>
-        <a:lstStyle/>
-        <a:p>
-          <a:pPr lvl="0" algn="ctr" defTabSz="533400">
-            <a:lnSpc>
-              <a:spcPct val="90000"/>
-            </a:lnSpc>
-            <a:spcBef>
-              <a:spcPct val="0"/>
-            </a:spcBef>
-            <a:spcAft>
-              <a:spcPct val="35000"/>
-            </a:spcAft>
-          </a:pPr>
-          <a:r>
-            <a:rPr lang="en-US" sz="1200" kern="1200" dirty="0" smtClean="0"/>
-            <a:t>Documents</a:t>
-          </a:r>
-          <a:endParaRPr lang="ru-RU" sz="1200" kern="1200" dirty="0"/>
-        </a:p>
-      </dsp:txBody>
-      <dsp:txXfrm>
-        <a:off x="2089753" y="1288356"/>
-        <a:ext cx="836525" cy="1566962"/>
-      </dsp:txXfrm>
-    </dsp:sp>
-    <dsp:sp modelId="{DC4AEBBC-A52D-40F6-9146-7F10088A6B32}">
-      <dsp:nvSpPr>
-        <dsp:cNvPr id="0" name=""/>
-        <dsp:cNvSpPr/>
-      </dsp:nvSpPr>
-      <dsp:spPr>
-        <a:xfrm>
-          <a:off x="3064819" y="1243102"/>
-          <a:ext cx="927033" cy="1657470"/>
-        </a:xfrm>
-        <a:prstGeom prst="roundRect">
-          <a:avLst/>
-        </a:prstGeom>
-        <a:solidFill>
-          <a:schemeClr val="accent1">
-            <a:hueOff val="0"/>
-            <a:satOff val="0"/>
-            <a:lumOff val="0"/>
-            <a:alphaOff val="0"/>
-          </a:schemeClr>
-        </a:solidFill>
-        <a:ln w="15875" cap="flat" cmpd="sng" algn="ctr">
-          <a:solidFill>
-            <a:schemeClr val="lt1">
-              <a:hueOff val="0"/>
-              <a:satOff val="0"/>
-              <a:lumOff val="0"/>
-              <a:alphaOff val="0"/>
-            </a:schemeClr>
-          </a:solidFill>
-          <a:prstDash val="solid"/>
-        </a:ln>
-        <a:effectLst/>
-      </dsp:spPr>
-      <dsp:style>
-        <a:lnRef idx="2">
-          <a:scrgbClr r="0" g="0" b="0"/>
-        </a:lnRef>
-        <a:fillRef idx="1">
-          <a:scrgbClr r="0" g="0" b="0"/>
-        </a:fillRef>
-        <a:effectRef idx="0">
-          <a:scrgbClr r="0" g="0" b="0"/>
-        </a:effectRef>
-        <a:fontRef idx="minor">
-          <a:schemeClr val="lt1"/>
-        </a:fontRef>
-      </dsp:style>
-      <dsp:txBody>
-        <a:bodyPr spcFirstLastPara="0" vert="horz" wrap="square" lIns="45720" tIns="45720" rIns="45720" bIns="45720" numCol="1" spcCol="1270" anchor="ctr" anchorCtr="0">
-          <a:noAutofit/>
-        </a:bodyPr>
-        <a:lstStyle/>
-        <a:p>
-          <a:pPr lvl="0" algn="ctr" defTabSz="533400">
-            <a:lnSpc>
-              <a:spcPct val="90000"/>
-            </a:lnSpc>
-            <a:spcBef>
-              <a:spcPct val="0"/>
-            </a:spcBef>
-            <a:spcAft>
-              <a:spcPct val="35000"/>
-            </a:spcAft>
-          </a:pPr>
-          <a:r>
-            <a:rPr lang="en-US" sz="1200" kern="1200" dirty="0" smtClean="0"/>
-            <a:t>Inverted</a:t>
-          </a:r>
-          <a:endParaRPr lang="ru-RU" sz="1200" kern="1200" dirty="0" smtClean="0"/>
-        </a:p>
-        <a:p>
-          <a:pPr lvl="0" algn="ctr" defTabSz="533400">
-            <a:lnSpc>
-              <a:spcPct val="90000"/>
-            </a:lnSpc>
-            <a:spcBef>
-              <a:spcPct val="0"/>
-            </a:spcBef>
-            <a:spcAft>
-              <a:spcPct val="35000"/>
-            </a:spcAft>
-          </a:pPr>
-          <a:r>
-            <a:rPr lang="en-US" sz="1200" kern="1200" dirty="0" smtClean="0"/>
-            <a:t>Index</a:t>
-          </a:r>
-          <a:endParaRPr lang="ru-RU" sz="1200" kern="1200" dirty="0"/>
-        </a:p>
-      </dsp:txBody>
-      <dsp:txXfrm>
-        <a:off x="3110073" y="1288356"/>
-        <a:ext cx="836525" cy="1566962"/>
-      </dsp:txXfrm>
-    </dsp:sp>
-    <dsp:sp modelId="{014D856F-0A4A-4760-9506-E63C9F5DE09D}">
-      <dsp:nvSpPr>
-        <dsp:cNvPr id="0" name=""/>
-        <dsp:cNvSpPr/>
-      </dsp:nvSpPr>
-      <dsp:spPr>
-        <a:xfrm>
-          <a:off x="4085139" y="1243102"/>
-          <a:ext cx="927033" cy="1657470"/>
-        </a:xfrm>
-        <a:prstGeom prst="roundRect">
-          <a:avLst/>
-        </a:prstGeom>
-        <a:solidFill>
-          <a:schemeClr val="accent1">
-            <a:hueOff val="0"/>
-            <a:satOff val="0"/>
-            <a:lumOff val="0"/>
-            <a:alphaOff val="0"/>
-          </a:schemeClr>
-        </a:solidFill>
-        <a:ln w="15875" cap="flat" cmpd="sng" algn="ctr">
-          <a:solidFill>
-            <a:schemeClr val="lt1">
-              <a:hueOff val="0"/>
-              <a:satOff val="0"/>
-              <a:lumOff val="0"/>
-              <a:alphaOff val="0"/>
-            </a:schemeClr>
-          </a:solidFill>
-          <a:prstDash val="solid"/>
-        </a:ln>
-        <a:effectLst/>
-      </dsp:spPr>
-      <dsp:style>
-        <a:lnRef idx="2">
-          <a:scrgbClr r="0" g="0" b="0"/>
-        </a:lnRef>
-        <a:fillRef idx="1">
-          <a:scrgbClr r="0" g="0" b="0"/>
-        </a:fillRef>
-        <a:effectRef idx="0">
-          <a:scrgbClr r="0" g="0" b="0"/>
-        </a:effectRef>
-        <a:fontRef idx="minor">
-          <a:schemeClr val="lt1"/>
-        </a:fontRef>
-      </dsp:style>
-      <dsp:txBody>
-        <a:bodyPr spcFirstLastPara="0" vert="horz" wrap="square" lIns="45720" tIns="45720" rIns="45720" bIns="45720" numCol="1" spcCol="1270" anchor="ctr" anchorCtr="0">
-          <a:noAutofit/>
-        </a:bodyPr>
-        <a:lstStyle/>
-        <a:p>
-          <a:pPr lvl="0" algn="ctr" defTabSz="533400">
-            <a:lnSpc>
-              <a:spcPct val="90000"/>
-            </a:lnSpc>
-            <a:spcBef>
-              <a:spcPct val="0"/>
-            </a:spcBef>
-            <a:spcAft>
-              <a:spcPct val="35000"/>
-            </a:spcAft>
-          </a:pPr>
-          <a:r>
-            <a:rPr lang="en-US" sz="1200" kern="1200" dirty="0" smtClean="0"/>
-            <a:t>Requests</a:t>
-          </a:r>
-          <a:endParaRPr lang="ru-RU" sz="1200" kern="1200" dirty="0"/>
-        </a:p>
-      </dsp:txBody>
-      <dsp:txXfrm>
-        <a:off x="4130393" y="1288356"/>
-        <a:ext cx="836525" cy="1566962"/>
-      </dsp:txXfrm>
-    </dsp:sp>
-    <dsp:sp modelId="{2EF5CFF0-CC5C-43EE-B44D-1D53039F8A29}">
-      <dsp:nvSpPr>
-        <dsp:cNvPr id="0" name=""/>
-        <dsp:cNvSpPr/>
-      </dsp:nvSpPr>
-      <dsp:spPr>
-        <a:xfrm>
-          <a:off x="5105459" y="1243102"/>
-          <a:ext cx="927033" cy="1657470"/>
-        </a:xfrm>
-        <a:prstGeom prst="roundRect">
-          <a:avLst/>
-        </a:prstGeom>
-        <a:solidFill>
-          <a:schemeClr val="accent1">
-            <a:hueOff val="0"/>
-            <a:satOff val="0"/>
-            <a:lumOff val="0"/>
-            <a:alphaOff val="0"/>
-          </a:schemeClr>
-        </a:solidFill>
-        <a:ln w="15875" cap="flat" cmpd="sng" algn="ctr">
-          <a:solidFill>
-            <a:schemeClr val="lt1">
-              <a:hueOff val="0"/>
-              <a:satOff val="0"/>
-              <a:lumOff val="0"/>
-              <a:alphaOff val="0"/>
-            </a:schemeClr>
-          </a:solidFill>
-          <a:prstDash val="solid"/>
-        </a:ln>
-        <a:effectLst/>
-      </dsp:spPr>
-      <dsp:style>
-        <a:lnRef idx="2">
-          <a:scrgbClr r="0" g="0" b="0"/>
-        </a:lnRef>
-        <a:fillRef idx="1">
-          <a:scrgbClr r="0" g="0" b="0"/>
-        </a:fillRef>
-        <a:effectRef idx="0">
-          <a:scrgbClr r="0" g="0" b="0"/>
-        </a:effectRef>
-        <a:fontRef idx="minor">
-          <a:schemeClr val="lt1"/>
-        </a:fontRef>
-      </dsp:style>
-      <dsp:txBody>
-        <a:bodyPr spcFirstLastPara="0" vert="horz" wrap="square" lIns="45720" tIns="45720" rIns="45720" bIns="45720" numCol="1" spcCol="1270" anchor="ctr" anchorCtr="0">
-          <a:noAutofit/>
-        </a:bodyPr>
-        <a:lstStyle/>
-        <a:p>
-          <a:pPr lvl="0" algn="ctr" defTabSz="533400">
-            <a:lnSpc>
-              <a:spcPct val="90000"/>
-            </a:lnSpc>
-            <a:spcBef>
-              <a:spcPct val="0"/>
-            </a:spcBef>
-            <a:spcAft>
-              <a:spcPct val="35000"/>
-            </a:spcAft>
-          </a:pPr>
-          <a:r>
-            <a:rPr lang="en-US" sz="1200" kern="1200" dirty="0" smtClean="0"/>
-            <a:t>Relevant</a:t>
-          </a:r>
-          <a:endParaRPr lang="ru-RU" sz="1200" kern="1200" dirty="0" smtClean="0"/>
-        </a:p>
-        <a:p>
-          <a:pPr lvl="0" algn="ctr" defTabSz="533400">
-            <a:lnSpc>
-              <a:spcPct val="90000"/>
-            </a:lnSpc>
-            <a:spcBef>
-              <a:spcPct val="0"/>
-            </a:spcBef>
-            <a:spcAft>
-              <a:spcPct val="35000"/>
-            </a:spcAft>
-          </a:pPr>
-          <a:r>
-            <a:rPr lang="en-US" sz="1200" kern="1200" dirty="0" smtClean="0"/>
-            <a:t>Response</a:t>
-          </a:r>
-          <a:endParaRPr lang="ru-RU" sz="1200" kern="1200" dirty="0"/>
-        </a:p>
-      </dsp:txBody>
-      <dsp:txXfrm>
-        <a:off x="5150713" y="1288356"/>
-        <a:ext cx="836525" cy="1566962"/>
-      </dsp:txXfrm>
-    </dsp:sp>
   </dsp:spTree>
 </dsp:drawing>
 </file>
@@ -17812,537 +14956,6 @@
       <dsp:cNvGrpSpPr/>
     </dsp:nvGrpSpPr>
     <dsp:grpSpPr/>
-    <dsp:sp modelId="{B0B6F61C-C060-4C4C-96BF-4EE40B41E6A0}">
-      <dsp:nvSpPr>
-        <dsp:cNvPr id="0" name=""/>
-        <dsp:cNvSpPr/>
-      </dsp:nvSpPr>
-      <dsp:spPr>
-        <a:xfrm>
-          <a:off x="653206" y="105213"/>
-          <a:ext cx="2593181" cy="2266766"/>
-        </a:xfrm>
-        <a:prstGeom prst="rightArrow">
-          <a:avLst>
-            <a:gd name="adj1" fmla="val 70000"/>
-            <a:gd name="adj2" fmla="val 50000"/>
-          </a:avLst>
-        </a:prstGeom>
-        <a:solidFill>
-          <a:schemeClr val="accent1">
-            <a:alpha val="90000"/>
-            <a:tint val="40000"/>
-            <a:hueOff val="0"/>
-            <a:satOff val="0"/>
-            <a:lumOff val="0"/>
-            <a:alphaOff val="0"/>
-          </a:schemeClr>
-        </a:solidFill>
-        <a:ln w="15875" cap="flat" cmpd="sng" algn="ctr">
-          <a:solidFill>
-            <a:schemeClr val="accent1">
-              <a:alpha val="90000"/>
-              <a:tint val="40000"/>
-              <a:hueOff val="0"/>
-              <a:satOff val="0"/>
-              <a:lumOff val="0"/>
-              <a:alphaOff val="0"/>
-            </a:schemeClr>
-          </a:solidFill>
-          <a:prstDash val="solid"/>
-        </a:ln>
-        <a:effectLst/>
-      </dsp:spPr>
-      <dsp:style>
-        <a:lnRef idx="2">
-          <a:scrgbClr r="0" g="0" b="0"/>
-        </a:lnRef>
-        <a:fillRef idx="1">
-          <a:scrgbClr r="0" g="0" b="0"/>
-        </a:fillRef>
-        <a:effectRef idx="0">
-          <a:scrgbClr r="0" g="0" b="0"/>
-        </a:effectRef>
-        <a:fontRef idx="minor"/>
-      </dsp:style>
-      <dsp:txBody>
-        <a:bodyPr spcFirstLastPara="0" vert="horz" wrap="square" lIns="40640" tIns="10160" rIns="20320" bIns="10160" numCol="1" spcCol="1270" anchor="ctr" anchorCtr="0">
-          <a:noAutofit/>
-        </a:bodyPr>
-        <a:lstStyle/>
-        <a:p>
-          <a:pPr lvl="0" algn="ctr" defTabSz="711200">
-            <a:lnSpc>
-              <a:spcPct val="90000"/>
-            </a:lnSpc>
-            <a:spcBef>
-              <a:spcPct val="0"/>
-            </a:spcBef>
-            <a:spcAft>
-              <a:spcPct val="35000"/>
-            </a:spcAft>
-          </a:pPr>
-          <a:r>
-            <a:rPr lang="ru-RU" sz="1600" kern="1200" dirty="0" smtClean="0"/>
-            <a:t>список путей файлов документов</a:t>
-          </a:r>
-          <a:endParaRPr lang="ru-RU" sz="1600" kern="1200" dirty="0"/>
-        </a:p>
-      </dsp:txBody>
-      <dsp:txXfrm>
-        <a:off x="1301501" y="445228"/>
-        <a:ext cx="1264175" cy="1586736"/>
-      </dsp:txXfrm>
-    </dsp:sp>
-    <dsp:sp modelId="{E644A287-01BC-4CF5-B466-30846E7BBA7F}">
-      <dsp:nvSpPr>
-        <dsp:cNvPr id="0" name=""/>
-        <dsp:cNvSpPr/>
-      </dsp:nvSpPr>
-      <dsp:spPr>
-        <a:xfrm>
-          <a:off x="4911" y="590301"/>
-          <a:ext cx="1296590" cy="1296590"/>
-        </a:xfrm>
-        <a:prstGeom prst="roundRect">
-          <a:avLst/>
-        </a:prstGeom>
-        <a:solidFill>
-          <a:schemeClr val="accent1">
-            <a:hueOff val="0"/>
-            <a:satOff val="0"/>
-            <a:lumOff val="0"/>
-            <a:alphaOff val="0"/>
-          </a:schemeClr>
-        </a:solidFill>
-        <a:ln w="15875" cap="flat" cmpd="sng" algn="ctr">
-          <a:solidFill>
-            <a:schemeClr val="lt1">
-              <a:hueOff val="0"/>
-              <a:satOff val="0"/>
-              <a:lumOff val="0"/>
-              <a:alphaOff val="0"/>
-            </a:schemeClr>
-          </a:solidFill>
-          <a:prstDash val="solid"/>
-        </a:ln>
-        <a:effectLst/>
-      </dsp:spPr>
-      <dsp:style>
-        <a:lnRef idx="2">
-          <a:scrgbClr r="0" g="0" b="0"/>
-        </a:lnRef>
-        <a:fillRef idx="1">
-          <a:scrgbClr r="0" g="0" b="0"/>
-        </a:fillRef>
-        <a:effectRef idx="0">
-          <a:scrgbClr r="0" g="0" b="0"/>
-        </a:effectRef>
-        <a:fontRef idx="minor">
-          <a:schemeClr val="lt1"/>
-        </a:fontRef>
-      </dsp:style>
-      <dsp:txBody>
-        <a:bodyPr spcFirstLastPara="0" vert="horz" wrap="square" lIns="12065" tIns="12065" rIns="12065" bIns="12065" numCol="1" spcCol="1270" anchor="ctr" anchorCtr="0">
-          <a:noAutofit/>
-        </a:bodyPr>
-        <a:lstStyle/>
-        <a:p>
-          <a:pPr lvl="0" algn="ctr" defTabSz="844550">
-            <a:lnSpc>
-              <a:spcPct val="90000"/>
-            </a:lnSpc>
-            <a:spcBef>
-              <a:spcPct val="0"/>
-            </a:spcBef>
-            <a:spcAft>
-              <a:spcPct val="35000"/>
-            </a:spcAft>
-          </a:pPr>
-          <a:r>
-            <a:rPr lang="en-US" sz="1900" kern="1200" dirty="0" smtClean="0"/>
-            <a:t>Converter</a:t>
-          </a:r>
-          <a:endParaRPr lang="ru-RU" sz="1900" kern="1200" dirty="0" smtClean="0"/>
-        </a:p>
-        <a:p>
-          <a:pPr lvl="0" algn="ctr" defTabSz="844550">
-            <a:lnSpc>
-              <a:spcPct val="90000"/>
-            </a:lnSpc>
-            <a:spcBef>
-              <a:spcPct val="0"/>
-            </a:spcBef>
-            <a:spcAft>
-              <a:spcPct val="35000"/>
-            </a:spcAft>
-          </a:pPr>
-          <a:r>
-            <a:rPr lang="en-US" sz="1900" kern="1200" dirty="0" smtClean="0"/>
-            <a:t>JSON</a:t>
-          </a:r>
-          <a:endParaRPr lang="ru-RU" sz="1900" kern="1200" dirty="0"/>
-        </a:p>
-      </dsp:txBody>
-      <dsp:txXfrm>
-        <a:off x="68205" y="653595"/>
-        <a:ext cx="1170002" cy="1170002"/>
-      </dsp:txXfrm>
-    </dsp:sp>
-    <dsp:sp modelId="{1FA1B9C7-0E34-4A44-A18B-216DF888F0C5}">
-      <dsp:nvSpPr>
-        <dsp:cNvPr id="0" name=""/>
-        <dsp:cNvSpPr/>
-      </dsp:nvSpPr>
-      <dsp:spPr>
-        <a:xfrm>
-          <a:off x="4056757" y="105213"/>
-          <a:ext cx="2593181" cy="2266766"/>
-        </a:xfrm>
-        <a:prstGeom prst="rightArrow">
-          <a:avLst>
-            <a:gd name="adj1" fmla="val 70000"/>
-            <a:gd name="adj2" fmla="val 50000"/>
-          </a:avLst>
-        </a:prstGeom>
-        <a:solidFill>
-          <a:schemeClr val="accent1">
-            <a:alpha val="90000"/>
-            <a:tint val="40000"/>
-            <a:hueOff val="0"/>
-            <a:satOff val="0"/>
-            <a:lumOff val="0"/>
-            <a:alphaOff val="0"/>
-          </a:schemeClr>
-        </a:solidFill>
-        <a:ln w="15875" cap="flat" cmpd="sng" algn="ctr">
-          <a:solidFill>
-            <a:schemeClr val="accent1">
-              <a:alpha val="90000"/>
-              <a:tint val="40000"/>
-              <a:hueOff val="0"/>
-              <a:satOff val="0"/>
-              <a:lumOff val="0"/>
-              <a:alphaOff val="0"/>
-            </a:schemeClr>
-          </a:solidFill>
-          <a:prstDash val="solid"/>
-        </a:ln>
-        <a:effectLst/>
-      </dsp:spPr>
-      <dsp:style>
-        <a:lnRef idx="2">
-          <a:scrgbClr r="0" g="0" b="0"/>
-        </a:lnRef>
-        <a:fillRef idx="1">
-          <a:scrgbClr r="0" g="0" b="0"/>
-        </a:fillRef>
-        <a:effectRef idx="0">
-          <a:scrgbClr r="0" g="0" b="0"/>
-        </a:effectRef>
-        <a:fontRef idx="minor"/>
-      </dsp:style>
-      <dsp:txBody>
-        <a:bodyPr spcFirstLastPara="0" vert="horz" wrap="square" lIns="40640" tIns="10160" rIns="20320" bIns="10160" numCol="1" spcCol="1270" anchor="ctr" anchorCtr="0">
-          <a:noAutofit/>
-        </a:bodyPr>
-        <a:lstStyle/>
-        <a:p>
-          <a:pPr lvl="0" algn="ctr" defTabSz="711200">
-            <a:lnSpc>
-              <a:spcPct val="90000"/>
-            </a:lnSpc>
-            <a:spcBef>
-              <a:spcPct val="0"/>
-            </a:spcBef>
-            <a:spcAft>
-              <a:spcPct val="35000"/>
-            </a:spcAft>
-          </a:pPr>
-          <a:r>
-            <a:rPr lang="ru-RU" sz="1600" kern="1200" dirty="0" smtClean="0"/>
-            <a:t>прочитанные документы</a:t>
-          </a:r>
-          <a:endParaRPr lang="ru-RU" sz="1600" kern="1200" dirty="0"/>
-        </a:p>
-      </dsp:txBody>
-      <dsp:txXfrm>
-        <a:off x="4705052" y="445228"/>
-        <a:ext cx="1264175" cy="1586736"/>
-      </dsp:txXfrm>
-    </dsp:sp>
-    <dsp:sp modelId="{0A88A3E8-7701-48D6-969C-59DBA88CA534}">
-      <dsp:nvSpPr>
-        <dsp:cNvPr id="0" name=""/>
-        <dsp:cNvSpPr/>
-      </dsp:nvSpPr>
-      <dsp:spPr>
-        <a:xfrm>
-          <a:off x="3408461" y="590301"/>
-          <a:ext cx="1296590" cy="1296590"/>
-        </a:xfrm>
-        <a:prstGeom prst="roundRect">
-          <a:avLst/>
-        </a:prstGeom>
-        <a:solidFill>
-          <a:schemeClr val="accent1">
-            <a:hueOff val="0"/>
-            <a:satOff val="0"/>
-            <a:lumOff val="0"/>
-            <a:alphaOff val="0"/>
-          </a:schemeClr>
-        </a:solidFill>
-        <a:ln w="15875" cap="flat" cmpd="sng" algn="ctr">
-          <a:solidFill>
-            <a:schemeClr val="lt1">
-              <a:hueOff val="0"/>
-              <a:satOff val="0"/>
-              <a:lumOff val="0"/>
-              <a:alphaOff val="0"/>
-            </a:schemeClr>
-          </a:solidFill>
-          <a:prstDash val="solid"/>
-        </a:ln>
-        <a:effectLst/>
-      </dsp:spPr>
-      <dsp:style>
-        <a:lnRef idx="2">
-          <a:scrgbClr r="0" g="0" b="0"/>
-        </a:lnRef>
-        <a:fillRef idx="1">
-          <a:scrgbClr r="0" g="0" b="0"/>
-        </a:fillRef>
-        <a:effectRef idx="0">
-          <a:scrgbClr r="0" g="0" b="0"/>
-        </a:effectRef>
-        <a:fontRef idx="minor">
-          <a:schemeClr val="lt1"/>
-        </a:fontRef>
-      </dsp:style>
-      <dsp:txBody>
-        <a:bodyPr spcFirstLastPara="0" vert="horz" wrap="square" lIns="12065" tIns="12065" rIns="12065" bIns="12065" numCol="1" spcCol="1270" anchor="ctr" anchorCtr="0">
-          <a:noAutofit/>
-        </a:bodyPr>
-        <a:lstStyle/>
-        <a:p>
-          <a:pPr lvl="0" algn="ctr" defTabSz="844550">
-            <a:lnSpc>
-              <a:spcPct val="90000"/>
-            </a:lnSpc>
-            <a:spcBef>
-              <a:spcPct val="0"/>
-            </a:spcBef>
-            <a:spcAft>
-              <a:spcPct val="35000"/>
-            </a:spcAft>
-          </a:pPr>
-          <a:r>
-            <a:rPr lang="en-US" sz="1900" kern="1200" dirty="0" smtClean="0"/>
-            <a:t>Dispatcher</a:t>
-          </a:r>
-          <a:endParaRPr lang="ru-RU" sz="1900" kern="1200" dirty="0" smtClean="0"/>
-        </a:p>
-        <a:p>
-          <a:pPr lvl="0" algn="ctr" defTabSz="844550">
-            <a:lnSpc>
-              <a:spcPct val="90000"/>
-            </a:lnSpc>
-            <a:spcBef>
-              <a:spcPct val="0"/>
-            </a:spcBef>
-            <a:spcAft>
-              <a:spcPct val="35000"/>
-            </a:spcAft>
-          </a:pPr>
-          <a:r>
-            <a:rPr lang="en-US" sz="1900" kern="1200" dirty="0" smtClean="0"/>
-            <a:t>Operation</a:t>
-          </a:r>
-          <a:endParaRPr lang="ru-RU" sz="1900" kern="1200" dirty="0" smtClean="0"/>
-        </a:p>
-        <a:p>
-          <a:pPr lvl="0" algn="ctr" defTabSz="844550">
-            <a:lnSpc>
-              <a:spcPct val="90000"/>
-            </a:lnSpc>
-            <a:spcBef>
-              <a:spcPct val="0"/>
-            </a:spcBef>
-            <a:spcAft>
-              <a:spcPct val="35000"/>
-            </a:spcAft>
-          </a:pPr>
-          <a:r>
-            <a:rPr lang="en-US" sz="1900" kern="1200" dirty="0" smtClean="0"/>
-            <a:t>Validity</a:t>
-          </a:r>
-          <a:endParaRPr lang="ru-RU" sz="1900" kern="1200" dirty="0"/>
-        </a:p>
-      </dsp:txBody>
-      <dsp:txXfrm>
-        <a:off x="3471755" y="653595"/>
-        <a:ext cx="1170002" cy="1170002"/>
-      </dsp:txXfrm>
-    </dsp:sp>
-    <dsp:sp modelId="{DD91B7DA-3D09-40A2-870E-D63ED550DC00}">
-      <dsp:nvSpPr>
-        <dsp:cNvPr id="0" name=""/>
-        <dsp:cNvSpPr/>
-      </dsp:nvSpPr>
-      <dsp:spPr>
-        <a:xfrm>
-          <a:off x="7460307" y="105213"/>
-          <a:ext cx="2593181" cy="2266766"/>
-        </a:xfrm>
-        <a:prstGeom prst="rightArrow">
-          <a:avLst>
-            <a:gd name="adj1" fmla="val 70000"/>
-            <a:gd name="adj2" fmla="val 50000"/>
-          </a:avLst>
-        </a:prstGeom>
-        <a:solidFill>
-          <a:schemeClr val="accent1">
-            <a:alpha val="90000"/>
-            <a:tint val="40000"/>
-            <a:hueOff val="0"/>
-            <a:satOff val="0"/>
-            <a:lumOff val="0"/>
-            <a:alphaOff val="0"/>
-          </a:schemeClr>
-        </a:solidFill>
-        <a:ln w="15875" cap="flat" cmpd="sng" algn="ctr">
-          <a:solidFill>
-            <a:schemeClr val="accent1">
-              <a:alpha val="90000"/>
-              <a:tint val="40000"/>
-              <a:hueOff val="0"/>
-              <a:satOff val="0"/>
-              <a:lumOff val="0"/>
-              <a:alphaOff val="0"/>
-            </a:schemeClr>
-          </a:solidFill>
-          <a:prstDash val="solid"/>
-        </a:ln>
-        <a:effectLst/>
-      </dsp:spPr>
-      <dsp:style>
-        <a:lnRef idx="2">
-          <a:scrgbClr r="0" g="0" b="0"/>
-        </a:lnRef>
-        <a:fillRef idx="1">
-          <a:scrgbClr r="0" g="0" b="0"/>
-        </a:fillRef>
-        <a:effectRef idx="0">
-          <a:scrgbClr r="0" g="0" b="0"/>
-        </a:effectRef>
-        <a:fontRef idx="minor"/>
-      </dsp:style>
-      <dsp:txBody>
-        <a:bodyPr spcFirstLastPara="0" vert="horz" wrap="square" lIns="40640" tIns="10160" rIns="20320" bIns="10160" numCol="1" spcCol="1270" anchor="ctr" anchorCtr="0">
-          <a:noAutofit/>
-        </a:bodyPr>
-        <a:lstStyle/>
-        <a:p>
-          <a:pPr lvl="0" algn="ctr" defTabSz="711200">
-            <a:lnSpc>
-              <a:spcPct val="90000"/>
-            </a:lnSpc>
-            <a:spcBef>
-              <a:spcPct val="0"/>
-            </a:spcBef>
-            <a:spcAft>
-              <a:spcPct val="35000"/>
-            </a:spcAft>
-          </a:pPr>
-          <a:r>
-            <a:rPr lang="ru-RU" sz="1600" kern="1200" dirty="0" smtClean="0"/>
-            <a:t>ссылка на базу документов</a:t>
-          </a:r>
-          <a:endParaRPr lang="ru-RU" sz="1600" kern="1200" dirty="0"/>
-        </a:p>
-      </dsp:txBody>
-      <dsp:txXfrm>
-        <a:off x="8108602" y="445228"/>
-        <a:ext cx="1264175" cy="1586736"/>
-      </dsp:txXfrm>
-    </dsp:sp>
-    <dsp:sp modelId="{18B87B03-25AC-4DAC-8711-93139D44A946}">
-      <dsp:nvSpPr>
-        <dsp:cNvPr id="0" name=""/>
-        <dsp:cNvSpPr/>
-      </dsp:nvSpPr>
-      <dsp:spPr>
-        <a:xfrm>
-          <a:off x="6812012" y="590301"/>
-          <a:ext cx="1296590" cy="1296590"/>
-        </a:xfrm>
-        <a:prstGeom prst="roundRect">
-          <a:avLst/>
-        </a:prstGeom>
-        <a:solidFill>
-          <a:schemeClr val="accent1">
-            <a:hueOff val="0"/>
-            <a:satOff val="0"/>
-            <a:lumOff val="0"/>
-            <a:alphaOff val="0"/>
-          </a:schemeClr>
-        </a:solidFill>
-        <a:ln w="15875" cap="flat" cmpd="sng" algn="ctr">
-          <a:solidFill>
-            <a:schemeClr val="lt1">
-              <a:hueOff val="0"/>
-              <a:satOff val="0"/>
-              <a:lumOff val="0"/>
-              <a:alphaOff val="0"/>
-            </a:schemeClr>
-          </a:solidFill>
-          <a:prstDash val="solid"/>
-        </a:ln>
-        <a:effectLst/>
-      </dsp:spPr>
-      <dsp:style>
-        <a:lnRef idx="2">
-          <a:scrgbClr r="0" g="0" b="0"/>
-        </a:lnRef>
-        <a:fillRef idx="1">
-          <a:scrgbClr r="0" g="0" b="0"/>
-        </a:fillRef>
-        <a:effectRef idx="0">
-          <a:scrgbClr r="0" g="0" b="0"/>
-        </a:effectRef>
-        <a:fontRef idx="minor">
-          <a:schemeClr val="lt1"/>
-        </a:fontRef>
-      </dsp:style>
-      <dsp:txBody>
-        <a:bodyPr spcFirstLastPara="0" vert="horz" wrap="square" lIns="12065" tIns="12065" rIns="12065" bIns="12065" numCol="1" spcCol="1270" anchor="ctr" anchorCtr="0">
-          <a:noAutofit/>
-        </a:bodyPr>
-        <a:lstStyle/>
-        <a:p>
-          <a:pPr lvl="0" algn="ctr" defTabSz="844550">
-            <a:lnSpc>
-              <a:spcPct val="90000"/>
-            </a:lnSpc>
-            <a:spcBef>
-              <a:spcPct val="0"/>
-            </a:spcBef>
-            <a:spcAft>
-              <a:spcPct val="35000"/>
-            </a:spcAft>
-          </a:pPr>
-          <a:r>
-            <a:rPr lang="en-US" sz="1900" kern="1200" dirty="0" smtClean="0"/>
-            <a:t>Documents</a:t>
-          </a:r>
-          <a:endParaRPr lang="ru-RU" sz="1900" kern="1200" dirty="0"/>
-        </a:p>
-      </dsp:txBody>
-      <dsp:txXfrm>
-        <a:off x="6875306" y="653595"/>
-        <a:ext cx="1170002" cy="1170002"/>
-      </dsp:txXfrm>
-    </dsp:sp>
   </dsp:spTree>
 </dsp:drawing>
 </file>
@@ -18355,342 +14968,6 @@
       <dsp:cNvGrpSpPr/>
     </dsp:nvGrpSpPr>
     <dsp:grpSpPr/>
-    <dsp:sp modelId="{B0B6F61C-C060-4C4C-96BF-4EE40B41E6A0}">
-      <dsp:nvSpPr>
-        <dsp:cNvPr id="0" name=""/>
-        <dsp:cNvSpPr/>
-      </dsp:nvSpPr>
-      <dsp:spPr>
-        <a:xfrm>
-          <a:off x="2804648" y="0"/>
-          <a:ext cx="2101890" cy="1837317"/>
-        </a:xfrm>
-        <a:prstGeom prst="rightArrow">
-          <a:avLst>
-            <a:gd name="adj1" fmla="val 70000"/>
-            <a:gd name="adj2" fmla="val 50000"/>
-          </a:avLst>
-        </a:prstGeom>
-        <a:solidFill>
-          <a:schemeClr val="accent1">
-            <a:alpha val="90000"/>
-            <a:tint val="40000"/>
-            <a:hueOff val="0"/>
-            <a:satOff val="0"/>
-            <a:lumOff val="0"/>
-            <a:alphaOff val="0"/>
-          </a:schemeClr>
-        </a:solidFill>
-        <a:ln w="15875" cap="flat" cmpd="sng" algn="ctr">
-          <a:solidFill>
-            <a:schemeClr val="accent1">
-              <a:alpha val="90000"/>
-              <a:tint val="40000"/>
-              <a:hueOff val="0"/>
-              <a:satOff val="0"/>
-              <a:lumOff val="0"/>
-              <a:alphaOff val="0"/>
-            </a:schemeClr>
-          </a:solidFill>
-          <a:prstDash val="solid"/>
-        </a:ln>
-        <a:effectLst/>
-      </dsp:spPr>
-      <dsp:style>
-        <a:lnRef idx="2">
-          <a:scrgbClr r="0" g="0" b="0"/>
-        </a:lnRef>
-        <a:fillRef idx="1">
-          <a:scrgbClr r="0" g="0" b="0"/>
-        </a:fillRef>
-        <a:effectRef idx="0">
-          <a:scrgbClr r="0" g="0" b="0"/>
-        </a:effectRef>
-        <a:fontRef idx="minor"/>
-      </dsp:style>
-      <dsp:txBody>
-        <a:bodyPr spcFirstLastPara="0" vert="horz" wrap="square" lIns="48260" tIns="12065" rIns="24130" bIns="12065" numCol="1" spcCol="1270" anchor="ctr" anchorCtr="0">
-          <a:noAutofit/>
-        </a:bodyPr>
-        <a:lstStyle/>
-        <a:p>
-          <a:pPr lvl="0" algn="ctr" defTabSz="844550">
-            <a:lnSpc>
-              <a:spcPct val="90000"/>
-            </a:lnSpc>
-            <a:spcBef>
-              <a:spcPct val="0"/>
-            </a:spcBef>
-            <a:spcAft>
-              <a:spcPct val="35000"/>
-            </a:spcAft>
-          </a:pPr>
-          <a:r>
-            <a:rPr lang="ru-RU" sz="1900" kern="1200" dirty="0" smtClean="0"/>
-            <a:t>запросы</a:t>
-          </a:r>
-          <a:endParaRPr lang="ru-RU" sz="1900" kern="1200" dirty="0"/>
-        </a:p>
-      </dsp:txBody>
-      <dsp:txXfrm>
-        <a:off x="3330121" y="275598"/>
-        <a:ext cx="1024671" cy="1286121"/>
-      </dsp:txXfrm>
-    </dsp:sp>
-    <dsp:sp modelId="{E644A287-01BC-4CF5-B466-30846E7BBA7F}">
-      <dsp:nvSpPr>
-        <dsp:cNvPr id="0" name=""/>
-        <dsp:cNvSpPr/>
-      </dsp:nvSpPr>
-      <dsp:spPr>
-        <a:xfrm>
-          <a:off x="2279176" y="393185"/>
-          <a:ext cx="1050945" cy="1050945"/>
-        </a:xfrm>
-        <a:prstGeom prst="roundRect">
-          <a:avLst/>
-        </a:prstGeom>
-        <a:solidFill>
-          <a:schemeClr val="accent1">
-            <a:hueOff val="0"/>
-            <a:satOff val="0"/>
-            <a:lumOff val="0"/>
-            <a:alphaOff val="0"/>
-          </a:schemeClr>
-        </a:solidFill>
-        <a:ln w="15875" cap="flat" cmpd="sng" algn="ctr">
-          <a:solidFill>
-            <a:schemeClr val="lt1">
-              <a:hueOff val="0"/>
-              <a:satOff val="0"/>
-              <a:lumOff val="0"/>
-              <a:alphaOff val="0"/>
-            </a:schemeClr>
-          </a:solidFill>
-          <a:prstDash val="solid"/>
-        </a:ln>
-        <a:effectLst/>
-      </dsp:spPr>
-      <dsp:style>
-        <a:lnRef idx="2">
-          <a:scrgbClr r="0" g="0" b="0"/>
-        </a:lnRef>
-        <a:fillRef idx="1">
-          <a:scrgbClr r="0" g="0" b="0"/>
-        </a:fillRef>
-        <a:effectRef idx="0">
-          <a:scrgbClr r="0" g="0" b="0"/>
-        </a:effectRef>
-        <a:fontRef idx="minor">
-          <a:schemeClr val="lt1"/>
-        </a:fontRef>
-      </dsp:style>
-      <dsp:txBody>
-        <a:bodyPr spcFirstLastPara="0" vert="horz" wrap="square" lIns="11430" tIns="11430" rIns="11430" bIns="11430" numCol="1" spcCol="1270" anchor="ctr" anchorCtr="0">
-          <a:noAutofit/>
-        </a:bodyPr>
-        <a:lstStyle/>
-        <a:p>
-          <a:pPr lvl="0" algn="ctr" defTabSz="800100">
-            <a:lnSpc>
-              <a:spcPct val="90000"/>
-            </a:lnSpc>
-            <a:spcBef>
-              <a:spcPct val="0"/>
-            </a:spcBef>
-            <a:spcAft>
-              <a:spcPct val="35000"/>
-            </a:spcAft>
-          </a:pPr>
-          <a:r>
-            <a:rPr lang="en-US" sz="1800" kern="1200" dirty="0" smtClean="0"/>
-            <a:t>Converter</a:t>
-          </a:r>
-          <a:endParaRPr lang="ru-RU" sz="1800" kern="1200" dirty="0" smtClean="0"/>
-        </a:p>
-        <a:p>
-          <a:pPr lvl="0" algn="ctr" defTabSz="800100">
-            <a:lnSpc>
-              <a:spcPct val="90000"/>
-            </a:lnSpc>
-            <a:spcBef>
-              <a:spcPct val="0"/>
-            </a:spcBef>
-            <a:spcAft>
-              <a:spcPct val="35000"/>
-            </a:spcAft>
-          </a:pPr>
-          <a:r>
-            <a:rPr lang="en-US" sz="1800" kern="1200" dirty="0" smtClean="0"/>
-            <a:t>JSON</a:t>
-          </a:r>
-          <a:endParaRPr lang="ru-RU" sz="1800" kern="1200" dirty="0"/>
-        </a:p>
-      </dsp:txBody>
-      <dsp:txXfrm>
-        <a:off x="2330479" y="444488"/>
-        <a:ext cx="948339" cy="948339"/>
-      </dsp:txXfrm>
-    </dsp:sp>
-    <dsp:sp modelId="{1FA1B9C7-0E34-4A44-A18B-216DF888F0C5}">
-      <dsp:nvSpPr>
-        <dsp:cNvPr id="0" name=""/>
-        <dsp:cNvSpPr/>
-      </dsp:nvSpPr>
-      <dsp:spPr>
-        <a:xfrm>
-          <a:off x="5677333" y="0"/>
-          <a:ext cx="2101890" cy="1837317"/>
-        </a:xfrm>
-        <a:prstGeom prst="rightArrow">
-          <a:avLst>
-            <a:gd name="adj1" fmla="val 70000"/>
-            <a:gd name="adj2" fmla="val 50000"/>
-          </a:avLst>
-        </a:prstGeom>
-        <a:solidFill>
-          <a:schemeClr val="accent1">
-            <a:alpha val="90000"/>
-            <a:tint val="40000"/>
-            <a:hueOff val="0"/>
-            <a:satOff val="0"/>
-            <a:lumOff val="0"/>
-            <a:alphaOff val="0"/>
-          </a:schemeClr>
-        </a:solidFill>
-        <a:ln w="15875" cap="flat" cmpd="sng" algn="ctr">
-          <a:solidFill>
-            <a:schemeClr val="accent1">
-              <a:alpha val="90000"/>
-              <a:tint val="40000"/>
-              <a:hueOff val="0"/>
-              <a:satOff val="0"/>
-              <a:lumOff val="0"/>
-              <a:alphaOff val="0"/>
-            </a:schemeClr>
-          </a:solidFill>
-          <a:prstDash val="solid"/>
-        </a:ln>
-        <a:effectLst/>
-      </dsp:spPr>
-      <dsp:style>
-        <a:lnRef idx="2">
-          <a:scrgbClr r="0" g="0" b="0"/>
-        </a:lnRef>
-        <a:fillRef idx="1">
-          <a:scrgbClr r="0" g="0" b="0"/>
-        </a:fillRef>
-        <a:effectRef idx="0">
-          <a:scrgbClr r="0" g="0" b="0"/>
-        </a:effectRef>
-        <a:fontRef idx="minor"/>
-      </dsp:style>
-      <dsp:txBody>
-        <a:bodyPr spcFirstLastPara="0" vert="horz" wrap="square" lIns="48260" tIns="12065" rIns="24130" bIns="12065" numCol="1" spcCol="1270" anchor="ctr" anchorCtr="0">
-          <a:noAutofit/>
-        </a:bodyPr>
-        <a:lstStyle/>
-        <a:p>
-          <a:pPr lvl="0" algn="ctr" defTabSz="844550">
-            <a:lnSpc>
-              <a:spcPct val="90000"/>
-            </a:lnSpc>
-            <a:spcBef>
-              <a:spcPct val="0"/>
-            </a:spcBef>
-            <a:spcAft>
-              <a:spcPct val="35000"/>
-            </a:spcAft>
-          </a:pPr>
-          <a:r>
-            <a:rPr lang="ru-RU" sz="1900" kern="1200" dirty="0" smtClean="0"/>
-            <a:t>ссылка на базу запросов</a:t>
-          </a:r>
-          <a:endParaRPr lang="ru-RU" sz="1900" kern="1200" dirty="0"/>
-        </a:p>
-      </dsp:txBody>
-      <dsp:txXfrm>
-        <a:off x="6202805" y="275598"/>
-        <a:ext cx="1024671" cy="1286121"/>
-      </dsp:txXfrm>
-    </dsp:sp>
-    <dsp:sp modelId="{0A88A3E8-7701-48D6-969C-59DBA88CA534}">
-      <dsp:nvSpPr>
-        <dsp:cNvPr id="0" name=""/>
-        <dsp:cNvSpPr/>
-      </dsp:nvSpPr>
-      <dsp:spPr>
-        <a:xfrm>
-          <a:off x="5151860" y="393185"/>
-          <a:ext cx="1050945" cy="1050945"/>
-        </a:xfrm>
-        <a:prstGeom prst="roundRect">
-          <a:avLst/>
-        </a:prstGeom>
-        <a:solidFill>
-          <a:schemeClr val="accent1">
-            <a:hueOff val="0"/>
-            <a:satOff val="0"/>
-            <a:lumOff val="0"/>
-            <a:alphaOff val="0"/>
-          </a:schemeClr>
-        </a:solidFill>
-        <a:ln w="15875" cap="flat" cmpd="sng" algn="ctr">
-          <a:solidFill>
-            <a:schemeClr val="lt1">
-              <a:hueOff val="0"/>
-              <a:satOff val="0"/>
-              <a:lumOff val="0"/>
-              <a:alphaOff val="0"/>
-            </a:schemeClr>
-          </a:solidFill>
-          <a:prstDash val="solid"/>
-        </a:ln>
-        <a:effectLst/>
-      </dsp:spPr>
-      <dsp:style>
-        <a:lnRef idx="2">
-          <a:scrgbClr r="0" g="0" b="0"/>
-        </a:lnRef>
-        <a:fillRef idx="1">
-          <a:scrgbClr r="0" g="0" b="0"/>
-        </a:fillRef>
-        <a:effectRef idx="0">
-          <a:scrgbClr r="0" g="0" b="0"/>
-        </a:effectRef>
-        <a:fontRef idx="minor">
-          <a:schemeClr val="lt1"/>
-        </a:fontRef>
-      </dsp:style>
-      <dsp:txBody>
-        <a:bodyPr spcFirstLastPara="0" vert="horz" wrap="square" lIns="11430" tIns="11430" rIns="11430" bIns="11430" numCol="1" spcCol="1270" anchor="ctr" anchorCtr="0">
-          <a:noAutofit/>
-        </a:bodyPr>
-        <a:lstStyle/>
-        <a:p>
-          <a:pPr lvl="0" algn="ctr" defTabSz="800100">
-            <a:lnSpc>
-              <a:spcPct val="90000"/>
-            </a:lnSpc>
-            <a:spcBef>
-              <a:spcPct val="0"/>
-            </a:spcBef>
-            <a:spcAft>
-              <a:spcPct val="35000"/>
-            </a:spcAft>
-          </a:pPr>
-          <a:r>
-            <a:rPr lang="en-US" sz="1800" kern="1200" dirty="0" smtClean="0"/>
-            <a:t>Requests</a:t>
-          </a:r>
-          <a:endParaRPr lang="ru-RU" sz="1800" kern="1200" dirty="0"/>
-        </a:p>
-      </dsp:txBody>
-      <dsp:txXfrm>
-        <a:off x="5203163" y="444488"/>
-        <a:ext cx="948339" cy="948339"/>
-      </dsp:txXfrm>
-    </dsp:sp>
   </dsp:spTree>
 </dsp:drawing>
 </file>
@@ -18703,360 +14980,6 @@
       <dsp:cNvGrpSpPr/>
     </dsp:nvGrpSpPr>
     <dsp:grpSpPr/>
-    <dsp:sp modelId="{B0B6F61C-C060-4C4C-96BF-4EE40B41E6A0}">
-      <dsp:nvSpPr>
-        <dsp:cNvPr id="0" name=""/>
-        <dsp:cNvSpPr/>
-      </dsp:nvSpPr>
-      <dsp:spPr>
-        <a:xfrm>
-          <a:off x="2766612" y="0"/>
-          <a:ext cx="2139927" cy="1870566"/>
-        </a:xfrm>
-        <a:prstGeom prst="rightArrow">
-          <a:avLst>
-            <a:gd name="adj1" fmla="val 70000"/>
-            <a:gd name="adj2" fmla="val 50000"/>
-          </a:avLst>
-        </a:prstGeom>
-        <a:solidFill>
-          <a:schemeClr val="accent1">
-            <a:alpha val="90000"/>
-            <a:tint val="40000"/>
-            <a:hueOff val="0"/>
-            <a:satOff val="0"/>
-            <a:lumOff val="0"/>
-            <a:alphaOff val="0"/>
-          </a:schemeClr>
-        </a:solidFill>
-        <a:ln w="15875" cap="flat" cmpd="sng" algn="ctr">
-          <a:solidFill>
-            <a:schemeClr val="accent1">
-              <a:alpha val="90000"/>
-              <a:tint val="40000"/>
-              <a:hueOff val="0"/>
-              <a:satOff val="0"/>
-              <a:lumOff val="0"/>
-              <a:alphaOff val="0"/>
-            </a:schemeClr>
-          </a:solidFill>
-          <a:prstDash val="solid"/>
-        </a:ln>
-        <a:effectLst/>
-      </dsp:spPr>
-      <dsp:style>
-        <a:lnRef idx="2">
-          <a:scrgbClr r="0" g="0" b="0"/>
-        </a:lnRef>
-        <a:fillRef idx="1">
-          <a:scrgbClr r="0" g="0" b="0"/>
-        </a:fillRef>
-        <a:effectRef idx="0">
-          <a:scrgbClr r="0" g="0" b="0"/>
-        </a:effectRef>
-        <a:fontRef idx="minor"/>
-      </dsp:style>
-      <dsp:txBody>
-        <a:bodyPr spcFirstLastPara="0" vert="horz" wrap="square" lIns="30480" tIns="7620" rIns="15240" bIns="7620" numCol="1" spcCol="1270" anchor="ctr" anchorCtr="0">
-          <a:noAutofit/>
-        </a:bodyPr>
-        <a:lstStyle/>
-        <a:p>
-          <a:pPr lvl="0" algn="ctr" defTabSz="533400">
-            <a:lnSpc>
-              <a:spcPct val="90000"/>
-            </a:lnSpc>
-            <a:spcBef>
-              <a:spcPct val="0"/>
-            </a:spcBef>
-            <a:spcAft>
-              <a:spcPct val="35000"/>
-            </a:spcAft>
-          </a:pPr>
-          <a:r>
-            <a:rPr lang="ru-RU" sz="1200" kern="1200" dirty="0" smtClean="0"/>
-            <a:t>рассчитать релевантность ответов</a:t>
-          </a:r>
-          <a:endParaRPr lang="ru-RU" sz="1200" kern="1200" dirty="0"/>
-        </a:p>
-      </dsp:txBody>
-      <dsp:txXfrm>
-        <a:off x="3301593" y="280585"/>
-        <a:ext cx="1043214" cy="1309396"/>
-      </dsp:txXfrm>
-    </dsp:sp>
-    <dsp:sp modelId="{E644A287-01BC-4CF5-B466-30846E7BBA7F}">
-      <dsp:nvSpPr>
-        <dsp:cNvPr id="0" name=""/>
-        <dsp:cNvSpPr/>
-      </dsp:nvSpPr>
-      <dsp:spPr>
-        <a:xfrm>
-          <a:off x="2231630" y="400301"/>
-          <a:ext cx="1069963" cy="1069963"/>
-        </a:xfrm>
-        <a:prstGeom prst="ellipse">
-          <a:avLst/>
-        </a:prstGeom>
-        <a:solidFill>
-          <a:schemeClr val="accent1">
-            <a:hueOff val="0"/>
-            <a:satOff val="0"/>
-            <a:lumOff val="0"/>
-            <a:alphaOff val="0"/>
-          </a:schemeClr>
-        </a:solidFill>
-        <a:ln w="15875" cap="flat" cmpd="sng" algn="ctr">
-          <a:solidFill>
-            <a:schemeClr val="lt1">
-              <a:hueOff val="0"/>
-              <a:satOff val="0"/>
-              <a:lumOff val="0"/>
-              <a:alphaOff val="0"/>
-            </a:schemeClr>
-          </a:solidFill>
-          <a:prstDash val="solid"/>
-        </a:ln>
-        <a:effectLst/>
-      </dsp:spPr>
-      <dsp:style>
-        <a:lnRef idx="2">
-          <a:scrgbClr r="0" g="0" b="0"/>
-        </a:lnRef>
-        <a:fillRef idx="1">
-          <a:scrgbClr r="0" g="0" b="0"/>
-        </a:fillRef>
-        <a:effectRef idx="0">
-          <a:scrgbClr r="0" g="0" b="0"/>
-        </a:effectRef>
-        <a:fontRef idx="minor">
-          <a:schemeClr val="lt1"/>
-        </a:fontRef>
-      </dsp:style>
-      <dsp:txBody>
-        <a:bodyPr spcFirstLastPara="0" vert="horz" wrap="square" lIns="8890" tIns="8890" rIns="8890" bIns="8890" numCol="1" spcCol="1270" anchor="ctr" anchorCtr="0">
-          <a:noAutofit/>
-        </a:bodyPr>
-        <a:lstStyle/>
-        <a:p>
-          <a:pPr lvl="0" algn="ctr" defTabSz="622300">
-            <a:lnSpc>
-              <a:spcPct val="90000"/>
-            </a:lnSpc>
-            <a:spcBef>
-              <a:spcPct val="0"/>
-            </a:spcBef>
-            <a:spcAft>
-              <a:spcPct val="35000"/>
-            </a:spcAft>
-          </a:pPr>
-          <a:r>
-            <a:rPr lang="en-US" sz="1400" kern="1200" dirty="0" smtClean="0"/>
-            <a:t>Search</a:t>
-          </a:r>
-          <a:endParaRPr lang="ru-RU" sz="1400" kern="1200" dirty="0" smtClean="0"/>
-        </a:p>
-        <a:p>
-          <a:pPr lvl="0" algn="ctr" defTabSz="622300">
-            <a:lnSpc>
-              <a:spcPct val="90000"/>
-            </a:lnSpc>
-            <a:spcBef>
-              <a:spcPct val="0"/>
-            </a:spcBef>
-            <a:spcAft>
-              <a:spcPct val="35000"/>
-            </a:spcAft>
-          </a:pPr>
-          <a:r>
-            <a:rPr lang="en-US" sz="1400" kern="1200" dirty="0" smtClean="0"/>
-            <a:t>Engine</a:t>
-          </a:r>
-          <a:endParaRPr lang="ru-RU" sz="1400" kern="1200" dirty="0"/>
-        </a:p>
-      </dsp:txBody>
-      <dsp:txXfrm>
-        <a:off x="2388322" y="556993"/>
-        <a:ext cx="756579" cy="756579"/>
-      </dsp:txXfrm>
-    </dsp:sp>
-    <dsp:sp modelId="{1FA1B9C7-0E34-4A44-A18B-216DF888F0C5}">
-      <dsp:nvSpPr>
-        <dsp:cNvPr id="0" name=""/>
-        <dsp:cNvSpPr/>
-      </dsp:nvSpPr>
-      <dsp:spPr>
-        <a:xfrm>
-          <a:off x="5686842" y="0"/>
-          <a:ext cx="2139927" cy="1870566"/>
-        </a:xfrm>
-        <a:prstGeom prst="rightArrow">
-          <a:avLst>
-            <a:gd name="adj1" fmla="val 70000"/>
-            <a:gd name="adj2" fmla="val 50000"/>
-          </a:avLst>
-        </a:prstGeom>
-        <a:solidFill>
-          <a:schemeClr val="accent1">
-            <a:alpha val="90000"/>
-            <a:tint val="40000"/>
-            <a:hueOff val="0"/>
-            <a:satOff val="0"/>
-            <a:lumOff val="0"/>
-            <a:alphaOff val="0"/>
-          </a:schemeClr>
-        </a:solidFill>
-        <a:ln w="15875" cap="flat" cmpd="sng" algn="ctr">
-          <a:solidFill>
-            <a:schemeClr val="accent1">
-              <a:alpha val="90000"/>
-              <a:tint val="40000"/>
-              <a:hueOff val="0"/>
-              <a:satOff val="0"/>
-              <a:lumOff val="0"/>
-              <a:alphaOff val="0"/>
-            </a:schemeClr>
-          </a:solidFill>
-          <a:prstDash val="solid"/>
-        </a:ln>
-        <a:effectLst/>
-      </dsp:spPr>
-      <dsp:style>
-        <a:lnRef idx="2">
-          <a:scrgbClr r="0" g="0" b="0"/>
-        </a:lnRef>
-        <a:fillRef idx="1">
-          <a:scrgbClr r="0" g="0" b="0"/>
-        </a:fillRef>
-        <a:effectRef idx="0">
-          <a:scrgbClr r="0" g="0" b="0"/>
-        </a:effectRef>
-        <a:fontRef idx="minor"/>
-      </dsp:style>
-      <dsp:txBody>
-        <a:bodyPr spcFirstLastPara="0" vert="horz" wrap="square" lIns="30480" tIns="7620" rIns="15240" bIns="7620" numCol="1" spcCol="1270" anchor="ctr" anchorCtr="0">
-          <a:noAutofit/>
-        </a:bodyPr>
-        <a:lstStyle/>
-        <a:p>
-          <a:pPr lvl="0" algn="ctr" defTabSz="533400">
-            <a:lnSpc>
-              <a:spcPct val="90000"/>
-            </a:lnSpc>
-            <a:spcBef>
-              <a:spcPct val="0"/>
-            </a:spcBef>
-            <a:spcAft>
-              <a:spcPct val="35000"/>
-            </a:spcAft>
-          </a:pPr>
-          <a:r>
-            <a:rPr lang="ru-RU" sz="1200" kern="1200" dirty="0" smtClean="0"/>
-            <a:t>ссылка на базу релевантности ответов</a:t>
-          </a:r>
-          <a:endParaRPr lang="ru-RU" sz="1200" kern="1200" dirty="0"/>
-        </a:p>
-      </dsp:txBody>
-      <dsp:txXfrm>
-        <a:off x="6221824" y="280585"/>
-        <a:ext cx="1043214" cy="1309396"/>
-      </dsp:txXfrm>
-    </dsp:sp>
-    <dsp:sp modelId="{0A88A3E8-7701-48D6-969C-59DBA88CA534}">
-      <dsp:nvSpPr>
-        <dsp:cNvPr id="0" name=""/>
-        <dsp:cNvSpPr/>
-      </dsp:nvSpPr>
-      <dsp:spPr>
-        <a:xfrm>
-          <a:off x="5151860" y="400301"/>
-          <a:ext cx="1069963" cy="1069963"/>
-        </a:xfrm>
-        <a:prstGeom prst="ellipse">
-          <a:avLst/>
-        </a:prstGeom>
-        <a:solidFill>
-          <a:schemeClr val="accent1">
-            <a:hueOff val="0"/>
-            <a:satOff val="0"/>
-            <a:lumOff val="0"/>
-            <a:alphaOff val="0"/>
-          </a:schemeClr>
-        </a:solidFill>
-        <a:ln w="15875" cap="flat" cmpd="sng" algn="ctr">
-          <a:solidFill>
-            <a:schemeClr val="lt1">
-              <a:hueOff val="0"/>
-              <a:satOff val="0"/>
-              <a:lumOff val="0"/>
-              <a:alphaOff val="0"/>
-            </a:schemeClr>
-          </a:solidFill>
-          <a:prstDash val="solid"/>
-        </a:ln>
-        <a:effectLst/>
-      </dsp:spPr>
-      <dsp:style>
-        <a:lnRef idx="2">
-          <a:scrgbClr r="0" g="0" b="0"/>
-        </a:lnRef>
-        <a:fillRef idx="1">
-          <a:scrgbClr r="0" g="0" b="0"/>
-        </a:fillRef>
-        <a:effectRef idx="0">
-          <a:scrgbClr r="0" g="0" b="0"/>
-        </a:effectRef>
-        <a:fontRef idx="minor">
-          <a:schemeClr val="lt1"/>
-        </a:fontRef>
-      </dsp:style>
-      <dsp:txBody>
-        <a:bodyPr spcFirstLastPara="0" vert="horz" wrap="square" lIns="8890" tIns="8890" rIns="8890" bIns="8890" numCol="1" spcCol="1270" anchor="ctr" anchorCtr="0">
-          <a:noAutofit/>
-        </a:bodyPr>
-        <a:lstStyle/>
-        <a:p>
-          <a:pPr lvl="0" algn="ctr" defTabSz="622300">
-            <a:lnSpc>
-              <a:spcPct val="90000"/>
-            </a:lnSpc>
-            <a:spcBef>
-              <a:spcPct val="0"/>
-            </a:spcBef>
-            <a:spcAft>
-              <a:spcPct val="35000"/>
-            </a:spcAft>
-          </a:pPr>
-          <a:r>
-            <a:rPr lang="en-US" sz="1400" kern="1200" dirty="0" smtClean="0"/>
-            <a:t>Relevant</a:t>
-          </a:r>
-          <a:endParaRPr lang="ru-RU" sz="1400" kern="1200" dirty="0" smtClean="0"/>
-        </a:p>
-        <a:p>
-          <a:pPr lvl="0" algn="ctr" defTabSz="622300">
-            <a:lnSpc>
-              <a:spcPct val="90000"/>
-            </a:lnSpc>
-            <a:spcBef>
-              <a:spcPct val="0"/>
-            </a:spcBef>
-            <a:spcAft>
-              <a:spcPct val="35000"/>
-            </a:spcAft>
-          </a:pPr>
-          <a:r>
-            <a:rPr lang="en-US" sz="1400" kern="1200" dirty="0" smtClean="0"/>
-            <a:t>Response</a:t>
-          </a:r>
-          <a:endParaRPr lang="ru-RU" sz="1400" kern="1200" dirty="0"/>
-        </a:p>
-      </dsp:txBody>
-      <dsp:txXfrm>
-        <a:off x="5308552" y="556993"/>
-        <a:ext cx="756579" cy="756579"/>
-      </dsp:txXfrm>
-    </dsp:sp>
   </dsp:spTree>
 </dsp:drawing>
 </file>
@@ -19069,359 +14992,6 @@
       <dsp:cNvGrpSpPr/>
     </dsp:nvGrpSpPr>
     <dsp:grpSpPr/>
-    <dsp:sp modelId="{B0B6F61C-C060-4C4C-96BF-4EE40B41E6A0}">
-      <dsp:nvSpPr>
-        <dsp:cNvPr id="0" name=""/>
-        <dsp:cNvSpPr/>
-      </dsp:nvSpPr>
-      <dsp:spPr>
-        <a:xfrm>
-          <a:off x="2739272" y="0"/>
-          <a:ext cx="2167266" cy="1894464"/>
-        </a:xfrm>
-        <a:prstGeom prst="rightArrow">
-          <a:avLst>
-            <a:gd name="adj1" fmla="val 70000"/>
-            <a:gd name="adj2" fmla="val 50000"/>
-          </a:avLst>
-        </a:prstGeom>
-        <a:solidFill>
-          <a:schemeClr val="accent1">
-            <a:alpha val="90000"/>
-            <a:tint val="40000"/>
-            <a:hueOff val="0"/>
-            <a:satOff val="0"/>
-            <a:lumOff val="0"/>
-            <a:alphaOff val="0"/>
-          </a:schemeClr>
-        </a:solidFill>
-        <a:ln w="15875" cap="flat" cmpd="sng" algn="ctr">
-          <a:solidFill>
-            <a:schemeClr val="accent1">
-              <a:alpha val="90000"/>
-              <a:tint val="40000"/>
-              <a:hueOff val="0"/>
-              <a:satOff val="0"/>
-              <a:lumOff val="0"/>
-              <a:alphaOff val="0"/>
-            </a:schemeClr>
-          </a:solidFill>
-          <a:prstDash val="solid"/>
-        </a:ln>
-        <a:effectLst/>
-      </dsp:spPr>
-      <dsp:style>
-        <a:lnRef idx="2">
-          <a:scrgbClr r="0" g="0" b="0"/>
-        </a:lnRef>
-        <a:fillRef idx="1">
-          <a:scrgbClr r="0" g="0" b="0"/>
-        </a:fillRef>
-        <a:effectRef idx="0">
-          <a:scrgbClr r="0" g="0" b="0"/>
-        </a:effectRef>
-        <a:fontRef idx="minor"/>
-      </dsp:style>
-      <dsp:txBody>
-        <a:bodyPr spcFirstLastPara="0" vert="horz" wrap="square" lIns="25400" tIns="6350" rIns="12700" bIns="6350" numCol="1" spcCol="1270" anchor="ctr" anchorCtr="0">
-          <a:noAutofit/>
-        </a:bodyPr>
-        <a:lstStyle/>
-        <a:p>
-          <a:pPr lvl="0" algn="ctr" defTabSz="444500">
-            <a:lnSpc>
-              <a:spcPct val="90000"/>
-            </a:lnSpc>
-            <a:spcBef>
-              <a:spcPct val="0"/>
-            </a:spcBef>
-            <a:spcAft>
-              <a:spcPct val="35000"/>
-            </a:spcAft>
-          </a:pPr>
-          <a:r>
-            <a:rPr lang="ru-RU" sz="1000" kern="1200" dirty="0" smtClean="0"/>
-            <a:t>обновить базу инвертированных индексов</a:t>
-          </a:r>
-          <a:endParaRPr lang="ru-RU" sz="1000" kern="1200" dirty="0"/>
-        </a:p>
-      </dsp:txBody>
-      <dsp:txXfrm>
-        <a:off x="3281089" y="284170"/>
-        <a:ext cx="1056543" cy="1326124"/>
-      </dsp:txXfrm>
-    </dsp:sp>
-    <dsp:sp modelId="{E644A287-01BC-4CF5-B466-30846E7BBA7F}">
-      <dsp:nvSpPr>
-        <dsp:cNvPr id="0" name=""/>
-        <dsp:cNvSpPr/>
-      </dsp:nvSpPr>
-      <dsp:spPr>
-        <a:xfrm>
-          <a:off x="2197456" y="405415"/>
-          <a:ext cx="1083633" cy="1083633"/>
-        </a:xfrm>
-        <a:prstGeom prst="ellipse">
-          <a:avLst/>
-        </a:prstGeom>
-        <a:solidFill>
-          <a:schemeClr val="accent1">
-            <a:hueOff val="0"/>
-            <a:satOff val="0"/>
-            <a:lumOff val="0"/>
-            <a:alphaOff val="0"/>
-          </a:schemeClr>
-        </a:solidFill>
-        <a:ln w="15875" cap="flat" cmpd="sng" algn="ctr">
-          <a:solidFill>
-            <a:schemeClr val="lt1">
-              <a:hueOff val="0"/>
-              <a:satOff val="0"/>
-              <a:lumOff val="0"/>
-              <a:alphaOff val="0"/>
-            </a:schemeClr>
-          </a:solidFill>
-          <a:prstDash val="solid"/>
-        </a:ln>
-        <a:effectLst/>
-      </dsp:spPr>
-      <dsp:style>
-        <a:lnRef idx="2">
-          <a:scrgbClr r="0" g="0" b="0"/>
-        </a:lnRef>
-        <a:fillRef idx="1">
-          <a:scrgbClr r="0" g="0" b="0"/>
-        </a:fillRef>
-        <a:effectRef idx="0">
-          <a:scrgbClr r="0" g="0" b="0"/>
-        </a:effectRef>
-        <a:fontRef idx="minor">
-          <a:schemeClr val="lt1"/>
-        </a:fontRef>
-      </dsp:style>
-      <dsp:txBody>
-        <a:bodyPr spcFirstLastPara="0" vert="horz" wrap="square" lIns="10795" tIns="10795" rIns="10795" bIns="10795" numCol="1" spcCol="1270" anchor="ctr" anchorCtr="0">
-          <a:noAutofit/>
-        </a:bodyPr>
-        <a:lstStyle/>
-        <a:p>
-          <a:pPr lvl="0" algn="ctr" defTabSz="755650">
-            <a:lnSpc>
-              <a:spcPct val="90000"/>
-            </a:lnSpc>
-            <a:spcBef>
-              <a:spcPct val="0"/>
-            </a:spcBef>
-            <a:spcAft>
-              <a:spcPct val="35000"/>
-            </a:spcAft>
-          </a:pPr>
-          <a:r>
-            <a:rPr lang="en-US" sz="1700" kern="1200" dirty="0" smtClean="0"/>
-            <a:t>Search</a:t>
-          </a:r>
-          <a:endParaRPr lang="ru-RU" sz="1700" kern="1200" dirty="0" smtClean="0"/>
-        </a:p>
-        <a:p>
-          <a:pPr lvl="0" algn="ctr" defTabSz="755650">
-            <a:lnSpc>
-              <a:spcPct val="90000"/>
-            </a:lnSpc>
-            <a:spcBef>
-              <a:spcPct val="0"/>
-            </a:spcBef>
-            <a:spcAft>
-              <a:spcPct val="35000"/>
-            </a:spcAft>
-          </a:pPr>
-          <a:r>
-            <a:rPr lang="en-US" sz="1700" kern="1200" dirty="0" smtClean="0"/>
-            <a:t>Engine</a:t>
-          </a:r>
-          <a:endParaRPr lang="ru-RU" sz="1700" kern="1200" dirty="0"/>
-        </a:p>
-      </dsp:txBody>
-      <dsp:txXfrm>
-        <a:off x="2356150" y="564109"/>
-        <a:ext cx="766245" cy="766245"/>
-      </dsp:txXfrm>
-    </dsp:sp>
-    <dsp:sp modelId="{1FA1B9C7-0E34-4A44-A18B-216DF888F0C5}">
-      <dsp:nvSpPr>
-        <dsp:cNvPr id="0" name=""/>
-        <dsp:cNvSpPr/>
-      </dsp:nvSpPr>
-      <dsp:spPr>
-        <a:xfrm>
-          <a:off x="5693677" y="0"/>
-          <a:ext cx="2167266" cy="1894464"/>
-        </a:xfrm>
-        <a:prstGeom prst="rightArrow">
-          <a:avLst>
-            <a:gd name="adj1" fmla="val 70000"/>
-            <a:gd name="adj2" fmla="val 50000"/>
-          </a:avLst>
-        </a:prstGeom>
-        <a:solidFill>
-          <a:schemeClr val="accent1">
-            <a:alpha val="90000"/>
-            <a:tint val="40000"/>
-            <a:hueOff val="0"/>
-            <a:satOff val="0"/>
-            <a:lumOff val="0"/>
-            <a:alphaOff val="0"/>
-          </a:schemeClr>
-        </a:solidFill>
-        <a:ln w="15875" cap="flat" cmpd="sng" algn="ctr">
-          <a:solidFill>
-            <a:schemeClr val="accent1">
-              <a:alpha val="90000"/>
-              <a:tint val="40000"/>
-              <a:hueOff val="0"/>
-              <a:satOff val="0"/>
-              <a:lumOff val="0"/>
-              <a:alphaOff val="0"/>
-            </a:schemeClr>
-          </a:solidFill>
-          <a:prstDash val="solid"/>
-        </a:ln>
-        <a:effectLst/>
-      </dsp:spPr>
-      <dsp:style>
-        <a:lnRef idx="2">
-          <a:scrgbClr r="0" g="0" b="0"/>
-        </a:lnRef>
-        <a:fillRef idx="1">
-          <a:scrgbClr r="0" g="0" b="0"/>
-        </a:fillRef>
-        <a:effectRef idx="0">
-          <a:scrgbClr r="0" g="0" b="0"/>
-        </a:effectRef>
-        <a:fontRef idx="minor"/>
-      </dsp:style>
-      <dsp:txBody>
-        <a:bodyPr spcFirstLastPara="0" vert="horz" wrap="square" lIns="25400" tIns="6350" rIns="12700" bIns="6350" numCol="1" spcCol="1270" anchor="ctr" anchorCtr="0">
-          <a:noAutofit/>
-        </a:bodyPr>
-        <a:lstStyle/>
-        <a:p>
-          <a:pPr lvl="0" algn="ctr" defTabSz="444500">
-            <a:lnSpc>
-              <a:spcPct val="90000"/>
-            </a:lnSpc>
-            <a:spcBef>
-              <a:spcPct val="0"/>
-            </a:spcBef>
-            <a:spcAft>
-              <a:spcPct val="35000"/>
-            </a:spcAft>
-          </a:pPr>
-          <a:r>
-            <a:rPr lang="ru-RU" sz="1000" kern="1200" dirty="0" smtClean="0"/>
-            <a:t>ссылка на базу инвертированных индексов</a:t>
-          </a:r>
-          <a:endParaRPr lang="ru-RU" sz="1000" kern="1200" dirty="0"/>
-        </a:p>
-      </dsp:txBody>
-      <dsp:txXfrm>
-        <a:off x="6235493" y="284170"/>
-        <a:ext cx="1056543" cy="1326124"/>
-      </dsp:txXfrm>
-    </dsp:sp>
-    <dsp:sp modelId="{0A88A3E8-7701-48D6-969C-59DBA88CA534}">
-      <dsp:nvSpPr>
-        <dsp:cNvPr id="0" name=""/>
-        <dsp:cNvSpPr/>
-      </dsp:nvSpPr>
-      <dsp:spPr>
-        <a:xfrm>
-          <a:off x="5151860" y="405415"/>
-          <a:ext cx="1083633" cy="1083633"/>
-        </a:xfrm>
-        <a:prstGeom prst="ellipse">
-          <a:avLst/>
-        </a:prstGeom>
-        <a:solidFill>
-          <a:schemeClr val="accent1">
-            <a:hueOff val="0"/>
-            <a:satOff val="0"/>
-            <a:lumOff val="0"/>
-            <a:alphaOff val="0"/>
-          </a:schemeClr>
-        </a:solidFill>
-        <a:ln w="15875" cap="flat" cmpd="sng" algn="ctr">
-          <a:solidFill>
-            <a:schemeClr val="lt1">
-              <a:hueOff val="0"/>
-              <a:satOff val="0"/>
-              <a:lumOff val="0"/>
-              <a:alphaOff val="0"/>
-            </a:schemeClr>
-          </a:solidFill>
-          <a:prstDash val="solid"/>
-        </a:ln>
-        <a:effectLst/>
-      </dsp:spPr>
-      <dsp:style>
-        <a:lnRef idx="2">
-          <a:scrgbClr r="0" g="0" b="0"/>
-        </a:lnRef>
-        <a:fillRef idx="1">
-          <a:scrgbClr r="0" g="0" b="0"/>
-        </a:fillRef>
-        <a:effectRef idx="0">
-          <a:scrgbClr r="0" g="0" b="0"/>
-        </a:effectRef>
-        <a:fontRef idx="minor">
-          <a:schemeClr val="lt1"/>
-        </a:fontRef>
-      </dsp:style>
-      <dsp:txBody>
-        <a:bodyPr spcFirstLastPara="0" vert="horz" wrap="square" lIns="10795" tIns="10795" rIns="10795" bIns="10795" numCol="1" spcCol="1270" anchor="ctr" anchorCtr="0">
-          <a:noAutofit/>
-        </a:bodyPr>
-        <a:lstStyle/>
-        <a:p>
-          <a:pPr lvl="0" algn="ctr" defTabSz="755650">
-            <a:lnSpc>
-              <a:spcPct val="90000"/>
-            </a:lnSpc>
-            <a:spcBef>
-              <a:spcPct val="0"/>
-            </a:spcBef>
-            <a:spcAft>
-              <a:spcPct val="35000"/>
-            </a:spcAft>
-          </a:pPr>
-          <a:r>
-            <a:rPr lang="en-US" sz="1700" kern="1200" dirty="0" smtClean="0"/>
-            <a:t>Inverted</a:t>
-          </a:r>
-        </a:p>
-        <a:p>
-          <a:pPr lvl="0" algn="ctr" defTabSz="755650">
-            <a:lnSpc>
-              <a:spcPct val="90000"/>
-            </a:lnSpc>
-            <a:spcBef>
-              <a:spcPct val="0"/>
-            </a:spcBef>
-            <a:spcAft>
-              <a:spcPct val="35000"/>
-            </a:spcAft>
-          </a:pPr>
-          <a:r>
-            <a:rPr lang="en-US" sz="1700" kern="1200" dirty="0" smtClean="0"/>
-            <a:t>Index</a:t>
-          </a:r>
-          <a:endParaRPr lang="ru-RU" sz="1700" kern="1200" dirty="0"/>
-        </a:p>
-      </dsp:txBody>
-      <dsp:txXfrm>
-        <a:off x="5310554" y="564109"/>
-        <a:ext cx="766245" cy="766245"/>
-      </dsp:txXfrm>
-    </dsp:sp>
   </dsp:spTree>
 </dsp:drawing>
 </file>
@@ -19434,531 +15004,6 @@
       <dsp:cNvGrpSpPr/>
     </dsp:nvGrpSpPr>
     <dsp:grpSpPr/>
-    <dsp:sp modelId="{B0B6F61C-C060-4C4C-96BF-4EE40B41E6A0}">
-      <dsp:nvSpPr>
-        <dsp:cNvPr id="0" name=""/>
-        <dsp:cNvSpPr/>
-      </dsp:nvSpPr>
-      <dsp:spPr>
-        <a:xfrm>
-          <a:off x="1930764" y="0"/>
-          <a:ext cx="1807086" cy="1579621"/>
-        </a:xfrm>
-        <a:prstGeom prst="rightArrow">
-          <a:avLst>
-            <a:gd name="adj1" fmla="val 70000"/>
-            <a:gd name="adj2" fmla="val 50000"/>
-          </a:avLst>
-        </a:prstGeom>
-        <a:solidFill>
-          <a:schemeClr val="accent1">
-            <a:alpha val="90000"/>
-            <a:tint val="40000"/>
-            <a:hueOff val="0"/>
-            <a:satOff val="0"/>
-            <a:lumOff val="0"/>
-            <a:alphaOff val="0"/>
-          </a:schemeClr>
-        </a:solidFill>
-        <a:ln w="15875" cap="flat" cmpd="sng" algn="ctr">
-          <a:solidFill>
-            <a:schemeClr val="accent1">
-              <a:alpha val="90000"/>
-              <a:tint val="40000"/>
-              <a:hueOff val="0"/>
-              <a:satOff val="0"/>
-              <a:lumOff val="0"/>
-              <a:alphaOff val="0"/>
-            </a:schemeClr>
-          </a:solidFill>
-          <a:prstDash val="solid"/>
-        </a:ln>
-        <a:effectLst/>
-      </dsp:spPr>
-      <dsp:style>
-        <a:lnRef idx="2">
-          <a:scrgbClr r="0" g="0" b="0"/>
-        </a:lnRef>
-        <a:fillRef idx="1">
-          <a:scrgbClr r="0" g="0" b="0"/>
-        </a:fillRef>
-        <a:effectRef idx="0">
-          <a:scrgbClr r="0" g="0" b="0"/>
-        </a:effectRef>
-        <a:fontRef idx="minor"/>
-      </dsp:style>
-      <dsp:txBody>
-        <a:bodyPr spcFirstLastPara="0" vert="horz" wrap="square" lIns="40640" tIns="10160" rIns="20320" bIns="10160" numCol="1" spcCol="1270" anchor="ctr" anchorCtr="0">
-          <a:noAutofit/>
-        </a:bodyPr>
-        <a:lstStyle/>
-        <a:p>
-          <a:pPr lvl="0" algn="ctr" defTabSz="711200">
-            <a:lnSpc>
-              <a:spcPct val="90000"/>
-            </a:lnSpc>
-            <a:spcBef>
-              <a:spcPct val="0"/>
-            </a:spcBef>
-            <a:spcAft>
-              <a:spcPct val="35000"/>
-            </a:spcAft>
-          </a:pPr>
-          <a:r>
-            <a:rPr lang="ru-RU" sz="1600" kern="1200" dirty="0" smtClean="0"/>
-            <a:t>получить </a:t>
-          </a:r>
-          <a:r>
-            <a:rPr lang="en-US" sz="1600" kern="1200" dirty="0" smtClean="0"/>
-            <a:t>JSON-</a:t>
-          </a:r>
-          <a:r>
-            <a:rPr lang="ru-RU" sz="1600" kern="1200" dirty="0" smtClean="0"/>
-            <a:t>объект ответов</a:t>
-          </a:r>
-          <a:endParaRPr lang="ru-RU" sz="1600" kern="1200" dirty="0"/>
-        </a:p>
-      </dsp:txBody>
-      <dsp:txXfrm>
-        <a:off x="2382535" y="236943"/>
-        <a:ext cx="880954" cy="1105735"/>
-      </dsp:txXfrm>
-    </dsp:sp>
-    <dsp:sp modelId="{E644A287-01BC-4CF5-B466-30846E7BBA7F}">
-      <dsp:nvSpPr>
-        <dsp:cNvPr id="0" name=""/>
-        <dsp:cNvSpPr/>
-      </dsp:nvSpPr>
-      <dsp:spPr>
-        <a:xfrm>
-          <a:off x="1478992" y="338038"/>
-          <a:ext cx="903543" cy="903543"/>
-        </a:xfrm>
-        <a:prstGeom prst="ellipse">
-          <a:avLst/>
-        </a:prstGeom>
-        <a:solidFill>
-          <a:schemeClr val="accent1">
-            <a:hueOff val="0"/>
-            <a:satOff val="0"/>
-            <a:lumOff val="0"/>
-            <a:alphaOff val="0"/>
-          </a:schemeClr>
-        </a:solidFill>
-        <a:ln w="15875" cap="flat" cmpd="sng" algn="ctr">
-          <a:solidFill>
-            <a:schemeClr val="lt1">
-              <a:hueOff val="0"/>
-              <a:satOff val="0"/>
-              <a:lumOff val="0"/>
-              <a:alphaOff val="0"/>
-            </a:schemeClr>
-          </a:solidFill>
-          <a:prstDash val="solid"/>
-        </a:ln>
-        <a:effectLst/>
-      </dsp:spPr>
-      <dsp:style>
-        <a:lnRef idx="2">
-          <a:scrgbClr r="0" g="0" b="0"/>
-        </a:lnRef>
-        <a:fillRef idx="1">
-          <a:scrgbClr r="0" g="0" b="0"/>
-        </a:fillRef>
-        <a:effectRef idx="0">
-          <a:scrgbClr r="0" g="0" b="0"/>
-        </a:effectRef>
-        <a:fontRef idx="minor">
-          <a:schemeClr val="lt1"/>
-        </a:fontRef>
-      </dsp:style>
-      <dsp:txBody>
-        <a:bodyPr spcFirstLastPara="0" vert="horz" wrap="square" lIns="6985" tIns="6985" rIns="6985" bIns="6985" numCol="1" spcCol="1270" anchor="ctr" anchorCtr="0">
-          <a:noAutofit/>
-        </a:bodyPr>
-        <a:lstStyle/>
-        <a:p>
-          <a:pPr lvl="0" algn="ctr" defTabSz="488950">
-            <a:lnSpc>
-              <a:spcPct val="90000"/>
-            </a:lnSpc>
-            <a:spcBef>
-              <a:spcPct val="0"/>
-            </a:spcBef>
-            <a:spcAft>
-              <a:spcPct val="35000"/>
-            </a:spcAft>
-          </a:pPr>
-          <a:r>
-            <a:rPr lang="en-US" sz="1100" kern="1200" dirty="0" smtClean="0"/>
-            <a:t>Search</a:t>
-          </a:r>
-          <a:endParaRPr lang="ru-RU" sz="1100" kern="1200" dirty="0" smtClean="0"/>
-        </a:p>
-        <a:p>
-          <a:pPr lvl="0" algn="ctr" defTabSz="488950">
-            <a:lnSpc>
-              <a:spcPct val="90000"/>
-            </a:lnSpc>
-            <a:spcBef>
-              <a:spcPct val="0"/>
-            </a:spcBef>
-            <a:spcAft>
-              <a:spcPct val="35000"/>
-            </a:spcAft>
-          </a:pPr>
-          <a:r>
-            <a:rPr lang="en-US" sz="1100" kern="1200" dirty="0" smtClean="0"/>
-            <a:t>Engine</a:t>
-          </a:r>
-          <a:endParaRPr lang="ru-RU" sz="1100" kern="1200" dirty="0"/>
-        </a:p>
-      </dsp:txBody>
-      <dsp:txXfrm>
-        <a:off x="1611313" y="470359"/>
-        <a:ext cx="638901" cy="638901"/>
-      </dsp:txXfrm>
-    </dsp:sp>
-    <dsp:sp modelId="{1FA1B9C7-0E34-4A44-A18B-216DF888F0C5}">
-      <dsp:nvSpPr>
-        <dsp:cNvPr id="0" name=""/>
-        <dsp:cNvSpPr/>
-      </dsp:nvSpPr>
-      <dsp:spPr>
-        <a:xfrm>
-          <a:off x="4351701" y="0"/>
-          <a:ext cx="1807086" cy="1579621"/>
-        </a:xfrm>
-        <a:prstGeom prst="rightArrow">
-          <a:avLst>
-            <a:gd name="adj1" fmla="val 70000"/>
-            <a:gd name="adj2" fmla="val 50000"/>
-          </a:avLst>
-        </a:prstGeom>
-        <a:solidFill>
-          <a:schemeClr val="accent1">
-            <a:alpha val="90000"/>
-            <a:tint val="40000"/>
-            <a:hueOff val="0"/>
-            <a:satOff val="0"/>
-            <a:lumOff val="0"/>
-            <a:alphaOff val="0"/>
-          </a:schemeClr>
-        </a:solidFill>
-        <a:ln w="15875" cap="flat" cmpd="sng" algn="ctr">
-          <a:solidFill>
-            <a:schemeClr val="accent1">
-              <a:alpha val="90000"/>
-              <a:tint val="40000"/>
-              <a:hueOff val="0"/>
-              <a:satOff val="0"/>
-              <a:lumOff val="0"/>
-              <a:alphaOff val="0"/>
-            </a:schemeClr>
-          </a:solidFill>
-          <a:prstDash val="solid"/>
-        </a:ln>
-        <a:effectLst/>
-      </dsp:spPr>
-      <dsp:style>
-        <a:lnRef idx="2">
-          <a:scrgbClr r="0" g="0" b="0"/>
-        </a:lnRef>
-        <a:fillRef idx="1">
-          <a:scrgbClr r="0" g="0" b="0"/>
-        </a:fillRef>
-        <a:effectRef idx="0">
-          <a:scrgbClr r="0" g="0" b="0"/>
-        </a:effectRef>
-        <a:fontRef idx="minor"/>
-      </dsp:style>
-      <dsp:txBody>
-        <a:bodyPr spcFirstLastPara="0" vert="horz" wrap="square" lIns="40640" tIns="10160" rIns="20320" bIns="10160" numCol="1" spcCol="1270" anchor="ctr" anchorCtr="0">
-          <a:noAutofit/>
-        </a:bodyPr>
-        <a:lstStyle/>
-        <a:p>
-          <a:pPr lvl="0" algn="ctr" defTabSz="711200">
-            <a:lnSpc>
-              <a:spcPct val="90000"/>
-            </a:lnSpc>
-            <a:spcBef>
-              <a:spcPct val="0"/>
-            </a:spcBef>
-            <a:spcAft>
-              <a:spcPct val="35000"/>
-            </a:spcAft>
-          </a:pPr>
-          <a:r>
-            <a:rPr lang="ru-RU" sz="1600" kern="1200" dirty="0" smtClean="0"/>
-            <a:t>ссылка на </a:t>
-          </a:r>
-          <a:r>
-            <a:rPr lang="en-US" sz="1600" kern="1200" dirty="0" smtClean="0"/>
-            <a:t>JSON-</a:t>
-          </a:r>
-          <a:r>
-            <a:rPr lang="ru-RU" sz="1600" kern="1200" dirty="0" smtClean="0"/>
-            <a:t>объект ответов</a:t>
-          </a:r>
-          <a:endParaRPr lang="ru-RU" sz="1600" kern="1200" dirty="0"/>
-        </a:p>
-      </dsp:txBody>
-      <dsp:txXfrm>
-        <a:off x="4803472" y="236943"/>
-        <a:ext cx="880954" cy="1105735"/>
-      </dsp:txXfrm>
-    </dsp:sp>
-    <dsp:sp modelId="{0A88A3E8-7701-48D6-969C-59DBA88CA534}">
-      <dsp:nvSpPr>
-        <dsp:cNvPr id="0" name=""/>
-        <dsp:cNvSpPr/>
-      </dsp:nvSpPr>
-      <dsp:spPr>
-        <a:xfrm>
-          <a:off x="3899929" y="338038"/>
-          <a:ext cx="903543" cy="903543"/>
-        </a:xfrm>
-        <a:prstGeom prst="ellipse">
-          <a:avLst/>
-        </a:prstGeom>
-        <a:solidFill>
-          <a:schemeClr val="accent1">
-            <a:hueOff val="0"/>
-            <a:satOff val="0"/>
-            <a:lumOff val="0"/>
-            <a:alphaOff val="0"/>
-          </a:schemeClr>
-        </a:solidFill>
-        <a:ln w="15875" cap="flat" cmpd="sng" algn="ctr">
-          <a:solidFill>
-            <a:schemeClr val="lt1">
-              <a:hueOff val="0"/>
-              <a:satOff val="0"/>
-              <a:lumOff val="0"/>
-              <a:alphaOff val="0"/>
-            </a:schemeClr>
-          </a:solidFill>
-          <a:prstDash val="solid"/>
-        </a:ln>
-        <a:effectLst/>
-      </dsp:spPr>
-      <dsp:style>
-        <a:lnRef idx="2">
-          <a:scrgbClr r="0" g="0" b="0"/>
-        </a:lnRef>
-        <a:fillRef idx="1">
-          <a:scrgbClr r="0" g="0" b="0"/>
-        </a:fillRef>
-        <a:effectRef idx="0">
-          <a:scrgbClr r="0" g="0" b="0"/>
-        </a:effectRef>
-        <a:fontRef idx="minor">
-          <a:schemeClr val="lt1"/>
-        </a:fontRef>
-      </dsp:style>
-      <dsp:txBody>
-        <a:bodyPr spcFirstLastPara="0" vert="horz" wrap="square" lIns="6985" tIns="6985" rIns="6985" bIns="6985" numCol="1" spcCol="1270" anchor="ctr" anchorCtr="0">
-          <a:noAutofit/>
-        </a:bodyPr>
-        <a:lstStyle/>
-        <a:p>
-          <a:pPr lvl="0" algn="ctr" defTabSz="488950">
-            <a:lnSpc>
-              <a:spcPct val="90000"/>
-            </a:lnSpc>
-            <a:spcBef>
-              <a:spcPct val="0"/>
-            </a:spcBef>
-            <a:spcAft>
-              <a:spcPct val="35000"/>
-            </a:spcAft>
-          </a:pPr>
-          <a:r>
-            <a:rPr lang="en-US" sz="1100" kern="1200" dirty="0" smtClean="0"/>
-            <a:t>Converter</a:t>
-          </a:r>
-          <a:endParaRPr lang="ru-RU" sz="1100" kern="1200" dirty="0" smtClean="0"/>
-        </a:p>
-        <a:p>
-          <a:pPr lvl="0" algn="ctr" defTabSz="488950">
-            <a:lnSpc>
-              <a:spcPct val="90000"/>
-            </a:lnSpc>
-            <a:spcBef>
-              <a:spcPct val="0"/>
-            </a:spcBef>
-            <a:spcAft>
-              <a:spcPct val="35000"/>
-            </a:spcAft>
-          </a:pPr>
-          <a:r>
-            <a:rPr lang="en-US" sz="1100" kern="1200" dirty="0" smtClean="0"/>
-            <a:t>JSON</a:t>
-          </a:r>
-          <a:endParaRPr lang="ru-RU" sz="1100" kern="1200" dirty="0"/>
-        </a:p>
-      </dsp:txBody>
-      <dsp:txXfrm>
-        <a:off x="4032250" y="470359"/>
-        <a:ext cx="638901" cy="638901"/>
-      </dsp:txXfrm>
-    </dsp:sp>
-    <dsp:sp modelId="{DD91B7DA-3D09-40A2-870E-D63ED550DC00}">
-      <dsp:nvSpPr>
-        <dsp:cNvPr id="0" name=""/>
-        <dsp:cNvSpPr/>
-      </dsp:nvSpPr>
-      <dsp:spPr>
-        <a:xfrm>
-          <a:off x="6846837" y="0"/>
-          <a:ext cx="1807086" cy="1579621"/>
-        </a:xfrm>
-        <a:prstGeom prst="rightArrow">
-          <a:avLst>
-            <a:gd name="adj1" fmla="val 70000"/>
-            <a:gd name="adj2" fmla="val 50000"/>
-          </a:avLst>
-        </a:prstGeom>
-        <a:solidFill>
-          <a:schemeClr val="bg2"/>
-        </a:solidFill>
-        <a:ln w="15875" cap="flat" cmpd="sng" algn="ctr">
-          <a:solidFill>
-            <a:schemeClr val="bg2">
-              <a:alpha val="90000"/>
-            </a:schemeClr>
-          </a:solidFill>
-          <a:prstDash val="solid"/>
-        </a:ln>
-        <a:effectLst/>
-      </dsp:spPr>
-      <dsp:style>
-        <a:lnRef idx="2">
-          <a:scrgbClr r="0" g="0" b="0"/>
-        </a:lnRef>
-        <a:fillRef idx="1">
-          <a:scrgbClr r="0" g="0" b="0"/>
-        </a:fillRef>
-        <a:effectRef idx="0">
-          <a:scrgbClr r="0" g="0" b="0"/>
-        </a:effectRef>
-        <a:fontRef idx="minor"/>
-      </dsp:style>
-    </dsp:sp>
-    <dsp:sp modelId="{18B87B03-25AC-4DAC-8711-93139D44A946}">
-      <dsp:nvSpPr>
-        <dsp:cNvPr id="0" name=""/>
-        <dsp:cNvSpPr/>
-      </dsp:nvSpPr>
-      <dsp:spPr>
-        <a:xfrm>
-          <a:off x="6320866" y="338038"/>
-          <a:ext cx="903543" cy="903543"/>
-        </a:xfrm>
-        <a:prstGeom prst="ellipse">
-          <a:avLst/>
-        </a:prstGeom>
-        <a:solidFill>
-          <a:schemeClr val="accent1">
-            <a:hueOff val="0"/>
-            <a:satOff val="0"/>
-            <a:lumOff val="0"/>
-            <a:alphaOff val="0"/>
-          </a:schemeClr>
-        </a:solidFill>
-        <a:ln w="15875" cap="flat" cmpd="sng" algn="ctr">
-          <a:solidFill>
-            <a:schemeClr val="lt1">
-              <a:hueOff val="0"/>
-              <a:satOff val="0"/>
-              <a:lumOff val="0"/>
-              <a:alphaOff val="0"/>
-            </a:schemeClr>
-          </a:solidFill>
-          <a:prstDash val="solid"/>
-        </a:ln>
-        <a:effectLst/>
-      </dsp:spPr>
-      <dsp:style>
-        <a:lnRef idx="2">
-          <a:scrgbClr r="0" g="0" b="0"/>
-        </a:lnRef>
-        <a:fillRef idx="1">
-          <a:scrgbClr r="0" g="0" b="0"/>
-        </a:fillRef>
-        <a:effectRef idx="0">
-          <a:scrgbClr r="0" g="0" b="0"/>
-        </a:effectRef>
-        <a:fontRef idx="minor">
-          <a:schemeClr val="lt1"/>
-        </a:fontRef>
-      </dsp:style>
-      <dsp:txBody>
-        <a:bodyPr spcFirstLastPara="0" vert="horz" wrap="square" lIns="6985" tIns="6985" rIns="6985" bIns="6985" numCol="1" spcCol="1270" anchor="ctr" anchorCtr="0">
-          <a:noAutofit/>
-        </a:bodyPr>
-        <a:lstStyle/>
-        <a:p>
-          <a:pPr lvl="0" algn="ctr" defTabSz="488950">
-            <a:lnSpc>
-              <a:spcPct val="90000"/>
-            </a:lnSpc>
-            <a:spcBef>
-              <a:spcPct val="0"/>
-            </a:spcBef>
-            <a:spcAft>
-              <a:spcPct val="35000"/>
-            </a:spcAft>
-          </a:pPr>
-          <a:r>
-            <a:rPr lang="en-US" sz="1100" kern="1200" dirty="0" smtClean="0"/>
-            <a:t>Dispatcher</a:t>
-          </a:r>
-          <a:endParaRPr lang="ru-RU" sz="1100" kern="1200" dirty="0" smtClean="0"/>
-        </a:p>
-        <a:p>
-          <a:pPr lvl="0" algn="ctr" defTabSz="488950">
-            <a:lnSpc>
-              <a:spcPct val="90000"/>
-            </a:lnSpc>
-            <a:spcBef>
-              <a:spcPct val="0"/>
-            </a:spcBef>
-            <a:spcAft>
-              <a:spcPct val="35000"/>
-            </a:spcAft>
-          </a:pPr>
-          <a:r>
-            <a:rPr lang="en-US" sz="1100" kern="1200" dirty="0" smtClean="0"/>
-            <a:t>Operation</a:t>
-          </a:r>
-          <a:endParaRPr lang="ru-RU" sz="1100" kern="1200" dirty="0" smtClean="0"/>
-        </a:p>
-        <a:p>
-          <a:pPr lvl="0" algn="ctr" defTabSz="488950">
-            <a:lnSpc>
-              <a:spcPct val="90000"/>
-            </a:lnSpc>
-            <a:spcBef>
-              <a:spcPct val="0"/>
-            </a:spcBef>
-            <a:spcAft>
-              <a:spcPct val="35000"/>
-            </a:spcAft>
-          </a:pPr>
-          <a:r>
-            <a:rPr lang="en-US" sz="1100" kern="1200" dirty="0" smtClean="0"/>
-            <a:t>Validity</a:t>
-          </a:r>
-          <a:endParaRPr lang="ru-RU" sz="1100" kern="1200" dirty="0"/>
-        </a:p>
-      </dsp:txBody>
-      <dsp:txXfrm>
-        <a:off x="6453187" y="470359"/>
-        <a:ext cx="638901" cy="638901"/>
-      </dsp:txXfrm>
-    </dsp:sp>
   </dsp:spTree>
 </dsp:drawing>
 </file>
@@ -19971,368 +15016,6 @@
       <dsp:cNvGrpSpPr/>
     </dsp:nvGrpSpPr>
     <dsp:grpSpPr/>
-    <dsp:sp modelId="{B0B6F61C-C060-4C4C-96BF-4EE40B41E6A0}">
-      <dsp:nvSpPr>
-        <dsp:cNvPr id="0" name=""/>
-        <dsp:cNvSpPr/>
-      </dsp:nvSpPr>
-      <dsp:spPr>
-        <a:xfrm>
-          <a:off x="3005545" y="0"/>
-          <a:ext cx="1900993" cy="1661708"/>
-        </a:xfrm>
-        <a:prstGeom prst="rightArrow">
-          <a:avLst>
-            <a:gd name="adj1" fmla="val 70000"/>
-            <a:gd name="adj2" fmla="val 50000"/>
-          </a:avLst>
-        </a:prstGeom>
-        <a:solidFill>
-          <a:schemeClr val="accent1">
-            <a:alpha val="90000"/>
-            <a:tint val="40000"/>
-            <a:hueOff val="0"/>
-            <a:satOff val="0"/>
-            <a:lumOff val="0"/>
-            <a:alphaOff val="0"/>
-          </a:schemeClr>
-        </a:solidFill>
-        <a:ln w="15875" cap="flat" cmpd="sng" algn="ctr">
-          <a:solidFill>
-            <a:schemeClr val="accent1">
-              <a:alpha val="90000"/>
-              <a:tint val="40000"/>
-              <a:hueOff val="0"/>
-              <a:satOff val="0"/>
-              <a:lumOff val="0"/>
-              <a:alphaOff val="0"/>
-            </a:schemeClr>
-          </a:solidFill>
-          <a:prstDash val="solid"/>
-        </a:ln>
-        <a:effectLst/>
-      </dsp:spPr>
-      <dsp:style>
-        <a:lnRef idx="2">
-          <a:scrgbClr r="0" g="0" b="0"/>
-        </a:lnRef>
-        <a:fillRef idx="1">
-          <a:scrgbClr r="0" g="0" b="0"/>
-        </a:fillRef>
-        <a:effectRef idx="0">
-          <a:scrgbClr r="0" g="0" b="0"/>
-        </a:effectRef>
-        <a:fontRef idx="minor"/>
-      </dsp:style>
-      <dsp:txBody>
-        <a:bodyPr spcFirstLastPara="0" vert="horz" wrap="square" lIns="35560" tIns="8890" rIns="17780" bIns="8890" numCol="1" spcCol="1270" anchor="ctr" anchorCtr="0">
-          <a:noAutofit/>
-        </a:bodyPr>
-        <a:lstStyle/>
-        <a:p>
-          <a:pPr lvl="0" algn="ctr" defTabSz="622300">
-            <a:lnSpc>
-              <a:spcPct val="90000"/>
-            </a:lnSpc>
-            <a:spcBef>
-              <a:spcPct val="0"/>
-            </a:spcBef>
-            <a:spcAft>
-              <a:spcPct val="35000"/>
-            </a:spcAft>
-          </a:pPr>
-          <a:r>
-            <a:rPr lang="ru-RU" sz="1400" kern="1200" dirty="0" smtClean="0"/>
-            <a:t>записать в JSON-объект результаты поиска</a:t>
-          </a:r>
-          <a:endParaRPr lang="ru-RU" sz="1400" kern="1200" dirty="0"/>
-        </a:p>
-      </dsp:txBody>
-      <dsp:txXfrm>
-        <a:off x="3480794" y="249256"/>
-        <a:ext cx="926734" cy="1163196"/>
-      </dsp:txXfrm>
-    </dsp:sp>
-    <dsp:sp modelId="{E644A287-01BC-4CF5-B466-30846E7BBA7F}">
-      <dsp:nvSpPr>
-        <dsp:cNvPr id="0" name=""/>
-        <dsp:cNvSpPr/>
-      </dsp:nvSpPr>
-      <dsp:spPr>
-        <a:xfrm>
-          <a:off x="2530297" y="355605"/>
-          <a:ext cx="950496" cy="950496"/>
-        </a:xfrm>
-        <a:prstGeom prst="ellipse">
-          <a:avLst/>
-        </a:prstGeom>
-        <a:solidFill>
-          <a:schemeClr val="accent1">
-            <a:hueOff val="0"/>
-            <a:satOff val="0"/>
-            <a:lumOff val="0"/>
-            <a:alphaOff val="0"/>
-          </a:schemeClr>
-        </a:solidFill>
-        <a:ln w="15875" cap="flat" cmpd="sng" algn="ctr">
-          <a:solidFill>
-            <a:schemeClr val="lt1">
-              <a:hueOff val="0"/>
-              <a:satOff val="0"/>
-              <a:lumOff val="0"/>
-              <a:alphaOff val="0"/>
-            </a:schemeClr>
-          </a:solidFill>
-          <a:prstDash val="solid"/>
-        </a:ln>
-        <a:effectLst/>
-      </dsp:spPr>
-      <dsp:style>
-        <a:lnRef idx="2">
-          <a:scrgbClr r="0" g="0" b="0"/>
-        </a:lnRef>
-        <a:fillRef idx="1">
-          <a:scrgbClr r="0" g="0" b="0"/>
-        </a:fillRef>
-        <a:effectRef idx="0">
-          <a:scrgbClr r="0" g="0" b="0"/>
-        </a:effectRef>
-        <a:fontRef idx="minor">
-          <a:schemeClr val="lt1"/>
-        </a:fontRef>
-      </dsp:style>
-      <dsp:txBody>
-        <a:bodyPr spcFirstLastPara="0" vert="horz" wrap="square" lIns="7620" tIns="7620" rIns="7620" bIns="7620" numCol="1" spcCol="1270" anchor="ctr" anchorCtr="0">
-          <a:noAutofit/>
-        </a:bodyPr>
-        <a:lstStyle/>
-        <a:p>
-          <a:pPr lvl="0" algn="ctr" defTabSz="533400">
-            <a:lnSpc>
-              <a:spcPct val="90000"/>
-            </a:lnSpc>
-            <a:spcBef>
-              <a:spcPct val="0"/>
-            </a:spcBef>
-            <a:spcAft>
-              <a:spcPct val="35000"/>
-            </a:spcAft>
-          </a:pPr>
-          <a:r>
-            <a:rPr lang="en-US" sz="1200" kern="1200" dirty="0" smtClean="0"/>
-            <a:t>Search</a:t>
-          </a:r>
-          <a:endParaRPr lang="ru-RU" sz="1200" kern="1200" dirty="0" smtClean="0"/>
-        </a:p>
-        <a:p>
-          <a:pPr lvl="0" algn="ctr" defTabSz="533400">
-            <a:lnSpc>
-              <a:spcPct val="90000"/>
-            </a:lnSpc>
-            <a:spcBef>
-              <a:spcPct val="0"/>
-            </a:spcBef>
-            <a:spcAft>
-              <a:spcPct val="35000"/>
-            </a:spcAft>
-          </a:pPr>
-          <a:r>
-            <a:rPr lang="en-US" sz="1200" kern="1200" dirty="0" smtClean="0"/>
-            <a:t>Engine</a:t>
-          </a:r>
-          <a:endParaRPr lang="ru-RU" sz="1200" kern="1200" dirty="0"/>
-        </a:p>
-      </dsp:txBody>
-      <dsp:txXfrm>
-        <a:off x="2669494" y="494802"/>
-        <a:ext cx="672102" cy="672102"/>
-      </dsp:txXfrm>
-    </dsp:sp>
-    <dsp:sp modelId="{1FA1B9C7-0E34-4A44-A18B-216DF888F0C5}">
-      <dsp:nvSpPr>
-        <dsp:cNvPr id="0" name=""/>
-        <dsp:cNvSpPr/>
-      </dsp:nvSpPr>
-      <dsp:spPr>
-        <a:xfrm>
-          <a:off x="5627108" y="0"/>
-          <a:ext cx="1900993" cy="1661708"/>
-        </a:xfrm>
-        <a:prstGeom prst="rightArrow">
-          <a:avLst>
-            <a:gd name="adj1" fmla="val 70000"/>
-            <a:gd name="adj2" fmla="val 50000"/>
-          </a:avLst>
-        </a:prstGeom>
-        <a:solidFill>
-          <a:schemeClr val="accent1">
-            <a:alpha val="90000"/>
-            <a:tint val="40000"/>
-            <a:hueOff val="0"/>
-            <a:satOff val="0"/>
-            <a:lumOff val="0"/>
-            <a:alphaOff val="0"/>
-          </a:schemeClr>
-        </a:solidFill>
-        <a:ln w="15875" cap="flat" cmpd="sng" algn="ctr">
-          <a:solidFill>
-            <a:schemeClr val="accent1">
-              <a:alpha val="90000"/>
-              <a:tint val="40000"/>
-              <a:hueOff val="0"/>
-              <a:satOff val="0"/>
-              <a:lumOff val="0"/>
-              <a:alphaOff val="0"/>
-            </a:schemeClr>
-          </a:solidFill>
-          <a:prstDash val="solid"/>
-        </a:ln>
-        <a:effectLst/>
-      </dsp:spPr>
-      <dsp:style>
-        <a:lnRef idx="2">
-          <a:scrgbClr r="0" g="0" b="0"/>
-        </a:lnRef>
-        <a:fillRef idx="1">
-          <a:scrgbClr r="0" g="0" b="0"/>
-        </a:fillRef>
-        <a:effectRef idx="0">
-          <a:scrgbClr r="0" g="0" b="0"/>
-        </a:effectRef>
-        <a:fontRef idx="minor"/>
-      </dsp:style>
-      <dsp:txBody>
-        <a:bodyPr spcFirstLastPara="0" vert="horz" wrap="square" lIns="35560" tIns="8890" rIns="17780" bIns="8890" numCol="1" spcCol="1270" anchor="ctr" anchorCtr="0">
-          <a:noAutofit/>
-        </a:bodyPr>
-        <a:lstStyle/>
-        <a:p>
-          <a:pPr lvl="0" algn="ctr" defTabSz="622300">
-            <a:lnSpc>
-              <a:spcPct val="90000"/>
-            </a:lnSpc>
-            <a:spcBef>
-              <a:spcPct val="0"/>
-            </a:spcBef>
-            <a:spcAft>
-              <a:spcPct val="35000"/>
-            </a:spcAft>
-          </a:pPr>
-          <a:r>
-            <a:rPr lang="ru-RU" sz="1400" kern="1200" dirty="0" smtClean="0"/>
-            <a:t>Ссылка на  </a:t>
-          </a:r>
-          <a:r>
-            <a:rPr lang="en-US" sz="1400" kern="1200" dirty="0" smtClean="0"/>
-            <a:t>JSON-</a:t>
-          </a:r>
-          <a:r>
-            <a:rPr lang="ru-RU" sz="1400" kern="1200" dirty="0" smtClean="0"/>
-            <a:t>объект ответов</a:t>
-          </a:r>
-          <a:endParaRPr lang="ru-RU" sz="1400" kern="1200" dirty="0"/>
-        </a:p>
-      </dsp:txBody>
-      <dsp:txXfrm>
-        <a:off x="6102357" y="249256"/>
-        <a:ext cx="926734" cy="1163196"/>
-      </dsp:txXfrm>
-    </dsp:sp>
-    <dsp:sp modelId="{0A88A3E8-7701-48D6-969C-59DBA88CA534}">
-      <dsp:nvSpPr>
-        <dsp:cNvPr id="0" name=""/>
-        <dsp:cNvSpPr/>
-      </dsp:nvSpPr>
-      <dsp:spPr>
-        <a:xfrm>
-          <a:off x="5151860" y="355605"/>
-          <a:ext cx="950496" cy="950496"/>
-        </a:xfrm>
-        <a:prstGeom prst="ellipse">
-          <a:avLst/>
-        </a:prstGeom>
-        <a:solidFill>
-          <a:schemeClr val="accent1">
-            <a:hueOff val="0"/>
-            <a:satOff val="0"/>
-            <a:lumOff val="0"/>
-            <a:alphaOff val="0"/>
-          </a:schemeClr>
-        </a:solidFill>
-        <a:ln w="15875" cap="flat" cmpd="sng" algn="ctr">
-          <a:solidFill>
-            <a:schemeClr val="lt1">
-              <a:hueOff val="0"/>
-              <a:satOff val="0"/>
-              <a:lumOff val="0"/>
-              <a:alphaOff val="0"/>
-            </a:schemeClr>
-          </a:solidFill>
-          <a:prstDash val="solid"/>
-        </a:ln>
-        <a:effectLst/>
-      </dsp:spPr>
-      <dsp:style>
-        <a:lnRef idx="2">
-          <a:scrgbClr r="0" g="0" b="0"/>
-        </a:lnRef>
-        <a:fillRef idx="1">
-          <a:scrgbClr r="0" g="0" b="0"/>
-        </a:fillRef>
-        <a:effectRef idx="0">
-          <a:scrgbClr r="0" g="0" b="0"/>
-        </a:effectRef>
-        <a:fontRef idx="minor">
-          <a:schemeClr val="lt1"/>
-        </a:fontRef>
-      </dsp:style>
-      <dsp:txBody>
-        <a:bodyPr spcFirstLastPara="0" vert="horz" wrap="square" lIns="7620" tIns="7620" rIns="7620" bIns="7620" numCol="1" spcCol="1270" anchor="ctr" anchorCtr="0">
-          <a:noAutofit/>
-        </a:bodyPr>
-        <a:lstStyle/>
-        <a:p>
-          <a:pPr lvl="0" algn="ctr" defTabSz="533400">
-            <a:lnSpc>
-              <a:spcPct val="90000"/>
-            </a:lnSpc>
-            <a:spcBef>
-              <a:spcPct val="0"/>
-            </a:spcBef>
-            <a:spcAft>
-              <a:spcPct val="35000"/>
-            </a:spcAft>
-          </a:pPr>
-          <a:r>
-            <a:rPr lang="en-US" sz="1200" kern="1200" dirty="0" smtClean="0"/>
-            <a:t>Converter</a:t>
-          </a:r>
-          <a:endParaRPr lang="ru-RU" sz="1200" kern="1200" dirty="0" smtClean="0"/>
-        </a:p>
-        <a:p>
-          <a:pPr lvl="0" algn="ctr" defTabSz="533400">
-            <a:lnSpc>
-              <a:spcPct val="90000"/>
-            </a:lnSpc>
-            <a:spcBef>
-              <a:spcPct val="0"/>
-            </a:spcBef>
-            <a:spcAft>
-              <a:spcPct val="35000"/>
-            </a:spcAft>
-          </a:pPr>
-          <a:r>
-            <a:rPr lang="en-US" sz="1200" kern="1200" dirty="0" smtClean="0"/>
-            <a:t>JSON</a:t>
-          </a:r>
-          <a:endParaRPr lang="ru-RU" sz="1200" kern="1200" dirty="0"/>
-        </a:p>
-      </dsp:txBody>
-      <dsp:txXfrm>
-        <a:off x="5291057" y="494802"/>
-        <a:ext cx="672102" cy="672102"/>
-      </dsp:txXfrm>
-    </dsp:sp>
   </dsp:spTree>
 </dsp:drawing>
 </file>
@@ -37363,7 +32046,7 @@
           <a:p>
             <a:fld id="{FF87DA49-9917-4A7E-BE43-A1E4A72285DB}" type="datetimeFigureOut">
               <a:rPr lang="ru-RU" smtClean="0"/>
-              <a:t>21.10.2025</a:t>
+              <a:t>22.10.2025</a:t>
             </a:fld>
             <a:endParaRPr lang="ru-RU"/>
           </a:p>
@@ -37943,7 +32626,7 @@
           <a:p>
             <a:fld id="{82D494A6-AC0E-4564-848B-C9299726F19B}" type="datetime1">
               <a:rPr lang="ru-RU" smtClean="0"/>
-              <a:t>21.10.2025</a:t>
+              <a:t>22.10.2025</a:t>
             </a:fld>
             <a:endParaRPr lang="ru-RU"/>
           </a:p>
@@ -38151,7 +32834,7 @@
           <a:p>
             <a:fld id="{8F54F09E-5B73-4FCA-A245-E4B9F24EF6EE}" type="datetime1">
               <a:rPr lang="ru-RU" smtClean="0"/>
-              <a:t>21.10.2025</a:t>
+              <a:t>22.10.2025</a:t>
             </a:fld>
             <a:endParaRPr lang="ru-RU"/>
           </a:p>
@@ -38409,7 +33092,7 @@
           <a:p>
             <a:fld id="{EE0EF1CB-1F45-4BB0-ACA2-7F2CD691ED8E}" type="datetime1">
               <a:rPr lang="ru-RU" smtClean="0"/>
-              <a:t>21.10.2025</a:t>
+              <a:t>22.10.2025</a:t>
             </a:fld>
             <a:endParaRPr lang="ru-RU"/>
           </a:p>
@@ -38579,7 +33262,7 @@
           <a:p>
             <a:fld id="{8AC5719E-8A6A-457D-98CF-1B213C53F5CE}" type="datetime1">
               <a:rPr lang="ru-RU" smtClean="0"/>
-              <a:t>21.10.2025</a:t>
+              <a:t>22.10.2025</a:t>
             </a:fld>
             <a:endParaRPr lang="ru-RU"/>
           </a:p>
@@ -38916,7 +33599,7 @@
           <a:p>
             <a:fld id="{9187F089-DB3A-44EC-8E6C-70C807261B64}" type="datetime1">
               <a:rPr lang="ru-RU" smtClean="0"/>
-              <a:t>21.10.2025</a:t>
+              <a:t>22.10.2025</a:t>
             </a:fld>
             <a:endParaRPr lang="ru-RU"/>
           </a:p>
@@ -39191,7 +33874,7 @@
           <a:p>
             <a:fld id="{8D89F477-1E06-42B9-98CE-724D285F544D}" type="datetime1">
               <a:rPr lang="ru-RU" smtClean="0"/>
-              <a:t>21.10.2025</a:t>
+              <a:t>22.10.2025</a:t>
             </a:fld>
             <a:endParaRPr lang="ru-RU"/>
           </a:p>
@@ -39570,7 +34253,7 @@
           <a:p>
             <a:fld id="{D1ABE4F1-295B-4CC0-A10F-3BDEF5F6B9B6}" type="datetime1">
               <a:rPr lang="ru-RU" smtClean="0"/>
-              <a:t>21.10.2025</a:t>
+              <a:t>22.10.2025</a:t>
             </a:fld>
             <a:endParaRPr lang="ru-RU"/>
           </a:p>
@@ -39688,7 +34371,7 @@
           <a:p>
             <a:fld id="{5415850B-FCCB-4950-8D75-8D81D52F3FBD}" type="datetime1">
               <a:rPr lang="ru-RU" smtClean="0"/>
-              <a:t>21.10.2025</a:t>
+              <a:t>22.10.2025</a:t>
             </a:fld>
             <a:endParaRPr lang="ru-RU"/>
           </a:p>
@@ -39861,7 +34544,7 @@
           <a:p>
             <a:fld id="{BFEAB0DF-01E8-4782-A602-314B3FF37A29}" type="datetime1">
               <a:rPr lang="ru-RU" smtClean="0"/>
-              <a:t>21.10.2025</a:t>
+              <a:t>22.10.2025</a:t>
             </a:fld>
             <a:endParaRPr lang="ru-RU"/>
           </a:p>
@@ -40217,7 +34900,7 @@
           <a:p>
             <a:fld id="{AA82D743-4282-4860-9AE2-FAD442C19B6D}" type="datetime1">
               <a:rPr lang="ru-RU" smtClean="0"/>
-              <a:t>21.10.2025</a:t>
+              <a:t>22.10.2025</a:t>
             </a:fld>
             <a:endParaRPr lang="ru-RU"/>
           </a:p>
@@ -40596,7 +35279,7 @@
           <a:p>
             <a:fld id="{F2122F36-14C5-4E46-8DE1-22F5FE5A6635}" type="datetime1">
               <a:rPr lang="ru-RU" smtClean="0"/>
-              <a:t>21.10.2025</a:t>
+              <a:t>22.10.2025</a:t>
             </a:fld>
             <a:endParaRPr lang="ru-RU"/>
           </a:p>
@@ -40885,7 +35568,7 @@
           <a:p>
             <a:fld id="{DF78E439-9BA7-4640-B448-B030DCC85B49}" type="datetime1">
               <a:rPr lang="ru-RU" smtClean="0"/>
-              <a:t>21.10.2025</a:t>
+              <a:t>22.10.2025</a:t>
             </a:fld>
             <a:endParaRPr lang="ru-RU"/>
           </a:p>
@@ -41526,7 +36209,7 @@
           <a:p>
             <a:fld id="{8AC5719E-8A6A-457D-98CF-1B213C53F5CE}" type="datetime1">
               <a:rPr lang="ru-RU" smtClean="0"/>
-              <a:t>21.10.2025</a:t>
+              <a:t>22.10.2025</a:t>
             </a:fld>
             <a:endParaRPr lang="ru-RU"/>
           </a:p>
@@ -41797,7 +36480,7 @@
           <a:p>
             <a:fld id="{AA82D743-4282-4860-9AE2-FAD442C19B6D}" type="datetime1">
               <a:rPr lang="ru-RU" smtClean="0"/>
-              <a:t>21.10.2025</a:t>
+              <a:t>22.10.2025</a:t>
             </a:fld>
             <a:endParaRPr lang="ru-RU"/>
           </a:p>
@@ -41909,7 +36592,7 @@
             <p:ph sz="half" idx="1"/>
             <p:extLst>
               <p:ext uri="{D42A27DB-BD31-4B8C-83A1-F6EECF244321}">
-                <p14:modId xmlns:p14="http://schemas.microsoft.com/office/powerpoint/2010/main" val="3900125123"/>
+                <p14:modId xmlns:p14="http://schemas.microsoft.com/office/powerpoint/2010/main" val="4257478977"/>
               </p:ext>
             </p:extLst>
           </p:nvPr>
@@ -41966,7 +36649,7 @@
           <a:p>
             <a:fld id="{8D89F477-1E06-42B9-98CE-724D285F544D}" type="datetime1">
               <a:rPr lang="ru-RU" smtClean="0"/>
-              <a:t>21.10.2025</a:t>
+              <a:t>22.10.2025</a:t>
             </a:fld>
             <a:endParaRPr lang="ru-RU"/>
           </a:p>
@@ -42784,7 +37467,7 @@
           <a:p>
             <a:fld id="{5415850B-FCCB-4950-8D75-8D81D52F3FBD}" type="datetime1">
               <a:rPr lang="ru-RU" smtClean="0"/>
-              <a:t>21.10.2025</a:t>
+              <a:t>22.10.2025</a:t>
             </a:fld>
             <a:endParaRPr lang="ru-RU"/>
           </a:p>
@@ -42940,7 +37623,7 @@
           <a:p>
             <a:fld id="{5415850B-FCCB-4950-8D75-8D81D52F3FBD}" type="datetime1">
               <a:rPr lang="ru-RU" smtClean="0"/>
-              <a:t>21.10.2025</a:t>
+              <a:t>22.10.2025</a:t>
             </a:fld>
             <a:endParaRPr lang="ru-RU"/>
           </a:p>
@@ -43255,7 +37938,7 @@
           <a:p>
             <a:fld id="{9187F089-DB3A-44EC-8E6C-70C807261B64}" type="datetime1">
               <a:rPr lang="ru-RU" smtClean="0"/>
-              <a:t>21.10.2025</a:t>
+              <a:t>22.10.2025</a:t>
             </a:fld>
             <a:endParaRPr lang="ru-RU"/>
           </a:p>
@@ -43395,7 +38078,7 @@
           <a:p>
             <a:fld id="{8D89F477-1E06-42B9-98CE-724D285F544D}" type="datetime1">
               <a:rPr lang="ru-RU" smtClean="0"/>
-              <a:t>21.10.2025</a:t>
+              <a:t>22.10.2025</a:t>
             </a:fld>
             <a:endParaRPr lang="ru-RU"/>
           </a:p>
@@ -43554,7 +38237,7 @@
           <a:p>
             <a:fld id="{9187F089-DB3A-44EC-8E6C-70C807261B64}" type="datetime1">
               <a:rPr lang="ru-RU" smtClean="0"/>
-              <a:t>21.10.2025</a:t>
+              <a:t>22.10.2025</a:t>
             </a:fld>
             <a:endParaRPr lang="ru-RU"/>
           </a:p>
@@ -43697,7 +38380,7 @@
           <a:p>
             <a:fld id="{8AC5719E-8A6A-457D-98CF-1B213C53F5CE}" type="datetime1">
               <a:rPr lang="ru-RU" smtClean="0"/>
-              <a:t>21.10.2025</a:t>
+              <a:t>22.10.2025</a:t>
             </a:fld>
             <a:endParaRPr lang="ru-RU"/>
           </a:p>
@@ -43856,7 +38539,7 @@
           <a:p>
             <a:fld id="{AA82D743-4282-4860-9AE2-FAD442C19B6D}" type="datetime1">
               <a:rPr lang="ru-RU" smtClean="0"/>
-              <a:t>21.10.2025</a:t>
+              <a:t>22.10.2025</a:t>
             </a:fld>
             <a:endParaRPr lang="ru-RU"/>
           </a:p>
@@ -43977,7 +38660,7 @@
           <a:p>
             <a:fld id="{22C4FDAF-C654-4288-9437-917D77737F5E}" type="datetime1">
               <a:rPr lang="ru-RU" smtClean="0"/>
-              <a:t>21.10.2025</a:t>
+              <a:t>22.10.2025</a:t>
             </a:fld>
             <a:endParaRPr lang="ru-RU"/>
           </a:p>
@@ -44148,7 +38831,7 @@
           <a:p>
             <a:fld id="{8AC5719E-8A6A-457D-98CF-1B213C53F5CE}" type="datetime1">
               <a:rPr lang="ru-RU" smtClean="0"/>
-              <a:t>21.10.2025</a:t>
+              <a:t>22.10.2025</a:t>
             </a:fld>
             <a:endParaRPr lang="ru-RU"/>
           </a:p>
@@ -44287,7 +38970,7 @@
           <a:p>
             <a:fld id="{8AC5719E-8A6A-457D-98CF-1B213C53F5CE}" type="datetime1">
               <a:rPr lang="ru-RU" smtClean="0"/>
-              <a:t>21.10.2025</a:t>
+              <a:t>22.10.2025</a:t>
             </a:fld>
             <a:endParaRPr lang="ru-RU"/>
           </a:p>
@@ -44775,7 +39458,7 @@
           <a:p>
             <a:fld id="{8AC5719E-8A6A-457D-98CF-1B213C53F5CE}" type="datetime1">
               <a:rPr lang="ru-RU" smtClean="0"/>
-              <a:t>21.10.2025</a:t>
+              <a:t>22.10.2025</a:t>
             </a:fld>
             <a:endParaRPr lang="ru-RU"/>
           </a:p>
@@ -44971,7 +39654,7 @@
           <a:p>
             <a:fld id="{8AC5719E-8A6A-457D-98CF-1B213C53F5CE}" type="datetime1">
               <a:rPr lang="ru-RU" smtClean="0"/>
-              <a:t>21.10.2025</a:t>
+              <a:t>22.10.2025</a:t>
             </a:fld>
             <a:endParaRPr lang="ru-RU"/>
           </a:p>

--- a/presentation/защита.pptx
+++ b/presentation/защита.pptx
@@ -176,7 +176,7 @@
             </a:pPr>
             <a:r>
               <a:rPr lang="ru-RU" baseline="0" dirty="0" smtClean="0"/>
-              <a:t>чтение документов</a:t>
+              <a:t>чтение текстовых файлов</a:t>
             </a:r>
             <a:endParaRPr lang="ru-RU" dirty="0"/>
           </a:p>
@@ -249,7 +249,7 @@
               <c:strCache>
                 <c:ptCount val="1"/>
                 <c:pt idx="0">
-                  <c:v>скорость чтения, мс</c:v>
+                  <c:v>затраченное время, с</c:v>
                 </c:pt>
               </c:strCache>
             </c:strRef>
@@ -261,7 +261,7 @@
                 <c:formatCode>General</c:formatCode>
                 <c:ptCount val="1"/>
                 <c:pt idx="0">
-                  <c:v>4.9000000000000002E-2</c:v>
+                  <c:v>1.284</c:v>
                 </c:pt>
               </c:numCache>
             </c:numRef>
@@ -297,7 +297,7 @@
               <c:strCache>
                 <c:ptCount val="1"/>
                 <c:pt idx="0">
-                  <c:v>скорость чтения, мс</c:v>
+                  <c:v>затраченное время, с</c:v>
                 </c:pt>
               </c:strCache>
             </c:strRef>
@@ -309,7 +309,7 @@
                 <c:formatCode>General</c:formatCode>
                 <c:ptCount val="1"/>
                 <c:pt idx="0">
-                  <c:v>0.193</c:v>
+                  <c:v>0.318</c:v>
                 </c:pt>
               </c:numCache>
             </c:numRef>
@@ -325,11 +325,11 @@
         </c:dLbls>
         <c:gapWidth val="219"/>
         <c:overlap val="-27"/>
-        <c:axId val="476668128"/>
-        <c:axId val="476667344"/>
+        <c:axId val="148467304"/>
+        <c:axId val="148462992"/>
       </c:barChart>
       <c:catAx>
-        <c:axId val="476668128"/>
+        <c:axId val="148467304"/>
         <c:scaling>
           <c:orientation val="minMax"/>
         </c:scaling>
@@ -372,7 +372,7 @@
             <a:endParaRPr lang="ru-RU"/>
           </a:p>
         </c:txPr>
-        <c:crossAx val="476667344"/>
+        <c:crossAx val="148462992"/>
         <c:crosses val="autoZero"/>
         <c:auto val="1"/>
         <c:lblAlgn val="ctr"/>
@@ -380,7 +380,7 @@
         <c:noMultiLvlLbl val="0"/>
       </c:catAx>
       <c:valAx>
-        <c:axId val="476667344"/>
+        <c:axId val="148462992"/>
         <c:scaling>
           <c:orientation val="minMax"/>
         </c:scaling>
@@ -431,7 +431,7 @@
             <a:endParaRPr lang="ru-RU"/>
           </a:p>
         </c:txPr>
-        <c:crossAx val="476668128"/>
+        <c:crossAx val="148467304"/>
         <c:crosses val="autoZero"/>
         <c:crossBetween val="between"/>
       </c:valAx>
@@ -517,6 +517,32 @@
   </mc:AlternateContent>
   <c:chart>
     <c:title>
+      <c:tx>
+        <c:rich>
+          <a:bodyPr rot="0" spcFirstLastPara="1" vertOverflow="ellipsis" vert="horz" wrap="square" anchor="ctr" anchorCtr="1"/>
+          <a:lstStyle/>
+          <a:p>
+            <a:pPr>
+              <a:defRPr sz="1862" b="0" i="0" u="none" strike="noStrike" kern="1200" spc="0" baseline="0">
+                <a:solidFill>
+                  <a:schemeClr val="tx1">
+                    <a:lumMod val="65000"/>
+                    <a:lumOff val="35000"/>
+                  </a:schemeClr>
+                </a:solidFill>
+                <a:latin typeface="+mn-lt"/>
+                <a:ea typeface="+mn-ea"/>
+                <a:cs typeface="+mn-cs"/>
+              </a:defRPr>
+            </a:pPr>
+            <a:r>
+              <a:rPr lang="ru-RU" dirty="0" smtClean="0"/>
+              <a:t>формирование базы инвертированного индекса</a:t>
+            </a:r>
+            <a:endParaRPr lang="ru-RU" dirty="0"/>
+          </a:p>
+        </c:rich>
+      </c:tx>
       <c:layout/>
       <c:overlay val="0"/>
       <c:spPr>
@@ -584,7 +610,7 @@
               <c:strCache>
                 <c:ptCount val="1"/>
                 <c:pt idx="0">
-                  <c:v>скорость формирования инвертированного индекса, мс</c:v>
+                  <c:v>затраченное время, с</c:v>
                 </c:pt>
               </c:strCache>
             </c:strRef>
@@ -596,7 +622,7 @@
                 <c:formatCode>General</c:formatCode>
                 <c:ptCount val="1"/>
                 <c:pt idx="0">
-                  <c:v>4.3</c:v>
+                  <c:v>11.843999999999999</c:v>
                 </c:pt>
               </c:numCache>
             </c:numRef>
@@ -632,7 +658,7 @@
               <c:strCache>
                 <c:ptCount val="1"/>
                 <c:pt idx="0">
-                  <c:v>скорость формирования инвертированного индекса, мс</c:v>
+                  <c:v>затраченное время, с</c:v>
                 </c:pt>
               </c:strCache>
             </c:strRef>
@@ -644,7 +670,7 @@
                 <c:formatCode>General</c:formatCode>
                 <c:ptCount val="1"/>
                 <c:pt idx="0">
-                  <c:v>2.4</c:v>
+                  <c:v>2.6040000000000001</c:v>
                 </c:pt>
               </c:numCache>
             </c:numRef>
@@ -660,11 +686,11 @@
         </c:dLbls>
         <c:gapWidth val="219"/>
         <c:overlap val="-27"/>
-        <c:axId val="476668520"/>
-        <c:axId val="476666952"/>
+        <c:axId val="148464560"/>
+        <c:axId val="148463776"/>
       </c:barChart>
       <c:catAx>
-        <c:axId val="476668520"/>
+        <c:axId val="148464560"/>
         <c:scaling>
           <c:orientation val="minMax"/>
         </c:scaling>
@@ -707,7 +733,7 @@
             <a:endParaRPr lang="ru-RU"/>
           </a:p>
         </c:txPr>
-        <c:crossAx val="476666952"/>
+        <c:crossAx val="148463776"/>
         <c:crosses val="autoZero"/>
         <c:auto val="1"/>
         <c:lblAlgn val="ctr"/>
@@ -715,7 +741,7 @@
         <c:noMultiLvlLbl val="0"/>
       </c:catAx>
       <c:valAx>
-        <c:axId val="476666952"/>
+        <c:axId val="148463776"/>
         <c:scaling>
           <c:orientation val="minMax"/>
         </c:scaling>
@@ -766,7 +792,7 @@
             <a:endParaRPr lang="ru-RU"/>
           </a:p>
         </c:txPr>
-        <c:crossAx val="476668520"/>
+        <c:crossAx val="148464560"/>
         <c:crosses val="autoZero"/>
         <c:crossBetween val="between"/>
       </c:valAx>
@@ -10532,21 +10558,7 @@
     </dgm:pt>
     <dgm:pt modelId="{61281C31-B14F-4E73-AB15-634EE2F04D08}" type="pres">
       <dgm:prSet presAssocID="{9FB912DC-886C-4A8E-8B9D-C887D1794C4A}" presName="imagSh" presStyleLbl="bgImgPlace1" presStyleIdx="1" presStyleCnt="3"/>
-      <dgm:spPr>
-        <a:blipFill>
-          <a:blip xmlns:r="http://schemas.openxmlformats.org/officeDocument/2006/relationships" r:embed="rId2">
-            <a:extLst>
-              <a:ext uri="{28A0092B-C50C-407E-A947-70E740481C1C}">
-                <a14:useLocalDpi xmlns:a14="http://schemas.microsoft.com/office/drawing/2010/main" val="0"/>
-              </a:ext>
-            </a:extLst>
-          </a:blip>
-          <a:srcRect/>
-          <a:stretch>
-            <a:fillRect t="-21000" b="-21000"/>
-          </a:stretch>
-        </a:blipFill>
-      </dgm:spPr>
+      <dgm:spPr/>
       <dgm:t>
         <a:bodyPr/>
         <a:lstStyle/>
@@ -10598,21 +10610,7 @@
     </dgm:pt>
     <dgm:pt modelId="{941BA2DE-8CA4-4FC8-A6F3-EC5622CDF476}" type="pres">
       <dgm:prSet presAssocID="{4489C5E7-4CB3-4705-ADC7-EC2D7DB205C7}" presName="imagSh" presStyleLbl="bgImgPlace1" presStyleIdx="2" presStyleCnt="3"/>
-      <dgm:spPr>
-        <a:blipFill>
-          <a:blip xmlns:r="http://schemas.openxmlformats.org/officeDocument/2006/relationships" r:embed="rId3">
-            <a:extLst>
-              <a:ext uri="{28A0092B-C50C-407E-A947-70E740481C1C}">
-                <a14:useLocalDpi xmlns:a14="http://schemas.microsoft.com/office/drawing/2010/main" val="0"/>
-              </a:ext>
-            </a:extLst>
-          </a:blip>
-          <a:srcRect/>
-          <a:stretch>
-            <a:fillRect t="-21000" b="-21000"/>
-          </a:stretch>
-        </a:blipFill>
-      </dgm:spPr>
+      <dgm:spPr/>
       <dgm:t>
         <a:bodyPr/>
         <a:lstStyle/>
@@ -10638,29 +10636,29 @@
     </dgm:pt>
   </dgm:ptLst>
   <dgm:cxnLst>
+    <dgm:cxn modelId="{C9C3564E-0803-4DB4-8B73-487370AC23D2}" type="presOf" srcId="{5251211C-2A96-4DCB-B96A-718B7FEE29FC}" destId="{EB1EB879-57B0-4BB0-8304-82EAAE352B32}" srcOrd="1" destOrd="0" presId="urn:microsoft.com/office/officeart/2005/8/layout/hProcess10"/>
+    <dgm:cxn modelId="{2394CF16-B8FA-412F-8D9C-2E43DD302D7B}" srcId="{4489C5E7-4CB3-4705-ADC7-EC2D7DB205C7}" destId="{7B5CB32F-AC22-4F46-A5FC-85700A25BB5F}" srcOrd="1" destOrd="0" parTransId="{6CC02667-E25A-44FD-A525-354411A07A9E}" sibTransId="{93C17E5A-2FFB-43E4-9FE6-0FA213A7D041}"/>
     <dgm:cxn modelId="{BA9F8CE6-03D0-40D2-97FF-C1924FB389A9}" type="presOf" srcId="{90757D3F-86D0-4602-8E71-75B55EB1FC14}" destId="{9FBC957F-813F-4C5F-8238-EDB031A6FB65}" srcOrd="0" destOrd="0" presId="urn:microsoft.com/office/officeart/2005/8/layout/hProcess10"/>
+    <dgm:cxn modelId="{FABFD9C9-6DEB-44D8-81E7-EDDEB04CCE2E}" srcId="{4489C5E7-4CB3-4705-ADC7-EC2D7DB205C7}" destId="{E319911A-4062-482D-A56A-1A04EAA79D6F}" srcOrd="0" destOrd="0" parTransId="{53B05F91-52ED-4447-B4C1-8852A419B243}" sibTransId="{60465054-A24A-44E2-BE9D-3F4BD3E2F5BA}"/>
+    <dgm:cxn modelId="{BCBCFB0C-00EA-4E84-82EB-D6A27005F000}" srcId="{C50D24E8-6499-477C-96DB-674B3153D74A}" destId="{9FB912DC-886C-4A8E-8B9D-C887D1794C4A}" srcOrd="1" destOrd="0" parTransId="{DEF4A1FC-B9FE-43AF-B8BD-038446A7563E}" sibTransId="{5251211C-2A96-4DCB-B96A-718B7FEE29FC}"/>
+    <dgm:cxn modelId="{9CC9FB07-2368-4E99-A036-7DF5BDA3E92B}" srcId="{9FB912DC-886C-4A8E-8B9D-C887D1794C4A}" destId="{E10D2585-F7BB-48D0-BC9F-A7F2B45E452E}" srcOrd="0" destOrd="0" parTransId="{A270FCEA-C681-47D3-9931-149B2879945E}" sibTransId="{70FE9CF9-128D-4B4D-B6E7-B557A2DF7B19}"/>
+    <dgm:cxn modelId="{0E3EF668-330E-4336-81CC-C6D03F1181D7}" srcId="{C50D24E8-6499-477C-96DB-674B3153D74A}" destId="{75C30775-A0DD-4D8A-AB7E-083B6F7D180F}" srcOrd="0" destOrd="0" parTransId="{FE11706D-B7B9-47FF-9CB4-A244A09AC58E}" sibTransId="{90757D3F-86D0-4602-8E71-75B55EB1FC14}"/>
+    <dgm:cxn modelId="{AFBB6E71-6EF7-4238-A366-1E0EFE1BC842}" srcId="{75C30775-A0DD-4D8A-AB7E-083B6F7D180F}" destId="{8B67BDF8-EECD-40A6-95C0-6F0D0AA823D5}" srcOrd="1" destOrd="0" parTransId="{EC7C0393-9A10-410C-97A9-0A2663C1A196}" sibTransId="{4C102AA3-ED5E-4F51-A79B-CEF0026C72DA}"/>
     <dgm:cxn modelId="{03CE2F1B-4996-4A16-B41C-87FE558E4977}" srcId="{75C30775-A0DD-4D8A-AB7E-083B6F7D180F}" destId="{266C79A3-239E-493F-B8D3-7A33A63FAEF5}" srcOrd="0" destOrd="0" parTransId="{EC81D479-9562-446C-BC8D-A4F12B86374D}" sibTransId="{32231B83-A94A-442E-9A48-D1C2C4A0922A}"/>
     <dgm:cxn modelId="{DCEF3A6B-DB6C-449C-B71C-7A0128ECF7E7}" type="presOf" srcId="{75C30775-A0DD-4D8A-AB7E-083B6F7D180F}" destId="{0F9F2284-2284-4732-9015-3FEC425942BA}" srcOrd="0" destOrd="0" presId="urn:microsoft.com/office/officeart/2005/8/layout/hProcess10"/>
-    <dgm:cxn modelId="{BCBCFB0C-00EA-4E84-82EB-D6A27005F000}" srcId="{C50D24E8-6499-477C-96DB-674B3153D74A}" destId="{9FB912DC-886C-4A8E-8B9D-C887D1794C4A}" srcOrd="1" destOrd="0" parTransId="{DEF4A1FC-B9FE-43AF-B8BD-038446A7563E}" sibTransId="{5251211C-2A96-4DCB-B96A-718B7FEE29FC}"/>
-    <dgm:cxn modelId="{0E3EF668-330E-4336-81CC-C6D03F1181D7}" srcId="{C50D24E8-6499-477C-96DB-674B3153D74A}" destId="{75C30775-A0DD-4D8A-AB7E-083B6F7D180F}" srcOrd="0" destOrd="0" parTransId="{FE11706D-B7B9-47FF-9CB4-A244A09AC58E}" sibTransId="{90757D3F-86D0-4602-8E71-75B55EB1FC14}"/>
-    <dgm:cxn modelId="{2394CF16-B8FA-412F-8D9C-2E43DD302D7B}" srcId="{4489C5E7-4CB3-4705-ADC7-EC2D7DB205C7}" destId="{7B5CB32F-AC22-4F46-A5FC-85700A25BB5F}" srcOrd="1" destOrd="0" parTransId="{6CC02667-E25A-44FD-A525-354411A07A9E}" sibTransId="{93C17E5A-2FFB-43E4-9FE6-0FA213A7D041}"/>
-    <dgm:cxn modelId="{9CC9FB07-2368-4E99-A036-7DF5BDA3E92B}" srcId="{9FB912DC-886C-4A8E-8B9D-C887D1794C4A}" destId="{E10D2585-F7BB-48D0-BC9F-A7F2B45E452E}" srcOrd="0" destOrd="0" parTransId="{A270FCEA-C681-47D3-9931-149B2879945E}" sibTransId="{70FE9CF9-128D-4B4D-B6E7-B557A2DF7B19}"/>
+    <dgm:cxn modelId="{66A78BA1-617E-4401-BBD3-BDDF922EC72B}" type="presOf" srcId="{7B5CB32F-AC22-4F46-A5FC-85700A25BB5F}" destId="{A4C03D11-F0CB-4F23-9EF7-0AB2535DC95B}" srcOrd="0" destOrd="2" presId="urn:microsoft.com/office/officeart/2005/8/layout/hProcess10"/>
     <dgm:cxn modelId="{23425499-D5EB-493A-84E0-B2CCCB5AB00C}" type="presOf" srcId="{9FB912DC-886C-4A8E-8B9D-C887D1794C4A}" destId="{88B2F004-F12C-4EE6-9C27-742F06C18109}" srcOrd="0" destOrd="0" presId="urn:microsoft.com/office/officeart/2005/8/layout/hProcess10"/>
+    <dgm:cxn modelId="{1E29528C-D471-4631-B9E7-BDEE5355D36B}" type="presOf" srcId="{B92C896A-8E81-4D84-B983-6966E2549ABD}" destId="{88B2F004-F12C-4EE6-9C27-742F06C18109}" srcOrd="0" destOrd="2" presId="urn:microsoft.com/office/officeart/2005/8/layout/hProcess10"/>
     <dgm:cxn modelId="{68A68D77-0BFD-457C-96FF-F22700EA349A}" srcId="{9FB912DC-886C-4A8E-8B9D-C887D1794C4A}" destId="{B92C896A-8E81-4D84-B983-6966E2549ABD}" srcOrd="1" destOrd="0" parTransId="{69BD31A5-00E3-4E36-8C42-B7D1AEC7C345}" sibTransId="{6B170223-3EDD-465E-A756-29DDAC64B1B9}"/>
+    <dgm:cxn modelId="{6136DE81-2B02-4719-B534-06743435DB86}" type="presOf" srcId="{8B67BDF8-EECD-40A6-95C0-6F0D0AA823D5}" destId="{0F9F2284-2284-4732-9015-3FEC425942BA}" srcOrd="0" destOrd="2" presId="urn:microsoft.com/office/officeart/2005/8/layout/hProcess10"/>
     <dgm:cxn modelId="{C6864C09-089B-4308-B0F2-813ADE56238F}" type="presOf" srcId="{4489C5E7-4CB3-4705-ADC7-EC2D7DB205C7}" destId="{A4C03D11-F0CB-4F23-9EF7-0AB2535DC95B}" srcOrd="0" destOrd="0" presId="urn:microsoft.com/office/officeart/2005/8/layout/hProcess10"/>
-    <dgm:cxn modelId="{AFBB6E71-6EF7-4238-A366-1E0EFE1BC842}" srcId="{75C30775-A0DD-4D8A-AB7E-083B6F7D180F}" destId="{8B67BDF8-EECD-40A6-95C0-6F0D0AA823D5}" srcOrd="1" destOrd="0" parTransId="{EC7C0393-9A10-410C-97A9-0A2663C1A196}" sibTransId="{4C102AA3-ED5E-4F51-A79B-CEF0026C72DA}"/>
+    <dgm:cxn modelId="{E1298878-BA94-40C2-9A18-9303E40E3F85}" type="presOf" srcId="{90757D3F-86D0-4602-8E71-75B55EB1FC14}" destId="{60F1287C-D0E7-49A4-BAAD-8B39C0D7CA8E}" srcOrd="1" destOrd="0" presId="urn:microsoft.com/office/officeart/2005/8/layout/hProcess10"/>
     <dgm:cxn modelId="{CABDF726-E265-4DE2-812B-A207997C5DF1}" type="presOf" srcId="{E10D2585-F7BB-48D0-BC9F-A7F2B45E452E}" destId="{88B2F004-F12C-4EE6-9C27-742F06C18109}" srcOrd="0" destOrd="1" presId="urn:microsoft.com/office/officeart/2005/8/layout/hProcess10"/>
-    <dgm:cxn modelId="{E1298878-BA94-40C2-9A18-9303E40E3F85}" type="presOf" srcId="{90757D3F-86D0-4602-8E71-75B55EB1FC14}" destId="{60F1287C-D0E7-49A4-BAAD-8B39C0D7CA8E}" srcOrd="1" destOrd="0" presId="urn:microsoft.com/office/officeart/2005/8/layout/hProcess10"/>
+    <dgm:cxn modelId="{7B05F940-D60B-474F-A4CF-2F4ACEC597B6}" srcId="{C50D24E8-6499-477C-96DB-674B3153D74A}" destId="{4489C5E7-4CB3-4705-ADC7-EC2D7DB205C7}" srcOrd="2" destOrd="0" parTransId="{6D408471-4568-4B52-BE8B-DA57397642DA}" sibTransId="{58F91A13-C6F4-40EA-A098-589F2C0EFCE6}"/>
+    <dgm:cxn modelId="{E3D02B66-32EF-4254-881F-48EE1E325450}" type="presOf" srcId="{E319911A-4062-482D-A56A-1A04EAA79D6F}" destId="{A4C03D11-F0CB-4F23-9EF7-0AB2535DC95B}" srcOrd="0" destOrd="1" presId="urn:microsoft.com/office/officeart/2005/8/layout/hProcess10"/>
     <dgm:cxn modelId="{C70B4AA7-6D52-45F8-9DC3-8048D68FD8BC}" type="presOf" srcId="{C50D24E8-6499-477C-96DB-674B3153D74A}" destId="{A496A00F-42B7-423E-912B-4CC3A32EA4B8}" srcOrd="0" destOrd="0" presId="urn:microsoft.com/office/officeart/2005/8/layout/hProcess10"/>
     <dgm:cxn modelId="{42020FE2-2852-4C3E-A62C-F2B1EBD16778}" type="presOf" srcId="{5251211C-2A96-4DCB-B96A-718B7FEE29FC}" destId="{E68B74AE-7391-4157-BAA9-8CC59951EBEE}" srcOrd="0" destOrd="0" presId="urn:microsoft.com/office/officeart/2005/8/layout/hProcess10"/>
     <dgm:cxn modelId="{E55897A8-FA16-4BC7-8E4B-F0F8702019DF}" type="presOf" srcId="{266C79A3-239E-493F-B8D3-7A33A63FAEF5}" destId="{0F9F2284-2284-4732-9015-3FEC425942BA}" srcOrd="0" destOrd="1" presId="urn:microsoft.com/office/officeart/2005/8/layout/hProcess10"/>
-    <dgm:cxn modelId="{7B05F940-D60B-474F-A4CF-2F4ACEC597B6}" srcId="{C50D24E8-6499-477C-96DB-674B3153D74A}" destId="{4489C5E7-4CB3-4705-ADC7-EC2D7DB205C7}" srcOrd="2" destOrd="0" parTransId="{6D408471-4568-4B52-BE8B-DA57397642DA}" sibTransId="{58F91A13-C6F4-40EA-A098-589F2C0EFCE6}"/>
-    <dgm:cxn modelId="{E3D02B66-32EF-4254-881F-48EE1E325450}" type="presOf" srcId="{E319911A-4062-482D-A56A-1A04EAA79D6F}" destId="{A4C03D11-F0CB-4F23-9EF7-0AB2535DC95B}" srcOrd="0" destOrd="1" presId="urn:microsoft.com/office/officeart/2005/8/layout/hProcess10"/>
-    <dgm:cxn modelId="{C9C3564E-0803-4DB4-8B73-487370AC23D2}" type="presOf" srcId="{5251211C-2A96-4DCB-B96A-718B7FEE29FC}" destId="{EB1EB879-57B0-4BB0-8304-82EAAE352B32}" srcOrd="1" destOrd="0" presId="urn:microsoft.com/office/officeart/2005/8/layout/hProcess10"/>
-    <dgm:cxn modelId="{6136DE81-2B02-4719-B534-06743435DB86}" type="presOf" srcId="{8B67BDF8-EECD-40A6-95C0-6F0D0AA823D5}" destId="{0F9F2284-2284-4732-9015-3FEC425942BA}" srcOrd="0" destOrd="2" presId="urn:microsoft.com/office/officeart/2005/8/layout/hProcess10"/>
-    <dgm:cxn modelId="{1E29528C-D471-4631-B9E7-BDEE5355D36B}" type="presOf" srcId="{B92C896A-8E81-4D84-B983-6966E2549ABD}" destId="{88B2F004-F12C-4EE6-9C27-742F06C18109}" srcOrd="0" destOrd="2" presId="urn:microsoft.com/office/officeart/2005/8/layout/hProcess10"/>
-    <dgm:cxn modelId="{FABFD9C9-6DEB-44D8-81E7-EDDEB04CCE2E}" srcId="{4489C5E7-4CB3-4705-ADC7-EC2D7DB205C7}" destId="{E319911A-4062-482D-A56A-1A04EAA79D6F}" srcOrd="0" destOrd="0" parTransId="{53B05F91-52ED-4447-B4C1-8852A419B243}" sibTransId="{60465054-A24A-44E2-BE9D-3F4BD3E2F5BA}"/>
-    <dgm:cxn modelId="{66A78BA1-617E-4401-BBD3-BDDF922EC72B}" type="presOf" srcId="{7B5CB32F-AC22-4F46-A5FC-85700A25BB5F}" destId="{A4C03D11-F0CB-4F23-9EF7-0AB2535DC95B}" srcOrd="0" destOrd="2" presId="urn:microsoft.com/office/officeart/2005/8/layout/hProcess10"/>
     <dgm:cxn modelId="{B78354E6-2421-4181-9ABE-40B926821D7A}" type="presParOf" srcId="{A496A00F-42B7-423E-912B-4CC3A32EA4B8}" destId="{0E037597-9865-4384-81EB-EFF058A57824}" srcOrd="0" destOrd="0" presId="urn:microsoft.com/office/officeart/2005/8/layout/hProcess10"/>
     <dgm:cxn modelId="{2C490231-1538-461B-8E61-29C13EC38A46}" type="presParOf" srcId="{0E037597-9865-4384-81EB-EFF058A57824}" destId="{C79E3C58-C50D-4A55-BAE6-20C3BE97D482}" srcOrd="0" destOrd="0" presId="urn:microsoft.com/office/officeart/2005/8/layout/hProcess10"/>
     <dgm:cxn modelId="{86B29170-3893-4D5C-BA2C-B8EA87848B52}" type="presParOf" srcId="{0E037597-9865-4384-81EB-EFF058A57824}" destId="{0F9F2284-2284-4732-9015-3FEC425942BA}" srcOrd="1" destOrd="0" presId="urn:microsoft.com/office/officeart/2005/8/layout/hProcess10"/>
@@ -11887,14 +11885,7 @@
         <a:p>
           <a:r>
             <a:rPr lang="en-US" dirty="0" smtClean="0"/>
-            <a:t>Operation</a:t>
-          </a:r>
-          <a:endParaRPr lang="ru-RU" dirty="0" smtClean="0"/>
-        </a:p>
-        <a:p>
-          <a:r>
-            <a:rPr lang="en-US" dirty="0" smtClean="0"/>
-            <a:t>Validity</a:t>
+            <a:t>Operations</a:t>
           </a:r>
           <a:endParaRPr lang="ru-RU" dirty="0"/>
         </a:p>
@@ -12701,14 +12692,7 @@
         <a:p>
           <a:r>
             <a:rPr lang="en-US" dirty="0" smtClean="0"/>
-            <a:t>Operation</a:t>
-          </a:r>
-          <a:endParaRPr lang="ru-RU" dirty="0" smtClean="0"/>
-        </a:p>
-        <a:p>
-          <a:r>
-            <a:rPr lang="en-US" dirty="0" smtClean="0"/>
-            <a:t>Validity</a:t>
+            <a:t>Operations</a:t>
           </a:r>
           <a:endParaRPr lang="ru-RU" dirty="0"/>
         </a:p>
@@ -14286,13 +14270,6 @@
             <a:rPr lang="en-US" dirty="0" smtClean="0"/>
             <a:t>Operation</a:t>
           </a:r>
-          <a:endParaRPr lang="ru-RU" dirty="0" smtClean="0"/>
-        </a:p>
-        <a:p>
-          <a:r>
-            <a:rPr lang="en-US" dirty="0" smtClean="0"/>
-            <a:t>Validity</a:t>
-          </a:r>
           <a:endParaRPr lang="ru-RU" dirty="0"/>
         </a:p>
       </dgm:t>
@@ -14882,7 +14859,7 @@
   <dgm:whole/>
   <dgm:extLst>
     <a:ext uri="http://schemas.microsoft.com/office/drawing/2008/diagram">
-      <dsp:dataModelExt xmlns:dsp="http://schemas.microsoft.com/office/drawing/2008/diagram" relId="rId12" minVer="http://schemas.openxmlformats.org/drawingml/2006/diagram"/>
+      <dsp:dataModelExt xmlns:dsp="http://schemas.microsoft.com/office/drawing/2008/diagram" relId="rId11" minVer="http://schemas.openxmlformats.org/drawingml/2006/diagram"/>
     </a:ext>
   </dgm:extLst>
 </dgm:dataModel>
@@ -14896,6 +14873,613 @@
       <dsp:cNvGrpSpPr/>
     </dsp:nvGrpSpPr>
     <dsp:grpSpPr/>
+    <dsp:sp modelId="{C79E3C58-C50D-4A55-BAE6-20C3BE97D482}">
+      <dsp:nvSpPr>
+        <dsp:cNvPr id="0" name=""/>
+        <dsp:cNvSpPr/>
+      </dsp:nvSpPr>
+      <dsp:spPr>
+        <a:xfrm>
+          <a:off x="5391" y="221260"/>
+          <a:ext cx="1934180" cy="1704195"/>
+        </a:xfrm>
+        <a:prstGeom prst="roundRect">
+          <a:avLst>
+            <a:gd name="adj" fmla="val 10000"/>
+          </a:avLst>
+        </a:prstGeom>
+        <a:blipFill>
+          <a:blip xmlns:r="http://schemas.openxmlformats.org/officeDocument/2006/relationships" r:embed="rId1" cstate="print">
+            <a:extLst>
+              <a:ext uri="{28A0092B-C50C-407E-A947-70E740481C1C}">
+                <a14:useLocalDpi xmlns:a14="http://schemas.microsoft.com/office/drawing/2010/main" val="0"/>
+              </a:ext>
+            </a:extLst>
+          </a:blip>
+          <a:srcRect/>
+          <a:stretch>
+            <a:fillRect t="-21000" b="-21000"/>
+          </a:stretch>
+        </a:blipFill>
+        <a:ln w="15875" cap="flat" cmpd="sng" algn="ctr">
+          <a:solidFill>
+            <a:schemeClr val="lt1">
+              <a:hueOff val="0"/>
+              <a:satOff val="0"/>
+              <a:lumOff val="0"/>
+              <a:alphaOff val="0"/>
+            </a:schemeClr>
+          </a:solidFill>
+          <a:prstDash val="solid"/>
+        </a:ln>
+        <a:effectLst/>
+      </dsp:spPr>
+      <dsp:style>
+        <a:lnRef idx="2">
+          <a:scrgbClr r="0" g="0" b="0"/>
+        </a:lnRef>
+        <a:fillRef idx="1">
+          <a:scrgbClr r="0" g="0" b="0"/>
+        </a:fillRef>
+        <a:effectRef idx="0">
+          <a:scrgbClr r="0" g="0" b="0"/>
+        </a:effectRef>
+        <a:fontRef idx="minor"/>
+      </dsp:style>
+    </dsp:sp>
+    <dsp:sp modelId="{0F9F2284-2284-4732-9015-3FEC425942BA}">
+      <dsp:nvSpPr>
+        <dsp:cNvPr id="0" name=""/>
+        <dsp:cNvSpPr/>
+      </dsp:nvSpPr>
+      <dsp:spPr>
+        <a:xfrm>
+          <a:off x="0" y="2605836"/>
+          <a:ext cx="2411756" cy="1265448"/>
+        </a:xfrm>
+        <a:prstGeom prst="roundRect">
+          <a:avLst>
+            <a:gd name="adj" fmla="val 10000"/>
+          </a:avLst>
+        </a:prstGeom>
+        <a:solidFill>
+          <a:schemeClr val="accent1">
+            <a:hueOff val="0"/>
+            <a:satOff val="0"/>
+            <a:lumOff val="0"/>
+            <a:alphaOff val="0"/>
+          </a:schemeClr>
+        </a:solidFill>
+        <a:ln w="15875" cap="flat" cmpd="sng" algn="ctr">
+          <a:solidFill>
+            <a:schemeClr val="lt1">
+              <a:hueOff val="0"/>
+              <a:satOff val="0"/>
+              <a:lumOff val="0"/>
+              <a:alphaOff val="0"/>
+            </a:schemeClr>
+          </a:solidFill>
+          <a:prstDash val="solid"/>
+        </a:ln>
+        <a:effectLst/>
+      </dsp:spPr>
+      <dsp:style>
+        <a:lnRef idx="2">
+          <a:scrgbClr r="0" g="0" b="0"/>
+        </a:lnRef>
+        <a:fillRef idx="1">
+          <a:scrgbClr r="0" g="0" b="0"/>
+        </a:fillRef>
+        <a:effectRef idx="0">
+          <a:scrgbClr r="0" g="0" b="0"/>
+        </a:effectRef>
+        <a:fontRef idx="minor">
+          <a:schemeClr val="lt1"/>
+        </a:fontRef>
+      </dsp:style>
+      <dsp:txBody>
+        <a:bodyPr spcFirstLastPara="0" vert="horz" wrap="square" lIns="87630" tIns="87630" rIns="87630" bIns="87630" numCol="1" spcCol="1270" anchor="t" anchorCtr="0">
+          <a:noAutofit/>
+        </a:bodyPr>
+        <a:lstStyle/>
+        <a:p>
+          <a:pPr lvl="0" algn="l" defTabSz="1022350">
+            <a:lnSpc>
+              <a:spcPct val="90000"/>
+            </a:lnSpc>
+            <a:spcBef>
+              <a:spcPct val="0"/>
+            </a:spcBef>
+            <a:spcAft>
+              <a:spcPct val="35000"/>
+            </a:spcAft>
+          </a:pPr>
+          <a:endParaRPr lang="ru-RU" sz="2300" kern="1200"/>
+        </a:p>
+        <a:p>
+          <a:pPr marL="171450" lvl="1" indent="-171450" algn="l" defTabSz="800100">
+            <a:lnSpc>
+              <a:spcPct val="90000"/>
+            </a:lnSpc>
+            <a:spcBef>
+              <a:spcPct val="0"/>
+            </a:spcBef>
+            <a:spcAft>
+              <a:spcPct val="15000"/>
+            </a:spcAft>
+            <a:buChar char="••"/>
+          </a:pPr>
+          <a:endParaRPr lang="ru-RU" sz="1800" kern="1200"/>
+        </a:p>
+        <a:p>
+          <a:pPr marL="171450" lvl="1" indent="-171450" algn="l" defTabSz="800100">
+            <a:lnSpc>
+              <a:spcPct val="90000"/>
+            </a:lnSpc>
+            <a:spcBef>
+              <a:spcPct val="0"/>
+            </a:spcBef>
+            <a:spcAft>
+              <a:spcPct val="15000"/>
+            </a:spcAft>
+            <a:buChar char="••"/>
+          </a:pPr>
+          <a:endParaRPr lang="ru-RU" sz="1800" kern="1200"/>
+        </a:p>
+      </dsp:txBody>
+      <dsp:txXfrm>
+        <a:off x="37064" y="2642900"/>
+        <a:ext cx="2337628" cy="1191320"/>
+      </dsp:txXfrm>
+    </dsp:sp>
+    <dsp:sp modelId="{9FBC957F-813F-4C5F-8238-EDB031A6FB65}">
+      <dsp:nvSpPr>
+        <dsp:cNvPr id="0" name=""/>
+        <dsp:cNvSpPr/>
+      </dsp:nvSpPr>
+      <dsp:spPr>
+        <a:xfrm>
+          <a:off x="2487939" y="886243"/>
+          <a:ext cx="549718" cy="579511"/>
+        </a:xfrm>
+        <a:prstGeom prst="rightArrow">
+          <a:avLst>
+            <a:gd name="adj1" fmla="val 60000"/>
+            <a:gd name="adj2" fmla="val 50000"/>
+          </a:avLst>
+        </a:prstGeom>
+        <a:solidFill>
+          <a:schemeClr val="accent1">
+            <a:tint val="60000"/>
+            <a:hueOff val="0"/>
+            <a:satOff val="0"/>
+            <a:lumOff val="0"/>
+            <a:alphaOff val="0"/>
+          </a:schemeClr>
+        </a:solidFill>
+        <a:ln>
+          <a:noFill/>
+        </a:ln>
+        <a:effectLst/>
+      </dsp:spPr>
+      <dsp:style>
+        <a:lnRef idx="0">
+          <a:scrgbClr r="0" g="0" b="0"/>
+        </a:lnRef>
+        <a:fillRef idx="1">
+          <a:scrgbClr r="0" g="0" b="0"/>
+        </a:fillRef>
+        <a:effectRef idx="0">
+          <a:scrgbClr r="0" g="0" b="0"/>
+        </a:effectRef>
+        <a:fontRef idx="minor">
+          <a:schemeClr val="lt1"/>
+        </a:fontRef>
+      </dsp:style>
+      <dsp:txBody>
+        <a:bodyPr spcFirstLastPara="0" vert="horz" wrap="square" lIns="0" tIns="0" rIns="0" bIns="0" numCol="1" spcCol="1270" anchor="ctr" anchorCtr="0">
+          <a:noAutofit/>
+        </a:bodyPr>
+        <a:lstStyle/>
+        <a:p>
+          <a:pPr lvl="0" algn="ctr" defTabSz="1066800">
+            <a:lnSpc>
+              <a:spcPct val="90000"/>
+            </a:lnSpc>
+            <a:spcBef>
+              <a:spcPct val="0"/>
+            </a:spcBef>
+            <a:spcAft>
+              <a:spcPct val="35000"/>
+            </a:spcAft>
+          </a:pPr>
+          <a:endParaRPr lang="ru-RU" sz="2400" kern="1200"/>
+        </a:p>
+      </dsp:txBody>
+      <dsp:txXfrm>
+        <a:off x="2487939" y="1002145"/>
+        <a:ext cx="384803" cy="347707"/>
+      </dsp:txXfrm>
+    </dsp:sp>
+    <dsp:sp modelId="{61281C31-B14F-4E73-AB15-634EE2F04D08}">
+      <dsp:nvSpPr>
+        <dsp:cNvPr id="0" name=""/>
+        <dsp:cNvSpPr/>
+      </dsp:nvSpPr>
+      <dsp:spPr>
+        <a:xfrm>
+          <a:off x="3507621" y="81957"/>
+          <a:ext cx="2411756" cy="2411756"/>
+        </a:xfrm>
+        <a:prstGeom prst="roundRect">
+          <a:avLst>
+            <a:gd name="adj" fmla="val 10000"/>
+          </a:avLst>
+        </a:prstGeom>
+        <a:solidFill>
+          <a:schemeClr val="accent1">
+            <a:tint val="50000"/>
+            <a:hueOff val="0"/>
+            <a:satOff val="0"/>
+            <a:lumOff val="0"/>
+            <a:alphaOff val="0"/>
+          </a:schemeClr>
+        </a:solidFill>
+        <a:ln w="15875" cap="flat" cmpd="sng" algn="ctr">
+          <a:solidFill>
+            <a:schemeClr val="lt1">
+              <a:hueOff val="0"/>
+              <a:satOff val="0"/>
+              <a:lumOff val="0"/>
+              <a:alphaOff val="0"/>
+            </a:schemeClr>
+          </a:solidFill>
+          <a:prstDash val="solid"/>
+        </a:ln>
+        <a:effectLst/>
+      </dsp:spPr>
+      <dsp:style>
+        <a:lnRef idx="2">
+          <a:scrgbClr r="0" g="0" b="0"/>
+        </a:lnRef>
+        <a:fillRef idx="1">
+          <a:scrgbClr r="0" g="0" b="0"/>
+        </a:fillRef>
+        <a:effectRef idx="0">
+          <a:scrgbClr r="0" g="0" b="0"/>
+        </a:effectRef>
+        <a:fontRef idx="minor"/>
+      </dsp:style>
+    </dsp:sp>
+    <dsp:sp modelId="{88B2F004-F12C-4EE6-9C27-742F06C18109}">
+      <dsp:nvSpPr>
+        <dsp:cNvPr id="0" name=""/>
+        <dsp:cNvSpPr/>
+      </dsp:nvSpPr>
+      <dsp:spPr>
+        <a:xfrm>
+          <a:off x="4474038" y="1610968"/>
+          <a:ext cx="2411756" cy="2411756"/>
+        </a:xfrm>
+        <a:prstGeom prst="roundRect">
+          <a:avLst>
+            <a:gd name="adj" fmla="val 10000"/>
+          </a:avLst>
+        </a:prstGeom>
+        <a:solidFill>
+          <a:schemeClr val="accent1">
+            <a:hueOff val="0"/>
+            <a:satOff val="0"/>
+            <a:lumOff val="0"/>
+            <a:alphaOff val="0"/>
+          </a:schemeClr>
+        </a:solidFill>
+        <a:ln w="15875" cap="flat" cmpd="sng" algn="ctr">
+          <a:solidFill>
+            <a:schemeClr val="lt1">
+              <a:hueOff val="0"/>
+              <a:satOff val="0"/>
+              <a:lumOff val="0"/>
+              <a:alphaOff val="0"/>
+            </a:schemeClr>
+          </a:solidFill>
+          <a:prstDash val="solid"/>
+        </a:ln>
+        <a:effectLst/>
+      </dsp:spPr>
+      <dsp:style>
+        <a:lnRef idx="2">
+          <a:scrgbClr r="0" g="0" b="0"/>
+        </a:lnRef>
+        <a:fillRef idx="1">
+          <a:scrgbClr r="0" g="0" b="0"/>
+        </a:fillRef>
+        <a:effectRef idx="0">
+          <a:scrgbClr r="0" g="0" b="0"/>
+        </a:effectRef>
+        <a:fontRef idx="minor">
+          <a:schemeClr val="lt1"/>
+        </a:fontRef>
+      </dsp:style>
+      <dsp:txBody>
+        <a:bodyPr spcFirstLastPara="0" vert="horz" wrap="square" lIns="167640" tIns="167640" rIns="167640" bIns="167640" numCol="1" spcCol="1270" anchor="t" anchorCtr="0">
+          <a:noAutofit/>
+        </a:bodyPr>
+        <a:lstStyle/>
+        <a:p>
+          <a:pPr lvl="0" algn="l" defTabSz="1955800">
+            <a:lnSpc>
+              <a:spcPct val="90000"/>
+            </a:lnSpc>
+            <a:spcBef>
+              <a:spcPct val="0"/>
+            </a:spcBef>
+            <a:spcAft>
+              <a:spcPct val="35000"/>
+            </a:spcAft>
+          </a:pPr>
+          <a:endParaRPr lang="ru-RU" sz="4400" kern="1200"/>
+        </a:p>
+        <a:p>
+          <a:pPr marL="285750" lvl="1" indent="-285750" algn="l" defTabSz="1511300">
+            <a:lnSpc>
+              <a:spcPct val="90000"/>
+            </a:lnSpc>
+            <a:spcBef>
+              <a:spcPct val="0"/>
+            </a:spcBef>
+            <a:spcAft>
+              <a:spcPct val="15000"/>
+            </a:spcAft>
+            <a:buChar char="••"/>
+          </a:pPr>
+          <a:endParaRPr lang="ru-RU" sz="3400" kern="1200"/>
+        </a:p>
+        <a:p>
+          <a:pPr marL="285750" lvl="1" indent="-285750" algn="l" defTabSz="1511300">
+            <a:lnSpc>
+              <a:spcPct val="90000"/>
+            </a:lnSpc>
+            <a:spcBef>
+              <a:spcPct val="0"/>
+            </a:spcBef>
+            <a:spcAft>
+              <a:spcPct val="15000"/>
+            </a:spcAft>
+            <a:buChar char="••"/>
+          </a:pPr>
+          <a:endParaRPr lang="ru-RU" sz="3400" kern="1200"/>
+        </a:p>
+      </dsp:txBody>
+      <dsp:txXfrm>
+        <a:off x="4544676" y="1681606"/>
+        <a:ext cx="2270480" cy="2270480"/>
+      </dsp:txXfrm>
+    </dsp:sp>
+    <dsp:sp modelId="{E68B74AE-7391-4157-BAA9-8CC59951EBEE}">
+      <dsp:nvSpPr>
+        <dsp:cNvPr id="0" name=""/>
+        <dsp:cNvSpPr/>
+      </dsp:nvSpPr>
+      <dsp:spPr>
+        <a:xfrm>
+          <a:off x="6383936" y="998079"/>
+          <a:ext cx="464557" cy="579511"/>
+        </a:xfrm>
+        <a:prstGeom prst="rightArrow">
+          <a:avLst>
+            <a:gd name="adj1" fmla="val 60000"/>
+            <a:gd name="adj2" fmla="val 50000"/>
+          </a:avLst>
+        </a:prstGeom>
+        <a:solidFill>
+          <a:schemeClr val="accent1">
+            <a:tint val="60000"/>
+            <a:hueOff val="0"/>
+            <a:satOff val="0"/>
+            <a:lumOff val="0"/>
+            <a:alphaOff val="0"/>
+          </a:schemeClr>
+        </a:solidFill>
+        <a:ln>
+          <a:noFill/>
+        </a:ln>
+        <a:effectLst/>
+      </dsp:spPr>
+      <dsp:style>
+        <a:lnRef idx="0">
+          <a:scrgbClr r="0" g="0" b="0"/>
+        </a:lnRef>
+        <a:fillRef idx="1">
+          <a:scrgbClr r="0" g="0" b="0"/>
+        </a:fillRef>
+        <a:effectRef idx="0">
+          <a:scrgbClr r="0" g="0" b="0"/>
+        </a:effectRef>
+        <a:fontRef idx="minor">
+          <a:schemeClr val="lt1"/>
+        </a:fontRef>
+      </dsp:style>
+      <dsp:txBody>
+        <a:bodyPr spcFirstLastPara="0" vert="horz" wrap="square" lIns="0" tIns="0" rIns="0" bIns="0" numCol="1" spcCol="1270" anchor="ctr" anchorCtr="0">
+          <a:noAutofit/>
+        </a:bodyPr>
+        <a:lstStyle/>
+        <a:p>
+          <a:pPr lvl="0" algn="ctr" defTabSz="1066800">
+            <a:lnSpc>
+              <a:spcPct val="90000"/>
+            </a:lnSpc>
+            <a:spcBef>
+              <a:spcPct val="0"/>
+            </a:spcBef>
+            <a:spcAft>
+              <a:spcPct val="35000"/>
+            </a:spcAft>
+          </a:pPr>
+          <a:endParaRPr lang="ru-RU" sz="2400" kern="1200"/>
+        </a:p>
+      </dsp:txBody>
+      <dsp:txXfrm>
+        <a:off x="6383936" y="1113981"/>
+        <a:ext cx="325190" cy="347707"/>
+      </dsp:txXfrm>
+    </dsp:sp>
+    <dsp:sp modelId="{941BA2DE-8CA4-4FC8-A6F3-EC5622CDF476}">
+      <dsp:nvSpPr>
+        <dsp:cNvPr id="0" name=""/>
+        <dsp:cNvSpPr/>
+      </dsp:nvSpPr>
+      <dsp:spPr>
+        <a:xfrm>
+          <a:off x="7246686" y="81957"/>
+          <a:ext cx="2411756" cy="2411756"/>
+        </a:xfrm>
+        <a:prstGeom prst="roundRect">
+          <a:avLst>
+            <a:gd name="adj" fmla="val 10000"/>
+          </a:avLst>
+        </a:prstGeom>
+        <a:solidFill>
+          <a:schemeClr val="accent1">
+            <a:tint val="50000"/>
+            <a:hueOff val="0"/>
+            <a:satOff val="0"/>
+            <a:lumOff val="0"/>
+            <a:alphaOff val="0"/>
+          </a:schemeClr>
+        </a:solidFill>
+        <a:ln w="15875" cap="flat" cmpd="sng" algn="ctr">
+          <a:solidFill>
+            <a:schemeClr val="lt1">
+              <a:hueOff val="0"/>
+              <a:satOff val="0"/>
+              <a:lumOff val="0"/>
+              <a:alphaOff val="0"/>
+            </a:schemeClr>
+          </a:solidFill>
+          <a:prstDash val="solid"/>
+        </a:ln>
+        <a:effectLst/>
+      </dsp:spPr>
+      <dsp:style>
+        <a:lnRef idx="2">
+          <a:scrgbClr r="0" g="0" b="0"/>
+        </a:lnRef>
+        <a:fillRef idx="1">
+          <a:scrgbClr r="0" g="0" b="0"/>
+        </a:fillRef>
+        <a:effectRef idx="0">
+          <a:scrgbClr r="0" g="0" b="0"/>
+        </a:effectRef>
+        <a:fontRef idx="minor"/>
+      </dsp:style>
+    </dsp:sp>
+    <dsp:sp modelId="{A4C03D11-F0CB-4F23-9EF7-0AB2535DC95B}">
+      <dsp:nvSpPr>
+        <dsp:cNvPr id="0" name=""/>
+        <dsp:cNvSpPr/>
+      </dsp:nvSpPr>
+      <dsp:spPr>
+        <a:xfrm>
+          <a:off x="7644748" y="1500214"/>
+          <a:ext cx="2411756" cy="2411756"/>
+        </a:xfrm>
+        <a:prstGeom prst="roundRect">
+          <a:avLst>
+            <a:gd name="adj" fmla="val 10000"/>
+          </a:avLst>
+        </a:prstGeom>
+        <a:solidFill>
+          <a:schemeClr val="accent1">
+            <a:hueOff val="0"/>
+            <a:satOff val="0"/>
+            <a:lumOff val="0"/>
+            <a:alphaOff val="0"/>
+          </a:schemeClr>
+        </a:solidFill>
+        <a:ln w="15875" cap="flat" cmpd="sng" algn="ctr">
+          <a:solidFill>
+            <a:schemeClr val="lt1">
+              <a:hueOff val="0"/>
+              <a:satOff val="0"/>
+              <a:lumOff val="0"/>
+              <a:alphaOff val="0"/>
+            </a:schemeClr>
+          </a:solidFill>
+          <a:prstDash val="solid"/>
+        </a:ln>
+        <a:effectLst/>
+      </dsp:spPr>
+      <dsp:style>
+        <a:lnRef idx="2">
+          <a:scrgbClr r="0" g="0" b="0"/>
+        </a:lnRef>
+        <a:fillRef idx="1">
+          <a:scrgbClr r="0" g="0" b="0"/>
+        </a:fillRef>
+        <a:effectRef idx="0">
+          <a:scrgbClr r="0" g="0" b="0"/>
+        </a:effectRef>
+        <a:fontRef idx="minor">
+          <a:schemeClr val="lt1"/>
+        </a:fontRef>
+      </dsp:style>
+      <dsp:txBody>
+        <a:bodyPr spcFirstLastPara="0" vert="horz" wrap="square" lIns="167640" tIns="167640" rIns="167640" bIns="167640" numCol="1" spcCol="1270" anchor="t" anchorCtr="0">
+          <a:noAutofit/>
+        </a:bodyPr>
+        <a:lstStyle/>
+        <a:p>
+          <a:pPr lvl="0" algn="l" defTabSz="1955800">
+            <a:lnSpc>
+              <a:spcPct val="90000"/>
+            </a:lnSpc>
+            <a:spcBef>
+              <a:spcPct val="0"/>
+            </a:spcBef>
+            <a:spcAft>
+              <a:spcPct val="35000"/>
+            </a:spcAft>
+          </a:pPr>
+          <a:endParaRPr lang="ru-RU" sz="4400" kern="1200"/>
+        </a:p>
+        <a:p>
+          <a:pPr marL="285750" lvl="1" indent="-285750" algn="l" defTabSz="1511300">
+            <a:lnSpc>
+              <a:spcPct val="90000"/>
+            </a:lnSpc>
+            <a:spcBef>
+              <a:spcPct val="0"/>
+            </a:spcBef>
+            <a:spcAft>
+              <a:spcPct val="15000"/>
+            </a:spcAft>
+            <a:buChar char="••"/>
+          </a:pPr>
+          <a:endParaRPr lang="ru-RU" sz="3400" kern="1200"/>
+        </a:p>
+        <a:p>
+          <a:pPr marL="285750" lvl="1" indent="-285750" algn="l" defTabSz="1511300">
+            <a:lnSpc>
+              <a:spcPct val="90000"/>
+            </a:lnSpc>
+            <a:spcBef>
+              <a:spcPct val="0"/>
+            </a:spcBef>
+            <a:spcAft>
+              <a:spcPct val="15000"/>
+            </a:spcAft>
+            <a:buChar char="••"/>
+          </a:pPr>
+          <a:endParaRPr lang="ru-RU" sz="3400" kern="1200"/>
+        </a:p>
+      </dsp:txBody>
+      <dsp:txXfrm>
+        <a:off x="7715386" y="1570852"/>
+        <a:ext cx="2270480" cy="2270480"/>
+      </dsp:txXfrm>
+    </dsp:sp>
   </dsp:spTree>
 </dsp:drawing>
 </file>
@@ -14908,6 +15492,374 @@
       <dsp:cNvGrpSpPr/>
     </dsp:nvGrpSpPr>
     <dsp:grpSpPr/>
+    <dsp:sp modelId="{B9E4810E-52F3-40F0-9593-6C037BA1D12A}">
+      <dsp:nvSpPr>
+        <dsp:cNvPr id="0" name=""/>
+        <dsp:cNvSpPr/>
+      </dsp:nvSpPr>
+      <dsp:spPr>
+        <a:xfrm>
+          <a:off x="0" y="63087"/>
+          <a:ext cx="8208085" cy="719549"/>
+        </a:xfrm>
+        <a:prstGeom prst="roundRect">
+          <a:avLst/>
+        </a:prstGeom>
+        <a:solidFill>
+          <a:schemeClr val="accent1">
+            <a:hueOff val="0"/>
+            <a:satOff val="0"/>
+            <a:lumOff val="0"/>
+            <a:alphaOff val="0"/>
+          </a:schemeClr>
+        </a:solidFill>
+        <a:ln w="15875" cap="flat" cmpd="sng" algn="ctr">
+          <a:solidFill>
+            <a:schemeClr val="lt1">
+              <a:hueOff val="0"/>
+              <a:satOff val="0"/>
+              <a:lumOff val="0"/>
+              <a:alphaOff val="0"/>
+            </a:schemeClr>
+          </a:solidFill>
+          <a:prstDash val="solid"/>
+        </a:ln>
+        <a:effectLst/>
+      </dsp:spPr>
+      <dsp:style>
+        <a:lnRef idx="2">
+          <a:scrgbClr r="0" g="0" b="0"/>
+        </a:lnRef>
+        <a:fillRef idx="1">
+          <a:scrgbClr r="0" g="0" b="0"/>
+        </a:fillRef>
+        <a:effectRef idx="0">
+          <a:scrgbClr r="0" g="0" b="0"/>
+        </a:effectRef>
+        <a:fontRef idx="minor">
+          <a:schemeClr val="lt1"/>
+        </a:fontRef>
+      </dsp:style>
+      <dsp:txBody>
+        <a:bodyPr spcFirstLastPara="0" vert="horz" wrap="square" lIns="114300" tIns="114300" rIns="114300" bIns="114300" numCol="1" spcCol="1270" anchor="ctr" anchorCtr="0">
+          <a:noAutofit/>
+        </a:bodyPr>
+        <a:lstStyle/>
+        <a:p>
+          <a:pPr lvl="0" algn="l" defTabSz="1333500">
+            <a:lnSpc>
+              <a:spcPct val="90000"/>
+            </a:lnSpc>
+            <a:spcBef>
+              <a:spcPct val="0"/>
+            </a:spcBef>
+            <a:spcAft>
+              <a:spcPct val="35000"/>
+            </a:spcAft>
+          </a:pPr>
+          <a:r>
+            <a:rPr lang="ru-RU" sz="3000" kern="1200" dirty="0" smtClean="0"/>
+            <a:t>Функции библиотеки</a:t>
+          </a:r>
+          <a:endParaRPr lang="ru-RU" sz="3000" kern="1200" dirty="0"/>
+        </a:p>
+      </dsp:txBody>
+      <dsp:txXfrm>
+        <a:off x="35125" y="98212"/>
+        <a:ext cx="8137835" cy="649299"/>
+      </dsp:txXfrm>
+    </dsp:sp>
+    <dsp:sp modelId="{625A264F-F3DF-4EEC-8B66-102C93BB9818}">
+      <dsp:nvSpPr>
+        <dsp:cNvPr id="0" name=""/>
+        <dsp:cNvSpPr/>
+      </dsp:nvSpPr>
+      <dsp:spPr>
+        <a:xfrm>
+          <a:off x="0" y="782637"/>
+          <a:ext cx="8208085" cy="1210950"/>
+        </a:xfrm>
+        <a:prstGeom prst="rect">
+          <a:avLst/>
+        </a:prstGeom>
+        <a:noFill/>
+        <a:ln>
+          <a:noFill/>
+        </a:ln>
+        <a:effectLst/>
+      </dsp:spPr>
+      <dsp:style>
+        <a:lnRef idx="0">
+          <a:scrgbClr r="0" g="0" b="0"/>
+        </a:lnRef>
+        <a:fillRef idx="0">
+          <a:scrgbClr r="0" g="0" b="0"/>
+        </a:fillRef>
+        <a:effectRef idx="0">
+          <a:scrgbClr r="0" g="0" b="0"/>
+        </a:effectRef>
+        <a:fontRef idx="minor"/>
+      </dsp:style>
+      <dsp:txBody>
+        <a:bodyPr spcFirstLastPara="0" vert="horz" wrap="square" lIns="260607" tIns="38100" rIns="213360" bIns="38100" numCol="1" spcCol="1270" anchor="t" anchorCtr="0">
+          <a:noAutofit/>
+        </a:bodyPr>
+        <a:lstStyle/>
+        <a:p>
+          <a:pPr marL="228600" lvl="1" indent="-228600" algn="l" defTabSz="1022350">
+            <a:lnSpc>
+              <a:spcPct val="90000"/>
+            </a:lnSpc>
+            <a:spcBef>
+              <a:spcPct val="0"/>
+            </a:spcBef>
+            <a:spcAft>
+              <a:spcPct val="20000"/>
+            </a:spcAft>
+            <a:buChar char="••"/>
+          </a:pPr>
+          <a:r>
+            <a:rPr lang="ru-RU" sz="2300" kern="1200" dirty="0" smtClean="0"/>
+            <a:t>Прочитать/записать текстовый файл</a:t>
+          </a:r>
+          <a:endParaRPr lang="ru-RU" sz="2300" kern="1200" dirty="0"/>
+        </a:p>
+        <a:p>
+          <a:pPr marL="228600" lvl="1" indent="-228600" algn="l" defTabSz="1022350">
+            <a:lnSpc>
+              <a:spcPct val="90000"/>
+            </a:lnSpc>
+            <a:spcBef>
+              <a:spcPct val="0"/>
+            </a:spcBef>
+            <a:spcAft>
+              <a:spcPct val="20000"/>
+            </a:spcAft>
+            <a:buChar char="••"/>
+          </a:pPr>
+          <a:r>
+            <a:rPr lang="ru-RU" sz="2300" kern="1200" dirty="0" smtClean="0"/>
+            <a:t>Прочитать/записать </a:t>
+          </a:r>
+          <a:r>
+            <a:rPr lang="en-US" sz="2300" kern="1200" dirty="0" smtClean="0"/>
+            <a:t>JSON-</a:t>
+          </a:r>
+          <a:r>
+            <a:rPr lang="ru-RU" sz="2300" kern="1200" dirty="0" smtClean="0"/>
+            <a:t>файл</a:t>
+          </a:r>
+          <a:endParaRPr lang="ru-RU" sz="2300" kern="1200" dirty="0"/>
+        </a:p>
+        <a:p>
+          <a:pPr marL="228600" lvl="1" indent="-228600" algn="l" defTabSz="1022350">
+            <a:lnSpc>
+              <a:spcPct val="90000"/>
+            </a:lnSpc>
+            <a:spcBef>
+              <a:spcPct val="0"/>
+            </a:spcBef>
+            <a:spcAft>
+              <a:spcPct val="20000"/>
+            </a:spcAft>
+            <a:buChar char="••"/>
+          </a:pPr>
+          <a:r>
+            <a:rPr lang="ru-RU" sz="2300" kern="1200" dirty="0" smtClean="0"/>
+            <a:t>Проверить </a:t>
+          </a:r>
+          <a:r>
+            <a:rPr lang="en-US" sz="2300" kern="1200" dirty="0" smtClean="0"/>
+            <a:t>JSON-</a:t>
+          </a:r>
+          <a:r>
+            <a:rPr lang="ru-RU" sz="2300" kern="1200" dirty="0" smtClean="0"/>
+            <a:t>структуру на соответствие шаблону</a:t>
+          </a:r>
+          <a:endParaRPr lang="ru-RU" sz="2300" kern="1200" dirty="0"/>
+        </a:p>
+      </dsp:txBody>
+      <dsp:txXfrm>
+        <a:off x="0" y="782637"/>
+        <a:ext cx="8208085" cy="1210950"/>
+      </dsp:txXfrm>
+    </dsp:sp>
+    <dsp:sp modelId="{557F1F5C-6D75-4492-8EF1-6580ED92ACAF}">
+      <dsp:nvSpPr>
+        <dsp:cNvPr id="0" name=""/>
+        <dsp:cNvSpPr/>
+      </dsp:nvSpPr>
+      <dsp:spPr>
+        <a:xfrm>
+          <a:off x="0" y="1993587"/>
+          <a:ext cx="8208085" cy="719549"/>
+        </a:xfrm>
+        <a:prstGeom prst="roundRect">
+          <a:avLst/>
+        </a:prstGeom>
+        <a:solidFill>
+          <a:schemeClr val="accent1">
+            <a:hueOff val="0"/>
+            <a:satOff val="0"/>
+            <a:lumOff val="0"/>
+            <a:alphaOff val="0"/>
+          </a:schemeClr>
+        </a:solidFill>
+        <a:ln w="15875" cap="flat" cmpd="sng" algn="ctr">
+          <a:solidFill>
+            <a:schemeClr val="lt1">
+              <a:hueOff val="0"/>
+              <a:satOff val="0"/>
+              <a:lumOff val="0"/>
+              <a:alphaOff val="0"/>
+            </a:schemeClr>
+          </a:solidFill>
+          <a:prstDash val="solid"/>
+        </a:ln>
+        <a:effectLst/>
+      </dsp:spPr>
+      <dsp:style>
+        <a:lnRef idx="2">
+          <a:scrgbClr r="0" g="0" b="0"/>
+        </a:lnRef>
+        <a:fillRef idx="1">
+          <a:scrgbClr r="0" g="0" b="0"/>
+        </a:fillRef>
+        <a:effectRef idx="0">
+          <a:scrgbClr r="0" g="0" b="0"/>
+        </a:effectRef>
+        <a:fontRef idx="minor">
+          <a:schemeClr val="lt1"/>
+        </a:fontRef>
+      </dsp:style>
+      <dsp:txBody>
+        <a:bodyPr spcFirstLastPara="0" vert="horz" wrap="square" lIns="114300" tIns="114300" rIns="114300" bIns="114300" numCol="1" spcCol="1270" anchor="ctr" anchorCtr="0">
+          <a:noAutofit/>
+        </a:bodyPr>
+        <a:lstStyle/>
+        <a:p>
+          <a:pPr lvl="0" algn="l" defTabSz="1333500">
+            <a:lnSpc>
+              <a:spcPct val="90000"/>
+            </a:lnSpc>
+            <a:spcBef>
+              <a:spcPct val="0"/>
+            </a:spcBef>
+            <a:spcAft>
+              <a:spcPct val="35000"/>
+            </a:spcAft>
+          </a:pPr>
+          <a:r>
+            <a:rPr lang="ru-RU" sz="3000" kern="1200" dirty="0" smtClean="0"/>
+            <a:t>Проверка при работе с файлами</a:t>
+          </a:r>
+          <a:endParaRPr lang="ru-RU" sz="3000" kern="1200" dirty="0"/>
+        </a:p>
+      </dsp:txBody>
+      <dsp:txXfrm>
+        <a:off x="35125" y="2028712"/>
+        <a:ext cx="8137835" cy="649299"/>
+      </dsp:txXfrm>
+    </dsp:sp>
+    <dsp:sp modelId="{657A1B8A-9783-4C29-9201-29A02D448FA4}">
+      <dsp:nvSpPr>
+        <dsp:cNvPr id="0" name=""/>
+        <dsp:cNvSpPr/>
+      </dsp:nvSpPr>
+      <dsp:spPr>
+        <a:xfrm>
+          <a:off x="0" y="2713137"/>
+          <a:ext cx="8208085" cy="1210950"/>
+        </a:xfrm>
+        <a:prstGeom prst="rect">
+          <a:avLst/>
+        </a:prstGeom>
+        <a:noFill/>
+        <a:ln>
+          <a:noFill/>
+        </a:ln>
+        <a:effectLst/>
+      </dsp:spPr>
+      <dsp:style>
+        <a:lnRef idx="0">
+          <a:scrgbClr r="0" g="0" b="0"/>
+        </a:lnRef>
+        <a:fillRef idx="0">
+          <a:scrgbClr r="0" g="0" b="0"/>
+        </a:fillRef>
+        <a:effectRef idx="0">
+          <a:scrgbClr r="0" g="0" b="0"/>
+        </a:effectRef>
+        <a:fontRef idx="minor"/>
+      </dsp:style>
+      <dsp:txBody>
+        <a:bodyPr spcFirstLastPara="0" vert="horz" wrap="square" lIns="260607" tIns="38100" rIns="213360" bIns="38100" numCol="1" spcCol="1270" anchor="t" anchorCtr="0">
+          <a:noAutofit/>
+        </a:bodyPr>
+        <a:lstStyle/>
+        <a:p>
+          <a:pPr marL="228600" lvl="1" indent="-228600" algn="l" defTabSz="1022350">
+            <a:lnSpc>
+              <a:spcPct val="90000"/>
+            </a:lnSpc>
+            <a:spcBef>
+              <a:spcPct val="0"/>
+            </a:spcBef>
+            <a:spcAft>
+              <a:spcPct val="20000"/>
+            </a:spcAft>
+            <a:buChar char="••"/>
+          </a:pPr>
+          <a:r>
+            <a:rPr lang="ru-RU" sz="2300" kern="1200" dirty="0" smtClean="0"/>
+            <a:t>Проверка на существование файла</a:t>
+          </a:r>
+          <a:endParaRPr lang="ru-RU" sz="2300" kern="1200" dirty="0"/>
+        </a:p>
+        <a:p>
+          <a:pPr marL="228600" lvl="1" indent="-228600" algn="l" defTabSz="1022350">
+            <a:lnSpc>
+              <a:spcPct val="90000"/>
+            </a:lnSpc>
+            <a:spcBef>
+              <a:spcPct val="0"/>
+            </a:spcBef>
+            <a:spcAft>
+              <a:spcPct val="20000"/>
+            </a:spcAft>
+            <a:buChar char="••"/>
+          </a:pPr>
+          <a:r>
+            <a:rPr lang="ru-RU" sz="2300" kern="1200" dirty="0" smtClean="0"/>
+            <a:t>Проверка на открытие файла</a:t>
+          </a:r>
+          <a:endParaRPr lang="ru-RU" sz="2300" kern="1200" dirty="0"/>
+        </a:p>
+        <a:p>
+          <a:pPr marL="228600" lvl="1" indent="-228600" algn="l" defTabSz="1022350">
+            <a:lnSpc>
+              <a:spcPct val="90000"/>
+            </a:lnSpc>
+            <a:spcBef>
+              <a:spcPct val="0"/>
+            </a:spcBef>
+            <a:spcAft>
+              <a:spcPct val="20000"/>
+            </a:spcAft>
+            <a:buChar char="••"/>
+          </a:pPr>
+          <a:r>
+            <a:rPr lang="ru-RU" sz="2300" kern="1200" dirty="0" smtClean="0"/>
+            <a:t>Проверка на ошибки во время чтения/записи файла</a:t>
+          </a:r>
+          <a:endParaRPr lang="ru-RU" sz="2300" kern="1200" dirty="0"/>
+        </a:p>
+      </dsp:txBody>
+      <dsp:txXfrm>
+        <a:off x="0" y="2713137"/>
+        <a:ext cx="8208085" cy="1210950"/>
+      </dsp:txXfrm>
+    </dsp:sp>
   </dsp:spTree>
 </dsp:drawing>
 </file>
@@ -14920,6 +15872,354 @@
       <dsp:cNvGrpSpPr/>
     </dsp:nvGrpSpPr>
     <dsp:grpSpPr/>
+    <dsp:sp modelId="{A44F0C9A-3648-4916-982F-AF9587978149}">
+      <dsp:nvSpPr>
+        <dsp:cNvPr id="0" name=""/>
+        <dsp:cNvSpPr/>
+      </dsp:nvSpPr>
+      <dsp:spPr>
+        <a:xfrm>
+          <a:off x="0" y="0"/>
+          <a:ext cx="7868458" cy="647595"/>
+        </a:xfrm>
+        <a:prstGeom prst="roundRect">
+          <a:avLst/>
+        </a:prstGeom>
+        <a:solidFill>
+          <a:schemeClr val="accent1">
+            <a:hueOff val="0"/>
+            <a:satOff val="0"/>
+            <a:lumOff val="0"/>
+            <a:alphaOff val="0"/>
+          </a:schemeClr>
+        </a:solidFill>
+        <a:ln w="15875" cap="flat" cmpd="sng" algn="ctr">
+          <a:solidFill>
+            <a:schemeClr val="lt1">
+              <a:hueOff val="0"/>
+              <a:satOff val="0"/>
+              <a:lumOff val="0"/>
+              <a:alphaOff val="0"/>
+            </a:schemeClr>
+          </a:solidFill>
+          <a:prstDash val="solid"/>
+        </a:ln>
+        <a:effectLst/>
+      </dsp:spPr>
+      <dsp:style>
+        <a:lnRef idx="2">
+          <a:scrgbClr r="0" g="0" b="0"/>
+        </a:lnRef>
+        <a:fillRef idx="1">
+          <a:scrgbClr r="0" g="0" b="0"/>
+        </a:fillRef>
+        <a:effectRef idx="0">
+          <a:scrgbClr r="0" g="0" b="0"/>
+        </a:effectRef>
+        <a:fontRef idx="minor">
+          <a:schemeClr val="lt1"/>
+        </a:fontRef>
+      </dsp:style>
+      <dsp:txBody>
+        <a:bodyPr spcFirstLastPara="0" vert="horz" wrap="square" lIns="102870" tIns="102870" rIns="102870" bIns="102870" numCol="1" spcCol="1270" anchor="ctr" anchorCtr="0">
+          <a:noAutofit/>
+        </a:bodyPr>
+        <a:lstStyle/>
+        <a:p>
+          <a:pPr lvl="0" algn="l" defTabSz="1200150">
+            <a:lnSpc>
+              <a:spcPct val="90000"/>
+            </a:lnSpc>
+            <a:spcBef>
+              <a:spcPct val="0"/>
+            </a:spcBef>
+            <a:spcAft>
+              <a:spcPct val="35000"/>
+            </a:spcAft>
+          </a:pPr>
+          <a:r>
+            <a:rPr lang="ru-RU" sz="2700" kern="1200" dirty="0" smtClean="0"/>
+            <a:t>Функции библиотеки</a:t>
+          </a:r>
+          <a:endParaRPr lang="ru-RU" sz="2700" kern="1200" dirty="0"/>
+        </a:p>
+      </dsp:txBody>
+      <dsp:txXfrm>
+        <a:off x="31613" y="31613"/>
+        <a:ext cx="7805232" cy="584369"/>
+      </dsp:txXfrm>
+    </dsp:sp>
+    <dsp:sp modelId="{F2725D4B-59A7-40CF-AA8E-A27EC37530B2}">
+      <dsp:nvSpPr>
+        <dsp:cNvPr id="0" name=""/>
+        <dsp:cNvSpPr/>
+      </dsp:nvSpPr>
+      <dsp:spPr>
+        <a:xfrm>
+          <a:off x="0" y="665250"/>
+          <a:ext cx="7868458" cy="447120"/>
+        </a:xfrm>
+        <a:prstGeom prst="rect">
+          <a:avLst/>
+        </a:prstGeom>
+        <a:noFill/>
+        <a:ln>
+          <a:noFill/>
+        </a:ln>
+        <a:effectLst/>
+      </dsp:spPr>
+      <dsp:style>
+        <a:lnRef idx="0">
+          <a:scrgbClr r="0" g="0" b="0"/>
+        </a:lnRef>
+        <a:fillRef idx="0">
+          <a:scrgbClr r="0" g="0" b="0"/>
+        </a:fillRef>
+        <a:effectRef idx="0">
+          <a:scrgbClr r="0" g="0" b="0"/>
+        </a:effectRef>
+        <a:fontRef idx="minor"/>
+      </dsp:style>
+      <dsp:txBody>
+        <a:bodyPr spcFirstLastPara="0" vert="horz" wrap="square" lIns="249824" tIns="34290" rIns="192024" bIns="34290" numCol="1" spcCol="1270" anchor="t" anchorCtr="0">
+          <a:noAutofit/>
+        </a:bodyPr>
+        <a:lstStyle/>
+        <a:p>
+          <a:pPr marL="228600" lvl="1" indent="-228600" algn="l" defTabSz="933450">
+            <a:lnSpc>
+              <a:spcPct val="90000"/>
+            </a:lnSpc>
+            <a:spcBef>
+              <a:spcPct val="0"/>
+            </a:spcBef>
+            <a:spcAft>
+              <a:spcPct val="20000"/>
+            </a:spcAft>
+            <a:buChar char="••"/>
+          </a:pPr>
+          <a:r>
+            <a:rPr lang="ru-RU" sz="2100" kern="1200" dirty="0" smtClean="0"/>
+            <a:t>Предоставляет 5 уровней логирования</a:t>
+          </a:r>
+          <a:endParaRPr lang="ru-RU" sz="2100" kern="1200" dirty="0"/>
+        </a:p>
+      </dsp:txBody>
+      <dsp:txXfrm>
+        <a:off x="0" y="665250"/>
+        <a:ext cx="7868458" cy="447120"/>
+      </dsp:txXfrm>
+    </dsp:sp>
+    <dsp:sp modelId="{6C5C9815-44A2-4551-A509-FE6F0947C3DB}">
+      <dsp:nvSpPr>
+        <dsp:cNvPr id="0" name=""/>
+        <dsp:cNvSpPr/>
+      </dsp:nvSpPr>
+      <dsp:spPr>
+        <a:xfrm>
+          <a:off x="0" y="1112370"/>
+          <a:ext cx="7868458" cy="647595"/>
+        </a:xfrm>
+        <a:prstGeom prst="roundRect">
+          <a:avLst/>
+        </a:prstGeom>
+        <a:solidFill>
+          <a:schemeClr val="accent1">
+            <a:hueOff val="0"/>
+            <a:satOff val="0"/>
+            <a:lumOff val="0"/>
+            <a:alphaOff val="0"/>
+          </a:schemeClr>
+        </a:solidFill>
+        <a:ln w="15875" cap="flat" cmpd="sng" algn="ctr">
+          <a:solidFill>
+            <a:schemeClr val="lt1">
+              <a:hueOff val="0"/>
+              <a:satOff val="0"/>
+              <a:lumOff val="0"/>
+              <a:alphaOff val="0"/>
+            </a:schemeClr>
+          </a:solidFill>
+          <a:prstDash val="solid"/>
+        </a:ln>
+        <a:effectLst/>
+      </dsp:spPr>
+      <dsp:style>
+        <a:lnRef idx="2">
+          <a:scrgbClr r="0" g="0" b="0"/>
+        </a:lnRef>
+        <a:fillRef idx="1">
+          <a:scrgbClr r="0" g="0" b="0"/>
+        </a:fillRef>
+        <a:effectRef idx="0">
+          <a:scrgbClr r="0" g="0" b="0"/>
+        </a:effectRef>
+        <a:fontRef idx="minor">
+          <a:schemeClr val="lt1"/>
+        </a:fontRef>
+      </dsp:style>
+      <dsp:txBody>
+        <a:bodyPr spcFirstLastPara="0" vert="horz" wrap="square" lIns="102870" tIns="102870" rIns="102870" bIns="102870" numCol="1" spcCol="1270" anchor="ctr" anchorCtr="0">
+          <a:noAutofit/>
+        </a:bodyPr>
+        <a:lstStyle/>
+        <a:p>
+          <a:pPr lvl="0" algn="l" defTabSz="1200150">
+            <a:lnSpc>
+              <a:spcPct val="90000"/>
+            </a:lnSpc>
+            <a:spcBef>
+              <a:spcPct val="0"/>
+            </a:spcBef>
+            <a:spcAft>
+              <a:spcPct val="35000"/>
+            </a:spcAft>
+          </a:pPr>
+          <a:r>
+            <a:rPr lang="ru-RU" sz="2700" kern="1200" dirty="0" smtClean="0"/>
+            <a:t>Внутренние функции</a:t>
+          </a:r>
+          <a:endParaRPr lang="ru-RU" sz="2700" kern="1200" dirty="0"/>
+        </a:p>
+      </dsp:txBody>
+      <dsp:txXfrm>
+        <a:off x="31613" y="1143983"/>
+        <a:ext cx="7805232" cy="584369"/>
+      </dsp:txXfrm>
+    </dsp:sp>
+    <dsp:sp modelId="{84271FDF-D644-48A5-8BBB-391AF85E26F5}">
+      <dsp:nvSpPr>
+        <dsp:cNvPr id="0" name=""/>
+        <dsp:cNvSpPr/>
+      </dsp:nvSpPr>
+      <dsp:spPr>
+        <a:xfrm>
+          <a:off x="0" y="1759965"/>
+          <a:ext cx="7868458" cy="2123819"/>
+        </a:xfrm>
+        <a:prstGeom prst="rect">
+          <a:avLst/>
+        </a:prstGeom>
+        <a:noFill/>
+        <a:ln>
+          <a:noFill/>
+        </a:ln>
+        <a:effectLst/>
+      </dsp:spPr>
+      <dsp:style>
+        <a:lnRef idx="0">
+          <a:scrgbClr r="0" g="0" b="0"/>
+        </a:lnRef>
+        <a:fillRef idx="0">
+          <a:scrgbClr r="0" g="0" b="0"/>
+        </a:fillRef>
+        <a:effectRef idx="0">
+          <a:scrgbClr r="0" g="0" b="0"/>
+        </a:effectRef>
+        <a:fontRef idx="minor"/>
+      </dsp:style>
+      <dsp:txBody>
+        <a:bodyPr spcFirstLastPara="0" vert="horz" wrap="square" lIns="249824" tIns="34290" rIns="192024" bIns="34290" numCol="1" spcCol="1270" anchor="t" anchorCtr="0">
+          <a:noAutofit/>
+        </a:bodyPr>
+        <a:lstStyle/>
+        <a:p>
+          <a:pPr marL="228600" lvl="1" indent="-228600" algn="l" defTabSz="933450">
+            <a:lnSpc>
+              <a:spcPct val="90000"/>
+            </a:lnSpc>
+            <a:spcBef>
+              <a:spcPct val="0"/>
+            </a:spcBef>
+            <a:spcAft>
+              <a:spcPct val="20000"/>
+            </a:spcAft>
+            <a:buChar char="••"/>
+          </a:pPr>
+          <a:r>
+            <a:rPr lang="ru-RU" sz="2100" kern="1200" dirty="0" smtClean="0"/>
+            <a:t>Записывает сообщения в лог-файлы в другом потоке</a:t>
+          </a:r>
+          <a:endParaRPr lang="ru-RU" sz="2100" kern="1200" dirty="0"/>
+        </a:p>
+        <a:p>
+          <a:pPr marL="228600" lvl="1" indent="-228600" algn="l" defTabSz="933450">
+            <a:lnSpc>
+              <a:spcPct val="90000"/>
+            </a:lnSpc>
+            <a:spcBef>
+              <a:spcPct val="0"/>
+            </a:spcBef>
+            <a:spcAft>
+              <a:spcPct val="20000"/>
+            </a:spcAft>
+            <a:buChar char="••"/>
+          </a:pPr>
+          <a:r>
+            <a:rPr lang="ru-RU" sz="2100" kern="1200" dirty="0" smtClean="0"/>
+            <a:t>Выводит события в консоль в другом потоке и в другом процессе</a:t>
+          </a:r>
+          <a:endParaRPr lang="ru-RU" sz="2100" kern="1200" dirty="0"/>
+        </a:p>
+        <a:p>
+          <a:pPr marL="228600" lvl="1" indent="-228600" algn="l" defTabSz="933450">
+            <a:lnSpc>
+              <a:spcPct val="90000"/>
+            </a:lnSpc>
+            <a:spcBef>
+              <a:spcPct val="0"/>
+            </a:spcBef>
+            <a:spcAft>
+              <a:spcPct val="20000"/>
+            </a:spcAft>
+            <a:buChar char="••"/>
+          </a:pPr>
+          <a:r>
+            <a:rPr lang="ru-RU" sz="2100" kern="1200" dirty="0" smtClean="0"/>
+            <a:t>Регулирует интервал времени использования файла</a:t>
+          </a:r>
+          <a:endParaRPr lang="ru-RU" sz="2100" kern="1200" dirty="0"/>
+        </a:p>
+        <a:p>
+          <a:pPr marL="228600" lvl="1" indent="-228600" algn="l" defTabSz="933450">
+            <a:lnSpc>
+              <a:spcPct val="90000"/>
+            </a:lnSpc>
+            <a:spcBef>
+              <a:spcPct val="0"/>
+            </a:spcBef>
+            <a:spcAft>
+              <a:spcPct val="20000"/>
+            </a:spcAft>
+            <a:buChar char="••"/>
+          </a:pPr>
+          <a:r>
+            <a:rPr lang="ru-RU" sz="2100" kern="1200" dirty="0" smtClean="0"/>
+            <a:t>Регулирует интервал времени хранения файла</a:t>
+          </a:r>
+          <a:endParaRPr lang="ru-RU" sz="2100" kern="1200" dirty="0"/>
+        </a:p>
+        <a:p>
+          <a:pPr marL="228600" lvl="1" indent="-228600" algn="l" defTabSz="933450">
+            <a:lnSpc>
+              <a:spcPct val="90000"/>
+            </a:lnSpc>
+            <a:spcBef>
+              <a:spcPct val="0"/>
+            </a:spcBef>
+            <a:spcAft>
+              <a:spcPct val="20000"/>
+            </a:spcAft>
+            <a:buChar char="••"/>
+          </a:pPr>
+          <a:endParaRPr lang="ru-RU" sz="2100" kern="1200" dirty="0"/>
+        </a:p>
+      </dsp:txBody>
+      <dsp:txXfrm>
+        <a:off x="0" y="1759965"/>
+        <a:ext cx="7868458" cy="2123819"/>
+      </dsp:txXfrm>
+    </dsp:sp>
   </dsp:spTree>
 </dsp:drawing>
 </file>
@@ -14932,6 +16232,965 @@
       <dsp:cNvGrpSpPr/>
     </dsp:nvGrpSpPr>
     <dsp:grpSpPr/>
+    <dsp:sp modelId="{628E21F9-F946-457A-B5D6-7107E4B5B54D}">
+      <dsp:nvSpPr>
+        <dsp:cNvPr id="0" name=""/>
+        <dsp:cNvSpPr/>
+      </dsp:nvSpPr>
+      <dsp:spPr>
+        <a:xfrm>
+          <a:off x="3949301" y="1884398"/>
+          <a:ext cx="2159999" cy="2159999"/>
+        </a:xfrm>
+        <a:prstGeom prst="roundRect">
+          <a:avLst/>
+        </a:prstGeom>
+        <a:solidFill>
+          <a:schemeClr val="accent1">
+            <a:hueOff val="0"/>
+            <a:satOff val="0"/>
+            <a:lumOff val="0"/>
+            <a:alphaOff val="0"/>
+          </a:schemeClr>
+        </a:solidFill>
+        <a:ln w="15875" cap="flat" cmpd="sng" algn="ctr">
+          <a:solidFill>
+            <a:schemeClr val="lt1">
+              <a:hueOff val="0"/>
+              <a:satOff val="0"/>
+              <a:lumOff val="0"/>
+              <a:alphaOff val="0"/>
+            </a:schemeClr>
+          </a:solidFill>
+          <a:prstDash val="solid"/>
+        </a:ln>
+        <a:effectLst/>
+      </dsp:spPr>
+      <dsp:style>
+        <a:lnRef idx="2">
+          <a:scrgbClr r="0" g="0" b="0"/>
+        </a:lnRef>
+        <a:fillRef idx="1">
+          <a:scrgbClr r="0" g="0" b="0"/>
+        </a:fillRef>
+        <a:effectRef idx="0">
+          <a:scrgbClr r="0" g="0" b="0"/>
+        </a:effectRef>
+        <a:fontRef idx="minor">
+          <a:schemeClr val="lt1"/>
+        </a:fontRef>
+      </dsp:style>
+      <dsp:txBody>
+        <a:bodyPr spcFirstLastPara="0" vert="horz" wrap="square" lIns="86360" tIns="86360" rIns="86360" bIns="86360" numCol="1" spcCol="1270" anchor="ctr" anchorCtr="0">
+          <a:noAutofit/>
+        </a:bodyPr>
+        <a:lstStyle/>
+        <a:p>
+          <a:pPr lvl="0" algn="ctr" defTabSz="1511300">
+            <a:lnSpc>
+              <a:spcPct val="90000"/>
+            </a:lnSpc>
+            <a:spcBef>
+              <a:spcPct val="0"/>
+            </a:spcBef>
+            <a:spcAft>
+              <a:spcPct val="35000"/>
+            </a:spcAft>
+          </a:pPr>
+          <a:r>
+            <a:rPr lang="en-US" sz="3400" kern="1200" dirty="0" smtClean="0"/>
+            <a:t>Search</a:t>
+          </a:r>
+          <a:endParaRPr lang="ru-RU" sz="3400" kern="1200" dirty="0" smtClean="0"/>
+        </a:p>
+        <a:p>
+          <a:pPr lvl="0" algn="ctr" defTabSz="1511300">
+            <a:lnSpc>
+              <a:spcPct val="90000"/>
+            </a:lnSpc>
+            <a:spcBef>
+              <a:spcPct val="0"/>
+            </a:spcBef>
+            <a:spcAft>
+              <a:spcPct val="35000"/>
+            </a:spcAft>
+          </a:pPr>
+          <a:r>
+            <a:rPr lang="en-US" sz="3400" kern="1200" dirty="0" smtClean="0"/>
+            <a:t>Engine</a:t>
+          </a:r>
+          <a:endParaRPr lang="ru-RU" sz="3400" kern="1200" dirty="0"/>
+        </a:p>
+      </dsp:txBody>
+      <dsp:txXfrm>
+        <a:off x="4054743" y="1989840"/>
+        <a:ext cx="1949115" cy="1949115"/>
+      </dsp:txXfrm>
+    </dsp:sp>
+    <dsp:sp modelId="{667DE06D-C223-4C57-8F2C-DDC107791A47}">
+      <dsp:nvSpPr>
+        <dsp:cNvPr id="0" name=""/>
+        <dsp:cNvSpPr/>
+      </dsp:nvSpPr>
+      <dsp:spPr>
+        <a:xfrm rot="14126138">
+          <a:off x="4202269" y="1840799"/>
+          <a:ext cx="105887" cy="0"/>
+        </a:xfrm>
+        <a:custGeom>
+          <a:avLst/>
+          <a:gdLst/>
+          <a:ahLst/>
+          <a:cxnLst/>
+          <a:rect l="0" t="0" r="0" b="0"/>
+          <a:pathLst>
+            <a:path>
+              <a:moveTo>
+                <a:pt x="0" y="0"/>
+              </a:moveTo>
+              <a:lnTo>
+                <a:pt x="105887" y="0"/>
+              </a:lnTo>
+            </a:path>
+          </a:pathLst>
+        </a:custGeom>
+        <a:noFill/>
+        <a:ln w="15875" cap="flat" cmpd="sng" algn="ctr">
+          <a:solidFill>
+            <a:schemeClr val="accent1">
+              <a:shade val="60000"/>
+              <a:hueOff val="0"/>
+              <a:satOff val="0"/>
+              <a:lumOff val="0"/>
+              <a:alphaOff val="0"/>
+            </a:schemeClr>
+          </a:solidFill>
+          <a:prstDash val="solid"/>
+        </a:ln>
+        <a:effectLst/>
+      </dsp:spPr>
+      <dsp:style>
+        <a:lnRef idx="2">
+          <a:scrgbClr r="0" g="0" b="0"/>
+        </a:lnRef>
+        <a:fillRef idx="0">
+          <a:scrgbClr r="0" g="0" b="0"/>
+        </a:fillRef>
+        <a:effectRef idx="0">
+          <a:scrgbClr r="0" g="0" b="0"/>
+        </a:effectRef>
+        <a:fontRef idx="minor"/>
+      </dsp:style>
+    </dsp:sp>
+    <dsp:sp modelId="{F29DD78D-084E-44BB-95B2-65781CA7A531}">
+      <dsp:nvSpPr>
+        <dsp:cNvPr id="0" name=""/>
+        <dsp:cNvSpPr/>
+      </dsp:nvSpPr>
+      <dsp:spPr>
+        <a:xfrm>
+          <a:off x="2705133" y="-2799"/>
+          <a:ext cx="1800000" cy="1800000"/>
+        </a:xfrm>
+        <a:prstGeom prst="roundRect">
+          <a:avLst/>
+        </a:prstGeom>
+        <a:solidFill>
+          <a:schemeClr val="accent1">
+            <a:hueOff val="0"/>
+            <a:satOff val="0"/>
+            <a:lumOff val="0"/>
+            <a:alphaOff val="0"/>
+          </a:schemeClr>
+        </a:solidFill>
+        <a:ln w="15875" cap="flat" cmpd="sng" algn="ctr">
+          <a:solidFill>
+            <a:schemeClr val="lt1">
+              <a:hueOff val="0"/>
+              <a:satOff val="0"/>
+              <a:lumOff val="0"/>
+              <a:alphaOff val="0"/>
+            </a:schemeClr>
+          </a:solidFill>
+          <a:prstDash val="solid"/>
+        </a:ln>
+        <a:effectLst/>
+      </dsp:spPr>
+      <dsp:style>
+        <a:lnRef idx="2">
+          <a:scrgbClr r="0" g="0" b="0"/>
+        </a:lnRef>
+        <a:fillRef idx="1">
+          <a:scrgbClr r="0" g="0" b="0"/>
+        </a:fillRef>
+        <a:effectRef idx="0">
+          <a:scrgbClr r="0" g="0" b="0"/>
+        </a:effectRef>
+        <a:fontRef idx="minor">
+          <a:schemeClr val="lt1"/>
+        </a:fontRef>
+      </dsp:style>
+      <dsp:txBody>
+        <a:bodyPr spcFirstLastPara="0" vert="horz" wrap="square" lIns="40640" tIns="40640" rIns="40640" bIns="40640" numCol="1" spcCol="1270" anchor="ctr" anchorCtr="0">
+          <a:noAutofit/>
+        </a:bodyPr>
+        <a:lstStyle/>
+        <a:p>
+          <a:pPr lvl="0" algn="ctr" defTabSz="711200">
+            <a:lnSpc>
+              <a:spcPct val="90000"/>
+            </a:lnSpc>
+            <a:spcBef>
+              <a:spcPct val="0"/>
+            </a:spcBef>
+            <a:spcAft>
+              <a:spcPct val="35000"/>
+            </a:spcAft>
+          </a:pPr>
+          <a:r>
+            <a:rPr lang="en-US" sz="1600" kern="1200" dirty="0" smtClean="0"/>
+            <a:t>Converter</a:t>
+          </a:r>
+          <a:endParaRPr lang="ru-RU" sz="1600" kern="1200" dirty="0" smtClean="0"/>
+        </a:p>
+        <a:p>
+          <a:pPr lvl="0" algn="ctr" defTabSz="711200">
+            <a:lnSpc>
+              <a:spcPct val="90000"/>
+            </a:lnSpc>
+            <a:spcBef>
+              <a:spcPct val="0"/>
+            </a:spcBef>
+            <a:spcAft>
+              <a:spcPct val="35000"/>
+            </a:spcAft>
+          </a:pPr>
+          <a:r>
+            <a:rPr lang="en-US" sz="1600" kern="1200" dirty="0" smtClean="0"/>
+            <a:t>JSON </a:t>
+          </a:r>
+          <a:endParaRPr lang="ru-RU" sz="1600" kern="1200" dirty="0"/>
+        </a:p>
+      </dsp:txBody>
+      <dsp:txXfrm>
+        <a:off x="2793002" y="85070"/>
+        <a:ext cx="1624262" cy="1624262"/>
+      </dsp:txXfrm>
+    </dsp:sp>
+    <dsp:sp modelId="{65390B38-AF76-4E62-872B-309581DF08C7}">
+      <dsp:nvSpPr>
+        <dsp:cNvPr id="0" name=""/>
+        <dsp:cNvSpPr/>
+      </dsp:nvSpPr>
+      <dsp:spPr>
+        <a:xfrm rot="149778">
+          <a:off x="6108280" y="3058321"/>
+          <a:ext cx="2150822" cy="0"/>
+        </a:xfrm>
+        <a:custGeom>
+          <a:avLst/>
+          <a:gdLst/>
+          <a:ahLst/>
+          <a:cxnLst/>
+          <a:rect l="0" t="0" r="0" b="0"/>
+          <a:pathLst>
+            <a:path>
+              <a:moveTo>
+                <a:pt x="0" y="0"/>
+              </a:moveTo>
+              <a:lnTo>
+                <a:pt x="2150822" y="0"/>
+              </a:lnTo>
+            </a:path>
+          </a:pathLst>
+        </a:custGeom>
+        <a:noFill/>
+        <a:ln w="15875" cap="flat" cmpd="sng" algn="ctr">
+          <a:solidFill>
+            <a:schemeClr val="accent1">
+              <a:shade val="60000"/>
+              <a:hueOff val="0"/>
+              <a:satOff val="0"/>
+              <a:lumOff val="0"/>
+              <a:alphaOff val="0"/>
+            </a:schemeClr>
+          </a:solidFill>
+          <a:prstDash val="solid"/>
+        </a:ln>
+        <a:effectLst/>
+      </dsp:spPr>
+      <dsp:style>
+        <a:lnRef idx="2">
+          <a:scrgbClr r="0" g="0" b="0"/>
+        </a:lnRef>
+        <a:fillRef idx="0">
+          <a:scrgbClr r="0" g="0" b="0"/>
+        </a:fillRef>
+        <a:effectRef idx="0">
+          <a:scrgbClr r="0" g="0" b="0"/>
+        </a:effectRef>
+        <a:fontRef idx="minor"/>
+      </dsp:style>
+    </dsp:sp>
+    <dsp:sp modelId="{24EC1B40-97B8-4A97-A728-C57093596661}">
+      <dsp:nvSpPr>
+        <dsp:cNvPr id="0" name=""/>
+        <dsp:cNvSpPr/>
+      </dsp:nvSpPr>
+      <dsp:spPr>
+        <a:xfrm>
+          <a:off x="8258082" y="2244397"/>
+          <a:ext cx="1800000" cy="1800000"/>
+        </a:xfrm>
+        <a:prstGeom prst="roundRect">
+          <a:avLst/>
+        </a:prstGeom>
+        <a:solidFill>
+          <a:schemeClr val="accent1">
+            <a:hueOff val="0"/>
+            <a:satOff val="0"/>
+            <a:lumOff val="0"/>
+            <a:alphaOff val="0"/>
+          </a:schemeClr>
+        </a:solidFill>
+        <a:ln w="15875" cap="flat" cmpd="sng" algn="ctr">
+          <a:solidFill>
+            <a:schemeClr val="lt1">
+              <a:hueOff val="0"/>
+              <a:satOff val="0"/>
+              <a:lumOff val="0"/>
+              <a:alphaOff val="0"/>
+            </a:schemeClr>
+          </a:solidFill>
+          <a:prstDash val="solid"/>
+        </a:ln>
+        <a:effectLst/>
+      </dsp:spPr>
+      <dsp:style>
+        <a:lnRef idx="2">
+          <a:scrgbClr r="0" g="0" b="0"/>
+        </a:lnRef>
+        <a:fillRef idx="1">
+          <a:scrgbClr r="0" g="0" b="0"/>
+        </a:fillRef>
+        <a:effectRef idx="0">
+          <a:scrgbClr r="0" g="0" b="0"/>
+        </a:effectRef>
+        <a:fontRef idx="minor">
+          <a:schemeClr val="lt1"/>
+        </a:fontRef>
+      </dsp:style>
+      <dsp:txBody>
+        <a:bodyPr spcFirstLastPara="0" vert="horz" wrap="square" lIns="66040" tIns="66040" rIns="66040" bIns="66040" numCol="1" spcCol="1270" anchor="ctr" anchorCtr="0">
+          <a:noAutofit/>
+        </a:bodyPr>
+        <a:lstStyle/>
+        <a:p>
+          <a:pPr lvl="0" algn="ctr" defTabSz="1155700">
+            <a:lnSpc>
+              <a:spcPct val="90000"/>
+            </a:lnSpc>
+            <a:spcBef>
+              <a:spcPct val="0"/>
+            </a:spcBef>
+            <a:spcAft>
+              <a:spcPct val="35000"/>
+            </a:spcAft>
+          </a:pPr>
+          <a:r>
+            <a:rPr lang="en-US" sz="2600" kern="1200" dirty="0" smtClean="0"/>
+            <a:t>Dispatcher</a:t>
+          </a:r>
+          <a:endParaRPr lang="ru-RU" sz="2600" kern="1200" dirty="0" smtClean="0"/>
+        </a:p>
+        <a:p>
+          <a:pPr lvl="0" algn="ctr" defTabSz="1155700">
+            <a:lnSpc>
+              <a:spcPct val="90000"/>
+            </a:lnSpc>
+            <a:spcBef>
+              <a:spcPct val="0"/>
+            </a:spcBef>
+            <a:spcAft>
+              <a:spcPct val="35000"/>
+            </a:spcAft>
+          </a:pPr>
+          <a:r>
+            <a:rPr lang="en-US" sz="2600" kern="1200" dirty="0" smtClean="0"/>
+            <a:t>Operations</a:t>
+          </a:r>
+          <a:endParaRPr lang="ru-RU" sz="2600" kern="1200" dirty="0"/>
+        </a:p>
+      </dsp:txBody>
+      <dsp:txXfrm>
+        <a:off x="8345951" y="2332266"/>
+        <a:ext cx="1624262" cy="1624262"/>
+      </dsp:txXfrm>
+    </dsp:sp>
+    <dsp:sp modelId="{8F086A69-6FE7-48AB-8D4E-831F6AAADB3F}">
+      <dsp:nvSpPr>
+        <dsp:cNvPr id="0" name=""/>
+        <dsp:cNvSpPr/>
+      </dsp:nvSpPr>
+      <dsp:spPr>
+        <a:xfrm rot="18340887">
+          <a:off x="5783181" y="1842200"/>
+          <a:ext cx="103900" cy="0"/>
+        </a:xfrm>
+        <a:custGeom>
+          <a:avLst/>
+          <a:gdLst/>
+          <a:ahLst/>
+          <a:cxnLst/>
+          <a:rect l="0" t="0" r="0" b="0"/>
+          <a:pathLst>
+            <a:path>
+              <a:moveTo>
+                <a:pt x="0" y="0"/>
+              </a:moveTo>
+              <a:lnTo>
+                <a:pt x="103900" y="0"/>
+              </a:lnTo>
+            </a:path>
+          </a:pathLst>
+        </a:custGeom>
+        <a:noFill/>
+        <a:ln w="15875" cap="flat" cmpd="sng" algn="ctr">
+          <a:solidFill>
+            <a:schemeClr val="accent1">
+              <a:shade val="60000"/>
+              <a:hueOff val="0"/>
+              <a:satOff val="0"/>
+              <a:lumOff val="0"/>
+              <a:alphaOff val="0"/>
+            </a:schemeClr>
+          </a:solidFill>
+          <a:prstDash val="solid"/>
+        </a:ln>
+        <a:effectLst/>
+      </dsp:spPr>
+      <dsp:style>
+        <a:lnRef idx="2">
+          <a:scrgbClr r="0" g="0" b="0"/>
+        </a:lnRef>
+        <a:fillRef idx="0">
+          <a:scrgbClr r="0" g="0" b="0"/>
+        </a:fillRef>
+        <a:effectRef idx="0">
+          <a:scrgbClr r="0" g="0" b="0"/>
+        </a:effectRef>
+        <a:fontRef idx="minor"/>
+      </dsp:style>
+    </dsp:sp>
+    <dsp:sp modelId="{D5C3917E-2284-4E85-847C-82C5C871E472}">
+      <dsp:nvSpPr>
+        <dsp:cNvPr id="0" name=""/>
+        <dsp:cNvSpPr/>
+      </dsp:nvSpPr>
+      <dsp:spPr>
+        <a:xfrm>
+          <a:off x="5611707" y="1"/>
+          <a:ext cx="1800000" cy="1800000"/>
+        </a:xfrm>
+        <a:prstGeom prst="roundRect">
+          <a:avLst/>
+        </a:prstGeom>
+        <a:solidFill>
+          <a:schemeClr val="accent1">
+            <a:hueOff val="0"/>
+            <a:satOff val="0"/>
+            <a:lumOff val="0"/>
+            <a:alphaOff val="0"/>
+          </a:schemeClr>
+        </a:solidFill>
+        <a:ln w="15875" cap="flat" cmpd="sng" algn="ctr">
+          <a:solidFill>
+            <a:schemeClr val="lt1">
+              <a:hueOff val="0"/>
+              <a:satOff val="0"/>
+              <a:lumOff val="0"/>
+              <a:alphaOff val="0"/>
+            </a:schemeClr>
+          </a:solidFill>
+          <a:prstDash val="solid"/>
+        </a:ln>
+        <a:effectLst/>
+      </dsp:spPr>
+      <dsp:style>
+        <a:lnRef idx="2">
+          <a:scrgbClr r="0" g="0" b="0"/>
+        </a:lnRef>
+        <a:fillRef idx="1">
+          <a:scrgbClr r="0" g="0" b="0"/>
+        </a:fillRef>
+        <a:effectRef idx="0">
+          <a:scrgbClr r="0" g="0" b="0"/>
+        </a:effectRef>
+        <a:fontRef idx="minor">
+          <a:schemeClr val="lt1"/>
+        </a:fontRef>
+      </dsp:style>
+      <dsp:txBody>
+        <a:bodyPr spcFirstLastPara="0" vert="horz" wrap="square" lIns="40640" tIns="40640" rIns="40640" bIns="40640" numCol="1" spcCol="1270" anchor="ctr" anchorCtr="0">
+          <a:noAutofit/>
+        </a:bodyPr>
+        <a:lstStyle/>
+        <a:p>
+          <a:pPr lvl="0" algn="ctr" defTabSz="711200">
+            <a:lnSpc>
+              <a:spcPct val="90000"/>
+            </a:lnSpc>
+            <a:spcBef>
+              <a:spcPct val="0"/>
+            </a:spcBef>
+            <a:spcAft>
+              <a:spcPct val="35000"/>
+            </a:spcAft>
+          </a:pPr>
+          <a:r>
+            <a:rPr lang="en-US" sz="1600" kern="1200" dirty="0" smtClean="0"/>
+            <a:t>Documents </a:t>
+          </a:r>
+          <a:endParaRPr lang="ru-RU" sz="1600" kern="1200" dirty="0"/>
+        </a:p>
+      </dsp:txBody>
+      <dsp:txXfrm>
+        <a:off x="5699576" y="87870"/>
+        <a:ext cx="1624262" cy="1624262"/>
+      </dsp:txXfrm>
+    </dsp:sp>
+    <dsp:sp modelId="{1503B29C-C796-4217-A6E0-D8D0E4C12287}">
+      <dsp:nvSpPr>
+        <dsp:cNvPr id="0" name=""/>
+        <dsp:cNvSpPr/>
+      </dsp:nvSpPr>
+      <dsp:spPr>
+        <a:xfrm rot="20006092">
+          <a:off x="5982485" y="1887199"/>
+          <a:ext cx="2402411" cy="0"/>
+        </a:xfrm>
+        <a:custGeom>
+          <a:avLst/>
+          <a:gdLst/>
+          <a:ahLst/>
+          <a:cxnLst/>
+          <a:rect l="0" t="0" r="0" b="0"/>
+          <a:pathLst>
+            <a:path>
+              <a:moveTo>
+                <a:pt x="0" y="0"/>
+              </a:moveTo>
+              <a:lnTo>
+                <a:pt x="2402411" y="0"/>
+              </a:lnTo>
+            </a:path>
+          </a:pathLst>
+        </a:custGeom>
+        <a:noFill/>
+        <a:ln w="15875" cap="flat" cmpd="sng" algn="ctr">
+          <a:solidFill>
+            <a:schemeClr val="accent1">
+              <a:shade val="60000"/>
+              <a:hueOff val="0"/>
+              <a:satOff val="0"/>
+              <a:lumOff val="0"/>
+              <a:alphaOff val="0"/>
+            </a:schemeClr>
+          </a:solidFill>
+          <a:prstDash val="solid"/>
+        </a:ln>
+        <a:effectLst/>
+      </dsp:spPr>
+      <dsp:style>
+        <a:lnRef idx="2">
+          <a:scrgbClr r="0" g="0" b="0"/>
+        </a:lnRef>
+        <a:fillRef idx="0">
+          <a:scrgbClr r="0" g="0" b="0"/>
+        </a:fillRef>
+        <a:effectRef idx="0">
+          <a:scrgbClr r="0" g="0" b="0"/>
+        </a:effectRef>
+        <a:fontRef idx="minor"/>
+      </dsp:style>
+    </dsp:sp>
+    <dsp:sp modelId="{76784C24-975E-4373-9AB0-0D36214A64F1}">
+      <dsp:nvSpPr>
+        <dsp:cNvPr id="0" name=""/>
+        <dsp:cNvSpPr/>
+      </dsp:nvSpPr>
+      <dsp:spPr>
+        <a:xfrm>
+          <a:off x="8258082" y="0"/>
+          <a:ext cx="1800000" cy="1800000"/>
+        </a:xfrm>
+        <a:prstGeom prst="roundRect">
+          <a:avLst/>
+        </a:prstGeom>
+        <a:solidFill>
+          <a:schemeClr val="accent1">
+            <a:hueOff val="0"/>
+            <a:satOff val="0"/>
+            <a:lumOff val="0"/>
+            <a:alphaOff val="0"/>
+          </a:schemeClr>
+        </a:solidFill>
+        <a:ln w="15875" cap="flat" cmpd="sng" algn="ctr">
+          <a:solidFill>
+            <a:schemeClr val="lt1">
+              <a:hueOff val="0"/>
+              <a:satOff val="0"/>
+              <a:lumOff val="0"/>
+              <a:alphaOff val="0"/>
+            </a:schemeClr>
+          </a:solidFill>
+          <a:prstDash val="solid"/>
+        </a:ln>
+        <a:effectLst/>
+      </dsp:spPr>
+      <dsp:style>
+        <a:lnRef idx="2">
+          <a:scrgbClr r="0" g="0" b="0"/>
+        </a:lnRef>
+        <a:fillRef idx="1">
+          <a:scrgbClr r="0" g="0" b="0"/>
+        </a:fillRef>
+        <a:effectRef idx="0">
+          <a:scrgbClr r="0" g="0" b="0"/>
+        </a:effectRef>
+        <a:fontRef idx="minor">
+          <a:schemeClr val="lt1"/>
+        </a:fontRef>
+      </dsp:style>
+      <dsp:txBody>
+        <a:bodyPr spcFirstLastPara="0" vert="horz" wrap="square" lIns="40640" tIns="40640" rIns="40640" bIns="40640" numCol="1" spcCol="1270" anchor="ctr" anchorCtr="0">
+          <a:noAutofit/>
+        </a:bodyPr>
+        <a:lstStyle/>
+        <a:p>
+          <a:pPr lvl="0" algn="ctr" defTabSz="711200">
+            <a:lnSpc>
+              <a:spcPct val="90000"/>
+            </a:lnSpc>
+            <a:spcBef>
+              <a:spcPct val="0"/>
+            </a:spcBef>
+            <a:spcAft>
+              <a:spcPct val="35000"/>
+            </a:spcAft>
+          </a:pPr>
+          <a:r>
+            <a:rPr lang="ru-RU" sz="1600" kern="1200" dirty="0" smtClean="0"/>
+            <a:t>Requests </a:t>
+          </a:r>
+          <a:endParaRPr lang="ru-RU" sz="1600" kern="1200" dirty="0"/>
+        </a:p>
+      </dsp:txBody>
+      <dsp:txXfrm>
+        <a:off x="8345951" y="87869"/>
+        <a:ext cx="1624262" cy="1624262"/>
+      </dsp:txXfrm>
+    </dsp:sp>
+    <dsp:sp modelId="{B23D5C2B-B6D2-4298-9DAF-A69442F1C2D7}">
+      <dsp:nvSpPr>
+        <dsp:cNvPr id="0" name=""/>
+        <dsp:cNvSpPr/>
+      </dsp:nvSpPr>
+      <dsp:spPr>
+        <a:xfrm rot="10654099">
+          <a:off x="1808734" y="3055692"/>
+          <a:ext cx="2141531" cy="0"/>
+        </a:xfrm>
+        <a:custGeom>
+          <a:avLst/>
+          <a:gdLst/>
+          <a:ahLst/>
+          <a:cxnLst/>
+          <a:rect l="0" t="0" r="0" b="0"/>
+          <a:pathLst>
+            <a:path>
+              <a:moveTo>
+                <a:pt x="0" y="0"/>
+              </a:moveTo>
+              <a:lnTo>
+                <a:pt x="2141531" y="0"/>
+              </a:lnTo>
+            </a:path>
+          </a:pathLst>
+        </a:custGeom>
+        <a:noFill/>
+        <a:ln w="15875" cap="flat" cmpd="sng" algn="ctr">
+          <a:solidFill>
+            <a:schemeClr val="accent1">
+              <a:shade val="60000"/>
+              <a:hueOff val="0"/>
+              <a:satOff val="0"/>
+              <a:lumOff val="0"/>
+              <a:alphaOff val="0"/>
+            </a:schemeClr>
+          </a:solidFill>
+          <a:prstDash val="solid"/>
+        </a:ln>
+        <a:effectLst/>
+      </dsp:spPr>
+      <dsp:style>
+        <a:lnRef idx="2">
+          <a:scrgbClr r="0" g="0" b="0"/>
+        </a:lnRef>
+        <a:fillRef idx="0">
+          <a:scrgbClr r="0" g="0" b="0"/>
+        </a:fillRef>
+        <a:effectRef idx="0">
+          <a:scrgbClr r="0" g="0" b="0"/>
+        </a:effectRef>
+        <a:fontRef idx="minor"/>
+      </dsp:style>
+    </dsp:sp>
+    <dsp:sp modelId="{635D6D0E-E44D-465D-9B55-5006A2372644}">
+      <dsp:nvSpPr>
+        <dsp:cNvPr id="0" name=""/>
+        <dsp:cNvSpPr/>
+      </dsp:nvSpPr>
+      <dsp:spPr>
+        <a:xfrm>
+          <a:off x="0" y="2234699"/>
+          <a:ext cx="1809698" cy="1809698"/>
+        </a:xfrm>
+        <a:prstGeom prst="roundRect">
+          <a:avLst/>
+        </a:prstGeom>
+        <a:solidFill>
+          <a:schemeClr val="accent1">
+            <a:hueOff val="0"/>
+            <a:satOff val="0"/>
+            <a:lumOff val="0"/>
+            <a:alphaOff val="0"/>
+          </a:schemeClr>
+        </a:solidFill>
+        <a:ln w="15875" cap="flat" cmpd="sng" algn="ctr">
+          <a:solidFill>
+            <a:schemeClr val="lt1">
+              <a:hueOff val="0"/>
+              <a:satOff val="0"/>
+              <a:lumOff val="0"/>
+              <a:alphaOff val="0"/>
+            </a:schemeClr>
+          </a:solidFill>
+          <a:prstDash val="solid"/>
+        </a:ln>
+        <a:effectLst/>
+      </dsp:spPr>
+      <dsp:style>
+        <a:lnRef idx="2">
+          <a:scrgbClr r="0" g="0" b="0"/>
+        </a:lnRef>
+        <a:fillRef idx="1">
+          <a:scrgbClr r="0" g="0" b="0"/>
+        </a:fillRef>
+        <a:effectRef idx="0">
+          <a:scrgbClr r="0" g="0" b="0"/>
+        </a:effectRef>
+        <a:fontRef idx="minor">
+          <a:schemeClr val="lt1"/>
+        </a:fontRef>
+      </dsp:style>
+      <dsp:txBody>
+        <a:bodyPr spcFirstLastPara="0" vert="horz" wrap="square" lIns="40640" tIns="40640" rIns="40640" bIns="40640" numCol="1" spcCol="1270" anchor="ctr" anchorCtr="0">
+          <a:noAutofit/>
+        </a:bodyPr>
+        <a:lstStyle/>
+        <a:p>
+          <a:pPr lvl="0" algn="ctr" defTabSz="711200">
+            <a:lnSpc>
+              <a:spcPct val="90000"/>
+            </a:lnSpc>
+            <a:spcBef>
+              <a:spcPct val="0"/>
+            </a:spcBef>
+            <a:spcAft>
+              <a:spcPct val="35000"/>
+            </a:spcAft>
+          </a:pPr>
+          <a:r>
+            <a:rPr lang="en-US" sz="1600" kern="1200" dirty="0" smtClean="0"/>
+            <a:t>Inverted</a:t>
+          </a:r>
+          <a:endParaRPr lang="ru-RU" sz="1600" kern="1200" dirty="0" smtClean="0"/>
+        </a:p>
+        <a:p>
+          <a:pPr lvl="0" algn="ctr" defTabSz="711200">
+            <a:lnSpc>
+              <a:spcPct val="90000"/>
+            </a:lnSpc>
+            <a:spcBef>
+              <a:spcPct val="0"/>
+            </a:spcBef>
+            <a:spcAft>
+              <a:spcPct val="35000"/>
+            </a:spcAft>
+          </a:pPr>
+          <a:r>
+            <a:rPr lang="en-US" sz="1600" kern="1200" dirty="0" smtClean="0"/>
+            <a:t>Index </a:t>
+          </a:r>
+          <a:endParaRPr lang="ru-RU" sz="1600" kern="1200" dirty="0"/>
+        </a:p>
+      </dsp:txBody>
+      <dsp:txXfrm>
+        <a:off x="88342" y="2323041"/>
+        <a:ext cx="1633014" cy="1633014"/>
+      </dsp:txXfrm>
+    </dsp:sp>
+    <dsp:sp modelId="{645660FC-29F0-4ECD-9736-2F09D9960928}">
+      <dsp:nvSpPr>
+        <dsp:cNvPr id="0" name=""/>
+        <dsp:cNvSpPr/>
+      </dsp:nvSpPr>
+      <dsp:spPr>
+        <a:xfrm rot="12392118">
+          <a:off x="1683739" y="1890892"/>
+          <a:ext cx="2391524" cy="0"/>
+        </a:xfrm>
+        <a:custGeom>
+          <a:avLst/>
+          <a:gdLst/>
+          <a:ahLst/>
+          <a:cxnLst/>
+          <a:rect l="0" t="0" r="0" b="0"/>
+          <a:pathLst>
+            <a:path>
+              <a:moveTo>
+                <a:pt x="0" y="0"/>
+              </a:moveTo>
+              <a:lnTo>
+                <a:pt x="2391524" y="0"/>
+              </a:lnTo>
+            </a:path>
+          </a:pathLst>
+        </a:custGeom>
+        <a:noFill/>
+        <a:ln w="15875" cap="flat" cmpd="sng" algn="ctr">
+          <a:solidFill>
+            <a:schemeClr val="accent1">
+              <a:shade val="60000"/>
+              <a:hueOff val="0"/>
+              <a:satOff val="0"/>
+              <a:lumOff val="0"/>
+              <a:alphaOff val="0"/>
+            </a:schemeClr>
+          </a:solidFill>
+          <a:prstDash val="solid"/>
+        </a:ln>
+        <a:effectLst/>
+      </dsp:spPr>
+      <dsp:style>
+        <a:lnRef idx="2">
+          <a:scrgbClr r="0" g="0" b="0"/>
+        </a:lnRef>
+        <a:fillRef idx="0">
+          <a:scrgbClr r="0" g="0" b="0"/>
+        </a:fillRef>
+        <a:effectRef idx="0">
+          <a:scrgbClr r="0" g="0" b="0"/>
+        </a:effectRef>
+        <a:fontRef idx="minor"/>
+      </dsp:style>
+    </dsp:sp>
+    <dsp:sp modelId="{EF6A00EF-2BA3-4AAD-B69B-A8E8767F6738}">
+      <dsp:nvSpPr>
+        <dsp:cNvPr id="0" name=""/>
+        <dsp:cNvSpPr/>
+      </dsp:nvSpPr>
+      <dsp:spPr>
+        <a:xfrm>
+          <a:off x="3" y="0"/>
+          <a:ext cx="1809698" cy="1809698"/>
+        </a:xfrm>
+        <a:prstGeom prst="roundRect">
+          <a:avLst/>
+        </a:prstGeom>
+        <a:solidFill>
+          <a:schemeClr val="accent1">
+            <a:hueOff val="0"/>
+            <a:satOff val="0"/>
+            <a:lumOff val="0"/>
+            <a:alphaOff val="0"/>
+          </a:schemeClr>
+        </a:solidFill>
+        <a:ln w="15875" cap="flat" cmpd="sng" algn="ctr">
+          <a:solidFill>
+            <a:schemeClr val="lt1">
+              <a:hueOff val="0"/>
+              <a:satOff val="0"/>
+              <a:lumOff val="0"/>
+              <a:alphaOff val="0"/>
+            </a:schemeClr>
+          </a:solidFill>
+          <a:prstDash val="solid"/>
+        </a:ln>
+        <a:effectLst/>
+      </dsp:spPr>
+      <dsp:style>
+        <a:lnRef idx="2">
+          <a:scrgbClr r="0" g="0" b="0"/>
+        </a:lnRef>
+        <a:fillRef idx="1">
+          <a:scrgbClr r="0" g="0" b="0"/>
+        </a:fillRef>
+        <a:effectRef idx="0">
+          <a:scrgbClr r="0" g="0" b="0"/>
+        </a:effectRef>
+        <a:fontRef idx="minor">
+          <a:schemeClr val="lt1"/>
+        </a:fontRef>
+      </dsp:style>
+      <dsp:txBody>
+        <a:bodyPr spcFirstLastPara="0" vert="horz" wrap="square" lIns="40640" tIns="40640" rIns="40640" bIns="40640" numCol="1" spcCol="1270" anchor="ctr" anchorCtr="0">
+          <a:noAutofit/>
+        </a:bodyPr>
+        <a:lstStyle/>
+        <a:p>
+          <a:pPr lvl="0" algn="ctr" defTabSz="711200">
+            <a:lnSpc>
+              <a:spcPct val="90000"/>
+            </a:lnSpc>
+            <a:spcBef>
+              <a:spcPct val="0"/>
+            </a:spcBef>
+            <a:spcAft>
+              <a:spcPct val="35000"/>
+            </a:spcAft>
+          </a:pPr>
+          <a:r>
+            <a:rPr lang="en-US" sz="1600" kern="1200" dirty="0" smtClean="0"/>
+            <a:t>Relevant</a:t>
+          </a:r>
+          <a:endParaRPr lang="ru-RU" sz="1600" kern="1200" dirty="0" smtClean="0"/>
+        </a:p>
+        <a:p>
+          <a:pPr lvl="0" algn="ctr" defTabSz="711200">
+            <a:lnSpc>
+              <a:spcPct val="90000"/>
+            </a:lnSpc>
+            <a:spcBef>
+              <a:spcPct val="0"/>
+            </a:spcBef>
+            <a:spcAft>
+              <a:spcPct val="35000"/>
+            </a:spcAft>
+          </a:pPr>
+          <a:r>
+            <a:rPr lang="en-US" sz="1600" kern="1200" dirty="0" smtClean="0"/>
+            <a:t>Response </a:t>
+          </a:r>
+          <a:endParaRPr lang="ru-RU" sz="1600" kern="1200" dirty="0"/>
+        </a:p>
+      </dsp:txBody>
+      <dsp:txXfrm>
+        <a:off x="88345" y="88342"/>
+        <a:ext cx="1633014" cy="1633014"/>
+      </dsp:txXfrm>
+    </dsp:sp>
   </dsp:spTree>
 </dsp:drawing>
 </file>
@@ -14944,6 +17203,580 @@
       <dsp:cNvGrpSpPr/>
     </dsp:nvGrpSpPr>
     <dsp:grpSpPr/>
+    <dsp:sp modelId="{A10362D1-A377-43A9-BD1F-AD314ADD2D68}">
+      <dsp:nvSpPr>
+        <dsp:cNvPr id="0" name=""/>
+        <dsp:cNvSpPr/>
+      </dsp:nvSpPr>
+      <dsp:spPr>
+        <a:xfrm>
+          <a:off x="452726" y="0"/>
+          <a:ext cx="5130899" cy="4143676"/>
+        </a:xfrm>
+        <a:prstGeom prst="rightArrow">
+          <a:avLst/>
+        </a:prstGeom>
+        <a:solidFill>
+          <a:schemeClr val="accent1">
+            <a:tint val="40000"/>
+            <a:hueOff val="0"/>
+            <a:satOff val="0"/>
+            <a:lumOff val="0"/>
+            <a:alphaOff val="0"/>
+          </a:schemeClr>
+        </a:solidFill>
+        <a:ln>
+          <a:noFill/>
+        </a:ln>
+        <a:effectLst/>
+      </dsp:spPr>
+      <dsp:style>
+        <a:lnRef idx="0">
+          <a:scrgbClr r="0" g="0" b="0"/>
+        </a:lnRef>
+        <a:fillRef idx="1">
+          <a:scrgbClr r="0" g="0" b="0"/>
+        </a:fillRef>
+        <a:effectRef idx="0">
+          <a:scrgbClr r="0" g="0" b="0"/>
+        </a:effectRef>
+        <a:fontRef idx="minor"/>
+      </dsp:style>
+    </dsp:sp>
+    <dsp:sp modelId="{AF958E4B-1079-43B8-AA41-59A175711EE3}">
+      <dsp:nvSpPr>
+        <dsp:cNvPr id="0" name=""/>
+        <dsp:cNvSpPr/>
+      </dsp:nvSpPr>
+      <dsp:spPr>
+        <a:xfrm>
+          <a:off x="3859" y="1243102"/>
+          <a:ext cx="927033" cy="1657470"/>
+        </a:xfrm>
+        <a:prstGeom prst="roundRect">
+          <a:avLst/>
+        </a:prstGeom>
+        <a:solidFill>
+          <a:schemeClr val="accent1">
+            <a:hueOff val="0"/>
+            <a:satOff val="0"/>
+            <a:lumOff val="0"/>
+            <a:alphaOff val="0"/>
+          </a:schemeClr>
+        </a:solidFill>
+        <a:ln w="15875" cap="flat" cmpd="sng" algn="ctr">
+          <a:solidFill>
+            <a:schemeClr val="lt1">
+              <a:hueOff val="0"/>
+              <a:satOff val="0"/>
+              <a:lumOff val="0"/>
+              <a:alphaOff val="0"/>
+            </a:schemeClr>
+          </a:solidFill>
+          <a:prstDash val="solid"/>
+        </a:ln>
+        <a:effectLst/>
+      </dsp:spPr>
+      <dsp:style>
+        <a:lnRef idx="2">
+          <a:scrgbClr r="0" g="0" b="0"/>
+        </a:lnRef>
+        <a:fillRef idx="1">
+          <a:scrgbClr r="0" g="0" b="0"/>
+        </a:fillRef>
+        <a:effectRef idx="0">
+          <a:scrgbClr r="0" g="0" b="0"/>
+        </a:effectRef>
+        <a:fontRef idx="minor">
+          <a:schemeClr val="lt1"/>
+        </a:fontRef>
+      </dsp:style>
+      <dsp:txBody>
+        <a:bodyPr spcFirstLastPara="0" vert="horz" wrap="square" lIns="45720" tIns="45720" rIns="45720" bIns="45720" numCol="1" spcCol="1270" anchor="ctr" anchorCtr="0">
+          <a:noAutofit/>
+        </a:bodyPr>
+        <a:lstStyle/>
+        <a:p>
+          <a:pPr lvl="0" algn="ctr" defTabSz="533400">
+            <a:lnSpc>
+              <a:spcPct val="90000"/>
+            </a:lnSpc>
+            <a:spcBef>
+              <a:spcPct val="0"/>
+            </a:spcBef>
+            <a:spcAft>
+              <a:spcPct val="35000"/>
+            </a:spcAft>
+          </a:pPr>
+          <a:r>
+            <a:rPr lang="en-US" sz="1200" kern="1200" dirty="0" smtClean="0"/>
+            <a:t>Search</a:t>
+          </a:r>
+          <a:endParaRPr lang="ru-RU" sz="1200" kern="1200" dirty="0" smtClean="0"/>
+        </a:p>
+        <a:p>
+          <a:pPr lvl="0" algn="ctr" defTabSz="533400">
+            <a:lnSpc>
+              <a:spcPct val="90000"/>
+            </a:lnSpc>
+            <a:spcBef>
+              <a:spcPct val="0"/>
+            </a:spcBef>
+            <a:spcAft>
+              <a:spcPct val="35000"/>
+            </a:spcAft>
+          </a:pPr>
+          <a:r>
+            <a:rPr lang="en-US" sz="1200" kern="1200" dirty="0" smtClean="0"/>
+            <a:t>Engine</a:t>
+          </a:r>
+          <a:endParaRPr lang="ru-RU" sz="1200" kern="1200" dirty="0"/>
+        </a:p>
+      </dsp:txBody>
+      <dsp:txXfrm>
+        <a:off x="49113" y="1288356"/>
+        <a:ext cx="836525" cy="1566962"/>
+      </dsp:txXfrm>
+    </dsp:sp>
+    <dsp:sp modelId="{0A15E6E4-35BF-4314-8C3D-ED211E2F9958}">
+      <dsp:nvSpPr>
+        <dsp:cNvPr id="0" name=""/>
+        <dsp:cNvSpPr/>
+      </dsp:nvSpPr>
+      <dsp:spPr>
+        <a:xfrm>
+          <a:off x="1024179" y="1243102"/>
+          <a:ext cx="927033" cy="1657470"/>
+        </a:xfrm>
+        <a:prstGeom prst="roundRect">
+          <a:avLst/>
+        </a:prstGeom>
+        <a:solidFill>
+          <a:schemeClr val="accent1">
+            <a:hueOff val="0"/>
+            <a:satOff val="0"/>
+            <a:lumOff val="0"/>
+            <a:alphaOff val="0"/>
+          </a:schemeClr>
+        </a:solidFill>
+        <a:ln w="15875" cap="flat" cmpd="sng" algn="ctr">
+          <a:solidFill>
+            <a:schemeClr val="lt1">
+              <a:hueOff val="0"/>
+              <a:satOff val="0"/>
+              <a:lumOff val="0"/>
+              <a:alphaOff val="0"/>
+            </a:schemeClr>
+          </a:solidFill>
+          <a:prstDash val="solid"/>
+        </a:ln>
+        <a:effectLst/>
+      </dsp:spPr>
+      <dsp:style>
+        <a:lnRef idx="2">
+          <a:scrgbClr r="0" g="0" b="0"/>
+        </a:lnRef>
+        <a:fillRef idx="1">
+          <a:scrgbClr r="0" g="0" b="0"/>
+        </a:fillRef>
+        <a:effectRef idx="0">
+          <a:scrgbClr r="0" g="0" b="0"/>
+        </a:effectRef>
+        <a:fontRef idx="minor">
+          <a:schemeClr val="lt1"/>
+        </a:fontRef>
+      </dsp:style>
+      <dsp:txBody>
+        <a:bodyPr spcFirstLastPara="0" vert="horz" wrap="square" lIns="45720" tIns="45720" rIns="45720" bIns="45720" numCol="1" spcCol="1270" anchor="ctr" anchorCtr="0">
+          <a:noAutofit/>
+        </a:bodyPr>
+        <a:lstStyle/>
+        <a:p>
+          <a:pPr lvl="0" algn="ctr" defTabSz="533400">
+            <a:lnSpc>
+              <a:spcPct val="90000"/>
+            </a:lnSpc>
+            <a:spcBef>
+              <a:spcPct val="0"/>
+            </a:spcBef>
+            <a:spcAft>
+              <a:spcPct val="35000"/>
+            </a:spcAft>
+          </a:pPr>
+          <a:r>
+            <a:rPr lang="en-US" sz="1200" kern="1200" dirty="0" smtClean="0"/>
+            <a:t>Converter</a:t>
+          </a:r>
+          <a:endParaRPr lang="ru-RU" sz="1200" kern="1200" dirty="0" smtClean="0"/>
+        </a:p>
+        <a:p>
+          <a:pPr lvl="0" algn="ctr" defTabSz="533400">
+            <a:lnSpc>
+              <a:spcPct val="90000"/>
+            </a:lnSpc>
+            <a:spcBef>
+              <a:spcPct val="0"/>
+            </a:spcBef>
+            <a:spcAft>
+              <a:spcPct val="35000"/>
+            </a:spcAft>
+          </a:pPr>
+          <a:r>
+            <a:rPr lang="en-US" sz="1200" kern="1200" dirty="0" smtClean="0"/>
+            <a:t>JSON</a:t>
+          </a:r>
+          <a:endParaRPr lang="ru-RU" sz="1200" kern="1200" dirty="0"/>
+        </a:p>
+      </dsp:txBody>
+      <dsp:txXfrm>
+        <a:off x="1069433" y="1288356"/>
+        <a:ext cx="836525" cy="1566962"/>
+      </dsp:txXfrm>
+    </dsp:sp>
+    <dsp:sp modelId="{F054BA0B-B3F7-4B6B-BD2F-4AE8F4442468}">
+      <dsp:nvSpPr>
+        <dsp:cNvPr id="0" name=""/>
+        <dsp:cNvSpPr/>
+      </dsp:nvSpPr>
+      <dsp:spPr>
+        <a:xfrm>
+          <a:off x="2044499" y="1243102"/>
+          <a:ext cx="927033" cy="1657470"/>
+        </a:xfrm>
+        <a:prstGeom prst="roundRect">
+          <a:avLst/>
+        </a:prstGeom>
+        <a:solidFill>
+          <a:schemeClr val="accent1">
+            <a:hueOff val="0"/>
+            <a:satOff val="0"/>
+            <a:lumOff val="0"/>
+            <a:alphaOff val="0"/>
+          </a:schemeClr>
+        </a:solidFill>
+        <a:ln w="15875" cap="flat" cmpd="sng" algn="ctr">
+          <a:solidFill>
+            <a:schemeClr val="lt1">
+              <a:hueOff val="0"/>
+              <a:satOff val="0"/>
+              <a:lumOff val="0"/>
+              <a:alphaOff val="0"/>
+            </a:schemeClr>
+          </a:solidFill>
+          <a:prstDash val="solid"/>
+        </a:ln>
+        <a:effectLst/>
+      </dsp:spPr>
+      <dsp:style>
+        <a:lnRef idx="2">
+          <a:scrgbClr r="0" g="0" b="0"/>
+        </a:lnRef>
+        <a:fillRef idx="1">
+          <a:scrgbClr r="0" g="0" b="0"/>
+        </a:fillRef>
+        <a:effectRef idx="0">
+          <a:scrgbClr r="0" g="0" b="0"/>
+        </a:effectRef>
+        <a:fontRef idx="minor">
+          <a:schemeClr val="lt1"/>
+        </a:fontRef>
+      </dsp:style>
+      <dsp:txBody>
+        <a:bodyPr spcFirstLastPara="0" vert="horz" wrap="square" lIns="45720" tIns="45720" rIns="45720" bIns="45720" numCol="1" spcCol="1270" anchor="ctr" anchorCtr="0">
+          <a:noAutofit/>
+        </a:bodyPr>
+        <a:lstStyle/>
+        <a:p>
+          <a:pPr lvl="0" algn="ctr" defTabSz="533400">
+            <a:lnSpc>
+              <a:spcPct val="90000"/>
+            </a:lnSpc>
+            <a:spcBef>
+              <a:spcPct val="0"/>
+            </a:spcBef>
+            <a:spcAft>
+              <a:spcPct val="35000"/>
+            </a:spcAft>
+          </a:pPr>
+          <a:r>
+            <a:rPr lang="en-US" sz="1200" kern="1200" dirty="0" smtClean="0"/>
+            <a:t>Documents</a:t>
+          </a:r>
+          <a:endParaRPr lang="ru-RU" sz="1200" kern="1200" dirty="0"/>
+        </a:p>
+      </dsp:txBody>
+      <dsp:txXfrm>
+        <a:off x="2089753" y="1288356"/>
+        <a:ext cx="836525" cy="1566962"/>
+      </dsp:txXfrm>
+    </dsp:sp>
+    <dsp:sp modelId="{DC4AEBBC-A52D-40F6-9146-7F10088A6B32}">
+      <dsp:nvSpPr>
+        <dsp:cNvPr id="0" name=""/>
+        <dsp:cNvSpPr/>
+      </dsp:nvSpPr>
+      <dsp:spPr>
+        <a:xfrm>
+          <a:off x="3064819" y="1243102"/>
+          <a:ext cx="927033" cy="1657470"/>
+        </a:xfrm>
+        <a:prstGeom prst="roundRect">
+          <a:avLst/>
+        </a:prstGeom>
+        <a:solidFill>
+          <a:schemeClr val="accent1">
+            <a:hueOff val="0"/>
+            <a:satOff val="0"/>
+            <a:lumOff val="0"/>
+            <a:alphaOff val="0"/>
+          </a:schemeClr>
+        </a:solidFill>
+        <a:ln w="15875" cap="flat" cmpd="sng" algn="ctr">
+          <a:solidFill>
+            <a:schemeClr val="lt1">
+              <a:hueOff val="0"/>
+              <a:satOff val="0"/>
+              <a:lumOff val="0"/>
+              <a:alphaOff val="0"/>
+            </a:schemeClr>
+          </a:solidFill>
+          <a:prstDash val="solid"/>
+        </a:ln>
+        <a:effectLst/>
+      </dsp:spPr>
+      <dsp:style>
+        <a:lnRef idx="2">
+          <a:scrgbClr r="0" g="0" b="0"/>
+        </a:lnRef>
+        <a:fillRef idx="1">
+          <a:scrgbClr r="0" g="0" b="0"/>
+        </a:fillRef>
+        <a:effectRef idx="0">
+          <a:scrgbClr r="0" g="0" b="0"/>
+        </a:effectRef>
+        <a:fontRef idx="minor">
+          <a:schemeClr val="lt1"/>
+        </a:fontRef>
+      </dsp:style>
+      <dsp:txBody>
+        <a:bodyPr spcFirstLastPara="0" vert="horz" wrap="square" lIns="45720" tIns="45720" rIns="45720" bIns="45720" numCol="1" spcCol="1270" anchor="ctr" anchorCtr="0">
+          <a:noAutofit/>
+        </a:bodyPr>
+        <a:lstStyle/>
+        <a:p>
+          <a:pPr lvl="0" algn="ctr" defTabSz="533400">
+            <a:lnSpc>
+              <a:spcPct val="90000"/>
+            </a:lnSpc>
+            <a:spcBef>
+              <a:spcPct val="0"/>
+            </a:spcBef>
+            <a:spcAft>
+              <a:spcPct val="35000"/>
+            </a:spcAft>
+          </a:pPr>
+          <a:r>
+            <a:rPr lang="en-US" sz="1200" kern="1200" dirty="0" smtClean="0"/>
+            <a:t>Inverted</a:t>
+          </a:r>
+          <a:endParaRPr lang="ru-RU" sz="1200" kern="1200" dirty="0" smtClean="0"/>
+        </a:p>
+        <a:p>
+          <a:pPr lvl="0" algn="ctr" defTabSz="533400">
+            <a:lnSpc>
+              <a:spcPct val="90000"/>
+            </a:lnSpc>
+            <a:spcBef>
+              <a:spcPct val="0"/>
+            </a:spcBef>
+            <a:spcAft>
+              <a:spcPct val="35000"/>
+            </a:spcAft>
+          </a:pPr>
+          <a:r>
+            <a:rPr lang="en-US" sz="1200" kern="1200" dirty="0" smtClean="0"/>
+            <a:t>Index</a:t>
+          </a:r>
+          <a:endParaRPr lang="ru-RU" sz="1200" kern="1200" dirty="0"/>
+        </a:p>
+      </dsp:txBody>
+      <dsp:txXfrm>
+        <a:off x="3110073" y="1288356"/>
+        <a:ext cx="836525" cy="1566962"/>
+      </dsp:txXfrm>
+    </dsp:sp>
+    <dsp:sp modelId="{014D856F-0A4A-4760-9506-E63C9F5DE09D}">
+      <dsp:nvSpPr>
+        <dsp:cNvPr id="0" name=""/>
+        <dsp:cNvSpPr/>
+      </dsp:nvSpPr>
+      <dsp:spPr>
+        <a:xfrm>
+          <a:off x="4085139" y="1243102"/>
+          <a:ext cx="927033" cy="1657470"/>
+        </a:xfrm>
+        <a:prstGeom prst="roundRect">
+          <a:avLst/>
+        </a:prstGeom>
+        <a:solidFill>
+          <a:schemeClr val="accent1">
+            <a:hueOff val="0"/>
+            <a:satOff val="0"/>
+            <a:lumOff val="0"/>
+            <a:alphaOff val="0"/>
+          </a:schemeClr>
+        </a:solidFill>
+        <a:ln w="15875" cap="flat" cmpd="sng" algn="ctr">
+          <a:solidFill>
+            <a:schemeClr val="lt1">
+              <a:hueOff val="0"/>
+              <a:satOff val="0"/>
+              <a:lumOff val="0"/>
+              <a:alphaOff val="0"/>
+            </a:schemeClr>
+          </a:solidFill>
+          <a:prstDash val="solid"/>
+        </a:ln>
+        <a:effectLst/>
+      </dsp:spPr>
+      <dsp:style>
+        <a:lnRef idx="2">
+          <a:scrgbClr r="0" g="0" b="0"/>
+        </a:lnRef>
+        <a:fillRef idx="1">
+          <a:scrgbClr r="0" g="0" b="0"/>
+        </a:fillRef>
+        <a:effectRef idx="0">
+          <a:scrgbClr r="0" g="0" b="0"/>
+        </a:effectRef>
+        <a:fontRef idx="minor">
+          <a:schemeClr val="lt1"/>
+        </a:fontRef>
+      </dsp:style>
+      <dsp:txBody>
+        <a:bodyPr spcFirstLastPara="0" vert="horz" wrap="square" lIns="45720" tIns="45720" rIns="45720" bIns="45720" numCol="1" spcCol="1270" anchor="ctr" anchorCtr="0">
+          <a:noAutofit/>
+        </a:bodyPr>
+        <a:lstStyle/>
+        <a:p>
+          <a:pPr lvl="0" algn="ctr" defTabSz="533400">
+            <a:lnSpc>
+              <a:spcPct val="90000"/>
+            </a:lnSpc>
+            <a:spcBef>
+              <a:spcPct val="0"/>
+            </a:spcBef>
+            <a:spcAft>
+              <a:spcPct val="35000"/>
+            </a:spcAft>
+          </a:pPr>
+          <a:r>
+            <a:rPr lang="en-US" sz="1200" kern="1200" dirty="0" smtClean="0"/>
+            <a:t>Requests</a:t>
+          </a:r>
+          <a:endParaRPr lang="ru-RU" sz="1200" kern="1200" dirty="0"/>
+        </a:p>
+      </dsp:txBody>
+      <dsp:txXfrm>
+        <a:off x="4130393" y="1288356"/>
+        <a:ext cx="836525" cy="1566962"/>
+      </dsp:txXfrm>
+    </dsp:sp>
+    <dsp:sp modelId="{2EF5CFF0-CC5C-43EE-B44D-1D53039F8A29}">
+      <dsp:nvSpPr>
+        <dsp:cNvPr id="0" name=""/>
+        <dsp:cNvSpPr/>
+      </dsp:nvSpPr>
+      <dsp:spPr>
+        <a:xfrm>
+          <a:off x="5105459" y="1243102"/>
+          <a:ext cx="927033" cy="1657470"/>
+        </a:xfrm>
+        <a:prstGeom prst="roundRect">
+          <a:avLst/>
+        </a:prstGeom>
+        <a:solidFill>
+          <a:schemeClr val="accent1">
+            <a:hueOff val="0"/>
+            <a:satOff val="0"/>
+            <a:lumOff val="0"/>
+            <a:alphaOff val="0"/>
+          </a:schemeClr>
+        </a:solidFill>
+        <a:ln w="15875" cap="flat" cmpd="sng" algn="ctr">
+          <a:solidFill>
+            <a:schemeClr val="lt1">
+              <a:hueOff val="0"/>
+              <a:satOff val="0"/>
+              <a:lumOff val="0"/>
+              <a:alphaOff val="0"/>
+            </a:schemeClr>
+          </a:solidFill>
+          <a:prstDash val="solid"/>
+        </a:ln>
+        <a:effectLst/>
+      </dsp:spPr>
+      <dsp:style>
+        <a:lnRef idx="2">
+          <a:scrgbClr r="0" g="0" b="0"/>
+        </a:lnRef>
+        <a:fillRef idx="1">
+          <a:scrgbClr r="0" g="0" b="0"/>
+        </a:fillRef>
+        <a:effectRef idx="0">
+          <a:scrgbClr r="0" g="0" b="0"/>
+        </a:effectRef>
+        <a:fontRef idx="minor">
+          <a:schemeClr val="lt1"/>
+        </a:fontRef>
+      </dsp:style>
+      <dsp:txBody>
+        <a:bodyPr spcFirstLastPara="0" vert="horz" wrap="square" lIns="45720" tIns="45720" rIns="45720" bIns="45720" numCol="1" spcCol="1270" anchor="ctr" anchorCtr="0">
+          <a:noAutofit/>
+        </a:bodyPr>
+        <a:lstStyle/>
+        <a:p>
+          <a:pPr lvl="0" algn="ctr" defTabSz="533400">
+            <a:lnSpc>
+              <a:spcPct val="90000"/>
+            </a:lnSpc>
+            <a:spcBef>
+              <a:spcPct val="0"/>
+            </a:spcBef>
+            <a:spcAft>
+              <a:spcPct val="35000"/>
+            </a:spcAft>
+          </a:pPr>
+          <a:r>
+            <a:rPr lang="en-US" sz="1200" kern="1200" dirty="0" smtClean="0"/>
+            <a:t>Relevant</a:t>
+          </a:r>
+          <a:endParaRPr lang="ru-RU" sz="1200" kern="1200" dirty="0" smtClean="0"/>
+        </a:p>
+        <a:p>
+          <a:pPr lvl="0" algn="ctr" defTabSz="533400">
+            <a:lnSpc>
+              <a:spcPct val="90000"/>
+            </a:lnSpc>
+            <a:spcBef>
+              <a:spcPct val="0"/>
+            </a:spcBef>
+            <a:spcAft>
+              <a:spcPct val="35000"/>
+            </a:spcAft>
+          </a:pPr>
+          <a:r>
+            <a:rPr lang="en-US" sz="1200" kern="1200" dirty="0" smtClean="0"/>
+            <a:t>Response</a:t>
+          </a:r>
+          <a:endParaRPr lang="ru-RU" sz="1200" kern="1200" dirty="0"/>
+        </a:p>
+      </dsp:txBody>
+      <dsp:txXfrm>
+        <a:off x="5150713" y="1288356"/>
+        <a:ext cx="836525" cy="1566962"/>
+      </dsp:txXfrm>
+    </dsp:sp>
   </dsp:spTree>
 </dsp:drawing>
 </file>
@@ -14956,6 +17789,519 @@
       <dsp:cNvGrpSpPr/>
     </dsp:nvGrpSpPr>
     <dsp:grpSpPr/>
+    <dsp:sp modelId="{B0B6F61C-C060-4C4C-96BF-4EE40B41E6A0}">
+      <dsp:nvSpPr>
+        <dsp:cNvPr id="0" name=""/>
+        <dsp:cNvSpPr/>
+      </dsp:nvSpPr>
+      <dsp:spPr>
+        <a:xfrm>
+          <a:off x="653206" y="105213"/>
+          <a:ext cx="2593181" cy="2266766"/>
+        </a:xfrm>
+        <a:prstGeom prst="rightArrow">
+          <a:avLst>
+            <a:gd name="adj1" fmla="val 70000"/>
+            <a:gd name="adj2" fmla="val 50000"/>
+          </a:avLst>
+        </a:prstGeom>
+        <a:solidFill>
+          <a:schemeClr val="accent1">
+            <a:alpha val="90000"/>
+            <a:tint val="40000"/>
+            <a:hueOff val="0"/>
+            <a:satOff val="0"/>
+            <a:lumOff val="0"/>
+            <a:alphaOff val="0"/>
+          </a:schemeClr>
+        </a:solidFill>
+        <a:ln w="15875" cap="flat" cmpd="sng" algn="ctr">
+          <a:solidFill>
+            <a:schemeClr val="accent1">
+              <a:alpha val="90000"/>
+              <a:tint val="40000"/>
+              <a:hueOff val="0"/>
+              <a:satOff val="0"/>
+              <a:lumOff val="0"/>
+              <a:alphaOff val="0"/>
+            </a:schemeClr>
+          </a:solidFill>
+          <a:prstDash val="solid"/>
+        </a:ln>
+        <a:effectLst/>
+      </dsp:spPr>
+      <dsp:style>
+        <a:lnRef idx="2">
+          <a:scrgbClr r="0" g="0" b="0"/>
+        </a:lnRef>
+        <a:fillRef idx="1">
+          <a:scrgbClr r="0" g="0" b="0"/>
+        </a:fillRef>
+        <a:effectRef idx="0">
+          <a:scrgbClr r="0" g="0" b="0"/>
+        </a:effectRef>
+        <a:fontRef idx="minor"/>
+      </dsp:style>
+      <dsp:txBody>
+        <a:bodyPr spcFirstLastPara="0" vert="horz" wrap="square" lIns="40640" tIns="10160" rIns="20320" bIns="10160" numCol="1" spcCol="1270" anchor="ctr" anchorCtr="0">
+          <a:noAutofit/>
+        </a:bodyPr>
+        <a:lstStyle/>
+        <a:p>
+          <a:pPr lvl="0" algn="ctr" defTabSz="711200">
+            <a:lnSpc>
+              <a:spcPct val="90000"/>
+            </a:lnSpc>
+            <a:spcBef>
+              <a:spcPct val="0"/>
+            </a:spcBef>
+            <a:spcAft>
+              <a:spcPct val="35000"/>
+            </a:spcAft>
+          </a:pPr>
+          <a:r>
+            <a:rPr lang="ru-RU" sz="1600" kern="1200" dirty="0" smtClean="0"/>
+            <a:t>список путей файлов документов</a:t>
+          </a:r>
+          <a:endParaRPr lang="ru-RU" sz="1600" kern="1200" dirty="0"/>
+        </a:p>
+      </dsp:txBody>
+      <dsp:txXfrm>
+        <a:off x="1301501" y="445228"/>
+        <a:ext cx="1264175" cy="1586736"/>
+      </dsp:txXfrm>
+    </dsp:sp>
+    <dsp:sp modelId="{E644A287-01BC-4CF5-B466-30846E7BBA7F}">
+      <dsp:nvSpPr>
+        <dsp:cNvPr id="0" name=""/>
+        <dsp:cNvSpPr/>
+      </dsp:nvSpPr>
+      <dsp:spPr>
+        <a:xfrm>
+          <a:off x="4911" y="590301"/>
+          <a:ext cx="1296590" cy="1296590"/>
+        </a:xfrm>
+        <a:prstGeom prst="roundRect">
+          <a:avLst/>
+        </a:prstGeom>
+        <a:solidFill>
+          <a:schemeClr val="accent1">
+            <a:hueOff val="0"/>
+            <a:satOff val="0"/>
+            <a:lumOff val="0"/>
+            <a:alphaOff val="0"/>
+          </a:schemeClr>
+        </a:solidFill>
+        <a:ln w="15875" cap="flat" cmpd="sng" algn="ctr">
+          <a:solidFill>
+            <a:schemeClr val="lt1">
+              <a:hueOff val="0"/>
+              <a:satOff val="0"/>
+              <a:lumOff val="0"/>
+              <a:alphaOff val="0"/>
+            </a:schemeClr>
+          </a:solidFill>
+          <a:prstDash val="solid"/>
+        </a:ln>
+        <a:effectLst/>
+      </dsp:spPr>
+      <dsp:style>
+        <a:lnRef idx="2">
+          <a:scrgbClr r="0" g="0" b="0"/>
+        </a:lnRef>
+        <a:fillRef idx="1">
+          <a:scrgbClr r="0" g="0" b="0"/>
+        </a:fillRef>
+        <a:effectRef idx="0">
+          <a:scrgbClr r="0" g="0" b="0"/>
+        </a:effectRef>
+        <a:fontRef idx="minor">
+          <a:schemeClr val="lt1"/>
+        </a:fontRef>
+      </dsp:style>
+      <dsp:txBody>
+        <a:bodyPr spcFirstLastPara="0" vert="horz" wrap="square" lIns="12065" tIns="12065" rIns="12065" bIns="12065" numCol="1" spcCol="1270" anchor="ctr" anchorCtr="0">
+          <a:noAutofit/>
+        </a:bodyPr>
+        <a:lstStyle/>
+        <a:p>
+          <a:pPr lvl="0" algn="ctr" defTabSz="844550">
+            <a:lnSpc>
+              <a:spcPct val="90000"/>
+            </a:lnSpc>
+            <a:spcBef>
+              <a:spcPct val="0"/>
+            </a:spcBef>
+            <a:spcAft>
+              <a:spcPct val="35000"/>
+            </a:spcAft>
+          </a:pPr>
+          <a:r>
+            <a:rPr lang="en-US" sz="1900" kern="1200" dirty="0" smtClean="0"/>
+            <a:t>Converter</a:t>
+          </a:r>
+          <a:endParaRPr lang="ru-RU" sz="1900" kern="1200" dirty="0" smtClean="0"/>
+        </a:p>
+        <a:p>
+          <a:pPr lvl="0" algn="ctr" defTabSz="844550">
+            <a:lnSpc>
+              <a:spcPct val="90000"/>
+            </a:lnSpc>
+            <a:spcBef>
+              <a:spcPct val="0"/>
+            </a:spcBef>
+            <a:spcAft>
+              <a:spcPct val="35000"/>
+            </a:spcAft>
+          </a:pPr>
+          <a:r>
+            <a:rPr lang="en-US" sz="1900" kern="1200" dirty="0" smtClean="0"/>
+            <a:t>JSON</a:t>
+          </a:r>
+          <a:endParaRPr lang="ru-RU" sz="1900" kern="1200" dirty="0"/>
+        </a:p>
+      </dsp:txBody>
+      <dsp:txXfrm>
+        <a:off x="68205" y="653595"/>
+        <a:ext cx="1170002" cy="1170002"/>
+      </dsp:txXfrm>
+    </dsp:sp>
+    <dsp:sp modelId="{1FA1B9C7-0E34-4A44-A18B-216DF888F0C5}">
+      <dsp:nvSpPr>
+        <dsp:cNvPr id="0" name=""/>
+        <dsp:cNvSpPr/>
+      </dsp:nvSpPr>
+      <dsp:spPr>
+        <a:xfrm>
+          <a:off x="4056757" y="105213"/>
+          <a:ext cx="2593181" cy="2266766"/>
+        </a:xfrm>
+        <a:prstGeom prst="rightArrow">
+          <a:avLst>
+            <a:gd name="adj1" fmla="val 70000"/>
+            <a:gd name="adj2" fmla="val 50000"/>
+          </a:avLst>
+        </a:prstGeom>
+        <a:solidFill>
+          <a:schemeClr val="accent1">
+            <a:alpha val="90000"/>
+            <a:tint val="40000"/>
+            <a:hueOff val="0"/>
+            <a:satOff val="0"/>
+            <a:lumOff val="0"/>
+            <a:alphaOff val="0"/>
+          </a:schemeClr>
+        </a:solidFill>
+        <a:ln w="15875" cap="flat" cmpd="sng" algn="ctr">
+          <a:solidFill>
+            <a:schemeClr val="accent1">
+              <a:alpha val="90000"/>
+              <a:tint val="40000"/>
+              <a:hueOff val="0"/>
+              <a:satOff val="0"/>
+              <a:lumOff val="0"/>
+              <a:alphaOff val="0"/>
+            </a:schemeClr>
+          </a:solidFill>
+          <a:prstDash val="solid"/>
+        </a:ln>
+        <a:effectLst/>
+      </dsp:spPr>
+      <dsp:style>
+        <a:lnRef idx="2">
+          <a:scrgbClr r="0" g="0" b="0"/>
+        </a:lnRef>
+        <a:fillRef idx="1">
+          <a:scrgbClr r="0" g="0" b="0"/>
+        </a:fillRef>
+        <a:effectRef idx="0">
+          <a:scrgbClr r="0" g="0" b="0"/>
+        </a:effectRef>
+        <a:fontRef idx="minor"/>
+      </dsp:style>
+      <dsp:txBody>
+        <a:bodyPr spcFirstLastPara="0" vert="horz" wrap="square" lIns="40640" tIns="10160" rIns="20320" bIns="10160" numCol="1" spcCol="1270" anchor="ctr" anchorCtr="0">
+          <a:noAutofit/>
+        </a:bodyPr>
+        <a:lstStyle/>
+        <a:p>
+          <a:pPr lvl="0" algn="ctr" defTabSz="711200">
+            <a:lnSpc>
+              <a:spcPct val="90000"/>
+            </a:lnSpc>
+            <a:spcBef>
+              <a:spcPct val="0"/>
+            </a:spcBef>
+            <a:spcAft>
+              <a:spcPct val="35000"/>
+            </a:spcAft>
+          </a:pPr>
+          <a:r>
+            <a:rPr lang="ru-RU" sz="1600" kern="1200" dirty="0" smtClean="0"/>
+            <a:t>прочитанные документы</a:t>
+          </a:r>
+          <a:endParaRPr lang="ru-RU" sz="1600" kern="1200" dirty="0"/>
+        </a:p>
+      </dsp:txBody>
+      <dsp:txXfrm>
+        <a:off x="4705052" y="445228"/>
+        <a:ext cx="1264175" cy="1586736"/>
+      </dsp:txXfrm>
+    </dsp:sp>
+    <dsp:sp modelId="{0A88A3E8-7701-48D6-969C-59DBA88CA534}">
+      <dsp:nvSpPr>
+        <dsp:cNvPr id="0" name=""/>
+        <dsp:cNvSpPr/>
+      </dsp:nvSpPr>
+      <dsp:spPr>
+        <a:xfrm>
+          <a:off x="3408461" y="590301"/>
+          <a:ext cx="1296590" cy="1296590"/>
+        </a:xfrm>
+        <a:prstGeom prst="roundRect">
+          <a:avLst/>
+        </a:prstGeom>
+        <a:solidFill>
+          <a:schemeClr val="accent1">
+            <a:hueOff val="0"/>
+            <a:satOff val="0"/>
+            <a:lumOff val="0"/>
+            <a:alphaOff val="0"/>
+          </a:schemeClr>
+        </a:solidFill>
+        <a:ln w="15875" cap="flat" cmpd="sng" algn="ctr">
+          <a:solidFill>
+            <a:schemeClr val="lt1">
+              <a:hueOff val="0"/>
+              <a:satOff val="0"/>
+              <a:lumOff val="0"/>
+              <a:alphaOff val="0"/>
+            </a:schemeClr>
+          </a:solidFill>
+          <a:prstDash val="solid"/>
+        </a:ln>
+        <a:effectLst/>
+      </dsp:spPr>
+      <dsp:style>
+        <a:lnRef idx="2">
+          <a:scrgbClr r="0" g="0" b="0"/>
+        </a:lnRef>
+        <a:fillRef idx="1">
+          <a:scrgbClr r="0" g="0" b="0"/>
+        </a:fillRef>
+        <a:effectRef idx="0">
+          <a:scrgbClr r="0" g="0" b="0"/>
+        </a:effectRef>
+        <a:fontRef idx="minor">
+          <a:schemeClr val="lt1"/>
+        </a:fontRef>
+      </dsp:style>
+      <dsp:txBody>
+        <a:bodyPr spcFirstLastPara="0" vert="horz" wrap="square" lIns="12065" tIns="12065" rIns="12065" bIns="12065" numCol="1" spcCol="1270" anchor="ctr" anchorCtr="0">
+          <a:noAutofit/>
+        </a:bodyPr>
+        <a:lstStyle/>
+        <a:p>
+          <a:pPr lvl="0" algn="ctr" defTabSz="844550">
+            <a:lnSpc>
+              <a:spcPct val="90000"/>
+            </a:lnSpc>
+            <a:spcBef>
+              <a:spcPct val="0"/>
+            </a:spcBef>
+            <a:spcAft>
+              <a:spcPct val="35000"/>
+            </a:spcAft>
+          </a:pPr>
+          <a:r>
+            <a:rPr lang="en-US" sz="1900" kern="1200" dirty="0" smtClean="0"/>
+            <a:t>Dispatcher</a:t>
+          </a:r>
+          <a:endParaRPr lang="ru-RU" sz="1900" kern="1200" dirty="0" smtClean="0"/>
+        </a:p>
+        <a:p>
+          <a:pPr lvl="0" algn="ctr" defTabSz="844550">
+            <a:lnSpc>
+              <a:spcPct val="90000"/>
+            </a:lnSpc>
+            <a:spcBef>
+              <a:spcPct val="0"/>
+            </a:spcBef>
+            <a:spcAft>
+              <a:spcPct val="35000"/>
+            </a:spcAft>
+          </a:pPr>
+          <a:r>
+            <a:rPr lang="en-US" sz="1900" kern="1200" dirty="0" smtClean="0"/>
+            <a:t>Operations</a:t>
+          </a:r>
+          <a:endParaRPr lang="ru-RU" sz="1900" kern="1200" dirty="0"/>
+        </a:p>
+      </dsp:txBody>
+      <dsp:txXfrm>
+        <a:off x="3471755" y="653595"/>
+        <a:ext cx="1170002" cy="1170002"/>
+      </dsp:txXfrm>
+    </dsp:sp>
+    <dsp:sp modelId="{DD91B7DA-3D09-40A2-870E-D63ED550DC00}">
+      <dsp:nvSpPr>
+        <dsp:cNvPr id="0" name=""/>
+        <dsp:cNvSpPr/>
+      </dsp:nvSpPr>
+      <dsp:spPr>
+        <a:xfrm>
+          <a:off x="7460307" y="105213"/>
+          <a:ext cx="2593181" cy="2266766"/>
+        </a:xfrm>
+        <a:prstGeom prst="rightArrow">
+          <a:avLst>
+            <a:gd name="adj1" fmla="val 70000"/>
+            <a:gd name="adj2" fmla="val 50000"/>
+          </a:avLst>
+        </a:prstGeom>
+        <a:solidFill>
+          <a:schemeClr val="accent1">
+            <a:alpha val="90000"/>
+            <a:tint val="40000"/>
+            <a:hueOff val="0"/>
+            <a:satOff val="0"/>
+            <a:lumOff val="0"/>
+            <a:alphaOff val="0"/>
+          </a:schemeClr>
+        </a:solidFill>
+        <a:ln w="15875" cap="flat" cmpd="sng" algn="ctr">
+          <a:solidFill>
+            <a:schemeClr val="accent1">
+              <a:alpha val="90000"/>
+              <a:tint val="40000"/>
+              <a:hueOff val="0"/>
+              <a:satOff val="0"/>
+              <a:lumOff val="0"/>
+              <a:alphaOff val="0"/>
+            </a:schemeClr>
+          </a:solidFill>
+          <a:prstDash val="solid"/>
+        </a:ln>
+        <a:effectLst/>
+      </dsp:spPr>
+      <dsp:style>
+        <a:lnRef idx="2">
+          <a:scrgbClr r="0" g="0" b="0"/>
+        </a:lnRef>
+        <a:fillRef idx="1">
+          <a:scrgbClr r="0" g="0" b="0"/>
+        </a:fillRef>
+        <a:effectRef idx="0">
+          <a:scrgbClr r="0" g="0" b="0"/>
+        </a:effectRef>
+        <a:fontRef idx="minor"/>
+      </dsp:style>
+      <dsp:txBody>
+        <a:bodyPr spcFirstLastPara="0" vert="horz" wrap="square" lIns="40640" tIns="10160" rIns="20320" bIns="10160" numCol="1" spcCol="1270" anchor="ctr" anchorCtr="0">
+          <a:noAutofit/>
+        </a:bodyPr>
+        <a:lstStyle/>
+        <a:p>
+          <a:pPr lvl="0" algn="ctr" defTabSz="711200">
+            <a:lnSpc>
+              <a:spcPct val="90000"/>
+            </a:lnSpc>
+            <a:spcBef>
+              <a:spcPct val="0"/>
+            </a:spcBef>
+            <a:spcAft>
+              <a:spcPct val="35000"/>
+            </a:spcAft>
+          </a:pPr>
+          <a:r>
+            <a:rPr lang="ru-RU" sz="1600" kern="1200" dirty="0" smtClean="0"/>
+            <a:t>ссылка на базу документов</a:t>
+          </a:r>
+          <a:endParaRPr lang="ru-RU" sz="1600" kern="1200" dirty="0"/>
+        </a:p>
+      </dsp:txBody>
+      <dsp:txXfrm>
+        <a:off x="8108602" y="445228"/>
+        <a:ext cx="1264175" cy="1586736"/>
+      </dsp:txXfrm>
+    </dsp:sp>
+    <dsp:sp modelId="{18B87B03-25AC-4DAC-8711-93139D44A946}">
+      <dsp:nvSpPr>
+        <dsp:cNvPr id="0" name=""/>
+        <dsp:cNvSpPr/>
+      </dsp:nvSpPr>
+      <dsp:spPr>
+        <a:xfrm>
+          <a:off x="6812012" y="590301"/>
+          <a:ext cx="1296590" cy="1296590"/>
+        </a:xfrm>
+        <a:prstGeom prst="roundRect">
+          <a:avLst/>
+        </a:prstGeom>
+        <a:solidFill>
+          <a:schemeClr val="accent1">
+            <a:hueOff val="0"/>
+            <a:satOff val="0"/>
+            <a:lumOff val="0"/>
+            <a:alphaOff val="0"/>
+          </a:schemeClr>
+        </a:solidFill>
+        <a:ln w="15875" cap="flat" cmpd="sng" algn="ctr">
+          <a:solidFill>
+            <a:schemeClr val="lt1">
+              <a:hueOff val="0"/>
+              <a:satOff val="0"/>
+              <a:lumOff val="0"/>
+              <a:alphaOff val="0"/>
+            </a:schemeClr>
+          </a:solidFill>
+          <a:prstDash val="solid"/>
+        </a:ln>
+        <a:effectLst/>
+      </dsp:spPr>
+      <dsp:style>
+        <a:lnRef idx="2">
+          <a:scrgbClr r="0" g="0" b="0"/>
+        </a:lnRef>
+        <a:fillRef idx="1">
+          <a:scrgbClr r="0" g="0" b="0"/>
+        </a:fillRef>
+        <a:effectRef idx="0">
+          <a:scrgbClr r="0" g="0" b="0"/>
+        </a:effectRef>
+        <a:fontRef idx="minor">
+          <a:schemeClr val="lt1"/>
+        </a:fontRef>
+      </dsp:style>
+      <dsp:txBody>
+        <a:bodyPr spcFirstLastPara="0" vert="horz" wrap="square" lIns="12065" tIns="12065" rIns="12065" bIns="12065" numCol="1" spcCol="1270" anchor="ctr" anchorCtr="0">
+          <a:noAutofit/>
+        </a:bodyPr>
+        <a:lstStyle/>
+        <a:p>
+          <a:pPr lvl="0" algn="ctr" defTabSz="844550">
+            <a:lnSpc>
+              <a:spcPct val="90000"/>
+            </a:lnSpc>
+            <a:spcBef>
+              <a:spcPct val="0"/>
+            </a:spcBef>
+            <a:spcAft>
+              <a:spcPct val="35000"/>
+            </a:spcAft>
+          </a:pPr>
+          <a:r>
+            <a:rPr lang="en-US" sz="1900" kern="1200" dirty="0" smtClean="0"/>
+            <a:t>Documents</a:t>
+          </a:r>
+          <a:endParaRPr lang="ru-RU" sz="1900" kern="1200" dirty="0"/>
+        </a:p>
+      </dsp:txBody>
+      <dsp:txXfrm>
+        <a:off x="6875306" y="653595"/>
+        <a:ext cx="1170002" cy="1170002"/>
+      </dsp:txXfrm>
+    </dsp:sp>
   </dsp:spTree>
 </dsp:drawing>
 </file>
@@ -14968,6 +18314,342 @@
       <dsp:cNvGrpSpPr/>
     </dsp:nvGrpSpPr>
     <dsp:grpSpPr/>
+    <dsp:sp modelId="{B0B6F61C-C060-4C4C-96BF-4EE40B41E6A0}">
+      <dsp:nvSpPr>
+        <dsp:cNvPr id="0" name=""/>
+        <dsp:cNvSpPr/>
+      </dsp:nvSpPr>
+      <dsp:spPr>
+        <a:xfrm>
+          <a:off x="2804648" y="0"/>
+          <a:ext cx="2101890" cy="1837317"/>
+        </a:xfrm>
+        <a:prstGeom prst="rightArrow">
+          <a:avLst>
+            <a:gd name="adj1" fmla="val 70000"/>
+            <a:gd name="adj2" fmla="val 50000"/>
+          </a:avLst>
+        </a:prstGeom>
+        <a:solidFill>
+          <a:schemeClr val="accent1">
+            <a:alpha val="90000"/>
+            <a:tint val="40000"/>
+            <a:hueOff val="0"/>
+            <a:satOff val="0"/>
+            <a:lumOff val="0"/>
+            <a:alphaOff val="0"/>
+          </a:schemeClr>
+        </a:solidFill>
+        <a:ln w="15875" cap="flat" cmpd="sng" algn="ctr">
+          <a:solidFill>
+            <a:schemeClr val="accent1">
+              <a:alpha val="90000"/>
+              <a:tint val="40000"/>
+              <a:hueOff val="0"/>
+              <a:satOff val="0"/>
+              <a:lumOff val="0"/>
+              <a:alphaOff val="0"/>
+            </a:schemeClr>
+          </a:solidFill>
+          <a:prstDash val="solid"/>
+        </a:ln>
+        <a:effectLst/>
+      </dsp:spPr>
+      <dsp:style>
+        <a:lnRef idx="2">
+          <a:scrgbClr r="0" g="0" b="0"/>
+        </a:lnRef>
+        <a:fillRef idx="1">
+          <a:scrgbClr r="0" g="0" b="0"/>
+        </a:fillRef>
+        <a:effectRef idx="0">
+          <a:scrgbClr r="0" g="0" b="0"/>
+        </a:effectRef>
+        <a:fontRef idx="minor"/>
+      </dsp:style>
+      <dsp:txBody>
+        <a:bodyPr spcFirstLastPara="0" vert="horz" wrap="square" lIns="48260" tIns="12065" rIns="24130" bIns="12065" numCol="1" spcCol="1270" anchor="ctr" anchorCtr="0">
+          <a:noAutofit/>
+        </a:bodyPr>
+        <a:lstStyle/>
+        <a:p>
+          <a:pPr lvl="0" algn="ctr" defTabSz="844550">
+            <a:lnSpc>
+              <a:spcPct val="90000"/>
+            </a:lnSpc>
+            <a:spcBef>
+              <a:spcPct val="0"/>
+            </a:spcBef>
+            <a:spcAft>
+              <a:spcPct val="35000"/>
+            </a:spcAft>
+          </a:pPr>
+          <a:r>
+            <a:rPr lang="ru-RU" sz="1900" kern="1200" dirty="0" smtClean="0"/>
+            <a:t>запросы</a:t>
+          </a:r>
+          <a:endParaRPr lang="ru-RU" sz="1900" kern="1200" dirty="0"/>
+        </a:p>
+      </dsp:txBody>
+      <dsp:txXfrm>
+        <a:off x="3330121" y="275598"/>
+        <a:ext cx="1024671" cy="1286121"/>
+      </dsp:txXfrm>
+    </dsp:sp>
+    <dsp:sp modelId="{E644A287-01BC-4CF5-B466-30846E7BBA7F}">
+      <dsp:nvSpPr>
+        <dsp:cNvPr id="0" name=""/>
+        <dsp:cNvSpPr/>
+      </dsp:nvSpPr>
+      <dsp:spPr>
+        <a:xfrm>
+          <a:off x="2279176" y="393185"/>
+          <a:ext cx="1050945" cy="1050945"/>
+        </a:xfrm>
+        <a:prstGeom prst="roundRect">
+          <a:avLst/>
+        </a:prstGeom>
+        <a:solidFill>
+          <a:schemeClr val="accent1">
+            <a:hueOff val="0"/>
+            <a:satOff val="0"/>
+            <a:lumOff val="0"/>
+            <a:alphaOff val="0"/>
+          </a:schemeClr>
+        </a:solidFill>
+        <a:ln w="15875" cap="flat" cmpd="sng" algn="ctr">
+          <a:solidFill>
+            <a:schemeClr val="lt1">
+              <a:hueOff val="0"/>
+              <a:satOff val="0"/>
+              <a:lumOff val="0"/>
+              <a:alphaOff val="0"/>
+            </a:schemeClr>
+          </a:solidFill>
+          <a:prstDash val="solid"/>
+        </a:ln>
+        <a:effectLst/>
+      </dsp:spPr>
+      <dsp:style>
+        <a:lnRef idx="2">
+          <a:scrgbClr r="0" g="0" b="0"/>
+        </a:lnRef>
+        <a:fillRef idx="1">
+          <a:scrgbClr r="0" g="0" b="0"/>
+        </a:fillRef>
+        <a:effectRef idx="0">
+          <a:scrgbClr r="0" g="0" b="0"/>
+        </a:effectRef>
+        <a:fontRef idx="minor">
+          <a:schemeClr val="lt1"/>
+        </a:fontRef>
+      </dsp:style>
+      <dsp:txBody>
+        <a:bodyPr spcFirstLastPara="0" vert="horz" wrap="square" lIns="11430" tIns="11430" rIns="11430" bIns="11430" numCol="1" spcCol="1270" anchor="ctr" anchorCtr="0">
+          <a:noAutofit/>
+        </a:bodyPr>
+        <a:lstStyle/>
+        <a:p>
+          <a:pPr lvl="0" algn="ctr" defTabSz="800100">
+            <a:lnSpc>
+              <a:spcPct val="90000"/>
+            </a:lnSpc>
+            <a:spcBef>
+              <a:spcPct val="0"/>
+            </a:spcBef>
+            <a:spcAft>
+              <a:spcPct val="35000"/>
+            </a:spcAft>
+          </a:pPr>
+          <a:r>
+            <a:rPr lang="en-US" sz="1800" kern="1200" dirty="0" smtClean="0"/>
+            <a:t>Converter</a:t>
+          </a:r>
+          <a:endParaRPr lang="ru-RU" sz="1800" kern="1200" dirty="0" smtClean="0"/>
+        </a:p>
+        <a:p>
+          <a:pPr lvl="0" algn="ctr" defTabSz="800100">
+            <a:lnSpc>
+              <a:spcPct val="90000"/>
+            </a:lnSpc>
+            <a:spcBef>
+              <a:spcPct val="0"/>
+            </a:spcBef>
+            <a:spcAft>
+              <a:spcPct val="35000"/>
+            </a:spcAft>
+          </a:pPr>
+          <a:r>
+            <a:rPr lang="en-US" sz="1800" kern="1200" dirty="0" smtClean="0"/>
+            <a:t>JSON</a:t>
+          </a:r>
+          <a:endParaRPr lang="ru-RU" sz="1800" kern="1200" dirty="0"/>
+        </a:p>
+      </dsp:txBody>
+      <dsp:txXfrm>
+        <a:off x="2330479" y="444488"/>
+        <a:ext cx="948339" cy="948339"/>
+      </dsp:txXfrm>
+    </dsp:sp>
+    <dsp:sp modelId="{1FA1B9C7-0E34-4A44-A18B-216DF888F0C5}">
+      <dsp:nvSpPr>
+        <dsp:cNvPr id="0" name=""/>
+        <dsp:cNvSpPr/>
+      </dsp:nvSpPr>
+      <dsp:spPr>
+        <a:xfrm>
+          <a:off x="5677333" y="0"/>
+          <a:ext cx="2101890" cy="1837317"/>
+        </a:xfrm>
+        <a:prstGeom prst="rightArrow">
+          <a:avLst>
+            <a:gd name="adj1" fmla="val 70000"/>
+            <a:gd name="adj2" fmla="val 50000"/>
+          </a:avLst>
+        </a:prstGeom>
+        <a:solidFill>
+          <a:schemeClr val="accent1">
+            <a:alpha val="90000"/>
+            <a:tint val="40000"/>
+            <a:hueOff val="0"/>
+            <a:satOff val="0"/>
+            <a:lumOff val="0"/>
+            <a:alphaOff val="0"/>
+          </a:schemeClr>
+        </a:solidFill>
+        <a:ln w="15875" cap="flat" cmpd="sng" algn="ctr">
+          <a:solidFill>
+            <a:schemeClr val="accent1">
+              <a:alpha val="90000"/>
+              <a:tint val="40000"/>
+              <a:hueOff val="0"/>
+              <a:satOff val="0"/>
+              <a:lumOff val="0"/>
+              <a:alphaOff val="0"/>
+            </a:schemeClr>
+          </a:solidFill>
+          <a:prstDash val="solid"/>
+        </a:ln>
+        <a:effectLst/>
+      </dsp:spPr>
+      <dsp:style>
+        <a:lnRef idx="2">
+          <a:scrgbClr r="0" g="0" b="0"/>
+        </a:lnRef>
+        <a:fillRef idx="1">
+          <a:scrgbClr r="0" g="0" b="0"/>
+        </a:fillRef>
+        <a:effectRef idx="0">
+          <a:scrgbClr r="0" g="0" b="0"/>
+        </a:effectRef>
+        <a:fontRef idx="minor"/>
+      </dsp:style>
+      <dsp:txBody>
+        <a:bodyPr spcFirstLastPara="0" vert="horz" wrap="square" lIns="48260" tIns="12065" rIns="24130" bIns="12065" numCol="1" spcCol="1270" anchor="ctr" anchorCtr="0">
+          <a:noAutofit/>
+        </a:bodyPr>
+        <a:lstStyle/>
+        <a:p>
+          <a:pPr lvl="0" algn="ctr" defTabSz="844550">
+            <a:lnSpc>
+              <a:spcPct val="90000"/>
+            </a:lnSpc>
+            <a:spcBef>
+              <a:spcPct val="0"/>
+            </a:spcBef>
+            <a:spcAft>
+              <a:spcPct val="35000"/>
+            </a:spcAft>
+          </a:pPr>
+          <a:r>
+            <a:rPr lang="ru-RU" sz="1900" kern="1200" dirty="0" smtClean="0"/>
+            <a:t>ссылка на базу запросов</a:t>
+          </a:r>
+          <a:endParaRPr lang="ru-RU" sz="1900" kern="1200" dirty="0"/>
+        </a:p>
+      </dsp:txBody>
+      <dsp:txXfrm>
+        <a:off x="6202805" y="275598"/>
+        <a:ext cx="1024671" cy="1286121"/>
+      </dsp:txXfrm>
+    </dsp:sp>
+    <dsp:sp modelId="{0A88A3E8-7701-48D6-969C-59DBA88CA534}">
+      <dsp:nvSpPr>
+        <dsp:cNvPr id="0" name=""/>
+        <dsp:cNvSpPr/>
+      </dsp:nvSpPr>
+      <dsp:spPr>
+        <a:xfrm>
+          <a:off x="5151860" y="393185"/>
+          <a:ext cx="1050945" cy="1050945"/>
+        </a:xfrm>
+        <a:prstGeom prst="roundRect">
+          <a:avLst/>
+        </a:prstGeom>
+        <a:solidFill>
+          <a:schemeClr val="accent1">
+            <a:hueOff val="0"/>
+            <a:satOff val="0"/>
+            <a:lumOff val="0"/>
+            <a:alphaOff val="0"/>
+          </a:schemeClr>
+        </a:solidFill>
+        <a:ln w="15875" cap="flat" cmpd="sng" algn="ctr">
+          <a:solidFill>
+            <a:schemeClr val="lt1">
+              <a:hueOff val="0"/>
+              <a:satOff val="0"/>
+              <a:lumOff val="0"/>
+              <a:alphaOff val="0"/>
+            </a:schemeClr>
+          </a:solidFill>
+          <a:prstDash val="solid"/>
+        </a:ln>
+        <a:effectLst/>
+      </dsp:spPr>
+      <dsp:style>
+        <a:lnRef idx="2">
+          <a:scrgbClr r="0" g="0" b="0"/>
+        </a:lnRef>
+        <a:fillRef idx="1">
+          <a:scrgbClr r="0" g="0" b="0"/>
+        </a:fillRef>
+        <a:effectRef idx="0">
+          <a:scrgbClr r="0" g="0" b="0"/>
+        </a:effectRef>
+        <a:fontRef idx="minor">
+          <a:schemeClr val="lt1"/>
+        </a:fontRef>
+      </dsp:style>
+      <dsp:txBody>
+        <a:bodyPr spcFirstLastPara="0" vert="horz" wrap="square" lIns="11430" tIns="11430" rIns="11430" bIns="11430" numCol="1" spcCol="1270" anchor="ctr" anchorCtr="0">
+          <a:noAutofit/>
+        </a:bodyPr>
+        <a:lstStyle/>
+        <a:p>
+          <a:pPr lvl="0" algn="ctr" defTabSz="800100">
+            <a:lnSpc>
+              <a:spcPct val="90000"/>
+            </a:lnSpc>
+            <a:spcBef>
+              <a:spcPct val="0"/>
+            </a:spcBef>
+            <a:spcAft>
+              <a:spcPct val="35000"/>
+            </a:spcAft>
+          </a:pPr>
+          <a:r>
+            <a:rPr lang="en-US" sz="1800" kern="1200" dirty="0" smtClean="0"/>
+            <a:t>Requests</a:t>
+          </a:r>
+          <a:endParaRPr lang="ru-RU" sz="1800" kern="1200" dirty="0"/>
+        </a:p>
+      </dsp:txBody>
+      <dsp:txXfrm>
+        <a:off x="5203163" y="444488"/>
+        <a:ext cx="948339" cy="948339"/>
+      </dsp:txXfrm>
+    </dsp:sp>
   </dsp:spTree>
 </dsp:drawing>
 </file>
@@ -14980,6 +18662,360 @@
       <dsp:cNvGrpSpPr/>
     </dsp:nvGrpSpPr>
     <dsp:grpSpPr/>
+    <dsp:sp modelId="{B0B6F61C-C060-4C4C-96BF-4EE40B41E6A0}">
+      <dsp:nvSpPr>
+        <dsp:cNvPr id="0" name=""/>
+        <dsp:cNvSpPr/>
+      </dsp:nvSpPr>
+      <dsp:spPr>
+        <a:xfrm>
+          <a:off x="2766612" y="0"/>
+          <a:ext cx="2139927" cy="1870566"/>
+        </a:xfrm>
+        <a:prstGeom prst="rightArrow">
+          <a:avLst>
+            <a:gd name="adj1" fmla="val 70000"/>
+            <a:gd name="adj2" fmla="val 50000"/>
+          </a:avLst>
+        </a:prstGeom>
+        <a:solidFill>
+          <a:schemeClr val="accent1">
+            <a:alpha val="90000"/>
+            <a:tint val="40000"/>
+            <a:hueOff val="0"/>
+            <a:satOff val="0"/>
+            <a:lumOff val="0"/>
+            <a:alphaOff val="0"/>
+          </a:schemeClr>
+        </a:solidFill>
+        <a:ln w="15875" cap="flat" cmpd="sng" algn="ctr">
+          <a:solidFill>
+            <a:schemeClr val="accent1">
+              <a:alpha val="90000"/>
+              <a:tint val="40000"/>
+              <a:hueOff val="0"/>
+              <a:satOff val="0"/>
+              <a:lumOff val="0"/>
+              <a:alphaOff val="0"/>
+            </a:schemeClr>
+          </a:solidFill>
+          <a:prstDash val="solid"/>
+        </a:ln>
+        <a:effectLst/>
+      </dsp:spPr>
+      <dsp:style>
+        <a:lnRef idx="2">
+          <a:scrgbClr r="0" g="0" b="0"/>
+        </a:lnRef>
+        <a:fillRef idx="1">
+          <a:scrgbClr r="0" g="0" b="0"/>
+        </a:fillRef>
+        <a:effectRef idx="0">
+          <a:scrgbClr r="0" g="0" b="0"/>
+        </a:effectRef>
+        <a:fontRef idx="minor"/>
+      </dsp:style>
+      <dsp:txBody>
+        <a:bodyPr spcFirstLastPara="0" vert="horz" wrap="square" lIns="30480" tIns="7620" rIns="15240" bIns="7620" numCol="1" spcCol="1270" anchor="ctr" anchorCtr="0">
+          <a:noAutofit/>
+        </a:bodyPr>
+        <a:lstStyle/>
+        <a:p>
+          <a:pPr lvl="0" algn="ctr" defTabSz="533400">
+            <a:lnSpc>
+              <a:spcPct val="90000"/>
+            </a:lnSpc>
+            <a:spcBef>
+              <a:spcPct val="0"/>
+            </a:spcBef>
+            <a:spcAft>
+              <a:spcPct val="35000"/>
+            </a:spcAft>
+          </a:pPr>
+          <a:r>
+            <a:rPr lang="ru-RU" sz="1200" kern="1200" dirty="0" smtClean="0"/>
+            <a:t>рассчитать релевантность ответов</a:t>
+          </a:r>
+          <a:endParaRPr lang="ru-RU" sz="1200" kern="1200" dirty="0"/>
+        </a:p>
+      </dsp:txBody>
+      <dsp:txXfrm>
+        <a:off x="3301593" y="280585"/>
+        <a:ext cx="1043214" cy="1309396"/>
+      </dsp:txXfrm>
+    </dsp:sp>
+    <dsp:sp modelId="{E644A287-01BC-4CF5-B466-30846E7BBA7F}">
+      <dsp:nvSpPr>
+        <dsp:cNvPr id="0" name=""/>
+        <dsp:cNvSpPr/>
+      </dsp:nvSpPr>
+      <dsp:spPr>
+        <a:xfrm>
+          <a:off x="2231630" y="400301"/>
+          <a:ext cx="1069963" cy="1069963"/>
+        </a:xfrm>
+        <a:prstGeom prst="ellipse">
+          <a:avLst/>
+        </a:prstGeom>
+        <a:solidFill>
+          <a:schemeClr val="accent1">
+            <a:hueOff val="0"/>
+            <a:satOff val="0"/>
+            <a:lumOff val="0"/>
+            <a:alphaOff val="0"/>
+          </a:schemeClr>
+        </a:solidFill>
+        <a:ln w="15875" cap="flat" cmpd="sng" algn="ctr">
+          <a:solidFill>
+            <a:schemeClr val="lt1">
+              <a:hueOff val="0"/>
+              <a:satOff val="0"/>
+              <a:lumOff val="0"/>
+              <a:alphaOff val="0"/>
+            </a:schemeClr>
+          </a:solidFill>
+          <a:prstDash val="solid"/>
+        </a:ln>
+        <a:effectLst/>
+      </dsp:spPr>
+      <dsp:style>
+        <a:lnRef idx="2">
+          <a:scrgbClr r="0" g="0" b="0"/>
+        </a:lnRef>
+        <a:fillRef idx="1">
+          <a:scrgbClr r="0" g="0" b="0"/>
+        </a:fillRef>
+        <a:effectRef idx="0">
+          <a:scrgbClr r="0" g="0" b="0"/>
+        </a:effectRef>
+        <a:fontRef idx="minor">
+          <a:schemeClr val="lt1"/>
+        </a:fontRef>
+      </dsp:style>
+      <dsp:txBody>
+        <a:bodyPr spcFirstLastPara="0" vert="horz" wrap="square" lIns="8890" tIns="8890" rIns="8890" bIns="8890" numCol="1" spcCol="1270" anchor="ctr" anchorCtr="0">
+          <a:noAutofit/>
+        </a:bodyPr>
+        <a:lstStyle/>
+        <a:p>
+          <a:pPr lvl="0" algn="ctr" defTabSz="622300">
+            <a:lnSpc>
+              <a:spcPct val="90000"/>
+            </a:lnSpc>
+            <a:spcBef>
+              <a:spcPct val="0"/>
+            </a:spcBef>
+            <a:spcAft>
+              <a:spcPct val="35000"/>
+            </a:spcAft>
+          </a:pPr>
+          <a:r>
+            <a:rPr lang="en-US" sz="1400" kern="1200" dirty="0" smtClean="0"/>
+            <a:t>Search</a:t>
+          </a:r>
+          <a:endParaRPr lang="ru-RU" sz="1400" kern="1200" dirty="0" smtClean="0"/>
+        </a:p>
+        <a:p>
+          <a:pPr lvl="0" algn="ctr" defTabSz="622300">
+            <a:lnSpc>
+              <a:spcPct val="90000"/>
+            </a:lnSpc>
+            <a:spcBef>
+              <a:spcPct val="0"/>
+            </a:spcBef>
+            <a:spcAft>
+              <a:spcPct val="35000"/>
+            </a:spcAft>
+          </a:pPr>
+          <a:r>
+            <a:rPr lang="en-US" sz="1400" kern="1200" dirty="0" smtClean="0"/>
+            <a:t>Engine</a:t>
+          </a:r>
+          <a:endParaRPr lang="ru-RU" sz="1400" kern="1200" dirty="0"/>
+        </a:p>
+      </dsp:txBody>
+      <dsp:txXfrm>
+        <a:off x="2388322" y="556993"/>
+        <a:ext cx="756579" cy="756579"/>
+      </dsp:txXfrm>
+    </dsp:sp>
+    <dsp:sp modelId="{1FA1B9C7-0E34-4A44-A18B-216DF888F0C5}">
+      <dsp:nvSpPr>
+        <dsp:cNvPr id="0" name=""/>
+        <dsp:cNvSpPr/>
+      </dsp:nvSpPr>
+      <dsp:spPr>
+        <a:xfrm>
+          <a:off x="5686842" y="0"/>
+          <a:ext cx="2139927" cy="1870566"/>
+        </a:xfrm>
+        <a:prstGeom prst="rightArrow">
+          <a:avLst>
+            <a:gd name="adj1" fmla="val 70000"/>
+            <a:gd name="adj2" fmla="val 50000"/>
+          </a:avLst>
+        </a:prstGeom>
+        <a:solidFill>
+          <a:schemeClr val="accent1">
+            <a:alpha val="90000"/>
+            <a:tint val="40000"/>
+            <a:hueOff val="0"/>
+            <a:satOff val="0"/>
+            <a:lumOff val="0"/>
+            <a:alphaOff val="0"/>
+          </a:schemeClr>
+        </a:solidFill>
+        <a:ln w="15875" cap="flat" cmpd="sng" algn="ctr">
+          <a:solidFill>
+            <a:schemeClr val="accent1">
+              <a:alpha val="90000"/>
+              <a:tint val="40000"/>
+              <a:hueOff val="0"/>
+              <a:satOff val="0"/>
+              <a:lumOff val="0"/>
+              <a:alphaOff val="0"/>
+            </a:schemeClr>
+          </a:solidFill>
+          <a:prstDash val="solid"/>
+        </a:ln>
+        <a:effectLst/>
+      </dsp:spPr>
+      <dsp:style>
+        <a:lnRef idx="2">
+          <a:scrgbClr r="0" g="0" b="0"/>
+        </a:lnRef>
+        <a:fillRef idx="1">
+          <a:scrgbClr r="0" g="0" b="0"/>
+        </a:fillRef>
+        <a:effectRef idx="0">
+          <a:scrgbClr r="0" g="0" b="0"/>
+        </a:effectRef>
+        <a:fontRef idx="minor"/>
+      </dsp:style>
+      <dsp:txBody>
+        <a:bodyPr spcFirstLastPara="0" vert="horz" wrap="square" lIns="30480" tIns="7620" rIns="15240" bIns="7620" numCol="1" spcCol="1270" anchor="ctr" anchorCtr="0">
+          <a:noAutofit/>
+        </a:bodyPr>
+        <a:lstStyle/>
+        <a:p>
+          <a:pPr lvl="0" algn="ctr" defTabSz="533400">
+            <a:lnSpc>
+              <a:spcPct val="90000"/>
+            </a:lnSpc>
+            <a:spcBef>
+              <a:spcPct val="0"/>
+            </a:spcBef>
+            <a:spcAft>
+              <a:spcPct val="35000"/>
+            </a:spcAft>
+          </a:pPr>
+          <a:r>
+            <a:rPr lang="ru-RU" sz="1200" kern="1200" dirty="0" smtClean="0"/>
+            <a:t>ссылка на базу релевантности ответов</a:t>
+          </a:r>
+          <a:endParaRPr lang="ru-RU" sz="1200" kern="1200" dirty="0"/>
+        </a:p>
+      </dsp:txBody>
+      <dsp:txXfrm>
+        <a:off x="6221824" y="280585"/>
+        <a:ext cx="1043214" cy="1309396"/>
+      </dsp:txXfrm>
+    </dsp:sp>
+    <dsp:sp modelId="{0A88A3E8-7701-48D6-969C-59DBA88CA534}">
+      <dsp:nvSpPr>
+        <dsp:cNvPr id="0" name=""/>
+        <dsp:cNvSpPr/>
+      </dsp:nvSpPr>
+      <dsp:spPr>
+        <a:xfrm>
+          <a:off x="5151860" y="400301"/>
+          <a:ext cx="1069963" cy="1069963"/>
+        </a:xfrm>
+        <a:prstGeom prst="ellipse">
+          <a:avLst/>
+        </a:prstGeom>
+        <a:solidFill>
+          <a:schemeClr val="accent1">
+            <a:hueOff val="0"/>
+            <a:satOff val="0"/>
+            <a:lumOff val="0"/>
+            <a:alphaOff val="0"/>
+          </a:schemeClr>
+        </a:solidFill>
+        <a:ln w="15875" cap="flat" cmpd="sng" algn="ctr">
+          <a:solidFill>
+            <a:schemeClr val="lt1">
+              <a:hueOff val="0"/>
+              <a:satOff val="0"/>
+              <a:lumOff val="0"/>
+              <a:alphaOff val="0"/>
+            </a:schemeClr>
+          </a:solidFill>
+          <a:prstDash val="solid"/>
+        </a:ln>
+        <a:effectLst/>
+      </dsp:spPr>
+      <dsp:style>
+        <a:lnRef idx="2">
+          <a:scrgbClr r="0" g="0" b="0"/>
+        </a:lnRef>
+        <a:fillRef idx="1">
+          <a:scrgbClr r="0" g="0" b="0"/>
+        </a:fillRef>
+        <a:effectRef idx="0">
+          <a:scrgbClr r="0" g="0" b="0"/>
+        </a:effectRef>
+        <a:fontRef idx="minor">
+          <a:schemeClr val="lt1"/>
+        </a:fontRef>
+      </dsp:style>
+      <dsp:txBody>
+        <a:bodyPr spcFirstLastPara="0" vert="horz" wrap="square" lIns="8890" tIns="8890" rIns="8890" bIns="8890" numCol="1" spcCol="1270" anchor="ctr" anchorCtr="0">
+          <a:noAutofit/>
+        </a:bodyPr>
+        <a:lstStyle/>
+        <a:p>
+          <a:pPr lvl="0" algn="ctr" defTabSz="622300">
+            <a:lnSpc>
+              <a:spcPct val="90000"/>
+            </a:lnSpc>
+            <a:spcBef>
+              <a:spcPct val="0"/>
+            </a:spcBef>
+            <a:spcAft>
+              <a:spcPct val="35000"/>
+            </a:spcAft>
+          </a:pPr>
+          <a:r>
+            <a:rPr lang="en-US" sz="1400" kern="1200" dirty="0" smtClean="0"/>
+            <a:t>Relevant</a:t>
+          </a:r>
+          <a:endParaRPr lang="ru-RU" sz="1400" kern="1200" dirty="0" smtClean="0"/>
+        </a:p>
+        <a:p>
+          <a:pPr lvl="0" algn="ctr" defTabSz="622300">
+            <a:lnSpc>
+              <a:spcPct val="90000"/>
+            </a:lnSpc>
+            <a:spcBef>
+              <a:spcPct val="0"/>
+            </a:spcBef>
+            <a:spcAft>
+              <a:spcPct val="35000"/>
+            </a:spcAft>
+          </a:pPr>
+          <a:r>
+            <a:rPr lang="en-US" sz="1400" kern="1200" dirty="0" smtClean="0"/>
+            <a:t>Response</a:t>
+          </a:r>
+          <a:endParaRPr lang="ru-RU" sz="1400" kern="1200" dirty="0"/>
+        </a:p>
+      </dsp:txBody>
+      <dsp:txXfrm>
+        <a:off x="5308552" y="556993"/>
+        <a:ext cx="756579" cy="756579"/>
+      </dsp:txXfrm>
+    </dsp:sp>
   </dsp:spTree>
 </dsp:drawing>
 </file>
@@ -14992,6 +19028,359 @@
       <dsp:cNvGrpSpPr/>
     </dsp:nvGrpSpPr>
     <dsp:grpSpPr/>
+    <dsp:sp modelId="{B0B6F61C-C060-4C4C-96BF-4EE40B41E6A0}">
+      <dsp:nvSpPr>
+        <dsp:cNvPr id="0" name=""/>
+        <dsp:cNvSpPr/>
+      </dsp:nvSpPr>
+      <dsp:spPr>
+        <a:xfrm>
+          <a:off x="2739272" y="0"/>
+          <a:ext cx="2167266" cy="1894464"/>
+        </a:xfrm>
+        <a:prstGeom prst="rightArrow">
+          <a:avLst>
+            <a:gd name="adj1" fmla="val 70000"/>
+            <a:gd name="adj2" fmla="val 50000"/>
+          </a:avLst>
+        </a:prstGeom>
+        <a:solidFill>
+          <a:schemeClr val="accent1">
+            <a:alpha val="90000"/>
+            <a:tint val="40000"/>
+            <a:hueOff val="0"/>
+            <a:satOff val="0"/>
+            <a:lumOff val="0"/>
+            <a:alphaOff val="0"/>
+          </a:schemeClr>
+        </a:solidFill>
+        <a:ln w="15875" cap="flat" cmpd="sng" algn="ctr">
+          <a:solidFill>
+            <a:schemeClr val="accent1">
+              <a:alpha val="90000"/>
+              <a:tint val="40000"/>
+              <a:hueOff val="0"/>
+              <a:satOff val="0"/>
+              <a:lumOff val="0"/>
+              <a:alphaOff val="0"/>
+            </a:schemeClr>
+          </a:solidFill>
+          <a:prstDash val="solid"/>
+        </a:ln>
+        <a:effectLst/>
+      </dsp:spPr>
+      <dsp:style>
+        <a:lnRef idx="2">
+          <a:scrgbClr r="0" g="0" b="0"/>
+        </a:lnRef>
+        <a:fillRef idx="1">
+          <a:scrgbClr r="0" g="0" b="0"/>
+        </a:fillRef>
+        <a:effectRef idx="0">
+          <a:scrgbClr r="0" g="0" b="0"/>
+        </a:effectRef>
+        <a:fontRef idx="minor"/>
+      </dsp:style>
+      <dsp:txBody>
+        <a:bodyPr spcFirstLastPara="0" vert="horz" wrap="square" lIns="25400" tIns="6350" rIns="12700" bIns="6350" numCol="1" spcCol="1270" anchor="ctr" anchorCtr="0">
+          <a:noAutofit/>
+        </a:bodyPr>
+        <a:lstStyle/>
+        <a:p>
+          <a:pPr lvl="0" algn="ctr" defTabSz="444500">
+            <a:lnSpc>
+              <a:spcPct val="90000"/>
+            </a:lnSpc>
+            <a:spcBef>
+              <a:spcPct val="0"/>
+            </a:spcBef>
+            <a:spcAft>
+              <a:spcPct val="35000"/>
+            </a:spcAft>
+          </a:pPr>
+          <a:r>
+            <a:rPr lang="ru-RU" sz="1000" kern="1200" dirty="0" smtClean="0"/>
+            <a:t>обновить базу инвертированных индексов</a:t>
+          </a:r>
+          <a:endParaRPr lang="ru-RU" sz="1000" kern="1200" dirty="0"/>
+        </a:p>
+      </dsp:txBody>
+      <dsp:txXfrm>
+        <a:off x="3281089" y="284170"/>
+        <a:ext cx="1056543" cy="1326124"/>
+      </dsp:txXfrm>
+    </dsp:sp>
+    <dsp:sp modelId="{E644A287-01BC-4CF5-B466-30846E7BBA7F}">
+      <dsp:nvSpPr>
+        <dsp:cNvPr id="0" name=""/>
+        <dsp:cNvSpPr/>
+      </dsp:nvSpPr>
+      <dsp:spPr>
+        <a:xfrm>
+          <a:off x="2197456" y="405415"/>
+          <a:ext cx="1083633" cy="1083633"/>
+        </a:xfrm>
+        <a:prstGeom prst="ellipse">
+          <a:avLst/>
+        </a:prstGeom>
+        <a:solidFill>
+          <a:schemeClr val="accent1">
+            <a:hueOff val="0"/>
+            <a:satOff val="0"/>
+            <a:lumOff val="0"/>
+            <a:alphaOff val="0"/>
+          </a:schemeClr>
+        </a:solidFill>
+        <a:ln w="15875" cap="flat" cmpd="sng" algn="ctr">
+          <a:solidFill>
+            <a:schemeClr val="lt1">
+              <a:hueOff val="0"/>
+              <a:satOff val="0"/>
+              <a:lumOff val="0"/>
+              <a:alphaOff val="0"/>
+            </a:schemeClr>
+          </a:solidFill>
+          <a:prstDash val="solid"/>
+        </a:ln>
+        <a:effectLst/>
+      </dsp:spPr>
+      <dsp:style>
+        <a:lnRef idx="2">
+          <a:scrgbClr r="0" g="0" b="0"/>
+        </a:lnRef>
+        <a:fillRef idx="1">
+          <a:scrgbClr r="0" g="0" b="0"/>
+        </a:fillRef>
+        <a:effectRef idx="0">
+          <a:scrgbClr r="0" g="0" b="0"/>
+        </a:effectRef>
+        <a:fontRef idx="minor">
+          <a:schemeClr val="lt1"/>
+        </a:fontRef>
+      </dsp:style>
+      <dsp:txBody>
+        <a:bodyPr spcFirstLastPara="0" vert="horz" wrap="square" lIns="10795" tIns="10795" rIns="10795" bIns="10795" numCol="1" spcCol="1270" anchor="ctr" anchorCtr="0">
+          <a:noAutofit/>
+        </a:bodyPr>
+        <a:lstStyle/>
+        <a:p>
+          <a:pPr lvl="0" algn="ctr" defTabSz="755650">
+            <a:lnSpc>
+              <a:spcPct val="90000"/>
+            </a:lnSpc>
+            <a:spcBef>
+              <a:spcPct val="0"/>
+            </a:spcBef>
+            <a:spcAft>
+              <a:spcPct val="35000"/>
+            </a:spcAft>
+          </a:pPr>
+          <a:r>
+            <a:rPr lang="en-US" sz="1700" kern="1200" dirty="0" smtClean="0"/>
+            <a:t>Search</a:t>
+          </a:r>
+          <a:endParaRPr lang="ru-RU" sz="1700" kern="1200" dirty="0" smtClean="0"/>
+        </a:p>
+        <a:p>
+          <a:pPr lvl="0" algn="ctr" defTabSz="755650">
+            <a:lnSpc>
+              <a:spcPct val="90000"/>
+            </a:lnSpc>
+            <a:spcBef>
+              <a:spcPct val="0"/>
+            </a:spcBef>
+            <a:spcAft>
+              <a:spcPct val="35000"/>
+            </a:spcAft>
+          </a:pPr>
+          <a:r>
+            <a:rPr lang="en-US" sz="1700" kern="1200" dirty="0" smtClean="0"/>
+            <a:t>Engine</a:t>
+          </a:r>
+          <a:endParaRPr lang="ru-RU" sz="1700" kern="1200" dirty="0"/>
+        </a:p>
+      </dsp:txBody>
+      <dsp:txXfrm>
+        <a:off x="2356150" y="564109"/>
+        <a:ext cx="766245" cy="766245"/>
+      </dsp:txXfrm>
+    </dsp:sp>
+    <dsp:sp modelId="{1FA1B9C7-0E34-4A44-A18B-216DF888F0C5}">
+      <dsp:nvSpPr>
+        <dsp:cNvPr id="0" name=""/>
+        <dsp:cNvSpPr/>
+      </dsp:nvSpPr>
+      <dsp:spPr>
+        <a:xfrm>
+          <a:off x="5693677" y="0"/>
+          <a:ext cx="2167266" cy="1894464"/>
+        </a:xfrm>
+        <a:prstGeom prst="rightArrow">
+          <a:avLst>
+            <a:gd name="adj1" fmla="val 70000"/>
+            <a:gd name="adj2" fmla="val 50000"/>
+          </a:avLst>
+        </a:prstGeom>
+        <a:solidFill>
+          <a:schemeClr val="accent1">
+            <a:alpha val="90000"/>
+            <a:tint val="40000"/>
+            <a:hueOff val="0"/>
+            <a:satOff val="0"/>
+            <a:lumOff val="0"/>
+            <a:alphaOff val="0"/>
+          </a:schemeClr>
+        </a:solidFill>
+        <a:ln w="15875" cap="flat" cmpd="sng" algn="ctr">
+          <a:solidFill>
+            <a:schemeClr val="accent1">
+              <a:alpha val="90000"/>
+              <a:tint val="40000"/>
+              <a:hueOff val="0"/>
+              <a:satOff val="0"/>
+              <a:lumOff val="0"/>
+              <a:alphaOff val="0"/>
+            </a:schemeClr>
+          </a:solidFill>
+          <a:prstDash val="solid"/>
+        </a:ln>
+        <a:effectLst/>
+      </dsp:spPr>
+      <dsp:style>
+        <a:lnRef idx="2">
+          <a:scrgbClr r="0" g="0" b="0"/>
+        </a:lnRef>
+        <a:fillRef idx="1">
+          <a:scrgbClr r="0" g="0" b="0"/>
+        </a:fillRef>
+        <a:effectRef idx="0">
+          <a:scrgbClr r="0" g="0" b="0"/>
+        </a:effectRef>
+        <a:fontRef idx="minor"/>
+      </dsp:style>
+      <dsp:txBody>
+        <a:bodyPr spcFirstLastPara="0" vert="horz" wrap="square" lIns="25400" tIns="6350" rIns="12700" bIns="6350" numCol="1" spcCol="1270" anchor="ctr" anchorCtr="0">
+          <a:noAutofit/>
+        </a:bodyPr>
+        <a:lstStyle/>
+        <a:p>
+          <a:pPr lvl="0" algn="ctr" defTabSz="444500">
+            <a:lnSpc>
+              <a:spcPct val="90000"/>
+            </a:lnSpc>
+            <a:spcBef>
+              <a:spcPct val="0"/>
+            </a:spcBef>
+            <a:spcAft>
+              <a:spcPct val="35000"/>
+            </a:spcAft>
+          </a:pPr>
+          <a:r>
+            <a:rPr lang="ru-RU" sz="1000" kern="1200" dirty="0" smtClean="0"/>
+            <a:t>ссылка на базу инвертированных индексов</a:t>
+          </a:r>
+          <a:endParaRPr lang="ru-RU" sz="1000" kern="1200" dirty="0"/>
+        </a:p>
+      </dsp:txBody>
+      <dsp:txXfrm>
+        <a:off x="6235493" y="284170"/>
+        <a:ext cx="1056543" cy="1326124"/>
+      </dsp:txXfrm>
+    </dsp:sp>
+    <dsp:sp modelId="{0A88A3E8-7701-48D6-969C-59DBA88CA534}">
+      <dsp:nvSpPr>
+        <dsp:cNvPr id="0" name=""/>
+        <dsp:cNvSpPr/>
+      </dsp:nvSpPr>
+      <dsp:spPr>
+        <a:xfrm>
+          <a:off x="5151860" y="405415"/>
+          <a:ext cx="1083633" cy="1083633"/>
+        </a:xfrm>
+        <a:prstGeom prst="ellipse">
+          <a:avLst/>
+        </a:prstGeom>
+        <a:solidFill>
+          <a:schemeClr val="accent1">
+            <a:hueOff val="0"/>
+            <a:satOff val="0"/>
+            <a:lumOff val="0"/>
+            <a:alphaOff val="0"/>
+          </a:schemeClr>
+        </a:solidFill>
+        <a:ln w="15875" cap="flat" cmpd="sng" algn="ctr">
+          <a:solidFill>
+            <a:schemeClr val="lt1">
+              <a:hueOff val="0"/>
+              <a:satOff val="0"/>
+              <a:lumOff val="0"/>
+              <a:alphaOff val="0"/>
+            </a:schemeClr>
+          </a:solidFill>
+          <a:prstDash val="solid"/>
+        </a:ln>
+        <a:effectLst/>
+      </dsp:spPr>
+      <dsp:style>
+        <a:lnRef idx="2">
+          <a:scrgbClr r="0" g="0" b="0"/>
+        </a:lnRef>
+        <a:fillRef idx="1">
+          <a:scrgbClr r="0" g="0" b="0"/>
+        </a:fillRef>
+        <a:effectRef idx="0">
+          <a:scrgbClr r="0" g="0" b="0"/>
+        </a:effectRef>
+        <a:fontRef idx="minor">
+          <a:schemeClr val="lt1"/>
+        </a:fontRef>
+      </dsp:style>
+      <dsp:txBody>
+        <a:bodyPr spcFirstLastPara="0" vert="horz" wrap="square" lIns="10795" tIns="10795" rIns="10795" bIns="10795" numCol="1" spcCol="1270" anchor="ctr" anchorCtr="0">
+          <a:noAutofit/>
+        </a:bodyPr>
+        <a:lstStyle/>
+        <a:p>
+          <a:pPr lvl="0" algn="ctr" defTabSz="755650">
+            <a:lnSpc>
+              <a:spcPct val="90000"/>
+            </a:lnSpc>
+            <a:spcBef>
+              <a:spcPct val="0"/>
+            </a:spcBef>
+            <a:spcAft>
+              <a:spcPct val="35000"/>
+            </a:spcAft>
+          </a:pPr>
+          <a:r>
+            <a:rPr lang="en-US" sz="1700" kern="1200" dirty="0" smtClean="0"/>
+            <a:t>Inverted</a:t>
+          </a:r>
+        </a:p>
+        <a:p>
+          <a:pPr lvl="0" algn="ctr" defTabSz="755650">
+            <a:lnSpc>
+              <a:spcPct val="90000"/>
+            </a:lnSpc>
+            <a:spcBef>
+              <a:spcPct val="0"/>
+            </a:spcBef>
+            <a:spcAft>
+              <a:spcPct val="35000"/>
+            </a:spcAft>
+          </a:pPr>
+          <a:r>
+            <a:rPr lang="en-US" sz="1700" kern="1200" dirty="0" smtClean="0"/>
+            <a:t>Index</a:t>
+          </a:r>
+          <a:endParaRPr lang="ru-RU" sz="1700" kern="1200" dirty="0"/>
+        </a:p>
+      </dsp:txBody>
+      <dsp:txXfrm>
+        <a:off x="5310554" y="564109"/>
+        <a:ext cx="766245" cy="766245"/>
+      </dsp:txXfrm>
+    </dsp:sp>
   </dsp:spTree>
 </dsp:drawing>
 </file>
@@ -15004,6 +19393,513 @@
       <dsp:cNvGrpSpPr/>
     </dsp:nvGrpSpPr>
     <dsp:grpSpPr/>
+    <dsp:sp modelId="{B0B6F61C-C060-4C4C-96BF-4EE40B41E6A0}">
+      <dsp:nvSpPr>
+        <dsp:cNvPr id="0" name=""/>
+        <dsp:cNvSpPr/>
+      </dsp:nvSpPr>
+      <dsp:spPr>
+        <a:xfrm>
+          <a:off x="1930764" y="0"/>
+          <a:ext cx="1807086" cy="1579621"/>
+        </a:xfrm>
+        <a:prstGeom prst="rightArrow">
+          <a:avLst>
+            <a:gd name="adj1" fmla="val 70000"/>
+            <a:gd name="adj2" fmla="val 50000"/>
+          </a:avLst>
+        </a:prstGeom>
+        <a:solidFill>
+          <a:schemeClr val="accent1">
+            <a:alpha val="90000"/>
+            <a:tint val="40000"/>
+            <a:hueOff val="0"/>
+            <a:satOff val="0"/>
+            <a:lumOff val="0"/>
+            <a:alphaOff val="0"/>
+          </a:schemeClr>
+        </a:solidFill>
+        <a:ln w="15875" cap="flat" cmpd="sng" algn="ctr">
+          <a:solidFill>
+            <a:schemeClr val="accent1">
+              <a:alpha val="90000"/>
+              <a:tint val="40000"/>
+              <a:hueOff val="0"/>
+              <a:satOff val="0"/>
+              <a:lumOff val="0"/>
+              <a:alphaOff val="0"/>
+            </a:schemeClr>
+          </a:solidFill>
+          <a:prstDash val="solid"/>
+        </a:ln>
+        <a:effectLst/>
+      </dsp:spPr>
+      <dsp:style>
+        <a:lnRef idx="2">
+          <a:scrgbClr r="0" g="0" b="0"/>
+        </a:lnRef>
+        <a:fillRef idx="1">
+          <a:scrgbClr r="0" g="0" b="0"/>
+        </a:fillRef>
+        <a:effectRef idx="0">
+          <a:scrgbClr r="0" g="0" b="0"/>
+        </a:effectRef>
+        <a:fontRef idx="minor"/>
+      </dsp:style>
+      <dsp:txBody>
+        <a:bodyPr spcFirstLastPara="0" vert="horz" wrap="square" lIns="40640" tIns="10160" rIns="20320" bIns="10160" numCol="1" spcCol="1270" anchor="ctr" anchorCtr="0">
+          <a:noAutofit/>
+        </a:bodyPr>
+        <a:lstStyle/>
+        <a:p>
+          <a:pPr lvl="0" algn="ctr" defTabSz="711200">
+            <a:lnSpc>
+              <a:spcPct val="90000"/>
+            </a:lnSpc>
+            <a:spcBef>
+              <a:spcPct val="0"/>
+            </a:spcBef>
+            <a:spcAft>
+              <a:spcPct val="35000"/>
+            </a:spcAft>
+          </a:pPr>
+          <a:r>
+            <a:rPr lang="ru-RU" sz="1600" kern="1200" dirty="0" smtClean="0"/>
+            <a:t>получить </a:t>
+          </a:r>
+          <a:r>
+            <a:rPr lang="en-US" sz="1600" kern="1200" dirty="0" smtClean="0"/>
+            <a:t>JSON-</a:t>
+          </a:r>
+          <a:r>
+            <a:rPr lang="ru-RU" sz="1600" kern="1200" dirty="0" smtClean="0"/>
+            <a:t>объект ответов</a:t>
+          </a:r>
+          <a:endParaRPr lang="ru-RU" sz="1600" kern="1200" dirty="0"/>
+        </a:p>
+      </dsp:txBody>
+      <dsp:txXfrm>
+        <a:off x="2382535" y="236943"/>
+        <a:ext cx="880954" cy="1105735"/>
+      </dsp:txXfrm>
+    </dsp:sp>
+    <dsp:sp modelId="{E644A287-01BC-4CF5-B466-30846E7BBA7F}">
+      <dsp:nvSpPr>
+        <dsp:cNvPr id="0" name=""/>
+        <dsp:cNvSpPr/>
+      </dsp:nvSpPr>
+      <dsp:spPr>
+        <a:xfrm>
+          <a:off x="1478992" y="338038"/>
+          <a:ext cx="903543" cy="903543"/>
+        </a:xfrm>
+        <a:prstGeom prst="ellipse">
+          <a:avLst/>
+        </a:prstGeom>
+        <a:solidFill>
+          <a:schemeClr val="accent1">
+            <a:hueOff val="0"/>
+            <a:satOff val="0"/>
+            <a:lumOff val="0"/>
+            <a:alphaOff val="0"/>
+          </a:schemeClr>
+        </a:solidFill>
+        <a:ln w="15875" cap="flat" cmpd="sng" algn="ctr">
+          <a:solidFill>
+            <a:schemeClr val="lt1">
+              <a:hueOff val="0"/>
+              <a:satOff val="0"/>
+              <a:lumOff val="0"/>
+              <a:alphaOff val="0"/>
+            </a:schemeClr>
+          </a:solidFill>
+          <a:prstDash val="solid"/>
+        </a:ln>
+        <a:effectLst/>
+      </dsp:spPr>
+      <dsp:style>
+        <a:lnRef idx="2">
+          <a:scrgbClr r="0" g="0" b="0"/>
+        </a:lnRef>
+        <a:fillRef idx="1">
+          <a:scrgbClr r="0" g="0" b="0"/>
+        </a:fillRef>
+        <a:effectRef idx="0">
+          <a:scrgbClr r="0" g="0" b="0"/>
+        </a:effectRef>
+        <a:fontRef idx="minor">
+          <a:schemeClr val="lt1"/>
+        </a:fontRef>
+      </dsp:style>
+      <dsp:txBody>
+        <a:bodyPr spcFirstLastPara="0" vert="horz" wrap="square" lIns="6985" tIns="6985" rIns="6985" bIns="6985" numCol="1" spcCol="1270" anchor="ctr" anchorCtr="0">
+          <a:noAutofit/>
+        </a:bodyPr>
+        <a:lstStyle/>
+        <a:p>
+          <a:pPr lvl="0" algn="ctr" defTabSz="488950">
+            <a:lnSpc>
+              <a:spcPct val="90000"/>
+            </a:lnSpc>
+            <a:spcBef>
+              <a:spcPct val="0"/>
+            </a:spcBef>
+            <a:spcAft>
+              <a:spcPct val="35000"/>
+            </a:spcAft>
+          </a:pPr>
+          <a:r>
+            <a:rPr lang="en-US" sz="1100" kern="1200" dirty="0" smtClean="0"/>
+            <a:t>Search</a:t>
+          </a:r>
+          <a:endParaRPr lang="ru-RU" sz="1100" kern="1200" dirty="0" smtClean="0"/>
+        </a:p>
+        <a:p>
+          <a:pPr lvl="0" algn="ctr" defTabSz="488950">
+            <a:lnSpc>
+              <a:spcPct val="90000"/>
+            </a:lnSpc>
+            <a:spcBef>
+              <a:spcPct val="0"/>
+            </a:spcBef>
+            <a:spcAft>
+              <a:spcPct val="35000"/>
+            </a:spcAft>
+          </a:pPr>
+          <a:r>
+            <a:rPr lang="en-US" sz="1100" kern="1200" dirty="0" smtClean="0"/>
+            <a:t>Engine</a:t>
+          </a:r>
+          <a:endParaRPr lang="ru-RU" sz="1100" kern="1200" dirty="0"/>
+        </a:p>
+      </dsp:txBody>
+      <dsp:txXfrm>
+        <a:off x="1611313" y="470359"/>
+        <a:ext cx="638901" cy="638901"/>
+      </dsp:txXfrm>
+    </dsp:sp>
+    <dsp:sp modelId="{1FA1B9C7-0E34-4A44-A18B-216DF888F0C5}">
+      <dsp:nvSpPr>
+        <dsp:cNvPr id="0" name=""/>
+        <dsp:cNvSpPr/>
+      </dsp:nvSpPr>
+      <dsp:spPr>
+        <a:xfrm>
+          <a:off x="4351701" y="0"/>
+          <a:ext cx="1807086" cy="1579621"/>
+        </a:xfrm>
+        <a:prstGeom prst="rightArrow">
+          <a:avLst>
+            <a:gd name="adj1" fmla="val 70000"/>
+            <a:gd name="adj2" fmla="val 50000"/>
+          </a:avLst>
+        </a:prstGeom>
+        <a:solidFill>
+          <a:schemeClr val="accent1">
+            <a:alpha val="90000"/>
+            <a:tint val="40000"/>
+            <a:hueOff val="0"/>
+            <a:satOff val="0"/>
+            <a:lumOff val="0"/>
+            <a:alphaOff val="0"/>
+          </a:schemeClr>
+        </a:solidFill>
+        <a:ln w="15875" cap="flat" cmpd="sng" algn="ctr">
+          <a:solidFill>
+            <a:schemeClr val="accent1">
+              <a:alpha val="90000"/>
+              <a:tint val="40000"/>
+              <a:hueOff val="0"/>
+              <a:satOff val="0"/>
+              <a:lumOff val="0"/>
+              <a:alphaOff val="0"/>
+            </a:schemeClr>
+          </a:solidFill>
+          <a:prstDash val="solid"/>
+        </a:ln>
+        <a:effectLst/>
+      </dsp:spPr>
+      <dsp:style>
+        <a:lnRef idx="2">
+          <a:scrgbClr r="0" g="0" b="0"/>
+        </a:lnRef>
+        <a:fillRef idx="1">
+          <a:scrgbClr r="0" g="0" b="0"/>
+        </a:fillRef>
+        <a:effectRef idx="0">
+          <a:scrgbClr r="0" g="0" b="0"/>
+        </a:effectRef>
+        <a:fontRef idx="minor"/>
+      </dsp:style>
+      <dsp:txBody>
+        <a:bodyPr spcFirstLastPara="0" vert="horz" wrap="square" lIns="40640" tIns="10160" rIns="20320" bIns="10160" numCol="1" spcCol="1270" anchor="ctr" anchorCtr="0">
+          <a:noAutofit/>
+        </a:bodyPr>
+        <a:lstStyle/>
+        <a:p>
+          <a:pPr lvl="0" algn="ctr" defTabSz="711200">
+            <a:lnSpc>
+              <a:spcPct val="90000"/>
+            </a:lnSpc>
+            <a:spcBef>
+              <a:spcPct val="0"/>
+            </a:spcBef>
+            <a:spcAft>
+              <a:spcPct val="35000"/>
+            </a:spcAft>
+          </a:pPr>
+          <a:r>
+            <a:rPr lang="ru-RU" sz="1600" kern="1200" dirty="0" smtClean="0"/>
+            <a:t>ссылка на </a:t>
+          </a:r>
+          <a:r>
+            <a:rPr lang="en-US" sz="1600" kern="1200" dirty="0" smtClean="0"/>
+            <a:t>JSON-</a:t>
+          </a:r>
+          <a:r>
+            <a:rPr lang="ru-RU" sz="1600" kern="1200" dirty="0" smtClean="0"/>
+            <a:t>объект ответов</a:t>
+          </a:r>
+          <a:endParaRPr lang="ru-RU" sz="1600" kern="1200" dirty="0"/>
+        </a:p>
+      </dsp:txBody>
+      <dsp:txXfrm>
+        <a:off x="4803472" y="236943"/>
+        <a:ext cx="880954" cy="1105735"/>
+      </dsp:txXfrm>
+    </dsp:sp>
+    <dsp:sp modelId="{0A88A3E8-7701-48D6-969C-59DBA88CA534}">
+      <dsp:nvSpPr>
+        <dsp:cNvPr id="0" name=""/>
+        <dsp:cNvSpPr/>
+      </dsp:nvSpPr>
+      <dsp:spPr>
+        <a:xfrm>
+          <a:off x="3899929" y="338038"/>
+          <a:ext cx="903543" cy="903543"/>
+        </a:xfrm>
+        <a:prstGeom prst="ellipse">
+          <a:avLst/>
+        </a:prstGeom>
+        <a:solidFill>
+          <a:schemeClr val="accent1">
+            <a:hueOff val="0"/>
+            <a:satOff val="0"/>
+            <a:lumOff val="0"/>
+            <a:alphaOff val="0"/>
+          </a:schemeClr>
+        </a:solidFill>
+        <a:ln w="15875" cap="flat" cmpd="sng" algn="ctr">
+          <a:solidFill>
+            <a:schemeClr val="lt1">
+              <a:hueOff val="0"/>
+              <a:satOff val="0"/>
+              <a:lumOff val="0"/>
+              <a:alphaOff val="0"/>
+            </a:schemeClr>
+          </a:solidFill>
+          <a:prstDash val="solid"/>
+        </a:ln>
+        <a:effectLst/>
+      </dsp:spPr>
+      <dsp:style>
+        <a:lnRef idx="2">
+          <a:scrgbClr r="0" g="0" b="0"/>
+        </a:lnRef>
+        <a:fillRef idx="1">
+          <a:scrgbClr r="0" g="0" b="0"/>
+        </a:fillRef>
+        <a:effectRef idx="0">
+          <a:scrgbClr r="0" g="0" b="0"/>
+        </a:effectRef>
+        <a:fontRef idx="minor">
+          <a:schemeClr val="lt1"/>
+        </a:fontRef>
+      </dsp:style>
+      <dsp:txBody>
+        <a:bodyPr spcFirstLastPara="0" vert="horz" wrap="square" lIns="6985" tIns="6985" rIns="6985" bIns="6985" numCol="1" spcCol="1270" anchor="ctr" anchorCtr="0">
+          <a:noAutofit/>
+        </a:bodyPr>
+        <a:lstStyle/>
+        <a:p>
+          <a:pPr lvl="0" algn="ctr" defTabSz="488950">
+            <a:lnSpc>
+              <a:spcPct val="90000"/>
+            </a:lnSpc>
+            <a:spcBef>
+              <a:spcPct val="0"/>
+            </a:spcBef>
+            <a:spcAft>
+              <a:spcPct val="35000"/>
+            </a:spcAft>
+          </a:pPr>
+          <a:r>
+            <a:rPr lang="en-US" sz="1100" kern="1200" dirty="0" smtClean="0"/>
+            <a:t>Converter</a:t>
+          </a:r>
+          <a:endParaRPr lang="ru-RU" sz="1100" kern="1200" dirty="0" smtClean="0"/>
+        </a:p>
+        <a:p>
+          <a:pPr lvl="0" algn="ctr" defTabSz="488950">
+            <a:lnSpc>
+              <a:spcPct val="90000"/>
+            </a:lnSpc>
+            <a:spcBef>
+              <a:spcPct val="0"/>
+            </a:spcBef>
+            <a:spcAft>
+              <a:spcPct val="35000"/>
+            </a:spcAft>
+          </a:pPr>
+          <a:r>
+            <a:rPr lang="en-US" sz="1100" kern="1200" dirty="0" smtClean="0"/>
+            <a:t>JSON</a:t>
+          </a:r>
+          <a:endParaRPr lang="ru-RU" sz="1100" kern="1200" dirty="0"/>
+        </a:p>
+      </dsp:txBody>
+      <dsp:txXfrm>
+        <a:off x="4032250" y="470359"/>
+        <a:ext cx="638901" cy="638901"/>
+      </dsp:txXfrm>
+    </dsp:sp>
+    <dsp:sp modelId="{DD91B7DA-3D09-40A2-870E-D63ED550DC00}">
+      <dsp:nvSpPr>
+        <dsp:cNvPr id="0" name=""/>
+        <dsp:cNvSpPr/>
+      </dsp:nvSpPr>
+      <dsp:spPr>
+        <a:xfrm>
+          <a:off x="6846837" y="0"/>
+          <a:ext cx="1807086" cy="1579621"/>
+        </a:xfrm>
+        <a:prstGeom prst="rightArrow">
+          <a:avLst>
+            <a:gd name="adj1" fmla="val 70000"/>
+            <a:gd name="adj2" fmla="val 50000"/>
+          </a:avLst>
+        </a:prstGeom>
+        <a:solidFill>
+          <a:schemeClr val="bg2"/>
+        </a:solidFill>
+        <a:ln w="15875" cap="flat" cmpd="sng" algn="ctr">
+          <a:solidFill>
+            <a:schemeClr val="bg2">
+              <a:alpha val="90000"/>
+            </a:schemeClr>
+          </a:solidFill>
+          <a:prstDash val="solid"/>
+        </a:ln>
+        <a:effectLst/>
+      </dsp:spPr>
+      <dsp:style>
+        <a:lnRef idx="2">
+          <a:scrgbClr r="0" g="0" b="0"/>
+        </a:lnRef>
+        <a:fillRef idx="1">
+          <a:scrgbClr r="0" g="0" b="0"/>
+        </a:fillRef>
+        <a:effectRef idx="0">
+          <a:scrgbClr r="0" g="0" b="0"/>
+        </a:effectRef>
+        <a:fontRef idx="minor"/>
+      </dsp:style>
+    </dsp:sp>
+    <dsp:sp modelId="{18B87B03-25AC-4DAC-8711-93139D44A946}">
+      <dsp:nvSpPr>
+        <dsp:cNvPr id="0" name=""/>
+        <dsp:cNvSpPr/>
+      </dsp:nvSpPr>
+      <dsp:spPr>
+        <a:xfrm>
+          <a:off x="6320866" y="338038"/>
+          <a:ext cx="903543" cy="903543"/>
+        </a:xfrm>
+        <a:prstGeom prst="ellipse">
+          <a:avLst/>
+        </a:prstGeom>
+        <a:solidFill>
+          <a:schemeClr val="accent1">
+            <a:hueOff val="0"/>
+            <a:satOff val="0"/>
+            <a:lumOff val="0"/>
+            <a:alphaOff val="0"/>
+          </a:schemeClr>
+        </a:solidFill>
+        <a:ln w="15875" cap="flat" cmpd="sng" algn="ctr">
+          <a:solidFill>
+            <a:schemeClr val="lt1">
+              <a:hueOff val="0"/>
+              <a:satOff val="0"/>
+              <a:lumOff val="0"/>
+              <a:alphaOff val="0"/>
+            </a:schemeClr>
+          </a:solidFill>
+          <a:prstDash val="solid"/>
+        </a:ln>
+        <a:effectLst/>
+      </dsp:spPr>
+      <dsp:style>
+        <a:lnRef idx="2">
+          <a:scrgbClr r="0" g="0" b="0"/>
+        </a:lnRef>
+        <a:fillRef idx="1">
+          <a:scrgbClr r="0" g="0" b="0"/>
+        </a:fillRef>
+        <a:effectRef idx="0">
+          <a:scrgbClr r="0" g="0" b="0"/>
+        </a:effectRef>
+        <a:fontRef idx="minor">
+          <a:schemeClr val="lt1"/>
+        </a:fontRef>
+      </dsp:style>
+      <dsp:txBody>
+        <a:bodyPr spcFirstLastPara="0" vert="horz" wrap="square" lIns="6985" tIns="6985" rIns="6985" bIns="6985" numCol="1" spcCol="1270" anchor="ctr" anchorCtr="0">
+          <a:noAutofit/>
+        </a:bodyPr>
+        <a:lstStyle/>
+        <a:p>
+          <a:pPr lvl="0" algn="ctr" defTabSz="488950">
+            <a:lnSpc>
+              <a:spcPct val="90000"/>
+            </a:lnSpc>
+            <a:spcBef>
+              <a:spcPct val="0"/>
+            </a:spcBef>
+            <a:spcAft>
+              <a:spcPct val="35000"/>
+            </a:spcAft>
+          </a:pPr>
+          <a:r>
+            <a:rPr lang="en-US" sz="1100" kern="1200" dirty="0" smtClean="0"/>
+            <a:t>Dispatcher</a:t>
+          </a:r>
+          <a:endParaRPr lang="ru-RU" sz="1100" kern="1200" dirty="0" smtClean="0"/>
+        </a:p>
+        <a:p>
+          <a:pPr lvl="0" algn="ctr" defTabSz="488950">
+            <a:lnSpc>
+              <a:spcPct val="90000"/>
+            </a:lnSpc>
+            <a:spcBef>
+              <a:spcPct val="0"/>
+            </a:spcBef>
+            <a:spcAft>
+              <a:spcPct val="35000"/>
+            </a:spcAft>
+          </a:pPr>
+          <a:r>
+            <a:rPr lang="en-US" sz="1100" kern="1200" dirty="0" smtClean="0"/>
+            <a:t>Operation</a:t>
+          </a:r>
+          <a:endParaRPr lang="ru-RU" sz="1100" kern="1200" dirty="0"/>
+        </a:p>
+      </dsp:txBody>
+      <dsp:txXfrm>
+        <a:off x="6453187" y="470359"/>
+        <a:ext cx="638901" cy="638901"/>
+      </dsp:txXfrm>
+    </dsp:sp>
   </dsp:spTree>
 </dsp:drawing>
 </file>
@@ -15016,6 +19912,368 @@
       <dsp:cNvGrpSpPr/>
     </dsp:nvGrpSpPr>
     <dsp:grpSpPr/>
+    <dsp:sp modelId="{B0B6F61C-C060-4C4C-96BF-4EE40B41E6A0}">
+      <dsp:nvSpPr>
+        <dsp:cNvPr id="0" name=""/>
+        <dsp:cNvSpPr/>
+      </dsp:nvSpPr>
+      <dsp:spPr>
+        <a:xfrm>
+          <a:off x="3005545" y="0"/>
+          <a:ext cx="1900993" cy="1661708"/>
+        </a:xfrm>
+        <a:prstGeom prst="rightArrow">
+          <a:avLst>
+            <a:gd name="adj1" fmla="val 70000"/>
+            <a:gd name="adj2" fmla="val 50000"/>
+          </a:avLst>
+        </a:prstGeom>
+        <a:solidFill>
+          <a:schemeClr val="accent1">
+            <a:alpha val="90000"/>
+            <a:tint val="40000"/>
+            <a:hueOff val="0"/>
+            <a:satOff val="0"/>
+            <a:lumOff val="0"/>
+            <a:alphaOff val="0"/>
+          </a:schemeClr>
+        </a:solidFill>
+        <a:ln w="15875" cap="flat" cmpd="sng" algn="ctr">
+          <a:solidFill>
+            <a:schemeClr val="accent1">
+              <a:alpha val="90000"/>
+              <a:tint val="40000"/>
+              <a:hueOff val="0"/>
+              <a:satOff val="0"/>
+              <a:lumOff val="0"/>
+              <a:alphaOff val="0"/>
+            </a:schemeClr>
+          </a:solidFill>
+          <a:prstDash val="solid"/>
+        </a:ln>
+        <a:effectLst/>
+      </dsp:spPr>
+      <dsp:style>
+        <a:lnRef idx="2">
+          <a:scrgbClr r="0" g="0" b="0"/>
+        </a:lnRef>
+        <a:fillRef idx="1">
+          <a:scrgbClr r="0" g="0" b="0"/>
+        </a:fillRef>
+        <a:effectRef idx="0">
+          <a:scrgbClr r="0" g="0" b="0"/>
+        </a:effectRef>
+        <a:fontRef idx="minor"/>
+      </dsp:style>
+      <dsp:txBody>
+        <a:bodyPr spcFirstLastPara="0" vert="horz" wrap="square" lIns="35560" tIns="8890" rIns="17780" bIns="8890" numCol="1" spcCol="1270" anchor="ctr" anchorCtr="0">
+          <a:noAutofit/>
+        </a:bodyPr>
+        <a:lstStyle/>
+        <a:p>
+          <a:pPr lvl="0" algn="ctr" defTabSz="622300">
+            <a:lnSpc>
+              <a:spcPct val="90000"/>
+            </a:lnSpc>
+            <a:spcBef>
+              <a:spcPct val="0"/>
+            </a:spcBef>
+            <a:spcAft>
+              <a:spcPct val="35000"/>
+            </a:spcAft>
+          </a:pPr>
+          <a:r>
+            <a:rPr lang="ru-RU" sz="1400" kern="1200" dirty="0" smtClean="0"/>
+            <a:t>записать в JSON-объект результаты поиска</a:t>
+          </a:r>
+          <a:endParaRPr lang="ru-RU" sz="1400" kern="1200" dirty="0"/>
+        </a:p>
+      </dsp:txBody>
+      <dsp:txXfrm>
+        <a:off x="3480794" y="249256"/>
+        <a:ext cx="926734" cy="1163196"/>
+      </dsp:txXfrm>
+    </dsp:sp>
+    <dsp:sp modelId="{E644A287-01BC-4CF5-B466-30846E7BBA7F}">
+      <dsp:nvSpPr>
+        <dsp:cNvPr id="0" name=""/>
+        <dsp:cNvSpPr/>
+      </dsp:nvSpPr>
+      <dsp:spPr>
+        <a:xfrm>
+          <a:off x="2530297" y="355605"/>
+          <a:ext cx="950496" cy="950496"/>
+        </a:xfrm>
+        <a:prstGeom prst="ellipse">
+          <a:avLst/>
+        </a:prstGeom>
+        <a:solidFill>
+          <a:schemeClr val="accent1">
+            <a:hueOff val="0"/>
+            <a:satOff val="0"/>
+            <a:lumOff val="0"/>
+            <a:alphaOff val="0"/>
+          </a:schemeClr>
+        </a:solidFill>
+        <a:ln w="15875" cap="flat" cmpd="sng" algn="ctr">
+          <a:solidFill>
+            <a:schemeClr val="lt1">
+              <a:hueOff val="0"/>
+              <a:satOff val="0"/>
+              <a:lumOff val="0"/>
+              <a:alphaOff val="0"/>
+            </a:schemeClr>
+          </a:solidFill>
+          <a:prstDash val="solid"/>
+        </a:ln>
+        <a:effectLst/>
+      </dsp:spPr>
+      <dsp:style>
+        <a:lnRef idx="2">
+          <a:scrgbClr r="0" g="0" b="0"/>
+        </a:lnRef>
+        <a:fillRef idx="1">
+          <a:scrgbClr r="0" g="0" b="0"/>
+        </a:fillRef>
+        <a:effectRef idx="0">
+          <a:scrgbClr r="0" g="0" b="0"/>
+        </a:effectRef>
+        <a:fontRef idx="minor">
+          <a:schemeClr val="lt1"/>
+        </a:fontRef>
+      </dsp:style>
+      <dsp:txBody>
+        <a:bodyPr spcFirstLastPara="0" vert="horz" wrap="square" lIns="7620" tIns="7620" rIns="7620" bIns="7620" numCol="1" spcCol="1270" anchor="ctr" anchorCtr="0">
+          <a:noAutofit/>
+        </a:bodyPr>
+        <a:lstStyle/>
+        <a:p>
+          <a:pPr lvl="0" algn="ctr" defTabSz="533400">
+            <a:lnSpc>
+              <a:spcPct val="90000"/>
+            </a:lnSpc>
+            <a:spcBef>
+              <a:spcPct val="0"/>
+            </a:spcBef>
+            <a:spcAft>
+              <a:spcPct val="35000"/>
+            </a:spcAft>
+          </a:pPr>
+          <a:r>
+            <a:rPr lang="en-US" sz="1200" kern="1200" dirty="0" smtClean="0"/>
+            <a:t>Search</a:t>
+          </a:r>
+          <a:endParaRPr lang="ru-RU" sz="1200" kern="1200" dirty="0" smtClean="0"/>
+        </a:p>
+        <a:p>
+          <a:pPr lvl="0" algn="ctr" defTabSz="533400">
+            <a:lnSpc>
+              <a:spcPct val="90000"/>
+            </a:lnSpc>
+            <a:spcBef>
+              <a:spcPct val="0"/>
+            </a:spcBef>
+            <a:spcAft>
+              <a:spcPct val="35000"/>
+            </a:spcAft>
+          </a:pPr>
+          <a:r>
+            <a:rPr lang="en-US" sz="1200" kern="1200" dirty="0" smtClean="0"/>
+            <a:t>Engine</a:t>
+          </a:r>
+          <a:endParaRPr lang="ru-RU" sz="1200" kern="1200" dirty="0"/>
+        </a:p>
+      </dsp:txBody>
+      <dsp:txXfrm>
+        <a:off x="2669494" y="494802"/>
+        <a:ext cx="672102" cy="672102"/>
+      </dsp:txXfrm>
+    </dsp:sp>
+    <dsp:sp modelId="{1FA1B9C7-0E34-4A44-A18B-216DF888F0C5}">
+      <dsp:nvSpPr>
+        <dsp:cNvPr id="0" name=""/>
+        <dsp:cNvSpPr/>
+      </dsp:nvSpPr>
+      <dsp:spPr>
+        <a:xfrm>
+          <a:off x="5627108" y="0"/>
+          <a:ext cx="1900993" cy="1661708"/>
+        </a:xfrm>
+        <a:prstGeom prst="rightArrow">
+          <a:avLst>
+            <a:gd name="adj1" fmla="val 70000"/>
+            <a:gd name="adj2" fmla="val 50000"/>
+          </a:avLst>
+        </a:prstGeom>
+        <a:solidFill>
+          <a:schemeClr val="accent1">
+            <a:alpha val="90000"/>
+            <a:tint val="40000"/>
+            <a:hueOff val="0"/>
+            <a:satOff val="0"/>
+            <a:lumOff val="0"/>
+            <a:alphaOff val="0"/>
+          </a:schemeClr>
+        </a:solidFill>
+        <a:ln w="15875" cap="flat" cmpd="sng" algn="ctr">
+          <a:solidFill>
+            <a:schemeClr val="accent1">
+              <a:alpha val="90000"/>
+              <a:tint val="40000"/>
+              <a:hueOff val="0"/>
+              <a:satOff val="0"/>
+              <a:lumOff val="0"/>
+              <a:alphaOff val="0"/>
+            </a:schemeClr>
+          </a:solidFill>
+          <a:prstDash val="solid"/>
+        </a:ln>
+        <a:effectLst/>
+      </dsp:spPr>
+      <dsp:style>
+        <a:lnRef idx="2">
+          <a:scrgbClr r="0" g="0" b="0"/>
+        </a:lnRef>
+        <a:fillRef idx="1">
+          <a:scrgbClr r="0" g="0" b="0"/>
+        </a:fillRef>
+        <a:effectRef idx="0">
+          <a:scrgbClr r="0" g="0" b="0"/>
+        </a:effectRef>
+        <a:fontRef idx="minor"/>
+      </dsp:style>
+      <dsp:txBody>
+        <a:bodyPr spcFirstLastPara="0" vert="horz" wrap="square" lIns="35560" tIns="8890" rIns="17780" bIns="8890" numCol="1" spcCol="1270" anchor="ctr" anchorCtr="0">
+          <a:noAutofit/>
+        </a:bodyPr>
+        <a:lstStyle/>
+        <a:p>
+          <a:pPr lvl="0" algn="ctr" defTabSz="622300">
+            <a:lnSpc>
+              <a:spcPct val="90000"/>
+            </a:lnSpc>
+            <a:spcBef>
+              <a:spcPct val="0"/>
+            </a:spcBef>
+            <a:spcAft>
+              <a:spcPct val="35000"/>
+            </a:spcAft>
+          </a:pPr>
+          <a:r>
+            <a:rPr lang="ru-RU" sz="1400" kern="1200" dirty="0" smtClean="0"/>
+            <a:t>Ссылка на  </a:t>
+          </a:r>
+          <a:r>
+            <a:rPr lang="en-US" sz="1400" kern="1200" dirty="0" smtClean="0"/>
+            <a:t>JSON-</a:t>
+          </a:r>
+          <a:r>
+            <a:rPr lang="ru-RU" sz="1400" kern="1200" dirty="0" smtClean="0"/>
+            <a:t>объект ответов</a:t>
+          </a:r>
+          <a:endParaRPr lang="ru-RU" sz="1400" kern="1200" dirty="0"/>
+        </a:p>
+      </dsp:txBody>
+      <dsp:txXfrm>
+        <a:off x="6102357" y="249256"/>
+        <a:ext cx="926734" cy="1163196"/>
+      </dsp:txXfrm>
+    </dsp:sp>
+    <dsp:sp modelId="{0A88A3E8-7701-48D6-969C-59DBA88CA534}">
+      <dsp:nvSpPr>
+        <dsp:cNvPr id="0" name=""/>
+        <dsp:cNvSpPr/>
+      </dsp:nvSpPr>
+      <dsp:spPr>
+        <a:xfrm>
+          <a:off x="5151860" y="355605"/>
+          <a:ext cx="950496" cy="950496"/>
+        </a:xfrm>
+        <a:prstGeom prst="ellipse">
+          <a:avLst/>
+        </a:prstGeom>
+        <a:solidFill>
+          <a:schemeClr val="accent1">
+            <a:hueOff val="0"/>
+            <a:satOff val="0"/>
+            <a:lumOff val="0"/>
+            <a:alphaOff val="0"/>
+          </a:schemeClr>
+        </a:solidFill>
+        <a:ln w="15875" cap="flat" cmpd="sng" algn="ctr">
+          <a:solidFill>
+            <a:schemeClr val="lt1">
+              <a:hueOff val="0"/>
+              <a:satOff val="0"/>
+              <a:lumOff val="0"/>
+              <a:alphaOff val="0"/>
+            </a:schemeClr>
+          </a:solidFill>
+          <a:prstDash val="solid"/>
+        </a:ln>
+        <a:effectLst/>
+      </dsp:spPr>
+      <dsp:style>
+        <a:lnRef idx="2">
+          <a:scrgbClr r="0" g="0" b="0"/>
+        </a:lnRef>
+        <a:fillRef idx="1">
+          <a:scrgbClr r="0" g="0" b="0"/>
+        </a:fillRef>
+        <a:effectRef idx="0">
+          <a:scrgbClr r="0" g="0" b="0"/>
+        </a:effectRef>
+        <a:fontRef idx="minor">
+          <a:schemeClr val="lt1"/>
+        </a:fontRef>
+      </dsp:style>
+      <dsp:txBody>
+        <a:bodyPr spcFirstLastPara="0" vert="horz" wrap="square" lIns="7620" tIns="7620" rIns="7620" bIns="7620" numCol="1" spcCol="1270" anchor="ctr" anchorCtr="0">
+          <a:noAutofit/>
+        </a:bodyPr>
+        <a:lstStyle/>
+        <a:p>
+          <a:pPr lvl="0" algn="ctr" defTabSz="533400">
+            <a:lnSpc>
+              <a:spcPct val="90000"/>
+            </a:lnSpc>
+            <a:spcBef>
+              <a:spcPct val="0"/>
+            </a:spcBef>
+            <a:spcAft>
+              <a:spcPct val="35000"/>
+            </a:spcAft>
+          </a:pPr>
+          <a:r>
+            <a:rPr lang="en-US" sz="1200" kern="1200" dirty="0" smtClean="0"/>
+            <a:t>Converter</a:t>
+          </a:r>
+          <a:endParaRPr lang="ru-RU" sz="1200" kern="1200" dirty="0" smtClean="0"/>
+        </a:p>
+        <a:p>
+          <a:pPr lvl="0" algn="ctr" defTabSz="533400">
+            <a:lnSpc>
+              <a:spcPct val="90000"/>
+            </a:lnSpc>
+            <a:spcBef>
+              <a:spcPct val="0"/>
+            </a:spcBef>
+            <a:spcAft>
+              <a:spcPct val="35000"/>
+            </a:spcAft>
+          </a:pPr>
+          <a:r>
+            <a:rPr lang="en-US" sz="1200" kern="1200" dirty="0" smtClean="0"/>
+            <a:t>JSON</a:t>
+          </a:r>
+          <a:endParaRPr lang="ru-RU" sz="1200" kern="1200" dirty="0"/>
+        </a:p>
+      </dsp:txBody>
+      <dsp:txXfrm>
+        <a:off x="5291057" y="494802"/>
+        <a:ext cx="672102" cy="672102"/>
+      </dsp:txXfrm>
+    </dsp:sp>
   </dsp:spTree>
 </dsp:drawing>
 </file>
@@ -32046,7 +37304,7 @@
           <a:p>
             <a:fld id="{FF87DA49-9917-4A7E-BE43-A1E4A72285DB}" type="datetimeFigureOut">
               <a:rPr lang="ru-RU" smtClean="0"/>
-              <a:t>22.10.2025</a:t>
+              <a:t>14.11.2025</a:t>
             </a:fld>
             <a:endParaRPr lang="ru-RU"/>
           </a:p>
@@ -32626,7 +37884,7 @@
           <a:p>
             <a:fld id="{82D494A6-AC0E-4564-848B-C9299726F19B}" type="datetime1">
               <a:rPr lang="ru-RU" smtClean="0"/>
-              <a:t>22.10.2025</a:t>
+              <a:t>14.11.2025</a:t>
             </a:fld>
             <a:endParaRPr lang="ru-RU"/>
           </a:p>
@@ -32834,7 +38092,7 @@
           <a:p>
             <a:fld id="{8F54F09E-5B73-4FCA-A245-E4B9F24EF6EE}" type="datetime1">
               <a:rPr lang="ru-RU" smtClean="0"/>
-              <a:t>22.10.2025</a:t>
+              <a:t>14.11.2025</a:t>
             </a:fld>
             <a:endParaRPr lang="ru-RU"/>
           </a:p>
@@ -33092,7 +38350,7 @@
           <a:p>
             <a:fld id="{EE0EF1CB-1F45-4BB0-ACA2-7F2CD691ED8E}" type="datetime1">
               <a:rPr lang="ru-RU" smtClean="0"/>
-              <a:t>22.10.2025</a:t>
+              <a:t>14.11.2025</a:t>
             </a:fld>
             <a:endParaRPr lang="ru-RU"/>
           </a:p>
@@ -33262,7 +38520,7 @@
           <a:p>
             <a:fld id="{8AC5719E-8A6A-457D-98CF-1B213C53F5CE}" type="datetime1">
               <a:rPr lang="ru-RU" smtClean="0"/>
-              <a:t>22.10.2025</a:t>
+              <a:t>14.11.2025</a:t>
             </a:fld>
             <a:endParaRPr lang="ru-RU"/>
           </a:p>
@@ -33599,7 +38857,7 @@
           <a:p>
             <a:fld id="{9187F089-DB3A-44EC-8E6C-70C807261B64}" type="datetime1">
               <a:rPr lang="ru-RU" smtClean="0"/>
-              <a:t>22.10.2025</a:t>
+              <a:t>14.11.2025</a:t>
             </a:fld>
             <a:endParaRPr lang="ru-RU"/>
           </a:p>
@@ -33874,7 +39132,7 @@
           <a:p>
             <a:fld id="{8D89F477-1E06-42B9-98CE-724D285F544D}" type="datetime1">
               <a:rPr lang="ru-RU" smtClean="0"/>
-              <a:t>22.10.2025</a:t>
+              <a:t>14.11.2025</a:t>
             </a:fld>
             <a:endParaRPr lang="ru-RU"/>
           </a:p>
@@ -34253,7 +39511,7 @@
           <a:p>
             <a:fld id="{D1ABE4F1-295B-4CC0-A10F-3BDEF5F6B9B6}" type="datetime1">
               <a:rPr lang="ru-RU" smtClean="0"/>
-              <a:t>22.10.2025</a:t>
+              <a:t>14.11.2025</a:t>
             </a:fld>
             <a:endParaRPr lang="ru-RU"/>
           </a:p>
@@ -34371,7 +39629,7 @@
           <a:p>
             <a:fld id="{5415850B-FCCB-4950-8D75-8D81D52F3FBD}" type="datetime1">
               <a:rPr lang="ru-RU" smtClean="0"/>
-              <a:t>22.10.2025</a:t>
+              <a:t>14.11.2025</a:t>
             </a:fld>
             <a:endParaRPr lang="ru-RU"/>
           </a:p>
@@ -34544,7 +39802,7 @@
           <a:p>
             <a:fld id="{BFEAB0DF-01E8-4782-A602-314B3FF37A29}" type="datetime1">
               <a:rPr lang="ru-RU" smtClean="0"/>
-              <a:t>22.10.2025</a:t>
+              <a:t>14.11.2025</a:t>
             </a:fld>
             <a:endParaRPr lang="ru-RU"/>
           </a:p>
@@ -34900,7 +40158,7 @@
           <a:p>
             <a:fld id="{AA82D743-4282-4860-9AE2-FAD442C19B6D}" type="datetime1">
               <a:rPr lang="ru-RU" smtClean="0"/>
-              <a:t>22.10.2025</a:t>
+              <a:t>14.11.2025</a:t>
             </a:fld>
             <a:endParaRPr lang="ru-RU"/>
           </a:p>
@@ -35279,7 +40537,7 @@
           <a:p>
             <a:fld id="{F2122F36-14C5-4E46-8DE1-22F5FE5A6635}" type="datetime1">
               <a:rPr lang="ru-RU" smtClean="0"/>
-              <a:t>22.10.2025</a:t>
+              <a:t>14.11.2025</a:t>
             </a:fld>
             <a:endParaRPr lang="ru-RU"/>
           </a:p>
@@ -35568,7 +40826,7 @@
           <a:p>
             <a:fld id="{DF78E439-9BA7-4640-B448-B030DCC85B49}" type="datetime1">
               <a:rPr lang="ru-RU" smtClean="0"/>
-              <a:t>22.10.2025</a:t>
+              <a:t>14.11.2025</a:t>
             </a:fld>
             <a:endParaRPr lang="ru-RU"/>
           </a:p>
@@ -36209,7 +41467,7 @@
           <a:p>
             <a:fld id="{8AC5719E-8A6A-457D-98CF-1B213C53F5CE}" type="datetime1">
               <a:rPr lang="ru-RU" smtClean="0"/>
-              <a:t>22.10.2025</a:t>
+              <a:t>14.11.2025</a:t>
             </a:fld>
             <a:endParaRPr lang="ru-RU"/>
           </a:p>
@@ -36267,7 +41525,7 @@
             <p:ph idx="1"/>
             <p:extLst>
               <p:ext uri="{D42A27DB-BD31-4B8C-83A1-F6EECF244321}">
-                <p14:modId xmlns:p14="http://schemas.microsoft.com/office/powerpoint/2010/main" val="1575161705"/>
+                <p14:modId xmlns:p14="http://schemas.microsoft.com/office/powerpoint/2010/main" val="1953703098"/>
               </p:ext>
             </p:extLst>
           </p:nvPr>
@@ -36322,36 +41580,6 @@
           </a:p>
         </p:txBody>
       </p:sp>
-      <p:pic>
-        <p:nvPicPr>
-          <p:cNvPr id="9" name="Рисунок 8"/>
-          <p:cNvPicPr>
-            <a:picLocks noChangeAspect="1"/>
-          </p:cNvPicPr>
-          <p:nvPr/>
-        </p:nvPicPr>
-        <p:blipFill>
-          <a:blip r:embed="rId7" cstate="print">
-            <a:extLst>
-              <a:ext uri="{28A0092B-C50C-407E-A947-70E740481C1C}">
-                <a14:useLocalDpi xmlns:a14="http://schemas.microsoft.com/office/drawing/2010/main" val="0"/>
-              </a:ext>
-            </a:extLst>
-          </a:blip>
-          <a:stretch>
-            <a:fillRect/>
-          </a:stretch>
-        </p:blipFill>
-        <p:spPr>
-          <a:xfrm>
-            <a:off x="9276322" y="3509324"/>
-            <a:ext cx="2215156" cy="3133023"/>
-          </a:xfrm>
-          <a:prstGeom prst="rect">
-            <a:avLst/>
-          </a:prstGeom>
-        </p:spPr>
-      </p:pic>
       <p:graphicFrame>
         <p:nvGraphicFramePr>
           <p:cNvPr id="10" name="Объект 6"/>
@@ -36372,10 +41600,40 @@
         </p:xfrm>
         <a:graphic>
           <a:graphicData uri="http://schemas.openxmlformats.org/drawingml/2006/diagram">
-            <dgm:relIds xmlns:dgm="http://schemas.openxmlformats.org/drawingml/2006/diagram" xmlns:r="http://schemas.openxmlformats.org/officeDocument/2006/relationships" r:dm="rId8" r:lo="rId9" r:qs="rId10" r:cs="rId11"/>
+            <dgm:relIds xmlns:dgm="http://schemas.openxmlformats.org/drawingml/2006/diagram" xmlns:r="http://schemas.openxmlformats.org/officeDocument/2006/relationships" r:dm="rId7" r:lo="rId8" r:qs="rId9" r:cs="rId10"/>
           </a:graphicData>
         </a:graphic>
       </p:graphicFrame>
+      <p:pic>
+        <p:nvPicPr>
+          <p:cNvPr id="3" name="Рисунок 2"/>
+          <p:cNvPicPr>
+            <a:picLocks noChangeAspect="1"/>
+          </p:cNvPicPr>
+          <p:nvPr/>
+        </p:nvPicPr>
+        <p:blipFill>
+          <a:blip r:embed="rId12" cstate="print">
+            <a:extLst>
+              <a:ext uri="{28A0092B-C50C-407E-A947-70E740481C1C}">
+                <a14:useLocalDpi xmlns:a14="http://schemas.microsoft.com/office/drawing/2010/main" val="0"/>
+              </a:ext>
+            </a:extLst>
+          </a:blip>
+          <a:stretch>
+            <a:fillRect/>
+          </a:stretch>
+        </p:blipFill>
+        <p:spPr>
+          <a:xfrm>
+            <a:off x="9283107" y="3425898"/>
+            <a:ext cx="2255989" cy="3190775"/>
+          </a:xfrm>
+          <a:prstGeom prst="rect">
+            <a:avLst/>
+          </a:prstGeom>
+        </p:spPr>
+      </p:pic>
     </p:spTree>
     <p:extLst>
       <p:ext uri="{BB962C8B-B14F-4D97-AF65-F5344CB8AC3E}">
@@ -36480,7 +41738,7 @@
           <a:p>
             <a:fld id="{AA82D743-4282-4860-9AE2-FAD442C19B6D}" type="datetime1">
               <a:rPr lang="ru-RU" smtClean="0"/>
-              <a:t>22.10.2025</a:t>
+              <a:t>14.11.2025</a:t>
             </a:fld>
             <a:endParaRPr lang="ru-RU"/>
           </a:p>
@@ -36592,7 +41850,7 @@
             <p:ph sz="half" idx="1"/>
             <p:extLst>
               <p:ext uri="{D42A27DB-BD31-4B8C-83A1-F6EECF244321}">
-                <p14:modId xmlns:p14="http://schemas.microsoft.com/office/powerpoint/2010/main" val="4257478977"/>
+                <p14:modId xmlns:p14="http://schemas.microsoft.com/office/powerpoint/2010/main" val="27511934"/>
               </p:ext>
             </p:extLst>
           </p:nvPr>
@@ -36617,7 +41875,7 @@
             <p:ph sz="half" idx="2"/>
             <p:extLst>
               <p:ext uri="{D42A27DB-BD31-4B8C-83A1-F6EECF244321}">
-                <p14:modId xmlns:p14="http://schemas.microsoft.com/office/powerpoint/2010/main" val="1191107573"/>
+                <p14:modId xmlns:p14="http://schemas.microsoft.com/office/powerpoint/2010/main" val="616878084"/>
               </p:ext>
             </p:extLst>
           </p:nvPr>
@@ -36649,7 +41907,7 @@
           <a:p>
             <a:fld id="{8D89F477-1E06-42B9-98CE-724D285F544D}" type="datetime1">
               <a:rPr lang="ru-RU" smtClean="0"/>
-              <a:t>22.10.2025</a:t>
+              <a:t>14.11.2025</a:t>
             </a:fld>
             <a:endParaRPr lang="ru-RU"/>
           </a:p>
@@ -36694,702 +41952,6 @@
               <a:t>12</a:t>
             </a:fld>
             <a:endParaRPr lang="ru-RU"/>
-          </a:p>
-        </p:txBody>
-      </p:sp>
-      <p:sp>
-        <p:nvSpPr>
-          <p:cNvPr id="16" name="TextBox 15"/>
-          <p:cNvSpPr txBox="1"/>
-          <p:nvPr/>
-        </p:nvSpPr>
-        <p:spPr>
-          <a:xfrm>
-            <a:off x="1225362" y="5220393"/>
-            <a:ext cx="4688378" cy="553998"/>
-          </a:xfrm>
-          <a:prstGeom prst="rect">
-            <a:avLst/>
-          </a:prstGeom>
-          <a:noFill/>
-        </p:spPr>
-        <p:txBody>
-          <a:bodyPr wrap="square" rtlCol="0">
-            <a:spAutoFit/>
-          </a:bodyPr>
-          <a:lstStyle/>
-          <a:p>
-            <a:pPr lvl="0"/>
-            <a:r>
-              <a:rPr lang="ru-RU" altLang="ru-RU" sz="1000" dirty="0">
-                <a:solidFill>
-                  <a:srgbClr val="008080"/>
-                </a:solidFill>
-                <a:latin typeface="JetBrains Mono"/>
-              </a:rPr>
-              <a:t>std</a:t>
-            </a:r>
-            <a:r>
-              <a:rPr lang="ru-RU" altLang="ru-RU" sz="1000" dirty="0">
-                <a:solidFill>
-                  <a:srgbClr val="000000"/>
-                </a:solidFill>
-                <a:latin typeface="JetBrains Mono"/>
-              </a:rPr>
-              <a:t>::async(</a:t>
-            </a:r>
-            <a:r>
-              <a:rPr lang="ru-RU" altLang="ru-RU" sz="1000" dirty="0" err="1">
-                <a:solidFill>
-                  <a:srgbClr val="008080"/>
-                </a:solidFill>
-                <a:latin typeface="JetBrains Mono"/>
-              </a:rPr>
-              <a:t>DispatcherOperationValidity</a:t>
-            </a:r>
-            <a:r>
-              <a:rPr lang="ru-RU" altLang="ru-RU" sz="1000" dirty="0">
-                <a:solidFill>
-                  <a:srgbClr val="000000"/>
-                </a:solidFill>
-                <a:latin typeface="JetBrains Mono"/>
-              </a:rPr>
-              <a:t>::readTextFile, </a:t>
-            </a:r>
-            <a:r>
-              <a:rPr lang="ru-RU" altLang="ru-RU" sz="1000" dirty="0">
-                <a:solidFill>
-                  <a:srgbClr val="008080"/>
-                </a:solidFill>
-                <a:latin typeface="JetBrains Mono"/>
-              </a:rPr>
-              <a:t>std</a:t>
-            </a:r>
-            <a:r>
-              <a:rPr lang="ru-RU" altLang="ru-RU" sz="1000" dirty="0">
-                <a:solidFill>
-                  <a:srgbClr val="000000"/>
-                </a:solidFill>
-                <a:latin typeface="JetBrains Mono"/>
-              </a:rPr>
-              <a:t>::cref(</a:t>
-            </a:r>
-            <a:r>
-              <a:rPr lang="ru-RU" altLang="ru-RU" sz="1000" dirty="0" err="1">
-                <a:solidFill>
-                  <a:srgbClr val="000000"/>
-                </a:solidFill>
-                <a:latin typeface="JetBrains Mono"/>
-              </a:rPr>
-              <a:t>filePaths</a:t>
-            </a:r>
-            <a:r>
-              <a:rPr lang="ru-RU" altLang="ru-RU" sz="1000" dirty="0">
-                <a:solidFill>
-                  <a:srgbClr val="008080"/>
-                </a:solidFill>
-                <a:latin typeface="JetBrains Mono"/>
-              </a:rPr>
-              <a:t>[</a:t>
-            </a:r>
-            <a:r>
-              <a:rPr lang="ru-RU" altLang="ru-RU" sz="1000" dirty="0" err="1">
-                <a:solidFill>
-                  <a:srgbClr val="000000"/>
-                </a:solidFill>
-                <a:latin typeface="JetBrains Mono"/>
-              </a:rPr>
-              <a:t>docID</a:t>
-            </a:r>
-            <a:r>
-              <a:rPr lang="ru-RU" altLang="ru-RU" sz="1000" dirty="0">
-                <a:solidFill>
-                  <a:srgbClr val="008080"/>
-                </a:solidFill>
-                <a:latin typeface="JetBrains Mono"/>
-              </a:rPr>
-              <a:t>]</a:t>
-            </a:r>
-            <a:r>
-              <a:rPr lang="ru-RU" altLang="ru-RU" sz="1000" dirty="0">
-                <a:solidFill>
-                  <a:srgbClr val="000000"/>
-                </a:solidFill>
-                <a:latin typeface="JetBrains Mono"/>
-              </a:rPr>
-              <a:t>), </a:t>
-            </a:r>
-            <a:r>
-              <a:rPr lang="ru-RU" altLang="ru-RU" sz="1000" dirty="0">
-                <a:solidFill>
-                  <a:srgbClr val="008080"/>
-                </a:solidFill>
-                <a:latin typeface="JetBrains Mono"/>
-              </a:rPr>
-              <a:t>ErrorLevel</a:t>
-            </a:r>
-            <a:r>
-              <a:rPr lang="ru-RU" altLang="ru-RU" sz="1000" dirty="0">
-                <a:solidFill>
-                  <a:srgbClr val="000000"/>
-                </a:solidFill>
-                <a:latin typeface="JetBrains Mono"/>
-              </a:rPr>
-              <a:t>::</a:t>
-            </a:r>
-            <a:r>
-              <a:rPr lang="ru-RU" altLang="ru-RU" sz="1000" b="1" i="1" dirty="0">
-                <a:solidFill>
-                  <a:srgbClr val="660E7A"/>
-                </a:solidFill>
-                <a:latin typeface="JetBrains Mono"/>
-              </a:rPr>
-              <a:t>error</a:t>
-            </a:r>
-            <a:r>
-              <a:rPr lang="ru-RU" altLang="ru-RU" sz="1000" dirty="0">
-                <a:solidFill>
-                  <a:srgbClr val="000000"/>
-                </a:solidFill>
-                <a:latin typeface="JetBrains Mono"/>
-              </a:rPr>
-              <a:t>, </a:t>
-            </a:r>
-            <a:r>
-              <a:rPr lang="ru-RU" altLang="ru-RU" sz="1000" b="1" dirty="0">
-                <a:solidFill>
-                  <a:srgbClr val="008000"/>
-                </a:solidFill>
-                <a:latin typeface="JetBrains Mono"/>
-              </a:rPr>
-              <a:t>""</a:t>
-            </a:r>
-            <a:r>
-              <a:rPr lang="ru-RU" altLang="ru-RU" sz="1000" dirty="0">
-                <a:solidFill>
-                  <a:srgbClr val="000000"/>
-                </a:solidFill>
-                <a:latin typeface="JetBrains Mono"/>
-              </a:rPr>
-              <a:t>, </a:t>
-            </a:r>
-            <a:r>
-              <a:rPr lang="ru-RU" altLang="ru-RU" sz="1000" b="1" dirty="0">
-                <a:solidFill>
-                  <a:srgbClr val="1F542E"/>
-                </a:solidFill>
-                <a:latin typeface="JetBrains Mono"/>
-              </a:rPr>
-              <a:t>BOOST_CURRENT_LOCATION</a:t>
-            </a:r>
-            <a:r>
-              <a:rPr lang="ru-RU" altLang="ru-RU" sz="1000" dirty="0">
-                <a:solidFill>
-                  <a:srgbClr val="000000"/>
-                </a:solidFill>
-                <a:latin typeface="JetBrains Mono"/>
-              </a:rPr>
-              <a:t>)</a:t>
-            </a:r>
-            <a:endParaRPr lang="ru-RU" altLang="ru-RU" sz="1000" dirty="0">
-              <a:latin typeface="Arial" panose="020B0604020202020204" pitchFamily="34" charset="0"/>
-            </a:endParaRPr>
-          </a:p>
-          <a:p>
-            <a:endParaRPr lang="ru-RU" sz="1000" dirty="0"/>
-          </a:p>
-        </p:txBody>
-      </p:sp>
-      <p:sp>
-        <p:nvSpPr>
-          <p:cNvPr id="19" name="TextBox 18"/>
-          <p:cNvSpPr txBox="1"/>
-          <p:nvPr/>
-        </p:nvSpPr>
-        <p:spPr>
-          <a:xfrm>
-            <a:off x="6270568" y="4828569"/>
-            <a:ext cx="5455340" cy="1631216"/>
-          </a:xfrm>
-          <a:prstGeom prst="rect">
-            <a:avLst/>
-          </a:prstGeom>
-          <a:noFill/>
-        </p:spPr>
-        <p:txBody>
-          <a:bodyPr wrap="none" rtlCol="0">
-            <a:spAutoFit/>
-          </a:bodyPr>
-          <a:lstStyle/>
-          <a:p>
-            <a:r>
-              <a:rPr lang="ru-RU" altLang="ru-RU" sz="1000" dirty="0">
-                <a:solidFill>
-                  <a:srgbClr val="008080"/>
-                </a:solidFill>
-                <a:latin typeface="JetBrains Mono"/>
-              </a:rPr>
-              <a:t>std</a:t>
-            </a:r>
-            <a:r>
-              <a:rPr lang="ru-RU" altLang="ru-RU" sz="1000" dirty="0">
-                <a:solidFill>
-                  <a:srgbClr val="000000"/>
-                </a:solidFill>
-                <a:latin typeface="JetBrains Mono"/>
-              </a:rPr>
-              <a:t>::async(&amp;</a:t>
-            </a:r>
-            <a:r>
-              <a:rPr lang="ru-RU" altLang="ru-RU" sz="1000" dirty="0" err="1">
-                <a:solidFill>
-                  <a:srgbClr val="008080"/>
-                </a:solidFill>
-                <a:latin typeface="JetBrains Mono"/>
-              </a:rPr>
-              <a:t>InvertedIndex</a:t>
-            </a:r>
-            <a:r>
-              <a:rPr lang="ru-RU" altLang="ru-RU" sz="1000" dirty="0">
-                <a:solidFill>
-                  <a:srgbClr val="000000"/>
-                </a:solidFill>
-                <a:latin typeface="JetBrains Mono"/>
-              </a:rPr>
-              <a:t>::</a:t>
-            </a:r>
-            <a:r>
-              <a:rPr lang="ru-RU" altLang="ru-RU" sz="1000" dirty="0" err="1">
-                <a:solidFill>
-                  <a:srgbClr val="000000"/>
-                </a:solidFill>
-                <a:latin typeface="JetBrains Mono"/>
-              </a:rPr>
-              <a:t>defineWord</a:t>
-            </a:r>
-            <a:r>
-              <a:rPr lang="ru-RU" altLang="ru-RU" sz="1000" dirty="0">
-                <a:solidFill>
-                  <a:srgbClr val="000000"/>
-                </a:solidFill>
-                <a:latin typeface="JetBrains Mono"/>
-              </a:rPr>
-              <a:t>, </a:t>
-            </a:r>
-            <a:r>
-              <a:rPr lang="ru-RU" altLang="ru-RU" sz="1000" b="1" dirty="0" err="1">
-                <a:solidFill>
-                  <a:srgbClr val="000080"/>
-                </a:solidFill>
-                <a:latin typeface="JetBrains Mono"/>
-              </a:rPr>
-              <a:t>this</a:t>
-            </a:r>
-            <a:r>
-              <a:rPr lang="ru-RU" altLang="ru-RU" sz="1000" dirty="0">
-                <a:solidFill>
-                  <a:srgbClr val="000000"/>
-                </a:solidFill>
-                <a:latin typeface="JetBrains Mono"/>
-              </a:rPr>
-              <a:t>, </a:t>
-            </a:r>
-            <a:r>
-              <a:rPr lang="ru-RU" altLang="ru-RU" sz="1000" dirty="0" err="1">
-                <a:solidFill>
-                  <a:srgbClr val="000000"/>
-                </a:solidFill>
-                <a:latin typeface="JetBrains Mono"/>
-              </a:rPr>
-              <a:t>docID</a:t>
-            </a:r>
-            <a:r>
-              <a:rPr lang="ru-RU" altLang="ru-RU" sz="1000" dirty="0">
-                <a:solidFill>
-                  <a:srgbClr val="000000"/>
-                </a:solidFill>
-                <a:latin typeface="JetBrains Mono"/>
-              </a:rPr>
-              <a:t>, </a:t>
-            </a:r>
-            <a:r>
-              <a:rPr lang="ru-RU" altLang="ru-RU" sz="1000" dirty="0">
-                <a:solidFill>
-                  <a:srgbClr val="008080"/>
-                </a:solidFill>
-                <a:latin typeface="JetBrains Mono"/>
-              </a:rPr>
-              <a:t>std</a:t>
-            </a:r>
-            <a:r>
-              <a:rPr lang="ru-RU" altLang="ru-RU" sz="1000" dirty="0">
-                <a:solidFill>
-                  <a:srgbClr val="000000"/>
-                </a:solidFill>
-                <a:latin typeface="JetBrains Mono"/>
-              </a:rPr>
-              <a:t>::cref(</a:t>
-            </a:r>
-            <a:r>
-              <a:rPr lang="ru-RU" altLang="ru-RU" sz="1000" dirty="0" err="1">
-                <a:solidFill>
-                  <a:srgbClr val="660E7A"/>
-                </a:solidFill>
-                <a:latin typeface="JetBrains Mono"/>
-              </a:rPr>
-              <a:t>documents</a:t>
-            </a:r>
-            <a:r>
-              <a:rPr lang="ru-RU" altLang="ru-RU" sz="1000" dirty="0">
-                <a:solidFill>
-                  <a:srgbClr val="008080"/>
-                </a:solidFill>
-                <a:latin typeface="JetBrains Mono"/>
-              </a:rPr>
-              <a:t>[</a:t>
-            </a:r>
-            <a:r>
-              <a:rPr lang="ru-RU" altLang="ru-RU" sz="1000" dirty="0" err="1">
-                <a:solidFill>
-                  <a:srgbClr val="000000"/>
-                </a:solidFill>
-                <a:latin typeface="JetBrains Mono"/>
-              </a:rPr>
-              <a:t>docID</a:t>
-            </a:r>
-            <a:r>
-              <a:rPr lang="ru-RU" altLang="ru-RU" sz="1000" dirty="0">
-                <a:solidFill>
-                  <a:srgbClr val="008080"/>
-                </a:solidFill>
-                <a:latin typeface="JetBrains Mono"/>
-              </a:rPr>
-              <a:t>]</a:t>
-            </a:r>
-            <a:r>
-              <a:rPr lang="ru-RU" altLang="ru-RU" sz="1000" dirty="0">
-                <a:solidFill>
-                  <a:srgbClr val="000000"/>
-                </a:solidFill>
-                <a:latin typeface="JetBrains Mono"/>
-              </a:rPr>
-              <a:t>))</a:t>
-            </a:r>
-            <a:endParaRPr lang="ru-RU" altLang="ru-RU" dirty="0">
-              <a:latin typeface="Arial" panose="020B0604020202020204" pitchFamily="34" charset="0"/>
-            </a:endParaRPr>
-          </a:p>
-          <a:p>
-            <a:pPr lvl="0"/>
-            <a:endParaRPr lang="ru-RU" altLang="ru-RU" sz="1000" i="1" dirty="0" smtClean="0">
-              <a:solidFill>
-                <a:srgbClr val="808080"/>
-              </a:solidFill>
-              <a:latin typeface="JetBrains Mono"/>
-            </a:endParaRPr>
-          </a:p>
-          <a:p>
-            <a:pPr lvl="0"/>
-            <a:r>
-              <a:rPr lang="ru-RU" altLang="ru-RU" sz="1000" i="1" dirty="0" smtClean="0">
-                <a:solidFill>
-                  <a:srgbClr val="808080"/>
-                </a:solidFill>
-                <a:latin typeface="JetBrains Mono"/>
-              </a:rPr>
-              <a:t>…</a:t>
-            </a:r>
-          </a:p>
-          <a:p>
-            <a:pPr lvl="0"/>
-            <a:r>
-              <a:rPr lang="ru-RU" altLang="ru-RU" sz="1000" i="1" dirty="0" smtClean="0">
-                <a:solidFill>
-                  <a:srgbClr val="808080"/>
-                </a:solidFill>
-                <a:latin typeface="JetBrains Mono"/>
-              </a:rPr>
-              <a:t>//</a:t>
-            </a:r>
-            <a:r>
-              <a:rPr lang="ru-RU" altLang="ru-RU" sz="1000" i="1" dirty="0">
-                <a:solidFill>
-                  <a:srgbClr val="808080"/>
-                </a:solidFill>
-                <a:latin typeface="JetBrains Mono"/>
-              </a:rPr>
-              <a:t>Установить защиту на поиск и добавление слова в базе инвертированных индексов</a:t>
-            </a:r>
-            <a:br>
-              <a:rPr lang="ru-RU" altLang="ru-RU" sz="1000" i="1" dirty="0">
-                <a:solidFill>
-                  <a:srgbClr val="808080"/>
-                </a:solidFill>
-                <a:latin typeface="JetBrains Mono"/>
-              </a:rPr>
-            </a:br>
-            <a:r>
-              <a:rPr lang="ru-RU" altLang="ru-RU" sz="1000" dirty="0">
-                <a:solidFill>
-                  <a:srgbClr val="008080"/>
-                </a:solidFill>
-                <a:latin typeface="JetBrains Mono"/>
-              </a:rPr>
-              <a:t>std</a:t>
-            </a:r>
-            <a:r>
-              <a:rPr lang="ru-RU" altLang="ru-RU" sz="1000" dirty="0">
-                <a:solidFill>
-                  <a:srgbClr val="000000"/>
-                </a:solidFill>
-                <a:latin typeface="JetBrains Mono"/>
-              </a:rPr>
-              <a:t>::</a:t>
-            </a:r>
-            <a:r>
-              <a:rPr lang="ru-RU" altLang="ru-RU" sz="1000" dirty="0" err="1">
-                <a:solidFill>
-                  <a:srgbClr val="008080"/>
-                </a:solidFill>
-                <a:latin typeface="JetBrains Mono"/>
-              </a:rPr>
-              <a:t>unique_lock</a:t>
-            </a:r>
-            <a:r>
-              <a:rPr lang="ru-RU" altLang="ru-RU" sz="1000" dirty="0">
-                <a:solidFill>
-                  <a:srgbClr val="000000"/>
-                </a:solidFill>
-                <a:latin typeface="JetBrains Mono"/>
-              </a:rPr>
-              <a:t>&lt;</a:t>
-            </a:r>
-            <a:r>
-              <a:rPr lang="ru-RU" altLang="ru-RU" sz="1000" dirty="0">
-                <a:solidFill>
-                  <a:srgbClr val="008080"/>
-                </a:solidFill>
-                <a:latin typeface="JetBrains Mono"/>
-              </a:rPr>
-              <a:t>std</a:t>
-            </a:r>
-            <a:r>
-              <a:rPr lang="ru-RU" altLang="ru-RU" sz="1000" dirty="0">
-                <a:solidFill>
-                  <a:srgbClr val="000000"/>
-                </a:solidFill>
-                <a:latin typeface="JetBrains Mono"/>
-              </a:rPr>
-              <a:t>::</a:t>
-            </a:r>
-            <a:r>
-              <a:rPr lang="ru-RU" altLang="ru-RU" sz="1000" dirty="0" err="1">
-                <a:solidFill>
-                  <a:srgbClr val="008080"/>
-                </a:solidFill>
-                <a:latin typeface="JetBrains Mono"/>
-              </a:rPr>
-              <a:t>mutex</a:t>
-            </a:r>
-            <a:r>
-              <a:rPr lang="ru-RU" altLang="ru-RU" sz="1000" dirty="0">
-                <a:solidFill>
-                  <a:srgbClr val="000000"/>
-                </a:solidFill>
-                <a:latin typeface="JetBrains Mono"/>
-              </a:rPr>
-              <a:t>&gt; </a:t>
-            </a:r>
-            <a:r>
-              <a:rPr lang="ru-RU" altLang="ru-RU" sz="1000" dirty="0" err="1">
-                <a:solidFill>
-                  <a:srgbClr val="000000"/>
-                </a:solidFill>
-                <a:latin typeface="JetBrains Mono"/>
-              </a:rPr>
-              <a:t>lgAddWord</a:t>
-            </a:r>
-            <a:r>
-              <a:rPr lang="ru-RU" altLang="ru-RU" sz="1000" dirty="0">
-                <a:solidFill>
-                  <a:srgbClr val="000000"/>
-                </a:solidFill>
-                <a:latin typeface="JetBrains Mono"/>
-              </a:rPr>
-              <a:t>(</a:t>
-            </a:r>
-            <a:r>
-              <a:rPr lang="ru-RU" altLang="ru-RU" sz="1000" dirty="0" err="1">
-                <a:solidFill>
-                  <a:srgbClr val="660E7A"/>
-                </a:solidFill>
-                <a:latin typeface="JetBrains Mono"/>
-              </a:rPr>
-              <a:t>mutexFindAddWord</a:t>
-            </a:r>
-            <a:r>
-              <a:rPr lang="ru-RU" altLang="ru-RU" sz="1000" dirty="0" smtClean="0">
-                <a:solidFill>
-                  <a:srgbClr val="000000"/>
-                </a:solidFill>
-                <a:latin typeface="JetBrains Mono"/>
-              </a:rPr>
-              <a:t>);</a:t>
-            </a:r>
-          </a:p>
-          <a:p>
-            <a:pPr lvl="0"/>
-            <a:r>
-              <a:rPr lang="ru-RU" altLang="ru-RU" sz="1000" dirty="0" smtClean="0">
-                <a:latin typeface="Arial" panose="020B0604020202020204" pitchFamily="34" charset="0"/>
-              </a:rPr>
-              <a:t>…</a:t>
-            </a:r>
-          </a:p>
-          <a:p>
-            <a:r>
-              <a:rPr lang="ru-RU" altLang="ru-RU" sz="1000" i="1" dirty="0">
-                <a:solidFill>
-                  <a:srgbClr val="808080"/>
-                </a:solidFill>
-                <a:latin typeface="JetBrains Mono"/>
-              </a:rPr>
-              <a:t>//Установить защиту на поиск и добавление структуры инвертированного индекса</a:t>
-            </a:r>
-            <a:br>
-              <a:rPr lang="ru-RU" altLang="ru-RU" sz="1000" i="1" dirty="0">
-                <a:solidFill>
-                  <a:srgbClr val="808080"/>
-                </a:solidFill>
-                <a:latin typeface="JetBrains Mono"/>
-              </a:rPr>
-            </a:br>
-            <a:r>
-              <a:rPr lang="ru-RU" altLang="ru-RU" sz="1000" dirty="0">
-                <a:solidFill>
-                  <a:srgbClr val="008080"/>
-                </a:solidFill>
-                <a:latin typeface="JetBrains Mono"/>
-              </a:rPr>
-              <a:t>std</a:t>
-            </a:r>
-            <a:r>
-              <a:rPr lang="ru-RU" altLang="ru-RU" sz="1000" dirty="0">
-                <a:solidFill>
-                  <a:srgbClr val="000000"/>
-                </a:solidFill>
-                <a:latin typeface="JetBrains Mono"/>
-              </a:rPr>
-              <a:t>::</a:t>
-            </a:r>
-            <a:r>
-              <a:rPr lang="ru-RU" altLang="ru-RU" sz="1000" dirty="0" err="1">
-                <a:solidFill>
-                  <a:srgbClr val="008080"/>
-                </a:solidFill>
-                <a:latin typeface="JetBrains Mono"/>
-              </a:rPr>
-              <a:t>unique_lock</a:t>
-            </a:r>
-            <a:r>
-              <a:rPr lang="ru-RU" altLang="ru-RU" sz="1000" dirty="0">
-                <a:solidFill>
-                  <a:srgbClr val="000000"/>
-                </a:solidFill>
-                <a:latin typeface="JetBrains Mono"/>
-              </a:rPr>
-              <a:t>&lt;</a:t>
-            </a:r>
-            <a:r>
-              <a:rPr lang="ru-RU" altLang="ru-RU" sz="1000" dirty="0">
-                <a:solidFill>
-                  <a:srgbClr val="008080"/>
-                </a:solidFill>
-                <a:latin typeface="JetBrains Mono"/>
-              </a:rPr>
-              <a:t>std</a:t>
-            </a:r>
-            <a:r>
-              <a:rPr lang="ru-RU" altLang="ru-RU" sz="1000" dirty="0">
-                <a:solidFill>
-                  <a:srgbClr val="000000"/>
-                </a:solidFill>
-                <a:latin typeface="JetBrains Mono"/>
-              </a:rPr>
-              <a:t>::</a:t>
-            </a:r>
-            <a:r>
-              <a:rPr lang="ru-RU" altLang="ru-RU" sz="1000" dirty="0" err="1">
-                <a:solidFill>
-                  <a:srgbClr val="008080"/>
-                </a:solidFill>
-                <a:latin typeface="JetBrains Mono"/>
-              </a:rPr>
-              <a:t>mutex</a:t>
-            </a:r>
-            <a:r>
-              <a:rPr lang="ru-RU" altLang="ru-RU" sz="1000" dirty="0">
-                <a:solidFill>
-                  <a:srgbClr val="000000"/>
-                </a:solidFill>
-                <a:latin typeface="JetBrains Mono"/>
-              </a:rPr>
-              <a:t>&gt; </a:t>
-            </a:r>
-            <a:r>
-              <a:rPr lang="ru-RU" altLang="ru-RU" sz="1000" dirty="0" err="1">
-                <a:solidFill>
-                  <a:srgbClr val="000000"/>
-                </a:solidFill>
-                <a:latin typeface="JetBrains Mono"/>
-              </a:rPr>
-              <a:t>lgAddEntry</a:t>
-            </a:r>
-            <a:r>
-              <a:rPr lang="ru-RU" altLang="ru-RU" sz="1000" dirty="0">
-                <a:solidFill>
-                  <a:srgbClr val="000000"/>
-                </a:solidFill>
-                <a:latin typeface="JetBrains Mono"/>
-              </a:rPr>
-              <a:t>(</a:t>
-            </a:r>
-            <a:r>
-              <a:rPr lang="ru-RU" altLang="ru-RU" sz="1000" dirty="0" err="1">
-                <a:solidFill>
-                  <a:srgbClr val="660E7A"/>
-                </a:solidFill>
-                <a:latin typeface="JetBrains Mono"/>
-              </a:rPr>
-              <a:t>mutexFindAddEntry</a:t>
-            </a:r>
-            <a:r>
-              <a:rPr lang="ru-RU" altLang="ru-RU" sz="1000" dirty="0">
-                <a:solidFill>
-                  <a:srgbClr val="000000"/>
-                </a:solidFill>
-                <a:latin typeface="JetBrains Mono"/>
-              </a:rPr>
-              <a:t>);</a:t>
-            </a:r>
-            <a:endParaRPr lang="ru-RU" altLang="ru-RU" dirty="0">
-              <a:latin typeface="Arial" panose="020B0604020202020204" pitchFamily="34" charset="0"/>
-            </a:endParaRPr>
-          </a:p>
-          <a:p>
-            <a:pPr lvl="0"/>
-            <a:r>
-              <a:rPr lang="ru-RU" altLang="ru-RU" sz="1000" dirty="0" smtClean="0">
-                <a:latin typeface="Arial" panose="020B0604020202020204" pitchFamily="34" charset="0"/>
-              </a:rPr>
-              <a:t>…</a:t>
-            </a:r>
-            <a:endParaRPr lang="ru-RU" altLang="ru-RU" sz="1000" dirty="0">
-              <a:latin typeface="Arial" panose="020B0604020202020204" pitchFamily="34" charset="0"/>
-            </a:endParaRPr>
-          </a:p>
-          <a:p>
-            <a:endParaRPr lang="ru-RU" sz="1000" dirty="0"/>
           </a:p>
         </p:txBody>
       </p:sp>
@@ -37467,7 +42029,7 @@
           <a:p>
             <a:fld id="{5415850B-FCCB-4950-8D75-8D81D52F3FBD}" type="datetime1">
               <a:rPr lang="ru-RU" smtClean="0"/>
-              <a:t>22.10.2025</a:t>
+              <a:t>14.11.2025</a:t>
             </a:fld>
             <a:endParaRPr lang="ru-RU"/>
           </a:p>
@@ -37623,7 +42185,7 @@
           <a:p>
             <a:fld id="{5415850B-FCCB-4950-8D75-8D81D52F3FBD}" type="datetime1">
               <a:rPr lang="ru-RU" smtClean="0"/>
-              <a:t>22.10.2025</a:t>
+              <a:t>14.11.2025</a:t>
             </a:fld>
             <a:endParaRPr lang="ru-RU"/>
           </a:p>
@@ -37938,7 +42500,7 @@
           <a:p>
             <a:fld id="{9187F089-DB3A-44EC-8E6C-70C807261B64}" type="datetime1">
               <a:rPr lang="ru-RU" smtClean="0"/>
-              <a:t>22.10.2025</a:t>
+              <a:t>14.11.2025</a:t>
             </a:fld>
             <a:endParaRPr lang="ru-RU"/>
           </a:p>
@@ -38057,7 +42619,7 @@
           <a:bodyPr/>
           <a:lstStyle/>
           <a:p>
-            <a:endParaRPr lang="ru-RU"/>
+            <a:endParaRPr lang="ru-RU" dirty="0"/>
           </a:p>
         </p:txBody>
       </p:sp>
@@ -38078,7 +42640,7 @@
           <a:p>
             <a:fld id="{8D89F477-1E06-42B9-98CE-724D285F544D}" type="datetime1">
               <a:rPr lang="ru-RU" smtClean="0"/>
-              <a:t>22.10.2025</a:t>
+              <a:t>14.11.2025</a:t>
             </a:fld>
             <a:endParaRPr lang="ru-RU"/>
           </a:p>
@@ -38237,7 +42799,7 @@
           <a:p>
             <a:fld id="{9187F089-DB3A-44EC-8E6C-70C807261B64}" type="datetime1">
               <a:rPr lang="ru-RU" smtClean="0"/>
-              <a:t>22.10.2025</a:t>
+              <a:t>14.11.2025</a:t>
             </a:fld>
             <a:endParaRPr lang="ru-RU"/>
           </a:p>
@@ -38380,7 +42942,7 @@
           <a:p>
             <a:fld id="{8AC5719E-8A6A-457D-98CF-1B213C53F5CE}" type="datetime1">
               <a:rPr lang="ru-RU" smtClean="0"/>
-              <a:t>22.10.2025</a:t>
+              <a:t>14.11.2025</a:t>
             </a:fld>
             <a:endParaRPr lang="ru-RU"/>
           </a:p>
@@ -38428,6 +42990,66 @@
           </a:p>
         </p:txBody>
       </p:sp>
+      <p:pic>
+        <p:nvPicPr>
+          <p:cNvPr id="3" name="Рисунок 2"/>
+          <p:cNvPicPr>
+            <a:picLocks noChangeAspect="1"/>
+          </p:cNvPicPr>
+          <p:nvPr/>
+        </p:nvPicPr>
+        <p:blipFill>
+          <a:blip r:embed="rId3" cstate="print">
+            <a:extLst>
+              <a:ext uri="{28A0092B-C50C-407E-A947-70E740481C1C}">
+                <a14:useLocalDpi xmlns:a14="http://schemas.microsoft.com/office/drawing/2010/main" val="0"/>
+              </a:ext>
+            </a:extLst>
+          </a:blip>
+          <a:stretch>
+            <a:fillRect/>
+          </a:stretch>
+        </p:blipFill>
+        <p:spPr>
+          <a:xfrm>
+            <a:off x="1097280" y="1997195"/>
+            <a:ext cx="2667401" cy="3556535"/>
+          </a:xfrm>
+          <a:prstGeom prst="rect">
+            <a:avLst/>
+          </a:prstGeom>
+        </p:spPr>
+      </p:pic>
+      <p:pic>
+        <p:nvPicPr>
+          <p:cNvPr id="8" name="Рисунок 7"/>
+          <p:cNvPicPr>
+            <a:picLocks noChangeAspect="1"/>
+          </p:cNvPicPr>
+          <p:nvPr/>
+        </p:nvPicPr>
+        <p:blipFill>
+          <a:blip r:embed="rId4" cstate="print">
+            <a:extLst>
+              <a:ext uri="{28A0092B-C50C-407E-A947-70E740481C1C}">
+                <a14:useLocalDpi xmlns:a14="http://schemas.microsoft.com/office/drawing/2010/main" val="0"/>
+              </a:ext>
+            </a:extLst>
+          </a:blip>
+          <a:stretch>
+            <a:fillRect/>
+          </a:stretch>
+        </p:blipFill>
+        <p:spPr>
+          <a:xfrm>
+            <a:off x="6281437" y="2966803"/>
+            <a:ext cx="2129317" cy="1066182"/>
+          </a:xfrm>
+          <a:prstGeom prst="rect">
+            <a:avLst/>
+          </a:prstGeom>
+        </p:spPr>
+      </p:pic>
     </p:spTree>
     <p:extLst>
       <p:ext uri="{BB962C8B-B14F-4D97-AF65-F5344CB8AC3E}">
@@ -38539,7 +43161,7 @@
           <a:p>
             <a:fld id="{AA82D743-4282-4860-9AE2-FAD442C19B6D}" type="datetime1">
               <a:rPr lang="ru-RU" smtClean="0"/>
-              <a:t>22.10.2025</a:t>
+              <a:t>14.11.2025</a:t>
             </a:fld>
             <a:endParaRPr lang="ru-RU"/>
           </a:p>
@@ -38660,7 +43282,7 @@
           <a:p>
             <a:fld id="{22C4FDAF-C654-4288-9437-917D77737F5E}" type="datetime1">
               <a:rPr lang="ru-RU" smtClean="0"/>
-              <a:t>22.10.2025</a:t>
+              <a:t>14.11.2025</a:t>
             </a:fld>
             <a:endParaRPr lang="ru-RU"/>
           </a:p>
@@ -38718,7 +43340,7 @@
             <p:ph idx="1"/>
             <p:extLst>
               <p:ext uri="{D42A27DB-BD31-4B8C-83A1-F6EECF244321}">
-                <p14:modId xmlns:p14="http://schemas.microsoft.com/office/powerpoint/2010/main" val="2076157808"/>
+                <p14:modId xmlns:p14="http://schemas.microsoft.com/office/powerpoint/2010/main" val="2937652132"/>
               </p:ext>
             </p:extLst>
           </p:nvPr>
@@ -38733,6 +43355,66 @@
           </a:graphicData>
         </a:graphic>
       </p:graphicFrame>
+      <p:pic>
+        <p:nvPicPr>
+          <p:cNvPr id="3" name="Рисунок 2"/>
+          <p:cNvPicPr>
+            <a:picLocks noChangeAspect="1"/>
+          </p:cNvPicPr>
+          <p:nvPr/>
+        </p:nvPicPr>
+        <p:blipFill>
+          <a:blip r:embed="rId8" cstate="print">
+            <a:extLst>
+              <a:ext uri="{28A0092B-C50C-407E-A947-70E740481C1C}">
+                <a14:useLocalDpi xmlns:a14="http://schemas.microsoft.com/office/drawing/2010/main" val="0"/>
+              </a:ext>
+            </a:extLst>
+          </a:blip>
+          <a:stretch>
+            <a:fillRect/>
+          </a:stretch>
+        </p:blipFill>
+        <p:spPr>
+          <a:xfrm>
+            <a:off x="4605228" y="1395663"/>
+            <a:ext cx="2446539" cy="3460282"/>
+          </a:xfrm>
+          <a:prstGeom prst="rect">
+            <a:avLst/>
+          </a:prstGeom>
+        </p:spPr>
+      </p:pic>
+      <p:pic>
+        <p:nvPicPr>
+          <p:cNvPr id="7" name="Рисунок 6"/>
+          <p:cNvPicPr>
+            <a:picLocks noChangeAspect="1"/>
+          </p:cNvPicPr>
+          <p:nvPr/>
+        </p:nvPicPr>
+        <p:blipFill>
+          <a:blip r:embed="rId9" cstate="print">
+            <a:extLst>
+              <a:ext uri="{28A0092B-C50C-407E-A947-70E740481C1C}">
+                <a14:useLocalDpi xmlns:a14="http://schemas.microsoft.com/office/drawing/2010/main" val="0"/>
+              </a:ext>
+            </a:extLst>
+          </a:blip>
+          <a:stretch>
+            <a:fillRect/>
+          </a:stretch>
+        </p:blipFill>
+        <p:spPr>
+          <a:xfrm>
+            <a:off x="8388100" y="1395663"/>
+            <a:ext cx="2452061" cy="3468091"/>
+          </a:xfrm>
+          <a:prstGeom prst="rect">
+            <a:avLst/>
+          </a:prstGeom>
+        </p:spPr>
+      </p:pic>
     </p:spTree>
     <p:extLst>
       <p:ext uri="{BB962C8B-B14F-4D97-AF65-F5344CB8AC3E}">
@@ -38799,7 +43481,7 @@
             <p:ph idx="1"/>
             <p:extLst>
               <p:ext uri="{D42A27DB-BD31-4B8C-83A1-F6EECF244321}">
-                <p14:modId xmlns:p14="http://schemas.microsoft.com/office/powerpoint/2010/main" val="74025464"/>
+                <p14:modId xmlns:p14="http://schemas.microsoft.com/office/powerpoint/2010/main" val="2363150744"/>
               </p:ext>
             </p:extLst>
           </p:nvPr>
@@ -38831,7 +43513,7 @@
           <a:p>
             <a:fld id="{8AC5719E-8A6A-457D-98CF-1B213C53F5CE}" type="datetime1">
               <a:rPr lang="ru-RU" smtClean="0"/>
-              <a:t>22.10.2025</a:t>
+              <a:t>14.11.2025</a:t>
             </a:fld>
             <a:endParaRPr lang="ru-RU"/>
           </a:p>
@@ -38970,7 +43652,7 @@
           <a:p>
             <a:fld id="{8AC5719E-8A6A-457D-98CF-1B213C53F5CE}" type="datetime1">
               <a:rPr lang="ru-RU" smtClean="0"/>
-              <a:t>22.10.2025</a:t>
+              <a:t>14.11.2025</a:t>
             </a:fld>
             <a:endParaRPr lang="ru-RU"/>
           </a:p>
@@ -39018,36 +43700,6 @@
           </a:p>
         </p:txBody>
       </p:sp>
-      <p:pic>
-        <p:nvPicPr>
-          <p:cNvPr id="10" name="Рисунок 9"/>
-          <p:cNvPicPr>
-            <a:picLocks noChangeAspect="1"/>
-          </p:cNvPicPr>
-          <p:nvPr/>
-        </p:nvPicPr>
-        <p:blipFill>
-          <a:blip r:embed="rId7" cstate="print">
-            <a:extLst>
-              <a:ext uri="{28A0092B-C50C-407E-A947-70E740481C1C}">
-                <a14:useLocalDpi xmlns:a14="http://schemas.microsoft.com/office/drawing/2010/main" val="0"/>
-              </a:ext>
-            </a:extLst>
-          </a:blip>
-          <a:stretch>
-            <a:fillRect/>
-          </a:stretch>
-        </p:blipFill>
-        <p:spPr>
-          <a:xfrm>
-            <a:off x="695357" y="2363002"/>
-            <a:ext cx="2038216" cy="2882766"/>
-          </a:xfrm>
-          <a:prstGeom prst="rect">
-            <a:avLst/>
-          </a:prstGeom>
-        </p:spPr>
-      </p:pic>
       <p:sp>
         <p:nvSpPr>
           <p:cNvPr id="11" name="Стрелка вправо 10"/>
@@ -39299,24 +43951,6 @@
                 <a:rPr lang="en-US" sz="1900" kern="1200" dirty="0" smtClean="0"/>
                 <a:t>Operation</a:t>
               </a:r>
-              <a:endParaRPr lang="ru-RU" sz="1900" kern="1200" dirty="0" smtClean="0"/>
-            </a:p>
-            <a:p>
-              <a:pPr lvl="0" algn="ctr" defTabSz="844550">
-                <a:lnSpc>
-                  <a:spcPct val="90000"/>
-                </a:lnSpc>
-                <a:spcBef>
-                  <a:spcPct val="0"/>
-                </a:spcBef>
-                <a:spcAft>
-                  <a:spcPct val="35000"/>
-                </a:spcAft>
-              </a:pPr>
-              <a:r>
-                <a:rPr lang="en-US" sz="1900" kern="1200" dirty="0" smtClean="0"/>
-                <a:t>Validity</a:t>
-              </a:r>
               <a:endParaRPr lang="ru-RU" sz="1900" kern="1200" dirty="0"/>
             </a:p>
           </p:txBody>
@@ -39362,6 +43996,96 @@
           </a:p>
         </p:txBody>
       </p:sp>
+      <p:pic>
+        <p:nvPicPr>
+          <p:cNvPr id="3" name="Рисунок 2"/>
+          <p:cNvPicPr>
+            <a:picLocks noChangeAspect="1"/>
+          </p:cNvPicPr>
+          <p:nvPr/>
+        </p:nvPicPr>
+        <p:blipFill>
+          <a:blip r:embed="rId7" cstate="print">
+            <a:extLst>
+              <a:ext uri="{28A0092B-C50C-407E-A947-70E740481C1C}">
+                <a14:useLocalDpi xmlns:a14="http://schemas.microsoft.com/office/drawing/2010/main" val="0"/>
+              </a:ext>
+            </a:extLst>
+          </a:blip>
+          <a:stretch>
+            <a:fillRect/>
+          </a:stretch>
+        </p:blipFill>
+        <p:spPr>
+          <a:xfrm>
+            <a:off x="652838" y="1949116"/>
+            <a:ext cx="1464861" cy="2071838"/>
+          </a:xfrm>
+          <a:prstGeom prst="rect">
+            <a:avLst/>
+          </a:prstGeom>
+        </p:spPr>
+      </p:pic>
+      <p:pic>
+        <p:nvPicPr>
+          <p:cNvPr id="7" name="Рисунок 6"/>
+          <p:cNvPicPr>
+            <a:picLocks noChangeAspect="1"/>
+          </p:cNvPicPr>
+          <p:nvPr/>
+        </p:nvPicPr>
+        <p:blipFill>
+          <a:blip r:embed="rId8" cstate="print">
+            <a:extLst>
+              <a:ext uri="{28A0092B-C50C-407E-A947-70E740481C1C}">
+                <a14:useLocalDpi xmlns:a14="http://schemas.microsoft.com/office/drawing/2010/main" val="0"/>
+              </a:ext>
+            </a:extLst>
+          </a:blip>
+          <a:stretch>
+            <a:fillRect/>
+          </a:stretch>
+        </p:blipFill>
+        <p:spPr>
+          <a:xfrm>
+            <a:off x="844844" y="3364033"/>
+            <a:ext cx="1417094" cy="2004277"/>
+          </a:xfrm>
+          <a:prstGeom prst="rect">
+            <a:avLst/>
+          </a:prstGeom>
+        </p:spPr>
+      </p:pic>
+      <p:pic>
+        <p:nvPicPr>
+          <p:cNvPr id="9" name="Рисунок 8"/>
+          <p:cNvPicPr>
+            <a:picLocks noChangeAspect="1"/>
+          </p:cNvPicPr>
+          <p:nvPr/>
+        </p:nvPicPr>
+        <p:blipFill>
+          <a:blip r:embed="rId9" cstate="print">
+            <a:extLst>
+              <a:ext uri="{28A0092B-C50C-407E-A947-70E740481C1C}">
+                <a14:useLocalDpi xmlns:a14="http://schemas.microsoft.com/office/drawing/2010/main" val="0"/>
+              </a:ext>
+            </a:extLst>
+          </a:blip>
+          <a:stretch>
+            <a:fillRect/>
+          </a:stretch>
+        </p:blipFill>
+        <p:spPr>
+          <a:xfrm>
+            <a:off x="1748434" y="1828276"/>
+            <a:ext cx="1605413" cy="2270628"/>
+          </a:xfrm>
+          <a:prstGeom prst="rect">
+            <a:avLst/>
+          </a:prstGeom>
+        </p:spPr>
+      </p:pic>
     </p:spTree>
     <p:extLst>
       <p:ext uri="{BB962C8B-B14F-4D97-AF65-F5344CB8AC3E}">
@@ -39426,7 +44150,7 @@
             <p:ph idx="1"/>
             <p:extLst>
               <p:ext uri="{D42A27DB-BD31-4B8C-83A1-F6EECF244321}">
-                <p14:modId xmlns:p14="http://schemas.microsoft.com/office/powerpoint/2010/main" val="793467764"/>
+                <p14:modId xmlns:p14="http://schemas.microsoft.com/office/powerpoint/2010/main" val="2043355302"/>
               </p:ext>
             </p:extLst>
           </p:nvPr>
@@ -39458,7 +44182,7 @@
           <a:p>
             <a:fld id="{8AC5719E-8A6A-457D-98CF-1B213C53F5CE}" type="datetime1">
               <a:rPr lang="ru-RU" smtClean="0"/>
-              <a:t>22.10.2025</a:t>
+              <a:t>14.11.2025</a:t>
             </a:fld>
             <a:endParaRPr lang="ru-RU"/>
           </a:p>
@@ -39654,7 +44378,7 @@
           <a:p>
             <a:fld id="{8AC5719E-8A6A-457D-98CF-1B213C53F5CE}" type="datetime1">
               <a:rPr lang="ru-RU" smtClean="0"/>
-              <a:t>22.10.2025</a:t>
+              <a:t>14.11.2025</a:t>
             </a:fld>
             <a:endParaRPr lang="ru-RU"/>
           </a:p>

--- a/presentation/защита.pptx
+++ b/presentation/защита.pptx
@@ -341,11 +341,11 @@
         </c:dLbls>
         <c:gapWidth val="219"/>
         <c:overlap val="-27"/>
-        <c:axId val="410466240"/>
-        <c:axId val="410467808"/>
+        <c:axId val="546418136"/>
+        <c:axId val="546418920"/>
       </c:barChart>
       <c:catAx>
-        <c:axId val="410466240"/>
+        <c:axId val="546418136"/>
         <c:scaling>
           <c:orientation val="minMax"/>
         </c:scaling>
@@ -388,7 +388,7 @@
             <a:endParaRPr lang="ru-RU"/>
           </a:p>
         </c:txPr>
-        <c:crossAx val="410467808"/>
+        <c:crossAx val="546418920"/>
         <c:crosses val="autoZero"/>
         <c:auto val="1"/>
         <c:lblAlgn val="ctr"/>
@@ -396,7 +396,7 @@
         <c:noMultiLvlLbl val="0"/>
       </c:catAx>
       <c:valAx>
-        <c:axId val="410467808"/>
+        <c:axId val="546418920"/>
         <c:scaling>
           <c:orientation val="minMax"/>
         </c:scaling>
@@ -447,7 +447,7 @@
             <a:endParaRPr lang="ru-RU"/>
           </a:p>
         </c:txPr>
-        <c:crossAx val="410466240"/>
+        <c:crossAx val="546418136"/>
         <c:crosses val="autoZero"/>
         <c:crossBetween val="between"/>
       </c:valAx>
@@ -700,11 +700,11 @@
         </c:dLbls>
         <c:gapWidth val="219"/>
         <c:overlap val="-27"/>
-        <c:axId val="410468592"/>
-        <c:axId val="410468984"/>
+        <c:axId val="546419704"/>
+        <c:axId val="546413040"/>
       </c:barChart>
       <c:catAx>
-        <c:axId val="410468592"/>
+        <c:axId val="546419704"/>
         <c:scaling>
           <c:orientation val="minMax"/>
         </c:scaling>
@@ -747,7 +747,7 @@
             <a:endParaRPr lang="ru-RU"/>
           </a:p>
         </c:txPr>
-        <c:crossAx val="410468984"/>
+        <c:crossAx val="546413040"/>
         <c:crosses val="autoZero"/>
         <c:auto val="1"/>
         <c:lblAlgn val="ctr"/>
@@ -755,7 +755,7 @@
         <c:noMultiLvlLbl val="0"/>
       </c:catAx>
       <c:valAx>
-        <c:axId val="410468984"/>
+        <c:axId val="546413040"/>
         <c:scaling>
           <c:orientation val="minMax"/>
         </c:scaling>
@@ -806,7 +806,7 @@
             <a:endParaRPr lang="ru-RU"/>
           </a:p>
         </c:txPr>
-        <c:crossAx val="410468592"/>
+        <c:crossAx val="546419704"/>
         <c:crosses val="autoZero"/>
         <c:crossBetween val="between"/>
       </c:valAx>
@@ -11691,19 +11691,12 @@
       <dgm:prSet phldrT="[Текст]" custT="1"/>
       <dgm:spPr/>
       <dgm:t>
-        <a:bodyPr/>
+        <a:bodyPr anchor="t" anchorCtr="0"/>
         <a:lstStyle/>
         <a:p>
           <a:r>
             <a:rPr lang="en-US" sz="4000" b="1" dirty="0" smtClean="0"/>
-            <a:t>Search</a:t>
-          </a:r>
-          <a:endParaRPr lang="ru-RU" sz="4000" b="1" dirty="0" smtClean="0"/>
-        </a:p>
-        <a:p>
-          <a:r>
-            <a:rPr lang="en-US" sz="4000" b="1" dirty="0" smtClean="0"/>
-            <a:t>Engine</a:t>
+            <a:t>SearchEngine</a:t>
           </a:r>
           <a:endParaRPr lang="ru-RU" sz="4000" b="1" dirty="0"/>
         </a:p>
@@ -11735,19 +11728,12 @@
       <dgm:prSet phldrT="[Текст]" custT="1"/>
       <dgm:spPr/>
       <dgm:t>
-        <a:bodyPr/>
+        <a:bodyPr anchor="t" anchorCtr="0"/>
         <a:lstStyle/>
         <a:p>
           <a:r>
             <a:rPr lang="en-US" sz="2000" b="1" dirty="0" smtClean="0"/>
-            <a:t>Converter</a:t>
-          </a:r>
-          <a:endParaRPr lang="ru-RU" sz="2000" b="1" dirty="0" smtClean="0"/>
-        </a:p>
-        <a:p>
-          <a:r>
-            <a:rPr lang="en-US" sz="2000" b="1" dirty="0" smtClean="0"/>
-            <a:t>JSON </a:t>
+            <a:t>ConverterJSON </a:t>
           </a:r>
           <a:endParaRPr lang="ru-RU" sz="2000" b="1" dirty="0"/>
         </a:p>
@@ -11755,7 +11741,12 @@
     </dgm:pt>
     <dgm:pt modelId="{0320C3D9-2B7B-4CF1-930A-C9D1714593A9}" type="parTrans" cxnId="{18EF6DB3-3087-4F3E-882C-92F6C8F6899C}">
       <dgm:prSet/>
-      <dgm:spPr/>
+      <dgm:spPr>
+        <a:ln>
+          <a:headEnd type="none"/>
+          <a:tailEnd type="triangle"/>
+        </a:ln>
+      </dgm:spPr>
       <dgm:t>
         <a:bodyPr/>
         <a:lstStyle/>
@@ -11779,7 +11770,7 @@
       <dgm:prSet phldrT="[Текст]" custT="1"/>
       <dgm:spPr/>
       <dgm:t>
-        <a:bodyPr/>
+        <a:bodyPr anchor="t" anchorCtr="0"/>
         <a:lstStyle/>
         <a:p>
           <a:r>
@@ -11792,7 +11783,11 @@
     </dgm:pt>
     <dgm:pt modelId="{96897B08-3730-437B-BBBF-A34ED6D96B87}" type="parTrans" cxnId="{387408DC-5588-4A36-8421-958F33884D48}">
       <dgm:prSet/>
-      <dgm:spPr/>
+      <dgm:spPr>
+        <a:ln>
+          <a:tailEnd type="triangle"/>
+        </a:ln>
+      </dgm:spPr>
       <dgm:t>
         <a:bodyPr/>
         <a:lstStyle/>
@@ -11816,7 +11811,7 @@
       <dgm:prSet custT="1"/>
       <dgm:spPr/>
       <dgm:t>
-        <a:bodyPr/>
+        <a:bodyPr anchor="t" anchorCtr="0"/>
         <a:lstStyle/>
         <a:p>
           <a:r>
@@ -11829,7 +11824,11 @@
     </dgm:pt>
     <dgm:pt modelId="{09175996-8951-4E60-ACF9-F91AAA0AB774}" type="parTrans" cxnId="{E5EA6C4C-7F99-4297-909F-4EA4E535C5BB}">
       <dgm:prSet/>
-      <dgm:spPr/>
+      <dgm:spPr>
+        <a:ln>
+          <a:tailEnd type="triangle"/>
+        </a:ln>
+      </dgm:spPr>
       <dgm:t>
         <a:bodyPr/>
         <a:lstStyle/>
@@ -11853,19 +11852,12 @@
       <dgm:prSet custT="1"/>
       <dgm:spPr/>
       <dgm:t>
-        <a:bodyPr/>
+        <a:bodyPr anchor="t" anchorCtr="0"/>
         <a:lstStyle/>
         <a:p>
           <a:r>
             <a:rPr lang="en-US" sz="2000" b="1" dirty="0" smtClean="0"/>
-            <a:t>Inverted</a:t>
-          </a:r>
-          <a:endParaRPr lang="ru-RU" sz="2000" b="1" dirty="0" smtClean="0"/>
-        </a:p>
-        <a:p>
-          <a:r>
-            <a:rPr lang="en-US" sz="2000" b="1" dirty="0" smtClean="0"/>
-            <a:t>Index </a:t>
+            <a:t>InvertedIndex </a:t>
           </a:r>
           <a:endParaRPr lang="ru-RU" sz="2000" b="1" dirty="0"/>
         </a:p>
@@ -11873,7 +11865,11 @@
     </dgm:pt>
     <dgm:pt modelId="{2E57BB01-68FA-4D0D-8C7A-B42E79CEB108}" type="parTrans" cxnId="{9259EE65-3344-4279-B2DE-CD2D0F3E076D}">
       <dgm:prSet/>
-      <dgm:spPr/>
+      <dgm:spPr>
+        <a:ln>
+          <a:tailEnd type="triangle"/>
+        </a:ln>
+      </dgm:spPr>
       <dgm:t>
         <a:bodyPr/>
         <a:lstStyle/>
@@ -11897,19 +11893,12 @@
       <dgm:prSet custT="1"/>
       <dgm:spPr/>
       <dgm:t>
-        <a:bodyPr/>
+        <a:bodyPr anchor="t" anchorCtr="0"/>
         <a:lstStyle/>
         <a:p>
           <a:r>
             <a:rPr lang="en-US" sz="2000" b="1" dirty="0" smtClean="0"/>
-            <a:t>Relevant</a:t>
-          </a:r>
-          <a:endParaRPr lang="ru-RU" sz="2000" b="1" dirty="0" smtClean="0"/>
-        </a:p>
-        <a:p>
-          <a:r>
-            <a:rPr lang="en-US" sz="2000" b="1" dirty="0" smtClean="0"/>
-            <a:t>Response </a:t>
+            <a:t>RelevantResponse </a:t>
           </a:r>
           <a:endParaRPr lang="ru-RU" sz="2000" b="1" dirty="0"/>
         </a:p>
@@ -11917,7 +11906,14 @@
     </dgm:pt>
     <dgm:pt modelId="{AA62E804-61D2-4247-AB46-39B7B206B101}" type="parTrans" cxnId="{62E61146-244B-49BE-8FAC-4DB94D94975C}">
       <dgm:prSet/>
-      <dgm:spPr/>
+      <dgm:spPr>
+        <a:ln>
+          <a:solidFill>
+            <a:scrgbClr r="0" g="0" b="0"/>
+          </a:solidFill>
+          <a:tailEnd type="triangle"/>
+        </a:ln>
+      </dgm:spPr>
       <dgm:t>
         <a:bodyPr/>
         <a:lstStyle/>
@@ -11941,19 +11937,12 @@
       <dgm:prSet custT="1"/>
       <dgm:spPr/>
       <dgm:t>
-        <a:bodyPr/>
+        <a:bodyPr anchor="t" anchorCtr="0"/>
         <a:lstStyle/>
         <a:p>
           <a:r>
-            <a:rPr lang="en-US" sz="2000" b="1" dirty="0" smtClean="0"/>
-            <a:t>Dispatcher</a:t>
-          </a:r>
-          <a:endParaRPr lang="ru-RU" sz="2000" b="1" dirty="0" smtClean="0"/>
-        </a:p>
-        <a:p>
-          <a:r>
-            <a:rPr lang="en-US" sz="2000" b="1" dirty="0" smtClean="0"/>
-            <a:t>Operations</a:t>
+            <a:rPr lang="en-US" sz="2000" b="1" dirty="0" err="1" smtClean="0"/>
+            <a:t>DispatcherOperations</a:t>
           </a:r>
           <a:endParaRPr lang="ru-RU" sz="2000" b="1" dirty="0"/>
         </a:p>
@@ -11961,7 +11950,11 @@
     </dgm:pt>
     <dgm:pt modelId="{4A4C6070-4A61-47AA-8ABA-32229F0F8F3A}" type="parTrans" cxnId="{82616DB1-0687-468F-BA64-08D535074412}">
       <dgm:prSet/>
-      <dgm:spPr/>
+      <dgm:spPr>
+        <a:ln>
+          <a:tailEnd type="triangle"/>
+        </a:ln>
+      </dgm:spPr>
       <dgm:t>
         <a:bodyPr/>
         <a:lstStyle/>
@@ -11985,7 +11978,7 @@
       <dgm:prSet custT="1"/>
       <dgm:spPr/>
       <dgm:t>
-        <a:bodyPr/>
+        <a:bodyPr anchor="t" anchorCtr="0"/>
         <a:lstStyle/>
         <a:p>
           <a:r>
@@ -11998,6 +11991,21 @@
     </dgm:pt>
     <dgm:pt modelId="{65BAC1C3-4AF8-400A-B2AD-520DF168D1DC}" type="parTrans" cxnId="{2196BA26-E904-44ED-92F9-D92EEF748395}">
       <dgm:prSet/>
+      <dgm:spPr>
+        <a:ln>
+          <a:tailEnd type="triangle"/>
+        </a:ln>
+      </dgm:spPr>
+      <dgm:t>
+        <a:bodyPr/>
+        <a:lstStyle/>
+        <a:p>
+          <a:endParaRPr lang="ru-RU"/>
+        </a:p>
+      </dgm:t>
+    </dgm:pt>
+    <dgm:pt modelId="{A854EC9A-F014-45A6-94BF-B4109F6DF2D1}" type="sibTrans" cxnId="{2196BA26-E904-44ED-92F9-D92EEF748395}">
+      <dgm:prSet/>
       <dgm:spPr/>
       <dgm:t>
         <a:bodyPr/>
@@ -12007,7 +12015,48 @@
         </a:p>
       </dgm:t>
     </dgm:pt>
-    <dgm:pt modelId="{A854EC9A-F014-45A6-94BF-B4109F6DF2D1}" type="sibTrans" cxnId="{2196BA26-E904-44ED-92F9-D92EEF748395}">
+    <dgm:pt modelId="{16834BD0-903A-491A-B614-DAEC43CD34C4}">
+      <dgm:prSet/>
+      <dgm:spPr/>
+    </dgm:pt>
+    <dgm:pt modelId="{FDBAF1A6-96B3-4D87-9255-1D435C47287A}" type="parTrans" cxnId="{AB3E74F2-0C2A-4826-B8AA-8A07A9C78D6E}">
+      <dgm:prSet/>
+      <dgm:spPr/>
+      <dgm:t>
+        <a:bodyPr/>
+        <a:lstStyle/>
+        <a:p>
+          <a:endParaRPr lang="ru-RU"/>
+        </a:p>
+      </dgm:t>
+    </dgm:pt>
+    <dgm:pt modelId="{EDF67906-1657-4D7D-9BA3-CBF46E666BB7}" type="sibTrans" cxnId="{AB3E74F2-0C2A-4826-B8AA-8A07A9C78D6E}">
+      <dgm:prSet/>
+      <dgm:spPr/>
+      <dgm:t>
+        <a:bodyPr/>
+        <a:lstStyle/>
+        <a:p>
+          <a:endParaRPr lang="ru-RU"/>
+        </a:p>
+      </dgm:t>
+    </dgm:pt>
+    <dgm:pt modelId="{B92F1436-31AC-427D-90A4-29F7F626A386}">
+      <dgm:prSet/>
+      <dgm:spPr/>
+    </dgm:pt>
+    <dgm:pt modelId="{9CA78D7A-9F67-44F0-A144-58E6C8358DCE}" type="parTrans" cxnId="{A00AE92B-4DAF-4CF4-A42F-4A86D7D20F10}">
+      <dgm:prSet/>
+      <dgm:spPr/>
+      <dgm:t>
+        <a:bodyPr/>
+        <a:lstStyle/>
+        <a:p>
+          <a:endParaRPr lang="ru-RU"/>
+        </a:p>
+      </dgm:t>
+    </dgm:pt>
+    <dgm:pt modelId="{770411BB-2E35-45A1-95AF-03D7B635D87F}" type="sibTrans" cxnId="{A00AE92B-4DAF-4CF4-A42F-4A86D7D20F10}">
       <dgm:prSet/>
       <dgm:spPr/>
       <dgm:t>
@@ -12042,7 +12091,7 @@
       <dgm:spPr/>
     </dgm:pt>
     <dgm:pt modelId="{628E21F9-F946-457A-B5D6-7107E4B5B54D}" type="pres">
-      <dgm:prSet presAssocID="{854A1BCD-286B-4DA3-949B-D8FB85C0D014}" presName="singleCenter" presStyleLbl="node1" presStyleIdx="0" presStyleCnt="8" custScaleX="178024" custScaleY="178024" custLinFactNeighborX="-67" custLinFactNeighborY="36555">
+      <dgm:prSet presAssocID="{854A1BCD-286B-4DA3-949B-D8FB85C0D014}" presName="singleCenter" presStyleLbl="node1" presStyleIdx="0" presStyleCnt="8" custScaleX="163189" custScaleY="163189" custLinFactNeighborX="-67" custLinFactNeighborY="36555">
         <dgm:presLayoutVars>
           <dgm:chMax val="7"/>
           <dgm:chPref val="7"/>
@@ -12069,7 +12118,7 @@
       </dgm:t>
     </dgm:pt>
     <dgm:pt modelId="{F29DD78D-084E-44BB-95B2-65781CA7A531}" type="pres">
-      <dgm:prSet presAssocID="{258A11A1-AFD8-47D2-BC45-8BBE869DEB52}" presName="text0" presStyleLbl="node1" presStyleIdx="1" presStyleCnt="8" custScaleX="177138" custScaleY="177138" custRadScaleRad="271822" custRadScaleInc="-284248">
+      <dgm:prSet presAssocID="{258A11A1-AFD8-47D2-BC45-8BBE869DEB52}" presName="text0" presStyleLbl="node1" presStyleIdx="1" presStyleCnt="8" custScaleX="221423" custScaleY="221423" custRadScaleRad="260953" custRadScaleInc="-286487">
         <dgm:presLayoutVars>
           <dgm:bulletEnabled val="1"/>
         </dgm:presLayoutVars>
@@ -12095,7 +12144,7 @@
       </dgm:t>
     </dgm:pt>
     <dgm:pt modelId="{24EC1B40-97B8-4A97-A728-C57093596661}" type="pres">
-      <dgm:prSet presAssocID="{EC1AF752-7BDE-4D7F-BBE3-D620E8B4D26C}" presName="text0" presStyleLbl="node1" presStyleIdx="2" presStyleCnt="8" custScaleX="177138" custScaleY="177138" custRadScaleRad="270700" custRadScaleInc="212585">
+      <dgm:prSet presAssocID="{EC1AF752-7BDE-4D7F-BBE3-D620E8B4D26C}" presName="text0" presStyleLbl="node1" presStyleIdx="2" presStyleCnt="8" custScaleX="199281" custScaleY="199281" custRadScaleRad="270700" custRadScaleInc="212585">
         <dgm:presLayoutVars>
           <dgm:bulletEnabled val="1"/>
         </dgm:presLayoutVars>
@@ -12121,7 +12170,7 @@
       </dgm:t>
     </dgm:pt>
     <dgm:pt modelId="{D5C3917E-2284-4E85-847C-82C5C871E472}" type="pres">
-      <dgm:prSet presAssocID="{1D3FBEC9-571B-458F-ACA0-2710242E71A4}" presName="text0" presStyleLbl="node1" presStyleIdx="3" presStyleCnt="8" custScaleX="177138" custScaleY="177138" custRadScaleRad="151361" custRadScaleInc="-629414">
+      <dgm:prSet presAssocID="{1D3FBEC9-571B-458F-ACA0-2710242E71A4}" presName="text0" presStyleLbl="node1" presStyleIdx="3" presStyleCnt="8" custScaleX="221423" custScaleY="221423" custRadScaleRad="151361" custRadScaleInc="-629414">
         <dgm:presLayoutVars>
           <dgm:bulletEnabled val="1"/>
         </dgm:presLayoutVars>
@@ -12147,7 +12196,7 @@
       </dgm:t>
     </dgm:pt>
     <dgm:pt modelId="{76784C24-975E-4373-9AB0-0D36214A64F1}" type="pres">
-      <dgm:prSet presAssocID="{04A48D68-CC72-4B7D-B019-6E9B41D34E99}" presName="text0" presStyleLbl="node1" presStyleIdx="4" presStyleCnt="8" custScaleX="177138" custScaleY="177138" custRadScaleRad="150700" custRadScaleInc="-365952">
+      <dgm:prSet presAssocID="{04A48D68-CC72-4B7D-B019-6E9B41D34E99}" presName="text0" presStyleLbl="node1" presStyleIdx="4" presStyleCnt="8" custScaleX="221423" custScaleY="221423" custRadScaleRad="150700" custRadScaleInc="-365952">
         <dgm:presLayoutVars>
           <dgm:bulletEnabled val="1"/>
         </dgm:presLayoutVars>
@@ -12173,7 +12222,7 @@
       </dgm:t>
     </dgm:pt>
     <dgm:pt modelId="{635D6D0E-E44D-465D-9B55-5006A2372644}" type="pres">
-      <dgm:prSet presAssocID="{CC6EFFBD-D857-44D8-A554-1C53B719B6DA}" presName="text0" presStyleLbl="node1" presStyleIdx="5" presStyleCnt="8" custScaleX="177138" custScaleY="177138" custRadScaleRad="74931" custRadScaleInc="600029">
+      <dgm:prSet presAssocID="{CC6EFFBD-D857-44D8-A554-1C53B719B6DA}" presName="text0" presStyleLbl="node1" presStyleIdx="5" presStyleCnt="8" custScaleX="221423" custScaleY="221423" custRadScaleRad="74931" custRadScaleInc="600029">
         <dgm:presLayoutVars>
           <dgm:bulletEnabled val="1"/>
         </dgm:presLayoutVars>
@@ -12199,7 +12248,7 @@
       </dgm:t>
     </dgm:pt>
     <dgm:pt modelId="{EF6A00EF-2BA3-4AAD-B69B-A8E8767F6738}" type="pres">
-      <dgm:prSet presAssocID="{1B13CC71-181F-4215-A78C-EB5B97876B1E}" presName="text0" presStyleLbl="node1" presStyleIdx="6" presStyleCnt="8" custScaleX="177138" custScaleY="177138" custRadScaleRad="270670" custRadScaleInc="687500">
+      <dgm:prSet presAssocID="{1B13CC71-181F-4215-A78C-EB5B97876B1E}" presName="text0" presStyleLbl="node1" presStyleIdx="6" presStyleCnt="8" custScaleX="221423" custScaleY="221423" custRadScaleRad="270670" custRadScaleInc="687500">
         <dgm:presLayoutVars>
           <dgm:bulletEnabled val="1"/>
         </dgm:presLayoutVars>
@@ -12225,7 +12274,7 @@
       </dgm:t>
     </dgm:pt>
     <dgm:pt modelId="{E52EBD27-2BBA-443B-88B4-D24ED2FDCF9F}" type="pres">
-      <dgm:prSet presAssocID="{4F6FE085-77EF-4A9A-B8EE-81CB77FA60C6}" presName="text0" presStyleLbl="node1" presStyleIdx="7" presStyleCnt="8" custScaleX="177138" custScaleY="177138" custRadScaleRad="270460" custRadScaleInc="-211954">
+      <dgm:prSet presAssocID="{4F6FE085-77EF-4A9A-B8EE-81CB77FA60C6}" presName="text0" presStyleLbl="node1" presStyleIdx="7" presStyleCnt="8" custScaleX="199281" custScaleY="199281" custRadScaleRad="270460" custRadScaleInc="-211954">
         <dgm:presLayoutVars>
           <dgm:bulletEnabled val="1"/>
         </dgm:presLayoutVars>
@@ -12250,9 +12299,11 @@
     <dgm:cxn modelId="{387408DC-5588-4A36-8421-958F33884D48}" srcId="{854A1BCD-286B-4DA3-949B-D8FB85C0D014}" destId="{1D3FBEC9-571B-458F-ACA0-2710242E71A4}" srcOrd="2" destOrd="0" parTransId="{96897B08-3730-437B-BBBF-A34ED6D96B87}" sibTransId="{1881E3BC-8B21-47AD-834A-9C36C92986B6}"/>
     <dgm:cxn modelId="{ECCE758F-4761-4107-8EAA-6A1AF38863BD}" type="presOf" srcId="{CC6EFFBD-D857-44D8-A554-1C53B719B6DA}" destId="{635D6D0E-E44D-465D-9B55-5006A2372644}" srcOrd="0" destOrd="0" presId="urn:microsoft.com/office/officeart/2008/layout/RadialCluster"/>
     <dgm:cxn modelId="{E2950397-7973-45B7-9A8A-B5287CF7676E}" type="presOf" srcId="{258A11A1-AFD8-47D2-BC45-8BBE869DEB52}" destId="{F29DD78D-084E-44BB-95B2-65781CA7A531}" srcOrd="0" destOrd="0" presId="urn:microsoft.com/office/officeart/2008/layout/RadialCluster"/>
+    <dgm:cxn modelId="{AB3E74F2-0C2A-4826-B8AA-8A07A9C78D6E}" srcId="{4E1389FE-DC0E-4066-92F3-3CCEB251EAFB}" destId="{16834BD0-903A-491A-B614-DAEC43CD34C4}" srcOrd="1" destOrd="0" parTransId="{FDBAF1A6-96B3-4D87-9255-1D435C47287A}" sibTransId="{EDF67906-1657-4D7D-9BA3-CBF46E666BB7}"/>
     <dgm:cxn modelId="{ACC19EC5-2801-4EFF-A589-088C61DC03E2}" type="presOf" srcId="{1B13CC71-181F-4215-A78C-EB5B97876B1E}" destId="{EF6A00EF-2BA3-4AAD-B69B-A8E8767F6738}" srcOrd="0" destOrd="0" presId="urn:microsoft.com/office/officeart/2008/layout/RadialCluster"/>
     <dgm:cxn modelId="{23172C1A-FF43-4712-A764-5DF55D8ECD91}" type="presOf" srcId="{854A1BCD-286B-4DA3-949B-D8FB85C0D014}" destId="{628E21F9-F946-457A-B5D6-7107E4B5B54D}" srcOrd="0" destOrd="0" presId="urn:microsoft.com/office/officeart/2008/layout/RadialCluster"/>
     <dgm:cxn modelId="{8150D778-0444-4BA5-9CA0-483EB123B395}" type="presOf" srcId="{4A4C6070-4A61-47AA-8ABA-32229F0F8F3A}" destId="{65390B38-AF76-4E62-872B-309581DF08C7}" srcOrd="0" destOrd="0" presId="urn:microsoft.com/office/officeart/2008/layout/RadialCluster"/>
+    <dgm:cxn modelId="{A00AE92B-4DAF-4CF4-A42F-4A86D7D20F10}" srcId="{4E1389FE-DC0E-4066-92F3-3CCEB251EAFB}" destId="{B92F1436-31AC-427D-90A4-29F7F626A386}" srcOrd="2" destOrd="0" parTransId="{9CA78D7A-9F67-44F0-A144-58E6C8358DCE}" sibTransId="{770411BB-2E35-45A1-95AF-03D7B635D87F}"/>
     <dgm:cxn modelId="{9259EE65-3344-4279-B2DE-CD2D0F3E076D}" srcId="{854A1BCD-286B-4DA3-949B-D8FB85C0D014}" destId="{CC6EFFBD-D857-44D8-A554-1C53B719B6DA}" srcOrd="4" destOrd="0" parTransId="{2E57BB01-68FA-4D0D-8C7A-B42E79CEB108}" sibTransId="{D0BC1636-D907-4B63-ACD9-B489EF98EBA4}"/>
     <dgm:cxn modelId="{A65AEC00-A92B-45EA-B572-F456BD1979A4}" type="presOf" srcId="{4E1389FE-DC0E-4066-92F3-3CCEB251EAFB}" destId="{4D30D1BA-01EB-42FE-A7D6-8969C3AB4CB0}" srcOrd="0" destOrd="0" presId="urn:microsoft.com/office/officeart/2008/layout/RadialCluster"/>
     <dgm:cxn modelId="{CC4FE5FD-B7C9-40BA-872B-498CE774840A}" srcId="{4E1389FE-DC0E-4066-92F3-3CCEB251EAFB}" destId="{854A1BCD-286B-4DA3-949B-D8FB85C0D014}" srcOrd="0" destOrd="0" parTransId="{86863718-AB7B-421A-B53D-D29B3222815B}" sibTransId="{48FE42EB-D914-4DC9-BA5F-17D664563849}"/>
@@ -12283,7 +12334,13 @@
     <dgm:cxn modelId="{ABBCF2C9-EFD4-466D-AE23-B1B1821030AC}" type="presParOf" srcId="{5E52D266-CB75-4768-8AAD-3E1F25AADB5A}" destId="{E52EBD27-2BBA-443B-88B4-D24ED2FDCF9F}" srcOrd="14" destOrd="0" presId="urn:microsoft.com/office/officeart/2008/layout/RadialCluster"/>
   </dgm:cxnLst>
   <dgm:bg/>
-  <dgm:whole/>
+  <dgm:whole>
+    <a:ln>
+      <a:solidFill>
+        <a:scrgbClr r="0" g="0" b="0"/>
+      </a:solidFill>
+    </a:ln>
+  </dgm:whole>
   <dgm:extLst>
     <a:ext uri="http://schemas.microsoft.com/office/drawing/2008/diagram">
       <dsp:dataModelExt xmlns:dsp="http://schemas.microsoft.com/office/drawing/2008/diagram" relId="rId6" minVer="http://schemas.openxmlformats.org/drawingml/2006/diagram"/>
@@ -15931,6 +15988,973 @@
       <dsp:cNvGrpSpPr/>
     </dsp:nvGrpSpPr>
     <dsp:grpSpPr/>
+    <dsp:sp modelId="{628E21F9-F946-457A-B5D6-7107E4B5B54D}">
+      <dsp:nvSpPr>
+        <dsp:cNvPr id="0" name=""/>
+        <dsp:cNvSpPr/>
+      </dsp:nvSpPr>
+      <dsp:spPr>
+        <a:xfrm>
+          <a:off x="4036819" y="2064394"/>
+          <a:ext cx="1980003" cy="1980003"/>
+        </a:xfrm>
+        <a:prstGeom prst="roundRect">
+          <a:avLst/>
+        </a:prstGeom>
+        <a:solidFill>
+          <a:schemeClr val="accent1">
+            <a:hueOff val="0"/>
+            <a:satOff val="0"/>
+            <a:lumOff val="0"/>
+            <a:alphaOff val="0"/>
+          </a:schemeClr>
+        </a:solidFill>
+        <a:ln w="15875" cap="flat" cmpd="sng" algn="ctr">
+          <a:solidFill>
+            <a:schemeClr val="lt1">
+              <a:hueOff val="0"/>
+              <a:satOff val="0"/>
+              <a:lumOff val="0"/>
+              <a:alphaOff val="0"/>
+            </a:schemeClr>
+          </a:solidFill>
+          <a:prstDash val="solid"/>
+        </a:ln>
+        <a:effectLst/>
+      </dsp:spPr>
+      <dsp:style>
+        <a:lnRef idx="2">
+          <a:scrgbClr r="0" g="0" b="0"/>
+        </a:lnRef>
+        <a:fillRef idx="1">
+          <a:scrgbClr r="0" g="0" b="0"/>
+        </a:fillRef>
+        <a:effectRef idx="0">
+          <a:scrgbClr r="0" g="0" b="0"/>
+        </a:effectRef>
+        <a:fontRef idx="minor">
+          <a:schemeClr val="lt1"/>
+        </a:fontRef>
+      </dsp:style>
+      <dsp:txBody>
+        <a:bodyPr spcFirstLastPara="0" vert="horz" wrap="square" lIns="101600" tIns="101600" rIns="101600" bIns="101600" numCol="1" spcCol="1270" anchor="t" anchorCtr="0">
+          <a:noAutofit/>
+        </a:bodyPr>
+        <a:lstStyle/>
+        <a:p>
+          <a:pPr lvl="0" algn="ctr" defTabSz="1778000">
+            <a:lnSpc>
+              <a:spcPct val="90000"/>
+            </a:lnSpc>
+            <a:spcBef>
+              <a:spcPct val="0"/>
+            </a:spcBef>
+            <a:spcAft>
+              <a:spcPct val="35000"/>
+            </a:spcAft>
+          </a:pPr>
+          <a:r>
+            <a:rPr lang="en-US" sz="4000" b="1" kern="1200" dirty="0" smtClean="0"/>
+            <a:t>SearchEngine</a:t>
+          </a:r>
+          <a:endParaRPr lang="ru-RU" sz="4000" b="1" kern="1200" dirty="0"/>
+        </a:p>
+      </dsp:txBody>
+      <dsp:txXfrm>
+        <a:off x="4133475" y="2161050"/>
+        <a:ext cx="1786691" cy="1786691"/>
+      </dsp:txXfrm>
+    </dsp:sp>
+    <dsp:sp modelId="{667DE06D-C223-4C57-8F2C-DDC107791A47}">
+      <dsp:nvSpPr>
+        <dsp:cNvPr id="0" name=""/>
+        <dsp:cNvSpPr/>
+      </dsp:nvSpPr>
+      <dsp:spPr>
+        <a:xfrm rot="12461567">
+          <a:off x="1655316" y="1947794"/>
+          <a:ext cx="2526187" cy="0"/>
+        </a:xfrm>
+        <a:custGeom>
+          <a:avLst/>
+          <a:gdLst/>
+          <a:ahLst/>
+          <a:cxnLst/>
+          <a:rect l="0" t="0" r="0" b="0"/>
+          <a:pathLst>
+            <a:path>
+              <a:moveTo>
+                <a:pt x="0" y="0"/>
+              </a:moveTo>
+              <a:lnTo>
+                <a:pt x="2526187" y="0"/>
+              </a:lnTo>
+            </a:path>
+          </a:pathLst>
+        </a:custGeom>
+        <a:noFill/>
+        <a:ln w="15875" cap="flat" cmpd="sng" algn="ctr">
+          <a:solidFill>
+            <a:scrgbClr r="0" g="0" b="0"/>
+          </a:solidFill>
+          <a:prstDash val="solid"/>
+          <a:headEnd type="none"/>
+          <a:tailEnd type="triangle"/>
+        </a:ln>
+        <a:effectLst/>
+      </dsp:spPr>
+      <dsp:style>
+        <a:lnRef idx="2">
+          <a:scrgbClr r="0" g="0" b="0"/>
+        </a:lnRef>
+        <a:fillRef idx="0">
+          <a:scrgbClr r="0" g="0" b="0"/>
+        </a:fillRef>
+        <a:effectRef idx="0">
+          <a:scrgbClr r="0" g="0" b="0"/>
+        </a:effectRef>
+        <a:fontRef idx="minor"/>
+      </dsp:style>
+    </dsp:sp>
+    <dsp:sp modelId="{F29DD78D-084E-44BB-95B2-65781CA7A531}">
+      <dsp:nvSpPr>
+        <dsp:cNvPr id="0" name=""/>
+        <dsp:cNvSpPr/>
+      </dsp:nvSpPr>
+      <dsp:spPr>
+        <a:xfrm>
+          <a:off x="0" y="-11570"/>
+          <a:ext cx="1800000" cy="1800000"/>
+        </a:xfrm>
+        <a:prstGeom prst="roundRect">
+          <a:avLst/>
+        </a:prstGeom>
+        <a:solidFill>
+          <a:schemeClr val="accent1">
+            <a:hueOff val="0"/>
+            <a:satOff val="0"/>
+            <a:lumOff val="0"/>
+            <a:alphaOff val="0"/>
+          </a:schemeClr>
+        </a:solidFill>
+        <a:ln w="15875" cap="flat" cmpd="sng" algn="ctr">
+          <a:solidFill>
+            <a:schemeClr val="lt1">
+              <a:hueOff val="0"/>
+              <a:satOff val="0"/>
+              <a:lumOff val="0"/>
+              <a:alphaOff val="0"/>
+            </a:schemeClr>
+          </a:solidFill>
+          <a:prstDash val="solid"/>
+        </a:ln>
+        <a:effectLst/>
+      </dsp:spPr>
+      <dsp:style>
+        <a:lnRef idx="2">
+          <a:scrgbClr r="0" g="0" b="0"/>
+        </a:lnRef>
+        <a:fillRef idx="1">
+          <a:scrgbClr r="0" g="0" b="0"/>
+        </a:fillRef>
+        <a:effectRef idx="0">
+          <a:scrgbClr r="0" g="0" b="0"/>
+        </a:effectRef>
+        <a:fontRef idx="minor">
+          <a:schemeClr val="lt1"/>
+        </a:fontRef>
+      </dsp:style>
+      <dsp:txBody>
+        <a:bodyPr spcFirstLastPara="0" vert="horz" wrap="square" lIns="50800" tIns="50800" rIns="50800" bIns="50800" numCol="1" spcCol="1270" anchor="t" anchorCtr="0">
+          <a:noAutofit/>
+        </a:bodyPr>
+        <a:lstStyle/>
+        <a:p>
+          <a:pPr lvl="0" algn="ctr" defTabSz="889000">
+            <a:lnSpc>
+              <a:spcPct val="90000"/>
+            </a:lnSpc>
+            <a:spcBef>
+              <a:spcPct val="0"/>
+            </a:spcBef>
+            <a:spcAft>
+              <a:spcPct val="35000"/>
+            </a:spcAft>
+          </a:pPr>
+          <a:r>
+            <a:rPr lang="en-US" sz="2000" b="1" kern="1200" dirty="0" smtClean="0"/>
+            <a:t>ConverterJSON </a:t>
+          </a:r>
+          <a:endParaRPr lang="ru-RU" sz="2000" b="1" kern="1200" dirty="0"/>
+        </a:p>
+      </dsp:txBody>
+      <dsp:txXfrm>
+        <a:off x="87869" y="76299"/>
+        <a:ext cx="1624262" cy="1624262"/>
+      </dsp:txXfrm>
+    </dsp:sp>
+    <dsp:sp modelId="{65390B38-AF76-4E62-872B-309581DF08C7}">
+      <dsp:nvSpPr>
+        <dsp:cNvPr id="0" name=""/>
+        <dsp:cNvSpPr/>
+      </dsp:nvSpPr>
+      <dsp:spPr>
+        <a:xfrm rot="146502">
+          <a:off x="6015723" y="3148234"/>
+          <a:ext cx="2423456" cy="0"/>
+        </a:xfrm>
+        <a:custGeom>
+          <a:avLst/>
+          <a:gdLst/>
+          <a:ahLst/>
+          <a:cxnLst/>
+          <a:rect l="0" t="0" r="0" b="0"/>
+          <a:pathLst>
+            <a:path>
+              <a:moveTo>
+                <a:pt x="0" y="0"/>
+              </a:moveTo>
+              <a:lnTo>
+                <a:pt x="2423456" y="0"/>
+              </a:lnTo>
+            </a:path>
+          </a:pathLst>
+        </a:custGeom>
+        <a:noFill/>
+        <a:ln w="15875" cap="flat" cmpd="sng" algn="ctr">
+          <a:solidFill>
+            <a:scrgbClr r="0" g="0" b="0"/>
+          </a:solidFill>
+          <a:prstDash val="solid"/>
+          <a:tailEnd type="triangle"/>
+        </a:ln>
+        <a:effectLst/>
+      </dsp:spPr>
+      <dsp:style>
+        <a:lnRef idx="2">
+          <a:scrgbClr r="0" g="0" b="0"/>
+        </a:lnRef>
+        <a:fillRef idx="0">
+          <a:scrgbClr r="0" g="0" b="0"/>
+        </a:fillRef>
+        <a:effectRef idx="0">
+          <a:scrgbClr r="0" g="0" b="0"/>
+        </a:effectRef>
+        <a:fontRef idx="minor"/>
+      </dsp:style>
+    </dsp:sp>
+    <dsp:sp modelId="{24EC1B40-97B8-4A97-A728-C57093596661}">
+      <dsp:nvSpPr>
+        <dsp:cNvPr id="0" name=""/>
+        <dsp:cNvSpPr/>
+      </dsp:nvSpPr>
+      <dsp:spPr>
+        <a:xfrm>
+          <a:off x="8438079" y="2424394"/>
+          <a:ext cx="1620003" cy="1620003"/>
+        </a:xfrm>
+        <a:prstGeom prst="roundRect">
+          <a:avLst/>
+        </a:prstGeom>
+        <a:solidFill>
+          <a:schemeClr val="accent1">
+            <a:hueOff val="0"/>
+            <a:satOff val="0"/>
+            <a:lumOff val="0"/>
+            <a:alphaOff val="0"/>
+          </a:schemeClr>
+        </a:solidFill>
+        <a:ln w="15875" cap="flat" cmpd="sng" algn="ctr">
+          <a:solidFill>
+            <a:schemeClr val="lt1">
+              <a:hueOff val="0"/>
+              <a:satOff val="0"/>
+              <a:lumOff val="0"/>
+              <a:alphaOff val="0"/>
+            </a:schemeClr>
+          </a:solidFill>
+          <a:prstDash val="solid"/>
+        </a:ln>
+        <a:effectLst/>
+      </dsp:spPr>
+      <dsp:style>
+        <a:lnRef idx="2">
+          <a:scrgbClr r="0" g="0" b="0"/>
+        </a:lnRef>
+        <a:fillRef idx="1">
+          <a:scrgbClr r="0" g="0" b="0"/>
+        </a:fillRef>
+        <a:effectRef idx="0">
+          <a:scrgbClr r="0" g="0" b="0"/>
+        </a:effectRef>
+        <a:fontRef idx="minor">
+          <a:schemeClr val="lt1"/>
+        </a:fontRef>
+      </dsp:style>
+      <dsp:txBody>
+        <a:bodyPr spcFirstLastPara="0" vert="horz" wrap="square" lIns="50800" tIns="50800" rIns="50800" bIns="50800" numCol="1" spcCol="1270" anchor="t" anchorCtr="0">
+          <a:noAutofit/>
+        </a:bodyPr>
+        <a:lstStyle/>
+        <a:p>
+          <a:pPr lvl="0" algn="ctr" defTabSz="889000">
+            <a:lnSpc>
+              <a:spcPct val="90000"/>
+            </a:lnSpc>
+            <a:spcBef>
+              <a:spcPct val="0"/>
+            </a:spcBef>
+            <a:spcAft>
+              <a:spcPct val="35000"/>
+            </a:spcAft>
+          </a:pPr>
+          <a:r>
+            <a:rPr lang="en-US" sz="2000" b="1" kern="1200" dirty="0" err="1" smtClean="0"/>
+            <a:t>DispatcherOperations</a:t>
+          </a:r>
+          <a:endParaRPr lang="ru-RU" sz="2000" b="1" kern="1200" dirty="0"/>
+        </a:p>
+      </dsp:txBody>
+      <dsp:txXfrm>
+        <a:off x="8517161" y="2503476"/>
+        <a:ext cx="1461839" cy="1461839"/>
+      </dsp:txXfrm>
+    </dsp:sp>
+    <dsp:sp modelId="{8F086A69-6FE7-48AB-8D4E-831F6AAADB3F}">
+      <dsp:nvSpPr>
+        <dsp:cNvPr id="0" name=""/>
+        <dsp:cNvSpPr/>
+      </dsp:nvSpPr>
+      <dsp:spPr>
+        <a:xfrm rot="13505717">
+          <a:off x="3721704" y="1932197"/>
+          <a:ext cx="373288" cy="0"/>
+        </a:xfrm>
+        <a:custGeom>
+          <a:avLst/>
+          <a:gdLst/>
+          <a:ahLst/>
+          <a:cxnLst/>
+          <a:rect l="0" t="0" r="0" b="0"/>
+          <a:pathLst>
+            <a:path>
+              <a:moveTo>
+                <a:pt x="0" y="0"/>
+              </a:moveTo>
+              <a:lnTo>
+                <a:pt x="373288" y="0"/>
+              </a:lnTo>
+            </a:path>
+          </a:pathLst>
+        </a:custGeom>
+        <a:noFill/>
+        <a:ln w="15875" cap="flat" cmpd="sng" algn="ctr">
+          <a:solidFill>
+            <a:scrgbClr r="0" g="0" b="0"/>
+          </a:solidFill>
+          <a:prstDash val="solid"/>
+          <a:tailEnd type="triangle"/>
+        </a:ln>
+        <a:effectLst/>
+      </dsp:spPr>
+      <dsp:style>
+        <a:lnRef idx="2">
+          <a:scrgbClr r="0" g="0" b="0"/>
+        </a:lnRef>
+        <a:fillRef idx="0">
+          <a:scrgbClr r="0" g="0" b="0"/>
+        </a:fillRef>
+        <a:effectRef idx="0">
+          <a:scrgbClr r="0" g="0" b="0"/>
+        </a:effectRef>
+        <a:fontRef idx="minor"/>
+      </dsp:style>
+    </dsp:sp>
+    <dsp:sp modelId="{D5C3917E-2284-4E85-847C-82C5C871E472}">
+      <dsp:nvSpPr>
+        <dsp:cNvPr id="0" name=""/>
+        <dsp:cNvSpPr/>
+      </dsp:nvSpPr>
+      <dsp:spPr>
+        <a:xfrm>
+          <a:off x="1979578" y="0"/>
+          <a:ext cx="1800000" cy="1800000"/>
+        </a:xfrm>
+        <a:prstGeom prst="roundRect">
+          <a:avLst/>
+        </a:prstGeom>
+        <a:solidFill>
+          <a:schemeClr val="accent1">
+            <a:hueOff val="0"/>
+            <a:satOff val="0"/>
+            <a:lumOff val="0"/>
+            <a:alphaOff val="0"/>
+          </a:schemeClr>
+        </a:solidFill>
+        <a:ln w="15875" cap="flat" cmpd="sng" algn="ctr">
+          <a:solidFill>
+            <a:schemeClr val="lt1">
+              <a:hueOff val="0"/>
+              <a:satOff val="0"/>
+              <a:lumOff val="0"/>
+              <a:alphaOff val="0"/>
+            </a:schemeClr>
+          </a:solidFill>
+          <a:prstDash val="solid"/>
+        </a:ln>
+        <a:effectLst/>
+      </dsp:spPr>
+      <dsp:style>
+        <a:lnRef idx="2">
+          <a:scrgbClr r="0" g="0" b="0"/>
+        </a:lnRef>
+        <a:fillRef idx="1">
+          <a:scrgbClr r="0" g="0" b="0"/>
+        </a:fillRef>
+        <a:effectRef idx="0">
+          <a:scrgbClr r="0" g="0" b="0"/>
+        </a:effectRef>
+        <a:fontRef idx="minor">
+          <a:schemeClr val="lt1"/>
+        </a:fontRef>
+      </dsp:style>
+      <dsp:txBody>
+        <a:bodyPr spcFirstLastPara="0" vert="horz" wrap="square" lIns="50800" tIns="50800" rIns="50800" bIns="50800" numCol="1" spcCol="1270" anchor="t" anchorCtr="0">
+          <a:noAutofit/>
+        </a:bodyPr>
+        <a:lstStyle/>
+        <a:p>
+          <a:pPr lvl="0" algn="ctr" defTabSz="889000">
+            <a:lnSpc>
+              <a:spcPct val="90000"/>
+            </a:lnSpc>
+            <a:spcBef>
+              <a:spcPct val="0"/>
+            </a:spcBef>
+            <a:spcAft>
+              <a:spcPct val="35000"/>
+            </a:spcAft>
+          </a:pPr>
+          <a:r>
+            <a:rPr lang="en-US" sz="2000" b="1" kern="1200" dirty="0" smtClean="0"/>
+            <a:t>Documents </a:t>
+          </a:r>
+          <a:endParaRPr lang="ru-RU" sz="2000" b="1" kern="1200" dirty="0"/>
+        </a:p>
+      </dsp:txBody>
+      <dsp:txXfrm>
+        <a:off x="2067447" y="87869"/>
+        <a:ext cx="1624262" cy="1624262"/>
+      </dsp:txXfrm>
+    </dsp:sp>
+    <dsp:sp modelId="{1503B29C-C796-4217-A6E0-D8D0E4C12287}">
+      <dsp:nvSpPr>
+        <dsp:cNvPr id="0" name=""/>
+        <dsp:cNvSpPr/>
+      </dsp:nvSpPr>
+      <dsp:spPr>
+        <a:xfrm rot="18911281">
+          <a:off x="5959770" y="1932491"/>
+          <a:ext cx="392685" cy="0"/>
+        </a:xfrm>
+        <a:custGeom>
+          <a:avLst/>
+          <a:gdLst/>
+          <a:ahLst/>
+          <a:cxnLst/>
+          <a:rect l="0" t="0" r="0" b="0"/>
+          <a:pathLst>
+            <a:path>
+              <a:moveTo>
+                <a:pt x="0" y="0"/>
+              </a:moveTo>
+              <a:lnTo>
+                <a:pt x="392685" y="0"/>
+              </a:lnTo>
+            </a:path>
+          </a:pathLst>
+        </a:custGeom>
+        <a:noFill/>
+        <a:ln w="15875" cap="flat" cmpd="sng" algn="ctr">
+          <a:solidFill>
+            <a:scrgbClr r="0" g="0" b="0"/>
+          </a:solidFill>
+          <a:prstDash val="solid"/>
+          <a:tailEnd type="triangle"/>
+        </a:ln>
+        <a:effectLst/>
+      </dsp:spPr>
+      <dsp:style>
+        <a:lnRef idx="2">
+          <a:scrgbClr r="0" g="0" b="0"/>
+        </a:lnRef>
+        <a:fillRef idx="0">
+          <a:scrgbClr r="0" g="0" b="0"/>
+        </a:fillRef>
+        <a:effectRef idx="0">
+          <a:scrgbClr r="0" g="0" b="0"/>
+        </a:effectRef>
+        <a:fontRef idx="minor"/>
+      </dsp:style>
+    </dsp:sp>
+    <dsp:sp modelId="{76784C24-975E-4373-9AB0-0D36214A64F1}">
+      <dsp:nvSpPr>
+        <dsp:cNvPr id="0" name=""/>
+        <dsp:cNvSpPr/>
+      </dsp:nvSpPr>
+      <dsp:spPr>
+        <a:xfrm>
+          <a:off x="6295403" y="0"/>
+          <a:ext cx="1800000" cy="1800000"/>
+        </a:xfrm>
+        <a:prstGeom prst="roundRect">
+          <a:avLst/>
+        </a:prstGeom>
+        <a:solidFill>
+          <a:schemeClr val="accent1">
+            <a:hueOff val="0"/>
+            <a:satOff val="0"/>
+            <a:lumOff val="0"/>
+            <a:alphaOff val="0"/>
+          </a:schemeClr>
+        </a:solidFill>
+        <a:ln w="15875" cap="flat" cmpd="sng" algn="ctr">
+          <a:solidFill>
+            <a:schemeClr val="lt1">
+              <a:hueOff val="0"/>
+              <a:satOff val="0"/>
+              <a:lumOff val="0"/>
+              <a:alphaOff val="0"/>
+            </a:schemeClr>
+          </a:solidFill>
+          <a:prstDash val="solid"/>
+        </a:ln>
+        <a:effectLst/>
+      </dsp:spPr>
+      <dsp:style>
+        <a:lnRef idx="2">
+          <a:scrgbClr r="0" g="0" b="0"/>
+        </a:lnRef>
+        <a:fillRef idx="1">
+          <a:scrgbClr r="0" g="0" b="0"/>
+        </a:fillRef>
+        <a:effectRef idx="0">
+          <a:scrgbClr r="0" g="0" b="0"/>
+        </a:effectRef>
+        <a:fontRef idx="minor">
+          <a:schemeClr val="lt1"/>
+        </a:fontRef>
+      </dsp:style>
+      <dsp:txBody>
+        <a:bodyPr spcFirstLastPara="0" vert="horz" wrap="square" lIns="50800" tIns="50800" rIns="50800" bIns="50800" numCol="1" spcCol="1270" anchor="t" anchorCtr="0">
+          <a:noAutofit/>
+        </a:bodyPr>
+        <a:lstStyle/>
+        <a:p>
+          <a:pPr lvl="0" algn="ctr" defTabSz="889000">
+            <a:lnSpc>
+              <a:spcPct val="90000"/>
+            </a:lnSpc>
+            <a:spcBef>
+              <a:spcPct val="0"/>
+            </a:spcBef>
+            <a:spcAft>
+              <a:spcPct val="35000"/>
+            </a:spcAft>
+          </a:pPr>
+          <a:r>
+            <a:rPr lang="ru-RU" sz="2000" b="1" kern="1200" dirty="0" smtClean="0"/>
+            <a:t>Requests </a:t>
+          </a:r>
+          <a:endParaRPr lang="ru-RU" sz="2000" b="1" kern="1200" dirty="0"/>
+        </a:p>
+      </dsp:txBody>
+      <dsp:txXfrm>
+        <a:off x="6383272" y="87869"/>
+        <a:ext cx="1624262" cy="1624262"/>
+      </dsp:txXfrm>
+    </dsp:sp>
+    <dsp:sp modelId="{B23D5C2B-B6D2-4298-9DAF-A69442F1C2D7}">
+      <dsp:nvSpPr>
+        <dsp:cNvPr id="0" name=""/>
+        <dsp:cNvSpPr/>
+      </dsp:nvSpPr>
+      <dsp:spPr>
+        <a:xfrm rot="16203801">
+          <a:off x="4895865" y="1932197"/>
+          <a:ext cx="264393" cy="0"/>
+        </a:xfrm>
+        <a:custGeom>
+          <a:avLst/>
+          <a:gdLst/>
+          <a:ahLst/>
+          <a:cxnLst/>
+          <a:rect l="0" t="0" r="0" b="0"/>
+          <a:pathLst>
+            <a:path>
+              <a:moveTo>
+                <a:pt x="0" y="0"/>
+              </a:moveTo>
+              <a:lnTo>
+                <a:pt x="264393" y="0"/>
+              </a:lnTo>
+            </a:path>
+          </a:pathLst>
+        </a:custGeom>
+        <a:noFill/>
+        <a:ln w="15875" cap="flat" cmpd="sng" algn="ctr">
+          <a:solidFill>
+            <a:scrgbClr r="0" g="0" b="0"/>
+          </a:solidFill>
+          <a:prstDash val="solid"/>
+          <a:tailEnd type="triangle"/>
+        </a:ln>
+        <a:effectLst/>
+      </dsp:spPr>
+      <dsp:style>
+        <a:lnRef idx="2">
+          <a:scrgbClr r="0" g="0" b="0"/>
+        </a:lnRef>
+        <a:fillRef idx="0">
+          <a:scrgbClr r="0" g="0" b="0"/>
+        </a:fillRef>
+        <a:effectRef idx="0">
+          <a:scrgbClr r="0" g="0" b="0"/>
+        </a:effectRef>
+        <a:fontRef idx="minor"/>
+      </dsp:style>
+    </dsp:sp>
+    <dsp:sp modelId="{635D6D0E-E44D-465D-9B55-5006A2372644}">
+      <dsp:nvSpPr>
+        <dsp:cNvPr id="0" name=""/>
+        <dsp:cNvSpPr/>
+      </dsp:nvSpPr>
+      <dsp:spPr>
+        <a:xfrm>
+          <a:off x="4129202" y="0"/>
+          <a:ext cx="1800000" cy="1800000"/>
+        </a:xfrm>
+        <a:prstGeom prst="roundRect">
+          <a:avLst/>
+        </a:prstGeom>
+        <a:solidFill>
+          <a:schemeClr val="accent1">
+            <a:hueOff val="0"/>
+            <a:satOff val="0"/>
+            <a:lumOff val="0"/>
+            <a:alphaOff val="0"/>
+          </a:schemeClr>
+        </a:solidFill>
+        <a:ln w="15875" cap="flat" cmpd="sng" algn="ctr">
+          <a:solidFill>
+            <a:schemeClr val="lt1">
+              <a:hueOff val="0"/>
+              <a:satOff val="0"/>
+              <a:lumOff val="0"/>
+              <a:alphaOff val="0"/>
+            </a:schemeClr>
+          </a:solidFill>
+          <a:prstDash val="solid"/>
+        </a:ln>
+        <a:effectLst/>
+      </dsp:spPr>
+      <dsp:style>
+        <a:lnRef idx="2">
+          <a:scrgbClr r="0" g="0" b="0"/>
+        </a:lnRef>
+        <a:fillRef idx="1">
+          <a:scrgbClr r="0" g="0" b="0"/>
+        </a:fillRef>
+        <a:effectRef idx="0">
+          <a:scrgbClr r="0" g="0" b="0"/>
+        </a:effectRef>
+        <a:fontRef idx="minor">
+          <a:schemeClr val="lt1"/>
+        </a:fontRef>
+      </dsp:style>
+      <dsp:txBody>
+        <a:bodyPr spcFirstLastPara="0" vert="horz" wrap="square" lIns="50800" tIns="50800" rIns="50800" bIns="50800" numCol="1" spcCol="1270" anchor="t" anchorCtr="0">
+          <a:noAutofit/>
+        </a:bodyPr>
+        <a:lstStyle/>
+        <a:p>
+          <a:pPr lvl="0" algn="ctr" defTabSz="889000">
+            <a:lnSpc>
+              <a:spcPct val="90000"/>
+            </a:lnSpc>
+            <a:spcBef>
+              <a:spcPct val="0"/>
+            </a:spcBef>
+            <a:spcAft>
+              <a:spcPct val="35000"/>
+            </a:spcAft>
+          </a:pPr>
+          <a:r>
+            <a:rPr lang="en-US" sz="2000" b="1" kern="1200" dirty="0" smtClean="0"/>
+            <a:t>InvertedIndex </a:t>
+          </a:r>
+          <a:endParaRPr lang="ru-RU" sz="2000" b="1" kern="1200" dirty="0"/>
+        </a:p>
+      </dsp:txBody>
+      <dsp:txXfrm>
+        <a:off x="4217071" y="87869"/>
+        <a:ext cx="1624262" cy="1624262"/>
+      </dsp:txXfrm>
+    </dsp:sp>
+    <dsp:sp modelId="{645660FC-29F0-4ECD-9736-2F09D9960928}">
+      <dsp:nvSpPr>
+        <dsp:cNvPr id="0" name=""/>
+        <dsp:cNvSpPr/>
+      </dsp:nvSpPr>
+      <dsp:spPr>
+        <a:xfrm rot="19947515">
+          <a:off x="5873599" y="1953730"/>
+          <a:ext cx="2527706" cy="0"/>
+        </a:xfrm>
+        <a:custGeom>
+          <a:avLst/>
+          <a:gdLst/>
+          <a:ahLst/>
+          <a:cxnLst/>
+          <a:rect l="0" t="0" r="0" b="0"/>
+          <a:pathLst>
+            <a:path>
+              <a:moveTo>
+                <a:pt x="0" y="0"/>
+              </a:moveTo>
+              <a:lnTo>
+                <a:pt x="2527706" y="0"/>
+              </a:lnTo>
+            </a:path>
+          </a:pathLst>
+        </a:custGeom>
+        <a:noFill/>
+        <a:ln w="15875" cap="flat" cmpd="sng" algn="ctr">
+          <a:solidFill>
+            <a:scrgbClr r="0" g="0" b="0"/>
+          </a:solidFill>
+          <a:prstDash val="solid"/>
+          <a:tailEnd type="triangle"/>
+        </a:ln>
+        <a:effectLst/>
+      </dsp:spPr>
+      <dsp:style>
+        <a:lnRef idx="2">
+          <a:scrgbClr r="0" g="0" b="0"/>
+        </a:lnRef>
+        <a:fillRef idx="0">
+          <a:scrgbClr r="0" g="0" b="0"/>
+        </a:fillRef>
+        <a:effectRef idx="0">
+          <a:scrgbClr r="0" g="0" b="0"/>
+        </a:effectRef>
+        <a:fontRef idx="minor"/>
+      </dsp:style>
+    </dsp:sp>
+    <dsp:sp modelId="{EF6A00EF-2BA3-4AAD-B69B-A8E8767F6738}">
+      <dsp:nvSpPr>
+        <dsp:cNvPr id="0" name=""/>
+        <dsp:cNvSpPr/>
+      </dsp:nvSpPr>
+      <dsp:spPr>
+        <a:xfrm>
+          <a:off x="8258082" y="0"/>
+          <a:ext cx="1800000" cy="1800000"/>
+        </a:xfrm>
+        <a:prstGeom prst="roundRect">
+          <a:avLst/>
+        </a:prstGeom>
+        <a:solidFill>
+          <a:schemeClr val="accent1">
+            <a:hueOff val="0"/>
+            <a:satOff val="0"/>
+            <a:lumOff val="0"/>
+            <a:alphaOff val="0"/>
+          </a:schemeClr>
+        </a:solidFill>
+        <a:ln w="15875" cap="flat" cmpd="sng" algn="ctr">
+          <a:solidFill>
+            <a:schemeClr val="lt1">
+              <a:hueOff val="0"/>
+              <a:satOff val="0"/>
+              <a:lumOff val="0"/>
+              <a:alphaOff val="0"/>
+            </a:schemeClr>
+          </a:solidFill>
+          <a:prstDash val="solid"/>
+        </a:ln>
+        <a:effectLst/>
+      </dsp:spPr>
+      <dsp:style>
+        <a:lnRef idx="2">
+          <a:scrgbClr r="0" g="0" b="0"/>
+        </a:lnRef>
+        <a:fillRef idx="1">
+          <a:scrgbClr r="0" g="0" b="0"/>
+        </a:fillRef>
+        <a:effectRef idx="0">
+          <a:scrgbClr r="0" g="0" b="0"/>
+        </a:effectRef>
+        <a:fontRef idx="minor">
+          <a:schemeClr val="lt1"/>
+        </a:fontRef>
+      </dsp:style>
+      <dsp:txBody>
+        <a:bodyPr spcFirstLastPara="0" vert="horz" wrap="square" lIns="50800" tIns="50800" rIns="50800" bIns="50800" numCol="1" spcCol="1270" anchor="t" anchorCtr="0">
+          <a:noAutofit/>
+        </a:bodyPr>
+        <a:lstStyle/>
+        <a:p>
+          <a:pPr lvl="0" algn="ctr" defTabSz="889000">
+            <a:lnSpc>
+              <a:spcPct val="90000"/>
+            </a:lnSpc>
+            <a:spcBef>
+              <a:spcPct val="0"/>
+            </a:spcBef>
+            <a:spcAft>
+              <a:spcPct val="35000"/>
+            </a:spcAft>
+          </a:pPr>
+          <a:r>
+            <a:rPr lang="en-US" sz="2000" b="1" kern="1200" dirty="0" smtClean="0"/>
+            <a:t>RelevantResponse </a:t>
+          </a:r>
+          <a:endParaRPr lang="ru-RU" sz="2000" b="1" kern="1200" dirty="0"/>
+        </a:p>
+      </dsp:txBody>
+      <dsp:txXfrm>
+        <a:off x="8345951" y="87869"/>
+        <a:ext cx="1624262" cy="1624262"/>
+      </dsp:txXfrm>
+    </dsp:sp>
+    <dsp:sp modelId="{31F46467-E6A0-42C5-A15B-7AE11A75F7C2}">
+      <dsp:nvSpPr>
+        <dsp:cNvPr id="0" name=""/>
+        <dsp:cNvSpPr/>
+      </dsp:nvSpPr>
+      <dsp:spPr>
+        <a:xfrm rot="10653344">
+          <a:off x="1618902" y="3148238"/>
+          <a:ext cx="2419017" cy="0"/>
+        </a:xfrm>
+        <a:custGeom>
+          <a:avLst/>
+          <a:gdLst/>
+          <a:ahLst/>
+          <a:cxnLst/>
+          <a:rect l="0" t="0" r="0" b="0"/>
+          <a:pathLst>
+            <a:path>
+              <a:moveTo>
+                <a:pt x="0" y="0"/>
+              </a:moveTo>
+              <a:lnTo>
+                <a:pt x="2419017" y="0"/>
+              </a:lnTo>
+            </a:path>
+          </a:pathLst>
+        </a:custGeom>
+        <a:noFill/>
+        <a:ln w="15875" cap="flat" cmpd="sng" algn="ctr">
+          <a:solidFill>
+            <a:scrgbClr r="0" g="0" b="0"/>
+          </a:solidFill>
+          <a:prstDash val="solid"/>
+          <a:tailEnd type="triangle"/>
+        </a:ln>
+        <a:effectLst/>
+      </dsp:spPr>
+      <dsp:style>
+        <a:lnRef idx="2">
+          <a:scrgbClr r="0" g="0" b="0"/>
+        </a:lnRef>
+        <a:fillRef idx="0">
+          <a:scrgbClr r="0" g="0" b="0"/>
+        </a:fillRef>
+        <a:effectRef idx="0">
+          <a:scrgbClr r="0" g="0" b="0"/>
+        </a:effectRef>
+        <a:fontRef idx="minor"/>
+      </dsp:style>
+    </dsp:sp>
+    <dsp:sp modelId="{E52EBD27-2BBA-443B-88B4-D24ED2FDCF9F}">
+      <dsp:nvSpPr>
+        <dsp:cNvPr id="0" name=""/>
+        <dsp:cNvSpPr/>
+      </dsp:nvSpPr>
+      <dsp:spPr>
+        <a:xfrm>
+          <a:off x="0" y="2424394"/>
+          <a:ext cx="1620003" cy="1620003"/>
+        </a:xfrm>
+        <a:prstGeom prst="roundRect">
+          <a:avLst/>
+        </a:prstGeom>
+        <a:solidFill>
+          <a:schemeClr val="accent1">
+            <a:hueOff val="0"/>
+            <a:satOff val="0"/>
+            <a:lumOff val="0"/>
+            <a:alphaOff val="0"/>
+          </a:schemeClr>
+        </a:solidFill>
+        <a:ln w="15875" cap="flat" cmpd="sng" algn="ctr">
+          <a:solidFill>
+            <a:schemeClr val="lt1">
+              <a:hueOff val="0"/>
+              <a:satOff val="0"/>
+              <a:lumOff val="0"/>
+              <a:alphaOff val="0"/>
+            </a:schemeClr>
+          </a:solidFill>
+          <a:prstDash val="solid"/>
+        </a:ln>
+        <a:effectLst/>
+      </dsp:spPr>
+      <dsp:style>
+        <a:lnRef idx="2">
+          <a:scrgbClr r="0" g="0" b="0"/>
+        </a:lnRef>
+        <a:fillRef idx="1">
+          <a:scrgbClr r="0" g="0" b="0"/>
+        </a:fillRef>
+        <a:effectRef idx="0">
+          <a:scrgbClr r="0" g="0" b="0"/>
+        </a:effectRef>
+        <a:fontRef idx="minor">
+          <a:schemeClr val="lt1"/>
+        </a:fontRef>
+      </dsp:style>
+      <dsp:txBody>
+        <a:bodyPr spcFirstLastPara="0" vert="horz" wrap="square" lIns="50800" tIns="50800" rIns="50800" bIns="50800" numCol="1" spcCol="1270" anchor="t" anchorCtr="0">
+          <a:noAutofit/>
+        </a:bodyPr>
+        <a:lstStyle/>
+        <a:p>
+          <a:pPr lvl="0" algn="ctr" defTabSz="889000">
+            <a:lnSpc>
+              <a:spcPct val="90000"/>
+            </a:lnSpc>
+            <a:spcBef>
+              <a:spcPct val="0"/>
+            </a:spcBef>
+            <a:spcAft>
+              <a:spcPct val="35000"/>
+            </a:spcAft>
+          </a:pPr>
+          <a:r>
+            <a:rPr lang="en-US" sz="2000" b="1" kern="1200" dirty="0" smtClean="0"/>
+            <a:t>Logger</a:t>
+          </a:r>
+          <a:endParaRPr lang="ru-RU" sz="2000" b="1" kern="1200" dirty="0"/>
+        </a:p>
+      </dsp:txBody>
+      <dsp:txXfrm>
+        <a:off x="79082" y="2503476"/>
+        <a:ext cx="1461839" cy="1461839"/>
+      </dsp:txXfrm>
+    </dsp:sp>
   </dsp:spTree>
 </dsp:drawing>
 </file>
@@ -15991,6 +17015,485 @@
       <dsp:cNvGrpSpPr/>
     </dsp:nvGrpSpPr>
     <dsp:grpSpPr/>
+    <dsp:sp modelId="{A10362D1-A377-43A9-BD1F-AD314ADD2D68}">
+      <dsp:nvSpPr>
+        <dsp:cNvPr id="0" name=""/>
+        <dsp:cNvSpPr/>
+      </dsp:nvSpPr>
+      <dsp:spPr>
+        <a:xfrm>
+          <a:off x="452726" y="0"/>
+          <a:ext cx="5130899" cy="4143676"/>
+        </a:xfrm>
+        <a:prstGeom prst="rightArrow">
+          <a:avLst/>
+        </a:prstGeom>
+        <a:solidFill>
+          <a:schemeClr val="accent1">
+            <a:tint val="40000"/>
+            <a:hueOff val="0"/>
+            <a:satOff val="0"/>
+            <a:lumOff val="0"/>
+            <a:alphaOff val="0"/>
+          </a:schemeClr>
+        </a:solidFill>
+        <a:ln>
+          <a:noFill/>
+        </a:ln>
+        <a:effectLst/>
+      </dsp:spPr>
+      <dsp:style>
+        <a:lnRef idx="0">
+          <a:scrgbClr r="0" g="0" b="0"/>
+        </a:lnRef>
+        <a:fillRef idx="1">
+          <a:scrgbClr r="0" g="0" b="0"/>
+        </a:fillRef>
+        <a:effectRef idx="0">
+          <a:scrgbClr r="0" g="0" b="0"/>
+        </a:effectRef>
+        <a:fontRef idx="minor"/>
+      </dsp:style>
+    </dsp:sp>
+    <dsp:sp modelId="{0A15E6E4-35BF-4314-8C3D-ED211E2F9958}">
+      <dsp:nvSpPr>
+        <dsp:cNvPr id="0" name=""/>
+        <dsp:cNvSpPr/>
+      </dsp:nvSpPr>
+      <dsp:spPr>
+        <a:xfrm>
+          <a:off x="2003" y="1243102"/>
+          <a:ext cx="1138678" cy="1657470"/>
+        </a:xfrm>
+        <a:prstGeom prst="roundRect">
+          <a:avLst/>
+        </a:prstGeom>
+        <a:solidFill>
+          <a:schemeClr val="accent1">
+            <a:hueOff val="0"/>
+            <a:satOff val="0"/>
+            <a:lumOff val="0"/>
+            <a:alphaOff val="0"/>
+          </a:schemeClr>
+        </a:solidFill>
+        <a:ln w="15875" cap="flat" cmpd="sng" algn="ctr">
+          <a:solidFill>
+            <a:schemeClr val="lt1">
+              <a:hueOff val="0"/>
+              <a:satOff val="0"/>
+              <a:lumOff val="0"/>
+              <a:alphaOff val="0"/>
+            </a:schemeClr>
+          </a:solidFill>
+          <a:prstDash val="solid"/>
+        </a:ln>
+        <a:effectLst/>
+      </dsp:spPr>
+      <dsp:style>
+        <a:lnRef idx="2">
+          <a:scrgbClr r="0" g="0" b="0"/>
+        </a:lnRef>
+        <a:fillRef idx="1">
+          <a:scrgbClr r="0" g="0" b="0"/>
+        </a:fillRef>
+        <a:effectRef idx="0">
+          <a:scrgbClr r="0" g="0" b="0"/>
+        </a:effectRef>
+        <a:fontRef idx="minor">
+          <a:schemeClr val="lt1"/>
+        </a:fontRef>
+      </dsp:style>
+      <dsp:txBody>
+        <a:bodyPr spcFirstLastPara="0" vert="horz" wrap="square" lIns="57150" tIns="57150" rIns="57150" bIns="57150" numCol="1" spcCol="1270" anchor="ctr" anchorCtr="0">
+          <a:noAutofit/>
+        </a:bodyPr>
+        <a:lstStyle/>
+        <a:p>
+          <a:pPr lvl="0" algn="ctr" defTabSz="666750">
+            <a:lnSpc>
+              <a:spcPct val="90000"/>
+            </a:lnSpc>
+            <a:spcBef>
+              <a:spcPct val="0"/>
+            </a:spcBef>
+            <a:spcAft>
+              <a:spcPct val="35000"/>
+            </a:spcAft>
+          </a:pPr>
+          <a:r>
+            <a:rPr lang="en-US" sz="1500" kern="1200" dirty="0" smtClean="0"/>
+            <a:t>Converter</a:t>
+          </a:r>
+          <a:endParaRPr lang="ru-RU" sz="1500" kern="1200" dirty="0" smtClean="0"/>
+        </a:p>
+        <a:p>
+          <a:pPr lvl="0" algn="ctr" defTabSz="666750">
+            <a:lnSpc>
+              <a:spcPct val="90000"/>
+            </a:lnSpc>
+            <a:spcBef>
+              <a:spcPct val="0"/>
+            </a:spcBef>
+            <a:spcAft>
+              <a:spcPct val="35000"/>
+            </a:spcAft>
+          </a:pPr>
+          <a:r>
+            <a:rPr lang="en-US" sz="1500" kern="1200" dirty="0" smtClean="0"/>
+            <a:t>JSON</a:t>
+          </a:r>
+          <a:endParaRPr lang="ru-RU" sz="1500" kern="1200" dirty="0"/>
+        </a:p>
+      </dsp:txBody>
+      <dsp:txXfrm>
+        <a:off x="57589" y="1298688"/>
+        <a:ext cx="1027506" cy="1546298"/>
+      </dsp:txXfrm>
+    </dsp:sp>
+    <dsp:sp modelId="{F054BA0B-B3F7-4B6B-BD2F-4AE8F4442468}">
+      <dsp:nvSpPr>
+        <dsp:cNvPr id="0" name=""/>
+        <dsp:cNvSpPr/>
+      </dsp:nvSpPr>
+      <dsp:spPr>
+        <a:xfrm>
+          <a:off x="1225420" y="1243102"/>
+          <a:ext cx="1138678" cy="1657470"/>
+        </a:xfrm>
+        <a:prstGeom prst="roundRect">
+          <a:avLst/>
+        </a:prstGeom>
+        <a:solidFill>
+          <a:schemeClr val="accent1">
+            <a:hueOff val="0"/>
+            <a:satOff val="0"/>
+            <a:lumOff val="0"/>
+            <a:alphaOff val="0"/>
+          </a:schemeClr>
+        </a:solidFill>
+        <a:ln w="15875" cap="flat" cmpd="sng" algn="ctr">
+          <a:solidFill>
+            <a:schemeClr val="lt1">
+              <a:hueOff val="0"/>
+              <a:satOff val="0"/>
+              <a:lumOff val="0"/>
+              <a:alphaOff val="0"/>
+            </a:schemeClr>
+          </a:solidFill>
+          <a:prstDash val="solid"/>
+        </a:ln>
+        <a:effectLst/>
+      </dsp:spPr>
+      <dsp:style>
+        <a:lnRef idx="2">
+          <a:scrgbClr r="0" g="0" b="0"/>
+        </a:lnRef>
+        <a:fillRef idx="1">
+          <a:scrgbClr r="0" g="0" b="0"/>
+        </a:fillRef>
+        <a:effectRef idx="0">
+          <a:scrgbClr r="0" g="0" b="0"/>
+        </a:effectRef>
+        <a:fontRef idx="minor">
+          <a:schemeClr val="lt1"/>
+        </a:fontRef>
+      </dsp:style>
+      <dsp:txBody>
+        <a:bodyPr spcFirstLastPara="0" vert="horz" wrap="square" lIns="57150" tIns="57150" rIns="57150" bIns="57150" numCol="1" spcCol="1270" anchor="ctr" anchorCtr="0">
+          <a:noAutofit/>
+        </a:bodyPr>
+        <a:lstStyle/>
+        <a:p>
+          <a:pPr lvl="0" algn="ctr" defTabSz="666750">
+            <a:lnSpc>
+              <a:spcPct val="90000"/>
+            </a:lnSpc>
+            <a:spcBef>
+              <a:spcPct val="0"/>
+            </a:spcBef>
+            <a:spcAft>
+              <a:spcPct val="35000"/>
+            </a:spcAft>
+          </a:pPr>
+          <a:r>
+            <a:rPr lang="en-US" sz="1500" kern="1200" dirty="0" smtClean="0"/>
+            <a:t>Documents</a:t>
+          </a:r>
+          <a:endParaRPr lang="ru-RU" sz="1500" kern="1200" dirty="0"/>
+        </a:p>
+      </dsp:txBody>
+      <dsp:txXfrm>
+        <a:off x="1281006" y="1298688"/>
+        <a:ext cx="1027506" cy="1546298"/>
+      </dsp:txXfrm>
+    </dsp:sp>
+    <dsp:sp modelId="{DC4AEBBC-A52D-40F6-9146-7F10088A6B32}">
+      <dsp:nvSpPr>
+        <dsp:cNvPr id="0" name=""/>
+        <dsp:cNvSpPr/>
+      </dsp:nvSpPr>
+      <dsp:spPr>
+        <a:xfrm>
+          <a:off x="2448836" y="1243102"/>
+          <a:ext cx="1138678" cy="1657470"/>
+        </a:xfrm>
+        <a:prstGeom prst="roundRect">
+          <a:avLst/>
+        </a:prstGeom>
+        <a:solidFill>
+          <a:schemeClr val="accent1">
+            <a:hueOff val="0"/>
+            <a:satOff val="0"/>
+            <a:lumOff val="0"/>
+            <a:alphaOff val="0"/>
+          </a:schemeClr>
+        </a:solidFill>
+        <a:ln w="15875" cap="flat" cmpd="sng" algn="ctr">
+          <a:solidFill>
+            <a:schemeClr val="lt1">
+              <a:hueOff val="0"/>
+              <a:satOff val="0"/>
+              <a:lumOff val="0"/>
+              <a:alphaOff val="0"/>
+            </a:schemeClr>
+          </a:solidFill>
+          <a:prstDash val="solid"/>
+        </a:ln>
+        <a:effectLst/>
+      </dsp:spPr>
+      <dsp:style>
+        <a:lnRef idx="2">
+          <a:scrgbClr r="0" g="0" b="0"/>
+        </a:lnRef>
+        <a:fillRef idx="1">
+          <a:scrgbClr r="0" g="0" b="0"/>
+        </a:fillRef>
+        <a:effectRef idx="0">
+          <a:scrgbClr r="0" g="0" b="0"/>
+        </a:effectRef>
+        <a:fontRef idx="minor">
+          <a:schemeClr val="lt1"/>
+        </a:fontRef>
+      </dsp:style>
+      <dsp:txBody>
+        <a:bodyPr spcFirstLastPara="0" vert="horz" wrap="square" lIns="57150" tIns="57150" rIns="57150" bIns="57150" numCol="1" spcCol="1270" anchor="ctr" anchorCtr="0">
+          <a:noAutofit/>
+        </a:bodyPr>
+        <a:lstStyle/>
+        <a:p>
+          <a:pPr lvl="0" algn="ctr" defTabSz="666750">
+            <a:lnSpc>
+              <a:spcPct val="90000"/>
+            </a:lnSpc>
+            <a:spcBef>
+              <a:spcPct val="0"/>
+            </a:spcBef>
+            <a:spcAft>
+              <a:spcPct val="35000"/>
+            </a:spcAft>
+          </a:pPr>
+          <a:r>
+            <a:rPr lang="en-US" sz="1500" kern="1200" dirty="0" smtClean="0"/>
+            <a:t>Inverted</a:t>
+          </a:r>
+          <a:endParaRPr lang="ru-RU" sz="1500" kern="1200" dirty="0" smtClean="0"/>
+        </a:p>
+        <a:p>
+          <a:pPr lvl="0" algn="ctr" defTabSz="666750">
+            <a:lnSpc>
+              <a:spcPct val="90000"/>
+            </a:lnSpc>
+            <a:spcBef>
+              <a:spcPct val="0"/>
+            </a:spcBef>
+            <a:spcAft>
+              <a:spcPct val="35000"/>
+            </a:spcAft>
+          </a:pPr>
+          <a:r>
+            <a:rPr lang="en-US" sz="1500" kern="1200" dirty="0" smtClean="0"/>
+            <a:t>Index</a:t>
+          </a:r>
+          <a:endParaRPr lang="ru-RU" sz="1500" kern="1200" dirty="0"/>
+        </a:p>
+      </dsp:txBody>
+      <dsp:txXfrm>
+        <a:off x="2504422" y="1298688"/>
+        <a:ext cx="1027506" cy="1546298"/>
+      </dsp:txXfrm>
+    </dsp:sp>
+    <dsp:sp modelId="{014D856F-0A4A-4760-9506-E63C9F5DE09D}">
+      <dsp:nvSpPr>
+        <dsp:cNvPr id="0" name=""/>
+        <dsp:cNvSpPr/>
+      </dsp:nvSpPr>
+      <dsp:spPr>
+        <a:xfrm>
+          <a:off x="3672253" y="1243102"/>
+          <a:ext cx="1138678" cy="1657470"/>
+        </a:xfrm>
+        <a:prstGeom prst="roundRect">
+          <a:avLst/>
+        </a:prstGeom>
+        <a:solidFill>
+          <a:schemeClr val="accent1">
+            <a:hueOff val="0"/>
+            <a:satOff val="0"/>
+            <a:lumOff val="0"/>
+            <a:alphaOff val="0"/>
+          </a:schemeClr>
+        </a:solidFill>
+        <a:ln w="15875" cap="flat" cmpd="sng" algn="ctr">
+          <a:solidFill>
+            <a:schemeClr val="lt1">
+              <a:hueOff val="0"/>
+              <a:satOff val="0"/>
+              <a:lumOff val="0"/>
+              <a:alphaOff val="0"/>
+            </a:schemeClr>
+          </a:solidFill>
+          <a:prstDash val="solid"/>
+        </a:ln>
+        <a:effectLst/>
+      </dsp:spPr>
+      <dsp:style>
+        <a:lnRef idx="2">
+          <a:scrgbClr r="0" g="0" b="0"/>
+        </a:lnRef>
+        <a:fillRef idx="1">
+          <a:scrgbClr r="0" g="0" b="0"/>
+        </a:fillRef>
+        <a:effectRef idx="0">
+          <a:scrgbClr r="0" g="0" b="0"/>
+        </a:effectRef>
+        <a:fontRef idx="minor">
+          <a:schemeClr val="lt1"/>
+        </a:fontRef>
+      </dsp:style>
+      <dsp:txBody>
+        <a:bodyPr spcFirstLastPara="0" vert="horz" wrap="square" lIns="57150" tIns="57150" rIns="57150" bIns="57150" numCol="1" spcCol="1270" anchor="ctr" anchorCtr="0">
+          <a:noAutofit/>
+        </a:bodyPr>
+        <a:lstStyle/>
+        <a:p>
+          <a:pPr lvl="0" algn="ctr" defTabSz="666750">
+            <a:lnSpc>
+              <a:spcPct val="90000"/>
+            </a:lnSpc>
+            <a:spcBef>
+              <a:spcPct val="0"/>
+            </a:spcBef>
+            <a:spcAft>
+              <a:spcPct val="35000"/>
+            </a:spcAft>
+          </a:pPr>
+          <a:r>
+            <a:rPr lang="en-US" sz="1500" kern="1200" dirty="0" smtClean="0"/>
+            <a:t>Requests</a:t>
+          </a:r>
+          <a:endParaRPr lang="ru-RU" sz="1500" kern="1200" dirty="0"/>
+        </a:p>
+      </dsp:txBody>
+      <dsp:txXfrm>
+        <a:off x="3727839" y="1298688"/>
+        <a:ext cx="1027506" cy="1546298"/>
+      </dsp:txXfrm>
+    </dsp:sp>
+    <dsp:sp modelId="{2EF5CFF0-CC5C-43EE-B44D-1D53039F8A29}">
+      <dsp:nvSpPr>
+        <dsp:cNvPr id="0" name=""/>
+        <dsp:cNvSpPr/>
+      </dsp:nvSpPr>
+      <dsp:spPr>
+        <a:xfrm>
+          <a:off x="4895670" y="1243102"/>
+          <a:ext cx="1138678" cy="1657470"/>
+        </a:xfrm>
+        <a:prstGeom prst="roundRect">
+          <a:avLst/>
+        </a:prstGeom>
+        <a:solidFill>
+          <a:schemeClr val="accent1">
+            <a:hueOff val="0"/>
+            <a:satOff val="0"/>
+            <a:lumOff val="0"/>
+            <a:alphaOff val="0"/>
+          </a:schemeClr>
+        </a:solidFill>
+        <a:ln w="15875" cap="flat" cmpd="sng" algn="ctr">
+          <a:solidFill>
+            <a:schemeClr val="lt1">
+              <a:hueOff val="0"/>
+              <a:satOff val="0"/>
+              <a:lumOff val="0"/>
+              <a:alphaOff val="0"/>
+            </a:schemeClr>
+          </a:solidFill>
+          <a:prstDash val="solid"/>
+        </a:ln>
+        <a:effectLst/>
+      </dsp:spPr>
+      <dsp:style>
+        <a:lnRef idx="2">
+          <a:scrgbClr r="0" g="0" b="0"/>
+        </a:lnRef>
+        <a:fillRef idx="1">
+          <a:scrgbClr r="0" g="0" b="0"/>
+        </a:fillRef>
+        <a:effectRef idx="0">
+          <a:scrgbClr r="0" g="0" b="0"/>
+        </a:effectRef>
+        <a:fontRef idx="minor">
+          <a:schemeClr val="lt1"/>
+        </a:fontRef>
+      </dsp:style>
+      <dsp:txBody>
+        <a:bodyPr spcFirstLastPara="0" vert="horz" wrap="square" lIns="57150" tIns="57150" rIns="57150" bIns="57150" numCol="1" spcCol="1270" anchor="ctr" anchorCtr="0">
+          <a:noAutofit/>
+        </a:bodyPr>
+        <a:lstStyle/>
+        <a:p>
+          <a:pPr lvl="0" algn="ctr" defTabSz="666750">
+            <a:lnSpc>
+              <a:spcPct val="90000"/>
+            </a:lnSpc>
+            <a:spcBef>
+              <a:spcPct val="0"/>
+            </a:spcBef>
+            <a:spcAft>
+              <a:spcPct val="35000"/>
+            </a:spcAft>
+          </a:pPr>
+          <a:r>
+            <a:rPr lang="en-US" sz="1500" kern="1200" dirty="0" smtClean="0"/>
+            <a:t>Relevant</a:t>
+          </a:r>
+          <a:endParaRPr lang="ru-RU" sz="1500" kern="1200" dirty="0" smtClean="0"/>
+        </a:p>
+        <a:p>
+          <a:pPr lvl="0" algn="ctr" defTabSz="666750">
+            <a:lnSpc>
+              <a:spcPct val="90000"/>
+            </a:lnSpc>
+            <a:spcBef>
+              <a:spcPct val="0"/>
+            </a:spcBef>
+            <a:spcAft>
+              <a:spcPct val="35000"/>
+            </a:spcAft>
+          </a:pPr>
+          <a:r>
+            <a:rPr lang="en-US" sz="1500" kern="1200" dirty="0" smtClean="0"/>
+            <a:t>Response</a:t>
+          </a:r>
+          <a:endParaRPr lang="ru-RU" sz="1500" kern="1200" dirty="0"/>
+        </a:p>
+      </dsp:txBody>
+      <dsp:txXfrm>
+        <a:off x="4951256" y="1298688"/>
+        <a:ext cx="1027506" cy="1546298"/>
+      </dsp:txXfrm>
+    </dsp:sp>
   </dsp:spTree>
 </dsp:drawing>
 </file>
@@ -16003,6 +17506,519 @@
       <dsp:cNvGrpSpPr/>
     </dsp:nvGrpSpPr>
     <dsp:grpSpPr/>
+    <dsp:sp modelId="{B0B6F61C-C060-4C4C-96BF-4EE40B41E6A0}">
+      <dsp:nvSpPr>
+        <dsp:cNvPr id="0" name=""/>
+        <dsp:cNvSpPr/>
+      </dsp:nvSpPr>
+      <dsp:spPr>
+        <a:xfrm>
+          <a:off x="653206" y="105213"/>
+          <a:ext cx="2593181" cy="2266766"/>
+        </a:xfrm>
+        <a:prstGeom prst="rightArrow">
+          <a:avLst>
+            <a:gd name="adj1" fmla="val 70000"/>
+            <a:gd name="adj2" fmla="val 50000"/>
+          </a:avLst>
+        </a:prstGeom>
+        <a:solidFill>
+          <a:schemeClr val="accent1">
+            <a:alpha val="90000"/>
+            <a:tint val="40000"/>
+            <a:hueOff val="0"/>
+            <a:satOff val="0"/>
+            <a:lumOff val="0"/>
+            <a:alphaOff val="0"/>
+          </a:schemeClr>
+        </a:solidFill>
+        <a:ln w="15875" cap="flat" cmpd="sng" algn="ctr">
+          <a:solidFill>
+            <a:schemeClr val="accent1">
+              <a:alpha val="90000"/>
+              <a:tint val="40000"/>
+              <a:hueOff val="0"/>
+              <a:satOff val="0"/>
+              <a:lumOff val="0"/>
+              <a:alphaOff val="0"/>
+            </a:schemeClr>
+          </a:solidFill>
+          <a:prstDash val="solid"/>
+        </a:ln>
+        <a:effectLst/>
+      </dsp:spPr>
+      <dsp:style>
+        <a:lnRef idx="2">
+          <a:scrgbClr r="0" g="0" b="0"/>
+        </a:lnRef>
+        <a:fillRef idx="1">
+          <a:scrgbClr r="0" g="0" b="0"/>
+        </a:fillRef>
+        <a:effectRef idx="0">
+          <a:scrgbClr r="0" g="0" b="0"/>
+        </a:effectRef>
+        <a:fontRef idx="minor"/>
+      </dsp:style>
+      <dsp:txBody>
+        <a:bodyPr spcFirstLastPara="0" vert="horz" wrap="square" lIns="40640" tIns="10160" rIns="20320" bIns="10160" numCol="1" spcCol="1270" anchor="ctr" anchorCtr="0">
+          <a:noAutofit/>
+        </a:bodyPr>
+        <a:lstStyle/>
+        <a:p>
+          <a:pPr lvl="0" algn="ctr" defTabSz="711200">
+            <a:lnSpc>
+              <a:spcPct val="90000"/>
+            </a:lnSpc>
+            <a:spcBef>
+              <a:spcPct val="0"/>
+            </a:spcBef>
+            <a:spcAft>
+              <a:spcPct val="35000"/>
+            </a:spcAft>
+          </a:pPr>
+          <a:r>
+            <a:rPr lang="ru-RU" sz="1600" kern="1200" dirty="0" smtClean="0"/>
+            <a:t>список путей файлов документов</a:t>
+          </a:r>
+          <a:endParaRPr lang="ru-RU" sz="1600" kern="1200" dirty="0"/>
+        </a:p>
+      </dsp:txBody>
+      <dsp:txXfrm>
+        <a:off x="1301501" y="445228"/>
+        <a:ext cx="1264175" cy="1586736"/>
+      </dsp:txXfrm>
+    </dsp:sp>
+    <dsp:sp modelId="{E644A287-01BC-4CF5-B466-30846E7BBA7F}">
+      <dsp:nvSpPr>
+        <dsp:cNvPr id="0" name=""/>
+        <dsp:cNvSpPr/>
+      </dsp:nvSpPr>
+      <dsp:spPr>
+        <a:xfrm>
+          <a:off x="4911" y="590301"/>
+          <a:ext cx="1296590" cy="1296590"/>
+        </a:xfrm>
+        <a:prstGeom prst="roundRect">
+          <a:avLst/>
+        </a:prstGeom>
+        <a:solidFill>
+          <a:schemeClr val="accent1">
+            <a:hueOff val="0"/>
+            <a:satOff val="0"/>
+            <a:lumOff val="0"/>
+            <a:alphaOff val="0"/>
+          </a:schemeClr>
+        </a:solidFill>
+        <a:ln w="15875" cap="flat" cmpd="sng" algn="ctr">
+          <a:solidFill>
+            <a:schemeClr val="lt1">
+              <a:hueOff val="0"/>
+              <a:satOff val="0"/>
+              <a:lumOff val="0"/>
+              <a:alphaOff val="0"/>
+            </a:schemeClr>
+          </a:solidFill>
+          <a:prstDash val="solid"/>
+        </a:ln>
+        <a:effectLst/>
+      </dsp:spPr>
+      <dsp:style>
+        <a:lnRef idx="2">
+          <a:scrgbClr r="0" g="0" b="0"/>
+        </a:lnRef>
+        <a:fillRef idx="1">
+          <a:scrgbClr r="0" g="0" b="0"/>
+        </a:fillRef>
+        <a:effectRef idx="0">
+          <a:scrgbClr r="0" g="0" b="0"/>
+        </a:effectRef>
+        <a:fontRef idx="minor">
+          <a:schemeClr val="lt1"/>
+        </a:fontRef>
+      </dsp:style>
+      <dsp:txBody>
+        <a:bodyPr spcFirstLastPara="0" vert="horz" wrap="square" lIns="12065" tIns="12065" rIns="12065" bIns="12065" numCol="1" spcCol="1270" anchor="ctr" anchorCtr="0">
+          <a:noAutofit/>
+        </a:bodyPr>
+        <a:lstStyle/>
+        <a:p>
+          <a:pPr lvl="0" algn="ctr" defTabSz="844550">
+            <a:lnSpc>
+              <a:spcPct val="90000"/>
+            </a:lnSpc>
+            <a:spcBef>
+              <a:spcPct val="0"/>
+            </a:spcBef>
+            <a:spcAft>
+              <a:spcPct val="35000"/>
+            </a:spcAft>
+          </a:pPr>
+          <a:r>
+            <a:rPr lang="en-US" sz="1900" kern="1200" dirty="0" smtClean="0"/>
+            <a:t>Converter</a:t>
+          </a:r>
+          <a:endParaRPr lang="ru-RU" sz="1900" kern="1200" dirty="0" smtClean="0"/>
+        </a:p>
+        <a:p>
+          <a:pPr lvl="0" algn="ctr" defTabSz="844550">
+            <a:lnSpc>
+              <a:spcPct val="90000"/>
+            </a:lnSpc>
+            <a:spcBef>
+              <a:spcPct val="0"/>
+            </a:spcBef>
+            <a:spcAft>
+              <a:spcPct val="35000"/>
+            </a:spcAft>
+          </a:pPr>
+          <a:r>
+            <a:rPr lang="en-US" sz="1900" kern="1200" dirty="0" smtClean="0"/>
+            <a:t>JSON</a:t>
+          </a:r>
+          <a:endParaRPr lang="ru-RU" sz="1900" kern="1200" dirty="0"/>
+        </a:p>
+      </dsp:txBody>
+      <dsp:txXfrm>
+        <a:off x="68205" y="653595"/>
+        <a:ext cx="1170002" cy="1170002"/>
+      </dsp:txXfrm>
+    </dsp:sp>
+    <dsp:sp modelId="{1FA1B9C7-0E34-4A44-A18B-216DF888F0C5}">
+      <dsp:nvSpPr>
+        <dsp:cNvPr id="0" name=""/>
+        <dsp:cNvSpPr/>
+      </dsp:nvSpPr>
+      <dsp:spPr>
+        <a:xfrm>
+          <a:off x="4056757" y="105213"/>
+          <a:ext cx="2593181" cy="2266766"/>
+        </a:xfrm>
+        <a:prstGeom prst="rightArrow">
+          <a:avLst>
+            <a:gd name="adj1" fmla="val 70000"/>
+            <a:gd name="adj2" fmla="val 50000"/>
+          </a:avLst>
+        </a:prstGeom>
+        <a:solidFill>
+          <a:schemeClr val="accent1">
+            <a:alpha val="90000"/>
+            <a:tint val="40000"/>
+            <a:hueOff val="0"/>
+            <a:satOff val="0"/>
+            <a:lumOff val="0"/>
+            <a:alphaOff val="0"/>
+          </a:schemeClr>
+        </a:solidFill>
+        <a:ln w="15875" cap="flat" cmpd="sng" algn="ctr">
+          <a:solidFill>
+            <a:schemeClr val="accent1">
+              <a:alpha val="90000"/>
+              <a:tint val="40000"/>
+              <a:hueOff val="0"/>
+              <a:satOff val="0"/>
+              <a:lumOff val="0"/>
+              <a:alphaOff val="0"/>
+            </a:schemeClr>
+          </a:solidFill>
+          <a:prstDash val="solid"/>
+        </a:ln>
+        <a:effectLst/>
+      </dsp:spPr>
+      <dsp:style>
+        <a:lnRef idx="2">
+          <a:scrgbClr r="0" g="0" b="0"/>
+        </a:lnRef>
+        <a:fillRef idx="1">
+          <a:scrgbClr r="0" g="0" b="0"/>
+        </a:fillRef>
+        <a:effectRef idx="0">
+          <a:scrgbClr r="0" g="0" b="0"/>
+        </a:effectRef>
+        <a:fontRef idx="minor"/>
+      </dsp:style>
+      <dsp:txBody>
+        <a:bodyPr spcFirstLastPara="0" vert="horz" wrap="square" lIns="40640" tIns="10160" rIns="20320" bIns="10160" numCol="1" spcCol="1270" anchor="ctr" anchorCtr="0">
+          <a:noAutofit/>
+        </a:bodyPr>
+        <a:lstStyle/>
+        <a:p>
+          <a:pPr lvl="0" algn="ctr" defTabSz="711200">
+            <a:lnSpc>
+              <a:spcPct val="90000"/>
+            </a:lnSpc>
+            <a:spcBef>
+              <a:spcPct val="0"/>
+            </a:spcBef>
+            <a:spcAft>
+              <a:spcPct val="35000"/>
+            </a:spcAft>
+          </a:pPr>
+          <a:r>
+            <a:rPr lang="ru-RU" sz="1600" kern="1200" dirty="0" smtClean="0"/>
+            <a:t>прочитанные документы</a:t>
+          </a:r>
+          <a:endParaRPr lang="ru-RU" sz="1600" kern="1200" dirty="0"/>
+        </a:p>
+      </dsp:txBody>
+      <dsp:txXfrm>
+        <a:off x="4705052" y="445228"/>
+        <a:ext cx="1264175" cy="1586736"/>
+      </dsp:txXfrm>
+    </dsp:sp>
+    <dsp:sp modelId="{0A88A3E8-7701-48D6-969C-59DBA88CA534}">
+      <dsp:nvSpPr>
+        <dsp:cNvPr id="0" name=""/>
+        <dsp:cNvSpPr/>
+      </dsp:nvSpPr>
+      <dsp:spPr>
+        <a:xfrm>
+          <a:off x="3408461" y="590301"/>
+          <a:ext cx="1296590" cy="1296590"/>
+        </a:xfrm>
+        <a:prstGeom prst="roundRect">
+          <a:avLst/>
+        </a:prstGeom>
+        <a:solidFill>
+          <a:schemeClr val="accent1">
+            <a:hueOff val="0"/>
+            <a:satOff val="0"/>
+            <a:lumOff val="0"/>
+            <a:alphaOff val="0"/>
+          </a:schemeClr>
+        </a:solidFill>
+        <a:ln w="15875" cap="flat" cmpd="sng" algn="ctr">
+          <a:solidFill>
+            <a:schemeClr val="lt1">
+              <a:hueOff val="0"/>
+              <a:satOff val="0"/>
+              <a:lumOff val="0"/>
+              <a:alphaOff val="0"/>
+            </a:schemeClr>
+          </a:solidFill>
+          <a:prstDash val="solid"/>
+        </a:ln>
+        <a:effectLst/>
+      </dsp:spPr>
+      <dsp:style>
+        <a:lnRef idx="2">
+          <a:scrgbClr r="0" g="0" b="0"/>
+        </a:lnRef>
+        <a:fillRef idx="1">
+          <a:scrgbClr r="0" g="0" b="0"/>
+        </a:fillRef>
+        <a:effectRef idx="0">
+          <a:scrgbClr r="0" g="0" b="0"/>
+        </a:effectRef>
+        <a:fontRef idx="minor">
+          <a:schemeClr val="lt1"/>
+        </a:fontRef>
+      </dsp:style>
+      <dsp:txBody>
+        <a:bodyPr spcFirstLastPara="0" vert="horz" wrap="square" lIns="12065" tIns="12065" rIns="12065" bIns="12065" numCol="1" spcCol="1270" anchor="ctr" anchorCtr="0">
+          <a:noAutofit/>
+        </a:bodyPr>
+        <a:lstStyle/>
+        <a:p>
+          <a:pPr lvl="0" algn="ctr" defTabSz="844550">
+            <a:lnSpc>
+              <a:spcPct val="90000"/>
+            </a:lnSpc>
+            <a:spcBef>
+              <a:spcPct val="0"/>
+            </a:spcBef>
+            <a:spcAft>
+              <a:spcPct val="35000"/>
+            </a:spcAft>
+          </a:pPr>
+          <a:r>
+            <a:rPr lang="en-US" sz="1900" kern="1200" dirty="0" smtClean="0"/>
+            <a:t>Dispatcher</a:t>
+          </a:r>
+          <a:endParaRPr lang="ru-RU" sz="1900" kern="1200" dirty="0" smtClean="0"/>
+        </a:p>
+        <a:p>
+          <a:pPr lvl="0" algn="ctr" defTabSz="844550">
+            <a:lnSpc>
+              <a:spcPct val="90000"/>
+            </a:lnSpc>
+            <a:spcBef>
+              <a:spcPct val="0"/>
+            </a:spcBef>
+            <a:spcAft>
+              <a:spcPct val="35000"/>
+            </a:spcAft>
+          </a:pPr>
+          <a:r>
+            <a:rPr lang="en-US" sz="1900" kern="1200" dirty="0" smtClean="0"/>
+            <a:t>Operations</a:t>
+          </a:r>
+          <a:endParaRPr lang="ru-RU" sz="1900" kern="1200" dirty="0"/>
+        </a:p>
+      </dsp:txBody>
+      <dsp:txXfrm>
+        <a:off x="3471755" y="653595"/>
+        <a:ext cx="1170002" cy="1170002"/>
+      </dsp:txXfrm>
+    </dsp:sp>
+    <dsp:sp modelId="{DD91B7DA-3D09-40A2-870E-D63ED550DC00}">
+      <dsp:nvSpPr>
+        <dsp:cNvPr id="0" name=""/>
+        <dsp:cNvSpPr/>
+      </dsp:nvSpPr>
+      <dsp:spPr>
+        <a:xfrm>
+          <a:off x="7460307" y="105213"/>
+          <a:ext cx="2593181" cy="2266766"/>
+        </a:xfrm>
+        <a:prstGeom prst="rightArrow">
+          <a:avLst>
+            <a:gd name="adj1" fmla="val 70000"/>
+            <a:gd name="adj2" fmla="val 50000"/>
+          </a:avLst>
+        </a:prstGeom>
+        <a:solidFill>
+          <a:schemeClr val="accent1">
+            <a:alpha val="90000"/>
+            <a:tint val="40000"/>
+            <a:hueOff val="0"/>
+            <a:satOff val="0"/>
+            <a:lumOff val="0"/>
+            <a:alphaOff val="0"/>
+          </a:schemeClr>
+        </a:solidFill>
+        <a:ln w="15875" cap="flat" cmpd="sng" algn="ctr">
+          <a:solidFill>
+            <a:schemeClr val="accent1">
+              <a:alpha val="90000"/>
+              <a:tint val="40000"/>
+              <a:hueOff val="0"/>
+              <a:satOff val="0"/>
+              <a:lumOff val="0"/>
+              <a:alphaOff val="0"/>
+            </a:schemeClr>
+          </a:solidFill>
+          <a:prstDash val="solid"/>
+        </a:ln>
+        <a:effectLst/>
+      </dsp:spPr>
+      <dsp:style>
+        <a:lnRef idx="2">
+          <a:scrgbClr r="0" g="0" b="0"/>
+        </a:lnRef>
+        <a:fillRef idx="1">
+          <a:scrgbClr r="0" g="0" b="0"/>
+        </a:fillRef>
+        <a:effectRef idx="0">
+          <a:scrgbClr r="0" g="0" b="0"/>
+        </a:effectRef>
+        <a:fontRef idx="minor"/>
+      </dsp:style>
+      <dsp:txBody>
+        <a:bodyPr spcFirstLastPara="0" vert="horz" wrap="square" lIns="40640" tIns="10160" rIns="20320" bIns="10160" numCol="1" spcCol="1270" anchor="ctr" anchorCtr="0">
+          <a:noAutofit/>
+        </a:bodyPr>
+        <a:lstStyle/>
+        <a:p>
+          <a:pPr lvl="0" algn="ctr" defTabSz="711200">
+            <a:lnSpc>
+              <a:spcPct val="90000"/>
+            </a:lnSpc>
+            <a:spcBef>
+              <a:spcPct val="0"/>
+            </a:spcBef>
+            <a:spcAft>
+              <a:spcPct val="35000"/>
+            </a:spcAft>
+          </a:pPr>
+          <a:r>
+            <a:rPr lang="ru-RU" sz="1600" kern="1200" dirty="0" smtClean="0"/>
+            <a:t>ссылка на базу документов</a:t>
+          </a:r>
+          <a:endParaRPr lang="ru-RU" sz="1600" kern="1200" dirty="0"/>
+        </a:p>
+      </dsp:txBody>
+      <dsp:txXfrm>
+        <a:off x="8108602" y="445228"/>
+        <a:ext cx="1264175" cy="1586736"/>
+      </dsp:txXfrm>
+    </dsp:sp>
+    <dsp:sp modelId="{18B87B03-25AC-4DAC-8711-93139D44A946}">
+      <dsp:nvSpPr>
+        <dsp:cNvPr id="0" name=""/>
+        <dsp:cNvSpPr/>
+      </dsp:nvSpPr>
+      <dsp:spPr>
+        <a:xfrm>
+          <a:off x="6812012" y="590301"/>
+          <a:ext cx="1296590" cy="1296590"/>
+        </a:xfrm>
+        <a:prstGeom prst="roundRect">
+          <a:avLst/>
+        </a:prstGeom>
+        <a:solidFill>
+          <a:schemeClr val="accent1">
+            <a:hueOff val="0"/>
+            <a:satOff val="0"/>
+            <a:lumOff val="0"/>
+            <a:alphaOff val="0"/>
+          </a:schemeClr>
+        </a:solidFill>
+        <a:ln w="15875" cap="flat" cmpd="sng" algn="ctr">
+          <a:solidFill>
+            <a:schemeClr val="lt1">
+              <a:hueOff val="0"/>
+              <a:satOff val="0"/>
+              <a:lumOff val="0"/>
+              <a:alphaOff val="0"/>
+            </a:schemeClr>
+          </a:solidFill>
+          <a:prstDash val="solid"/>
+        </a:ln>
+        <a:effectLst/>
+      </dsp:spPr>
+      <dsp:style>
+        <a:lnRef idx="2">
+          <a:scrgbClr r="0" g="0" b="0"/>
+        </a:lnRef>
+        <a:fillRef idx="1">
+          <a:scrgbClr r="0" g="0" b="0"/>
+        </a:fillRef>
+        <a:effectRef idx="0">
+          <a:scrgbClr r="0" g="0" b="0"/>
+        </a:effectRef>
+        <a:fontRef idx="minor">
+          <a:schemeClr val="lt1"/>
+        </a:fontRef>
+      </dsp:style>
+      <dsp:txBody>
+        <a:bodyPr spcFirstLastPara="0" vert="horz" wrap="square" lIns="12065" tIns="12065" rIns="12065" bIns="12065" numCol="1" spcCol="1270" anchor="ctr" anchorCtr="0">
+          <a:noAutofit/>
+        </a:bodyPr>
+        <a:lstStyle/>
+        <a:p>
+          <a:pPr lvl="0" algn="ctr" defTabSz="844550">
+            <a:lnSpc>
+              <a:spcPct val="90000"/>
+            </a:lnSpc>
+            <a:spcBef>
+              <a:spcPct val="0"/>
+            </a:spcBef>
+            <a:spcAft>
+              <a:spcPct val="35000"/>
+            </a:spcAft>
+          </a:pPr>
+          <a:r>
+            <a:rPr lang="en-US" sz="1900" kern="1200" dirty="0" smtClean="0"/>
+            <a:t>Documents</a:t>
+          </a:r>
+          <a:endParaRPr lang="ru-RU" sz="1900" kern="1200" dirty="0"/>
+        </a:p>
+      </dsp:txBody>
+      <dsp:txXfrm>
+        <a:off x="6875306" y="653595"/>
+        <a:ext cx="1170002" cy="1170002"/>
+      </dsp:txXfrm>
+    </dsp:sp>
   </dsp:spTree>
 </dsp:drawing>
 </file>
@@ -16015,6 +18031,342 @@
       <dsp:cNvGrpSpPr/>
     </dsp:nvGrpSpPr>
     <dsp:grpSpPr/>
+    <dsp:sp modelId="{B0B6F61C-C060-4C4C-96BF-4EE40B41E6A0}">
+      <dsp:nvSpPr>
+        <dsp:cNvPr id="0" name=""/>
+        <dsp:cNvSpPr/>
+      </dsp:nvSpPr>
+      <dsp:spPr>
+        <a:xfrm>
+          <a:off x="2804648" y="0"/>
+          <a:ext cx="2101890" cy="1837317"/>
+        </a:xfrm>
+        <a:prstGeom prst="rightArrow">
+          <a:avLst>
+            <a:gd name="adj1" fmla="val 70000"/>
+            <a:gd name="adj2" fmla="val 50000"/>
+          </a:avLst>
+        </a:prstGeom>
+        <a:solidFill>
+          <a:schemeClr val="accent1">
+            <a:alpha val="90000"/>
+            <a:tint val="40000"/>
+            <a:hueOff val="0"/>
+            <a:satOff val="0"/>
+            <a:lumOff val="0"/>
+            <a:alphaOff val="0"/>
+          </a:schemeClr>
+        </a:solidFill>
+        <a:ln w="15875" cap="flat" cmpd="sng" algn="ctr">
+          <a:solidFill>
+            <a:schemeClr val="accent1">
+              <a:alpha val="90000"/>
+              <a:tint val="40000"/>
+              <a:hueOff val="0"/>
+              <a:satOff val="0"/>
+              <a:lumOff val="0"/>
+              <a:alphaOff val="0"/>
+            </a:schemeClr>
+          </a:solidFill>
+          <a:prstDash val="solid"/>
+        </a:ln>
+        <a:effectLst/>
+      </dsp:spPr>
+      <dsp:style>
+        <a:lnRef idx="2">
+          <a:scrgbClr r="0" g="0" b="0"/>
+        </a:lnRef>
+        <a:fillRef idx="1">
+          <a:scrgbClr r="0" g="0" b="0"/>
+        </a:fillRef>
+        <a:effectRef idx="0">
+          <a:scrgbClr r="0" g="0" b="0"/>
+        </a:effectRef>
+        <a:fontRef idx="minor"/>
+      </dsp:style>
+      <dsp:txBody>
+        <a:bodyPr spcFirstLastPara="0" vert="horz" wrap="square" lIns="48260" tIns="12065" rIns="24130" bIns="12065" numCol="1" spcCol="1270" anchor="ctr" anchorCtr="0">
+          <a:noAutofit/>
+        </a:bodyPr>
+        <a:lstStyle/>
+        <a:p>
+          <a:pPr lvl="0" algn="ctr" defTabSz="844550">
+            <a:lnSpc>
+              <a:spcPct val="90000"/>
+            </a:lnSpc>
+            <a:spcBef>
+              <a:spcPct val="0"/>
+            </a:spcBef>
+            <a:spcAft>
+              <a:spcPct val="35000"/>
+            </a:spcAft>
+          </a:pPr>
+          <a:r>
+            <a:rPr lang="ru-RU" sz="1900" kern="1200" dirty="0" smtClean="0"/>
+            <a:t>запросы</a:t>
+          </a:r>
+          <a:endParaRPr lang="ru-RU" sz="1900" kern="1200" dirty="0"/>
+        </a:p>
+      </dsp:txBody>
+      <dsp:txXfrm>
+        <a:off x="3330121" y="275598"/>
+        <a:ext cx="1024671" cy="1286121"/>
+      </dsp:txXfrm>
+    </dsp:sp>
+    <dsp:sp modelId="{E644A287-01BC-4CF5-B466-30846E7BBA7F}">
+      <dsp:nvSpPr>
+        <dsp:cNvPr id="0" name=""/>
+        <dsp:cNvSpPr/>
+      </dsp:nvSpPr>
+      <dsp:spPr>
+        <a:xfrm>
+          <a:off x="2279176" y="393185"/>
+          <a:ext cx="1050945" cy="1050945"/>
+        </a:xfrm>
+        <a:prstGeom prst="roundRect">
+          <a:avLst/>
+        </a:prstGeom>
+        <a:solidFill>
+          <a:schemeClr val="accent1">
+            <a:hueOff val="0"/>
+            <a:satOff val="0"/>
+            <a:lumOff val="0"/>
+            <a:alphaOff val="0"/>
+          </a:schemeClr>
+        </a:solidFill>
+        <a:ln w="15875" cap="flat" cmpd="sng" algn="ctr">
+          <a:solidFill>
+            <a:schemeClr val="lt1">
+              <a:hueOff val="0"/>
+              <a:satOff val="0"/>
+              <a:lumOff val="0"/>
+              <a:alphaOff val="0"/>
+            </a:schemeClr>
+          </a:solidFill>
+          <a:prstDash val="solid"/>
+        </a:ln>
+        <a:effectLst/>
+      </dsp:spPr>
+      <dsp:style>
+        <a:lnRef idx="2">
+          <a:scrgbClr r="0" g="0" b="0"/>
+        </a:lnRef>
+        <a:fillRef idx="1">
+          <a:scrgbClr r="0" g="0" b="0"/>
+        </a:fillRef>
+        <a:effectRef idx="0">
+          <a:scrgbClr r="0" g="0" b="0"/>
+        </a:effectRef>
+        <a:fontRef idx="minor">
+          <a:schemeClr val="lt1"/>
+        </a:fontRef>
+      </dsp:style>
+      <dsp:txBody>
+        <a:bodyPr spcFirstLastPara="0" vert="horz" wrap="square" lIns="11430" tIns="11430" rIns="11430" bIns="11430" numCol="1" spcCol="1270" anchor="ctr" anchorCtr="0">
+          <a:noAutofit/>
+        </a:bodyPr>
+        <a:lstStyle/>
+        <a:p>
+          <a:pPr lvl="0" algn="ctr" defTabSz="800100">
+            <a:lnSpc>
+              <a:spcPct val="90000"/>
+            </a:lnSpc>
+            <a:spcBef>
+              <a:spcPct val="0"/>
+            </a:spcBef>
+            <a:spcAft>
+              <a:spcPct val="35000"/>
+            </a:spcAft>
+          </a:pPr>
+          <a:r>
+            <a:rPr lang="en-US" sz="1800" kern="1200" dirty="0" smtClean="0"/>
+            <a:t>Converter</a:t>
+          </a:r>
+          <a:endParaRPr lang="ru-RU" sz="1800" kern="1200" dirty="0" smtClean="0"/>
+        </a:p>
+        <a:p>
+          <a:pPr lvl="0" algn="ctr" defTabSz="800100">
+            <a:lnSpc>
+              <a:spcPct val="90000"/>
+            </a:lnSpc>
+            <a:spcBef>
+              <a:spcPct val="0"/>
+            </a:spcBef>
+            <a:spcAft>
+              <a:spcPct val="35000"/>
+            </a:spcAft>
+          </a:pPr>
+          <a:r>
+            <a:rPr lang="en-US" sz="1800" kern="1200" dirty="0" smtClean="0"/>
+            <a:t>JSON</a:t>
+          </a:r>
+          <a:endParaRPr lang="ru-RU" sz="1800" kern="1200" dirty="0"/>
+        </a:p>
+      </dsp:txBody>
+      <dsp:txXfrm>
+        <a:off x="2330479" y="444488"/>
+        <a:ext cx="948339" cy="948339"/>
+      </dsp:txXfrm>
+    </dsp:sp>
+    <dsp:sp modelId="{1FA1B9C7-0E34-4A44-A18B-216DF888F0C5}">
+      <dsp:nvSpPr>
+        <dsp:cNvPr id="0" name=""/>
+        <dsp:cNvSpPr/>
+      </dsp:nvSpPr>
+      <dsp:spPr>
+        <a:xfrm>
+          <a:off x="5677333" y="0"/>
+          <a:ext cx="2101890" cy="1837317"/>
+        </a:xfrm>
+        <a:prstGeom prst="rightArrow">
+          <a:avLst>
+            <a:gd name="adj1" fmla="val 70000"/>
+            <a:gd name="adj2" fmla="val 50000"/>
+          </a:avLst>
+        </a:prstGeom>
+        <a:solidFill>
+          <a:schemeClr val="accent1">
+            <a:alpha val="90000"/>
+            <a:tint val="40000"/>
+            <a:hueOff val="0"/>
+            <a:satOff val="0"/>
+            <a:lumOff val="0"/>
+            <a:alphaOff val="0"/>
+          </a:schemeClr>
+        </a:solidFill>
+        <a:ln w="15875" cap="flat" cmpd="sng" algn="ctr">
+          <a:solidFill>
+            <a:schemeClr val="accent1">
+              <a:alpha val="90000"/>
+              <a:tint val="40000"/>
+              <a:hueOff val="0"/>
+              <a:satOff val="0"/>
+              <a:lumOff val="0"/>
+              <a:alphaOff val="0"/>
+            </a:schemeClr>
+          </a:solidFill>
+          <a:prstDash val="solid"/>
+        </a:ln>
+        <a:effectLst/>
+      </dsp:spPr>
+      <dsp:style>
+        <a:lnRef idx="2">
+          <a:scrgbClr r="0" g="0" b="0"/>
+        </a:lnRef>
+        <a:fillRef idx="1">
+          <a:scrgbClr r="0" g="0" b="0"/>
+        </a:fillRef>
+        <a:effectRef idx="0">
+          <a:scrgbClr r="0" g="0" b="0"/>
+        </a:effectRef>
+        <a:fontRef idx="minor"/>
+      </dsp:style>
+      <dsp:txBody>
+        <a:bodyPr spcFirstLastPara="0" vert="horz" wrap="square" lIns="48260" tIns="12065" rIns="24130" bIns="12065" numCol="1" spcCol="1270" anchor="ctr" anchorCtr="0">
+          <a:noAutofit/>
+        </a:bodyPr>
+        <a:lstStyle/>
+        <a:p>
+          <a:pPr lvl="0" algn="ctr" defTabSz="844550">
+            <a:lnSpc>
+              <a:spcPct val="90000"/>
+            </a:lnSpc>
+            <a:spcBef>
+              <a:spcPct val="0"/>
+            </a:spcBef>
+            <a:spcAft>
+              <a:spcPct val="35000"/>
+            </a:spcAft>
+          </a:pPr>
+          <a:r>
+            <a:rPr lang="ru-RU" sz="1900" kern="1200" dirty="0" smtClean="0"/>
+            <a:t>ссылка на базу запросов</a:t>
+          </a:r>
+          <a:endParaRPr lang="ru-RU" sz="1900" kern="1200" dirty="0"/>
+        </a:p>
+      </dsp:txBody>
+      <dsp:txXfrm>
+        <a:off x="6202805" y="275598"/>
+        <a:ext cx="1024671" cy="1286121"/>
+      </dsp:txXfrm>
+    </dsp:sp>
+    <dsp:sp modelId="{0A88A3E8-7701-48D6-969C-59DBA88CA534}">
+      <dsp:nvSpPr>
+        <dsp:cNvPr id="0" name=""/>
+        <dsp:cNvSpPr/>
+      </dsp:nvSpPr>
+      <dsp:spPr>
+        <a:xfrm>
+          <a:off x="5151860" y="393185"/>
+          <a:ext cx="1050945" cy="1050945"/>
+        </a:xfrm>
+        <a:prstGeom prst="roundRect">
+          <a:avLst/>
+        </a:prstGeom>
+        <a:solidFill>
+          <a:schemeClr val="accent1">
+            <a:hueOff val="0"/>
+            <a:satOff val="0"/>
+            <a:lumOff val="0"/>
+            <a:alphaOff val="0"/>
+          </a:schemeClr>
+        </a:solidFill>
+        <a:ln w="15875" cap="flat" cmpd="sng" algn="ctr">
+          <a:solidFill>
+            <a:schemeClr val="lt1">
+              <a:hueOff val="0"/>
+              <a:satOff val="0"/>
+              <a:lumOff val="0"/>
+              <a:alphaOff val="0"/>
+            </a:schemeClr>
+          </a:solidFill>
+          <a:prstDash val="solid"/>
+        </a:ln>
+        <a:effectLst/>
+      </dsp:spPr>
+      <dsp:style>
+        <a:lnRef idx="2">
+          <a:scrgbClr r="0" g="0" b="0"/>
+        </a:lnRef>
+        <a:fillRef idx="1">
+          <a:scrgbClr r="0" g="0" b="0"/>
+        </a:fillRef>
+        <a:effectRef idx="0">
+          <a:scrgbClr r="0" g="0" b="0"/>
+        </a:effectRef>
+        <a:fontRef idx="minor">
+          <a:schemeClr val="lt1"/>
+        </a:fontRef>
+      </dsp:style>
+      <dsp:txBody>
+        <a:bodyPr spcFirstLastPara="0" vert="horz" wrap="square" lIns="11430" tIns="11430" rIns="11430" bIns="11430" numCol="1" spcCol="1270" anchor="ctr" anchorCtr="0">
+          <a:noAutofit/>
+        </a:bodyPr>
+        <a:lstStyle/>
+        <a:p>
+          <a:pPr lvl="0" algn="ctr" defTabSz="800100">
+            <a:lnSpc>
+              <a:spcPct val="90000"/>
+            </a:lnSpc>
+            <a:spcBef>
+              <a:spcPct val="0"/>
+            </a:spcBef>
+            <a:spcAft>
+              <a:spcPct val="35000"/>
+            </a:spcAft>
+          </a:pPr>
+          <a:r>
+            <a:rPr lang="en-US" sz="1800" kern="1200" dirty="0" smtClean="0"/>
+            <a:t>Requests</a:t>
+          </a:r>
+          <a:endParaRPr lang="ru-RU" sz="1800" kern="1200" dirty="0"/>
+        </a:p>
+      </dsp:txBody>
+      <dsp:txXfrm>
+        <a:off x="5203163" y="444488"/>
+        <a:ext cx="948339" cy="948339"/>
+      </dsp:txXfrm>
+    </dsp:sp>
   </dsp:spTree>
 </dsp:drawing>
 </file>
@@ -16027,6 +18379,360 @@
       <dsp:cNvGrpSpPr/>
     </dsp:nvGrpSpPr>
     <dsp:grpSpPr/>
+    <dsp:sp modelId="{B0B6F61C-C060-4C4C-96BF-4EE40B41E6A0}">
+      <dsp:nvSpPr>
+        <dsp:cNvPr id="0" name=""/>
+        <dsp:cNvSpPr/>
+      </dsp:nvSpPr>
+      <dsp:spPr>
+        <a:xfrm>
+          <a:off x="2766612" y="0"/>
+          <a:ext cx="2139927" cy="1870566"/>
+        </a:xfrm>
+        <a:prstGeom prst="rightArrow">
+          <a:avLst>
+            <a:gd name="adj1" fmla="val 70000"/>
+            <a:gd name="adj2" fmla="val 50000"/>
+          </a:avLst>
+        </a:prstGeom>
+        <a:solidFill>
+          <a:schemeClr val="accent1">
+            <a:alpha val="90000"/>
+            <a:tint val="40000"/>
+            <a:hueOff val="0"/>
+            <a:satOff val="0"/>
+            <a:lumOff val="0"/>
+            <a:alphaOff val="0"/>
+          </a:schemeClr>
+        </a:solidFill>
+        <a:ln w="15875" cap="flat" cmpd="sng" algn="ctr">
+          <a:solidFill>
+            <a:schemeClr val="accent1">
+              <a:alpha val="90000"/>
+              <a:tint val="40000"/>
+              <a:hueOff val="0"/>
+              <a:satOff val="0"/>
+              <a:lumOff val="0"/>
+              <a:alphaOff val="0"/>
+            </a:schemeClr>
+          </a:solidFill>
+          <a:prstDash val="solid"/>
+        </a:ln>
+        <a:effectLst/>
+      </dsp:spPr>
+      <dsp:style>
+        <a:lnRef idx="2">
+          <a:scrgbClr r="0" g="0" b="0"/>
+        </a:lnRef>
+        <a:fillRef idx="1">
+          <a:scrgbClr r="0" g="0" b="0"/>
+        </a:fillRef>
+        <a:effectRef idx="0">
+          <a:scrgbClr r="0" g="0" b="0"/>
+        </a:effectRef>
+        <a:fontRef idx="minor"/>
+      </dsp:style>
+      <dsp:txBody>
+        <a:bodyPr spcFirstLastPara="0" vert="horz" wrap="square" lIns="30480" tIns="7620" rIns="15240" bIns="7620" numCol="1" spcCol="1270" anchor="ctr" anchorCtr="0">
+          <a:noAutofit/>
+        </a:bodyPr>
+        <a:lstStyle/>
+        <a:p>
+          <a:pPr lvl="0" algn="ctr" defTabSz="533400">
+            <a:lnSpc>
+              <a:spcPct val="90000"/>
+            </a:lnSpc>
+            <a:spcBef>
+              <a:spcPct val="0"/>
+            </a:spcBef>
+            <a:spcAft>
+              <a:spcPct val="35000"/>
+            </a:spcAft>
+          </a:pPr>
+          <a:r>
+            <a:rPr lang="ru-RU" sz="1200" kern="1200" dirty="0" smtClean="0"/>
+            <a:t>рассчитать релевантность ответов</a:t>
+          </a:r>
+          <a:endParaRPr lang="ru-RU" sz="1200" kern="1200" dirty="0"/>
+        </a:p>
+      </dsp:txBody>
+      <dsp:txXfrm>
+        <a:off x="3301593" y="280585"/>
+        <a:ext cx="1043214" cy="1309396"/>
+      </dsp:txXfrm>
+    </dsp:sp>
+    <dsp:sp modelId="{E644A287-01BC-4CF5-B466-30846E7BBA7F}">
+      <dsp:nvSpPr>
+        <dsp:cNvPr id="0" name=""/>
+        <dsp:cNvSpPr/>
+      </dsp:nvSpPr>
+      <dsp:spPr>
+        <a:xfrm>
+          <a:off x="2231630" y="400301"/>
+          <a:ext cx="1069963" cy="1069963"/>
+        </a:xfrm>
+        <a:prstGeom prst="ellipse">
+          <a:avLst/>
+        </a:prstGeom>
+        <a:solidFill>
+          <a:schemeClr val="accent1">
+            <a:hueOff val="0"/>
+            <a:satOff val="0"/>
+            <a:lumOff val="0"/>
+            <a:alphaOff val="0"/>
+          </a:schemeClr>
+        </a:solidFill>
+        <a:ln w="15875" cap="flat" cmpd="sng" algn="ctr">
+          <a:solidFill>
+            <a:schemeClr val="lt1">
+              <a:hueOff val="0"/>
+              <a:satOff val="0"/>
+              <a:lumOff val="0"/>
+              <a:alphaOff val="0"/>
+            </a:schemeClr>
+          </a:solidFill>
+          <a:prstDash val="solid"/>
+        </a:ln>
+        <a:effectLst/>
+      </dsp:spPr>
+      <dsp:style>
+        <a:lnRef idx="2">
+          <a:scrgbClr r="0" g="0" b="0"/>
+        </a:lnRef>
+        <a:fillRef idx="1">
+          <a:scrgbClr r="0" g="0" b="0"/>
+        </a:fillRef>
+        <a:effectRef idx="0">
+          <a:scrgbClr r="0" g="0" b="0"/>
+        </a:effectRef>
+        <a:fontRef idx="minor">
+          <a:schemeClr val="lt1"/>
+        </a:fontRef>
+      </dsp:style>
+      <dsp:txBody>
+        <a:bodyPr spcFirstLastPara="0" vert="horz" wrap="square" lIns="8890" tIns="8890" rIns="8890" bIns="8890" numCol="1" spcCol="1270" anchor="ctr" anchorCtr="0">
+          <a:noAutofit/>
+        </a:bodyPr>
+        <a:lstStyle/>
+        <a:p>
+          <a:pPr lvl="0" algn="ctr" defTabSz="622300">
+            <a:lnSpc>
+              <a:spcPct val="90000"/>
+            </a:lnSpc>
+            <a:spcBef>
+              <a:spcPct val="0"/>
+            </a:spcBef>
+            <a:spcAft>
+              <a:spcPct val="35000"/>
+            </a:spcAft>
+          </a:pPr>
+          <a:r>
+            <a:rPr lang="en-US" sz="1400" kern="1200" dirty="0" smtClean="0"/>
+            <a:t>Search</a:t>
+          </a:r>
+          <a:endParaRPr lang="ru-RU" sz="1400" kern="1200" dirty="0" smtClean="0"/>
+        </a:p>
+        <a:p>
+          <a:pPr lvl="0" algn="ctr" defTabSz="622300">
+            <a:lnSpc>
+              <a:spcPct val="90000"/>
+            </a:lnSpc>
+            <a:spcBef>
+              <a:spcPct val="0"/>
+            </a:spcBef>
+            <a:spcAft>
+              <a:spcPct val="35000"/>
+            </a:spcAft>
+          </a:pPr>
+          <a:r>
+            <a:rPr lang="en-US" sz="1400" kern="1200" dirty="0" smtClean="0"/>
+            <a:t>Engine</a:t>
+          </a:r>
+          <a:endParaRPr lang="ru-RU" sz="1400" kern="1200" dirty="0"/>
+        </a:p>
+      </dsp:txBody>
+      <dsp:txXfrm>
+        <a:off x="2388322" y="556993"/>
+        <a:ext cx="756579" cy="756579"/>
+      </dsp:txXfrm>
+    </dsp:sp>
+    <dsp:sp modelId="{1FA1B9C7-0E34-4A44-A18B-216DF888F0C5}">
+      <dsp:nvSpPr>
+        <dsp:cNvPr id="0" name=""/>
+        <dsp:cNvSpPr/>
+      </dsp:nvSpPr>
+      <dsp:spPr>
+        <a:xfrm>
+          <a:off x="5686842" y="0"/>
+          <a:ext cx="2139927" cy="1870566"/>
+        </a:xfrm>
+        <a:prstGeom prst="rightArrow">
+          <a:avLst>
+            <a:gd name="adj1" fmla="val 70000"/>
+            <a:gd name="adj2" fmla="val 50000"/>
+          </a:avLst>
+        </a:prstGeom>
+        <a:solidFill>
+          <a:schemeClr val="accent1">
+            <a:alpha val="90000"/>
+            <a:tint val="40000"/>
+            <a:hueOff val="0"/>
+            <a:satOff val="0"/>
+            <a:lumOff val="0"/>
+            <a:alphaOff val="0"/>
+          </a:schemeClr>
+        </a:solidFill>
+        <a:ln w="15875" cap="flat" cmpd="sng" algn="ctr">
+          <a:solidFill>
+            <a:schemeClr val="accent1">
+              <a:alpha val="90000"/>
+              <a:tint val="40000"/>
+              <a:hueOff val="0"/>
+              <a:satOff val="0"/>
+              <a:lumOff val="0"/>
+              <a:alphaOff val="0"/>
+            </a:schemeClr>
+          </a:solidFill>
+          <a:prstDash val="solid"/>
+        </a:ln>
+        <a:effectLst/>
+      </dsp:spPr>
+      <dsp:style>
+        <a:lnRef idx="2">
+          <a:scrgbClr r="0" g="0" b="0"/>
+        </a:lnRef>
+        <a:fillRef idx="1">
+          <a:scrgbClr r="0" g="0" b="0"/>
+        </a:fillRef>
+        <a:effectRef idx="0">
+          <a:scrgbClr r="0" g="0" b="0"/>
+        </a:effectRef>
+        <a:fontRef idx="minor"/>
+      </dsp:style>
+      <dsp:txBody>
+        <a:bodyPr spcFirstLastPara="0" vert="horz" wrap="square" lIns="30480" tIns="7620" rIns="15240" bIns="7620" numCol="1" spcCol="1270" anchor="ctr" anchorCtr="0">
+          <a:noAutofit/>
+        </a:bodyPr>
+        <a:lstStyle/>
+        <a:p>
+          <a:pPr lvl="0" algn="ctr" defTabSz="533400">
+            <a:lnSpc>
+              <a:spcPct val="90000"/>
+            </a:lnSpc>
+            <a:spcBef>
+              <a:spcPct val="0"/>
+            </a:spcBef>
+            <a:spcAft>
+              <a:spcPct val="35000"/>
+            </a:spcAft>
+          </a:pPr>
+          <a:r>
+            <a:rPr lang="ru-RU" sz="1200" kern="1200" dirty="0" smtClean="0"/>
+            <a:t>ссылка на базу релевантности ответов</a:t>
+          </a:r>
+          <a:endParaRPr lang="ru-RU" sz="1200" kern="1200" dirty="0"/>
+        </a:p>
+      </dsp:txBody>
+      <dsp:txXfrm>
+        <a:off x="6221824" y="280585"/>
+        <a:ext cx="1043214" cy="1309396"/>
+      </dsp:txXfrm>
+    </dsp:sp>
+    <dsp:sp modelId="{0A88A3E8-7701-48D6-969C-59DBA88CA534}">
+      <dsp:nvSpPr>
+        <dsp:cNvPr id="0" name=""/>
+        <dsp:cNvSpPr/>
+      </dsp:nvSpPr>
+      <dsp:spPr>
+        <a:xfrm>
+          <a:off x="5151860" y="400301"/>
+          <a:ext cx="1069963" cy="1069963"/>
+        </a:xfrm>
+        <a:prstGeom prst="ellipse">
+          <a:avLst/>
+        </a:prstGeom>
+        <a:solidFill>
+          <a:schemeClr val="accent1">
+            <a:hueOff val="0"/>
+            <a:satOff val="0"/>
+            <a:lumOff val="0"/>
+            <a:alphaOff val="0"/>
+          </a:schemeClr>
+        </a:solidFill>
+        <a:ln w="15875" cap="flat" cmpd="sng" algn="ctr">
+          <a:solidFill>
+            <a:schemeClr val="lt1">
+              <a:hueOff val="0"/>
+              <a:satOff val="0"/>
+              <a:lumOff val="0"/>
+              <a:alphaOff val="0"/>
+            </a:schemeClr>
+          </a:solidFill>
+          <a:prstDash val="solid"/>
+        </a:ln>
+        <a:effectLst/>
+      </dsp:spPr>
+      <dsp:style>
+        <a:lnRef idx="2">
+          <a:scrgbClr r="0" g="0" b="0"/>
+        </a:lnRef>
+        <a:fillRef idx="1">
+          <a:scrgbClr r="0" g="0" b="0"/>
+        </a:fillRef>
+        <a:effectRef idx="0">
+          <a:scrgbClr r="0" g="0" b="0"/>
+        </a:effectRef>
+        <a:fontRef idx="minor">
+          <a:schemeClr val="lt1"/>
+        </a:fontRef>
+      </dsp:style>
+      <dsp:txBody>
+        <a:bodyPr spcFirstLastPara="0" vert="horz" wrap="square" lIns="8890" tIns="8890" rIns="8890" bIns="8890" numCol="1" spcCol="1270" anchor="ctr" anchorCtr="0">
+          <a:noAutofit/>
+        </a:bodyPr>
+        <a:lstStyle/>
+        <a:p>
+          <a:pPr lvl="0" algn="ctr" defTabSz="622300">
+            <a:lnSpc>
+              <a:spcPct val="90000"/>
+            </a:lnSpc>
+            <a:spcBef>
+              <a:spcPct val="0"/>
+            </a:spcBef>
+            <a:spcAft>
+              <a:spcPct val="35000"/>
+            </a:spcAft>
+          </a:pPr>
+          <a:r>
+            <a:rPr lang="en-US" sz="1400" kern="1200" dirty="0" smtClean="0"/>
+            <a:t>Relevant</a:t>
+          </a:r>
+          <a:endParaRPr lang="ru-RU" sz="1400" kern="1200" dirty="0" smtClean="0"/>
+        </a:p>
+        <a:p>
+          <a:pPr lvl="0" algn="ctr" defTabSz="622300">
+            <a:lnSpc>
+              <a:spcPct val="90000"/>
+            </a:lnSpc>
+            <a:spcBef>
+              <a:spcPct val="0"/>
+            </a:spcBef>
+            <a:spcAft>
+              <a:spcPct val="35000"/>
+            </a:spcAft>
+          </a:pPr>
+          <a:r>
+            <a:rPr lang="en-US" sz="1400" kern="1200" dirty="0" smtClean="0"/>
+            <a:t>Response</a:t>
+          </a:r>
+          <a:endParaRPr lang="ru-RU" sz="1400" kern="1200" dirty="0"/>
+        </a:p>
+      </dsp:txBody>
+      <dsp:txXfrm>
+        <a:off x="5308552" y="556993"/>
+        <a:ext cx="756579" cy="756579"/>
+      </dsp:txXfrm>
+    </dsp:sp>
   </dsp:spTree>
 </dsp:drawing>
 </file>
@@ -16039,6 +18745,359 @@
       <dsp:cNvGrpSpPr/>
     </dsp:nvGrpSpPr>
     <dsp:grpSpPr/>
+    <dsp:sp modelId="{B0B6F61C-C060-4C4C-96BF-4EE40B41E6A0}">
+      <dsp:nvSpPr>
+        <dsp:cNvPr id="0" name=""/>
+        <dsp:cNvSpPr/>
+      </dsp:nvSpPr>
+      <dsp:spPr>
+        <a:xfrm>
+          <a:off x="2739272" y="0"/>
+          <a:ext cx="2167266" cy="1894464"/>
+        </a:xfrm>
+        <a:prstGeom prst="rightArrow">
+          <a:avLst>
+            <a:gd name="adj1" fmla="val 70000"/>
+            <a:gd name="adj2" fmla="val 50000"/>
+          </a:avLst>
+        </a:prstGeom>
+        <a:solidFill>
+          <a:schemeClr val="accent1">
+            <a:alpha val="90000"/>
+            <a:tint val="40000"/>
+            <a:hueOff val="0"/>
+            <a:satOff val="0"/>
+            <a:lumOff val="0"/>
+            <a:alphaOff val="0"/>
+          </a:schemeClr>
+        </a:solidFill>
+        <a:ln w="15875" cap="flat" cmpd="sng" algn="ctr">
+          <a:solidFill>
+            <a:schemeClr val="accent1">
+              <a:alpha val="90000"/>
+              <a:tint val="40000"/>
+              <a:hueOff val="0"/>
+              <a:satOff val="0"/>
+              <a:lumOff val="0"/>
+              <a:alphaOff val="0"/>
+            </a:schemeClr>
+          </a:solidFill>
+          <a:prstDash val="solid"/>
+        </a:ln>
+        <a:effectLst/>
+      </dsp:spPr>
+      <dsp:style>
+        <a:lnRef idx="2">
+          <a:scrgbClr r="0" g="0" b="0"/>
+        </a:lnRef>
+        <a:fillRef idx="1">
+          <a:scrgbClr r="0" g="0" b="0"/>
+        </a:fillRef>
+        <a:effectRef idx="0">
+          <a:scrgbClr r="0" g="0" b="0"/>
+        </a:effectRef>
+        <a:fontRef idx="minor"/>
+      </dsp:style>
+      <dsp:txBody>
+        <a:bodyPr spcFirstLastPara="0" vert="horz" wrap="square" lIns="25400" tIns="6350" rIns="12700" bIns="6350" numCol="1" spcCol="1270" anchor="ctr" anchorCtr="0">
+          <a:noAutofit/>
+        </a:bodyPr>
+        <a:lstStyle/>
+        <a:p>
+          <a:pPr lvl="0" algn="ctr" defTabSz="444500">
+            <a:lnSpc>
+              <a:spcPct val="90000"/>
+            </a:lnSpc>
+            <a:spcBef>
+              <a:spcPct val="0"/>
+            </a:spcBef>
+            <a:spcAft>
+              <a:spcPct val="35000"/>
+            </a:spcAft>
+          </a:pPr>
+          <a:r>
+            <a:rPr lang="ru-RU" sz="1000" kern="1200" dirty="0" smtClean="0"/>
+            <a:t>обновить базу инвертированных индексов</a:t>
+          </a:r>
+          <a:endParaRPr lang="ru-RU" sz="1000" kern="1200" dirty="0"/>
+        </a:p>
+      </dsp:txBody>
+      <dsp:txXfrm>
+        <a:off x="3281089" y="284170"/>
+        <a:ext cx="1056543" cy="1326124"/>
+      </dsp:txXfrm>
+    </dsp:sp>
+    <dsp:sp modelId="{E644A287-01BC-4CF5-B466-30846E7BBA7F}">
+      <dsp:nvSpPr>
+        <dsp:cNvPr id="0" name=""/>
+        <dsp:cNvSpPr/>
+      </dsp:nvSpPr>
+      <dsp:spPr>
+        <a:xfrm>
+          <a:off x="2197456" y="405415"/>
+          <a:ext cx="1083633" cy="1083633"/>
+        </a:xfrm>
+        <a:prstGeom prst="ellipse">
+          <a:avLst/>
+        </a:prstGeom>
+        <a:solidFill>
+          <a:schemeClr val="accent1">
+            <a:hueOff val="0"/>
+            <a:satOff val="0"/>
+            <a:lumOff val="0"/>
+            <a:alphaOff val="0"/>
+          </a:schemeClr>
+        </a:solidFill>
+        <a:ln w="15875" cap="flat" cmpd="sng" algn="ctr">
+          <a:solidFill>
+            <a:schemeClr val="lt1">
+              <a:hueOff val="0"/>
+              <a:satOff val="0"/>
+              <a:lumOff val="0"/>
+              <a:alphaOff val="0"/>
+            </a:schemeClr>
+          </a:solidFill>
+          <a:prstDash val="solid"/>
+        </a:ln>
+        <a:effectLst/>
+      </dsp:spPr>
+      <dsp:style>
+        <a:lnRef idx="2">
+          <a:scrgbClr r="0" g="0" b="0"/>
+        </a:lnRef>
+        <a:fillRef idx="1">
+          <a:scrgbClr r="0" g="0" b="0"/>
+        </a:fillRef>
+        <a:effectRef idx="0">
+          <a:scrgbClr r="0" g="0" b="0"/>
+        </a:effectRef>
+        <a:fontRef idx="minor">
+          <a:schemeClr val="lt1"/>
+        </a:fontRef>
+      </dsp:style>
+      <dsp:txBody>
+        <a:bodyPr spcFirstLastPara="0" vert="horz" wrap="square" lIns="10795" tIns="10795" rIns="10795" bIns="10795" numCol="1" spcCol="1270" anchor="ctr" anchorCtr="0">
+          <a:noAutofit/>
+        </a:bodyPr>
+        <a:lstStyle/>
+        <a:p>
+          <a:pPr lvl="0" algn="ctr" defTabSz="755650">
+            <a:lnSpc>
+              <a:spcPct val="90000"/>
+            </a:lnSpc>
+            <a:spcBef>
+              <a:spcPct val="0"/>
+            </a:spcBef>
+            <a:spcAft>
+              <a:spcPct val="35000"/>
+            </a:spcAft>
+          </a:pPr>
+          <a:r>
+            <a:rPr lang="en-US" sz="1700" kern="1200" dirty="0" smtClean="0"/>
+            <a:t>Search</a:t>
+          </a:r>
+          <a:endParaRPr lang="ru-RU" sz="1700" kern="1200" dirty="0" smtClean="0"/>
+        </a:p>
+        <a:p>
+          <a:pPr lvl="0" algn="ctr" defTabSz="755650">
+            <a:lnSpc>
+              <a:spcPct val="90000"/>
+            </a:lnSpc>
+            <a:spcBef>
+              <a:spcPct val="0"/>
+            </a:spcBef>
+            <a:spcAft>
+              <a:spcPct val="35000"/>
+            </a:spcAft>
+          </a:pPr>
+          <a:r>
+            <a:rPr lang="en-US" sz="1700" kern="1200" dirty="0" smtClean="0"/>
+            <a:t>Engine</a:t>
+          </a:r>
+          <a:endParaRPr lang="ru-RU" sz="1700" kern="1200" dirty="0"/>
+        </a:p>
+      </dsp:txBody>
+      <dsp:txXfrm>
+        <a:off x="2356150" y="564109"/>
+        <a:ext cx="766245" cy="766245"/>
+      </dsp:txXfrm>
+    </dsp:sp>
+    <dsp:sp modelId="{1FA1B9C7-0E34-4A44-A18B-216DF888F0C5}">
+      <dsp:nvSpPr>
+        <dsp:cNvPr id="0" name=""/>
+        <dsp:cNvSpPr/>
+      </dsp:nvSpPr>
+      <dsp:spPr>
+        <a:xfrm>
+          <a:off x="5693677" y="0"/>
+          <a:ext cx="2167266" cy="1894464"/>
+        </a:xfrm>
+        <a:prstGeom prst="rightArrow">
+          <a:avLst>
+            <a:gd name="adj1" fmla="val 70000"/>
+            <a:gd name="adj2" fmla="val 50000"/>
+          </a:avLst>
+        </a:prstGeom>
+        <a:solidFill>
+          <a:schemeClr val="accent1">
+            <a:alpha val="90000"/>
+            <a:tint val="40000"/>
+            <a:hueOff val="0"/>
+            <a:satOff val="0"/>
+            <a:lumOff val="0"/>
+            <a:alphaOff val="0"/>
+          </a:schemeClr>
+        </a:solidFill>
+        <a:ln w="15875" cap="flat" cmpd="sng" algn="ctr">
+          <a:solidFill>
+            <a:schemeClr val="accent1">
+              <a:alpha val="90000"/>
+              <a:tint val="40000"/>
+              <a:hueOff val="0"/>
+              <a:satOff val="0"/>
+              <a:lumOff val="0"/>
+              <a:alphaOff val="0"/>
+            </a:schemeClr>
+          </a:solidFill>
+          <a:prstDash val="solid"/>
+        </a:ln>
+        <a:effectLst/>
+      </dsp:spPr>
+      <dsp:style>
+        <a:lnRef idx="2">
+          <a:scrgbClr r="0" g="0" b="0"/>
+        </a:lnRef>
+        <a:fillRef idx="1">
+          <a:scrgbClr r="0" g="0" b="0"/>
+        </a:fillRef>
+        <a:effectRef idx="0">
+          <a:scrgbClr r="0" g="0" b="0"/>
+        </a:effectRef>
+        <a:fontRef idx="minor"/>
+      </dsp:style>
+      <dsp:txBody>
+        <a:bodyPr spcFirstLastPara="0" vert="horz" wrap="square" lIns="25400" tIns="6350" rIns="12700" bIns="6350" numCol="1" spcCol="1270" anchor="ctr" anchorCtr="0">
+          <a:noAutofit/>
+        </a:bodyPr>
+        <a:lstStyle/>
+        <a:p>
+          <a:pPr lvl="0" algn="ctr" defTabSz="444500">
+            <a:lnSpc>
+              <a:spcPct val="90000"/>
+            </a:lnSpc>
+            <a:spcBef>
+              <a:spcPct val="0"/>
+            </a:spcBef>
+            <a:spcAft>
+              <a:spcPct val="35000"/>
+            </a:spcAft>
+          </a:pPr>
+          <a:r>
+            <a:rPr lang="ru-RU" sz="1000" kern="1200" dirty="0" smtClean="0"/>
+            <a:t>ссылка на базу инвертированных индексов</a:t>
+          </a:r>
+          <a:endParaRPr lang="ru-RU" sz="1000" kern="1200" dirty="0"/>
+        </a:p>
+      </dsp:txBody>
+      <dsp:txXfrm>
+        <a:off x="6235493" y="284170"/>
+        <a:ext cx="1056543" cy="1326124"/>
+      </dsp:txXfrm>
+    </dsp:sp>
+    <dsp:sp modelId="{0A88A3E8-7701-48D6-969C-59DBA88CA534}">
+      <dsp:nvSpPr>
+        <dsp:cNvPr id="0" name=""/>
+        <dsp:cNvSpPr/>
+      </dsp:nvSpPr>
+      <dsp:spPr>
+        <a:xfrm>
+          <a:off x="5151860" y="405415"/>
+          <a:ext cx="1083633" cy="1083633"/>
+        </a:xfrm>
+        <a:prstGeom prst="ellipse">
+          <a:avLst/>
+        </a:prstGeom>
+        <a:solidFill>
+          <a:schemeClr val="accent1">
+            <a:hueOff val="0"/>
+            <a:satOff val="0"/>
+            <a:lumOff val="0"/>
+            <a:alphaOff val="0"/>
+          </a:schemeClr>
+        </a:solidFill>
+        <a:ln w="15875" cap="flat" cmpd="sng" algn="ctr">
+          <a:solidFill>
+            <a:schemeClr val="lt1">
+              <a:hueOff val="0"/>
+              <a:satOff val="0"/>
+              <a:lumOff val="0"/>
+              <a:alphaOff val="0"/>
+            </a:schemeClr>
+          </a:solidFill>
+          <a:prstDash val="solid"/>
+        </a:ln>
+        <a:effectLst/>
+      </dsp:spPr>
+      <dsp:style>
+        <a:lnRef idx="2">
+          <a:scrgbClr r="0" g="0" b="0"/>
+        </a:lnRef>
+        <a:fillRef idx="1">
+          <a:scrgbClr r="0" g="0" b="0"/>
+        </a:fillRef>
+        <a:effectRef idx="0">
+          <a:scrgbClr r="0" g="0" b="0"/>
+        </a:effectRef>
+        <a:fontRef idx="minor">
+          <a:schemeClr val="lt1"/>
+        </a:fontRef>
+      </dsp:style>
+      <dsp:txBody>
+        <a:bodyPr spcFirstLastPara="0" vert="horz" wrap="square" lIns="10795" tIns="10795" rIns="10795" bIns="10795" numCol="1" spcCol="1270" anchor="ctr" anchorCtr="0">
+          <a:noAutofit/>
+        </a:bodyPr>
+        <a:lstStyle/>
+        <a:p>
+          <a:pPr lvl="0" algn="ctr" defTabSz="755650">
+            <a:lnSpc>
+              <a:spcPct val="90000"/>
+            </a:lnSpc>
+            <a:spcBef>
+              <a:spcPct val="0"/>
+            </a:spcBef>
+            <a:spcAft>
+              <a:spcPct val="35000"/>
+            </a:spcAft>
+          </a:pPr>
+          <a:r>
+            <a:rPr lang="en-US" sz="1700" kern="1200" dirty="0" smtClean="0"/>
+            <a:t>Inverted</a:t>
+          </a:r>
+        </a:p>
+        <a:p>
+          <a:pPr lvl="0" algn="ctr" defTabSz="755650">
+            <a:lnSpc>
+              <a:spcPct val="90000"/>
+            </a:lnSpc>
+            <a:spcBef>
+              <a:spcPct val="0"/>
+            </a:spcBef>
+            <a:spcAft>
+              <a:spcPct val="35000"/>
+            </a:spcAft>
+          </a:pPr>
+          <a:r>
+            <a:rPr lang="en-US" sz="1700" kern="1200" dirty="0" smtClean="0"/>
+            <a:t>Index</a:t>
+          </a:r>
+          <a:endParaRPr lang="ru-RU" sz="1700" kern="1200" dirty="0"/>
+        </a:p>
+      </dsp:txBody>
+      <dsp:txXfrm>
+        <a:off x="5310554" y="564109"/>
+        <a:ext cx="766245" cy="766245"/>
+      </dsp:txXfrm>
+    </dsp:sp>
   </dsp:spTree>
 </dsp:drawing>
 </file>
@@ -16051,6 +19110,513 @@
       <dsp:cNvGrpSpPr/>
     </dsp:nvGrpSpPr>
     <dsp:grpSpPr/>
+    <dsp:sp modelId="{B0B6F61C-C060-4C4C-96BF-4EE40B41E6A0}">
+      <dsp:nvSpPr>
+        <dsp:cNvPr id="0" name=""/>
+        <dsp:cNvSpPr/>
+      </dsp:nvSpPr>
+      <dsp:spPr>
+        <a:xfrm>
+          <a:off x="1930764" y="0"/>
+          <a:ext cx="1807086" cy="1579621"/>
+        </a:xfrm>
+        <a:prstGeom prst="rightArrow">
+          <a:avLst>
+            <a:gd name="adj1" fmla="val 70000"/>
+            <a:gd name="adj2" fmla="val 50000"/>
+          </a:avLst>
+        </a:prstGeom>
+        <a:solidFill>
+          <a:schemeClr val="accent1">
+            <a:alpha val="90000"/>
+            <a:tint val="40000"/>
+            <a:hueOff val="0"/>
+            <a:satOff val="0"/>
+            <a:lumOff val="0"/>
+            <a:alphaOff val="0"/>
+          </a:schemeClr>
+        </a:solidFill>
+        <a:ln w="15875" cap="flat" cmpd="sng" algn="ctr">
+          <a:solidFill>
+            <a:schemeClr val="accent1">
+              <a:alpha val="90000"/>
+              <a:tint val="40000"/>
+              <a:hueOff val="0"/>
+              <a:satOff val="0"/>
+              <a:lumOff val="0"/>
+              <a:alphaOff val="0"/>
+            </a:schemeClr>
+          </a:solidFill>
+          <a:prstDash val="solid"/>
+        </a:ln>
+        <a:effectLst/>
+      </dsp:spPr>
+      <dsp:style>
+        <a:lnRef idx="2">
+          <a:scrgbClr r="0" g="0" b="0"/>
+        </a:lnRef>
+        <a:fillRef idx="1">
+          <a:scrgbClr r="0" g="0" b="0"/>
+        </a:fillRef>
+        <a:effectRef idx="0">
+          <a:scrgbClr r="0" g="0" b="0"/>
+        </a:effectRef>
+        <a:fontRef idx="minor"/>
+      </dsp:style>
+      <dsp:txBody>
+        <a:bodyPr spcFirstLastPara="0" vert="horz" wrap="square" lIns="40640" tIns="10160" rIns="20320" bIns="10160" numCol="1" spcCol="1270" anchor="ctr" anchorCtr="0">
+          <a:noAutofit/>
+        </a:bodyPr>
+        <a:lstStyle/>
+        <a:p>
+          <a:pPr lvl="0" algn="ctr" defTabSz="711200">
+            <a:lnSpc>
+              <a:spcPct val="90000"/>
+            </a:lnSpc>
+            <a:spcBef>
+              <a:spcPct val="0"/>
+            </a:spcBef>
+            <a:spcAft>
+              <a:spcPct val="35000"/>
+            </a:spcAft>
+          </a:pPr>
+          <a:r>
+            <a:rPr lang="ru-RU" sz="1600" kern="1200" dirty="0" smtClean="0"/>
+            <a:t>получить </a:t>
+          </a:r>
+          <a:r>
+            <a:rPr lang="en-US" sz="1600" kern="1200" dirty="0" smtClean="0"/>
+            <a:t>JSON-</a:t>
+          </a:r>
+          <a:r>
+            <a:rPr lang="ru-RU" sz="1600" kern="1200" dirty="0" smtClean="0"/>
+            <a:t>объект ответов</a:t>
+          </a:r>
+          <a:endParaRPr lang="ru-RU" sz="1600" kern="1200" dirty="0"/>
+        </a:p>
+      </dsp:txBody>
+      <dsp:txXfrm>
+        <a:off x="2382535" y="236943"/>
+        <a:ext cx="880954" cy="1105735"/>
+      </dsp:txXfrm>
+    </dsp:sp>
+    <dsp:sp modelId="{E644A287-01BC-4CF5-B466-30846E7BBA7F}">
+      <dsp:nvSpPr>
+        <dsp:cNvPr id="0" name=""/>
+        <dsp:cNvSpPr/>
+      </dsp:nvSpPr>
+      <dsp:spPr>
+        <a:xfrm>
+          <a:off x="1478992" y="338038"/>
+          <a:ext cx="903543" cy="903543"/>
+        </a:xfrm>
+        <a:prstGeom prst="ellipse">
+          <a:avLst/>
+        </a:prstGeom>
+        <a:solidFill>
+          <a:schemeClr val="accent1">
+            <a:hueOff val="0"/>
+            <a:satOff val="0"/>
+            <a:lumOff val="0"/>
+            <a:alphaOff val="0"/>
+          </a:schemeClr>
+        </a:solidFill>
+        <a:ln w="15875" cap="flat" cmpd="sng" algn="ctr">
+          <a:solidFill>
+            <a:schemeClr val="lt1">
+              <a:hueOff val="0"/>
+              <a:satOff val="0"/>
+              <a:lumOff val="0"/>
+              <a:alphaOff val="0"/>
+            </a:schemeClr>
+          </a:solidFill>
+          <a:prstDash val="solid"/>
+        </a:ln>
+        <a:effectLst/>
+      </dsp:spPr>
+      <dsp:style>
+        <a:lnRef idx="2">
+          <a:scrgbClr r="0" g="0" b="0"/>
+        </a:lnRef>
+        <a:fillRef idx="1">
+          <a:scrgbClr r="0" g="0" b="0"/>
+        </a:fillRef>
+        <a:effectRef idx="0">
+          <a:scrgbClr r="0" g="0" b="0"/>
+        </a:effectRef>
+        <a:fontRef idx="minor">
+          <a:schemeClr val="lt1"/>
+        </a:fontRef>
+      </dsp:style>
+      <dsp:txBody>
+        <a:bodyPr spcFirstLastPara="0" vert="horz" wrap="square" lIns="6985" tIns="6985" rIns="6985" bIns="6985" numCol="1" spcCol="1270" anchor="ctr" anchorCtr="0">
+          <a:noAutofit/>
+        </a:bodyPr>
+        <a:lstStyle/>
+        <a:p>
+          <a:pPr lvl="0" algn="ctr" defTabSz="488950">
+            <a:lnSpc>
+              <a:spcPct val="90000"/>
+            </a:lnSpc>
+            <a:spcBef>
+              <a:spcPct val="0"/>
+            </a:spcBef>
+            <a:spcAft>
+              <a:spcPct val="35000"/>
+            </a:spcAft>
+          </a:pPr>
+          <a:r>
+            <a:rPr lang="en-US" sz="1100" kern="1200" dirty="0" smtClean="0"/>
+            <a:t>Search</a:t>
+          </a:r>
+          <a:endParaRPr lang="ru-RU" sz="1100" kern="1200" dirty="0" smtClean="0"/>
+        </a:p>
+        <a:p>
+          <a:pPr lvl="0" algn="ctr" defTabSz="488950">
+            <a:lnSpc>
+              <a:spcPct val="90000"/>
+            </a:lnSpc>
+            <a:spcBef>
+              <a:spcPct val="0"/>
+            </a:spcBef>
+            <a:spcAft>
+              <a:spcPct val="35000"/>
+            </a:spcAft>
+          </a:pPr>
+          <a:r>
+            <a:rPr lang="en-US" sz="1100" kern="1200" dirty="0" smtClean="0"/>
+            <a:t>Engine</a:t>
+          </a:r>
+          <a:endParaRPr lang="ru-RU" sz="1100" kern="1200" dirty="0"/>
+        </a:p>
+      </dsp:txBody>
+      <dsp:txXfrm>
+        <a:off x="1611313" y="470359"/>
+        <a:ext cx="638901" cy="638901"/>
+      </dsp:txXfrm>
+    </dsp:sp>
+    <dsp:sp modelId="{1FA1B9C7-0E34-4A44-A18B-216DF888F0C5}">
+      <dsp:nvSpPr>
+        <dsp:cNvPr id="0" name=""/>
+        <dsp:cNvSpPr/>
+      </dsp:nvSpPr>
+      <dsp:spPr>
+        <a:xfrm>
+          <a:off x="4351701" y="0"/>
+          <a:ext cx="1807086" cy="1579621"/>
+        </a:xfrm>
+        <a:prstGeom prst="rightArrow">
+          <a:avLst>
+            <a:gd name="adj1" fmla="val 70000"/>
+            <a:gd name="adj2" fmla="val 50000"/>
+          </a:avLst>
+        </a:prstGeom>
+        <a:solidFill>
+          <a:schemeClr val="accent1">
+            <a:alpha val="90000"/>
+            <a:tint val="40000"/>
+            <a:hueOff val="0"/>
+            <a:satOff val="0"/>
+            <a:lumOff val="0"/>
+            <a:alphaOff val="0"/>
+          </a:schemeClr>
+        </a:solidFill>
+        <a:ln w="15875" cap="flat" cmpd="sng" algn="ctr">
+          <a:solidFill>
+            <a:schemeClr val="accent1">
+              <a:alpha val="90000"/>
+              <a:tint val="40000"/>
+              <a:hueOff val="0"/>
+              <a:satOff val="0"/>
+              <a:lumOff val="0"/>
+              <a:alphaOff val="0"/>
+            </a:schemeClr>
+          </a:solidFill>
+          <a:prstDash val="solid"/>
+        </a:ln>
+        <a:effectLst/>
+      </dsp:spPr>
+      <dsp:style>
+        <a:lnRef idx="2">
+          <a:scrgbClr r="0" g="0" b="0"/>
+        </a:lnRef>
+        <a:fillRef idx="1">
+          <a:scrgbClr r="0" g="0" b="0"/>
+        </a:fillRef>
+        <a:effectRef idx="0">
+          <a:scrgbClr r="0" g="0" b="0"/>
+        </a:effectRef>
+        <a:fontRef idx="minor"/>
+      </dsp:style>
+      <dsp:txBody>
+        <a:bodyPr spcFirstLastPara="0" vert="horz" wrap="square" lIns="40640" tIns="10160" rIns="20320" bIns="10160" numCol="1" spcCol="1270" anchor="ctr" anchorCtr="0">
+          <a:noAutofit/>
+        </a:bodyPr>
+        <a:lstStyle/>
+        <a:p>
+          <a:pPr lvl="0" algn="ctr" defTabSz="711200">
+            <a:lnSpc>
+              <a:spcPct val="90000"/>
+            </a:lnSpc>
+            <a:spcBef>
+              <a:spcPct val="0"/>
+            </a:spcBef>
+            <a:spcAft>
+              <a:spcPct val="35000"/>
+            </a:spcAft>
+          </a:pPr>
+          <a:r>
+            <a:rPr lang="ru-RU" sz="1600" kern="1200" dirty="0" smtClean="0"/>
+            <a:t>ссылка на </a:t>
+          </a:r>
+          <a:r>
+            <a:rPr lang="en-US" sz="1600" kern="1200" dirty="0" smtClean="0"/>
+            <a:t>JSON-</a:t>
+          </a:r>
+          <a:r>
+            <a:rPr lang="ru-RU" sz="1600" kern="1200" dirty="0" smtClean="0"/>
+            <a:t>объект ответов</a:t>
+          </a:r>
+          <a:endParaRPr lang="ru-RU" sz="1600" kern="1200" dirty="0"/>
+        </a:p>
+      </dsp:txBody>
+      <dsp:txXfrm>
+        <a:off x="4803472" y="236943"/>
+        <a:ext cx="880954" cy="1105735"/>
+      </dsp:txXfrm>
+    </dsp:sp>
+    <dsp:sp modelId="{0A88A3E8-7701-48D6-969C-59DBA88CA534}">
+      <dsp:nvSpPr>
+        <dsp:cNvPr id="0" name=""/>
+        <dsp:cNvSpPr/>
+      </dsp:nvSpPr>
+      <dsp:spPr>
+        <a:xfrm>
+          <a:off x="3899929" y="338038"/>
+          <a:ext cx="903543" cy="903543"/>
+        </a:xfrm>
+        <a:prstGeom prst="ellipse">
+          <a:avLst/>
+        </a:prstGeom>
+        <a:solidFill>
+          <a:schemeClr val="accent1">
+            <a:hueOff val="0"/>
+            <a:satOff val="0"/>
+            <a:lumOff val="0"/>
+            <a:alphaOff val="0"/>
+          </a:schemeClr>
+        </a:solidFill>
+        <a:ln w="15875" cap="flat" cmpd="sng" algn="ctr">
+          <a:solidFill>
+            <a:schemeClr val="lt1">
+              <a:hueOff val="0"/>
+              <a:satOff val="0"/>
+              <a:lumOff val="0"/>
+              <a:alphaOff val="0"/>
+            </a:schemeClr>
+          </a:solidFill>
+          <a:prstDash val="solid"/>
+        </a:ln>
+        <a:effectLst/>
+      </dsp:spPr>
+      <dsp:style>
+        <a:lnRef idx="2">
+          <a:scrgbClr r="0" g="0" b="0"/>
+        </a:lnRef>
+        <a:fillRef idx="1">
+          <a:scrgbClr r="0" g="0" b="0"/>
+        </a:fillRef>
+        <a:effectRef idx="0">
+          <a:scrgbClr r="0" g="0" b="0"/>
+        </a:effectRef>
+        <a:fontRef idx="minor">
+          <a:schemeClr val="lt1"/>
+        </a:fontRef>
+      </dsp:style>
+      <dsp:txBody>
+        <a:bodyPr spcFirstLastPara="0" vert="horz" wrap="square" lIns="6985" tIns="6985" rIns="6985" bIns="6985" numCol="1" spcCol="1270" anchor="ctr" anchorCtr="0">
+          <a:noAutofit/>
+        </a:bodyPr>
+        <a:lstStyle/>
+        <a:p>
+          <a:pPr lvl="0" algn="ctr" defTabSz="488950">
+            <a:lnSpc>
+              <a:spcPct val="90000"/>
+            </a:lnSpc>
+            <a:spcBef>
+              <a:spcPct val="0"/>
+            </a:spcBef>
+            <a:spcAft>
+              <a:spcPct val="35000"/>
+            </a:spcAft>
+          </a:pPr>
+          <a:r>
+            <a:rPr lang="en-US" sz="1100" kern="1200" dirty="0" smtClean="0"/>
+            <a:t>Converter</a:t>
+          </a:r>
+          <a:endParaRPr lang="ru-RU" sz="1100" kern="1200" dirty="0" smtClean="0"/>
+        </a:p>
+        <a:p>
+          <a:pPr lvl="0" algn="ctr" defTabSz="488950">
+            <a:lnSpc>
+              <a:spcPct val="90000"/>
+            </a:lnSpc>
+            <a:spcBef>
+              <a:spcPct val="0"/>
+            </a:spcBef>
+            <a:spcAft>
+              <a:spcPct val="35000"/>
+            </a:spcAft>
+          </a:pPr>
+          <a:r>
+            <a:rPr lang="en-US" sz="1100" kern="1200" dirty="0" smtClean="0"/>
+            <a:t>JSON</a:t>
+          </a:r>
+          <a:endParaRPr lang="ru-RU" sz="1100" kern="1200" dirty="0"/>
+        </a:p>
+      </dsp:txBody>
+      <dsp:txXfrm>
+        <a:off x="4032250" y="470359"/>
+        <a:ext cx="638901" cy="638901"/>
+      </dsp:txXfrm>
+    </dsp:sp>
+    <dsp:sp modelId="{DD91B7DA-3D09-40A2-870E-D63ED550DC00}">
+      <dsp:nvSpPr>
+        <dsp:cNvPr id="0" name=""/>
+        <dsp:cNvSpPr/>
+      </dsp:nvSpPr>
+      <dsp:spPr>
+        <a:xfrm>
+          <a:off x="6846837" y="0"/>
+          <a:ext cx="1807086" cy="1579621"/>
+        </a:xfrm>
+        <a:prstGeom prst="rightArrow">
+          <a:avLst>
+            <a:gd name="adj1" fmla="val 70000"/>
+            <a:gd name="adj2" fmla="val 50000"/>
+          </a:avLst>
+        </a:prstGeom>
+        <a:solidFill>
+          <a:schemeClr val="bg2"/>
+        </a:solidFill>
+        <a:ln w="15875" cap="flat" cmpd="sng" algn="ctr">
+          <a:solidFill>
+            <a:schemeClr val="bg2">
+              <a:alpha val="90000"/>
+            </a:schemeClr>
+          </a:solidFill>
+          <a:prstDash val="solid"/>
+        </a:ln>
+        <a:effectLst/>
+      </dsp:spPr>
+      <dsp:style>
+        <a:lnRef idx="2">
+          <a:scrgbClr r="0" g="0" b="0"/>
+        </a:lnRef>
+        <a:fillRef idx="1">
+          <a:scrgbClr r="0" g="0" b="0"/>
+        </a:fillRef>
+        <a:effectRef idx="0">
+          <a:scrgbClr r="0" g="0" b="0"/>
+        </a:effectRef>
+        <a:fontRef idx="minor"/>
+      </dsp:style>
+    </dsp:sp>
+    <dsp:sp modelId="{18B87B03-25AC-4DAC-8711-93139D44A946}">
+      <dsp:nvSpPr>
+        <dsp:cNvPr id="0" name=""/>
+        <dsp:cNvSpPr/>
+      </dsp:nvSpPr>
+      <dsp:spPr>
+        <a:xfrm>
+          <a:off x="6320866" y="338038"/>
+          <a:ext cx="903543" cy="903543"/>
+        </a:xfrm>
+        <a:prstGeom prst="ellipse">
+          <a:avLst/>
+        </a:prstGeom>
+        <a:solidFill>
+          <a:schemeClr val="accent1">
+            <a:hueOff val="0"/>
+            <a:satOff val="0"/>
+            <a:lumOff val="0"/>
+            <a:alphaOff val="0"/>
+          </a:schemeClr>
+        </a:solidFill>
+        <a:ln w="15875" cap="flat" cmpd="sng" algn="ctr">
+          <a:solidFill>
+            <a:schemeClr val="lt1">
+              <a:hueOff val="0"/>
+              <a:satOff val="0"/>
+              <a:lumOff val="0"/>
+              <a:alphaOff val="0"/>
+            </a:schemeClr>
+          </a:solidFill>
+          <a:prstDash val="solid"/>
+        </a:ln>
+        <a:effectLst/>
+      </dsp:spPr>
+      <dsp:style>
+        <a:lnRef idx="2">
+          <a:scrgbClr r="0" g="0" b="0"/>
+        </a:lnRef>
+        <a:fillRef idx="1">
+          <a:scrgbClr r="0" g="0" b="0"/>
+        </a:fillRef>
+        <a:effectRef idx="0">
+          <a:scrgbClr r="0" g="0" b="0"/>
+        </a:effectRef>
+        <a:fontRef idx="minor">
+          <a:schemeClr val="lt1"/>
+        </a:fontRef>
+      </dsp:style>
+      <dsp:txBody>
+        <a:bodyPr spcFirstLastPara="0" vert="horz" wrap="square" lIns="6985" tIns="6985" rIns="6985" bIns="6985" numCol="1" spcCol="1270" anchor="ctr" anchorCtr="0">
+          <a:noAutofit/>
+        </a:bodyPr>
+        <a:lstStyle/>
+        <a:p>
+          <a:pPr lvl="0" algn="ctr" defTabSz="488950">
+            <a:lnSpc>
+              <a:spcPct val="90000"/>
+            </a:lnSpc>
+            <a:spcBef>
+              <a:spcPct val="0"/>
+            </a:spcBef>
+            <a:spcAft>
+              <a:spcPct val="35000"/>
+            </a:spcAft>
+          </a:pPr>
+          <a:r>
+            <a:rPr lang="en-US" sz="1100" kern="1200" dirty="0" smtClean="0"/>
+            <a:t>Dispatcher</a:t>
+          </a:r>
+          <a:endParaRPr lang="ru-RU" sz="1100" kern="1200" dirty="0" smtClean="0"/>
+        </a:p>
+        <a:p>
+          <a:pPr lvl="0" algn="ctr" defTabSz="488950">
+            <a:lnSpc>
+              <a:spcPct val="90000"/>
+            </a:lnSpc>
+            <a:spcBef>
+              <a:spcPct val="0"/>
+            </a:spcBef>
+            <a:spcAft>
+              <a:spcPct val="35000"/>
+            </a:spcAft>
+          </a:pPr>
+          <a:r>
+            <a:rPr lang="en-US" sz="1100" kern="1200" dirty="0" smtClean="0"/>
+            <a:t>Operation</a:t>
+          </a:r>
+          <a:endParaRPr lang="ru-RU" sz="1100" kern="1200" dirty="0"/>
+        </a:p>
+      </dsp:txBody>
+      <dsp:txXfrm>
+        <a:off x="6453187" y="470359"/>
+        <a:ext cx="638901" cy="638901"/>
+      </dsp:txXfrm>
+    </dsp:sp>
   </dsp:spTree>
 </dsp:drawing>
 </file>
@@ -16063,6 +19629,368 @@
       <dsp:cNvGrpSpPr/>
     </dsp:nvGrpSpPr>
     <dsp:grpSpPr/>
+    <dsp:sp modelId="{B0B6F61C-C060-4C4C-96BF-4EE40B41E6A0}">
+      <dsp:nvSpPr>
+        <dsp:cNvPr id="0" name=""/>
+        <dsp:cNvSpPr/>
+      </dsp:nvSpPr>
+      <dsp:spPr>
+        <a:xfrm>
+          <a:off x="3005545" y="0"/>
+          <a:ext cx="1900993" cy="1661708"/>
+        </a:xfrm>
+        <a:prstGeom prst="rightArrow">
+          <a:avLst>
+            <a:gd name="adj1" fmla="val 70000"/>
+            <a:gd name="adj2" fmla="val 50000"/>
+          </a:avLst>
+        </a:prstGeom>
+        <a:solidFill>
+          <a:schemeClr val="accent1">
+            <a:alpha val="90000"/>
+            <a:tint val="40000"/>
+            <a:hueOff val="0"/>
+            <a:satOff val="0"/>
+            <a:lumOff val="0"/>
+            <a:alphaOff val="0"/>
+          </a:schemeClr>
+        </a:solidFill>
+        <a:ln w="15875" cap="flat" cmpd="sng" algn="ctr">
+          <a:solidFill>
+            <a:schemeClr val="accent1">
+              <a:alpha val="90000"/>
+              <a:tint val="40000"/>
+              <a:hueOff val="0"/>
+              <a:satOff val="0"/>
+              <a:lumOff val="0"/>
+              <a:alphaOff val="0"/>
+            </a:schemeClr>
+          </a:solidFill>
+          <a:prstDash val="solid"/>
+        </a:ln>
+        <a:effectLst/>
+      </dsp:spPr>
+      <dsp:style>
+        <a:lnRef idx="2">
+          <a:scrgbClr r="0" g="0" b="0"/>
+        </a:lnRef>
+        <a:fillRef idx="1">
+          <a:scrgbClr r="0" g="0" b="0"/>
+        </a:fillRef>
+        <a:effectRef idx="0">
+          <a:scrgbClr r="0" g="0" b="0"/>
+        </a:effectRef>
+        <a:fontRef idx="minor"/>
+      </dsp:style>
+      <dsp:txBody>
+        <a:bodyPr spcFirstLastPara="0" vert="horz" wrap="square" lIns="35560" tIns="8890" rIns="17780" bIns="8890" numCol="1" spcCol="1270" anchor="ctr" anchorCtr="0">
+          <a:noAutofit/>
+        </a:bodyPr>
+        <a:lstStyle/>
+        <a:p>
+          <a:pPr lvl="0" algn="ctr" defTabSz="622300">
+            <a:lnSpc>
+              <a:spcPct val="90000"/>
+            </a:lnSpc>
+            <a:spcBef>
+              <a:spcPct val="0"/>
+            </a:spcBef>
+            <a:spcAft>
+              <a:spcPct val="35000"/>
+            </a:spcAft>
+          </a:pPr>
+          <a:r>
+            <a:rPr lang="ru-RU" sz="1400" kern="1200" dirty="0" smtClean="0"/>
+            <a:t>записать в JSON-объект результаты поиска</a:t>
+          </a:r>
+          <a:endParaRPr lang="ru-RU" sz="1400" kern="1200" dirty="0"/>
+        </a:p>
+      </dsp:txBody>
+      <dsp:txXfrm>
+        <a:off x="3480794" y="249256"/>
+        <a:ext cx="926734" cy="1163196"/>
+      </dsp:txXfrm>
+    </dsp:sp>
+    <dsp:sp modelId="{E644A287-01BC-4CF5-B466-30846E7BBA7F}">
+      <dsp:nvSpPr>
+        <dsp:cNvPr id="0" name=""/>
+        <dsp:cNvSpPr/>
+      </dsp:nvSpPr>
+      <dsp:spPr>
+        <a:xfrm>
+          <a:off x="2530297" y="355605"/>
+          <a:ext cx="950496" cy="950496"/>
+        </a:xfrm>
+        <a:prstGeom prst="ellipse">
+          <a:avLst/>
+        </a:prstGeom>
+        <a:solidFill>
+          <a:schemeClr val="accent1">
+            <a:hueOff val="0"/>
+            <a:satOff val="0"/>
+            <a:lumOff val="0"/>
+            <a:alphaOff val="0"/>
+          </a:schemeClr>
+        </a:solidFill>
+        <a:ln w="15875" cap="flat" cmpd="sng" algn="ctr">
+          <a:solidFill>
+            <a:schemeClr val="lt1">
+              <a:hueOff val="0"/>
+              <a:satOff val="0"/>
+              <a:lumOff val="0"/>
+              <a:alphaOff val="0"/>
+            </a:schemeClr>
+          </a:solidFill>
+          <a:prstDash val="solid"/>
+        </a:ln>
+        <a:effectLst/>
+      </dsp:spPr>
+      <dsp:style>
+        <a:lnRef idx="2">
+          <a:scrgbClr r="0" g="0" b="0"/>
+        </a:lnRef>
+        <a:fillRef idx="1">
+          <a:scrgbClr r="0" g="0" b="0"/>
+        </a:fillRef>
+        <a:effectRef idx="0">
+          <a:scrgbClr r="0" g="0" b="0"/>
+        </a:effectRef>
+        <a:fontRef idx="minor">
+          <a:schemeClr val="lt1"/>
+        </a:fontRef>
+      </dsp:style>
+      <dsp:txBody>
+        <a:bodyPr spcFirstLastPara="0" vert="horz" wrap="square" lIns="7620" tIns="7620" rIns="7620" bIns="7620" numCol="1" spcCol="1270" anchor="ctr" anchorCtr="0">
+          <a:noAutofit/>
+        </a:bodyPr>
+        <a:lstStyle/>
+        <a:p>
+          <a:pPr lvl="0" algn="ctr" defTabSz="533400">
+            <a:lnSpc>
+              <a:spcPct val="90000"/>
+            </a:lnSpc>
+            <a:spcBef>
+              <a:spcPct val="0"/>
+            </a:spcBef>
+            <a:spcAft>
+              <a:spcPct val="35000"/>
+            </a:spcAft>
+          </a:pPr>
+          <a:r>
+            <a:rPr lang="en-US" sz="1200" kern="1200" dirty="0" smtClean="0"/>
+            <a:t>Search</a:t>
+          </a:r>
+          <a:endParaRPr lang="ru-RU" sz="1200" kern="1200" dirty="0" smtClean="0"/>
+        </a:p>
+        <a:p>
+          <a:pPr lvl="0" algn="ctr" defTabSz="533400">
+            <a:lnSpc>
+              <a:spcPct val="90000"/>
+            </a:lnSpc>
+            <a:spcBef>
+              <a:spcPct val="0"/>
+            </a:spcBef>
+            <a:spcAft>
+              <a:spcPct val="35000"/>
+            </a:spcAft>
+          </a:pPr>
+          <a:r>
+            <a:rPr lang="en-US" sz="1200" kern="1200" dirty="0" smtClean="0"/>
+            <a:t>Engine</a:t>
+          </a:r>
+          <a:endParaRPr lang="ru-RU" sz="1200" kern="1200" dirty="0"/>
+        </a:p>
+      </dsp:txBody>
+      <dsp:txXfrm>
+        <a:off x="2669494" y="494802"/>
+        <a:ext cx="672102" cy="672102"/>
+      </dsp:txXfrm>
+    </dsp:sp>
+    <dsp:sp modelId="{1FA1B9C7-0E34-4A44-A18B-216DF888F0C5}">
+      <dsp:nvSpPr>
+        <dsp:cNvPr id="0" name=""/>
+        <dsp:cNvSpPr/>
+      </dsp:nvSpPr>
+      <dsp:spPr>
+        <a:xfrm>
+          <a:off x="5627108" y="0"/>
+          <a:ext cx="1900993" cy="1661708"/>
+        </a:xfrm>
+        <a:prstGeom prst="rightArrow">
+          <a:avLst>
+            <a:gd name="adj1" fmla="val 70000"/>
+            <a:gd name="adj2" fmla="val 50000"/>
+          </a:avLst>
+        </a:prstGeom>
+        <a:solidFill>
+          <a:schemeClr val="accent1">
+            <a:alpha val="90000"/>
+            <a:tint val="40000"/>
+            <a:hueOff val="0"/>
+            <a:satOff val="0"/>
+            <a:lumOff val="0"/>
+            <a:alphaOff val="0"/>
+          </a:schemeClr>
+        </a:solidFill>
+        <a:ln w="15875" cap="flat" cmpd="sng" algn="ctr">
+          <a:solidFill>
+            <a:schemeClr val="accent1">
+              <a:alpha val="90000"/>
+              <a:tint val="40000"/>
+              <a:hueOff val="0"/>
+              <a:satOff val="0"/>
+              <a:lumOff val="0"/>
+              <a:alphaOff val="0"/>
+            </a:schemeClr>
+          </a:solidFill>
+          <a:prstDash val="solid"/>
+        </a:ln>
+        <a:effectLst/>
+      </dsp:spPr>
+      <dsp:style>
+        <a:lnRef idx="2">
+          <a:scrgbClr r="0" g="0" b="0"/>
+        </a:lnRef>
+        <a:fillRef idx="1">
+          <a:scrgbClr r="0" g="0" b="0"/>
+        </a:fillRef>
+        <a:effectRef idx="0">
+          <a:scrgbClr r="0" g="0" b="0"/>
+        </a:effectRef>
+        <a:fontRef idx="minor"/>
+      </dsp:style>
+      <dsp:txBody>
+        <a:bodyPr spcFirstLastPara="0" vert="horz" wrap="square" lIns="35560" tIns="8890" rIns="17780" bIns="8890" numCol="1" spcCol="1270" anchor="ctr" anchorCtr="0">
+          <a:noAutofit/>
+        </a:bodyPr>
+        <a:lstStyle/>
+        <a:p>
+          <a:pPr lvl="0" algn="ctr" defTabSz="622300">
+            <a:lnSpc>
+              <a:spcPct val="90000"/>
+            </a:lnSpc>
+            <a:spcBef>
+              <a:spcPct val="0"/>
+            </a:spcBef>
+            <a:spcAft>
+              <a:spcPct val="35000"/>
+            </a:spcAft>
+          </a:pPr>
+          <a:r>
+            <a:rPr lang="ru-RU" sz="1400" kern="1200" dirty="0" smtClean="0"/>
+            <a:t>Ссылка на  </a:t>
+          </a:r>
+          <a:r>
+            <a:rPr lang="en-US" sz="1400" kern="1200" dirty="0" smtClean="0"/>
+            <a:t>JSON-</a:t>
+          </a:r>
+          <a:r>
+            <a:rPr lang="ru-RU" sz="1400" kern="1200" dirty="0" smtClean="0"/>
+            <a:t>объект ответов</a:t>
+          </a:r>
+          <a:endParaRPr lang="ru-RU" sz="1400" kern="1200" dirty="0"/>
+        </a:p>
+      </dsp:txBody>
+      <dsp:txXfrm>
+        <a:off x="6102357" y="249256"/>
+        <a:ext cx="926734" cy="1163196"/>
+      </dsp:txXfrm>
+    </dsp:sp>
+    <dsp:sp modelId="{0A88A3E8-7701-48D6-969C-59DBA88CA534}">
+      <dsp:nvSpPr>
+        <dsp:cNvPr id="0" name=""/>
+        <dsp:cNvSpPr/>
+      </dsp:nvSpPr>
+      <dsp:spPr>
+        <a:xfrm>
+          <a:off x="5151860" y="355605"/>
+          <a:ext cx="950496" cy="950496"/>
+        </a:xfrm>
+        <a:prstGeom prst="ellipse">
+          <a:avLst/>
+        </a:prstGeom>
+        <a:solidFill>
+          <a:schemeClr val="accent1">
+            <a:hueOff val="0"/>
+            <a:satOff val="0"/>
+            <a:lumOff val="0"/>
+            <a:alphaOff val="0"/>
+          </a:schemeClr>
+        </a:solidFill>
+        <a:ln w="15875" cap="flat" cmpd="sng" algn="ctr">
+          <a:solidFill>
+            <a:schemeClr val="lt1">
+              <a:hueOff val="0"/>
+              <a:satOff val="0"/>
+              <a:lumOff val="0"/>
+              <a:alphaOff val="0"/>
+            </a:schemeClr>
+          </a:solidFill>
+          <a:prstDash val="solid"/>
+        </a:ln>
+        <a:effectLst/>
+      </dsp:spPr>
+      <dsp:style>
+        <a:lnRef idx="2">
+          <a:scrgbClr r="0" g="0" b="0"/>
+        </a:lnRef>
+        <a:fillRef idx="1">
+          <a:scrgbClr r="0" g="0" b="0"/>
+        </a:fillRef>
+        <a:effectRef idx="0">
+          <a:scrgbClr r="0" g="0" b="0"/>
+        </a:effectRef>
+        <a:fontRef idx="minor">
+          <a:schemeClr val="lt1"/>
+        </a:fontRef>
+      </dsp:style>
+      <dsp:txBody>
+        <a:bodyPr spcFirstLastPara="0" vert="horz" wrap="square" lIns="7620" tIns="7620" rIns="7620" bIns="7620" numCol="1" spcCol="1270" anchor="ctr" anchorCtr="0">
+          <a:noAutofit/>
+        </a:bodyPr>
+        <a:lstStyle/>
+        <a:p>
+          <a:pPr lvl="0" algn="ctr" defTabSz="533400">
+            <a:lnSpc>
+              <a:spcPct val="90000"/>
+            </a:lnSpc>
+            <a:spcBef>
+              <a:spcPct val="0"/>
+            </a:spcBef>
+            <a:spcAft>
+              <a:spcPct val="35000"/>
+            </a:spcAft>
+          </a:pPr>
+          <a:r>
+            <a:rPr lang="en-US" sz="1200" kern="1200" dirty="0" smtClean="0"/>
+            <a:t>Converter</a:t>
+          </a:r>
+          <a:endParaRPr lang="ru-RU" sz="1200" kern="1200" dirty="0" smtClean="0"/>
+        </a:p>
+        <a:p>
+          <a:pPr lvl="0" algn="ctr" defTabSz="533400">
+            <a:lnSpc>
+              <a:spcPct val="90000"/>
+            </a:lnSpc>
+            <a:spcBef>
+              <a:spcPct val="0"/>
+            </a:spcBef>
+            <a:spcAft>
+              <a:spcPct val="35000"/>
+            </a:spcAft>
+          </a:pPr>
+          <a:r>
+            <a:rPr lang="en-US" sz="1200" kern="1200" dirty="0" smtClean="0"/>
+            <a:t>JSON</a:t>
+          </a:r>
+          <a:endParaRPr lang="ru-RU" sz="1200" kern="1200" dirty="0"/>
+        </a:p>
+      </dsp:txBody>
+      <dsp:txXfrm>
+        <a:off x="5291057" y="494802"/>
+        <a:ext cx="672102" cy="672102"/>
+      </dsp:txXfrm>
+    </dsp:sp>
   </dsp:spTree>
 </dsp:drawing>
 </file>
@@ -35815,7 +39743,7 @@
           <a:p>
             <a:fld id="{FF87DA49-9917-4A7E-BE43-A1E4A72285DB}" type="datetimeFigureOut">
               <a:rPr lang="ru-RU" smtClean="0"/>
-              <a:t>16.11.2025</a:t>
+              <a:t>17.11.2025</a:t>
             </a:fld>
             <a:endParaRPr lang="ru-RU"/>
           </a:p>
@@ -36395,7 +40323,7 @@
           <a:p>
             <a:fld id="{82D494A6-AC0E-4564-848B-C9299726F19B}" type="datetime1">
               <a:rPr lang="ru-RU" smtClean="0"/>
-              <a:t>16.11.2025</a:t>
+              <a:t>17.11.2025</a:t>
             </a:fld>
             <a:endParaRPr lang="ru-RU"/>
           </a:p>
@@ -36603,7 +40531,7 @@
           <a:p>
             <a:fld id="{8F54F09E-5B73-4FCA-A245-E4B9F24EF6EE}" type="datetime1">
               <a:rPr lang="ru-RU" smtClean="0"/>
-              <a:t>16.11.2025</a:t>
+              <a:t>17.11.2025</a:t>
             </a:fld>
             <a:endParaRPr lang="ru-RU"/>
           </a:p>
@@ -36861,7 +40789,7 @@
           <a:p>
             <a:fld id="{EE0EF1CB-1F45-4BB0-ACA2-7F2CD691ED8E}" type="datetime1">
               <a:rPr lang="ru-RU" smtClean="0"/>
-              <a:t>16.11.2025</a:t>
+              <a:t>17.11.2025</a:t>
             </a:fld>
             <a:endParaRPr lang="ru-RU"/>
           </a:p>
@@ -37031,7 +40959,7 @@
           <a:p>
             <a:fld id="{8AC5719E-8A6A-457D-98CF-1B213C53F5CE}" type="datetime1">
               <a:rPr lang="ru-RU" smtClean="0"/>
-              <a:t>16.11.2025</a:t>
+              <a:t>17.11.2025</a:t>
             </a:fld>
             <a:endParaRPr lang="ru-RU"/>
           </a:p>
@@ -37368,7 +41296,7 @@
           <a:p>
             <a:fld id="{9187F089-DB3A-44EC-8E6C-70C807261B64}" type="datetime1">
               <a:rPr lang="ru-RU" smtClean="0"/>
-              <a:t>16.11.2025</a:t>
+              <a:t>17.11.2025</a:t>
             </a:fld>
             <a:endParaRPr lang="ru-RU"/>
           </a:p>
@@ -37643,7 +41571,7 @@
           <a:p>
             <a:fld id="{8D89F477-1E06-42B9-98CE-724D285F544D}" type="datetime1">
               <a:rPr lang="ru-RU" smtClean="0"/>
-              <a:t>16.11.2025</a:t>
+              <a:t>17.11.2025</a:t>
             </a:fld>
             <a:endParaRPr lang="ru-RU"/>
           </a:p>
@@ -38022,7 +41950,7 @@
           <a:p>
             <a:fld id="{D1ABE4F1-295B-4CC0-A10F-3BDEF5F6B9B6}" type="datetime1">
               <a:rPr lang="ru-RU" smtClean="0"/>
-              <a:t>16.11.2025</a:t>
+              <a:t>17.11.2025</a:t>
             </a:fld>
             <a:endParaRPr lang="ru-RU"/>
           </a:p>
@@ -38140,7 +42068,7 @@
           <a:p>
             <a:fld id="{5415850B-FCCB-4950-8D75-8D81D52F3FBD}" type="datetime1">
               <a:rPr lang="ru-RU" smtClean="0"/>
-              <a:t>16.11.2025</a:t>
+              <a:t>17.11.2025</a:t>
             </a:fld>
             <a:endParaRPr lang="ru-RU"/>
           </a:p>
@@ -38313,7 +42241,7 @@
           <a:p>
             <a:fld id="{BFEAB0DF-01E8-4782-A602-314B3FF37A29}" type="datetime1">
               <a:rPr lang="ru-RU" smtClean="0"/>
-              <a:t>16.11.2025</a:t>
+              <a:t>17.11.2025</a:t>
             </a:fld>
             <a:endParaRPr lang="ru-RU"/>
           </a:p>
@@ -38669,7 +42597,7 @@
           <a:p>
             <a:fld id="{AA82D743-4282-4860-9AE2-FAD442C19B6D}" type="datetime1">
               <a:rPr lang="ru-RU" smtClean="0"/>
-              <a:t>16.11.2025</a:t>
+              <a:t>17.11.2025</a:t>
             </a:fld>
             <a:endParaRPr lang="ru-RU"/>
           </a:p>
@@ -39048,7 +42976,7 @@
           <a:p>
             <a:fld id="{F2122F36-14C5-4E46-8DE1-22F5FE5A6635}" type="datetime1">
               <a:rPr lang="ru-RU" smtClean="0"/>
-              <a:t>16.11.2025</a:t>
+              <a:t>17.11.2025</a:t>
             </a:fld>
             <a:endParaRPr lang="ru-RU"/>
           </a:p>
@@ -39337,7 +43265,7 @@
           <a:p>
             <a:fld id="{DF78E439-9BA7-4640-B448-B030DCC85B49}" type="datetime1">
               <a:rPr lang="ru-RU" smtClean="0"/>
-              <a:t>16.11.2025</a:t>
+              <a:t>17.11.2025</a:t>
             </a:fld>
             <a:endParaRPr lang="ru-RU"/>
           </a:p>
@@ -39971,7 +43899,7 @@
             <p:ph idx="1"/>
             <p:extLst>
               <p:ext uri="{D42A27DB-BD31-4B8C-83A1-F6EECF244321}">
-                <p14:modId xmlns:p14="http://schemas.microsoft.com/office/powerpoint/2010/main" val="3601545314"/>
+                <p14:modId xmlns:p14="http://schemas.microsoft.com/office/powerpoint/2010/main" val="790642428"/>
               </p:ext>
             </p:extLst>
           </p:nvPr>
@@ -40003,7 +43931,7 @@
           <a:p>
             <a:fld id="{8AC5719E-8A6A-457D-98CF-1B213C53F5CE}" type="datetime1">
               <a:rPr lang="ru-RU" smtClean="0"/>
-              <a:t>16.11.2025</a:t>
+              <a:t>17.11.2025</a:t>
             </a:fld>
             <a:endParaRPr lang="ru-RU"/>
           </a:p>
@@ -40073,7 +44001,7 @@
         </p:blipFill>
         <p:spPr>
           <a:xfrm>
-            <a:off x="4182855" y="2709000"/>
+            <a:off x="3980822" y="2980774"/>
             <a:ext cx="509065" cy="720000"/>
           </a:xfrm>
           <a:prstGeom prst="rect">
@@ -40103,7 +44031,7 @@
         </p:blipFill>
         <p:spPr>
           <a:xfrm>
-            <a:off x="6355786" y="2734703"/>
+            <a:off x="6185564" y="3005462"/>
             <a:ext cx="509065" cy="720000"/>
           </a:xfrm>
           <a:prstGeom prst="rect">
@@ -40133,7 +44061,7 @@
         </p:blipFill>
         <p:spPr>
           <a:xfrm>
-            <a:off x="8528717" y="2734703"/>
+            <a:off x="8346074" y="3014983"/>
             <a:ext cx="509065" cy="720000"/>
           </a:xfrm>
           <a:prstGeom prst="rect">
@@ -40163,8 +44091,608 @@
         </p:blipFill>
         <p:spPr>
           <a:xfrm>
-            <a:off x="10646297" y="2740742"/>
+            <a:off x="10301937" y="3014983"/>
             <a:ext cx="509065" cy="720000"/>
+          </a:xfrm>
+          <a:prstGeom prst="rect">
+            <a:avLst/>
+          </a:prstGeom>
+        </p:spPr>
+      </p:pic>
+      <p:sp>
+        <p:nvSpPr>
+          <p:cNvPr id="11" name="TextBox 10"/>
+          <p:cNvSpPr txBox="1"/>
+          <p:nvPr/>
+        </p:nvSpPr>
+        <p:spPr>
+          <a:xfrm>
+            <a:off x="3149620" y="2553320"/>
+            <a:ext cx="1328286" cy="461665"/>
+          </a:xfrm>
+          <a:prstGeom prst="rect">
+            <a:avLst/>
+          </a:prstGeom>
+          <a:noFill/>
+        </p:spPr>
+        <p:txBody>
+          <a:bodyPr wrap="square" rtlCol="0">
+            <a:spAutoFit/>
+          </a:bodyPr>
+          <a:lstStyle/>
+          <a:p>
+            <a:r>
+              <a:rPr lang="ru-RU" sz="1200" dirty="0" smtClean="0"/>
+              <a:t>Содержит базу </a:t>
+            </a:r>
+          </a:p>
+          <a:p>
+            <a:r>
+              <a:rPr lang="ru-RU" sz="1200" dirty="0" smtClean="0"/>
+              <a:t>документов</a:t>
+            </a:r>
+            <a:endParaRPr lang="ru-RU" sz="1200" dirty="0"/>
+          </a:p>
+        </p:txBody>
+      </p:sp>
+      <p:sp>
+        <p:nvSpPr>
+          <p:cNvPr id="13" name="TextBox 12"/>
+          <p:cNvSpPr txBox="1"/>
+          <p:nvPr/>
+        </p:nvSpPr>
+        <p:spPr>
+          <a:xfrm>
+            <a:off x="5190436" y="2553320"/>
+            <a:ext cx="1814301" cy="646331"/>
+          </a:xfrm>
+          <a:prstGeom prst="rect">
+            <a:avLst/>
+          </a:prstGeom>
+          <a:noFill/>
+        </p:spPr>
+        <p:txBody>
+          <a:bodyPr wrap="square" rtlCol="0">
+            <a:spAutoFit/>
+          </a:bodyPr>
+          <a:lstStyle/>
+          <a:p>
+            <a:r>
+              <a:rPr lang="ru-RU" sz="1200" dirty="0" smtClean="0"/>
+              <a:t>Индексирует </a:t>
+            </a:r>
+          </a:p>
+          <a:p>
+            <a:r>
+              <a:rPr lang="ru-RU" sz="1200" dirty="0"/>
+              <a:t>д</a:t>
+            </a:r>
+            <a:r>
+              <a:rPr lang="ru-RU" sz="1200" dirty="0" smtClean="0"/>
+              <a:t>окументы и хранит базу индекса</a:t>
+            </a:r>
+            <a:endParaRPr lang="ru-RU" sz="1200" dirty="0"/>
+          </a:p>
+        </p:txBody>
+      </p:sp>
+      <p:sp>
+        <p:nvSpPr>
+          <p:cNvPr id="14" name="TextBox 13"/>
+          <p:cNvSpPr txBox="1"/>
+          <p:nvPr/>
+        </p:nvSpPr>
+        <p:spPr>
+          <a:xfrm>
+            <a:off x="1097279" y="2556907"/>
+            <a:ext cx="1328286" cy="461665"/>
+          </a:xfrm>
+          <a:prstGeom prst="rect">
+            <a:avLst/>
+          </a:prstGeom>
+          <a:noFill/>
+        </p:spPr>
+        <p:txBody>
+          <a:bodyPr wrap="square" rtlCol="0">
+            <a:spAutoFit/>
+          </a:bodyPr>
+          <a:lstStyle/>
+          <a:p>
+            <a:r>
+              <a:rPr lang="ru-RU" sz="1200" dirty="0" smtClean="0"/>
+              <a:t>Реализует работу с </a:t>
+            </a:r>
+            <a:r>
+              <a:rPr lang="en-US" sz="1200" dirty="0" smtClean="0"/>
+              <a:t>JSON-</a:t>
+            </a:r>
+            <a:r>
+              <a:rPr lang="ru-RU" sz="1200" dirty="0" err="1" smtClean="0"/>
+              <a:t>бъектами</a:t>
+            </a:r>
+            <a:endParaRPr lang="ru-RU" sz="1200" dirty="0"/>
+          </a:p>
+        </p:txBody>
+      </p:sp>
+      <p:sp>
+        <p:nvSpPr>
+          <p:cNvPr id="15" name="TextBox 14"/>
+          <p:cNvSpPr txBox="1"/>
+          <p:nvPr/>
+        </p:nvSpPr>
+        <p:spPr>
+          <a:xfrm>
+            <a:off x="7414347" y="2553319"/>
+            <a:ext cx="1814301" cy="461665"/>
+          </a:xfrm>
+          <a:prstGeom prst="rect">
+            <a:avLst/>
+          </a:prstGeom>
+          <a:noFill/>
+        </p:spPr>
+        <p:txBody>
+          <a:bodyPr wrap="square" rtlCol="0">
+            <a:spAutoFit/>
+          </a:bodyPr>
+          <a:lstStyle/>
+          <a:p>
+            <a:r>
+              <a:rPr lang="ru-RU" sz="1200" dirty="0"/>
+              <a:t>Содержит базу </a:t>
+            </a:r>
+          </a:p>
+          <a:p>
+            <a:r>
+              <a:rPr lang="ru-RU" sz="1200" dirty="0" smtClean="0"/>
+              <a:t>запросов</a:t>
+            </a:r>
+            <a:endParaRPr lang="ru-RU" sz="1200" dirty="0"/>
+          </a:p>
+        </p:txBody>
+      </p:sp>
+      <p:sp>
+        <p:nvSpPr>
+          <p:cNvPr id="16" name="TextBox 15"/>
+          <p:cNvSpPr txBox="1"/>
+          <p:nvPr/>
+        </p:nvSpPr>
+        <p:spPr>
+          <a:xfrm>
+            <a:off x="9346823" y="2553318"/>
+            <a:ext cx="1814301" cy="720000"/>
+          </a:xfrm>
+          <a:prstGeom prst="rect">
+            <a:avLst/>
+          </a:prstGeom>
+          <a:noFill/>
+        </p:spPr>
+        <p:txBody>
+          <a:bodyPr wrap="square" rtlCol="0">
+            <a:spAutoFit/>
+          </a:bodyPr>
+          <a:lstStyle/>
+          <a:p>
+            <a:r>
+              <a:rPr lang="ru-RU" sz="1200" dirty="0" smtClean="0"/>
+              <a:t>Определяет релевантность ответов и хранит базу релевантности</a:t>
+            </a:r>
+            <a:endParaRPr lang="ru-RU" sz="1200" dirty="0"/>
+          </a:p>
+        </p:txBody>
+      </p:sp>
+      <p:sp>
+        <p:nvSpPr>
+          <p:cNvPr id="17" name="TextBox 16"/>
+          <p:cNvSpPr txBox="1"/>
+          <p:nvPr/>
+        </p:nvSpPr>
+        <p:spPr>
+          <a:xfrm>
+            <a:off x="5190436" y="5169885"/>
+            <a:ext cx="1776833" cy="646331"/>
+          </a:xfrm>
+          <a:prstGeom prst="rect">
+            <a:avLst/>
+          </a:prstGeom>
+          <a:noFill/>
+        </p:spPr>
+        <p:txBody>
+          <a:bodyPr wrap="none" rtlCol="0">
+            <a:spAutoFit/>
+          </a:bodyPr>
+          <a:lstStyle/>
+          <a:p>
+            <a:r>
+              <a:rPr lang="ru-RU" sz="1200" dirty="0"/>
+              <a:t>организует </a:t>
+            </a:r>
+            <a:endParaRPr lang="ru-RU" sz="1200" dirty="0" smtClean="0"/>
+          </a:p>
+          <a:p>
+            <a:r>
+              <a:rPr lang="ru-RU" sz="1200" dirty="0" smtClean="0"/>
+              <a:t>взаимодействие </a:t>
+            </a:r>
+            <a:r>
+              <a:rPr lang="ru-RU" sz="1200" dirty="0"/>
+              <a:t>между </a:t>
+            </a:r>
+            <a:endParaRPr lang="ru-RU" sz="1200" dirty="0" smtClean="0"/>
+          </a:p>
+          <a:p>
+            <a:r>
+              <a:rPr lang="ru-RU" sz="1200" dirty="0" smtClean="0"/>
+              <a:t>классами</a:t>
+            </a:r>
+            <a:endParaRPr lang="ru-RU" sz="1200" dirty="0"/>
+          </a:p>
+        </p:txBody>
+      </p:sp>
+      <p:sp>
+        <p:nvSpPr>
+          <p:cNvPr id="18" name="TextBox 17"/>
+          <p:cNvSpPr txBox="1"/>
+          <p:nvPr/>
+        </p:nvSpPr>
+        <p:spPr>
+          <a:xfrm>
+            <a:off x="1097279" y="5190624"/>
+            <a:ext cx="1424540" cy="646331"/>
+          </a:xfrm>
+          <a:prstGeom prst="rect">
+            <a:avLst/>
+          </a:prstGeom>
+          <a:noFill/>
+        </p:spPr>
+        <p:txBody>
+          <a:bodyPr wrap="square" rtlCol="0">
+            <a:spAutoFit/>
+          </a:bodyPr>
+          <a:lstStyle/>
+          <a:p>
+            <a:r>
+              <a:rPr lang="ru-RU" sz="1200" dirty="0" err="1" smtClean="0"/>
+              <a:t>Логирует</a:t>
+            </a:r>
+            <a:r>
+              <a:rPr lang="ru-RU" sz="1200" dirty="0" smtClean="0"/>
+              <a:t> события в лог-файлы и в консоль</a:t>
+            </a:r>
+            <a:endParaRPr lang="ru-RU" sz="1200" dirty="0"/>
+          </a:p>
+        </p:txBody>
+      </p:sp>
+      <p:sp>
+        <p:nvSpPr>
+          <p:cNvPr id="20" name="TextBox 19"/>
+          <p:cNvSpPr txBox="1"/>
+          <p:nvPr/>
+        </p:nvSpPr>
+        <p:spPr>
+          <a:xfrm>
+            <a:off x="9545115" y="5190623"/>
+            <a:ext cx="1814301" cy="646331"/>
+          </a:xfrm>
+          <a:prstGeom prst="rect">
+            <a:avLst/>
+          </a:prstGeom>
+          <a:noFill/>
+        </p:spPr>
+        <p:txBody>
+          <a:bodyPr wrap="square" rtlCol="0">
+            <a:spAutoFit/>
+          </a:bodyPr>
+          <a:lstStyle/>
+          <a:p>
+            <a:r>
+              <a:rPr lang="ru-RU" sz="1200" dirty="0"/>
+              <a:t>Р</a:t>
+            </a:r>
+            <a:r>
+              <a:rPr lang="ru-RU" sz="1200" dirty="0" smtClean="0"/>
+              <a:t>еализует </a:t>
+            </a:r>
+            <a:r>
+              <a:rPr lang="ru-RU" sz="1200" dirty="0"/>
+              <a:t>диспетчер операций c файлами и JSON-объектами</a:t>
+            </a:r>
+            <a:endParaRPr lang="ru-RU" sz="1200" dirty="0"/>
+          </a:p>
+        </p:txBody>
+      </p:sp>
+      <p:pic>
+        <p:nvPicPr>
+          <p:cNvPr id="21" name="Рисунок 20"/>
+          <p:cNvPicPr>
+            <a:picLocks noChangeAspect="1"/>
+          </p:cNvPicPr>
+          <p:nvPr/>
+        </p:nvPicPr>
+        <p:blipFill>
+          <a:blip r:embed="rId11" cstate="print">
+            <a:extLst>
+              <a:ext uri="{28A0092B-C50C-407E-A947-70E740481C1C}">
+                <a14:useLocalDpi xmlns:a14="http://schemas.microsoft.com/office/drawing/2010/main" val="0"/>
+              </a:ext>
+            </a:extLst>
+          </a:blip>
+          <a:stretch>
+            <a:fillRect/>
+          </a:stretch>
+        </p:blipFill>
+        <p:spPr>
+          <a:xfrm>
+            <a:off x="4365511" y="2980774"/>
+            <a:ext cx="509065" cy="720000"/>
+          </a:xfrm>
+          <a:prstGeom prst="rect">
+            <a:avLst/>
+          </a:prstGeom>
+        </p:spPr>
+      </p:pic>
+      <p:pic>
+        <p:nvPicPr>
+          <p:cNvPr id="22" name="Рисунок 21"/>
+          <p:cNvPicPr>
+            <a:picLocks noChangeAspect="1"/>
+          </p:cNvPicPr>
+          <p:nvPr/>
+        </p:nvPicPr>
+        <p:blipFill>
+          <a:blip r:embed="rId12" cstate="print">
+            <a:extLst>
+              <a:ext uri="{28A0092B-C50C-407E-A947-70E740481C1C}">
+                <a14:useLocalDpi xmlns:a14="http://schemas.microsoft.com/office/drawing/2010/main" val="0"/>
+              </a:ext>
+            </a:extLst>
+          </a:blip>
+          <a:stretch>
+            <a:fillRect/>
+          </a:stretch>
+        </p:blipFill>
+        <p:spPr>
+          <a:xfrm>
+            <a:off x="6531773" y="3002040"/>
+            <a:ext cx="509070" cy="720000"/>
+          </a:xfrm>
+          <a:prstGeom prst="rect">
+            <a:avLst/>
+          </a:prstGeom>
+        </p:spPr>
+      </p:pic>
+      <p:pic>
+        <p:nvPicPr>
+          <p:cNvPr id="23" name="Рисунок 22"/>
+          <p:cNvPicPr>
+            <a:picLocks noChangeAspect="1"/>
+          </p:cNvPicPr>
+          <p:nvPr/>
+        </p:nvPicPr>
+        <p:blipFill>
+          <a:blip r:embed="rId13" cstate="print">
+            <a:extLst>
+              <a:ext uri="{28A0092B-C50C-407E-A947-70E740481C1C}">
+                <a14:useLocalDpi xmlns:a14="http://schemas.microsoft.com/office/drawing/2010/main" val="0"/>
+              </a:ext>
+            </a:extLst>
+          </a:blip>
+          <a:stretch>
+            <a:fillRect/>
+          </a:stretch>
+        </p:blipFill>
+        <p:spPr>
+          <a:xfrm>
+            <a:off x="8700414" y="3014983"/>
+            <a:ext cx="509068" cy="720000"/>
+          </a:xfrm>
+          <a:prstGeom prst="rect">
+            <a:avLst/>
+          </a:prstGeom>
+        </p:spPr>
+      </p:pic>
+      <p:pic>
+        <p:nvPicPr>
+          <p:cNvPr id="24" name="Рисунок 23"/>
+          <p:cNvPicPr>
+            <a:picLocks noChangeAspect="1"/>
+          </p:cNvPicPr>
+          <p:nvPr/>
+        </p:nvPicPr>
+        <p:blipFill>
+          <a:blip r:embed="rId14" cstate="print">
+            <a:extLst>
+              <a:ext uri="{28A0092B-C50C-407E-A947-70E740481C1C}">
+                <a14:useLocalDpi xmlns:a14="http://schemas.microsoft.com/office/drawing/2010/main" val="0"/>
+              </a:ext>
+            </a:extLst>
+          </a:blip>
+          <a:stretch>
+            <a:fillRect/>
+          </a:stretch>
+        </p:blipFill>
+        <p:spPr>
+          <a:xfrm>
+            <a:off x="10646292" y="3008312"/>
+            <a:ext cx="509070" cy="720000"/>
+          </a:xfrm>
+          <a:prstGeom prst="rect">
+            <a:avLst/>
+          </a:prstGeom>
+        </p:spPr>
+      </p:pic>
+      <p:pic>
+        <p:nvPicPr>
+          <p:cNvPr id="25" name="Рисунок 24"/>
+          <p:cNvPicPr>
+            <a:picLocks noChangeAspect="1"/>
+          </p:cNvPicPr>
+          <p:nvPr/>
+        </p:nvPicPr>
+        <p:blipFill>
+          <a:blip r:embed="rId15" cstate="print">
+            <a:extLst>
+              <a:ext uri="{28A0092B-C50C-407E-A947-70E740481C1C}">
+                <a14:useLocalDpi xmlns:a14="http://schemas.microsoft.com/office/drawing/2010/main" val="0"/>
+              </a:ext>
+            </a:extLst>
+          </a:blip>
+          <a:stretch>
+            <a:fillRect/>
+          </a:stretch>
+        </p:blipFill>
+        <p:spPr>
+          <a:xfrm>
+            <a:off x="2358846" y="2952141"/>
+            <a:ext cx="509069" cy="720000"/>
+          </a:xfrm>
+          <a:prstGeom prst="rect">
+            <a:avLst/>
+          </a:prstGeom>
+        </p:spPr>
+      </p:pic>
+      <p:pic>
+        <p:nvPicPr>
+          <p:cNvPr id="29" name="Рисунок 28"/>
+          <p:cNvPicPr>
+            <a:picLocks noChangeAspect="1"/>
+          </p:cNvPicPr>
+          <p:nvPr/>
+        </p:nvPicPr>
+        <p:blipFill>
+          <a:blip r:embed="rId16" cstate="print">
+            <a:extLst>
+              <a:ext uri="{28A0092B-C50C-407E-A947-70E740481C1C}">
+                <a14:useLocalDpi xmlns:a14="http://schemas.microsoft.com/office/drawing/2010/main" val="0"/>
+              </a:ext>
+            </a:extLst>
+          </a:blip>
+          <a:stretch>
+            <a:fillRect/>
+          </a:stretch>
+        </p:blipFill>
+        <p:spPr>
+          <a:xfrm>
+            <a:off x="1128946" y="2951899"/>
+            <a:ext cx="509070" cy="720000"/>
+          </a:xfrm>
+          <a:prstGeom prst="rect">
+            <a:avLst/>
+          </a:prstGeom>
+        </p:spPr>
+      </p:pic>
+      <p:pic>
+        <p:nvPicPr>
+          <p:cNvPr id="30" name="Рисунок 29"/>
+          <p:cNvPicPr>
+            <a:picLocks noChangeAspect="1"/>
+          </p:cNvPicPr>
+          <p:nvPr/>
+        </p:nvPicPr>
+        <p:blipFill>
+          <a:blip r:embed="rId17" cstate="print">
+            <a:extLst>
+              <a:ext uri="{28A0092B-C50C-407E-A947-70E740481C1C}">
+                <a14:useLocalDpi xmlns:a14="http://schemas.microsoft.com/office/drawing/2010/main" val="0"/>
+              </a:ext>
+            </a:extLst>
+          </a:blip>
+          <a:stretch>
+            <a:fillRect/>
+          </a:stretch>
+        </p:blipFill>
+        <p:spPr>
+          <a:xfrm>
+            <a:off x="1684669" y="2952141"/>
+            <a:ext cx="509070" cy="720000"/>
+          </a:xfrm>
+          <a:prstGeom prst="rect">
+            <a:avLst/>
+          </a:prstGeom>
+        </p:spPr>
+      </p:pic>
+      <p:pic>
+        <p:nvPicPr>
+          <p:cNvPr id="31" name="Рисунок 30"/>
+          <p:cNvPicPr>
+            <a:picLocks noChangeAspect="1"/>
+          </p:cNvPicPr>
+          <p:nvPr/>
+        </p:nvPicPr>
+        <p:blipFill>
+          <a:blip r:embed="rId18" cstate="print">
+            <a:extLst>
+              <a:ext uri="{28A0092B-C50C-407E-A947-70E740481C1C}">
+                <a14:useLocalDpi xmlns:a14="http://schemas.microsoft.com/office/drawing/2010/main" val="0"/>
+              </a:ext>
+            </a:extLst>
+          </a:blip>
+          <a:stretch>
+            <a:fillRect/>
+          </a:stretch>
+        </p:blipFill>
+        <p:spPr>
+          <a:xfrm>
+            <a:off x="2023987" y="2952141"/>
+            <a:ext cx="509070" cy="720000"/>
+          </a:xfrm>
+          <a:prstGeom prst="rect">
+            <a:avLst/>
+          </a:prstGeom>
+        </p:spPr>
+      </p:pic>
+      <p:pic>
+        <p:nvPicPr>
+          <p:cNvPr id="32" name="Рисунок 31"/>
+          <p:cNvPicPr>
+            <a:picLocks noChangeAspect="1"/>
+          </p:cNvPicPr>
+          <p:nvPr/>
+        </p:nvPicPr>
+        <p:blipFill>
+          <a:blip r:embed="rId19" cstate="print">
+            <a:extLst>
+              <a:ext uri="{28A0092B-C50C-407E-A947-70E740481C1C}">
+                <a14:useLocalDpi xmlns:a14="http://schemas.microsoft.com/office/drawing/2010/main" val="0"/>
+              </a:ext>
+            </a:extLst>
+          </a:blip>
+          <a:stretch>
+            <a:fillRect/>
+          </a:stretch>
+        </p:blipFill>
+        <p:spPr>
+          <a:xfrm>
+            <a:off x="1794296" y="5197514"/>
+            <a:ext cx="509065" cy="720000"/>
+          </a:xfrm>
+          <a:prstGeom prst="rect">
+            <a:avLst/>
+          </a:prstGeom>
+        </p:spPr>
+      </p:pic>
+      <p:pic>
+        <p:nvPicPr>
+          <p:cNvPr id="33" name="Рисунок 32"/>
+          <p:cNvPicPr>
+            <a:picLocks noChangeAspect="1"/>
+          </p:cNvPicPr>
+          <p:nvPr/>
+        </p:nvPicPr>
+        <p:blipFill>
+          <a:blip r:embed="rId20" cstate="print">
+            <a:extLst>
+              <a:ext uri="{28A0092B-C50C-407E-A947-70E740481C1C}">
+                <a14:useLocalDpi xmlns:a14="http://schemas.microsoft.com/office/drawing/2010/main" val="0"/>
+              </a:ext>
+            </a:extLst>
+          </a:blip>
+          <a:stretch>
+            <a:fillRect/>
+          </a:stretch>
+        </p:blipFill>
+        <p:spPr>
+          <a:xfrm>
+            <a:off x="2193739" y="5197514"/>
+            <a:ext cx="509070" cy="720000"/>
           </a:xfrm>
           <a:prstGeom prst="rect">
             <a:avLst/>
@@ -40392,7 +44920,7 @@
           <a:p>
             <a:fld id="{8AC5719E-8A6A-457D-98CF-1B213C53F5CE}" type="datetime1">
               <a:rPr lang="ru-RU" smtClean="0"/>
-              <a:t>16.11.2025</a:t>
+              <a:t>17.11.2025</a:t>
             </a:fld>
             <a:endParaRPr lang="ru-RU"/>
           </a:p>
@@ -40929,7 +45457,7 @@
           <a:p>
             <a:fld id="{8AC5719E-8A6A-457D-98CF-1B213C53F5CE}" type="datetime1">
               <a:rPr lang="ru-RU" smtClean="0"/>
-              <a:t>16.11.2025</a:t>
+              <a:t>17.11.2025</a:t>
             </a:fld>
             <a:endParaRPr lang="ru-RU"/>
           </a:p>
@@ -41132,7 +45660,7 @@
           <a:p>
             <a:fld id="{8AC5719E-8A6A-457D-98CF-1B213C53F5CE}" type="datetime1">
               <a:rPr lang="ru-RU" smtClean="0"/>
-              <a:t>16.11.2025</a:t>
+              <a:t>17.11.2025</a:t>
             </a:fld>
             <a:endParaRPr lang="ru-RU"/>
           </a:p>
@@ -41362,7 +45890,7 @@
           <a:p>
             <a:fld id="{8AC5719E-8A6A-457D-98CF-1B213C53F5CE}" type="datetime1">
               <a:rPr lang="ru-RU" smtClean="0"/>
-              <a:t>16.11.2025</a:t>
+              <a:t>17.11.2025</a:t>
             </a:fld>
             <a:endParaRPr lang="ru-RU"/>
           </a:p>
@@ -41752,7 +46280,7 @@
           <a:p>
             <a:fld id="{8AC5719E-8A6A-457D-98CF-1B213C53F5CE}" type="datetime1">
               <a:rPr lang="ru-RU" smtClean="0"/>
-              <a:t>16.11.2025</a:t>
+              <a:t>17.11.2025</a:t>
             </a:fld>
             <a:endParaRPr lang="ru-RU"/>
           </a:p>
@@ -44956,15 +49484,7 @@
           <a:p>
             <a:r>
               <a:rPr lang="ru-RU" dirty="0" smtClean="0"/>
-              <a:t>Инвертированная индексация </a:t>
-            </a:r>
-            <a:r>
-              <a:rPr lang="ru-RU" dirty="0" smtClean="0"/>
-              <a:t>документов </a:t>
-            </a:r>
-            <a:r>
-              <a:rPr lang="ru-RU" dirty="0" smtClean="0"/>
-              <a:t>в отдельных потоках без использования мьютексов</a:t>
+              <a:t>Инвертированная индексация документов в отдельных потоках без использования мьютексов</a:t>
             </a:r>
             <a:endParaRPr lang="ru-RU" dirty="0"/>
           </a:p>
@@ -44987,7 +49507,7 @@
           <a:p>
             <a:fld id="{8AC5719E-8A6A-457D-98CF-1B213C53F5CE}" type="datetime1">
               <a:rPr lang="ru-RU" smtClean="0"/>
-              <a:t>16.11.2025</a:t>
+              <a:t>17.11.2025</a:t>
             </a:fld>
             <a:endParaRPr lang="ru-RU"/>
           </a:p>
@@ -48756,15 +53276,7 @@
           <a:p>
             <a:r>
               <a:rPr lang="ru-RU" dirty="0" smtClean="0"/>
-              <a:t>Инвертированная индексация </a:t>
-            </a:r>
-            <a:r>
-              <a:rPr lang="ru-RU" dirty="0" smtClean="0"/>
-              <a:t>документов </a:t>
-            </a:r>
-            <a:r>
-              <a:rPr lang="ru-RU" dirty="0" smtClean="0"/>
-              <a:t>в отдельных потоках без использования мьютексов</a:t>
+              <a:t>Инвертированная индексация документов в отдельных потоках без использования мьютексов</a:t>
             </a:r>
             <a:endParaRPr lang="ru-RU" dirty="0"/>
           </a:p>
@@ -48787,7 +53299,7 @@
           <a:p>
             <a:fld id="{8AC5719E-8A6A-457D-98CF-1B213C53F5CE}" type="datetime1">
               <a:rPr lang="ru-RU" smtClean="0"/>
-              <a:t>16.11.2025</a:t>
+              <a:t>17.11.2025</a:t>
             </a:fld>
             <a:endParaRPr lang="ru-RU"/>
           </a:p>
@@ -49209,15 +53721,7 @@
           <a:p>
             <a:r>
               <a:rPr lang="en-US" dirty="0" smtClean="0"/>
-              <a:t>ID: [0, </a:t>
-            </a:r>
-            <a:r>
-              <a:rPr lang="en-US" dirty="0" smtClean="0"/>
-              <a:t>b-1</a:t>
-            </a:r>
-            <a:r>
-              <a:rPr lang="en-US" dirty="0" smtClean="0"/>
-              <a:t>]</a:t>
+              <a:t>ID: [0, b-1]</a:t>
             </a:r>
             <a:endParaRPr lang="ru-RU" dirty="0"/>
           </a:p>
@@ -49247,19 +53751,7 @@
           <a:p>
             <a:r>
               <a:rPr lang="en-US" dirty="0" smtClean="0"/>
-              <a:t>ID: </a:t>
-            </a:r>
-            <a:r>
-              <a:rPr lang="en-US" dirty="0" smtClean="0"/>
-              <a:t>[b, </a:t>
-            </a:r>
-            <a:r>
-              <a:rPr lang="en-US" dirty="0" smtClean="0"/>
-              <a:t>b+1</a:t>
-            </a:r>
-            <a:r>
-              <a:rPr lang="en-US" dirty="0" smtClean="0"/>
-              <a:t>]</a:t>
+              <a:t>ID: [b, b+1]</a:t>
             </a:r>
             <a:endParaRPr lang="ru-RU" dirty="0"/>
           </a:p>
@@ -49289,19 +53781,7 @@
           <a:p>
             <a:r>
               <a:rPr lang="en-US" dirty="0" smtClean="0"/>
-              <a:t>ID: </a:t>
-            </a:r>
-            <a:r>
-              <a:rPr lang="en-US" dirty="0" smtClean="0"/>
-              <a:t>[</a:t>
-            </a:r>
-            <a:r>
-              <a:rPr lang="en-US" dirty="0" smtClean="0"/>
-              <a:t>n+1-b</a:t>
-            </a:r>
-            <a:r>
-              <a:rPr lang="en-US" dirty="0" smtClean="0"/>
-              <a:t>, n]</a:t>
+              <a:t>ID: [n+1-b, n]</a:t>
             </a:r>
             <a:endParaRPr lang="ru-RU" dirty="0"/>
           </a:p>
@@ -52147,7 +56627,6 @@
               <a:rPr lang="ru-RU" dirty="0"/>
               <a:t>1</a:t>
             </a:r>
-            <a:endParaRPr lang="ru-RU" dirty="0"/>
           </a:p>
         </p:txBody>
       </p:sp>
@@ -52308,12 +56787,12 @@
         </p:nvCxnSpPr>
         <p:spPr>
           <a:xfrm rot="10800000" flipV="1">
-            <a:off x="1024086" y="815230"/>
-            <a:ext cx="5054129" cy="2623580"/>
+            <a:off x="1024088" y="805440"/>
+            <a:ext cx="5195673" cy="2633369"/>
           </a:xfrm>
           <a:prstGeom prst="bentConnector3">
             <a:avLst>
-              <a:gd name="adj1" fmla="val 99802"/>
+              <a:gd name="adj1" fmla="val 99975"/>
             </a:avLst>
           </a:prstGeom>
           <a:ln w="127000">
@@ -52476,7 +56955,7 @@
           <a:p>
             <a:fld id="{AA82D743-4282-4860-9AE2-FAD442C19B6D}" type="datetime1">
               <a:rPr lang="ru-RU" smtClean="0"/>
-              <a:t>16.11.2025</a:t>
+              <a:t>17.11.2025</a:t>
             </a:fld>
             <a:endParaRPr lang="ru-RU"/>
           </a:p>
@@ -52645,7 +57124,7 @@
           <a:p>
             <a:fld id="{8D89F477-1E06-42B9-98CE-724D285F544D}" type="datetime1">
               <a:rPr lang="ru-RU" smtClean="0"/>
-              <a:t>16.11.2025</a:t>
+              <a:t>17.11.2025</a:t>
             </a:fld>
             <a:endParaRPr lang="ru-RU"/>
           </a:p>
@@ -52778,7 +57257,7 @@
           <a:p>
             <a:fld id="{9187F089-DB3A-44EC-8E6C-70C807261B64}" type="datetime1">
               <a:rPr lang="ru-RU" smtClean="0"/>
-              <a:t>16.11.2025</a:t>
+              <a:t>17.11.2025</a:t>
             </a:fld>
             <a:endParaRPr lang="ru-RU"/>
           </a:p>
@@ -52900,7 +57379,7 @@
           <a:p>
             <a:fld id="{5415850B-FCCB-4950-8D75-8D81D52F3FBD}" type="datetime1">
               <a:rPr lang="ru-RU" smtClean="0"/>
-              <a:t>16.11.2025</a:t>
+              <a:t>17.11.2025</a:t>
             </a:fld>
             <a:endParaRPr lang="ru-RU"/>
           </a:p>
@@ -53056,7 +57535,7 @@
           <a:p>
             <a:fld id="{5415850B-FCCB-4950-8D75-8D81D52F3FBD}" type="datetime1">
               <a:rPr lang="ru-RU" smtClean="0"/>
-              <a:t>16.11.2025</a:t>
+              <a:t>17.11.2025</a:t>
             </a:fld>
             <a:endParaRPr lang="ru-RU"/>
           </a:p>
@@ -53342,7 +57821,7 @@
           <a:p>
             <a:fld id="{8AC5719E-8A6A-457D-98CF-1B213C53F5CE}" type="datetime1">
               <a:rPr lang="ru-RU" smtClean="0"/>
-              <a:t>16.11.2025</a:t>
+              <a:t>17.11.2025</a:t>
             </a:fld>
             <a:endParaRPr lang="ru-RU"/>
           </a:p>
@@ -53661,7 +58140,7 @@
           <a:p>
             <a:fld id="{AA82D743-4282-4860-9AE2-FAD442C19B6D}" type="datetime1">
               <a:rPr lang="ru-RU" smtClean="0"/>
-              <a:t>16.11.2025</a:t>
+              <a:t>17.11.2025</a:t>
             </a:fld>
             <a:endParaRPr lang="ru-RU"/>
           </a:p>
@@ -53850,7 +58329,7 @@
           <a:p>
             <a:fld id="{22C4FDAF-C654-4288-9437-917D77737F5E}" type="datetime1">
               <a:rPr lang="ru-RU" smtClean="0"/>
-              <a:t>16.11.2025</a:t>
+              <a:t>17.11.2025</a:t>
             </a:fld>
             <a:endParaRPr lang="ru-RU"/>
           </a:p>
@@ -54491,7 +58970,7 @@
           <a:p>
             <a:fld id="{8D89F477-1E06-42B9-98CE-724D285F544D}" type="datetime1">
               <a:rPr lang="ru-RU" smtClean="0"/>
-              <a:t>16.11.2025</a:t>
+              <a:t>17.11.2025</a:t>
             </a:fld>
             <a:endParaRPr lang="ru-RU"/>
           </a:p>
@@ -54837,7 +59316,7 @@
           <a:p>
             <a:fld id="{8D89F477-1E06-42B9-98CE-724D285F544D}" type="datetime1">
               <a:rPr lang="ru-RU" smtClean="0"/>
-              <a:t>16.11.2025</a:t>
+              <a:t>17.11.2025</a:t>
             </a:fld>
             <a:endParaRPr lang="ru-RU"/>
           </a:p>
@@ -55327,7 +59806,7 @@
           <a:p>
             <a:fld id="{8D89F477-1E06-42B9-98CE-724D285F544D}" type="datetime1">
               <a:rPr lang="ru-RU" smtClean="0"/>
-              <a:t>16.11.2025</a:t>
+              <a:t>17.11.2025</a:t>
             </a:fld>
             <a:endParaRPr lang="ru-RU"/>
           </a:p>
@@ -55950,7 +60429,7 @@
           <a:p>
             <a:fld id="{8D89F477-1E06-42B9-98CE-724D285F544D}" type="datetime1">
               <a:rPr lang="ru-RU" smtClean="0"/>
-              <a:t>16.11.2025</a:t>
+              <a:t>17.11.2025</a:t>
             </a:fld>
             <a:endParaRPr lang="ru-RU"/>
           </a:p>

--- a/presentation/защита.pptx
+++ b/presentation/защита.pptx
@@ -341,11 +341,11 @@
         </c:dLbls>
         <c:gapWidth val="219"/>
         <c:overlap val="-27"/>
-        <c:axId val="546418136"/>
-        <c:axId val="546418920"/>
+        <c:axId val="531146344"/>
+        <c:axId val="531148696"/>
       </c:barChart>
       <c:catAx>
-        <c:axId val="546418136"/>
+        <c:axId val="531146344"/>
         <c:scaling>
           <c:orientation val="minMax"/>
         </c:scaling>
@@ -388,7 +388,7 @@
             <a:endParaRPr lang="ru-RU"/>
           </a:p>
         </c:txPr>
-        <c:crossAx val="546418920"/>
+        <c:crossAx val="531148696"/>
         <c:crosses val="autoZero"/>
         <c:auto val="1"/>
         <c:lblAlgn val="ctr"/>
@@ -396,7 +396,7 @@
         <c:noMultiLvlLbl val="0"/>
       </c:catAx>
       <c:valAx>
-        <c:axId val="546418920"/>
+        <c:axId val="531148696"/>
         <c:scaling>
           <c:orientation val="minMax"/>
         </c:scaling>
@@ -447,7 +447,7 @@
             <a:endParaRPr lang="ru-RU"/>
           </a:p>
         </c:txPr>
-        <c:crossAx val="546418136"/>
+        <c:crossAx val="531146344"/>
         <c:crosses val="autoZero"/>
         <c:crossBetween val="between"/>
       </c:valAx>
@@ -700,11 +700,11 @@
         </c:dLbls>
         <c:gapWidth val="219"/>
         <c:overlap val="-27"/>
-        <c:axId val="546419704"/>
-        <c:axId val="546413040"/>
+        <c:axId val="534783960"/>
+        <c:axId val="534779648"/>
       </c:barChart>
       <c:catAx>
-        <c:axId val="546419704"/>
+        <c:axId val="534783960"/>
         <c:scaling>
           <c:orientation val="minMax"/>
         </c:scaling>
@@ -747,7 +747,7 @@
             <a:endParaRPr lang="ru-RU"/>
           </a:p>
         </c:txPr>
-        <c:crossAx val="546413040"/>
+        <c:crossAx val="534779648"/>
         <c:crosses val="autoZero"/>
         <c:auto val="1"/>
         <c:lblAlgn val="ctr"/>
@@ -755,7 +755,7 @@
         <c:noMultiLvlLbl val="0"/>
       </c:catAx>
       <c:valAx>
-        <c:axId val="546413040"/>
+        <c:axId val="534779648"/>
         <c:scaling>
           <c:orientation val="minMax"/>
         </c:scaling>
@@ -806,7 +806,7 @@
             <a:endParaRPr lang="ru-RU"/>
           </a:p>
         </c:txPr>
-        <c:crossAx val="546419704"/>
+        <c:crossAx val="534783960"/>
         <c:crosses val="autoZero"/>
         <c:crossBetween val="between"/>
       </c:valAx>
@@ -11695,10 +11695,10 @@
         <a:lstStyle/>
         <a:p>
           <a:r>
-            <a:rPr lang="en-US" sz="4000" b="1" dirty="0" smtClean="0"/>
+            <a:rPr lang="en-US" sz="3200" b="1" dirty="0" smtClean="0"/>
             <a:t>SearchEngine</a:t>
           </a:r>
-          <a:endParaRPr lang="ru-RU" sz="4000" b="1" dirty="0"/>
+          <a:endParaRPr lang="ru-RU" sz="3200" b="1" dirty="0"/>
         </a:p>
       </dgm:t>
     </dgm:pt>
@@ -11974,99 +11974,6 @@
         </a:p>
       </dgm:t>
     </dgm:pt>
-    <dgm:pt modelId="{4F6FE085-77EF-4A9A-B8EE-81CB77FA60C6}">
-      <dgm:prSet custT="1"/>
-      <dgm:spPr/>
-      <dgm:t>
-        <a:bodyPr anchor="t" anchorCtr="0"/>
-        <a:lstStyle/>
-        <a:p>
-          <a:r>
-            <a:rPr lang="en-US" sz="2000" b="1" dirty="0" smtClean="0"/>
-            <a:t>Logger</a:t>
-          </a:r>
-          <a:endParaRPr lang="ru-RU" sz="2000" b="1" dirty="0"/>
-        </a:p>
-      </dgm:t>
-    </dgm:pt>
-    <dgm:pt modelId="{65BAC1C3-4AF8-400A-B2AD-520DF168D1DC}" type="parTrans" cxnId="{2196BA26-E904-44ED-92F9-D92EEF748395}">
-      <dgm:prSet/>
-      <dgm:spPr>
-        <a:ln>
-          <a:tailEnd type="triangle"/>
-        </a:ln>
-      </dgm:spPr>
-      <dgm:t>
-        <a:bodyPr/>
-        <a:lstStyle/>
-        <a:p>
-          <a:endParaRPr lang="ru-RU"/>
-        </a:p>
-      </dgm:t>
-    </dgm:pt>
-    <dgm:pt modelId="{A854EC9A-F014-45A6-94BF-B4109F6DF2D1}" type="sibTrans" cxnId="{2196BA26-E904-44ED-92F9-D92EEF748395}">
-      <dgm:prSet/>
-      <dgm:spPr/>
-      <dgm:t>
-        <a:bodyPr/>
-        <a:lstStyle/>
-        <a:p>
-          <a:endParaRPr lang="ru-RU"/>
-        </a:p>
-      </dgm:t>
-    </dgm:pt>
-    <dgm:pt modelId="{16834BD0-903A-491A-B614-DAEC43CD34C4}">
-      <dgm:prSet/>
-      <dgm:spPr/>
-    </dgm:pt>
-    <dgm:pt modelId="{FDBAF1A6-96B3-4D87-9255-1D435C47287A}" type="parTrans" cxnId="{AB3E74F2-0C2A-4826-B8AA-8A07A9C78D6E}">
-      <dgm:prSet/>
-      <dgm:spPr/>
-      <dgm:t>
-        <a:bodyPr/>
-        <a:lstStyle/>
-        <a:p>
-          <a:endParaRPr lang="ru-RU"/>
-        </a:p>
-      </dgm:t>
-    </dgm:pt>
-    <dgm:pt modelId="{EDF67906-1657-4D7D-9BA3-CBF46E666BB7}" type="sibTrans" cxnId="{AB3E74F2-0C2A-4826-B8AA-8A07A9C78D6E}">
-      <dgm:prSet/>
-      <dgm:spPr/>
-      <dgm:t>
-        <a:bodyPr/>
-        <a:lstStyle/>
-        <a:p>
-          <a:endParaRPr lang="ru-RU"/>
-        </a:p>
-      </dgm:t>
-    </dgm:pt>
-    <dgm:pt modelId="{B92F1436-31AC-427D-90A4-29F7F626A386}">
-      <dgm:prSet/>
-      <dgm:spPr/>
-    </dgm:pt>
-    <dgm:pt modelId="{9CA78D7A-9F67-44F0-A144-58E6C8358DCE}" type="parTrans" cxnId="{A00AE92B-4DAF-4CF4-A42F-4A86D7D20F10}">
-      <dgm:prSet/>
-      <dgm:spPr/>
-      <dgm:t>
-        <a:bodyPr/>
-        <a:lstStyle/>
-        <a:p>
-          <a:endParaRPr lang="ru-RU"/>
-        </a:p>
-      </dgm:t>
-    </dgm:pt>
-    <dgm:pt modelId="{770411BB-2E35-45A1-95AF-03D7B635D87F}" type="sibTrans" cxnId="{A00AE92B-4DAF-4CF4-A42F-4A86D7D20F10}">
-      <dgm:prSet/>
-      <dgm:spPr/>
-      <dgm:t>
-        <a:bodyPr/>
-        <a:lstStyle/>
-        <a:p>
-          <a:endParaRPr lang="ru-RU"/>
-        </a:p>
-      </dgm:t>
-    </dgm:pt>
     <dgm:pt modelId="{4D30D1BA-01EB-42FE-A7D6-8969C3AB4CB0}" type="pres">
       <dgm:prSet presAssocID="{4E1389FE-DC0E-4066-92F3-3CCEB251EAFB}" presName="Name0" presStyleCnt="0">
         <dgm:presLayoutVars>
@@ -12091,7 +11998,7 @@
       <dgm:spPr/>
     </dgm:pt>
     <dgm:pt modelId="{628E21F9-F946-457A-B5D6-7107E4B5B54D}" type="pres">
-      <dgm:prSet presAssocID="{854A1BCD-286B-4DA3-949B-D8FB85C0D014}" presName="singleCenter" presStyleLbl="node1" presStyleIdx="0" presStyleCnt="8" custScaleX="163189" custScaleY="163189" custLinFactNeighborX="-67" custLinFactNeighborY="36555">
+      <dgm:prSet presAssocID="{854A1BCD-286B-4DA3-949B-D8FB85C0D014}" presName="singleCenter" presStyleLbl="node1" presStyleIdx="0" presStyleCnt="7" custScaleX="163189" custScaleY="163189" custLinFactNeighborX="-67" custLinFactNeighborY="36555">
         <dgm:presLayoutVars>
           <dgm:chMax val="7"/>
           <dgm:chPref val="7"/>
@@ -12107,7 +12014,7 @@
       </dgm:t>
     </dgm:pt>
     <dgm:pt modelId="{667DE06D-C223-4C57-8F2C-DDC107791A47}" type="pres">
-      <dgm:prSet presAssocID="{0320C3D9-2B7B-4CF1-930A-C9D1714593A9}" presName="Name56" presStyleLbl="parChTrans1D2" presStyleIdx="0" presStyleCnt="7"/>
+      <dgm:prSet presAssocID="{0320C3D9-2B7B-4CF1-930A-C9D1714593A9}" presName="Name56" presStyleLbl="parChTrans1D2" presStyleIdx="0" presStyleCnt="6"/>
       <dgm:spPr/>
       <dgm:t>
         <a:bodyPr/>
@@ -12118,7 +12025,7 @@
       </dgm:t>
     </dgm:pt>
     <dgm:pt modelId="{F29DD78D-084E-44BB-95B2-65781CA7A531}" type="pres">
-      <dgm:prSet presAssocID="{258A11A1-AFD8-47D2-BC45-8BBE869DEB52}" presName="text0" presStyleLbl="node1" presStyleIdx="1" presStyleCnt="8" custScaleX="221423" custScaleY="221423" custRadScaleRad="260953" custRadScaleInc="-286487">
+      <dgm:prSet presAssocID="{258A11A1-AFD8-47D2-BC45-8BBE869DEB52}" presName="text0" presStyleLbl="node1" presStyleIdx="1" presStyleCnt="7" custScaleX="221423" custScaleY="221423" custRadScaleRad="266228" custRadScaleInc="-248985">
         <dgm:presLayoutVars>
           <dgm:bulletEnabled val="1"/>
         </dgm:presLayoutVars>
@@ -12133,7 +12040,7 @@
       </dgm:t>
     </dgm:pt>
     <dgm:pt modelId="{65390B38-AF76-4E62-872B-309581DF08C7}" type="pres">
-      <dgm:prSet presAssocID="{4A4C6070-4A61-47AA-8ABA-32229F0F8F3A}" presName="Name56" presStyleLbl="parChTrans1D2" presStyleIdx="1" presStyleCnt="7"/>
+      <dgm:prSet presAssocID="{4A4C6070-4A61-47AA-8ABA-32229F0F8F3A}" presName="Name56" presStyleLbl="parChTrans1D2" presStyleIdx="1" presStyleCnt="6"/>
       <dgm:spPr/>
       <dgm:t>
         <a:bodyPr/>
@@ -12144,7 +12051,7 @@
       </dgm:t>
     </dgm:pt>
     <dgm:pt modelId="{24EC1B40-97B8-4A97-A728-C57093596661}" type="pres">
-      <dgm:prSet presAssocID="{EC1AF752-7BDE-4D7F-BBE3-D620E8B4D26C}" presName="text0" presStyleLbl="node1" presStyleIdx="2" presStyleCnt="8" custScaleX="199281" custScaleY="199281" custRadScaleRad="270700" custRadScaleInc="212585">
+      <dgm:prSet presAssocID="{EC1AF752-7BDE-4D7F-BBE3-D620E8B4D26C}" presName="text0" presStyleLbl="node1" presStyleIdx="2" presStyleCnt="7" custScaleX="199281" custScaleY="199281" custRadScaleRad="271744" custRadScaleInc="153434">
         <dgm:presLayoutVars>
           <dgm:bulletEnabled val="1"/>
         </dgm:presLayoutVars>
@@ -12159,7 +12066,7 @@
       </dgm:t>
     </dgm:pt>
     <dgm:pt modelId="{8F086A69-6FE7-48AB-8D4E-831F6AAADB3F}" type="pres">
-      <dgm:prSet presAssocID="{96897B08-3730-437B-BBBF-A34ED6D96B87}" presName="Name56" presStyleLbl="parChTrans1D2" presStyleIdx="2" presStyleCnt="7"/>
+      <dgm:prSet presAssocID="{96897B08-3730-437B-BBBF-A34ED6D96B87}" presName="Name56" presStyleLbl="parChTrans1D2" presStyleIdx="2" presStyleCnt="6"/>
       <dgm:spPr/>
       <dgm:t>
         <a:bodyPr/>
@@ -12170,7 +12077,7 @@
       </dgm:t>
     </dgm:pt>
     <dgm:pt modelId="{D5C3917E-2284-4E85-847C-82C5C871E472}" type="pres">
-      <dgm:prSet presAssocID="{1D3FBEC9-571B-458F-ACA0-2710242E71A4}" presName="text0" presStyleLbl="node1" presStyleIdx="3" presStyleCnt="8" custScaleX="221423" custScaleY="221423" custRadScaleRad="151361" custRadScaleInc="-629414">
+      <dgm:prSet presAssocID="{1D3FBEC9-571B-458F-ACA0-2710242E71A4}" presName="text0" presStyleLbl="node1" presStyleIdx="3" presStyleCnt="7" custScaleX="221423" custScaleY="221423" custRadScaleRad="149942" custRadScaleInc="591105">
         <dgm:presLayoutVars>
           <dgm:bulletEnabled val="1"/>
         </dgm:presLayoutVars>
@@ -12185,7 +12092,7 @@
       </dgm:t>
     </dgm:pt>
     <dgm:pt modelId="{1503B29C-C796-4217-A6E0-D8D0E4C12287}" type="pres">
-      <dgm:prSet presAssocID="{09175996-8951-4E60-ACF9-F91AAA0AB774}" presName="Name56" presStyleLbl="parChTrans1D2" presStyleIdx="3" presStyleCnt="7"/>
+      <dgm:prSet presAssocID="{09175996-8951-4E60-ACF9-F91AAA0AB774}" presName="Name56" presStyleLbl="parChTrans1D2" presStyleIdx="3" presStyleCnt="6"/>
       <dgm:spPr/>
       <dgm:t>
         <a:bodyPr/>
@@ -12196,7 +12103,7 @@
       </dgm:t>
     </dgm:pt>
     <dgm:pt modelId="{76784C24-975E-4373-9AB0-0D36214A64F1}" type="pres">
-      <dgm:prSet presAssocID="{04A48D68-CC72-4B7D-B019-6E9B41D34E99}" presName="text0" presStyleLbl="node1" presStyleIdx="4" presStyleCnt="8" custScaleX="221423" custScaleY="221423" custRadScaleRad="150700" custRadScaleInc="-365952">
+      <dgm:prSet presAssocID="{04A48D68-CC72-4B7D-B019-6E9B41D34E99}" presName="text0" presStyleLbl="node1" presStyleIdx="4" presStyleCnt="7" custScaleX="221423" custScaleY="221423" custRadScaleRad="150641" custRadScaleInc="-389886">
         <dgm:presLayoutVars>
           <dgm:bulletEnabled val="1"/>
         </dgm:presLayoutVars>
@@ -12211,7 +12118,7 @@
       </dgm:t>
     </dgm:pt>
     <dgm:pt modelId="{B23D5C2B-B6D2-4298-9DAF-A69442F1C2D7}" type="pres">
-      <dgm:prSet presAssocID="{2E57BB01-68FA-4D0D-8C7A-B42E79CEB108}" presName="Name56" presStyleLbl="parChTrans1D2" presStyleIdx="4" presStyleCnt="7"/>
+      <dgm:prSet presAssocID="{2E57BB01-68FA-4D0D-8C7A-B42E79CEB108}" presName="Name56" presStyleLbl="parChTrans1D2" presStyleIdx="4" presStyleCnt="6"/>
       <dgm:spPr/>
       <dgm:t>
         <a:bodyPr/>
@@ -12222,7 +12129,7 @@
       </dgm:t>
     </dgm:pt>
     <dgm:pt modelId="{635D6D0E-E44D-465D-9B55-5006A2372644}" type="pres">
-      <dgm:prSet presAssocID="{CC6EFFBD-D857-44D8-A554-1C53B719B6DA}" presName="text0" presStyleLbl="node1" presStyleIdx="5" presStyleCnt="8" custScaleX="221423" custScaleY="221423" custRadScaleRad="74931" custRadScaleInc="600029">
+      <dgm:prSet presAssocID="{CC6EFFBD-D857-44D8-A554-1C53B719B6DA}" presName="text0" presStyleLbl="node1" presStyleIdx="5" presStyleCnt="7" custScaleX="221423" custScaleY="221423" custRadScaleRad="69473" custRadScaleInc="397958">
         <dgm:presLayoutVars>
           <dgm:bulletEnabled val="1"/>
         </dgm:presLayoutVars>
@@ -12237,7 +12144,7 @@
       </dgm:t>
     </dgm:pt>
     <dgm:pt modelId="{645660FC-29F0-4ECD-9736-2F09D9960928}" type="pres">
-      <dgm:prSet presAssocID="{AA62E804-61D2-4247-AB46-39B7B206B101}" presName="Name56" presStyleLbl="parChTrans1D2" presStyleIdx="5" presStyleCnt="7"/>
+      <dgm:prSet presAssocID="{AA62E804-61D2-4247-AB46-39B7B206B101}" presName="Name56" presStyleLbl="parChTrans1D2" presStyleIdx="5" presStyleCnt="6"/>
       <dgm:spPr/>
       <dgm:t>
         <a:bodyPr/>
@@ -12248,33 +12155,7 @@
       </dgm:t>
     </dgm:pt>
     <dgm:pt modelId="{EF6A00EF-2BA3-4AAD-B69B-A8E8767F6738}" type="pres">
-      <dgm:prSet presAssocID="{1B13CC71-181F-4215-A78C-EB5B97876B1E}" presName="text0" presStyleLbl="node1" presStyleIdx="6" presStyleCnt="8" custScaleX="221423" custScaleY="221423" custRadScaleRad="270670" custRadScaleInc="687500">
-        <dgm:presLayoutVars>
-          <dgm:bulletEnabled val="1"/>
-        </dgm:presLayoutVars>
-      </dgm:prSet>
-      <dgm:spPr/>
-      <dgm:t>
-        <a:bodyPr/>
-        <a:lstStyle/>
-        <a:p>
-          <a:endParaRPr lang="ru-RU"/>
-        </a:p>
-      </dgm:t>
-    </dgm:pt>
-    <dgm:pt modelId="{31F46467-E6A0-42C5-A15B-7AE11A75F7C2}" type="pres">
-      <dgm:prSet presAssocID="{65BAC1C3-4AF8-400A-B2AD-520DF168D1DC}" presName="Name56" presStyleLbl="parChTrans1D2" presStyleIdx="6" presStyleCnt="7"/>
-      <dgm:spPr/>
-      <dgm:t>
-        <a:bodyPr/>
-        <a:lstStyle/>
-        <a:p>
-          <a:endParaRPr lang="ru-RU"/>
-        </a:p>
-      </dgm:t>
-    </dgm:pt>
-    <dgm:pt modelId="{E52EBD27-2BBA-443B-88B4-D24ED2FDCF9F}" type="pres">
-      <dgm:prSet presAssocID="{4F6FE085-77EF-4A9A-B8EE-81CB77FA60C6}" presName="text0" presStyleLbl="node1" presStyleIdx="7" presStyleCnt="8" custScaleX="199281" custScaleY="199281" custRadScaleRad="270460" custRadScaleInc="-211954">
+      <dgm:prSet presAssocID="{1B13CC71-181F-4215-A78C-EB5B97876B1E}" presName="text0" presStyleLbl="node1" presStyleIdx="6" presStyleCnt="7" custScaleX="221423" custScaleY="221423" custRadScaleRad="262855" custRadScaleInc="449981">
         <dgm:presLayoutVars>
           <dgm:bulletEnabled val="1"/>
         </dgm:presLayoutVars>
@@ -12292,26 +12173,21 @@
   <dgm:cxnLst>
     <dgm:cxn modelId="{62E61146-244B-49BE-8FAC-4DB94D94975C}" srcId="{854A1BCD-286B-4DA3-949B-D8FB85C0D014}" destId="{1B13CC71-181F-4215-A78C-EB5B97876B1E}" srcOrd="5" destOrd="0" parTransId="{AA62E804-61D2-4247-AB46-39B7B206B101}" sibTransId="{5251CEE5-3A1B-49CF-B520-A0D16AA827C4}"/>
     <dgm:cxn modelId="{FED975EE-D761-4513-BBC6-C4F43BA48D5C}" type="presOf" srcId="{AA62E804-61D2-4247-AB46-39B7B206B101}" destId="{645660FC-29F0-4ECD-9736-2F09D9960928}" srcOrd="0" destOrd="0" presId="urn:microsoft.com/office/officeart/2008/layout/RadialCluster"/>
-    <dgm:cxn modelId="{2196BA26-E904-44ED-92F9-D92EEF748395}" srcId="{854A1BCD-286B-4DA3-949B-D8FB85C0D014}" destId="{4F6FE085-77EF-4A9A-B8EE-81CB77FA60C6}" srcOrd="6" destOrd="0" parTransId="{65BAC1C3-4AF8-400A-B2AD-520DF168D1DC}" sibTransId="{A854EC9A-F014-45A6-94BF-B4109F6DF2D1}"/>
     <dgm:cxn modelId="{8563956E-C855-41EB-B38B-85C1FE7C630E}" type="presOf" srcId="{96897B08-3730-437B-BBBF-A34ED6D96B87}" destId="{8F086A69-6FE7-48AB-8D4E-831F6AAADB3F}" srcOrd="0" destOrd="0" presId="urn:microsoft.com/office/officeart/2008/layout/RadialCluster"/>
     <dgm:cxn modelId="{A3E73796-D0F5-47ED-9D00-E296C65583ED}" type="presOf" srcId="{09175996-8951-4E60-ACF9-F91AAA0AB774}" destId="{1503B29C-C796-4217-A6E0-D8D0E4C12287}" srcOrd="0" destOrd="0" presId="urn:microsoft.com/office/officeart/2008/layout/RadialCluster"/>
     <dgm:cxn modelId="{6E19CDCE-7287-479A-8768-CB375E2D63DF}" type="presOf" srcId="{04A48D68-CC72-4B7D-B019-6E9B41D34E99}" destId="{76784C24-975E-4373-9AB0-0D36214A64F1}" srcOrd="0" destOrd="0" presId="urn:microsoft.com/office/officeart/2008/layout/RadialCluster"/>
     <dgm:cxn modelId="{387408DC-5588-4A36-8421-958F33884D48}" srcId="{854A1BCD-286B-4DA3-949B-D8FB85C0D014}" destId="{1D3FBEC9-571B-458F-ACA0-2710242E71A4}" srcOrd="2" destOrd="0" parTransId="{96897B08-3730-437B-BBBF-A34ED6D96B87}" sibTransId="{1881E3BC-8B21-47AD-834A-9C36C92986B6}"/>
     <dgm:cxn modelId="{ECCE758F-4761-4107-8EAA-6A1AF38863BD}" type="presOf" srcId="{CC6EFFBD-D857-44D8-A554-1C53B719B6DA}" destId="{635D6D0E-E44D-465D-9B55-5006A2372644}" srcOrd="0" destOrd="0" presId="urn:microsoft.com/office/officeart/2008/layout/RadialCluster"/>
     <dgm:cxn modelId="{E2950397-7973-45B7-9A8A-B5287CF7676E}" type="presOf" srcId="{258A11A1-AFD8-47D2-BC45-8BBE869DEB52}" destId="{F29DD78D-084E-44BB-95B2-65781CA7A531}" srcOrd="0" destOrd="0" presId="urn:microsoft.com/office/officeart/2008/layout/RadialCluster"/>
-    <dgm:cxn modelId="{AB3E74F2-0C2A-4826-B8AA-8A07A9C78D6E}" srcId="{4E1389FE-DC0E-4066-92F3-3CCEB251EAFB}" destId="{16834BD0-903A-491A-B614-DAEC43CD34C4}" srcOrd="1" destOrd="0" parTransId="{FDBAF1A6-96B3-4D87-9255-1D435C47287A}" sibTransId="{EDF67906-1657-4D7D-9BA3-CBF46E666BB7}"/>
     <dgm:cxn modelId="{ACC19EC5-2801-4EFF-A589-088C61DC03E2}" type="presOf" srcId="{1B13CC71-181F-4215-A78C-EB5B97876B1E}" destId="{EF6A00EF-2BA3-4AAD-B69B-A8E8767F6738}" srcOrd="0" destOrd="0" presId="urn:microsoft.com/office/officeart/2008/layout/RadialCluster"/>
     <dgm:cxn modelId="{23172C1A-FF43-4712-A764-5DF55D8ECD91}" type="presOf" srcId="{854A1BCD-286B-4DA3-949B-D8FB85C0D014}" destId="{628E21F9-F946-457A-B5D6-7107E4B5B54D}" srcOrd="0" destOrd="0" presId="urn:microsoft.com/office/officeart/2008/layout/RadialCluster"/>
     <dgm:cxn modelId="{8150D778-0444-4BA5-9CA0-483EB123B395}" type="presOf" srcId="{4A4C6070-4A61-47AA-8ABA-32229F0F8F3A}" destId="{65390B38-AF76-4E62-872B-309581DF08C7}" srcOrd="0" destOrd="0" presId="urn:microsoft.com/office/officeart/2008/layout/RadialCluster"/>
-    <dgm:cxn modelId="{A00AE92B-4DAF-4CF4-A42F-4A86D7D20F10}" srcId="{4E1389FE-DC0E-4066-92F3-3CCEB251EAFB}" destId="{B92F1436-31AC-427D-90A4-29F7F626A386}" srcOrd="2" destOrd="0" parTransId="{9CA78D7A-9F67-44F0-A144-58E6C8358DCE}" sibTransId="{770411BB-2E35-45A1-95AF-03D7B635D87F}"/>
     <dgm:cxn modelId="{9259EE65-3344-4279-B2DE-CD2D0F3E076D}" srcId="{854A1BCD-286B-4DA3-949B-D8FB85C0D014}" destId="{CC6EFFBD-D857-44D8-A554-1C53B719B6DA}" srcOrd="4" destOrd="0" parTransId="{2E57BB01-68FA-4D0D-8C7A-B42E79CEB108}" sibTransId="{D0BC1636-D907-4B63-ACD9-B489EF98EBA4}"/>
     <dgm:cxn modelId="{A65AEC00-A92B-45EA-B572-F456BD1979A4}" type="presOf" srcId="{4E1389FE-DC0E-4066-92F3-3CCEB251EAFB}" destId="{4D30D1BA-01EB-42FE-A7D6-8969C3AB4CB0}" srcOrd="0" destOrd="0" presId="urn:microsoft.com/office/officeart/2008/layout/RadialCluster"/>
     <dgm:cxn modelId="{CC4FE5FD-B7C9-40BA-872B-498CE774840A}" srcId="{4E1389FE-DC0E-4066-92F3-3CCEB251EAFB}" destId="{854A1BCD-286B-4DA3-949B-D8FB85C0D014}" srcOrd="0" destOrd="0" parTransId="{86863718-AB7B-421A-B53D-D29B3222815B}" sibTransId="{48FE42EB-D914-4DC9-BA5F-17D664563849}"/>
     <dgm:cxn modelId="{4A475A00-F60B-410B-8470-9EA0E1C3E244}" type="presOf" srcId="{EC1AF752-7BDE-4D7F-BBE3-D620E8B4D26C}" destId="{24EC1B40-97B8-4A97-A728-C57093596661}" srcOrd="0" destOrd="0" presId="urn:microsoft.com/office/officeart/2008/layout/RadialCluster"/>
     <dgm:cxn modelId="{B51B8D91-8E4E-44B0-82BF-67EF5A3FA512}" type="presOf" srcId="{0320C3D9-2B7B-4CF1-930A-C9D1714593A9}" destId="{667DE06D-C223-4C57-8F2C-DDC107791A47}" srcOrd="0" destOrd="0" presId="urn:microsoft.com/office/officeart/2008/layout/RadialCluster"/>
     <dgm:cxn modelId="{6D6CF6BD-20AB-45DE-BD8F-7724AB08659B}" type="presOf" srcId="{2E57BB01-68FA-4D0D-8C7A-B42E79CEB108}" destId="{B23D5C2B-B6D2-4298-9DAF-A69442F1C2D7}" srcOrd="0" destOrd="0" presId="urn:microsoft.com/office/officeart/2008/layout/RadialCluster"/>
-    <dgm:cxn modelId="{7192C2DF-6266-47B6-BC29-DFD1E4CC8357}" type="presOf" srcId="{65BAC1C3-4AF8-400A-B2AD-520DF168D1DC}" destId="{31F46467-E6A0-42C5-A15B-7AE11A75F7C2}" srcOrd="0" destOrd="0" presId="urn:microsoft.com/office/officeart/2008/layout/RadialCluster"/>
-    <dgm:cxn modelId="{046BDCA5-24BC-4615-9136-FC27FD57F028}" type="presOf" srcId="{4F6FE085-77EF-4A9A-B8EE-81CB77FA60C6}" destId="{E52EBD27-2BBA-443B-88B4-D24ED2FDCF9F}" srcOrd="0" destOrd="0" presId="urn:microsoft.com/office/officeart/2008/layout/RadialCluster"/>
     <dgm:cxn modelId="{18EF6DB3-3087-4F3E-882C-92F6C8F6899C}" srcId="{854A1BCD-286B-4DA3-949B-D8FB85C0D014}" destId="{258A11A1-AFD8-47D2-BC45-8BBE869DEB52}" srcOrd="0" destOrd="0" parTransId="{0320C3D9-2B7B-4CF1-930A-C9D1714593A9}" sibTransId="{383D3AFB-4D80-4300-A0A1-03CD0A94377A}"/>
     <dgm:cxn modelId="{82616DB1-0687-468F-BA64-08D535074412}" srcId="{854A1BCD-286B-4DA3-949B-D8FB85C0D014}" destId="{EC1AF752-7BDE-4D7F-BBE3-D620E8B4D26C}" srcOrd="1" destOrd="0" parTransId="{4A4C6070-4A61-47AA-8ABA-32229F0F8F3A}" sibTransId="{86117725-F453-45C3-BDED-502035BCFDCA}"/>
     <dgm:cxn modelId="{E5EA6C4C-7F99-4297-909F-4EA4E535C5BB}" srcId="{854A1BCD-286B-4DA3-949B-D8FB85C0D014}" destId="{04A48D68-CC72-4B7D-B019-6E9B41D34E99}" srcOrd="3" destOrd="0" parTransId="{09175996-8951-4E60-ACF9-F91AAA0AB774}" sibTransId="{2AAAFEF9-961D-4F4B-9B00-9201546214F0}"/>
@@ -12330,8 +12206,6 @@
     <dgm:cxn modelId="{BC7CF5A9-ADB3-4904-B2E5-6EEB9AE9C93F}" type="presParOf" srcId="{5E52D266-CB75-4768-8AAD-3E1F25AADB5A}" destId="{635D6D0E-E44D-465D-9B55-5006A2372644}" srcOrd="10" destOrd="0" presId="urn:microsoft.com/office/officeart/2008/layout/RadialCluster"/>
     <dgm:cxn modelId="{EF7B19F2-A724-4421-A7A2-858E13A60F58}" type="presParOf" srcId="{5E52D266-CB75-4768-8AAD-3E1F25AADB5A}" destId="{645660FC-29F0-4ECD-9736-2F09D9960928}" srcOrd="11" destOrd="0" presId="urn:microsoft.com/office/officeart/2008/layout/RadialCluster"/>
     <dgm:cxn modelId="{AC3EBBCC-3344-4ECF-B120-5447CC47B44F}" type="presParOf" srcId="{5E52D266-CB75-4768-8AAD-3E1F25AADB5A}" destId="{EF6A00EF-2BA3-4AAD-B69B-A8E8767F6738}" srcOrd="12" destOrd="0" presId="urn:microsoft.com/office/officeart/2008/layout/RadialCluster"/>
-    <dgm:cxn modelId="{E2154B86-F6B5-42D8-BA2D-44383FD5CF3B}" type="presParOf" srcId="{5E52D266-CB75-4768-8AAD-3E1F25AADB5A}" destId="{31F46467-E6A0-42C5-A15B-7AE11A75F7C2}" srcOrd="13" destOrd="0" presId="urn:microsoft.com/office/officeart/2008/layout/RadialCluster"/>
-    <dgm:cxn modelId="{ABBCF2C9-EFD4-466D-AE23-B1B1821030AC}" type="presParOf" srcId="{5E52D266-CB75-4768-8AAD-3E1F25AADB5A}" destId="{E52EBD27-2BBA-443B-88B4-D24ED2FDCF9F}" srcOrd="14" destOrd="0" presId="urn:microsoft.com/office/officeart/2008/layout/RadialCluster"/>
   </dgm:cxnLst>
   <dgm:bg/>
   <dgm:whole>
@@ -15995,7 +15869,7 @@
       </dsp:nvSpPr>
       <dsp:spPr>
         <a:xfrm>
-          <a:off x="4036819" y="2064394"/>
+          <a:off x="4036874" y="2064394"/>
           <a:ext cx="1980003" cy="1980003"/>
         </a:xfrm>
         <a:prstGeom prst="roundRect">
@@ -16037,12 +15911,12 @@
         </a:fontRef>
       </dsp:style>
       <dsp:txBody>
-        <a:bodyPr spcFirstLastPara="0" vert="horz" wrap="square" lIns="101600" tIns="101600" rIns="101600" bIns="101600" numCol="1" spcCol="1270" anchor="t" anchorCtr="0">
+        <a:bodyPr spcFirstLastPara="0" vert="horz" wrap="square" lIns="81280" tIns="81280" rIns="81280" bIns="81280" numCol="1" spcCol="1270" anchor="t" anchorCtr="0">
           <a:noAutofit/>
         </a:bodyPr>
         <a:lstStyle/>
         <a:p>
-          <a:pPr lvl="0" algn="ctr" defTabSz="1778000">
+          <a:pPr lvl="0" algn="ctr" defTabSz="1422400">
             <a:lnSpc>
               <a:spcPct val="90000"/>
             </a:lnSpc>
@@ -16054,14 +15928,14 @@
             </a:spcAft>
           </a:pPr>
           <a:r>
-            <a:rPr lang="en-US" sz="4000" b="1" kern="1200" dirty="0" smtClean="0"/>
+            <a:rPr lang="en-US" sz="3200" b="1" kern="1200" dirty="0" smtClean="0"/>
             <a:t>SearchEngine</a:t>
           </a:r>
-          <a:endParaRPr lang="ru-RU" sz="4000" b="1" kern="1200" dirty="0"/>
+          <a:endParaRPr lang="ru-RU" sz="3200" b="1" kern="1200" dirty="0"/>
         </a:p>
       </dsp:txBody>
       <dsp:txXfrm>
-        <a:off x="4133475" y="2161050"/>
+        <a:off x="4133530" y="2161050"/>
         <a:ext cx="1786691" cy="1786691"/>
       </dsp:txXfrm>
     </dsp:sp>
@@ -16071,9 +15945,9 @@
         <dsp:cNvSpPr/>
       </dsp:nvSpPr>
       <dsp:spPr>
-        <a:xfrm rot="12461567">
-          <a:off x="1655316" y="1947794"/>
-          <a:ext cx="2526187" cy="0"/>
+        <a:xfrm rot="12462445">
+          <a:off x="1655143" y="1947092"/>
+          <a:ext cx="2526589" cy="0"/>
         </a:xfrm>
         <a:custGeom>
           <a:avLst/>
@@ -16087,7 +15961,7 @@
                 <a:pt x="0" y="0"/>
               </a:moveTo>
               <a:lnTo>
-                <a:pt x="2526187" y="0"/>
+                <a:pt x="2526589" y="0"/>
               </a:lnTo>
             </a:path>
           </a:pathLst>
@@ -16123,7 +15997,7 @@
       </dsp:nvSpPr>
       <dsp:spPr>
         <a:xfrm>
-          <a:off x="0" y="-11570"/>
+          <a:off x="0" y="-12944"/>
           <a:ext cx="1800000" cy="1800000"/>
         </a:xfrm>
         <a:prstGeom prst="roundRect">
@@ -16189,7 +16063,7 @@
         </a:p>
       </dsp:txBody>
       <dsp:txXfrm>
-        <a:off x="87869" y="76299"/>
+        <a:off x="87869" y="74925"/>
         <a:ext cx="1624262" cy="1624262"/>
       </dsp:txXfrm>
     </dsp:sp>
@@ -16200,8 +16074,8 @@
       </dsp:nvSpPr>
       <dsp:spPr>
         <a:xfrm rot="146502">
-          <a:off x="6015723" y="3148234"/>
-          <a:ext cx="2423456" cy="0"/>
+          <a:off x="6015778" y="3148233"/>
+          <a:ext cx="2423396" cy="0"/>
         </a:xfrm>
         <a:custGeom>
           <a:avLst/>
@@ -16215,7 +16089,7 @@
                 <a:pt x="0" y="0"/>
               </a:moveTo>
               <a:lnTo>
-                <a:pt x="2423456" y="0"/>
+                <a:pt x="2423396" y="0"/>
               </a:lnTo>
             </a:path>
           </a:pathLst>
@@ -16250,7 +16124,7 @@
       </dsp:nvSpPr>
       <dsp:spPr>
         <a:xfrm>
-          <a:off x="8438079" y="2424394"/>
+          <a:off x="8438075" y="2424393"/>
           <a:ext cx="1620003" cy="1620003"/>
         </a:xfrm>
         <a:prstGeom prst="roundRect">
@@ -16316,7 +16190,7 @@
         </a:p>
       </dsp:txBody>
       <dsp:txXfrm>
-        <a:off x="8517161" y="2503476"/>
+        <a:off x="8517157" y="2503475"/>
         <a:ext cx="1461839" cy="1461839"/>
       </dsp:txXfrm>
     </dsp:sp>
@@ -16326,9 +16200,9 @@
         <dsp:cNvSpPr/>
       </dsp:nvSpPr>
       <dsp:spPr>
-        <a:xfrm rot="13505717">
-          <a:off x="3721704" y="1932197"/>
-          <a:ext cx="373288" cy="0"/>
+        <a:xfrm rot="13495766">
+          <a:off x="3723755" y="1937357"/>
+          <a:ext cx="366655" cy="0"/>
         </a:xfrm>
         <a:custGeom>
           <a:avLst/>
@@ -16342,7 +16216,7 @@
                 <a:pt x="0" y="0"/>
               </a:moveTo>
               <a:lnTo>
-                <a:pt x="373288" y="0"/>
+                <a:pt x="366655" y="0"/>
               </a:lnTo>
             </a:path>
           </a:pathLst>
@@ -16377,7 +16251,7 @@
       </dsp:nvSpPr>
       <dsp:spPr>
         <a:xfrm>
-          <a:off x="1979578" y="0"/>
+          <a:off x="1977290" y="10098"/>
           <a:ext cx="1800000" cy="1800000"/>
         </a:xfrm>
         <a:prstGeom prst="roundRect">
@@ -16443,7 +16317,7 @@
         </a:p>
       </dsp:txBody>
       <dsp:txXfrm>
-        <a:off x="2067447" y="87869"/>
+        <a:off x="2065159" y="97967"/>
         <a:ext cx="1624262" cy="1624262"/>
       </dsp:txXfrm>
     </dsp:sp>
@@ -16453,9 +16327,9 @@
         <dsp:cNvSpPr/>
       </dsp:nvSpPr>
       <dsp:spPr>
-        <a:xfrm rot="18911281">
-          <a:off x="5959770" y="1932491"/>
-          <a:ext cx="392685" cy="0"/>
+        <a:xfrm rot="18928235">
+          <a:off x="5960287" y="1942298"/>
+          <a:ext cx="394213" cy="0"/>
         </a:xfrm>
         <a:custGeom>
           <a:avLst/>
@@ -16469,7 +16343,7 @@
                 <a:pt x="0" y="0"/>
               </a:moveTo>
               <a:lnTo>
-                <a:pt x="392685" y="0"/>
+                <a:pt x="394213" y="0"/>
               </a:lnTo>
             </a:path>
           </a:pathLst>
@@ -16504,7 +16378,7 @@
       </dsp:nvSpPr>
       <dsp:spPr>
         <a:xfrm>
-          <a:off x="6295403" y="0"/>
+          <a:off x="6297910" y="18734"/>
           <a:ext cx="1800000" cy="1800000"/>
         </a:xfrm>
         <a:prstGeom prst="roundRect">
@@ -16570,7 +16444,7 @@
         </a:p>
       </dsp:txBody>
       <dsp:txXfrm>
-        <a:off x="6383272" y="87869"/>
+        <a:off x="6385779" y="106603"/>
         <a:ext cx="1624262" cy="1624262"/>
       </dsp:txXfrm>
     </dsp:sp>
@@ -16580,9 +16454,9 @@
         <dsp:cNvSpPr/>
       </dsp:nvSpPr>
       <dsp:spPr>
-        <a:xfrm rot="16203801">
-          <a:off x="4895865" y="1932197"/>
-          <a:ext cx="264393" cy="0"/>
+        <a:xfrm rot="16184308">
+          <a:off x="4889557" y="1932199"/>
+          <a:ext cx="264392" cy="0"/>
         </a:xfrm>
         <a:custGeom>
           <a:avLst/>
@@ -16596,7 +16470,7 @@
                 <a:pt x="0" y="0"/>
               </a:moveTo>
               <a:lnTo>
-                <a:pt x="264393" y="0"/>
+                <a:pt x="264392" y="0"/>
               </a:lnTo>
             </a:path>
           </a:pathLst>
@@ -16631,7 +16505,7 @@
       </dsp:nvSpPr>
       <dsp:spPr>
         <a:xfrm>
-          <a:off x="4129202" y="0"/>
+          <a:off x="4117042" y="3"/>
           <a:ext cx="1800000" cy="1800000"/>
         </a:xfrm>
         <a:prstGeom prst="roundRect">
@@ -16697,7 +16571,7 @@
         </a:p>
       </dsp:txBody>
       <dsp:txXfrm>
-        <a:off x="4217071" y="87869"/>
+        <a:off x="4204911" y="87872"/>
         <a:ext cx="1624262" cy="1624262"/>
       </dsp:txXfrm>
     </dsp:sp>
@@ -16707,9 +16581,9 @@
         <dsp:cNvSpPr/>
       </dsp:nvSpPr>
       <dsp:spPr>
-        <a:xfrm rot="19947515">
-          <a:off x="5873599" y="1953730"/>
-          <a:ext cx="2527706" cy="0"/>
+        <a:xfrm rot="19953010">
+          <a:off x="5876466" y="1965227"/>
+          <a:ext cx="2494325" cy="0"/>
         </a:xfrm>
         <a:custGeom>
           <a:avLst/>
@@ -16723,7 +16597,7 @@
                 <a:pt x="0" y="0"/>
               </a:moveTo>
               <a:lnTo>
-                <a:pt x="2527706" y="0"/>
+                <a:pt x="2494325" y="0"/>
               </a:lnTo>
             </a:path>
           </a:pathLst>
@@ -16758,7 +16632,7 @@
       </dsp:nvSpPr>
       <dsp:spPr>
         <a:xfrm>
-          <a:off x="8258082" y="0"/>
+          <a:off x="8230380" y="22810"/>
           <a:ext cx="1800000" cy="1800000"/>
         </a:xfrm>
         <a:prstGeom prst="roundRect">
@@ -16824,135 +16698,8 @@
         </a:p>
       </dsp:txBody>
       <dsp:txXfrm>
-        <a:off x="8345951" y="87869"/>
+        <a:off x="8318249" y="110679"/>
         <a:ext cx="1624262" cy="1624262"/>
-      </dsp:txXfrm>
-    </dsp:sp>
-    <dsp:sp modelId="{31F46467-E6A0-42C5-A15B-7AE11A75F7C2}">
-      <dsp:nvSpPr>
-        <dsp:cNvPr id="0" name=""/>
-        <dsp:cNvSpPr/>
-      </dsp:nvSpPr>
-      <dsp:spPr>
-        <a:xfrm rot="10653344">
-          <a:off x="1618902" y="3148238"/>
-          <a:ext cx="2419017" cy="0"/>
-        </a:xfrm>
-        <a:custGeom>
-          <a:avLst/>
-          <a:gdLst/>
-          <a:ahLst/>
-          <a:cxnLst/>
-          <a:rect l="0" t="0" r="0" b="0"/>
-          <a:pathLst>
-            <a:path>
-              <a:moveTo>
-                <a:pt x="0" y="0"/>
-              </a:moveTo>
-              <a:lnTo>
-                <a:pt x="2419017" y="0"/>
-              </a:lnTo>
-            </a:path>
-          </a:pathLst>
-        </a:custGeom>
-        <a:noFill/>
-        <a:ln w="15875" cap="flat" cmpd="sng" algn="ctr">
-          <a:solidFill>
-            <a:scrgbClr r="0" g="0" b="0"/>
-          </a:solidFill>
-          <a:prstDash val="solid"/>
-          <a:tailEnd type="triangle"/>
-        </a:ln>
-        <a:effectLst/>
-      </dsp:spPr>
-      <dsp:style>
-        <a:lnRef idx="2">
-          <a:scrgbClr r="0" g="0" b="0"/>
-        </a:lnRef>
-        <a:fillRef idx="0">
-          <a:scrgbClr r="0" g="0" b="0"/>
-        </a:fillRef>
-        <a:effectRef idx="0">
-          <a:scrgbClr r="0" g="0" b="0"/>
-        </a:effectRef>
-        <a:fontRef idx="minor"/>
-      </dsp:style>
-    </dsp:sp>
-    <dsp:sp modelId="{E52EBD27-2BBA-443B-88B4-D24ED2FDCF9F}">
-      <dsp:nvSpPr>
-        <dsp:cNvPr id="0" name=""/>
-        <dsp:cNvSpPr/>
-      </dsp:nvSpPr>
-      <dsp:spPr>
-        <a:xfrm>
-          <a:off x="0" y="2424394"/>
-          <a:ext cx="1620003" cy="1620003"/>
-        </a:xfrm>
-        <a:prstGeom prst="roundRect">
-          <a:avLst/>
-        </a:prstGeom>
-        <a:solidFill>
-          <a:schemeClr val="accent1">
-            <a:hueOff val="0"/>
-            <a:satOff val="0"/>
-            <a:lumOff val="0"/>
-            <a:alphaOff val="0"/>
-          </a:schemeClr>
-        </a:solidFill>
-        <a:ln w="15875" cap="flat" cmpd="sng" algn="ctr">
-          <a:solidFill>
-            <a:schemeClr val="lt1">
-              <a:hueOff val="0"/>
-              <a:satOff val="0"/>
-              <a:lumOff val="0"/>
-              <a:alphaOff val="0"/>
-            </a:schemeClr>
-          </a:solidFill>
-          <a:prstDash val="solid"/>
-        </a:ln>
-        <a:effectLst/>
-      </dsp:spPr>
-      <dsp:style>
-        <a:lnRef idx="2">
-          <a:scrgbClr r="0" g="0" b="0"/>
-        </a:lnRef>
-        <a:fillRef idx="1">
-          <a:scrgbClr r="0" g="0" b="0"/>
-        </a:fillRef>
-        <a:effectRef idx="0">
-          <a:scrgbClr r="0" g="0" b="0"/>
-        </a:effectRef>
-        <a:fontRef idx="minor">
-          <a:schemeClr val="lt1"/>
-        </a:fontRef>
-      </dsp:style>
-      <dsp:txBody>
-        <a:bodyPr spcFirstLastPara="0" vert="horz" wrap="square" lIns="50800" tIns="50800" rIns="50800" bIns="50800" numCol="1" spcCol="1270" anchor="t" anchorCtr="0">
-          <a:noAutofit/>
-        </a:bodyPr>
-        <a:lstStyle/>
-        <a:p>
-          <a:pPr lvl="0" algn="ctr" defTabSz="889000">
-            <a:lnSpc>
-              <a:spcPct val="90000"/>
-            </a:lnSpc>
-            <a:spcBef>
-              <a:spcPct val="0"/>
-            </a:spcBef>
-            <a:spcAft>
-              <a:spcPct val="35000"/>
-            </a:spcAft>
-          </a:pPr>
-          <a:r>
-            <a:rPr lang="en-US" sz="2000" b="1" kern="1200" dirty="0" smtClean="0"/>
-            <a:t>Logger</a:t>
-          </a:r>
-          <a:endParaRPr lang="ru-RU" sz="2000" b="1" kern="1200" dirty="0"/>
-        </a:p>
-      </dsp:txBody>
-      <dsp:txXfrm>
-        <a:off x="79082" y="2503476"/>
-        <a:ext cx="1461839" cy="1461839"/>
       </dsp:txXfrm>
     </dsp:sp>
   </dsp:spTree>
@@ -17506,519 +17253,6 @@
       <dsp:cNvGrpSpPr/>
     </dsp:nvGrpSpPr>
     <dsp:grpSpPr/>
-    <dsp:sp modelId="{B0B6F61C-C060-4C4C-96BF-4EE40B41E6A0}">
-      <dsp:nvSpPr>
-        <dsp:cNvPr id="0" name=""/>
-        <dsp:cNvSpPr/>
-      </dsp:nvSpPr>
-      <dsp:spPr>
-        <a:xfrm>
-          <a:off x="653206" y="105213"/>
-          <a:ext cx="2593181" cy="2266766"/>
-        </a:xfrm>
-        <a:prstGeom prst="rightArrow">
-          <a:avLst>
-            <a:gd name="adj1" fmla="val 70000"/>
-            <a:gd name="adj2" fmla="val 50000"/>
-          </a:avLst>
-        </a:prstGeom>
-        <a:solidFill>
-          <a:schemeClr val="accent1">
-            <a:alpha val="90000"/>
-            <a:tint val="40000"/>
-            <a:hueOff val="0"/>
-            <a:satOff val="0"/>
-            <a:lumOff val="0"/>
-            <a:alphaOff val="0"/>
-          </a:schemeClr>
-        </a:solidFill>
-        <a:ln w="15875" cap="flat" cmpd="sng" algn="ctr">
-          <a:solidFill>
-            <a:schemeClr val="accent1">
-              <a:alpha val="90000"/>
-              <a:tint val="40000"/>
-              <a:hueOff val="0"/>
-              <a:satOff val="0"/>
-              <a:lumOff val="0"/>
-              <a:alphaOff val="0"/>
-            </a:schemeClr>
-          </a:solidFill>
-          <a:prstDash val="solid"/>
-        </a:ln>
-        <a:effectLst/>
-      </dsp:spPr>
-      <dsp:style>
-        <a:lnRef idx="2">
-          <a:scrgbClr r="0" g="0" b="0"/>
-        </a:lnRef>
-        <a:fillRef idx="1">
-          <a:scrgbClr r="0" g="0" b="0"/>
-        </a:fillRef>
-        <a:effectRef idx="0">
-          <a:scrgbClr r="0" g="0" b="0"/>
-        </a:effectRef>
-        <a:fontRef idx="minor"/>
-      </dsp:style>
-      <dsp:txBody>
-        <a:bodyPr spcFirstLastPara="0" vert="horz" wrap="square" lIns="40640" tIns="10160" rIns="20320" bIns="10160" numCol="1" spcCol="1270" anchor="ctr" anchorCtr="0">
-          <a:noAutofit/>
-        </a:bodyPr>
-        <a:lstStyle/>
-        <a:p>
-          <a:pPr lvl="0" algn="ctr" defTabSz="711200">
-            <a:lnSpc>
-              <a:spcPct val="90000"/>
-            </a:lnSpc>
-            <a:spcBef>
-              <a:spcPct val="0"/>
-            </a:spcBef>
-            <a:spcAft>
-              <a:spcPct val="35000"/>
-            </a:spcAft>
-          </a:pPr>
-          <a:r>
-            <a:rPr lang="ru-RU" sz="1600" kern="1200" dirty="0" smtClean="0"/>
-            <a:t>список путей файлов документов</a:t>
-          </a:r>
-          <a:endParaRPr lang="ru-RU" sz="1600" kern="1200" dirty="0"/>
-        </a:p>
-      </dsp:txBody>
-      <dsp:txXfrm>
-        <a:off x="1301501" y="445228"/>
-        <a:ext cx="1264175" cy="1586736"/>
-      </dsp:txXfrm>
-    </dsp:sp>
-    <dsp:sp modelId="{E644A287-01BC-4CF5-B466-30846E7BBA7F}">
-      <dsp:nvSpPr>
-        <dsp:cNvPr id="0" name=""/>
-        <dsp:cNvSpPr/>
-      </dsp:nvSpPr>
-      <dsp:spPr>
-        <a:xfrm>
-          <a:off x="4911" y="590301"/>
-          <a:ext cx="1296590" cy="1296590"/>
-        </a:xfrm>
-        <a:prstGeom prst="roundRect">
-          <a:avLst/>
-        </a:prstGeom>
-        <a:solidFill>
-          <a:schemeClr val="accent1">
-            <a:hueOff val="0"/>
-            <a:satOff val="0"/>
-            <a:lumOff val="0"/>
-            <a:alphaOff val="0"/>
-          </a:schemeClr>
-        </a:solidFill>
-        <a:ln w="15875" cap="flat" cmpd="sng" algn="ctr">
-          <a:solidFill>
-            <a:schemeClr val="lt1">
-              <a:hueOff val="0"/>
-              <a:satOff val="0"/>
-              <a:lumOff val="0"/>
-              <a:alphaOff val="0"/>
-            </a:schemeClr>
-          </a:solidFill>
-          <a:prstDash val="solid"/>
-        </a:ln>
-        <a:effectLst/>
-      </dsp:spPr>
-      <dsp:style>
-        <a:lnRef idx="2">
-          <a:scrgbClr r="0" g="0" b="0"/>
-        </a:lnRef>
-        <a:fillRef idx="1">
-          <a:scrgbClr r="0" g="0" b="0"/>
-        </a:fillRef>
-        <a:effectRef idx="0">
-          <a:scrgbClr r="0" g="0" b="0"/>
-        </a:effectRef>
-        <a:fontRef idx="minor">
-          <a:schemeClr val="lt1"/>
-        </a:fontRef>
-      </dsp:style>
-      <dsp:txBody>
-        <a:bodyPr spcFirstLastPara="0" vert="horz" wrap="square" lIns="12065" tIns="12065" rIns="12065" bIns="12065" numCol="1" spcCol="1270" anchor="ctr" anchorCtr="0">
-          <a:noAutofit/>
-        </a:bodyPr>
-        <a:lstStyle/>
-        <a:p>
-          <a:pPr lvl="0" algn="ctr" defTabSz="844550">
-            <a:lnSpc>
-              <a:spcPct val="90000"/>
-            </a:lnSpc>
-            <a:spcBef>
-              <a:spcPct val="0"/>
-            </a:spcBef>
-            <a:spcAft>
-              <a:spcPct val="35000"/>
-            </a:spcAft>
-          </a:pPr>
-          <a:r>
-            <a:rPr lang="en-US" sz="1900" kern="1200" dirty="0" smtClean="0"/>
-            <a:t>Converter</a:t>
-          </a:r>
-          <a:endParaRPr lang="ru-RU" sz="1900" kern="1200" dirty="0" smtClean="0"/>
-        </a:p>
-        <a:p>
-          <a:pPr lvl="0" algn="ctr" defTabSz="844550">
-            <a:lnSpc>
-              <a:spcPct val="90000"/>
-            </a:lnSpc>
-            <a:spcBef>
-              <a:spcPct val="0"/>
-            </a:spcBef>
-            <a:spcAft>
-              <a:spcPct val="35000"/>
-            </a:spcAft>
-          </a:pPr>
-          <a:r>
-            <a:rPr lang="en-US" sz="1900" kern="1200" dirty="0" smtClean="0"/>
-            <a:t>JSON</a:t>
-          </a:r>
-          <a:endParaRPr lang="ru-RU" sz="1900" kern="1200" dirty="0"/>
-        </a:p>
-      </dsp:txBody>
-      <dsp:txXfrm>
-        <a:off x="68205" y="653595"/>
-        <a:ext cx="1170002" cy="1170002"/>
-      </dsp:txXfrm>
-    </dsp:sp>
-    <dsp:sp modelId="{1FA1B9C7-0E34-4A44-A18B-216DF888F0C5}">
-      <dsp:nvSpPr>
-        <dsp:cNvPr id="0" name=""/>
-        <dsp:cNvSpPr/>
-      </dsp:nvSpPr>
-      <dsp:spPr>
-        <a:xfrm>
-          <a:off x="4056757" y="105213"/>
-          <a:ext cx="2593181" cy="2266766"/>
-        </a:xfrm>
-        <a:prstGeom prst="rightArrow">
-          <a:avLst>
-            <a:gd name="adj1" fmla="val 70000"/>
-            <a:gd name="adj2" fmla="val 50000"/>
-          </a:avLst>
-        </a:prstGeom>
-        <a:solidFill>
-          <a:schemeClr val="accent1">
-            <a:alpha val="90000"/>
-            <a:tint val="40000"/>
-            <a:hueOff val="0"/>
-            <a:satOff val="0"/>
-            <a:lumOff val="0"/>
-            <a:alphaOff val="0"/>
-          </a:schemeClr>
-        </a:solidFill>
-        <a:ln w="15875" cap="flat" cmpd="sng" algn="ctr">
-          <a:solidFill>
-            <a:schemeClr val="accent1">
-              <a:alpha val="90000"/>
-              <a:tint val="40000"/>
-              <a:hueOff val="0"/>
-              <a:satOff val="0"/>
-              <a:lumOff val="0"/>
-              <a:alphaOff val="0"/>
-            </a:schemeClr>
-          </a:solidFill>
-          <a:prstDash val="solid"/>
-        </a:ln>
-        <a:effectLst/>
-      </dsp:spPr>
-      <dsp:style>
-        <a:lnRef idx="2">
-          <a:scrgbClr r="0" g="0" b="0"/>
-        </a:lnRef>
-        <a:fillRef idx="1">
-          <a:scrgbClr r="0" g="0" b="0"/>
-        </a:fillRef>
-        <a:effectRef idx="0">
-          <a:scrgbClr r="0" g="0" b="0"/>
-        </a:effectRef>
-        <a:fontRef idx="minor"/>
-      </dsp:style>
-      <dsp:txBody>
-        <a:bodyPr spcFirstLastPara="0" vert="horz" wrap="square" lIns="40640" tIns="10160" rIns="20320" bIns="10160" numCol="1" spcCol="1270" anchor="ctr" anchorCtr="0">
-          <a:noAutofit/>
-        </a:bodyPr>
-        <a:lstStyle/>
-        <a:p>
-          <a:pPr lvl="0" algn="ctr" defTabSz="711200">
-            <a:lnSpc>
-              <a:spcPct val="90000"/>
-            </a:lnSpc>
-            <a:spcBef>
-              <a:spcPct val="0"/>
-            </a:spcBef>
-            <a:spcAft>
-              <a:spcPct val="35000"/>
-            </a:spcAft>
-          </a:pPr>
-          <a:r>
-            <a:rPr lang="ru-RU" sz="1600" kern="1200" dirty="0" smtClean="0"/>
-            <a:t>прочитанные документы</a:t>
-          </a:r>
-          <a:endParaRPr lang="ru-RU" sz="1600" kern="1200" dirty="0"/>
-        </a:p>
-      </dsp:txBody>
-      <dsp:txXfrm>
-        <a:off x="4705052" y="445228"/>
-        <a:ext cx="1264175" cy="1586736"/>
-      </dsp:txXfrm>
-    </dsp:sp>
-    <dsp:sp modelId="{0A88A3E8-7701-48D6-969C-59DBA88CA534}">
-      <dsp:nvSpPr>
-        <dsp:cNvPr id="0" name=""/>
-        <dsp:cNvSpPr/>
-      </dsp:nvSpPr>
-      <dsp:spPr>
-        <a:xfrm>
-          <a:off x="3408461" y="590301"/>
-          <a:ext cx="1296590" cy="1296590"/>
-        </a:xfrm>
-        <a:prstGeom prst="roundRect">
-          <a:avLst/>
-        </a:prstGeom>
-        <a:solidFill>
-          <a:schemeClr val="accent1">
-            <a:hueOff val="0"/>
-            <a:satOff val="0"/>
-            <a:lumOff val="0"/>
-            <a:alphaOff val="0"/>
-          </a:schemeClr>
-        </a:solidFill>
-        <a:ln w="15875" cap="flat" cmpd="sng" algn="ctr">
-          <a:solidFill>
-            <a:schemeClr val="lt1">
-              <a:hueOff val="0"/>
-              <a:satOff val="0"/>
-              <a:lumOff val="0"/>
-              <a:alphaOff val="0"/>
-            </a:schemeClr>
-          </a:solidFill>
-          <a:prstDash val="solid"/>
-        </a:ln>
-        <a:effectLst/>
-      </dsp:spPr>
-      <dsp:style>
-        <a:lnRef idx="2">
-          <a:scrgbClr r="0" g="0" b="0"/>
-        </a:lnRef>
-        <a:fillRef idx="1">
-          <a:scrgbClr r="0" g="0" b="0"/>
-        </a:fillRef>
-        <a:effectRef idx="0">
-          <a:scrgbClr r="0" g="0" b="0"/>
-        </a:effectRef>
-        <a:fontRef idx="minor">
-          <a:schemeClr val="lt1"/>
-        </a:fontRef>
-      </dsp:style>
-      <dsp:txBody>
-        <a:bodyPr spcFirstLastPara="0" vert="horz" wrap="square" lIns="12065" tIns="12065" rIns="12065" bIns="12065" numCol="1" spcCol="1270" anchor="ctr" anchorCtr="0">
-          <a:noAutofit/>
-        </a:bodyPr>
-        <a:lstStyle/>
-        <a:p>
-          <a:pPr lvl="0" algn="ctr" defTabSz="844550">
-            <a:lnSpc>
-              <a:spcPct val="90000"/>
-            </a:lnSpc>
-            <a:spcBef>
-              <a:spcPct val="0"/>
-            </a:spcBef>
-            <a:spcAft>
-              <a:spcPct val="35000"/>
-            </a:spcAft>
-          </a:pPr>
-          <a:r>
-            <a:rPr lang="en-US" sz="1900" kern="1200" dirty="0" smtClean="0"/>
-            <a:t>Dispatcher</a:t>
-          </a:r>
-          <a:endParaRPr lang="ru-RU" sz="1900" kern="1200" dirty="0" smtClean="0"/>
-        </a:p>
-        <a:p>
-          <a:pPr lvl="0" algn="ctr" defTabSz="844550">
-            <a:lnSpc>
-              <a:spcPct val="90000"/>
-            </a:lnSpc>
-            <a:spcBef>
-              <a:spcPct val="0"/>
-            </a:spcBef>
-            <a:spcAft>
-              <a:spcPct val="35000"/>
-            </a:spcAft>
-          </a:pPr>
-          <a:r>
-            <a:rPr lang="en-US" sz="1900" kern="1200" dirty="0" smtClean="0"/>
-            <a:t>Operations</a:t>
-          </a:r>
-          <a:endParaRPr lang="ru-RU" sz="1900" kern="1200" dirty="0"/>
-        </a:p>
-      </dsp:txBody>
-      <dsp:txXfrm>
-        <a:off x="3471755" y="653595"/>
-        <a:ext cx="1170002" cy="1170002"/>
-      </dsp:txXfrm>
-    </dsp:sp>
-    <dsp:sp modelId="{DD91B7DA-3D09-40A2-870E-D63ED550DC00}">
-      <dsp:nvSpPr>
-        <dsp:cNvPr id="0" name=""/>
-        <dsp:cNvSpPr/>
-      </dsp:nvSpPr>
-      <dsp:spPr>
-        <a:xfrm>
-          <a:off x="7460307" y="105213"/>
-          <a:ext cx="2593181" cy="2266766"/>
-        </a:xfrm>
-        <a:prstGeom prst="rightArrow">
-          <a:avLst>
-            <a:gd name="adj1" fmla="val 70000"/>
-            <a:gd name="adj2" fmla="val 50000"/>
-          </a:avLst>
-        </a:prstGeom>
-        <a:solidFill>
-          <a:schemeClr val="accent1">
-            <a:alpha val="90000"/>
-            <a:tint val="40000"/>
-            <a:hueOff val="0"/>
-            <a:satOff val="0"/>
-            <a:lumOff val="0"/>
-            <a:alphaOff val="0"/>
-          </a:schemeClr>
-        </a:solidFill>
-        <a:ln w="15875" cap="flat" cmpd="sng" algn="ctr">
-          <a:solidFill>
-            <a:schemeClr val="accent1">
-              <a:alpha val="90000"/>
-              <a:tint val="40000"/>
-              <a:hueOff val="0"/>
-              <a:satOff val="0"/>
-              <a:lumOff val="0"/>
-              <a:alphaOff val="0"/>
-            </a:schemeClr>
-          </a:solidFill>
-          <a:prstDash val="solid"/>
-        </a:ln>
-        <a:effectLst/>
-      </dsp:spPr>
-      <dsp:style>
-        <a:lnRef idx="2">
-          <a:scrgbClr r="0" g="0" b="0"/>
-        </a:lnRef>
-        <a:fillRef idx="1">
-          <a:scrgbClr r="0" g="0" b="0"/>
-        </a:fillRef>
-        <a:effectRef idx="0">
-          <a:scrgbClr r="0" g="0" b="0"/>
-        </a:effectRef>
-        <a:fontRef idx="minor"/>
-      </dsp:style>
-      <dsp:txBody>
-        <a:bodyPr spcFirstLastPara="0" vert="horz" wrap="square" lIns="40640" tIns="10160" rIns="20320" bIns="10160" numCol="1" spcCol="1270" anchor="ctr" anchorCtr="0">
-          <a:noAutofit/>
-        </a:bodyPr>
-        <a:lstStyle/>
-        <a:p>
-          <a:pPr lvl="0" algn="ctr" defTabSz="711200">
-            <a:lnSpc>
-              <a:spcPct val="90000"/>
-            </a:lnSpc>
-            <a:spcBef>
-              <a:spcPct val="0"/>
-            </a:spcBef>
-            <a:spcAft>
-              <a:spcPct val="35000"/>
-            </a:spcAft>
-          </a:pPr>
-          <a:r>
-            <a:rPr lang="ru-RU" sz="1600" kern="1200" dirty="0" smtClean="0"/>
-            <a:t>ссылка на базу документов</a:t>
-          </a:r>
-          <a:endParaRPr lang="ru-RU" sz="1600" kern="1200" dirty="0"/>
-        </a:p>
-      </dsp:txBody>
-      <dsp:txXfrm>
-        <a:off x="8108602" y="445228"/>
-        <a:ext cx="1264175" cy="1586736"/>
-      </dsp:txXfrm>
-    </dsp:sp>
-    <dsp:sp modelId="{18B87B03-25AC-4DAC-8711-93139D44A946}">
-      <dsp:nvSpPr>
-        <dsp:cNvPr id="0" name=""/>
-        <dsp:cNvSpPr/>
-      </dsp:nvSpPr>
-      <dsp:spPr>
-        <a:xfrm>
-          <a:off x="6812012" y="590301"/>
-          <a:ext cx="1296590" cy="1296590"/>
-        </a:xfrm>
-        <a:prstGeom prst="roundRect">
-          <a:avLst/>
-        </a:prstGeom>
-        <a:solidFill>
-          <a:schemeClr val="accent1">
-            <a:hueOff val="0"/>
-            <a:satOff val="0"/>
-            <a:lumOff val="0"/>
-            <a:alphaOff val="0"/>
-          </a:schemeClr>
-        </a:solidFill>
-        <a:ln w="15875" cap="flat" cmpd="sng" algn="ctr">
-          <a:solidFill>
-            <a:schemeClr val="lt1">
-              <a:hueOff val="0"/>
-              <a:satOff val="0"/>
-              <a:lumOff val="0"/>
-              <a:alphaOff val="0"/>
-            </a:schemeClr>
-          </a:solidFill>
-          <a:prstDash val="solid"/>
-        </a:ln>
-        <a:effectLst/>
-      </dsp:spPr>
-      <dsp:style>
-        <a:lnRef idx="2">
-          <a:scrgbClr r="0" g="0" b="0"/>
-        </a:lnRef>
-        <a:fillRef idx="1">
-          <a:scrgbClr r="0" g="0" b="0"/>
-        </a:fillRef>
-        <a:effectRef idx="0">
-          <a:scrgbClr r="0" g="0" b="0"/>
-        </a:effectRef>
-        <a:fontRef idx="minor">
-          <a:schemeClr val="lt1"/>
-        </a:fontRef>
-      </dsp:style>
-      <dsp:txBody>
-        <a:bodyPr spcFirstLastPara="0" vert="horz" wrap="square" lIns="12065" tIns="12065" rIns="12065" bIns="12065" numCol="1" spcCol="1270" anchor="ctr" anchorCtr="0">
-          <a:noAutofit/>
-        </a:bodyPr>
-        <a:lstStyle/>
-        <a:p>
-          <a:pPr lvl="0" algn="ctr" defTabSz="844550">
-            <a:lnSpc>
-              <a:spcPct val="90000"/>
-            </a:lnSpc>
-            <a:spcBef>
-              <a:spcPct val="0"/>
-            </a:spcBef>
-            <a:spcAft>
-              <a:spcPct val="35000"/>
-            </a:spcAft>
-          </a:pPr>
-          <a:r>
-            <a:rPr lang="en-US" sz="1900" kern="1200" dirty="0" smtClean="0"/>
-            <a:t>Documents</a:t>
-          </a:r>
-          <a:endParaRPr lang="ru-RU" sz="1900" kern="1200" dirty="0"/>
-        </a:p>
-      </dsp:txBody>
-      <dsp:txXfrm>
-        <a:off x="6875306" y="653595"/>
-        <a:ext cx="1170002" cy="1170002"/>
-      </dsp:txXfrm>
-    </dsp:sp>
   </dsp:spTree>
 </dsp:drawing>
 </file>
@@ -18031,342 +17265,6 @@
       <dsp:cNvGrpSpPr/>
     </dsp:nvGrpSpPr>
     <dsp:grpSpPr/>
-    <dsp:sp modelId="{B0B6F61C-C060-4C4C-96BF-4EE40B41E6A0}">
-      <dsp:nvSpPr>
-        <dsp:cNvPr id="0" name=""/>
-        <dsp:cNvSpPr/>
-      </dsp:nvSpPr>
-      <dsp:spPr>
-        <a:xfrm>
-          <a:off x="2804648" y="0"/>
-          <a:ext cx="2101890" cy="1837317"/>
-        </a:xfrm>
-        <a:prstGeom prst="rightArrow">
-          <a:avLst>
-            <a:gd name="adj1" fmla="val 70000"/>
-            <a:gd name="adj2" fmla="val 50000"/>
-          </a:avLst>
-        </a:prstGeom>
-        <a:solidFill>
-          <a:schemeClr val="accent1">
-            <a:alpha val="90000"/>
-            <a:tint val="40000"/>
-            <a:hueOff val="0"/>
-            <a:satOff val="0"/>
-            <a:lumOff val="0"/>
-            <a:alphaOff val="0"/>
-          </a:schemeClr>
-        </a:solidFill>
-        <a:ln w="15875" cap="flat" cmpd="sng" algn="ctr">
-          <a:solidFill>
-            <a:schemeClr val="accent1">
-              <a:alpha val="90000"/>
-              <a:tint val="40000"/>
-              <a:hueOff val="0"/>
-              <a:satOff val="0"/>
-              <a:lumOff val="0"/>
-              <a:alphaOff val="0"/>
-            </a:schemeClr>
-          </a:solidFill>
-          <a:prstDash val="solid"/>
-        </a:ln>
-        <a:effectLst/>
-      </dsp:spPr>
-      <dsp:style>
-        <a:lnRef idx="2">
-          <a:scrgbClr r="0" g="0" b="0"/>
-        </a:lnRef>
-        <a:fillRef idx="1">
-          <a:scrgbClr r="0" g="0" b="0"/>
-        </a:fillRef>
-        <a:effectRef idx="0">
-          <a:scrgbClr r="0" g="0" b="0"/>
-        </a:effectRef>
-        <a:fontRef idx="minor"/>
-      </dsp:style>
-      <dsp:txBody>
-        <a:bodyPr spcFirstLastPara="0" vert="horz" wrap="square" lIns="48260" tIns="12065" rIns="24130" bIns="12065" numCol="1" spcCol="1270" anchor="ctr" anchorCtr="0">
-          <a:noAutofit/>
-        </a:bodyPr>
-        <a:lstStyle/>
-        <a:p>
-          <a:pPr lvl="0" algn="ctr" defTabSz="844550">
-            <a:lnSpc>
-              <a:spcPct val="90000"/>
-            </a:lnSpc>
-            <a:spcBef>
-              <a:spcPct val="0"/>
-            </a:spcBef>
-            <a:spcAft>
-              <a:spcPct val="35000"/>
-            </a:spcAft>
-          </a:pPr>
-          <a:r>
-            <a:rPr lang="ru-RU" sz="1900" kern="1200" dirty="0" smtClean="0"/>
-            <a:t>запросы</a:t>
-          </a:r>
-          <a:endParaRPr lang="ru-RU" sz="1900" kern="1200" dirty="0"/>
-        </a:p>
-      </dsp:txBody>
-      <dsp:txXfrm>
-        <a:off x="3330121" y="275598"/>
-        <a:ext cx="1024671" cy="1286121"/>
-      </dsp:txXfrm>
-    </dsp:sp>
-    <dsp:sp modelId="{E644A287-01BC-4CF5-B466-30846E7BBA7F}">
-      <dsp:nvSpPr>
-        <dsp:cNvPr id="0" name=""/>
-        <dsp:cNvSpPr/>
-      </dsp:nvSpPr>
-      <dsp:spPr>
-        <a:xfrm>
-          <a:off x="2279176" y="393185"/>
-          <a:ext cx="1050945" cy="1050945"/>
-        </a:xfrm>
-        <a:prstGeom prst="roundRect">
-          <a:avLst/>
-        </a:prstGeom>
-        <a:solidFill>
-          <a:schemeClr val="accent1">
-            <a:hueOff val="0"/>
-            <a:satOff val="0"/>
-            <a:lumOff val="0"/>
-            <a:alphaOff val="0"/>
-          </a:schemeClr>
-        </a:solidFill>
-        <a:ln w="15875" cap="flat" cmpd="sng" algn="ctr">
-          <a:solidFill>
-            <a:schemeClr val="lt1">
-              <a:hueOff val="0"/>
-              <a:satOff val="0"/>
-              <a:lumOff val="0"/>
-              <a:alphaOff val="0"/>
-            </a:schemeClr>
-          </a:solidFill>
-          <a:prstDash val="solid"/>
-        </a:ln>
-        <a:effectLst/>
-      </dsp:spPr>
-      <dsp:style>
-        <a:lnRef idx="2">
-          <a:scrgbClr r="0" g="0" b="0"/>
-        </a:lnRef>
-        <a:fillRef idx="1">
-          <a:scrgbClr r="0" g="0" b="0"/>
-        </a:fillRef>
-        <a:effectRef idx="0">
-          <a:scrgbClr r="0" g="0" b="0"/>
-        </a:effectRef>
-        <a:fontRef idx="minor">
-          <a:schemeClr val="lt1"/>
-        </a:fontRef>
-      </dsp:style>
-      <dsp:txBody>
-        <a:bodyPr spcFirstLastPara="0" vert="horz" wrap="square" lIns="11430" tIns="11430" rIns="11430" bIns="11430" numCol="1" spcCol="1270" anchor="ctr" anchorCtr="0">
-          <a:noAutofit/>
-        </a:bodyPr>
-        <a:lstStyle/>
-        <a:p>
-          <a:pPr lvl="0" algn="ctr" defTabSz="800100">
-            <a:lnSpc>
-              <a:spcPct val="90000"/>
-            </a:lnSpc>
-            <a:spcBef>
-              <a:spcPct val="0"/>
-            </a:spcBef>
-            <a:spcAft>
-              <a:spcPct val="35000"/>
-            </a:spcAft>
-          </a:pPr>
-          <a:r>
-            <a:rPr lang="en-US" sz="1800" kern="1200" dirty="0" smtClean="0"/>
-            <a:t>Converter</a:t>
-          </a:r>
-          <a:endParaRPr lang="ru-RU" sz="1800" kern="1200" dirty="0" smtClean="0"/>
-        </a:p>
-        <a:p>
-          <a:pPr lvl="0" algn="ctr" defTabSz="800100">
-            <a:lnSpc>
-              <a:spcPct val="90000"/>
-            </a:lnSpc>
-            <a:spcBef>
-              <a:spcPct val="0"/>
-            </a:spcBef>
-            <a:spcAft>
-              <a:spcPct val="35000"/>
-            </a:spcAft>
-          </a:pPr>
-          <a:r>
-            <a:rPr lang="en-US" sz="1800" kern="1200" dirty="0" smtClean="0"/>
-            <a:t>JSON</a:t>
-          </a:r>
-          <a:endParaRPr lang="ru-RU" sz="1800" kern="1200" dirty="0"/>
-        </a:p>
-      </dsp:txBody>
-      <dsp:txXfrm>
-        <a:off x="2330479" y="444488"/>
-        <a:ext cx="948339" cy="948339"/>
-      </dsp:txXfrm>
-    </dsp:sp>
-    <dsp:sp modelId="{1FA1B9C7-0E34-4A44-A18B-216DF888F0C5}">
-      <dsp:nvSpPr>
-        <dsp:cNvPr id="0" name=""/>
-        <dsp:cNvSpPr/>
-      </dsp:nvSpPr>
-      <dsp:spPr>
-        <a:xfrm>
-          <a:off x="5677333" y="0"/>
-          <a:ext cx="2101890" cy="1837317"/>
-        </a:xfrm>
-        <a:prstGeom prst="rightArrow">
-          <a:avLst>
-            <a:gd name="adj1" fmla="val 70000"/>
-            <a:gd name="adj2" fmla="val 50000"/>
-          </a:avLst>
-        </a:prstGeom>
-        <a:solidFill>
-          <a:schemeClr val="accent1">
-            <a:alpha val="90000"/>
-            <a:tint val="40000"/>
-            <a:hueOff val="0"/>
-            <a:satOff val="0"/>
-            <a:lumOff val="0"/>
-            <a:alphaOff val="0"/>
-          </a:schemeClr>
-        </a:solidFill>
-        <a:ln w="15875" cap="flat" cmpd="sng" algn="ctr">
-          <a:solidFill>
-            <a:schemeClr val="accent1">
-              <a:alpha val="90000"/>
-              <a:tint val="40000"/>
-              <a:hueOff val="0"/>
-              <a:satOff val="0"/>
-              <a:lumOff val="0"/>
-              <a:alphaOff val="0"/>
-            </a:schemeClr>
-          </a:solidFill>
-          <a:prstDash val="solid"/>
-        </a:ln>
-        <a:effectLst/>
-      </dsp:spPr>
-      <dsp:style>
-        <a:lnRef idx="2">
-          <a:scrgbClr r="0" g="0" b="0"/>
-        </a:lnRef>
-        <a:fillRef idx="1">
-          <a:scrgbClr r="0" g="0" b="0"/>
-        </a:fillRef>
-        <a:effectRef idx="0">
-          <a:scrgbClr r="0" g="0" b="0"/>
-        </a:effectRef>
-        <a:fontRef idx="minor"/>
-      </dsp:style>
-      <dsp:txBody>
-        <a:bodyPr spcFirstLastPara="0" vert="horz" wrap="square" lIns="48260" tIns="12065" rIns="24130" bIns="12065" numCol="1" spcCol="1270" anchor="ctr" anchorCtr="0">
-          <a:noAutofit/>
-        </a:bodyPr>
-        <a:lstStyle/>
-        <a:p>
-          <a:pPr lvl="0" algn="ctr" defTabSz="844550">
-            <a:lnSpc>
-              <a:spcPct val="90000"/>
-            </a:lnSpc>
-            <a:spcBef>
-              <a:spcPct val="0"/>
-            </a:spcBef>
-            <a:spcAft>
-              <a:spcPct val="35000"/>
-            </a:spcAft>
-          </a:pPr>
-          <a:r>
-            <a:rPr lang="ru-RU" sz="1900" kern="1200" dirty="0" smtClean="0"/>
-            <a:t>ссылка на базу запросов</a:t>
-          </a:r>
-          <a:endParaRPr lang="ru-RU" sz="1900" kern="1200" dirty="0"/>
-        </a:p>
-      </dsp:txBody>
-      <dsp:txXfrm>
-        <a:off x="6202805" y="275598"/>
-        <a:ext cx="1024671" cy="1286121"/>
-      </dsp:txXfrm>
-    </dsp:sp>
-    <dsp:sp modelId="{0A88A3E8-7701-48D6-969C-59DBA88CA534}">
-      <dsp:nvSpPr>
-        <dsp:cNvPr id="0" name=""/>
-        <dsp:cNvSpPr/>
-      </dsp:nvSpPr>
-      <dsp:spPr>
-        <a:xfrm>
-          <a:off x="5151860" y="393185"/>
-          <a:ext cx="1050945" cy="1050945"/>
-        </a:xfrm>
-        <a:prstGeom prst="roundRect">
-          <a:avLst/>
-        </a:prstGeom>
-        <a:solidFill>
-          <a:schemeClr val="accent1">
-            <a:hueOff val="0"/>
-            <a:satOff val="0"/>
-            <a:lumOff val="0"/>
-            <a:alphaOff val="0"/>
-          </a:schemeClr>
-        </a:solidFill>
-        <a:ln w="15875" cap="flat" cmpd="sng" algn="ctr">
-          <a:solidFill>
-            <a:schemeClr val="lt1">
-              <a:hueOff val="0"/>
-              <a:satOff val="0"/>
-              <a:lumOff val="0"/>
-              <a:alphaOff val="0"/>
-            </a:schemeClr>
-          </a:solidFill>
-          <a:prstDash val="solid"/>
-        </a:ln>
-        <a:effectLst/>
-      </dsp:spPr>
-      <dsp:style>
-        <a:lnRef idx="2">
-          <a:scrgbClr r="0" g="0" b="0"/>
-        </a:lnRef>
-        <a:fillRef idx="1">
-          <a:scrgbClr r="0" g="0" b="0"/>
-        </a:fillRef>
-        <a:effectRef idx="0">
-          <a:scrgbClr r="0" g="0" b="0"/>
-        </a:effectRef>
-        <a:fontRef idx="minor">
-          <a:schemeClr val="lt1"/>
-        </a:fontRef>
-      </dsp:style>
-      <dsp:txBody>
-        <a:bodyPr spcFirstLastPara="0" vert="horz" wrap="square" lIns="11430" tIns="11430" rIns="11430" bIns="11430" numCol="1" spcCol="1270" anchor="ctr" anchorCtr="0">
-          <a:noAutofit/>
-        </a:bodyPr>
-        <a:lstStyle/>
-        <a:p>
-          <a:pPr lvl="0" algn="ctr" defTabSz="800100">
-            <a:lnSpc>
-              <a:spcPct val="90000"/>
-            </a:lnSpc>
-            <a:spcBef>
-              <a:spcPct val="0"/>
-            </a:spcBef>
-            <a:spcAft>
-              <a:spcPct val="35000"/>
-            </a:spcAft>
-          </a:pPr>
-          <a:r>
-            <a:rPr lang="en-US" sz="1800" kern="1200" dirty="0" smtClean="0"/>
-            <a:t>Requests</a:t>
-          </a:r>
-          <a:endParaRPr lang="ru-RU" sz="1800" kern="1200" dirty="0"/>
-        </a:p>
-      </dsp:txBody>
-      <dsp:txXfrm>
-        <a:off x="5203163" y="444488"/>
-        <a:ext cx="948339" cy="948339"/>
-      </dsp:txXfrm>
-    </dsp:sp>
   </dsp:spTree>
 </dsp:drawing>
 </file>
@@ -18379,360 +17277,6 @@
       <dsp:cNvGrpSpPr/>
     </dsp:nvGrpSpPr>
     <dsp:grpSpPr/>
-    <dsp:sp modelId="{B0B6F61C-C060-4C4C-96BF-4EE40B41E6A0}">
-      <dsp:nvSpPr>
-        <dsp:cNvPr id="0" name=""/>
-        <dsp:cNvSpPr/>
-      </dsp:nvSpPr>
-      <dsp:spPr>
-        <a:xfrm>
-          <a:off x="2766612" y="0"/>
-          <a:ext cx="2139927" cy="1870566"/>
-        </a:xfrm>
-        <a:prstGeom prst="rightArrow">
-          <a:avLst>
-            <a:gd name="adj1" fmla="val 70000"/>
-            <a:gd name="adj2" fmla="val 50000"/>
-          </a:avLst>
-        </a:prstGeom>
-        <a:solidFill>
-          <a:schemeClr val="accent1">
-            <a:alpha val="90000"/>
-            <a:tint val="40000"/>
-            <a:hueOff val="0"/>
-            <a:satOff val="0"/>
-            <a:lumOff val="0"/>
-            <a:alphaOff val="0"/>
-          </a:schemeClr>
-        </a:solidFill>
-        <a:ln w="15875" cap="flat" cmpd="sng" algn="ctr">
-          <a:solidFill>
-            <a:schemeClr val="accent1">
-              <a:alpha val="90000"/>
-              <a:tint val="40000"/>
-              <a:hueOff val="0"/>
-              <a:satOff val="0"/>
-              <a:lumOff val="0"/>
-              <a:alphaOff val="0"/>
-            </a:schemeClr>
-          </a:solidFill>
-          <a:prstDash val="solid"/>
-        </a:ln>
-        <a:effectLst/>
-      </dsp:spPr>
-      <dsp:style>
-        <a:lnRef idx="2">
-          <a:scrgbClr r="0" g="0" b="0"/>
-        </a:lnRef>
-        <a:fillRef idx="1">
-          <a:scrgbClr r="0" g="0" b="0"/>
-        </a:fillRef>
-        <a:effectRef idx="0">
-          <a:scrgbClr r="0" g="0" b="0"/>
-        </a:effectRef>
-        <a:fontRef idx="minor"/>
-      </dsp:style>
-      <dsp:txBody>
-        <a:bodyPr spcFirstLastPara="0" vert="horz" wrap="square" lIns="30480" tIns="7620" rIns="15240" bIns="7620" numCol="1" spcCol="1270" anchor="ctr" anchorCtr="0">
-          <a:noAutofit/>
-        </a:bodyPr>
-        <a:lstStyle/>
-        <a:p>
-          <a:pPr lvl="0" algn="ctr" defTabSz="533400">
-            <a:lnSpc>
-              <a:spcPct val="90000"/>
-            </a:lnSpc>
-            <a:spcBef>
-              <a:spcPct val="0"/>
-            </a:spcBef>
-            <a:spcAft>
-              <a:spcPct val="35000"/>
-            </a:spcAft>
-          </a:pPr>
-          <a:r>
-            <a:rPr lang="ru-RU" sz="1200" kern="1200" dirty="0" smtClean="0"/>
-            <a:t>рассчитать релевантность ответов</a:t>
-          </a:r>
-          <a:endParaRPr lang="ru-RU" sz="1200" kern="1200" dirty="0"/>
-        </a:p>
-      </dsp:txBody>
-      <dsp:txXfrm>
-        <a:off x="3301593" y="280585"/>
-        <a:ext cx="1043214" cy="1309396"/>
-      </dsp:txXfrm>
-    </dsp:sp>
-    <dsp:sp modelId="{E644A287-01BC-4CF5-B466-30846E7BBA7F}">
-      <dsp:nvSpPr>
-        <dsp:cNvPr id="0" name=""/>
-        <dsp:cNvSpPr/>
-      </dsp:nvSpPr>
-      <dsp:spPr>
-        <a:xfrm>
-          <a:off x="2231630" y="400301"/>
-          <a:ext cx="1069963" cy="1069963"/>
-        </a:xfrm>
-        <a:prstGeom prst="ellipse">
-          <a:avLst/>
-        </a:prstGeom>
-        <a:solidFill>
-          <a:schemeClr val="accent1">
-            <a:hueOff val="0"/>
-            <a:satOff val="0"/>
-            <a:lumOff val="0"/>
-            <a:alphaOff val="0"/>
-          </a:schemeClr>
-        </a:solidFill>
-        <a:ln w="15875" cap="flat" cmpd="sng" algn="ctr">
-          <a:solidFill>
-            <a:schemeClr val="lt1">
-              <a:hueOff val="0"/>
-              <a:satOff val="0"/>
-              <a:lumOff val="0"/>
-              <a:alphaOff val="0"/>
-            </a:schemeClr>
-          </a:solidFill>
-          <a:prstDash val="solid"/>
-        </a:ln>
-        <a:effectLst/>
-      </dsp:spPr>
-      <dsp:style>
-        <a:lnRef idx="2">
-          <a:scrgbClr r="0" g="0" b="0"/>
-        </a:lnRef>
-        <a:fillRef idx="1">
-          <a:scrgbClr r="0" g="0" b="0"/>
-        </a:fillRef>
-        <a:effectRef idx="0">
-          <a:scrgbClr r="0" g="0" b="0"/>
-        </a:effectRef>
-        <a:fontRef idx="minor">
-          <a:schemeClr val="lt1"/>
-        </a:fontRef>
-      </dsp:style>
-      <dsp:txBody>
-        <a:bodyPr spcFirstLastPara="0" vert="horz" wrap="square" lIns="8890" tIns="8890" rIns="8890" bIns="8890" numCol="1" spcCol="1270" anchor="ctr" anchorCtr="0">
-          <a:noAutofit/>
-        </a:bodyPr>
-        <a:lstStyle/>
-        <a:p>
-          <a:pPr lvl="0" algn="ctr" defTabSz="622300">
-            <a:lnSpc>
-              <a:spcPct val="90000"/>
-            </a:lnSpc>
-            <a:spcBef>
-              <a:spcPct val="0"/>
-            </a:spcBef>
-            <a:spcAft>
-              <a:spcPct val="35000"/>
-            </a:spcAft>
-          </a:pPr>
-          <a:r>
-            <a:rPr lang="en-US" sz="1400" kern="1200" dirty="0" smtClean="0"/>
-            <a:t>Search</a:t>
-          </a:r>
-          <a:endParaRPr lang="ru-RU" sz="1400" kern="1200" dirty="0" smtClean="0"/>
-        </a:p>
-        <a:p>
-          <a:pPr lvl="0" algn="ctr" defTabSz="622300">
-            <a:lnSpc>
-              <a:spcPct val="90000"/>
-            </a:lnSpc>
-            <a:spcBef>
-              <a:spcPct val="0"/>
-            </a:spcBef>
-            <a:spcAft>
-              <a:spcPct val="35000"/>
-            </a:spcAft>
-          </a:pPr>
-          <a:r>
-            <a:rPr lang="en-US" sz="1400" kern="1200" dirty="0" smtClean="0"/>
-            <a:t>Engine</a:t>
-          </a:r>
-          <a:endParaRPr lang="ru-RU" sz="1400" kern="1200" dirty="0"/>
-        </a:p>
-      </dsp:txBody>
-      <dsp:txXfrm>
-        <a:off x="2388322" y="556993"/>
-        <a:ext cx="756579" cy="756579"/>
-      </dsp:txXfrm>
-    </dsp:sp>
-    <dsp:sp modelId="{1FA1B9C7-0E34-4A44-A18B-216DF888F0C5}">
-      <dsp:nvSpPr>
-        <dsp:cNvPr id="0" name=""/>
-        <dsp:cNvSpPr/>
-      </dsp:nvSpPr>
-      <dsp:spPr>
-        <a:xfrm>
-          <a:off x="5686842" y="0"/>
-          <a:ext cx="2139927" cy="1870566"/>
-        </a:xfrm>
-        <a:prstGeom prst="rightArrow">
-          <a:avLst>
-            <a:gd name="adj1" fmla="val 70000"/>
-            <a:gd name="adj2" fmla="val 50000"/>
-          </a:avLst>
-        </a:prstGeom>
-        <a:solidFill>
-          <a:schemeClr val="accent1">
-            <a:alpha val="90000"/>
-            <a:tint val="40000"/>
-            <a:hueOff val="0"/>
-            <a:satOff val="0"/>
-            <a:lumOff val="0"/>
-            <a:alphaOff val="0"/>
-          </a:schemeClr>
-        </a:solidFill>
-        <a:ln w="15875" cap="flat" cmpd="sng" algn="ctr">
-          <a:solidFill>
-            <a:schemeClr val="accent1">
-              <a:alpha val="90000"/>
-              <a:tint val="40000"/>
-              <a:hueOff val="0"/>
-              <a:satOff val="0"/>
-              <a:lumOff val="0"/>
-              <a:alphaOff val="0"/>
-            </a:schemeClr>
-          </a:solidFill>
-          <a:prstDash val="solid"/>
-        </a:ln>
-        <a:effectLst/>
-      </dsp:spPr>
-      <dsp:style>
-        <a:lnRef idx="2">
-          <a:scrgbClr r="0" g="0" b="0"/>
-        </a:lnRef>
-        <a:fillRef idx="1">
-          <a:scrgbClr r="0" g="0" b="0"/>
-        </a:fillRef>
-        <a:effectRef idx="0">
-          <a:scrgbClr r="0" g="0" b="0"/>
-        </a:effectRef>
-        <a:fontRef idx="minor"/>
-      </dsp:style>
-      <dsp:txBody>
-        <a:bodyPr spcFirstLastPara="0" vert="horz" wrap="square" lIns="30480" tIns="7620" rIns="15240" bIns="7620" numCol="1" spcCol="1270" anchor="ctr" anchorCtr="0">
-          <a:noAutofit/>
-        </a:bodyPr>
-        <a:lstStyle/>
-        <a:p>
-          <a:pPr lvl="0" algn="ctr" defTabSz="533400">
-            <a:lnSpc>
-              <a:spcPct val="90000"/>
-            </a:lnSpc>
-            <a:spcBef>
-              <a:spcPct val="0"/>
-            </a:spcBef>
-            <a:spcAft>
-              <a:spcPct val="35000"/>
-            </a:spcAft>
-          </a:pPr>
-          <a:r>
-            <a:rPr lang="ru-RU" sz="1200" kern="1200" dirty="0" smtClean="0"/>
-            <a:t>ссылка на базу релевантности ответов</a:t>
-          </a:r>
-          <a:endParaRPr lang="ru-RU" sz="1200" kern="1200" dirty="0"/>
-        </a:p>
-      </dsp:txBody>
-      <dsp:txXfrm>
-        <a:off x="6221824" y="280585"/>
-        <a:ext cx="1043214" cy="1309396"/>
-      </dsp:txXfrm>
-    </dsp:sp>
-    <dsp:sp modelId="{0A88A3E8-7701-48D6-969C-59DBA88CA534}">
-      <dsp:nvSpPr>
-        <dsp:cNvPr id="0" name=""/>
-        <dsp:cNvSpPr/>
-      </dsp:nvSpPr>
-      <dsp:spPr>
-        <a:xfrm>
-          <a:off x="5151860" y="400301"/>
-          <a:ext cx="1069963" cy="1069963"/>
-        </a:xfrm>
-        <a:prstGeom prst="ellipse">
-          <a:avLst/>
-        </a:prstGeom>
-        <a:solidFill>
-          <a:schemeClr val="accent1">
-            <a:hueOff val="0"/>
-            <a:satOff val="0"/>
-            <a:lumOff val="0"/>
-            <a:alphaOff val="0"/>
-          </a:schemeClr>
-        </a:solidFill>
-        <a:ln w="15875" cap="flat" cmpd="sng" algn="ctr">
-          <a:solidFill>
-            <a:schemeClr val="lt1">
-              <a:hueOff val="0"/>
-              <a:satOff val="0"/>
-              <a:lumOff val="0"/>
-              <a:alphaOff val="0"/>
-            </a:schemeClr>
-          </a:solidFill>
-          <a:prstDash val="solid"/>
-        </a:ln>
-        <a:effectLst/>
-      </dsp:spPr>
-      <dsp:style>
-        <a:lnRef idx="2">
-          <a:scrgbClr r="0" g="0" b="0"/>
-        </a:lnRef>
-        <a:fillRef idx="1">
-          <a:scrgbClr r="0" g="0" b="0"/>
-        </a:fillRef>
-        <a:effectRef idx="0">
-          <a:scrgbClr r="0" g="0" b="0"/>
-        </a:effectRef>
-        <a:fontRef idx="minor">
-          <a:schemeClr val="lt1"/>
-        </a:fontRef>
-      </dsp:style>
-      <dsp:txBody>
-        <a:bodyPr spcFirstLastPara="0" vert="horz" wrap="square" lIns="8890" tIns="8890" rIns="8890" bIns="8890" numCol="1" spcCol="1270" anchor="ctr" anchorCtr="0">
-          <a:noAutofit/>
-        </a:bodyPr>
-        <a:lstStyle/>
-        <a:p>
-          <a:pPr lvl="0" algn="ctr" defTabSz="622300">
-            <a:lnSpc>
-              <a:spcPct val="90000"/>
-            </a:lnSpc>
-            <a:spcBef>
-              <a:spcPct val="0"/>
-            </a:spcBef>
-            <a:spcAft>
-              <a:spcPct val="35000"/>
-            </a:spcAft>
-          </a:pPr>
-          <a:r>
-            <a:rPr lang="en-US" sz="1400" kern="1200" dirty="0" smtClean="0"/>
-            <a:t>Relevant</a:t>
-          </a:r>
-          <a:endParaRPr lang="ru-RU" sz="1400" kern="1200" dirty="0" smtClean="0"/>
-        </a:p>
-        <a:p>
-          <a:pPr lvl="0" algn="ctr" defTabSz="622300">
-            <a:lnSpc>
-              <a:spcPct val="90000"/>
-            </a:lnSpc>
-            <a:spcBef>
-              <a:spcPct val="0"/>
-            </a:spcBef>
-            <a:spcAft>
-              <a:spcPct val="35000"/>
-            </a:spcAft>
-          </a:pPr>
-          <a:r>
-            <a:rPr lang="en-US" sz="1400" kern="1200" dirty="0" smtClean="0"/>
-            <a:t>Response</a:t>
-          </a:r>
-          <a:endParaRPr lang="ru-RU" sz="1400" kern="1200" dirty="0"/>
-        </a:p>
-      </dsp:txBody>
-      <dsp:txXfrm>
-        <a:off x="5308552" y="556993"/>
-        <a:ext cx="756579" cy="756579"/>
-      </dsp:txXfrm>
-    </dsp:sp>
   </dsp:spTree>
 </dsp:drawing>
 </file>
@@ -18745,359 +17289,6 @@
       <dsp:cNvGrpSpPr/>
     </dsp:nvGrpSpPr>
     <dsp:grpSpPr/>
-    <dsp:sp modelId="{B0B6F61C-C060-4C4C-96BF-4EE40B41E6A0}">
-      <dsp:nvSpPr>
-        <dsp:cNvPr id="0" name=""/>
-        <dsp:cNvSpPr/>
-      </dsp:nvSpPr>
-      <dsp:spPr>
-        <a:xfrm>
-          <a:off x="2739272" y="0"/>
-          <a:ext cx="2167266" cy="1894464"/>
-        </a:xfrm>
-        <a:prstGeom prst="rightArrow">
-          <a:avLst>
-            <a:gd name="adj1" fmla="val 70000"/>
-            <a:gd name="adj2" fmla="val 50000"/>
-          </a:avLst>
-        </a:prstGeom>
-        <a:solidFill>
-          <a:schemeClr val="accent1">
-            <a:alpha val="90000"/>
-            <a:tint val="40000"/>
-            <a:hueOff val="0"/>
-            <a:satOff val="0"/>
-            <a:lumOff val="0"/>
-            <a:alphaOff val="0"/>
-          </a:schemeClr>
-        </a:solidFill>
-        <a:ln w="15875" cap="flat" cmpd="sng" algn="ctr">
-          <a:solidFill>
-            <a:schemeClr val="accent1">
-              <a:alpha val="90000"/>
-              <a:tint val="40000"/>
-              <a:hueOff val="0"/>
-              <a:satOff val="0"/>
-              <a:lumOff val="0"/>
-              <a:alphaOff val="0"/>
-            </a:schemeClr>
-          </a:solidFill>
-          <a:prstDash val="solid"/>
-        </a:ln>
-        <a:effectLst/>
-      </dsp:spPr>
-      <dsp:style>
-        <a:lnRef idx="2">
-          <a:scrgbClr r="0" g="0" b="0"/>
-        </a:lnRef>
-        <a:fillRef idx="1">
-          <a:scrgbClr r="0" g="0" b="0"/>
-        </a:fillRef>
-        <a:effectRef idx="0">
-          <a:scrgbClr r="0" g="0" b="0"/>
-        </a:effectRef>
-        <a:fontRef idx="minor"/>
-      </dsp:style>
-      <dsp:txBody>
-        <a:bodyPr spcFirstLastPara="0" vert="horz" wrap="square" lIns="25400" tIns="6350" rIns="12700" bIns="6350" numCol="1" spcCol="1270" anchor="ctr" anchorCtr="0">
-          <a:noAutofit/>
-        </a:bodyPr>
-        <a:lstStyle/>
-        <a:p>
-          <a:pPr lvl="0" algn="ctr" defTabSz="444500">
-            <a:lnSpc>
-              <a:spcPct val="90000"/>
-            </a:lnSpc>
-            <a:spcBef>
-              <a:spcPct val="0"/>
-            </a:spcBef>
-            <a:spcAft>
-              <a:spcPct val="35000"/>
-            </a:spcAft>
-          </a:pPr>
-          <a:r>
-            <a:rPr lang="ru-RU" sz="1000" kern="1200" dirty="0" smtClean="0"/>
-            <a:t>обновить базу инвертированных индексов</a:t>
-          </a:r>
-          <a:endParaRPr lang="ru-RU" sz="1000" kern="1200" dirty="0"/>
-        </a:p>
-      </dsp:txBody>
-      <dsp:txXfrm>
-        <a:off x="3281089" y="284170"/>
-        <a:ext cx="1056543" cy="1326124"/>
-      </dsp:txXfrm>
-    </dsp:sp>
-    <dsp:sp modelId="{E644A287-01BC-4CF5-B466-30846E7BBA7F}">
-      <dsp:nvSpPr>
-        <dsp:cNvPr id="0" name=""/>
-        <dsp:cNvSpPr/>
-      </dsp:nvSpPr>
-      <dsp:spPr>
-        <a:xfrm>
-          <a:off x="2197456" y="405415"/>
-          <a:ext cx="1083633" cy="1083633"/>
-        </a:xfrm>
-        <a:prstGeom prst="ellipse">
-          <a:avLst/>
-        </a:prstGeom>
-        <a:solidFill>
-          <a:schemeClr val="accent1">
-            <a:hueOff val="0"/>
-            <a:satOff val="0"/>
-            <a:lumOff val="0"/>
-            <a:alphaOff val="0"/>
-          </a:schemeClr>
-        </a:solidFill>
-        <a:ln w="15875" cap="flat" cmpd="sng" algn="ctr">
-          <a:solidFill>
-            <a:schemeClr val="lt1">
-              <a:hueOff val="0"/>
-              <a:satOff val="0"/>
-              <a:lumOff val="0"/>
-              <a:alphaOff val="0"/>
-            </a:schemeClr>
-          </a:solidFill>
-          <a:prstDash val="solid"/>
-        </a:ln>
-        <a:effectLst/>
-      </dsp:spPr>
-      <dsp:style>
-        <a:lnRef idx="2">
-          <a:scrgbClr r="0" g="0" b="0"/>
-        </a:lnRef>
-        <a:fillRef idx="1">
-          <a:scrgbClr r="0" g="0" b="0"/>
-        </a:fillRef>
-        <a:effectRef idx="0">
-          <a:scrgbClr r="0" g="0" b="0"/>
-        </a:effectRef>
-        <a:fontRef idx="minor">
-          <a:schemeClr val="lt1"/>
-        </a:fontRef>
-      </dsp:style>
-      <dsp:txBody>
-        <a:bodyPr spcFirstLastPara="0" vert="horz" wrap="square" lIns="10795" tIns="10795" rIns="10795" bIns="10795" numCol="1" spcCol="1270" anchor="ctr" anchorCtr="0">
-          <a:noAutofit/>
-        </a:bodyPr>
-        <a:lstStyle/>
-        <a:p>
-          <a:pPr lvl="0" algn="ctr" defTabSz="755650">
-            <a:lnSpc>
-              <a:spcPct val="90000"/>
-            </a:lnSpc>
-            <a:spcBef>
-              <a:spcPct val="0"/>
-            </a:spcBef>
-            <a:spcAft>
-              <a:spcPct val="35000"/>
-            </a:spcAft>
-          </a:pPr>
-          <a:r>
-            <a:rPr lang="en-US" sz="1700" kern="1200" dirty="0" smtClean="0"/>
-            <a:t>Search</a:t>
-          </a:r>
-          <a:endParaRPr lang="ru-RU" sz="1700" kern="1200" dirty="0" smtClean="0"/>
-        </a:p>
-        <a:p>
-          <a:pPr lvl="0" algn="ctr" defTabSz="755650">
-            <a:lnSpc>
-              <a:spcPct val="90000"/>
-            </a:lnSpc>
-            <a:spcBef>
-              <a:spcPct val="0"/>
-            </a:spcBef>
-            <a:spcAft>
-              <a:spcPct val="35000"/>
-            </a:spcAft>
-          </a:pPr>
-          <a:r>
-            <a:rPr lang="en-US" sz="1700" kern="1200" dirty="0" smtClean="0"/>
-            <a:t>Engine</a:t>
-          </a:r>
-          <a:endParaRPr lang="ru-RU" sz="1700" kern="1200" dirty="0"/>
-        </a:p>
-      </dsp:txBody>
-      <dsp:txXfrm>
-        <a:off x="2356150" y="564109"/>
-        <a:ext cx="766245" cy="766245"/>
-      </dsp:txXfrm>
-    </dsp:sp>
-    <dsp:sp modelId="{1FA1B9C7-0E34-4A44-A18B-216DF888F0C5}">
-      <dsp:nvSpPr>
-        <dsp:cNvPr id="0" name=""/>
-        <dsp:cNvSpPr/>
-      </dsp:nvSpPr>
-      <dsp:spPr>
-        <a:xfrm>
-          <a:off x="5693677" y="0"/>
-          <a:ext cx="2167266" cy="1894464"/>
-        </a:xfrm>
-        <a:prstGeom prst="rightArrow">
-          <a:avLst>
-            <a:gd name="adj1" fmla="val 70000"/>
-            <a:gd name="adj2" fmla="val 50000"/>
-          </a:avLst>
-        </a:prstGeom>
-        <a:solidFill>
-          <a:schemeClr val="accent1">
-            <a:alpha val="90000"/>
-            <a:tint val="40000"/>
-            <a:hueOff val="0"/>
-            <a:satOff val="0"/>
-            <a:lumOff val="0"/>
-            <a:alphaOff val="0"/>
-          </a:schemeClr>
-        </a:solidFill>
-        <a:ln w="15875" cap="flat" cmpd="sng" algn="ctr">
-          <a:solidFill>
-            <a:schemeClr val="accent1">
-              <a:alpha val="90000"/>
-              <a:tint val="40000"/>
-              <a:hueOff val="0"/>
-              <a:satOff val="0"/>
-              <a:lumOff val="0"/>
-              <a:alphaOff val="0"/>
-            </a:schemeClr>
-          </a:solidFill>
-          <a:prstDash val="solid"/>
-        </a:ln>
-        <a:effectLst/>
-      </dsp:spPr>
-      <dsp:style>
-        <a:lnRef idx="2">
-          <a:scrgbClr r="0" g="0" b="0"/>
-        </a:lnRef>
-        <a:fillRef idx="1">
-          <a:scrgbClr r="0" g="0" b="0"/>
-        </a:fillRef>
-        <a:effectRef idx="0">
-          <a:scrgbClr r="0" g="0" b="0"/>
-        </a:effectRef>
-        <a:fontRef idx="minor"/>
-      </dsp:style>
-      <dsp:txBody>
-        <a:bodyPr spcFirstLastPara="0" vert="horz" wrap="square" lIns="25400" tIns="6350" rIns="12700" bIns="6350" numCol="1" spcCol="1270" anchor="ctr" anchorCtr="0">
-          <a:noAutofit/>
-        </a:bodyPr>
-        <a:lstStyle/>
-        <a:p>
-          <a:pPr lvl="0" algn="ctr" defTabSz="444500">
-            <a:lnSpc>
-              <a:spcPct val="90000"/>
-            </a:lnSpc>
-            <a:spcBef>
-              <a:spcPct val="0"/>
-            </a:spcBef>
-            <a:spcAft>
-              <a:spcPct val="35000"/>
-            </a:spcAft>
-          </a:pPr>
-          <a:r>
-            <a:rPr lang="ru-RU" sz="1000" kern="1200" dirty="0" smtClean="0"/>
-            <a:t>ссылка на базу инвертированных индексов</a:t>
-          </a:r>
-          <a:endParaRPr lang="ru-RU" sz="1000" kern="1200" dirty="0"/>
-        </a:p>
-      </dsp:txBody>
-      <dsp:txXfrm>
-        <a:off x="6235493" y="284170"/>
-        <a:ext cx="1056543" cy="1326124"/>
-      </dsp:txXfrm>
-    </dsp:sp>
-    <dsp:sp modelId="{0A88A3E8-7701-48D6-969C-59DBA88CA534}">
-      <dsp:nvSpPr>
-        <dsp:cNvPr id="0" name=""/>
-        <dsp:cNvSpPr/>
-      </dsp:nvSpPr>
-      <dsp:spPr>
-        <a:xfrm>
-          <a:off x="5151860" y="405415"/>
-          <a:ext cx="1083633" cy="1083633"/>
-        </a:xfrm>
-        <a:prstGeom prst="ellipse">
-          <a:avLst/>
-        </a:prstGeom>
-        <a:solidFill>
-          <a:schemeClr val="accent1">
-            <a:hueOff val="0"/>
-            <a:satOff val="0"/>
-            <a:lumOff val="0"/>
-            <a:alphaOff val="0"/>
-          </a:schemeClr>
-        </a:solidFill>
-        <a:ln w="15875" cap="flat" cmpd="sng" algn="ctr">
-          <a:solidFill>
-            <a:schemeClr val="lt1">
-              <a:hueOff val="0"/>
-              <a:satOff val="0"/>
-              <a:lumOff val="0"/>
-              <a:alphaOff val="0"/>
-            </a:schemeClr>
-          </a:solidFill>
-          <a:prstDash val="solid"/>
-        </a:ln>
-        <a:effectLst/>
-      </dsp:spPr>
-      <dsp:style>
-        <a:lnRef idx="2">
-          <a:scrgbClr r="0" g="0" b="0"/>
-        </a:lnRef>
-        <a:fillRef idx="1">
-          <a:scrgbClr r="0" g="0" b="0"/>
-        </a:fillRef>
-        <a:effectRef idx="0">
-          <a:scrgbClr r="0" g="0" b="0"/>
-        </a:effectRef>
-        <a:fontRef idx="minor">
-          <a:schemeClr val="lt1"/>
-        </a:fontRef>
-      </dsp:style>
-      <dsp:txBody>
-        <a:bodyPr spcFirstLastPara="0" vert="horz" wrap="square" lIns="10795" tIns="10795" rIns="10795" bIns="10795" numCol="1" spcCol="1270" anchor="ctr" anchorCtr="0">
-          <a:noAutofit/>
-        </a:bodyPr>
-        <a:lstStyle/>
-        <a:p>
-          <a:pPr lvl="0" algn="ctr" defTabSz="755650">
-            <a:lnSpc>
-              <a:spcPct val="90000"/>
-            </a:lnSpc>
-            <a:spcBef>
-              <a:spcPct val="0"/>
-            </a:spcBef>
-            <a:spcAft>
-              <a:spcPct val="35000"/>
-            </a:spcAft>
-          </a:pPr>
-          <a:r>
-            <a:rPr lang="en-US" sz="1700" kern="1200" dirty="0" smtClean="0"/>
-            <a:t>Inverted</a:t>
-          </a:r>
-        </a:p>
-        <a:p>
-          <a:pPr lvl="0" algn="ctr" defTabSz="755650">
-            <a:lnSpc>
-              <a:spcPct val="90000"/>
-            </a:lnSpc>
-            <a:spcBef>
-              <a:spcPct val="0"/>
-            </a:spcBef>
-            <a:spcAft>
-              <a:spcPct val="35000"/>
-            </a:spcAft>
-          </a:pPr>
-          <a:r>
-            <a:rPr lang="en-US" sz="1700" kern="1200" dirty="0" smtClean="0"/>
-            <a:t>Index</a:t>
-          </a:r>
-          <a:endParaRPr lang="ru-RU" sz="1700" kern="1200" dirty="0"/>
-        </a:p>
-      </dsp:txBody>
-      <dsp:txXfrm>
-        <a:off x="5310554" y="564109"/>
-        <a:ext cx="766245" cy="766245"/>
-      </dsp:txXfrm>
-    </dsp:sp>
   </dsp:spTree>
 </dsp:drawing>
 </file>
@@ -19110,513 +17301,6 @@
       <dsp:cNvGrpSpPr/>
     </dsp:nvGrpSpPr>
     <dsp:grpSpPr/>
-    <dsp:sp modelId="{B0B6F61C-C060-4C4C-96BF-4EE40B41E6A0}">
-      <dsp:nvSpPr>
-        <dsp:cNvPr id="0" name=""/>
-        <dsp:cNvSpPr/>
-      </dsp:nvSpPr>
-      <dsp:spPr>
-        <a:xfrm>
-          <a:off x="1930764" y="0"/>
-          <a:ext cx="1807086" cy="1579621"/>
-        </a:xfrm>
-        <a:prstGeom prst="rightArrow">
-          <a:avLst>
-            <a:gd name="adj1" fmla="val 70000"/>
-            <a:gd name="adj2" fmla="val 50000"/>
-          </a:avLst>
-        </a:prstGeom>
-        <a:solidFill>
-          <a:schemeClr val="accent1">
-            <a:alpha val="90000"/>
-            <a:tint val="40000"/>
-            <a:hueOff val="0"/>
-            <a:satOff val="0"/>
-            <a:lumOff val="0"/>
-            <a:alphaOff val="0"/>
-          </a:schemeClr>
-        </a:solidFill>
-        <a:ln w="15875" cap="flat" cmpd="sng" algn="ctr">
-          <a:solidFill>
-            <a:schemeClr val="accent1">
-              <a:alpha val="90000"/>
-              <a:tint val="40000"/>
-              <a:hueOff val="0"/>
-              <a:satOff val="0"/>
-              <a:lumOff val="0"/>
-              <a:alphaOff val="0"/>
-            </a:schemeClr>
-          </a:solidFill>
-          <a:prstDash val="solid"/>
-        </a:ln>
-        <a:effectLst/>
-      </dsp:spPr>
-      <dsp:style>
-        <a:lnRef idx="2">
-          <a:scrgbClr r="0" g="0" b="0"/>
-        </a:lnRef>
-        <a:fillRef idx="1">
-          <a:scrgbClr r="0" g="0" b="0"/>
-        </a:fillRef>
-        <a:effectRef idx="0">
-          <a:scrgbClr r="0" g="0" b="0"/>
-        </a:effectRef>
-        <a:fontRef idx="minor"/>
-      </dsp:style>
-      <dsp:txBody>
-        <a:bodyPr spcFirstLastPara="0" vert="horz" wrap="square" lIns="40640" tIns="10160" rIns="20320" bIns="10160" numCol="1" spcCol="1270" anchor="ctr" anchorCtr="0">
-          <a:noAutofit/>
-        </a:bodyPr>
-        <a:lstStyle/>
-        <a:p>
-          <a:pPr lvl="0" algn="ctr" defTabSz="711200">
-            <a:lnSpc>
-              <a:spcPct val="90000"/>
-            </a:lnSpc>
-            <a:spcBef>
-              <a:spcPct val="0"/>
-            </a:spcBef>
-            <a:spcAft>
-              <a:spcPct val="35000"/>
-            </a:spcAft>
-          </a:pPr>
-          <a:r>
-            <a:rPr lang="ru-RU" sz="1600" kern="1200" dirty="0" smtClean="0"/>
-            <a:t>получить </a:t>
-          </a:r>
-          <a:r>
-            <a:rPr lang="en-US" sz="1600" kern="1200" dirty="0" smtClean="0"/>
-            <a:t>JSON-</a:t>
-          </a:r>
-          <a:r>
-            <a:rPr lang="ru-RU" sz="1600" kern="1200" dirty="0" smtClean="0"/>
-            <a:t>объект ответов</a:t>
-          </a:r>
-          <a:endParaRPr lang="ru-RU" sz="1600" kern="1200" dirty="0"/>
-        </a:p>
-      </dsp:txBody>
-      <dsp:txXfrm>
-        <a:off x="2382535" y="236943"/>
-        <a:ext cx="880954" cy="1105735"/>
-      </dsp:txXfrm>
-    </dsp:sp>
-    <dsp:sp modelId="{E644A287-01BC-4CF5-B466-30846E7BBA7F}">
-      <dsp:nvSpPr>
-        <dsp:cNvPr id="0" name=""/>
-        <dsp:cNvSpPr/>
-      </dsp:nvSpPr>
-      <dsp:spPr>
-        <a:xfrm>
-          <a:off x="1478992" y="338038"/>
-          <a:ext cx="903543" cy="903543"/>
-        </a:xfrm>
-        <a:prstGeom prst="ellipse">
-          <a:avLst/>
-        </a:prstGeom>
-        <a:solidFill>
-          <a:schemeClr val="accent1">
-            <a:hueOff val="0"/>
-            <a:satOff val="0"/>
-            <a:lumOff val="0"/>
-            <a:alphaOff val="0"/>
-          </a:schemeClr>
-        </a:solidFill>
-        <a:ln w="15875" cap="flat" cmpd="sng" algn="ctr">
-          <a:solidFill>
-            <a:schemeClr val="lt1">
-              <a:hueOff val="0"/>
-              <a:satOff val="0"/>
-              <a:lumOff val="0"/>
-              <a:alphaOff val="0"/>
-            </a:schemeClr>
-          </a:solidFill>
-          <a:prstDash val="solid"/>
-        </a:ln>
-        <a:effectLst/>
-      </dsp:spPr>
-      <dsp:style>
-        <a:lnRef idx="2">
-          <a:scrgbClr r="0" g="0" b="0"/>
-        </a:lnRef>
-        <a:fillRef idx="1">
-          <a:scrgbClr r="0" g="0" b="0"/>
-        </a:fillRef>
-        <a:effectRef idx="0">
-          <a:scrgbClr r="0" g="0" b="0"/>
-        </a:effectRef>
-        <a:fontRef idx="minor">
-          <a:schemeClr val="lt1"/>
-        </a:fontRef>
-      </dsp:style>
-      <dsp:txBody>
-        <a:bodyPr spcFirstLastPara="0" vert="horz" wrap="square" lIns="6985" tIns="6985" rIns="6985" bIns="6985" numCol="1" spcCol="1270" anchor="ctr" anchorCtr="0">
-          <a:noAutofit/>
-        </a:bodyPr>
-        <a:lstStyle/>
-        <a:p>
-          <a:pPr lvl="0" algn="ctr" defTabSz="488950">
-            <a:lnSpc>
-              <a:spcPct val="90000"/>
-            </a:lnSpc>
-            <a:spcBef>
-              <a:spcPct val="0"/>
-            </a:spcBef>
-            <a:spcAft>
-              <a:spcPct val="35000"/>
-            </a:spcAft>
-          </a:pPr>
-          <a:r>
-            <a:rPr lang="en-US" sz="1100" kern="1200" dirty="0" smtClean="0"/>
-            <a:t>Search</a:t>
-          </a:r>
-          <a:endParaRPr lang="ru-RU" sz="1100" kern="1200" dirty="0" smtClean="0"/>
-        </a:p>
-        <a:p>
-          <a:pPr lvl="0" algn="ctr" defTabSz="488950">
-            <a:lnSpc>
-              <a:spcPct val="90000"/>
-            </a:lnSpc>
-            <a:spcBef>
-              <a:spcPct val="0"/>
-            </a:spcBef>
-            <a:spcAft>
-              <a:spcPct val="35000"/>
-            </a:spcAft>
-          </a:pPr>
-          <a:r>
-            <a:rPr lang="en-US" sz="1100" kern="1200" dirty="0" smtClean="0"/>
-            <a:t>Engine</a:t>
-          </a:r>
-          <a:endParaRPr lang="ru-RU" sz="1100" kern="1200" dirty="0"/>
-        </a:p>
-      </dsp:txBody>
-      <dsp:txXfrm>
-        <a:off x="1611313" y="470359"/>
-        <a:ext cx="638901" cy="638901"/>
-      </dsp:txXfrm>
-    </dsp:sp>
-    <dsp:sp modelId="{1FA1B9C7-0E34-4A44-A18B-216DF888F0C5}">
-      <dsp:nvSpPr>
-        <dsp:cNvPr id="0" name=""/>
-        <dsp:cNvSpPr/>
-      </dsp:nvSpPr>
-      <dsp:spPr>
-        <a:xfrm>
-          <a:off x="4351701" y="0"/>
-          <a:ext cx="1807086" cy="1579621"/>
-        </a:xfrm>
-        <a:prstGeom prst="rightArrow">
-          <a:avLst>
-            <a:gd name="adj1" fmla="val 70000"/>
-            <a:gd name="adj2" fmla="val 50000"/>
-          </a:avLst>
-        </a:prstGeom>
-        <a:solidFill>
-          <a:schemeClr val="accent1">
-            <a:alpha val="90000"/>
-            <a:tint val="40000"/>
-            <a:hueOff val="0"/>
-            <a:satOff val="0"/>
-            <a:lumOff val="0"/>
-            <a:alphaOff val="0"/>
-          </a:schemeClr>
-        </a:solidFill>
-        <a:ln w="15875" cap="flat" cmpd="sng" algn="ctr">
-          <a:solidFill>
-            <a:schemeClr val="accent1">
-              <a:alpha val="90000"/>
-              <a:tint val="40000"/>
-              <a:hueOff val="0"/>
-              <a:satOff val="0"/>
-              <a:lumOff val="0"/>
-              <a:alphaOff val="0"/>
-            </a:schemeClr>
-          </a:solidFill>
-          <a:prstDash val="solid"/>
-        </a:ln>
-        <a:effectLst/>
-      </dsp:spPr>
-      <dsp:style>
-        <a:lnRef idx="2">
-          <a:scrgbClr r="0" g="0" b="0"/>
-        </a:lnRef>
-        <a:fillRef idx="1">
-          <a:scrgbClr r="0" g="0" b="0"/>
-        </a:fillRef>
-        <a:effectRef idx="0">
-          <a:scrgbClr r="0" g="0" b="0"/>
-        </a:effectRef>
-        <a:fontRef idx="minor"/>
-      </dsp:style>
-      <dsp:txBody>
-        <a:bodyPr spcFirstLastPara="0" vert="horz" wrap="square" lIns="40640" tIns="10160" rIns="20320" bIns="10160" numCol="1" spcCol="1270" anchor="ctr" anchorCtr="0">
-          <a:noAutofit/>
-        </a:bodyPr>
-        <a:lstStyle/>
-        <a:p>
-          <a:pPr lvl="0" algn="ctr" defTabSz="711200">
-            <a:lnSpc>
-              <a:spcPct val="90000"/>
-            </a:lnSpc>
-            <a:spcBef>
-              <a:spcPct val="0"/>
-            </a:spcBef>
-            <a:spcAft>
-              <a:spcPct val="35000"/>
-            </a:spcAft>
-          </a:pPr>
-          <a:r>
-            <a:rPr lang="ru-RU" sz="1600" kern="1200" dirty="0" smtClean="0"/>
-            <a:t>ссылка на </a:t>
-          </a:r>
-          <a:r>
-            <a:rPr lang="en-US" sz="1600" kern="1200" dirty="0" smtClean="0"/>
-            <a:t>JSON-</a:t>
-          </a:r>
-          <a:r>
-            <a:rPr lang="ru-RU" sz="1600" kern="1200" dirty="0" smtClean="0"/>
-            <a:t>объект ответов</a:t>
-          </a:r>
-          <a:endParaRPr lang="ru-RU" sz="1600" kern="1200" dirty="0"/>
-        </a:p>
-      </dsp:txBody>
-      <dsp:txXfrm>
-        <a:off x="4803472" y="236943"/>
-        <a:ext cx="880954" cy="1105735"/>
-      </dsp:txXfrm>
-    </dsp:sp>
-    <dsp:sp modelId="{0A88A3E8-7701-48D6-969C-59DBA88CA534}">
-      <dsp:nvSpPr>
-        <dsp:cNvPr id="0" name=""/>
-        <dsp:cNvSpPr/>
-      </dsp:nvSpPr>
-      <dsp:spPr>
-        <a:xfrm>
-          <a:off x="3899929" y="338038"/>
-          <a:ext cx="903543" cy="903543"/>
-        </a:xfrm>
-        <a:prstGeom prst="ellipse">
-          <a:avLst/>
-        </a:prstGeom>
-        <a:solidFill>
-          <a:schemeClr val="accent1">
-            <a:hueOff val="0"/>
-            <a:satOff val="0"/>
-            <a:lumOff val="0"/>
-            <a:alphaOff val="0"/>
-          </a:schemeClr>
-        </a:solidFill>
-        <a:ln w="15875" cap="flat" cmpd="sng" algn="ctr">
-          <a:solidFill>
-            <a:schemeClr val="lt1">
-              <a:hueOff val="0"/>
-              <a:satOff val="0"/>
-              <a:lumOff val="0"/>
-              <a:alphaOff val="0"/>
-            </a:schemeClr>
-          </a:solidFill>
-          <a:prstDash val="solid"/>
-        </a:ln>
-        <a:effectLst/>
-      </dsp:spPr>
-      <dsp:style>
-        <a:lnRef idx="2">
-          <a:scrgbClr r="0" g="0" b="0"/>
-        </a:lnRef>
-        <a:fillRef idx="1">
-          <a:scrgbClr r="0" g="0" b="0"/>
-        </a:fillRef>
-        <a:effectRef idx="0">
-          <a:scrgbClr r="0" g="0" b="0"/>
-        </a:effectRef>
-        <a:fontRef idx="minor">
-          <a:schemeClr val="lt1"/>
-        </a:fontRef>
-      </dsp:style>
-      <dsp:txBody>
-        <a:bodyPr spcFirstLastPara="0" vert="horz" wrap="square" lIns="6985" tIns="6985" rIns="6985" bIns="6985" numCol="1" spcCol="1270" anchor="ctr" anchorCtr="0">
-          <a:noAutofit/>
-        </a:bodyPr>
-        <a:lstStyle/>
-        <a:p>
-          <a:pPr lvl="0" algn="ctr" defTabSz="488950">
-            <a:lnSpc>
-              <a:spcPct val="90000"/>
-            </a:lnSpc>
-            <a:spcBef>
-              <a:spcPct val="0"/>
-            </a:spcBef>
-            <a:spcAft>
-              <a:spcPct val="35000"/>
-            </a:spcAft>
-          </a:pPr>
-          <a:r>
-            <a:rPr lang="en-US" sz="1100" kern="1200" dirty="0" smtClean="0"/>
-            <a:t>Converter</a:t>
-          </a:r>
-          <a:endParaRPr lang="ru-RU" sz="1100" kern="1200" dirty="0" smtClean="0"/>
-        </a:p>
-        <a:p>
-          <a:pPr lvl="0" algn="ctr" defTabSz="488950">
-            <a:lnSpc>
-              <a:spcPct val="90000"/>
-            </a:lnSpc>
-            <a:spcBef>
-              <a:spcPct val="0"/>
-            </a:spcBef>
-            <a:spcAft>
-              <a:spcPct val="35000"/>
-            </a:spcAft>
-          </a:pPr>
-          <a:r>
-            <a:rPr lang="en-US" sz="1100" kern="1200" dirty="0" smtClean="0"/>
-            <a:t>JSON</a:t>
-          </a:r>
-          <a:endParaRPr lang="ru-RU" sz="1100" kern="1200" dirty="0"/>
-        </a:p>
-      </dsp:txBody>
-      <dsp:txXfrm>
-        <a:off x="4032250" y="470359"/>
-        <a:ext cx="638901" cy="638901"/>
-      </dsp:txXfrm>
-    </dsp:sp>
-    <dsp:sp modelId="{DD91B7DA-3D09-40A2-870E-D63ED550DC00}">
-      <dsp:nvSpPr>
-        <dsp:cNvPr id="0" name=""/>
-        <dsp:cNvSpPr/>
-      </dsp:nvSpPr>
-      <dsp:spPr>
-        <a:xfrm>
-          <a:off x="6846837" y="0"/>
-          <a:ext cx="1807086" cy="1579621"/>
-        </a:xfrm>
-        <a:prstGeom prst="rightArrow">
-          <a:avLst>
-            <a:gd name="adj1" fmla="val 70000"/>
-            <a:gd name="adj2" fmla="val 50000"/>
-          </a:avLst>
-        </a:prstGeom>
-        <a:solidFill>
-          <a:schemeClr val="bg2"/>
-        </a:solidFill>
-        <a:ln w="15875" cap="flat" cmpd="sng" algn="ctr">
-          <a:solidFill>
-            <a:schemeClr val="bg2">
-              <a:alpha val="90000"/>
-            </a:schemeClr>
-          </a:solidFill>
-          <a:prstDash val="solid"/>
-        </a:ln>
-        <a:effectLst/>
-      </dsp:spPr>
-      <dsp:style>
-        <a:lnRef idx="2">
-          <a:scrgbClr r="0" g="0" b="0"/>
-        </a:lnRef>
-        <a:fillRef idx="1">
-          <a:scrgbClr r="0" g="0" b="0"/>
-        </a:fillRef>
-        <a:effectRef idx="0">
-          <a:scrgbClr r="0" g="0" b="0"/>
-        </a:effectRef>
-        <a:fontRef idx="minor"/>
-      </dsp:style>
-    </dsp:sp>
-    <dsp:sp modelId="{18B87B03-25AC-4DAC-8711-93139D44A946}">
-      <dsp:nvSpPr>
-        <dsp:cNvPr id="0" name=""/>
-        <dsp:cNvSpPr/>
-      </dsp:nvSpPr>
-      <dsp:spPr>
-        <a:xfrm>
-          <a:off x="6320866" y="338038"/>
-          <a:ext cx="903543" cy="903543"/>
-        </a:xfrm>
-        <a:prstGeom prst="ellipse">
-          <a:avLst/>
-        </a:prstGeom>
-        <a:solidFill>
-          <a:schemeClr val="accent1">
-            <a:hueOff val="0"/>
-            <a:satOff val="0"/>
-            <a:lumOff val="0"/>
-            <a:alphaOff val="0"/>
-          </a:schemeClr>
-        </a:solidFill>
-        <a:ln w="15875" cap="flat" cmpd="sng" algn="ctr">
-          <a:solidFill>
-            <a:schemeClr val="lt1">
-              <a:hueOff val="0"/>
-              <a:satOff val="0"/>
-              <a:lumOff val="0"/>
-              <a:alphaOff val="0"/>
-            </a:schemeClr>
-          </a:solidFill>
-          <a:prstDash val="solid"/>
-        </a:ln>
-        <a:effectLst/>
-      </dsp:spPr>
-      <dsp:style>
-        <a:lnRef idx="2">
-          <a:scrgbClr r="0" g="0" b="0"/>
-        </a:lnRef>
-        <a:fillRef idx="1">
-          <a:scrgbClr r="0" g="0" b="0"/>
-        </a:fillRef>
-        <a:effectRef idx="0">
-          <a:scrgbClr r="0" g="0" b="0"/>
-        </a:effectRef>
-        <a:fontRef idx="minor">
-          <a:schemeClr val="lt1"/>
-        </a:fontRef>
-      </dsp:style>
-      <dsp:txBody>
-        <a:bodyPr spcFirstLastPara="0" vert="horz" wrap="square" lIns="6985" tIns="6985" rIns="6985" bIns="6985" numCol="1" spcCol="1270" anchor="ctr" anchorCtr="0">
-          <a:noAutofit/>
-        </a:bodyPr>
-        <a:lstStyle/>
-        <a:p>
-          <a:pPr lvl="0" algn="ctr" defTabSz="488950">
-            <a:lnSpc>
-              <a:spcPct val="90000"/>
-            </a:lnSpc>
-            <a:spcBef>
-              <a:spcPct val="0"/>
-            </a:spcBef>
-            <a:spcAft>
-              <a:spcPct val="35000"/>
-            </a:spcAft>
-          </a:pPr>
-          <a:r>
-            <a:rPr lang="en-US" sz="1100" kern="1200" dirty="0" smtClean="0"/>
-            <a:t>Dispatcher</a:t>
-          </a:r>
-          <a:endParaRPr lang="ru-RU" sz="1100" kern="1200" dirty="0" smtClean="0"/>
-        </a:p>
-        <a:p>
-          <a:pPr lvl="0" algn="ctr" defTabSz="488950">
-            <a:lnSpc>
-              <a:spcPct val="90000"/>
-            </a:lnSpc>
-            <a:spcBef>
-              <a:spcPct val="0"/>
-            </a:spcBef>
-            <a:spcAft>
-              <a:spcPct val="35000"/>
-            </a:spcAft>
-          </a:pPr>
-          <a:r>
-            <a:rPr lang="en-US" sz="1100" kern="1200" dirty="0" smtClean="0"/>
-            <a:t>Operation</a:t>
-          </a:r>
-          <a:endParaRPr lang="ru-RU" sz="1100" kern="1200" dirty="0"/>
-        </a:p>
-      </dsp:txBody>
-      <dsp:txXfrm>
-        <a:off x="6453187" y="470359"/>
-        <a:ext cx="638901" cy="638901"/>
-      </dsp:txXfrm>
-    </dsp:sp>
   </dsp:spTree>
 </dsp:drawing>
 </file>
@@ -19629,368 +17313,6 @@
       <dsp:cNvGrpSpPr/>
     </dsp:nvGrpSpPr>
     <dsp:grpSpPr/>
-    <dsp:sp modelId="{B0B6F61C-C060-4C4C-96BF-4EE40B41E6A0}">
-      <dsp:nvSpPr>
-        <dsp:cNvPr id="0" name=""/>
-        <dsp:cNvSpPr/>
-      </dsp:nvSpPr>
-      <dsp:spPr>
-        <a:xfrm>
-          <a:off x="3005545" y="0"/>
-          <a:ext cx="1900993" cy="1661708"/>
-        </a:xfrm>
-        <a:prstGeom prst="rightArrow">
-          <a:avLst>
-            <a:gd name="adj1" fmla="val 70000"/>
-            <a:gd name="adj2" fmla="val 50000"/>
-          </a:avLst>
-        </a:prstGeom>
-        <a:solidFill>
-          <a:schemeClr val="accent1">
-            <a:alpha val="90000"/>
-            <a:tint val="40000"/>
-            <a:hueOff val="0"/>
-            <a:satOff val="0"/>
-            <a:lumOff val="0"/>
-            <a:alphaOff val="0"/>
-          </a:schemeClr>
-        </a:solidFill>
-        <a:ln w="15875" cap="flat" cmpd="sng" algn="ctr">
-          <a:solidFill>
-            <a:schemeClr val="accent1">
-              <a:alpha val="90000"/>
-              <a:tint val="40000"/>
-              <a:hueOff val="0"/>
-              <a:satOff val="0"/>
-              <a:lumOff val="0"/>
-              <a:alphaOff val="0"/>
-            </a:schemeClr>
-          </a:solidFill>
-          <a:prstDash val="solid"/>
-        </a:ln>
-        <a:effectLst/>
-      </dsp:spPr>
-      <dsp:style>
-        <a:lnRef idx="2">
-          <a:scrgbClr r="0" g="0" b="0"/>
-        </a:lnRef>
-        <a:fillRef idx="1">
-          <a:scrgbClr r="0" g="0" b="0"/>
-        </a:fillRef>
-        <a:effectRef idx="0">
-          <a:scrgbClr r="0" g="0" b="0"/>
-        </a:effectRef>
-        <a:fontRef idx="minor"/>
-      </dsp:style>
-      <dsp:txBody>
-        <a:bodyPr spcFirstLastPara="0" vert="horz" wrap="square" lIns="35560" tIns="8890" rIns="17780" bIns="8890" numCol="1" spcCol="1270" anchor="ctr" anchorCtr="0">
-          <a:noAutofit/>
-        </a:bodyPr>
-        <a:lstStyle/>
-        <a:p>
-          <a:pPr lvl="0" algn="ctr" defTabSz="622300">
-            <a:lnSpc>
-              <a:spcPct val="90000"/>
-            </a:lnSpc>
-            <a:spcBef>
-              <a:spcPct val="0"/>
-            </a:spcBef>
-            <a:spcAft>
-              <a:spcPct val="35000"/>
-            </a:spcAft>
-          </a:pPr>
-          <a:r>
-            <a:rPr lang="ru-RU" sz="1400" kern="1200" dirty="0" smtClean="0"/>
-            <a:t>записать в JSON-объект результаты поиска</a:t>
-          </a:r>
-          <a:endParaRPr lang="ru-RU" sz="1400" kern="1200" dirty="0"/>
-        </a:p>
-      </dsp:txBody>
-      <dsp:txXfrm>
-        <a:off x="3480794" y="249256"/>
-        <a:ext cx="926734" cy="1163196"/>
-      </dsp:txXfrm>
-    </dsp:sp>
-    <dsp:sp modelId="{E644A287-01BC-4CF5-B466-30846E7BBA7F}">
-      <dsp:nvSpPr>
-        <dsp:cNvPr id="0" name=""/>
-        <dsp:cNvSpPr/>
-      </dsp:nvSpPr>
-      <dsp:spPr>
-        <a:xfrm>
-          <a:off x="2530297" y="355605"/>
-          <a:ext cx="950496" cy="950496"/>
-        </a:xfrm>
-        <a:prstGeom prst="ellipse">
-          <a:avLst/>
-        </a:prstGeom>
-        <a:solidFill>
-          <a:schemeClr val="accent1">
-            <a:hueOff val="0"/>
-            <a:satOff val="0"/>
-            <a:lumOff val="0"/>
-            <a:alphaOff val="0"/>
-          </a:schemeClr>
-        </a:solidFill>
-        <a:ln w="15875" cap="flat" cmpd="sng" algn="ctr">
-          <a:solidFill>
-            <a:schemeClr val="lt1">
-              <a:hueOff val="0"/>
-              <a:satOff val="0"/>
-              <a:lumOff val="0"/>
-              <a:alphaOff val="0"/>
-            </a:schemeClr>
-          </a:solidFill>
-          <a:prstDash val="solid"/>
-        </a:ln>
-        <a:effectLst/>
-      </dsp:spPr>
-      <dsp:style>
-        <a:lnRef idx="2">
-          <a:scrgbClr r="0" g="0" b="0"/>
-        </a:lnRef>
-        <a:fillRef idx="1">
-          <a:scrgbClr r="0" g="0" b="0"/>
-        </a:fillRef>
-        <a:effectRef idx="0">
-          <a:scrgbClr r="0" g="0" b="0"/>
-        </a:effectRef>
-        <a:fontRef idx="minor">
-          <a:schemeClr val="lt1"/>
-        </a:fontRef>
-      </dsp:style>
-      <dsp:txBody>
-        <a:bodyPr spcFirstLastPara="0" vert="horz" wrap="square" lIns="7620" tIns="7620" rIns="7620" bIns="7620" numCol="1" spcCol="1270" anchor="ctr" anchorCtr="0">
-          <a:noAutofit/>
-        </a:bodyPr>
-        <a:lstStyle/>
-        <a:p>
-          <a:pPr lvl="0" algn="ctr" defTabSz="533400">
-            <a:lnSpc>
-              <a:spcPct val="90000"/>
-            </a:lnSpc>
-            <a:spcBef>
-              <a:spcPct val="0"/>
-            </a:spcBef>
-            <a:spcAft>
-              <a:spcPct val="35000"/>
-            </a:spcAft>
-          </a:pPr>
-          <a:r>
-            <a:rPr lang="en-US" sz="1200" kern="1200" dirty="0" smtClean="0"/>
-            <a:t>Search</a:t>
-          </a:r>
-          <a:endParaRPr lang="ru-RU" sz="1200" kern="1200" dirty="0" smtClean="0"/>
-        </a:p>
-        <a:p>
-          <a:pPr lvl="0" algn="ctr" defTabSz="533400">
-            <a:lnSpc>
-              <a:spcPct val="90000"/>
-            </a:lnSpc>
-            <a:spcBef>
-              <a:spcPct val="0"/>
-            </a:spcBef>
-            <a:spcAft>
-              <a:spcPct val="35000"/>
-            </a:spcAft>
-          </a:pPr>
-          <a:r>
-            <a:rPr lang="en-US" sz="1200" kern="1200" dirty="0" smtClean="0"/>
-            <a:t>Engine</a:t>
-          </a:r>
-          <a:endParaRPr lang="ru-RU" sz="1200" kern="1200" dirty="0"/>
-        </a:p>
-      </dsp:txBody>
-      <dsp:txXfrm>
-        <a:off x="2669494" y="494802"/>
-        <a:ext cx="672102" cy="672102"/>
-      </dsp:txXfrm>
-    </dsp:sp>
-    <dsp:sp modelId="{1FA1B9C7-0E34-4A44-A18B-216DF888F0C5}">
-      <dsp:nvSpPr>
-        <dsp:cNvPr id="0" name=""/>
-        <dsp:cNvSpPr/>
-      </dsp:nvSpPr>
-      <dsp:spPr>
-        <a:xfrm>
-          <a:off x="5627108" y="0"/>
-          <a:ext cx="1900993" cy="1661708"/>
-        </a:xfrm>
-        <a:prstGeom prst="rightArrow">
-          <a:avLst>
-            <a:gd name="adj1" fmla="val 70000"/>
-            <a:gd name="adj2" fmla="val 50000"/>
-          </a:avLst>
-        </a:prstGeom>
-        <a:solidFill>
-          <a:schemeClr val="accent1">
-            <a:alpha val="90000"/>
-            <a:tint val="40000"/>
-            <a:hueOff val="0"/>
-            <a:satOff val="0"/>
-            <a:lumOff val="0"/>
-            <a:alphaOff val="0"/>
-          </a:schemeClr>
-        </a:solidFill>
-        <a:ln w="15875" cap="flat" cmpd="sng" algn="ctr">
-          <a:solidFill>
-            <a:schemeClr val="accent1">
-              <a:alpha val="90000"/>
-              <a:tint val="40000"/>
-              <a:hueOff val="0"/>
-              <a:satOff val="0"/>
-              <a:lumOff val="0"/>
-              <a:alphaOff val="0"/>
-            </a:schemeClr>
-          </a:solidFill>
-          <a:prstDash val="solid"/>
-        </a:ln>
-        <a:effectLst/>
-      </dsp:spPr>
-      <dsp:style>
-        <a:lnRef idx="2">
-          <a:scrgbClr r="0" g="0" b="0"/>
-        </a:lnRef>
-        <a:fillRef idx="1">
-          <a:scrgbClr r="0" g="0" b="0"/>
-        </a:fillRef>
-        <a:effectRef idx="0">
-          <a:scrgbClr r="0" g="0" b="0"/>
-        </a:effectRef>
-        <a:fontRef idx="minor"/>
-      </dsp:style>
-      <dsp:txBody>
-        <a:bodyPr spcFirstLastPara="0" vert="horz" wrap="square" lIns="35560" tIns="8890" rIns="17780" bIns="8890" numCol="1" spcCol="1270" anchor="ctr" anchorCtr="0">
-          <a:noAutofit/>
-        </a:bodyPr>
-        <a:lstStyle/>
-        <a:p>
-          <a:pPr lvl="0" algn="ctr" defTabSz="622300">
-            <a:lnSpc>
-              <a:spcPct val="90000"/>
-            </a:lnSpc>
-            <a:spcBef>
-              <a:spcPct val="0"/>
-            </a:spcBef>
-            <a:spcAft>
-              <a:spcPct val="35000"/>
-            </a:spcAft>
-          </a:pPr>
-          <a:r>
-            <a:rPr lang="ru-RU" sz="1400" kern="1200" dirty="0" smtClean="0"/>
-            <a:t>Ссылка на  </a:t>
-          </a:r>
-          <a:r>
-            <a:rPr lang="en-US" sz="1400" kern="1200" dirty="0" smtClean="0"/>
-            <a:t>JSON-</a:t>
-          </a:r>
-          <a:r>
-            <a:rPr lang="ru-RU" sz="1400" kern="1200" dirty="0" smtClean="0"/>
-            <a:t>объект ответов</a:t>
-          </a:r>
-          <a:endParaRPr lang="ru-RU" sz="1400" kern="1200" dirty="0"/>
-        </a:p>
-      </dsp:txBody>
-      <dsp:txXfrm>
-        <a:off x="6102357" y="249256"/>
-        <a:ext cx="926734" cy="1163196"/>
-      </dsp:txXfrm>
-    </dsp:sp>
-    <dsp:sp modelId="{0A88A3E8-7701-48D6-969C-59DBA88CA534}">
-      <dsp:nvSpPr>
-        <dsp:cNvPr id="0" name=""/>
-        <dsp:cNvSpPr/>
-      </dsp:nvSpPr>
-      <dsp:spPr>
-        <a:xfrm>
-          <a:off x="5151860" y="355605"/>
-          <a:ext cx="950496" cy="950496"/>
-        </a:xfrm>
-        <a:prstGeom prst="ellipse">
-          <a:avLst/>
-        </a:prstGeom>
-        <a:solidFill>
-          <a:schemeClr val="accent1">
-            <a:hueOff val="0"/>
-            <a:satOff val="0"/>
-            <a:lumOff val="0"/>
-            <a:alphaOff val="0"/>
-          </a:schemeClr>
-        </a:solidFill>
-        <a:ln w="15875" cap="flat" cmpd="sng" algn="ctr">
-          <a:solidFill>
-            <a:schemeClr val="lt1">
-              <a:hueOff val="0"/>
-              <a:satOff val="0"/>
-              <a:lumOff val="0"/>
-              <a:alphaOff val="0"/>
-            </a:schemeClr>
-          </a:solidFill>
-          <a:prstDash val="solid"/>
-        </a:ln>
-        <a:effectLst/>
-      </dsp:spPr>
-      <dsp:style>
-        <a:lnRef idx="2">
-          <a:scrgbClr r="0" g="0" b="0"/>
-        </a:lnRef>
-        <a:fillRef idx="1">
-          <a:scrgbClr r="0" g="0" b="0"/>
-        </a:fillRef>
-        <a:effectRef idx="0">
-          <a:scrgbClr r="0" g="0" b="0"/>
-        </a:effectRef>
-        <a:fontRef idx="minor">
-          <a:schemeClr val="lt1"/>
-        </a:fontRef>
-      </dsp:style>
-      <dsp:txBody>
-        <a:bodyPr spcFirstLastPara="0" vert="horz" wrap="square" lIns="7620" tIns="7620" rIns="7620" bIns="7620" numCol="1" spcCol="1270" anchor="ctr" anchorCtr="0">
-          <a:noAutofit/>
-        </a:bodyPr>
-        <a:lstStyle/>
-        <a:p>
-          <a:pPr lvl="0" algn="ctr" defTabSz="533400">
-            <a:lnSpc>
-              <a:spcPct val="90000"/>
-            </a:lnSpc>
-            <a:spcBef>
-              <a:spcPct val="0"/>
-            </a:spcBef>
-            <a:spcAft>
-              <a:spcPct val="35000"/>
-            </a:spcAft>
-          </a:pPr>
-          <a:r>
-            <a:rPr lang="en-US" sz="1200" kern="1200" dirty="0" smtClean="0"/>
-            <a:t>Converter</a:t>
-          </a:r>
-          <a:endParaRPr lang="ru-RU" sz="1200" kern="1200" dirty="0" smtClean="0"/>
-        </a:p>
-        <a:p>
-          <a:pPr lvl="0" algn="ctr" defTabSz="533400">
-            <a:lnSpc>
-              <a:spcPct val="90000"/>
-            </a:lnSpc>
-            <a:spcBef>
-              <a:spcPct val="0"/>
-            </a:spcBef>
-            <a:spcAft>
-              <a:spcPct val="35000"/>
-            </a:spcAft>
-          </a:pPr>
-          <a:r>
-            <a:rPr lang="en-US" sz="1200" kern="1200" dirty="0" smtClean="0"/>
-            <a:t>JSON</a:t>
-          </a:r>
-          <a:endParaRPr lang="ru-RU" sz="1200" kern="1200" dirty="0"/>
-        </a:p>
-      </dsp:txBody>
-      <dsp:txXfrm>
-        <a:off x="5291057" y="494802"/>
-        <a:ext cx="672102" cy="672102"/>
-      </dsp:txXfrm>
-    </dsp:sp>
   </dsp:spTree>
 </dsp:drawing>
 </file>
@@ -39743,7 +37065,7 @@
           <a:p>
             <a:fld id="{FF87DA49-9917-4A7E-BE43-A1E4A72285DB}" type="datetimeFigureOut">
               <a:rPr lang="ru-RU" smtClean="0"/>
-              <a:t>17.11.2025</a:t>
+              <a:t>18.11.2025</a:t>
             </a:fld>
             <a:endParaRPr lang="ru-RU"/>
           </a:p>
@@ -40323,7 +37645,7 @@
           <a:p>
             <a:fld id="{82D494A6-AC0E-4564-848B-C9299726F19B}" type="datetime1">
               <a:rPr lang="ru-RU" smtClean="0"/>
-              <a:t>17.11.2025</a:t>
+              <a:t>18.11.2025</a:t>
             </a:fld>
             <a:endParaRPr lang="ru-RU"/>
           </a:p>
@@ -40531,7 +37853,7 @@
           <a:p>
             <a:fld id="{8F54F09E-5B73-4FCA-A245-E4B9F24EF6EE}" type="datetime1">
               <a:rPr lang="ru-RU" smtClean="0"/>
-              <a:t>17.11.2025</a:t>
+              <a:t>18.11.2025</a:t>
             </a:fld>
             <a:endParaRPr lang="ru-RU"/>
           </a:p>
@@ -40789,7 +38111,7 @@
           <a:p>
             <a:fld id="{EE0EF1CB-1F45-4BB0-ACA2-7F2CD691ED8E}" type="datetime1">
               <a:rPr lang="ru-RU" smtClean="0"/>
-              <a:t>17.11.2025</a:t>
+              <a:t>18.11.2025</a:t>
             </a:fld>
             <a:endParaRPr lang="ru-RU"/>
           </a:p>
@@ -40959,7 +38281,7 @@
           <a:p>
             <a:fld id="{8AC5719E-8A6A-457D-98CF-1B213C53F5CE}" type="datetime1">
               <a:rPr lang="ru-RU" smtClean="0"/>
-              <a:t>17.11.2025</a:t>
+              <a:t>18.11.2025</a:t>
             </a:fld>
             <a:endParaRPr lang="ru-RU"/>
           </a:p>
@@ -41296,7 +38618,7 @@
           <a:p>
             <a:fld id="{9187F089-DB3A-44EC-8E6C-70C807261B64}" type="datetime1">
               <a:rPr lang="ru-RU" smtClean="0"/>
-              <a:t>17.11.2025</a:t>
+              <a:t>18.11.2025</a:t>
             </a:fld>
             <a:endParaRPr lang="ru-RU"/>
           </a:p>
@@ -41571,7 +38893,7 @@
           <a:p>
             <a:fld id="{8D89F477-1E06-42B9-98CE-724D285F544D}" type="datetime1">
               <a:rPr lang="ru-RU" smtClean="0"/>
-              <a:t>17.11.2025</a:t>
+              <a:t>18.11.2025</a:t>
             </a:fld>
             <a:endParaRPr lang="ru-RU"/>
           </a:p>
@@ -41950,7 +39272,7 @@
           <a:p>
             <a:fld id="{D1ABE4F1-295B-4CC0-A10F-3BDEF5F6B9B6}" type="datetime1">
               <a:rPr lang="ru-RU" smtClean="0"/>
-              <a:t>17.11.2025</a:t>
+              <a:t>18.11.2025</a:t>
             </a:fld>
             <a:endParaRPr lang="ru-RU"/>
           </a:p>
@@ -42068,7 +39390,7 @@
           <a:p>
             <a:fld id="{5415850B-FCCB-4950-8D75-8D81D52F3FBD}" type="datetime1">
               <a:rPr lang="ru-RU" smtClean="0"/>
-              <a:t>17.11.2025</a:t>
+              <a:t>18.11.2025</a:t>
             </a:fld>
             <a:endParaRPr lang="ru-RU"/>
           </a:p>
@@ -42241,7 +39563,7 @@
           <a:p>
             <a:fld id="{BFEAB0DF-01E8-4782-A602-314B3FF37A29}" type="datetime1">
               <a:rPr lang="ru-RU" smtClean="0"/>
-              <a:t>17.11.2025</a:t>
+              <a:t>18.11.2025</a:t>
             </a:fld>
             <a:endParaRPr lang="ru-RU"/>
           </a:p>
@@ -42597,7 +39919,7 @@
           <a:p>
             <a:fld id="{AA82D743-4282-4860-9AE2-FAD442C19B6D}" type="datetime1">
               <a:rPr lang="ru-RU" smtClean="0"/>
-              <a:t>17.11.2025</a:t>
+              <a:t>18.11.2025</a:t>
             </a:fld>
             <a:endParaRPr lang="ru-RU"/>
           </a:p>
@@ -42976,7 +40298,7 @@
           <a:p>
             <a:fld id="{F2122F36-14C5-4E46-8DE1-22F5FE5A6635}" type="datetime1">
               <a:rPr lang="ru-RU" smtClean="0"/>
-              <a:t>17.11.2025</a:t>
+              <a:t>18.11.2025</a:t>
             </a:fld>
             <a:endParaRPr lang="ru-RU"/>
           </a:p>
@@ -43265,7 +40587,7 @@
           <a:p>
             <a:fld id="{DF78E439-9BA7-4640-B448-B030DCC85B49}" type="datetime1">
               <a:rPr lang="ru-RU" smtClean="0"/>
-              <a:t>17.11.2025</a:t>
+              <a:t>18.11.2025</a:t>
             </a:fld>
             <a:endParaRPr lang="ru-RU"/>
           </a:p>
@@ -43899,7 +41221,7 @@
             <p:ph idx="1"/>
             <p:extLst>
               <p:ext uri="{D42A27DB-BD31-4B8C-83A1-F6EECF244321}">
-                <p14:modId xmlns:p14="http://schemas.microsoft.com/office/powerpoint/2010/main" val="790642428"/>
+                <p14:modId xmlns:p14="http://schemas.microsoft.com/office/powerpoint/2010/main" val="617968786"/>
               </p:ext>
             </p:extLst>
           </p:nvPr>
@@ -43931,7 +41253,7 @@
           <a:p>
             <a:fld id="{8AC5719E-8A6A-457D-98CF-1B213C53F5CE}" type="datetime1">
               <a:rPr lang="ru-RU" smtClean="0"/>
-              <a:t>17.11.2025</a:t>
+              <a:t>18.11.2025</a:t>
             </a:fld>
             <a:endParaRPr lang="ru-RU"/>
           </a:p>
@@ -44287,7 +41609,7 @@
         </p:nvSpPr>
         <p:spPr>
           <a:xfrm>
-            <a:off x="5190436" y="5169885"/>
+            <a:off x="5152252" y="5129628"/>
             <a:ext cx="1776833" cy="646331"/>
           </a:xfrm>
           <a:prstGeom prst="rect">
@@ -44329,47 +41651,13 @@
       </p:sp>
       <p:sp>
         <p:nvSpPr>
-          <p:cNvPr id="18" name="TextBox 17"/>
-          <p:cNvSpPr txBox="1"/>
-          <p:nvPr/>
-        </p:nvSpPr>
-        <p:spPr>
-          <a:xfrm>
-            <a:off x="1097279" y="5190624"/>
-            <a:ext cx="1424540" cy="646331"/>
-          </a:xfrm>
-          <a:prstGeom prst="rect">
-            <a:avLst/>
-          </a:prstGeom>
-          <a:noFill/>
-        </p:spPr>
-        <p:txBody>
-          <a:bodyPr wrap="square" rtlCol="0">
-            <a:spAutoFit/>
-          </a:bodyPr>
-          <a:lstStyle/>
-          <a:p>
-            <a:r>
-              <a:rPr lang="ru-RU" sz="1200" dirty="0" err="1" smtClean="0"/>
-              <a:t>Логирует</a:t>
-            </a:r>
-            <a:r>
-              <a:rPr lang="ru-RU" sz="1200" dirty="0" smtClean="0"/>
-              <a:t> события в лог-файлы и в консоль</a:t>
-            </a:r>
-            <a:endParaRPr lang="ru-RU" sz="1200" dirty="0"/>
-          </a:p>
-        </p:txBody>
-      </p:sp>
-      <p:sp>
-        <p:nvSpPr>
           <p:cNvPr id="20" name="TextBox 19"/>
           <p:cNvSpPr txBox="1"/>
           <p:nvPr/>
         </p:nvSpPr>
         <p:spPr>
           <a:xfrm>
-            <a:off x="9545115" y="5190623"/>
+            <a:off x="9539559" y="4923827"/>
             <a:ext cx="1814301" cy="646331"/>
           </a:xfrm>
           <a:prstGeom prst="rect">
@@ -44395,160 +41683,9 @@
               <a:rPr lang="ru-RU" sz="1200" dirty="0"/>
               <a:t>диспетчер операций c файлами и JSON-объектами</a:t>
             </a:r>
-            <a:endParaRPr lang="ru-RU" sz="1200" dirty="0"/>
           </a:p>
         </p:txBody>
       </p:sp>
-      <p:pic>
-        <p:nvPicPr>
-          <p:cNvPr id="21" name="Рисунок 20"/>
-          <p:cNvPicPr>
-            <a:picLocks noChangeAspect="1"/>
-          </p:cNvPicPr>
-          <p:nvPr/>
-        </p:nvPicPr>
-        <p:blipFill>
-          <a:blip r:embed="rId11" cstate="print">
-            <a:extLst>
-              <a:ext uri="{28A0092B-C50C-407E-A947-70E740481C1C}">
-                <a14:useLocalDpi xmlns:a14="http://schemas.microsoft.com/office/drawing/2010/main" val="0"/>
-              </a:ext>
-            </a:extLst>
-          </a:blip>
-          <a:stretch>
-            <a:fillRect/>
-          </a:stretch>
-        </p:blipFill>
-        <p:spPr>
-          <a:xfrm>
-            <a:off x="4365511" y="2980774"/>
-            <a:ext cx="509065" cy="720000"/>
-          </a:xfrm>
-          <a:prstGeom prst="rect">
-            <a:avLst/>
-          </a:prstGeom>
-        </p:spPr>
-      </p:pic>
-      <p:pic>
-        <p:nvPicPr>
-          <p:cNvPr id="22" name="Рисунок 21"/>
-          <p:cNvPicPr>
-            <a:picLocks noChangeAspect="1"/>
-          </p:cNvPicPr>
-          <p:nvPr/>
-        </p:nvPicPr>
-        <p:blipFill>
-          <a:blip r:embed="rId12" cstate="print">
-            <a:extLst>
-              <a:ext uri="{28A0092B-C50C-407E-A947-70E740481C1C}">
-                <a14:useLocalDpi xmlns:a14="http://schemas.microsoft.com/office/drawing/2010/main" val="0"/>
-              </a:ext>
-            </a:extLst>
-          </a:blip>
-          <a:stretch>
-            <a:fillRect/>
-          </a:stretch>
-        </p:blipFill>
-        <p:spPr>
-          <a:xfrm>
-            <a:off x="6531773" y="3002040"/>
-            <a:ext cx="509070" cy="720000"/>
-          </a:xfrm>
-          <a:prstGeom prst="rect">
-            <a:avLst/>
-          </a:prstGeom>
-        </p:spPr>
-      </p:pic>
-      <p:pic>
-        <p:nvPicPr>
-          <p:cNvPr id="23" name="Рисунок 22"/>
-          <p:cNvPicPr>
-            <a:picLocks noChangeAspect="1"/>
-          </p:cNvPicPr>
-          <p:nvPr/>
-        </p:nvPicPr>
-        <p:blipFill>
-          <a:blip r:embed="rId13" cstate="print">
-            <a:extLst>
-              <a:ext uri="{28A0092B-C50C-407E-A947-70E740481C1C}">
-                <a14:useLocalDpi xmlns:a14="http://schemas.microsoft.com/office/drawing/2010/main" val="0"/>
-              </a:ext>
-            </a:extLst>
-          </a:blip>
-          <a:stretch>
-            <a:fillRect/>
-          </a:stretch>
-        </p:blipFill>
-        <p:spPr>
-          <a:xfrm>
-            <a:off x="8700414" y="3014983"/>
-            <a:ext cx="509068" cy="720000"/>
-          </a:xfrm>
-          <a:prstGeom prst="rect">
-            <a:avLst/>
-          </a:prstGeom>
-        </p:spPr>
-      </p:pic>
-      <p:pic>
-        <p:nvPicPr>
-          <p:cNvPr id="24" name="Рисунок 23"/>
-          <p:cNvPicPr>
-            <a:picLocks noChangeAspect="1"/>
-          </p:cNvPicPr>
-          <p:nvPr/>
-        </p:nvPicPr>
-        <p:blipFill>
-          <a:blip r:embed="rId14" cstate="print">
-            <a:extLst>
-              <a:ext uri="{28A0092B-C50C-407E-A947-70E740481C1C}">
-                <a14:useLocalDpi xmlns:a14="http://schemas.microsoft.com/office/drawing/2010/main" val="0"/>
-              </a:ext>
-            </a:extLst>
-          </a:blip>
-          <a:stretch>
-            <a:fillRect/>
-          </a:stretch>
-        </p:blipFill>
-        <p:spPr>
-          <a:xfrm>
-            <a:off x="10646292" y="3008312"/>
-            <a:ext cx="509070" cy="720000"/>
-          </a:xfrm>
-          <a:prstGeom prst="rect">
-            <a:avLst/>
-          </a:prstGeom>
-        </p:spPr>
-      </p:pic>
-      <p:pic>
-        <p:nvPicPr>
-          <p:cNvPr id="25" name="Рисунок 24"/>
-          <p:cNvPicPr>
-            <a:picLocks noChangeAspect="1"/>
-          </p:cNvPicPr>
-          <p:nvPr/>
-        </p:nvPicPr>
-        <p:blipFill>
-          <a:blip r:embed="rId15" cstate="print">
-            <a:extLst>
-              <a:ext uri="{28A0092B-C50C-407E-A947-70E740481C1C}">
-                <a14:useLocalDpi xmlns:a14="http://schemas.microsoft.com/office/drawing/2010/main" val="0"/>
-              </a:ext>
-            </a:extLst>
-          </a:blip>
-          <a:stretch>
-            <a:fillRect/>
-          </a:stretch>
-        </p:blipFill>
-        <p:spPr>
-          <a:xfrm>
-            <a:off x="2358846" y="2952141"/>
-            <a:ext cx="509069" cy="720000"/>
-          </a:xfrm>
-          <a:prstGeom prst="rect">
-            <a:avLst/>
-          </a:prstGeom>
-        </p:spPr>
-      </p:pic>
       <p:pic>
         <p:nvPicPr>
           <p:cNvPr id="29" name="Рисунок 28"/>
@@ -44558,7 +41695,7 @@
           <p:nvPr/>
         </p:nvPicPr>
         <p:blipFill>
-          <a:blip r:embed="rId16" cstate="print">
+          <a:blip r:embed="rId11" cstate="print">
             <a:extLst>
               <a:ext uri="{28A0092B-C50C-407E-A947-70E740481C1C}">
                 <a14:useLocalDpi xmlns:a14="http://schemas.microsoft.com/office/drawing/2010/main" val="0"/>
@@ -44588,7 +41725,7 @@
           <p:nvPr/>
         </p:nvPicPr>
         <p:blipFill>
-          <a:blip r:embed="rId17" cstate="print">
+          <a:blip r:embed="rId12" cstate="print">
             <a:extLst>
               <a:ext uri="{28A0092B-C50C-407E-A947-70E740481C1C}">
                 <a14:useLocalDpi xmlns:a14="http://schemas.microsoft.com/office/drawing/2010/main" val="0"/>
@@ -44618,7 +41755,7 @@
           <p:nvPr/>
         </p:nvPicPr>
         <p:blipFill>
-          <a:blip r:embed="rId18" cstate="print">
+          <a:blip r:embed="rId13" cstate="print">
             <a:extLst>
               <a:ext uri="{28A0092B-C50C-407E-A947-70E740481C1C}">
                 <a14:useLocalDpi xmlns:a14="http://schemas.microsoft.com/office/drawing/2010/main" val="0"/>
@@ -44641,7 +41778,305 @@
       </p:pic>
       <p:pic>
         <p:nvPicPr>
-          <p:cNvPr id="32" name="Рисунок 31"/>
+          <p:cNvPr id="12" name="Рисунок 11"/>
+          <p:cNvPicPr>
+            <a:picLocks noChangeAspect="1"/>
+          </p:cNvPicPr>
+          <p:nvPr/>
+        </p:nvPicPr>
+        <p:blipFill>
+          <a:blip r:embed="rId14" cstate="print">
+            <a:extLst>
+              <a:ext uri="{28A0092B-C50C-407E-A947-70E740481C1C}">
+                <a14:useLocalDpi xmlns:a14="http://schemas.microsoft.com/office/drawing/2010/main" val="0"/>
+              </a:ext>
+            </a:extLst>
+          </a:blip>
+          <a:stretch>
+            <a:fillRect/>
+          </a:stretch>
+        </p:blipFill>
+        <p:spPr>
+          <a:xfrm>
+            <a:off x="6617299" y="5292017"/>
+            <a:ext cx="509065" cy="720000"/>
+          </a:xfrm>
+          <a:prstGeom prst="rect">
+            <a:avLst/>
+          </a:prstGeom>
+        </p:spPr>
+      </p:pic>
+      <p:grpSp>
+        <p:nvGrpSpPr>
+          <p:cNvPr id="34" name="Группа 33"/>
+          <p:cNvGrpSpPr/>
+          <p:nvPr/>
+        </p:nvGrpSpPr>
+        <p:grpSpPr>
+          <a:xfrm>
+            <a:off x="1091517" y="4270658"/>
+            <a:ext cx="1620003" cy="1620003"/>
+            <a:chOff x="0" y="2424394"/>
+            <a:chExt cx="1620003" cy="1620003"/>
+          </a:xfrm>
+        </p:grpSpPr>
+        <p:sp>
+          <p:nvSpPr>
+            <p:cNvPr id="35" name="Скругленный прямоугольник 34"/>
+            <p:cNvSpPr/>
+            <p:nvPr/>
+          </p:nvSpPr>
+          <p:spPr>
+            <a:xfrm>
+              <a:off x="0" y="2424394"/>
+              <a:ext cx="1620003" cy="1620003"/>
+            </a:xfrm>
+            <a:prstGeom prst="roundRect">
+              <a:avLst/>
+            </a:prstGeom>
+          </p:spPr>
+          <p:style>
+            <a:lnRef idx="2">
+              <a:schemeClr val="lt1">
+                <a:hueOff val="0"/>
+                <a:satOff val="0"/>
+                <a:lumOff val="0"/>
+                <a:alphaOff val="0"/>
+              </a:schemeClr>
+            </a:lnRef>
+            <a:fillRef idx="1">
+              <a:schemeClr val="accent1">
+                <a:hueOff val="0"/>
+                <a:satOff val="0"/>
+                <a:lumOff val="0"/>
+                <a:alphaOff val="0"/>
+              </a:schemeClr>
+            </a:fillRef>
+            <a:effectRef idx="0">
+              <a:schemeClr val="accent1">
+                <a:hueOff val="0"/>
+                <a:satOff val="0"/>
+                <a:lumOff val="0"/>
+                <a:alphaOff val="0"/>
+              </a:schemeClr>
+            </a:effectRef>
+            <a:fontRef idx="minor">
+              <a:schemeClr val="lt1"/>
+            </a:fontRef>
+          </p:style>
+        </p:sp>
+        <p:sp>
+          <p:nvSpPr>
+            <p:cNvPr id="36" name="Скругленный прямоугольник 4"/>
+            <p:cNvSpPr/>
+            <p:nvPr/>
+          </p:nvSpPr>
+          <p:spPr>
+            <a:xfrm>
+              <a:off x="79082" y="2503476"/>
+              <a:ext cx="1461839" cy="1461839"/>
+            </a:xfrm>
+            <a:prstGeom prst="rect">
+              <a:avLst/>
+            </a:prstGeom>
+          </p:spPr>
+          <p:style>
+            <a:lnRef idx="0">
+              <a:scrgbClr r="0" g="0" b="0"/>
+            </a:lnRef>
+            <a:fillRef idx="0">
+              <a:scrgbClr r="0" g="0" b="0"/>
+            </a:fillRef>
+            <a:effectRef idx="0">
+              <a:scrgbClr r="0" g="0" b="0"/>
+            </a:effectRef>
+            <a:fontRef idx="minor">
+              <a:schemeClr val="lt1"/>
+            </a:fontRef>
+          </p:style>
+          <p:txBody>
+            <a:bodyPr spcFirstLastPara="0" vert="horz" wrap="square" lIns="50800" tIns="50800" rIns="50800" bIns="50800" numCol="1" spcCol="1270" anchor="t" anchorCtr="0">
+              <a:noAutofit/>
+            </a:bodyPr>
+            <a:lstStyle/>
+            <a:p>
+              <a:pPr lvl="0" algn="ctr" defTabSz="889000">
+                <a:lnSpc>
+                  <a:spcPct val="90000"/>
+                </a:lnSpc>
+                <a:spcBef>
+                  <a:spcPct val="0"/>
+                </a:spcBef>
+                <a:spcAft>
+                  <a:spcPct val="35000"/>
+                </a:spcAft>
+              </a:pPr>
+              <a:r>
+                <a:rPr lang="en-US" sz="2000" b="1" kern="1200" dirty="0" smtClean="0"/>
+                <a:t>Logger</a:t>
+              </a:r>
+              <a:endParaRPr lang="ru-RU" sz="2000" b="1" kern="1200" dirty="0"/>
+            </a:p>
+          </p:txBody>
+        </p:sp>
+      </p:grpSp>
+      <p:sp>
+        <p:nvSpPr>
+          <p:cNvPr id="40" name="TextBox 39"/>
+          <p:cNvSpPr txBox="1"/>
+          <p:nvPr/>
+        </p:nvSpPr>
+        <p:spPr>
+          <a:xfrm>
+            <a:off x="1062553" y="4806462"/>
+            <a:ext cx="1424540" cy="646331"/>
+          </a:xfrm>
+          <a:prstGeom prst="rect">
+            <a:avLst/>
+          </a:prstGeom>
+          <a:noFill/>
+        </p:spPr>
+        <p:txBody>
+          <a:bodyPr wrap="square" rtlCol="0">
+            <a:spAutoFit/>
+          </a:bodyPr>
+          <a:lstStyle/>
+          <a:p>
+            <a:r>
+              <a:rPr lang="ru-RU" sz="1200" dirty="0" err="1" smtClean="0"/>
+              <a:t>Логирует</a:t>
+            </a:r>
+            <a:r>
+              <a:rPr lang="ru-RU" sz="1200" dirty="0" smtClean="0"/>
+              <a:t> события в лог-файлы и в консоль</a:t>
+            </a:r>
+            <a:endParaRPr lang="ru-RU" sz="1200" dirty="0"/>
+          </a:p>
+        </p:txBody>
+      </p:sp>
+      <p:pic>
+        <p:nvPicPr>
+          <p:cNvPr id="41" name="Рисунок 40"/>
+          <p:cNvPicPr>
+            <a:picLocks noChangeAspect="1"/>
+          </p:cNvPicPr>
+          <p:nvPr/>
+        </p:nvPicPr>
+        <p:blipFill>
+          <a:blip r:embed="rId15" cstate="print">
+            <a:extLst>
+              <a:ext uri="{28A0092B-C50C-407E-A947-70E740481C1C}">
+                <a14:useLocalDpi xmlns:a14="http://schemas.microsoft.com/office/drawing/2010/main" val="0"/>
+              </a:ext>
+            </a:extLst>
+          </a:blip>
+          <a:stretch>
+            <a:fillRect/>
+          </a:stretch>
+        </p:blipFill>
+        <p:spPr>
+          <a:xfrm>
+            <a:off x="1726377" y="5258771"/>
+            <a:ext cx="509065" cy="720000"/>
+          </a:xfrm>
+          <a:prstGeom prst="rect">
+            <a:avLst/>
+          </a:prstGeom>
+        </p:spPr>
+      </p:pic>
+      <p:pic>
+        <p:nvPicPr>
+          <p:cNvPr id="42" name="Рисунок 41"/>
+          <p:cNvPicPr>
+            <a:picLocks noChangeAspect="1"/>
+          </p:cNvPicPr>
+          <p:nvPr/>
+        </p:nvPicPr>
+        <p:blipFill>
+          <a:blip r:embed="rId16" cstate="print">
+            <a:extLst>
+              <a:ext uri="{28A0092B-C50C-407E-A947-70E740481C1C}">
+                <a14:useLocalDpi xmlns:a14="http://schemas.microsoft.com/office/drawing/2010/main" val="0"/>
+              </a:ext>
+            </a:extLst>
+          </a:blip>
+          <a:stretch>
+            <a:fillRect/>
+          </a:stretch>
+        </p:blipFill>
+        <p:spPr>
+          <a:xfrm>
+            <a:off x="2148026" y="5292017"/>
+            <a:ext cx="509070" cy="720000"/>
+          </a:xfrm>
+          <a:prstGeom prst="rect">
+            <a:avLst/>
+          </a:prstGeom>
+        </p:spPr>
+      </p:pic>
+      <p:pic>
+        <p:nvPicPr>
+          <p:cNvPr id="19" name="Рисунок 18"/>
+          <p:cNvPicPr>
+            <a:picLocks noChangeAspect="1"/>
+          </p:cNvPicPr>
+          <p:nvPr/>
+        </p:nvPicPr>
+        <p:blipFill>
+          <a:blip r:embed="rId17" cstate="print">
+            <a:extLst>
+              <a:ext uri="{28A0092B-C50C-407E-A947-70E740481C1C}">
+                <a14:useLocalDpi xmlns:a14="http://schemas.microsoft.com/office/drawing/2010/main" val="0"/>
+              </a:ext>
+            </a:extLst>
+          </a:blip>
+          <a:stretch>
+            <a:fillRect/>
+          </a:stretch>
+        </p:blipFill>
+        <p:spPr>
+          <a:xfrm>
+            <a:off x="10646297" y="5292017"/>
+            <a:ext cx="509065" cy="720000"/>
+          </a:xfrm>
+          <a:prstGeom prst="rect">
+            <a:avLst/>
+          </a:prstGeom>
+        </p:spPr>
+      </p:pic>
+      <p:pic>
+        <p:nvPicPr>
+          <p:cNvPr id="26" name="Рисунок 25"/>
+          <p:cNvPicPr>
+            <a:picLocks noChangeAspect="1"/>
+          </p:cNvPicPr>
+          <p:nvPr/>
+        </p:nvPicPr>
+        <p:blipFill>
+          <a:blip r:embed="rId18" cstate="print">
+            <a:extLst>
+              <a:ext uri="{28A0092B-C50C-407E-A947-70E740481C1C}">
+                <a14:useLocalDpi xmlns:a14="http://schemas.microsoft.com/office/drawing/2010/main" val="0"/>
+              </a:ext>
+            </a:extLst>
+          </a:blip>
+          <a:stretch>
+            <a:fillRect/>
+          </a:stretch>
+        </p:blipFill>
+        <p:spPr>
+          <a:xfrm>
+            <a:off x="2363310" y="2966363"/>
+            <a:ext cx="509065" cy="720000"/>
+          </a:xfrm>
+          <a:prstGeom prst="rect">
+            <a:avLst/>
+          </a:prstGeom>
+        </p:spPr>
+      </p:pic>
+      <p:pic>
+        <p:nvPicPr>
+          <p:cNvPr id="27" name="Рисунок 26"/>
           <p:cNvPicPr>
             <a:picLocks noChangeAspect="1"/>
           </p:cNvPicPr>
@@ -44661,7 +42096,7 @@
         </p:blipFill>
         <p:spPr>
           <a:xfrm>
-            <a:off x="1794296" y="5197514"/>
+            <a:off x="4354326" y="2980774"/>
             <a:ext cx="509065" cy="720000"/>
           </a:xfrm>
           <a:prstGeom prst="rect">
@@ -44671,7 +42106,7 @@
       </p:pic>
       <p:pic>
         <p:nvPicPr>
-          <p:cNvPr id="33" name="Рисунок 32"/>
+          <p:cNvPr id="28" name="Рисунок 27"/>
           <p:cNvPicPr>
             <a:picLocks noChangeAspect="1"/>
           </p:cNvPicPr>
@@ -44691,8 +42126,68 @@
         </p:blipFill>
         <p:spPr>
           <a:xfrm>
-            <a:off x="2193739" y="5197514"/>
-            <a:ext cx="509070" cy="720000"/>
+            <a:off x="6514836" y="3002040"/>
+            <a:ext cx="509065" cy="720000"/>
+          </a:xfrm>
+          <a:prstGeom prst="rect">
+            <a:avLst/>
+          </a:prstGeom>
+        </p:spPr>
+      </p:pic>
+      <p:pic>
+        <p:nvPicPr>
+          <p:cNvPr id="43" name="Рисунок 42"/>
+          <p:cNvPicPr>
+            <a:picLocks noChangeAspect="1"/>
+          </p:cNvPicPr>
+          <p:nvPr/>
+        </p:nvPicPr>
+        <p:blipFill>
+          <a:blip r:embed="rId21" cstate="print">
+            <a:extLst>
+              <a:ext uri="{28A0092B-C50C-407E-A947-70E740481C1C}">
+                <a14:useLocalDpi xmlns:a14="http://schemas.microsoft.com/office/drawing/2010/main" val="0"/>
+              </a:ext>
+            </a:extLst>
+          </a:blip>
+          <a:stretch>
+            <a:fillRect/>
+          </a:stretch>
+        </p:blipFill>
+        <p:spPr>
+          <a:xfrm>
+            <a:off x="8675346" y="3025732"/>
+            <a:ext cx="509065" cy="720000"/>
+          </a:xfrm>
+          <a:prstGeom prst="rect">
+            <a:avLst/>
+          </a:prstGeom>
+        </p:spPr>
+      </p:pic>
+      <p:pic>
+        <p:nvPicPr>
+          <p:cNvPr id="44" name="Рисунок 43"/>
+          <p:cNvPicPr>
+            <a:picLocks noChangeAspect="1"/>
+          </p:cNvPicPr>
+          <p:nvPr/>
+        </p:nvPicPr>
+        <p:blipFill>
+          <a:blip r:embed="rId22" cstate="print">
+            <a:extLst>
+              <a:ext uri="{28A0092B-C50C-407E-A947-70E740481C1C}">
+                <a14:useLocalDpi xmlns:a14="http://schemas.microsoft.com/office/drawing/2010/main" val="0"/>
+              </a:ext>
+            </a:extLst>
+          </a:blip>
+          <a:stretch>
+            <a:fillRect/>
+          </a:stretch>
+        </p:blipFill>
+        <p:spPr>
+          <a:xfrm>
+            <a:off x="10637607" y="3022221"/>
+            <a:ext cx="509065" cy="720000"/>
           </a:xfrm>
           <a:prstGeom prst="rect">
             <a:avLst/>
@@ -44920,7 +42415,7 @@
           <a:p>
             <a:fld id="{8AC5719E-8A6A-457D-98CF-1B213C53F5CE}" type="datetime1">
               <a:rPr lang="ru-RU" smtClean="0"/>
-              <a:t>17.11.2025</a:t>
+              <a:t>18.11.2025</a:t>
             </a:fld>
             <a:endParaRPr lang="ru-RU"/>
           </a:p>
@@ -45457,7 +42952,7 @@
           <a:p>
             <a:fld id="{8AC5719E-8A6A-457D-98CF-1B213C53F5CE}" type="datetime1">
               <a:rPr lang="ru-RU" smtClean="0"/>
-              <a:t>17.11.2025</a:t>
+              <a:t>18.11.2025</a:t>
             </a:fld>
             <a:endParaRPr lang="ru-RU"/>
           </a:p>
@@ -45660,7 +43155,7 @@
           <a:p>
             <a:fld id="{8AC5719E-8A6A-457D-98CF-1B213C53F5CE}" type="datetime1">
               <a:rPr lang="ru-RU" smtClean="0"/>
-              <a:t>17.11.2025</a:t>
+              <a:t>18.11.2025</a:t>
             </a:fld>
             <a:endParaRPr lang="ru-RU"/>
           </a:p>
@@ -45890,7 +43385,7 @@
           <a:p>
             <a:fld id="{8AC5719E-8A6A-457D-98CF-1B213C53F5CE}" type="datetime1">
               <a:rPr lang="ru-RU" smtClean="0"/>
-              <a:t>17.11.2025</a:t>
+              <a:t>18.11.2025</a:t>
             </a:fld>
             <a:endParaRPr lang="ru-RU"/>
           </a:p>
@@ -46280,7 +43775,7 @@
           <a:p>
             <a:fld id="{8AC5719E-8A6A-457D-98CF-1B213C53F5CE}" type="datetime1">
               <a:rPr lang="ru-RU" smtClean="0"/>
-              <a:t>17.11.2025</a:t>
+              <a:t>18.11.2025</a:t>
             </a:fld>
             <a:endParaRPr lang="ru-RU"/>
           </a:p>
@@ -49507,7 +47002,7 @@
           <a:p>
             <a:fld id="{8AC5719E-8A6A-457D-98CF-1B213C53F5CE}" type="datetime1">
               <a:rPr lang="ru-RU" smtClean="0"/>
-              <a:t>17.11.2025</a:t>
+              <a:t>18.11.2025</a:t>
             </a:fld>
             <a:endParaRPr lang="ru-RU"/>
           </a:p>
@@ -53299,7 +50794,7 @@
           <a:p>
             <a:fld id="{8AC5719E-8A6A-457D-98CF-1B213C53F5CE}" type="datetime1">
               <a:rPr lang="ru-RU" smtClean="0"/>
-              <a:t>17.11.2025</a:t>
+              <a:t>18.11.2025</a:t>
             </a:fld>
             <a:endParaRPr lang="ru-RU"/>
           </a:p>
@@ -56955,7 +54450,7 @@
           <a:p>
             <a:fld id="{AA82D743-4282-4860-9AE2-FAD442C19B6D}" type="datetime1">
               <a:rPr lang="ru-RU" smtClean="0"/>
-              <a:t>17.11.2025</a:t>
+              <a:t>18.11.2025</a:t>
             </a:fld>
             <a:endParaRPr lang="ru-RU"/>
           </a:p>
@@ -57124,7 +54619,7 @@
           <a:p>
             <a:fld id="{8D89F477-1E06-42B9-98CE-724D285F544D}" type="datetime1">
               <a:rPr lang="ru-RU" smtClean="0"/>
-              <a:t>17.11.2025</a:t>
+              <a:t>18.11.2025</a:t>
             </a:fld>
             <a:endParaRPr lang="ru-RU"/>
           </a:p>
@@ -57257,7 +54752,7 @@
           <a:p>
             <a:fld id="{9187F089-DB3A-44EC-8E6C-70C807261B64}" type="datetime1">
               <a:rPr lang="ru-RU" smtClean="0"/>
-              <a:t>17.11.2025</a:t>
+              <a:t>18.11.2025</a:t>
             </a:fld>
             <a:endParaRPr lang="ru-RU"/>
           </a:p>
@@ -57379,7 +54874,7 @@
           <a:p>
             <a:fld id="{5415850B-FCCB-4950-8D75-8D81D52F3FBD}" type="datetime1">
               <a:rPr lang="ru-RU" smtClean="0"/>
-              <a:t>17.11.2025</a:t>
+              <a:t>18.11.2025</a:t>
             </a:fld>
             <a:endParaRPr lang="ru-RU"/>
           </a:p>
@@ -57535,7 +55030,7 @@
           <a:p>
             <a:fld id="{5415850B-FCCB-4950-8D75-8D81D52F3FBD}" type="datetime1">
               <a:rPr lang="ru-RU" smtClean="0"/>
-              <a:t>17.11.2025</a:t>
+              <a:t>18.11.2025</a:t>
             </a:fld>
             <a:endParaRPr lang="ru-RU"/>
           </a:p>
@@ -57821,7 +55316,7 @@
           <a:p>
             <a:fld id="{8AC5719E-8A6A-457D-98CF-1B213C53F5CE}" type="datetime1">
               <a:rPr lang="ru-RU" smtClean="0"/>
-              <a:t>17.11.2025</a:t>
+              <a:t>18.11.2025</a:t>
             </a:fld>
             <a:endParaRPr lang="ru-RU"/>
           </a:p>
@@ -58140,7 +55635,7 @@
           <a:p>
             <a:fld id="{AA82D743-4282-4860-9AE2-FAD442C19B6D}" type="datetime1">
               <a:rPr lang="ru-RU" smtClean="0"/>
-              <a:t>17.11.2025</a:t>
+              <a:t>18.11.2025</a:t>
             </a:fld>
             <a:endParaRPr lang="ru-RU"/>
           </a:p>
@@ -58329,7 +55824,7 @@
           <a:p>
             <a:fld id="{22C4FDAF-C654-4288-9437-917D77737F5E}" type="datetime1">
               <a:rPr lang="ru-RU" smtClean="0"/>
-              <a:t>17.11.2025</a:t>
+              <a:t>18.11.2025</a:t>
             </a:fld>
             <a:endParaRPr lang="ru-RU"/>
           </a:p>
@@ -58970,7 +56465,7 @@
           <a:p>
             <a:fld id="{8D89F477-1E06-42B9-98CE-724D285F544D}" type="datetime1">
               <a:rPr lang="ru-RU" smtClean="0"/>
-              <a:t>17.11.2025</a:t>
+              <a:t>18.11.2025</a:t>
             </a:fld>
             <a:endParaRPr lang="ru-RU"/>
           </a:p>
@@ -59316,7 +56811,7 @@
           <a:p>
             <a:fld id="{8D89F477-1E06-42B9-98CE-724D285F544D}" type="datetime1">
               <a:rPr lang="ru-RU" smtClean="0"/>
-              <a:t>17.11.2025</a:t>
+              <a:t>18.11.2025</a:t>
             </a:fld>
             <a:endParaRPr lang="ru-RU"/>
           </a:p>
@@ -59806,7 +57301,7 @@
           <a:p>
             <a:fld id="{8D89F477-1E06-42B9-98CE-724D285F544D}" type="datetime1">
               <a:rPr lang="ru-RU" smtClean="0"/>
-              <a:t>17.11.2025</a:t>
+              <a:t>18.11.2025</a:t>
             </a:fld>
             <a:endParaRPr lang="ru-RU"/>
           </a:p>
@@ -60429,7 +57924,7 @@
           <a:p>
             <a:fld id="{8D89F477-1E06-42B9-98CE-724D285F544D}" type="datetime1">
               <a:rPr lang="ru-RU" smtClean="0"/>
-              <a:t>17.11.2025</a:t>
+              <a:t>18.11.2025</a:t>
             </a:fld>
             <a:endParaRPr lang="ru-RU"/>
           </a:p>

--- a/presentation/защита.pptx
+++ b/presentation/защита.pptx
@@ -5,7 +5,7 @@
     <p:sldMasterId id="2147483713" r:id="rId1"/>
   </p:sldMasterIdLst>
   <p:notesMasterIdLst>
-    <p:notesMasterId r:id="rId23"/>
+    <p:notesMasterId r:id="rId24"/>
   </p:notesMasterIdLst>
   <p:sldIdLst>
     <p:sldId id="256" r:id="rId2"/>
@@ -19,16 +19,17 @@
     <p:sldId id="278" r:id="rId10"/>
     <p:sldId id="260" r:id="rId11"/>
     <p:sldId id="263" r:id="rId12"/>
-    <p:sldId id="264" r:id="rId13"/>
-    <p:sldId id="266" r:id="rId14"/>
-    <p:sldId id="268" r:id="rId15"/>
-    <p:sldId id="279" r:id="rId16"/>
-    <p:sldId id="280" r:id="rId17"/>
-    <p:sldId id="281" r:id="rId18"/>
-    <p:sldId id="259" r:id="rId19"/>
-    <p:sldId id="269" r:id="rId20"/>
-    <p:sldId id="271" r:id="rId21"/>
-    <p:sldId id="272" r:id="rId22"/>
+    <p:sldId id="282" r:id="rId13"/>
+    <p:sldId id="264" r:id="rId14"/>
+    <p:sldId id="266" r:id="rId15"/>
+    <p:sldId id="268" r:id="rId16"/>
+    <p:sldId id="279" r:id="rId17"/>
+    <p:sldId id="280" r:id="rId18"/>
+    <p:sldId id="281" r:id="rId19"/>
+    <p:sldId id="259" r:id="rId20"/>
+    <p:sldId id="269" r:id="rId21"/>
+    <p:sldId id="271" r:id="rId22"/>
+    <p:sldId id="272" r:id="rId23"/>
   </p:sldIdLst>
   <p:sldSz cx="12192000" cy="6858000"/>
   <p:notesSz cx="6858000" cy="9144000"/>
@@ -341,11 +342,11 @@
         </c:dLbls>
         <c:gapWidth val="219"/>
         <c:overlap val="-27"/>
-        <c:axId val="531146344"/>
-        <c:axId val="531148696"/>
+        <c:axId val="414018184"/>
+        <c:axId val="414021320"/>
       </c:barChart>
       <c:catAx>
-        <c:axId val="531146344"/>
+        <c:axId val="414018184"/>
         <c:scaling>
           <c:orientation val="minMax"/>
         </c:scaling>
@@ -388,7 +389,7 @@
             <a:endParaRPr lang="ru-RU"/>
           </a:p>
         </c:txPr>
-        <c:crossAx val="531148696"/>
+        <c:crossAx val="414021320"/>
         <c:crosses val="autoZero"/>
         <c:auto val="1"/>
         <c:lblAlgn val="ctr"/>
@@ -396,7 +397,7 @@
         <c:noMultiLvlLbl val="0"/>
       </c:catAx>
       <c:valAx>
-        <c:axId val="531148696"/>
+        <c:axId val="414021320"/>
         <c:scaling>
           <c:orientation val="minMax"/>
         </c:scaling>
@@ -447,7 +448,7 @@
             <a:endParaRPr lang="ru-RU"/>
           </a:p>
         </c:txPr>
-        <c:crossAx val="531146344"/>
+        <c:crossAx val="414018184"/>
         <c:crosses val="autoZero"/>
         <c:crossBetween val="between"/>
       </c:valAx>
@@ -700,11 +701,11 @@
         </c:dLbls>
         <c:gapWidth val="219"/>
         <c:overlap val="-27"/>
-        <c:axId val="534783960"/>
-        <c:axId val="534779648"/>
+        <c:axId val="468002192"/>
+        <c:axId val="467434312"/>
       </c:barChart>
       <c:catAx>
-        <c:axId val="534783960"/>
+        <c:axId val="468002192"/>
         <c:scaling>
           <c:orientation val="minMax"/>
         </c:scaling>
@@ -747,7 +748,7 @@
             <a:endParaRPr lang="ru-RU"/>
           </a:p>
         </c:txPr>
-        <c:crossAx val="534779648"/>
+        <c:crossAx val="467434312"/>
         <c:crosses val="autoZero"/>
         <c:auto val="1"/>
         <c:lblAlgn val="ctr"/>
@@ -755,7 +756,7 @@
         <c:noMultiLvlLbl val="0"/>
       </c:catAx>
       <c:valAx>
-        <c:axId val="534779648"/>
+        <c:axId val="467434312"/>
         <c:scaling>
           <c:orientation val="minMax"/>
         </c:scaling>
@@ -806,7 +807,7 @@
             <a:endParaRPr lang="ru-RU"/>
           </a:p>
         </c:txPr>
-        <c:crossAx val="534783960"/>
+        <c:crossAx val="468002192"/>
         <c:crosses val="autoZero"/>
         <c:crossBetween val="between"/>
       </c:valAx>
@@ -13827,7 +13828,7 @@
       </dgm:t>
     </dgm:pt>
     <dgm:pt modelId="{E644A287-01BC-4CF5-B466-30846E7BBA7F}" type="pres">
-      <dgm:prSet presAssocID="{96B43729-32E7-4966-82B3-07411DB75AAD}" presName="parentText" presStyleLbl="node1" presStyleIdx="0" presStyleCnt="3">
+      <dgm:prSet presAssocID="{96B43729-32E7-4966-82B3-07411DB75AAD}" presName="parentText" presStyleLbl="node1" presStyleIdx="0" presStyleCnt="3" custLinFactY="100000" custLinFactNeighborX="-5017" custLinFactNeighborY="113013">
         <dgm:presLayoutVars>
           <dgm:chMax val="1"/>
           <dgm:bulletEnabled val="1"/>
@@ -15862,846 +15863,6 @@
       <dsp:cNvGrpSpPr/>
     </dsp:nvGrpSpPr>
     <dsp:grpSpPr/>
-    <dsp:sp modelId="{628E21F9-F946-457A-B5D6-7107E4B5B54D}">
-      <dsp:nvSpPr>
-        <dsp:cNvPr id="0" name=""/>
-        <dsp:cNvSpPr/>
-      </dsp:nvSpPr>
-      <dsp:spPr>
-        <a:xfrm>
-          <a:off x="4036874" y="2064394"/>
-          <a:ext cx="1980003" cy="1980003"/>
-        </a:xfrm>
-        <a:prstGeom prst="roundRect">
-          <a:avLst/>
-        </a:prstGeom>
-        <a:solidFill>
-          <a:schemeClr val="accent1">
-            <a:hueOff val="0"/>
-            <a:satOff val="0"/>
-            <a:lumOff val="0"/>
-            <a:alphaOff val="0"/>
-          </a:schemeClr>
-        </a:solidFill>
-        <a:ln w="15875" cap="flat" cmpd="sng" algn="ctr">
-          <a:solidFill>
-            <a:schemeClr val="lt1">
-              <a:hueOff val="0"/>
-              <a:satOff val="0"/>
-              <a:lumOff val="0"/>
-              <a:alphaOff val="0"/>
-            </a:schemeClr>
-          </a:solidFill>
-          <a:prstDash val="solid"/>
-        </a:ln>
-        <a:effectLst/>
-      </dsp:spPr>
-      <dsp:style>
-        <a:lnRef idx="2">
-          <a:scrgbClr r="0" g="0" b="0"/>
-        </a:lnRef>
-        <a:fillRef idx="1">
-          <a:scrgbClr r="0" g="0" b="0"/>
-        </a:fillRef>
-        <a:effectRef idx="0">
-          <a:scrgbClr r="0" g="0" b="0"/>
-        </a:effectRef>
-        <a:fontRef idx="minor">
-          <a:schemeClr val="lt1"/>
-        </a:fontRef>
-      </dsp:style>
-      <dsp:txBody>
-        <a:bodyPr spcFirstLastPara="0" vert="horz" wrap="square" lIns="81280" tIns="81280" rIns="81280" bIns="81280" numCol="1" spcCol="1270" anchor="t" anchorCtr="0">
-          <a:noAutofit/>
-        </a:bodyPr>
-        <a:lstStyle/>
-        <a:p>
-          <a:pPr lvl="0" algn="ctr" defTabSz="1422400">
-            <a:lnSpc>
-              <a:spcPct val="90000"/>
-            </a:lnSpc>
-            <a:spcBef>
-              <a:spcPct val="0"/>
-            </a:spcBef>
-            <a:spcAft>
-              <a:spcPct val="35000"/>
-            </a:spcAft>
-          </a:pPr>
-          <a:r>
-            <a:rPr lang="en-US" sz="3200" b="1" kern="1200" dirty="0" smtClean="0"/>
-            <a:t>SearchEngine</a:t>
-          </a:r>
-          <a:endParaRPr lang="ru-RU" sz="3200" b="1" kern="1200" dirty="0"/>
-        </a:p>
-      </dsp:txBody>
-      <dsp:txXfrm>
-        <a:off x="4133530" y="2161050"/>
-        <a:ext cx="1786691" cy="1786691"/>
-      </dsp:txXfrm>
-    </dsp:sp>
-    <dsp:sp modelId="{667DE06D-C223-4C57-8F2C-DDC107791A47}">
-      <dsp:nvSpPr>
-        <dsp:cNvPr id="0" name=""/>
-        <dsp:cNvSpPr/>
-      </dsp:nvSpPr>
-      <dsp:spPr>
-        <a:xfrm rot="12462445">
-          <a:off x="1655143" y="1947092"/>
-          <a:ext cx="2526589" cy="0"/>
-        </a:xfrm>
-        <a:custGeom>
-          <a:avLst/>
-          <a:gdLst/>
-          <a:ahLst/>
-          <a:cxnLst/>
-          <a:rect l="0" t="0" r="0" b="0"/>
-          <a:pathLst>
-            <a:path>
-              <a:moveTo>
-                <a:pt x="0" y="0"/>
-              </a:moveTo>
-              <a:lnTo>
-                <a:pt x="2526589" y="0"/>
-              </a:lnTo>
-            </a:path>
-          </a:pathLst>
-        </a:custGeom>
-        <a:noFill/>
-        <a:ln w="15875" cap="flat" cmpd="sng" algn="ctr">
-          <a:solidFill>
-            <a:scrgbClr r="0" g="0" b="0"/>
-          </a:solidFill>
-          <a:prstDash val="solid"/>
-          <a:headEnd type="none"/>
-          <a:tailEnd type="triangle"/>
-        </a:ln>
-        <a:effectLst/>
-      </dsp:spPr>
-      <dsp:style>
-        <a:lnRef idx="2">
-          <a:scrgbClr r="0" g="0" b="0"/>
-        </a:lnRef>
-        <a:fillRef idx="0">
-          <a:scrgbClr r="0" g="0" b="0"/>
-        </a:fillRef>
-        <a:effectRef idx="0">
-          <a:scrgbClr r="0" g="0" b="0"/>
-        </a:effectRef>
-        <a:fontRef idx="minor"/>
-      </dsp:style>
-    </dsp:sp>
-    <dsp:sp modelId="{F29DD78D-084E-44BB-95B2-65781CA7A531}">
-      <dsp:nvSpPr>
-        <dsp:cNvPr id="0" name=""/>
-        <dsp:cNvSpPr/>
-      </dsp:nvSpPr>
-      <dsp:spPr>
-        <a:xfrm>
-          <a:off x="0" y="-12944"/>
-          <a:ext cx="1800000" cy="1800000"/>
-        </a:xfrm>
-        <a:prstGeom prst="roundRect">
-          <a:avLst/>
-        </a:prstGeom>
-        <a:solidFill>
-          <a:schemeClr val="accent1">
-            <a:hueOff val="0"/>
-            <a:satOff val="0"/>
-            <a:lumOff val="0"/>
-            <a:alphaOff val="0"/>
-          </a:schemeClr>
-        </a:solidFill>
-        <a:ln w="15875" cap="flat" cmpd="sng" algn="ctr">
-          <a:solidFill>
-            <a:schemeClr val="lt1">
-              <a:hueOff val="0"/>
-              <a:satOff val="0"/>
-              <a:lumOff val="0"/>
-              <a:alphaOff val="0"/>
-            </a:schemeClr>
-          </a:solidFill>
-          <a:prstDash val="solid"/>
-        </a:ln>
-        <a:effectLst/>
-      </dsp:spPr>
-      <dsp:style>
-        <a:lnRef idx="2">
-          <a:scrgbClr r="0" g="0" b="0"/>
-        </a:lnRef>
-        <a:fillRef idx="1">
-          <a:scrgbClr r="0" g="0" b="0"/>
-        </a:fillRef>
-        <a:effectRef idx="0">
-          <a:scrgbClr r="0" g="0" b="0"/>
-        </a:effectRef>
-        <a:fontRef idx="minor">
-          <a:schemeClr val="lt1"/>
-        </a:fontRef>
-      </dsp:style>
-      <dsp:txBody>
-        <a:bodyPr spcFirstLastPara="0" vert="horz" wrap="square" lIns="50800" tIns="50800" rIns="50800" bIns="50800" numCol="1" spcCol="1270" anchor="t" anchorCtr="0">
-          <a:noAutofit/>
-        </a:bodyPr>
-        <a:lstStyle/>
-        <a:p>
-          <a:pPr lvl="0" algn="ctr" defTabSz="889000">
-            <a:lnSpc>
-              <a:spcPct val="90000"/>
-            </a:lnSpc>
-            <a:spcBef>
-              <a:spcPct val="0"/>
-            </a:spcBef>
-            <a:spcAft>
-              <a:spcPct val="35000"/>
-            </a:spcAft>
-          </a:pPr>
-          <a:r>
-            <a:rPr lang="en-US" sz="2000" b="1" kern="1200" dirty="0" smtClean="0"/>
-            <a:t>ConverterJSON </a:t>
-          </a:r>
-          <a:endParaRPr lang="ru-RU" sz="2000" b="1" kern="1200" dirty="0"/>
-        </a:p>
-      </dsp:txBody>
-      <dsp:txXfrm>
-        <a:off x="87869" y="74925"/>
-        <a:ext cx="1624262" cy="1624262"/>
-      </dsp:txXfrm>
-    </dsp:sp>
-    <dsp:sp modelId="{65390B38-AF76-4E62-872B-309581DF08C7}">
-      <dsp:nvSpPr>
-        <dsp:cNvPr id="0" name=""/>
-        <dsp:cNvSpPr/>
-      </dsp:nvSpPr>
-      <dsp:spPr>
-        <a:xfrm rot="146502">
-          <a:off x="6015778" y="3148233"/>
-          <a:ext cx="2423396" cy="0"/>
-        </a:xfrm>
-        <a:custGeom>
-          <a:avLst/>
-          <a:gdLst/>
-          <a:ahLst/>
-          <a:cxnLst/>
-          <a:rect l="0" t="0" r="0" b="0"/>
-          <a:pathLst>
-            <a:path>
-              <a:moveTo>
-                <a:pt x="0" y="0"/>
-              </a:moveTo>
-              <a:lnTo>
-                <a:pt x="2423396" y="0"/>
-              </a:lnTo>
-            </a:path>
-          </a:pathLst>
-        </a:custGeom>
-        <a:noFill/>
-        <a:ln w="15875" cap="flat" cmpd="sng" algn="ctr">
-          <a:solidFill>
-            <a:scrgbClr r="0" g="0" b="0"/>
-          </a:solidFill>
-          <a:prstDash val="solid"/>
-          <a:tailEnd type="triangle"/>
-        </a:ln>
-        <a:effectLst/>
-      </dsp:spPr>
-      <dsp:style>
-        <a:lnRef idx="2">
-          <a:scrgbClr r="0" g="0" b="0"/>
-        </a:lnRef>
-        <a:fillRef idx="0">
-          <a:scrgbClr r="0" g="0" b="0"/>
-        </a:fillRef>
-        <a:effectRef idx="0">
-          <a:scrgbClr r="0" g="0" b="0"/>
-        </a:effectRef>
-        <a:fontRef idx="minor"/>
-      </dsp:style>
-    </dsp:sp>
-    <dsp:sp modelId="{24EC1B40-97B8-4A97-A728-C57093596661}">
-      <dsp:nvSpPr>
-        <dsp:cNvPr id="0" name=""/>
-        <dsp:cNvSpPr/>
-      </dsp:nvSpPr>
-      <dsp:spPr>
-        <a:xfrm>
-          <a:off x="8438075" y="2424393"/>
-          <a:ext cx="1620003" cy="1620003"/>
-        </a:xfrm>
-        <a:prstGeom prst="roundRect">
-          <a:avLst/>
-        </a:prstGeom>
-        <a:solidFill>
-          <a:schemeClr val="accent1">
-            <a:hueOff val="0"/>
-            <a:satOff val="0"/>
-            <a:lumOff val="0"/>
-            <a:alphaOff val="0"/>
-          </a:schemeClr>
-        </a:solidFill>
-        <a:ln w="15875" cap="flat" cmpd="sng" algn="ctr">
-          <a:solidFill>
-            <a:schemeClr val="lt1">
-              <a:hueOff val="0"/>
-              <a:satOff val="0"/>
-              <a:lumOff val="0"/>
-              <a:alphaOff val="0"/>
-            </a:schemeClr>
-          </a:solidFill>
-          <a:prstDash val="solid"/>
-        </a:ln>
-        <a:effectLst/>
-      </dsp:spPr>
-      <dsp:style>
-        <a:lnRef idx="2">
-          <a:scrgbClr r="0" g="0" b="0"/>
-        </a:lnRef>
-        <a:fillRef idx="1">
-          <a:scrgbClr r="0" g="0" b="0"/>
-        </a:fillRef>
-        <a:effectRef idx="0">
-          <a:scrgbClr r="0" g="0" b="0"/>
-        </a:effectRef>
-        <a:fontRef idx="minor">
-          <a:schemeClr val="lt1"/>
-        </a:fontRef>
-      </dsp:style>
-      <dsp:txBody>
-        <a:bodyPr spcFirstLastPara="0" vert="horz" wrap="square" lIns="50800" tIns="50800" rIns="50800" bIns="50800" numCol="1" spcCol="1270" anchor="t" anchorCtr="0">
-          <a:noAutofit/>
-        </a:bodyPr>
-        <a:lstStyle/>
-        <a:p>
-          <a:pPr lvl="0" algn="ctr" defTabSz="889000">
-            <a:lnSpc>
-              <a:spcPct val="90000"/>
-            </a:lnSpc>
-            <a:spcBef>
-              <a:spcPct val="0"/>
-            </a:spcBef>
-            <a:spcAft>
-              <a:spcPct val="35000"/>
-            </a:spcAft>
-          </a:pPr>
-          <a:r>
-            <a:rPr lang="en-US" sz="2000" b="1" kern="1200" dirty="0" err="1" smtClean="0"/>
-            <a:t>DispatcherOperations</a:t>
-          </a:r>
-          <a:endParaRPr lang="ru-RU" sz="2000" b="1" kern="1200" dirty="0"/>
-        </a:p>
-      </dsp:txBody>
-      <dsp:txXfrm>
-        <a:off x="8517157" y="2503475"/>
-        <a:ext cx="1461839" cy="1461839"/>
-      </dsp:txXfrm>
-    </dsp:sp>
-    <dsp:sp modelId="{8F086A69-6FE7-48AB-8D4E-831F6AAADB3F}">
-      <dsp:nvSpPr>
-        <dsp:cNvPr id="0" name=""/>
-        <dsp:cNvSpPr/>
-      </dsp:nvSpPr>
-      <dsp:spPr>
-        <a:xfrm rot="13495766">
-          <a:off x="3723755" y="1937357"/>
-          <a:ext cx="366655" cy="0"/>
-        </a:xfrm>
-        <a:custGeom>
-          <a:avLst/>
-          <a:gdLst/>
-          <a:ahLst/>
-          <a:cxnLst/>
-          <a:rect l="0" t="0" r="0" b="0"/>
-          <a:pathLst>
-            <a:path>
-              <a:moveTo>
-                <a:pt x="0" y="0"/>
-              </a:moveTo>
-              <a:lnTo>
-                <a:pt x="366655" y="0"/>
-              </a:lnTo>
-            </a:path>
-          </a:pathLst>
-        </a:custGeom>
-        <a:noFill/>
-        <a:ln w="15875" cap="flat" cmpd="sng" algn="ctr">
-          <a:solidFill>
-            <a:scrgbClr r="0" g="0" b="0"/>
-          </a:solidFill>
-          <a:prstDash val="solid"/>
-          <a:tailEnd type="triangle"/>
-        </a:ln>
-        <a:effectLst/>
-      </dsp:spPr>
-      <dsp:style>
-        <a:lnRef idx="2">
-          <a:scrgbClr r="0" g="0" b="0"/>
-        </a:lnRef>
-        <a:fillRef idx="0">
-          <a:scrgbClr r="0" g="0" b="0"/>
-        </a:fillRef>
-        <a:effectRef idx="0">
-          <a:scrgbClr r="0" g="0" b="0"/>
-        </a:effectRef>
-        <a:fontRef idx="minor"/>
-      </dsp:style>
-    </dsp:sp>
-    <dsp:sp modelId="{D5C3917E-2284-4E85-847C-82C5C871E472}">
-      <dsp:nvSpPr>
-        <dsp:cNvPr id="0" name=""/>
-        <dsp:cNvSpPr/>
-      </dsp:nvSpPr>
-      <dsp:spPr>
-        <a:xfrm>
-          <a:off x="1977290" y="10098"/>
-          <a:ext cx="1800000" cy="1800000"/>
-        </a:xfrm>
-        <a:prstGeom prst="roundRect">
-          <a:avLst/>
-        </a:prstGeom>
-        <a:solidFill>
-          <a:schemeClr val="accent1">
-            <a:hueOff val="0"/>
-            <a:satOff val="0"/>
-            <a:lumOff val="0"/>
-            <a:alphaOff val="0"/>
-          </a:schemeClr>
-        </a:solidFill>
-        <a:ln w="15875" cap="flat" cmpd="sng" algn="ctr">
-          <a:solidFill>
-            <a:schemeClr val="lt1">
-              <a:hueOff val="0"/>
-              <a:satOff val="0"/>
-              <a:lumOff val="0"/>
-              <a:alphaOff val="0"/>
-            </a:schemeClr>
-          </a:solidFill>
-          <a:prstDash val="solid"/>
-        </a:ln>
-        <a:effectLst/>
-      </dsp:spPr>
-      <dsp:style>
-        <a:lnRef idx="2">
-          <a:scrgbClr r="0" g="0" b="0"/>
-        </a:lnRef>
-        <a:fillRef idx="1">
-          <a:scrgbClr r="0" g="0" b="0"/>
-        </a:fillRef>
-        <a:effectRef idx="0">
-          <a:scrgbClr r="0" g="0" b="0"/>
-        </a:effectRef>
-        <a:fontRef idx="minor">
-          <a:schemeClr val="lt1"/>
-        </a:fontRef>
-      </dsp:style>
-      <dsp:txBody>
-        <a:bodyPr spcFirstLastPara="0" vert="horz" wrap="square" lIns="50800" tIns="50800" rIns="50800" bIns="50800" numCol="1" spcCol="1270" anchor="t" anchorCtr="0">
-          <a:noAutofit/>
-        </a:bodyPr>
-        <a:lstStyle/>
-        <a:p>
-          <a:pPr lvl="0" algn="ctr" defTabSz="889000">
-            <a:lnSpc>
-              <a:spcPct val="90000"/>
-            </a:lnSpc>
-            <a:spcBef>
-              <a:spcPct val="0"/>
-            </a:spcBef>
-            <a:spcAft>
-              <a:spcPct val="35000"/>
-            </a:spcAft>
-          </a:pPr>
-          <a:r>
-            <a:rPr lang="en-US" sz="2000" b="1" kern="1200" dirty="0" smtClean="0"/>
-            <a:t>Documents </a:t>
-          </a:r>
-          <a:endParaRPr lang="ru-RU" sz="2000" b="1" kern="1200" dirty="0"/>
-        </a:p>
-      </dsp:txBody>
-      <dsp:txXfrm>
-        <a:off x="2065159" y="97967"/>
-        <a:ext cx="1624262" cy="1624262"/>
-      </dsp:txXfrm>
-    </dsp:sp>
-    <dsp:sp modelId="{1503B29C-C796-4217-A6E0-D8D0E4C12287}">
-      <dsp:nvSpPr>
-        <dsp:cNvPr id="0" name=""/>
-        <dsp:cNvSpPr/>
-      </dsp:nvSpPr>
-      <dsp:spPr>
-        <a:xfrm rot="18928235">
-          <a:off x="5960287" y="1942298"/>
-          <a:ext cx="394213" cy="0"/>
-        </a:xfrm>
-        <a:custGeom>
-          <a:avLst/>
-          <a:gdLst/>
-          <a:ahLst/>
-          <a:cxnLst/>
-          <a:rect l="0" t="0" r="0" b="0"/>
-          <a:pathLst>
-            <a:path>
-              <a:moveTo>
-                <a:pt x="0" y="0"/>
-              </a:moveTo>
-              <a:lnTo>
-                <a:pt x="394213" y="0"/>
-              </a:lnTo>
-            </a:path>
-          </a:pathLst>
-        </a:custGeom>
-        <a:noFill/>
-        <a:ln w="15875" cap="flat" cmpd="sng" algn="ctr">
-          <a:solidFill>
-            <a:scrgbClr r="0" g="0" b="0"/>
-          </a:solidFill>
-          <a:prstDash val="solid"/>
-          <a:tailEnd type="triangle"/>
-        </a:ln>
-        <a:effectLst/>
-      </dsp:spPr>
-      <dsp:style>
-        <a:lnRef idx="2">
-          <a:scrgbClr r="0" g="0" b="0"/>
-        </a:lnRef>
-        <a:fillRef idx="0">
-          <a:scrgbClr r="0" g="0" b="0"/>
-        </a:fillRef>
-        <a:effectRef idx="0">
-          <a:scrgbClr r="0" g="0" b="0"/>
-        </a:effectRef>
-        <a:fontRef idx="minor"/>
-      </dsp:style>
-    </dsp:sp>
-    <dsp:sp modelId="{76784C24-975E-4373-9AB0-0D36214A64F1}">
-      <dsp:nvSpPr>
-        <dsp:cNvPr id="0" name=""/>
-        <dsp:cNvSpPr/>
-      </dsp:nvSpPr>
-      <dsp:spPr>
-        <a:xfrm>
-          <a:off x="6297910" y="18734"/>
-          <a:ext cx="1800000" cy="1800000"/>
-        </a:xfrm>
-        <a:prstGeom prst="roundRect">
-          <a:avLst/>
-        </a:prstGeom>
-        <a:solidFill>
-          <a:schemeClr val="accent1">
-            <a:hueOff val="0"/>
-            <a:satOff val="0"/>
-            <a:lumOff val="0"/>
-            <a:alphaOff val="0"/>
-          </a:schemeClr>
-        </a:solidFill>
-        <a:ln w="15875" cap="flat" cmpd="sng" algn="ctr">
-          <a:solidFill>
-            <a:schemeClr val="lt1">
-              <a:hueOff val="0"/>
-              <a:satOff val="0"/>
-              <a:lumOff val="0"/>
-              <a:alphaOff val="0"/>
-            </a:schemeClr>
-          </a:solidFill>
-          <a:prstDash val="solid"/>
-        </a:ln>
-        <a:effectLst/>
-      </dsp:spPr>
-      <dsp:style>
-        <a:lnRef idx="2">
-          <a:scrgbClr r="0" g="0" b="0"/>
-        </a:lnRef>
-        <a:fillRef idx="1">
-          <a:scrgbClr r="0" g="0" b="0"/>
-        </a:fillRef>
-        <a:effectRef idx="0">
-          <a:scrgbClr r="0" g="0" b="0"/>
-        </a:effectRef>
-        <a:fontRef idx="minor">
-          <a:schemeClr val="lt1"/>
-        </a:fontRef>
-      </dsp:style>
-      <dsp:txBody>
-        <a:bodyPr spcFirstLastPara="0" vert="horz" wrap="square" lIns="50800" tIns="50800" rIns="50800" bIns="50800" numCol="1" spcCol="1270" anchor="t" anchorCtr="0">
-          <a:noAutofit/>
-        </a:bodyPr>
-        <a:lstStyle/>
-        <a:p>
-          <a:pPr lvl="0" algn="ctr" defTabSz="889000">
-            <a:lnSpc>
-              <a:spcPct val="90000"/>
-            </a:lnSpc>
-            <a:spcBef>
-              <a:spcPct val="0"/>
-            </a:spcBef>
-            <a:spcAft>
-              <a:spcPct val="35000"/>
-            </a:spcAft>
-          </a:pPr>
-          <a:r>
-            <a:rPr lang="ru-RU" sz="2000" b="1" kern="1200" dirty="0" smtClean="0"/>
-            <a:t>Requests </a:t>
-          </a:r>
-          <a:endParaRPr lang="ru-RU" sz="2000" b="1" kern="1200" dirty="0"/>
-        </a:p>
-      </dsp:txBody>
-      <dsp:txXfrm>
-        <a:off x="6385779" y="106603"/>
-        <a:ext cx="1624262" cy="1624262"/>
-      </dsp:txXfrm>
-    </dsp:sp>
-    <dsp:sp modelId="{B23D5C2B-B6D2-4298-9DAF-A69442F1C2D7}">
-      <dsp:nvSpPr>
-        <dsp:cNvPr id="0" name=""/>
-        <dsp:cNvSpPr/>
-      </dsp:nvSpPr>
-      <dsp:spPr>
-        <a:xfrm rot="16184308">
-          <a:off x="4889557" y="1932199"/>
-          <a:ext cx="264392" cy="0"/>
-        </a:xfrm>
-        <a:custGeom>
-          <a:avLst/>
-          <a:gdLst/>
-          <a:ahLst/>
-          <a:cxnLst/>
-          <a:rect l="0" t="0" r="0" b="0"/>
-          <a:pathLst>
-            <a:path>
-              <a:moveTo>
-                <a:pt x="0" y="0"/>
-              </a:moveTo>
-              <a:lnTo>
-                <a:pt x="264392" y="0"/>
-              </a:lnTo>
-            </a:path>
-          </a:pathLst>
-        </a:custGeom>
-        <a:noFill/>
-        <a:ln w="15875" cap="flat" cmpd="sng" algn="ctr">
-          <a:solidFill>
-            <a:scrgbClr r="0" g="0" b="0"/>
-          </a:solidFill>
-          <a:prstDash val="solid"/>
-          <a:tailEnd type="triangle"/>
-        </a:ln>
-        <a:effectLst/>
-      </dsp:spPr>
-      <dsp:style>
-        <a:lnRef idx="2">
-          <a:scrgbClr r="0" g="0" b="0"/>
-        </a:lnRef>
-        <a:fillRef idx="0">
-          <a:scrgbClr r="0" g="0" b="0"/>
-        </a:fillRef>
-        <a:effectRef idx="0">
-          <a:scrgbClr r="0" g="0" b="0"/>
-        </a:effectRef>
-        <a:fontRef idx="minor"/>
-      </dsp:style>
-    </dsp:sp>
-    <dsp:sp modelId="{635D6D0E-E44D-465D-9B55-5006A2372644}">
-      <dsp:nvSpPr>
-        <dsp:cNvPr id="0" name=""/>
-        <dsp:cNvSpPr/>
-      </dsp:nvSpPr>
-      <dsp:spPr>
-        <a:xfrm>
-          <a:off x="4117042" y="3"/>
-          <a:ext cx="1800000" cy="1800000"/>
-        </a:xfrm>
-        <a:prstGeom prst="roundRect">
-          <a:avLst/>
-        </a:prstGeom>
-        <a:solidFill>
-          <a:schemeClr val="accent1">
-            <a:hueOff val="0"/>
-            <a:satOff val="0"/>
-            <a:lumOff val="0"/>
-            <a:alphaOff val="0"/>
-          </a:schemeClr>
-        </a:solidFill>
-        <a:ln w="15875" cap="flat" cmpd="sng" algn="ctr">
-          <a:solidFill>
-            <a:schemeClr val="lt1">
-              <a:hueOff val="0"/>
-              <a:satOff val="0"/>
-              <a:lumOff val="0"/>
-              <a:alphaOff val="0"/>
-            </a:schemeClr>
-          </a:solidFill>
-          <a:prstDash val="solid"/>
-        </a:ln>
-        <a:effectLst/>
-      </dsp:spPr>
-      <dsp:style>
-        <a:lnRef idx="2">
-          <a:scrgbClr r="0" g="0" b="0"/>
-        </a:lnRef>
-        <a:fillRef idx="1">
-          <a:scrgbClr r="0" g="0" b="0"/>
-        </a:fillRef>
-        <a:effectRef idx="0">
-          <a:scrgbClr r="0" g="0" b="0"/>
-        </a:effectRef>
-        <a:fontRef idx="minor">
-          <a:schemeClr val="lt1"/>
-        </a:fontRef>
-      </dsp:style>
-      <dsp:txBody>
-        <a:bodyPr spcFirstLastPara="0" vert="horz" wrap="square" lIns="50800" tIns="50800" rIns="50800" bIns="50800" numCol="1" spcCol="1270" anchor="t" anchorCtr="0">
-          <a:noAutofit/>
-        </a:bodyPr>
-        <a:lstStyle/>
-        <a:p>
-          <a:pPr lvl="0" algn="ctr" defTabSz="889000">
-            <a:lnSpc>
-              <a:spcPct val="90000"/>
-            </a:lnSpc>
-            <a:spcBef>
-              <a:spcPct val="0"/>
-            </a:spcBef>
-            <a:spcAft>
-              <a:spcPct val="35000"/>
-            </a:spcAft>
-          </a:pPr>
-          <a:r>
-            <a:rPr lang="en-US" sz="2000" b="1" kern="1200" dirty="0" smtClean="0"/>
-            <a:t>InvertedIndex </a:t>
-          </a:r>
-          <a:endParaRPr lang="ru-RU" sz="2000" b="1" kern="1200" dirty="0"/>
-        </a:p>
-      </dsp:txBody>
-      <dsp:txXfrm>
-        <a:off x="4204911" y="87872"/>
-        <a:ext cx="1624262" cy="1624262"/>
-      </dsp:txXfrm>
-    </dsp:sp>
-    <dsp:sp modelId="{645660FC-29F0-4ECD-9736-2F09D9960928}">
-      <dsp:nvSpPr>
-        <dsp:cNvPr id="0" name=""/>
-        <dsp:cNvSpPr/>
-      </dsp:nvSpPr>
-      <dsp:spPr>
-        <a:xfrm rot="19953010">
-          <a:off x="5876466" y="1965227"/>
-          <a:ext cx="2494325" cy="0"/>
-        </a:xfrm>
-        <a:custGeom>
-          <a:avLst/>
-          <a:gdLst/>
-          <a:ahLst/>
-          <a:cxnLst/>
-          <a:rect l="0" t="0" r="0" b="0"/>
-          <a:pathLst>
-            <a:path>
-              <a:moveTo>
-                <a:pt x="0" y="0"/>
-              </a:moveTo>
-              <a:lnTo>
-                <a:pt x="2494325" y="0"/>
-              </a:lnTo>
-            </a:path>
-          </a:pathLst>
-        </a:custGeom>
-        <a:noFill/>
-        <a:ln w="15875" cap="flat" cmpd="sng" algn="ctr">
-          <a:solidFill>
-            <a:scrgbClr r="0" g="0" b="0"/>
-          </a:solidFill>
-          <a:prstDash val="solid"/>
-          <a:tailEnd type="triangle"/>
-        </a:ln>
-        <a:effectLst/>
-      </dsp:spPr>
-      <dsp:style>
-        <a:lnRef idx="2">
-          <a:scrgbClr r="0" g="0" b="0"/>
-        </a:lnRef>
-        <a:fillRef idx="0">
-          <a:scrgbClr r="0" g="0" b="0"/>
-        </a:fillRef>
-        <a:effectRef idx="0">
-          <a:scrgbClr r="0" g="0" b="0"/>
-        </a:effectRef>
-        <a:fontRef idx="minor"/>
-      </dsp:style>
-    </dsp:sp>
-    <dsp:sp modelId="{EF6A00EF-2BA3-4AAD-B69B-A8E8767F6738}">
-      <dsp:nvSpPr>
-        <dsp:cNvPr id="0" name=""/>
-        <dsp:cNvSpPr/>
-      </dsp:nvSpPr>
-      <dsp:spPr>
-        <a:xfrm>
-          <a:off x="8230380" y="22810"/>
-          <a:ext cx="1800000" cy="1800000"/>
-        </a:xfrm>
-        <a:prstGeom prst="roundRect">
-          <a:avLst/>
-        </a:prstGeom>
-        <a:solidFill>
-          <a:schemeClr val="accent1">
-            <a:hueOff val="0"/>
-            <a:satOff val="0"/>
-            <a:lumOff val="0"/>
-            <a:alphaOff val="0"/>
-          </a:schemeClr>
-        </a:solidFill>
-        <a:ln w="15875" cap="flat" cmpd="sng" algn="ctr">
-          <a:solidFill>
-            <a:schemeClr val="lt1">
-              <a:hueOff val="0"/>
-              <a:satOff val="0"/>
-              <a:lumOff val="0"/>
-              <a:alphaOff val="0"/>
-            </a:schemeClr>
-          </a:solidFill>
-          <a:prstDash val="solid"/>
-        </a:ln>
-        <a:effectLst/>
-      </dsp:spPr>
-      <dsp:style>
-        <a:lnRef idx="2">
-          <a:scrgbClr r="0" g="0" b="0"/>
-        </a:lnRef>
-        <a:fillRef idx="1">
-          <a:scrgbClr r="0" g="0" b="0"/>
-        </a:fillRef>
-        <a:effectRef idx="0">
-          <a:scrgbClr r="0" g="0" b="0"/>
-        </a:effectRef>
-        <a:fontRef idx="minor">
-          <a:schemeClr val="lt1"/>
-        </a:fontRef>
-      </dsp:style>
-      <dsp:txBody>
-        <a:bodyPr spcFirstLastPara="0" vert="horz" wrap="square" lIns="50800" tIns="50800" rIns="50800" bIns="50800" numCol="1" spcCol="1270" anchor="t" anchorCtr="0">
-          <a:noAutofit/>
-        </a:bodyPr>
-        <a:lstStyle/>
-        <a:p>
-          <a:pPr lvl="0" algn="ctr" defTabSz="889000">
-            <a:lnSpc>
-              <a:spcPct val="90000"/>
-            </a:lnSpc>
-            <a:spcBef>
-              <a:spcPct val="0"/>
-            </a:spcBef>
-            <a:spcAft>
-              <a:spcPct val="35000"/>
-            </a:spcAft>
-          </a:pPr>
-          <a:r>
-            <a:rPr lang="en-US" sz="2000" b="1" kern="1200" dirty="0" smtClean="0"/>
-            <a:t>RelevantResponse </a:t>
-          </a:r>
-          <a:endParaRPr lang="ru-RU" sz="2000" b="1" kern="1200" dirty="0"/>
-        </a:p>
-      </dsp:txBody>
-      <dsp:txXfrm>
-        <a:off x="8318249" y="110679"/>
-        <a:ext cx="1624262" cy="1624262"/>
-      </dsp:txXfrm>
-    </dsp:sp>
   </dsp:spTree>
 </dsp:drawing>
 </file>
@@ -17253,6 +16414,519 @@
       <dsp:cNvGrpSpPr/>
     </dsp:nvGrpSpPr>
     <dsp:grpSpPr/>
+    <dsp:sp modelId="{B0B6F61C-C060-4C4C-96BF-4EE40B41E6A0}">
+      <dsp:nvSpPr>
+        <dsp:cNvPr id="0" name=""/>
+        <dsp:cNvSpPr/>
+      </dsp:nvSpPr>
+      <dsp:spPr>
+        <a:xfrm>
+          <a:off x="653206" y="105213"/>
+          <a:ext cx="2593181" cy="2266766"/>
+        </a:xfrm>
+        <a:prstGeom prst="rightArrow">
+          <a:avLst>
+            <a:gd name="adj1" fmla="val 70000"/>
+            <a:gd name="adj2" fmla="val 50000"/>
+          </a:avLst>
+        </a:prstGeom>
+        <a:solidFill>
+          <a:schemeClr val="accent1">
+            <a:alpha val="90000"/>
+            <a:tint val="40000"/>
+            <a:hueOff val="0"/>
+            <a:satOff val="0"/>
+            <a:lumOff val="0"/>
+            <a:alphaOff val="0"/>
+          </a:schemeClr>
+        </a:solidFill>
+        <a:ln w="15875" cap="flat" cmpd="sng" algn="ctr">
+          <a:solidFill>
+            <a:schemeClr val="accent1">
+              <a:alpha val="90000"/>
+              <a:tint val="40000"/>
+              <a:hueOff val="0"/>
+              <a:satOff val="0"/>
+              <a:lumOff val="0"/>
+              <a:alphaOff val="0"/>
+            </a:schemeClr>
+          </a:solidFill>
+          <a:prstDash val="solid"/>
+        </a:ln>
+        <a:effectLst/>
+      </dsp:spPr>
+      <dsp:style>
+        <a:lnRef idx="2">
+          <a:scrgbClr r="0" g="0" b="0"/>
+        </a:lnRef>
+        <a:fillRef idx="1">
+          <a:scrgbClr r="0" g="0" b="0"/>
+        </a:fillRef>
+        <a:effectRef idx="0">
+          <a:scrgbClr r="0" g="0" b="0"/>
+        </a:effectRef>
+        <a:fontRef idx="minor"/>
+      </dsp:style>
+      <dsp:txBody>
+        <a:bodyPr spcFirstLastPara="0" vert="horz" wrap="square" lIns="40640" tIns="10160" rIns="20320" bIns="10160" numCol="1" spcCol="1270" anchor="ctr" anchorCtr="0">
+          <a:noAutofit/>
+        </a:bodyPr>
+        <a:lstStyle/>
+        <a:p>
+          <a:pPr lvl="0" algn="ctr" defTabSz="711200">
+            <a:lnSpc>
+              <a:spcPct val="90000"/>
+            </a:lnSpc>
+            <a:spcBef>
+              <a:spcPct val="0"/>
+            </a:spcBef>
+            <a:spcAft>
+              <a:spcPct val="35000"/>
+            </a:spcAft>
+          </a:pPr>
+          <a:r>
+            <a:rPr lang="ru-RU" sz="1600" kern="1200" dirty="0" smtClean="0"/>
+            <a:t>список путей файлов документов</a:t>
+          </a:r>
+          <a:endParaRPr lang="ru-RU" sz="1600" kern="1200" dirty="0"/>
+        </a:p>
+      </dsp:txBody>
+      <dsp:txXfrm>
+        <a:off x="1301501" y="445228"/>
+        <a:ext cx="1264175" cy="1586736"/>
+      </dsp:txXfrm>
+    </dsp:sp>
+    <dsp:sp modelId="{E644A287-01BC-4CF5-B466-30846E7BBA7F}">
+      <dsp:nvSpPr>
+        <dsp:cNvPr id="0" name=""/>
+        <dsp:cNvSpPr/>
+      </dsp:nvSpPr>
+      <dsp:spPr>
+        <a:xfrm>
+          <a:off x="0" y="1180602"/>
+          <a:ext cx="1296590" cy="1296590"/>
+        </a:xfrm>
+        <a:prstGeom prst="roundRect">
+          <a:avLst/>
+        </a:prstGeom>
+        <a:solidFill>
+          <a:schemeClr val="accent1">
+            <a:hueOff val="0"/>
+            <a:satOff val="0"/>
+            <a:lumOff val="0"/>
+            <a:alphaOff val="0"/>
+          </a:schemeClr>
+        </a:solidFill>
+        <a:ln w="15875" cap="flat" cmpd="sng" algn="ctr">
+          <a:solidFill>
+            <a:schemeClr val="lt1">
+              <a:hueOff val="0"/>
+              <a:satOff val="0"/>
+              <a:lumOff val="0"/>
+              <a:alphaOff val="0"/>
+            </a:schemeClr>
+          </a:solidFill>
+          <a:prstDash val="solid"/>
+        </a:ln>
+        <a:effectLst/>
+      </dsp:spPr>
+      <dsp:style>
+        <a:lnRef idx="2">
+          <a:scrgbClr r="0" g="0" b="0"/>
+        </a:lnRef>
+        <a:fillRef idx="1">
+          <a:scrgbClr r="0" g="0" b="0"/>
+        </a:fillRef>
+        <a:effectRef idx="0">
+          <a:scrgbClr r="0" g="0" b="0"/>
+        </a:effectRef>
+        <a:fontRef idx="minor">
+          <a:schemeClr val="lt1"/>
+        </a:fontRef>
+      </dsp:style>
+      <dsp:txBody>
+        <a:bodyPr spcFirstLastPara="0" vert="horz" wrap="square" lIns="12065" tIns="12065" rIns="12065" bIns="12065" numCol="1" spcCol="1270" anchor="ctr" anchorCtr="0">
+          <a:noAutofit/>
+        </a:bodyPr>
+        <a:lstStyle/>
+        <a:p>
+          <a:pPr lvl="0" algn="ctr" defTabSz="844550">
+            <a:lnSpc>
+              <a:spcPct val="90000"/>
+            </a:lnSpc>
+            <a:spcBef>
+              <a:spcPct val="0"/>
+            </a:spcBef>
+            <a:spcAft>
+              <a:spcPct val="35000"/>
+            </a:spcAft>
+          </a:pPr>
+          <a:r>
+            <a:rPr lang="en-US" sz="1900" kern="1200" dirty="0" smtClean="0"/>
+            <a:t>Converter</a:t>
+          </a:r>
+          <a:endParaRPr lang="ru-RU" sz="1900" kern="1200" dirty="0" smtClean="0"/>
+        </a:p>
+        <a:p>
+          <a:pPr lvl="0" algn="ctr" defTabSz="844550">
+            <a:lnSpc>
+              <a:spcPct val="90000"/>
+            </a:lnSpc>
+            <a:spcBef>
+              <a:spcPct val="0"/>
+            </a:spcBef>
+            <a:spcAft>
+              <a:spcPct val="35000"/>
+            </a:spcAft>
+          </a:pPr>
+          <a:r>
+            <a:rPr lang="en-US" sz="1900" kern="1200" dirty="0" smtClean="0"/>
+            <a:t>JSON</a:t>
+          </a:r>
+          <a:endParaRPr lang="ru-RU" sz="1900" kern="1200" dirty="0"/>
+        </a:p>
+      </dsp:txBody>
+      <dsp:txXfrm>
+        <a:off x="63294" y="1243896"/>
+        <a:ext cx="1170002" cy="1170002"/>
+      </dsp:txXfrm>
+    </dsp:sp>
+    <dsp:sp modelId="{1FA1B9C7-0E34-4A44-A18B-216DF888F0C5}">
+      <dsp:nvSpPr>
+        <dsp:cNvPr id="0" name=""/>
+        <dsp:cNvSpPr/>
+      </dsp:nvSpPr>
+      <dsp:spPr>
+        <a:xfrm>
+          <a:off x="4056757" y="105213"/>
+          <a:ext cx="2593181" cy="2266766"/>
+        </a:xfrm>
+        <a:prstGeom prst="rightArrow">
+          <a:avLst>
+            <a:gd name="adj1" fmla="val 70000"/>
+            <a:gd name="adj2" fmla="val 50000"/>
+          </a:avLst>
+        </a:prstGeom>
+        <a:solidFill>
+          <a:schemeClr val="accent1">
+            <a:alpha val="90000"/>
+            <a:tint val="40000"/>
+            <a:hueOff val="0"/>
+            <a:satOff val="0"/>
+            <a:lumOff val="0"/>
+            <a:alphaOff val="0"/>
+          </a:schemeClr>
+        </a:solidFill>
+        <a:ln w="15875" cap="flat" cmpd="sng" algn="ctr">
+          <a:solidFill>
+            <a:schemeClr val="accent1">
+              <a:alpha val="90000"/>
+              <a:tint val="40000"/>
+              <a:hueOff val="0"/>
+              <a:satOff val="0"/>
+              <a:lumOff val="0"/>
+              <a:alphaOff val="0"/>
+            </a:schemeClr>
+          </a:solidFill>
+          <a:prstDash val="solid"/>
+        </a:ln>
+        <a:effectLst/>
+      </dsp:spPr>
+      <dsp:style>
+        <a:lnRef idx="2">
+          <a:scrgbClr r="0" g="0" b="0"/>
+        </a:lnRef>
+        <a:fillRef idx="1">
+          <a:scrgbClr r="0" g="0" b="0"/>
+        </a:fillRef>
+        <a:effectRef idx="0">
+          <a:scrgbClr r="0" g="0" b="0"/>
+        </a:effectRef>
+        <a:fontRef idx="minor"/>
+      </dsp:style>
+      <dsp:txBody>
+        <a:bodyPr spcFirstLastPara="0" vert="horz" wrap="square" lIns="40640" tIns="10160" rIns="20320" bIns="10160" numCol="1" spcCol="1270" anchor="ctr" anchorCtr="0">
+          <a:noAutofit/>
+        </a:bodyPr>
+        <a:lstStyle/>
+        <a:p>
+          <a:pPr lvl="0" algn="ctr" defTabSz="711200">
+            <a:lnSpc>
+              <a:spcPct val="90000"/>
+            </a:lnSpc>
+            <a:spcBef>
+              <a:spcPct val="0"/>
+            </a:spcBef>
+            <a:spcAft>
+              <a:spcPct val="35000"/>
+            </a:spcAft>
+          </a:pPr>
+          <a:r>
+            <a:rPr lang="ru-RU" sz="1600" kern="1200" dirty="0" smtClean="0"/>
+            <a:t>прочитанные документы</a:t>
+          </a:r>
+          <a:endParaRPr lang="ru-RU" sz="1600" kern="1200" dirty="0"/>
+        </a:p>
+      </dsp:txBody>
+      <dsp:txXfrm>
+        <a:off x="4705052" y="445228"/>
+        <a:ext cx="1264175" cy="1586736"/>
+      </dsp:txXfrm>
+    </dsp:sp>
+    <dsp:sp modelId="{0A88A3E8-7701-48D6-969C-59DBA88CA534}">
+      <dsp:nvSpPr>
+        <dsp:cNvPr id="0" name=""/>
+        <dsp:cNvSpPr/>
+      </dsp:nvSpPr>
+      <dsp:spPr>
+        <a:xfrm>
+          <a:off x="3408461" y="590301"/>
+          <a:ext cx="1296590" cy="1296590"/>
+        </a:xfrm>
+        <a:prstGeom prst="roundRect">
+          <a:avLst/>
+        </a:prstGeom>
+        <a:solidFill>
+          <a:schemeClr val="accent1">
+            <a:hueOff val="0"/>
+            <a:satOff val="0"/>
+            <a:lumOff val="0"/>
+            <a:alphaOff val="0"/>
+          </a:schemeClr>
+        </a:solidFill>
+        <a:ln w="15875" cap="flat" cmpd="sng" algn="ctr">
+          <a:solidFill>
+            <a:schemeClr val="lt1">
+              <a:hueOff val="0"/>
+              <a:satOff val="0"/>
+              <a:lumOff val="0"/>
+              <a:alphaOff val="0"/>
+            </a:schemeClr>
+          </a:solidFill>
+          <a:prstDash val="solid"/>
+        </a:ln>
+        <a:effectLst/>
+      </dsp:spPr>
+      <dsp:style>
+        <a:lnRef idx="2">
+          <a:scrgbClr r="0" g="0" b="0"/>
+        </a:lnRef>
+        <a:fillRef idx="1">
+          <a:scrgbClr r="0" g="0" b="0"/>
+        </a:fillRef>
+        <a:effectRef idx="0">
+          <a:scrgbClr r="0" g="0" b="0"/>
+        </a:effectRef>
+        <a:fontRef idx="minor">
+          <a:schemeClr val="lt1"/>
+        </a:fontRef>
+      </dsp:style>
+      <dsp:txBody>
+        <a:bodyPr spcFirstLastPara="0" vert="horz" wrap="square" lIns="12065" tIns="12065" rIns="12065" bIns="12065" numCol="1" spcCol="1270" anchor="ctr" anchorCtr="0">
+          <a:noAutofit/>
+        </a:bodyPr>
+        <a:lstStyle/>
+        <a:p>
+          <a:pPr lvl="0" algn="ctr" defTabSz="844550">
+            <a:lnSpc>
+              <a:spcPct val="90000"/>
+            </a:lnSpc>
+            <a:spcBef>
+              <a:spcPct val="0"/>
+            </a:spcBef>
+            <a:spcAft>
+              <a:spcPct val="35000"/>
+            </a:spcAft>
+          </a:pPr>
+          <a:r>
+            <a:rPr lang="en-US" sz="1900" kern="1200" dirty="0" smtClean="0"/>
+            <a:t>Dispatcher</a:t>
+          </a:r>
+          <a:endParaRPr lang="ru-RU" sz="1900" kern="1200" dirty="0" smtClean="0"/>
+        </a:p>
+        <a:p>
+          <a:pPr lvl="0" algn="ctr" defTabSz="844550">
+            <a:lnSpc>
+              <a:spcPct val="90000"/>
+            </a:lnSpc>
+            <a:spcBef>
+              <a:spcPct val="0"/>
+            </a:spcBef>
+            <a:spcAft>
+              <a:spcPct val="35000"/>
+            </a:spcAft>
+          </a:pPr>
+          <a:r>
+            <a:rPr lang="en-US" sz="1900" kern="1200" dirty="0" smtClean="0"/>
+            <a:t>Operations</a:t>
+          </a:r>
+          <a:endParaRPr lang="ru-RU" sz="1900" kern="1200" dirty="0"/>
+        </a:p>
+      </dsp:txBody>
+      <dsp:txXfrm>
+        <a:off x="3471755" y="653595"/>
+        <a:ext cx="1170002" cy="1170002"/>
+      </dsp:txXfrm>
+    </dsp:sp>
+    <dsp:sp modelId="{DD91B7DA-3D09-40A2-870E-D63ED550DC00}">
+      <dsp:nvSpPr>
+        <dsp:cNvPr id="0" name=""/>
+        <dsp:cNvSpPr/>
+      </dsp:nvSpPr>
+      <dsp:spPr>
+        <a:xfrm>
+          <a:off x="7460307" y="105213"/>
+          <a:ext cx="2593181" cy="2266766"/>
+        </a:xfrm>
+        <a:prstGeom prst="rightArrow">
+          <a:avLst>
+            <a:gd name="adj1" fmla="val 70000"/>
+            <a:gd name="adj2" fmla="val 50000"/>
+          </a:avLst>
+        </a:prstGeom>
+        <a:solidFill>
+          <a:schemeClr val="accent1">
+            <a:alpha val="90000"/>
+            <a:tint val="40000"/>
+            <a:hueOff val="0"/>
+            <a:satOff val="0"/>
+            <a:lumOff val="0"/>
+            <a:alphaOff val="0"/>
+          </a:schemeClr>
+        </a:solidFill>
+        <a:ln w="15875" cap="flat" cmpd="sng" algn="ctr">
+          <a:solidFill>
+            <a:schemeClr val="accent1">
+              <a:alpha val="90000"/>
+              <a:tint val="40000"/>
+              <a:hueOff val="0"/>
+              <a:satOff val="0"/>
+              <a:lumOff val="0"/>
+              <a:alphaOff val="0"/>
+            </a:schemeClr>
+          </a:solidFill>
+          <a:prstDash val="solid"/>
+        </a:ln>
+        <a:effectLst/>
+      </dsp:spPr>
+      <dsp:style>
+        <a:lnRef idx="2">
+          <a:scrgbClr r="0" g="0" b="0"/>
+        </a:lnRef>
+        <a:fillRef idx="1">
+          <a:scrgbClr r="0" g="0" b="0"/>
+        </a:fillRef>
+        <a:effectRef idx="0">
+          <a:scrgbClr r="0" g="0" b="0"/>
+        </a:effectRef>
+        <a:fontRef idx="minor"/>
+      </dsp:style>
+      <dsp:txBody>
+        <a:bodyPr spcFirstLastPara="0" vert="horz" wrap="square" lIns="40640" tIns="10160" rIns="20320" bIns="10160" numCol="1" spcCol="1270" anchor="ctr" anchorCtr="0">
+          <a:noAutofit/>
+        </a:bodyPr>
+        <a:lstStyle/>
+        <a:p>
+          <a:pPr lvl="0" algn="ctr" defTabSz="711200">
+            <a:lnSpc>
+              <a:spcPct val="90000"/>
+            </a:lnSpc>
+            <a:spcBef>
+              <a:spcPct val="0"/>
+            </a:spcBef>
+            <a:spcAft>
+              <a:spcPct val="35000"/>
+            </a:spcAft>
+          </a:pPr>
+          <a:r>
+            <a:rPr lang="ru-RU" sz="1600" kern="1200" dirty="0" smtClean="0"/>
+            <a:t>ссылка на базу документов</a:t>
+          </a:r>
+          <a:endParaRPr lang="ru-RU" sz="1600" kern="1200" dirty="0"/>
+        </a:p>
+      </dsp:txBody>
+      <dsp:txXfrm>
+        <a:off x="8108602" y="445228"/>
+        <a:ext cx="1264175" cy="1586736"/>
+      </dsp:txXfrm>
+    </dsp:sp>
+    <dsp:sp modelId="{18B87B03-25AC-4DAC-8711-93139D44A946}">
+      <dsp:nvSpPr>
+        <dsp:cNvPr id="0" name=""/>
+        <dsp:cNvSpPr/>
+      </dsp:nvSpPr>
+      <dsp:spPr>
+        <a:xfrm>
+          <a:off x="6812012" y="590301"/>
+          <a:ext cx="1296590" cy="1296590"/>
+        </a:xfrm>
+        <a:prstGeom prst="roundRect">
+          <a:avLst/>
+        </a:prstGeom>
+        <a:solidFill>
+          <a:schemeClr val="accent1">
+            <a:hueOff val="0"/>
+            <a:satOff val="0"/>
+            <a:lumOff val="0"/>
+            <a:alphaOff val="0"/>
+          </a:schemeClr>
+        </a:solidFill>
+        <a:ln w="15875" cap="flat" cmpd="sng" algn="ctr">
+          <a:solidFill>
+            <a:schemeClr val="lt1">
+              <a:hueOff val="0"/>
+              <a:satOff val="0"/>
+              <a:lumOff val="0"/>
+              <a:alphaOff val="0"/>
+            </a:schemeClr>
+          </a:solidFill>
+          <a:prstDash val="solid"/>
+        </a:ln>
+        <a:effectLst/>
+      </dsp:spPr>
+      <dsp:style>
+        <a:lnRef idx="2">
+          <a:scrgbClr r="0" g="0" b="0"/>
+        </a:lnRef>
+        <a:fillRef idx="1">
+          <a:scrgbClr r="0" g="0" b="0"/>
+        </a:fillRef>
+        <a:effectRef idx="0">
+          <a:scrgbClr r="0" g="0" b="0"/>
+        </a:effectRef>
+        <a:fontRef idx="minor">
+          <a:schemeClr val="lt1"/>
+        </a:fontRef>
+      </dsp:style>
+      <dsp:txBody>
+        <a:bodyPr spcFirstLastPara="0" vert="horz" wrap="square" lIns="12065" tIns="12065" rIns="12065" bIns="12065" numCol="1" spcCol="1270" anchor="ctr" anchorCtr="0">
+          <a:noAutofit/>
+        </a:bodyPr>
+        <a:lstStyle/>
+        <a:p>
+          <a:pPr lvl="0" algn="ctr" defTabSz="844550">
+            <a:lnSpc>
+              <a:spcPct val="90000"/>
+            </a:lnSpc>
+            <a:spcBef>
+              <a:spcPct val="0"/>
+            </a:spcBef>
+            <a:spcAft>
+              <a:spcPct val="35000"/>
+            </a:spcAft>
+          </a:pPr>
+          <a:r>
+            <a:rPr lang="en-US" sz="1900" kern="1200" dirty="0" smtClean="0"/>
+            <a:t>Documents</a:t>
+          </a:r>
+          <a:endParaRPr lang="ru-RU" sz="1900" kern="1200" dirty="0"/>
+        </a:p>
+      </dsp:txBody>
+      <dsp:txXfrm>
+        <a:off x="6875306" y="653595"/>
+        <a:ext cx="1170002" cy="1170002"/>
+      </dsp:txXfrm>
+    </dsp:sp>
   </dsp:spTree>
 </dsp:drawing>
 </file>
@@ -17265,6 +16939,342 @@
       <dsp:cNvGrpSpPr/>
     </dsp:nvGrpSpPr>
     <dsp:grpSpPr/>
+    <dsp:sp modelId="{B0B6F61C-C060-4C4C-96BF-4EE40B41E6A0}">
+      <dsp:nvSpPr>
+        <dsp:cNvPr id="0" name=""/>
+        <dsp:cNvSpPr/>
+      </dsp:nvSpPr>
+      <dsp:spPr>
+        <a:xfrm>
+          <a:off x="2804648" y="0"/>
+          <a:ext cx="2101890" cy="1837317"/>
+        </a:xfrm>
+        <a:prstGeom prst="rightArrow">
+          <a:avLst>
+            <a:gd name="adj1" fmla="val 70000"/>
+            <a:gd name="adj2" fmla="val 50000"/>
+          </a:avLst>
+        </a:prstGeom>
+        <a:solidFill>
+          <a:schemeClr val="accent1">
+            <a:alpha val="90000"/>
+            <a:tint val="40000"/>
+            <a:hueOff val="0"/>
+            <a:satOff val="0"/>
+            <a:lumOff val="0"/>
+            <a:alphaOff val="0"/>
+          </a:schemeClr>
+        </a:solidFill>
+        <a:ln w="15875" cap="flat" cmpd="sng" algn="ctr">
+          <a:solidFill>
+            <a:schemeClr val="accent1">
+              <a:alpha val="90000"/>
+              <a:tint val="40000"/>
+              <a:hueOff val="0"/>
+              <a:satOff val="0"/>
+              <a:lumOff val="0"/>
+              <a:alphaOff val="0"/>
+            </a:schemeClr>
+          </a:solidFill>
+          <a:prstDash val="solid"/>
+        </a:ln>
+        <a:effectLst/>
+      </dsp:spPr>
+      <dsp:style>
+        <a:lnRef idx="2">
+          <a:scrgbClr r="0" g="0" b="0"/>
+        </a:lnRef>
+        <a:fillRef idx="1">
+          <a:scrgbClr r="0" g="0" b="0"/>
+        </a:fillRef>
+        <a:effectRef idx="0">
+          <a:scrgbClr r="0" g="0" b="0"/>
+        </a:effectRef>
+        <a:fontRef idx="minor"/>
+      </dsp:style>
+      <dsp:txBody>
+        <a:bodyPr spcFirstLastPara="0" vert="horz" wrap="square" lIns="48260" tIns="12065" rIns="24130" bIns="12065" numCol="1" spcCol="1270" anchor="ctr" anchorCtr="0">
+          <a:noAutofit/>
+        </a:bodyPr>
+        <a:lstStyle/>
+        <a:p>
+          <a:pPr lvl="0" algn="ctr" defTabSz="844550">
+            <a:lnSpc>
+              <a:spcPct val="90000"/>
+            </a:lnSpc>
+            <a:spcBef>
+              <a:spcPct val="0"/>
+            </a:spcBef>
+            <a:spcAft>
+              <a:spcPct val="35000"/>
+            </a:spcAft>
+          </a:pPr>
+          <a:r>
+            <a:rPr lang="ru-RU" sz="1900" kern="1200" dirty="0" smtClean="0"/>
+            <a:t>запросы</a:t>
+          </a:r>
+          <a:endParaRPr lang="ru-RU" sz="1900" kern="1200" dirty="0"/>
+        </a:p>
+      </dsp:txBody>
+      <dsp:txXfrm>
+        <a:off x="3330121" y="275598"/>
+        <a:ext cx="1024671" cy="1286121"/>
+      </dsp:txXfrm>
+    </dsp:sp>
+    <dsp:sp modelId="{E644A287-01BC-4CF5-B466-30846E7BBA7F}">
+      <dsp:nvSpPr>
+        <dsp:cNvPr id="0" name=""/>
+        <dsp:cNvSpPr/>
+      </dsp:nvSpPr>
+      <dsp:spPr>
+        <a:xfrm>
+          <a:off x="2279176" y="393185"/>
+          <a:ext cx="1050945" cy="1050945"/>
+        </a:xfrm>
+        <a:prstGeom prst="roundRect">
+          <a:avLst/>
+        </a:prstGeom>
+        <a:solidFill>
+          <a:schemeClr val="accent1">
+            <a:hueOff val="0"/>
+            <a:satOff val="0"/>
+            <a:lumOff val="0"/>
+            <a:alphaOff val="0"/>
+          </a:schemeClr>
+        </a:solidFill>
+        <a:ln w="15875" cap="flat" cmpd="sng" algn="ctr">
+          <a:solidFill>
+            <a:schemeClr val="lt1">
+              <a:hueOff val="0"/>
+              <a:satOff val="0"/>
+              <a:lumOff val="0"/>
+              <a:alphaOff val="0"/>
+            </a:schemeClr>
+          </a:solidFill>
+          <a:prstDash val="solid"/>
+        </a:ln>
+        <a:effectLst/>
+      </dsp:spPr>
+      <dsp:style>
+        <a:lnRef idx="2">
+          <a:scrgbClr r="0" g="0" b="0"/>
+        </a:lnRef>
+        <a:fillRef idx="1">
+          <a:scrgbClr r="0" g="0" b="0"/>
+        </a:fillRef>
+        <a:effectRef idx="0">
+          <a:scrgbClr r="0" g="0" b="0"/>
+        </a:effectRef>
+        <a:fontRef idx="minor">
+          <a:schemeClr val="lt1"/>
+        </a:fontRef>
+      </dsp:style>
+      <dsp:txBody>
+        <a:bodyPr spcFirstLastPara="0" vert="horz" wrap="square" lIns="11430" tIns="11430" rIns="11430" bIns="11430" numCol="1" spcCol="1270" anchor="ctr" anchorCtr="0">
+          <a:noAutofit/>
+        </a:bodyPr>
+        <a:lstStyle/>
+        <a:p>
+          <a:pPr lvl="0" algn="ctr" defTabSz="800100">
+            <a:lnSpc>
+              <a:spcPct val="90000"/>
+            </a:lnSpc>
+            <a:spcBef>
+              <a:spcPct val="0"/>
+            </a:spcBef>
+            <a:spcAft>
+              <a:spcPct val="35000"/>
+            </a:spcAft>
+          </a:pPr>
+          <a:r>
+            <a:rPr lang="en-US" sz="1800" kern="1200" dirty="0" smtClean="0"/>
+            <a:t>Converter</a:t>
+          </a:r>
+          <a:endParaRPr lang="ru-RU" sz="1800" kern="1200" dirty="0" smtClean="0"/>
+        </a:p>
+        <a:p>
+          <a:pPr lvl="0" algn="ctr" defTabSz="800100">
+            <a:lnSpc>
+              <a:spcPct val="90000"/>
+            </a:lnSpc>
+            <a:spcBef>
+              <a:spcPct val="0"/>
+            </a:spcBef>
+            <a:spcAft>
+              <a:spcPct val="35000"/>
+            </a:spcAft>
+          </a:pPr>
+          <a:r>
+            <a:rPr lang="en-US" sz="1800" kern="1200" dirty="0" smtClean="0"/>
+            <a:t>JSON</a:t>
+          </a:r>
+          <a:endParaRPr lang="ru-RU" sz="1800" kern="1200" dirty="0"/>
+        </a:p>
+      </dsp:txBody>
+      <dsp:txXfrm>
+        <a:off x="2330479" y="444488"/>
+        <a:ext cx="948339" cy="948339"/>
+      </dsp:txXfrm>
+    </dsp:sp>
+    <dsp:sp modelId="{1FA1B9C7-0E34-4A44-A18B-216DF888F0C5}">
+      <dsp:nvSpPr>
+        <dsp:cNvPr id="0" name=""/>
+        <dsp:cNvSpPr/>
+      </dsp:nvSpPr>
+      <dsp:spPr>
+        <a:xfrm>
+          <a:off x="5677333" y="0"/>
+          <a:ext cx="2101890" cy="1837317"/>
+        </a:xfrm>
+        <a:prstGeom prst="rightArrow">
+          <a:avLst>
+            <a:gd name="adj1" fmla="val 70000"/>
+            <a:gd name="adj2" fmla="val 50000"/>
+          </a:avLst>
+        </a:prstGeom>
+        <a:solidFill>
+          <a:schemeClr val="accent1">
+            <a:alpha val="90000"/>
+            <a:tint val="40000"/>
+            <a:hueOff val="0"/>
+            <a:satOff val="0"/>
+            <a:lumOff val="0"/>
+            <a:alphaOff val="0"/>
+          </a:schemeClr>
+        </a:solidFill>
+        <a:ln w="15875" cap="flat" cmpd="sng" algn="ctr">
+          <a:solidFill>
+            <a:schemeClr val="accent1">
+              <a:alpha val="90000"/>
+              <a:tint val="40000"/>
+              <a:hueOff val="0"/>
+              <a:satOff val="0"/>
+              <a:lumOff val="0"/>
+              <a:alphaOff val="0"/>
+            </a:schemeClr>
+          </a:solidFill>
+          <a:prstDash val="solid"/>
+        </a:ln>
+        <a:effectLst/>
+      </dsp:spPr>
+      <dsp:style>
+        <a:lnRef idx="2">
+          <a:scrgbClr r="0" g="0" b="0"/>
+        </a:lnRef>
+        <a:fillRef idx="1">
+          <a:scrgbClr r="0" g="0" b="0"/>
+        </a:fillRef>
+        <a:effectRef idx="0">
+          <a:scrgbClr r="0" g="0" b="0"/>
+        </a:effectRef>
+        <a:fontRef idx="minor"/>
+      </dsp:style>
+      <dsp:txBody>
+        <a:bodyPr spcFirstLastPara="0" vert="horz" wrap="square" lIns="48260" tIns="12065" rIns="24130" bIns="12065" numCol="1" spcCol="1270" anchor="ctr" anchorCtr="0">
+          <a:noAutofit/>
+        </a:bodyPr>
+        <a:lstStyle/>
+        <a:p>
+          <a:pPr lvl="0" algn="ctr" defTabSz="844550">
+            <a:lnSpc>
+              <a:spcPct val="90000"/>
+            </a:lnSpc>
+            <a:spcBef>
+              <a:spcPct val="0"/>
+            </a:spcBef>
+            <a:spcAft>
+              <a:spcPct val="35000"/>
+            </a:spcAft>
+          </a:pPr>
+          <a:r>
+            <a:rPr lang="ru-RU" sz="1900" kern="1200" dirty="0" smtClean="0"/>
+            <a:t>ссылка на базу запросов</a:t>
+          </a:r>
+          <a:endParaRPr lang="ru-RU" sz="1900" kern="1200" dirty="0"/>
+        </a:p>
+      </dsp:txBody>
+      <dsp:txXfrm>
+        <a:off x="6202805" y="275598"/>
+        <a:ext cx="1024671" cy="1286121"/>
+      </dsp:txXfrm>
+    </dsp:sp>
+    <dsp:sp modelId="{0A88A3E8-7701-48D6-969C-59DBA88CA534}">
+      <dsp:nvSpPr>
+        <dsp:cNvPr id="0" name=""/>
+        <dsp:cNvSpPr/>
+      </dsp:nvSpPr>
+      <dsp:spPr>
+        <a:xfrm>
+          <a:off x="5151860" y="393185"/>
+          <a:ext cx="1050945" cy="1050945"/>
+        </a:xfrm>
+        <a:prstGeom prst="roundRect">
+          <a:avLst/>
+        </a:prstGeom>
+        <a:solidFill>
+          <a:schemeClr val="accent1">
+            <a:hueOff val="0"/>
+            <a:satOff val="0"/>
+            <a:lumOff val="0"/>
+            <a:alphaOff val="0"/>
+          </a:schemeClr>
+        </a:solidFill>
+        <a:ln w="15875" cap="flat" cmpd="sng" algn="ctr">
+          <a:solidFill>
+            <a:schemeClr val="lt1">
+              <a:hueOff val="0"/>
+              <a:satOff val="0"/>
+              <a:lumOff val="0"/>
+              <a:alphaOff val="0"/>
+            </a:schemeClr>
+          </a:solidFill>
+          <a:prstDash val="solid"/>
+        </a:ln>
+        <a:effectLst/>
+      </dsp:spPr>
+      <dsp:style>
+        <a:lnRef idx="2">
+          <a:scrgbClr r="0" g="0" b="0"/>
+        </a:lnRef>
+        <a:fillRef idx="1">
+          <a:scrgbClr r="0" g="0" b="0"/>
+        </a:fillRef>
+        <a:effectRef idx="0">
+          <a:scrgbClr r="0" g="0" b="0"/>
+        </a:effectRef>
+        <a:fontRef idx="minor">
+          <a:schemeClr val="lt1"/>
+        </a:fontRef>
+      </dsp:style>
+      <dsp:txBody>
+        <a:bodyPr spcFirstLastPara="0" vert="horz" wrap="square" lIns="11430" tIns="11430" rIns="11430" bIns="11430" numCol="1" spcCol="1270" anchor="ctr" anchorCtr="0">
+          <a:noAutofit/>
+        </a:bodyPr>
+        <a:lstStyle/>
+        <a:p>
+          <a:pPr lvl="0" algn="ctr" defTabSz="800100">
+            <a:lnSpc>
+              <a:spcPct val="90000"/>
+            </a:lnSpc>
+            <a:spcBef>
+              <a:spcPct val="0"/>
+            </a:spcBef>
+            <a:spcAft>
+              <a:spcPct val="35000"/>
+            </a:spcAft>
+          </a:pPr>
+          <a:r>
+            <a:rPr lang="en-US" sz="1800" kern="1200" dirty="0" smtClean="0"/>
+            <a:t>Requests</a:t>
+          </a:r>
+          <a:endParaRPr lang="ru-RU" sz="1800" kern="1200" dirty="0"/>
+        </a:p>
+      </dsp:txBody>
+      <dsp:txXfrm>
+        <a:off x="5203163" y="444488"/>
+        <a:ext cx="948339" cy="948339"/>
+      </dsp:txXfrm>
+    </dsp:sp>
   </dsp:spTree>
 </dsp:drawing>
 </file>
@@ -17277,6 +17287,360 @@
       <dsp:cNvGrpSpPr/>
     </dsp:nvGrpSpPr>
     <dsp:grpSpPr/>
+    <dsp:sp modelId="{B0B6F61C-C060-4C4C-96BF-4EE40B41E6A0}">
+      <dsp:nvSpPr>
+        <dsp:cNvPr id="0" name=""/>
+        <dsp:cNvSpPr/>
+      </dsp:nvSpPr>
+      <dsp:spPr>
+        <a:xfrm>
+          <a:off x="2766612" y="0"/>
+          <a:ext cx="2139927" cy="1870566"/>
+        </a:xfrm>
+        <a:prstGeom prst="rightArrow">
+          <a:avLst>
+            <a:gd name="adj1" fmla="val 70000"/>
+            <a:gd name="adj2" fmla="val 50000"/>
+          </a:avLst>
+        </a:prstGeom>
+        <a:solidFill>
+          <a:schemeClr val="accent1">
+            <a:alpha val="90000"/>
+            <a:tint val="40000"/>
+            <a:hueOff val="0"/>
+            <a:satOff val="0"/>
+            <a:lumOff val="0"/>
+            <a:alphaOff val="0"/>
+          </a:schemeClr>
+        </a:solidFill>
+        <a:ln w="15875" cap="flat" cmpd="sng" algn="ctr">
+          <a:solidFill>
+            <a:schemeClr val="accent1">
+              <a:alpha val="90000"/>
+              <a:tint val="40000"/>
+              <a:hueOff val="0"/>
+              <a:satOff val="0"/>
+              <a:lumOff val="0"/>
+              <a:alphaOff val="0"/>
+            </a:schemeClr>
+          </a:solidFill>
+          <a:prstDash val="solid"/>
+        </a:ln>
+        <a:effectLst/>
+      </dsp:spPr>
+      <dsp:style>
+        <a:lnRef idx="2">
+          <a:scrgbClr r="0" g="0" b="0"/>
+        </a:lnRef>
+        <a:fillRef idx="1">
+          <a:scrgbClr r="0" g="0" b="0"/>
+        </a:fillRef>
+        <a:effectRef idx="0">
+          <a:scrgbClr r="0" g="0" b="0"/>
+        </a:effectRef>
+        <a:fontRef idx="minor"/>
+      </dsp:style>
+      <dsp:txBody>
+        <a:bodyPr spcFirstLastPara="0" vert="horz" wrap="square" lIns="30480" tIns="7620" rIns="15240" bIns="7620" numCol="1" spcCol="1270" anchor="ctr" anchorCtr="0">
+          <a:noAutofit/>
+        </a:bodyPr>
+        <a:lstStyle/>
+        <a:p>
+          <a:pPr lvl="0" algn="ctr" defTabSz="533400">
+            <a:lnSpc>
+              <a:spcPct val="90000"/>
+            </a:lnSpc>
+            <a:spcBef>
+              <a:spcPct val="0"/>
+            </a:spcBef>
+            <a:spcAft>
+              <a:spcPct val="35000"/>
+            </a:spcAft>
+          </a:pPr>
+          <a:r>
+            <a:rPr lang="ru-RU" sz="1200" kern="1200" dirty="0" smtClean="0"/>
+            <a:t>рассчитать релевантность ответов</a:t>
+          </a:r>
+          <a:endParaRPr lang="ru-RU" sz="1200" kern="1200" dirty="0"/>
+        </a:p>
+      </dsp:txBody>
+      <dsp:txXfrm>
+        <a:off x="3301593" y="280585"/>
+        <a:ext cx="1043214" cy="1309396"/>
+      </dsp:txXfrm>
+    </dsp:sp>
+    <dsp:sp modelId="{E644A287-01BC-4CF5-B466-30846E7BBA7F}">
+      <dsp:nvSpPr>
+        <dsp:cNvPr id="0" name=""/>
+        <dsp:cNvSpPr/>
+      </dsp:nvSpPr>
+      <dsp:spPr>
+        <a:xfrm>
+          <a:off x="2231630" y="400301"/>
+          <a:ext cx="1069963" cy="1069963"/>
+        </a:xfrm>
+        <a:prstGeom prst="ellipse">
+          <a:avLst/>
+        </a:prstGeom>
+        <a:solidFill>
+          <a:schemeClr val="accent1">
+            <a:hueOff val="0"/>
+            <a:satOff val="0"/>
+            <a:lumOff val="0"/>
+            <a:alphaOff val="0"/>
+          </a:schemeClr>
+        </a:solidFill>
+        <a:ln w="15875" cap="flat" cmpd="sng" algn="ctr">
+          <a:solidFill>
+            <a:schemeClr val="lt1">
+              <a:hueOff val="0"/>
+              <a:satOff val="0"/>
+              <a:lumOff val="0"/>
+              <a:alphaOff val="0"/>
+            </a:schemeClr>
+          </a:solidFill>
+          <a:prstDash val="solid"/>
+        </a:ln>
+        <a:effectLst/>
+      </dsp:spPr>
+      <dsp:style>
+        <a:lnRef idx="2">
+          <a:scrgbClr r="0" g="0" b="0"/>
+        </a:lnRef>
+        <a:fillRef idx="1">
+          <a:scrgbClr r="0" g="0" b="0"/>
+        </a:fillRef>
+        <a:effectRef idx="0">
+          <a:scrgbClr r="0" g="0" b="0"/>
+        </a:effectRef>
+        <a:fontRef idx="minor">
+          <a:schemeClr val="lt1"/>
+        </a:fontRef>
+      </dsp:style>
+      <dsp:txBody>
+        <a:bodyPr spcFirstLastPara="0" vert="horz" wrap="square" lIns="8890" tIns="8890" rIns="8890" bIns="8890" numCol="1" spcCol="1270" anchor="ctr" anchorCtr="0">
+          <a:noAutofit/>
+        </a:bodyPr>
+        <a:lstStyle/>
+        <a:p>
+          <a:pPr lvl="0" algn="ctr" defTabSz="622300">
+            <a:lnSpc>
+              <a:spcPct val="90000"/>
+            </a:lnSpc>
+            <a:spcBef>
+              <a:spcPct val="0"/>
+            </a:spcBef>
+            <a:spcAft>
+              <a:spcPct val="35000"/>
+            </a:spcAft>
+          </a:pPr>
+          <a:r>
+            <a:rPr lang="en-US" sz="1400" kern="1200" dirty="0" smtClean="0"/>
+            <a:t>Search</a:t>
+          </a:r>
+          <a:endParaRPr lang="ru-RU" sz="1400" kern="1200" dirty="0" smtClean="0"/>
+        </a:p>
+        <a:p>
+          <a:pPr lvl="0" algn="ctr" defTabSz="622300">
+            <a:lnSpc>
+              <a:spcPct val="90000"/>
+            </a:lnSpc>
+            <a:spcBef>
+              <a:spcPct val="0"/>
+            </a:spcBef>
+            <a:spcAft>
+              <a:spcPct val="35000"/>
+            </a:spcAft>
+          </a:pPr>
+          <a:r>
+            <a:rPr lang="en-US" sz="1400" kern="1200" dirty="0" smtClean="0"/>
+            <a:t>Engine</a:t>
+          </a:r>
+          <a:endParaRPr lang="ru-RU" sz="1400" kern="1200" dirty="0"/>
+        </a:p>
+      </dsp:txBody>
+      <dsp:txXfrm>
+        <a:off x="2388322" y="556993"/>
+        <a:ext cx="756579" cy="756579"/>
+      </dsp:txXfrm>
+    </dsp:sp>
+    <dsp:sp modelId="{1FA1B9C7-0E34-4A44-A18B-216DF888F0C5}">
+      <dsp:nvSpPr>
+        <dsp:cNvPr id="0" name=""/>
+        <dsp:cNvSpPr/>
+      </dsp:nvSpPr>
+      <dsp:spPr>
+        <a:xfrm>
+          <a:off x="5686842" y="0"/>
+          <a:ext cx="2139927" cy="1870566"/>
+        </a:xfrm>
+        <a:prstGeom prst="rightArrow">
+          <a:avLst>
+            <a:gd name="adj1" fmla="val 70000"/>
+            <a:gd name="adj2" fmla="val 50000"/>
+          </a:avLst>
+        </a:prstGeom>
+        <a:solidFill>
+          <a:schemeClr val="accent1">
+            <a:alpha val="90000"/>
+            <a:tint val="40000"/>
+            <a:hueOff val="0"/>
+            <a:satOff val="0"/>
+            <a:lumOff val="0"/>
+            <a:alphaOff val="0"/>
+          </a:schemeClr>
+        </a:solidFill>
+        <a:ln w="15875" cap="flat" cmpd="sng" algn="ctr">
+          <a:solidFill>
+            <a:schemeClr val="accent1">
+              <a:alpha val="90000"/>
+              <a:tint val="40000"/>
+              <a:hueOff val="0"/>
+              <a:satOff val="0"/>
+              <a:lumOff val="0"/>
+              <a:alphaOff val="0"/>
+            </a:schemeClr>
+          </a:solidFill>
+          <a:prstDash val="solid"/>
+        </a:ln>
+        <a:effectLst/>
+      </dsp:spPr>
+      <dsp:style>
+        <a:lnRef idx="2">
+          <a:scrgbClr r="0" g="0" b="0"/>
+        </a:lnRef>
+        <a:fillRef idx="1">
+          <a:scrgbClr r="0" g="0" b="0"/>
+        </a:fillRef>
+        <a:effectRef idx="0">
+          <a:scrgbClr r="0" g="0" b="0"/>
+        </a:effectRef>
+        <a:fontRef idx="minor"/>
+      </dsp:style>
+      <dsp:txBody>
+        <a:bodyPr spcFirstLastPara="0" vert="horz" wrap="square" lIns="30480" tIns="7620" rIns="15240" bIns="7620" numCol="1" spcCol="1270" anchor="ctr" anchorCtr="0">
+          <a:noAutofit/>
+        </a:bodyPr>
+        <a:lstStyle/>
+        <a:p>
+          <a:pPr lvl="0" algn="ctr" defTabSz="533400">
+            <a:lnSpc>
+              <a:spcPct val="90000"/>
+            </a:lnSpc>
+            <a:spcBef>
+              <a:spcPct val="0"/>
+            </a:spcBef>
+            <a:spcAft>
+              <a:spcPct val="35000"/>
+            </a:spcAft>
+          </a:pPr>
+          <a:r>
+            <a:rPr lang="ru-RU" sz="1200" kern="1200" dirty="0" smtClean="0"/>
+            <a:t>ссылка на базу релевантности ответов</a:t>
+          </a:r>
+          <a:endParaRPr lang="ru-RU" sz="1200" kern="1200" dirty="0"/>
+        </a:p>
+      </dsp:txBody>
+      <dsp:txXfrm>
+        <a:off x="6221824" y="280585"/>
+        <a:ext cx="1043214" cy="1309396"/>
+      </dsp:txXfrm>
+    </dsp:sp>
+    <dsp:sp modelId="{0A88A3E8-7701-48D6-969C-59DBA88CA534}">
+      <dsp:nvSpPr>
+        <dsp:cNvPr id="0" name=""/>
+        <dsp:cNvSpPr/>
+      </dsp:nvSpPr>
+      <dsp:spPr>
+        <a:xfrm>
+          <a:off x="5151860" y="400301"/>
+          <a:ext cx="1069963" cy="1069963"/>
+        </a:xfrm>
+        <a:prstGeom prst="ellipse">
+          <a:avLst/>
+        </a:prstGeom>
+        <a:solidFill>
+          <a:schemeClr val="accent1">
+            <a:hueOff val="0"/>
+            <a:satOff val="0"/>
+            <a:lumOff val="0"/>
+            <a:alphaOff val="0"/>
+          </a:schemeClr>
+        </a:solidFill>
+        <a:ln w="15875" cap="flat" cmpd="sng" algn="ctr">
+          <a:solidFill>
+            <a:schemeClr val="lt1">
+              <a:hueOff val="0"/>
+              <a:satOff val="0"/>
+              <a:lumOff val="0"/>
+              <a:alphaOff val="0"/>
+            </a:schemeClr>
+          </a:solidFill>
+          <a:prstDash val="solid"/>
+        </a:ln>
+        <a:effectLst/>
+      </dsp:spPr>
+      <dsp:style>
+        <a:lnRef idx="2">
+          <a:scrgbClr r="0" g="0" b="0"/>
+        </a:lnRef>
+        <a:fillRef idx="1">
+          <a:scrgbClr r="0" g="0" b="0"/>
+        </a:fillRef>
+        <a:effectRef idx="0">
+          <a:scrgbClr r="0" g="0" b="0"/>
+        </a:effectRef>
+        <a:fontRef idx="minor">
+          <a:schemeClr val="lt1"/>
+        </a:fontRef>
+      </dsp:style>
+      <dsp:txBody>
+        <a:bodyPr spcFirstLastPara="0" vert="horz" wrap="square" lIns="8890" tIns="8890" rIns="8890" bIns="8890" numCol="1" spcCol="1270" anchor="ctr" anchorCtr="0">
+          <a:noAutofit/>
+        </a:bodyPr>
+        <a:lstStyle/>
+        <a:p>
+          <a:pPr lvl="0" algn="ctr" defTabSz="622300">
+            <a:lnSpc>
+              <a:spcPct val="90000"/>
+            </a:lnSpc>
+            <a:spcBef>
+              <a:spcPct val="0"/>
+            </a:spcBef>
+            <a:spcAft>
+              <a:spcPct val="35000"/>
+            </a:spcAft>
+          </a:pPr>
+          <a:r>
+            <a:rPr lang="en-US" sz="1400" kern="1200" dirty="0" smtClean="0"/>
+            <a:t>Relevant</a:t>
+          </a:r>
+          <a:endParaRPr lang="ru-RU" sz="1400" kern="1200" dirty="0" smtClean="0"/>
+        </a:p>
+        <a:p>
+          <a:pPr lvl="0" algn="ctr" defTabSz="622300">
+            <a:lnSpc>
+              <a:spcPct val="90000"/>
+            </a:lnSpc>
+            <a:spcBef>
+              <a:spcPct val="0"/>
+            </a:spcBef>
+            <a:spcAft>
+              <a:spcPct val="35000"/>
+            </a:spcAft>
+          </a:pPr>
+          <a:r>
+            <a:rPr lang="en-US" sz="1400" kern="1200" dirty="0" smtClean="0"/>
+            <a:t>Response</a:t>
+          </a:r>
+          <a:endParaRPr lang="ru-RU" sz="1400" kern="1200" dirty="0"/>
+        </a:p>
+      </dsp:txBody>
+      <dsp:txXfrm>
+        <a:off x="5308552" y="556993"/>
+        <a:ext cx="756579" cy="756579"/>
+      </dsp:txXfrm>
+    </dsp:sp>
   </dsp:spTree>
 </dsp:drawing>
 </file>
@@ -17289,6 +17653,359 @@
       <dsp:cNvGrpSpPr/>
     </dsp:nvGrpSpPr>
     <dsp:grpSpPr/>
+    <dsp:sp modelId="{B0B6F61C-C060-4C4C-96BF-4EE40B41E6A0}">
+      <dsp:nvSpPr>
+        <dsp:cNvPr id="0" name=""/>
+        <dsp:cNvSpPr/>
+      </dsp:nvSpPr>
+      <dsp:spPr>
+        <a:xfrm>
+          <a:off x="2739272" y="0"/>
+          <a:ext cx="2167266" cy="1894464"/>
+        </a:xfrm>
+        <a:prstGeom prst="rightArrow">
+          <a:avLst>
+            <a:gd name="adj1" fmla="val 70000"/>
+            <a:gd name="adj2" fmla="val 50000"/>
+          </a:avLst>
+        </a:prstGeom>
+        <a:solidFill>
+          <a:schemeClr val="accent1">
+            <a:alpha val="90000"/>
+            <a:tint val="40000"/>
+            <a:hueOff val="0"/>
+            <a:satOff val="0"/>
+            <a:lumOff val="0"/>
+            <a:alphaOff val="0"/>
+          </a:schemeClr>
+        </a:solidFill>
+        <a:ln w="15875" cap="flat" cmpd="sng" algn="ctr">
+          <a:solidFill>
+            <a:schemeClr val="accent1">
+              <a:alpha val="90000"/>
+              <a:tint val="40000"/>
+              <a:hueOff val="0"/>
+              <a:satOff val="0"/>
+              <a:lumOff val="0"/>
+              <a:alphaOff val="0"/>
+            </a:schemeClr>
+          </a:solidFill>
+          <a:prstDash val="solid"/>
+        </a:ln>
+        <a:effectLst/>
+      </dsp:spPr>
+      <dsp:style>
+        <a:lnRef idx="2">
+          <a:scrgbClr r="0" g="0" b="0"/>
+        </a:lnRef>
+        <a:fillRef idx="1">
+          <a:scrgbClr r="0" g="0" b="0"/>
+        </a:fillRef>
+        <a:effectRef idx="0">
+          <a:scrgbClr r="0" g="0" b="0"/>
+        </a:effectRef>
+        <a:fontRef idx="minor"/>
+      </dsp:style>
+      <dsp:txBody>
+        <a:bodyPr spcFirstLastPara="0" vert="horz" wrap="square" lIns="25400" tIns="6350" rIns="12700" bIns="6350" numCol="1" spcCol="1270" anchor="ctr" anchorCtr="0">
+          <a:noAutofit/>
+        </a:bodyPr>
+        <a:lstStyle/>
+        <a:p>
+          <a:pPr lvl="0" algn="ctr" defTabSz="444500">
+            <a:lnSpc>
+              <a:spcPct val="90000"/>
+            </a:lnSpc>
+            <a:spcBef>
+              <a:spcPct val="0"/>
+            </a:spcBef>
+            <a:spcAft>
+              <a:spcPct val="35000"/>
+            </a:spcAft>
+          </a:pPr>
+          <a:r>
+            <a:rPr lang="ru-RU" sz="1000" kern="1200" dirty="0" smtClean="0"/>
+            <a:t>обновить базу инвертированных индексов</a:t>
+          </a:r>
+          <a:endParaRPr lang="ru-RU" sz="1000" kern="1200" dirty="0"/>
+        </a:p>
+      </dsp:txBody>
+      <dsp:txXfrm>
+        <a:off x="3281089" y="284170"/>
+        <a:ext cx="1056543" cy="1326124"/>
+      </dsp:txXfrm>
+    </dsp:sp>
+    <dsp:sp modelId="{E644A287-01BC-4CF5-B466-30846E7BBA7F}">
+      <dsp:nvSpPr>
+        <dsp:cNvPr id="0" name=""/>
+        <dsp:cNvSpPr/>
+      </dsp:nvSpPr>
+      <dsp:spPr>
+        <a:xfrm>
+          <a:off x="2197456" y="405415"/>
+          <a:ext cx="1083633" cy="1083633"/>
+        </a:xfrm>
+        <a:prstGeom prst="ellipse">
+          <a:avLst/>
+        </a:prstGeom>
+        <a:solidFill>
+          <a:schemeClr val="accent1">
+            <a:hueOff val="0"/>
+            <a:satOff val="0"/>
+            <a:lumOff val="0"/>
+            <a:alphaOff val="0"/>
+          </a:schemeClr>
+        </a:solidFill>
+        <a:ln w="15875" cap="flat" cmpd="sng" algn="ctr">
+          <a:solidFill>
+            <a:schemeClr val="lt1">
+              <a:hueOff val="0"/>
+              <a:satOff val="0"/>
+              <a:lumOff val="0"/>
+              <a:alphaOff val="0"/>
+            </a:schemeClr>
+          </a:solidFill>
+          <a:prstDash val="solid"/>
+        </a:ln>
+        <a:effectLst/>
+      </dsp:spPr>
+      <dsp:style>
+        <a:lnRef idx="2">
+          <a:scrgbClr r="0" g="0" b="0"/>
+        </a:lnRef>
+        <a:fillRef idx="1">
+          <a:scrgbClr r="0" g="0" b="0"/>
+        </a:fillRef>
+        <a:effectRef idx="0">
+          <a:scrgbClr r="0" g="0" b="0"/>
+        </a:effectRef>
+        <a:fontRef idx="minor">
+          <a:schemeClr val="lt1"/>
+        </a:fontRef>
+      </dsp:style>
+      <dsp:txBody>
+        <a:bodyPr spcFirstLastPara="0" vert="horz" wrap="square" lIns="10795" tIns="10795" rIns="10795" bIns="10795" numCol="1" spcCol="1270" anchor="ctr" anchorCtr="0">
+          <a:noAutofit/>
+        </a:bodyPr>
+        <a:lstStyle/>
+        <a:p>
+          <a:pPr lvl="0" algn="ctr" defTabSz="755650">
+            <a:lnSpc>
+              <a:spcPct val="90000"/>
+            </a:lnSpc>
+            <a:spcBef>
+              <a:spcPct val="0"/>
+            </a:spcBef>
+            <a:spcAft>
+              <a:spcPct val="35000"/>
+            </a:spcAft>
+          </a:pPr>
+          <a:r>
+            <a:rPr lang="en-US" sz="1700" kern="1200" dirty="0" smtClean="0"/>
+            <a:t>Search</a:t>
+          </a:r>
+          <a:endParaRPr lang="ru-RU" sz="1700" kern="1200" dirty="0" smtClean="0"/>
+        </a:p>
+        <a:p>
+          <a:pPr lvl="0" algn="ctr" defTabSz="755650">
+            <a:lnSpc>
+              <a:spcPct val="90000"/>
+            </a:lnSpc>
+            <a:spcBef>
+              <a:spcPct val="0"/>
+            </a:spcBef>
+            <a:spcAft>
+              <a:spcPct val="35000"/>
+            </a:spcAft>
+          </a:pPr>
+          <a:r>
+            <a:rPr lang="en-US" sz="1700" kern="1200" dirty="0" smtClean="0"/>
+            <a:t>Engine</a:t>
+          </a:r>
+          <a:endParaRPr lang="ru-RU" sz="1700" kern="1200" dirty="0"/>
+        </a:p>
+      </dsp:txBody>
+      <dsp:txXfrm>
+        <a:off x="2356150" y="564109"/>
+        <a:ext cx="766245" cy="766245"/>
+      </dsp:txXfrm>
+    </dsp:sp>
+    <dsp:sp modelId="{1FA1B9C7-0E34-4A44-A18B-216DF888F0C5}">
+      <dsp:nvSpPr>
+        <dsp:cNvPr id="0" name=""/>
+        <dsp:cNvSpPr/>
+      </dsp:nvSpPr>
+      <dsp:spPr>
+        <a:xfrm>
+          <a:off x="5693677" y="0"/>
+          <a:ext cx="2167266" cy="1894464"/>
+        </a:xfrm>
+        <a:prstGeom prst="rightArrow">
+          <a:avLst>
+            <a:gd name="adj1" fmla="val 70000"/>
+            <a:gd name="adj2" fmla="val 50000"/>
+          </a:avLst>
+        </a:prstGeom>
+        <a:solidFill>
+          <a:schemeClr val="accent1">
+            <a:alpha val="90000"/>
+            <a:tint val="40000"/>
+            <a:hueOff val="0"/>
+            <a:satOff val="0"/>
+            <a:lumOff val="0"/>
+            <a:alphaOff val="0"/>
+          </a:schemeClr>
+        </a:solidFill>
+        <a:ln w="15875" cap="flat" cmpd="sng" algn="ctr">
+          <a:solidFill>
+            <a:schemeClr val="accent1">
+              <a:alpha val="90000"/>
+              <a:tint val="40000"/>
+              <a:hueOff val="0"/>
+              <a:satOff val="0"/>
+              <a:lumOff val="0"/>
+              <a:alphaOff val="0"/>
+            </a:schemeClr>
+          </a:solidFill>
+          <a:prstDash val="solid"/>
+        </a:ln>
+        <a:effectLst/>
+      </dsp:spPr>
+      <dsp:style>
+        <a:lnRef idx="2">
+          <a:scrgbClr r="0" g="0" b="0"/>
+        </a:lnRef>
+        <a:fillRef idx="1">
+          <a:scrgbClr r="0" g="0" b="0"/>
+        </a:fillRef>
+        <a:effectRef idx="0">
+          <a:scrgbClr r="0" g="0" b="0"/>
+        </a:effectRef>
+        <a:fontRef idx="minor"/>
+      </dsp:style>
+      <dsp:txBody>
+        <a:bodyPr spcFirstLastPara="0" vert="horz" wrap="square" lIns="25400" tIns="6350" rIns="12700" bIns="6350" numCol="1" spcCol="1270" anchor="ctr" anchorCtr="0">
+          <a:noAutofit/>
+        </a:bodyPr>
+        <a:lstStyle/>
+        <a:p>
+          <a:pPr lvl="0" algn="ctr" defTabSz="444500">
+            <a:lnSpc>
+              <a:spcPct val="90000"/>
+            </a:lnSpc>
+            <a:spcBef>
+              <a:spcPct val="0"/>
+            </a:spcBef>
+            <a:spcAft>
+              <a:spcPct val="35000"/>
+            </a:spcAft>
+          </a:pPr>
+          <a:r>
+            <a:rPr lang="ru-RU" sz="1000" kern="1200" dirty="0" smtClean="0"/>
+            <a:t>ссылка на базу инвертированных индексов</a:t>
+          </a:r>
+          <a:endParaRPr lang="ru-RU" sz="1000" kern="1200" dirty="0"/>
+        </a:p>
+      </dsp:txBody>
+      <dsp:txXfrm>
+        <a:off x="6235493" y="284170"/>
+        <a:ext cx="1056543" cy="1326124"/>
+      </dsp:txXfrm>
+    </dsp:sp>
+    <dsp:sp modelId="{0A88A3E8-7701-48D6-969C-59DBA88CA534}">
+      <dsp:nvSpPr>
+        <dsp:cNvPr id="0" name=""/>
+        <dsp:cNvSpPr/>
+      </dsp:nvSpPr>
+      <dsp:spPr>
+        <a:xfrm>
+          <a:off x="5151860" y="405415"/>
+          <a:ext cx="1083633" cy="1083633"/>
+        </a:xfrm>
+        <a:prstGeom prst="ellipse">
+          <a:avLst/>
+        </a:prstGeom>
+        <a:solidFill>
+          <a:schemeClr val="accent1">
+            <a:hueOff val="0"/>
+            <a:satOff val="0"/>
+            <a:lumOff val="0"/>
+            <a:alphaOff val="0"/>
+          </a:schemeClr>
+        </a:solidFill>
+        <a:ln w="15875" cap="flat" cmpd="sng" algn="ctr">
+          <a:solidFill>
+            <a:schemeClr val="lt1">
+              <a:hueOff val="0"/>
+              <a:satOff val="0"/>
+              <a:lumOff val="0"/>
+              <a:alphaOff val="0"/>
+            </a:schemeClr>
+          </a:solidFill>
+          <a:prstDash val="solid"/>
+        </a:ln>
+        <a:effectLst/>
+      </dsp:spPr>
+      <dsp:style>
+        <a:lnRef idx="2">
+          <a:scrgbClr r="0" g="0" b="0"/>
+        </a:lnRef>
+        <a:fillRef idx="1">
+          <a:scrgbClr r="0" g="0" b="0"/>
+        </a:fillRef>
+        <a:effectRef idx="0">
+          <a:scrgbClr r="0" g="0" b="0"/>
+        </a:effectRef>
+        <a:fontRef idx="minor">
+          <a:schemeClr val="lt1"/>
+        </a:fontRef>
+      </dsp:style>
+      <dsp:txBody>
+        <a:bodyPr spcFirstLastPara="0" vert="horz" wrap="square" lIns="10795" tIns="10795" rIns="10795" bIns="10795" numCol="1" spcCol="1270" anchor="ctr" anchorCtr="0">
+          <a:noAutofit/>
+        </a:bodyPr>
+        <a:lstStyle/>
+        <a:p>
+          <a:pPr lvl="0" algn="ctr" defTabSz="755650">
+            <a:lnSpc>
+              <a:spcPct val="90000"/>
+            </a:lnSpc>
+            <a:spcBef>
+              <a:spcPct val="0"/>
+            </a:spcBef>
+            <a:spcAft>
+              <a:spcPct val="35000"/>
+            </a:spcAft>
+          </a:pPr>
+          <a:r>
+            <a:rPr lang="en-US" sz="1700" kern="1200" dirty="0" smtClean="0"/>
+            <a:t>Inverted</a:t>
+          </a:r>
+        </a:p>
+        <a:p>
+          <a:pPr lvl="0" algn="ctr" defTabSz="755650">
+            <a:lnSpc>
+              <a:spcPct val="90000"/>
+            </a:lnSpc>
+            <a:spcBef>
+              <a:spcPct val="0"/>
+            </a:spcBef>
+            <a:spcAft>
+              <a:spcPct val="35000"/>
+            </a:spcAft>
+          </a:pPr>
+          <a:r>
+            <a:rPr lang="en-US" sz="1700" kern="1200" dirty="0" smtClean="0"/>
+            <a:t>Index</a:t>
+          </a:r>
+          <a:endParaRPr lang="ru-RU" sz="1700" kern="1200" dirty="0"/>
+        </a:p>
+      </dsp:txBody>
+      <dsp:txXfrm>
+        <a:off x="5310554" y="564109"/>
+        <a:ext cx="766245" cy="766245"/>
+      </dsp:txXfrm>
+    </dsp:sp>
   </dsp:spTree>
 </dsp:drawing>
 </file>
@@ -17301,6 +18018,513 @@
       <dsp:cNvGrpSpPr/>
     </dsp:nvGrpSpPr>
     <dsp:grpSpPr/>
+    <dsp:sp modelId="{B0B6F61C-C060-4C4C-96BF-4EE40B41E6A0}">
+      <dsp:nvSpPr>
+        <dsp:cNvPr id="0" name=""/>
+        <dsp:cNvSpPr/>
+      </dsp:nvSpPr>
+      <dsp:spPr>
+        <a:xfrm>
+          <a:off x="1930764" y="0"/>
+          <a:ext cx="1807086" cy="1579621"/>
+        </a:xfrm>
+        <a:prstGeom prst="rightArrow">
+          <a:avLst>
+            <a:gd name="adj1" fmla="val 70000"/>
+            <a:gd name="adj2" fmla="val 50000"/>
+          </a:avLst>
+        </a:prstGeom>
+        <a:solidFill>
+          <a:schemeClr val="accent1">
+            <a:alpha val="90000"/>
+            <a:tint val="40000"/>
+            <a:hueOff val="0"/>
+            <a:satOff val="0"/>
+            <a:lumOff val="0"/>
+            <a:alphaOff val="0"/>
+          </a:schemeClr>
+        </a:solidFill>
+        <a:ln w="15875" cap="flat" cmpd="sng" algn="ctr">
+          <a:solidFill>
+            <a:schemeClr val="accent1">
+              <a:alpha val="90000"/>
+              <a:tint val="40000"/>
+              <a:hueOff val="0"/>
+              <a:satOff val="0"/>
+              <a:lumOff val="0"/>
+              <a:alphaOff val="0"/>
+            </a:schemeClr>
+          </a:solidFill>
+          <a:prstDash val="solid"/>
+        </a:ln>
+        <a:effectLst/>
+      </dsp:spPr>
+      <dsp:style>
+        <a:lnRef idx="2">
+          <a:scrgbClr r="0" g="0" b="0"/>
+        </a:lnRef>
+        <a:fillRef idx="1">
+          <a:scrgbClr r="0" g="0" b="0"/>
+        </a:fillRef>
+        <a:effectRef idx="0">
+          <a:scrgbClr r="0" g="0" b="0"/>
+        </a:effectRef>
+        <a:fontRef idx="minor"/>
+      </dsp:style>
+      <dsp:txBody>
+        <a:bodyPr spcFirstLastPara="0" vert="horz" wrap="square" lIns="40640" tIns="10160" rIns="20320" bIns="10160" numCol="1" spcCol="1270" anchor="ctr" anchorCtr="0">
+          <a:noAutofit/>
+        </a:bodyPr>
+        <a:lstStyle/>
+        <a:p>
+          <a:pPr lvl="0" algn="ctr" defTabSz="711200">
+            <a:lnSpc>
+              <a:spcPct val="90000"/>
+            </a:lnSpc>
+            <a:spcBef>
+              <a:spcPct val="0"/>
+            </a:spcBef>
+            <a:spcAft>
+              <a:spcPct val="35000"/>
+            </a:spcAft>
+          </a:pPr>
+          <a:r>
+            <a:rPr lang="ru-RU" sz="1600" kern="1200" dirty="0" smtClean="0"/>
+            <a:t>получить </a:t>
+          </a:r>
+          <a:r>
+            <a:rPr lang="en-US" sz="1600" kern="1200" dirty="0" smtClean="0"/>
+            <a:t>JSON-</a:t>
+          </a:r>
+          <a:r>
+            <a:rPr lang="ru-RU" sz="1600" kern="1200" dirty="0" smtClean="0"/>
+            <a:t>объект ответов</a:t>
+          </a:r>
+          <a:endParaRPr lang="ru-RU" sz="1600" kern="1200" dirty="0"/>
+        </a:p>
+      </dsp:txBody>
+      <dsp:txXfrm>
+        <a:off x="2382535" y="236943"/>
+        <a:ext cx="880954" cy="1105735"/>
+      </dsp:txXfrm>
+    </dsp:sp>
+    <dsp:sp modelId="{E644A287-01BC-4CF5-B466-30846E7BBA7F}">
+      <dsp:nvSpPr>
+        <dsp:cNvPr id="0" name=""/>
+        <dsp:cNvSpPr/>
+      </dsp:nvSpPr>
+      <dsp:spPr>
+        <a:xfrm>
+          <a:off x="1478992" y="338038"/>
+          <a:ext cx="903543" cy="903543"/>
+        </a:xfrm>
+        <a:prstGeom prst="ellipse">
+          <a:avLst/>
+        </a:prstGeom>
+        <a:solidFill>
+          <a:schemeClr val="accent1">
+            <a:hueOff val="0"/>
+            <a:satOff val="0"/>
+            <a:lumOff val="0"/>
+            <a:alphaOff val="0"/>
+          </a:schemeClr>
+        </a:solidFill>
+        <a:ln w="15875" cap="flat" cmpd="sng" algn="ctr">
+          <a:solidFill>
+            <a:schemeClr val="lt1">
+              <a:hueOff val="0"/>
+              <a:satOff val="0"/>
+              <a:lumOff val="0"/>
+              <a:alphaOff val="0"/>
+            </a:schemeClr>
+          </a:solidFill>
+          <a:prstDash val="solid"/>
+        </a:ln>
+        <a:effectLst/>
+      </dsp:spPr>
+      <dsp:style>
+        <a:lnRef idx="2">
+          <a:scrgbClr r="0" g="0" b="0"/>
+        </a:lnRef>
+        <a:fillRef idx="1">
+          <a:scrgbClr r="0" g="0" b="0"/>
+        </a:fillRef>
+        <a:effectRef idx="0">
+          <a:scrgbClr r="0" g="0" b="0"/>
+        </a:effectRef>
+        <a:fontRef idx="minor">
+          <a:schemeClr val="lt1"/>
+        </a:fontRef>
+      </dsp:style>
+      <dsp:txBody>
+        <a:bodyPr spcFirstLastPara="0" vert="horz" wrap="square" lIns="6985" tIns="6985" rIns="6985" bIns="6985" numCol="1" spcCol="1270" anchor="ctr" anchorCtr="0">
+          <a:noAutofit/>
+        </a:bodyPr>
+        <a:lstStyle/>
+        <a:p>
+          <a:pPr lvl="0" algn="ctr" defTabSz="488950">
+            <a:lnSpc>
+              <a:spcPct val="90000"/>
+            </a:lnSpc>
+            <a:spcBef>
+              <a:spcPct val="0"/>
+            </a:spcBef>
+            <a:spcAft>
+              <a:spcPct val="35000"/>
+            </a:spcAft>
+          </a:pPr>
+          <a:r>
+            <a:rPr lang="en-US" sz="1100" kern="1200" dirty="0" smtClean="0"/>
+            <a:t>Search</a:t>
+          </a:r>
+          <a:endParaRPr lang="ru-RU" sz="1100" kern="1200" dirty="0" smtClean="0"/>
+        </a:p>
+        <a:p>
+          <a:pPr lvl="0" algn="ctr" defTabSz="488950">
+            <a:lnSpc>
+              <a:spcPct val="90000"/>
+            </a:lnSpc>
+            <a:spcBef>
+              <a:spcPct val="0"/>
+            </a:spcBef>
+            <a:spcAft>
+              <a:spcPct val="35000"/>
+            </a:spcAft>
+          </a:pPr>
+          <a:r>
+            <a:rPr lang="en-US" sz="1100" kern="1200" dirty="0" smtClean="0"/>
+            <a:t>Engine</a:t>
+          </a:r>
+          <a:endParaRPr lang="ru-RU" sz="1100" kern="1200" dirty="0"/>
+        </a:p>
+      </dsp:txBody>
+      <dsp:txXfrm>
+        <a:off x="1611313" y="470359"/>
+        <a:ext cx="638901" cy="638901"/>
+      </dsp:txXfrm>
+    </dsp:sp>
+    <dsp:sp modelId="{1FA1B9C7-0E34-4A44-A18B-216DF888F0C5}">
+      <dsp:nvSpPr>
+        <dsp:cNvPr id="0" name=""/>
+        <dsp:cNvSpPr/>
+      </dsp:nvSpPr>
+      <dsp:spPr>
+        <a:xfrm>
+          <a:off x="4351701" y="0"/>
+          <a:ext cx="1807086" cy="1579621"/>
+        </a:xfrm>
+        <a:prstGeom prst="rightArrow">
+          <a:avLst>
+            <a:gd name="adj1" fmla="val 70000"/>
+            <a:gd name="adj2" fmla="val 50000"/>
+          </a:avLst>
+        </a:prstGeom>
+        <a:solidFill>
+          <a:schemeClr val="accent1">
+            <a:alpha val="90000"/>
+            <a:tint val="40000"/>
+            <a:hueOff val="0"/>
+            <a:satOff val="0"/>
+            <a:lumOff val="0"/>
+            <a:alphaOff val="0"/>
+          </a:schemeClr>
+        </a:solidFill>
+        <a:ln w="15875" cap="flat" cmpd="sng" algn="ctr">
+          <a:solidFill>
+            <a:schemeClr val="accent1">
+              <a:alpha val="90000"/>
+              <a:tint val="40000"/>
+              <a:hueOff val="0"/>
+              <a:satOff val="0"/>
+              <a:lumOff val="0"/>
+              <a:alphaOff val="0"/>
+            </a:schemeClr>
+          </a:solidFill>
+          <a:prstDash val="solid"/>
+        </a:ln>
+        <a:effectLst/>
+      </dsp:spPr>
+      <dsp:style>
+        <a:lnRef idx="2">
+          <a:scrgbClr r="0" g="0" b="0"/>
+        </a:lnRef>
+        <a:fillRef idx="1">
+          <a:scrgbClr r="0" g="0" b="0"/>
+        </a:fillRef>
+        <a:effectRef idx="0">
+          <a:scrgbClr r="0" g="0" b="0"/>
+        </a:effectRef>
+        <a:fontRef idx="minor"/>
+      </dsp:style>
+      <dsp:txBody>
+        <a:bodyPr spcFirstLastPara="0" vert="horz" wrap="square" lIns="40640" tIns="10160" rIns="20320" bIns="10160" numCol="1" spcCol="1270" anchor="ctr" anchorCtr="0">
+          <a:noAutofit/>
+        </a:bodyPr>
+        <a:lstStyle/>
+        <a:p>
+          <a:pPr lvl="0" algn="ctr" defTabSz="711200">
+            <a:lnSpc>
+              <a:spcPct val="90000"/>
+            </a:lnSpc>
+            <a:spcBef>
+              <a:spcPct val="0"/>
+            </a:spcBef>
+            <a:spcAft>
+              <a:spcPct val="35000"/>
+            </a:spcAft>
+          </a:pPr>
+          <a:r>
+            <a:rPr lang="ru-RU" sz="1600" kern="1200" dirty="0" smtClean="0"/>
+            <a:t>ссылка на </a:t>
+          </a:r>
+          <a:r>
+            <a:rPr lang="en-US" sz="1600" kern="1200" dirty="0" smtClean="0"/>
+            <a:t>JSON-</a:t>
+          </a:r>
+          <a:r>
+            <a:rPr lang="ru-RU" sz="1600" kern="1200" dirty="0" smtClean="0"/>
+            <a:t>объект ответов</a:t>
+          </a:r>
+          <a:endParaRPr lang="ru-RU" sz="1600" kern="1200" dirty="0"/>
+        </a:p>
+      </dsp:txBody>
+      <dsp:txXfrm>
+        <a:off x="4803472" y="236943"/>
+        <a:ext cx="880954" cy="1105735"/>
+      </dsp:txXfrm>
+    </dsp:sp>
+    <dsp:sp modelId="{0A88A3E8-7701-48D6-969C-59DBA88CA534}">
+      <dsp:nvSpPr>
+        <dsp:cNvPr id="0" name=""/>
+        <dsp:cNvSpPr/>
+      </dsp:nvSpPr>
+      <dsp:spPr>
+        <a:xfrm>
+          <a:off x="3899929" y="338038"/>
+          <a:ext cx="903543" cy="903543"/>
+        </a:xfrm>
+        <a:prstGeom prst="ellipse">
+          <a:avLst/>
+        </a:prstGeom>
+        <a:solidFill>
+          <a:schemeClr val="accent1">
+            <a:hueOff val="0"/>
+            <a:satOff val="0"/>
+            <a:lumOff val="0"/>
+            <a:alphaOff val="0"/>
+          </a:schemeClr>
+        </a:solidFill>
+        <a:ln w="15875" cap="flat" cmpd="sng" algn="ctr">
+          <a:solidFill>
+            <a:schemeClr val="lt1">
+              <a:hueOff val="0"/>
+              <a:satOff val="0"/>
+              <a:lumOff val="0"/>
+              <a:alphaOff val="0"/>
+            </a:schemeClr>
+          </a:solidFill>
+          <a:prstDash val="solid"/>
+        </a:ln>
+        <a:effectLst/>
+      </dsp:spPr>
+      <dsp:style>
+        <a:lnRef idx="2">
+          <a:scrgbClr r="0" g="0" b="0"/>
+        </a:lnRef>
+        <a:fillRef idx="1">
+          <a:scrgbClr r="0" g="0" b="0"/>
+        </a:fillRef>
+        <a:effectRef idx="0">
+          <a:scrgbClr r="0" g="0" b="0"/>
+        </a:effectRef>
+        <a:fontRef idx="minor">
+          <a:schemeClr val="lt1"/>
+        </a:fontRef>
+      </dsp:style>
+      <dsp:txBody>
+        <a:bodyPr spcFirstLastPara="0" vert="horz" wrap="square" lIns="6985" tIns="6985" rIns="6985" bIns="6985" numCol="1" spcCol="1270" anchor="ctr" anchorCtr="0">
+          <a:noAutofit/>
+        </a:bodyPr>
+        <a:lstStyle/>
+        <a:p>
+          <a:pPr lvl="0" algn="ctr" defTabSz="488950">
+            <a:lnSpc>
+              <a:spcPct val="90000"/>
+            </a:lnSpc>
+            <a:spcBef>
+              <a:spcPct val="0"/>
+            </a:spcBef>
+            <a:spcAft>
+              <a:spcPct val="35000"/>
+            </a:spcAft>
+          </a:pPr>
+          <a:r>
+            <a:rPr lang="en-US" sz="1100" kern="1200" dirty="0" smtClean="0"/>
+            <a:t>Converter</a:t>
+          </a:r>
+          <a:endParaRPr lang="ru-RU" sz="1100" kern="1200" dirty="0" smtClean="0"/>
+        </a:p>
+        <a:p>
+          <a:pPr lvl="0" algn="ctr" defTabSz="488950">
+            <a:lnSpc>
+              <a:spcPct val="90000"/>
+            </a:lnSpc>
+            <a:spcBef>
+              <a:spcPct val="0"/>
+            </a:spcBef>
+            <a:spcAft>
+              <a:spcPct val="35000"/>
+            </a:spcAft>
+          </a:pPr>
+          <a:r>
+            <a:rPr lang="en-US" sz="1100" kern="1200" dirty="0" smtClean="0"/>
+            <a:t>JSON</a:t>
+          </a:r>
+          <a:endParaRPr lang="ru-RU" sz="1100" kern="1200" dirty="0"/>
+        </a:p>
+      </dsp:txBody>
+      <dsp:txXfrm>
+        <a:off x="4032250" y="470359"/>
+        <a:ext cx="638901" cy="638901"/>
+      </dsp:txXfrm>
+    </dsp:sp>
+    <dsp:sp modelId="{DD91B7DA-3D09-40A2-870E-D63ED550DC00}">
+      <dsp:nvSpPr>
+        <dsp:cNvPr id="0" name=""/>
+        <dsp:cNvSpPr/>
+      </dsp:nvSpPr>
+      <dsp:spPr>
+        <a:xfrm>
+          <a:off x="6846837" y="0"/>
+          <a:ext cx="1807086" cy="1579621"/>
+        </a:xfrm>
+        <a:prstGeom prst="rightArrow">
+          <a:avLst>
+            <a:gd name="adj1" fmla="val 70000"/>
+            <a:gd name="adj2" fmla="val 50000"/>
+          </a:avLst>
+        </a:prstGeom>
+        <a:solidFill>
+          <a:schemeClr val="bg2"/>
+        </a:solidFill>
+        <a:ln w="15875" cap="flat" cmpd="sng" algn="ctr">
+          <a:solidFill>
+            <a:schemeClr val="bg2">
+              <a:alpha val="90000"/>
+            </a:schemeClr>
+          </a:solidFill>
+          <a:prstDash val="solid"/>
+        </a:ln>
+        <a:effectLst/>
+      </dsp:spPr>
+      <dsp:style>
+        <a:lnRef idx="2">
+          <a:scrgbClr r="0" g="0" b="0"/>
+        </a:lnRef>
+        <a:fillRef idx="1">
+          <a:scrgbClr r="0" g="0" b="0"/>
+        </a:fillRef>
+        <a:effectRef idx="0">
+          <a:scrgbClr r="0" g="0" b="0"/>
+        </a:effectRef>
+        <a:fontRef idx="minor"/>
+      </dsp:style>
+    </dsp:sp>
+    <dsp:sp modelId="{18B87B03-25AC-4DAC-8711-93139D44A946}">
+      <dsp:nvSpPr>
+        <dsp:cNvPr id="0" name=""/>
+        <dsp:cNvSpPr/>
+      </dsp:nvSpPr>
+      <dsp:spPr>
+        <a:xfrm>
+          <a:off x="6320866" y="338038"/>
+          <a:ext cx="903543" cy="903543"/>
+        </a:xfrm>
+        <a:prstGeom prst="ellipse">
+          <a:avLst/>
+        </a:prstGeom>
+        <a:solidFill>
+          <a:schemeClr val="accent1">
+            <a:hueOff val="0"/>
+            <a:satOff val="0"/>
+            <a:lumOff val="0"/>
+            <a:alphaOff val="0"/>
+          </a:schemeClr>
+        </a:solidFill>
+        <a:ln w="15875" cap="flat" cmpd="sng" algn="ctr">
+          <a:solidFill>
+            <a:schemeClr val="lt1">
+              <a:hueOff val="0"/>
+              <a:satOff val="0"/>
+              <a:lumOff val="0"/>
+              <a:alphaOff val="0"/>
+            </a:schemeClr>
+          </a:solidFill>
+          <a:prstDash val="solid"/>
+        </a:ln>
+        <a:effectLst/>
+      </dsp:spPr>
+      <dsp:style>
+        <a:lnRef idx="2">
+          <a:scrgbClr r="0" g="0" b="0"/>
+        </a:lnRef>
+        <a:fillRef idx="1">
+          <a:scrgbClr r="0" g="0" b="0"/>
+        </a:fillRef>
+        <a:effectRef idx="0">
+          <a:scrgbClr r="0" g="0" b="0"/>
+        </a:effectRef>
+        <a:fontRef idx="minor">
+          <a:schemeClr val="lt1"/>
+        </a:fontRef>
+      </dsp:style>
+      <dsp:txBody>
+        <a:bodyPr spcFirstLastPara="0" vert="horz" wrap="square" lIns="6985" tIns="6985" rIns="6985" bIns="6985" numCol="1" spcCol="1270" anchor="ctr" anchorCtr="0">
+          <a:noAutofit/>
+        </a:bodyPr>
+        <a:lstStyle/>
+        <a:p>
+          <a:pPr lvl="0" algn="ctr" defTabSz="488950">
+            <a:lnSpc>
+              <a:spcPct val="90000"/>
+            </a:lnSpc>
+            <a:spcBef>
+              <a:spcPct val="0"/>
+            </a:spcBef>
+            <a:spcAft>
+              <a:spcPct val="35000"/>
+            </a:spcAft>
+          </a:pPr>
+          <a:r>
+            <a:rPr lang="en-US" sz="1100" kern="1200" dirty="0" smtClean="0"/>
+            <a:t>Dispatcher</a:t>
+          </a:r>
+          <a:endParaRPr lang="ru-RU" sz="1100" kern="1200" dirty="0" smtClean="0"/>
+        </a:p>
+        <a:p>
+          <a:pPr lvl="0" algn="ctr" defTabSz="488950">
+            <a:lnSpc>
+              <a:spcPct val="90000"/>
+            </a:lnSpc>
+            <a:spcBef>
+              <a:spcPct val="0"/>
+            </a:spcBef>
+            <a:spcAft>
+              <a:spcPct val="35000"/>
+            </a:spcAft>
+          </a:pPr>
+          <a:r>
+            <a:rPr lang="en-US" sz="1100" kern="1200" dirty="0" smtClean="0"/>
+            <a:t>Operation</a:t>
+          </a:r>
+          <a:endParaRPr lang="ru-RU" sz="1100" kern="1200" dirty="0"/>
+        </a:p>
+      </dsp:txBody>
+      <dsp:txXfrm>
+        <a:off x="6453187" y="470359"/>
+        <a:ext cx="638901" cy="638901"/>
+      </dsp:txXfrm>
+    </dsp:sp>
   </dsp:spTree>
 </dsp:drawing>
 </file>
@@ -17313,6 +18537,368 @@
       <dsp:cNvGrpSpPr/>
     </dsp:nvGrpSpPr>
     <dsp:grpSpPr/>
+    <dsp:sp modelId="{B0B6F61C-C060-4C4C-96BF-4EE40B41E6A0}">
+      <dsp:nvSpPr>
+        <dsp:cNvPr id="0" name=""/>
+        <dsp:cNvSpPr/>
+      </dsp:nvSpPr>
+      <dsp:spPr>
+        <a:xfrm>
+          <a:off x="3005545" y="0"/>
+          <a:ext cx="1900993" cy="1661708"/>
+        </a:xfrm>
+        <a:prstGeom prst="rightArrow">
+          <a:avLst>
+            <a:gd name="adj1" fmla="val 70000"/>
+            <a:gd name="adj2" fmla="val 50000"/>
+          </a:avLst>
+        </a:prstGeom>
+        <a:solidFill>
+          <a:schemeClr val="accent1">
+            <a:alpha val="90000"/>
+            <a:tint val="40000"/>
+            <a:hueOff val="0"/>
+            <a:satOff val="0"/>
+            <a:lumOff val="0"/>
+            <a:alphaOff val="0"/>
+          </a:schemeClr>
+        </a:solidFill>
+        <a:ln w="15875" cap="flat" cmpd="sng" algn="ctr">
+          <a:solidFill>
+            <a:schemeClr val="accent1">
+              <a:alpha val="90000"/>
+              <a:tint val="40000"/>
+              <a:hueOff val="0"/>
+              <a:satOff val="0"/>
+              <a:lumOff val="0"/>
+              <a:alphaOff val="0"/>
+            </a:schemeClr>
+          </a:solidFill>
+          <a:prstDash val="solid"/>
+        </a:ln>
+        <a:effectLst/>
+      </dsp:spPr>
+      <dsp:style>
+        <a:lnRef idx="2">
+          <a:scrgbClr r="0" g="0" b="0"/>
+        </a:lnRef>
+        <a:fillRef idx="1">
+          <a:scrgbClr r="0" g="0" b="0"/>
+        </a:fillRef>
+        <a:effectRef idx="0">
+          <a:scrgbClr r="0" g="0" b="0"/>
+        </a:effectRef>
+        <a:fontRef idx="minor"/>
+      </dsp:style>
+      <dsp:txBody>
+        <a:bodyPr spcFirstLastPara="0" vert="horz" wrap="square" lIns="35560" tIns="8890" rIns="17780" bIns="8890" numCol="1" spcCol="1270" anchor="ctr" anchorCtr="0">
+          <a:noAutofit/>
+        </a:bodyPr>
+        <a:lstStyle/>
+        <a:p>
+          <a:pPr lvl="0" algn="ctr" defTabSz="622300">
+            <a:lnSpc>
+              <a:spcPct val="90000"/>
+            </a:lnSpc>
+            <a:spcBef>
+              <a:spcPct val="0"/>
+            </a:spcBef>
+            <a:spcAft>
+              <a:spcPct val="35000"/>
+            </a:spcAft>
+          </a:pPr>
+          <a:r>
+            <a:rPr lang="ru-RU" sz="1400" kern="1200" dirty="0" smtClean="0"/>
+            <a:t>записать в JSON-объект результаты поиска</a:t>
+          </a:r>
+          <a:endParaRPr lang="ru-RU" sz="1400" kern="1200" dirty="0"/>
+        </a:p>
+      </dsp:txBody>
+      <dsp:txXfrm>
+        <a:off x="3480794" y="249256"/>
+        <a:ext cx="926734" cy="1163196"/>
+      </dsp:txXfrm>
+    </dsp:sp>
+    <dsp:sp modelId="{E644A287-01BC-4CF5-B466-30846E7BBA7F}">
+      <dsp:nvSpPr>
+        <dsp:cNvPr id="0" name=""/>
+        <dsp:cNvSpPr/>
+      </dsp:nvSpPr>
+      <dsp:spPr>
+        <a:xfrm>
+          <a:off x="2530297" y="355605"/>
+          <a:ext cx="950496" cy="950496"/>
+        </a:xfrm>
+        <a:prstGeom prst="ellipse">
+          <a:avLst/>
+        </a:prstGeom>
+        <a:solidFill>
+          <a:schemeClr val="accent1">
+            <a:hueOff val="0"/>
+            <a:satOff val="0"/>
+            <a:lumOff val="0"/>
+            <a:alphaOff val="0"/>
+          </a:schemeClr>
+        </a:solidFill>
+        <a:ln w="15875" cap="flat" cmpd="sng" algn="ctr">
+          <a:solidFill>
+            <a:schemeClr val="lt1">
+              <a:hueOff val="0"/>
+              <a:satOff val="0"/>
+              <a:lumOff val="0"/>
+              <a:alphaOff val="0"/>
+            </a:schemeClr>
+          </a:solidFill>
+          <a:prstDash val="solid"/>
+        </a:ln>
+        <a:effectLst/>
+      </dsp:spPr>
+      <dsp:style>
+        <a:lnRef idx="2">
+          <a:scrgbClr r="0" g="0" b="0"/>
+        </a:lnRef>
+        <a:fillRef idx="1">
+          <a:scrgbClr r="0" g="0" b="0"/>
+        </a:fillRef>
+        <a:effectRef idx="0">
+          <a:scrgbClr r="0" g="0" b="0"/>
+        </a:effectRef>
+        <a:fontRef idx="minor">
+          <a:schemeClr val="lt1"/>
+        </a:fontRef>
+      </dsp:style>
+      <dsp:txBody>
+        <a:bodyPr spcFirstLastPara="0" vert="horz" wrap="square" lIns="7620" tIns="7620" rIns="7620" bIns="7620" numCol="1" spcCol="1270" anchor="ctr" anchorCtr="0">
+          <a:noAutofit/>
+        </a:bodyPr>
+        <a:lstStyle/>
+        <a:p>
+          <a:pPr lvl="0" algn="ctr" defTabSz="533400">
+            <a:lnSpc>
+              <a:spcPct val="90000"/>
+            </a:lnSpc>
+            <a:spcBef>
+              <a:spcPct val="0"/>
+            </a:spcBef>
+            <a:spcAft>
+              <a:spcPct val="35000"/>
+            </a:spcAft>
+          </a:pPr>
+          <a:r>
+            <a:rPr lang="en-US" sz="1200" kern="1200" dirty="0" smtClean="0"/>
+            <a:t>Search</a:t>
+          </a:r>
+          <a:endParaRPr lang="ru-RU" sz="1200" kern="1200" dirty="0" smtClean="0"/>
+        </a:p>
+        <a:p>
+          <a:pPr lvl="0" algn="ctr" defTabSz="533400">
+            <a:lnSpc>
+              <a:spcPct val="90000"/>
+            </a:lnSpc>
+            <a:spcBef>
+              <a:spcPct val="0"/>
+            </a:spcBef>
+            <a:spcAft>
+              <a:spcPct val="35000"/>
+            </a:spcAft>
+          </a:pPr>
+          <a:r>
+            <a:rPr lang="en-US" sz="1200" kern="1200" dirty="0" smtClean="0"/>
+            <a:t>Engine</a:t>
+          </a:r>
+          <a:endParaRPr lang="ru-RU" sz="1200" kern="1200" dirty="0"/>
+        </a:p>
+      </dsp:txBody>
+      <dsp:txXfrm>
+        <a:off x="2669494" y="494802"/>
+        <a:ext cx="672102" cy="672102"/>
+      </dsp:txXfrm>
+    </dsp:sp>
+    <dsp:sp modelId="{1FA1B9C7-0E34-4A44-A18B-216DF888F0C5}">
+      <dsp:nvSpPr>
+        <dsp:cNvPr id="0" name=""/>
+        <dsp:cNvSpPr/>
+      </dsp:nvSpPr>
+      <dsp:spPr>
+        <a:xfrm>
+          <a:off x="5627108" y="0"/>
+          <a:ext cx="1900993" cy="1661708"/>
+        </a:xfrm>
+        <a:prstGeom prst="rightArrow">
+          <a:avLst>
+            <a:gd name="adj1" fmla="val 70000"/>
+            <a:gd name="adj2" fmla="val 50000"/>
+          </a:avLst>
+        </a:prstGeom>
+        <a:solidFill>
+          <a:schemeClr val="accent1">
+            <a:alpha val="90000"/>
+            <a:tint val="40000"/>
+            <a:hueOff val="0"/>
+            <a:satOff val="0"/>
+            <a:lumOff val="0"/>
+            <a:alphaOff val="0"/>
+          </a:schemeClr>
+        </a:solidFill>
+        <a:ln w="15875" cap="flat" cmpd="sng" algn="ctr">
+          <a:solidFill>
+            <a:schemeClr val="accent1">
+              <a:alpha val="90000"/>
+              <a:tint val="40000"/>
+              <a:hueOff val="0"/>
+              <a:satOff val="0"/>
+              <a:lumOff val="0"/>
+              <a:alphaOff val="0"/>
+            </a:schemeClr>
+          </a:solidFill>
+          <a:prstDash val="solid"/>
+        </a:ln>
+        <a:effectLst/>
+      </dsp:spPr>
+      <dsp:style>
+        <a:lnRef idx="2">
+          <a:scrgbClr r="0" g="0" b="0"/>
+        </a:lnRef>
+        <a:fillRef idx="1">
+          <a:scrgbClr r="0" g="0" b="0"/>
+        </a:fillRef>
+        <a:effectRef idx="0">
+          <a:scrgbClr r="0" g="0" b="0"/>
+        </a:effectRef>
+        <a:fontRef idx="minor"/>
+      </dsp:style>
+      <dsp:txBody>
+        <a:bodyPr spcFirstLastPara="0" vert="horz" wrap="square" lIns="35560" tIns="8890" rIns="17780" bIns="8890" numCol="1" spcCol="1270" anchor="ctr" anchorCtr="0">
+          <a:noAutofit/>
+        </a:bodyPr>
+        <a:lstStyle/>
+        <a:p>
+          <a:pPr lvl="0" algn="ctr" defTabSz="622300">
+            <a:lnSpc>
+              <a:spcPct val="90000"/>
+            </a:lnSpc>
+            <a:spcBef>
+              <a:spcPct val="0"/>
+            </a:spcBef>
+            <a:spcAft>
+              <a:spcPct val="35000"/>
+            </a:spcAft>
+          </a:pPr>
+          <a:r>
+            <a:rPr lang="ru-RU" sz="1400" kern="1200" dirty="0" smtClean="0"/>
+            <a:t>Ссылка на  </a:t>
+          </a:r>
+          <a:r>
+            <a:rPr lang="en-US" sz="1400" kern="1200" dirty="0" smtClean="0"/>
+            <a:t>JSON-</a:t>
+          </a:r>
+          <a:r>
+            <a:rPr lang="ru-RU" sz="1400" kern="1200" dirty="0" smtClean="0"/>
+            <a:t>объект ответов</a:t>
+          </a:r>
+          <a:endParaRPr lang="ru-RU" sz="1400" kern="1200" dirty="0"/>
+        </a:p>
+      </dsp:txBody>
+      <dsp:txXfrm>
+        <a:off x="6102357" y="249256"/>
+        <a:ext cx="926734" cy="1163196"/>
+      </dsp:txXfrm>
+    </dsp:sp>
+    <dsp:sp modelId="{0A88A3E8-7701-48D6-969C-59DBA88CA534}">
+      <dsp:nvSpPr>
+        <dsp:cNvPr id="0" name=""/>
+        <dsp:cNvSpPr/>
+      </dsp:nvSpPr>
+      <dsp:spPr>
+        <a:xfrm>
+          <a:off x="5151860" y="355605"/>
+          <a:ext cx="950496" cy="950496"/>
+        </a:xfrm>
+        <a:prstGeom prst="ellipse">
+          <a:avLst/>
+        </a:prstGeom>
+        <a:solidFill>
+          <a:schemeClr val="accent1">
+            <a:hueOff val="0"/>
+            <a:satOff val="0"/>
+            <a:lumOff val="0"/>
+            <a:alphaOff val="0"/>
+          </a:schemeClr>
+        </a:solidFill>
+        <a:ln w="15875" cap="flat" cmpd="sng" algn="ctr">
+          <a:solidFill>
+            <a:schemeClr val="lt1">
+              <a:hueOff val="0"/>
+              <a:satOff val="0"/>
+              <a:lumOff val="0"/>
+              <a:alphaOff val="0"/>
+            </a:schemeClr>
+          </a:solidFill>
+          <a:prstDash val="solid"/>
+        </a:ln>
+        <a:effectLst/>
+      </dsp:spPr>
+      <dsp:style>
+        <a:lnRef idx="2">
+          <a:scrgbClr r="0" g="0" b="0"/>
+        </a:lnRef>
+        <a:fillRef idx="1">
+          <a:scrgbClr r="0" g="0" b="0"/>
+        </a:fillRef>
+        <a:effectRef idx="0">
+          <a:scrgbClr r="0" g="0" b="0"/>
+        </a:effectRef>
+        <a:fontRef idx="minor">
+          <a:schemeClr val="lt1"/>
+        </a:fontRef>
+      </dsp:style>
+      <dsp:txBody>
+        <a:bodyPr spcFirstLastPara="0" vert="horz" wrap="square" lIns="7620" tIns="7620" rIns="7620" bIns="7620" numCol="1" spcCol="1270" anchor="ctr" anchorCtr="0">
+          <a:noAutofit/>
+        </a:bodyPr>
+        <a:lstStyle/>
+        <a:p>
+          <a:pPr lvl="0" algn="ctr" defTabSz="533400">
+            <a:lnSpc>
+              <a:spcPct val="90000"/>
+            </a:lnSpc>
+            <a:spcBef>
+              <a:spcPct val="0"/>
+            </a:spcBef>
+            <a:spcAft>
+              <a:spcPct val="35000"/>
+            </a:spcAft>
+          </a:pPr>
+          <a:r>
+            <a:rPr lang="en-US" sz="1200" kern="1200" dirty="0" smtClean="0"/>
+            <a:t>Converter</a:t>
+          </a:r>
+          <a:endParaRPr lang="ru-RU" sz="1200" kern="1200" dirty="0" smtClean="0"/>
+        </a:p>
+        <a:p>
+          <a:pPr lvl="0" algn="ctr" defTabSz="533400">
+            <a:lnSpc>
+              <a:spcPct val="90000"/>
+            </a:lnSpc>
+            <a:spcBef>
+              <a:spcPct val="0"/>
+            </a:spcBef>
+            <a:spcAft>
+              <a:spcPct val="35000"/>
+            </a:spcAft>
+          </a:pPr>
+          <a:r>
+            <a:rPr lang="en-US" sz="1200" kern="1200" dirty="0" smtClean="0"/>
+            <a:t>JSON</a:t>
+          </a:r>
+          <a:endParaRPr lang="ru-RU" sz="1200" kern="1200" dirty="0"/>
+        </a:p>
+      </dsp:txBody>
+      <dsp:txXfrm>
+        <a:off x="5291057" y="494802"/>
+        <a:ext cx="672102" cy="672102"/>
+      </dsp:txXfrm>
+    </dsp:sp>
   </dsp:spTree>
 </dsp:drawing>
 </file>
@@ -42898,6 +44484,1774 @@
         </p:nvSpPr>
         <p:spPr>
           <a:xfrm>
+            <a:off x="763448" y="41705"/>
+            <a:ext cx="10058400" cy="581647"/>
+          </a:xfrm>
+        </p:spPr>
+        <p:txBody>
+          <a:bodyPr>
+            <a:normAutofit fontScale="90000"/>
+          </a:bodyPr>
+          <a:lstStyle/>
+          <a:p>
+            <a:endParaRPr lang="ru-RU" dirty="0"/>
+          </a:p>
+        </p:txBody>
+      </p:sp>
+      <p:sp>
+        <p:nvSpPr>
+          <p:cNvPr id="3" name="Дата 2"/>
+          <p:cNvSpPr>
+            <a:spLocks noGrp="1"/>
+          </p:cNvSpPr>
+          <p:nvPr>
+            <p:ph type="dt" sz="half" idx="10"/>
+          </p:nvPr>
+        </p:nvSpPr>
+        <p:spPr>
+          <a:xfrm>
+            <a:off x="1097274" y="6459785"/>
+            <a:ext cx="2472271" cy="365125"/>
+          </a:xfrm>
+        </p:spPr>
+        <p:txBody>
+          <a:bodyPr/>
+          <a:lstStyle/>
+          <a:p>
+            <a:fld id="{5415850B-FCCB-4950-8D75-8D81D52F3FBD}" type="datetime1">
+              <a:rPr lang="ru-RU" smtClean="0"/>
+              <a:t>18.11.2025</a:t>
+            </a:fld>
+            <a:endParaRPr lang="ru-RU"/>
+          </a:p>
+        </p:txBody>
+      </p:sp>
+      <p:sp>
+        <p:nvSpPr>
+          <p:cNvPr id="4" name="Нижний колонтитул 3"/>
+          <p:cNvSpPr>
+            <a:spLocks noGrp="1"/>
+          </p:cNvSpPr>
+          <p:nvPr>
+            <p:ph type="ftr" sz="quarter" idx="11"/>
+          </p:nvPr>
+        </p:nvSpPr>
+        <p:spPr>
+          <a:xfrm>
+            <a:off x="3686179" y="6459785"/>
+            <a:ext cx="4822804" cy="365125"/>
+          </a:xfrm>
+        </p:spPr>
+        <p:txBody>
+          <a:bodyPr/>
+          <a:lstStyle/>
+          <a:p>
+            <a:endParaRPr lang="ru-RU"/>
+          </a:p>
+        </p:txBody>
+      </p:sp>
+      <p:sp>
+        <p:nvSpPr>
+          <p:cNvPr id="5" name="Номер слайда 4"/>
+          <p:cNvSpPr>
+            <a:spLocks noGrp="1"/>
+          </p:cNvSpPr>
+          <p:nvPr>
+            <p:ph type="sldNum" sz="quarter" idx="12"/>
+          </p:nvPr>
+        </p:nvSpPr>
+        <p:spPr/>
+        <p:txBody>
+          <a:bodyPr/>
+          <a:lstStyle/>
+          <a:p>
+            <a:fld id="{DEBD715E-836E-42D1-BDDD-058C1EE5707C}" type="slidenum">
+              <a:rPr lang="ru-RU" smtClean="0"/>
+              <a:t>12</a:t>
+            </a:fld>
+            <a:endParaRPr lang="ru-RU"/>
+          </a:p>
+        </p:txBody>
+      </p:sp>
+      <p:grpSp>
+        <p:nvGrpSpPr>
+          <p:cNvPr id="6" name="Группа 5"/>
+          <p:cNvGrpSpPr/>
+          <p:nvPr/>
+        </p:nvGrpSpPr>
+        <p:grpSpPr>
+          <a:xfrm>
+            <a:off x="3591122" y="1949789"/>
+            <a:ext cx="1083633" cy="1083633"/>
+            <a:chOff x="2197456" y="405415"/>
+            <a:chExt cx="1083633" cy="1083633"/>
+          </a:xfrm>
+        </p:grpSpPr>
+        <p:sp>
+          <p:nvSpPr>
+            <p:cNvPr id="7" name="Овал 6"/>
+            <p:cNvSpPr/>
+            <p:nvPr/>
+          </p:nvSpPr>
+          <p:spPr>
+            <a:xfrm>
+              <a:off x="2197456" y="405415"/>
+              <a:ext cx="1083633" cy="1083633"/>
+            </a:xfrm>
+            <a:prstGeom prst="ellipse">
+              <a:avLst/>
+            </a:prstGeom>
+          </p:spPr>
+          <p:style>
+            <a:lnRef idx="2">
+              <a:schemeClr val="lt1">
+                <a:hueOff val="0"/>
+                <a:satOff val="0"/>
+                <a:lumOff val="0"/>
+                <a:alphaOff val="0"/>
+              </a:schemeClr>
+            </a:lnRef>
+            <a:fillRef idx="1">
+              <a:schemeClr val="accent1">
+                <a:hueOff val="0"/>
+                <a:satOff val="0"/>
+                <a:lumOff val="0"/>
+                <a:alphaOff val="0"/>
+              </a:schemeClr>
+            </a:fillRef>
+            <a:effectRef idx="0">
+              <a:schemeClr val="accent1">
+                <a:hueOff val="0"/>
+                <a:satOff val="0"/>
+                <a:lumOff val="0"/>
+                <a:alphaOff val="0"/>
+              </a:schemeClr>
+            </a:effectRef>
+            <a:fontRef idx="minor">
+              <a:schemeClr val="lt1"/>
+            </a:fontRef>
+          </p:style>
+        </p:sp>
+        <p:sp>
+          <p:nvSpPr>
+            <p:cNvPr id="8" name="Овал 4"/>
+            <p:cNvSpPr/>
+            <p:nvPr/>
+          </p:nvSpPr>
+          <p:spPr>
+            <a:xfrm>
+              <a:off x="2356150" y="564109"/>
+              <a:ext cx="766245" cy="766245"/>
+            </a:xfrm>
+            <a:prstGeom prst="rect">
+              <a:avLst/>
+            </a:prstGeom>
+          </p:spPr>
+          <p:style>
+            <a:lnRef idx="0">
+              <a:scrgbClr r="0" g="0" b="0"/>
+            </a:lnRef>
+            <a:fillRef idx="0">
+              <a:scrgbClr r="0" g="0" b="0"/>
+            </a:fillRef>
+            <a:effectRef idx="0">
+              <a:scrgbClr r="0" g="0" b="0"/>
+            </a:effectRef>
+            <a:fontRef idx="minor">
+              <a:schemeClr val="lt1"/>
+            </a:fontRef>
+          </p:style>
+          <p:txBody>
+            <a:bodyPr spcFirstLastPara="0" vert="horz" wrap="square" lIns="10795" tIns="10795" rIns="10795" bIns="10795" numCol="1" spcCol="1270" anchor="ctr" anchorCtr="0">
+              <a:noAutofit/>
+            </a:bodyPr>
+            <a:lstStyle/>
+            <a:p>
+              <a:pPr lvl="0" algn="ctr" defTabSz="755650">
+                <a:lnSpc>
+                  <a:spcPct val="90000"/>
+                </a:lnSpc>
+                <a:spcBef>
+                  <a:spcPct val="0"/>
+                </a:spcBef>
+                <a:spcAft>
+                  <a:spcPct val="35000"/>
+                </a:spcAft>
+              </a:pPr>
+              <a:r>
+                <a:rPr lang="en-US" sz="1700" kern="1200" dirty="0" smtClean="0"/>
+                <a:t>Search</a:t>
+              </a:r>
+              <a:endParaRPr lang="ru-RU" sz="1700" kern="1200" dirty="0" smtClean="0"/>
+            </a:p>
+            <a:p>
+              <a:pPr lvl="0" algn="ctr" defTabSz="755650">
+                <a:lnSpc>
+                  <a:spcPct val="90000"/>
+                </a:lnSpc>
+                <a:spcBef>
+                  <a:spcPct val="0"/>
+                </a:spcBef>
+                <a:spcAft>
+                  <a:spcPct val="35000"/>
+                </a:spcAft>
+              </a:pPr>
+              <a:r>
+                <a:rPr lang="en-US" sz="1700" kern="1200" dirty="0" smtClean="0"/>
+                <a:t>Engine</a:t>
+              </a:r>
+              <a:endParaRPr lang="ru-RU" sz="1700" kern="1200" dirty="0"/>
+            </a:p>
+          </p:txBody>
+        </p:sp>
+      </p:grpSp>
+      <p:sp>
+        <p:nvSpPr>
+          <p:cNvPr id="10" name="TextBox 9"/>
+          <p:cNvSpPr txBox="1"/>
+          <p:nvPr/>
+        </p:nvSpPr>
+        <p:spPr>
+          <a:xfrm>
+            <a:off x="-25301" y="2186720"/>
+            <a:ext cx="3004284" cy="646331"/>
+          </a:xfrm>
+          <a:prstGeom prst="rect">
+            <a:avLst/>
+          </a:prstGeom>
+          <a:noFill/>
+        </p:spPr>
+        <p:txBody>
+          <a:bodyPr wrap="none" rtlCol="0">
+            <a:spAutoFit/>
+          </a:bodyPr>
+          <a:lstStyle/>
+          <a:p>
+            <a:r>
+              <a:rPr lang="ru-RU" dirty="0" smtClean="0"/>
+              <a:t>Пути файлов конфигурации, </a:t>
+            </a:r>
+          </a:p>
+          <a:p>
+            <a:r>
+              <a:rPr lang="ru-RU" dirty="0" smtClean="0"/>
+              <a:t>запросов и ответов</a:t>
+            </a:r>
+            <a:endParaRPr lang="ru-RU" dirty="0"/>
+          </a:p>
+        </p:txBody>
+      </p:sp>
+      <p:sp>
+        <p:nvSpPr>
+          <p:cNvPr id="12" name="Стрелка вправо 11"/>
+          <p:cNvSpPr/>
+          <p:nvPr/>
+        </p:nvSpPr>
+        <p:spPr>
+          <a:xfrm>
+            <a:off x="2885847" y="2229882"/>
+            <a:ext cx="525014" cy="484632"/>
+          </a:xfrm>
+          <a:prstGeom prst="rightArrow">
+            <a:avLst/>
+          </a:prstGeom>
+        </p:spPr>
+        <p:style>
+          <a:lnRef idx="2">
+            <a:schemeClr val="accent1">
+              <a:shade val="50000"/>
+            </a:schemeClr>
+          </a:lnRef>
+          <a:fillRef idx="1">
+            <a:schemeClr val="accent1"/>
+          </a:fillRef>
+          <a:effectRef idx="0">
+            <a:schemeClr val="accent1"/>
+          </a:effectRef>
+          <a:fontRef idx="minor">
+            <a:schemeClr val="lt1"/>
+          </a:fontRef>
+        </p:style>
+        <p:txBody>
+          <a:bodyPr rtlCol="0" anchor="ctr"/>
+          <a:lstStyle/>
+          <a:p>
+            <a:pPr algn="ctr"/>
+            <a:endParaRPr lang="ru-RU"/>
+          </a:p>
+        </p:txBody>
+      </p:sp>
+      <p:grpSp>
+        <p:nvGrpSpPr>
+          <p:cNvPr id="16" name="Группа 15"/>
+          <p:cNvGrpSpPr/>
+          <p:nvPr/>
+        </p:nvGrpSpPr>
+        <p:grpSpPr>
+          <a:xfrm>
+            <a:off x="6921422" y="204757"/>
+            <a:ext cx="903543" cy="903543"/>
+            <a:chOff x="3899929" y="338038"/>
+            <a:chExt cx="903543" cy="903543"/>
+          </a:xfrm>
+        </p:grpSpPr>
+        <p:sp>
+          <p:nvSpPr>
+            <p:cNvPr id="17" name="Овал 16"/>
+            <p:cNvSpPr/>
+            <p:nvPr/>
+          </p:nvSpPr>
+          <p:spPr>
+            <a:xfrm>
+              <a:off x="3899929" y="338038"/>
+              <a:ext cx="903543" cy="903543"/>
+            </a:xfrm>
+            <a:prstGeom prst="ellipse">
+              <a:avLst/>
+            </a:prstGeom>
+          </p:spPr>
+          <p:style>
+            <a:lnRef idx="2">
+              <a:schemeClr val="lt1">
+                <a:hueOff val="0"/>
+                <a:satOff val="0"/>
+                <a:lumOff val="0"/>
+                <a:alphaOff val="0"/>
+              </a:schemeClr>
+            </a:lnRef>
+            <a:fillRef idx="1">
+              <a:schemeClr val="accent1">
+                <a:hueOff val="0"/>
+                <a:satOff val="0"/>
+                <a:lumOff val="0"/>
+                <a:alphaOff val="0"/>
+              </a:schemeClr>
+            </a:fillRef>
+            <a:effectRef idx="0">
+              <a:schemeClr val="accent1">
+                <a:hueOff val="0"/>
+                <a:satOff val="0"/>
+                <a:lumOff val="0"/>
+                <a:alphaOff val="0"/>
+              </a:schemeClr>
+            </a:effectRef>
+            <a:fontRef idx="minor">
+              <a:schemeClr val="lt1"/>
+            </a:fontRef>
+          </p:style>
+        </p:sp>
+        <p:sp>
+          <p:nvSpPr>
+            <p:cNvPr id="18" name="Овал 4"/>
+            <p:cNvSpPr/>
+            <p:nvPr/>
+          </p:nvSpPr>
+          <p:spPr>
+            <a:xfrm>
+              <a:off x="4032250" y="470359"/>
+              <a:ext cx="638901" cy="638901"/>
+            </a:xfrm>
+            <a:prstGeom prst="rect">
+              <a:avLst/>
+            </a:prstGeom>
+          </p:spPr>
+          <p:style>
+            <a:lnRef idx="0">
+              <a:scrgbClr r="0" g="0" b="0"/>
+            </a:lnRef>
+            <a:fillRef idx="0">
+              <a:scrgbClr r="0" g="0" b="0"/>
+            </a:fillRef>
+            <a:effectRef idx="0">
+              <a:scrgbClr r="0" g="0" b="0"/>
+            </a:effectRef>
+            <a:fontRef idx="minor">
+              <a:schemeClr val="lt1"/>
+            </a:fontRef>
+          </p:style>
+          <p:txBody>
+            <a:bodyPr spcFirstLastPara="0" vert="horz" wrap="square" lIns="6985" tIns="6985" rIns="6985" bIns="6985" numCol="1" spcCol="1270" anchor="ctr" anchorCtr="0">
+              <a:noAutofit/>
+            </a:bodyPr>
+            <a:lstStyle/>
+            <a:p>
+              <a:pPr lvl="0" algn="ctr" defTabSz="488950">
+                <a:lnSpc>
+                  <a:spcPct val="90000"/>
+                </a:lnSpc>
+                <a:spcBef>
+                  <a:spcPct val="0"/>
+                </a:spcBef>
+                <a:spcAft>
+                  <a:spcPct val="35000"/>
+                </a:spcAft>
+              </a:pPr>
+              <a:r>
+                <a:rPr lang="en-US" sz="1100" kern="1200" dirty="0" smtClean="0"/>
+                <a:t>Converter</a:t>
+              </a:r>
+              <a:endParaRPr lang="ru-RU" sz="1100" kern="1200" dirty="0" smtClean="0"/>
+            </a:p>
+            <a:p>
+              <a:pPr lvl="0" algn="ctr" defTabSz="488950">
+                <a:lnSpc>
+                  <a:spcPct val="90000"/>
+                </a:lnSpc>
+                <a:spcBef>
+                  <a:spcPct val="0"/>
+                </a:spcBef>
+                <a:spcAft>
+                  <a:spcPct val="35000"/>
+                </a:spcAft>
+              </a:pPr>
+              <a:r>
+                <a:rPr lang="en-US" sz="1100" kern="1200" dirty="0" smtClean="0"/>
+                <a:t>JSON</a:t>
+              </a:r>
+              <a:endParaRPr lang="ru-RU" sz="1100" kern="1200" dirty="0"/>
+            </a:p>
+          </p:txBody>
+        </p:sp>
+      </p:grpSp>
+      <p:sp>
+        <p:nvSpPr>
+          <p:cNvPr id="19" name="TextBox 18"/>
+          <p:cNvSpPr txBox="1"/>
+          <p:nvPr/>
+        </p:nvSpPr>
+        <p:spPr>
+          <a:xfrm>
+            <a:off x="4560365" y="1322509"/>
+            <a:ext cx="3004284" cy="646331"/>
+          </a:xfrm>
+          <a:prstGeom prst="rect">
+            <a:avLst/>
+          </a:prstGeom>
+          <a:noFill/>
+        </p:spPr>
+        <p:txBody>
+          <a:bodyPr wrap="none" rtlCol="0">
+            <a:spAutoFit/>
+          </a:bodyPr>
+          <a:lstStyle/>
+          <a:p>
+            <a:r>
+              <a:rPr lang="ru-RU" dirty="0" smtClean="0"/>
+              <a:t>Пути файлов конфигурации, </a:t>
+            </a:r>
+          </a:p>
+          <a:p>
+            <a:r>
+              <a:rPr lang="ru-RU" dirty="0" smtClean="0"/>
+              <a:t>запросов</a:t>
+            </a:r>
+            <a:endParaRPr lang="ru-RU" dirty="0"/>
+          </a:p>
+        </p:txBody>
+      </p:sp>
+      <p:grpSp>
+        <p:nvGrpSpPr>
+          <p:cNvPr id="21" name="Группа 20"/>
+          <p:cNvGrpSpPr/>
+          <p:nvPr/>
+        </p:nvGrpSpPr>
+        <p:grpSpPr>
+          <a:xfrm>
+            <a:off x="5540200" y="2106765"/>
+            <a:ext cx="903543" cy="903543"/>
+            <a:chOff x="3899929" y="338038"/>
+            <a:chExt cx="903543" cy="903543"/>
+          </a:xfrm>
+        </p:grpSpPr>
+        <p:sp>
+          <p:nvSpPr>
+            <p:cNvPr id="22" name="Овал 21"/>
+            <p:cNvSpPr/>
+            <p:nvPr/>
+          </p:nvSpPr>
+          <p:spPr>
+            <a:xfrm>
+              <a:off x="3899929" y="338038"/>
+              <a:ext cx="903543" cy="903543"/>
+            </a:xfrm>
+            <a:prstGeom prst="ellipse">
+              <a:avLst/>
+            </a:prstGeom>
+          </p:spPr>
+          <p:style>
+            <a:lnRef idx="2">
+              <a:schemeClr val="lt1">
+                <a:hueOff val="0"/>
+                <a:satOff val="0"/>
+                <a:lumOff val="0"/>
+                <a:alphaOff val="0"/>
+              </a:schemeClr>
+            </a:lnRef>
+            <a:fillRef idx="1">
+              <a:schemeClr val="accent1">
+                <a:hueOff val="0"/>
+                <a:satOff val="0"/>
+                <a:lumOff val="0"/>
+                <a:alphaOff val="0"/>
+              </a:schemeClr>
+            </a:fillRef>
+            <a:effectRef idx="0">
+              <a:schemeClr val="accent1">
+                <a:hueOff val="0"/>
+                <a:satOff val="0"/>
+                <a:lumOff val="0"/>
+                <a:alphaOff val="0"/>
+              </a:schemeClr>
+            </a:effectRef>
+            <a:fontRef idx="minor">
+              <a:schemeClr val="lt1"/>
+            </a:fontRef>
+          </p:style>
+        </p:sp>
+        <p:sp>
+          <p:nvSpPr>
+            <p:cNvPr id="23" name="Овал 4"/>
+            <p:cNvSpPr/>
+            <p:nvPr/>
+          </p:nvSpPr>
+          <p:spPr>
+            <a:xfrm>
+              <a:off x="4032250" y="470359"/>
+              <a:ext cx="638901" cy="638901"/>
+            </a:xfrm>
+            <a:prstGeom prst="rect">
+              <a:avLst/>
+            </a:prstGeom>
+          </p:spPr>
+          <p:style>
+            <a:lnRef idx="0">
+              <a:scrgbClr r="0" g="0" b="0"/>
+            </a:lnRef>
+            <a:fillRef idx="0">
+              <a:scrgbClr r="0" g="0" b="0"/>
+            </a:fillRef>
+            <a:effectRef idx="0">
+              <a:scrgbClr r="0" g="0" b="0"/>
+            </a:effectRef>
+            <a:fontRef idx="minor">
+              <a:schemeClr val="lt1"/>
+            </a:fontRef>
+          </p:style>
+          <p:txBody>
+            <a:bodyPr spcFirstLastPara="0" vert="horz" wrap="square" lIns="6985" tIns="6985" rIns="6985" bIns="6985" numCol="1" spcCol="1270" anchor="ctr" anchorCtr="0">
+              <a:noAutofit/>
+            </a:bodyPr>
+            <a:lstStyle/>
+            <a:p>
+              <a:pPr lvl="0" algn="ctr" defTabSz="488950">
+                <a:lnSpc>
+                  <a:spcPct val="90000"/>
+                </a:lnSpc>
+                <a:spcBef>
+                  <a:spcPct val="0"/>
+                </a:spcBef>
+                <a:spcAft>
+                  <a:spcPct val="35000"/>
+                </a:spcAft>
+              </a:pPr>
+              <a:r>
+                <a:rPr lang="en-US" sz="1100" dirty="0" smtClean="0"/>
+                <a:t>Documents</a:t>
+              </a:r>
+              <a:endParaRPr lang="ru-RU" sz="1100" kern="1200" dirty="0"/>
+            </a:p>
+          </p:txBody>
+        </p:sp>
+      </p:grpSp>
+      <p:grpSp>
+        <p:nvGrpSpPr>
+          <p:cNvPr id="24" name="Группа 23"/>
+          <p:cNvGrpSpPr/>
+          <p:nvPr/>
+        </p:nvGrpSpPr>
+        <p:grpSpPr>
+          <a:xfrm>
+            <a:off x="7022832" y="3488045"/>
+            <a:ext cx="1083633" cy="1083633"/>
+            <a:chOff x="5151860" y="405415"/>
+            <a:chExt cx="1083633" cy="1083633"/>
+          </a:xfrm>
+        </p:grpSpPr>
+        <p:sp>
+          <p:nvSpPr>
+            <p:cNvPr id="25" name="Овал 24"/>
+            <p:cNvSpPr/>
+            <p:nvPr/>
+          </p:nvSpPr>
+          <p:spPr>
+            <a:xfrm>
+              <a:off x="5151860" y="405415"/>
+              <a:ext cx="1083633" cy="1083633"/>
+            </a:xfrm>
+            <a:prstGeom prst="ellipse">
+              <a:avLst/>
+            </a:prstGeom>
+          </p:spPr>
+          <p:style>
+            <a:lnRef idx="2">
+              <a:schemeClr val="lt1">
+                <a:hueOff val="0"/>
+                <a:satOff val="0"/>
+                <a:lumOff val="0"/>
+                <a:alphaOff val="0"/>
+              </a:schemeClr>
+            </a:lnRef>
+            <a:fillRef idx="1">
+              <a:schemeClr val="accent1">
+                <a:hueOff val="0"/>
+                <a:satOff val="0"/>
+                <a:lumOff val="0"/>
+                <a:alphaOff val="0"/>
+              </a:schemeClr>
+            </a:fillRef>
+            <a:effectRef idx="0">
+              <a:schemeClr val="accent1">
+                <a:hueOff val="0"/>
+                <a:satOff val="0"/>
+                <a:lumOff val="0"/>
+                <a:alphaOff val="0"/>
+              </a:schemeClr>
+            </a:effectRef>
+            <a:fontRef idx="minor">
+              <a:schemeClr val="lt1"/>
+            </a:fontRef>
+          </p:style>
+        </p:sp>
+        <p:sp>
+          <p:nvSpPr>
+            <p:cNvPr id="26" name="Овал 4"/>
+            <p:cNvSpPr/>
+            <p:nvPr/>
+          </p:nvSpPr>
+          <p:spPr>
+            <a:xfrm>
+              <a:off x="5310554" y="564109"/>
+              <a:ext cx="766245" cy="766245"/>
+            </a:xfrm>
+            <a:prstGeom prst="rect">
+              <a:avLst/>
+            </a:prstGeom>
+          </p:spPr>
+          <p:style>
+            <a:lnRef idx="0">
+              <a:scrgbClr r="0" g="0" b="0"/>
+            </a:lnRef>
+            <a:fillRef idx="0">
+              <a:scrgbClr r="0" g="0" b="0"/>
+            </a:fillRef>
+            <a:effectRef idx="0">
+              <a:scrgbClr r="0" g="0" b="0"/>
+            </a:effectRef>
+            <a:fontRef idx="minor">
+              <a:schemeClr val="lt1"/>
+            </a:fontRef>
+          </p:style>
+          <p:txBody>
+            <a:bodyPr spcFirstLastPara="0" vert="horz" wrap="square" lIns="10795" tIns="10795" rIns="10795" bIns="10795" numCol="1" spcCol="1270" anchor="ctr" anchorCtr="0">
+              <a:noAutofit/>
+            </a:bodyPr>
+            <a:lstStyle/>
+            <a:p>
+              <a:pPr lvl="0" algn="ctr" defTabSz="755650">
+                <a:lnSpc>
+                  <a:spcPct val="90000"/>
+                </a:lnSpc>
+                <a:spcBef>
+                  <a:spcPct val="0"/>
+                </a:spcBef>
+                <a:spcAft>
+                  <a:spcPct val="35000"/>
+                </a:spcAft>
+              </a:pPr>
+              <a:r>
+                <a:rPr lang="en-US" sz="1700" kern="1200" dirty="0" smtClean="0"/>
+                <a:t>Inverted</a:t>
+              </a:r>
+            </a:p>
+            <a:p>
+              <a:pPr lvl="0" algn="ctr" defTabSz="755650">
+                <a:lnSpc>
+                  <a:spcPct val="90000"/>
+                </a:lnSpc>
+                <a:spcBef>
+                  <a:spcPct val="0"/>
+                </a:spcBef>
+                <a:spcAft>
+                  <a:spcPct val="35000"/>
+                </a:spcAft>
+              </a:pPr>
+              <a:r>
+                <a:rPr lang="en-US" sz="1700" kern="1200" dirty="0" smtClean="0"/>
+                <a:t>Index</a:t>
+              </a:r>
+              <a:endParaRPr lang="ru-RU" sz="1700" kern="1200" dirty="0"/>
+            </a:p>
+          </p:txBody>
+        </p:sp>
+      </p:grpSp>
+      <p:pic>
+        <p:nvPicPr>
+          <p:cNvPr id="28" name="Рисунок 27"/>
+          <p:cNvPicPr>
+            <a:picLocks noChangeAspect="1"/>
+          </p:cNvPicPr>
+          <p:nvPr/>
+        </p:nvPicPr>
+        <p:blipFill>
+          <a:blip r:embed="rId2" cstate="print">
+            <a:extLst>
+              <a:ext uri="{28A0092B-C50C-407E-A947-70E740481C1C}">
+                <a14:useLocalDpi xmlns:a14="http://schemas.microsoft.com/office/drawing/2010/main" val="0"/>
+              </a:ext>
+            </a:extLst>
+          </a:blip>
+          <a:stretch>
+            <a:fillRect/>
+          </a:stretch>
+        </p:blipFill>
+        <p:spPr>
+          <a:xfrm>
+            <a:off x="5505284" y="3351785"/>
+            <a:ext cx="944416" cy="1335742"/>
+          </a:xfrm>
+          <a:prstGeom prst="rect">
+            <a:avLst/>
+          </a:prstGeom>
+        </p:spPr>
+      </p:pic>
+      <p:grpSp>
+        <p:nvGrpSpPr>
+          <p:cNvPr id="33" name="Группа 32"/>
+          <p:cNvGrpSpPr/>
+          <p:nvPr/>
+        </p:nvGrpSpPr>
+        <p:grpSpPr>
+          <a:xfrm>
+            <a:off x="5466824" y="4522151"/>
+            <a:ext cx="1083633" cy="1083633"/>
+            <a:chOff x="5151860" y="405415"/>
+            <a:chExt cx="1083633" cy="1083633"/>
+          </a:xfrm>
+        </p:grpSpPr>
+        <p:sp>
+          <p:nvSpPr>
+            <p:cNvPr id="34" name="Овал 33"/>
+            <p:cNvSpPr/>
+            <p:nvPr/>
+          </p:nvSpPr>
+          <p:spPr>
+            <a:xfrm>
+              <a:off x="5151860" y="405415"/>
+              <a:ext cx="1083633" cy="1083633"/>
+            </a:xfrm>
+            <a:prstGeom prst="ellipse">
+              <a:avLst/>
+            </a:prstGeom>
+          </p:spPr>
+          <p:style>
+            <a:lnRef idx="2">
+              <a:schemeClr val="lt1">
+                <a:hueOff val="0"/>
+                <a:satOff val="0"/>
+                <a:lumOff val="0"/>
+                <a:alphaOff val="0"/>
+              </a:schemeClr>
+            </a:lnRef>
+            <a:fillRef idx="1">
+              <a:schemeClr val="accent1">
+                <a:hueOff val="0"/>
+                <a:satOff val="0"/>
+                <a:lumOff val="0"/>
+                <a:alphaOff val="0"/>
+              </a:schemeClr>
+            </a:fillRef>
+            <a:effectRef idx="0">
+              <a:schemeClr val="accent1">
+                <a:hueOff val="0"/>
+                <a:satOff val="0"/>
+                <a:lumOff val="0"/>
+                <a:alphaOff val="0"/>
+              </a:schemeClr>
+            </a:effectRef>
+            <a:fontRef idx="minor">
+              <a:schemeClr val="lt1"/>
+            </a:fontRef>
+          </p:style>
+        </p:sp>
+        <p:sp>
+          <p:nvSpPr>
+            <p:cNvPr id="35" name="Овал 4"/>
+            <p:cNvSpPr/>
+            <p:nvPr/>
+          </p:nvSpPr>
+          <p:spPr>
+            <a:xfrm>
+              <a:off x="5310554" y="564109"/>
+              <a:ext cx="766245" cy="766245"/>
+            </a:xfrm>
+            <a:prstGeom prst="rect">
+              <a:avLst/>
+            </a:prstGeom>
+          </p:spPr>
+          <p:style>
+            <a:lnRef idx="0">
+              <a:scrgbClr r="0" g="0" b="0"/>
+            </a:lnRef>
+            <a:fillRef idx="0">
+              <a:scrgbClr r="0" g="0" b="0"/>
+            </a:fillRef>
+            <a:effectRef idx="0">
+              <a:scrgbClr r="0" g="0" b="0"/>
+            </a:effectRef>
+            <a:fontRef idx="minor">
+              <a:schemeClr val="lt1"/>
+            </a:fontRef>
+          </p:style>
+          <p:txBody>
+            <a:bodyPr spcFirstLastPara="0" vert="horz" wrap="square" lIns="10795" tIns="10795" rIns="10795" bIns="10795" numCol="1" spcCol="1270" anchor="ctr" anchorCtr="0">
+              <a:noAutofit/>
+            </a:bodyPr>
+            <a:lstStyle/>
+            <a:p>
+              <a:pPr lvl="0" algn="ctr" defTabSz="755650">
+                <a:lnSpc>
+                  <a:spcPct val="90000"/>
+                </a:lnSpc>
+                <a:spcBef>
+                  <a:spcPct val="0"/>
+                </a:spcBef>
+                <a:spcAft>
+                  <a:spcPct val="35000"/>
+                </a:spcAft>
+              </a:pPr>
+              <a:r>
+                <a:rPr lang="en-US" sz="1700" kern="1200" dirty="0" smtClean="0"/>
+                <a:t>Requests</a:t>
+              </a:r>
+              <a:endParaRPr lang="ru-RU" sz="1700" kern="1200" dirty="0"/>
+            </a:p>
+          </p:txBody>
+        </p:sp>
+      </p:grpSp>
+      <p:grpSp>
+        <p:nvGrpSpPr>
+          <p:cNvPr id="36" name="Группа 35"/>
+          <p:cNvGrpSpPr/>
+          <p:nvPr/>
+        </p:nvGrpSpPr>
+        <p:grpSpPr>
+          <a:xfrm>
+            <a:off x="7845519" y="5745191"/>
+            <a:ext cx="1069963" cy="1069963"/>
+            <a:chOff x="5088827" y="511488"/>
+            <a:chExt cx="1069963" cy="1069963"/>
+          </a:xfrm>
+        </p:grpSpPr>
+        <p:sp>
+          <p:nvSpPr>
+            <p:cNvPr id="37" name="Овал 36"/>
+            <p:cNvSpPr/>
+            <p:nvPr/>
+          </p:nvSpPr>
+          <p:spPr>
+            <a:xfrm>
+              <a:off x="5088827" y="511488"/>
+              <a:ext cx="1069963" cy="1069963"/>
+            </a:xfrm>
+            <a:prstGeom prst="ellipse">
+              <a:avLst/>
+            </a:prstGeom>
+          </p:spPr>
+          <p:style>
+            <a:lnRef idx="2">
+              <a:schemeClr val="lt1">
+                <a:hueOff val="0"/>
+                <a:satOff val="0"/>
+                <a:lumOff val="0"/>
+                <a:alphaOff val="0"/>
+              </a:schemeClr>
+            </a:lnRef>
+            <a:fillRef idx="1">
+              <a:schemeClr val="accent1">
+                <a:hueOff val="0"/>
+                <a:satOff val="0"/>
+                <a:lumOff val="0"/>
+                <a:alphaOff val="0"/>
+              </a:schemeClr>
+            </a:fillRef>
+            <a:effectRef idx="0">
+              <a:schemeClr val="accent1">
+                <a:hueOff val="0"/>
+                <a:satOff val="0"/>
+                <a:lumOff val="0"/>
+                <a:alphaOff val="0"/>
+              </a:schemeClr>
+            </a:effectRef>
+            <a:fontRef idx="minor">
+              <a:schemeClr val="lt1"/>
+            </a:fontRef>
+          </p:style>
+        </p:sp>
+        <p:sp>
+          <p:nvSpPr>
+            <p:cNvPr id="38" name="Овал 4"/>
+            <p:cNvSpPr/>
+            <p:nvPr/>
+          </p:nvSpPr>
+          <p:spPr>
+            <a:xfrm>
+              <a:off x="5308552" y="556993"/>
+              <a:ext cx="756579" cy="756579"/>
+            </a:xfrm>
+            <a:prstGeom prst="rect">
+              <a:avLst/>
+            </a:prstGeom>
+          </p:spPr>
+          <p:style>
+            <a:lnRef idx="0">
+              <a:scrgbClr r="0" g="0" b="0"/>
+            </a:lnRef>
+            <a:fillRef idx="0">
+              <a:scrgbClr r="0" g="0" b="0"/>
+            </a:fillRef>
+            <a:effectRef idx="0">
+              <a:scrgbClr r="0" g="0" b="0"/>
+            </a:effectRef>
+            <a:fontRef idx="minor">
+              <a:schemeClr val="lt1"/>
+            </a:fontRef>
+          </p:style>
+          <p:txBody>
+            <a:bodyPr spcFirstLastPara="0" vert="horz" wrap="square" lIns="8890" tIns="8890" rIns="8890" bIns="8890" numCol="1" spcCol="1270" anchor="ctr" anchorCtr="0">
+              <a:noAutofit/>
+            </a:bodyPr>
+            <a:lstStyle/>
+            <a:p>
+              <a:pPr lvl="0" algn="ctr" defTabSz="622300">
+                <a:lnSpc>
+                  <a:spcPct val="90000"/>
+                </a:lnSpc>
+                <a:spcBef>
+                  <a:spcPct val="0"/>
+                </a:spcBef>
+                <a:spcAft>
+                  <a:spcPct val="35000"/>
+                </a:spcAft>
+              </a:pPr>
+              <a:r>
+                <a:rPr lang="en-US" sz="1400" kern="1200" dirty="0" smtClean="0"/>
+                <a:t>Relevant</a:t>
+              </a:r>
+              <a:endParaRPr lang="ru-RU" sz="1400" kern="1200" dirty="0" smtClean="0"/>
+            </a:p>
+            <a:p>
+              <a:pPr lvl="0" algn="ctr" defTabSz="622300">
+                <a:lnSpc>
+                  <a:spcPct val="90000"/>
+                </a:lnSpc>
+                <a:spcBef>
+                  <a:spcPct val="0"/>
+                </a:spcBef>
+                <a:spcAft>
+                  <a:spcPct val="35000"/>
+                </a:spcAft>
+              </a:pPr>
+              <a:r>
+                <a:rPr lang="en-US" sz="1400" kern="1200" dirty="0" smtClean="0"/>
+                <a:t>Response</a:t>
+              </a:r>
+              <a:endParaRPr lang="ru-RU" sz="1400" kern="1200" dirty="0"/>
+            </a:p>
+          </p:txBody>
+        </p:sp>
+      </p:grpSp>
+      <p:sp>
+        <p:nvSpPr>
+          <p:cNvPr id="42" name="Стрелка вправо 41"/>
+          <p:cNvSpPr/>
+          <p:nvPr/>
+        </p:nvSpPr>
+        <p:spPr>
+          <a:xfrm>
+            <a:off x="11056123" y="623352"/>
+            <a:ext cx="525014" cy="484632"/>
+          </a:xfrm>
+          <a:prstGeom prst="rightArrow">
+            <a:avLst/>
+          </a:prstGeom>
+        </p:spPr>
+        <p:style>
+          <a:lnRef idx="2">
+            <a:schemeClr val="accent1">
+              <a:shade val="50000"/>
+            </a:schemeClr>
+          </a:lnRef>
+          <a:fillRef idx="1">
+            <a:schemeClr val="accent1"/>
+          </a:fillRef>
+          <a:effectRef idx="0">
+            <a:schemeClr val="accent1"/>
+          </a:effectRef>
+          <a:fontRef idx="minor">
+            <a:schemeClr val="lt1"/>
+          </a:fontRef>
+        </p:style>
+        <p:txBody>
+          <a:bodyPr rtlCol="0" anchor="ctr"/>
+          <a:lstStyle/>
+          <a:p>
+            <a:pPr algn="ctr"/>
+            <a:endParaRPr lang="ru-RU"/>
+          </a:p>
+        </p:txBody>
+      </p:sp>
+      <p:pic>
+        <p:nvPicPr>
+          <p:cNvPr id="43" name="Рисунок 42"/>
+          <p:cNvPicPr>
+            <a:picLocks noChangeAspect="1"/>
+          </p:cNvPicPr>
+          <p:nvPr/>
+        </p:nvPicPr>
+        <p:blipFill>
+          <a:blip r:embed="rId3" cstate="print">
+            <a:extLst>
+              <a:ext uri="{28A0092B-C50C-407E-A947-70E740481C1C}">
+                <a14:useLocalDpi xmlns:a14="http://schemas.microsoft.com/office/drawing/2010/main" val="0"/>
+              </a:ext>
+            </a:extLst>
+          </a:blip>
+          <a:stretch>
+            <a:fillRect/>
+          </a:stretch>
+        </p:blipFill>
+        <p:spPr>
+          <a:xfrm>
+            <a:off x="7832749" y="4570264"/>
+            <a:ext cx="948137" cy="1341005"/>
+          </a:xfrm>
+          <a:prstGeom prst="rect">
+            <a:avLst/>
+          </a:prstGeom>
+        </p:spPr>
+      </p:pic>
+      <p:sp>
+        <p:nvSpPr>
+          <p:cNvPr id="44" name="Стрелка вправо 43"/>
+          <p:cNvSpPr/>
+          <p:nvPr/>
+        </p:nvSpPr>
+        <p:spPr>
+          <a:xfrm>
+            <a:off x="7262792" y="5976323"/>
+            <a:ext cx="525014" cy="484632"/>
+          </a:xfrm>
+          <a:prstGeom prst="rightArrow">
+            <a:avLst/>
+          </a:prstGeom>
+        </p:spPr>
+        <p:style>
+          <a:lnRef idx="2">
+            <a:schemeClr val="accent1">
+              <a:shade val="50000"/>
+            </a:schemeClr>
+          </a:lnRef>
+          <a:fillRef idx="1">
+            <a:schemeClr val="accent1"/>
+          </a:fillRef>
+          <a:effectRef idx="0">
+            <a:schemeClr val="accent1"/>
+          </a:effectRef>
+          <a:fontRef idx="minor">
+            <a:schemeClr val="lt1"/>
+          </a:fontRef>
+        </p:style>
+        <p:txBody>
+          <a:bodyPr rtlCol="0" anchor="ctr"/>
+          <a:lstStyle/>
+          <a:p>
+            <a:pPr algn="ctr"/>
+            <a:endParaRPr lang="ru-RU"/>
+          </a:p>
+        </p:txBody>
+      </p:sp>
+      <p:pic>
+        <p:nvPicPr>
+          <p:cNvPr id="50" name="Рисунок 49"/>
+          <p:cNvPicPr>
+            <a:picLocks noChangeAspect="1"/>
+          </p:cNvPicPr>
+          <p:nvPr/>
+        </p:nvPicPr>
+        <p:blipFill>
+          <a:blip r:embed="rId4" cstate="print">
+            <a:extLst>
+              <a:ext uri="{28A0092B-C50C-407E-A947-70E740481C1C}">
+                <a14:useLocalDpi xmlns:a14="http://schemas.microsoft.com/office/drawing/2010/main" val="0"/>
+              </a:ext>
+            </a:extLst>
+          </a:blip>
+          <a:stretch>
+            <a:fillRect/>
+          </a:stretch>
+        </p:blipFill>
+        <p:spPr>
+          <a:xfrm>
+            <a:off x="6395472" y="5364585"/>
+            <a:ext cx="1002898" cy="1418457"/>
+          </a:xfrm>
+          <a:prstGeom prst="rect">
+            <a:avLst/>
+          </a:prstGeom>
+        </p:spPr>
+      </p:pic>
+      <p:sp>
+        <p:nvSpPr>
+          <p:cNvPr id="52" name="Стрелка вправо 51"/>
+          <p:cNvSpPr/>
+          <p:nvPr/>
+        </p:nvSpPr>
+        <p:spPr>
+          <a:xfrm rot="5400000">
+            <a:off x="5729464" y="3155685"/>
+            <a:ext cx="525014" cy="484632"/>
+          </a:xfrm>
+          <a:prstGeom prst="rightArrow">
+            <a:avLst/>
+          </a:prstGeom>
+        </p:spPr>
+        <p:style>
+          <a:lnRef idx="2">
+            <a:schemeClr val="accent1">
+              <a:shade val="50000"/>
+            </a:schemeClr>
+          </a:lnRef>
+          <a:fillRef idx="1">
+            <a:schemeClr val="accent1"/>
+          </a:fillRef>
+          <a:effectRef idx="0">
+            <a:schemeClr val="accent1"/>
+          </a:effectRef>
+          <a:fontRef idx="minor">
+            <a:schemeClr val="lt1"/>
+          </a:fontRef>
+        </p:style>
+        <p:txBody>
+          <a:bodyPr rtlCol="0" anchor="ctr"/>
+          <a:lstStyle/>
+          <a:p>
+            <a:pPr algn="ctr"/>
+            <a:endParaRPr lang="ru-RU"/>
+          </a:p>
+        </p:txBody>
+      </p:sp>
+      <p:sp>
+        <p:nvSpPr>
+          <p:cNvPr id="53" name="Стрелка вправо 52"/>
+          <p:cNvSpPr/>
+          <p:nvPr/>
+        </p:nvSpPr>
+        <p:spPr>
+          <a:xfrm rot="7865662">
+            <a:off x="11340456" y="3732191"/>
+            <a:ext cx="525014" cy="484632"/>
+          </a:xfrm>
+          <a:prstGeom prst="rightArrow">
+            <a:avLst/>
+          </a:prstGeom>
+        </p:spPr>
+        <p:style>
+          <a:lnRef idx="2">
+            <a:schemeClr val="accent1">
+              <a:shade val="50000"/>
+            </a:schemeClr>
+          </a:lnRef>
+          <a:fillRef idx="1">
+            <a:schemeClr val="accent1"/>
+          </a:fillRef>
+          <a:effectRef idx="0">
+            <a:schemeClr val="accent1"/>
+          </a:effectRef>
+          <a:fontRef idx="minor">
+            <a:schemeClr val="lt1"/>
+          </a:fontRef>
+        </p:style>
+        <p:txBody>
+          <a:bodyPr rtlCol="0" anchor="ctr"/>
+          <a:lstStyle/>
+          <a:p>
+            <a:pPr algn="ctr"/>
+            <a:endParaRPr lang="ru-RU"/>
+          </a:p>
+        </p:txBody>
+      </p:sp>
+      <p:sp>
+        <p:nvSpPr>
+          <p:cNvPr id="54" name="Стрелка вправо 53"/>
+          <p:cNvSpPr/>
+          <p:nvPr/>
+        </p:nvSpPr>
+        <p:spPr>
+          <a:xfrm rot="7865662">
+            <a:off x="11372884" y="4446406"/>
+            <a:ext cx="525014" cy="484632"/>
+          </a:xfrm>
+          <a:prstGeom prst="rightArrow">
+            <a:avLst/>
+          </a:prstGeom>
+        </p:spPr>
+        <p:style>
+          <a:lnRef idx="2">
+            <a:schemeClr val="accent1">
+              <a:shade val="50000"/>
+            </a:schemeClr>
+          </a:lnRef>
+          <a:fillRef idx="1">
+            <a:schemeClr val="accent1"/>
+          </a:fillRef>
+          <a:effectRef idx="0">
+            <a:schemeClr val="accent1"/>
+          </a:effectRef>
+          <a:fontRef idx="minor">
+            <a:schemeClr val="lt1"/>
+          </a:fontRef>
+        </p:style>
+        <p:txBody>
+          <a:bodyPr rtlCol="0" anchor="ctr"/>
+          <a:lstStyle/>
+          <a:p>
+            <a:pPr algn="ctr"/>
+            <a:endParaRPr lang="ru-RU"/>
+          </a:p>
+        </p:txBody>
+      </p:sp>
+      <p:sp>
+        <p:nvSpPr>
+          <p:cNvPr id="55" name="Стрелка вправо 54"/>
+          <p:cNvSpPr/>
+          <p:nvPr/>
+        </p:nvSpPr>
+        <p:spPr>
+          <a:xfrm rot="5400000">
+            <a:off x="8257316" y="5548148"/>
+            <a:ext cx="525014" cy="484632"/>
+          </a:xfrm>
+          <a:prstGeom prst="rightArrow">
+            <a:avLst/>
+          </a:prstGeom>
+        </p:spPr>
+        <p:style>
+          <a:lnRef idx="2">
+            <a:schemeClr val="accent1">
+              <a:shade val="50000"/>
+            </a:schemeClr>
+          </a:lnRef>
+          <a:fillRef idx="1">
+            <a:schemeClr val="accent1"/>
+          </a:fillRef>
+          <a:effectRef idx="0">
+            <a:schemeClr val="accent1"/>
+          </a:effectRef>
+          <a:fontRef idx="minor">
+            <a:schemeClr val="lt1"/>
+          </a:fontRef>
+        </p:style>
+        <p:txBody>
+          <a:bodyPr rtlCol="0" anchor="ctr"/>
+          <a:lstStyle/>
+          <a:p>
+            <a:pPr algn="ctr"/>
+            <a:endParaRPr lang="ru-RU"/>
+          </a:p>
+        </p:txBody>
+      </p:sp>
+      <p:sp>
+        <p:nvSpPr>
+          <p:cNvPr id="56" name="Стрелка вправо 55"/>
+          <p:cNvSpPr/>
+          <p:nvPr/>
+        </p:nvSpPr>
+        <p:spPr>
+          <a:xfrm rot="5400000">
+            <a:off x="11451421" y="2014404"/>
+            <a:ext cx="525014" cy="484632"/>
+          </a:xfrm>
+          <a:prstGeom prst="rightArrow">
+            <a:avLst/>
+          </a:prstGeom>
+        </p:spPr>
+        <p:style>
+          <a:lnRef idx="2">
+            <a:schemeClr val="accent1">
+              <a:shade val="50000"/>
+            </a:schemeClr>
+          </a:lnRef>
+          <a:fillRef idx="1">
+            <a:schemeClr val="accent1"/>
+          </a:fillRef>
+          <a:effectRef idx="0">
+            <a:schemeClr val="accent1"/>
+          </a:effectRef>
+          <a:fontRef idx="minor">
+            <a:schemeClr val="lt1"/>
+          </a:fontRef>
+        </p:style>
+        <p:txBody>
+          <a:bodyPr rtlCol="0" anchor="ctr"/>
+          <a:lstStyle/>
+          <a:p>
+            <a:pPr algn="ctr"/>
+            <a:endParaRPr lang="ru-RU"/>
+          </a:p>
+        </p:txBody>
+      </p:sp>
+      <p:sp>
+        <p:nvSpPr>
+          <p:cNvPr id="57" name="Стрелка вправо 56"/>
+          <p:cNvSpPr/>
+          <p:nvPr/>
+        </p:nvSpPr>
+        <p:spPr>
+          <a:xfrm rot="7865662">
+            <a:off x="11438655" y="3109469"/>
+            <a:ext cx="525014" cy="484632"/>
+          </a:xfrm>
+          <a:prstGeom prst="rightArrow">
+            <a:avLst/>
+          </a:prstGeom>
+        </p:spPr>
+        <p:style>
+          <a:lnRef idx="2">
+            <a:schemeClr val="accent1">
+              <a:shade val="50000"/>
+            </a:schemeClr>
+          </a:lnRef>
+          <a:fillRef idx="1">
+            <a:schemeClr val="accent1"/>
+          </a:fillRef>
+          <a:effectRef idx="0">
+            <a:schemeClr val="accent1"/>
+          </a:effectRef>
+          <a:fontRef idx="minor">
+            <a:schemeClr val="lt1"/>
+          </a:fontRef>
+        </p:style>
+        <p:txBody>
+          <a:bodyPr rtlCol="0" anchor="ctr"/>
+          <a:lstStyle/>
+          <a:p>
+            <a:pPr algn="ctr"/>
+            <a:endParaRPr lang="ru-RU"/>
+          </a:p>
+        </p:txBody>
+      </p:sp>
+      <p:sp>
+        <p:nvSpPr>
+          <p:cNvPr id="58" name="Стрелка вправо 57"/>
+          <p:cNvSpPr/>
+          <p:nvPr/>
+        </p:nvSpPr>
+        <p:spPr>
+          <a:xfrm>
+            <a:off x="11368041" y="2585324"/>
+            <a:ext cx="525014" cy="484632"/>
+          </a:xfrm>
+          <a:prstGeom prst="rightArrow">
+            <a:avLst/>
+          </a:prstGeom>
+        </p:spPr>
+        <p:style>
+          <a:lnRef idx="2">
+            <a:schemeClr val="accent1">
+              <a:shade val="50000"/>
+            </a:schemeClr>
+          </a:lnRef>
+          <a:fillRef idx="1">
+            <a:schemeClr val="accent1"/>
+          </a:fillRef>
+          <a:effectRef idx="0">
+            <a:schemeClr val="accent1"/>
+          </a:effectRef>
+          <a:fontRef idx="minor">
+            <a:schemeClr val="lt1"/>
+          </a:fontRef>
+        </p:style>
+        <p:txBody>
+          <a:bodyPr rtlCol="0" anchor="ctr"/>
+          <a:lstStyle/>
+          <a:p>
+            <a:pPr algn="ctr"/>
+            <a:endParaRPr lang="ru-RU"/>
+          </a:p>
+        </p:txBody>
+      </p:sp>
+      <p:sp>
+        <p:nvSpPr>
+          <p:cNvPr id="59" name="Стрелка вправо 58"/>
+          <p:cNvSpPr/>
+          <p:nvPr/>
+        </p:nvSpPr>
+        <p:spPr>
+          <a:xfrm rot="18900000">
+            <a:off x="4639966" y="1822770"/>
+            <a:ext cx="525014" cy="484632"/>
+          </a:xfrm>
+          <a:prstGeom prst="rightArrow">
+            <a:avLst/>
+          </a:prstGeom>
+        </p:spPr>
+        <p:style>
+          <a:lnRef idx="2">
+            <a:schemeClr val="accent1">
+              <a:shade val="50000"/>
+            </a:schemeClr>
+          </a:lnRef>
+          <a:fillRef idx="1">
+            <a:schemeClr val="accent1"/>
+          </a:fillRef>
+          <a:effectRef idx="0">
+            <a:schemeClr val="accent1"/>
+          </a:effectRef>
+          <a:fontRef idx="minor">
+            <a:schemeClr val="lt1"/>
+          </a:fontRef>
+        </p:style>
+        <p:txBody>
+          <a:bodyPr rtlCol="0" anchor="ctr"/>
+          <a:lstStyle/>
+          <a:p>
+            <a:pPr algn="ctr"/>
+            <a:endParaRPr lang="ru-RU"/>
+          </a:p>
+        </p:txBody>
+      </p:sp>
+      <p:sp>
+        <p:nvSpPr>
+          <p:cNvPr id="60" name="Стрелка вправо 59"/>
+          <p:cNvSpPr/>
+          <p:nvPr/>
+        </p:nvSpPr>
+        <p:spPr>
+          <a:xfrm rot="18900000">
+            <a:off x="6426844" y="805756"/>
+            <a:ext cx="525014" cy="484632"/>
+          </a:xfrm>
+          <a:prstGeom prst="rightArrow">
+            <a:avLst/>
+          </a:prstGeom>
+        </p:spPr>
+        <p:style>
+          <a:lnRef idx="2">
+            <a:schemeClr val="accent1">
+              <a:shade val="50000"/>
+            </a:schemeClr>
+          </a:lnRef>
+          <a:fillRef idx="1">
+            <a:schemeClr val="accent1"/>
+          </a:fillRef>
+          <a:effectRef idx="0">
+            <a:schemeClr val="accent1"/>
+          </a:effectRef>
+          <a:fontRef idx="minor">
+            <a:schemeClr val="lt1"/>
+          </a:fontRef>
+        </p:style>
+        <p:txBody>
+          <a:bodyPr rtlCol="0" anchor="ctr"/>
+          <a:lstStyle/>
+          <a:p>
+            <a:pPr algn="ctr"/>
+            <a:endParaRPr lang="ru-RU"/>
+          </a:p>
+        </p:txBody>
+      </p:sp>
+      <p:sp>
+        <p:nvSpPr>
+          <p:cNvPr id="61" name="Стрелка вправо 60"/>
+          <p:cNvSpPr/>
+          <p:nvPr/>
+        </p:nvSpPr>
+        <p:spPr>
+          <a:xfrm>
+            <a:off x="4761880" y="2316221"/>
+            <a:ext cx="525014" cy="484632"/>
+          </a:xfrm>
+          <a:prstGeom prst="rightArrow">
+            <a:avLst/>
+          </a:prstGeom>
+        </p:spPr>
+        <p:style>
+          <a:lnRef idx="2">
+            <a:schemeClr val="accent1">
+              <a:shade val="50000"/>
+            </a:schemeClr>
+          </a:lnRef>
+          <a:fillRef idx="1">
+            <a:schemeClr val="accent1"/>
+          </a:fillRef>
+          <a:effectRef idx="0">
+            <a:schemeClr val="accent1"/>
+          </a:effectRef>
+          <a:fontRef idx="minor">
+            <a:schemeClr val="lt1"/>
+          </a:fontRef>
+        </p:style>
+        <p:txBody>
+          <a:bodyPr rtlCol="0" anchor="ctr"/>
+          <a:lstStyle/>
+          <a:p>
+            <a:pPr algn="ctr"/>
+            <a:endParaRPr lang="ru-RU"/>
+          </a:p>
+        </p:txBody>
+      </p:sp>
+      <p:sp>
+        <p:nvSpPr>
+          <p:cNvPr id="62" name="Стрелка вправо 61"/>
+          <p:cNvSpPr/>
+          <p:nvPr/>
+        </p:nvSpPr>
+        <p:spPr>
+          <a:xfrm rot="2700000">
+            <a:off x="4570942" y="2942288"/>
+            <a:ext cx="525014" cy="484632"/>
+          </a:xfrm>
+          <a:prstGeom prst="rightArrow">
+            <a:avLst/>
+          </a:prstGeom>
+        </p:spPr>
+        <p:style>
+          <a:lnRef idx="2">
+            <a:schemeClr val="accent1">
+              <a:shade val="50000"/>
+            </a:schemeClr>
+          </a:lnRef>
+          <a:fillRef idx="1">
+            <a:schemeClr val="accent1"/>
+          </a:fillRef>
+          <a:effectRef idx="0">
+            <a:schemeClr val="accent1"/>
+          </a:effectRef>
+          <a:fontRef idx="minor">
+            <a:schemeClr val="lt1"/>
+          </a:fontRef>
+        </p:style>
+        <p:txBody>
+          <a:bodyPr rtlCol="0" anchor="ctr"/>
+          <a:lstStyle/>
+          <a:p>
+            <a:pPr algn="ctr"/>
+            <a:endParaRPr lang="ru-RU"/>
+          </a:p>
+        </p:txBody>
+      </p:sp>
+      <p:sp>
+        <p:nvSpPr>
+          <p:cNvPr id="63" name="Стрелка вправо 62"/>
+          <p:cNvSpPr/>
+          <p:nvPr/>
+        </p:nvSpPr>
+        <p:spPr>
+          <a:xfrm rot="2700000">
+            <a:off x="6167174" y="5571890"/>
+            <a:ext cx="525014" cy="484632"/>
+          </a:xfrm>
+          <a:prstGeom prst="rightArrow">
+            <a:avLst/>
+          </a:prstGeom>
+        </p:spPr>
+        <p:style>
+          <a:lnRef idx="2">
+            <a:schemeClr val="accent1">
+              <a:shade val="50000"/>
+            </a:schemeClr>
+          </a:lnRef>
+          <a:fillRef idx="1">
+            <a:schemeClr val="accent1"/>
+          </a:fillRef>
+          <a:effectRef idx="0">
+            <a:schemeClr val="accent1"/>
+          </a:effectRef>
+          <a:fontRef idx="minor">
+            <a:schemeClr val="lt1"/>
+          </a:fontRef>
+        </p:style>
+        <p:txBody>
+          <a:bodyPr rtlCol="0" anchor="ctr"/>
+          <a:lstStyle/>
+          <a:p>
+            <a:pPr algn="ctr"/>
+            <a:endParaRPr lang="ru-RU"/>
+          </a:p>
+        </p:txBody>
+      </p:sp>
+      <p:sp>
+        <p:nvSpPr>
+          <p:cNvPr id="64" name="Стрелка вправо 63"/>
+          <p:cNvSpPr/>
+          <p:nvPr/>
+        </p:nvSpPr>
+        <p:spPr>
+          <a:xfrm>
+            <a:off x="6406851" y="3787557"/>
+            <a:ext cx="525014" cy="484632"/>
+          </a:xfrm>
+          <a:prstGeom prst="rightArrow">
+            <a:avLst/>
+          </a:prstGeom>
+        </p:spPr>
+        <p:style>
+          <a:lnRef idx="2">
+            <a:schemeClr val="accent1">
+              <a:shade val="50000"/>
+            </a:schemeClr>
+          </a:lnRef>
+          <a:fillRef idx="1">
+            <a:schemeClr val="accent1"/>
+          </a:fillRef>
+          <a:effectRef idx="0">
+            <a:schemeClr val="accent1"/>
+          </a:effectRef>
+          <a:fontRef idx="minor">
+            <a:schemeClr val="lt1"/>
+          </a:fontRef>
+        </p:style>
+        <p:txBody>
+          <a:bodyPr rtlCol="0" anchor="ctr"/>
+          <a:lstStyle/>
+          <a:p>
+            <a:pPr algn="ctr"/>
+            <a:endParaRPr lang="ru-RU"/>
+          </a:p>
+        </p:txBody>
+      </p:sp>
+      <p:sp>
+        <p:nvSpPr>
+          <p:cNvPr id="65" name="Стрелка вправо 64"/>
+          <p:cNvSpPr/>
+          <p:nvPr/>
+        </p:nvSpPr>
+        <p:spPr>
+          <a:xfrm rot="5400000">
+            <a:off x="11367271" y="1206083"/>
+            <a:ext cx="525014" cy="484632"/>
+          </a:xfrm>
+          <a:prstGeom prst="rightArrow">
+            <a:avLst/>
+          </a:prstGeom>
+        </p:spPr>
+        <p:style>
+          <a:lnRef idx="2">
+            <a:schemeClr val="accent1">
+              <a:shade val="50000"/>
+            </a:schemeClr>
+          </a:lnRef>
+          <a:fillRef idx="1">
+            <a:schemeClr val="accent1"/>
+          </a:fillRef>
+          <a:effectRef idx="0">
+            <a:schemeClr val="accent1"/>
+          </a:effectRef>
+          <a:fontRef idx="minor">
+            <a:schemeClr val="lt1"/>
+          </a:fontRef>
+        </p:style>
+        <p:txBody>
+          <a:bodyPr rtlCol="0" anchor="ctr"/>
+          <a:lstStyle/>
+          <a:p>
+            <a:pPr algn="ctr"/>
+            <a:endParaRPr lang="ru-RU"/>
+          </a:p>
+        </p:txBody>
+      </p:sp>
+      <p:sp>
+        <p:nvSpPr>
+          <p:cNvPr id="66" name="Стрелка вправо 65"/>
+          <p:cNvSpPr/>
+          <p:nvPr/>
+        </p:nvSpPr>
+        <p:spPr>
+          <a:xfrm rot="2700000">
+            <a:off x="7839347" y="4335090"/>
+            <a:ext cx="525014" cy="484632"/>
+          </a:xfrm>
+          <a:prstGeom prst="rightArrow">
+            <a:avLst/>
+          </a:prstGeom>
+        </p:spPr>
+        <p:style>
+          <a:lnRef idx="2">
+            <a:schemeClr val="accent1">
+              <a:shade val="50000"/>
+            </a:schemeClr>
+          </a:lnRef>
+          <a:fillRef idx="1">
+            <a:schemeClr val="accent1"/>
+          </a:fillRef>
+          <a:effectRef idx="0">
+            <a:schemeClr val="accent1"/>
+          </a:effectRef>
+          <a:fontRef idx="minor">
+            <a:schemeClr val="lt1"/>
+          </a:fontRef>
+        </p:style>
+        <p:txBody>
+          <a:bodyPr rtlCol="0" anchor="ctr"/>
+          <a:lstStyle/>
+          <a:p>
+            <a:pPr algn="ctr"/>
+            <a:endParaRPr lang="ru-RU"/>
+          </a:p>
+        </p:txBody>
+      </p:sp>
+    </p:spTree>
+    <p:extLst>
+      <p:ext uri="{BB962C8B-B14F-4D97-AF65-F5344CB8AC3E}">
+        <p14:creationId xmlns:p14="http://schemas.microsoft.com/office/powerpoint/2010/main" val="1136916508"/>
+      </p:ext>
+    </p:extLst>
+  </p:cSld>
+  <p:clrMapOvr>
+    <a:masterClrMapping/>
+  </p:clrMapOvr>
+</p:sld>
+</file>
+
+<file path=ppt/slides/slide13.xml><?xml version="1.0" encoding="utf-8"?>
+<p:sld xmlns:a="http://schemas.openxmlformats.org/drawingml/2006/main" xmlns:r="http://schemas.openxmlformats.org/officeDocument/2006/relationships" xmlns:p="http://schemas.openxmlformats.org/presentationml/2006/main">
+  <p:cSld>
+    <p:spTree>
+      <p:nvGrpSpPr>
+        <p:cNvPr id="1" name=""/>
+        <p:cNvGrpSpPr/>
+        <p:nvPr/>
+      </p:nvGrpSpPr>
+      <p:grpSpPr>
+        <a:xfrm>
+          <a:off x="0" y="0"/>
+          <a:ext cx="0" cy="0"/>
+          <a:chOff x="0" y="0"/>
+          <a:chExt cx="0" cy="0"/>
+        </a:xfrm>
+      </p:grpSpPr>
+      <p:sp>
+        <p:nvSpPr>
+          <p:cNvPr id="2" name="Заголовок 1"/>
+          <p:cNvSpPr>
+            <a:spLocks noGrp="1"/>
+          </p:cNvSpPr>
+          <p:nvPr>
+            <p:ph type="title"/>
+          </p:nvPr>
+        </p:nvSpPr>
+        <p:spPr>
+          <a:xfrm>
             <a:off x="1097280" y="286604"/>
             <a:ext cx="10058400" cy="1118248"/>
           </a:xfrm>
@@ -42920,7 +46274,7 @@
             <p:ph idx="1"/>
             <p:extLst>
               <p:ext uri="{D42A27DB-BD31-4B8C-83A1-F6EECF244321}">
-                <p14:modId xmlns:p14="http://schemas.microsoft.com/office/powerpoint/2010/main" val="2043355302"/>
+                <p14:modId xmlns:p14="http://schemas.microsoft.com/office/powerpoint/2010/main" val="1948393861"/>
               </p:ext>
             </p:extLst>
           </p:nvPr>
@@ -42994,7 +46348,7 @@
           <a:p>
             <a:fld id="{DEBD715E-836E-42D1-BDDD-058C1EE5707C}" type="slidenum">
               <a:rPr lang="ru-RU" smtClean="0"/>
-              <a:t>12</a:t>
+              <a:t>13</a:t>
             </a:fld>
             <a:endParaRPr lang="ru-RU"/>
           </a:p>
@@ -43102,7 +46456,7 @@
 </p:sld>
 </file>
 
-<file path=ppt/slides/slide13.xml><?xml version="1.0" encoding="utf-8"?>
+<file path=ppt/slides/slide14.xml><?xml version="1.0" encoding="utf-8"?>
 <p:sld xmlns:a="http://schemas.openxmlformats.org/drawingml/2006/main" xmlns:r="http://schemas.openxmlformats.org/officeDocument/2006/relationships" xmlns:p="http://schemas.openxmlformats.org/presentationml/2006/main">
   <p:cSld>
     <p:spTree>
@@ -43197,7 +46551,7 @@
           <a:p>
             <a:fld id="{DEBD715E-836E-42D1-BDDD-058C1EE5707C}" type="slidenum">
               <a:rPr lang="ru-RU" smtClean="0"/>
-              <a:t>13</a:t>
+              <a:t>14</a:t>
             </a:fld>
             <a:endParaRPr lang="ru-RU"/>
           </a:p>
@@ -43332,7 +46686,7 @@
 </p:sld>
 </file>
 
-<file path=ppt/slides/slide14.xml><?xml version="1.0" encoding="utf-8"?>
+<file path=ppt/slides/slide15.xml><?xml version="1.0" encoding="utf-8"?>
 <p:sld xmlns:a="http://schemas.openxmlformats.org/drawingml/2006/main" xmlns:r="http://schemas.openxmlformats.org/officeDocument/2006/relationships" xmlns:p="http://schemas.openxmlformats.org/presentationml/2006/main">
   <p:cSld>
     <p:spTree>
@@ -43427,7 +46781,7 @@
           <a:p>
             <a:fld id="{DEBD715E-836E-42D1-BDDD-058C1EE5707C}" type="slidenum">
               <a:rPr lang="ru-RU" smtClean="0"/>
-              <a:t>14</a:t>
+              <a:t>15</a:t>
             </a:fld>
             <a:endParaRPr lang="ru-RU"/>
           </a:p>
@@ -43572,7 +46926,7 @@
 </p:sld>
 </file>
 
-<file path=ppt/slides/slide15.xml><?xml version="1.0" encoding="utf-8"?>
+<file path=ppt/slides/slide16.xml><?xml version="1.0" encoding="utf-8"?>
 <p:sld xmlns:a="http://schemas.openxmlformats.org/drawingml/2006/main" xmlns:r="http://schemas.openxmlformats.org/officeDocument/2006/relationships" xmlns:p="http://schemas.openxmlformats.org/presentationml/2006/main">
   <p:cSld>
     <p:spTree>
@@ -43817,7 +47171,7 @@
           <a:p>
             <a:fld id="{DEBD715E-836E-42D1-BDDD-058C1EE5707C}" type="slidenum">
               <a:rPr lang="ru-RU" smtClean="0"/>
-              <a:t>15</a:t>
+              <a:t>16</a:t>
             </a:fld>
             <a:endParaRPr lang="ru-RU"/>
           </a:p>
@@ -46799,7 +50153,7 @@
 </p:sld>
 </file>
 
-<file path=ppt/slides/slide16.xml><?xml version="1.0" encoding="utf-8"?>
+<file path=ppt/slides/slide17.xml><?xml version="1.0" encoding="utf-8"?>
 <p:sld xmlns:a="http://schemas.openxmlformats.org/drawingml/2006/main" xmlns:r="http://schemas.openxmlformats.org/officeDocument/2006/relationships" xmlns:p="http://schemas.openxmlformats.org/presentationml/2006/main">
   <p:cSld>
     <p:spTree>
@@ -47044,7 +50398,7 @@
           <a:p>
             <a:fld id="{DEBD715E-836E-42D1-BDDD-058C1EE5707C}" type="slidenum">
               <a:rPr lang="ru-RU" smtClean="0"/>
-              <a:t>16</a:t>
+              <a:t>17</a:t>
             </a:fld>
             <a:endParaRPr lang="ru-RU"/>
           </a:p>
@@ -50501,7 +53855,7 @@
 </p:sld>
 </file>
 
-<file path=ppt/slides/slide17.xml><?xml version="1.0" encoding="utf-8"?>
+<file path=ppt/slides/slide18.xml><?xml version="1.0" encoding="utf-8"?>
 <p:sld xmlns:a="http://schemas.openxmlformats.org/drawingml/2006/main" xmlns:r="http://schemas.openxmlformats.org/officeDocument/2006/relationships" xmlns:p="http://schemas.openxmlformats.org/presentationml/2006/main">
   <p:cSld>
     <p:spTree>
@@ -50836,7 +54190,7 @@
           <a:p>
             <a:fld id="{DEBD715E-836E-42D1-BDDD-058C1EE5707C}" type="slidenum">
               <a:rPr lang="ru-RU" smtClean="0"/>
-              <a:t>17</a:t>
+              <a:t>18</a:t>
             </a:fld>
             <a:endParaRPr lang="ru-RU"/>
           </a:p>
@@ -54359,7 +57713,7 @@
 </p:sld>
 </file>
 
-<file path=ppt/slides/slide18.xml><?xml version="1.0" encoding="utf-8"?>
+<file path=ppt/slides/slide19.xml><?xml version="1.0" encoding="utf-8"?>
 <p:sld xmlns:a="http://schemas.openxmlformats.org/drawingml/2006/main" xmlns:r="http://schemas.openxmlformats.org/officeDocument/2006/relationships" xmlns:p="http://schemas.openxmlformats.org/presentationml/2006/main">
   <p:cSld>
     <p:spTree>
@@ -54492,7 +57846,7 @@
           <a:p>
             <a:fld id="{DEBD715E-836E-42D1-BDDD-058C1EE5707C}" type="slidenum">
               <a:rPr lang="ru-RU" smtClean="0"/>
-              <a:t>18</a:t>
+              <a:t>19</a:t>
             </a:fld>
             <a:endParaRPr lang="ru-RU"/>
           </a:p>
@@ -54502,175 +57856,6 @@
     <p:extLst>
       <p:ext uri="{BB962C8B-B14F-4D97-AF65-F5344CB8AC3E}">
         <p14:creationId xmlns:p14="http://schemas.microsoft.com/office/powerpoint/2010/main" val="622360236"/>
-      </p:ext>
-    </p:extLst>
-  </p:cSld>
-  <p:clrMapOvr>
-    <a:masterClrMapping/>
-  </p:clrMapOvr>
-</p:sld>
-</file>
-
-<file path=ppt/slides/slide19.xml><?xml version="1.0" encoding="utf-8"?>
-<p:sld xmlns:a="http://schemas.openxmlformats.org/drawingml/2006/main" xmlns:r="http://schemas.openxmlformats.org/officeDocument/2006/relationships" xmlns:p="http://schemas.openxmlformats.org/presentationml/2006/main">
-  <p:cSld>
-    <p:spTree>
-      <p:nvGrpSpPr>
-        <p:cNvPr id="1" name=""/>
-        <p:cNvGrpSpPr/>
-        <p:nvPr/>
-      </p:nvGrpSpPr>
-      <p:grpSpPr>
-        <a:xfrm>
-          <a:off x="0" y="0"/>
-          <a:ext cx="0" cy="0"/>
-          <a:chOff x="0" y="0"/>
-          <a:chExt cx="0" cy="0"/>
-        </a:xfrm>
-      </p:grpSpPr>
-      <p:sp>
-        <p:nvSpPr>
-          <p:cNvPr id="2" name="Заголовок 1"/>
-          <p:cNvSpPr>
-            <a:spLocks noGrp="1"/>
-          </p:cNvSpPr>
-          <p:nvPr>
-            <p:ph type="title"/>
-          </p:nvPr>
-        </p:nvSpPr>
-        <p:spPr>
-          <a:xfrm>
-            <a:off x="1097280" y="286604"/>
-            <a:ext cx="10058400" cy="1076684"/>
-          </a:xfrm>
-        </p:spPr>
-        <p:txBody>
-          <a:bodyPr/>
-          <a:lstStyle/>
-          <a:p>
-            <a:endParaRPr lang="ru-RU" dirty="0"/>
-          </a:p>
-        </p:txBody>
-      </p:sp>
-      <p:graphicFrame>
-        <p:nvGraphicFramePr>
-          <p:cNvPr id="10" name="Объект 9"/>
-          <p:cNvGraphicFramePr>
-            <a:graphicFrameLocks noGrp="1"/>
-          </p:cNvGraphicFramePr>
-          <p:nvPr>
-            <p:ph sz="half" idx="1"/>
-            <p:extLst>
-              <p:ext uri="{D42A27DB-BD31-4B8C-83A1-F6EECF244321}">
-                <p14:modId xmlns:p14="http://schemas.microsoft.com/office/powerpoint/2010/main" val="27511934"/>
-              </p:ext>
-            </p:extLst>
-          </p:nvPr>
-        </p:nvGraphicFramePr>
-        <p:xfrm>
-          <a:off x="1096963" y="1846263"/>
-          <a:ext cx="4938712" cy="3049933"/>
-        </p:xfrm>
-        <a:graphic>
-          <a:graphicData uri="http://schemas.openxmlformats.org/drawingml/2006/chart">
-            <c:chart xmlns:c="http://schemas.openxmlformats.org/drawingml/2006/chart" xmlns:r="http://schemas.openxmlformats.org/officeDocument/2006/relationships" r:id="rId2"/>
-          </a:graphicData>
-        </a:graphic>
-      </p:graphicFrame>
-      <p:graphicFrame>
-        <p:nvGraphicFramePr>
-          <p:cNvPr id="13" name="Объект 12"/>
-          <p:cNvGraphicFramePr>
-            <a:graphicFrameLocks noGrp="1"/>
-          </p:cNvGraphicFramePr>
-          <p:nvPr>
-            <p:ph sz="half" idx="2"/>
-            <p:extLst>
-              <p:ext uri="{D42A27DB-BD31-4B8C-83A1-F6EECF244321}">
-                <p14:modId xmlns:p14="http://schemas.microsoft.com/office/powerpoint/2010/main" val="616878084"/>
-              </p:ext>
-            </p:extLst>
-          </p:nvPr>
-        </p:nvGraphicFramePr>
-        <p:xfrm>
-          <a:off x="6218238" y="1846264"/>
-          <a:ext cx="4937125" cy="2875366"/>
-        </p:xfrm>
-        <a:graphic>
-          <a:graphicData uri="http://schemas.openxmlformats.org/drawingml/2006/chart">
-            <c:chart xmlns:c="http://schemas.openxmlformats.org/drawingml/2006/chart" xmlns:r="http://schemas.openxmlformats.org/officeDocument/2006/relationships" r:id="rId3"/>
-          </a:graphicData>
-        </a:graphic>
-      </p:graphicFrame>
-      <p:sp>
-        <p:nvSpPr>
-          <p:cNvPr id="5" name="Дата 4"/>
-          <p:cNvSpPr>
-            <a:spLocks noGrp="1"/>
-          </p:cNvSpPr>
-          <p:nvPr>
-            <p:ph type="dt" sz="half" idx="10"/>
-          </p:nvPr>
-        </p:nvSpPr>
-        <p:spPr/>
-        <p:txBody>
-          <a:bodyPr/>
-          <a:lstStyle/>
-          <a:p>
-            <a:fld id="{8D89F477-1E06-42B9-98CE-724D285F544D}" type="datetime1">
-              <a:rPr lang="ru-RU" smtClean="0"/>
-              <a:t>18.11.2025</a:t>
-            </a:fld>
-            <a:endParaRPr lang="ru-RU"/>
-          </a:p>
-        </p:txBody>
-      </p:sp>
-      <p:sp>
-        <p:nvSpPr>
-          <p:cNvPr id="6" name="Нижний колонтитул 5"/>
-          <p:cNvSpPr>
-            <a:spLocks noGrp="1"/>
-          </p:cNvSpPr>
-          <p:nvPr>
-            <p:ph type="ftr" sz="quarter" idx="11"/>
-          </p:nvPr>
-        </p:nvSpPr>
-        <p:spPr/>
-        <p:txBody>
-          <a:bodyPr/>
-          <a:lstStyle/>
-          <a:p>
-            <a:endParaRPr lang="ru-RU"/>
-          </a:p>
-        </p:txBody>
-      </p:sp>
-      <p:sp>
-        <p:nvSpPr>
-          <p:cNvPr id="7" name="Номер слайда 6"/>
-          <p:cNvSpPr>
-            <a:spLocks noGrp="1"/>
-          </p:cNvSpPr>
-          <p:nvPr>
-            <p:ph type="sldNum" sz="quarter" idx="12"/>
-          </p:nvPr>
-        </p:nvSpPr>
-        <p:spPr/>
-        <p:txBody>
-          <a:bodyPr/>
-          <a:lstStyle/>
-          <a:p>
-            <a:fld id="{DEBD715E-836E-42D1-BDDD-058C1EE5707C}" type="slidenum">
-              <a:rPr lang="ru-RU" smtClean="0"/>
-              <a:t>19</a:t>
-            </a:fld>
-            <a:endParaRPr lang="ru-RU"/>
-          </a:p>
-        </p:txBody>
-      </p:sp>
-    </p:spTree>
-    <p:extLst>
-      <p:ext uri="{BB962C8B-B14F-4D97-AF65-F5344CB8AC3E}">
-        <p14:creationId xmlns:p14="http://schemas.microsoft.com/office/powerpoint/2010/main" val="74110464"/>
       </p:ext>
     </p:extLst>
   </p:cSld>
@@ -54840,6 +58025,175 @@
             <p:ph type="title"/>
           </p:nvPr>
         </p:nvSpPr>
+        <p:spPr>
+          <a:xfrm>
+            <a:off x="1097280" y="286604"/>
+            <a:ext cx="10058400" cy="1076684"/>
+          </a:xfrm>
+        </p:spPr>
+        <p:txBody>
+          <a:bodyPr/>
+          <a:lstStyle/>
+          <a:p>
+            <a:endParaRPr lang="ru-RU" dirty="0"/>
+          </a:p>
+        </p:txBody>
+      </p:sp>
+      <p:graphicFrame>
+        <p:nvGraphicFramePr>
+          <p:cNvPr id="10" name="Объект 9"/>
+          <p:cNvGraphicFramePr>
+            <a:graphicFrameLocks noGrp="1"/>
+          </p:cNvGraphicFramePr>
+          <p:nvPr>
+            <p:ph sz="half" idx="1"/>
+            <p:extLst>
+              <p:ext uri="{D42A27DB-BD31-4B8C-83A1-F6EECF244321}">
+                <p14:modId xmlns:p14="http://schemas.microsoft.com/office/powerpoint/2010/main" val="27511934"/>
+              </p:ext>
+            </p:extLst>
+          </p:nvPr>
+        </p:nvGraphicFramePr>
+        <p:xfrm>
+          <a:off x="1096963" y="1846263"/>
+          <a:ext cx="4938712" cy="3049933"/>
+        </p:xfrm>
+        <a:graphic>
+          <a:graphicData uri="http://schemas.openxmlformats.org/drawingml/2006/chart">
+            <c:chart xmlns:c="http://schemas.openxmlformats.org/drawingml/2006/chart" xmlns:r="http://schemas.openxmlformats.org/officeDocument/2006/relationships" r:id="rId2"/>
+          </a:graphicData>
+        </a:graphic>
+      </p:graphicFrame>
+      <p:graphicFrame>
+        <p:nvGraphicFramePr>
+          <p:cNvPr id="13" name="Объект 12"/>
+          <p:cNvGraphicFramePr>
+            <a:graphicFrameLocks noGrp="1"/>
+          </p:cNvGraphicFramePr>
+          <p:nvPr>
+            <p:ph sz="half" idx="2"/>
+            <p:extLst>
+              <p:ext uri="{D42A27DB-BD31-4B8C-83A1-F6EECF244321}">
+                <p14:modId xmlns:p14="http://schemas.microsoft.com/office/powerpoint/2010/main" val="616878084"/>
+              </p:ext>
+            </p:extLst>
+          </p:nvPr>
+        </p:nvGraphicFramePr>
+        <p:xfrm>
+          <a:off x="6218238" y="1846264"/>
+          <a:ext cx="4937125" cy="2875366"/>
+        </p:xfrm>
+        <a:graphic>
+          <a:graphicData uri="http://schemas.openxmlformats.org/drawingml/2006/chart">
+            <c:chart xmlns:c="http://schemas.openxmlformats.org/drawingml/2006/chart" xmlns:r="http://schemas.openxmlformats.org/officeDocument/2006/relationships" r:id="rId3"/>
+          </a:graphicData>
+        </a:graphic>
+      </p:graphicFrame>
+      <p:sp>
+        <p:nvSpPr>
+          <p:cNvPr id="5" name="Дата 4"/>
+          <p:cNvSpPr>
+            <a:spLocks noGrp="1"/>
+          </p:cNvSpPr>
+          <p:nvPr>
+            <p:ph type="dt" sz="half" idx="10"/>
+          </p:nvPr>
+        </p:nvSpPr>
+        <p:spPr/>
+        <p:txBody>
+          <a:bodyPr/>
+          <a:lstStyle/>
+          <a:p>
+            <a:fld id="{8D89F477-1E06-42B9-98CE-724D285F544D}" type="datetime1">
+              <a:rPr lang="ru-RU" smtClean="0"/>
+              <a:t>18.11.2025</a:t>
+            </a:fld>
+            <a:endParaRPr lang="ru-RU"/>
+          </a:p>
+        </p:txBody>
+      </p:sp>
+      <p:sp>
+        <p:nvSpPr>
+          <p:cNvPr id="6" name="Нижний колонтитул 5"/>
+          <p:cNvSpPr>
+            <a:spLocks noGrp="1"/>
+          </p:cNvSpPr>
+          <p:nvPr>
+            <p:ph type="ftr" sz="quarter" idx="11"/>
+          </p:nvPr>
+        </p:nvSpPr>
+        <p:spPr/>
+        <p:txBody>
+          <a:bodyPr/>
+          <a:lstStyle/>
+          <a:p>
+            <a:endParaRPr lang="ru-RU"/>
+          </a:p>
+        </p:txBody>
+      </p:sp>
+      <p:sp>
+        <p:nvSpPr>
+          <p:cNvPr id="7" name="Номер слайда 6"/>
+          <p:cNvSpPr>
+            <a:spLocks noGrp="1"/>
+          </p:cNvSpPr>
+          <p:nvPr>
+            <p:ph type="sldNum" sz="quarter" idx="12"/>
+          </p:nvPr>
+        </p:nvSpPr>
+        <p:spPr/>
+        <p:txBody>
+          <a:bodyPr/>
+          <a:lstStyle/>
+          <a:p>
+            <a:fld id="{DEBD715E-836E-42D1-BDDD-058C1EE5707C}" type="slidenum">
+              <a:rPr lang="ru-RU" smtClean="0"/>
+              <a:t>20</a:t>
+            </a:fld>
+            <a:endParaRPr lang="ru-RU"/>
+          </a:p>
+        </p:txBody>
+      </p:sp>
+    </p:spTree>
+    <p:extLst>
+      <p:ext uri="{BB962C8B-B14F-4D97-AF65-F5344CB8AC3E}">
+        <p14:creationId xmlns:p14="http://schemas.microsoft.com/office/powerpoint/2010/main" val="74110464"/>
+      </p:ext>
+    </p:extLst>
+  </p:cSld>
+  <p:clrMapOvr>
+    <a:masterClrMapping/>
+  </p:clrMapOvr>
+</p:sld>
+</file>
+
+<file path=ppt/slides/slide21.xml><?xml version="1.0" encoding="utf-8"?>
+<p:sld xmlns:a="http://schemas.openxmlformats.org/drawingml/2006/main" xmlns:r="http://schemas.openxmlformats.org/officeDocument/2006/relationships" xmlns:p="http://schemas.openxmlformats.org/presentationml/2006/main">
+  <p:cSld>
+    <p:spTree>
+      <p:nvGrpSpPr>
+        <p:cNvPr id="1" name=""/>
+        <p:cNvGrpSpPr/>
+        <p:nvPr/>
+      </p:nvGrpSpPr>
+      <p:grpSpPr>
+        <a:xfrm>
+          <a:off x="0" y="0"/>
+          <a:ext cx="0" cy="0"/>
+          <a:chOff x="0" y="0"/>
+          <a:chExt cx="0" cy="0"/>
+        </a:xfrm>
+      </p:grpSpPr>
+      <p:sp>
+        <p:nvSpPr>
+          <p:cNvPr id="2" name="Заголовок 1"/>
+          <p:cNvSpPr>
+            <a:spLocks noGrp="1"/>
+          </p:cNvSpPr>
+          <p:nvPr>
+            <p:ph type="title"/>
+          </p:nvPr>
+        </p:nvSpPr>
         <p:spPr/>
         <p:txBody>
           <a:bodyPr/>
@@ -54916,7 +58270,7 @@
           <a:p>
             <a:fld id="{DEBD715E-836E-42D1-BDDD-058C1EE5707C}" type="slidenum">
               <a:rPr lang="ru-RU" smtClean="0"/>
-              <a:t>20</a:t>
+              <a:t>21</a:t>
             </a:fld>
             <a:endParaRPr lang="ru-RU"/>
           </a:p>
@@ -54964,7 +58318,7 @@
 </p:sld>
 </file>
 
-<file path=ppt/slides/slide21.xml><?xml version="1.0" encoding="utf-8"?>
+<file path=ppt/slides/slide22.xml><?xml version="1.0" encoding="utf-8"?>
 <p:sld xmlns:a="http://schemas.openxmlformats.org/drawingml/2006/main" xmlns:r="http://schemas.openxmlformats.org/officeDocument/2006/relationships" xmlns:p="http://schemas.openxmlformats.org/presentationml/2006/main">
   <p:cSld>
     <p:spTree>
@@ -55072,7 +58426,7 @@
           <a:p>
             <a:fld id="{DEBD715E-836E-42D1-BDDD-058C1EE5707C}" type="slidenum">
               <a:rPr lang="ru-RU" smtClean="0"/>
-              <a:t>21</a:t>
+              <a:t>22</a:t>
             </a:fld>
             <a:endParaRPr lang="ru-RU"/>
           </a:p>

--- a/presentation/защита.pptx
+++ b/presentation/защита.pptx
@@ -342,11 +342,11 @@
         </c:dLbls>
         <c:gapWidth val="219"/>
         <c:overlap val="-27"/>
-        <c:axId val="532733248"/>
-        <c:axId val="532728152"/>
+        <c:axId val="413867320"/>
+        <c:axId val="413868496"/>
       </c:barChart>
       <c:catAx>
-        <c:axId val="532733248"/>
+        <c:axId val="413867320"/>
         <c:scaling>
           <c:orientation val="minMax"/>
         </c:scaling>
@@ -389,7 +389,7 @@
             <a:endParaRPr lang="ru-RU"/>
           </a:p>
         </c:txPr>
-        <c:crossAx val="532728152"/>
+        <c:crossAx val="413868496"/>
         <c:crosses val="autoZero"/>
         <c:auto val="1"/>
         <c:lblAlgn val="ctr"/>
@@ -397,7 +397,7 @@
         <c:noMultiLvlLbl val="0"/>
       </c:catAx>
       <c:valAx>
-        <c:axId val="532728152"/>
+        <c:axId val="413868496"/>
         <c:scaling>
           <c:orientation val="minMax"/>
         </c:scaling>
@@ -448,7 +448,7 @@
             <a:endParaRPr lang="ru-RU"/>
           </a:p>
         </c:txPr>
-        <c:crossAx val="532733248"/>
+        <c:crossAx val="413867320"/>
         <c:crosses val="autoZero"/>
         <c:crossBetween val="between"/>
       </c:valAx>
@@ -701,11 +701,11 @@
         </c:dLbls>
         <c:gapWidth val="219"/>
         <c:overlap val="-27"/>
-        <c:axId val="532729328"/>
-        <c:axId val="532729720"/>
+        <c:axId val="463475032"/>
+        <c:axId val="463477384"/>
       </c:barChart>
       <c:catAx>
-        <c:axId val="532729328"/>
+        <c:axId val="463475032"/>
         <c:scaling>
           <c:orientation val="minMax"/>
         </c:scaling>
@@ -748,7 +748,7 @@
             <a:endParaRPr lang="ru-RU"/>
           </a:p>
         </c:txPr>
-        <c:crossAx val="532729720"/>
+        <c:crossAx val="463477384"/>
         <c:crosses val="autoZero"/>
         <c:auto val="1"/>
         <c:lblAlgn val="ctr"/>
@@ -756,7 +756,7 @@
         <c:noMultiLvlLbl val="0"/>
       </c:catAx>
       <c:valAx>
-        <c:axId val="532729720"/>
+        <c:axId val="463477384"/>
         <c:scaling>
           <c:orientation val="minMax"/>
         </c:scaling>
@@ -807,7 +807,7 @@
             <a:endParaRPr lang="ru-RU"/>
           </a:p>
         </c:txPr>
-        <c:crossAx val="532729328"/>
+        <c:crossAx val="463475032"/>
         <c:crosses val="autoZero"/>
         <c:crossBetween val="between"/>
       </c:valAx>
@@ -34766,7 +34766,7 @@
         </p:nvSpPr>
         <p:spPr>
           <a:xfrm>
-            <a:off x="8884765" y="5310969"/>
+            <a:off x="8116284" y="5240821"/>
             <a:ext cx="525014" cy="484632"/>
           </a:xfrm>
           <a:prstGeom prst="rightArrow">
@@ -35441,7 +35441,7 @@
         </p:nvGrpSpPr>
         <p:grpSpPr>
           <a:xfrm>
-            <a:off x="6512585" y="4196996"/>
+            <a:off x="6256393" y="4342257"/>
             <a:ext cx="1800000" cy="1800000"/>
             <a:chOff x="6093193" y="1986699"/>
             <a:chExt cx="1440000" cy="1442301"/>
@@ -35671,7 +35671,7 @@
         </p:nvSpPr>
         <p:spPr>
           <a:xfrm>
-            <a:off x="9727717" y="2249993"/>
+            <a:off x="9727717" y="4356703"/>
             <a:ext cx="2334217" cy="234834"/>
           </a:xfrm>
           <a:custGeom>
@@ -35807,7 +35807,7 @@
         </p:nvSpPr>
         <p:spPr>
           <a:xfrm>
-            <a:off x="9727717" y="2554925"/>
+            <a:off x="9727717" y="4661635"/>
             <a:ext cx="2334217" cy="234834"/>
           </a:xfrm>
           <a:custGeom>
@@ -35943,7 +35943,7 @@
         </p:nvSpPr>
         <p:spPr>
           <a:xfrm>
-            <a:off x="9610301" y="2554926"/>
+            <a:off x="9610301" y="4661636"/>
             <a:ext cx="234832" cy="234832"/>
           </a:xfrm>
           <a:prstGeom prst="ellipse">
@@ -35995,7 +35995,7 @@
         </p:nvSpPr>
         <p:spPr>
           <a:xfrm>
-            <a:off x="9727717" y="2859856"/>
+            <a:off x="9727717" y="4966566"/>
             <a:ext cx="2334217" cy="234834"/>
           </a:xfrm>
           <a:custGeom>
@@ -36131,7 +36131,7 @@
         </p:nvSpPr>
         <p:spPr>
           <a:xfrm>
-            <a:off x="9610301" y="2859857"/>
+            <a:off x="9610301" y="4966567"/>
             <a:ext cx="234832" cy="234832"/>
           </a:xfrm>
           <a:prstGeom prst="ellipse">
@@ -36183,7 +36183,7 @@
         </p:nvSpPr>
         <p:spPr>
           <a:xfrm>
-            <a:off x="9727717" y="3164788"/>
+            <a:off x="9727717" y="5271498"/>
             <a:ext cx="2334217" cy="234833"/>
           </a:xfrm>
           <a:custGeom>
@@ -36319,7 +36319,7 @@
         </p:nvSpPr>
         <p:spPr>
           <a:xfrm>
-            <a:off x="9610301" y="3164789"/>
+            <a:off x="9610301" y="5271499"/>
             <a:ext cx="234832" cy="234832"/>
           </a:xfrm>
           <a:prstGeom prst="ellipse">
@@ -36371,7 +36371,7 @@
         </p:nvSpPr>
         <p:spPr>
           <a:xfrm>
-            <a:off x="9727717" y="3469719"/>
+            <a:off x="9727717" y="5576429"/>
             <a:ext cx="2334217" cy="234833"/>
           </a:xfrm>
           <a:custGeom>
@@ -36523,7 +36523,7 @@
         </p:nvSpPr>
         <p:spPr>
           <a:xfrm>
-            <a:off x="9610301" y="3469720"/>
+            <a:off x="9610301" y="5576430"/>
             <a:ext cx="234832" cy="234832"/>
           </a:xfrm>
           <a:prstGeom prst="ellipse">
@@ -36575,7 +36575,7 @@
         </p:nvSpPr>
         <p:spPr>
           <a:xfrm>
-            <a:off x="9727717" y="3774651"/>
+            <a:off x="9727717" y="5881361"/>
             <a:ext cx="2334217" cy="234833"/>
           </a:xfrm>
           <a:custGeom>
@@ -36711,7 +36711,7 @@
         </p:nvSpPr>
         <p:spPr>
           <a:xfrm>
-            <a:off x="9610301" y="3774652"/>
+            <a:off x="9610301" y="5881362"/>
             <a:ext cx="234832" cy="234832"/>
           </a:xfrm>
           <a:prstGeom prst="ellipse">
@@ -36763,7 +36763,7 @@
         </p:nvGrpSpPr>
         <p:grpSpPr>
           <a:xfrm>
-            <a:off x="9590382" y="2188053"/>
+            <a:off x="9590382" y="4294763"/>
             <a:ext cx="254751" cy="360000"/>
             <a:chOff x="9590382" y="4369278"/>
             <a:chExt cx="254751" cy="360000"/>
@@ -36874,7 +36874,7 @@
         </p:blipFill>
         <p:spPr>
           <a:xfrm>
-            <a:off x="9594991" y="2483789"/>
+            <a:off x="9594991" y="4590499"/>
             <a:ext cx="254532" cy="360000"/>
           </a:xfrm>
           <a:prstGeom prst="rect">
@@ -36890,7 +36890,7 @@
         </p:nvGrpSpPr>
         <p:grpSpPr>
           <a:xfrm>
-            <a:off x="9588664" y="2791991"/>
+            <a:off x="9588664" y="4898701"/>
             <a:ext cx="254751" cy="360000"/>
             <a:chOff x="9590382" y="4369278"/>
             <a:chExt cx="254751" cy="360000"/>
@@ -36987,7 +36987,7 @@
         </p:nvGrpSpPr>
         <p:grpSpPr>
           <a:xfrm>
-            <a:off x="9588445" y="3099130"/>
+            <a:off x="9588445" y="5205840"/>
             <a:ext cx="254751" cy="360000"/>
             <a:chOff x="9590382" y="4369278"/>
             <a:chExt cx="254751" cy="360000"/>
@@ -37084,7 +37084,7 @@
         </p:nvGrpSpPr>
         <p:grpSpPr>
           <a:xfrm>
-            <a:off x="9588226" y="3703068"/>
+            <a:off x="9588226" y="5809778"/>
             <a:ext cx="254751" cy="360000"/>
             <a:chOff x="9590382" y="4369278"/>
             <a:chExt cx="254751" cy="360000"/>
@@ -37181,7 +37181,7 @@
         </p:nvGrpSpPr>
         <p:grpSpPr>
           <a:xfrm>
-            <a:off x="9589464" y="3401158"/>
+            <a:off x="9589464" y="5507868"/>
             <a:ext cx="254751" cy="360000"/>
             <a:chOff x="9590382" y="4369278"/>
             <a:chExt cx="254751" cy="360000"/>
@@ -37294,6 +37294,66 @@
           <a:xfrm>
             <a:off x="2913557" y="4992124"/>
             <a:ext cx="726596" cy="1027666"/>
+          </a:xfrm>
+          <a:prstGeom prst="rect">
+            <a:avLst/>
+          </a:prstGeom>
+        </p:spPr>
+      </p:pic>
+      <p:pic>
+        <p:nvPicPr>
+          <p:cNvPr id="7" name="Рисунок 6"/>
+          <p:cNvPicPr>
+            <a:picLocks noChangeAspect="1"/>
+          </p:cNvPicPr>
+          <p:nvPr/>
+        </p:nvPicPr>
+        <p:blipFill>
+          <a:blip r:embed="rId5" cstate="print">
+            <a:extLst>
+              <a:ext uri="{28A0092B-C50C-407E-A947-70E740481C1C}">
+                <a14:useLocalDpi xmlns:a14="http://schemas.microsoft.com/office/drawing/2010/main" val="0"/>
+              </a:ext>
+            </a:extLst>
+          </a:blip>
+          <a:stretch>
+            <a:fillRect/>
+          </a:stretch>
+        </p:blipFill>
+        <p:spPr>
+          <a:xfrm>
+            <a:off x="8548016" y="4752243"/>
+            <a:ext cx="1060129" cy="1499402"/>
+          </a:xfrm>
+          <a:prstGeom prst="rect">
+            <a:avLst/>
+          </a:prstGeom>
+        </p:spPr>
+      </p:pic>
+      <p:pic>
+        <p:nvPicPr>
+          <p:cNvPr id="9" name="Рисунок 8"/>
+          <p:cNvPicPr>
+            <a:picLocks noChangeAspect="1"/>
+          </p:cNvPicPr>
+          <p:nvPr/>
+        </p:nvPicPr>
+        <p:blipFill>
+          <a:blip r:embed="rId6" cstate="print">
+            <a:extLst>
+              <a:ext uri="{28A0092B-C50C-407E-A947-70E740481C1C}">
+                <a14:useLocalDpi xmlns:a14="http://schemas.microsoft.com/office/drawing/2010/main" val="0"/>
+              </a:ext>
+            </a:extLst>
+          </a:blip>
+          <a:stretch>
+            <a:fillRect/>
+          </a:stretch>
+        </p:blipFill>
+        <p:spPr>
+          <a:xfrm>
+            <a:off x="3975230" y="3865236"/>
+            <a:ext cx="1557765" cy="2203237"/>
           </a:xfrm>
           <a:prstGeom prst="rect">
             <a:avLst/>

--- a/presentation/защита.pptx
+++ b/presentation/защита.pptx
@@ -342,11 +342,11 @@
         </c:dLbls>
         <c:gapWidth val="219"/>
         <c:overlap val="-27"/>
-        <c:axId val="413867320"/>
-        <c:axId val="413868496"/>
+        <c:axId val="309916872"/>
+        <c:axId val="309922360"/>
       </c:barChart>
       <c:catAx>
-        <c:axId val="413867320"/>
+        <c:axId val="309916872"/>
         <c:scaling>
           <c:orientation val="minMax"/>
         </c:scaling>
@@ -389,7 +389,7 @@
             <a:endParaRPr lang="ru-RU"/>
           </a:p>
         </c:txPr>
-        <c:crossAx val="413868496"/>
+        <c:crossAx val="309922360"/>
         <c:crosses val="autoZero"/>
         <c:auto val="1"/>
         <c:lblAlgn val="ctr"/>
@@ -397,7 +397,7 @@
         <c:noMultiLvlLbl val="0"/>
       </c:catAx>
       <c:valAx>
-        <c:axId val="413868496"/>
+        <c:axId val="309922360"/>
         <c:scaling>
           <c:orientation val="minMax"/>
         </c:scaling>
@@ -448,7 +448,7 @@
             <a:endParaRPr lang="ru-RU"/>
           </a:p>
         </c:txPr>
-        <c:crossAx val="413867320"/>
+        <c:crossAx val="309916872"/>
         <c:crosses val="autoZero"/>
         <c:crossBetween val="between"/>
       </c:valAx>
@@ -701,11 +701,11 @@
         </c:dLbls>
         <c:gapWidth val="219"/>
         <c:overlap val="-27"/>
-        <c:axId val="463475032"/>
-        <c:axId val="463477384"/>
+        <c:axId val="309923144"/>
+        <c:axId val="309915696"/>
       </c:barChart>
       <c:catAx>
-        <c:axId val="463475032"/>
+        <c:axId val="309923144"/>
         <c:scaling>
           <c:orientation val="minMax"/>
         </c:scaling>
@@ -748,7 +748,7 @@
             <a:endParaRPr lang="ru-RU"/>
           </a:p>
         </c:txPr>
-        <c:crossAx val="463477384"/>
+        <c:crossAx val="309915696"/>
         <c:crosses val="autoZero"/>
         <c:auto val="1"/>
         <c:lblAlgn val="ctr"/>
@@ -756,7 +756,7 @@
         <c:noMultiLvlLbl val="0"/>
       </c:catAx>
       <c:valAx>
-        <c:axId val="463477384"/>
+        <c:axId val="309915696"/>
         <c:scaling>
           <c:orientation val="minMax"/>
         </c:scaling>
@@ -807,7 +807,7 @@
             <a:endParaRPr lang="ru-RU"/>
           </a:p>
         </c:txPr>
-        <c:crossAx val="463475032"/>
+        <c:crossAx val="309923144"/>
         <c:crosses val="autoZero"/>
         <c:crossBetween val="between"/>
       </c:valAx>
@@ -9108,6 +9108,846 @@
       <dsp:cNvGrpSpPr/>
     </dsp:nvGrpSpPr>
     <dsp:grpSpPr/>
+    <dsp:sp modelId="{628E21F9-F946-457A-B5D6-7107E4B5B54D}">
+      <dsp:nvSpPr>
+        <dsp:cNvPr id="0" name=""/>
+        <dsp:cNvSpPr/>
+      </dsp:nvSpPr>
+      <dsp:spPr>
+        <a:xfrm>
+          <a:off x="4036874" y="2064394"/>
+          <a:ext cx="1980003" cy="1980003"/>
+        </a:xfrm>
+        <a:prstGeom prst="roundRect">
+          <a:avLst/>
+        </a:prstGeom>
+        <a:solidFill>
+          <a:schemeClr val="accent1">
+            <a:hueOff val="0"/>
+            <a:satOff val="0"/>
+            <a:lumOff val="0"/>
+            <a:alphaOff val="0"/>
+          </a:schemeClr>
+        </a:solidFill>
+        <a:ln w="15875" cap="flat" cmpd="sng" algn="ctr">
+          <a:solidFill>
+            <a:schemeClr val="lt1">
+              <a:hueOff val="0"/>
+              <a:satOff val="0"/>
+              <a:lumOff val="0"/>
+              <a:alphaOff val="0"/>
+            </a:schemeClr>
+          </a:solidFill>
+          <a:prstDash val="solid"/>
+        </a:ln>
+        <a:effectLst/>
+      </dsp:spPr>
+      <dsp:style>
+        <a:lnRef idx="2">
+          <a:scrgbClr r="0" g="0" b="0"/>
+        </a:lnRef>
+        <a:fillRef idx="1">
+          <a:scrgbClr r="0" g="0" b="0"/>
+        </a:fillRef>
+        <a:effectRef idx="0">
+          <a:scrgbClr r="0" g="0" b="0"/>
+        </a:effectRef>
+        <a:fontRef idx="minor">
+          <a:schemeClr val="lt1"/>
+        </a:fontRef>
+      </dsp:style>
+      <dsp:txBody>
+        <a:bodyPr spcFirstLastPara="0" vert="horz" wrap="square" lIns="81280" tIns="81280" rIns="81280" bIns="81280" numCol="1" spcCol="1270" anchor="t" anchorCtr="0">
+          <a:noAutofit/>
+        </a:bodyPr>
+        <a:lstStyle/>
+        <a:p>
+          <a:pPr lvl="0" algn="ctr" defTabSz="1422400">
+            <a:lnSpc>
+              <a:spcPct val="90000"/>
+            </a:lnSpc>
+            <a:spcBef>
+              <a:spcPct val="0"/>
+            </a:spcBef>
+            <a:spcAft>
+              <a:spcPct val="35000"/>
+            </a:spcAft>
+          </a:pPr>
+          <a:r>
+            <a:rPr lang="en-US" sz="3200" b="1" kern="1200" dirty="0" smtClean="0"/>
+            <a:t>SearchEngine</a:t>
+          </a:r>
+          <a:endParaRPr lang="ru-RU" sz="3200" b="1" kern="1200" dirty="0"/>
+        </a:p>
+      </dsp:txBody>
+      <dsp:txXfrm>
+        <a:off x="4133530" y="2161050"/>
+        <a:ext cx="1786691" cy="1786691"/>
+      </dsp:txXfrm>
+    </dsp:sp>
+    <dsp:sp modelId="{667DE06D-C223-4C57-8F2C-DDC107791A47}">
+      <dsp:nvSpPr>
+        <dsp:cNvPr id="0" name=""/>
+        <dsp:cNvSpPr/>
+      </dsp:nvSpPr>
+      <dsp:spPr>
+        <a:xfrm rot="12462445">
+          <a:off x="1655143" y="1947092"/>
+          <a:ext cx="2526589" cy="0"/>
+        </a:xfrm>
+        <a:custGeom>
+          <a:avLst/>
+          <a:gdLst/>
+          <a:ahLst/>
+          <a:cxnLst/>
+          <a:rect l="0" t="0" r="0" b="0"/>
+          <a:pathLst>
+            <a:path>
+              <a:moveTo>
+                <a:pt x="0" y="0"/>
+              </a:moveTo>
+              <a:lnTo>
+                <a:pt x="2526589" y="0"/>
+              </a:lnTo>
+            </a:path>
+          </a:pathLst>
+        </a:custGeom>
+        <a:noFill/>
+        <a:ln w="15875" cap="flat" cmpd="sng" algn="ctr">
+          <a:solidFill>
+            <a:scrgbClr r="0" g="0" b="0"/>
+          </a:solidFill>
+          <a:prstDash val="solid"/>
+          <a:headEnd type="none"/>
+          <a:tailEnd type="triangle"/>
+        </a:ln>
+        <a:effectLst/>
+      </dsp:spPr>
+      <dsp:style>
+        <a:lnRef idx="2">
+          <a:scrgbClr r="0" g="0" b="0"/>
+        </a:lnRef>
+        <a:fillRef idx="0">
+          <a:scrgbClr r="0" g="0" b="0"/>
+        </a:fillRef>
+        <a:effectRef idx="0">
+          <a:scrgbClr r="0" g="0" b="0"/>
+        </a:effectRef>
+        <a:fontRef idx="minor"/>
+      </dsp:style>
+    </dsp:sp>
+    <dsp:sp modelId="{F29DD78D-084E-44BB-95B2-65781CA7A531}">
+      <dsp:nvSpPr>
+        <dsp:cNvPr id="0" name=""/>
+        <dsp:cNvSpPr/>
+      </dsp:nvSpPr>
+      <dsp:spPr>
+        <a:xfrm>
+          <a:off x="0" y="-12944"/>
+          <a:ext cx="1800000" cy="1800000"/>
+        </a:xfrm>
+        <a:prstGeom prst="roundRect">
+          <a:avLst/>
+        </a:prstGeom>
+        <a:solidFill>
+          <a:schemeClr val="accent1">
+            <a:hueOff val="0"/>
+            <a:satOff val="0"/>
+            <a:lumOff val="0"/>
+            <a:alphaOff val="0"/>
+          </a:schemeClr>
+        </a:solidFill>
+        <a:ln w="15875" cap="flat" cmpd="sng" algn="ctr">
+          <a:solidFill>
+            <a:schemeClr val="lt1">
+              <a:hueOff val="0"/>
+              <a:satOff val="0"/>
+              <a:lumOff val="0"/>
+              <a:alphaOff val="0"/>
+            </a:schemeClr>
+          </a:solidFill>
+          <a:prstDash val="solid"/>
+        </a:ln>
+        <a:effectLst/>
+      </dsp:spPr>
+      <dsp:style>
+        <a:lnRef idx="2">
+          <a:scrgbClr r="0" g="0" b="0"/>
+        </a:lnRef>
+        <a:fillRef idx="1">
+          <a:scrgbClr r="0" g="0" b="0"/>
+        </a:fillRef>
+        <a:effectRef idx="0">
+          <a:scrgbClr r="0" g="0" b="0"/>
+        </a:effectRef>
+        <a:fontRef idx="minor">
+          <a:schemeClr val="lt1"/>
+        </a:fontRef>
+      </dsp:style>
+      <dsp:txBody>
+        <a:bodyPr spcFirstLastPara="0" vert="horz" wrap="square" lIns="50800" tIns="50800" rIns="50800" bIns="50800" numCol="1" spcCol="1270" anchor="t" anchorCtr="0">
+          <a:noAutofit/>
+        </a:bodyPr>
+        <a:lstStyle/>
+        <a:p>
+          <a:pPr lvl="0" algn="ctr" defTabSz="889000">
+            <a:lnSpc>
+              <a:spcPct val="90000"/>
+            </a:lnSpc>
+            <a:spcBef>
+              <a:spcPct val="0"/>
+            </a:spcBef>
+            <a:spcAft>
+              <a:spcPct val="35000"/>
+            </a:spcAft>
+          </a:pPr>
+          <a:r>
+            <a:rPr lang="en-US" sz="2000" b="1" kern="1200" dirty="0" smtClean="0"/>
+            <a:t>ConverterJSON </a:t>
+          </a:r>
+          <a:endParaRPr lang="ru-RU" sz="2000" b="1" kern="1200" dirty="0"/>
+        </a:p>
+      </dsp:txBody>
+      <dsp:txXfrm>
+        <a:off x="87869" y="74925"/>
+        <a:ext cx="1624262" cy="1624262"/>
+      </dsp:txXfrm>
+    </dsp:sp>
+    <dsp:sp modelId="{65390B38-AF76-4E62-872B-309581DF08C7}">
+      <dsp:nvSpPr>
+        <dsp:cNvPr id="0" name=""/>
+        <dsp:cNvSpPr/>
+      </dsp:nvSpPr>
+      <dsp:spPr>
+        <a:xfrm rot="146502">
+          <a:off x="6015778" y="3148233"/>
+          <a:ext cx="2423396" cy="0"/>
+        </a:xfrm>
+        <a:custGeom>
+          <a:avLst/>
+          <a:gdLst/>
+          <a:ahLst/>
+          <a:cxnLst/>
+          <a:rect l="0" t="0" r="0" b="0"/>
+          <a:pathLst>
+            <a:path>
+              <a:moveTo>
+                <a:pt x="0" y="0"/>
+              </a:moveTo>
+              <a:lnTo>
+                <a:pt x="2423396" y="0"/>
+              </a:lnTo>
+            </a:path>
+          </a:pathLst>
+        </a:custGeom>
+        <a:noFill/>
+        <a:ln w="15875" cap="flat" cmpd="sng" algn="ctr">
+          <a:solidFill>
+            <a:scrgbClr r="0" g="0" b="0"/>
+          </a:solidFill>
+          <a:prstDash val="solid"/>
+          <a:tailEnd type="triangle"/>
+        </a:ln>
+        <a:effectLst/>
+      </dsp:spPr>
+      <dsp:style>
+        <a:lnRef idx="2">
+          <a:scrgbClr r="0" g="0" b="0"/>
+        </a:lnRef>
+        <a:fillRef idx="0">
+          <a:scrgbClr r="0" g="0" b="0"/>
+        </a:fillRef>
+        <a:effectRef idx="0">
+          <a:scrgbClr r="0" g="0" b="0"/>
+        </a:effectRef>
+        <a:fontRef idx="minor"/>
+      </dsp:style>
+    </dsp:sp>
+    <dsp:sp modelId="{24EC1B40-97B8-4A97-A728-C57093596661}">
+      <dsp:nvSpPr>
+        <dsp:cNvPr id="0" name=""/>
+        <dsp:cNvSpPr/>
+      </dsp:nvSpPr>
+      <dsp:spPr>
+        <a:xfrm>
+          <a:off x="8438075" y="2424393"/>
+          <a:ext cx="1620003" cy="1620003"/>
+        </a:xfrm>
+        <a:prstGeom prst="roundRect">
+          <a:avLst/>
+        </a:prstGeom>
+        <a:solidFill>
+          <a:schemeClr val="accent1">
+            <a:hueOff val="0"/>
+            <a:satOff val="0"/>
+            <a:lumOff val="0"/>
+            <a:alphaOff val="0"/>
+          </a:schemeClr>
+        </a:solidFill>
+        <a:ln w="15875" cap="flat" cmpd="sng" algn="ctr">
+          <a:solidFill>
+            <a:schemeClr val="lt1">
+              <a:hueOff val="0"/>
+              <a:satOff val="0"/>
+              <a:lumOff val="0"/>
+              <a:alphaOff val="0"/>
+            </a:schemeClr>
+          </a:solidFill>
+          <a:prstDash val="solid"/>
+        </a:ln>
+        <a:effectLst/>
+      </dsp:spPr>
+      <dsp:style>
+        <a:lnRef idx="2">
+          <a:scrgbClr r="0" g="0" b="0"/>
+        </a:lnRef>
+        <a:fillRef idx="1">
+          <a:scrgbClr r="0" g="0" b="0"/>
+        </a:fillRef>
+        <a:effectRef idx="0">
+          <a:scrgbClr r="0" g="0" b="0"/>
+        </a:effectRef>
+        <a:fontRef idx="minor">
+          <a:schemeClr val="lt1"/>
+        </a:fontRef>
+      </dsp:style>
+      <dsp:txBody>
+        <a:bodyPr spcFirstLastPara="0" vert="horz" wrap="square" lIns="50800" tIns="50800" rIns="50800" bIns="50800" numCol="1" spcCol="1270" anchor="t" anchorCtr="0">
+          <a:noAutofit/>
+        </a:bodyPr>
+        <a:lstStyle/>
+        <a:p>
+          <a:pPr lvl="0" algn="ctr" defTabSz="889000">
+            <a:lnSpc>
+              <a:spcPct val="90000"/>
+            </a:lnSpc>
+            <a:spcBef>
+              <a:spcPct val="0"/>
+            </a:spcBef>
+            <a:spcAft>
+              <a:spcPct val="35000"/>
+            </a:spcAft>
+          </a:pPr>
+          <a:r>
+            <a:rPr lang="en-US" sz="2000" b="1" kern="1200" dirty="0" smtClean="0"/>
+            <a:t>DispatcherOperations</a:t>
+          </a:r>
+          <a:endParaRPr lang="ru-RU" sz="2000" b="1" kern="1200" dirty="0"/>
+        </a:p>
+      </dsp:txBody>
+      <dsp:txXfrm>
+        <a:off x="8517157" y="2503475"/>
+        <a:ext cx="1461839" cy="1461839"/>
+      </dsp:txXfrm>
+    </dsp:sp>
+    <dsp:sp modelId="{8F086A69-6FE7-48AB-8D4E-831F6AAADB3F}">
+      <dsp:nvSpPr>
+        <dsp:cNvPr id="0" name=""/>
+        <dsp:cNvSpPr/>
+      </dsp:nvSpPr>
+      <dsp:spPr>
+        <a:xfrm rot="13495766">
+          <a:off x="3723755" y="1937357"/>
+          <a:ext cx="366655" cy="0"/>
+        </a:xfrm>
+        <a:custGeom>
+          <a:avLst/>
+          <a:gdLst/>
+          <a:ahLst/>
+          <a:cxnLst/>
+          <a:rect l="0" t="0" r="0" b="0"/>
+          <a:pathLst>
+            <a:path>
+              <a:moveTo>
+                <a:pt x="0" y="0"/>
+              </a:moveTo>
+              <a:lnTo>
+                <a:pt x="366655" y="0"/>
+              </a:lnTo>
+            </a:path>
+          </a:pathLst>
+        </a:custGeom>
+        <a:noFill/>
+        <a:ln w="15875" cap="flat" cmpd="sng" algn="ctr">
+          <a:solidFill>
+            <a:scrgbClr r="0" g="0" b="0"/>
+          </a:solidFill>
+          <a:prstDash val="solid"/>
+          <a:tailEnd type="triangle"/>
+        </a:ln>
+        <a:effectLst/>
+      </dsp:spPr>
+      <dsp:style>
+        <a:lnRef idx="2">
+          <a:scrgbClr r="0" g="0" b="0"/>
+        </a:lnRef>
+        <a:fillRef idx="0">
+          <a:scrgbClr r="0" g="0" b="0"/>
+        </a:fillRef>
+        <a:effectRef idx="0">
+          <a:scrgbClr r="0" g="0" b="0"/>
+        </a:effectRef>
+        <a:fontRef idx="minor"/>
+      </dsp:style>
+    </dsp:sp>
+    <dsp:sp modelId="{D5C3917E-2284-4E85-847C-82C5C871E472}">
+      <dsp:nvSpPr>
+        <dsp:cNvPr id="0" name=""/>
+        <dsp:cNvSpPr/>
+      </dsp:nvSpPr>
+      <dsp:spPr>
+        <a:xfrm>
+          <a:off x="1977290" y="10098"/>
+          <a:ext cx="1800000" cy="1800000"/>
+        </a:xfrm>
+        <a:prstGeom prst="roundRect">
+          <a:avLst/>
+        </a:prstGeom>
+        <a:solidFill>
+          <a:schemeClr val="accent1">
+            <a:hueOff val="0"/>
+            <a:satOff val="0"/>
+            <a:lumOff val="0"/>
+            <a:alphaOff val="0"/>
+          </a:schemeClr>
+        </a:solidFill>
+        <a:ln w="15875" cap="flat" cmpd="sng" algn="ctr">
+          <a:solidFill>
+            <a:schemeClr val="lt1">
+              <a:hueOff val="0"/>
+              <a:satOff val="0"/>
+              <a:lumOff val="0"/>
+              <a:alphaOff val="0"/>
+            </a:schemeClr>
+          </a:solidFill>
+          <a:prstDash val="solid"/>
+        </a:ln>
+        <a:effectLst/>
+      </dsp:spPr>
+      <dsp:style>
+        <a:lnRef idx="2">
+          <a:scrgbClr r="0" g="0" b="0"/>
+        </a:lnRef>
+        <a:fillRef idx="1">
+          <a:scrgbClr r="0" g="0" b="0"/>
+        </a:fillRef>
+        <a:effectRef idx="0">
+          <a:scrgbClr r="0" g="0" b="0"/>
+        </a:effectRef>
+        <a:fontRef idx="minor">
+          <a:schemeClr val="lt1"/>
+        </a:fontRef>
+      </dsp:style>
+      <dsp:txBody>
+        <a:bodyPr spcFirstLastPara="0" vert="horz" wrap="square" lIns="50800" tIns="50800" rIns="50800" bIns="50800" numCol="1" spcCol="1270" anchor="t" anchorCtr="0">
+          <a:noAutofit/>
+        </a:bodyPr>
+        <a:lstStyle/>
+        <a:p>
+          <a:pPr lvl="0" algn="ctr" defTabSz="889000">
+            <a:lnSpc>
+              <a:spcPct val="90000"/>
+            </a:lnSpc>
+            <a:spcBef>
+              <a:spcPct val="0"/>
+            </a:spcBef>
+            <a:spcAft>
+              <a:spcPct val="35000"/>
+            </a:spcAft>
+          </a:pPr>
+          <a:r>
+            <a:rPr lang="en-US" sz="2000" b="1" kern="1200" dirty="0" smtClean="0"/>
+            <a:t>Documents </a:t>
+          </a:r>
+          <a:endParaRPr lang="ru-RU" sz="2000" b="1" kern="1200" dirty="0"/>
+        </a:p>
+      </dsp:txBody>
+      <dsp:txXfrm>
+        <a:off x="2065159" y="97967"/>
+        <a:ext cx="1624262" cy="1624262"/>
+      </dsp:txXfrm>
+    </dsp:sp>
+    <dsp:sp modelId="{1503B29C-C796-4217-A6E0-D8D0E4C12287}">
+      <dsp:nvSpPr>
+        <dsp:cNvPr id="0" name=""/>
+        <dsp:cNvSpPr/>
+      </dsp:nvSpPr>
+      <dsp:spPr>
+        <a:xfrm rot="18928235">
+          <a:off x="5960287" y="1942298"/>
+          <a:ext cx="394213" cy="0"/>
+        </a:xfrm>
+        <a:custGeom>
+          <a:avLst/>
+          <a:gdLst/>
+          <a:ahLst/>
+          <a:cxnLst/>
+          <a:rect l="0" t="0" r="0" b="0"/>
+          <a:pathLst>
+            <a:path>
+              <a:moveTo>
+                <a:pt x="0" y="0"/>
+              </a:moveTo>
+              <a:lnTo>
+                <a:pt x="394213" y="0"/>
+              </a:lnTo>
+            </a:path>
+          </a:pathLst>
+        </a:custGeom>
+        <a:noFill/>
+        <a:ln w="15875" cap="flat" cmpd="sng" algn="ctr">
+          <a:solidFill>
+            <a:scrgbClr r="0" g="0" b="0"/>
+          </a:solidFill>
+          <a:prstDash val="solid"/>
+          <a:tailEnd type="triangle"/>
+        </a:ln>
+        <a:effectLst/>
+      </dsp:spPr>
+      <dsp:style>
+        <a:lnRef idx="2">
+          <a:scrgbClr r="0" g="0" b="0"/>
+        </a:lnRef>
+        <a:fillRef idx="0">
+          <a:scrgbClr r="0" g="0" b="0"/>
+        </a:fillRef>
+        <a:effectRef idx="0">
+          <a:scrgbClr r="0" g="0" b="0"/>
+        </a:effectRef>
+        <a:fontRef idx="minor"/>
+      </dsp:style>
+    </dsp:sp>
+    <dsp:sp modelId="{76784C24-975E-4373-9AB0-0D36214A64F1}">
+      <dsp:nvSpPr>
+        <dsp:cNvPr id="0" name=""/>
+        <dsp:cNvSpPr/>
+      </dsp:nvSpPr>
+      <dsp:spPr>
+        <a:xfrm>
+          <a:off x="6297910" y="18734"/>
+          <a:ext cx="1800000" cy="1800000"/>
+        </a:xfrm>
+        <a:prstGeom prst="roundRect">
+          <a:avLst/>
+        </a:prstGeom>
+        <a:solidFill>
+          <a:schemeClr val="accent1">
+            <a:hueOff val="0"/>
+            <a:satOff val="0"/>
+            <a:lumOff val="0"/>
+            <a:alphaOff val="0"/>
+          </a:schemeClr>
+        </a:solidFill>
+        <a:ln w="15875" cap="flat" cmpd="sng" algn="ctr">
+          <a:solidFill>
+            <a:schemeClr val="lt1">
+              <a:hueOff val="0"/>
+              <a:satOff val="0"/>
+              <a:lumOff val="0"/>
+              <a:alphaOff val="0"/>
+            </a:schemeClr>
+          </a:solidFill>
+          <a:prstDash val="solid"/>
+        </a:ln>
+        <a:effectLst/>
+      </dsp:spPr>
+      <dsp:style>
+        <a:lnRef idx="2">
+          <a:scrgbClr r="0" g="0" b="0"/>
+        </a:lnRef>
+        <a:fillRef idx="1">
+          <a:scrgbClr r="0" g="0" b="0"/>
+        </a:fillRef>
+        <a:effectRef idx="0">
+          <a:scrgbClr r="0" g="0" b="0"/>
+        </a:effectRef>
+        <a:fontRef idx="minor">
+          <a:schemeClr val="lt1"/>
+        </a:fontRef>
+      </dsp:style>
+      <dsp:txBody>
+        <a:bodyPr spcFirstLastPara="0" vert="horz" wrap="square" lIns="50800" tIns="50800" rIns="50800" bIns="50800" numCol="1" spcCol="1270" anchor="t" anchorCtr="0">
+          <a:noAutofit/>
+        </a:bodyPr>
+        <a:lstStyle/>
+        <a:p>
+          <a:pPr lvl="0" algn="ctr" defTabSz="889000">
+            <a:lnSpc>
+              <a:spcPct val="90000"/>
+            </a:lnSpc>
+            <a:spcBef>
+              <a:spcPct val="0"/>
+            </a:spcBef>
+            <a:spcAft>
+              <a:spcPct val="35000"/>
+            </a:spcAft>
+          </a:pPr>
+          <a:r>
+            <a:rPr lang="ru-RU" sz="2000" b="1" kern="1200" dirty="0" smtClean="0"/>
+            <a:t>Requests </a:t>
+          </a:r>
+          <a:endParaRPr lang="ru-RU" sz="2000" b="1" kern="1200" dirty="0"/>
+        </a:p>
+      </dsp:txBody>
+      <dsp:txXfrm>
+        <a:off x="6385779" y="106603"/>
+        <a:ext cx="1624262" cy="1624262"/>
+      </dsp:txXfrm>
+    </dsp:sp>
+    <dsp:sp modelId="{B23D5C2B-B6D2-4298-9DAF-A69442F1C2D7}">
+      <dsp:nvSpPr>
+        <dsp:cNvPr id="0" name=""/>
+        <dsp:cNvSpPr/>
+      </dsp:nvSpPr>
+      <dsp:spPr>
+        <a:xfrm rot="16184308">
+          <a:off x="4889557" y="1932199"/>
+          <a:ext cx="264392" cy="0"/>
+        </a:xfrm>
+        <a:custGeom>
+          <a:avLst/>
+          <a:gdLst/>
+          <a:ahLst/>
+          <a:cxnLst/>
+          <a:rect l="0" t="0" r="0" b="0"/>
+          <a:pathLst>
+            <a:path>
+              <a:moveTo>
+                <a:pt x="0" y="0"/>
+              </a:moveTo>
+              <a:lnTo>
+                <a:pt x="264392" y="0"/>
+              </a:lnTo>
+            </a:path>
+          </a:pathLst>
+        </a:custGeom>
+        <a:noFill/>
+        <a:ln w="15875" cap="flat" cmpd="sng" algn="ctr">
+          <a:solidFill>
+            <a:scrgbClr r="0" g="0" b="0"/>
+          </a:solidFill>
+          <a:prstDash val="solid"/>
+          <a:tailEnd type="triangle"/>
+        </a:ln>
+        <a:effectLst/>
+      </dsp:spPr>
+      <dsp:style>
+        <a:lnRef idx="2">
+          <a:scrgbClr r="0" g="0" b="0"/>
+        </a:lnRef>
+        <a:fillRef idx="0">
+          <a:scrgbClr r="0" g="0" b="0"/>
+        </a:fillRef>
+        <a:effectRef idx="0">
+          <a:scrgbClr r="0" g="0" b="0"/>
+        </a:effectRef>
+        <a:fontRef idx="minor"/>
+      </dsp:style>
+    </dsp:sp>
+    <dsp:sp modelId="{635D6D0E-E44D-465D-9B55-5006A2372644}">
+      <dsp:nvSpPr>
+        <dsp:cNvPr id="0" name=""/>
+        <dsp:cNvSpPr/>
+      </dsp:nvSpPr>
+      <dsp:spPr>
+        <a:xfrm>
+          <a:off x="4117042" y="3"/>
+          <a:ext cx="1800000" cy="1800000"/>
+        </a:xfrm>
+        <a:prstGeom prst="roundRect">
+          <a:avLst/>
+        </a:prstGeom>
+        <a:solidFill>
+          <a:schemeClr val="accent1">
+            <a:hueOff val="0"/>
+            <a:satOff val="0"/>
+            <a:lumOff val="0"/>
+            <a:alphaOff val="0"/>
+          </a:schemeClr>
+        </a:solidFill>
+        <a:ln w="15875" cap="flat" cmpd="sng" algn="ctr">
+          <a:solidFill>
+            <a:schemeClr val="lt1">
+              <a:hueOff val="0"/>
+              <a:satOff val="0"/>
+              <a:lumOff val="0"/>
+              <a:alphaOff val="0"/>
+            </a:schemeClr>
+          </a:solidFill>
+          <a:prstDash val="solid"/>
+        </a:ln>
+        <a:effectLst/>
+      </dsp:spPr>
+      <dsp:style>
+        <a:lnRef idx="2">
+          <a:scrgbClr r="0" g="0" b="0"/>
+        </a:lnRef>
+        <a:fillRef idx="1">
+          <a:scrgbClr r="0" g="0" b="0"/>
+        </a:fillRef>
+        <a:effectRef idx="0">
+          <a:scrgbClr r="0" g="0" b="0"/>
+        </a:effectRef>
+        <a:fontRef idx="minor">
+          <a:schemeClr val="lt1"/>
+        </a:fontRef>
+      </dsp:style>
+      <dsp:txBody>
+        <a:bodyPr spcFirstLastPara="0" vert="horz" wrap="square" lIns="50800" tIns="50800" rIns="50800" bIns="50800" numCol="1" spcCol="1270" anchor="t" anchorCtr="0">
+          <a:noAutofit/>
+        </a:bodyPr>
+        <a:lstStyle/>
+        <a:p>
+          <a:pPr lvl="0" algn="ctr" defTabSz="889000">
+            <a:lnSpc>
+              <a:spcPct val="90000"/>
+            </a:lnSpc>
+            <a:spcBef>
+              <a:spcPct val="0"/>
+            </a:spcBef>
+            <a:spcAft>
+              <a:spcPct val="35000"/>
+            </a:spcAft>
+          </a:pPr>
+          <a:r>
+            <a:rPr lang="en-US" sz="2000" b="1" kern="1200" dirty="0" smtClean="0"/>
+            <a:t>InvertedIndex </a:t>
+          </a:r>
+          <a:endParaRPr lang="ru-RU" sz="2000" b="1" kern="1200" dirty="0"/>
+        </a:p>
+      </dsp:txBody>
+      <dsp:txXfrm>
+        <a:off x="4204911" y="87872"/>
+        <a:ext cx="1624262" cy="1624262"/>
+      </dsp:txXfrm>
+    </dsp:sp>
+    <dsp:sp modelId="{645660FC-29F0-4ECD-9736-2F09D9960928}">
+      <dsp:nvSpPr>
+        <dsp:cNvPr id="0" name=""/>
+        <dsp:cNvSpPr/>
+      </dsp:nvSpPr>
+      <dsp:spPr>
+        <a:xfrm rot="19953010">
+          <a:off x="5876466" y="1965227"/>
+          <a:ext cx="2494325" cy="0"/>
+        </a:xfrm>
+        <a:custGeom>
+          <a:avLst/>
+          <a:gdLst/>
+          <a:ahLst/>
+          <a:cxnLst/>
+          <a:rect l="0" t="0" r="0" b="0"/>
+          <a:pathLst>
+            <a:path>
+              <a:moveTo>
+                <a:pt x="0" y="0"/>
+              </a:moveTo>
+              <a:lnTo>
+                <a:pt x="2494325" y="0"/>
+              </a:lnTo>
+            </a:path>
+          </a:pathLst>
+        </a:custGeom>
+        <a:noFill/>
+        <a:ln w="15875" cap="flat" cmpd="sng" algn="ctr">
+          <a:solidFill>
+            <a:scrgbClr r="0" g="0" b="0"/>
+          </a:solidFill>
+          <a:prstDash val="solid"/>
+          <a:tailEnd type="triangle"/>
+        </a:ln>
+        <a:effectLst/>
+      </dsp:spPr>
+      <dsp:style>
+        <a:lnRef idx="2">
+          <a:scrgbClr r="0" g="0" b="0"/>
+        </a:lnRef>
+        <a:fillRef idx="0">
+          <a:scrgbClr r="0" g="0" b="0"/>
+        </a:fillRef>
+        <a:effectRef idx="0">
+          <a:scrgbClr r="0" g="0" b="0"/>
+        </a:effectRef>
+        <a:fontRef idx="minor"/>
+      </dsp:style>
+    </dsp:sp>
+    <dsp:sp modelId="{EF6A00EF-2BA3-4AAD-B69B-A8E8767F6738}">
+      <dsp:nvSpPr>
+        <dsp:cNvPr id="0" name=""/>
+        <dsp:cNvSpPr/>
+      </dsp:nvSpPr>
+      <dsp:spPr>
+        <a:xfrm>
+          <a:off x="8230380" y="22810"/>
+          <a:ext cx="1800000" cy="1800000"/>
+        </a:xfrm>
+        <a:prstGeom prst="roundRect">
+          <a:avLst/>
+        </a:prstGeom>
+        <a:solidFill>
+          <a:schemeClr val="accent1">
+            <a:hueOff val="0"/>
+            <a:satOff val="0"/>
+            <a:lumOff val="0"/>
+            <a:alphaOff val="0"/>
+          </a:schemeClr>
+        </a:solidFill>
+        <a:ln w="15875" cap="flat" cmpd="sng" algn="ctr">
+          <a:solidFill>
+            <a:schemeClr val="lt1">
+              <a:hueOff val="0"/>
+              <a:satOff val="0"/>
+              <a:lumOff val="0"/>
+              <a:alphaOff val="0"/>
+            </a:schemeClr>
+          </a:solidFill>
+          <a:prstDash val="solid"/>
+        </a:ln>
+        <a:effectLst/>
+      </dsp:spPr>
+      <dsp:style>
+        <a:lnRef idx="2">
+          <a:scrgbClr r="0" g="0" b="0"/>
+        </a:lnRef>
+        <a:fillRef idx="1">
+          <a:scrgbClr r="0" g="0" b="0"/>
+        </a:fillRef>
+        <a:effectRef idx="0">
+          <a:scrgbClr r="0" g="0" b="0"/>
+        </a:effectRef>
+        <a:fontRef idx="minor">
+          <a:schemeClr val="lt1"/>
+        </a:fontRef>
+      </dsp:style>
+      <dsp:txBody>
+        <a:bodyPr spcFirstLastPara="0" vert="horz" wrap="square" lIns="50800" tIns="50800" rIns="50800" bIns="50800" numCol="1" spcCol="1270" anchor="t" anchorCtr="0">
+          <a:noAutofit/>
+        </a:bodyPr>
+        <a:lstStyle/>
+        <a:p>
+          <a:pPr lvl="0" algn="ctr" defTabSz="889000">
+            <a:lnSpc>
+              <a:spcPct val="90000"/>
+            </a:lnSpc>
+            <a:spcBef>
+              <a:spcPct val="0"/>
+            </a:spcBef>
+            <a:spcAft>
+              <a:spcPct val="35000"/>
+            </a:spcAft>
+          </a:pPr>
+          <a:r>
+            <a:rPr lang="en-US" sz="2000" b="1" kern="1200" dirty="0" smtClean="0"/>
+            <a:t>RelevantResponse </a:t>
+          </a:r>
+          <a:endParaRPr lang="ru-RU" sz="2000" b="1" kern="1200" dirty="0"/>
+        </a:p>
+      </dsp:txBody>
+      <dsp:txXfrm>
+        <a:off x="8318249" y="110679"/>
+        <a:ext cx="1624262" cy="1624262"/>
+      </dsp:txXfrm>
+    </dsp:sp>
   </dsp:spTree>
 </dsp:drawing>
 </file>
@@ -9120,6 +9960,479 @@
       <dsp:cNvGrpSpPr/>
     </dsp:nvGrpSpPr>
     <dsp:grpSpPr/>
+    <dsp:sp modelId="{A10362D1-A377-43A9-BD1F-AD314ADD2D68}">
+      <dsp:nvSpPr>
+        <dsp:cNvPr id="0" name=""/>
+        <dsp:cNvSpPr/>
+      </dsp:nvSpPr>
+      <dsp:spPr>
+        <a:xfrm>
+          <a:off x="452726" y="0"/>
+          <a:ext cx="5130899" cy="4143676"/>
+        </a:xfrm>
+        <a:prstGeom prst="rightArrow">
+          <a:avLst/>
+        </a:prstGeom>
+        <a:solidFill>
+          <a:srgbClr val="DFE8E8"/>
+        </a:solidFill>
+        <a:ln>
+          <a:noFill/>
+        </a:ln>
+        <a:effectLst/>
+      </dsp:spPr>
+      <dsp:style>
+        <a:lnRef idx="0">
+          <a:scrgbClr r="0" g="0" b="0"/>
+        </a:lnRef>
+        <a:fillRef idx="1">
+          <a:scrgbClr r="0" g="0" b="0"/>
+        </a:fillRef>
+        <a:effectRef idx="0">
+          <a:scrgbClr r="0" g="0" b="0"/>
+        </a:effectRef>
+        <a:fontRef idx="minor"/>
+      </dsp:style>
+    </dsp:sp>
+    <dsp:sp modelId="{0A15E6E4-35BF-4314-8C3D-ED211E2F9958}">
+      <dsp:nvSpPr>
+        <dsp:cNvPr id="0" name=""/>
+        <dsp:cNvSpPr/>
+      </dsp:nvSpPr>
+      <dsp:spPr>
+        <a:xfrm>
+          <a:off x="2003" y="1243102"/>
+          <a:ext cx="1138678" cy="1657470"/>
+        </a:xfrm>
+        <a:prstGeom prst="roundRect">
+          <a:avLst/>
+        </a:prstGeom>
+        <a:solidFill>
+          <a:schemeClr val="accent1">
+            <a:hueOff val="0"/>
+            <a:satOff val="0"/>
+            <a:lumOff val="0"/>
+            <a:alphaOff val="0"/>
+          </a:schemeClr>
+        </a:solidFill>
+        <a:ln w="15875" cap="flat" cmpd="sng" algn="ctr">
+          <a:solidFill>
+            <a:schemeClr val="lt1">
+              <a:hueOff val="0"/>
+              <a:satOff val="0"/>
+              <a:lumOff val="0"/>
+              <a:alphaOff val="0"/>
+            </a:schemeClr>
+          </a:solidFill>
+          <a:prstDash val="solid"/>
+        </a:ln>
+        <a:effectLst/>
+      </dsp:spPr>
+      <dsp:style>
+        <a:lnRef idx="2">
+          <a:scrgbClr r="0" g="0" b="0"/>
+        </a:lnRef>
+        <a:fillRef idx="1">
+          <a:scrgbClr r="0" g="0" b="0"/>
+        </a:fillRef>
+        <a:effectRef idx="0">
+          <a:scrgbClr r="0" g="0" b="0"/>
+        </a:effectRef>
+        <a:fontRef idx="minor">
+          <a:schemeClr val="lt1"/>
+        </a:fontRef>
+      </dsp:style>
+      <dsp:txBody>
+        <a:bodyPr spcFirstLastPara="0" vert="horz" wrap="square" lIns="57150" tIns="57150" rIns="57150" bIns="57150" numCol="1" spcCol="1270" anchor="ctr" anchorCtr="0">
+          <a:noAutofit/>
+        </a:bodyPr>
+        <a:lstStyle/>
+        <a:p>
+          <a:pPr lvl="0" algn="ctr" defTabSz="666750">
+            <a:lnSpc>
+              <a:spcPct val="90000"/>
+            </a:lnSpc>
+            <a:spcBef>
+              <a:spcPct val="0"/>
+            </a:spcBef>
+            <a:spcAft>
+              <a:spcPct val="35000"/>
+            </a:spcAft>
+          </a:pPr>
+          <a:r>
+            <a:rPr lang="en-US" sz="1500" kern="1200" dirty="0" smtClean="0"/>
+            <a:t>Converter</a:t>
+          </a:r>
+          <a:endParaRPr lang="ru-RU" sz="1500" kern="1200" dirty="0" smtClean="0"/>
+        </a:p>
+        <a:p>
+          <a:pPr lvl="0" algn="ctr" defTabSz="666750">
+            <a:lnSpc>
+              <a:spcPct val="90000"/>
+            </a:lnSpc>
+            <a:spcBef>
+              <a:spcPct val="0"/>
+            </a:spcBef>
+            <a:spcAft>
+              <a:spcPct val="35000"/>
+            </a:spcAft>
+          </a:pPr>
+          <a:r>
+            <a:rPr lang="en-US" sz="1500" kern="1200" dirty="0" smtClean="0"/>
+            <a:t>JSON</a:t>
+          </a:r>
+          <a:endParaRPr lang="ru-RU" sz="1500" kern="1200" dirty="0"/>
+        </a:p>
+      </dsp:txBody>
+      <dsp:txXfrm>
+        <a:off x="57589" y="1298688"/>
+        <a:ext cx="1027506" cy="1546298"/>
+      </dsp:txXfrm>
+    </dsp:sp>
+    <dsp:sp modelId="{F054BA0B-B3F7-4B6B-BD2F-4AE8F4442468}">
+      <dsp:nvSpPr>
+        <dsp:cNvPr id="0" name=""/>
+        <dsp:cNvSpPr/>
+      </dsp:nvSpPr>
+      <dsp:spPr>
+        <a:xfrm>
+          <a:off x="1225420" y="1243102"/>
+          <a:ext cx="1138678" cy="1657470"/>
+        </a:xfrm>
+        <a:prstGeom prst="roundRect">
+          <a:avLst/>
+        </a:prstGeom>
+        <a:solidFill>
+          <a:schemeClr val="accent1">
+            <a:hueOff val="0"/>
+            <a:satOff val="0"/>
+            <a:lumOff val="0"/>
+            <a:alphaOff val="0"/>
+          </a:schemeClr>
+        </a:solidFill>
+        <a:ln w="15875" cap="flat" cmpd="sng" algn="ctr">
+          <a:solidFill>
+            <a:schemeClr val="lt1">
+              <a:hueOff val="0"/>
+              <a:satOff val="0"/>
+              <a:lumOff val="0"/>
+              <a:alphaOff val="0"/>
+            </a:schemeClr>
+          </a:solidFill>
+          <a:prstDash val="solid"/>
+        </a:ln>
+        <a:effectLst/>
+      </dsp:spPr>
+      <dsp:style>
+        <a:lnRef idx="2">
+          <a:scrgbClr r="0" g="0" b="0"/>
+        </a:lnRef>
+        <a:fillRef idx="1">
+          <a:scrgbClr r="0" g="0" b="0"/>
+        </a:fillRef>
+        <a:effectRef idx="0">
+          <a:scrgbClr r="0" g="0" b="0"/>
+        </a:effectRef>
+        <a:fontRef idx="minor">
+          <a:schemeClr val="lt1"/>
+        </a:fontRef>
+      </dsp:style>
+      <dsp:txBody>
+        <a:bodyPr spcFirstLastPara="0" vert="horz" wrap="square" lIns="57150" tIns="57150" rIns="57150" bIns="57150" numCol="1" spcCol="1270" anchor="ctr" anchorCtr="0">
+          <a:noAutofit/>
+        </a:bodyPr>
+        <a:lstStyle/>
+        <a:p>
+          <a:pPr lvl="0" algn="ctr" defTabSz="666750">
+            <a:lnSpc>
+              <a:spcPct val="90000"/>
+            </a:lnSpc>
+            <a:spcBef>
+              <a:spcPct val="0"/>
+            </a:spcBef>
+            <a:spcAft>
+              <a:spcPct val="35000"/>
+            </a:spcAft>
+          </a:pPr>
+          <a:r>
+            <a:rPr lang="en-US" sz="1500" kern="1200" dirty="0" smtClean="0"/>
+            <a:t>Documents</a:t>
+          </a:r>
+          <a:endParaRPr lang="ru-RU" sz="1500" kern="1200" dirty="0"/>
+        </a:p>
+      </dsp:txBody>
+      <dsp:txXfrm>
+        <a:off x="1281006" y="1298688"/>
+        <a:ext cx="1027506" cy="1546298"/>
+      </dsp:txXfrm>
+    </dsp:sp>
+    <dsp:sp modelId="{DC4AEBBC-A52D-40F6-9146-7F10088A6B32}">
+      <dsp:nvSpPr>
+        <dsp:cNvPr id="0" name=""/>
+        <dsp:cNvSpPr/>
+      </dsp:nvSpPr>
+      <dsp:spPr>
+        <a:xfrm>
+          <a:off x="2448836" y="1243102"/>
+          <a:ext cx="1138678" cy="1657470"/>
+        </a:xfrm>
+        <a:prstGeom prst="roundRect">
+          <a:avLst/>
+        </a:prstGeom>
+        <a:solidFill>
+          <a:schemeClr val="accent1">
+            <a:hueOff val="0"/>
+            <a:satOff val="0"/>
+            <a:lumOff val="0"/>
+            <a:alphaOff val="0"/>
+          </a:schemeClr>
+        </a:solidFill>
+        <a:ln w="15875" cap="flat" cmpd="sng" algn="ctr">
+          <a:solidFill>
+            <a:schemeClr val="lt1">
+              <a:hueOff val="0"/>
+              <a:satOff val="0"/>
+              <a:lumOff val="0"/>
+              <a:alphaOff val="0"/>
+            </a:schemeClr>
+          </a:solidFill>
+          <a:prstDash val="solid"/>
+        </a:ln>
+        <a:effectLst/>
+      </dsp:spPr>
+      <dsp:style>
+        <a:lnRef idx="2">
+          <a:scrgbClr r="0" g="0" b="0"/>
+        </a:lnRef>
+        <a:fillRef idx="1">
+          <a:scrgbClr r="0" g="0" b="0"/>
+        </a:fillRef>
+        <a:effectRef idx="0">
+          <a:scrgbClr r="0" g="0" b="0"/>
+        </a:effectRef>
+        <a:fontRef idx="minor">
+          <a:schemeClr val="lt1"/>
+        </a:fontRef>
+      </dsp:style>
+      <dsp:txBody>
+        <a:bodyPr spcFirstLastPara="0" vert="horz" wrap="square" lIns="57150" tIns="57150" rIns="57150" bIns="57150" numCol="1" spcCol="1270" anchor="ctr" anchorCtr="0">
+          <a:noAutofit/>
+        </a:bodyPr>
+        <a:lstStyle/>
+        <a:p>
+          <a:pPr lvl="0" algn="ctr" defTabSz="666750">
+            <a:lnSpc>
+              <a:spcPct val="90000"/>
+            </a:lnSpc>
+            <a:spcBef>
+              <a:spcPct val="0"/>
+            </a:spcBef>
+            <a:spcAft>
+              <a:spcPct val="35000"/>
+            </a:spcAft>
+          </a:pPr>
+          <a:r>
+            <a:rPr lang="en-US" sz="1500" kern="1200" dirty="0" smtClean="0"/>
+            <a:t>Inverted</a:t>
+          </a:r>
+          <a:endParaRPr lang="ru-RU" sz="1500" kern="1200" dirty="0" smtClean="0"/>
+        </a:p>
+        <a:p>
+          <a:pPr lvl="0" algn="ctr" defTabSz="666750">
+            <a:lnSpc>
+              <a:spcPct val="90000"/>
+            </a:lnSpc>
+            <a:spcBef>
+              <a:spcPct val="0"/>
+            </a:spcBef>
+            <a:spcAft>
+              <a:spcPct val="35000"/>
+            </a:spcAft>
+          </a:pPr>
+          <a:r>
+            <a:rPr lang="en-US" sz="1500" kern="1200" dirty="0" smtClean="0"/>
+            <a:t>Index</a:t>
+          </a:r>
+          <a:endParaRPr lang="ru-RU" sz="1500" kern="1200" dirty="0"/>
+        </a:p>
+      </dsp:txBody>
+      <dsp:txXfrm>
+        <a:off x="2504422" y="1298688"/>
+        <a:ext cx="1027506" cy="1546298"/>
+      </dsp:txXfrm>
+    </dsp:sp>
+    <dsp:sp modelId="{014D856F-0A4A-4760-9506-E63C9F5DE09D}">
+      <dsp:nvSpPr>
+        <dsp:cNvPr id="0" name=""/>
+        <dsp:cNvSpPr/>
+      </dsp:nvSpPr>
+      <dsp:spPr>
+        <a:xfrm>
+          <a:off x="3672253" y="1243102"/>
+          <a:ext cx="1138678" cy="1657470"/>
+        </a:xfrm>
+        <a:prstGeom prst="roundRect">
+          <a:avLst/>
+        </a:prstGeom>
+        <a:solidFill>
+          <a:schemeClr val="accent1">
+            <a:hueOff val="0"/>
+            <a:satOff val="0"/>
+            <a:lumOff val="0"/>
+            <a:alphaOff val="0"/>
+          </a:schemeClr>
+        </a:solidFill>
+        <a:ln w="15875" cap="flat" cmpd="sng" algn="ctr">
+          <a:solidFill>
+            <a:schemeClr val="lt1">
+              <a:hueOff val="0"/>
+              <a:satOff val="0"/>
+              <a:lumOff val="0"/>
+              <a:alphaOff val="0"/>
+            </a:schemeClr>
+          </a:solidFill>
+          <a:prstDash val="solid"/>
+        </a:ln>
+        <a:effectLst/>
+      </dsp:spPr>
+      <dsp:style>
+        <a:lnRef idx="2">
+          <a:scrgbClr r="0" g="0" b="0"/>
+        </a:lnRef>
+        <a:fillRef idx="1">
+          <a:scrgbClr r="0" g="0" b="0"/>
+        </a:fillRef>
+        <a:effectRef idx="0">
+          <a:scrgbClr r="0" g="0" b="0"/>
+        </a:effectRef>
+        <a:fontRef idx="minor">
+          <a:schemeClr val="lt1"/>
+        </a:fontRef>
+      </dsp:style>
+      <dsp:txBody>
+        <a:bodyPr spcFirstLastPara="0" vert="horz" wrap="square" lIns="57150" tIns="57150" rIns="57150" bIns="57150" numCol="1" spcCol="1270" anchor="ctr" anchorCtr="0">
+          <a:noAutofit/>
+        </a:bodyPr>
+        <a:lstStyle/>
+        <a:p>
+          <a:pPr lvl="0" algn="ctr" defTabSz="666750">
+            <a:lnSpc>
+              <a:spcPct val="90000"/>
+            </a:lnSpc>
+            <a:spcBef>
+              <a:spcPct val="0"/>
+            </a:spcBef>
+            <a:spcAft>
+              <a:spcPct val="35000"/>
+            </a:spcAft>
+          </a:pPr>
+          <a:r>
+            <a:rPr lang="en-US" sz="1500" kern="1200" dirty="0" smtClean="0"/>
+            <a:t>Requests</a:t>
+          </a:r>
+          <a:endParaRPr lang="ru-RU" sz="1500" kern="1200" dirty="0"/>
+        </a:p>
+      </dsp:txBody>
+      <dsp:txXfrm>
+        <a:off x="3727839" y="1298688"/>
+        <a:ext cx="1027506" cy="1546298"/>
+      </dsp:txXfrm>
+    </dsp:sp>
+    <dsp:sp modelId="{2EF5CFF0-CC5C-43EE-B44D-1D53039F8A29}">
+      <dsp:nvSpPr>
+        <dsp:cNvPr id="0" name=""/>
+        <dsp:cNvSpPr/>
+      </dsp:nvSpPr>
+      <dsp:spPr>
+        <a:xfrm>
+          <a:off x="4895670" y="1243102"/>
+          <a:ext cx="1138678" cy="1657470"/>
+        </a:xfrm>
+        <a:prstGeom prst="roundRect">
+          <a:avLst/>
+        </a:prstGeom>
+        <a:solidFill>
+          <a:schemeClr val="accent1">
+            <a:hueOff val="0"/>
+            <a:satOff val="0"/>
+            <a:lumOff val="0"/>
+            <a:alphaOff val="0"/>
+          </a:schemeClr>
+        </a:solidFill>
+        <a:ln w="15875" cap="flat" cmpd="sng" algn="ctr">
+          <a:solidFill>
+            <a:schemeClr val="lt1">
+              <a:hueOff val="0"/>
+              <a:satOff val="0"/>
+              <a:lumOff val="0"/>
+              <a:alphaOff val="0"/>
+            </a:schemeClr>
+          </a:solidFill>
+          <a:prstDash val="solid"/>
+        </a:ln>
+        <a:effectLst/>
+      </dsp:spPr>
+      <dsp:style>
+        <a:lnRef idx="2">
+          <a:scrgbClr r="0" g="0" b="0"/>
+        </a:lnRef>
+        <a:fillRef idx="1">
+          <a:scrgbClr r="0" g="0" b="0"/>
+        </a:fillRef>
+        <a:effectRef idx="0">
+          <a:scrgbClr r="0" g="0" b="0"/>
+        </a:effectRef>
+        <a:fontRef idx="minor">
+          <a:schemeClr val="lt1"/>
+        </a:fontRef>
+      </dsp:style>
+      <dsp:txBody>
+        <a:bodyPr spcFirstLastPara="0" vert="horz" wrap="square" lIns="57150" tIns="57150" rIns="57150" bIns="57150" numCol="1" spcCol="1270" anchor="ctr" anchorCtr="0">
+          <a:noAutofit/>
+        </a:bodyPr>
+        <a:lstStyle/>
+        <a:p>
+          <a:pPr lvl="0" algn="ctr" defTabSz="666750">
+            <a:lnSpc>
+              <a:spcPct val="90000"/>
+            </a:lnSpc>
+            <a:spcBef>
+              <a:spcPct val="0"/>
+            </a:spcBef>
+            <a:spcAft>
+              <a:spcPct val="35000"/>
+            </a:spcAft>
+          </a:pPr>
+          <a:r>
+            <a:rPr lang="en-US" sz="1500" kern="1200" dirty="0" smtClean="0"/>
+            <a:t>Relevant</a:t>
+          </a:r>
+          <a:endParaRPr lang="ru-RU" sz="1500" kern="1200" dirty="0" smtClean="0"/>
+        </a:p>
+        <a:p>
+          <a:pPr lvl="0" algn="ctr" defTabSz="666750">
+            <a:lnSpc>
+              <a:spcPct val="90000"/>
+            </a:lnSpc>
+            <a:spcBef>
+              <a:spcPct val="0"/>
+            </a:spcBef>
+            <a:spcAft>
+              <a:spcPct val="35000"/>
+            </a:spcAft>
+          </a:pPr>
+          <a:r>
+            <a:rPr lang="en-US" sz="1500" kern="1200" dirty="0" smtClean="0"/>
+            <a:t>Response</a:t>
+          </a:r>
+          <a:endParaRPr lang="ru-RU" sz="1500" kern="1200" dirty="0"/>
+        </a:p>
+      </dsp:txBody>
+      <dsp:txXfrm>
+        <a:off x="4951256" y="1298688"/>
+        <a:ext cx="1027506" cy="1546298"/>
+      </dsp:txXfrm>
+    </dsp:sp>
   </dsp:spTree>
 </dsp:drawing>
 </file>
@@ -20952,7 +22265,7 @@
           <a:p>
             <a:fld id="{FF87DA49-9917-4A7E-BE43-A1E4A72285DB}" type="datetimeFigureOut">
               <a:rPr lang="ru-RU" smtClean="0"/>
-              <a:t>20.11.2025</a:t>
+              <a:t>21.11.2025</a:t>
             </a:fld>
             <a:endParaRPr lang="ru-RU"/>
           </a:p>
@@ -21532,7 +22845,7 @@
           <a:p>
             <a:fld id="{82D494A6-AC0E-4564-848B-C9299726F19B}" type="datetime1">
               <a:rPr lang="ru-RU" smtClean="0"/>
-              <a:t>20.11.2025</a:t>
+              <a:t>21.11.2025</a:t>
             </a:fld>
             <a:endParaRPr lang="ru-RU"/>
           </a:p>
@@ -21740,7 +23053,7 @@
           <a:p>
             <a:fld id="{8F54F09E-5B73-4FCA-A245-E4B9F24EF6EE}" type="datetime1">
               <a:rPr lang="ru-RU" smtClean="0"/>
-              <a:t>20.11.2025</a:t>
+              <a:t>21.11.2025</a:t>
             </a:fld>
             <a:endParaRPr lang="ru-RU"/>
           </a:p>
@@ -21998,7 +23311,7 @@
           <a:p>
             <a:fld id="{EE0EF1CB-1F45-4BB0-ACA2-7F2CD691ED8E}" type="datetime1">
               <a:rPr lang="ru-RU" smtClean="0"/>
-              <a:t>20.11.2025</a:t>
+              <a:t>21.11.2025</a:t>
             </a:fld>
             <a:endParaRPr lang="ru-RU"/>
           </a:p>
@@ -22168,7 +23481,7 @@
           <a:p>
             <a:fld id="{8AC5719E-8A6A-457D-98CF-1B213C53F5CE}" type="datetime1">
               <a:rPr lang="ru-RU" smtClean="0"/>
-              <a:t>20.11.2025</a:t>
+              <a:t>21.11.2025</a:t>
             </a:fld>
             <a:endParaRPr lang="ru-RU"/>
           </a:p>
@@ -22505,7 +23818,7 @@
           <a:p>
             <a:fld id="{9187F089-DB3A-44EC-8E6C-70C807261B64}" type="datetime1">
               <a:rPr lang="ru-RU" smtClean="0"/>
-              <a:t>20.11.2025</a:t>
+              <a:t>21.11.2025</a:t>
             </a:fld>
             <a:endParaRPr lang="ru-RU"/>
           </a:p>
@@ -22780,7 +24093,7 @@
           <a:p>
             <a:fld id="{8D89F477-1E06-42B9-98CE-724D285F544D}" type="datetime1">
               <a:rPr lang="ru-RU" smtClean="0"/>
-              <a:t>20.11.2025</a:t>
+              <a:t>21.11.2025</a:t>
             </a:fld>
             <a:endParaRPr lang="ru-RU"/>
           </a:p>
@@ -23159,7 +24472,7 @@
           <a:p>
             <a:fld id="{D1ABE4F1-295B-4CC0-A10F-3BDEF5F6B9B6}" type="datetime1">
               <a:rPr lang="ru-RU" smtClean="0"/>
-              <a:t>20.11.2025</a:t>
+              <a:t>21.11.2025</a:t>
             </a:fld>
             <a:endParaRPr lang="ru-RU"/>
           </a:p>
@@ -23277,7 +24590,7 @@
           <a:p>
             <a:fld id="{5415850B-FCCB-4950-8D75-8D81D52F3FBD}" type="datetime1">
               <a:rPr lang="ru-RU" smtClean="0"/>
-              <a:t>20.11.2025</a:t>
+              <a:t>21.11.2025</a:t>
             </a:fld>
             <a:endParaRPr lang="ru-RU"/>
           </a:p>
@@ -23450,7 +24763,7 @@
           <a:p>
             <a:fld id="{BFEAB0DF-01E8-4782-A602-314B3FF37A29}" type="datetime1">
               <a:rPr lang="ru-RU" smtClean="0"/>
-              <a:t>20.11.2025</a:t>
+              <a:t>21.11.2025</a:t>
             </a:fld>
             <a:endParaRPr lang="ru-RU"/>
           </a:p>
@@ -23806,7 +25119,7 @@
           <a:p>
             <a:fld id="{AA82D743-4282-4860-9AE2-FAD442C19B6D}" type="datetime1">
               <a:rPr lang="ru-RU" smtClean="0"/>
-              <a:t>20.11.2025</a:t>
+              <a:t>21.11.2025</a:t>
             </a:fld>
             <a:endParaRPr lang="ru-RU"/>
           </a:p>
@@ -24185,7 +25498,7 @@
           <a:p>
             <a:fld id="{F2122F36-14C5-4E46-8DE1-22F5FE5A6635}" type="datetime1">
               <a:rPr lang="ru-RU" smtClean="0"/>
-              <a:t>20.11.2025</a:t>
+              <a:t>21.11.2025</a:t>
             </a:fld>
             <a:endParaRPr lang="ru-RU"/>
           </a:p>
@@ -24474,7 +25787,7 @@
           <a:p>
             <a:fld id="{DF78E439-9BA7-4640-B448-B030DCC85B49}" type="datetime1">
               <a:rPr lang="ru-RU" smtClean="0"/>
-              <a:t>20.11.2025</a:t>
+              <a:t>21.11.2025</a:t>
             </a:fld>
             <a:endParaRPr lang="ru-RU"/>
           </a:p>
@@ -25140,7 +26453,7 @@
           <a:p>
             <a:fld id="{8AC5719E-8A6A-457D-98CF-1B213C53F5CE}" type="datetime1">
               <a:rPr lang="ru-RU" smtClean="0"/>
-              <a:t>20.11.2025</a:t>
+              <a:t>21.11.2025</a:t>
             </a:fld>
             <a:endParaRPr lang="ru-RU"/>
           </a:p>
@@ -26302,7 +27615,7 @@
           <a:p>
             <a:fld id="{8AC5719E-8A6A-457D-98CF-1B213C53F5CE}" type="datetime1">
               <a:rPr lang="ru-RU" smtClean="0"/>
-              <a:t>20.11.2025</a:t>
+              <a:t>21.11.2025</a:t>
             </a:fld>
             <a:endParaRPr lang="ru-RU"/>
           </a:p>
@@ -26889,7 +28202,7 @@
           <a:p>
             <a:fld id="{5415850B-FCCB-4950-8D75-8D81D52F3FBD}" type="datetime1">
               <a:rPr lang="ru-RU" smtClean="0"/>
-              <a:t>20.11.2025</a:t>
+              <a:t>21.11.2025</a:t>
             </a:fld>
             <a:endParaRPr lang="ru-RU"/>
           </a:p>
@@ -27142,160 +28455,6 @@
           </a:p>
         </p:txBody>
       </p:sp>
-      <p:sp>
-        <p:nvSpPr>
-          <p:cNvPr id="12" name="Стрелка вправо 11"/>
-          <p:cNvSpPr/>
-          <p:nvPr/>
-        </p:nvSpPr>
-        <p:spPr>
-          <a:xfrm>
-            <a:off x="1047716" y="5579614"/>
-            <a:ext cx="525014" cy="484632"/>
-          </a:xfrm>
-          <a:prstGeom prst="rightArrow">
-            <a:avLst/>
-          </a:prstGeom>
-        </p:spPr>
-        <p:style>
-          <a:lnRef idx="2">
-            <a:schemeClr val="accent1">
-              <a:shade val="50000"/>
-            </a:schemeClr>
-          </a:lnRef>
-          <a:fillRef idx="1">
-            <a:schemeClr val="accent1"/>
-          </a:fillRef>
-          <a:effectRef idx="0">
-            <a:schemeClr val="accent1"/>
-          </a:effectRef>
-          <a:fontRef idx="minor">
-            <a:schemeClr val="lt1"/>
-          </a:fontRef>
-        </p:style>
-        <p:txBody>
-          <a:bodyPr rtlCol="0" anchor="ctr"/>
-          <a:lstStyle/>
-          <a:p>
-            <a:pPr algn="ctr"/>
-            <a:endParaRPr lang="ru-RU"/>
-          </a:p>
-        </p:txBody>
-      </p:sp>
-      <p:grpSp>
-        <p:nvGrpSpPr>
-          <p:cNvPr id="16" name="Группа 15"/>
-          <p:cNvGrpSpPr/>
-          <p:nvPr/>
-        </p:nvGrpSpPr>
-        <p:grpSpPr>
-          <a:xfrm>
-            <a:off x="3567678" y="1388692"/>
-            <a:ext cx="1260000" cy="1260000"/>
-            <a:chOff x="3899929" y="338038"/>
-            <a:chExt cx="903543" cy="903543"/>
-          </a:xfrm>
-        </p:grpSpPr>
-        <p:sp>
-          <p:nvSpPr>
-            <p:cNvPr id="17" name="Овал 16"/>
-            <p:cNvSpPr/>
-            <p:nvPr/>
-          </p:nvSpPr>
-          <p:spPr>
-            <a:xfrm>
-              <a:off x="3899929" y="338038"/>
-              <a:ext cx="903543" cy="903543"/>
-            </a:xfrm>
-            <a:prstGeom prst="ellipse">
-              <a:avLst/>
-            </a:prstGeom>
-          </p:spPr>
-          <p:style>
-            <a:lnRef idx="2">
-              <a:schemeClr val="lt1">
-                <a:hueOff val="0"/>
-                <a:satOff val="0"/>
-                <a:lumOff val="0"/>
-                <a:alphaOff val="0"/>
-              </a:schemeClr>
-            </a:lnRef>
-            <a:fillRef idx="1">
-              <a:schemeClr val="accent1">
-                <a:hueOff val="0"/>
-                <a:satOff val="0"/>
-                <a:lumOff val="0"/>
-                <a:alphaOff val="0"/>
-              </a:schemeClr>
-            </a:fillRef>
-            <a:effectRef idx="0">
-              <a:schemeClr val="accent1">
-                <a:hueOff val="0"/>
-                <a:satOff val="0"/>
-                <a:lumOff val="0"/>
-                <a:alphaOff val="0"/>
-              </a:schemeClr>
-            </a:effectRef>
-            <a:fontRef idx="minor">
-              <a:schemeClr val="lt1"/>
-            </a:fontRef>
-          </p:style>
-        </p:sp>
-        <p:sp>
-          <p:nvSpPr>
-            <p:cNvPr id="18" name="Овал 4"/>
-            <p:cNvSpPr/>
-            <p:nvPr/>
-          </p:nvSpPr>
-          <p:spPr>
-            <a:xfrm>
-              <a:off x="4032250" y="470359"/>
-              <a:ext cx="638901" cy="638901"/>
-            </a:xfrm>
-            <a:prstGeom prst="rect">
-              <a:avLst/>
-            </a:prstGeom>
-          </p:spPr>
-          <p:style>
-            <a:lnRef idx="0">
-              <a:scrgbClr r="0" g="0" b="0"/>
-            </a:lnRef>
-            <a:fillRef idx="0">
-              <a:scrgbClr r="0" g="0" b="0"/>
-            </a:fillRef>
-            <a:effectRef idx="0">
-              <a:scrgbClr r="0" g="0" b="0"/>
-            </a:effectRef>
-            <a:fontRef idx="minor">
-              <a:schemeClr val="lt1"/>
-            </a:fontRef>
-          </p:style>
-          <p:txBody>
-            <a:bodyPr spcFirstLastPara="0" vert="horz" wrap="square" lIns="6985" tIns="6985" rIns="6985" bIns="6985" numCol="1" spcCol="1270" anchor="ctr" anchorCtr="0">
-              <a:noAutofit/>
-            </a:bodyPr>
-            <a:lstStyle/>
-            <a:p>
-              <a:pPr lvl="0" algn="ctr" defTabSz="488950">
-                <a:lnSpc>
-                  <a:spcPct val="90000"/>
-                </a:lnSpc>
-                <a:spcBef>
-                  <a:spcPct val="0"/>
-                </a:spcBef>
-                <a:spcAft>
-                  <a:spcPct val="35000"/>
-                </a:spcAft>
-              </a:pPr>
-              <a:r>
-                <a:rPr lang="en-US" sz="1600" kern="1200" dirty="0" smtClean="0"/>
-                <a:t>ConverterJSON</a:t>
-              </a:r>
-              <a:endParaRPr lang="ru-RU" sz="1600" kern="1200" dirty="0"/>
-            </a:p>
-          </p:txBody>
-        </p:sp>
-      </p:grpSp>
       <p:grpSp>
         <p:nvGrpSpPr>
           <p:cNvPr id="21" name="Группа 20"/>
@@ -27816,46 +28975,6 @@
           </p:txBody>
         </p:sp>
       </p:grpSp>
-      <p:sp>
-        <p:nvSpPr>
-          <p:cNvPr id="42" name="Стрелка вправо 41"/>
-          <p:cNvSpPr/>
-          <p:nvPr/>
-        </p:nvSpPr>
-        <p:spPr>
-          <a:xfrm>
-            <a:off x="615655" y="5021794"/>
-            <a:ext cx="525014" cy="484632"/>
-          </a:xfrm>
-          <a:prstGeom prst="rightArrow">
-            <a:avLst/>
-          </a:prstGeom>
-        </p:spPr>
-        <p:style>
-          <a:lnRef idx="2">
-            <a:schemeClr val="accent1">
-              <a:shade val="50000"/>
-            </a:schemeClr>
-          </a:lnRef>
-          <a:fillRef idx="1">
-            <a:schemeClr val="accent1"/>
-          </a:fillRef>
-          <a:effectRef idx="0">
-            <a:schemeClr val="accent1"/>
-          </a:effectRef>
-          <a:fontRef idx="minor">
-            <a:schemeClr val="lt1"/>
-          </a:fontRef>
-        </p:style>
-        <p:txBody>
-          <a:bodyPr rtlCol="0" anchor="ctr"/>
-          <a:lstStyle/>
-          <a:p>
-            <a:pPr algn="ctr"/>
-            <a:endParaRPr lang="ru-RU"/>
-          </a:p>
-        </p:txBody>
-      </p:sp>
       <p:pic>
         <p:nvPicPr>
           <p:cNvPr id="43" name="Рисунок 42"/>
@@ -27886,46 +29005,6 @@
           </a:prstGeom>
         </p:spPr>
       </p:pic>
-      <p:sp>
-        <p:nvSpPr>
-          <p:cNvPr id="44" name="Стрелка вправо 43"/>
-          <p:cNvSpPr/>
-          <p:nvPr/>
-        </p:nvSpPr>
-        <p:spPr>
-          <a:xfrm>
-            <a:off x="609822" y="5598827"/>
-            <a:ext cx="525014" cy="484632"/>
-          </a:xfrm>
-          <a:prstGeom prst="rightArrow">
-            <a:avLst/>
-          </a:prstGeom>
-        </p:spPr>
-        <p:style>
-          <a:lnRef idx="2">
-            <a:schemeClr val="accent1">
-              <a:shade val="50000"/>
-            </a:schemeClr>
-          </a:lnRef>
-          <a:fillRef idx="1">
-            <a:schemeClr val="accent1"/>
-          </a:fillRef>
-          <a:effectRef idx="0">
-            <a:schemeClr val="accent1"/>
-          </a:effectRef>
-          <a:fontRef idx="minor">
-            <a:schemeClr val="lt1"/>
-          </a:fontRef>
-        </p:style>
-        <p:txBody>
-          <a:bodyPr rtlCol="0" anchor="ctr"/>
-          <a:lstStyle/>
-          <a:p>
-            <a:pPr algn="ctr"/>
-            <a:endParaRPr lang="ru-RU"/>
-          </a:p>
-        </p:txBody>
-      </p:sp>
       <p:pic>
         <p:nvPicPr>
           <p:cNvPr id="50" name="Рисунок 49"/>
@@ -27958,46 +29037,6 @@
       </p:pic>
       <p:sp>
         <p:nvSpPr>
-          <p:cNvPr id="52" name="Стрелка вправо 51"/>
-          <p:cNvSpPr/>
-          <p:nvPr/>
-        </p:nvSpPr>
-        <p:spPr>
-          <a:xfrm rot="5400000">
-            <a:off x="1030005" y="5057007"/>
-            <a:ext cx="525014" cy="484632"/>
-          </a:xfrm>
-          <a:prstGeom prst="rightArrow">
-            <a:avLst/>
-          </a:prstGeom>
-        </p:spPr>
-        <p:style>
-          <a:lnRef idx="2">
-            <a:schemeClr val="accent1">
-              <a:shade val="50000"/>
-            </a:schemeClr>
-          </a:lnRef>
-          <a:fillRef idx="1">
-            <a:schemeClr val="accent1"/>
-          </a:fillRef>
-          <a:effectRef idx="0">
-            <a:schemeClr val="accent1"/>
-          </a:effectRef>
-          <a:fontRef idx="minor">
-            <a:schemeClr val="lt1"/>
-          </a:fontRef>
-        </p:style>
-        <p:txBody>
-          <a:bodyPr rtlCol="0" anchor="ctr"/>
-          <a:lstStyle/>
-          <a:p>
-            <a:pPr algn="ctr"/>
-            <a:endParaRPr lang="ru-RU"/>
-          </a:p>
-        </p:txBody>
-      </p:sp>
-      <p:sp>
-        <p:nvSpPr>
           <p:cNvPr id="53" name="Стрелка вправо 52"/>
           <p:cNvSpPr/>
           <p:nvPr/>
@@ -28005,126 +29044,6 @@
         <p:spPr>
           <a:xfrm rot="16200000">
             <a:off x="10413926" y="2877118"/>
-            <a:ext cx="525014" cy="484632"/>
-          </a:xfrm>
-          <a:prstGeom prst="rightArrow">
-            <a:avLst/>
-          </a:prstGeom>
-        </p:spPr>
-        <p:style>
-          <a:lnRef idx="2">
-            <a:schemeClr val="accent1">
-              <a:shade val="50000"/>
-            </a:schemeClr>
-          </a:lnRef>
-          <a:fillRef idx="1">
-            <a:schemeClr val="accent1"/>
-          </a:fillRef>
-          <a:effectRef idx="0">
-            <a:schemeClr val="accent1"/>
-          </a:effectRef>
-          <a:fontRef idx="minor">
-            <a:schemeClr val="lt1"/>
-          </a:fontRef>
-        </p:style>
-        <p:txBody>
-          <a:bodyPr rtlCol="0" anchor="ctr"/>
-          <a:lstStyle/>
-          <a:p>
-            <a:pPr algn="ctr"/>
-            <a:endParaRPr lang="ru-RU"/>
-          </a:p>
-        </p:txBody>
-      </p:sp>
-      <p:sp>
-        <p:nvSpPr>
-          <p:cNvPr id="54" name="Стрелка вправо 53"/>
-          <p:cNvSpPr/>
-          <p:nvPr/>
-        </p:nvSpPr>
-        <p:spPr>
-          <a:xfrm rot="7865662">
-            <a:off x="1367363" y="5269656"/>
-            <a:ext cx="525014" cy="484632"/>
-          </a:xfrm>
-          <a:prstGeom prst="rightArrow">
-            <a:avLst/>
-          </a:prstGeom>
-        </p:spPr>
-        <p:style>
-          <a:lnRef idx="2">
-            <a:schemeClr val="accent1">
-              <a:shade val="50000"/>
-            </a:schemeClr>
-          </a:lnRef>
-          <a:fillRef idx="1">
-            <a:schemeClr val="accent1"/>
-          </a:fillRef>
-          <a:effectRef idx="0">
-            <a:schemeClr val="accent1"/>
-          </a:effectRef>
-          <a:fontRef idx="minor">
-            <a:schemeClr val="lt1"/>
-          </a:fontRef>
-        </p:style>
-        <p:txBody>
-          <a:bodyPr rtlCol="0" anchor="ctr"/>
-          <a:lstStyle/>
-          <a:p>
-            <a:pPr algn="ctr"/>
-            <a:endParaRPr lang="ru-RU"/>
-          </a:p>
-        </p:txBody>
-      </p:sp>
-      <p:sp>
-        <p:nvSpPr>
-          <p:cNvPr id="55" name="Стрелка вправо 54"/>
-          <p:cNvSpPr/>
-          <p:nvPr/>
-        </p:nvSpPr>
-        <p:spPr>
-          <a:xfrm rot="5400000">
-            <a:off x="279330" y="4012011"/>
-            <a:ext cx="525014" cy="484632"/>
-          </a:xfrm>
-          <a:prstGeom prst="rightArrow">
-            <a:avLst/>
-          </a:prstGeom>
-        </p:spPr>
-        <p:style>
-          <a:lnRef idx="2">
-            <a:schemeClr val="accent1">
-              <a:shade val="50000"/>
-            </a:schemeClr>
-          </a:lnRef>
-          <a:fillRef idx="1">
-            <a:schemeClr val="accent1"/>
-          </a:fillRef>
-          <a:effectRef idx="0">
-            <a:schemeClr val="accent1"/>
-          </a:effectRef>
-          <a:fontRef idx="minor">
-            <a:schemeClr val="lt1"/>
-          </a:fontRef>
-        </p:style>
-        <p:txBody>
-          <a:bodyPr rtlCol="0" anchor="ctr"/>
-          <a:lstStyle/>
-          <a:p>
-            <a:pPr algn="ctr"/>
-            <a:endParaRPr lang="ru-RU"/>
-          </a:p>
-        </p:txBody>
-      </p:sp>
-      <p:sp>
-        <p:nvSpPr>
-          <p:cNvPr id="56" name="Стрелка вправо 55"/>
-          <p:cNvSpPr/>
-          <p:nvPr/>
-        </p:nvSpPr>
-        <p:spPr>
-          <a:xfrm rot="5400000">
-            <a:off x="301556" y="4446101"/>
             <a:ext cx="525014" cy="484632"/>
           </a:xfrm>
           <a:prstGeom prst="rightArrow">
@@ -28165,326 +29084,6 @@
         <p:spPr>
           <a:xfrm rot="16200000">
             <a:off x="6887385" y="4588444"/>
-            <a:ext cx="525014" cy="484632"/>
-          </a:xfrm>
-          <a:prstGeom prst="rightArrow">
-            <a:avLst/>
-          </a:prstGeom>
-        </p:spPr>
-        <p:style>
-          <a:lnRef idx="2">
-            <a:schemeClr val="accent1">
-              <a:shade val="50000"/>
-            </a:schemeClr>
-          </a:lnRef>
-          <a:fillRef idx="1">
-            <a:schemeClr val="accent1"/>
-          </a:fillRef>
-          <a:effectRef idx="0">
-            <a:schemeClr val="accent1"/>
-          </a:effectRef>
-          <a:fontRef idx="minor">
-            <a:schemeClr val="lt1"/>
-          </a:fontRef>
-        </p:style>
-        <p:txBody>
-          <a:bodyPr rtlCol="0" anchor="ctr"/>
-          <a:lstStyle/>
-          <a:p>
-            <a:pPr algn="ctr"/>
-            <a:endParaRPr lang="ru-RU"/>
-          </a:p>
-        </p:txBody>
-      </p:sp>
-      <p:sp>
-        <p:nvSpPr>
-          <p:cNvPr id="58" name="Стрелка вправо 57"/>
-          <p:cNvSpPr/>
-          <p:nvPr/>
-        </p:nvSpPr>
-        <p:spPr>
-          <a:xfrm>
-            <a:off x="712699" y="4701006"/>
-            <a:ext cx="525014" cy="484632"/>
-          </a:xfrm>
-          <a:prstGeom prst="rightArrow">
-            <a:avLst/>
-          </a:prstGeom>
-        </p:spPr>
-        <p:style>
-          <a:lnRef idx="2">
-            <a:schemeClr val="accent1">
-              <a:shade val="50000"/>
-            </a:schemeClr>
-          </a:lnRef>
-          <a:fillRef idx="1">
-            <a:schemeClr val="accent1"/>
-          </a:fillRef>
-          <a:effectRef idx="0">
-            <a:schemeClr val="accent1"/>
-          </a:effectRef>
-          <a:fontRef idx="minor">
-            <a:schemeClr val="lt1"/>
-          </a:fontRef>
-        </p:style>
-        <p:txBody>
-          <a:bodyPr rtlCol="0" anchor="ctr"/>
-          <a:lstStyle/>
-          <a:p>
-            <a:pPr algn="ctr"/>
-            <a:endParaRPr lang="ru-RU"/>
-          </a:p>
-        </p:txBody>
-      </p:sp>
-      <p:sp>
-        <p:nvSpPr>
-          <p:cNvPr id="59" name="Стрелка вправо 58"/>
-          <p:cNvSpPr/>
-          <p:nvPr/>
-        </p:nvSpPr>
-        <p:spPr>
-          <a:xfrm rot="18900000">
-            <a:off x="1815474" y="5598826"/>
-            <a:ext cx="614218" cy="484632"/>
-          </a:xfrm>
-          <a:prstGeom prst="rightArrow">
-            <a:avLst/>
-          </a:prstGeom>
-        </p:spPr>
-        <p:style>
-          <a:lnRef idx="2">
-            <a:schemeClr val="accent1">
-              <a:shade val="50000"/>
-            </a:schemeClr>
-          </a:lnRef>
-          <a:fillRef idx="1">
-            <a:schemeClr val="accent1"/>
-          </a:fillRef>
-          <a:effectRef idx="0">
-            <a:schemeClr val="accent1"/>
-          </a:effectRef>
-          <a:fontRef idx="minor">
-            <a:schemeClr val="lt1"/>
-          </a:fontRef>
-        </p:style>
-        <p:txBody>
-          <a:bodyPr rtlCol="0" anchor="ctr"/>
-          <a:lstStyle/>
-          <a:p>
-            <a:pPr algn="ctr"/>
-            <a:endParaRPr lang="ru-RU"/>
-          </a:p>
-        </p:txBody>
-      </p:sp>
-      <p:sp>
-        <p:nvSpPr>
-          <p:cNvPr id="60" name="Стрелка вправо 59"/>
-          <p:cNvSpPr/>
-          <p:nvPr/>
-        </p:nvSpPr>
-        <p:spPr>
-          <a:xfrm rot="18900000">
-            <a:off x="1432602" y="5715053"/>
-            <a:ext cx="525014" cy="484632"/>
-          </a:xfrm>
-          <a:prstGeom prst="rightArrow">
-            <a:avLst/>
-          </a:prstGeom>
-        </p:spPr>
-        <p:style>
-          <a:lnRef idx="2">
-            <a:schemeClr val="accent1">
-              <a:shade val="50000"/>
-            </a:schemeClr>
-          </a:lnRef>
-          <a:fillRef idx="1">
-            <a:schemeClr val="accent1"/>
-          </a:fillRef>
-          <a:effectRef idx="0">
-            <a:schemeClr val="accent1"/>
-          </a:effectRef>
-          <a:fontRef idx="minor">
-            <a:schemeClr val="lt1"/>
-          </a:fontRef>
-        </p:style>
-        <p:txBody>
-          <a:bodyPr rtlCol="0" anchor="ctr"/>
-          <a:lstStyle/>
-          <a:p>
-            <a:pPr algn="ctr"/>
-            <a:endParaRPr lang="ru-RU"/>
-          </a:p>
-        </p:txBody>
-      </p:sp>
-      <p:sp>
-        <p:nvSpPr>
-          <p:cNvPr id="61" name="Стрелка вправо 60"/>
-          <p:cNvSpPr/>
-          <p:nvPr/>
-        </p:nvSpPr>
-        <p:spPr>
-          <a:xfrm>
-            <a:off x="883635" y="5337030"/>
-            <a:ext cx="525014" cy="484632"/>
-          </a:xfrm>
-          <a:prstGeom prst="rightArrow">
-            <a:avLst/>
-          </a:prstGeom>
-        </p:spPr>
-        <p:style>
-          <a:lnRef idx="2">
-            <a:schemeClr val="accent1">
-              <a:shade val="50000"/>
-            </a:schemeClr>
-          </a:lnRef>
-          <a:fillRef idx="1">
-            <a:schemeClr val="accent1"/>
-          </a:fillRef>
-          <a:effectRef idx="0">
-            <a:schemeClr val="accent1"/>
-          </a:effectRef>
-          <a:fontRef idx="minor">
-            <a:schemeClr val="lt1"/>
-          </a:fontRef>
-        </p:style>
-        <p:txBody>
-          <a:bodyPr rtlCol="0" anchor="ctr"/>
-          <a:lstStyle/>
-          <a:p>
-            <a:pPr algn="ctr"/>
-            <a:endParaRPr lang="ru-RU"/>
-          </a:p>
-        </p:txBody>
-      </p:sp>
-      <p:sp>
-        <p:nvSpPr>
-          <p:cNvPr id="62" name="Стрелка вправо 61"/>
-          <p:cNvSpPr/>
-          <p:nvPr/>
-        </p:nvSpPr>
-        <p:spPr>
-          <a:xfrm rot="2700000">
-            <a:off x="1761498" y="5107003"/>
-            <a:ext cx="525014" cy="484632"/>
-          </a:xfrm>
-          <a:prstGeom prst="rightArrow">
-            <a:avLst/>
-          </a:prstGeom>
-        </p:spPr>
-        <p:style>
-          <a:lnRef idx="2">
-            <a:schemeClr val="accent1">
-              <a:shade val="50000"/>
-            </a:schemeClr>
-          </a:lnRef>
-          <a:fillRef idx="1">
-            <a:schemeClr val="accent1"/>
-          </a:fillRef>
-          <a:effectRef idx="0">
-            <a:schemeClr val="accent1"/>
-          </a:effectRef>
-          <a:fontRef idx="minor">
-            <a:schemeClr val="lt1"/>
-          </a:fontRef>
-        </p:style>
-        <p:txBody>
-          <a:bodyPr rtlCol="0" anchor="ctr"/>
-          <a:lstStyle/>
-          <a:p>
-            <a:pPr algn="ctr"/>
-            <a:endParaRPr lang="ru-RU"/>
-          </a:p>
-        </p:txBody>
-      </p:sp>
-      <p:sp>
-        <p:nvSpPr>
-          <p:cNvPr id="63" name="Стрелка вправо 62"/>
-          <p:cNvSpPr/>
-          <p:nvPr/>
-        </p:nvSpPr>
-        <p:spPr>
-          <a:xfrm rot="2700000">
-            <a:off x="1285648" y="5588239"/>
-            <a:ext cx="525014" cy="484632"/>
-          </a:xfrm>
-          <a:prstGeom prst="rightArrow">
-            <a:avLst/>
-          </a:prstGeom>
-        </p:spPr>
-        <p:style>
-          <a:lnRef idx="2">
-            <a:schemeClr val="accent1">
-              <a:shade val="50000"/>
-            </a:schemeClr>
-          </a:lnRef>
-          <a:fillRef idx="1">
-            <a:schemeClr val="accent1"/>
-          </a:fillRef>
-          <a:effectRef idx="0">
-            <a:schemeClr val="accent1"/>
-          </a:effectRef>
-          <a:fontRef idx="minor">
-            <a:schemeClr val="lt1"/>
-          </a:fontRef>
-        </p:style>
-        <p:txBody>
-          <a:bodyPr rtlCol="0" anchor="ctr"/>
-          <a:lstStyle/>
-          <a:p>
-            <a:pPr algn="ctr"/>
-            <a:endParaRPr lang="ru-RU"/>
-          </a:p>
-        </p:txBody>
-      </p:sp>
-      <p:sp>
-        <p:nvSpPr>
-          <p:cNvPr id="64" name="Стрелка вправо 63"/>
-          <p:cNvSpPr/>
-          <p:nvPr/>
-        </p:nvSpPr>
-        <p:spPr>
-          <a:xfrm>
-            <a:off x="389346" y="5208122"/>
-            <a:ext cx="525014" cy="484632"/>
-          </a:xfrm>
-          <a:prstGeom prst="rightArrow">
-            <a:avLst/>
-          </a:prstGeom>
-        </p:spPr>
-        <p:style>
-          <a:lnRef idx="2">
-            <a:schemeClr val="accent1">
-              <a:shade val="50000"/>
-            </a:schemeClr>
-          </a:lnRef>
-          <a:fillRef idx="1">
-            <a:schemeClr val="accent1"/>
-          </a:fillRef>
-          <a:effectRef idx="0">
-            <a:schemeClr val="accent1"/>
-          </a:effectRef>
-          <a:fontRef idx="minor">
-            <a:schemeClr val="lt1"/>
-          </a:fontRef>
-        </p:style>
-        <p:txBody>
-          <a:bodyPr rtlCol="0" anchor="ctr"/>
-          <a:lstStyle/>
-          <a:p>
-            <a:pPr algn="ctr"/>
-            <a:endParaRPr lang="ru-RU"/>
-          </a:p>
-        </p:txBody>
-      </p:sp>
-      <p:sp>
-        <p:nvSpPr>
-          <p:cNvPr id="65" name="Стрелка вправо 64"/>
-          <p:cNvSpPr/>
-          <p:nvPr/>
-        </p:nvSpPr>
-        <p:spPr>
-          <a:xfrm rot="5400000">
-            <a:off x="579825" y="5039222"/>
             <a:ext cx="525014" cy="484632"/>
           </a:xfrm>
           <a:prstGeom prst="rightArrow">
@@ -28611,126 +29210,6 @@
               <a:t> </a:t>
             </a:r>
             <a:endParaRPr lang="ru-RU" dirty="0" smtClean="0"/>
-          </a:p>
-        </p:txBody>
-      </p:sp>
-      <p:sp>
-        <p:nvSpPr>
-          <p:cNvPr id="49" name="Стрелка вправо 48"/>
-          <p:cNvSpPr/>
-          <p:nvPr/>
-        </p:nvSpPr>
-        <p:spPr>
-          <a:xfrm>
-            <a:off x="1589902" y="5385327"/>
-            <a:ext cx="525014" cy="484632"/>
-          </a:xfrm>
-          <a:prstGeom prst="rightArrow">
-            <a:avLst/>
-          </a:prstGeom>
-        </p:spPr>
-        <p:style>
-          <a:lnRef idx="2">
-            <a:schemeClr val="accent1">
-              <a:shade val="50000"/>
-            </a:schemeClr>
-          </a:lnRef>
-          <a:fillRef idx="1">
-            <a:schemeClr val="accent1"/>
-          </a:fillRef>
-          <a:effectRef idx="0">
-            <a:schemeClr val="accent1"/>
-          </a:effectRef>
-          <a:fontRef idx="minor">
-            <a:schemeClr val="lt1"/>
-          </a:fontRef>
-        </p:style>
-        <p:txBody>
-          <a:bodyPr rtlCol="0" anchor="ctr"/>
-          <a:lstStyle/>
-          <a:p>
-            <a:pPr algn="ctr"/>
-            <a:endParaRPr lang="ru-RU"/>
-          </a:p>
-        </p:txBody>
-      </p:sp>
-      <p:sp>
-        <p:nvSpPr>
-          <p:cNvPr id="51" name="Стрелка вправо 50"/>
-          <p:cNvSpPr/>
-          <p:nvPr/>
-        </p:nvSpPr>
-        <p:spPr>
-          <a:xfrm>
-            <a:off x="399941" y="5720145"/>
-            <a:ext cx="525014" cy="484632"/>
-          </a:xfrm>
-          <a:prstGeom prst="rightArrow">
-            <a:avLst/>
-          </a:prstGeom>
-        </p:spPr>
-        <p:style>
-          <a:lnRef idx="2">
-            <a:schemeClr val="accent1">
-              <a:shade val="50000"/>
-            </a:schemeClr>
-          </a:lnRef>
-          <a:fillRef idx="1">
-            <a:schemeClr val="accent1"/>
-          </a:fillRef>
-          <a:effectRef idx="0">
-            <a:schemeClr val="accent1"/>
-          </a:effectRef>
-          <a:fontRef idx="minor">
-            <a:schemeClr val="lt1"/>
-          </a:fontRef>
-        </p:style>
-        <p:txBody>
-          <a:bodyPr rtlCol="0" anchor="ctr"/>
-          <a:lstStyle/>
-          <a:p>
-            <a:pPr algn="ctr"/>
-            <a:endParaRPr lang="ru-RU"/>
-          </a:p>
-        </p:txBody>
-      </p:sp>
-      <p:sp>
-        <p:nvSpPr>
-          <p:cNvPr id="67" name="Стрелка вправо 66"/>
-          <p:cNvSpPr/>
-          <p:nvPr/>
-        </p:nvSpPr>
-        <p:spPr>
-          <a:xfrm rot="2700000">
-            <a:off x="1194296" y="4976703"/>
-            <a:ext cx="525014" cy="484632"/>
-          </a:xfrm>
-          <a:prstGeom prst="rightArrow">
-            <a:avLst/>
-          </a:prstGeom>
-        </p:spPr>
-        <p:style>
-          <a:lnRef idx="2">
-            <a:schemeClr val="accent1">
-              <a:shade val="50000"/>
-            </a:schemeClr>
-          </a:lnRef>
-          <a:fillRef idx="1">
-            <a:schemeClr val="accent1"/>
-          </a:fillRef>
-          <a:effectRef idx="0">
-            <a:schemeClr val="accent1"/>
-          </a:effectRef>
-          <a:fontRef idx="minor">
-            <a:schemeClr val="lt1"/>
-          </a:fontRef>
-        </p:style>
-        <p:txBody>
-          <a:bodyPr rtlCol="0" anchor="ctr"/>
-          <a:lstStyle/>
-          <a:p>
-            <a:pPr algn="ctr"/>
-            <a:endParaRPr lang="ru-RU"/>
           </a:p>
         </p:txBody>
       </p:sp>
@@ -29464,6 +29943,428 @@
           </p:txBody>
         </p:sp>
       </p:grpSp>
+      <p:pic>
+        <p:nvPicPr>
+          <p:cNvPr id="14" name="Рисунок 13"/>
+          <p:cNvPicPr>
+            <a:picLocks noChangeAspect="1"/>
+          </p:cNvPicPr>
+          <p:nvPr/>
+        </p:nvPicPr>
+        <p:blipFill>
+          <a:blip r:embed="rId5" cstate="print">
+            <a:extLst>
+              <a:ext uri="{28A0092B-C50C-407E-A947-70E740481C1C}">
+                <a14:useLocalDpi xmlns:a14="http://schemas.microsoft.com/office/drawing/2010/main" val="0"/>
+              </a:ext>
+            </a:extLst>
+          </a:blip>
+          <a:stretch>
+            <a:fillRect/>
+          </a:stretch>
+        </p:blipFill>
+        <p:spPr>
+          <a:xfrm>
+            <a:off x="508822" y="2652679"/>
+            <a:ext cx="1250395" cy="1768506"/>
+          </a:xfrm>
+          <a:prstGeom prst="rect">
+            <a:avLst/>
+          </a:prstGeom>
+        </p:spPr>
+      </p:pic>
+      <p:pic>
+        <p:nvPicPr>
+          <p:cNvPr id="15" name="Рисунок 14"/>
+          <p:cNvPicPr>
+            <a:picLocks noChangeAspect="1"/>
+          </p:cNvPicPr>
+          <p:nvPr/>
+        </p:nvPicPr>
+        <p:blipFill>
+          <a:blip r:embed="rId6" cstate="print">
+            <a:extLst>
+              <a:ext uri="{28A0092B-C50C-407E-A947-70E740481C1C}">
+                <a14:useLocalDpi xmlns:a14="http://schemas.microsoft.com/office/drawing/2010/main" val="0"/>
+              </a:ext>
+            </a:extLst>
+          </a:blip>
+          <a:stretch>
+            <a:fillRect/>
+          </a:stretch>
+        </p:blipFill>
+        <p:spPr>
+          <a:xfrm>
+            <a:off x="2210781" y="2655720"/>
+            <a:ext cx="1411202" cy="1995945"/>
+          </a:xfrm>
+          <a:prstGeom prst="rect">
+            <a:avLst/>
+          </a:prstGeom>
+        </p:spPr>
+      </p:pic>
+      <p:pic>
+        <p:nvPicPr>
+          <p:cNvPr id="19" name="Рисунок 18"/>
+          <p:cNvPicPr>
+            <a:picLocks noChangeAspect="1"/>
+          </p:cNvPicPr>
+          <p:nvPr/>
+        </p:nvPicPr>
+        <p:blipFill>
+          <a:blip r:embed="rId7" cstate="print">
+            <a:extLst>
+              <a:ext uri="{28A0092B-C50C-407E-A947-70E740481C1C}">
+                <a14:useLocalDpi xmlns:a14="http://schemas.microsoft.com/office/drawing/2010/main" val="0"/>
+              </a:ext>
+            </a:extLst>
+          </a:blip>
+          <a:stretch>
+            <a:fillRect/>
+          </a:stretch>
+        </p:blipFill>
+        <p:spPr>
+          <a:xfrm>
+            <a:off x="2203648" y="3599129"/>
+            <a:ext cx="1470499" cy="2079812"/>
+          </a:xfrm>
+          <a:prstGeom prst="rect">
+            <a:avLst/>
+          </a:prstGeom>
+        </p:spPr>
+      </p:pic>
+      <p:pic>
+        <p:nvPicPr>
+          <p:cNvPr id="77" name="Рисунок 76"/>
+          <p:cNvPicPr>
+            <a:picLocks noChangeAspect="1"/>
+          </p:cNvPicPr>
+          <p:nvPr/>
+        </p:nvPicPr>
+        <p:blipFill>
+          <a:blip r:embed="rId6" cstate="print">
+            <a:extLst>
+              <a:ext uri="{28A0092B-C50C-407E-A947-70E740481C1C}">
+                <a14:useLocalDpi xmlns:a14="http://schemas.microsoft.com/office/drawing/2010/main" val="0"/>
+              </a:ext>
+            </a:extLst>
+          </a:blip>
+          <a:stretch>
+            <a:fillRect/>
+          </a:stretch>
+        </p:blipFill>
+        <p:spPr>
+          <a:xfrm>
+            <a:off x="4935427" y="3679805"/>
+            <a:ext cx="1411202" cy="1995945"/>
+          </a:xfrm>
+          <a:prstGeom prst="rect">
+            <a:avLst/>
+          </a:prstGeom>
+        </p:spPr>
+      </p:pic>
+      <p:pic>
+        <p:nvPicPr>
+          <p:cNvPr id="90" name="Рисунок 89"/>
+          <p:cNvPicPr>
+            <a:picLocks noChangeAspect="1"/>
+          </p:cNvPicPr>
+          <p:nvPr/>
+        </p:nvPicPr>
+        <p:blipFill>
+          <a:blip r:embed="rId5" cstate="print">
+            <a:extLst>
+              <a:ext uri="{28A0092B-C50C-407E-A947-70E740481C1C}">
+                <a14:useLocalDpi xmlns:a14="http://schemas.microsoft.com/office/drawing/2010/main" val="0"/>
+              </a:ext>
+            </a:extLst>
+          </a:blip>
+          <a:stretch>
+            <a:fillRect/>
+          </a:stretch>
+        </p:blipFill>
+        <p:spPr>
+          <a:xfrm>
+            <a:off x="5038968" y="3093549"/>
+            <a:ext cx="1250395" cy="1768506"/>
+          </a:xfrm>
+          <a:prstGeom prst="rect">
+            <a:avLst/>
+          </a:prstGeom>
+        </p:spPr>
+      </p:pic>
+      <p:grpSp>
+        <p:nvGrpSpPr>
+          <p:cNvPr id="91" name="Группа 90"/>
+          <p:cNvGrpSpPr/>
+          <p:nvPr/>
+        </p:nvGrpSpPr>
+        <p:grpSpPr>
+          <a:xfrm>
+            <a:off x="3009796" y="937585"/>
+            <a:ext cx="1800000" cy="1800000"/>
+            <a:chOff x="6093193" y="1986699"/>
+            <a:chExt cx="1440000" cy="1442301"/>
+          </a:xfrm>
+        </p:grpSpPr>
+        <p:grpSp>
+          <p:nvGrpSpPr>
+            <p:cNvPr id="92" name="Группа 91"/>
+            <p:cNvGrpSpPr/>
+            <p:nvPr/>
+          </p:nvGrpSpPr>
+          <p:grpSpPr>
+            <a:xfrm>
+              <a:off x="6093193" y="1986699"/>
+              <a:ext cx="1440000" cy="1440000"/>
+              <a:chOff x="8438075" y="2424393"/>
+              <a:chExt cx="1620003" cy="1620003"/>
+            </a:xfrm>
+          </p:grpSpPr>
+          <p:sp>
+            <p:nvSpPr>
+              <p:cNvPr id="94" name="Скругленный прямоугольник 93"/>
+              <p:cNvSpPr/>
+              <p:nvPr/>
+            </p:nvSpPr>
+            <p:spPr>
+              <a:xfrm>
+                <a:off x="8438075" y="2424393"/>
+                <a:ext cx="1620003" cy="1620003"/>
+              </a:xfrm>
+              <a:prstGeom prst="roundRect">
+                <a:avLst/>
+              </a:prstGeom>
+            </p:spPr>
+            <p:style>
+              <a:lnRef idx="2">
+                <a:schemeClr val="lt1">
+                  <a:hueOff val="0"/>
+                  <a:satOff val="0"/>
+                  <a:lumOff val="0"/>
+                  <a:alphaOff val="0"/>
+                </a:schemeClr>
+              </a:lnRef>
+              <a:fillRef idx="1">
+                <a:schemeClr val="accent1">
+                  <a:hueOff val="0"/>
+                  <a:satOff val="0"/>
+                  <a:lumOff val="0"/>
+                  <a:alphaOff val="0"/>
+                </a:schemeClr>
+              </a:fillRef>
+              <a:effectRef idx="0">
+                <a:schemeClr val="accent1">
+                  <a:hueOff val="0"/>
+                  <a:satOff val="0"/>
+                  <a:lumOff val="0"/>
+                  <a:alphaOff val="0"/>
+                </a:schemeClr>
+              </a:effectRef>
+              <a:fontRef idx="minor">
+                <a:schemeClr val="lt1"/>
+              </a:fontRef>
+            </p:style>
+          </p:sp>
+          <p:sp>
+            <p:nvSpPr>
+              <p:cNvPr id="95" name="Скругленный прямоугольник 4"/>
+              <p:cNvSpPr/>
+              <p:nvPr/>
+            </p:nvSpPr>
+            <p:spPr>
+              <a:xfrm>
+                <a:off x="8517157" y="2503475"/>
+                <a:ext cx="1461839" cy="1461839"/>
+              </a:xfrm>
+              <a:prstGeom prst="rect">
+                <a:avLst/>
+              </a:prstGeom>
+            </p:spPr>
+            <p:style>
+              <a:lnRef idx="0">
+                <a:scrgbClr r="0" g="0" b="0"/>
+              </a:lnRef>
+              <a:fillRef idx="0">
+                <a:scrgbClr r="0" g="0" b="0"/>
+              </a:fillRef>
+              <a:effectRef idx="0">
+                <a:scrgbClr r="0" g="0" b="0"/>
+              </a:effectRef>
+              <a:fontRef idx="minor">
+                <a:schemeClr val="lt1"/>
+              </a:fontRef>
+            </p:style>
+            <p:txBody>
+              <a:bodyPr spcFirstLastPara="0" vert="horz" wrap="square" lIns="50800" tIns="50800" rIns="50800" bIns="50800" numCol="1" spcCol="1270" anchor="t" anchorCtr="0">
+                <a:noAutofit/>
+              </a:bodyPr>
+              <a:lstStyle/>
+              <a:p>
+                <a:pPr lvl="0" algn="ctr" defTabSz="889000">
+                  <a:lnSpc>
+                    <a:spcPct val="90000"/>
+                  </a:lnSpc>
+                  <a:spcBef>
+                    <a:spcPct val="0"/>
+                  </a:spcBef>
+                  <a:spcAft>
+                    <a:spcPct val="35000"/>
+                  </a:spcAft>
+                </a:pPr>
+                <a:r>
+                  <a:rPr lang="en-US" sz="1100" dirty="0"/>
+                  <a:t>ConverterJSON</a:t>
+                </a:r>
+                <a:endParaRPr lang="ru-RU" sz="1100" b="1" kern="1200" dirty="0"/>
+              </a:p>
+            </p:txBody>
+          </p:sp>
+        </p:grpSp>
+        <p:sp>
+          <p:nvSpPr>
+            <p:cNvPr id="93" name="Прямоугольник 92"/>
+            <p:cNvSpPr/>
+            <p:nvPr/>
+          </p:nvSpPr>
+          <p:spPr>
+            <a:xfrm>
+              <a:off x="6096000" y="3067050"/>
+              <a:ext cx="1437193" cy="361950"/>
+            </a:xfrm>
+            <a:prstGeom prst="rect">
+              <a:avLst/>
+            </a:prstGeom>
+            <a:solidFill>
+              <a:schemeClr val="accent1">
+                <a:lumMod val="40000"/>
+                <a:lumOff val="60000"/>
+              </a:schemeClr>
+            </a:solidFill>
+          </p:spPr>
+          <p:style>
+            <a:lnRef idx="2">
+              <a:schemeClr val="lt1">
+                <a:hueOff val="0"/>
+                <a:satOff val="0"/>
+                <a:lumOff val="0"/>
+                <a:alphaOff val="0"/>
+              </a:schemeClr>
+            </a:lnRef>
+            <a:fillRef idx="1">
+              <a:scrgbClr r="0" g="0" b="0"/>
+            </a:fillRef>
+            <a:effectRef idx="0">
+              <a:schemeClr val="accent1">
+                <a:tint val="50000"/>
+                <a:hueOff val="0"/>
+                <a:satOff val="0"/>
+                <a:lumOff val="0"/>
+                <a:alphaOff val="0"/>
+              </a:schemeClr>
+            </a:effectRef>
+            <a:fontRef idx="minor">
+              <a:schemeClr val="lt1">
+                <a:hueOff val="0"/>
+                <a:satOff val="0"/>
+                <a:lumOff val="0"/>
+                <a:alphaOff val="0"/>
+              </a:schemeClr>
+            </a:fontRef>
+          </p:style>
+          <p:txBody>
+            <a:bodyPr rtlCol="0" anchor="ctr"/>
+            <a:lstStyle/>
+            <a:p>
+              <a:pPr algn="ctr"/>
+              <a:r>
+                <a:rPr lang="ru-RU" sz="1100" dirty="0">
+                  <a:solidFill>
+                    <a:schemeClr val="tx1"/>
+                  </a:solidFill>
+                </a:rPr>
+                <a:t>Получить </a:t>
+              </a:r>
+              <a:r>
+                <a:rPr lang="ru-RU" sz="1100" dirty="0" smtClean="0">
+                  <a:solidFill>
+                    <a:schemeClr val="tx1"/>
+                  </a:solidFill>
+                </a:rPr>
+                <a:t>список путей </a:t>
+              </a:r>
+              <a:r>
+                <a:rPr lang="ru-RU" sz="1100" dirty="0">
+                  <a:solidFill>
+                    <a:schemeClr val="tx1"/>
+                  </a:solidFill>
+                </a:rPr>
+                <a:t>файлов документов</a:t>
+              </a:r>
+            </a:p>
+          </p:txBody>
+        </p:sp>
+      </p:grpSp>
+      <p:pic>
+        <p:nvPicPr>
+          <p:cNvPr id="96" name="Рисунок 95"/>
+          <p:cNvPicPr>
+            <a:picLocks noChangeAspect="1"/>
+          </p:cNvPicPr>
+          <p:nvPr/>
+        </p:nvPicPr>
+        <p:blipFill>
+          <a:blip r:embed="rId8" cstate="print">
+            <a:extLst>
+              <a:ext uri="{28A0092B-C50C-407E-A947-70E740481C1C}">
+                <a14:useLocalDpi xmlns:a14="http://schemas.microsoft.com/office/drawing/2010/main" val="0"/>
+              </a:ext>
+            </a:extLst>
+          </a:blip>
+          <a:stretch>
+            <a:fillRect/>
+          </a:stretch>
+        </p:blipFill>
+        <p:spPr>
+          <a:xfrm>
+            <a:off x="3379593" y="1490944"/>
+            <a:ext cx="796407" cy="1126404"/>
+          </a:xfrm>
+          <a:prstGeom prst="rect">
+            <a:avLst/>
+          </a:prstGeom>
+        </p:spPr>
+      </p:pic>
+      <p:pic>
+        <p:nvPicPr>
+          <p:cNvPr id="97" name="Рисунок 96"/>
+          <p:cNvPicPr>
+            <a:picLocks noChangeAspect="1"/>
+          </p:cNvPicPr>
+          <p:nvPr/>
+        </p:nvPicPr>
+        <p:blipFill>
+          <a:blip r:embed="rId9" cstate="print">
+            <a:extLst>
+              <a:ext uri="{28A0092B-C50C-407E-A947-70E740481C1C}">
+                <a14:useLocalDpi xmlns:a14="http://schemas.microsoft.com/office/drawing/2010/main" val="0"/>
+              </a:ext>
+            </a:extLst>
+          </a:blip>
+          <a:stretch>
+            <a:fillRect/>
+          </a:stretch>
+        </p:blipFill>
+        <p:spPr>
+          <a:xfrm>
+            <a:off x="2951645" y="1517097"/>
+            <a:ext cx="732847" cy="1036507"/>
+          </a:xfrm>
+          <a:prstGeom prst="rect">
+            <a:avLst/>
+          </a:prstGeom>
+        </p:spPr>
+      </p:pic>
     </p:spTree>
     <p:extLst>
       <p:ext uri="{BB962C8B-B14F-4D97-AF65-F5344CB8AC3E}">
@@ -29535,7 +30436,7 @@
           <a:p>
             <a:fld id="{8AC5719E-8A6A-457D-98CF-1B213C53F5CE}" type="datetime1">
               <a:rPr lang="ru-RU" smtClean="0"/>
-              <a:t>20.11.2025</a:t>
+              <a:t>21.11.2025</a:t>
             </a:fld>
             <a:endParaRPr lang="ru-RU"/>
           </a:p>
@@ -30298,7 +31199,7 @@
         </p:nvGrpSpPr>
         <p:grpSpPr>
           <a:xfrm>
-            <a:off x="10312483" y="1805199"/>
+            <a:off x="10327154" y="1802559"/>
             <a:ext cx="1800000" cy="1800000"/>
             <a:chOff x="6093193" y="1986699"/>
             <a:chExt cx="1440000" cy="1442301"/>
@@ -31934,7 +32835,7 @@
       </p:pic>
       <p:pic>
         <p:nvPicPr>
-          <p:cNvPr id="74" name="Рисунок 73"/>
+          <p:cNvPr id="8" name="Рисунок 7"/>
           <p:cNvPicPr>
             <a:picLocks noChangeAspect="1"/>
           </p:cNvPicPr>
@@ -31954,8 +32855,8 @@
         </p:blipFill>
         <p:spPr>
           <a:xfrm>
-            <a:off x="8070581" y="1355078"/>
-            <a:ext cx="1623016" cy="2295525"/>
+            <a:off x="8230851" y="1625409"/>
+            <a:ext cx="1275202" cy="1803591"/>
           </a:xfrm>
           <a:prstGeom prst="rect">
             <a:avLst/>
@@ -31964,7 +32865,7 @@
       </p:pic>
       <p:pic>
         <p:nvPicPr>
-          <p:cNvPr id="75" name="Рисунок 74"/>
+          <p:cNvPr id="10" name="Рисунок 9"/>
           <p:cNvPicPr>
             <a:picLocks noChangeAspect="1"/>
           </p:cNvPicPr>
@@ -31984,8 +32885,158 @@
         </p:blipFill>
         <p:spPr>
           <a:xfrm>
-            <a:off x="3063390" y="1165700"/>
-            <a:ext cx="1921519" cy="2717715"/>
+            <a:off x="3268992" y="1562255"/>
+            <a:ext cx="1394439" cy="1972235"/>
+          </a:xfrm>
+          <a:prstGeom prst="rect">
+            <a:avLst/>
+          </a:prstGeom>
+        </p:spPr>
+      </p:pic>
+      <p:pic>
+        <p:nvPicPr>
+          <p:cNvPr id="65" name="Рисунок 64"/>
+          <p:cNvPicPr>
+            <a:picLocks noChangeAspect="1"/>
+          </p:cNvPicPr>
+          <p:nvPr/>
+        </p:nvPicPr>
+        <p:blipFill>
+          <a:blip r:embed="rId5" cstate="print">
+            <a:extLst>
+              <a:ext uri="{28A0092B-C50C-407E-A947-70E740481C1C}">
+                <a14:useLocalDpi xmlns:a14="http://schemas.microsoft.com/office/drawing/2010/main" val="0"/>
+              </a:ext>
+            </a:extLst>
+          </a:blip>
+          <a:stretch>
+            <a:fillRect/>
+          </a:stretch>
+        </p:blipFill>
+        <p:spPr>
+          <a:xfrm>
+            <a:off x="1228065" y="2378449"/>
+            <a:ext cx="796407" cy="1126404"/>
+          </a:xfrm>
+          <a:prstGeom prst="rect">
+            <a:avLst/>
+          </a:prstGeom>
+        </p:spPr>
+      </p:pic>
+      <p:pic>
+        <p:nvPicPr>
+          <p:cNvPr id="66" name="Рисунок 65"/>
+          <p:cNvPicPr>
+            <a:picLocks noChangeAspect="1"/>
+          </p:cNvPicPr>
+          <p:nvPr/>
+        </p:nvPicPr>
+        <p:blipFill>
+          <a:blip r:embed="rId6" cstate="print">
+            <a:extLst>
+              <a:ext uri="{28A0092B-C50C-407E-A947-70E740481C1C}">
+                <a14:useLocalDpi xmlns:a14="http://schemas.microsoft.com/office/drawing/2010/main" val="0"/>
+              </a:ext>
+            </a:extLst>
+          </a:blip>
+          <a:stretch>
+            <a:fillRect/>
+          </a:stretch>
+        </p:blipFill>
+        <p:spPr>
+          <a:xfrm>
+            <a:off x="800117" y="2404602"/>
+            <a:ext cx="732847" cy="1036507"/>
+          </a:xfrm>
+          <a:prstGeom prst="rect">
+            <a:avLst/>
+          </a:prstGeom>
+        </p:spPr>
+      </p:pic>
+      <p:pic>
+        <p:nvPicPr>
+          <p:cNvPr id="11" name="Рисунок 10"/>
+          <p:cNvPicPr>
+            <a:picLocks noChangeAspect="1"/>
+          </p:cNvPicPr>
+          <p:nvPr/>
+        </p:nvPicPr>
+        <p:blipFill>
+          <a:blip r:embed="rId7" cstate="print">
+            <a:extLst>
+              <a:ext uri="{28A0092B-C50C-407E-A947-70E740481C1C}">
+                <a14:useLocalDpi xmlns:a14="http://schemas.microsoft.com/office/drawing/2010/main" val="0"/>
+              </a:ext>
+            </a:extLst>
+          </a:blip>
+          <a:stretch>
+            <a:fillRect/>
+          </a:stretch>
+        </p:blipFill>
+        <p:spPr>
+          <a:xfrm>
+            <a:off x="11327287" y="2183403"/>
+            <a:ext cx="803376" cy="1136262"/>
+          </a:xfrm>
+          <a:prstGeom prst="rect">
+            <a:avLst/>
+          </a:prstGeom>
+        </p:spPr>
+      </p:pic>
+      <p:pic>
+        <p:nvPicPr>
+          <p:cNvPr id="67" name="Рисунок 66"/>
+          <p:cNvPicPr>
+            <a:picLocks noChangeAspect="1"/>
+          </p:cNvPicPr>
+          <p:nvPr/>
+        </p:nvPicPr>
+        <p:blipFill>
+          <a:blip r:embed="rId8" cstate="print">
+            <a:extLst>
+              <a:ext uri="{28A0092B-C50C-407E-A947-70E740481C1C}">
+                <a14:useLocalDpi xmlns:a14="http://schemas.microsoft.com/office/drawing/2010/main" val="0"/>
+              </a:ext>
+            </a:extLst>
+          </a:blip>
+          <a:stretch>
+            <a:fillRect/>
+          </a:stretch>
+        </p:blipFill>
+        <p:spPr>
+          <a:xfrm>
+            <a:off x="5754627" y="4863158"/>
+            <a:ext cx="450738" cy="637505"/>
+          </a:xfrm>
+          <a:prstGeom prst="rect">
+            <a:avLst/>
+          </a:prstGeom>
+        </p:spPr>
+      </p:pic>
+      <p:pic>
+        <p:nvPicPr>
+          <p:cNvPr id="12" name="Рисунок 11"/>
+          <p:cNvPicPr>
+            <a:picLocks noChangeAspect="1"/>
+          </p:cNvPicPr>
+          <p:nvPr/>
+        </p:nvPicPr>
+        <p:blipFill>
+          <a:blip r:embed="rId9" cstate="print">
+            <a:extLst>
+              <a:ext uri="{28A0092B-C50C-407E-A947-70E740481C1C}">
+                <a14:useLocalDpi xmlns:a14="http://schemas.microsoft.com/office/drawing/2010/main" val="0"/>
+              </a:ext>
+            </a:extLst>
+          </a:blip>
+          <a:stretch>
+            <a:fillRect/>
+          </a:stretch>
+        </p:blipFill>
+        <p:spPr>
+          <a:xfrm>
+            <a:off x="6809932" y="4532382"/>
+            <a:ext cx="804972" cy="1138518"/>
           </a:xfrm>
           <a:prstGeom prst="rect">
             <a:avLst/>
@@ -32049,7 +33100,7 @@
           <a:bodyPr/>
           <a:lstStyle/>
           <a:p>
-            <a:endParaRPr lang="ru-RU"/>
+            <a:endParaRPr lang="ru-RU" dirty="0"/>
           </a:p>
         </p:txBody>
       </p:sp>
@@ -32070,7 +33121,7 @@
           <a:p>
             <a:fld id="{8AC5719E-8A6A-457D-98CF-1B213C53F5CE}" type="datetime1">
               <a:rPr lang="ru-RU" smtClean="0"/>
-              <a:t>20.11.2025</a:t>
+              <a:t>21.11.2025</a:t>
             </a:fld>
             <a:endParaRPr lang="ru-RU"/>
           </a:p>
@@ -34308,7 +35359,7 @@
       </p:grpSp>
       <p:pic>
         <p:nvPicPr>
-          <p:cNvPr id="3" name="Рисунок 2"/>
+          <p:cNvPr id="7" name="Рисунок 6"/>
           <p:cNvPicPr>
             <a:picLocks noChangeAspect="1"/>
           </p:cNvPicPr>
@@ -34328,8 +35379,188 @@
         </p:blipFill>
         <p:spPr>
           <a:xfrm>
-            <a:off x="4161353" y="1592520"/>
-            <a:ext cx="1450532" cy="2051571"/>
+            <a:off x="4151448" y="1735083"/>
+            <a:ext cx="1550516" cy="2192985"/>
+          </a:xfrm>
+          <a:prstGeom prst="rect">
+            <a:avLst/>
+          </a:prstGeom>
+        </p:spPr>
+      </p:pic>
+      <p:pic>
+        <p:nvPicPr>
+          <p:cNvPr id="50" name="Рисунок 49"/>
+          <p:cNvPicPr>
+            <a:picLocks noChangeAspect="1"/>
+          </p:cNvPicPr>
+          <p:nvPr/>
+        </p:nvPicPr>
+        <p:blipFill>
+          <a:blip r:embed="rId4" cstate="print">
+            <a:extLst>
+              <a:ext uri="{28A0092B-C50C-407E-A947-70E740481C1C}">
+                <a14:useLocalDpi xmlns:a14="http://schemas.microsoft.com/office/drawing/2010/main" val="0"/>
+              </a:ext>
+            </a:extLst>
+          </a:blip>
+          <a:stretch>
+            <a:fillRect/>
+          </a:stretch>
+        </p:blipFill>
+        <p:spPr>
+          <a:xfrm>
+            <a:off x="6786375" y="5058617"/>
+            <a:ext cx="403126" cy="570165"/>
+          </a:xfrm>
+          <a:prstGeom prst="rect">
+            <a:avLst/>
+          </a:prstGeom>
+        </p:spPr>
+      </p:pic>
+      <p:pic>
+        <p:nvPicPr>
+          <p:cNvPr id="51" name="Рисунок 50"/>
+          <p:cNvPicPr>
+            <a:picLocks noChangeAspect="1"/>
+          </p:cNvPicPr>
+          <p:nvPr/>
+        </p:nvPicPr>
+        <p:blipFill>
+          <a:blip r:embed="rId5" cstate="print">
+            <a:extLst>
+              <a:ext uri="{28A0092B-C50C-407E-A947-70E740481C1C}">
+                <a14:useLocalDpi xmlns:a14="http://schemas.microsoft.com/office/drawing/2010/main" val="0"/>
+              </a:ext>
+            </a:extLst>
+          </a:blip>
+          <a:stretch>
+            <a:fillRect/>
+          </a:stretch>
+        </p:blipFill>
+        <p:spPr>
+          <a:xfrm>
+            <a:off x="6500311" y="5073027"/>
+            <a:ext cx="382749" cy="541344"/>
+          </a:xfrm>
+          <a:prstGeom prst="rect">
+            <a:avLst/>
+          </a:prstGeom>
+        </p:spPr>
+      </p:pic>
+      <p:pic>
+        <p:nvPicPr>
+          <p:cNvPr id="9" name="Рисунок 8"/>
+          <p:cNvPicPr>
+            <a:picLocks noChangeAspect="1"/>
+          </p:cNvPicPr>
+          <p:nvPr/>
+        </p:nvPicPr>
+        <p:blipFill>
+          <a:blip r:embed="rId6" cstate="print">
+            <a:extLst>
+              <a:ext uri="{28A0092B-C50C-407E-A947-70E740481C1C}">
+                <a14:useLocalDpi xmlns:a14="http://schemas.microsoft.com/office/drawing/2010/main" val="0"/>
+              </a:ext>
+            </a:extLst>
+          </a:blip>
+          <a:stretch>
+            <a:fillRect/>
+          </a:stretch>
+        </p:blipFill>
+        <p:spPr>
+          <a:xfrm>
+            <a:off x="7562550" y="4548192"/>
+            <a:ext cx="853430" cy="1207056"/>
+          </a:xfrm>
+          <a:prstGeom prst="rect">
+            <a:avLst/>
+          </a:prstGeom>
+        </p:spPr>
+      </p:pic>
+      <p:pic>
+        <p:nvPicPr>
+          <p:cNvPr id="52" name="Рисунок 51"/>
+          <p:cNvPicPr>
+            <a:picLocks noChangeAspect="1"/>
+          </p:cNvPicPr>
+          <p:nvPr/>
+        </p:nvPicPr>
+        <p:blipFill>
+          <a:blip r:embed="rId7" cstate="print">
+            <a:extLst>
+              <a:ext uri="{28A0092B-C50C-407E-A947-70E740481C1C}">
+                <a14:useLocalDpi xmlns:a14="http://schemas.microsoft.com/office/drawing/2010/main" val="0"/>
+              </a:ext>
+            </a:extLst>
+          </a:blip>
+          <a:stretch>
+            <a:fillRect/>
+          </a:stretch>
+        </p:blipFill>
+        <p:spPr>
+          <a:xfrm>
+            <a:off x="1439173" y="2536914"/>
+            <a:ext cx="732847" cy="1036507"/>
+          </a:xfrm>
+          <a:prstGeom prst="rect">
+            <a:avLst/>
+          </a:prstGeom>
+        </p:spPr>
+      </p:pic>
+      <p:pic>
+        <p:nvPicPr>
+          <p:cNvPr id="56" name="Рисунок 55"/>
+          <p:cNvPicPr>
+            <a:picLocks noChangeAspect="1"/>
+          </p:cNvPicPr>
+          <p:nvPr/>
+        </p:nvPicPr>
+        <p:blipFill>
+          <a:blip r:embed="rId8" cstate="print">
+            <a:extLst>
+              <a:ext uri="{28A0092B-C50C-407E-A947-70E740481C1C}">
+                <a14:useLocalDpi xmlns:a14="http://schemas.microsoft.com/office/drawing/2010/main" val="0"/>
+              </a:ext>
+            </a:extLst>
+          </a:blip>
+          <a:stretch>
+            <a:fillRect/>
+          </a:stretch>
+        </p:blipFill>
+        <p:spPr>
+          <a:xfrm>
+            <a:off x="1909189" y="2491966"/>
+            <a:ext cx="796407" cy="1126404"/>
+          </a:xfrm>
+          <a:prstGeom prst="rect">
+            <a:avLst/>
+          </a:prstGeom>
+        </p:spPr>
+      </p:pic>
+      <p:pic>
+        <p:nvPicPr>
+          <p:cNvPr id="10" name="Рисунок 9"/>
+          <p:cNvPicPr>
+            <a:picLocks noChangeAspect="1"/>
+          </p:cNvPicPr>
+          <p:nvPr/>
+        </p:nvPicPr>
+        <p:blipFill>
+          <a:blip r:embed="rId9" cstate="print">
+            <a:extLst>
+              <a:ext uri="{28A0092B-C50C-407E-A947-70E740481C1C}">
+                <a14:useLocalDpi xmlns:a14="http://schemas.microsoft.com/office/drawing/2010/main" val="0"/>
+              </a:ext>
+            </a:extLst>
+          </a:blip>
+          <a:stretch>
+            <a:fillRect/>
+          </a:stretch>
+        </p:blipFill>
+        <p:spPr>
+          <a:xfrm>
+            <a:off x="7947738" y="2427406"/>
+            <a:ext cx="742716" cy="1050466"/>
           </a:xfrm>
           <a:prstGeom prst="rect">
             <a:avLst/>
@@ -34414,7 +35645,7 @@
           <a:p>
             <a:fld id="{8AC5719E-8A6A-457D-98CF-1B213C53F5CE}" type="datetime1">
               <a:rPr lang="ru-RU" smtClean="0"/>
-              <a:t>20.11.2025</a:t>
+              <a:t>21.11.2025</a:t>
             </a:fld>
             <a:endParaRPr lang="ru-RU"/>
           </a:p>
@@ -37332,7 +38563,7 @@
       </p:pic>
       <p:pic>
         <p:nvPicPr>
-          <p:cNvPr id="9" name="Рисунок 8"/>
+          <p:cNvPr id="13" name="Рисунок 12"/>
           <p:cNvPicPr>
             <a:picLocks noChangeAspect="1"/>
           </p:cNvPicPr>
@@ -37352,8 +38583,278 @@
         </p:blipFill>
         <p:spPr>
           <a:xfrm>
-            <a:off x="3975230" y="3865236"/>
-            <a:ext cx="1557765" cy="2203237"/>
+            <a:off x="4216037" y="4065624"/>
+            <a:ext cx="1231779" cy="1742177"/>
+          </a:xfrm>
+          <a:prstGeom prst="rect">
+            <a:avLst/>
+          </a:prstGeom>
+        </p:spPr>
+      </p:pic>
+      <p:pic>
+        <p:nvPicPr>
+          <p:cNvPr id="88" name="Рисунок 87"/>
+          <p:cNvPicPr>
+            <a:picLocks noChangeAspect="1"/>
+          </p:cNvPicPr>
+          <p:nvPr/>
+        </p:nvPicPr>
+        <p:blipFill>
+          <a:blip r:embed="rId7" cstate="print">
+            <a:extLst>
+              <a:ext uri="{28A0092B-C50C-407E-A947-70E740481C1C}">
+                <a14:useLocalDpi xmlns:a14="http://schemas.microsoft.com/office/drawing/2010/main" val="0"/>
+              </a:ext>
+            </a:extLst>
+          </a:blip>
+          <a:stretch>
+            <a:fillRect/>
+          </a:stretch>
+        </p:blipFill>
+        <p:spPr>
+          <a:xfrm>
+            <a:off x="1628210" y="2306263"/>
+            <a:ext cx="853430" cy="1207056"/>
+          </a:xfrm>
+          <a:prstGeom prst="rect">
+            <a:avLst/>
+          </a:prstGeom>
+        </p:spPr>
+      </p:pic>
+      <p:pic>
+        <p:nvPicPr>
+          <p:cNvPr id="89" name="Рисунок 88"/>
+          <p:cNvPicPr>
+            <a:picLocks noChangeAspect="1"/>
+          </p:cNvPicPr>
+          <p:nvPr/>
+        </p:nvPicPr>
+        <p:blipFill>
+          <a:blip r:embed="rId8" cstate="print">
+            <a:extLst>
+              <a:ext uri="{28A0092B-C50C-407E-A947-70E740481C1C}">
+                <a14:useLocalDpi xmlns:a14="http://schemas.microsoft.com/office/drawing/2010/main" val="0"/>
+              </a:ext>
+            </a:extLst>
+          </a:blip>
+          <a:stretch>
+            <a:fillRect/>
+          </a:stretch>
+        </p:blipFill>
+        <p:spPr>
+          <a:xfrm>
+            <a:off x="582666" y="2817814"/>
+            <a:ext cx="403452" cy="570625"/>
+          </a:xfrm>
+          <a:prstGeom prst="rect">
+            <a:avLst/>
+          </a:prstGeom>
+        </p:spPr>
+      </p:pic>
+      <p:pic>
+        <p:nvPicPr>
+          <p:cNvPr id="90" name="Рисунок 89"/>
+          <p:cNvPicPr>
+            <a:picLocks noChangeAspect="1"/>
+          </p:cNvPicPr>
+          <p:nvPr/>
+        </p:nvPicPr>
+        <p:blipFill>
+          <a:blip r:embed="rId9" cstate="print">
+            <a:extLst>
+              <a:ext uri="{28A0092B-C50C-407E-A947-70E740481C1C}">
+                <a14:useLocalDpi xmlns:a14="http://schemas.microsoft.com/office/drawing/2010/main" val="0"/>
+              </a:ext>
+            </a:extLst>
+          </a:blip>
+          <a:stretch>
+            <a:fillRect/>
+          </a:stretch>
+        </p:blipFill>
+        <p:spPr>
+          <a:xfrm>
+            <a:off x="868914" y="2804960"/>
+            <a:ext cx="422003" cy="596864"/>
+          </a:xfrm>
+          <a:prstGeom prst="rect">
+            <a:avLst/>
+          </a:prstGeom>
+        </p:spPr>
+      </p:pic>
+      <p:pic>
+        <p:nvPicPr>
+          <p:cNvPr id="91" name="Рисунок 90"/>
+          <p:cNvPicPr>
+            <a:picLocks noChangeAspect="1"/>
+          </p:cNvPicPr>
+          <p:nvPr/>
+        </p:nvPicPr>
+        <p:blipFill>
+          <a:blip r:embed="rId10" cstate="print">
+            <a:extLst>
+              <a:ext uri="{28A0092B-C50C-407E-A947-70E740481C1C}">
+                <a14:useLocalDpi xmlns:a14="http://schemas.microsoft.com/office/drawing/2010/main" val="0"/>
+              </a:ext>
+            </a:extLst>
+          </a:blip>
+          <a:stretch>
+            <a:fillRect/>
+          </a:stretch>
+        </p:blipFill>
+        <p:spPr>
+          <a:xfrm>
+            <a:off x="5363153" y="2437012"/>
+            <a:ext cx="732847" cy="1036507"/>
+          </a:xfrm>
+          <a:prstGeom prst="rect">
+            <a:avLst/>
+          </a:prstGeom>
+        </p:spPr>
+      </p:pic>
+      <p:pic>
+        <p:nvPicPr>
+          <p:cNvPr id="92" name="Рисунок 91"/>
+          <p:cNvPicPr>
+            <a:picLocks noChangeAspect="1"/>
+          </p:cNvPicPr>
+          <p:nvPr/>
+        </p:nvPicPr>
+        <p:blipFill>
+          <a:blip r:embed="rId11" cstate="print">
+            <a:extLst>
+              <a:ext uri="{28A0092B-C50C-407E-A947-70E740481C1C}">
+                <a14:useLocalDpi xmlns:a14="http://schemas.microsoft.com/office/drawing/2010/main" val="0"/>
+              </a:ext>
+            </a:extLst>
+          </a:blip>
+          <a:stretch>
+            <a:fillRect/>
+          </a:stretch>
+        </p:blipFill>
+        <p:spPr>
+          <a:xfrm>
+            <a:off x="5804228" y="2386915"/>
+            <a:ext cx="796407" cy="1126404"/>
+          </a:xfrm>
+          <a:prstGeom prst="rect">
+            <a:avLst/>
+          </a:prstGeom>
+        </p:spPr>
+      </p:pic>
+      <p:pic>
+        <p:nvPicPr>
+          <p:cNvPr id="93" name="Рисунок 92"/>
+          <p:cNvPicPr>
+            <a:picLocks noChangeAspect="1"/>
+          </p:cNvPicPr>
+          <p:nvPr/>
+        </p:nvPicPr>
+        <p:blipFill>
+          <a:blip r:embed="rId4" cstate="print">
+            <a:extLst>
+              <a:ext uri="{28A0092B-C50C-407E-A947-70E740481C1C}">
+                <a14:useLocalDpi xmlns:a14="http://schemas.microsoft.com/office/drawing/2010/main" val="0"/>
+              </a:ext>
+            </a:extLst>
+          </a:blip>
+          <a:stretch>
+            <a:fillRect/>
+          </a:stretch>
+        </p:blipFill>
+        <p:spPr>
+          <a:xfrm>
+            <a:off x="6600635" y="2277912"/>
+            <a:ext cx="726596" cy="1027666"/>
+          </a:xfrm>
+          <a:prstGeom prst="rect">
+            <a:avLst/>
+          </a:prstGeom>
+        </p:spPr>
+      </p:pic>
+      <p:pic>
+        <p:nvPicPr>
+          <p:cNvPr id="94" name="Рисунок 93"/>
+          <p:cNvPicPr>
+            <a:picLocks noChangeAspect="1"/>
+          </p:cNvPicPr>
+          <p:nvPr/>
+        </p:nvPicPr>
+        <p:blipFill>
+          <a:blip r:embed="rId4" cstate="print">
+            <a:extLst>
+              <a:ext uri="{28A0092B-C50C-407E-A947-70E740481C1C}">
+                <a14:useLocalDpi xmlns:a14="http://schemas.microsoft.com/office/drawing/2010/main" val="0"/>
+              </a:ext>
+            </a:extLst>
+          </a:blip>
+          <a:stretch>
+            <a:fillRect/>
+          </a:stretch>
+        </p:blipFill>
+        <p:spPr>
+          <a:xfrm>
+            <a:off x="1800566" y="4757665"/>
+            <a:ext cx="726596" cy="1027666"/>
+          </a:xfrm>
+          <a:prstGeom prst="rect">
+            <a:avLst/>
+          </a:prstGeom>
+        </p:spPr>
+      </p:pic>
+      <p:pic>
+        <p:nvPicPr>
+          <p:cNvPr id="95" name="Рисунок 94"/>
+          <p:cNvPicPr>
+            <a:picLocks noChangeAspect="1"/>
+          </p:cNvPicPr>
+          <p:nvPr/>
+        </p:nvPicPr>
+        <p:blipFill>
+          <a:blip r:embed="rId10" cstate="print">
+            <a:extLst>
+              <a:ext uri="{28A0092B-C50C-407E-A947-70E740481C1C}">
+                <a14:useLocalDpi xmlns:a14="http://schemas.microsoft.com/office/drawing/2010/main" val="0"/>
+              </a:ext>
+            </a:extLst>
+          </a:blip>
+          <a:stretch>
+            <a:fillRect/>
+          </a:stretch>
+        </p:blipFill>
+        <p:spPr>
+          <a:xfrm>
+            <a:off x="576096" y="4938089"/>
+            <a:ext cx="732847" cy="1036507"/>
+          </a:xfrm>
+          <a:prstGeom prst="rect">
+            <a:avLst/>
+          </a:prstGeom>
+        </p:spPr>
+      </p:pic>
+      <p:pic>
+        <p:nvPicPr>
+          <p:cNvPr id="96" name="Рисунок 95"/>
+          <p:cNvPicPr>
+            <a:picLocks noChangeAspect="1"/>
+          </p:cNvPicPr>
+          <p:nvPr/>
+        </p:nvPicPr>
+        <p:blipFill>
+          <a:blip r:embed="rId12" cstate="print">
+            <a:extLst>
+              <a:ext uri="{28A0092B-C50C-407E-A947-70E740481C1C}">
+                <a14:useLocalDpi xmlns:a14="http://schemas.microsoft.com/office/drawing/2010/main" val="0"/>
+              </a:ext>
+            </a:extLst>
+          </a:blip>
+          <a:stretch>
+            <a:fillRect/>
+          </a:stretch>
+        </p:blipFill>
+        <p:spPr>
+          <a:xfrm>
+            <a:off x="1026701" y="4939670"/>
+            <a:ext cx="728042" cy="1029711"/>
           </a:xfrm>
           <a:prstGeom prst="rect">
             <a:avLst/>
@@ -37583,7 +39084,7 @@
           <a:p>
             <a:fld id="{8AC5719E-8A6A-457D-98CF-1B213C53F5CE}" type="datetime1">
               <a:rPr lang="ru-RU" smtClean="0"/>
-              <a:t>20.11.2025</a:t>
+              <a:t>21.11.2025</a:t>
             </a:fld>
             <a:endParaRPr lang="ru-RU"/>
           </a:p>
@@ -40855,7 +42356,7 @@
           <a:p>
             <a:fld id="{8AC5719E-8A6A-457D-98CF-1B213C53F5CE}" type="datetime1">
               <a:rPr lang="ru-RU" smtClean="0"/>
-              <a:t>20.11.2025</a:t>
+              <a:t>21.11.2025</a:t>
             </a:fld>
             <a:endParaRPr lang="ru-RU"/>
           </a:p>
@@ -44647,7 +46148,7 @@
           <a:p>
             <a:fld id="{8AC5719E-8A6A-457D-98CF-1B213C53F5CE}" type="datetime1">
               <a:rPr lang="ru-RU" smtClean="0"/>
-              <a:t>20.11.2025</a:t>
+              <a:t>21.11.2025</a:t>
             </a:fld>
             <a:endParaRPr lang="ru-RU"/>
           </a:p>
@@ -48284,7 +49785,7 @@
           <a:p>
             <a:fld id="{AA82D743-4282-4860-9AE2-FAD442C19B6D}" type="datetime1">
               <a:rPr lang="ru-RU" smtClean="0"/>
-              <a:t>20.11.2025</a:t>
+              <a:t>21.11.2025</a:t>
             </a:fld>
             <a:endParaRPr lang="ru-RU"/>
           </a:p>
@@ -48476,7 +49977,7 @@
           <a:p>
             <a:fld id="{9187F089-DB3A-44EC-8E6C-70C807261B64}" type="datetime1">
               <a:rPr lang="ru-RU" smtClean="0"/>
-              <a:t>20.11.2025</a:t>
+              <a:t>21.11.2025</a:t>
             </a:fld>
             <a:endParaRPr lang="ru-RU"/>
           </a:p>
@@ -48645,7 +50146,7 @@
           <a:p>
             <a:fld id="{8D89F477-1E06-42B9-98CE-724D285F544D}" type="datetime1">
               <a:rPr lang="ru-RU" smtClean="0"/>
-              <a:t>20.11.2025</a:t>
+              <a:t>21.11.2025</a:t>
             </a:fld>
             <a:endParaRPr lang="ru-RU"/>
           </a:p>
@@ -48767,7 +50268,7 @@
           <a:p>
             <a:fld id="{5415850B-FCCB-4950-8D75-8D81D52F3FBD}" type="datetime1">
               <a:rPr lang="ru-RU" smtClean="0"/>
-              <a:t>20.11.2025</a:t>
+              <a:t>21.11.2025</a:t>
             </a:fld>
             <a:endParaRPr lang="ru-RU"/>
           </a:p>
@@ -48923,7 +50424,7 @@
           <a:p>
             <a:fld id="{5415850B-FCCB-4950-8D75-8D81D52F3FBD}" type="datetime1">
               <a:rPr lang="ru-RU" smtClean="0"/>
-              <a:t>20.11.2025</a:t>
+              <a:t>21.11.2025</a:t>
             </a:fld>
             <a:endParaRPr lang="ru-RU"/>
           </a:p>
@@ -49209,7 +50710,7 @@
           <a:p>
             <a:fld id="{8AC5719E-8A6A-457D-98CF-1B213C53F5CE}" type="datetime1">
               <a:rPr lang="ru-RU" smtClean="0"/>
-              <a:t>20.11.2025</a:t>
+              <a:t>21.11.2025</a:t>
             </a:fld>
             <a:endParaRPr lang="ru-RU"/>
           </a:p>
@@ -49528,7 +51029,7 @@
           <a:p>
             <a:fld id="{AA82D743-4282-4860-9AE2-FAD442C19B6D}" type="datetime1">
               <a:rPr lang="ru-RU" smtClean="0"/>
-              <a:t>20.11.2025</a:t>
+              <a:t>21.11.2025</a:t>
             </a:fld>
             <a:endParaRPr lang="ru-RU"/>
           </a:p>
@@ -49717,7 +51218,7 @@
           <a:p>
             <a:fld id="{22C4FDAF-C654-4288-9437-917D77737F5E}" type="datetime1">
               <a:rPr lang="ru-RU" smtClean="0"/>
-              <a:t>20.11.2025</a:t>
+              <a:t>21.11.2025</a:t>
             </a:fld>
             <a:endParaRPr lang="ru-RU"/>
           </a:p>
@@ -50358,7 +51859,7 @@
           <a:p>
             <a:fld id="{8D89F477-1E06-42B9-98CE-724D285F544D}" type="datetime1">
               <a:rPr lang="ru-RU" smtClean="0"/>
-              <a:t>20.11.2025</a:t>
+              <a:t>21.11.2025</a:t>
             </a:fld>
             <a:endParaRPr lang="ru-RU"/>
           </a:p>
@@ -50704,7 +52205,7 @@
           <a:p>
             <a:fld id="{8D89F477-1E06-42B9-98CE-724D285F544D}" type="datetime1">
               <a:rPr lang="ru-RU" smtClean="0"/>
-              <a:t>20.11.2025</a:t>
+              <a:t>21.11.2025</a:t>
             </a:fld>
             <a:endParaRPr lang="ru-RU"/>
           </a:p>
@@ -51194,7 +52695,7 @@
           <a:p>
             <a:fld id="{8D89F477-1E06-42B9-98CE-724D285F544D}" type="datetime1">
               <a:rPr lang="ru-RU" smtClean="0"/>
-              <a:t>20.11.2025</a:t>
+              <a:t>21.11.2025</a:t>
             </a:fld>
             <a:endParaRPr lang="ru-RU"/>
           </a:p>
@@ -51817,7 +53318,7 @@
           <a:p>
             <a:fld id="{8D89F477-1E06-42B9-98CE-724D285F544D}" type="datetime1">
               <a:rPr lang="ru-RU" smtClean="0"/>
-              <a:t>20.11.2025</a:t>
+              <a:t>21.11.2025</a:t>
             </a:fld>
             <a:endParaRPr lang="ru-RU"/>
           </a:p>

--- a/presentation/защита.pptx
+++ b/presentation/защита.pptx
@@ -141,6 +141,16 @@
             <a:srgbClr val="A4A3A4"/>
           </p15:clr>
         </p15:guide>
+        <p15:guide id="3" pos="3940" userDrawn="1">
+          <p15:clr>
+            <a:srgbClr val="A4A3A4"/>
+          </p15:clr>
+        </p15:guide>
+        <p15:guide id="4" orient="horz" pos="2260" userDrawn="1">
+          <p15:clr>
+            <a:srgbClr val="A4A3A4"/>
+          </p15:clr>
+        </p15:guide>
       </p15:sldGuideLst>
     </p:ext>
   </p:extLst>
@@ -200,6 +210,7 @@
           </a:p>
         </c:rich>
       </c:tx>
+      <c:layout/>
       <c:overlay val="0"/>
       <c:spPr>
         <a:noFill/>
@@ -252,7 +263,7 @@
           </c:tx>
           <c:spPr>
             <a:solidFill>
-              <a:schemeClr val="accent1"/>
+              <a:schemeClr val="accent2"/>
             </a:solidFill>
             <a:ln>
               <a:noFill/>
@@ -300,7 +311,7 @@
           </c:tx>
           <c:spPr>
             <a:solidFill>
-              <a:schemeClr val="accent2"/>
+              <a:schemeClr val="accent1"/>
             </a:solidFill>
             <a:ln>
               <a:noFill/>
@@ -342,11 +353,11 @@
         </c:dLbls>
         <c:gapWidth val="219"/>
         <c:overlap val="-27"/>
-        <c:axId val="309916872"/>
-        <c:axId val="309922360"/>
+        <c:axId val="409242232"/>
+        <c:axId val="409245760"/>
       </c:barChart>
       <c:catAx>
-        <c:axId val="309916872"/>
+        <c:axId val="409242232"/>
         <c:scaling>
           <c:orientation val="minMax"/>
         </c:scaling>
@@ -389,7 +400,7 @@
             <a:endParaRPr lang="ru-RU"/>
           </a:p>
         </c:txPr>
-        <c:crossAx val="309922360"/>
+        <c:crossAx val="409245760"/>
         <c:crosses val="autoZero"/>
         <c:auto val="1"/>
         <c:lblAlgn val="ctr"/>
@@ -397,7 +408,7 @@
         <c:noMultiLvlLbl val="0"/>
       </c:catAx>
       <c:valAx>
-        <c:axId val="309922360"/>
+        <c:axId val="409245760"/>
         <c:scaling>
           <c:orientation val="minMax"/>
         </c:scaling>
@@ -448,7 +459,7 @@
             <a:endParaRPr lang="ru-RU"/>
           </a:p>
         </c:txPr>
-        <c:crossAx val="309916872"/>
+        <c:crossAx val="409242232"/>
         <c:crosses val="autoZero"/>
         <c:crossBetween val="between"/>
       </c:valAx>
@@ -462,6 +473,7 @@
     </c:plotArea>
     <c:legend>
       <c:legendPos val="b"/>
+      <c:layout/>
       <c:overlay val="0"/>
       <c:spPr>
         <a:noFill/>
@@ -559,6 +571,7 @@
           </a:p>
         </c:rich>
       </c:tx>
+      <c:layout/>
       <c:overlay val="0"/>
       <c:spPr>
         <a:noFill/>
@@ -611,7 +624,7 @@
           </c:tx>
           <c:spPr>
             <a:solidFill>
-              <a:schemeClr val="accent1"/>
+              <a:schemeClr val="accent2"/>
             </a:solidFill>
             <a:ln>
               <a:noFill/>
@@ -659,7 +672,7 @@
           </c:tx>
           <c:spPr>
             <a:solidFill>
-              <a:schemeClr val="accent2"/>
+              <a:schemeClr val="accent1"/>
             </a:solidFill>
             <a:ln>
               <a:noFill/>
@@ -701,11 +714,11 @@
         </c:dLbls>
         <c:gapWidth val="219"/>
         <c:overlap val="-27"/>
-        <c:axId val="309923144"/>
-        <c:axId val="309915696"/>
+        <c:axId val="330633656"/>
+        <c:axId val="412714136"/>
       </c:barChart>
       <c:catAx>
-        <c:axId val="309923144"/>
+        <c:axId val="330633656"/>
         <c:scaling>
           <c:orientation val="minMax"/>
         </c:scaling>
@@ -748,7 +761,7 @@
             <a:endParaRPr lang="ru-RU"/>
           </a:p>
         </c:txPr>
-        <c:crossAx val="309915696"/>
+        <c:crossAx val="412714136"/>
         <c:crosses val="autoZero"/>
         <c:auto val="1"/>
         <c:lblAlgn val="ctr"/>
@@ -756,7 +769,7 @@
         <c:noMultiLvlLbl val="0"/>
       </c:catAx>
       <c:valAx>
-        <c:axId val="309915696"/>
+        <c:axId val="412714136"/>
         <c:scaling>
           <c:orientation val="minMax"/>
         </c:scaling>
@@ -807,7 +820,7 @@
             <a:endParaRPr lang="ru-RU"/>
           </a:p>
         </c:txPr>
-        <c:crossAx val="309923144"/>
+        <c:crossAx val="330633656"/>
         <c:crosses val="autoZero"/>
         <c:crossBetween val="between"/>
       </c:valAx>
@@ -821,6 +834,7 @@
     </c:plotArea>
     <c:legend>
       <c:legendPos val="b"/>
+      <c:layout/>
       <c:overlay val="0"/>
       <c:spPr>
         <a:noFill/>
@@ -7215,7 +7229,13 @@
         <a:p>
           <a:r>
             <a:rPr lang="en-US" sz="3200" b="1" dirty="0" smtClean="0"/>
-            <a:t>SearchEngine</a:t>
+            <a:t>Search</a:t>
+          </a:r>
+        </a:p>
+        <a:p>
+          <a:r>
+            <a:rPr lang="en-US" sz="3200" b="1" dirty="0" smtClean="0"/>
+            <a:t>Engine</a:t>
           </a:r>
           <a:endParaRPr lang="ru-RU" sz="3200" b="1" dirty="0"/>
         </a:p>
@@ -7252,7 +7272,13 @@
         <a:p>
           <a:r>
             <a:rPr lang="en-US" sz="2000" b="1" dirty="0" smtClean="0"/>
-            <a:t>ConverterJSON </a:t>
+            <a:t>Converter</a:t>
+          </a:r>
+        </a:p>
+        <a:p>
+          <a:r>
+            <a:rPr lang="en-US" sz="2000" b="1" dirty="0" smtClean="0"/>
+            <a:t>JSON </a:t>
           </a:r>
           <a:endParaRPr lang="ru-RU" sz="2000" b="1" dirty="0"/>
         </a:p>
@@ -7417,7 +7443,13 @@
         <a:p>
           <a:r>
             <a:rPr lang="en-US" sz="2000" b="1" dirty="0" smtClean="0"/>
-            <a:t>RelevantResponse </a:t>
+            <a:t>Relevant</a:t>
+          </a:r>
+        </a:p>
+        <a:p>
+          <a:r>
+            <a:rPr lang="en-US" sz="2000" b="1" dirty="0" smtClean="0"/>
+            <a:t>Response </a:t>
           </a:r>
           <a:endParaRPr lang="ru-RU" sz="2000" b="1" dirty="0"/>
         </a:p>
@@ -7461,7 +7493,13 @@
         <a:p>
           <a:r>
             <a:rPr lang="en-US" sz="2000" b="1" dirty="0" smtClean="0"/>
-            <a:t>DispatcherOperations</a:t>
+            <a:t>Dispatcher</a:t>
+          </a:r>
+        </a:p>
+        <a:p>
+          <a:r>
+            <a:rPr lang="en-US" sz="2000" b="1" dirty="0" smtClean="0"/>
+            <a:t>Operations</a:t>
           </a:r>
           <a:endParaRPr lang="ru-RU" sz="2000" b="1" dirty="0"/>
         </a:p>
@@ -9175,7 +9213,24 @@
           </a:pPr>
           <a:r>
             <a:rPr lang="en-US" sz="3200" b="1" kern="1200" dirty="0" smtClean="0"/>
-            <a:t>SearchEngine</a:t>
+            <a:t>Search</a:t>
+          </a:r>
+        </a:p>
+        <a:p>
+          <a:pPr lvl="0" algn="ctr" defTabSz="1422400">
+            <a:lnSpc>
+              <a:spcPct val="90000"/>
+            </a:lnSpc>
+            <a:spcBef>
+              <a:spcPct val="0"/>
+            </a:spcBef>
+            <a:spcAft>
+              <a:spcPct val="35000"/>
+            </a:spcAft>
+          </a:pPr>
+          <a:r>
+            <a:rPr lang="en-US" sz="3200" b="1" kern="1200" dirty="0" smtClean="0"/>
+            <a:t>Engine</a:t>
           </a:r>
           <a:endParaRPr lang="ru-RU" sz="3200" b="1" kern="1200" dirty="0"/>
         </a:p>
@@ -9303,7 +9358,24 @@
           </a:pPr>
           <a:r>
             <a:rPr lang="en-US" sz="2000" b="1" kern="1200" dirty="0" smtClean="0"/>
-            <a:t>ConverterJSON </a:t>
+            <a:t>Converter</a:t>
+          </a:r>
+        </a:p>
+        <a:p>
+          <a:pPr lvl="0" algn="ctr" defTabSz="889000">
+            <a:lnSpc>
+              <a:spcPct val="90000"/>
+            </a:lnSpc>
+            <a:spcBef>
+              <a:spcPct val="0"/>
+            </a:spcBef>
+            <a:spcAft>
+              <a:spcPct val="35000"/>
+            </a:spcAft>
+          </a:pPr>
+          <a:r>
+            <a:rPr lang="en-US" sz="2000" b="1" kern="1200" dirty="0" smtClean="0"/>
+            <a:t>JSON </a:t>
           </a:r>
           <a:endParaRPr lang="ru-RU" sz="2000" b="1" kern="1200" dirty="0"/>
         </a:p>
@@ -9430,7 +9502,24 @@
           </a:pPr>
           <a:r>
             <a:rPr lang="en-US" sz="2000" b="1" kern="1200" dirty="0" smtClean="0"/>
-            <a:t>DispatcherOperations</a:t>
+            <a:t>Dispatcher</a:t>
+          </a:r>
+        </a:p>
+        <a:p>
+          <a:pPr lvl="0" algn="ctr" defTabSz="889000">
+            <a:lnSpc>
+              <a:spcPct val="90000"/>
+            </a:lnSpc>
+            <a:spcBef>
+              <a:spcPct val="0"/>
+            </a:spcBef>
+            <a:spcAft>
+              <a:spcPct val="35000"/>
+            </a:spcAft>
+          </a:pPr>
+          <a:r>
+            <a:rPr lang="en-US" sz="2000" b="1" kern="1200" dirty="0" smtClean="0"/>
+            <a:t>Operations</a:t>
           </a:r>
           <a:endParaRPr lang="ru-RU" sz="2000" b="1" kern="1200" dirty="0"/>
         </a:p>
@@ -9938,7 +10027,24 @@
           </a:pPr>
           <a:r>
             <a:rPr lang="en-US" sz="2000" b="1" kern="1200" dirty="0" smtClean="0"/>
-            <a:t>RelevantResponse </a:t>
+            <a:t>Relevant</a:t>
+          </a:r>
+        </a:p>
+        <a:p>
+          <a:pPr lvl="0" algn="ctr" defTabSz="889000">
+            <a:lnSpc>
+              <a:spcPct val="90000"/>
+            </a:lnSpc>
+            <a:spcBef>
+              <a:spcPct val="0"/>
+            </a:spcBef>
+            <a:spcAft>
+              <a:spcPct val="35000"/>
+            </a:spcAft>
+          </a:pPr>
+          <a:r>
+            <a:rPr lang="en-US" sz="2000" b="1" kern="1200" dirty="0" smtClean="0"/>
+            <a:t>Response </a:t>
           </a:r>
           <a:endParaRPr lang="ru-RU" sz="2000" b="1" kern="1200" dirty="0"/>
         </a:p>
@@ -10481,6 +10587,374 @@
       <dsp:cNvGrpSpPr/>
     </dsp:nvGrpSpPr>
     <dsp:grpSpPr/>
+    <dsp:sp modelId="{B9E4810E-52F3-40F0-9593-6C037BA1D12A}">
+      <dsp:nvSpPr>
+        <dsp:cNvPr id="0" name=""/>
+        <dsp:cNvSpPr/>
+      </dsp:nvSpPr>
+      <dsp:spPr>
+        <a:xfrm>
+          <a:off x="0" y="63087"/>
+          <a:ext cx="8208085" cy="719549"/>
+        </a:xfrm>
+        <a:prstGeom prst="roundRect">
+          <a:avLst/>
+        </a:prstGeom>
+        <a:solidFill>
+          <a:schemeClr val="accent1">
+            <a:hueOff val="0"/>
+            <a:satOff val="0"/>
+            <a:lumOff val="0"/>
+            <a:alphaOff val="0"/>
+          </a:schemeClr>
+        </a:solidFill>
+        <a:ln w="15875" cap="flat" cmpd="sng" algn="ctr">
+          <a:solidFill>
+            <a:schemeClr val="lt1">
+              <a:hueOff val="0"/>
+              <a:satOff val="0"/>
+              <a:lumOff val="0"/>
+              <a:alphaOff val="0"/>
+            </a:schemeClr>
+          </a:solidFill>
+          <a:prstDash val="solid"/>
+        </a:ln>
+        <a:effectLst/>
+      </dsp:spPr>
+      <dsp:style>
+        <a:lnRef idx="2">
+          <a:scrgbClr r="0" g="0" b="0"/>
+        </a:lnRef>
+        <a:fillRef idx="1">
+          <a:scrgbClr r="0" g="0" b="0"/>
+        </a:fillRef>
+        <a:effectRef idx="0">
+          <a:scrgbClr r="0" g="0" b="0"/>
+        </a:effectRef>
+        <a:fontRef idx="minor">
+          <a:schemeClr val="lt1"/>
+        </a:fontRef>
+      </dsp:style>
+      <dsp:txBody>
+        <a:bodyPr spcFirstLastPara="0" vert="horz" wrap="square" lIns="114300" tIns="114300" rIns="114300" bIns="114300" numCol="1" spcCol="1270" anchor="ctr" anchorCtr="0">
+          <a:noAutofit/>
+        </a:bodyPr>
+        <a:lstStyle/>
+        <a:p>
+          <a:pPr lvl="0" algn="l" defTabSz="1333500">
+            <a:lnSpc>
+              <a:spcPct val="90000"/>
+            </a:lnSpc>
+            <a:spcBef>
+              <a:spcPct val="0"/>
+            </a:spcBef>
+            <a:spcAft>
+              <a:spcPct val="35000"/>
+            </a:spcAft>
+          </a:pPr>
+          <a:r>
+            <a:rPr lang="ru-RU" sz="3000" kern="1200" dirty="0" smtClean="0"/>
+            <a:t>Функции библиотеки</a:t>
+          </a:r>
+          <a:endParaRPr lang="ru-RU" sz="3000" kern="1200" dirty="0"/>
+        </a:p>
+      </dsp:txBody>
+      <dsp:txXfrm>
+        <a:off x="35125" y="98212"/>
+        <a:ext cx="8137835" cy="649299"/>
+      </dsp:txXfrm>
+    </dsp:sp>
+    <dsp:sp modelId="{625A264F-F3DF-4EEC-8B66-102C93BB9818}">
+      <dsp:nvSpPr>
+        <dsp:cNvPr id="0" name=""/>
+        <dsp:cNvSpPr/>
+      </dsp:nvSpPr>
+      <dsp:spPr>
+        <a:xfrm>
+          <a:off x="0" y="782637"/>
+          <a:ext cx="8208085" cy="1210950"/>
+        </a:xfrm>
+        <a:prstGeom prst="rect">
+          <a:avLst/>
+        </a:prstGeom>
+        <a:noFill/>
+        <a:ln>
+          <a:noFill/>
+        </a:ln>
+        <a:effectLst/>
+      </dsp:spPr>
+      <dsp:style>
+        <a:lnRef idx="0">
+          <a:scrgbClr r="0" g="0" b="0"/>
+        </a:lnRef>
+        <a:fillRef idx="0">
+          <a:scrgbClr r="0" g="0" b="0"/>
+        </a:fillRef>
+        <a:effectRef idx="0">
+          <a:scrgbClr r="0" g="0" b="0"/>
+        </a:effectRef>
+        <a:fontRef idx="minor"/>
+      </dsp:style>
+      <dsp:txBody>
+        <a:bodyPr spcFirstLastPara="0" vert="horz" wrap="square" lIns="260607" tIns="38100" rIns="213360" bIns="38100" numCol="1" spcCol="1270" anchor="t" anchorCtr="0">
+          <a:noAutofit/>
+        </a:bodyPr>
+        <a:lstStyle/>
+        <a:p>
+          <a:pPr marL="228600" lvl="1" indent="-228600" algn="l" defTabSz="1022350">
+            <a:lnSpc>
+              <a:spcPct val="90000"/>
+            </a:lnSpc>
+            <a:spcBef>
+              <a:spcPct val="0"/>
+            </a:spcBef>
+            <a:spcAft>
+              <a:spcPct val="20000"/>
+            </a:spcAft>
+            <a:buChar char="••"/>
+          </a:pPr>
+          <a:r>
+            <a:rPr lang="ru-RU" sz="2300" kern="1200" dirty="0" smtClean="0"/>
+            <a:t>Прочитать/записать текстовый файл</a:t>
+          </a:r>
+          <a:endParaRPr lang="ru-RU" sz="2300" kern="1200" dirty="0"/>
+        </a:p>
+        <a:p>
+          <a:pPr marL="228600" lvl="1" indent="-228600" algn="l" defTabSz="1022350">
+            <a:lnSpc>
+              <a:spcPct val="90000"/>
+            </a:lnSpc>
+            <a:spcBef>
+              <a:spcPct val="0"/>
+            </a:spcBef>
+            <a:spcAft>
+              <a:spcPct val="20000"/>
+            </a:spcAft>
+            <a:buChar char="••"/>
+          </a:pPr>
+          <a:r>
+            <a:rPr lang="ru-RU" sz="2300" kern="1200" dirty="0" smtClean="0"/>
+            <a:t>Прочитать/записать </a:t>
+          </a:r>
+          <a:r>
+            <a:rPr lang="en-US" sz="2300" kern="1200" dirty="0" smtClean="0"/>
+            <a:t>JSON-</a:t>
+          </a:r>
+          <a:r>
+            <a:rPr lang="ru-RU" sz="2300" kern="1200" dirty="0" smtClean="0"/>
+            <a:t>файл</a:t>
+          </a:r>
+          <a:endParaRPr lang="ru-RU" sz="2300" kern="1200" dirty="0"/>
+        </a:p>
+        <a:p>
+          <a:pPr marL="228600" lvl="1" indent="-228600" algn="l" defTabSz="1022350">
+            <a:lnSpc>
+              <a:spcPct val="90000"/>
+            </a:lnSpc>
+            <a:spcBef>
+              <a:spcPct val="0"/>
+            </a:spcBef>
+            <a:spcAft>
+              <a:spcPct val="20000"/>
+            </a:spcAft>
+            <a:buChar char="••"/>
+          </a:pPr>
+          <a:r>
+            <a:rPr lang="ru-RU" sz="2300" kern="1200" dirty="0" smtClean="0"/>
+            <a:t>Проверить </a:t>
+          </a:r>
+          <a:r>
+            <a:rPr lang="en-US" sz="2300" kern="1200" dirty="0" smtClean="0"/>
+            <a:t>JSON-</a:t>
+          </a:r>
+          <a:r>
+            <a:rPr lang="ru-RU" sz="2300" kern="1200" dirty="0" smtClean="0"/>
+            <a:t>структуру на соответствие шаблону</a:t>
+          </a:r>
+          <a:endParaRPr lang="ru-RU" sz="2300" kern="1200" dirty="0"/>
+        </a:p>
+      </dsp:txBody>
+      <dsp:txXfrm>
+        <a:off x="0" y="782637"/>
+        <a:ext cx="8208085" cy="1210950"/>
+      </dsp:txXfrm>
+    </dsp:sp>
+    <dsp:sp modelId="{557F1F5C-6D75-4492-8EF1-6580ED92ACAF}">
+      <dsp:nvSpPr>
+        <dsp:cNvPr id="0" name=""/>
+        <dsp:cNvSpPr/>
+      </dsp:nvSpPr>
+      <dsp:spPr>
+        <a:xfrm>
+          <a:off x="0" y="1993587"/>
+          <a:ext cx="8208085" cy="719549"/>
+        </a:xfrm>
+        <a:prstGeom prst="roundRect">
+          <a:avLst/>
+        </a:prstGeom>
+        <a:solidFill>
+          <a:schemeClr val="accent1">
+            <a:hueOff val="0"/>
+            <a:satOff val="0"/>
+            <a:lumOff val="0"/>
+            <a:alphaOff val="0"/>
+          </a:schemeClr>
+        </a:solidFill>
+        <a:ln w="15875" cap="flat" cmpd="sng" algn="ctr">
+          <a:solidFill>
+            <a:schemeClr val="lt1">
+              <a:hueOff val="0"/>
+              <a:satOff val="0"/>
+              <a:lumOff val="0"/>
+              <a:alphaOff val="0"/>
+            </a:schemeClr>
+          </a:solidFill>
+          <a:prstDash val="solid"/>
+        </a:ln>
+        <a:effectLst/>
+      </dsp:spPr>
+      <dsp:style>
+        <a:lnRef idx="2">
+          <a:scrgbClr r="0" g="0" b="0"/>
+        </a:lnRef>
+        <a:fillRef idx="1">
+          <a:scrgbClr r="0" g="0" b="0"/>
+        </a:fillRef>
+        <a:effectRef idx="0">
+          <a:scrgbClr r="0" g="0" b="0"/>
+        </a:effectRef>
+        <a:fontRef idx="minor">
+          <a:schemeClr val="lt1"/>
+        </a:fontRef>
+      </dsp:style>
+      <dsp:txBody>
+        <a:bodyPr spcFirstLastPara="0" vert="horz" wrap="square" lIns="114300" tIns="114300" rIns="114300" bIns="114300" numCol="1" spcCol="1270" anchor="ctr" anchorCtr="0">
+          <a:noAutofit/>
+        </a:bodyPr>
+        <a:lstStyle/>
+        <a:p>
+          <a:pPr lvl="0" algn="l" defTabSz="1333500">
+            <a:lnSpc>
+              <a:spcPct val="90000"/>
+            </a:lnSpc>
+            <a:spcBef>
+              <a:spcPct val="0"/>
+            </a:spcBef>
+            <a:spcAft>
+              <a:spcPct val="35000"/>
+            </a:spcAft>
+          </a:pPr>
+          <a:r>
+            <a:rPr lang="ru-RU" sz="3000" kern="1200" dirty="0" smtClean="0"/>
+            <a:t>Проверка при работе с файлами</a:t>
+          </a:r>
+          <a:endParaRPr lang="ru-RU" sz="3000" kern="1200" dirty="0"/>
+        </a:p>
+      </dsp:txBody>
+      <dsp:txXfrm>
+        <a:off x="35125" y="2028712"/>
+        <a:ext cx="8137835" cy="649299"/>
+      </dsp:txXfrm>
+    </dsp:sp>
+    <dsp:sp modelId="{657A1B8A-9783-4C29-9201-29A02D448FA4}">
+      <dsp:nvSpPr>
+        <dsp:cNvPr id="0" name=""/>
+        <dsp:cNvSpPr/>
+      </dsp:nvSpPr>
+      <dsp:spPr>
+        <a:xfrm>
+          <a:off x="0" y="2713137"/>
+          <a:ext cx="8208085" cy="1210950"/>
+        </a:xfrm>
+        <a:prstGeom prst="rect">
+          <a:avLst/>
+        </a:prstGeom>
+        <a:noFill/>
+        <a:ln>
+          <a:noFill/>
+        </a:ln>
+        <a:effectLst/>
+      </dsp:spPr>
+      <dsp:style>
+        <a:lnRef idx="0">
+          <a:scrgbClr r="0" g="0" b="0"/>
+        </a:lnRef>
+        <a:fillRef idx="0">
+          <a:scrgbClr r="0" g="0" b="0"/>
+        </a:fillRef>
+        <a:effectRef idx="0">
+          <a:scrgbClr r="0" g="0" b="0"/>
+        </a:effectRef>
+        <a:fontRef idx="minor"/>
+      </dsp:style>
+      <dsp:txBody>
+        <a:bodyPr spcFirstLastPara="0" vert="horz" wrap="square" lIns="260607" tIns="38100" rIns="213360" bIns="38100" numCol="1" spcCol="1270" anchor="t" anchorCtr="0">
+          <a:noAutofit/>
+        </a:bodyPr>
+        <a:lstStyle/>
+        <a:p>
+          <a:pPr marL="228600" lvl="1" indent="-228600" algn="l" defTabSz="1022350">
+            <a:lnSpc>
+              <a:spcPct val="90000"/>
+            </a:lnSpc>
+            <a:spcBef>
+              <a:spcPct val="0"/>
+            </a:spcBef>
+            <a:spcAft>
+              <a:spcPct val="20000"/>
+            </a:spcAft>
+            <a:buChar char="••"/>
+          </a:pPr>
+          <a:r>
+            <a:rPr lang="ru-RU" sz="2300" kern="1200" dirty="0" smtClean="0"/>
+            <a:t>Проверка на существование файла</a:t>
+          </a:r>
+          <a:endParaRPr lang="ru-RU" sz="2300" kern="1200" dirty="0"/>
+        </a:p>
+        <a:p>
+          <a:pPr marL="228600" lvl="1" indent="-228600" algn="l" defTabSz="1022350">
+            <a:lnSpc>
+              <a:spcPct val="90000"/>
+            </a:lnSpc>
+            <a:spcBef>
+              <a:spcPct val="0"/>
+            </a:spcBef>
+            <a:spcAft>
+              <a:spcPct val="20000"/>
+            </a:spcAft>
+            <a:buChar char="••"/>
+          </a:pPr>
+          <a:r>
+            <a:rPr lang="ru-RU" sz="2300" kern="1200" dirty="0" smtClean="0"/>
+            <a:t>Проверка на открытие файла</a:t>
+          </a:r>
+          <a:endParaRPr lang="ru-RU" sz="2300" kern="1200" dirty="0"/>
+        </a:p>
+        <a:p>
+          <a:pPr marL="228600" lvl="1" indent="-228600" algn="l" defTabSz="1022350">
+            <a:lnSpc>
+              <a:spcPct val="90000"/>
+            </a:lnSpc>
+            <a:spcBef>
+              <a:spcPct val="0"/>
+            </a:spcBef>
+            <a:spcAft>
+              <a:spcPct val="20000"/>
+            </a:spcAft>
+            <a:buChar char="••"/>
+          </a:pPr>
+          <a:r>
+            <a:rPr lang="ru-RU" sz="2300" kern="1200" dirty="0" smtClean="0"/>
+            <a:t>Проверка на ошибки во время чтения/записи файла</a:t>
+          </a:r>
+          <a:endParaRPr lang="ru-RU" sz="2300" kern="1200" dirty="0"/>
+        </a:p>
+      </dsp:txBody>
+      <dsp:txXfrm>
+        <a:off x="0" y="2713137"/>
+        <a:ext cx="8208085" cy="1210950"/>
+      </dsp:txXfrm>
+    </dsp:sp>
   </dsp:spTree>
 </dsp:drawing>
 </file>
@@ -10493,6 +10967,354 @@
       <dsp:cNvGrpSpPr/>
     </dsp:nvGrpSpPr>
     <dsp:grpSpPr/>
+    <dsp:sp modelId="{A44F0C9A-3648-4916-982F-AF9587978149}">
+      <dsp:nvSpPr>
+        <dsp:cNvPr id="0" name=""/>
+        <dsp:cNvSpPr/>
+      </dsp:nvSpPr>
+      <dsp:spPr>
+        <a:xfrm>
+          <a:off x="0" y="0"/>
+          <a:ext cx="7868458" cy="647595"/>
+        </a:xfrm>
+        <a:prstGeom prst="roundRect">
+          <a:avLst/>
+        </a:prstGeom>
+        <a:solidFill>
+          <a:schemeClr val="accent1">
+            <a:hueOff val="0"/>
+            <a:satOff val="0"/>
+            <a:lumOff val="0"/>
+            <a:alphaOff val="0"/>
+          </a:schemeClr>
+        </a:solidFill>
+        <a:ln w="15875" cap="flat" cmpd="sng" algn="ctr">
+          <a:solidFill>
+            <a:schemeClr val="lt1">
+              <a:hueOff val="0"/>
+              <a:satOff val="0"/>
+              <a:lumOff val="0"/>
+              <a:alphaOff val="0"/>
+            </a:schemeClr>
+          </a:solidFill>
+          <a:prstDash val="solid"/>
+        </a:ln>
+        <a:effectLst/>
+      </dsp:spPr>
+      <dsp:style>
+        <a:lnRef idx="2">
+          <a:scrgbClr r="0" g="0" b="0"/>
+        </a:lnRef>
+        <a:fillRef idx="1">
+          <a:scrgbClr r="0" g="0" b="0"/>
+        </a:fillRef>
+        <a:effectRef idx="0">
+          <a:scrgbClr r="0" g="0" b="0"/>
+        </a:effectRef>
+        <a:fontRef idx="minor">
+          <a:schemeClr val="lt1"/>
+        </a:fontRef>
+      </dsp:style>
+      <dsp:txBody>
+        <a:bodyPr spcFirstLastPara="0" vert="horz" wrap="square" lIns="102870" tIns="102870" rIns="102870" bIns="102870" numCol="1" spcCol="1270" anchor="ctr" anchorCtr="0">
+          <a:noAutofit/>
+        </a:bodyPr>
+        <a:lstStyle/>
+        <a:p>
+          <a:pPr lvl="0" algn="l" defTabSz="1200150">
+            <a:lnSpc>
+              <a:spcPct val="90000"/>
+            </a:lnSpc>
+            <a:spcBef>
+              <a:spcPct val="0"/>
+            </a:spcBef>
+            <a:spcAft>
+              <a:spcPct val="35000"/>
+            </a:spcAft>
+          </a:pPr>
+          <a:r>
+            <a:rPr lang="ru-RU" sz="2700" kern="1200" dirty="0" smtClean="0"/>
+            <a:t>Функции библиотеки</a:t>
+          </a:r>
+          <a:endParaRPr lang="ru-RU" sz="2700" kern="1200" dirty="0"/>
+        </a:p>
+      </dsp:txBody>
+      <dsp:txXfrm>
+        <a:off x="31613" y="31613"/>
+        <a:ext cx="7805232" cy="584369"/>
+      </dsp:txXfrm>
+    </dsp:sp>
+    <dsp:sp modelId="{F2725D4B-59A7-40CF-AA8E-A27EC37530B2}">
+      <dsp:nvSpPr>
+        <dsp:cNvPr id="0" name=""/>
+        <dsp:cNvSpPr/>
+      </dsp:nvSpPr>
+      <dsp:spPr>
+        <a:xfrm>
+          <a:off x="0" y="665250"/>
+          <a:ext cx="7868458" cy="447120"/>
+        </a:xfrm>
+        <a:prstGeom prst="rect">
+          <a:avLst/>
+        </a:prstGeom>
+        <a:noFill/>
+        <a:ln>
+          <a:noFill/>
+        </a:ln>
+        <a:effectLst/>
+      </dsp:spPr>
+      <dsp:style>
+        <a:lnRef idx="0">
+          <a:scrgbClr r="0" g="0" b="0"/>
+        </a:lnRef>
+        <a:fillRef idx="0">
+          <a:scrgbClr r="0" g="0" b="0"/>
+        </a:fillRef>
+        <a:effectRef idx="0">
+          <a:scrgbClr r="0" g="0" b="0"/>
+        </a:effectRef>
+        <a:fontRef idx="minor"/>
+      </dsp:style>
+      <dsp:txBody>
+        <a:bodyPr spcFirstLastPara="0" vert="horz" wrap="square" lIns="249824" tIns="34290" rIns="192024" bIns="34290" numCol="1" spcCol="1270" anchor="t" anchorCtr="0">
+          <a:noAutofit/>
+        </a:bodyPr>
+        <a:lstStyle/>
+        <a:p>
+          <a:pPr marL="228600" lvl="1" indent="-228600" algn="l" defTabSz="933450">
+            <a:lnSpc>
+              <a:spcPct val="90000"/>
+            </a:lnSpc>
+            <a:spcBef>
+              <a:spcPct val="0"/>
+            </a:spcBef>
+            <a:spcAft>
+              <a:spcPct val="20000"/>
+            </a:spcAft>
+            <a:buChar char="••"/>
+          </a:pPr>
+          <a:r>
+            <a:rPr lang="ru-RU" sz="2100" kern="1200" dirty="0" smtClean="0"/>
+            <a:t>Предоставляет 5 уровней логирования</a:t>
+          </a:r>
+          <a:endParaRPr lang="ru-RU" sz="2100" kern="1200" dirty="0"/>
+        </a:p>
+      </dsp:txBody>
+      <dsp:txXfrm>
+        <a:off x="0" y="665250"/>
+        <a:ext cx="7868458" cy="447120"/>
+      </dsp:txXfrm>
+    </dsp:sp>
+    <dsp:sp modelId="{6C5C9815-44A2-4551-A509-FE6F0947C3DB}">
+      <dsp:nvSpPr>
+        <dsp:cNvPr id="0" name=""/>
+        <dsp:cNvSpPr/>
+      </dsp:nvSpPr>
+      <dsp:spPr>
+        <a:xfrm>
+          <a:off x="0" y="1112370"/>
+          <a:ext cx="7868458" cy="647595"/>
+        </a:xfrm>
+        <a:prstGeom prst="roundRect">
+          <a:avLst/>
+        </a:prstGeom>
+        <a:solidFill>
+          <a:schemeClr val="accent1">
+            <a:hueOff val="0"/>
+            <a:satOff val="0"/>
+            <a:lumOff val="0"/>
+            <a:alphaOff val="0"/>
+          </a:schemeClr>
+        </a:solidFill>
+        <a:ln w="15875" cap="flat" cmpd="sng" algn="ctr">
+          <a:solidFill>
+            <a:schemeClr val="lt1">
+              <a:hueOff val="0"/>
+              <a:satOff val="0"/>
+              <a:lumOff val="0"/>
+              <a:alphaOff val="0"/>
+            </a:schemeClr>
+          </a:solidFill>
+          <a:prstDash val="solid"/>
+        </a:ln>
+        <a:effectLst/>
+      </dsp:spPr>
+      <dsp:style>
+        <a:lnRef idx="2">
+          <a:scrgbClr r="0" g="0" b="0"/>
+        </a:lnRef>
+        <a:fillRef idx="1">
+          <a:scrgbClr r="0" g="0" b="0"/>
+        </a:fillRef>
+        <a:effectRef idx="0">
+          <a:scrgbClr r="0" g="0" b="0"/>
+        </a:effectRef>
+        <a:fontRef idx="minor">
+          <a:schemeClr val="lt1"/>
+        </a:fontRef>
+      </dsp:style>
+      <dsp:txBody>
+        <a:bodyPr spcFirstLastPara="0" vert="horz" wrap="square" lIns="102870" tIns="102870" rIns="102870" bIns="102870" numCol="1" spcCol="1270" anchor="ctr" anchorCtr="0">
+          <a:noAutofit/>
+        </a:bodyPr>
+        <a:lstStyle/>
+        <a:p>
+          <a:pPr lvl="0" algn="l" defTabSz="1200150">
+            <a:lnSpc>
+              <a:spcPct val="90000"/>
+            </a:lnSpc>
+            <a:spcBef>
+              <a:spcPct val="0"/>
+            </a:spcBef>
+            <a:spcAft>
+              <a:spcPct val="35000"/>
+            </a:spcAft>
+          </a:pPr>
+          <a:r>
+            <a:rPr lang="ru-RU" sz="2700" kern="1200" dirty="0" smtClean="0"/>
+            <a:t>Внутренние функции</a:t>
+          </a:r>
+          <a:endParaRPr lang="ru-RU" sz="2700" kern="1200" dirty="0"/>
+        </a:p>
+      </dsp:txBody>
+      <dsp:txXfrm>
+        <a:off x="31613" y="1143983"/>
+        <a:ext cx="7805232" cy="584369"/>
+      </dsp:txXfrm>
+    </dsp:sp>
+    <dsp:sp modelId="{84271FDF-D644-48A5-8BBB-391AF85E26F5}">
+      <dsp:nvSpPr>
+        <dsp:cNvPr id="0" name=""/>
+        <dsp:cNvSpPr/>
+      </dsp:nvSpPr>
+      <dsp:spPr>
+        <a:xfrm>
+          <a:off x="0" y="1759965"/>
+          <a:ext cx="7868458" cy="2123819"/>
+        </a:xfrm>
+        <a:prstGeom prst="rect">
+          <a:avLst/>
+        </a:prstGeom>
+        <a:noFill/>
+        <a:ln>
+          <a:noFill/>
+        </a:ln>
+        <a:effectLst/>
+      </dsp:spPr>
+      <dsp:style>
+        <a:lnRef idx="0">
+          <a:scrgbClr r="0" g="0" b="0"/>
+        </a:lnRef>
+        <a:fillRef idx="0">
+          <a:scrgbClr r="0" g="0" b="0"/>
+        </a:fillRef>
+        <a:effectRef idx="0">
+          <a:scrgbClr r="0" g="0" b="0"/>
+        </a:effectRef>
+        <a:fontRef idx="minor"/>
+      </dsp:style>
+      <dsp:txBody>
+        <a:bodyPr spcFirstLastPara="0" vert="horz" wrap="square" lIns="249824" tIns="34290" rIns="192024" bIns="34290" numCol="1" spcCol="1270" anchor="t" anchorCtr="0">
+          <a:noAutofit/>
+        </a:bodyPr>
+        <a:lstStyle/>
+        <a:p>
+          <a:pPr marL="228600" lvl="1" indent="-228600" algn="l" defTabSz="933450">
+            <a:lnSpc>
+              <a:spcPct val="90000"/>
+            </a:lnSpc>
+            <a:spcBef>
+              <a:spcPct val="0"/>
+            </a:spcBef>
+            <a:spcAft>
+              <a:spcPct val="20000"/>
+            </a:spcAft>
+            <a:buChar char="••"/>
+          </a:pPr>
+          <a:r>
+            <a:rPr lang="ru-RU" sz="2100" kern="1200" dirty="0" smtClean="0"/>
+            <a:t>Записывает сообщения в лог-файлы в другом потоке</a:t>
+          </a:r>
+          <a:endParaRPr lang="ru-RU" sz="2100" kern="1200" dirty="0"/>
+        </a:p>
+        <a:p>
+          <a:pPr marL="228600" lvl="1" indent="-228600" algn="l" defTabSz="933450">
+            <a:lnSpc>
+              <a:spcPct val="90000"/>
+            </a:lnSpc>
+            <a:spcBef>
+              <a:spcPct val="0"/>
+            </a:spcBef>
+            <a:spcAft>
+              <a:spcPct val="20000"/>
+            </a:spcAft>
+            <a:buChar char="••"/>
+          </a:pPr>
+          <a:r>
+            <a:rPr lang="ru-RU" sz="2100" kern="1200" dirty="0" smtClean="0"/>
+            <a:t>Выводит события в консоль в другом потоке и в другом процессе</a:t>
+          </a:r>
+          <a:endParaRPr lang="ru-RU" sz="2100" kern="1200" dirty="0"/>
+        </a:p>
+        <a:p>
+          <a:pPr marL="228600" lvl="1" indent="-228600" algn="l" defTabSz="933450">
+            <a:lnSpc>
+              <a:spcPct val="90000"/>
+            </a:lnSpc>
+            <a:spcBef>
+              <a:spcPct val="0"/>
+            </a:spcBef>
+            <a:spcAft>
+              <a:spcPct val="20000"/>
+            </a:spcAft>
+            <a:buChar char="••"/>
+          </a:pPr>
+          <a:r>
+            <a:rPr lang="ru-RU" sz="2100" kern="1200" dirty="0" smtClean="0"/>
+            <a:t>Регулирует интервал времени использования файла</a:t>
+          </a:r>
+          <a:endParaRPr lang="ru-RU" sz="2100" kern="1200" dirty="0"/>
+        </a:p>
+        <a:p>
+          <a:pPr marL="228600" lvl="1" indent="-228600" algn="l" defTabSz="933450">
+            <a:lnSpc>
+              <a:spcPct val="90000"/>
+            </a:lnSpc>
+            <a:spcBef>
+              <a:spcPct val="0"/>
+            </a:spcBef>
+            <a:spcAft>
+              <a:spcPct val="20000"/>
+            </a:spcAft>
+            <a:buChar char="••"/>
+          </a:pPr>
+          <a:r>
+            <a:rPr lang="ru-RU" sz="2100" kern="1200" dirty="0" smtClean="0"/>
+            <a:t>Регулирует интервал времени хранения файла</a:t>
+          </a:r>
+          <a:endParaRPr lang="ru-RU" sz="2100" kern="1200" dirty="0"/>
+        </a:p>
+        <a:p>
+          <a:pPr marL="228600" lvl="1" indent="-228600" algn="l" defTabSz="933450">
+            <a:lnSpc>
+              <a:spcPct val="90000"/>
+            </a:lnSpc>
+            <a:spcBef>
+              <a:spcPct val="0"/>
+            </a:spcBef>
+            <a:spcAft>
+              <a:spcPct val="20000"/>
+            </a:spcAft>
+            <a:buChar char="••"/>
+          </a:pPr>
+          <a:endParaRPr lang="ru-RU" sz="2100" kern="1200" dirty="0"/>
+        </a:p>
+      </dsp:txBody>
+      <dsp:txXfrm>
+        <a:off x="0" y="1759965"/>
+        <a:ext cx="7868458" cy="2123819"/>
+      </dsp:txXfrm>
+    </dsp:sp>
   </dsp:spTree>
 </dsp:drawing>
 </file>
@@ -22265,7 +23087,7 @@
           <a:p>
             <a:fld id="{FF87DA49-9917-4A7E-BE43-A1E4A72285DB}" type="datetimeFigureOut">
               <a:rPr lang="ru-RU" smtClean="0"/>
-              <a:t>21.11.2025</a:t>
+              <a:t>22.11.2025</a:t>
             </a:fld>
             <a:endParaRPr lang="ru-RU"/>
           </a:p>
@@ -22845,7 +23667,7 @@
           <a:p>
             <a:fld id="{82D494A6-AC0E-4564-848B-C9299726F19B}" type="datetime1">
               <a:rPr lang="ru-RU" smtClean="0"/>
-              <a:t>21.11.2025</a:t>
+              <a:t>22.11.2025</a:t>
             </a:fld>
             <a:endParaRPr lang="ru-RU"/>
           </a:p>
@@ -23053,7 +23875,7 @@
           <a:p>
             <a:fld id="{8F54F09E-5B73-4FCA-A245-E4B9F24EF6EE}" type="datetime1">
               <a:rPr lang="ru-RU" smtClean="0"/>
-              <a:t>21.11.2025</a:t>
+              <a:t>22.11.2025</a:t>
             </a:fld>
             <a:endParaRPr lang="ru-RU"/>
           </a:p>
@@ -23311,7 +24133,7 @@
           <a:p>
             <a:fld id="{EE0EF1CB-1F45-4BB0-ACA2-7F2CD691ED8E}" type="datetime1">
               <a:rPr lang="ru-RU" smtClean="0"/>
-              <a:t>21.11.2025</a:t>
+              <a:t>22.11.2025</a:t>
             </a:fld>
             <a:endParaRPr lang="ru-RU"/>
           </a:p>
@@ -23481,7 +24303,7 @@
           <a:p>
             <a:fld id="{8AC5719E-8A6A-457D-98CF-1B213C53F5CE}" type="datetime1">
               <a:rPr lang="ru-RU" smtClean="0"/>
-              <a:t>21.11.2025</a:t>
+              <a:t>22.11.2025</a:t>
             </a:fld>
             <a:endParaRPr lang="ru-RU"/>
           </a:p>
@@ -23818,7 +24640,7 @@
           <a:p>
             <a:fld id="{9187F089-DB3A-44EC-8E6C-70C807261B64}" type="datetime1">
               <a:rPr lang="ru-RU" smtClean="0"/>
-              <a:t>21.11.2025</a:t>
+              <a:t>22.11.2025</a:t>
             </a:fld>
             <a:endParaRPr lang="ru-RU"/>
           </a:p>
@@ -24093,7 +24915,7 @@
           <a:p>
             <a:fld id="{8D89F477-1E06-42B9-98CE-724D285F544D}" type="datetime1">
               <a:rPr lang="ru-RU" smtClean="0"/>
-              <a:t>21.11.2025</a:t>
+              <a:t>22.11.2025</a:t>
             </a:fld>
             <a:endParaRPr lang="ru-RU"/>
           </a:p>
@@ -24472,7 +25294,7 @@
           <a:p>
             <a:fld id="{D1ABE4F1-295B-4CC0-A10F-3BDEF5F6B9B6}" type="datetime1">
               <a:rPr lang="ru-RU" smtClean="0"/>
-              <a:t>21.11.2025</a:t>
+              <a:t>22.11.2025</a:t>
             </a:fld>
             <a:endParaRPr lang="ru-RU"/>
           </a:p>
@@ -24590,7 +25412,7 @@
           <a:p>
             <a:fld id="{5415850B-FCCB-4950-8D75-8D81D52F3FBD}" type="datetime1">
               <a:rPr lang="ru-RU" smtClean="0"/>
-              <a:t>21.11.2025</a:t>
+              <a:t>22.11.2025</a:t>
             </a:fld>
             <a:endParaRPr lang="ru-RU"/>
           </a:p>
@@ -24763,7 +25585,7 @@
           <a:p>
             <a:fld id="{BFEAB0DF-01E8-4782-A602-314B3FF37A29}" type="datetime1">
               <a:rPr lang="ru-RU" smtClean="0"/>
-              <a:t>21.11.2025</a:t>
+              <a:t>22.11.2025</a:t>
             </a:fld>
             <a:endParaRPr lang="ru-RU"/>
           </a:p>
@@ -25119,7 +25941,7 @@
           <a:p>
             <a:fld id="{AA82D743-4282-4860-9AE2-FAD442C19B6D}" type="datetime1">
               <a:rPr lang="ru-RU" smtClean="0"/>
-              <a:t>21.11.2025</a:t>
+              <a:t>22.11.2025</a:t>
             </a:fld>
             <a:endParaRPr lang="ru-RU"/>
           </a:p>
@@ -25498,7 +26320,7 @@
           <a:p>
             <a:fld id="{F2122F36-14C5-4E46-8DE1-22F5FE5A6635}" type="datetime1">
               <a:rPr lang="ru-RU" smtClean="0"/>
-              <a:t>21.11.2025</a:t>
+              <a:t>22.11.2025</a:t>
             </a:fld>
             <a:endParaRPr lang="ru-RU"/>
           </a:p>
@@ -25787,7 +26609,7 @@
           <a:p>
             <a:fld id="{DF78E439-9BA7-4640-B448-B030DCC85B49}" type="datetime1">
               <a:rPr lang="ru-RU" smtClean="0"/>
-              <a:t>21.11.2025</a:t>
+              <a:t>22.11.2025</a:t>
             </a:fld>
             <a:endParaRPr lang="ru-RU"/>
           </a:p>
@@ -26421,7 +27243,7 @@
             <p:ph idx="1"/>
             <p:extLst>
               <p:ext uri="{D42A27DB-BD31-4B8C-83A1-F6EECF244321}">
-                <p14:modId xmlns:p14="http://schemas.microsoft.com/office/powerpoint/2010/main" val="617968786"/>
+                <p14:modId xmlns:p14="http://schemas.microsoft.com/office/powerpoint/2010/main" val="635678402"/>
               </p:ext>
             </p:extLst>
           </p:nvPr>
@@ -26453,7 +27275,7 @@
           <a:p>
             <a:fld id="{8AC5719E-8A6A-457D-98CF-1B213C53F5CE}" type="datetime1">
               <a:rPr lang="ru-RU" smtClean="0"/>
-              <a:t>21.11.2025</a:t>
+              <a:t>22.11.2025</a:t>
             </a:fld>
             <a:endParaRPr lang="ru-RU"/>
           </a:p>
@@ -26728,7 +27550,7 @@
               <a:t>JSON-</a:t>
             </a:r>
             <a:r>
-              <a:rPr lang="ru-RU" sz="1200" dirty="0" err="1" smtClean="0"/>
+              <a:rPr lang="ru-RU" sz="1200" dirty="0" smtClean="0"/>
               <a:t>бъектами</a:t>
             </a:r>
             <a:endParaRPr lang="ru-RU" sz="1200" dirty="0"/>
@@ -26825,7 +27647,11 @@
           <a:p>
             <a:r>
               <a:rPr lang="ru-RU" sz="1200" dirty="0"/>
-              <a:t>организует </a:t>
+              <a:t>О</a:t>
+            </a:r>
+            <a:r>
+              <a:rPr lang="ru-RU" sz="1200" dirty="0" smtClean="0"/>
+              <a:t>рганизует </a:t>
             </a:r>
             <a:endParaRPr lang="ru-RU" sz="1200" dirty="0" smtClean="0"/>
           </a:p>
@@ -27143,47 +27969,13 @@
           <a:lstStyle/>
           <a:p>
             <a:r>
-              <a:rPr lang="ru-RU" sz="1200" dirty="0" err="1" smtClean="0"/>
-              <a:t>Логирует</a:t>
-            </a:r>
-            <a:r>
               <a:rPr lang="ru-RU" sz="1200" dirty="0" smtClean="0"/>
-              <a:t> события в лог-файлы и в консоль</a:t>
+              <a:t>Логирует события в лог-файлы и в консоль</a:t>
             </a:r>
             <a:endParaRPr lang="ru-RU" sz="1200" dirty="0"/>
           </a:p>
         </p:txBody>
       </p:sp>
-      <p:pic>
-        <p:nvPicPr>
-          <p:cNvPr id="41" name="Рисунок 40"/>
-          <p:cNvPicPr>
-            <a:picLocks noChangeAspect="1"/>
-          </p:cNvPicPr>
-          <p:nvPr/>
-        </p:nvPicPr>
-        <p:blipFill>
-          <a:blip r:embed="rId15" cstate="print">
-            <a:extLst>
-              <a:ext uri="{28A0092B-C50C-407E-A947-70E740481C1C}">
-                <a14:useLocalDpi xmlns:a14="http://schemas.microsoft.com/office/drawing/2010/main" val="0"/>
-              </a:ext>
-            </a:extLst>
-          </a:blip>
-          <a:stretch>
-            <a:fillRect/>
-          </a:stretch>
-        </p:blipFill>
-        <p:spPr>
-          <a:xfrm>
-            <a:off x="1726377" y="5258771"/>
-            <a:ext cx="509065" cy="720000"/>
-          </a:xfrm>
-          <a:prstGeom prst="rect">
-            <a:avLst/>
-          </a:prstGeom>
-        </p:spPr>
-      </p:pic>
       <p:pic>
         <p:nvPicPr>
           <p:cNvPr id="42" name="Рисунок 41"/>
@@ -27193,7 +27985,7 @@
           <p:nvPr/>
         </p:nvPicPr>
         <p:blipFill>
-          <a:blip r:embed="rId16" cstate="print">
+          <a:blip r:embed="rId15" cstate="print">
             <a:extLst>
               <a:ext uri="{28A0092B-C50C-407E-A947-70E740481C1C}">
                 <a14:useLocalDpi xmlns:a14="http://schemas.microsoft.com/office/drawing/2010/main" val="0"/>
@@ -27223,7 +28015,7 @@
           <p:nvPr/>
         </p:nvPicPr>
         <p:blipFill>
-          <a:blip r:embed="rId17" cstate="print">
+          <a:blip r:embed="rId16" cstate="print">
             <a:extLst>
               <a:ext uri="{28A0092B-C50C-407E-A947-70E740481C1C}">
                 <a14:useLocalDpi xmlns:a14="http://schemas.microsoft.com/office/drawing/2010/main" val="0"/>
@@ -27253,7 +28045,7 @@
           <p:nvPr/>
         </p:nvPicPr>
         <p:blipFill>
-          <a:blip r:embed="rId18" cstate="print">
+          <a:blip r:embed="rId17" cstate="print">
             <a:extLst>
               <a:ext uri="{28A0092B-C50C-407E-A947-70E740481C1C}">
                 <a14:useLocalDpi xmlns:a14="http://schemas.microsoft.com/office/drawing/2010/main" val="0"/>
@@ -27283,7 +28075,7 @@
           <p:nvPr/>
         </p:nvPicPr>
         <p:blipFill>
-          <a:blip r:embed="rId19" cstate="print">
+          <a:blip r:embed="rId18" cstate="print">
             <a:extLst>
               <a:ext uri="{28A0092B-C50C-407E-A947-70E740481C1C}">
                 <a14:useLocalDpi xmlns:a14="http://schemas.microsoft.com/office/drawing/2010/main" val="0"/>
@@ -27313,7 +28105,7 @@
           <p:nvPr/>
         </p:nvPicPr>
         <p:blipFill>
-          <a:blip r:embed="rId20" cstate="print">
+          <a:blip r:embed="rId19" cstate="print">
             <a:extLst>
               <a:ext uri="{28A0092B-C50C-407E-A947-70E740481C1C}">
                 <a14:useLocalDpi xmlns:a14="http://schemas.microsoft.com/office/drawing/2010/main" val="0"/>
@@ -27343,7 +28135,7 @@
           <p:nvPr/>
         </p:nvPicPr>
         <p:blipFill>
-          <a:blip r:embed="rId21" cstate="print">
+          <a:blip r:embed="rId20" cstate="print">
             <a:extLst>
               <a:ext uri="{28A0092B-C50C-407E-A947-70E740481C1C}">
                 <a14:useLocalDpi xmlns:a14="http://schemas.microsoft.com/office/drawing/2010/main" val="0"/>
@@ -27373,7 +28165,7 @@
           <p:nvPr/>
         </p:nvPicPr>
         <p:blipFill>
-          <a:blip r:embed="rId22" cstate="print">
+          <a:blip r:embed="rId21" cstate="print">
             <a:extLst>
               <a:ext uri="{28A0092B-C50C-407E-A947-70E740481C1C}">
                 <a14:useLocalDpi xmlns:a14="http://schemas.microsoft.com/office/drawing/2010/main" val="0"/>
@@ -27388,6 +28180,36 @@
           <a:xfrm>
             <a:off x="10637607" y="3022221"/>
             <a:ext cx="509065" cy="720000"/>
+          </a:xfrm>
+          <a:prstGeom prst="rect">
+            <a:avLst/>
+          </a:prstGeom>
+        </p:spPr>
+      </p:pic>
+      <p:pic>
+        <p:nvPicPr>
+          <p:cNvPr id="18" name="Рисунок 17"/>
+          <p:cNvPicPr>
+            <a:picLocks noChangeAspect="1"/>
+          </p:cNvPicPr>
+          <p:nvPr/>
+        </p:nvPicPr>
+        <p:blipFill>
+          <a:blip r:embed="rId22" cstate="print">
+            <a:extLst>
+              <a:ext uri="{28A0092B-C50C-407E-A947-70E740481C1C}">
+                <a14:useLocalDpi xmlns:a14="http://schemas.microsoft.com/office/drawing/2010/main" val="0"/>
+              </a:ext>
+            </a:extLst>
+          </a:blip>
+          <a:stretch>
+            <a:fillRect/>
+          </a:stretch>
+        </p:blipFill>
+        <p:spPr>
+          <a:xfrm>
+            <a:off x="1692097" y="5218935"/>
+            <a:ext cx="514862" cy="728199"/>
           </a:xfrm>
           <a:prstGeom prst="rect">
             <a:avLst/>
@@ -27615,7 +28437,7 @@
           <a:p>
             <a:fld id="{8AC5719E-8A6A-457D-98CF-1B213C53F5CE}" type="datetime1">
               <a:rPr lang="ru-RU" smtClean="0"/>
-              <a:t>21.11.2025</a:t>
+              <a:t>22.11.2025</a:t>
             </a:fld>
             <a:endParaRPr lang="ru-RU"/>
           </a:p>
@@ -28104,8 +28926,8 @@
         </p:nvSpPr>
         <p:spPr>
           <a:xfrm>
-            <a:off x="2952750" y="1275075"/>
-            <a:ext cx="8915400" cy="1516402"/>
+            <a:off x="2497365" y="-203025"/>
+            <a:ext cx="9110227" cy="3960000"/>
           </a:xfrm>
           <a:prstGeom prst="rightArrow">
             <a:avLst/>
@@ -28202,7 +29024,7 @@
           <a:p>
             <a:fld id="{5415850B-FCCB-4950-8D75-8D81D52F3FBD}" type="datetime1">
               <a:rPr lang="ru-RU" smtClean="0"/>
-              <a:t>21.11.2025</a:t>
+              <a:t>22.11.2025</a:t>
             </a:fld>
             <a:endParaRPr lang="ru-RU"/>
           </a:p>
@@ -28263,7 +29085,7 @@
         </p:nvGrpSpPr>
         <p:grpSpPr>
           <a:xfrm>
-            <a:off x="3683392" y="5185638"/>
+            <a:off x="3236179" y="5213448"/>
             <a:ext cx="900000" cy="900000"/>
             <a:chOff x="2197456" y="405415"/>
             <a:chExt cx="1083633" cy="1083633"/>
@@ -28394,8 +29216,8 @@
         </p:nvSpPr>
         <p:spPr>
           <a:xfrm>
-            <a:off x="1084648" y="3712156"/>
-            <a:ext cx="1946302" cy="1200329"/>
+            <a:off x="564467" y="4154088"/>
+            <a:ext cx="1375698" cy="769441"/>
           </a:xfrm>
           <a:prstGeom prst="rect">
             <a:avLst/>
@@ -28409,7 +29231,7 @@
           <a:lstStyle/>
           <a:p>
             <a:r>
-              <a:rPr lang="ru-RU" dirty="0" smtClean="0"/>
+              <a:rPr lang="ru-RU" sz="1100" dirty="0" smtClean="0"/>
               <a:t>Пути файлов:</a:t>
             </a:r>
           </a:p>
@@ -28419,7 +29241,7 @@
               <a:buChar char="-"/>
             </a:pPr>
             <a:r>
-              <a:rPr lang="ru-RU" dirty="0" smtClean="0"/>
+              <a:rPr lang="ru-RU" sz="1100" dirty="0" smtClean="0"/>
               <a:t>конфигурации;</a:t>
             </a:r>
           </a:p>
@@ -28429,18 +29251,18 @@
               <a:buChar char="-"/>
             </a:pPr>
             <a:r>
-              <a:rPr lang="ru-RU" dirty="0" smtClean="0"/>
+              <a:rPr lang="ru-RU" sz="1100" dirty="0" smtClean="0"/>
               <a:t>запросов</a:t>
             </a:r>
             <a:r>
-              <a:rPr lang="ru-RU" dirty="0"/>
+              <a:rPr lang="ru-RU" sz="1100" dirty="0"/>
               <a:t>;</a:t>
             </a:r>
             <a:r>
-              <a:rPr lang="en-US" dirty="0" smtClean="0"/>
+              <a:rPr lang="en-US" sz="1100" dirty="0" smtClean="0"/>
               <a:t> </a:t>
             </a:r>
-            <a:endParaRPr lang="ru-RU" dirty="0" smtClean="0"/>
+            <a:endParaRPr lang="ru-RU" sz="1100" dirty="0" smtClean="0"/>
           </a:p>
           <a:p>
             <a:pPr marL="285750" indent="-285750">
@@ -28448,258 +29270,13 @@
               <a:buChar char="-"/>
             </a:pPr>
             <a:r>
-              <a:rPr lang="ru-RU" dirty="0" smtClean="0"/>
+              <a:rPr lang="ru-RU" sz="1100" dirty="0" smtClean="0"/>
               <a:t>ответов</a:t>
             </a:r>
-            <a:endParaRPr lang="ru-RU" dirty="0"/>
+            <a:endParaRPr lang="ru-RU" sz="1100" dirty="0"/>
           </a:p>
         </p:txBody>
       </p:sp>
-      <p:grpSp>
-        <p:nvGrpSpPr>
-          <p:cNvPr id="21" name="Группа 20"/>
-          <p:cNvGrpSpPr/>
-          <p:nvPr/>
-        </p:nvGrpSpPr>
-        <p:grpSpPr>
-          <a:xfrm>
-            <a:off x="5048324" y="1376075"/>
-            <a:ext cx="1260000" cy="1260000"/>
-            <a:chOff x="3899929" y="338038"/>
-            <a:chExt cx="903543" cy="903543"/>
-          </a:xfrm>
-        </p:grpSpPr>
-        <p:sp>
-          <p:nvSpPr>
-            <p:cNvPr id="22" name="Овал 21"/>
-            <p:cNvSpPr/>
-            <p:nvPr/>
-          </p:nvSpPr>
-          <p:spPr>
-            <a:xfrm>
-              <a:off x="3899929" y="338038"/>
-              <a:ext cx="903543" cy="903543"/>
-            </a:xfrm>
-            <a:prstGeom prst="ellipse">
-              <a:avLst/>
-            </a:prstGeom>
-          </p:spPr>
-          <p:style>
-            <a:lnRef idx="2">
-              <a:schemeClr val="lt1">
-                <a:hueOff val="0"/>
-                <a:satOff val="0"/>
-                <a:lumOff val="0"/>
-                <a:alphaOff val="0"/>
-              </a:schemeClr>
-            </a:lnRef>
-            <a:fillRef idx="1">
-              <a:schemeClr val="accent1">
-                <a:hueOff val="0"/>
-                <a:satOff val="0"/>
-                <a:lumOff val="0"/>
-                <a:alphaOff val="0"/>
-              </a:schemeClr>
-            </a:fillRef>
-            <a:effectRef idx="0">
-              <a:schemeClr val="accent1">
-                <a:hueOff val="0"/>
-                <a:satOff val="0"/>
-                <a:lumOff val="0"/>
-                <a:alphaOff val="0"/>
-              </a:schemeClr>
-            </a:effectRef>
-            <a:fontRef idx="minor">
-              <a:schemeClr val="lt1"/>
-            </a:fontRef>
-          </p:style>
-        </p:sp>
-        <p:sp>
-          <p:nvSpPr>
-            <p:cNvPr id="23" name="Овал 4"/>
-            <p:cNvSpPr/>
-            <p:nvPr/>
-          </p:nvSpPr>
-          <p:spPr>
-            <a:xfrm>
-              <a:off x="4032250" y="470359"/>
-              <a:ext cx="690074" cy="638901"/>
-            </a:xfrm>
-            <a:prstGeom prst="rect">
-              <a:avLst/>
-            </a:prstGeom>
-          </p:spPr>
-          <p:style>
-            <a:lnRef idx="0">
-              <a:scrgbClr r="0" g="0" b="0"/>
-            </a:lnRef>
-            <a:fillRef idx="0">
-              <a:scrgbClr r="0" g="0" b="0"/>
-            </a:fillRef>
-            <a:effectRef idx="0">
-              <a:scrgbClr r="0" g="0" b="0"/>
-            </a:effectRef>
-            <a:fontRef idx="minor">
-              <a:schemeClr val="lt1"/>
-            </a:fontRef>
-          </p:style>
-          <p:txBody>
-            <a:bodyPr spcFirstLastPara="0" vert="horz" wrap="square" lIns="6985" tIns="6985" rIns="6985" bIns="6985" numCol="1" spcCol="1270" anchor="ctr" anchorCtr="0">
-              <a:noAutofit/>
-            </a:bodyPr>
-            <a:lstStyle/>
-            <a:p>
-              <a:pPr lvl="0" algn="ctr" defTabSz="488950">
-                <a:lnSpc>
-                  <a:spcPct val="90000"/>
-                </a:lnSpc>
-                <a:spcBef>
-                  <a:spcPct val="0"/>
-                </a:spcBef>
-                <a:spcAft>
-                  <a:spcPct val="35000"/>
-                </a:spcAft>
-              </a:pPr>
-              <a:r>
-                <a:rPr lang="en-US" sz="1600" dirty="0" smtClean="0"/>
-                <a:t>Documents</a:t>
-              </a:r>
-              <a:endParaRPr lang="ru-RU" sz="1600" kern="1200" dirty="0"/>
-            </a:p>
-          </p:txBody>
-        </p:sp>
-      </p:grpSp>
-      <p:grpSp>
-        <p:nvGrpSpPr>
-          <p:cNvPr id="24" name="Группа 23"/>
-          <p:cNvGrpSpPr/>
-          <p:nvPr/>
-        </p:nvGrpSpPr>
-        <p:grpSpPr>
-          <a:xfrm>
-            <a:off x="6547529" y="1395720"/>
-            <a:ext cx="1260000" cy="1260000"/>
-            <a:chOff x="5151860" y="405415"/>
-            <a:chExt cx="1083633" cy="1083633"/>
-          </a:xfrm>
-        </p:grpSpPr>
-        <p:sp>
-          <p:nvSpPr>
-            <p:cNvPr id="25" name="Овал 24"/>
-            <p:cNvSpPr/>
-            <p:nvPr/>
-          </p:nvSpPr>
-          <p:spPr>
-            <a:xfrm>
-              <a:off x="5151860" y="405415"/>
-              <a:ext cx="1083633" cy="1083633"/>
-            </a:xfrm>
-            <a:prstGeom prst="ellipse">
-              <a:avLst/>
-            </a:prstGeom>
-          </p:spPr>
-          <p:style>
-            <a:lnRef idx="2">
-              <a:schemeClr val="lt1">
-                <a:hueOff val="0"/>
-                <a:satOff val="0"/>
-                <a:lumOff val="0"/>
-                <a:alphaOff val="0"/>
-              </a:schemeClr>
-            </a:lnRef>
-            <a:fillRef idx="1">
-              <a:schemeClr val="accent1">
-                <a:hueOff val="0"/>
-                <a:satOff val="0"/>
-                <a:lumOff val="0"/>
-                <a:alphaOff val="0"/>
-              </a:schemeClr>
-            </a:fillRef>
-            <a:effectRef idx="0">
-              <a:schemeClr val="accent1">
-                <a:hueOff val="0"/>
-                <a:satOff val="0"/>
-                <a:lumOff val="0"/>
-                <a:alphaOff val="0"/>
-              </a:schemeClr>
-            </a:effectRef>
-            <a:fontRef idx="minor">
-              <a:schemeClr val="lt1"/>
-            </a:fontRef>
-          </p:style>
-        </p:sp>
-        <p:sp>
-          <p:nvSpPr>
-            <p:cNvPr id="26" name="Овал 4"/>
-            <p:cNvSpPr/>
-            <p:nvPr/>
-          </p:nvSpPr>
-          <p:spPr>
-            <a:xfrm>
-              <a:off x="5310554" y="564109"/>
-              <a:ext cx="766245" cy="766245"/>
-            </a:xfrm>
-            <a:prstGeom prst="rect">
-              <a:avLst/>
-            </a:prstGeom>
-          </p:spPr>
-          <p:style>
-            <a:lnRef idx="0">
-              <a:scrgbClr r="0" g="0" b="0"/>
-            </a:lnRef>
-            <a:fillRef idx="0">
-              <a:scrgbClr r="0" g="0" b="0"/>
-            </a:fillRef>
-            <a:effectRef idx="0">
-              <a:scrgbClr r="0" g="0" b="0"/>
-            </a:effectRef>
-            <a:fontRef idx="minor">
-              <a:schemeClr val="lt1"/>
-            </a:fontRef>
-          </p:style>
-          <p:txBody>
-            <a:bodyPr spcFirstLastPara="0" vert="horz" wrap="square" lIns="10795" tIns="10795" rIns="10795" bIns="10795" numCol="1" spcCol="1270" anchor="ctr" anchorCtr="0">
-              <a:noAutofit/>
-            </a:bodyPr>
-            <a:lstStyle/>
-            <a:p>
-              <a:pPr lvl="0" algn="ctr" defTabSz="755650">
-                <a:lnSpc>
-                  <a:spcPct val="90000"/>
-                </a:lnSpc>
-                <a:spcBef>
-                  <a:spcPct val="0"/>
-                </a:spcBef>
-                <a:spcAft>
-                  <a:spcPct val="35000"/>
-                </a:spcAft>
-              </a:pPr>
-              <a:r>
-                <a:rPr lang="en-US" sz="1600" kern="1200" dirty="0" smtClean="0"/>
-                <a:t>Inverted</a:t>
-              </a:r>
-            </a:p>
-            <a:p>
-              <a:pPr lvl="0" algn="ctr" defTabSz="755650">
-                <a:lnSpc>
-                  <a:spcPct val="90000"/>
-                </a:lnSpc>
-                <a:spcBef>
-                  <a:spcPct val="0"/>
-                </a:spcBef>
-                <a:spcAft>
-                  <a:spcPct val="35000"/>
-                </a:spcAft>
-              </a:pPr>
-              <a:r>
-                <a:rPr lang="en-US" sz="1600" kern="1200" dirty="0" smtClean="0"/>
-                <a:t>Index</a:t>
-              </a:r>
-              <a:endParaRPr lang="ru-RU" sz="1600" kern="1200" dirty="0"/>
-            </a:p>
-          </p:txBody>
-        </p:sp>
-      </p:grpSp>
       <p:pic>
         <p:nvPicPr>
           <p:cNvPr id="28" name="Рисунок 27"/>
@@ -28730,251 +29307,6 @@
           </a:prstGeom>
         </p:spPr>
       </p:pic>
-      <p:grpSp>
-        <p:nvGrpSpPr>
-          <p:cNvPr id="33" name="Группа 32"/>
-          <p:cNvGrpSpPr/>
-          <p:nvPr/>
-        </p:nvGrpSpPr>
-        <p:grpSpPr>
-          <a:xfrm>
-            <a:off x="8067921" y="1402179"/>
-            <a:ext cx="1260000" cy="1260000"/>
-            <a:chOff x="5151860" y="405415"/>
-            <a:chExt cx="1083633" cy="1083633"/>
-          </a:xfrm>
-        </p:grpSpPr>
-        <p:sp>
-          <p:nvSpPr>
-            <p:cNvPr id="34" name="Овал 33"/>
-            <p:cNvSpPr/>
-            <p:nvPr/>
-          </p:nvSpPr>
-          <p:spPr>
-            <a:xfrm>
-              <a:off x="5151860" y="405415"/>
-              <a:ext cx="1083633" cy="1083633"/>
-            </a:xfrm>
-            <a:prstGeom prst="ellipse">
-              <a:avLst/>
-            </a:prstGeom>
-          </p:spPr>
-          <p:style>
-            <a:lnRef idx="2">
-              <a:schemeClr val="lt1">
-                <a:hueOff val="0"/>
-                <a:satOff val="0"/>
-                <a:lumOff val="0"/>
-                <a:alphaOff val="0"/>
-              </a:schemeClr>
-            </a:lnRef>
-            <a:fillRef idx="1">
-              <a:schemeClr val="accent1">
-                <a:hueOff val="0"/>
-                <a:satOff val="0"/>
-                <a:lumOff val="0"/>
-                <a:alphaOff val="0"/>
-              </a:schemeClr>
-            </a:fillRef>
-            <a:effectRef idx="0">
-              <a:schemeClr val="accent1">
-                <a:hueOff val="0"/>
-                <a:satOff val="0"/>
-                <a:lumOff val="0"/>
-                <a:alphaOff val="0"/>
-              </a:schemeClr>
-            </a:effectRef>
-            <a:fontRef idx="minor">
-              <a:schemeClr val="lt1"/>
-            </a:fontRef>
-          </p:style>
-        </p:sp>
-        <p:sp>
-          <p:nvSpPr>
-            <p:cNvPr id="35" name="Овал 4"/>
-            <p:cNvSpPr/>
-            <p:nvPr/>
-          </p:nvSpPr>
-          <p:spPr>
-            <a:xfrm>
-              <a:off x="5310554" y="564109"/>
-              <a:ext cx="766245" cy="766245"/>
-            </a:xfrm>
-            <a:prstGeom prst="rect">
-              <a:avLst/>
-            </a:prstGeom>
-          </p:spPr>
-          <p:style>
-            <a:lnRef idx="0">
-              <a:scrgbClr r="0" g="0" b="0"/>
-            </a:lnRef>
-            <a:fillRef idx="0">
-              <a:scrgbClr r="0" g="0" b="0"/>
-            </a:fillRef>
-            <a:effectRef idx="0">
-              <a:scrgbClr r="0" g="0" b="0"/>
-            </a:effectRef>
-            <a:fontRef idx="minor">
-              <a:schemeClr val="lt1"/>
-            </a:fontRef>
-          </p:style>
-          <p:txBody>
-            <a:bodyPr spcFirstLastPara="0" vert="horz" wrap="square" lIns="10795" tIns="10795" rIns="10795" bIns="10795" numCol="1" spcCol="1270" anchor="ctr" anchorCtr="0">
-              <a:noAutofit/>
-            </a:bodyPr>
-            <a:lstStyle/>
-            <a:p>
-              <a:pPr lvl="0" algn="ctr" defTabSz="755650">
-                <a:lnSpc>
-                  <a:spcPct val="90000"/>
-                </a:lnSpc>
-                <a:spcBef>
-                  <a:spcPct val="0"/>
-                </a:spcBef>
-                <a:spcAft>
-                  <a:spcPct val="35000"/>
-                </a:spcAft>
-              </a:pPr>
-              <a:r>
-                <a:rPr lang="en-US" sz="1600" kern="1200" dirty="0" smtClean="0"/>
-                <a:t>Requests</a:t>
-              </a:r>
-              <a:endParaRPr lang="ru-RU" sz="1600" kern="1200" dirty="0"/>
-            </a:p>
-          </p:txBody>
-        </p:sp>
-      </p:grpSp>
-      <p:grpSp>
-        <p:nvGrpSpPr>
-          <p:cNvPr id="36" name="Группа 35"/>
-          <p:cNvGrpSpPr/>
-          <p:nvPr/>
-        </p:nvGrpSpPr>
-        <p:grpSpPr>
-          <a:xfrm>
-            <a:off x="9588313" y="1379353"/>
-            <a:ext cx="1260000" cy="1260000"/>
-            <a:chOff x="5131820" y="462784"/>
-            <a:chExt cx="1069963" cy="1069963"/>
-          </a:xfrm>
-        </p:grpSpPr>
-        <p:sp>
-          <p:nvSpPr>
-            <p:cNvPr id="37" name="Овал 36"/>
-            <p:cNvSpPr/>
-            <p:nvPr/>
-          </p:nvSpPr>
-          <p:spPr>
-            <a:xfrm>
-              <a:off x="5131820" y="462784"/>
-              <a:ext cx="1069963" cy="1069963"/>
-            </a:xfrm>
-            <a:prstGeom prst="ellipse">
-              <a:avLst/>
-            </a:prstGeom>
-          </p:spPr>
-          <p:style>
-            <a:lnRef idx="2">
-              <a:schemeClr val="lt1">
-                <a:hueOff val="0"/>
-                <a:satOff val="0"/>
-                <a:lumOff val="0"/>
-                <a:alphaOff val="0"/>
-              </a:schemeClr>
-            </a:lnRef>
-            <a:fillRef idx="1">
-              <a:schemeClr val="accent1">
-                <a:hueOff val="0"/>
-                <a:satOff val="0"/>
-                <a:lumOff val="0"/>
-                <a:alphaOff val="0"/>
-              </a:schemeClr>
-            </a:fillRef>
-            <a:effectRef idx="0">
-              <a:schemeClr val="accent1">
-                <a:hueOff val="0"/>
-                <a:satOff val="0"/>
-                <a:lumOff val="0"/>
-                <a:alphaOff val="0"/>
-              </a:schemeClr>
-            </a:effectRef>
-            <a:fontRef idx="minor">
-              <a:schemeClr val="lt1"/>
-            </a:fontRef>
-          </p:style>
-        </p:sp>
-        <p:sp>
-          <p:nvSpPr>
-            <p:cNvPr id="38" name="Овал 4"/>
-            <p:cNvSpPr/>
-            <p:nvPr/>
-          </p:nvSpPr>
-          <p:spPr>
-            <a:xfrm>
-              <a:off x="5308552" y="556993"/>
-              <a:ext cx="756579" cy="756579"/>
-            </a:xfrm>
-            <a:prstGeom prst="rect">
-              <a:avLst/>
-            </a:prstGeom>
-          </p:spPr>
-          <p:style>
-            <a:lnRef idx="0">
-              <a:scrgbClr r="0" g="0" b="0"/>
-            </a:lnRef>
-            <a:fillRef idx="0">
-              <a:scrgbClr r="0" g="0" b="0"/>
-            </a:fillRef>
-            <a:effectRef idx="0">
-              <a:scrgbClr r="0" g="0" b="0"/>
-            </a:effectRef>
-            <a:fontRef idx="minor">
-              <a:schemeClr val="lt1"/>
-            </a:fontRef>
-          </p:style>
-          <p:txBody>
-            <a:bodyPr spcFirstLastPara="0" vert="horz" wrap="square" lIns="8890" tIns="8890" rIns="8890" bIns="8890" numCol="1" spcCol="1270" anchor="ctr" anchorCtr="0">
-              <a:noAutofit/>
-            </a:bodyPr>
-            <a:lstStyle/>
-            <a:p>
-              <a:pPr lvl="0" algn="ctr" defTabSz="622300">
-                <a:lnSpc>
-                  <a:spcPct val="90000"/>
-                </a:lnSpc>
-                <a:spcBef>
-                  <a:spcPct val="0"/>
-                </a:spcBef>
-                <a:spcAft>
-                  <a:spcPct val="35000"/>
-                </a:spcAft>
-              </a:pPr>
-              <a:r>
-                <a:rPr lang="en-US" sz="1600" kern="1200" dirty="0" smtClean="0"/>
-                <a:t>Relevant</a:t>
-              </a:r>
-            </a:p>
-            <a:p>
-              <a:pPr lvl="0" algn="ctr" defTabSz="622300">
-                <a:lnSpc>
-                  <a:spcPct val="90000"/>
-                </a:lnSpc>
-                <a:spcBef>
-                  <a:spcPct val="0"/>
-                </a:spcBef>
-                <a:spcAft>
-                  <a:spcPct val="35000"/>
-                </a:spcAft>
-              </a:pPr>
-              <a:r>
-                <a:rPr lang="en-US" sz="1600" kern="1200" dirty="0" smtClean="0"/>
-                <a:t>Response</a:t>
-              </a:r>
-              <a:endParaRPr lang="ru-RU" sz="1600" kern="1200" dirty="0"/>
-            </a:p>
-          </p:txBody>
-        </p:sp>
-      </p:grpSp>
       <p:pic>
         <p:nvPicPr>
           <p:cNvPr id="43" name="Рисунок 42"/>
@@ -28997,7 +29329,7 @@
         </p:blipFill>
         <p:spPr>
           <a:xfrm>
-            <a:off x="9323601" y="3276731"/>
+            <a:off x="9886774" y="3276746"/>
             <a:ext cx="948137" cy="1341005"/>
           </a:xfrm>
           <a:prstGeom prst="rect">
@@ -29027,7 +29359,7 @@
         </p:blipFill>
         <p:spPr>
           <a:xfrm>
-            <a:off x="10209585" y="3238006"/>
+            <a:off x="10849940" y="3220670"/>
             <a:ext cx="1002898" cy="1418457"/>
           </a:xfrm>
           <a:prstGeom prst="rect">
@@ -29043,7 +29375,7 @@
         </p:nvSpPr>
         <p:spPr>
           <a:xfrm rot="16200000">
-            <a:off x="10413926" y="2877118"/>
+            <a:off x="11023784" y="2876739"/>
             <a:ext cx="525014" cy="484632"/>
           </a:xfrm>
           <a:prstGeom prst="rightArrow">
@@ -29164,7 +29496,7 @@
         <p:spPr>
           <a:xfrm>
             <a:off x="3281347" y="3555668"/>
-            <a:ext cx="1946302" cy="923330"/>
+            <a:ext cx="1375698" cy="600164"/>
           </a:xfrm>
           <a:prstGeom prst="rect">
             <a:avLst/>
@@ -29178,7 +29510,7 @@
           <a:lstStyle/>
           <a:p>
             <a:r>
-              <a:rPr lang="ru-RU" dirty="0" smtClean="0"/>
+              <a:rPr lang="ru-RU" sz="1100" dirty="0" smtClean="0"/>
               <a:t>Пути файлов:</a:t>
             </a:r>
           </a:p>
@@ -29188,7 +29520,7 @@
               <a:buChar char="-"/>
             </a:pPr>
             <a:r>
-              <a:rPr lang="ru-RU" dirty="0" smtClean="0"/>
+              <a:rPr lang="ru-RU" sz="1100" dirty="0" smtClean="0"/>
               <a:t>конфигурации;</a:t>
             </a:r>
           </a:p>
@@ -29198,18 +29530,18 @@
               <a:buChar char="-"/>
             </a:pPr>
             <a:r>
-              <a:rPr lang="ru-RU" dirty="0" smtClean="0"/>
+              <a:rPr lang="ru-RU" sz="1100" dirty="0" smtClean="0"/>
               <a:t>запросов</a:t>
             </a:r>
             <a:r>
-              <a:rPr lang="ru-RU" dirty="0"/>
+              <a:rPr lang="ru-RU" sz="1100" dirty="0"/>
               <a:t>;</a:t>
             </a:r>
             <a:r>
-              <a:rPr lang="en-US" dirty="0" smtClean="0"/>
+              <a:rPr lang="en-US" sz="1100" dirty="0" smtClean="0"/>
               <a:t> </a:t>
             </a:r>
-            <a:endParaRPr lang="ru-RU" dirty="0" smtClean="0"/>
+            <a:endParaRPr lang="ru-RU" sz="1100" dirty="0" smtClean="0"/>
           </a:p>
         </p:txBody>
       </p:sp>
@@ -29375,7 +29707,7 @@
         </p:nvSpPr>
         <p:spPr>
           <a:xfrm rot="16200000">
-            <a:off x="9574712" y="2890026"/>
+            <a:off x="10063824" y="2899326"/>
             <a:ext cx="525014" cy="484632"/>
           </a:xfrm>
           <a:prstGeom prst="rightArrow">
@@ -29415,7 +29747,7 @@
         </p:nvSpPr>
         <p:spPr>
           <a:xfrm rot="16200000">
-            <a:off x="9529251" y="4505810"/>
+            <a:off x="10134562" y="4485622"/>
             <a:ext cx="525014" cy="484632"/>
           </a:xfrm>
           <a:prstGeom prst="rightArrow">
@@ -29455,7 +29787,7 @@
         </p:nvSpPr>
         <p:spPr>
           <a:xfrm rot="16200000">
-            <a:off x="10450400" y="4496981"/>
+            <a:off x="11088882" y="4483853"/>
             <a:ext cx="525014" cy="484632"/>
           </a:xfrm>
           <a:prstGeom prst="rightArrow">
@@ -29495,7 +29827,7 @@
         </p:nvGrpSpPr>
         <p:grpSpPr>
           <a:xfrm>
-            <a:off x="9341758" y="5152780"/>
+            <a:off x="9986937" y="5124120"/>
             <a:ext cx="900000" cy="900000"/>
             <a:chOff x="5151860" y="405415"/>
             <a:chExt cx="1083633" cy="1083633"/>
@@ -29626,7 +29958,7 @@
         </p:nvSpPr>
         <p:spPr>
           <a:xfrm rot="16200000">
-            <a:off x="3885202" y="2886820"/>
+            <a:off x="3400233" y="2897019"/>
             <a:ext cx="525014" cy="484632"/>
           </a:xfrm>
           <a:prstGeom prst="rightArrow">
@@ -29658,137 +29990,6 @@
           </a:p>
         </p:txBody>
       </p:sp>
-      <p:grpSp>
-        <p:nvGrpSpPr>
-          <p:cNvPr id="83" name="Группа 82"/>
-          <p:cNvGrpSpPr/>
-          <p:nvPr/>
-        </p:nvGrpSpPr>
-        <p:grpSpPr>
-          <a:xfrm>
-            <a:off x="988713" y="1083636"/>
-            <a:ext cx="1800000" cy="1800000"/>
-            <a:chOff x="2197456" y="405415"/>
-            <a:chExt cx="1083633" cy="1083633"/>
-          </a:xfrm>
-        </p:grpSpPr>
-        <p:sp>
-          <p:nvSpPr>
-            <p:cNvPr id="84" name="Овал 83"/>
-            <p:cNvSpPr/>
-            <p:nvPr/>
-          </p:nvSpPr>
-          <p:spPr>
-            <a:xfrm>
-              <a:off x="2197456" y="405415"/>
-              <a:ext cx="1083633" cy="1083633"/>
-            </a:xfrm>
-            <a:prstGeom prst="ellipse">
-              <a:avLst/>
-            </a:prstGeom>
-          </p:spPr>
-          <p:style>
-            <a:lnRef idx="2">
-              <a:schemeClr val="lt1">
-                <a:hueOff val="0"/>
-                <a:satOff val="0"/>
-                <a:lumOff val="0"/>
-                <a:alphaOff val="0"/>
-              </a:schemeClr>
-            </a:lnRef>
-            <a:fillRef idx="1">
-              <a:schemeClr val="accent1">
-                <a:hueOff val="0"/>
-                <a:satOff val="0"/>
-                <a:lumOff val="0"/>
-                <a:alphaOff val="0"/>
-              </a:schemeClr>
-            </a:fillRef>
-            <a:effectRef idx="0">
-              <a:schemeClr val="accent1">
-                <a:hueOff val="0"/>
-                <a:satOff val="0"/>
-                <a:lumOff val="0"/>
-                <a:alphaOff val="0"/>
-              </a:schemeClr>
-            </a:effectRef>
-            <a:fontRef idx="minor">
-              <a:schemeClr val="lt1"/>
-            </a:fontRef>
-          </p:style>
-        </p:sp>
-        <p:sp>
-          <p:nvSpPr>
-            <p:cNvPr id="85" name="Овал 4"/>
-            <p:cNvSpPr/>
-            <p:nvPr/>
-          </p:nvSpPr>
-          <p:spPr>
-            <a:xfrm>
-              <a:off x="2356150" y="564109"/>
-              <a:ext cx="766245" cy="766245"/>
-            </a:xfrm>
-            <a:prstGeom prst="rect">
-              <a:avLst/>
-            </a:prstGeom>
-          </p:spPr>
-          <p:style>
-            <a:lnRef idx="0">
-              <a:scrgbClr r="0" g="0" b="0"/>
-            </a:lnRef>
-            <a:fillRef idx="0">
-              <a:scrgbClr r="0" g="0" b="0"/>
-            </a:fillRef>
-            <a:effectRef idx="0">
-              <a:scrgbClr r="0" g="0" b="0"/>
-            </a:effectRef>
-            <a:fontRef idx="minor">
-              <a:schemeClr val="lt1"/>
-            </a:fontRef>
-          </p:style>
-          <p:txBody>
-            <a:bodyPr spcFirstLastPara="0" vert="horz" wrap="square" lIns="10795" tIns="10795" rIns="10795" bIns="10795" numCol="1" spcCol="1270" anchor="ctr" anchorCtr="0">
-              <a:noAutofit/>
-            </a:bodyPr>
-            <a:lstStyle/>
-            <a:p>
-              <a:pPr lvl="0" algn="ctr" defTabSz="755650">
-                <a:lnSpc>
-                  <a:spcPct val="90000"/>
-                </a:lnSpc>
-                <a:spcBef>
-                  <a:spcPct val="0"/>
-                </a:spcBef>
-                <a:spcAft>
-                  <a:spcPct val="35000"/>
-                </a:spcAft>
-              </a:pPr>
-              <a:r>
-                <a:rPr lang="en-US" sz="1600" kern="1200" dirty="0" smtClean="0"/>
-                <a:t>Search</a:t>
-              </a:r>
-            </a:p>
-            <a:p>
-              <a:pPr lvl="0" algn="ctr" defTabSz="755650">
-                <a:lnSpc>
-                  <a:spcPct val="90000"/>
-                </a:lnSpc>
-                <a:spcBef>
-                  <a:spcPct val="0"/>
-                </a:spcBef>
-                <a:spcAft>
-                  <a:spcPct val="35000"/>
-                </a:spcAft>
-              </a:pPr>
-              <a:r>
-                <a:rPr lang="en-US" sz="1700" kern="1200" dirty="0" smtClean="0"/>
-                <a:t>Engine</a:t>
-              </a:r>
-              <a:endParaRPr lang="ru-RU" sz="1700" kern="1200" dirty="0"/>
-            </a:p>
-          </p:txBody>
-        </p:sp>
-      </p:grpSp>
       <p:sp>
         <p:nvSpPr>
           <p:cNvPr id="86" name="Стрелка вправо 85"/>
@@ -29797,7 +29998,7 @@
         </p:nvSpPr>
         <p:spPr>
           <a:xfrm rot="16200000">
-            <a:off x="3885202" y="4584671"/>
+            <a:off x="3399357" y="4569175"/>
             <a:ext cx="525014" cy="484632"/>
           </a:xfrm>
           <a:prstGeom prst="rightArrow">
@@ -29837,7 +30038,7 @@
         </p:nvGrpSpPr>
         <p:grpSpPr>
           <a:xfrm>
-            <a:off x="10294513" y="5153890"/>
+            <a:off x="10952838" y="5102824"/>
             <a:ext cx="900000" cy="900000"/>
             <a:chOff x="5151860" y="405415"/>
             <a:chExt cx="1083633" cy="1083633"/>
@@ -29965,7 +30166,7 @@
         </p:blipFill>
         <p:spPr>
           <a:xfrm>
-            <a:off x="508822" y="2652679"/>
+            <a:off x="323204" y="2623849"/>
             <a:ext cx="1250395" cy="1768506"/>
           </a:xfrm>
           <a:prstGeom prst="rect">
@@ -29995,7 +30196,7 @@
         </p:blipFill>
         <p:spPr>
           <a:xfrm>
-            <a:off x="2210781" y="2655720"/>
+            <a:off x="1652939" y="2732393"/>
             <a:ext cx="1411202" cy="1995945"/>
           </a:xfrm>
           <a:prstGeom prst="rect">
@@ -30025,7 +30226,7 @@
         </p:blipFill>
         <p:spPr>
           <a:xfrm>
-            <a:off x="2203648" y="3599129"/>
+            <a:off x="1666301" y="3404765"/>
             <a:ext cx="1470499" cy="2079812"/>
           </a:xfrm>
           <a:prstGeom prst="rect">
@@ -30055,7 +30256,7 @@
         </p:blipFill>
         <p:spPr>
           <a:xfrm>
-            <a:off x="4935427" y="3679805"/>
+            <a:off x="3889500" y="3424390"/>
             <a:ext cx="1411202" cy="1995945"/>
           </a:xfrm>
           <a:prstGeom prst="rect">
@@ -30085,7 +30286,7 @@
         </p:blipFill>
         <p:spPr>
           <a:xfrm>
-            <a:off x="5038968" y="3093549"/>
+            <a:off x="4380882" y="2849245"/>
             <a:ext cx="1250395" cy="1768506"/>
           </a:xfrm>
           <a:prstGeom prst="rect">
@@ -30096,15 +30297,17 @@
       <p:grpSp>
         <p:nvGrpSpPr>
           <p:cNvPr id="91" name="Группа 90"/>
-          <p:cNvGrpSpPr/>
+          <p:cNvGrpSpPr>
+            <a:grpSpLocks noChangeAspect="1"/>
+          </p:cNvGrpSpPr>
           <p:nvPr/>
         </p:nvGrpSpPr>
         <p:grpSpPr>
           <a:xfrm>
-            <a:off x="3009796" y="937585"/>
-            <a:ext cx="1800000" cy="1800000"/>
-            <a:chOff x="6093193" y="1986699"/>
-            <a:chExt cx="1440000" cy="1442301"/>
+            <a:off x="2601602" y="908592"/>
+            <a:ext cx="1555226" cy="1692000"/>
+            <a:chOff x="6093193" y="1986700"/>
+            <a:chExt cx="1440000" cy="1442300"/>
           </a:xfrm>
         </p:grpSpPr>
         <p:grpSp>
@@ -30115,10 +30318,10 @@
           </p:nvGrpSpPr>
           <p:grpSpPr>
             <a:xfrm>
-              <a:off x="6093193" y="1986699"/>
-              <a:ext cx="1440000" cy="1440000"/>
+              <a:off x="6093193" y="1986700"/>
+              <a:ext cx="1440000" cy="1440484"/>
               <a:chOff x="8438075" y="2424393"/>
-              <a:chExt cx="1620003" cy="1620003"/>
+              <a:chExt cx="1620003" cy="1620547"/>
             </a:xfrm>
           </p:grpSpPr>
           <p:sp>
@@ -30130,7 +30333,7 @@
             <p:spPr>
               <a:xfrm>
                 <a:off x="8438075" y="2424393"/>
-                <a:ext cx="1620003" cy="1620003"/>
+                <a:ext cx="1620003" cy="1620547"/>
               </a:xfrm>
               <a:prstGeom prst="roundRect">
                 <a:avLst/>
@@ -30277,37 +30480,18 @@
             <a:lstStyle/>
             <a:p>
               <a:pPr algn="ctr"/>
-              <a:r>
-                <a:rPr lang="ru-RU" sz="1100" dirty="0">
-                  <a:solidFill>
-                    <a:schemeClr val="tx1"/>
-                  </a:solidFill>
-                </a:rPr>
-                <a:t>Получить </a:t>
-              </a:r>
-              <a:r>
-                <a:rPr lang="ru-RU" sz="1100" dirty="0" smtClean="0">
-                  <a:solidFill>
-                    <a:schemeClr val="tx1"/>
-                  </a:solidFill>
-                </a:rPr>
-                <a:t>список путей </a:t>
-              </a:r>
-              <a:r>
-                <a:rPr lang="ru-RU" sz="1100" dirty="0">
-                  <a:solidFill>
-                    <a:schemeClr val="tx1"/>
-                  </a:solidFill>
-                </a:rPr>
-                <a:t>файлов документов</a:t>
-              </a:r>
+              <a:endParaRPr lang="ru-RU" sz="1100" dirty="0">
+                <a:solidFill>
+                  <a:schemeClr val="tx1"/>
+                </a:solidFill>
+              </a:endParaRPr>
             </a:p>
           </p:txBody>
         </p:sp>
       </p:grpSp>
       <p:pic>
         <p:nvPicPr>
-          <p:cNvPr id="96" name="Рисунок 95"/>
+          <p:cNvPr id="9" name="Рисунок 8"/>
           <p:cNvPicPr>
             <a:picLocks noChangeAspect="1"/>
           </p:cNvPicPr>
@@ -30327,8 +30511,8 @@
         </p:blipFill>
         <p:spPr>
           <a:xfrm>
-            <a:off x="3379593" y="1490944"/>
-            <a:ext cx="796407" cy="1126404"/>
+            <a:off x="3035679" y="1371283"/>
+            <a:ext cx="662506" cy="937021"/>
           </a:xfrm>
           <a:prstGeom prst="rect">
             <a:avLst/>
@@ -30337,7 +30521,7 @@
       </p:pic>
       <p:pic>
         <p:nvPicPr>
-          <p:cNvPr id="97" name="Рисунок 96"/>
+          <p:cNvPr id="61" name="Рисунок 60"/>
           <p:cNvPicPr>
             <a:picLocks noChangeAspect="1"/>
           </p:cNvPicPr>
@@ -30357,8 +30541,1292 @@
         </p:blipFill>
         <p:spPr>
           <a:xfrm>
-            <a:off x="2951645" y="1517097"/>
-            <a:ext cx="732847" cy="1036507"/>
+            <a:off x="2560874" y="1320452"/>
+            <a:ext cx="707820" cy="1001110"/>
+          </a:xfrm>
+          <a:prstGeom prst="rect">
+            <a:avLst/>
+          </a:prstGeom>
+        </p:spPr>
+      </p:pic>
+      <p:grpSp>
+        <p:nvGrpSpPr>
+          <p:cNvPr id="62" name="Группа 61"/>
+          <p:cNvGrpSpPr/>
+          <p:nvPr/>
+        </p:nvGrpSpPr>
+        <p:grpSpPr>
+          <a:xfrm>
+            <a:off x="4241188" y="834260"/>
+            <a:ext cx="1800000" cy="1800000"/>
+            <a:chOff x="6093193" y="1986699"/>
+            <a:chExt cx="1440000" cy="1442301"/>
+          </a:xfrm>
+        </p:grpSpPr>
+        <p:grpSp>
+          <p:nvGrpSpPr>
+            <p:cNvPr id="63" name="Группа 62"/>
+            <p:cNvGrpSpPr/>
+            <p:nvPr/>
+          </p:nvGrpSpPr>
+          <p:grpSpPr>
+            <a:xfrm>
+              <a:off x="6093193" y="1986699"/>
+              <a:ext cx="1440000" cy="1440000"/>
+              <a:chOff x="8438075" y="2424393"/>
+              <a:chExt cx="1620003" cy="1620003"/>
+            </a:xfrm>
+          </p:grpSpPr>
+          <p:sp>
+            <p:nvSpPr>
+              <p:cNvPr id="65" name="Скругленный прямоугольник 64"/>
+              <p:cNvSpPr/>
+              <p:nvPr/>
+            </p:nvSpPr>
+            <p:spPr>
+              <a:xfrm>
+                <a:off x="8438075" y="2424393"/>
+                <a:ext cx="1620003" cy="1620003"/>
+              </a:xfrm>
+              <a:prstGeom prst="roundRect">
+                <a:avLst/>
+              </a:prstGeom>
+            </p:spPr>
+            <p:style>
+              <a:lnRef idx="2">
+                <a:schemeClr val="lt1">
+                  <a:hueOff val="0"/>
+                  <a:satOff val="0"/>
+                  <a:lumOff val="0"/>
+                  <a:alphaOff val="0"/>
+                </a:schemeClr>
+              </a:lnRef>
+              <a:fillRef idx="1">
+                <a:schemeClr val="accent1">
+                  <a:hueOff val="0"/>
+                  <a:satOff val="0"/>
+                  <a:lumOff val="0"/>
+                  <a:alphaOff val="0"/>
+                </a:schemeClr>
+              </a:fillRef>
+              <a:effectRef idx="0">
+                <a:schemeClr val="accent1">
+                  <a:hueOff val="0"/>
+                  <a:satOff val="0"/>
+                  <a:lumOff val="0"/>
+                  <a:alphaOff val="0"/>
+                </a:schemeClr>
+              </a:effectRef>
+              <a:fontRef idx="minor">
+                <a:schemeClr val="lt1"/>
+              </a:fontRef>
+            </p:style>
+          </p:sp>
+          <p:sp>
+            <p:nvSpPr>
+              <p:cNvPr id="67" name="Скругленный прямоугольник 4"/>
+              <p:cNvSpPr/>
+              <p:nvPr/>
+            </p:nvSpPr>
+            <p:spPr>
+              <a:xfrm>
+                <a:off x="8517157" y="2503475"/>
+                <a:ext cx="1461839" cy="1461839"/>
+              </a:xfrm>
+              <a:prstGeom prst="rect">
+                <a:avLst/>
+              </a:prstGeom>
+            </p:spPr>
+            <p:style>
+              <a:lnRef idx="0">
+                <a:scrgbClr r="0" g="0" b="0"/>
+              </a:lnRef>
+              <a:fillRef idx="0">
+                <a:scrgbClr r="0" g="0" b="0"/>
+              </a:fillRef>
+              <a:effectRef idx="0">
+                <a:scrgbClr r="0" g="0" b="0"/>
+              </a:effectRef>
+              <a:fontRef idx="minor">
+                <a:schemeClr val="lt1"/>
+              </a:fontRef>
+            </p:style>
+            <p:txBody>
+              <a:bodyPr spcFirstLastPara="0" vert="horz" wrap="square" lIns="50800" tIns="50800" rIns="50800" bIns="50800" numCol="1" spcCol="1270" anchor="t" anchorCtr="0">
+                <a:noAutofit/>
+              </a:bodyPr>
+              <a:lstStyle/>
+              <a:p>
+                <a:pPr lvl="0" algn="ctr" defTabSz="889000">
+                  <a:lnSpc>
+                    <a:spcPct val="90000"/>
+                  </a:lnSpc>
+                  <a:spcBef>
+                    <a:spcPct val="0"/>
+                  </a:spcBef>
+                  <a:spcAft>
+                    <a:spcPct val="35000"/>
+                  </a:spcAft>
+                </a:pPr>
+                <a:r>
+                  <a:rPr lang="en-US" sz="1100" dirty="0"/>
+                  <a:t>Documents</a:t>
+                </a:r>
+                <a:endParaRPr lang="ru-RU" sz="1100" b="1" kern="1200" dirty="0"/>
+              </a:p>
+            </p:txBody>
+          </p:sp>
+        </p:grpSp>
+        <p:sp>
+          <p:nvSpPr>
+            <p:cNvPr id="64" name="Прямоугольник 63"/>
+            <p:cNvSpPr/>
+            <p:nvPr/>
+          </p:nvSpPr>
+          <p:spPr>
+            <a:xfrm>
+              <a:off x="6096000" y="3067050"/>
+              <a:ext cx="1437193" cy="361950"/>
+            </a:xfrm>
+            <a:prstGeom prst="rect">
+              <a:avLst/>
+            </a:prstGeom>
+            <a:solidFill>
+              <a:schemeClr val="accent1">
+                <a:lumMod val="40000"/>
+                <a:lumOff val="60000"/>
+              </a:schemeClr>
+            </a:solidFill>
+          </p:spPr>
+          <p:style>
+            <a:lnRef idx="2">
+              <a:schemeClr val="lt1">
+                <a:hueOff val="0"/>
+                <a:satOff val="0"/>
+                <a:lumOff val="0"/>
+                <a:alphaOff val="0"/>
+              </a:schemeClr>
+            </a:lnRef>
+            <a:fillRef idx="1">
+              <a:scrgbClr r="0" g="0" b="0"/>
+            </a:fillRef>
+            <a:effectRef idx="0">
+              <a:schemeClr val="accent1">
+                <a:tint val="50000"/>
+                <a:hueOff val="0"/>
+                <a:satOff val="0"/>
+                <a:lumOff val="0"/>
+                <a:alphaOff val="0"/>
+              </a:schemeClr>
+            </a:effectRef>
+            <a:fontRef idx="minor">
+              <a:schemeClr val="lt1">
+                <a:hueOff val="0"/>
+                <a:satOff val="0"/>
+                <a:lumOff val="0"/>
+                <a:alphaOff val="0"/>
+              </a:schemeClr>
+            </a:fontRef>
+          </p:style>
+          <p:txBody>
+            <a:bodyPr rtlCol="0" anchor="ctr"/>
+            <a:lstStyle/>
+            <a:p>
+              <a:pPr algn="ctr"/>
+              <a:endParaRPr lang="ru-RU" sz="1100" dirty="0">
+                <a:solidFill>
+                  <a:schemeClr val="tx1"/>
+                </a:solidFill>
+              </a:endParaRPr>
+            </a:p>
+          </p:txBody>
+        </p:sp>
+      </p:grpSp>
+      <p:grpSp>
+        <p:nvGrpSpPr>
+          <p:cNvPr id="76" name="Группа 75"/>
+          <p:cNvGrpSpPr/>
+          <p:nvPr/>
+        </p:nvGrpSpPr>
+        <p:grpSpPr>
+          <a:xfrm>
+            <a:off x="6121255" y="841517"/>
+            <a:ext cx="1800000" cy="1800000"/>
+            <a:chOff x="6093193" y="1986699"/>
+            <a:chExt cx="1440000" cy="1442301"/>
+          </a:xfrm>
+        </p:grpSpPr>
+        <p:grpSp>
+          <p:nvGrpSpPr>
+            <p:cNvPr id="98" name="Группа 97"/>
+            <p:cNvGrpSpPr/>
+            <p:nvPr/>
+          </p:nvGrpSpPr>
+          <p:grpSpPr>
+            <a:xfrm>
+              <a:off x="6093193" y="1986699"/>
+              <a:ext cx="1440000" cy="1440000"/>
+              <a:chOff x="8438075" y="2424393"/>
+              <a:chExt cx="1620003" cy="1620003"/>
+            </a:xfrm>
+          </p:grpSpPr>
+          <p:sp>
+            <p:nvSpPr>
+              <p:cNvPr id="100" name="Скругленный прямоугольник 99"/>
+              <p:cNvSpPr/>
+              <p:nvPr/>
+            </p:nvSpPr>
+            <p:spPr>
+              <a:xfrm>
+                <a:off x="8438075" y="2424393"/>
+                <a:ext cx="1620003" cy="1620003"/>
+              </a:xfrm>
+              <a:prstGeom prst="roundRect">
+                <a:avLst/>
+              </a:prstGeom>
+            </p:spPr>
+            <p:style>
+              <a:lnRef idx="2">
+                <a:schemeClr val="lt1">
+                  <a:hueOff val="0"/>
+                  <a:satOff val="0"/>
+                  <a:lumOff val="0"/>
+                  <a:alphaOff val="0"/>
+                </a:schemeClr>
+              </a:lnRef>
+              <a:fillRef idx="1">
+                <a:schemeClr val="accent1">
+                  <a:hueOff val="0"/>
+                  <a:satOff val="0"/>
+                  <a:lumOff val="0"/>
+                  <a:alphaOff val="0"/>
+                </a:schemeClr>
+              </a:fillRef>
+              <a:effectRef idx="0">
+                <a:schemeClr val="accent1">
+                  <a:hueOff val="0"/>
+                  <a:satOff val="0"/>
+                  <a:lumOff val="0"/>
+                  <a:alphaOff val="0"/>
+                </a:schemeClr>
+              </a:effectRef>
+              <a:fontRef idx="minor">
+                <a:schemeClr val="lt1"/>
+              </a:fontRef>
+            </p:style>
+          </p:sp>
+          <p:sp>
+            <p:nvSpPr>
+              <p:cNvPr id="101" name="Скругленный прямоугольник 4"/>
+              <p:cNvSpPr/>
+              <p:nvPr/>
+            </p:nvSpPr>
+            <p:spPr>
+              <a:xfrm>
+                <a:off x="8517157" y="2503475"/>
+                <a:ext cx="1461839" cy="1461839"/>
+              </a:xfrm>
+              <a:prstGeom prst="rect">
+                <a:avLst/>
+              </a:prstGeom>
+            </p:spPr>
+            <p:style>
+              <a:lnRef idx="0">
+                <a:scrgbClr r="0" g="0" b="0"/>
+              </a:lnRef>
+              <a:fillRef idx="0">
+                <a:scrgbClr r="0" g="0" b="0"/>
+              </a:fillRef>
+              <a:effectRef idx="0">
+                <a:scrgbClr r="0" g="0" b="0"/>
+              </a:effectRef>
+              <a:fontRef idx="minor">
+                <a:schemeClr val="lt1"/>
+              </a:fontRef>
+            </p:style>
+            <p:txBody>
+              <a:bodyPr spcFirstLastPara="0" vert="horz" wrap="square" lIns="50800" tIns="50800" rIns="50800" bIns="50800" numCol="1" spcCol="1270" anchor="t" anchorCtr="0">
+                <a:noAutofit/>
+              </a:bodyPr>
+              <a:lstStyle/>
+              <a:p>
+                <a:pPr lvl="0" algn="ctr" defTabSz="755650">
+                  <a:lnSpc>
+                    <a:spcPct val="90000"/>
+                  </a:lnSpc>
+                  <a:spcBef>
+                    <a:spcPct val="0"/>
+                  </a:spcBef>
+                  <a:spcAft>
+                    <a:spcPct val="35000"/>
+                  </a:spcAft>
+                </a:pPr>
+                <a:r>
+                  <a:rPr lang="en-US" sz="1100" dirty="0"/>
+                  <a:t>Inverted</a:t>
+                </a:r>
+              </a:p>
+              <a:p>
+                <a:pPr lvl="0" algn="ctr" defTabSz="755650">
+                  <a:lnSpc>
+                    <a:spcPct val="90000"/>
+                  </a:lnSpc>
+                  <a:spcBef>
+                    <a:spcPct val="0"/>
+                  </a:spcBef>
+                  <a:spcAft>
+                    <a:spcPct val="35000"/>
+                  </a:spcAft>
+                </a:pPr>
+                <a:r>
+                  <a:rPr lang="en-US" sz="1100" dirty="0"/>
+                  <a:t>Index</a:t>
+                </a:r>
+                <a:endParaRPr lang="ru-RU" sz="1100" dirty="0"/>
+              </a:p>
+              <a:p>
+                <a:pPr lvl="0" algn="ctr" defTabSz="889000">
+                  <a:lnSpc>
+                    <a:spcPct val="90000"/>
+                  </a:lnSpc>
+                  <a:spcBef>
+                    <a:spcPct val="0"/>
+                  </a:spcBef>
+                  <a:spcAft>
+                    <a:spcPct val="35000"/>
+                  </a:spcAft>
+                </a:pPr>
+                <a:endParaRPr lang="ru-RU" sz="1100" b="1" kern="1200" dirty="0"/>
+              </a:p>
+            </p:txBody>
+          </p:sp>
+        </p:grpSp>
+        <p:sp>
+          <p:nvSpPr>
+            <p:cNvPr id="99" name="Прямоугольник 98"/>
+            <p:cNvSpPr/>
+            <p:nvPr/>
+          </p:nvSpPr>
+          <p:spPr>
+            <a:xfrm>
+              <a:off x="6096000" y="3067050"/>
+              <a:ext cx="1437193" cy="361950"/>
+            </a:xfrm>
+            <a:prstGeom prst="rect">
+              <a:avLst/>
+            </a:prstGeom>
+            <a:solidFill>
+              <a:schemeClr val="accent1">
+                <a:lumMod val="40000"/>
+                <a:lumOff val="60000"/>
+              </a:schemeClr>
+            </a:solidFill>
+          </p:spPr>
+          <p:style>
+            <a:lnRef idx="2">
+              <a:schemeClr val="lt1">
+                <a:hueOff val="0"/>
+                <a:satOff val="0"/>
+                <a:lumOff val="0"/>
+                <a:alphaOff val="0"/>
+              </a:schemeClr>
+            </a:lnRef>
+            <a:fillRef idx="1">
+              <a:scrgbClr r="0" g="0" b="0"/>
+            </a:fillRef>
+            <a:effectRef idx="0">
+              <a:schemeClr val="accent1">
+                <a:tint val="50000"/>
+                <a:hueOff val="0"/>
+                <a:satOff val="0"/>
+                <a:lumOff val="0"/>
+                <a:alphaOff val="0"/>
+              </a:schemeClr>
+            </a:effectRef>
+            <a:fontRef idx="minor">
+              <a:schemeClr val="lt1">
+                <a:hueOff val="0"/>
+                <a:satOff val="0"/>
+                <a:lumOff val="0"/>
+                <a:alphaOff val="0"/>
+              </a:schemeClr>
+            </a:fontRef>
+          </p:style>
+          <p:txBody>
+            <a:bodyPr rtlCol="0" anchor="ctr"/>
+            <a:lstStyle/>
+            <a:p>
+              <a:pPr algn="ctr"/>
+              <a:endParaRPr lang="ru-RU" sz="1100" dirty="0">
+                <a:solidFill>
+                  <a:schemeClr val="tx1"/>
+                </a:solidFill>
+              </a:endParaRPr>
+            </a:p>
+          </p:txBody>
+        </p:sp>
+      </p:grpSp>
+      <p:pic>
+        <p:nvPicPr>
+          <p:cNvPr id="102" name="Рисунок 101"/>
+          <p:cNvPicPr>
+            <a:picLocks noChangeAspect="1"/>
+          </p:cNvPicPr>
+          <p:nvPr/>
+        </p:nvPicPr>
+        <p:blipFill>
+          <a:blip r:embed="rId10" cstate="print">
+            <a:extLst>
+              <a:ext uri="{28A0092B-C50C-407E-A947-70E740481C1C}">
+                <a14:useLocalDpi xmlns:a14="http://schemas.microsoft.com/office/drawing/2010/main" val="0"/>
+              </a:ext>
+            </a:extLst>
+          </a:blip>
+          <a:stretch>
+            <a:fillRect/>
+          </a:stretch>
+        </p:blipFill>
+        <p:spPr>
+          <a:xfrm>
+            <a:off x="6132829" y="1614852"/>
+            <a:ext cx="450738" cy="637505"/>
+          </a:xfrm>
+          <a:prstGeom prst="rect">
+            <a:avLst/>
+          </a:prstGeom>
+        </p:spPr>
+      </p:pic>
+      <p:grpSp>
+        <p:nvGrpSpPr>
+          <p:cNvPr id="104" name="Группа 103"/>
+          <p:cNvGrpSpPr/>
+          <p:nvPr/>
+        </p:nvGrpSpPr>
+        <p:grpSpPr>
+          <a:xfrm>
+            <a:off x="7979153" y="838645"/>
+            <a:ext cx="1800000" cy="1800000"/>
+            <a:chOff x="6093193" y="1986699"/>
+            <a:chExt cx="1440000" cy="1442301"/>
+          </a:xfrm>
+        </p:grpSpPr>
+        <p:grpSp>
+          <p:nvGrpSpPr>
+            <p:cNvPr id="105" name="Группа 104"/>
+            <p:cNvGrpSpPr/>
+            <p:nvPr/>
+          </p:nvGrpSpPr>
+          <p:grpSpPr>
+            <a:xfrm>
+              <a:off x="6093193" y="1986699"/>
+              <a:ext cx="1440000" cy="1440000"/>
+              <a:chOff x="8438075" y="2424393"/>
+              <a:chExt cx="1620003" cy="1620003"/>
+            </a:xfrm>
+          </p:grpSpPr>
+          <p:sp>
+            <p:nvSpPr>
+              <p:cNvPr id="107" name="Скругленный прямоугольник 106"/>
+              <p:cNvSpPr/>
+              <p:nvPr/>
+            </p:nvSpPr>
+            <p:spPr>
+              <a:xfrm>
+                <a:off x="8438075" y="2424393"/>
+                <a:ext cx="1620003" cy="1620003"/>
+              </a:xfrm>
+              <a:prstGeom prst="roundRect">
+                <a:avLst/>
+              </a:prstGeom>
+            </p:spPr>
+            <p:style>
+              <a:lnRef idx="2">
+                <a:schemeClr val="lt1">
+                  <a:hueOff val="0"/>
+                  <a:satOff val="0"/>
+                  <a:lumOff val="0"/>
+                  <a:alphaOff val="0"/>
+                </a:schemeClr>
+              </a:lnRef>
+              <a:fillRef idx="1">
+                <a:schemeClr val="accent1">
+                  <a:hueOff val="0"/>
+                  <a:satOff val="0"/>
+                  <a:lumOff val="0"/>
+                  <a:alphaOff val="0"/>
+                </a:schemeClr>
+              </a:fillRef>
+              <a:effectRef idx="0">
+                <a:schemeClr val="accent1">
+                  <a:hueOff val="0"/>
+                  <a:satOff val="0"/>
+                  <a:lumOff val="0"/>
+                  <a:alphaOff val="0"/>
+                </a:schemeClr>
+              </a:effectRef>
+              <a:fontRef idx="minor">
+                <a:schemeClr val="lt1"/>
+              </a:fontRef>
+            </p:style>
+          </p:sp>
+          <p:sp>
+            <p:nvSpPr>
+              <p:cNvPr id="108" name="Скругленный прямоугольник 4"/>
+              <p:cNvSpPr/>
+              <p:nvPr/>
+            </p:nvSpPr>
+            <p:spPr>
+              <a:xfrm>
+                <a:off x="8517157" y="2503475"/>
+                <a:ext cx="1461839" cy="1461839"/>
+              </a:xfrm>
+              <a:prstGeom prst="rect">
+                <a:avLst/>
+              </a:prstGeom>
+            </p:spPr>
+            <p:style>
+              <a:lnRef idx="0">
+                <a:scrgbClr r="0" g="0" b="0"/>
+              </a:lnRef>
+              <a:fillRef idx="0">
+                <a:scrgbClr r="0" g="0" b="0"/>
+              </a:fillRef>
+              <a:effectRef idx="0">
+                <a:scrgbClr r="0" g="0" b="0"/>
+              </a:effectRef>
+              <a:fontRef idx="minor">
+                <a:schemeClr val="lt1"/>
+              </a:fontRef>
+            </p:style>
+            <p:txBody>
+              <a:bodyPr spcFirstLastPara="0" vert="horz" wrap="square" lIns="50800" tIns="50800" rIns="50800" bIns="50800" numCol="1" spcCol="1270" anchor="t" anchorCtr="0">
+                <a:noAutofit/>
+              </a:bodyPr>
+              <a:lstStyle/>
+              <a:p>
+                <a:pPr lvl="0" algn="ctr" defTabSz="889000">
+                  <a:lnSpc>
+                    <a:spcPct val="90000"/>
+                  </a:lnSpc>
+                  <a:spcBef>
+                    <a:spcPct val="0"/>
+                  </a:spcBef>
+                  <a:spcAft>
+                    <a:spcPct val="35000"/>
+                  </a:spcAft>
+                </a:pPr>
+                <a:r>
+                  <a:rPr lang="en-US" sz="1100" dirty="0"/>
+                  <a:t>Requests</a:t>
+                </a:r>
+                <a:endParaRPr lang="ru-RU" sz="1100" b="1" kern="1200" dirty="0"/>
+              </a:p>
+            </p:txBody>
+          </p:sp>
+        </p:grpSp>
+        <p:sp>
+          <p:nvSpPr>
+            <p:cNvPr id="106" name="Прямоугольник 105"/>
+            <p:cNvSpPr/>
+            <p:nvPr/>
+          </p:nvSpPr>
+          <p:spPr>
+            <a:xfrm>
+              <a:off x="6096000" y="3067050"/>
+              <a:ext cx="1437193" cy="361950"/>
+            </a:xfrm>
+            <a:prstGeom prst="rect">
+              <a:avLst/>
+            </a:prstGeom>
+            <a:solidFill>
+              <a:schemeClr val="accent1">
+                <a:lumMod val="40000"/>
+                <a:lumOff val="60000"/>
+              </a:schemeClr>
+            </a:solidFill>
+          </p:spPr>
+          <p:style>
+            <a:lnRef idx="2">
+              <a:schemeClr val="lt1">
+                <a:hueOff val="0"/>
+                <a:satOff val="0"/>
+                <a:lumOff val="0"/>
+                <a:alphaOff val="0"/>
+              </a:schemeClr>
+            </a:lnRef>
+            <a:fillRef idx="1">
+              <a:scrgbClr r="0" g="0" b="0"/>
+            </a:fillRef>
+            <a:effectRef idx="0">
+              <a:schemeClr val="accent1">
+                <a:tint val="50000"/>
+                <a:hueOff val="0"/>
+                <a:satOff val="0"/>
+                <a:lumOff val="0"/>
+                <a:alphaOff val="0"/>
+              </a:schemeClr>
+            </a:effectRef>
+            <a:fontRef idx="minor">
+              <a:schemeClr val="lt1">
+                <a:hueOff val="0"/>
+                <a:satOff val="0"/>
+                <a:lumOff val="0"/>
+                <a:alphaOff val="0"/>
+              </a:schemeClr>
+            </a:fontRef>
+          </p:style>
+          <p:txBody>
+            <a:bodyPr rtlCol="0" anchor="ctr"/>
+            <a:lstStyle/>
+            <a:p>
+              <a:pPr algn="ctr"/>
+              <a:endParaRPr lang="ru-RU" sz="1100" dirty="0">
+                <a:solidFill>
+                  <a:schemeClr val="tx1"/>
+                </a:solidFill>
+              </a:endParaRPr>
+            </a:p>
+          </p:txBody>
+        </p:sp>
+      </p:grpSp>
+      <p:grpSp>
+        <p:nvGrpSpPr>
+          <p:cNvPr id="110" name="Группа 109"/>
+          <p:cNvGrpSpPr/>
+          <p:nvPr/>
+        </p:nvGrpSpPr>
+        <p:grpSpPr>
+          <a:xfrm>
+            <a:off x="9832253" y="824500"/>
+            <a:ext cx="1800000" cy="1800000"/>
+            <a:chOff x="6093193" y="1986699"/>
+            <a:chExt cx="1440000" cy="1442301"/>
+          </a:xfrm>
+        </p:grpSpPr>
+        <p:grpSp>
+          <p:nvGrpSpPr>
+            <p:cNvPr id="111" name="Группа 110"/>
+            <p:cNvGrpSpPr/>
+            <p:nvPr/>
+          </p:nvGrpSpPr>
+          <p:grpSpPr>
+            <a:xfrm>
+              <a:off x="6093193" y="1986699"/>
+              <a:ext cx="1440000" cy="1440000"/>
+              <a:chOff x="8438075" y="2424393"/>
+              <a:chExt cx="1620003" cy="1620003"/>
+            </a:xfrm>
+          </p:grpSpPr>
+          <p:sp>
+            <p:nvSpPr>
+              <p:cNvPr id="113" name="Скругленный прямоугольник 112"/>
+              <p:cNvSpPr/>
+              <p:nvPr/>
+            </p:nvSpPr>
+            <p:spPr>
+              <a:xfrm>
+                <a:off x="8438075" y="2424393"/>
+                <a:ext cx="1620003" cy="1620003"/>
+              </a:xfrm>
+              <a:prstGeom prst="roundRect">
+                <a:avLst/>
+              </a:prstGeom>
+            </p:spPr>
+            <p:style>
+              <a:lnRef idx="2">
+                <a:schemeClr val="lt1">
+                  <a:hueOff val="0"/>
+                  <a:satOff val="0"/>
+                  <a:lumOff val="0"/>
+                  <a:alphaOff val="0"/>
+                </a:schemeClr>
+              </a:lnRef>
+              <a:fillRef idx="1">
+                <a:schemeClr val="accent1">
+                  <a:hueOff val="0"/>
+                  <a:satOff val="0"/>
+                  <a:lumOff val="0"/>
+                  <a:alphaOff val="0"/>
+                </a:schemeClr>
+              </a:fillRef>
+              <a:effectRef idx="0">
+                <a:schemeClr val="accent1">
+                  <a:hueOff val="0"/>
+                  <a:satOff val="0"/>
+                  <a:lumOff val="0"/>
+                  <a:alphaOff val="0"/>
+                </a:schemeClr>
+              </a:effectRef>
+              <a:fontRef idx="minor">
+                <a:schemeClr val="lt1"/>
+              </a:fontRef>
+            </p:style>
+          </p:sp>
+          <p:sp>
+            <p:nvSpPr>
+              <p:cNvPr id="114" name="Скругленный прямоугольник 4"/>
+              <p:cNvSpPr/>
+              <p:nvPr/>
+            </p:nvSpPr>
+            <p:spPr>
+              <a:xfrm>
+                <a:off x="8517157" y="2503475"/>
+                <a:ext cx="1461839" cy="1461839"/>
+              </a:xfrm>
+              <a:prstGeom prst="rect">
+                <a:avLst/>
+              </a:prstGeom>
+            </p:spPr>
+            <p:style>
+              <a:lnRef idx="0">
+                <a:scrgbClr r="0" g="0" b="0"/>
+              </a:lnRef>
+              <a:fillRef idx="0">
+                <a:scrgbClr r="0" g="0" b="0"/>
+              </a:fillRef>
+              <a:effectRef idx="0">
+                <a:scrgbClr r="0" g="0" b="0"/>
+              </a:effectRef>
+              <a:fontRef idx="minor">
+                <a:schemeClr val="lt1"/>
+              </a:fontRef>
+            </p:style>
+            <p:txBody>
+              <a:bodyPr spcFirstLastPara="0" vert="horz" wrap="square" lIns="50800" tIns="50800" rIns="50800" bIns="50800" numCol="1" spcCol="1270" anchor="t" anchorCtr="0">
+                <a:noAutofit/>
+              </a:bodyPr>
+              <a:lstStyle/>
+              <a:p>
+                <a:pPr lvl="0" algn="ctr" defTabSz="622300">
+                  <a:lnSpc>
+                    <a:spcPct val="90000"/>
+                  </a:lnSpc>
+                  <a:spcBef>
+                    <a:spcPct val="0"/>
+                  </a:spcBef>
+                  <a:spcAft>
+                    <a:spcPct val="35000"/>
+                  </a:spcAft>
+                </a:pPr>
+                <a:r>
+                  <a:rPr lang="en-US" sz="1100" dirty="0"/>
+                  <a:t>Relevant</a:t>
+                </a:r>
+              </a:p>
+              <a:p>
+                <a:pPr lvl="0" algn="ctr" defTabSz="622300">
+                  <a:lnSpc>
+                    <a:spcPct val="90000"/>
+                  </a:lnSpc>
+                  <a:spcBef>
+                    <a:spcPct val="0"/>
+                  </a:spcBef>
+                  <a:spcAft>
+                    <a:spcPct val="35000"/>
+                  </a:spcAft>
+                </a:pPr>
+                <a:r>
+                  <a:rPr lang="en-US" sz="1100" dirty="0"/>
+                  <a:t>Response</a:t>
+                </a:r>
+                <a:endParaRPr lang="ru-RU" sz="1100" dirty="0"/>
+              </a:p>
+              <a:p>
+                <a:pPr lvl="0" algn="ctr" defTabSz="889000">
+                  <a:lnSpc>
+                    <a:spcPct val="90000"/>
+                  </a:lnSpc>
+                  <a:spcBef>
+                    <a:spcPct val="0"/>
+                  </a:spcBef>
+                  <a:spcAft>
+                    <a:spcPct val="35000"/>
+                  </a:spcAft>
+                </a:pPr>
+                <a:endParaRPr lang="ru-RU" sz="1100" b="1" kern="1200" dirty="0"/>
+              </a:p>
+            </p:txBody>
+          </p:sp>
+        </p:grpSp>
+        <p:sp>
+          <p:nvSpPr>
+            <p:cNvPr id="112" name="Прямоугольник 111"/>
+            <p:cNvSpPr/>
+            <p:nvPr/>
+          </p:nvSpPr>
+          <p:spPr>
+            <a:xfrm>
+              <a:off x="6096000" y="3067050"/>
+              <a:ext cx="1437193" cy="361950"/>
+            </a:xfrm>
+            <a:prstGeom prst="rect">
+              <a:avLst/>
+            </a:prstGeom>
+            <a:solidFill>
+              <a:schemeClr val="accent1">
+                <a:lumMod val="40000"/>
+                <a:lumOff val="60000"/>
+              </a:schemeClr>
+            </a:solidFill>
+          </p:spPr>
+          <p:style>
+            <a:lnRef idx="2">
+              <a:schemeClr val="lt1">
+                <a:hueOff val="0"/>
+                <a:satOff val="0"/>
+                <a:lumOff val="0"/>
+                <a:alphaOff val="0"/>
+              </a:schemeClr>
+            </a:lnRef>
+            <a:fillRef idx="1">
+              <a:scrgbClr r="0" g="0" b="0"/>
+            </a:fillRef>
+            <a:effectRef idx="0">
+              <a:schemeClr val="accent1">
+                <a:tint val="50000"/>
+                <a:hueOff val="0"/>
+                <a:satOff val="0"/>
+                <a:lumOff val="0"/>
+                <a:alphaOff val="0"/>
+              </a:schemeClr>
+            </a:effectRef>
+            <a:fontRef idx="minor">
+              <a:schemeClr val="lt1">
+                <a:hueOff val="0"/>
+                <a:satOff val="0"/>
+                <a:lumOff val="0"/>
+                <a:alphaOff val="0"/>
+              </a:schemeClr>
+            </a:fontRef>
+          </p:style>
+          <p:txBody>
+            <a:bodyPr rtlCol="0" anchor="ctr"/>
+            <a:lstStyle/>
+            <a:p>
+              <a:pPr algn="ctr"/>
+              <a:endParaRPr lang="ru-RU" sz="1100" dirty="0">
+                <a:solidFill>
+                  <a:schemeClr val="tx1"/>
+                </a:solidFill>
+              </a:endParaRPr>
+            </a:p>
+          </p:txBody>
+        </p:sp>
+      </p:grpSp>
+      <p:pic>
+        <p:nvPicPr>
+          <p:cNvPr id="115" name="Рисунок 114"/>
+          <p:cNvPicPr>
+            <a:picLocks noChangeAspect="1"/>
+          </p:cNvPicPr>
+          <p:nvPr/>
+        </p:nvPicPr>
+        <p:blipFill>
+          <a:blip r:embed="rId11" cstate="print">
+            <a:extLst>
+              <a:ext uri="{28A0092B-C50C-407E-A947-70E740481C1C}">
+                <a14:useLocalDpi xmlns:a14="http://schemas.microsoft.com/office/drawing/2010/main" val="0"/>
+              </a:ext>
+            </a:extLst>
+          </a:blip>
+          <a:stretch>
+            <a:fillRect/>
+          </a:stretch>
+        </p:blipFill>
+        <p:spPr>
+          <a:xfrm>
+            <a:off x="10173069" y="1661057"/>
+            <a:ext cx="403126" cy="570165"/>
+          </a:xfrm>
+          <a:prstGeom prst="rect">
+            <a:avLst/>
+          </a:prstGeom>
+        </p:spPr>
+      </p:pic>
+      <p:pic>
+        <p:nvPicPr>
+          <p:cNvPr id="116" name="Рисунок 115"/>
+          <p:cNvPicPr>
+            <a:picLocks noChangeAspect="1"/>
+          </p:cNvPicPr>
+          <p:nvPr/>
+        </p:nvPicPr>
+        <p:blipFill>
+          <a:blip r:embed="rId12" cstate="print">
+            <a:extLst>
+              <a:ext uri="{28A0092B-C50C-407E-A947-70E740481C1C}">
+                <a14:useLocalDpi xmlns:a14="http://schemas.microsoft.com/office/drawing/2010/main" val="0"/>
+              </a:ext>
+            </a:extLst>
+          </a:blip>
+          <a:stretch>
+            <a:fillRect/>
+          </a:stretch>
+        </p:blipFill>
+        <p:spPr>
+          <a:xfrm>
+            <a:off x="9892641" y="1671102"/>
+            <a:ext cx="382749" cy="541344"/>
+          </a:xfrm>
+          <a:prstGeom prst="rect">
+            <a:avLst/>
+          </a:prstGeom>
+        </p:spPr>
+      </p:pic>
+      <p:grpSp>
+        <p:nvGrpSpPr>
+          <p:cNvPr id="118" name="Группа 117"/>
+          <p:cNvGrpSpPr/>
+          <p:nvPr/>
+        </p:nvGrpSpPr>
+        <p:grpSpPr>
+          <a:xfrm>
+            <a:off x="342791" y="904799"/>
+            <a:ext cx="1800000" cy="1800000"/>
+            <a:chOff x="6093193" y="1986699"/>
+            <a:chExt cx="1440000" cy="1442301"/>
+          </a:xfrm>
+        </p:grpSpPr>
+        <p:grpSp>
+          <p:nvGrpSpPr>
+            <p:cNvPr id="119" name="Группа 118"/>
+            <p:cNvGrpSpPr/>
+            <p:nvPr/>
+          </p:nvGrpSpPr>
+          <p:grpSpPr>
+            <a:xfrm>
+              <a:off x="6093193" y="1986699"/>
+              <a:ext cx="1440000" cy="1440000"/>
+              <a:chOff x="8438075" y="2424393"/>
+              <a:chExt cx="1620003" cy="1620003"/>
+            </a:xfrm>
+          </p:grpSpPr>
+          <p:sp>
+            <p:nvSpPr>
+              <p:cNvPr id="121" name="Скругленный прямоугольник 120"/>
+              <p:cNvSpPr/>
+              <p:nvPr/>
+            </p:nvSpPr>
+            <p:spPr>
+              <a:xfrm>
+                <a:off x="8438075" y="2424393"/>
+                <a:ext cx="1620003" cy="1620003"/>
+              </a:xfrm>
+              <a:prstGeom prst="roundRect">
+                <a:avLst/>
+              </a:prstGeom>
+            </p:spPr>
+            <p:style>
+              <a:lnRef idx="2">
+                <a:schemeClr val="lt1">
+                  <a:hueOff val="0"/>
+                  <a:satOff val="0"/>
+                  <a:lumOff val="0"/>
+                  <a:alphaOff val="0"/>
+                </a:schemeClr>
+              </a:lnRef>
+              <a:fillRef idx="1">
+                <a:schemeClr val="accent1">
+                  <a:hueOff val="0"/>
+                  <a:satOff val="0"/>
+                  <a:lumOff val="0"/>
+                  <a:alphaOff val="0"/>
+                </a:schemeClr>
+              </a:fillRef>
+              <a:effectRef idx="0">
+                <a:schemeClr val="accent1">
+                  <a:hueOff val="0"/>
+                  <a:satOff val="0"/>
+                  <a:lumOff val="0"/>
+                  <a:alphaOff val="0"/>
+                </a:schemeClr>
+              </a:effectRef>
+              <a:fontRef idx="minor">
+                <a:schemeClr val="lt1"/>
+              </a:fontRef>
+            </p:style>
+          </p:sp>
+          <p:sp>
+            <p:nvSpPr>
+              <p:cNvPr id="122" name="Скругленный прямоугольник 4"/>
+              <p:cNvSpPr/>
+              <p:nvPr/>
+            </p:nvSpPr>
+            <p:spPr>
+              <a:xfrm>
+                <a:off x="8517157" y="2503475"/>
+                <a:ext cx="1461839" cy="1461839"/>
+              </a:xfrm>
+              <a:prstGeom prst="rect">
+                <a:avLst/>
+              </a:prstGeom>
+            </p:spPr>
+            <p:style>
+              <a:lnRef idx="0">
+                <a:scrgbClr r="0" g="0" b="0"/>
+              </a:lnRef>
+              <a:fillRef idx="0">
+                <a:scrgbClr r="0" g="0" b="0"/>
+              </a:fillRef>
+              <a:effectRef idx="0">
+                <a:scrgbClr r="0" g="0" b="0"/>
+              </a:effectRef>
+              <a:fontRef idx="minor">
+                <a:schemeClr val="lt1"/>
+              </a:fontRef>
+            </p:style>
+            <p:txBody>
+              <a:bodyPr spcFirstLastPara="0" vert="horz" wrap="square" lIns="50800" tIns="50800" rIns="50800" bIns="50800" numCol="1" spcCol="1270" anchor="t" anchorCtr="0">
+                <a:noAutofit/>
+              </a:bodyPr>
+              <a:lstStyle/>
+              <a:p>
+                <a:pPr lvl="0" algn="ctr" defTabSz="755650">
+                  <a:lnSpc>
+                    <a:spcPct val="90000"/>
+                  </a:lnSpc>
+                  <a:spcBef>
+                    <a:spcPct val="0"/>
+                  </a:spcBef>
+                  <a:spcAft>
+                    <a:spcPct val="35000"/>
+                  </a:spcAft>
+                </a:pPr>
+                <a:r>
+                  <a:rPr lang="en-US" sz="1100" dirty="0"/>
+                  <a:t>Search</a:t>
+                </a:r>
+              </a:p>
+              <a:p>
+                <a:pPr lvl="0" algn="ctr" defTabSz="755650">
+                  <a:lnSpc>
+                    <a:spcPct val="90000"/>
+                  </a:lnSpc>
+                  <a:spcBef>
+                    <a:spcPct val="0"/>
+                  </a:spcBef>
+                  <a:spcAft>
+                    <a:spcPct val="35000"/>
+                  </a:spcAft>
+                </a:pPr>
+                <a:r>
+                  <a:rPr lang="en-US" sz="1100" dirty="0"/>
+                  <a:t>Engine</a:t>
+                </a:r>
+                <a:endParaRPr lang="ru-RU" sz="1100" dirty="0"/>
+              </a:p>
+            </p:txBody>
+          </p:sp>
+        </p:grpSp>
+        <p:sp>
+          <p:nvSpPr>
+            <p:cNvPr id="120" name="Прямоугольник 119"/>
+            <p:cNvSpPr/>
+            <p:nvPr/>
+          </p:nvSpPr>
+          <p:spPr>
+            <a:xfrm>
+              <a:off x="6096000" y="3067050"/>
+              <a:ext cx="1437193" cy="361950"/>
+            </a:xfrm>
+            <a:prstGeom prst="rect">
+              <a:avLst/>
+            </a:prstGeom>
+            <a:solidFill>
+              <a:schemeClr val="accent1">
+                <a:lumMod val="40000"/>
+                <a:lumOff val="60000"/>
+              </a:schemeClr>
+            </a:solidFill>
+          </p:spPr>
+          <p:style>
+            <a:lnRef idx="2">
+              <a:schemeClr val="lt1">
+                <a:hueOff val="0"/>
+                <a:satOff val="0"/>
+                <a:lumOff val="0"/>
+                <a:alphaOff val="0"/>
+              </a:schemeClr>
+            </a:lnRef>
+            <a:fillRef idx="1">
+              <a:scrgbClr r="0" g="0" b="0"/>
+            </a:fillRef>
+            <a:effectRef idx="0">
+              <a:schemeClr val="accent1">
+                <a:tint val="50000"/>
+                <a:hueOff val="0"/>
+                <a:satOff val="0"/>
+                <a:lumOff val="0"/>
+                <a:alphaOff val="0"/>
+              </a:schemeClr>
+            </a:effectRef>
+            <a:fontRef idx="minor">
+              <a:schemeClr val="lt1">
+                <a:hueOff val="0"/>
+                <a:satOff val="0"/>
+                <a:lumOff val="0"/>
+                <a:alphaOff val="0"/>
+              </a:schemeClr>
+            </a:fontRef>
+          </p:style>
+          <p:txBody>
+            <a:bodyPr rtlCol="0" anchor="ctr"/>
+            <a:lstStyle/>
+            <a:p>
+              <a:pPr algn="ctr"/>
+              <a:endParaRPr lang="ru-RU" sz="1100" dirty="0">
+                <a:solidFill>
+                  <a:schemeClr val="tx1"/>
+                </a:solidFill>
+              </a:endParaRPr>
+            </a:p>
+          </p:txBody>
+        </p:sp>
+      </p:grpSp>
+      <p:pic>
+        <p:nvPicPr>
+          <p:cNvPr id="124" name="Рисунок 123"/>
+          <p:cNvPicPr>
+            <a:picLocks noChangeAspect="1"/>
+          </p:cNvPicPr>
+          <p:nvPr/>
+        </p:nvPicPr>
+        <p:blipFill>
+          <a:blip r:embed="rId13" cstate="print">
+            <a:extLst>
+              <a:ext uri="{28A0092B-C50C-407E-A947-70E740481C1C}">
+                <a14:useLocalDpi xmlns:a14="http://schemas.microsoft.com/office/drawing/2010/main" val="0"/>
+              </a:ext>
+            </a:extLst>
+          </a:blip>
+          <a:stretch>
+            <a:fillRect/>
+          </a:stretch>
+        </p:blipFill>
+        <p:spPr>
+          <a:xfrm>
+            <a:off x="185414" y="1251787"/>
+            <a:ext cx="1060186" cy="1499483"/>
+          </a:xfrm>
+          <a:prstGeom prst="rect">
+            <a:avLst/>
+          </a:prstGeom>
+        </p:spPr>
+      </p:pic>
+      <p:pic>
+        <p:nvPicPr>
+          <p:cNvPr id="11" name="Рисунок 10"/>
+          <p:cNvPicPr>
+            <a:picLocks noChangeAspect="1"/>
+          </p:cNvPicPr>
+          <p:nvPr/>
+        </p:nvPicPr>
+        <p:blipFill>
+          <a:blip r:embed="rId14" cstate="print">
+            <a:extLst>
+              <a:ext uri="{28A0092B-C50C-407E-A947-70E740481C1C}">
+                <a14:useLocalDpi xmlns:a14="http://schemas.microsoft.com/office/drawing/2010/main" val="0"/>
+              </a:ext>
+            </a:extLst>
+          </a:blip>
+          <a:stretch>
+            <a:fillRect/>
+          </a:stretch>
+        </p:blipFill>
+        <p:spPr>
+          <a:xfrm>
+            <a:off x="5262806" y="1421535"/>
+            <a:ext cx="841102" cy="1189619"/>
+          </a:xfrm>
+          <a:prstGeom prst="rect">
+            <a:avLst/>
+          </a:prstGeom>
+        </p:spPr>
+      </p:pic>
+      <p:pic>
+        <p:nvPicPr>
+          <p:cNvPr id="12" name="Рисунок 11"/>
+          <p:cNvPicPr>
+            <a:picLocks noChangeAspect="1"/>
+          </p:cNvPicPr>
+          <p:nvPr/>
+        </p:nvPicPr>
+        <p:blipFill>
+          <a:blip r:embed="rId15" cstate="print">
+            <a:extLst>
+              <a:ext uri="{28A0092B-C50C-407E-A947-70E740481C1C}">
+                <a14:useLocalDpi xmlns:a14="http://schemas.microsoft.com/office/drawing/2010/main" val="0"/>
+              </a:ext>
+            </a:extLst>
+          </a:blip>
+          <a:stretch>
+            <a:fillRect/>
+          </a:stretch>
+        </p:blipFill>
+        <p:spPr>
+          <a:xfrm>
+            <a:off x="7223624" y="1493642"/>
+            <a:ext cx="766243" cy="1083742"/>
+          </a:xfrm>
+          <a:prstGeom prst="rect">
+            <a:avLst/>
+          </a:prstGeom>
+        </p:spPr>
+      </p:pic>
+      <p:pic>
+        <p:nvPicPr>
+          <p:cNvPr id="13" name="Рисунок 12"/>
+          <p:cNvPicPr>
+            <a:picLocks noChangeAspect="1"/>
+          </p:cNvPicPr>
+          <p:nvPr/>
+        </p:nvPicPr>
+        <p:blipFill>
+          <a:blip r:embed="rId16" cstate="print">
+            <a:extLst>
+              <a:ext uri="{28A0092B-C50C-407E-A947-70E740481C1C}">
+                <a14:useLocalDpi xmlns:a14="http://schemas.microsoft.com/office/drawing/2010/main" val="0"/>
+              </a:ext>
+            </a:extLst>
+          </a:blip>
+          <a:stretch>
+            <a:fillRect/>
+          </a:stretch>
+        </p:blipFill>
+        <p:spPr>
+          <a:xfrm>
+            <a:off x="9013180" y="1439902"/>
+            <a:ext cx="842235" cy="1191221"/>
+          </a:xfrm>
+          <a:prstGeom prst="rect">
+            <a:avLst/>
+          </a:prstGeom>
+        </p:spPr>
+      </p:pic>
+      <p:pic>
+        <p:nvPicPr>
+          <p:cNvPr id="16" name="Рисунок 15"/>
+          <p:cNvPicPr>
+            <a:picLocks noChangeAspect="1"/>
+          </p:cNvPicPr>
+          <p:nvPr/>
+        </p:nvPicPr>
+        <p:blipFill>
+          <a:blip r:embed="rId17" cstate="print">
+            <a:extLst>
+              <a:ext uri="{28A0092B-C50C-407E-A947-70E740481C1C}">
+                <a14:useLocalDpi xmlns:a14="http://schemas.microsoft.com/office/drawing/2010/main" val="0"/>
+              </a:ext>
+            </a:extLst>
+          </a:blip>
+          <a:stretch>
+            <a:fillRect/>
+          </a:stretch>
+        </p:blipFill>
+        <p:spPr>
+          <a:xfrm>
+            <a:off x="10957377" y="1488732"/>
+            <a:ext cx="767313" cy="1085255"/>
           </a:xfrm>
           <a:prstGeom prst="rect">
             <a:avLst/>
@@ -30436,7 +31904,7 @@
           <a:p>
             <a:fld id="{8AC5719E-8A6A-457D-98CF-1B213C53F5CE}" type="datetime1">
               <a:rPr lang="ru-RU" smtClean="0"/>
-              <a:t>21.11.2025</a:t>
+              <a:t>22.11.2025</a:t>
             </a:fld>
             <a:endParaRPr lang="ru-RU"/>
           </a:p>
@@ -33121,7 +34589,7 @@
           <a:p>
             <a:fld id="{8AC5719E-8A6A-457D-98CF-1B213C53F5CE}" type="datetime1">
               <a:rPr lang="ru-RU" smtClean="0"/>
-              <a:t>21.11.2025</a:t>
+              <a:t>22.11.2025</a:t>
             </a:fld>
             <a:endParaRPr lang="ru-RU"/>
           </a:p>
@@ -35645,7 +37113,7 @@
           <a:p>
             <a:fld id="{8AC5719E-8A6A-457D-98CF-1B213C53F5CE}" type="datetime1">
               <a:rPr lang="ru-RU" smtClean="0"/>
-              <a:t>21.11.2025</a:t>
+              <a:t>22.11.2025</a:t>
             </a:fld>
             <a:endParaRPr lang="ru-RU"/>
           </a:p>
@@ -39049,8 +40517,8 @@
         </p:nvSpPr>
         <p:spPr>
           <a:xfrm>
-            <a:off x="1097280" y="286604"/>
-            <a:ext cx="10058400" cy="353573"/>
+            <a:off x="1097280" y="-474202"/>
+            <a:ext cx="10058400" cy="1114380"/>
           </a:xfrm>
         </p:spPr>
         <p:txBody>
@@ -39084,7 +40552,7 @@
           <a:p>
             <a:fld id="{8AC5719E-8A6A-457D-98CF-1B213C53F5CE}" type="datetime1">
               <a:rPr lang="ru-RU" smtClean="0"/>
-              <a:t>21.11.2025</a:t>
+              <a:t>22.11.2025</a:t>
             </a:fld>
             <a:endParaRPr lang="ru-RU"/>
           </a:p>
@@ -42356,7 +43824,7 @@
           <a:p>
             <a:fld id="{8AC5719E-8A6A-457D-98CF-1B213C53F5CE}" type="datetime1">
               <a:rPr lang="ru-RU" smtClean="0"/>
-              <a:t>21.11.2025</a:t>
+              <a:t>22.11.2025</a:t>
             </a:fld>
             <a:endParaRPr lang="ru-RU"/>
           </a:p>
@@ -46148,7 +47616,7 @@
           <a:p>
             <a:fld id="{8AC5719E-8A6A-457D-98CF-1B213C53F5CE}" type="datetime1">
               <a:rPr lang="ru-RU" smtClean="0"/>
-              <a:t>21.11.2025</a:t>
+              <a:t>22.11.2025</a:t>
             </a:fld>
             <a:endParaRPr lang="ru-RU"/>
           </a:p>
@@ -49732,44 +51200,6 @@
       </p:grpSpPr>
       <p:sp>
         <p:nvSpPr>
-          <p:cNvPr id="2" name="Заголовок 1"/>
-          <p:cNvSpPr>
-            <a:spLocks noGrp="1"/>
-          </p:cNvSpPr>
-          <p:nvPr>
-            <p:ph type="title"/>
-          </p:nvPr>
-        </p:nvSpPr>
-        <p:spPr/>
-        <p:txBody>
-          <a:bodyPr/>
-          <a:lstStyle/>
-          <a:p>
-            <a:endParaRPr lang="ru-RU"/>
-          </a:p>
-        </p:txBody>
-      </p:sp>
-      <p:sp>
-        <p:nvSpPr>
-          <p:cNvPr id="4" name="Текст 3"/>
-          <p:cNvSpPr>
-            <a:spLocks noGrp="1"/>
-          </p:cNvSpPr>
-          <p:nvPr>
-            <p:ph type="body" sz="half" idx="2"/>
-          </p:nvPr>
-        </p:nvSpPr>
-        <p:spPr/>
-        <p:txBody>
-          <a:bodyPr/>
-          <a:lstStyle/>
-          <a:p>
-            <a:endParaRPr lang="ru-RU"/>
-          </a:p>
-        </p:txBody>
-      </p:sp>
-      <p:sp>
-        <p:nvSpPr>
           <p:cNvPr id="5" name="Дата 4"/>
           <p:cNvSpPr>
             <a:spLocks noGrp="1"/>
@@ -49785,7 +51215,7 @@
           <a:p>
             <a:fld id="{AA82D743-4282-4860-9AE2-FAD442C19B6D}" type="datetime1">
               <a:rPr lang="ru-RU" smtClean="0"/>
-              <a:t>21.11.2025</a:t>
+              <a:t>22.11.2025</a:t>
             </a:fld>
             <a:endParaRPr lang="ru-RU"/>
           </a:p>
@@ -49835,22 +51265,399 @@
       </p:sp>
       <p:sp>
         <p:nvSpPr>
-          <p:cNvPr id="8" name="Объект 7"/>
-          <p:cNvSpPr>
-            <a:spLocks noGrp="1"/>
+          <p:cNvPr id="9" name="Заголовок 1"/>
+          <p:cNvSpPr txBox="1">
+            <a:spLocks/>
           </p:cNvSpPr>
-          <p:nvPr>
-            <p:ph idx="1"/>
-          </p:nvPr>
+          <p:nvPr/>
         </p:nvSpPr>
         <p:spPr>
+          <a:xfrm>
+            <a:off x="959629" y="114734"/>
+            <a:ext cx="10058400" cy="588936"/>
+          </a:xfrm>
+          <a:prstGeom prst="rect">
+            <a:avLst/>
+          </a:prstGeom>
+        </p:spPr>
+        <p:txBody>
+          <a:bodyPr>
+            <a:normAutofit fontScale="90000" lnSpcReduction="10000"/>
+          </a:bodyPr>
+          <a:lstStyle>
+            <a:lvl1pPr algn="l" defTabSz="914400" rtl="0" eaLnBrk="1" latinLnBrk="0" hangingPunct="1">
+              <a:lnSpc>
+                <a:spcPct val="85000"/>
+              </a:lnSpc>
+              <a:spcBef>
+                <a:spcPct val="0"/>
+              </a:spcBef>
+              <a:buNone/>
+              <a:defRPr sz="4800" kern="1200" spc="-50" baseline="0">
+                <a:solidFill>
+                  <a:schemeClr val="tx1">
+                    <a:lumMod val="75000"/>
+                    <a:lumOff val="25000"/>
+                  </a:schemeClr>
+                </a:solidFill>
+                <a:latin typeface="+mj-lt"/>
+                <a:ea typeface="+mj-ea"/>
+                <a:cs typeface="+mj-cs"/>
+              </a:defRPr>
+            </a:lvl1pPr>
+          </a:lstStyle>
+          <a:p>
+            <a:r>
+              <a:rPr lang="ru-RU" dirty="0" smtClean="0"/>
+              <a:t>Процессы</a:t>
+            </a:r>
+            <a:endParaRPr lang="ru-RU" dirty="0"/>
+          </a:p>
+        </p:txBody>
+      </p:sp>
+      <p:cxnSp>
+        <p:nvCxnSpPr>
+          <p:cNvPr id="18" name="Прямая соединительная линия 17"/>
+          <p:cNvCxnSpPr/>
+          <p:nvPr/>
+        </p:nvCxnSpPr>
+        <p:spPr>
+          <a:xfrm>
+            <a:off x="342900" y="1268730"/>
+            <a:ext cx="0" cy="4935138"/>
+          </a:xfrm>
+          <a:prstGeom prst="line">
+            <a:avLst/>
+          </a:prstGeom>
+          <a:ln w="63500">
+            <a:solidFill>
+              <a:schemeClr val="accent2">
+                <a:lumMod val="60000"/>
+                <a:lumOff val="40000"/>
+              </a:schemeClr>
+            </a:solidFill>
+            <a:prstDash val="dash"/>
+          </a:ln>
+        </p:spPr>
+        <p:style>
+          <a:lnRef idx="1">
+            <a:schemeClr val="accent1"/>
+          </a:lnRef>
+          <a:fillRef idx="0">
+            <a:schemeClr val="accent1"/>
+          </a:fillRef>
+          <a:effectRef idx="0">
+            <a:schemeClr val="accent1"/>
+          </a:effectRef>
+          <a:fontRef idx="minor">
+            <a:schemeClr val="tx1"/>
+          </a:fontRef>
+        </p:style>
+      </p:cxnSp>
+      <p:cxnSp>
+        <p:nvCxnSpPr>
+          <p:cNvPr id="19" name="Прямая соединительная линия 18"/>
+          <p:cNvCxnSpPr/>
+          <p:nvPr/>
+        </p:nvCxnSpPr>
+        <p:spPr>
+          <a:xfrm>
+            <a:off x="6169256" y="1266519"/>
+            <a:ext cx="7621" cy="4937349"/>
+          </a:xfrm>
+          <a:prstGeom prst="line">
+            <a:avLst/>
+          </a:prstGeom>
+          <a:ln w="63500">
+            <a:solidFill>
+              <a:schemeClr val="accent2">
+                <a:lumMod val="60000"/>
+                <a:lumOff val="40000"/>
+              </a:schemeClr>
+            </a:solidFill>
+            <a:prstDash val="dash"/>
+          </a:ln>
+        </p:spPr>
+        <p:style>
+          <a:lnRef idx="1">
+            <a:schemeClr val="accent1"/>
+          </a:lnRef>
+          <a:fillRef idx="0">
+            <a:schemeClr val="accent1"/>
+          </a:fillRef>
+          <a:effectRef idx="0">
+            <a:schemeClr val="accent1"/>
+          </a:effectRef>
+          <a:fontRef idx="minor">
+            <a:schemeClr val="tx1"/>
+          </a:fontRef>
+        </p:style>
+      </p:cxnSp>
+      <p:cxnSp>
+        <p:nvCxnSpPr>
+          <p:cNvPr id="21" name="Прямая соединительная линия 20"/>
+          <p:cNvCxnSpPr/>
+          <p:nvPr/>
+        </p:nvCxnSpPr>
+        <p:spPr>
+          <a:xfrm flipV="1">
+            <a:off x="342900" y="1266519"/>
+            <a:ext cx="5826356" cy="6021"/>
+          </a:xfrm>
+          <a:prstGeom prst="line">
+            <a:avLst/>
+          </a:prstGeom>
+          <a:ln w="63500">
+            <a:solidFill>
+              <a:schemeClr val="accent2">
+                <a:lumMod val="60000"/>
+                <a:lumOff val="40000"/>
+              </a:schemeClr>
+            </a:solidFill>
+            <a:prstDash val="dash"/>
+          </a:ln>
+        </p:spPr>
+        <p:style>
+          <a:lnRef idx="1">
+            <a:schemeClr val="accent1"/>
+          </a:lnRef>
+          <a:fillRef idx="0">
+            <a:schemeClr val="accent1"/>
+          </a:fillRef>
+          <a:effectRef idx="0">
+            <a:schemeClr val="accent1"/>
+          </a:effectRef>
+          <a:fontRef idx="minor">
+            <a:schemeClr val="tx1"/>
+          </a:fontRef>
+        </p:style>
+      </p:cxnSp>
+      <p:cxnSp>
+        <p:nvCxnSpPr>
+          <p:cNvPr id="22" name="Прямая соединительная линия 21"/>
+          <p:cNvCxnSpPr/>
+          <p:nvPr/>
+        </p:nvCxnSpPr>
+        <p:spPr>
+          <a:xfrm>
+            <a:off x="342901" y="6203868"/>
+            <a:ext cx="5826355" cy="11000"/>
+          </a:xfrm>
+          <a:prstGeom prst="line">
+            <a:avLst/>
+          </a:prstGeom>
+          <a:ln w="63500">
+            <a:solidFill>
+              <a:schemeClr val="accent2">
+                <a:lumMod val="60000"/>
+                <a:lumOff val="40000"/>
+              </a:schemeClr>
+            </a:solidFill>
+            <a:prstDash val="dash"/>
+          </a:ln>
+        </p:spPr>
+        <p:style>
+          <a:lnRef idx="1">
+            <a:schemeClr val="accent1"/>
+          </a:lnRef>
+          <a:fillRef idx="0">
+            <a:schemeClr val="accent1"/>
+          </a:fillRef>
+          <a:effectRef idx="0">
+            <a:schemeClr val="accent1"/>
+          </a:effectRef>
+          <a:fontRef idx="minor">
+            <a:schemeClr val="tx1"/>
+          </a:fontRef>
+        </p:style>
+      </p:cxnSp>
+      <p:cxnSp>
+        <p:nvCxnSpPr>
+          <p:cNvPr id="23" name="Прямая соединительная линия 22"/>
+          <p:cNvCxnSpPr/>
+          <p:nvPr/>
+        </p:nvCxnSpPr>
+        <p:spPr>
+          <a:xfrm flipH="1">
+            <a:off x="8250747" y="1268730"/>
+            <a:ext cx="1" cy="4946138"/>
+          </a:xfrm>
+          <a:prstGeom prst="line">
+            <a:avLst/>
+          </a:prstGeom>
+          <a:ln w="63500">
+            <a:solidFill>
+              <a:schemeClr val="accent2">
+                <a:lumMod val="60000"/>
+                <a:lumOff val="40000"/>
+              </a:schemeClr>
+            </a:solidFill>
+            <a:prstDash val="dash"/>
+          </a:ln>
+        </p:spPr>
+        <p:style>
+          <a:lnRef idx="1">
+            <a:schemeClr val="accent1"/>
+          </a:lnRef>
+          <a:fillRef idx="0">
+            <a:schemeClr val="accent1"/>
+          </a:fillRef>
+          <a:effectRef idx="0">
+            <a:schemeClr val="accent1"/>
+          </a:effectRef>
+          <a:fontRef idx="minor">
+            <a:schemeClr val="tx1"/>
+          </a:fontRef>
+        </p:style>
+      </p:cxnSp>
+      <p:cxnSp>
+        <p:nvCxnSpPr>
+          <p:cNvPr id="24" name="Прямая соединительная линия 23"/>
+          <p:cNvCxnSpPr/>
+          <p:nvPr/>
+        </p:nvCxnSpPr>
+        <p:spPr>
+          <a:xfrm>
+            <a:off x="11855008" y="1268730"/>
+            <a:ext cx="0" cy="4946138"/>
+          </a:xfrm>
+          <a:prstGeom prst="line">
+            <a:avLst/>
+          </a:prstGeom>
+          <a:ln w="63500">
+            <a:solidFill>
+              <a:schemeClr val="accent2">
+                <a:lumMod val="60000"/>
+                <a:lumOff val="40000"/>
+              </a:schemeClr>
+            </a:solidFill>
+            <a:prstDash val="dash"/>
+          </a:ln>
+        </p:spPr>
+        <p:style>
+          <a:lnRef idx="1">
+            <a:schemeClr val="accent1"/>
+          </a:lnRef>
+          <a:fillRef idx="0">
+            <a:schemeClr val="accent1"/>
+          </a:fillRef>
+          <a:effectRef idx="0">
+            <a:schemeClr val="accent1"/>
+          </a:effectRef>
+          <a:fontRef idx="minor">
+            <a:schemeClr val="tx1"/>
+          </a:fontRef>
+        </p:style>
+      </p:cxnSp>
+      <p:cxnSp>
+        <p:nvCxnSpPr>
+          <p:cNvPr id="25" name="Прямая соединительная линия 24"/>
+          <p:cNvCxnSpPr/>
+          <p:nvPr/>
+        </p:nvCxnSpPr>
+        <p:spPr>
+          <a:xfrm>
+            <a:off x="8250748" y="1272540"/>
+            <a:ext cx="3604260" cy="0"/>
+          </a:xfrm>
+          <a:prstGeom prst="line">
+            <a:avLst/>
+          </a:prstGeom>
+          <a:ln w="63500">
+            <a:solidFill>
+              <a:schemeClr val="accent2">
+                <a:lumMod val="60000"/>
+                <a:lumOff val="40000"/>
+              </a:schemeClr>
+            </a:solidFill>
+            <a:prstDash val="dash"/>
+          </a:ln>
+        </p:spPr>
+        <p:style>
+          <a:lnRef idx="1">
+            <a:schemeClr val="accent1"/>
+          </a:lnRef>
+          <a:fillRef idx="0">
+            <a:schemeClr val="accent1"/>
+          </a:fillRef>
+          <a:effectRef idx="0">
+            <a:schemeClr val="accent1"/>
+          </a:effectRef>
+          <a:fontRef idx="minor">
+            <a:schemeClr val="tx1"/>
+          </a:fontRef>
+        </p:style>
+      </p:cxnSp>
+      <p:cxnSp>
+        <p:nvCxnSpPr>
+          <p:cNvPr id="26" name="Прямая соединительная линия 25"/>
+          <p:cNvCxnSpPr/>
+          <p:nvPr/>
+        </p:nvCxnSpPr>
+        <p:spPr>
+          <a:xfrm>
+            <a:off x="8277013" y="6215605"/>
+            <a:ext cx="3604260" cy="0"/>
+          </a:xfrm>
+          <a:prstGeom prst="line">
+            <a:avLst/>
+          </a:prstGeom>
+          <a:ln w="63500">
+            <a:solidFill>
+              <a:schemeClr val="accent2">
+                <a:lumMod val="60000"/>
+                <a:lumOff val="40000"/>
+              </a:schemeClr>
+            </a:solidFill>
+            <a:prstDash val="dash"/>
+          </a:ln>
+        </p:spPr>
+        <p:style>
+          <a:lnRef idx="1">
+            <a:schemeClr val="accent1"/>
+          </a:lnRef>
+          <a:fillRef idx="0">
+            <a:schemeClr val="accent1"/>
+          </a:fillRef>
+          <a:effectRef idx="0">
+            <a:schemeClr val="accent1"/>
+          </a:effectRef>
+          <a:fontRef idx="minor">
+            <a:schemeClr val="tx1"/>
+          </a:fontRef>
+        </p:style>
+      </p:cxnSp>
+      <p:sp>
+        <p:nvSpPr>
+          <p:cNvPr id="27" name="Стрелка вправо 26"/>
+          <p:cNvSpPr/>
+          <p:nvPr/>
+        </p:nvSpPr>
+        <p:spPr>
+          <a:xfrm>
+            <a:off x="6176877" y="5463993"/>
+            <a:ext cx="2094858" cy="484632"/>
+          </a:xfrm>
           <a:prstGeom prst="rightArrow">
             <a:avLst/>
           </a:prstGeom>
+          <a:solidFill>
+            <a:schemeClr val="accent2">
+              <a:lumMod val="75000"/>
+            </a:schemeClr>
+          </a:solidFill>
+          <a:ln>
+            <a:solidFill>
+              <a:schemeClr val="accent2">
+                <a:lumMod val="60000"/>
+                <a:lumOff val="40000"/>
+              </a:schemeClr>
+            </a:solidFill>
+          </a:ln>
         </p:spPr>
         <p:style>
-          <a:lnRef idx="0">
-            <a:schemeClr val="accent1">
+          <a:lnRef idx="2">
+            <a:schemeClr val="lt1">
               <a:hueOff val="0"/>
               <a:satOff val="0"/>
               <a:lumOff val="0"/>
@@ -49858,17 +51665,11 @@
             </a:schemeClr>
           </a:lnRef>
           <a:fillRef idx="1">
-            <a:schemeClr val="accent1">
-              <a:tint val="40000"/>
-              <a:hueOff val="0"/>
-              <a:satOff val="0"/>
-              <a:lumOff val="0"/>
-              <a:alphaOff val="0"/>
-            </a:schemeClr>
+            <a:scrgbClr r="0" g="0" b="0"/>
           </a:fillRef>
           <a:effectRef idx="0">
             <a:schemeClr val="accent1">
-              <a:tint val="40000"/>
+              <a:tint val="50000"/>
               <a:hueOff val="0"/>
               <a:satOff val="0"/>
               <a:lumOff val="0"/>
@@ -49876,7 +51677,7 @@
             </a:schemeClr>
           </a:effectRef>
           <a:fontRef idx="minor">
-            <a:schemeClr val="dk1">
+            <a:schemeClr val="lt1">
               <a:hueOff val="0"/>
               <a:satOff val="0"/>
               <a:lumOff val="0"/>
@@ -49885,13 +51686,1908 @@
           </a:fontRef>
         </p:style>
         <p:txBody>
-          <a:bodyPr/>
+          <a:bodyPr rtlCol="0" anchor="ctr"/>
           <a:lstStyle/>
           <a:p>
+            <a:pPr algn="ctr"/>
             <a:endParaRPr lang="ru-RU"/>
           </a:p>
         </p:txBody>
       </p:sp>
+      <p:sp>
+        <p:nvSpPr>
+          <p:cNvPr id="28" name="TextBox 27"/>
+          <p:cNvSpPr txBox="1"/>
+          <p:nvPr/>
+        </p:nvSpPr>
+        <p:spPr>
+          <a:xfrm>
+            <a:off x="6038212" y="5142477"/>
+            <a:ext cx="2220608" cy="338554"/>
+          </a:xfrm>
+          <a:prstGeom prst="rect">
+            <a:avLst/>
+          </a:prstGeom>
+          <a:noFill/>
+        </p:spPr>
+        <p:txBody>
+          <a:bodyPr wrap="square" rtlCol="0">
+            <a:spAutoFit/>
+          </a:bodyPr>
+          <a:lstStyle/>
+          <a:p>
+            <a:pPr algn="ctr"/>
+            <a:r>
+              <a:rPr lang="en-US" sz="1600" b="1" dirty="0" smtClean="0"/>
+              <a:t>boost::interprocess::</a:t>
+            </a:r>
+            <a:endParaRPr lang="ru-RU" sz="1600" b="1" dirty="0"/>
+          </a:p>
+        </p:txBody>
+      </p:sp>
+      <p:sp>
+        <p:nvSpPr>
+          <p:cNvPr id="34" name="TextBox 33"/>
+          <p:cNvSpPr txBox="1"/>
+          <p:nvPr/>
+        </p:nvSpPr>
+        <p:spPr>
+          <a:xfrm>
+            <a:off x="772777" y="1276351"/>
+            <a:ext cx="2755626" cy="369332"/>
+          </a:xfrm>
+          <a:prstGeom prst="rect">
+            <a:avLst/>
+          </a:prstGeom>
+          <a:noFill/>
+        </p:spPr>
+        <p:txBody>
+          <a:bodyPr wrap="none" rtlCol="0">
+            <a:spAutoFit/>
+          </a:bodyPr>
+          <a:lstStyle/>
+          <a:p>
+            <a:r>
+              <a:rPr lang="ru-RU" dirty="0"/>
+              <a:t>Процесс </a:t>
+            </a:r>
+            <a:r>
+              <a:rPr lang="en-US" dirty="0" smtClean="0"/>
+              <a:t>search-engine.exe</a:t>
+            </a:r>
+            <a:endParaRPr lang="ru-RU" dirty="0"/>
+          </a:p>
+        </p:txBody>
+      </p:sp>
+      <p:sp>
+        <p:nvSpPr>
+          <p:cNvPr id="35" name="TextBox 34"/>
+          <p:cNvSpPr txBox="1"/>
+          <p:nvPr/>
+        </p:nvSpPr>
+        <p:spPr>
+          <a:xfrm>
+            <a:off x="8645527" y="1283287"/>
+            <a:ext cx="2829942" cy="369332"/>
+          </a:xfrm>
+          <a:prstGeom prst="rect">
+            <a:avLst/>
+          </a:prstGeom>
+          <a:noFill/>
+        </p:spPr>
+        <p:txBody>
+          <a:bodyPr wrap="none" rtlCol="0">
+            <a:spAutoFit/>
+          </a:bodyPr>
+          <a:lstStyle/>
+          <a:p>
+            <a:r>
+              <a:rPr lang="ru-RU" dirty="0"/>
+              <a:t>Процесс </a:t>
+            </a:r>
+            <a:r>
+              <a:rPr lang="en-US" dirty="0" smtClean="0"/>
+              <a:t>logger-monitor.exe</a:t>
+            </a:r>
+            <a:endParaRPr lang="ru-RU" dirty="0"/>
+          </a:p>
+        </p:txBody>
+      </p:sp>
+      <p:grpSp>
+        <p:nvGrpSpPr>
+          <p:cNvPr id="36" name="Группа 35"/>
+          <p:cNvGrpSpPr/>
+          <p:nvPr/>
+        </p:nvGrpSpPr>
+        <p:grpSpPr>
+          <a:xfrm>
+            <a:off x="3977974" y="4130531"/>
+            <a:ext cx="1800000" cy="1800000"/>
+            <a:chOff x="6093193" y="1986699"/>
+            <a:chExt cx="1440000" cy="1442301"/>
+          </a:xfrm>
+        </p:grpSpPr>
+        <p:grpSp>
+          <p:nvGrpSpPr>
+            <p:cNvPr id="37" name="Группа 36"/>
+            <p:cNvGrpSpPr/>
+            <p:nvPr/>
+          </p:nvGrpSpPr>
+          <p:grpSpPr>
+            <a:xfrm>
+              <a:off x="6093193" y="1986699"/>
+              <a:ext cx="1440000" cy="1440000"/>
+              <a:chOff x="8438075" y="2424393"/>
+              <a:chExt cx="1620003" cy="1620003"/>
+            </a:xfrm>
+          </p:grpSpPr>
+          <p:sp>
+            <p:nvSpPr>
+              <p:cNvPr id="39" name="Скругленный прямоугольник 38"/>
+              <p:cNvSpPr/>
+              <p:nvPr/>
+            </p:nvSpPr>
+            <p:spPr>
+              <a:xfrm>
+                <a:off x="8438075" y="2424393"/>
+                <a:ext cx="1620003" cy="1620003"/>
+              </a:xfrm>
+              <a:prstGeom prst="roundRect">
+                <a:avLst/>
+              </a:prstGeom>
+            </p:spPr>
+            <p:style>
+              <a:lnRef idx="2">
+                <a:schemeClr val="lt1">
+                  <a:hueOff val="0"/>
+                  <a:satOff val="0"/>
+                  <a:lumOff val="0"/>
+                  <a:alphaOff val="0"/>
+                </a:schemeClr>
+              </a:lnRef>
+              <a:fillRef idx="1">
+                <a:schemeClr val="accent1">
+                  <a:hueOff val="0"/>
+                  <a:satOff val="0"/>
+                  <a:lumOff val="0"/>
+                  <a:alphaOff val="0"/>
+                </a:schemeClr>
+              </a:fillRef>
+              <a:effectRef idx="0">
+                <a:schemeClr val="accent1">
+                  <a:hueOff val="0"/>
+                  <a:satOff val="0"/>
+                  <a:lumOff val="0"/>
+                  <a:alphaOff val="0"/>
+                </a:schemeClr>
+              </a:effectRef>
+              <a:fontRef idx="minor">
+                <a:schemeClr val="lt1"/>
+              </a:fontRef>
+            </p:style>
+          </p:sp>
+          <p:sp>
+            <p:nvSpPr>
+              <p:cNvPr id="40" name="Скругленный прямоугольник 4"/>
+              <p:cNvSpPr/>
+              <p:nvPr/>
+            </p:nvSpPr>
+            <p:spPr>
+              <a:xfrm>
+                <a:off x="8517157" y="2503475"/>
+                <a:ext cx="1461839" cy="1461839"/>
+              </a:xfrm>
+              <a:prstGeom prst="rect">
+                <a:avLst/>
+              </a:prstGeom>
+            </p:spPr>
+            <p:style>
+              <a:lnRef idx="0">
+                <a:scrgbClr r="0" g="0" b="0"/>
+              </a:lnRef>
+              <a:fillRef idx="0">
+                <a:scrgbClr r="0" g="0" b="0"/>
+              </a:fillRef>
+              <a:effectRef idx="0">
+                <a:scrgbClr r="0" g="0" b="0"/>
+              </a:effectRef>
+              <a:fontRef idx="minor">
+                <a:schemeClr val="lt1"/>
+              </a:fontRef>
+            </p:style>
+            <p:txBody>
+              <a:bodyPr spcFirstLastPara="0" vert="horz" wrap="square" lIns="50800" tIns="50800" rIns="50800" bIns="50800" numCol="1" spcCol="1270" anchor="t" anchorCtr="0">
+                <a:noAutofit/>
+              </a:bodyPr>
+              <a:lstStyle/>
+              <a:p>
+                <a:pPr algn="ctr" defTabSz="889000">
+                  <a:lnSpc>
+                    <a:spcPct val="90000"/>
+                  </a:lnSpc>
+                  <a:spcBef>
+                    <a:spcPct val="0"/>
+                  </a:spcBef>
+                  <a:spcAft>
+                    <a:spcPct val="35000"/>
+                  </a:spcAft>
+                </a:pPr>
+                <a:r>
+                  <a:rPr lang="en-US" sz="1100" dirty="0" smtClean="0"/>
+                  <a:t>MonitorSender</a:t>
+                </a:r>
+                <a:endParaRPr lang="ru-RU" sz="1100" b="1" kern="1200" dirty="0"/>
+              </a:p>
+            </p:txBody>
+          </p:sp>
+        </p:grpSp>
+        <p:sp>
+          <p:nvSpPr>
+            <p:cNvPr id="38" name="Прямоугольник 37"/>
+            <p:cNvSpPr/>
+            <p:nvPr/>
+          </p:nvSpPr>
+          <p:spPr>
+            <a:xfrm>
+              <a:off x="6096000" y="3067050"/>
+              <a:ext cx="1437193" cy="361950"/>
+            </a:xfrm>
+            <a:prstGeom prst="rect">
+              <a:avLst/>
+            </a:prstGeom>
+            <a:solidFill>
+              <a:schemeClr val="accent1">
+                <a:lumMod val="40000"/>
+                <a:lumOff val="60000"/>
+              </a:schemeClr>
+            </a:solidFill>
+          </p:spPr>
+          <p:style>
+            <a:lnRef idx="2">
+              <a:schemeClr val="lt1">
+                <a:hueOff val="0"/>
+                <a:satOff val="0"/>
+                <a:lumOff val="0"/>
+                <a:alphaOff val="0"/>
+              </a:schemeClr>
+            </a:lnRef>
+            <a:fillRef idx="1">
+              <a:scrgbClr r="0" g="0" b="0"/>
+            </a:fillRef>
+            <a:effectRef idx="0">
+              <a:schemeClr val="accent1">
+                <a:tint val="50000"/>
+                <a:hueOff val="0"/>
+                <a:satOff val="0"/>
+                <a:lumOff val="0"/>
+                <a:alphaOff val="0"/>
+              </a:schemeClr>
+            </a:effectRef>
+            <a:fontRef idx="minor">
+              <a:schemeClr val="lt1">
+                <a:hueOff val="0"/>
+                <a:satOff val="0"/>
+                <a:lumOff val="0"/>
+                <a:alphaOff val="0"/>
+              </a:schemeClr>
+            </a:fontRef>
+          </p:style>
+          <p:txBody>
+            <a:bodyPr rtlCol="0" anchor="ctr"/>
+            <a:lstStyle/>
+            <a:p>
+              <a:r>
+                <a:rPr lang="ru-RU" sz="1100" dirty="0">
+                  <a:solidFill>
+                    <a:schemeClr val="tx1"/>
+                  </a:solidFill>
+                </a:rPr>
+                <a:t>Отправить сообщение в очередь сообщений</a:t>
+              </a:r>
+            </a:p>
+          </p:txBody>
+        </p:sp>
+      </p:grpSp>
+      <p:grpSp>
+        <p:nvGrpSpPr>
+          <p:cNvPr id="44" name="Группа 43"/>
+          <p:cNvGrpSpPr/>
+          <p:nvPr/>
+        </p:nvGrpSpPr>
+        <p:grpSpPr>
+          <a:xfrm>
+            <a:off x="8437646" y="4130531"/>
+            <a:ext cx="1800000" cy="1800000"/>
+            <a:chOff x="6093193" y="1986699"/>
+            <a:chExt cx="1440000" cy="1442301"/>
+          </a:xfrm>
+        </p:grpSpPr>
+        <p:grpSp>
+          <p:nvGrpSpPr>
+            <p:cNvPr id="45" name="Группа 44"/>
+            <p:cNvGrpSpPr/>
+            <p:nvPr/>
+          </p:nvGrpSpPr>
+          <p:grpSpPr>
+            <a:xfrm>
+              <a:off x="6093193" y="1986699"/>
+              <a:ext cx="1440000" cy="1440000"/>
+              <a:chOff x="8438075" y="2424393"/>
+              <a:chExt cx="1620003" cy="1620003"/>
+            </a:xfrm>
+          </p:grpSpPr>
+          <p:sp>
+            <p:nvSpPr>
+              <p:cNvPr id="47" name="Скругленный прямоугольник 46"/>
+              <p:cNvSpPr/>
+              <p:nvPr/>
+            </p:nvSpPr>
+            <p:spPr>
+              <a:xfrm>
+                <a:off x="8438075" y="2424393"/>
+                <a:ext cx="1620003" cy="1620003"/>
+              </a:xfrm>
+              <a:prstGeom prst="roundRect">
+                <a:avLst/>
+              </a:prstGeom>
+            </p:spPr>
+            <p:style>
+              <a:lnRef idx="2">
+                <a:schemeClr val="lt1">
+                  <a:hueOff val="0"/>
+                  <a:satOff val="0"/>
+                  <a:lumOff val="0"/>
+                  <a:alphaOff val="0"/>
+                </a:schemeClr>
+              </a:lnRef>
+              <a:fillRef idx="1">
+                <a:schemeClr val="accent1">
+                  <a:hueOff val="0"/>
+                  <a:satOff val="0"/>
+                  <a:lumOff val="0"/>
+                  <a:alphaOff val="0"/>
+                </a:schemeClr>
+              </a:fillRef>
+              <a:effectRef idx="0">
+                <a:schemeClr val="accent1">
+                  <a:hueOff val="0"/>
+                  <a:satOff val="0"/>
+                  <a:lumOff val="0"/>
+                  <a:alphaOff val="0"/>
+                </a:schemeClr>
+              </a:effectRef>
+              <a:fontRef idx="minor">
+                <a:schemeClr val="lt1"/>
+              </a:fontRef>
+            </p:style>
+          </p:sp>
+          <p:sp>
+            <p:nvSpPr>
+              <p:cNvPr id="48" name="Скругленный прямоугольник 4"/>
+              <p:cNvSpPr/>
+              <p:nvPr/>
+            </p:nvSpPr>
+            <p:spPr>
+              <a:xfrm>
+                <a:off x="8517157" y="2503475"/>
+                <a:ext cx="1461839" cy="1461839"/>
+              </a:xfrm>
+              <a:prstGeom prst="rect">
+                <a:avLst/>
+              </a:prstGeom>
+            </p:spPr>
+            <p:style>
+              <a:lnRef idx="0">
+                <a:scrgbClr r="0" g="0" b="0"/>
+              </a:lnRef>
+              <a:fillRef idx="0">
+                <a:scrgbClr r="0" g="0" b="0"/>
+              </a:fillRef>
+              <a:effectRef idx="0">
+                <a:scrgbClr r="0" g="0" b="0"/>
+              </a:effectRef>
+              <a:fontRef idx="minor">
+                <a:schemeClr val="lt1"/>
+              </a:fontRef>
+            </p:style>
+            <p:txBody>
+              <a:bodyPr spcFirstLastPara="0" vert="horz" wrap="square" lIns="50800" tIns="50800" rIns="50800" bIns="50800" numCol="1" spcCol="1270" anchor="t" anchorCtr="0">
+                <a:noAutofit/>
+              </a:bodyPr>
+              <a:lstStyle/>
+              <a:p>
+                <a:pPr algn="ctr" defTabSz="889000">
+                  <a:lnSpc>
+                    <a:spcPct val="90000"/>
+                  </a:lnSpc>
+                  <a:spcBef>
+                    <a:spcPct val="0"/>
+                  </a:spcBef>
+                  <a:spcAft>
+                    <a:spcPct val="35000"/>
+                  </a:spcAft>
+                </a:pPr>
+                <a:r>
+                  <a:rPr lang="en-US" sz="1100" dirty="0" smtClean="0"/>
+                  <a:t>MonitorReceiver</a:t>
+                </a:r>
+                <a:endParaRPr lang="en-US" sz="1100" dirty="0"/>
+              </a:p>
+            </p:txBody>
+          </p:sp>
+        </p:grpSp>
+        <p:sp>
+          <p:nvSpPr>
+            <p:cNvPr id="46" name="Прямоугольник 45"/>
+            <p:cNvSpPr/>
+            <p:nvPr/>
+          </p:nvSpPr>
+          <p:spPr>
+            <a:xfrm>
+              <a:off x="6096000" y="3067050"/>
+              <a:ext cx="1437193" cy="361950"/>
+            </a:xfrm>
+            <a:prstGeom prst="rect">
+              <a:avLst/>
+            </a:prstGeom>
+            <a:solidFill>
+              <a:schemeClr val="accent1">
+                <a:lumMod val="40000"/>
+                <a:lumOff val="60000"/>
+              </a:schemeClr>
+            </a:solidFill>
+          </p:spPr>
+          <p:style>
+            <a:lnRef idx="2">
+              <a:schemeClr val="lt1">
+                <a:hueOff val="0"/>
+                <a:satOff val="0"/>
+                <a:lumOff val="0"/>
+                <a:alphaOff val="0"/>
+              </a:schemeClr>
+            </a:lnRef>
+            <a:fillRef idx="1">
+              <a:scrgbClr r="0" g="0" b="0"/>
+            </a:fillRef>
+            <a:effectRef idx="0">
+              <a:schemeClr val="accent1">
+                <a:tint val="50000"/>
+                <a:hueOff val="0"/>
+                <a:satOff val="0"/>
+                <a:lumOff val="0"/>
+                <a:alphaOff val="0"/>
+              </a:schemeClr>
+            </a:effectRef>
+            <a:fontRef idx="minor">
+              <a:schemeClr val="lt1">
+                <a:hueOff val="0"/>
+                <a:satOff val="0"/>
+                <a:lumOff val="0"/>
+                <a:alphaOff val="0"/>
+              </a:schemeClr>
+            </a:fontRef>
+          </p:style>
+          <p:txBody>
+            <a:bodyPr rtlCol="0" anchor="ctr"/>
+            <a:lstStyle/>
+            <a:p>
+              <a:r>
+                <a:rPr lang="ru-RU" sz="1100" dirty="0">
+                  <a:solidFill>
+                    <a:schemeClr val="tx1"/>
+                  </a:solidFill>
+                </a:rPr>
+                <a:t>Получить сообщение из очереди </a:t>
+              </a:r>
+              <a:r>
+                <a:rPr lang="ru-RU" sz="1100" dirty="0" smtClean="0">
+                  <a:solidFill>
+                    <a:schemeClr val="tx1"/>
+                  </a:solidFill>
+                </a:rPr>
+                <a:t>сообщений</a:t>
+              </a:r>
+              <a:endParaRPr lang="ru-RU" sz="1100" dirty="0">
+                <a:solidFill>
+                  <a:schemeClr val="tx1"/>
+                </a:solidFill>
+              </a:endParaRPr>
+            </a:p>
+          </p:txBody>
+        </p:sp>
+      </p:grpSp>
+      <p:grpSp>
+        <p:nvGrpSpPr>
+          <p:cNvPr id="49" name="Группа 48"/>
+          <p:cNvGrpSpPr/>
+          <p:nvPr/>
+        </p:nvGrpSpPr>
+        <p:grpSpPr>
+          <a:xfrm>
+            <a:off x="9104548" y="1616960"/>
+            <a:ext cx="1800000" cy="1800000"/>
+            <a:chOff x="6093193" y="1986699"/>
+            <a:chExt cx="1440000" cy="1442301"/>
+          </a:xfrm>
+        </p:grpSpPr>
+        <p:grpSp>
+          <p:nvGrpSpPr>
+            <p:cNvPr id="50" name="Группа 49"/>
+            <p:cNvGrpSpPr/>
+            <p:nvPr/>
+          </p:nvGrpSpPr>
+          <p:grpSpPr>
+            <a:xfrm>
+              <a:off x="6093193" y="1986699"/>
+              <a:ext cx="1440000" cy="1440000"/>
+              <a:chOff x="8438075" y="2424393"/>
+              <a:chExt cx="1620003" cy="1620003"/>
+            </a:xfrm>
+          </p:grpSpPr>
+          <p:sp>
+            <p:nvSpPr>
+              <p:cNvPr id="52" name="Скругленный прямоугольник 51"/>
+              <p:cNvSpPr/>
+              <p:nvPr/>
+            </p:nvSpPr>
+            <p:spPr>
+              <a:xfrm>
+                <a:off x="8438075" y="2424393"/>
+                <a:ext cx="1620003" cy="1620003"/>
+              </a:xfrm>
+              <a:prstGeom prst="roundRect">
+                <a:avLst/>
+              </a:prstGeom>
+            </p:spPr>
+            <p:style>
+              <a:lnRef idx="2">
+                <a:schemeClr val="lt1">
+                  <a:hueOff val="0"/>
+                  <a:satOff val="0"/>
+                  <a:lumOff val="0"/>
+                  <a:alphaOff val="0"/>
+                </a:schemeClr>
+              </a:lnRef>
+              <a:fillRef idx="1">
+                <a:schemeClr val="accent1">
+                  <a:hueOff val="0"/>
+                  <a:satOff val="0"/>
+                  <a:lumOff val="0"/>
+                  <a:alphaOff val="0"/>
+                </a:schemeClr>
+              </a:fillRef>
+              <a:effectRef idx="0">
+                <a:schemeClr val="accent1">
+                  <a:hueOff val="0"/>
+                  <a:satOff val="0"/>
+                  <a:lumOff val="0"/>
+                  <a:alphaOff val="0"/>
+                </a:schemeClr>
+              </a:effectRef>
+              <a:fontRef idx="minor">
+                <a:schemeClr val="lt1"/>
+              </a:fontRef>
+            </p:style>
+          </p:sp>
+          <p:sp>
+            <p:nvSpPr>
+              <p:cNvPr id="53" name="Скругленный прямоугольник 4"/>
+              <p:cNvSpPr/>
+              <p:nvPr/>
+            </p:nvSpPr>
+            <p:spPr>
+              <a:xfrm>
+                <a:off x="8517157" y="2503475"/>
+                <a:ext cx="1461839" cy="1461839"/>
+              </a:xfrm>
+              <a:prstGeom prst="rect">
+                <a:avLst/>
+              </a:prstGeom>
+            </p:spPr>
+            <p:style>
+              <a:lnRef idx="0">
+                <a:scrgbClr r="0" g="0" b="0"/>
+              </a:lnRef>
+              <a:fillRef idx="0">
+                <a:scrgbClr r="0" g="0" b="0"/>
+              </a:fillRef>
+              <a:effectRef idx="0">
+                <a:scrgbClr r="0" g="0" b="0"/>
+              </a:effectRef>
+              <a:fontRef idx="minor">
+                <a:schemeClr val="lt1"/>
+              </a:fontRef>
+            </p:style>
+            <p:txBody>
+              <a:bodyPr spcFirstLastPara="0" vert="horz" wrap="square" lIns="50800" tIns="50800" rIns="50800" bIns="50800" numCol="1" spcCol="1270" anchor="t" anchorCtr="0">
+                <a:noAutofit/>
+              </a:bodyPr>
+              <a:lstStyle/>
+              <a:p>
+                <a:pPr algn="ctr" defTabSz="889000">
+                  <a:lnSpc>
+                    <a:spcPct val="90000"/>
+                  </a:lnSpc>
+                  <a:spcBef>
+                    <a:spcPct val="0"/>
+                  </a:spcBef>
+                  <a:spcAft>
+                    <a:spcPct val="35000"/>
+                  </a:spcAft>
+                </a:pPr>
+                <a:r>
+                  <a:rPr lang="en-US" sz="1100" dirty="0"/>
+                  <a:t>LoggerMonitor</a:t>
+                </a:r>
+              </a:p>
+              <a:p>
+                <a:pPr algn="ctr" defTabSz="889000">
+                  <a:lnSpc>
+                    <a:spcPct val="90000"/>
+                  </a:lnSpc>
+                  <a:spcBef>
+                    <a:spcPct val="0"/>
+                  </a:spcBef>
+                  <a:spcAft>
+                    <a:spcPct val="35000"/>
+                  </a:spcAft>
+                </a:pPr>
+                <a:endParaRPr lang="en-US" sz="1100" dirty="0"/>
+              </a:p>
+            </p:txBody>
+          </p:sp>
+        </p:grpSp>
+        <p:sp>
+          <p:nvSpPr>
+            <p:cNvPr id="51" name="Прямоугольник 50"/>
+            <p:cNvSpPr/>
+            <p:nvPr/>
+          </p:nvSpPr>
+          <p:spPr>
+            <a:xfrm>
+              <a:off x="6096000" y="3067050"/>
+              <a:ext cx="1437193" cy="361950"/>
+            </a:xfrm>
+            <a:prstGeom prst="rect">
+              <a:avLst/>
+            </a:prstGeom>
+            <a:solidFill>
+              <a:schemeClr val="accent1">
+                <a:lumMod val="40000"/>
+                <a:lumOff val="60000"/>
+              </a:schemeClr>
+            </a:solidFill>
+          </p:spPr>
+          <p:style>
+            <a:lnRef idx="2">
+              <a:schemeClr val="lt1">
+                <a:hueOff val="0"/>
+                <a:satOff val="0"/>
+                <a:lumOff val="0"/>
+                <a:alphaOff val="0"/>
+              </a:schemeClr>
+            </a:lnRef>
+            <a:fillRef idx="1">
+              <a:scrgbClr r="0" g="0" b="0"/>
+            </a:fillRef>
+            <a:effectRef idx="0">
+              <a:schemeClr val="accent1">
+                <a:tint val="50000"/>
+                <a:hueOff val="0"/>
+                <a:satOff val="0"/>
+                <a:lumOff val="0"/>
+                <a:alphaOff val="0"/>
+              </a:schemeClr>
+            </a:effectRef>
+            <a:fontRef idx="minor">
+              <a:schemeClr val="lt1">
+                <a:hueOff val="0"/>
+                <a:satOff val="0"/>
+                <a:lumOff val="0"/>
+                <a:alphaOff val="0"/>
+              </a:schemeClr>
+            </a:fontRef>
+          </p:style>
+          <p:txBody>
+            <a:bodyPr rtlCol="0" anchor="ctr"/>
+            <a:lstStyle/>
+            <a:p>
+              <a:r>
+                <a:rPr lang="ru-RU" sz="1100" dirty="0">
+                  <a:solidFill>
+                    <a:schemeClr val="tx1"/>
+                  </a:solidFill>
+                </a:rPr>
+                <a:t>Вывод сообщения на консоль</a:t>
+              </a:r>
+            </a:p>
+          </p:txBody>
+        </p:sp>
+      </p:grpSp>
+      <p:grpSp>
+        <p:nvGrpSpPr>
+          <p:cNvPr id="54" name="Группа 53"/>
+          <p:cNvGrpSpPr/>
+          <p:nvPr/>
+        </p:nvGrpSpPr>
+        <p:grpSpPr>
+          <a:xfrm>
+            <a:off x="3289362" y="2011432"/>
+            <a:ext cx="1800000" cy="1800000"/>
+            <a:chOff x="6093193" y="1986699"/>
+            <a:chExt cx="1440000" cy="1442301"/>
+          </a:xfrm>
+        </p:grpSpPr>
+        <p:grpSp>
+          <p:nvGrpSpPr>
+            <p:cNvPr id="55" name="Группа 54"/>
+            <p:cNvGrpSpPr/>
+            <p:nvPr/>
+          </p:nvGrpSpPr>
+          <p:grpSpPr>
+            <a:xfrm>
+              <a:off x="6093193" y="1986699"/>
+              <a:ext cx="1440000" cy="1440000"/>
+              <a:chOff x="8438075" y="2424393"/>
+              <a:chExt cx="1620003" cy="1620003"/>
+            </a:xfrm>
+          </p:grpSpPr>
+          <p:sp>
+            <p:nvSpPr>
+              <p:cNvPr id="57" name="Скругленный прямоугольник 56"/>
+              <p:cNvSpPr/>
+              <p:nvPr/>
+            </p:nvSpPr>
+            <p:spPr>
+              <a:xfrm>
+                <a:off x="8438075" y="2424393"/>
+                <a:ext cx="1620003" cy="1620003"/>
+              </a:xfrm>
+              <a:prstGeom prst="roundRect">
+                <a:avLst/>
+              </a:prstGeom>
+            </p:spPr>
+            <p:style>
+              <a:lnRef idx="2">
+                <a:schemeClr val="lt1">
+                  <a:hueOff val="0"/>
+                  <a:satOff val="0"/>
+                  <a:lumOff val="0"/>
+                  <a:alphaOff val="0"/>
+                </a:schemeClr>
+              </a:lnRef>
+              <a:fillRef idx="1">
+                <a:schemeClr val="accent1">
+                  <a:hueOff val="0"/>
+                  <a:satOff val="0"/>
+                  <a:lumOff val="0"/>
+                  <a:alphaOff val="0"/>
+                </a:schemeClr>
+              </a:fillRef>
+              <a:effectRef idx="0">
+                <a:schemeClr val="accent1">
+                  <a:hueOff val="0"/>
+                  <a:satOff val="0"/>
+                  <a:lumOff val="0"/>
+                  <a:alphaOff val="0"/>
+                </a:schemeClr>
+              </a:effectRef>
+              <a:fontRef idx="minor">
+                <a:schemeClr val="lt1"/>
+              </a:fontRef>
+            </p:style>
+          </p:sp>
+          <p:sp>
+            <p:nvSpPr>
+              <p:cNvPr id="58" name="Скругленный прямоугольник 4"/>
+              <p:cNvSpPr/>
+              <p:nvPr/>
+            </p:nvSpPr>
+            <p:spPr>
+              <a:xfrm>
+                <a:off x="8517157" y="2503475"/>
+                <a:ext cx="1461839" cy="1461839"/>
+              </a:xfrm>
+              <a:prstGeom prst="rect">
+                <a:avLst/>
+              </a:prstGeom>
+            </p:spPr>
+            <p:style>
+              <a:lnRef idx="0">
+                <a:scrgbClr r="0" g="0" b="0"/>
+              </a:lnRef>
+              <a:fillRef idx="0">
+                <a:scrgbClr r="0" g="0" b="0"/>
+              </a:fillRef>
+              <a:effectRef idx="0">
+                <a:scrgbClr r="0" g="0" b="0"/>
+              </a:effectRef>
+              <a:fontRef idx="minor">
+                <a:schemeClr val="lt1"/>
+              </a:fontRef>
+            </p:style>
+            <p:txBody>
+              <a:bodyPr spcFirstLastPara="0" vert="horz" wrap="square" lIns="50800" tIns="50800" rIns="50800" bIns="50800" numCol="1" spcCol="1270" anchor="t" anchorCtr="0">
+                <a:noAutofit/>
+              </a:bodyPr>
+              <a:lstStyle/>
+              <a:p>
+                <a:pPr algn="ctr" defTabSz="889000">
+                  <a:lnSpc>
+                    <a:spcPct val="90000"/>
+                  </a:lnSpc>
+                  <a:spcBef>
+                    <a:spcPct val="0"/>
+                  </a:spcBef>
+                  <a:spcAft>
+                    <a:spcPct val="35000"/>
+                  </a:spcAft>
+                </a:pPr>
+                <a:r>
+                  <a:rPr lang="en-US" sz="1100" dirty="0"/>
+                  <a:t>WriterMessage</a:t>
+                </a:r>
+              </a:p>
+              <a:p>
+                <a:pPr algn="ctr" defTabSz="889000">
+                  <a:lnSpc>
+                    <a:spcPct val="90000"/>
+                  </a:lnSpc>
+                  <a:spcBef>
+                    <a:spcPct val="0"/>
+                  </a:spcBef>
+                  <a:spcAft>
+                    <a:spcPct val="35000"/>
+                  </a:spcAft>
+                </a:pPr>
+                <a:endParaRPr lang="ru-RU" sz="1100" b="1" kern="1200" dirty="0"/>
+              </a:p>
+            </p:txBody>
+          </p:sp>
+        </p:grpSp>
+        <p:sp>
+          <p:nvSpPr>
+            <p:cNvPr id="56" name="Прямоугольник 55"/>
+            <p:cNvSpPr/>
+            <p:nvPr/>
+          </p:nvSpPr>
+          <p:spPr>
+            <a:xfrm>
+              <a:off x="6096000" y="2857234"/>
+              <a:ext cx="1437193" cy="571766"/>
+            </a:xfrm>
+            <a:prstGeom prst="rect">
+              <a:avLst/>
+            </a:prstGeom>
+            <a:solidFill>
+              <a:schemeClr val="accent1">
+                <a:lumMod val="40000"/>
+                <a:lumOff val="60000"/>
+              </a:schemeClr>
+            </a:solidFill>
+          </p:spPr>
+          <p:style>
+            <a:lnRef idx="2">
+              <a:schemeClr val="lt1">
+                <a:hueOff val="0"/>
+                <a:satOff val="0"/>
+                <a:lumOff val="0"/>
+                <a:alphaOff val="0"/>
+              </a:schemeClr>
+            </a:lnRef>
+            <a:fillRef idx="1">
+              <a:scrgbClr r="0" g="0" b="0"/>
+            </a:fillRef>
+            <a:effectRef idx="0">
+              <a:schemeClr val="accent1">
+                <a:tint val="50000"/>
+                <a:hueOff val="0"/>
+                <a:satOff val="0"/>
+                <a:lumOff val="0"/>
+                <a:alphaOff val="0"/>
+              </a:schemeClr>
+            </a:effectRef>
+            <a:fontRef idx="minor">
+              <a:schemeClr val="lt1">
+                <a:hueOff val="0"/>
+                <a:satOff val="0"/>
+                <a:lumOff val="0"/>
+                <a:alphaOff val="0"/>
+              </a:schemeClr>
+            </a:fontRef>
+          </p:style>
+          <p:txBody>
+            <a:bodyPr rtlCol="0" anchor="ctr"/>
+            <a:lstStyle/>
+            <a:p>
+              <a:r>
+                <a:rPr lang="ru-RU" sz="1100" dirty="0" smtClean="0">
+                  <a:solidFill>
+                    <a:schemeClr val="tx1"/>
+                  </a:solidFill>
+                </a:rPr>
+                <a:t>Записать сообщение в лог-файл </a:t>
+              </a:r>
+              <a:r>
+                <a:rPr lang="ru-RU" sz="1100" dirty="0">
+                  <a:solidFill>
+                    <a:schemeClr val="tx1"/>
+                  </a:solidFill>
+                </a:rPr>
+                <a:t>и отправить в монитор</a:t>
+              </a:r>
+            </a:p>
+          </p:txBody>
+        </p:sp>
+      </p:grpSp>
+      <p:grpSp>
+        <p:nvGrpSpPr>
+          <p:cNvPr id="61" name="Группа 60"/>
+          <p:cNvGrpSpPr/>
+          <p:nvPr/>
+        </p:nvGrpSpPr>
+        <p:grpSpPr>
+          <a:xfrm>
+            <a:off x="582624" y="2011432"/>
+            <a:ext cx="1267113" cy="1997692"/>
+            <a:chOff x="6093193" y="1986699"/>
+            <a:chExt cx="1440000" cy="1442302"/>
+          </a:xfrm>
+        </p:grpSpPr>
+        <p:grpSp>
+          <p:nvGrpSpPr>
+            <p:cNvPr id="62" name="Группа 61"/>
+            <p:cNvGrpSpPr/>
+            <p:nvPr/>
+          </p:nvGrpSpPr>
+          <p:grpSpPr>
+            <a:xfrm>
+              <a:off x="6093193" y="1986699"/>
+              <a:ext cx="1440000" cy="1440000"/>
+              <a:chOff x="8438075" y="2424393"/>
+              <a:chExt cx="1620003" cy="1620003"/>
+            </a:xfrm>
+          </p:grpSpPr>
+          <p:sp>
+            <p:nvSpPr>
+              <p:cNvPr id="64" name="Скругленный прямоугольник 63"/>
+              <p:cNvSpPr/>
+              <p:nvPr/>
+            </p:nvSpPr>
+            <p:spPr>
+              <a:xfrm>
+                <a:off x="8438075" y="2424393"/>
+                <a:ext cx="1620003" cy="1620003"/>
+              </a:xfrm>
+              <a:prstGeom prst="roundRect">
+                <a:avLst/>
+              </a:prstGeom>
+            </p:spPr>
+            <p:style>
+              <a:lnRef idx="2">
+                <a:schemeClr val="lt1">
+                  <a:hueOff val="0"/>
+                  <a:satOff val="0"/>
+                  <a:lumOff val="0"/>
+                  <a:alphaOff val="0"/>
+                </a:schemeClr>
+              </a:lnRef>
+              <a:fillRef idx="1">
+                <a:schemeClr val="accent1">
+                  <a:hueOff val="0"/>
+                  <a:satOff val="0"/>
+                  <a:lumOff val="0"/>
+                  <a:alphaOff val="0"/>
+                </a:schemeClr>
+              </a:fillRef>
+              <a:effectRef idx="0">
+                <a:schemeClr val="accent1">
+                  <a:hueOff val="0"/>
+                  <a:satOff val="0"/>
+                  <a:lumOff val="0"/>
+                  <a:alphaOff val="0"/>
+                </a:schemeClr>
+              </a:effectRef>
+              <a:fontRef idx="minor">
+                <a:schemeClr val="lt1"/>
+              </a:fontRef>
+            </p:style>
+          </p:sp>
+          <p:sp>
+            <p:nvSpPr>
+              <p:cNvPr id="65" name="Скругленный прямоугольник 4"/>
+              <p:cNvSpPr/>
+              <p:nvPr/>
+            </p:nvSpPr>
+            <p:spPr>
+              <a:xfrm>
+                <a:off x="8517157" y="2503475"/>
+                <a:ext cx="1461839" cy="1461839"/>
+              </a:xfrm>
+              <a:prstGeom prst="rect">
+                <a:avLst/>
+              </a:prstGeom>
+            </p:spPr>
+            <p:style>
+              <a:lnRef idx="0">
+                <a:scrgbClr r="0" g="0" b="0"/>
+              </a:lnRef>
+              <a:fillRef idx="0">
+                <a:scrgbClr r="0" g="0" b="0"/>
+              </a:fillRef>
+              <a:effectRef idx="0">
+                <a:scrgbClr r="0" g="0" b="0"/>
+              </a:effectRef>
+              <a:fontRef idx="minor">
+                <a:schemeClr val="lt1"/>
+              </a:fontRef>
+            </p:style>
+            <p:txBody>
+              <a:bodyPr spcFirstLastPara="0" vert="horz" wrap="square" lIns="50800" tIns="50800" rIns="50800" bIns="50800" numCol="1" spcCol="1270" anchor="t" anchorCtr="0">
+                <a:noAutofit/>
+              </a:bodyPr>
+              <a:lstStyle/>
+              <a:p>
+                <a:pPr algn="ctr" defTabSz="889000">
+                  <a:lnSpc>
+                    <a:spcPct val="90000"/>
+                  </a:lnSpc>
+                  <a:spcBef>
+                    <a:spcPct val="0"/>
+                  </a:spcBef>
+                  <a:spcAft>
+                    <a:spcPct val="35000"/>
+                  </a:spcAft>
+                </a:pPr>
+                <a:r>
+                  <a:rPr lang="en-US" sz="1100" dirty="0"/>
+                  <a:t>Logger</a:t>
+                </a:r>
+              </a:p>
+              <a:p>
+                <a:pPr algn="ctr" defTabSz="889000">
+                  <a:lnSpc>
+                    <a:spcPct val="90000"/>
+                  </a:lnSpc>
+                  <a:spcBef>
+                    <a:spcPct val="0"/>
+                  </a:spcBef>
+                  <a:spcAft>
+                    <a:spcPct val="35000"/>
+                  </a:spcAft>
+                </a:pPr>
+                <a:endParaRPr lang="en-US" sz="1100" dirty="0"/>
+              </a:p>
+              <a:p>
+                <a:pPr algn="ctr" defTabSz="889000">
+                  <a:lnSpc>
+                    <a:spcPct val="90000"/>
+                  </a:lnSpc>
+                  <a:spcBef>
+                    <a:spcPct val="0"/>
+                  </a:spcBef>
+                  <a:spcAft>
+                    <a:spcPct val="35000"/>
+                  </a:spcAft>
+                </a:pPr>
+                <a:endParaRPr lang="ru-RU" sz="1100" b="1" kern="1200" dirty="0"/>
+              </a:p>
+            </p:txBody>
+          </p:sp>
+        </p:grpSp>
+        <p:sp>
+          <p:nvSpPr>
+            <p:cNvPr id="63" name="Прямоугольник 62"/>
+            <p:cNvSpPr/>
+            <p:nvPr/>
+          </p:nvSpPr>
+          <p:spPr>
+            <a:xfrm>
+              <a:off x="6096000" y="2608957"/>
+              <a:ext cx="1437193" cy="820044"/>
+            </a:xfrm>
+            <a:prstGeom prst="rect">
+              <a:avLst/>
+            </a:prstGeom>
+            <a:solidFill>
+              <a:schemeClr val="accent1">
+                <a:lumMod val="40000"/>
+                <a:lumOff val="60000"/>
+              </a:schemeClr>
+            </a:solidFill>
+          </p:spPr>
+          <p:style>
+            <a:lnRef idx="2">
+              <a:schemeClr val="lt1">
+                <a:hueOff val="0"/>
+                <a:satOff val="0"/>
+                <a:lumOff val="0"/>
+                <a:alphaOff val="0"/>
+              </a:schemeClr>
+            </a:lnRef>
+            <a:fillRef idx="1">
+              <a:scrgbClr r="0" g="0" b="0"/>
+            </a:fillRef>
+            <a:effectRef idx="0">
+              <a:schemeClr val="accent1">
+                <a:tint val="50000"/>
+                <a:hueOff val="0"/>
+                <a:satOff val="0"/>
+                <a:lumOff val="0"/>
+                <a:alphaOff val="0"/>
+              </a:schemeClr>
+            </a:effectRef>
+            <a:fontRef idx="minor">
+              <a:schemeClr val="lt1">
+                <a:hueOff val="0"/>
+                <a:satOff val="0"/>
+                <a:lumOff val="0"/>
+                <a:alphaOff val="0"/>
+              </a:schemeClr>
+            </a:fontRef>
+          </p:style>
+          <p:txBody>
+            <a:bodyPr rtlCol="0" anchor="ctr"/>
+            <a:lstStyle/>
+            <a:p>
+              <a:r>
+                <a:rPr lang="ru-RU" sz="1100" dirty="0">
+                  <a:solidFill>
+                    <a:schemeClr val="tx1"/>
+                  </a:solidFill>
+                </a:rPr>
+                <a:t>Записать сообщение уровня debug … fatal</a:t>
+              </a:r>
+            </a:p>
+          </p:txBody>
+        </p:sp>
+      </p:grpSp>
+      <p:pic>
+        <p:nvPicPr>
+          <p:cNvPr id="66" name="Рисунок 65"/>
+          <p:cNvPicPr>
+            <a:picLocks noChangeAspect="1"/>
+          </p:cNvPicPr>
+          <p:nvPr/>
+        </p:nvPicPr>
+        <p:blipFill>
+          <a:blip r:embed="rId2" cstate="print">
+            <a:extLst>
+              <a:ext uri="{28A0092B-C50C-407E-A947-70E740481C1C}">
+                <a14:useLocalDpi xmlns:a14="http://schemas.microsoft.com/office/drawing/2010/main" val="0"/>
+              </a:ext>
+            </a:extLst>
+          </a:blip>
+          <a:stretch>
+            <a:fillRect/>
+          </a:stretch>
+        </p:blipFill>
+        <p:spPr>
+          <a:xfrm>
+            <a:off x="10803673" y="3848600"/>
+            <a:ext cx="973401" cy="1376738"/>
+          </a:xfrm>
+          <a:prstGeom prst="rect">
+            <a:avLst/>
+          </a:prstGeom>
+        </p:spPr>
+      </p:pic>
+      <p:cxnSp>
+        <p:nvCxnSpPr>
+          <p:cNvPr id="72" name="Прямая соединительная линия 71"/>
+          <p:cNvCxnSpPr/>
+          <p:nvPr/>
+        </p:nvCxnSpPr>
+        <p:spPr>
+          <a:xfrm>
+            <a:off x="2637315" y="1711681"/>
+            <a:ext cx="17804" cy="4344990"/>
+          </a:xfrm>
+          <a:prstGeom prst="line">
+            <a:avLst/>
+          </a:prstGeom>
+          <a:ln w="63500">
+            <a:solidFill>
+              <a:schemeClr val="accent5">
+                <a:lumMod val="60000"/>
+                <a:lumOff val="40000"/>
+              </a:schemeClr>
+            </a:solidFill>
+            <a:prstDash val="dash"/>
+          </a:ln>
+        </p:spPr>
+        <p:style>
+          <a:lnRef idx="1">
+            <a:schemeClr val="accent1"/>
+          </a:lnRef>
+          <a:fillRef idx="0">
+            <a:schemeClr val="accent1"/>
+          </a:fillRef>
+          <a:effectRef idx="0">
+            <a:schemeClr val="accent1"/>
+          </a:effectRef>
+          <a:fontRef idx="minor">
+            <a:schemeClr val="tx1"/>
+          </a:fontRef>
+        </p:style>
+      </p:cxnSp>
+      <p:cxnSp>
+        <p:nvCxnSpPr>
+          <p:cNvPr id="77" name="Прямая соединительная линия 76"/>
+          <p:cNvCxnSpPr/>
+          <p:nvPr/>
+        </p:nvCxnSpPr>
+        <p:spPr>
+          <a:xfrm>
+            <a:off x="5936048" y="1706767"/>
+            <a:ext cx="17804" cy="4344990"/>
+          </a:xfrm>
+          <a:prstGeom prst="line">
+            <a:avLst/>
+          </a:prstGeom>
+          <a:ln w="63500">
+            <a:solidFill>
+              <a:schemeClr val="accent5">
+                <a:lumMod val="60000"/>
+                <a:lumOff val="40000"/>
+              </a:schemeClr>
+            </a:solidFill>
+            <a:prstDash val="dash"/>
+          </a:ln>
+        </p:spPr>
+        <p:style>
+          <a:lnRef idx="1">
+            <a:schemeClr val="accent1"/>
+          </a:lnRef>
+          <a:fillRef idx="0">
+            <a:schemeClr val="accent1"/>
+          </a:fillRef>
+          <a:effectRef idx="0">
+            <a:schemeClr val="accent1"/>
+          </a:effectRef>
+          <a:fontRef idx="minor">
+            <a:schemeClr val="tx1"/>
+          </a:fontRef>
+        </p:style>
+      </p:cxnSp>
+      <p:cxnSp>
+        <p:nvCxnSpPr>
+          <p:cNvPr id="78" name="Прямая соединительная линия 77"/>
+          <p:cNvCxnSpPr/>
+          <p:nvPr/>
+        </p:nvCxnSpPr>
+        <p:spPr>
+          <a:xfrm>
+            <a:off x="2635231" y="1680882"/>
+            <a:ext cx="3309719" cy="11120"/>
+          </a:xfrm>
+          <a:prstGeom prst="line">
+            <a:avLst/>
+          </a:prstGeom>
+          <a:ln w="63500">
+            <a:solidFill>
+              <a:schemeClr val="accent5">
+                <a:lumMod val="60000"/>
+                <a:lumOff val="40000"/>
+              </a:schemeClr>
+            </a:solidFill>
+            <a:prstDash val="dash"/>
+          </a:ln>
+        </p:spPr>
+        <p:style>
+          <a:lnRef idx="1">
+            <a:schemeClr val="accent1"/>
+          </a:lnRef>
+          <a:fillRef idx="0">
+            <a:schemeClr val="accent1"/>
+          </a:fillRef>
+          <a:effectRef idx="0">
+            <a:schemeClr val="accent1"/>
+          </a:effectRef>
+          <a:fontRef idx="minor">
+            <a:schemeClr val="tx1"/>
+          </a:fontRef>
+        </p:style>
+      </p:cxnSp>
+      <p:cxnSp>
+        <p:nvCxnSpPr>
+          <p:cNvPr id="80" name="Прямая соединительная линия 79"/>
+          <p:cNvCxnSpPr/>
+          <p:nvPr/>
+        </p:nvCxnSpPr>
+        <p:spPr>
+          <a:xfrm>
+            <a:off x="2661965" y="6073136"/>
+            <a:ext cx="3309545" cy="6221"/>
+          </a:xfrm>
+          <a:prstGeom prst="line">
+            <a:avLst/>
+          </a:prstGeom>
+          <a:ln w="63500">
+            <a:solidFill>
+              <a:schemeClr val="accent5">
+                <a:lumMod val="60000"/>
+                <a:lumOff val="40000"/>
+              </a:schemeClr>
+            </a:solidFill>
+            <a:prstDash val="dash"/>
+          </a:ln>
+        </p:spPr>
+        <p:style>
+          <a:lnRef idx="1">
+            <a:schemeClr val="accent1"/>
+          </a:lnRef>
+          <a:fillRef idx="0">
+            <a:schemeClr val="accent1"/>
+          </a:fillRef>
+          <a:effectRef idx="0">
+            <a:schemeClr val="accent1"/>
+          </a:effectRef>
+          <a:fontRef idx="minor">
+            <a:schemeClr val="tx1"/>
+          </a:fontRef>
+        </p:style>
+      </p:cxnSp>
+      <p:sp>
+        <p:nvSpPr>
+          <p:cNvPr id="81" name="TextBox 80"/>
+          <p:cNvSpPr txBox="1"/>
+          <p:nvPr/>
+        </p:nvSpPr>
+        <p:spPr>
+          <a:xfrm>
+            <a:off x="2940434" y="1685372"/>
+            <a:ext cx="2672591" cy="369332"/>
+          </a:xfrm>
+          <a:prstGeom prst="rect">
+            <a:avLst/>
+          </a:prstGeom>
+          <a:noFill/>
+        </p:spPr>
+        <p:txBody>
+          <a:bodyPr wrap="none" rtlCol="0">
+            <a:spAutoFit/>
+          </a:bodyPr>
+          <a:lstStyle/>
+          <a:p>
+            <a:r>
+              <a:rPr lang="ru-RU" dirty="0" smtClean="0"/>
+              <a:t>Поток записи сообщений</a:t>
+            </a:r>
+            <a:endParaRPr lang="ru-RU" dirty="0"/>
+          </a:p>
+        </p:txBody>
+      </p:sp>
+      <p:cxnSp>
+        <p:nvCxnSpPr>
+          <p:cNvPr id="89" name="Соединительная линия уступом 88"/>
+          <p:cNvCxnSpPr>
+            <a:endCxn id="38" idx="1"/>
+          </p:cNvCxnSpPr>
+          <p:nvPr/>
+        </p:nvCxnSpPr>
+        <p:spPr>
+          <a:xfrm rot="5400000">
+            <a:off x="3470392" y="3948334"/>
+            <a:ext cx="2267430" cy="1245248"/>
+          </a:xfrm>
+          <a:prstGeom prst="bentConnector4">
+            <a:avLst>
+              <a:gd name="adj1" fmla="val 23338"/>
+              <a:gd name="adj2" fmla="val 149152"/>
+            </a:avLst>
+          </a:prstGeom>
+          <a:ln w="127000">
+            <a:tailEnd type="triangle"/>
+          </a:ln>
+        </p:spPr>
+        <p:style>
+          <a:lnRef idx="1">
+            <a:schemeClr val="accent1"/>
+          </a:lnRef>
+          <a:fillRef idx="0">
+            <a:schemeClr val="accent1"/>
+          </a:fillRef>
+          <a:effectRef idx="0">
+            <a:schemeClr val="accent1"/>
+          </a:effectRef>
+          <a:fontRef idx="minor">
+            <a:schemeClr val="tx1"/>
+          </a:fontRef>
+        </p:style>
+      </p:cxnSp>
+      <p:sp>
+        <p:nvSpPr>
+          <p:cNvPr id="97" name="TextBox 96"/>
+          <p:cNvSpPr txBox="1"/>
+          <p:nvPr/>
+        </p:nvSpPr>
+        <p:spPr>
+          <a:xfrm>
+            <a:off x="6041328" y="5886350"/>
+            <a:ext cx="2220608" cy="338554"/>
+          </a:xfrm>
+          <a:prstGeom prst="rect">
+            <a:avLst/>
+          </a:prstGeom>
+          <a:noFill/>
+        </p:spPr>
+        <p:txBody>
+          <a:bodyPr wrap="square" rtlCol="0">
+            <a:spAutoFit/>
+          </a:bodyPr>
+          <a:lstStyle/>
+          <a:p>
+            <a:pPr algn="ctr"/>
+            <a:r>
+              <a:rPr lang="en-US" sz="1600" b="1" dirty="0"/>
+              <a:t>message_queue</a:t>
+            </a:r>
+          </a:p>
+        </p:txBody>
+      </p:sp>
+      <p:cxnSp>
+        <p:nvCxnSpPr>
+          <p:cNvPr id="99" name="Соединительная линия уступом 98"/>
+          <p:cNvCxnSpPr>
+            <a:stCxn id="51" idx="3"/>
+          </p:cNvCxnSpPr>
+          <p:nvPr/>
+        </p:nvCxnSpPr>
+        <p:spPr>
+          <a:xfrm>
+            <a:off x="10904548" y="3191102"/>
+            <a:ext cx="371402" cy="963893"/>
+          </a:xfrm>
+          <a:prstGeom prst="bentConnector2">
+            <a:avLst/>
+          </a:prstGeom>
+          <a:ln w="127000">
+            <a:tailEnd type="triangle"/>
+          </a:ln>
+        </p:spPr>
+        <p:style>
+          <a:lnRef idx="1">
+            <a:schemeClr val="accent1"/>
+          </a:lnRef>
+          <a:fillRef idx="0">
+            <a:schemeClr val="accent1"/>
+          </a:fillRef>
+          <a:effectRef idx="0">
+            <a:schemeClr val="accent1"/>
+          </a:effectRef>
+          <a:fontRef idx="minor">
+            <a:schemeClr val="tx1"/>
+          </a:fontRef>
+        </p:style>
+      </p:cxnSp>
+      <p:cxnSp>
+        <p:nvCxnSpPr>
+          <p:cNvPr id="102" name="Соединительная линия уступом 101"/>
+          <p:cNvCxnSpPr>
+            <a:stCxn id="46" idx="3"/>
+            <a:endCxn id="51" idx="1"/>
+          </p:cNvCxnSpPr>
+          <p:nvPr/>
+        </p:nvCxnSpPr>
+        <p:spPr>
+          <a:xfrm flipH="1" flipV="1">
+            <a:off x="9108057" y="3191102"/>
+            <a:ext cx="1129589" cy="2513571"/>
+          </a:xfrm>
+          <a:prstGeom prst="bentConnector5">
+            <a:avLst>
+              <a:gd name="adj1" fmla="val -20237"/>
+              <a:gd name="adj2" fmla="val 75035"/>
+              <a:gd name="adj3" fmla="val 159406"/>
+            </a:avLst>
+          </a:prstGeom>
+          <a:ln w="127000">
+            <a:tailEnd type="triangle"/>
+          </a:ln>
+        </p:spPr>
+        <p:style>
+          <a:lnRef idx="1">
+            <a:schemeClr val="accent1"/>
+          </a:lnRef>
+          <a:fillRef idx="0">
+            <a:schemeClr val="accent1"/>
+          </a:fillRef>
+          <a:effectRef idx="0">
+            <a:schemeClr val="accent1"/>
+          </a:effectRef>
+          <a:fontRef idx="minor">
+            <a:schemeClr val="tx1"/>
+          </a:fontRef>
+        </p:style>
+      </p:cxnSp>
+      <p:cxnSp>
+        <p:nvCxnSpPr>
+          <p:cNvPr id="117" name="Прямая соединительная линия 116"/>
+          <p:cNvCxnSpPr/>
+          <p:nvPr/>
+        </p:nvCxnSpPr>
+        <p:spPr>
+          <a:xfrm>
+            <a:off x="2298107" y="1677270"/>
+            <a:ext cx="17804" cy="4344990"/>
+          </a:xfrm>
+          <a:prstGeom prst="line">
+            <a:avLst/>
+          </a:prstGeom>
+          <a:ln w="63500">
+            <a:solidFill>
+              <a:schemeClr val="accent5">
+                <a:lumMod val="60000"/>
+                <a:lumOff val="40000"/>
+              </a:schemeClr>
+            </a:solidFill>
+            <a:prstDash val="dash"/>
+          </a:ln>
+        </p:spPr>
+        <p:style>
+          <a:lnRef idx="1">
+            <a:schemeClr val="accent1"/>
+          </a:lnRef>
+          <a:fillRef idx="0">
+            <a:schemeClr val="accent1"/>
+          </a:fillRef>
+          <a:effectRef idx="0">
+            <a:schemeClr val="accent1"/>
+          </a:effectRef>
+          <a:fontRef idx="minor">
+            <a:schemeClr val="tx1"/>
+          </a:fontRef>
+        </p:style>
+      </p:cxnSp>
+      <p:cxnSp>
+        <p:nvCxnSpPr>
+          <p:cNvPr id="118" name="Прямая соединительная линия 117"/>
+          <p:cNvCxnSpPr/>
+          <p:nvPr/>
+        </p:nvCxnSpPr>
+        <p:spPr>
+          <a:xfrm>
+            <a:off x="454557" y="1682184"/>
+            <a:ext cx="17804" cy="4344990"/>
+          </a:xfrm>
+          <a:prstGeom prst="line">
+            <a:avLst/>
+          </a:prstGeom>
+          <a:ln w="63500">
+            <a:solidFill>
+              <a:schemeClr val="accent5">
+                <a:lumMod val="60000"/>
+                <a:lumOff val="40000"/>
+              </a:schemeClr>
+            </a:solidFill>
+            <a:prstDash val="dash"/>
+          </a:ln>
+        </p:spPr>
+        <p:style>
+          <a:lnRef idx="1">
+            <a:schemeClr val="accent1"/>
+          </a:lnRef>
+          <a:fillRef idx="0">
+            <a:schemeClr val="accent1"/>
+          </a:fillRef>
+          <a:effectRef idx="0">
+            <a:schemeClr val="accent1"/>
+          </a:effectRef>
+          <a:fontRef idx="minor">
+            <a:schemeClr val="tx1"/>
+          </a:fontRef>
+        </p:style>
+      </p:cxnSp>
+      <p:cxnSp>
+        <p:nvCxnSpPr>
+          <p:cNvPr id="119" name="Прямая соединительная линия 118"/>
+          <p:cNvCxnSpPr/>
+          <p:nvPr/>
+        </p:nvCxnSpPr>
+        <p:spPr>
+          <a:xfrm>
+            <a:off x="453478" y="1671184"/>
+            <a:ext cx="1835278" cy="7170"/>
+          </a:xfrm>
+          <a:prstGeom prst="line">
+            <a:avLst/>
+          </a:prstGeom>
+          <a:ln w="63500">
+            <a:solidFill>
+              <a:schemeClr val="accent5">
+                <a:lumMod val="60000"/>
+                <a:lumOff val="40000"/>
+              </a:schemeClr>
+            </a:solidFill>
+            <a:prstDash val="dash"/>
+          </a:ln>
+        </p:spPr>
+        <p:style>
+          <a:lnRef idx="1">
+            <a:schemeClr val="accent1"/>
+          </a:lnRef>
+          <a:fillRef idx="0">
+            <a:schemeClr val="accent1"/>
+          </a:fillRef>
+          <a:effectRef idx="0">
+            <a:schemeClr val="accent1"/>
+          </a:effectRef>
+          <a:fontRef idx="minor">
+            <a:schemeClr val="tx1"/>
+          </a:fontRef>
+        </p:style>
+      </p:cxnSp>
+      <p:cxnSp>
+        <p:nvCxnSpPr>
+          <p:cNvPr id="121" name="Прямая соединительная линия 120"/>
+          <p:cNvCxnSpPr/>
+          <p:nvPr/>
+        </p:nvCxnSpPr>
+        <p:spPr>
+          <a:xfrm>
+            <a:off x="478056" y="6051463"/>
+            <a:ext cx="1835278" cy="7170"/>
+          </a:xfrm>
+          <a:prstGeom prst="line">
+            <a:avLst/>
+          </a:prstGeom>
+          <a:ln w="63500">
+            <a:solidFill>
+              <a:schemeClr val="accent5">
+                <a:lumMod val="60000"/>
+                <a:lumOff val="40000"/>
+              </a:schemeClr>
+            </a:solidFill>
+            <a:prstDash val="dash"/>
+          </a:ln>
+        </p:spPr>
+        <p:style>
+          <a:lnRef idx="1">
+            <a:schemeClr val="accent1"/>
+          </a:lnRef>
+          <a:fillRef idx="0">
+            <a:schemeClr val="accent1"/>
+          </a:fillRef>
+          <a:effectRef idx="0">
+            <a:schemeClr val="accent1"/>
+          </a:effectRef>
+          <a:fontRef idx="minor">
+            <a:schemeClr val="tx1"/>
+          </a:fontRef>
+        </p:style>
+      </p:cxnSp>
+      <p:sp>
+        <p:nvSpPr>
+          <p:cNvPr id="122" name="TextBox 121"/>
+          <p:cNvSpPr txBox="1"/>
+          <p:nvPr/>
+        </p:nvSpPr>
+        <p:spPr>
+          <a:xfrm>
+            <a:off x="487282" y="1641129"/>
+            <a:ext cx="1770613" cy="369332"/>
+          </a:xfrm>
+          <a:prstGeom prst="rect">
+            <a:avLst/>
+          </a:prstGeom>
+          <a:noFill/>
+        </p:spPr>
+        <p:txBody>
+          <a:bodyPr wrap="none" rtlCol="0">
+            <a:spAutoFit/>
+          </a:bodyPr>
+          <a:lstStyle/>
+          <a:p>
+            <a:r>
+              <a:rPr lang="ru-RU" dirty="0" smtClean="0"/>
+              <a:t>Основной поток</a:t>
+            </a:r>
+            <a:endParaRPr lang="ru-RU" dirty="0"/>
+          </a:p>
+        </p:txBody>
+      </p:sp>
+      <p:pic>
+        <p:nvPicPr>
+          <p:cNvPr id="123" name="Рисунок 122"/>
+          <p:cNvPicPr>
+            <a:picLocks noChangeAspect="1"/>
+          </p:cNvPicPr>
+          <p:nvPr/>
+        </p:nvPicPr>
+        <p:blipFill>
+          <a:blip r:embed="rId3" cstate="print">
+            <a:extLst>
+              <a:ext uri="{28A0092B-C50C-407E-A947-70E740481C1C}">
+                <a14:useLocalDpi xmlns:a14="http://schemas.microsoft.com/office/drawing/2010/main" val="0"/>
+              </a:ext>
+            </a:extLst>
+          </a:blip>
+          <a:stretch>
+            <a:fillRect/>
+          </a:stretch>
+        </p:blipFill>
+        <p:spPr>
+          <a:xfrm>
+            <a:off x="1105317" y="4795932"/>
+            <a:ext cx="629776" cy="890728"/>
+          </a:xfrm>
+          <a:prstGeom prst="rect">
+            <a:avLst/>
+          </a:prstGeom>
+        </p:spPr>
+      </p:pic>
+      <p:cxnSp>
+        <p:nvCxnSpPr>
+          <p:cNvPr id="125" name="Соединительная линия уступом 124"/>
+          <p:cNvCxnSpPr>
+            <a:stCxn id="63" idx="3"/>
+            <a:endCxn id="123" idx="1"/>
+          </p:cNvCxnSpPr>
+          <p:nvPr/>
+        </p:nvCxnSpPr>
+        <p:spPr>
+          <a:xfrm flipH="1">
+            <a:off x="1105317" y="3441214"/>
+            <a:ext cx="744420" cy="1800082"/>
+          </a:xfrm>
+          <a:prstGeom prst="bentConnector5">
+            <a:avLst>
+              <a:gd name="adj1" fmla="val -30708"/>
+              <a:gd name="adj2" fmla="val 53404"/>
+              <a:gd name="adj3" fmla="val 165049"/>
+            </a:avLst>
+          </a:prstGeom>
+          <a:ln w="127000">
+            <a:tailEnd type="triangle"/>
+          </a:ln>
+        </p:spPr>
+        <p:style>
+          <a:lnRef idx="1">
+            <a:schemeClr val="accent1"/>
+          </a:lnRef>
+          <a:fillRef idx="0">
+            <a:schemeClr val="accent1"/>
+          </a:fillRef>
+          <a:effectRef idx="0">
+            <a:schemeClr val="accent1"/>
+          </a:effectRef>
+          <a:fontRef idx="minor">
+            <a:schemeClr val="tx1"/>
+          </a:fontRef>
+        </p:style>
+      </p:cxnSp>
+      <p:cxnSp>
+        <p:nvCxnSpPr>
+          <p:cNvPr id="129" name="Соединительная линия уступом 128"/>
+          <p:cNvCxnSpPr>
+            <a:stCxn id="123" idx="3"/>
+            <a:endCxn id="56" idx="1"/>
+          </p:cNvCxnSpPr>
+          <p:nvPr/>
+        </p:nvCxnSpPr>
+        <p:spPr>
+          <a:xfrm flipV="1">
+            <a:off x="1735093" y="3454649"/>
+            <a:ext cx="1557778" cy="1786647"/>
+          </a:xfrm>
+          <a:prstGeom prst="bentConnector3">
+            <a:avLst/>
+          </a:prstGeom>
+          <a:ln w="127000">
+            <a:tailEnd type="triangle"/>
+          </a:ln>
+        </p:spPr>
+        <p:style>
+          <a:lnRef idx="1">
+            <a:schemeClr val="accent1"/>
+          </a:lnRef>
+          <a:fillRef idx="0">
+            <a:schemeClr val="accent1"/>
+          </a:fillRef>
+          <a:effectRef idx="0">
+            <a:schemeClr val="accent1"/>
+          </a:effectRef>
+          <a:fontRef idx="minor">
+            <a:schemeClr val="tx1"/>
+          </a:fontRef>
+        </p:style>
+      </p:cxnSp>
+      <p:sp>
+        <p:nvSpPr>
+          <p:cNvPr id="132" name="TextBox 131"/>
+          <p:cNvSpPr txBox="1"/>
+          <p:nvPr/>
+        </p:nvSpPr>
+        <p:spPr>
+          <a:xfrm>
+            <a:off x="770617" y="5568244"/>
+            <a:ext cx="1552028" cy="261610"/>
+          </a:xfrm>
+          <a:prstGeom prst="rect">
+            <a:avLst/>
+          </a:prstGeom>
+          <a:noFill/>
+        </p:spPr>
+        <p:txBody>
+          <a:bodyPr wrap="none" rtlCol="0">
+            <a:spAutoFit/>
+          </a:bodyPr>
+          <a:lstStyle/>
+          <a:p>
+            <a:r>
+              <a:rPr lang="ru-RU" sz="1100" dirty="0" smtClean="0"/>
+              <a:t>Контейнер сообщений</a:t>
+            </a:r>
+            <a:endParaRPr lang="ru-RU" sz="1100" dirty="0"/>
+          </a:p>
+        </p:txBody>
+      </p:sp>
+      <p:pic>
+        <p:nvPicPr>
+          <p:cNvPr id="133" name="Рисунок 132"/>
+          <p:cNvPicPr>
+            <a:picLocks noChangeAspect="1"/>
+          </p:cNvPicPr>
+          <p:nvPr/>
+        </p:nvPicPr>
+        <p:blipFill>
+          <a:blip r:embed="rId4" cstate="print">
+            <a:extLst>
+              <a:ext uri="{28A0092B-C50C-407E-A947-70E740481C1C}">
+                <a14:useLocalDpi xmlns:a14="http://schemas.microsoft.com/office/drawing/2010/main" val="0"/>
+              </a:ext>
+            </a:extLst>
+          </a:blip>
+          <a:stretch>
+            <a:fillRect/>
+          </a:stretch>
+        </p:blipFill>
+        <p:spPr>
+          <a:xfrm>
+            <a:off x="5281878" y="1886974"/>
+            <a:ext cx="732558" cy="1036099"/>
+          </a:xfrm>
+          <a:prstGeom prst="rect">
+            <a:avLst/>
+          </a:prstGeom>
+        </p:spPr>
+      </p:pic>
+      <p:cxnSp>
+        <p:nvCxnSpPr>
+          <p:cNvPr id="136" name="Соединительная линия уступом 135"/>
+          <p:cNvCxnSpPr>
+            <a:endCxn id="133" idx="2"/>
+          </p:cNvCxnSpPr>
+          <p:nvPr/>
+        </p:nvCxnSpPr>
+        <p:spPr>
+          <a:xfrm flipV="1">
+            <a:off x="5099195" y="2923073"/>
+            <a:ext cx="548962" cy="531576"/>
+          </a:xfrm>
+          <a:prstGeom prst="bentConnector2">
+            <a:avLst/>
+          </a:prstGeom>
+          <a:ln w="127000">
+            <a:tailEnd type="triangle"/>
+          </a:ln>
+        </p:spPr>
+        <p:style>
+          <a:lnRef idx="1">
+            <a:schemeClr val="accent1"/>
+          </a:lnRef>
+          <a:fillRef idx="0">
+            <a:schemeClr val="accent1"/>
+          </a:fillRef>
+          <a:effectRef idx="0">
+            <a:schemeClr val="accent1"/>
+          </a:effectRef>
+          <a:fontRef idx="minor">
+            <a:schemeClr val="tx1"/>
+          </a:fontRef>
+        </p:style>
+      </p:cxnSp>
     </p:spTree>
     <p:extLst>
       <p:ext uri="{BB962C8B-B14F-4D97-AF65-F5344CB8AC3E}">
@@ -49902,6 +53598,13 @@
   <p:clrMapOvr>
     <a:masterClrMapping/>
   </p:clrMapOvr>
+  <p:timing>
+    <p:tnLst>
+      <p:par>
+        <p:cTn id="1" dur="indefinite" restart="never" nodeType="tmRoot"/>
+      </p:par>
+    </p:tnLst>
+  </p:timing>
 </p:sld>
 </file>
 
@@ -49977,7 +53680,7 @@
           <a:p>
             <a:fld id="{9187F089-DB3A-44EC-8E6C-70C807261B64}" type="datetime1">
               <a:rPr lang="ru-RU" smtClean="0"/>
-              <a:t>21.11.2025</a:t>
+              <a:t>22.11.2025</a:t>
             </a:fld>
             <a:endParaRPr lang="ru-RU"/>
           </a:p>
@@ -50089,7 +53792,7 @@
             <p:ph sz="half" idx="1"/>
             <p:extLst>
               <p:ext uri="{D42A27DB-BD31-4B8C-83A1-F6EECF244321}">
-                <p14:modId xmlns:p14="http://schemas.microsoft.com/office/powerpoint/2010/main" val="27511934"/>
+                <p14:modId xmlns:p14="http://schemas.microsoft.com/office/powerpoint/2010/main" val="4290389295"/>
               </p:ext>
             </p:extLst>
           </p:nvPr>
@@ -50114,7 +53817,7 @@
             <p:ph sz="half" idx="2"/>
             <p:extLst>
               <p:ext uri="{D42A27DB-BD31-4B8C-83A1-F6EECF244321}">
-                <p14:modId xmlns:p14="http://schemas.microsoft.com/office/powerpoint/2010/main" val="616878084"/>
+                <p14:modId xmlns:p14="http://schemas.microsoft.com/office/powerpoint/2010/main" val="3593486488"/>
               </p:ext>
             </p:extLst>
           </p:nvPr>
@@ -50146,7 +53849,7 @@
           <a:p>
             <a:fld id="{8D89F477-1E06-42B9-98CE-724D285F544D}" type="datetime1">
               <a:rPr lang="ru-RU" smtClean="0"/>
-              <a:t>21.11.2025</a:t>
+              <a:t>22.11.2025</a:t>
             </a:fld>
             <a:endParaRPr lang="ru-RU"/>
           </a:p>
@@ -50204,6 +53907,13 @@
   <p:clrMapOvr>
     <a:masterClrMapping/>
   </p:clrMapOvr>
+  <p:timing>
+    <p:tnLst>
+      <p:par>
+        <p:cTn id="1" dur="indefinite" restart="never" nodeType="tmRoot"/>
+      </p:par>
+    </p:tnLst>
+  </p:timing>
 </p:sld>
 </file>
 
@@ -50268,7 +53978,7 @@
           <a:p>
             <a:fld id="{5415850B-FCCB-4950-8D75-8D81D52F3FBD}" type="datetime1">
               <a:rPr lang="ru-RU" smtClean="0"/>
-              <a:t>21.11.2025</a:t>
+              <a:t>22.11.2025</a:t>
             </a:fld>
             <a:endParaRPr lang="ru-RU"/>
           </a:p>
@@ -50424,7 +54134,7 @@
           <a:p>
             <a:fld id="{5415850B-FCCB-4950-8D75-8D81D52F3FBD}" type="datetime1">
               <a:rPr lang="ru-RU" smtClean="0"/>
-              <a:t>21.11.2025</a:t>
+              <a:t>22.11.2025</a:t>
             </a:fld>
             <a:endParaRPr lang="ru-RU"/>
           </a:p>
@@ -50710,7 +54420,7 @@
           <a:p>
             <a:fld id="{8AC5719E-8A6A-457D-98CF-1B213C53F5CE}" type="datetime1">
               <a:rPr lang="ru-RU" smtClean="0"/>
-              <a:t>21.11.2025</a:t>
+              <a:t>22.11.2025</a:t>
             </a:fld>
             <a:endParaRPr lang="ru-RU"/>
           </a:p>
@@ -51029,7 +54739,7 @@
           <a:p>
             <a:fld id="{AA82D743-4282-4860-9AE2-FAD442C19B6D}" type="datetime1">
               <a:rPr lang="ru-RU" smtClean="0"/>
-              <a:t>21.11.2025</a:t>
+              <a:t>22.11.2025</a:t>
             </a:fld>
             <a:endParaRPr lang="ru-RU"/>
           </a:p>
@@ -51197,7 +54907,7 @@
           <a:bodyPr/>
           <a:lstStyle/>
           <a:p>
-            <a:endParaRPr lang="ru-RU"/>
+            <a:endParaRPr lang="ru-RU" dirty="0"/>
           </a:p>
         </p:txBody>
       </p:sp>
@@ -51218,7 +54928,7 @@
           <a:p>
             <a:fld id="{22C4FDAF-C654-4288-9437-917D77737F5E}" type="datetime1">
               <a:rPr lang="ru-RU" smtClean="0"/>
-              <a:t>21.11.2025</a:t>
+              <a:t>22.11.2025</a:t>
             </a:fld>
             <a:endParaRPr lang="ru-RU"/>
           </a:p>
@@ -51268,7 +54978,7 @@
       </p:sp>
       <p:pic>
         <p:nvPicPr>
-          <p:cNvPr id="3" name="Рисунок 2"/>
+          <p:cNvPr id="7" name="Рисунок 6"/>
           <p:cNvPicPr>
             <a:picLocks noChangeAspect="1"/>
           </p:cNvPicPr>
@@ -51276,36 +54986,6 @@
         </p:nvPicPr>
         <p:blipFill>
           <a:blip r:embed="rId3" cstate="print">
-            <a:extLst>
-              <a:ext uri="{28A0092B-C50C-407E-A947-70E740481C1C}">
-                <a14:useLocalDpi xmlns:a14="http://schemas.microsoft.com/office/drawing/2010/main" val="0"/>
-              </a:ext>
-            </a:extLst>
-          </a:blip>
-          <a:stretch>
-            <a:fillRect/>
-          </a:stretch>
-        </p:blipFill>
-        <p:spPr>
-          <a:xfrm>
-            <a:off x="5581570" y="2675759"/>
-            <a:ext cx="1368116" cy="1935006"/>
-          </a:xfrm>
-          <a:prstGeom prst="rect">
-            <a:avLst/>
-          </a:prstGeom>
-        </p:spPr>
-      </p:pic>
-      <p:pic>
-        <p:nvPicPr>
-          <p:cNvPr id="7" name="Рисунок 6"/>
-          <p:cNvPicPr>
-            <a:picLocks noChangeAspect="1"/>
-          </p:cNvPicPr>
-          <p:nvPr/>
-        </p:nvPicPr>
-        <p:blipFill>
-          <a:blip r:embed="rId4" cstate="print">
             <a:extLst>
               <a:ext uri="{28A0092B-C50C-407E-A947-70E740481C1C}">
                 <a14:useLocalDpi xmlns:a14="http://schemas.microsoft.com/office/drawing/2010/main" val="0"/>
@@ -51335,7 +55015,7 @@
           <p:nvPr/>
         </p:nvPicPr>
         <p:blipFill>
-          <a:blip r:embed="rId5" cstate="print">
+          <a:blip r:embed="rId4" cstate="print">
             <a:extLst>
               <a:ext uri="{28A0092B-C50C-407E-A947-70E740481C1C}">
                 <a14:useLocalDpi xmlns:a14="http://schemas.microsoft.com/office/drawing/2010/main" val="0"/>
@@ -51398,36 +55078,6 @@
       </p:sp>
       <p:pic>
         <p:nvPicPr>
-          <p:cNvPr id="14" name="Рисунок 13"/>
-          <p:cNvPicPr>
-            <a:picLocks noChangeAspect="1"/>
-          </p:cNvPicPr>
-          <p:nvPr/>
-        </p:nvPicPr>
-        <p:blipFill>
-          <a:blip r:embed="rId6" cstate="print">
-            <a:extLst>
-              <a:ext uri="{28A0092B-C50C-407E-A947-70E740481C1C}">
-                <a14:useLocalDpi xmlns:a14="http://schemas.microsoft.com/office/drawing/2010/main" val="0"/>
-              </a:ext>
-            </a:extLst>
-          </a:blip>
-          <a:stretch>
-            <a:fillRect/>
-          </a:stretch>
-        </p:blipFill>
-        <p:spPr>
-          <a:xfrm>
-            <a:off x="-250547" y="2637479"/>
-            <a:ext cx="1338212" cy="1892710"/>
-          </a:xfrm>
-          <a:prstGeom prst="rect">
-            <a:avLst/>
-          </a:prstGeom>
-        </p:spPr>
-      </p:pic>
-      <p:pic>
-        <p:nvPicPr>
           <p:cNvPr id="15" name="Рисунок 14"/>
           <p:cNvPicPr>
             <a:picLocks noChangeAspect="1"/>
@@ -51435,7 +55085,7 @@
           <p:nvPr/>
         </p:nvPicPr>
         <p:blipFill>
-          <a:blip r:embed="rId7" cstate="print">
+          <a:blip r:embed="rId5" cstate="print">
             <a:extLst>
               <a:ext uri="{28A0092B-C50C-407E-A947-70E740481C1C}">
                 <a14:useLocalDpi xmlns:a14="http://schemas.microsoft.com/office/drawing/2010/main" val="0"/>
@@ -51505,7 +55155,7 @@
           <p:nvPr/>
         </p:nvPicPr>
         <p:blipFill>
-          <a:blip r:embed="rId8" cstate="print">
+          <a:blip r:embed="rId6" cstate="print">
             <a:extLst>
               <a:ext uri="{28A0092B-C50C-407E-A947-70E740481C1C}">
                 <a14:useLocalDpi xmlns:a14="http://schemas.microsoft.com/office/drawing/2010/main" val="0"/>
@@ -51655,7 +55305,7 @@
           <p:nvPr/>
         </p:nvPicPr>
         <p:blipFill>
-          <a:blip r:embed="rId9" cstate="print">
+          <a:blip r:embed="rId7" cstate="print">
             <a:extLst>
               <a:ext uri="{28A0092B-C50C-407E-A947-70E740481C1C}">
                 <a14:useLocalDpi xmlns:a14="http://schemas.microsoft.com/office/drawing/2010/main" val="0"/>
@@ -51725,7 +55375,7 @@
           <p:nvPr/>
         </p:nvPicPr>
         <p:blipFill>
-          <a:blip r:embed="rId10" cstate="print">
+          <a:blip r:embed="rId8" cstate="print">
             <a:extLst>
               <a:ext uri="{28A0092B-C50C-407E-A947-70E740481C1C}">
                 <a14:useLocalDpi xmlns:a14="http://schemas.microsoft.com/office/drawing/2010/main" val="0"/>
@@ -51786,6 +55436,66 @@
           </a:p>
         </p:txBody>
       </p:sp>
+      <p:pic>
+        <p:nvPicPr>
+          <p:cNvPr id="2" name="Рисунок 1"/>
+          <p:cNvPicPr>
+            <a:picLocks noChangeAspect="1"/>
+          </p:cNvPicPr>
+          <p:nvPr/>
+        </p:nvPicPr>
+        <p:blipFill>
+          <a:blip r:embed="rId9" cstate="print">
+            <a:extLst>
+              <a:ext uri="{28A0092B-C50C-407E-A947-70E740481C1C}">
+                <a14:useLocalDpi xmlns:a14="http://schemas.microsoft.com/office/drawing/2010/main" val="0"/>
+              </a:ext>
+            </a:extLst>
+          </a:blip>
+          <a:stretch>
+            <a:fillRect/>
+          </a:stretch>
+        </p:blipFill>
+        <p:spPr>
+          <a:xfrm>
+            <a:off x="-220854" y="2675759"/>
+            <a:ext cx="1255327" cy="1775482"/>
+          </a:xfrm>
+          <a:prstGeom prst="rect">
+            <a:avLst/>
+          </a:prstGeom>
+        </p:spPr>
+      </p:pic>
+      <p:pic>
+        <p:nvPicPr>
+          <p:cNvPr id="8" name="Рисунок 7"/>
+          <p:cNvPicPr>
+            <a:picLocks noChangeAspect="1"/>
+          </p:cNvPicPr>
+          <p:nvPr/>
+        </p:nvPicPr>
+        <p:blipFill>
+          <a:blip r:embed="rId10" cstate="print">
+            <a:extLst>
+              <a:ext uri="{28A0092B-C50C-407E-A947-70E740481C1C}">
+                <a14:useLocalDpi xmlns:a14="http://schemas.microsoft.com/office/drawing/2010/main" val="0"/>
+              </a:ext>
+            </a:extLst>
+          </a:blip>
+          <a:stretch>
+            <a:fillRect/>
+          </a:stretch>
+        </p:blipFill>
+        <p:spPr>
+          <a:xfrm>
+            <a:off x="5550535" y="2522442"/>
+            <a:ext cx="1424188" cy="2014312"/>
+          </a:xfrm>
+          <a:prstGeom prst="rect">
+            <a:avLst/>
+          </a:prstGeom>
+        </p:spPr>
+      </p:pic>
     </p:spTree>
     <p:extLst>
       <p:ext uri="{BB962C8B-B14F-4D97-AF65-F5344CB8AC3E}">
@@ -51859,7 +55569,7 @@
           <a:p>
             <a:fld id="{8D89F477-1E06-42B9-98CE-724D285F544D}" type="datetime1">
               <a:rPr lang="ru-RU" smtClean="0"/>
-              <a:t>21.11.2025</a:t>
+              <a:t>22.11.2025</a:t>
             </a:fld>
             <a:endParaRPr lang="ru-RU"/>
           </a:p>
@@ -51977,36 +55687,6 @@
           </a:p>
         </p:txBody>
       </p:sp>
-      <p:pic>
-        <p:nvPicPr>
-          <p:cNvPr id="12" name="Рисунок 11"/>
-          <p:cNvPicPr>
-            <a:picLocks noChangeAspect="1"/>
-          </p:cNvPicPr>
-          <p:nvPr/>
-        </p:nvPicPr>
-        <p:blipFill>
-          <a:blip r:embed="rId3" cstate="print">
-            <a:extLst>
-              <a:ext uri="{28A0092B-C50C-407E-A947-70E740481C1C}">
-                <a14:useLocalDpi xmlns:a14="http://schemas.microsoft.com/office/drawing/2010/main" val="0"/>
-              </a:ext>
-            </a:extLst>
-          </a:blip>
-          <a:stretch>
-            <a:fillRect/>
-          </a:stretch>
-        </p:blipFill>
-        <p:spPr>
-          <a:xfrm>
-            <a:off x="676391" y="1908312"/>
-            <a:ext cx="1908992" cy="2700000"/>
-          </a:xfrm>
-          <a:prstGeom prst="rect">
-            <a:avLst/>
-          </a:prstGeom>
-        </p:spPr>
-      </p:pic>
       <p:sp>
         <p:nvSpPr>
           <p:cNvPr id="13" name="Стрелка вправо 12"/>
@@ -52071,8 +55751,17 @@
           <a:p>
             <a:r>
               <a:rPr lang="ru-RU" dirty="0" smtClean="0"/>
-              <a:t>Файл запросов:</a:t>
+              <a:t>Файл</a:t>
             </a:r>
+            <a:r>
+              <a:rPr lang="ru-RU" dirty="0"/>
+              <a:t> </a:t>
+            </a:r>
+            <a:r>
+              <a:rPr lang="ru-RU" dirty="0" smtClean="0"/>
+              <a:t>конфигурации:</a:t>
+            </a:r>
+            <a:endParaRPr lang="ru-RU" dirty="0" smtClean="0"/>
           </a:p>
           <a:p>
             <a:pPr marL="285750" indent="-285750">
@@ -52091,7 +55780,11 @@
             </a:pPr>
             <a:r>
               <a:rPr lang="ru-RU" dirty="0" smtClean="0"/>
-              <a:t>массив имён файлов</a:t>
+              <a:t>массив </a:t>
+            </a:r>
+            <a:r>
+              <a:rPr lang="ru-RU" dirty="0" smtClean="0"/>
+              <a:t>имён файлов</a:t>
             </a:r>
             <a:endParaRPr lang="ru-RU" dirty="0"/>
           </a:p>
@@ -52127,6 +55820,36 @@
           </a:p>
         </p:txBody>
       </p:sp>
+      <p:pic>
+        <p:nvPicPr>
+          <p:cNvPr id="2" name="Рисунок 1"/>
+          <p:cNvPicPr>
+            <a:picLocks noChangeAspect="1"/>
+          </p:cNvPicPr>
+          <p:nvPr/>
+        </p:nvPicPr>
+        <p:blipFill>
+          <a:blip r:embed="rId3" cstate="print">
+            <a:extLst>
+              <a:ext uri="{28A0092B-C50C-407E-A947-70E740481C1C}">
+                <a14:useLocalDpi xmlns:a14="http://schemas.microsoft.com/office/drawing/2010/main" val="0"/>
+              </a:ext>
+            </a:extLst>
+          </a:blip>
+          <a:stretch>
+            <a:fillRect/>
+          </a:stretch>
+        </p:blipFill>
+        <p:spPr>
+          <a:xfrm>
+            <a:off x="898946" y="2193706"/>
+            <a:ext cx="1590607" cy="2249688"/>
+          </a:xfrm>
+          <a:prstGeom prst="rect">
+            <a:avLst/>
+          </a:prstGeom>
+        </p:spPr>
+      </p:pic>
     </p:spTree>
     <p:extLst>
       <p:ext uri="{BB962C8B-B14F-4D97-AF65-F5344CB8AC3E}">
@@ -52205,7 +55928,7 @@
           <a:p>
             <a:fld id="{8D89F477-1E06-42B9-98CE-724D285F544D}" type="datetime1">
               <a:rPr lang="ru-RU" smtClean="0"/>
-              <a:t>21.11.2025</a:t>
+              <a:t>22.11.2025</a:t>
             </a:fld>
             <a:endParaRPr lang="ru-RU"/>
           </a:p>
@@ -52695,7 +56418,7 @@
           <a:p>
             <a:fld id="{8D89F477-1E06-42B9-98CE-724D285F544D}" type="datetime1">
               <a:rPr lang="ru-RU" smtClean="0"/>
-              <a:t>21.11.2025</a:t>
+              <a:t>22.11.2025</a:t>
             </a:fld>
             <a:endParaRPr lang="ru-RU"/>
           </a:p>
@@ -52743,36 +56466,6 @@
           </a:p>
         </p:txBody>
       </p:sp>
-      <p:pic>
-        <p:nvPicPr>
-          <p:cNvPr id="11" name="Рисунок 10"/>
-          <p:cNvPicPr>
-            <a:picLocks noChangeAspect="1"/>
-          </p:cNvPicPr>
-          <p:nvPr/>
-        </p:nvPicPr>
-        <p:blipFill>
-          <a:blip r:embed="rId2" cstate="print">
-            <a:extLst>
-              <a:ext uri="{28A0092B-C50C-407E-A947-70E740481C1C}">
-                <a14:useLocalDpi xmlns:a14="http://schemas.microsoft.com/office/drawing/2010/main" val="0"/>
-              </a:ext>
-            </a:extLst>
-          </a:blip>
-          <a:stretch>
-            <a:fillRect/>
-          </a:stretch>
-        </p:blipFill>
-        <p:spPr>
-          <a:xfrm>
-            <a:off x="2402606" y="1451099"/>
-            <a:ext cx="1908993" cy="2700000"/>
-          </a:xfrm>
-          <a:prstGeom prst="rect">
-            <a:avLst/>
-          </a:prstGeom>
-        </p:spPr>
-      </p:pic>
       <p:sp>
         <p:nvSpPr>
           <p:cNvPr id="12" name="Стрелка вправо 11"/>
@@ -52902,7 +56595,7 @@
           <p:nvPr/>
         </p:nvPicPr>
         <p:blipFill>
-          <a:blip r:embed="rId3" cstate="print">
+          <a:blip r:embed="rId2" cstate="print">
             <a:extLst>
               <a:ext uri="{28A0092B-C50C-407E-A947-70E740481C1C}">
                 <a14:useLocalDpi xmlns:a14="http://schemas.microsoft.com/office/drawing/2010/main" val="0"/>
@@ -52932,7 +56625,7 @@
           <p:nvPr/>
         </p:nvPicPr>
         <p:blipFill>
-          <a:blip r:embed="rId4" cstate="print">
+          <a:blip r:embed="rId3" cstate="print">
             <a:extLst>
               <a:ext uri="{28A0092B-C50C-407E-A947-70E740481C1C}">
                 <a14:useLocalDpi xmlns:a14="http://schemas.microsoft.com/office/drawing/2010/main" val="0"/>
@@ -53245,6 +56938,36 @@
           </a:p>
         </p:txBody>
       </p:sp>
+      <p:pic>
+        <p:nvPicPr>
+          <p:cNvPr id="10" name="Рисунок 9"/>
+          <p:cNvPicPr>
+            <a:picLocks noChangeAspect="1"/>
+          </p:cNvPicPr>
+          <p:nvPr/>
+        </p:nvPicPr>
+        <p:blipFill>
+          <a:blip r:embed="rId4" cstate="print">
+            <a:extLst>
+              <a:ext uri="{28A0092B-C50C-407E-A947-70E740481C1C}">
+                <a14:useLocalDpi xmlns:a14="http://schemas.microsoft.com/office/drawing/2010/main" val="0"/>
+              </a:ext>
+            </a:extLst>
+          </a:blip>
+          <a:stretch>
+            <a:fillRect/>
+          </a:stretch>
+        </p:blipFill>
+        <p:spPr>
+          <a:xfrm>
+            <a:off x="2507639" y="1729933"/>
+            <a:ext cx="1497226" cy="2117613"/>
+          </a:xfrm>
+          <a:prstGeom prst="rect">
+            <a:avLst/>
+          </a:prstGeom>
+        </p:spPr>
+      </p:pic>
     </p:spTree>
     <p:extLst>
       <p:ext uri="{BB962C8B-B14F-4D97-AF65-F5344CB8AC3E}">
@@ -53318,7 +57041,7 @@
           <a:p>
             <a:fld id="{8D89F477-1E06-42B9-98CE-724D285F544D}" type="datetime1">
               <a:rPr lang="ru-RU" smtClean="0"/>
-              <a:t>21.11.2025</a:t>
+              <a:t>22.11.2025</a:t>
             </a:fld>
             <a:endParaRPr lang="ru-RU"/>
           </a:p>
@@ -53476,36 +57199,6 @@
           </a:prstGeom>
         </p:spPr>
       </p:pic>
-      <p:pic>
-        <p:nvPicPr>
-          <p:cNvPr id="13" name="Рисунок 12"/>
-          <p:cNvPicPr>
-            <a:picLocks noChangeAspect="1"/>
-          </p:cNvPicPr>
-          <p:nvPr/>
-        </p:nvPicPr>
-        <p:blipFill>
-          <a:blip r:embed="rId3" cstate="print">
-            <a:extLst>
-              <a:ext uri="{28A0092B-C50C-407E-A947-70E740481C1C}">
-                <a14:useLocalDpi xmlns:a14="http://schemas.microsoft.com/office/drawing/2010/main" val="0"/>
-              </a:ext>
-            </a:extLst>
-          </a:blip>
-          <a:stretch>
-            <a:fillRect/>
-          </a:stretch>
-        </p:blipFill>
-        <p:spPr>
-          <a:xfrm>
-            <a:off x="5171983" y="1861200"/>
-            <a:ext cx="1908994" cy="2700000"/>
-          </a:xfrm>
-          <a:prstGeom prst="rect">
-            <a:avLst/>
-          </a:prstGeom>
-        </p:spPr>
-      </p:pic>
       <p:sp>
         <p:nvSpPr>
           <p:cNvPr id="14" name="TextBox 13"/>
@@ -53595,6 +57288,36 @@
           </a:p>
         </p:txBody>
       </p:sp>
+      <p:pic>
+        <p:nvPicPr>
+          <p:cNvPr id="2" name="Рисунок 1"/>
+          <p:cNvPicPr>
+            <a:picLocks noChangeAspect="1"/>
+          </p:cNvPicPr>
+          <p:nvPr/>
+        </p:nvPicPr>
+        <p:blipFill>
+          <a:blip r:embed="rId3" cstate="print">
+            <a:extLst>
+              <a:ext uri="{28A0092B-C50C-407E-A947-70E740481C1C}">
+                <a14:useLocalDpi xmlns:a14="http://schemas.microsoft.com/office/drawing/2010/main" val="0"/>
+              </a:ext>
+            </a:extLst>
+          </a:blip>
+          <a:stretch>
+            <a:fillRect/>
+          </a:stretch>
+        </p:blipFill>
+        <p:spPr>
+          <a:xfrm>
+            <a:off x="5281170" y="1834209"/>
+            <a:ext cx="1947160" cy="2753981"/>
+          </a:xfrm>
+          <a:prstGeom prst="rect">
+            <a:avLst/>
+          </a:prstGeom>
+        </p:spPr>
+      </p:pic>
     </p:spTree>
     <p:extLst>
       <p:ext uri="{BB962C8B-B14F-4D97-AF65-F5344CB8AC3E}">

--- a/presentation/защита.pptx
+++ b/presentation/защита.pptx
@@ -353,11 +353,11 @@
         </c:dLbls>
         <c:gapWidth val="219"/>
         <c:overlap val="-27"/>
-        <c:axId val="409242232"/>
-        <c:axId val="409245760"/>
+        <c:axId val="408247728"/>
+        <c:axId val="408248904"/>
       </c:barChart>
       <c:catAx>
-        <c:axId val="409242232"/>
+        <c:axId val="408247728"/>
         <c:scaling>
           <c:orientation val="minMax"/>
         </c:scaling>
@@ -400,7 +400,7 @@
             <a:endParaRPr lang="ru-RU"/>
           </a:p>
         </c:txPr>
-        <c:crossAx val="409245760"/>
+        <c:crossAx val="408248904"/>
         <c:crosses val="autoZero"/>
         <c:auto val="1"/>
         <c:lblAlgn val="ctr"/>
@@ -408,7 +408,7 @@
         <c:noMultiLvlLbl val="0"/>
       </c:catAx>
       <c:valAx>
-        <c:axId val="409245760"/>
+        <c:axId val="408248904"/>
         <c:scaling>
           <c:orientation val="minMax"/>
         </c:scaling>
@@ -459,7 +459,7 @@
             <a:endParaRPr lang="ru-RU"/>
           </a:p>
         </c:txPr>
-        <c:crossAx val="409242232"/>
+        <c:crossAx val="408247728"/>
         <c:crosses val="autoZero"/>
         <c:crossBetween val="between"/>
       </c:valAx>
@@ -714,11 +714,11 @@
         </c:dLbls>
         <c:gapWidth val="219"/>
         <c:overlap val="-27"/>
-        <c:axId val="330633656"/>
-        <c:axId val="412714136"/>
+        <c:axId val="408241456"/>
+        <c:axId val="316984816"/>
       </c:barChart>
       <c:catAx>
-        <c:axId val="330633656"/>
+        <c:axId val="408241456"/>
         <c:scaling>
           <c:orientation val="minMax"/>
         </c:scaling>
@@ -761,7 +761,7 @@
             <a:endParaRPr lang="ru-RU"/>
           </a:p>
         </c:txPr>
-        <c:crossAx val="412714136"/>
+        <c:crossAx val="316984816"/>
         <c:crosses val="autoZero"/>
         <c:auto val="1"/>
         <c:lblAlgn val="ctr"/>
@@ -769,7 +769,7 @@
         <c:noMultiLvlLbl val="0"/>
       </c:catAx>
       <c:valAx>
-        <c:axId val="412714136"/>
+        <c:axId val="316984816"/>
         <c:scaling>
           <c:orientation val="minMax"/>
         </c:scaling>
@@ -820,7 +820,7 @@
             <a:endParaRPr lang="ru-RU"/>
           </a:p>
         </c:txPr>
-        <c:crossAx val="330633656"/>
+        <c:crossAx val="408241456"/>
         <c:crosses val="autoZero"/>
         <c:crossBetween val="between"/>
       </c:valAx>
@@ -8608,6 +8608,51 @@
         </a:p>
       </dgm:t>
     </dgm:pt>
+    <dgm:pt modelId="{F0E2124C-8CCA-471D-943A-B8A9321110B7}">
+      <dgm:prSet phldrT="[Текст]"/>
+      <dgm:spPr/>
+      <dgm:t>
+        <a:bodyPr/>
+        <a:lstStyle/>
+        <a:p>
+          <a:r>
+            <a:rPr lang="ru-RU" dirty="0" smtClean="0"/>
+            <a:t>Проверить </a:t>
+          </a:r>
+          <a:r>
+            <a:rPr lang="en-US" dirty="0" smtClean="0"/>
+            <a:t>JSON-</a:t>
+          </a:r>
+          <a:r>
+            <a:rPr lang="ru-RU" dirty="0" smtClean="0"/>
+            <a:t>структуру на целостность</a:t>
+          </a:r>
+          <a:endParaRPr lang="ru-RU" dirty="0"/>
+        </a:p>
+      </dgm:t>
+    </dgm:pt>
+    <dgm:pt modelId="{D19A251A-1BA9-4500-9FB7-8EEA4BC32A72}" type="parTrans" cxnId="{23BCE721-A79D-4BBF-8558-5F1141562632}">
+      <dgm:prSet/>
+      <dgm:spPr/>
+      <dgm:t>
+        <a:bodyPr/>
+        <a:lstStyle/>
+        <a:p>
+          <a:endParaRPr lang="ru-RU"/>
+        </a:p>
+      </dgm:t>
+    </dgm:pt>
+    <dgm:pt modelId="{0EB1B89D-68F3-4204-9BA3-DFD1C3A4526A}" type="sibTrans" cxnId="{23BCE721-A79D-4BBF-8558-5F1141562632}">
+      <dgm:prSet/>
+      <dgm:spPr/>
+      <dgm:t>
+        <a:bodyPr/>
+        <a:lstStyle/>
+        <a:p>
+          <a:endParaRPr lang="ru-RU"/>
+        </a:p>
+      </dgm:t>
+    </dgm:pt>
     <dgm:pt modelId="{8997A8C5-71D1-4253-A406-6EEF7A742701}" type="pres">
       <dgm:prSet presAssocID="{43654343-DB53-42AB-A74A-F1B8C77FC7AB}" presName="linear" presStyleCnt="0">
         <dgm:presLayoutVars>
@@ -8688,23 +8733,25 @@
     </dgm:pt>
   </dgm:ptLst>
   <dgm:cxnLst>
-    <dgm:cxn modelId="{1DC3C6B9-EDD0-4B3C-817F-3B6C7FA796B1}" srcId="{43654343-DB53-42AB-A74A-F1B8C77FC7AB}" destId="{2E623F1E-8BE3-4C3D-8265-19EDBBBD0197}" srcOrd="0" destOrd="0" parTransId="{DC9D396A-E0D1-49AA-A782-4C3FBF25DB9D}" sibTransId="{D487729C-3736-4AB6-8A23-244116BE78F6}"/>
+    <dgm:cxn modelId="{23BCE721-A79D-4BBF-8558-5F1141562632}" srcId="{2E623F1E-8BE3-4C3D-8265-19EDBBBD0197}" destId="{F0E2124C-8CCA-471D-943A-B8A9321110B7}" srcOrd="3" destOrd="0" parTransId="{D19A251A-1BA9-4500-9FB7-8EEA4BC32A72}" sibTransId="{0EB1B89D-68F3-4204-9BA3-DFD1C3A4526A}"/>
+    <dgm:cxn modelId="{F3B4AF9B-7FE3-40D3-BA22-E241A2CE68FB}" srcId="{2E623F1E-8BE3-4C3D-8265-19EDBBBD0197}" destId="{A11CB2FD-A157-4C68-83D6-C4C5B942172A}" srcOrd="2" destOrd="0" parTransId="{0253DC1D-0C3C-405D-93F7-80D19AD67065}" sibTransId="{72CE49A4-A530-4D9D-B4FC-D654EF8E746F}"/>
+    <dgm:cxn modelId="{6CF4803D-F75D-4A12-AC1C-B72C879BD512}" type="presOf" srcId="{1EF42ADA-5F02-4E46-BE50-FEA15D3D173E}" destId="{557F1F5C-6D75-4492-8EF1-6580ED92ACAF}" srcOrd="0" destOrd="0" presId="urn:microsoft.com/office/officeart/2005/8/layout/vList2"/>
+    <dgm:cxn modelId="{4D98B2F0-948C-433F-8FFC-AAC710408A78}" type="presOf" srcId="{F0E2124C-8CCA-471D-943A-B8A9321110B7}" destId="{625A264F-F3DF-4EEC-8B66-102C93BB9818}" srcOrd="0" destOrd="3" presId="urn:microsoft.com/office/officeart/2005/8/layout/vList2"/>
+    <dgm:cxn modelId="{ABE72B95-550F-4C6F-A736-9AEE0A6AFA42}" srcId="{1EF42ADA-5F02-4E46-BE50-FEA15D3D173E}" destId="{017FE366-74F1-4A0F-BBA6-BE17472606E3}" srcOrd="2" destOrd="0" parTransId="{6204BB66-3532-4E4F-B7A3-5D564691C70E}" sibTransId="{84425D09-E092-4EB6-A849-487EBDBB914D}"/>
+    <dgm:cxn modelId="{BAC2D091-19B2-47EA-A560-CF3C9EE07EEE}" srcId="{2E623F1E-8BE3-4C3D-8265-19EDBBBD0197}" destId="{79306A6F-DF62-4B70-AEAA-7AACBA933274}" srcOrd="0" destOrd="0" parTransId="{ED6D6C32-A6A4-4F53-BECD-31DF94AB2F2D}" sibTransId="{3C0A9A96-F363-4021-A337-B08E7E4FF28B}"/>
     <dgm:cxn modelId="{D817F523-88F6-435B-AF3D-410EB41D04C7}" type="presOf" srcId="{79306A6F-DF62-4B70-AEAA-7AACBA933274}" destId="{625A264F-F3DF-4EEC-8B66-102C93BB9818}" srcOrd="0" destOrd="0" presId="urn:microsoft.com/office/officeart/2005/8/layout/vList2"/>
+    <dgm:cxn modelId="{48A65D49-CABF-4D36-AE62-7F08CF0329A8}" srcId="{1EF42ADA-5F02-4E46-BE50-FEA15D3D173E}" destId="{573D393A-66A2-446E-BFEF-C3FBF1C42C84}" srcOrd="0" destOrd="0" parTransId="{8FB5C8FE-E193-41CA-9D85-84904BACA977}" sibTransId="{20177508-7C4A-44B7-9491-F2F874B79DF0}"/>
+    <dgm:cxn modelId="{C3CFC676-C5FC-4571-B86C-5A148CFD44A5}" type="presOf" srcId="{6EC4C7A0-7E2A-47DE-B2E1-3DBF10A006E4}" destId="{657A1B8A-9783-4C29-9201-29A02D448FA4}" srcOrd="0" destOrd="1" presId="urn:microsoft.com/office/officeart/2005/8/layout/vList2"/>
+    <dgm:cxn modelId="{64AA8193-3439-4C5F-B251-813F4773F941}" type="presOf" srcId="{43654343-DB53-42AB-A74A-F1B8C77FC7AB}" destId="{8997A8C5-71D1-4253-A406-6EEF7A742701}" srcOrd="0" destOrd="0" presId="urn:microsoft.com/office/officeart/2005/8/layout/vList2"/>
+    <dgm:cxn modelId="{F10569FF-8F86-4F84-B533-45D6AE975FD5}" type="presOf" srcId="{A11CB2FD-A157-4C68-83D6-C4C5B942172A}" destId="{625A264F-F3DF-4EEC-8B66-102C93BB9818}" srcOrd="0" destOrd="2" presId="urn:microsoft.com/office/officeart/2005/8/layout/vList2"/>
     <dgm:cxn modelId="{050D1CCC-6CCB-47AC-B1B0-006D5C3B9463}" type="presOf" srcId="{017FE366-74F1-4A0F-BBA6-BE17472606E3}" destId="{657A1B8A-9783-4C29-9201-29A02D448FA4}" srcOrd="0" destOrd="2" presId="urn:microsoft.com/office/officeart/2005/8/layout/vList2"/>
     <dgm:cxn modelId="{A077084D-BD82-48E8-9493-C824B2A7DEC1}" srcId="{1EF42ADA-5F02-4E46-BE50-FEA15D3D173E}" destId="{6EC4C7A0-7E2A-47DE-B2E1-3DBF10A006E4}" srcOrd="1" destOrd="0" parTransId="{153CCD8A-EEDE-42A6-83D5-2DBF09F852E6}" sibTransId="{18B62E41-65DF-4ED6-9329-DB071B0EAC9F}"/>
-    <dgm:cxn modelId="{64AA8193-3439-4C5F-B251-813F4773F941}" type="presOf" srcId="{43654343-DB53-42AB-A74A-F1B8C77FC7AB}" destId="{8997A8C5-71D1-4253-A406-6EEF7A742701}" srcOrd="0" destOrd="0" presId="urn:microsoft.com/office/officeart/2005/8/layout/vList2"/>
+    <dgm:cxn modelId="{CAD3D820-E2B7-4353-8121-030808F9E88E}" type="presOf" srcId="{2E623F1E-8BE3-4C3D-8265-19EDBBBD0197}" destId="{B9E4810E-52F3-40F0-9593-6C037BA1D12A}" srcOrd="0" destOrd="0" presId="urn:microsoft.com/office/officeart/2005/8/layout/vList2"/>
     <dgm:cxn modelId="{3CD1693C-FD15-4008-95EC-E01AA2B4F014}" srcId="{2E623F1E-8BE3-4C3D-8265-19EDBBBD0197}" destId="{6BC8465F-F152-4B2B-B6B0-8BEFA793F1E3}" srcOrd="1" destOrd="0" parTransId="{9A34D1F0-FD46-4312-B06F-D5D631444813}" sibTransId="{A9B214D6-FC85-452E-A1AA-6CACFC7D5066}"/>
-    <dgm:cxn modelId="{ABE72B95-550F-4C6F-A736-9AEE0A6AFA42}" srcId="{1EF42ADA-5F02-4E46-BE50-FEA15D3D173E}" destId="{017FE366-74F1-4A0F-BBA6-BE17472606E3}" srcOrd="2" destOrd="0" parTransId="{6204BB66-3532-4E4F-B7A3-5D564691C70E}" sibTransId="{84425D09-E092-4EB6-A849-487EBDBB914D}"/>
-    <dgm:cxn modelId="{BAC2D091-19B2-47EA-A560-CF3C9EE07EEE}" srcId="{2E623F1E-8BE3-4C3D-8265-19EDBBBD0197}" destId="{79306A6F-DF62-4B70-AEAA-7AACBA933274}" srcOrd="0" destOrd="0" parTransId="{ED6D6C32-A6A4-4F53-BECD-31DF94AB2F2D}" sibTransId="{3C0A9A96-F363-4021-A337-B08E7E4FF28B}"/>
+    <dgm:cxn modelId="{1DC3C6B9-EDD0-4B3C-817F-3B6C7FA796B1}" srcId="{43654343-DB53-42AB-A74A-F1B8C77FC7AB}" destId="{2E623F1E-8BE3-4C3D-8265-19EDBBBD0197}" srcOrd="0" destOrd="0" parTransId="{DC9D396A-E0D1-49AA-A782-4C3FBF25DB9D}" sibTransId="{D487729C-3736-4AB6-8A23-244116BE78F6}"/>
+    <dgm:cxn modelId="{8D2F85D3-D5F7-4AFE-ACBB-57AD0CD0C668}" type="presOf" srcId="{6BC8465F-F152-4B2B-B6B0-8BEFA793F1E3}" destId="{625A264F-F3DF-4EEC-8B66-102C93BB9818}" srcOrd="0" destOrd="1" presId="urn:microsoft.com/office/officeart/2005/8/layout/vList2"/>
+    <dgm:cxn modelId="{E8D8967D-C691-4B22-97CC-DB357D43275D}" type="presOf" srcId="{573D393A-66A2-446E-BFEF-C3FBF1C42C84}" destId="{657A1B8A-9783-4C29-9201-29A02D448FA4}" srcOrd="0" destOrd="0" presId="urn:microsoft.com/office/officeart/2005/8/layout/vList2"/>
     <dgm:cxn modelId="{6436DBCA-1735-4B6C-96BD-2870F8DDD555}" srcId="{43654343-DB53-42AB-A74A-F1B8C77FC7AB}" destId="{1EF42ADA-5F02-4E46-BE50-FEA15D3D173E}" srcOrd="1" destOrd="0" parTransId="{3C59A9C2-E01F-46D5-B3B1-192E43353452}" sibTransId="{16D47AF7-45E3-4CA0-A461-E4B2D347912E}"/>
-    <dgm:cxn modelId="{F10569FF-8F86-4F84-B533-45D6AE975FD5}" type="presOf" srcId="{A11CB2FD-A157-4C68-83D6-C4C5B942172A}" destId="{625A264F-F3DF-4EEC-8B66-102C93BB9818}" srcOrd="0" destOrd="2" presId="urn:microsoft.com/office/officeart/2005/8/layout/vList2"/>
-    <dgm:cxn modelId="{C3CFC676-C5FC-4571-B86C-5A148CFD44A5}" type="presOf" srcId="{6EC4C7A0-7E2A-47DE-B2E1-3DBF10A006E4}" destId="{657A1B8A-9783-4C29-9201-29A02D448FA4}" srcOrd="0" destOrd="1" presId="urn:microsoft.com/office/officeart/2005/8/layout/vList2"/>
-    <dgm:cxn modelId="{8D2F85D3-D5F7-4AFE-ACBB-57AD0CD0C668}" type="presOf" srcId="{6BC8465F-F152-4B2B-B6B0-8BEFA793F1E3}" destId="{625A264F-F3DF-4EEC-8B66-102C93BB9818}" srcOrd="0" destOrd="1" presId="urn:microsoft.com/office/officeart/2005/8/layout/vList2"/>
-    <dgm:cxn modelId="{6CF4803D-F75D-4A12-AC1C-B72C879BD512}" type="presOf" srcId="{1EF42ADA-5F02-4E46-BE50-FEA15D3D173E}" destId="{557F1F5C-6D75-4492-8EF1-6580ED92ACAF}" srcOrd="0" destOrd="0" presId="urn:microsoft.com/office/officeart/2005/8/layout/vList2"/>
-    <dgm:cxn modelId="{E8D8967D-C691-4B22-97CC-DB357D43275D}" type="presOf" srcId="{573D393A-66A2-446E-BFEF-C3FBF1C42C84}" destId="{657A1B8A-9783-4C29-9201-29A02D448FA4}" srcOrd="0" destOrd="0" presId="urn:microsoft.com/office/officeart/2005/8/layout/vList2"/>
-    <dgm:cxn modelId="{F3B4AF9B-7FE3-40D3-BA22-E241A2CE68FB}" srcId="{2E623F1E-8BE3-4C3D-8265-19EDBBBD0197}" destId="{A11CB2FD-A157-4C68-83D6-C4C5B942172A}" srcOrd="2" destOrd="0" parTransId="{0253DC1D-0C3C-405D-93F7-80D19AD67065}" sibTransId="{72CE49A4-A530-4D9D-B4FC-D654EF8E746F}"/>
-    <dgm:cxn modelId="{CAD3D820-E2B7-4353-8121-030808F9E88E}" type="presOf" srcId="{2E623F1E-8BE3-4C3D-8265-19EDBBBD0197}" destId="{B9E4810E-52F3-40F0-9593-6C037BA1D12A}" srcOrd="0" destOrd="0" presId="urn:microsoft.com/office/officeart/2005/8/layout/vList2"/>
-    <dgm:cxn modelId="{48A65D49-CABF-4D36-AE62-7F08CF0329A8}" srcId="{1EF42ADA-5F02-4E46-BE50-FEA15D3D173E}" destId="{573D393A-66A2-446E-BFEF-C3FBF1C42C84}" srcOrd="0" destOrd="0" parTransId="{8FB5C8FE-E193-41CA-9D85-84904BACA977}" sibTransId="{20177508-7C4A-44B7-9491-F2F874B79DF0}"/>
     <dgm:cxn modelId="{B0F92AEA-C73F-4AC3-ADE5-AD6CDED41AA6}" type="presParOf" srcId="{8997A8C5-71D1-4253-A406-6EEF7A742701}" destId="{B9E4810E-52F3-40F0-9593-6C037BA1D12A}" srcOrd="0" destOrd="0" presId="urn:microsoft.com/office/officeart/2005/8/layout/vList2"/>
     <dgm:cxn modelId="{E4A5257F-7DB9-4081-9EE2-928FC54713AA}" type="presParOf" srcId="{8997A8C5-71D1-4253-A406-6EEF7A742701}" destId="{625A264F-F3DF-4EEC-8B66-102C93BB9818}" srcOrd="1" destOrd="0" presId="urn:microsoft.com/office/officeart/2005/8/layout/vList2"/>
     <dgm:cxn modelId="{637DB6D7-B307-41C3-8B70-014AB2C84E55}" type="presParOf" srcId="{8997A8C5-71D1-4253-A406-6EEF7A742701}" destId="{557F1F5C-6D75-4492-8EF1-6580ED92ACAF}" srcOrd="2" destOrd="0" presId="urn:microsoft.com/office/officeart/2005/8/layout/vList2"/>
@@ -10066,479 +10113,6 @@
       <dsp:cNvGrpSpPr/>
     </dsp:nvGrpSpPr>
     <dsp:grpSpPr/>
-    <dsp:sp modelId="{A10362D1-A377-43A9-BD1F-AD314ADD2D68}">
-      <dsp:nvSpPr>
-        <dsp:cNvPr id="0" name=""/>
-        <dsp:cNvSpPr/>
-      </dsp:nvSpPr>
-      <dsp:spPr>
-        <a:xfrm>
-          <a:off x="452726" y="0"/>
-          <a:ext cx="5130899" cy="4143676"/>
-        </a:xfrm>
-        <a:prstGeom prst="rightArrow">
-          <a:avLst/>
-        </a:prstGeom>
-        <a:solidFill>
-          <a:srgbClr val="DFE8E8"/>
-        </a:solidFill>
-        <a:ln>
-          <a:noFill/>
-        </a:ln>
-        <a:effectLst/>
-      </dsp:spPr>
-      <dsp:style>
-        <a:lnRef idx="0">
-          <a:scrgbClr r="0" g="0" b="0"/>
-        </a:lnRef>
-        <a:fillRef idx="1">
-          <a:scrgbClr r="0" g="0" b="0"/>
-        </a:fillRef>
-        <a:effectRef idx="0">
-          <a:scrgbClr r="0" g="0" b="0"/>
-        </a:effectRef>
-        <a:fontRef idx="minor"/>
-      </dsp:style>
-    </dsp:sp>
-    <dsp:sp modelId="{0A15E6E4-35BF-4314-8C3D-ED211E2F9958}">
-      <dsp:nvSpPr>
-        <dsp:cNvPr id="0" name=""/>
-        <dsp:cNvSpPr/>
-      </dsp:nvSpPr>
-      <dsp:spPr>
-        <a:xfrm>
-          <a:off x="2003" y="1243102"/>
-          <a:ext cx="1138678" cy="1657470"/>
-        </a:xfrm>
-        <a:prstGeom prst="roundRect">
-          <a:avLst/>
-        </a:prstGeom>
-        <a:solidFill>
-          <a:schemeClr val="accent1">
-            <a:hueOff val="0"/>
-            <a:satOff val="0"/>
-            <a:lumOff val="0"/>
-            <a:alphaOff val="0"/>
-          </a:schemeClr>
-        </a:solidFill>
-        <a:ln w="15875" cap="flat" cmpd="sng" algn="ctr">
-          <a:solidFill>
-            <a:schemeClr val="lt1">
-              <a:hueOff val="0"/>
-              <a:satOff val="0"/>
-              <a:lumOff val="0"/>
-              <a:alphaOff val="0"/>
-            </a:schemeClr>
-          </a:solidFill>
-          <a:prstDash val="solid"/>
-        </a:ln>
-        <a:effectLst/>
-      </dsp:spPr>
-      <dsp:style>
-        <a:lnRef idx="2">
-          <a:scrgbClr r="0" g="0" b="0"/>
-        </a:lnRef>
-        <a:fillRef idx="1">
-          <a:scrgbClr r="0" g="0" b="0"/>
-        </a:fillRef>
-        <a:effectRef idx="0">
-          <a:scrgbClr r="0" g="0" b="0"/>
-        </a:effectRef>
-        <a:fontRef idx="minor">
-          <a:schemeClr val="lt1"/>
-        </a:fontRef>
-      </dsp:style>
-      <dsp:txBody>
-        <a:bodyPr spcFirstLastPara="0" vert="horz" wrap="square" lIns="57150" tIns="57150" rIns="57150" bIns="57150" numCol="1" spcCol="1270" anchor="ctr" anchorCtr="0">
-          <a:noAutofit/>
-        </a:bodyPr>
-        <a:lstStyle/>
-        <a:p>
-          <a:pPr lvl="0" algn="ctr" defTabSz="666750">
-            <a:lnSpc>
-              <a:spcPct val="90000"/>
-            </a:lnSpc>
-            <a:spcBef>
-              <a:spcPct val="0"/>
-            </a:spcBef>
-            <a:spcAft>
-              <a:spcPct val="35000"/>
-            </a:spcAft>
-          </a:pPr>
-          <a:r>
-            <a:rPr lang="en-US" sz="1500" kern="1200" dirty="0" smtClean="0"/>
-            <a:t>Converter</a:t>
-          </a:r>
-          <a:endParaRPr lang="ru-RU" sz="1500" kern="1200" dirty="0" smtClean="0"/>
-        </a:p>
-        <a:p>
-          <a:pPr lvl="0" algn="ctr" defTabSz="666750">
-            <a:lnSpc>
-              <a:spcPct val="90000"/>
-            </a:lnSpc>
-            <a:spcBef>
-              <a:spcPct val="0"/>
-            </a:spcBef>
-            <a:spcAft>
-              <a:spcPct val="35000"/>
-            </a:spcAft>
-          </a:pPr>
-          <a:r>
-            <a:rPr lang="en-US" sz="1500" kern="1200" dirty="0" smtClean="0"/>
-            <a:t>JSON</a:t>
-          </a:r>
-          <a:endParaRPr lang="ru-RU" sz="1500" kern="1200" dirty="0"/>
-        </a:p>
-      </dsp:txBody>
-      <dsp:txXfrm>
-        <a:off x="57589" y="1298688"/>
-        <a:ext cx="1027506" cy="1546298"/>
-      </dsp:txXfrm>
-    </dsp:sp>
-    <dsp:sp modelId="{F054BA0B-B3F7-4B6B-BD2F-4AE8F4442468}">
-      <dsp:nvSpPr>
-        <dsp:cNvPr id="0" name=""/>
-        <dsp:cNvSpPr/>
-      </dsp:nvSpPr>
-      <dsp:spPr>
-        <a:xfrm>
-          <a:off x="1225420" y="1243102"/>
-          <a:ext cx="1138678" cy="1657470"/>
-        </a:xfrm>
-        <a:prstGeom prst="roundRect">
-          <a:avLst/>
-        </a:prstGeom>
-        <a:solidFill>
-          <a:schemeClr val="accent1">
-            <a:hueOff val="0"/>
-            <a:satOff val="0"/>
-            <a:lumOff val="0"/>
-            <a:alphaOff val="0"/>
-          </a:schemeClr>
-        </a:solidFill>
-        <a:ln w="15875" cap="flat" cmpd="sng" algn="ctr">
-          <a:solidFill>
-            <a:schemeClr val="lt1">
-              <a:hueOff val="0"/>
-              <a:satOff val="0"/>
-              <a:lumOff val="0"/>
-              <a:alphaOff val="0"/>
-            </a:schemeClr>
-          </a:solidFill>
-          <a:prstDash val="solid"/>
-        </a:ln>
-        <a:effectLst/>
-      </dsp:spPr>
-      <dsp:style>
-        <a:lnRef idx="2">
-          <a:scrgbClr r="0" g="0" b="0"/>
-        </a:lnRef>
-        <a:fillRef idx="1">
-          <a:scrgbClr r="0" g="0" b="0"/>
-        </a:fillRef>
-        <a:effectRef idx="0">
-          <a:scrgbClr r="0" g="0" b="0"/>
-        </a:effectRef>
-        <a:fontRef idx="minor">
-          <a:schemeClr val="lt1"/>
-        </a:fontRef>
-      </dsp:style>
-      <dsp:txBody>
-        <a:bodyPr spcFirstLastPara="0" vert="horz" wrap="square" lIns="57150" tIns="57150" rIns="57150" bIns="57150" numCol="1" spcCol="1270" anchor="ctr" anchorCtr="0">
-          <a:noAutofit/>
-        </a:bodyPr>
-        <a:lstStyle/>
-        <a:p>
-          <a:pPr lvl="0" algn="ctr" defTabSz="666750">
-            <a:lnSpc>
-              <a:spcPct val="90000"/>
-            </a:lnSpc>
-            <a:spcBef>
-              <a:spcPct val="0"/>
-            </a:spcBef>
-            <a:spcAft>
-              <a:spcPct val="35000"/>
-            </a:spcAft>
-          </a:pPr>
-          <a:r>
-            <a:rPr lang="en-US" sz="1500" kern="1200" dirty="0" smtClean="0"/>
-            <a:t>Documents</a:t>
-          </a:r>
-          <a:endParaRPr lang="ru-RU" sz="1500" kern="1200" dirty="0"/>
-        </a:p>
-      </dsp:txBody>
-      <dsp:txXfrm>
-        <a:off x="1281006" y="1298688"/>
-        <a:ext cx="1027506" cy="1546298"/>
-      </dsp:txXfrm>
-    </dsp:sp>
-    <dsp:sp modelId="{DC4AEBBC-A52D-40F6-9146-7F10088A6B32}">
-      <dsp:nvSpPr>
-        <dsp:cNvPr id="0" name=""/>
-        <dsp:cNvSpPr/>
-      </dsp:nvSpPr>
-      <dsp:spPr>
-        <a:xfrm>
-          <a:off x="2448836" y="1243102"/>
-          <a:ext cx="1138678" cy="1657470"/>
-        </a:xfrm>
-        <a:prstGeom prst="roundRect">
-          <a:avLst/>
-        </a:prstGeom>
-        <a:solidFill>
-          <a:schemeClr val="accent1">
-            <a:hueOff val="0"/>
-            <a:satOff val="0"/>
-            <a:lumOff val="0"/>
-            <a:alphaOff val="0"/>
-          </a:schemeClr>
-        </a:solidFill>
-        <a:ln w="15875" cap="flat" cmpd="sng" algn="ctr">
-          <a:solidFill>
-            <a:schemeClr val="lt1">
-              <a:hueOff val="0"/>
-              <a:satOff val="0"/>
-              <a:lumOff val="0"/>
-              <a:alphaOff val="0"/>
-            </a:schemeClr>
-          </a:solidFill>
-          <a:prstDash val="solid"/>
-        </a:ln>
-        <a:effectLst/>
-      </dsp:spPr>
-      <dsp:style>
-        <a:lnRef idx="2">
-          <a:scrgbClr r="0" g="0" b="0"/>
-        </a:lnRef>
-        <a:fillRef idx="1">
-          <a:scrgbClr r="0" g="0" b="0"/>
-        </a:fillRef>
-        <a:effectRef idx="0">
-          <a:scrgbClr r="0" g="0" b="0"/>
-        </a:effectRef>
-        <a:fontRef idx="minor">
-          <a:schemeClr val="lt1"/>
-        </a:fontRef>
-      </dsp:style>
-      <dsp:txBody>
-        <a:bodyPr spcFirstLastPara="0" vert="horz" wrap="square" lIns="57150" tIns="57150" rIns="57150" bIns="57150" numCol="1" spcCol="1270" anchor="ctr" anchorCtr="0">
-          <a:noAutofit/>
-        </a:bodyPr>
-        <a:lstStyle/>
-        <a:p>
-          <a:pPr lvl="0" algn="ctr" defTabSz="666750">
-            <a:lnSpc>
-              <a:spcPct val="90000"/>
-            </a:lnSpc>
-            <a:spcBef>
-              <a:spcPct val="0"/>
-            </a:spcBef>
-            <a:spcAft>
-              <a:spcPct val="35000"/>
-            </a:spcAft>
-          </a:pPr>
-          <a:r>
-            <a:rPr lang="en-US" sz="1500" kern="1200" dirty="0" smtClean="0"/>
-            <a:t>Inverted</a:t>
-          </a:r>
-          <a:endParaRPr lang="ru-RU" sz="1500" kern="1200" dirty="0" smtClean="0"/>
-        </a:p>
-        <a:p>
-          <a:pPr lvl="0" algn="ctr" defTabSz="666750">
-            <a:lnSpc>
-              <a:spcPct val="90000"/>
-            </a:lnSpc>
-            <a:spcBef>
-              <a:spcPct val="0"/>
-            </a:spcBef>
-            <a:spcAft>
-              <a:spcPct val="35000"/>
-            </a:spcAft>
-          </a:pPr>
-          <a:r>
-            <a:rPr lang="en-US" sz="1500" kern="1200" dirty="0" smtClean="0"/>
-            <a:t>Index</a:t>
-          </a:r>
-          <a:endParaRPr lang="ru-RU" sz="1500" kern="1200" dirty="0"/>
-        </a:p>
-      </dsp:txBody>
-      <dsp:txXfrm>
-        <a:off x="2504422" y="1298688"/>
-        <a:ext cx="1027506" cy="1546298"/>
-      </dsp:txXfrm>
-    </dsp:sp>
-    <dsp:sp modelId="{014D856F-0A4A-4760-9506-E63C9F5DE09D}">
-      <dsp:nvSpPr>
-        <dsp:cNvPr id="0" name=""/>
-        <dsp:cNvSpPr/>
-      </dsp:nvSpPr>
-      <dsp:spPr>
-        <a:xfrm>
-          <a:off x="3672253" y="1243102"/>
-          <a:ext cx="1138678" cy="1657470"/>
-        </a:xfrm>
-        <a:prstGeom prst="roundRect">
-          <a:avLst/>
-        </a:prstGeom>
-        <a:solidFill>
-          <a:schemeClr val="accent1">
-            <a:hueOff val="0"/>
-            <a:satOff val="0"/>
-            <a:lumOff val="0"/>
-            <a:alphaOff val="0"/>
-          </a:schemeClr>
-        </a:solidFill>
-        <a:ln w="15875" cap="flat" cmpd="sng" algn="ctr">
-          <a:solidFill>
-            <a:schemeClr val="lt1">
-              <a:hueOff val="0"/>
-              <a:satOff val="0"/>
-              <a:lumOff val="0"/>
-              <a:alphaOff val="0"/>
-            </a:schemeClr>
-          </a:solidFill>
-          <a:prstDash val="solid"/>
-        </a:ln>
-        <a:effectLst/>
-      </dsp:spPr>
-      <dsp:style>
-        <a:lnRef idx="2">
-          <a:scrgbClr r="0" g="0" b="0"/>
-        </a:lnRef>
-        <a:fillRef idx="1">
-          <a:scrgbClr r="0" g="0" b="0"/>
-        </a:fillRef>
-        <a:effectRef idx="0">
-          <a:scrgbClr r="0" g="0" b="0"/>
-        </a:effectRef>
-        <a:fontRef idx="minor">
-          <a:schemeClr val="lt1"/>
-        </a:fontRef>
-      </dsp:style>
-      <dsp:txBody>
-        <a:bodyPr spcFirstLastPara="0" vert="horz" wrap="square" lIns="57150" tIns="57150" rIns="57150" bIns="57150" numCol="1" spcCol="1270" anchor="ctr" anchorCtr="0">
-          <a:noAutofit/>
-        </a:bodyPr>
-        <a:lstStyle/>
-        <a:p>
-          <a:pPr lvl="0" algn="ctr" defTabSz="666750">
-            <a:lnSpc>
-              <a:spcPct val="90000"/>
-            </a:lnSpc>
-            <a:spcBef>
-              <a:spcPct val="0"/>
-            </a:spcBef>
-            <a:spcAft>
-              <a:spcPct val="35000"/>
-            </a:spcAft>
-          </a:pPr>
-          <a:r>
-            <a:rPr lang="en-US" sz="1500" kern="1200" dirty="0" smtClean="0"/>
-            <a:t>Requests</a:t>
-          </a:r>
-          <a:endParaRPr lang="ru-RU" sz="1500" kern="1200" dirty="0"/>
-        </a:p>
-      </dsp:txBody>
-      <dsp:txXfrm>
-        <a:off x="3727839" y="1298688"/>
-        <a:ext cx="1027506" cy="1546298"/>
-      </dsp:txXfrm>
-    </dsp:sp>
-    <dsp:sp modelId="{2EF5CFF0-CC5C-43EE-B44D-1D53039F8A29}">
-      <dsp:nvSpPr>
-        <dsp:cNvPr id="0" name=""/>
-        <dsp:cNvSpPr/>
-      </dsp:nvSpPr>
-      <dsp:spPr>
-        <a:xfrm>
-          <a:off x="4895670" y="1243102"/>
-          <a:ext cx="1138678" cy="1657470"/>
-        </a:xfrm>
-        <a:prstGeom prst="roundRect">
-          <a:avLst/>
-        </a:prstGeom>
-        <a:solidFill>
-          <a:schemeClr val="accent1">
-            <a:hueOff val="0"/>
-            <a:satOff val="0"/>
-            <a:lumOff val="0"/>
-            <a:alphaOff val="0"/>
-          </a:schemeClr>
-        </a:solidFill>
-        <a:ln w="15875" cap="flat" cmpd="sng" algn="ctr">
-          <a:solidFill>
-            <a:schemeClr val="lt1">
-              <a:hueOff val="0"/>
-              <a:satOff val="0"/>
-              <a:lumOff val="0"/>
-              <a:alphaOff val="0"/>
-            </a:schemeClr>
-          </a:solidFill>
-          <a:prstDash val="solid"/>
-        </a:ln>
-        <a:effectLst/>
-      </dsp:spPr>
-      <dsp:style>
-        <a:lnRef idx="2">
-          <a:scrgbClr r="0" g="0" b="0"/>
-        </a:lnRef>
-        <a:fillRef idx="1">
-          <a:scrgbClr r="0" g="0" b="0"/>
-        </a:fillRef>
-        <a:effectRef idx="0">
-          <a:scrgbClr r="0" g="0" b="0"/>
-        </a:effectRef>
-        <a:fontRef idx="minor">
-          <a:schemeClr val="lt1"/>
-        </a:fontRef>
-      </dsp:style>
-      <dsp:txBody>
-        <a:bodyPr spcFirstLastPara="0" vert="horz" wrap="square" lIns="57150" tIns="57150" rIns="57150" bIns="57150" numCol="1" spcCol="1270" anchor="ctr" anchorCtr="0">
-          <a:noAutofit/>
-        </a:bodyPr>
-        <a:lstStyle/>
-        <a:p>
-          <a:pPr lvl="0" algn="ctr" defTabSz="666750">
-            <a:lnSpc>
-              <a:spcPct val="90000"/>
-            </a:lnSpc>
-            <a:spcBef>
-              <a:spcPct val="0"/>
-            </a:spcBef>
-            <a:spcAft>
-              <a:spcPct val="35000"/>
-            </a:spcAft>
-          </a:pPr>
-          <a:r>
-            <a:rPr lang="en-US" sz="1500" kern="1200" dirty="0" smtClean="0"/>
-            <a:t>Relevant</a:t>
-          </a:r>
-          <a:endParaRPr lang="ru-RU" sz="1500" kern="1200" dirty="0" smtClean="0"/>
-        </a:p>
-        <a:p>
-          <a:pPr lvl="0" algn="ctr" defTabSz="666750">
-            <a:lnSpc>
-              <a:spcPct val="90000"/>
-            </a:lnSpc>
-            <a:spcBef>
-              <a:spcPct val="0"/>
-            </a:spcBef>
-            <a:spcAft>
-              <a:spcPct val="35000"/>
-            </a:spcAft>
-          </a:pPr>
-          <a:r>
-            <a:rPr lang="en-US" sz="1500" kern="1200" dirty="0" smtClean="0"/>
-            <a:t>Response</a:t>
-          </a:r>
-          <a:endParaRPr lang="ru-RU" sz="1500" kern="1200" dirty="0"/>
-        </a:p>
-      </dsp:txBody>
-      <dsp:txXfrm>
-        <a:off x="4951256" y="1298688"/>
-        <a:ext cx="1027506" cy="1546298"/>
-      </dsp:txXfrm>
-    </dsp:sp>
   </dsp:spTree>
 </dsp:drawing>
 </file>
@@ -10594,8 +10168,8 @@
       </dsp:nvSpPr>
       <dsp:spPr>
         <a:xfrm>
-          <a:off x="0" y="63087"/>
-          <a:ext cx="8208085" cy="719549"/>
+          <a:off x="0" y="3417"/>
+          <a:ext cx="8208085" cy="671580"/>
         </a:xfrm>
         <a:prstGeom prst="roundRect">
           <a:avLst/>
@@ -10636,12 +10210,12 @@
         </a:fontRef>
       </dsp:style>
       <dsp:txBody>
-        <a:bodyPr spcFirstLastPara="0" vert="horz" wrap="square" lIns="114300" tIns="114300" rIns="114300" bIns="114300" numCol="1" spcCol="1270" anchor="ctr" anchorCtr="0">
+        <a:bodyPr spcFirstLastPara="0" vert="horz" wrap="square" lIns="106680" tIns="106680" rIns="106680" bIns="106680" numCol="1" spcCol="1270" anchor="ctr" anchorCtr="0">
           <a:noAutofit/>
         </a:bodyPr>
         <a:lstStyle/>
         <a:p>
-          <a:pPr lvl="0" algn="l" defTabSz="1333500">
+          <a:pPr lvl="0" algn="l" defTabSz="1244600">
             <a:lnSpc>
               <a:spcPct val="90000"/>
             </a:lnSpc>
@@ -10653,15 +10227,15 @@
             </a:spcAft>
           </a:pPr>
           <a:r>
-            <a:rPr lang="ru-RU" sz="3000" kern="1200" dirty="0" smtClean="0"/>
+            <a:rPr lang="ru-RU" sz="2800" kern="1200" dirty="0" smtClean="0"/>
             <a:t>Функции библиотеки</a:t>
           </a:r>
-          <a:endParaRPr lang="ru-RU" sz="3000" kern="1200" dirty="0"/>
+          <a:endParaRPr lang="ru-RU" sz="2800" kern="1200" dirty="0"/>
         </a:p>
       </dsp:txBody>
       <dsp:txXfrm>
-        <a:off x="35125" y="98212"/>
-        <a:ext cx="8137835" cy="649299"/>
+        <a:off x="32784" y="36201"/>
+        <a:ext cx="8142517" cy="606012"/>
       </dsp:txXfrm>
     </dsp:sp>
     <dsp:sp modelId="{625A264F-F3DF-4EEC-8B66-102C93BB9818}">
@@ -10671,8 +10245,8 @@
       </dsp:nvSpPr>
       <dsp:spPr>
         <a:xfrm>
-          <a:off x="0" y="782637"/>
-          <a:ext cx="8208085" cy="1210950"/>
+          <a:off x="0" y="674997"/>
+          <a:ext cx="8208085" cy="1506960"/>
         </a:xfrm>
         <a:prstGeom prst="rect">
           <a:avLst/>
@@ -10696,12 +10270,12 @@
         <a:fontRef idx="minor"/>
       </dsp:style>
       <dsp:txBody>
-        <a:bodyPr spcFirstLastPara="0" vert="horz" wrap="square" lIns="260607" tIns="38100" rIns="213360" bIns="38100" numCol="1" spcCol="1270" anchor="t" anchorCtr="0">
+        <a:bodyPr spcFirstLastPara="0" vert="horz" wrap="square" lIns="260607" tIns="35560" rIns="199136" bIns="35560" numCol="1" spcCol="1270" anchor="t" anchorCtr="0">
           <a:noAutofit/>
         </a:bodyPr>
         <a:lstStyle/>
         <a:p>
-          <a:pPr marL="228600" lvl="1" indent="-228600" algn="l" defTabSz="1022350">
+          <a:pPr marL="228600" lvl="1" indent="-228600" algn="l" defTabSz="977900">
             <a:lnSpc>
               <a:spcPct val="90000"/>
             </a:lnSpc>
@@ -10714,13 +10288,13 @@
             <a:buChar char="••"/>
           </a:pPr>
           <a:r>
-            <a:rPr lang="ru-RU" sz="2300" kern="1200" dirty="0" smtClean="0"/>
+            <a:rPr lang="ru-RU" sz="2200" kern="1200" dirty="0" smtClean="0"/>
             <a:t>Прочитать/записать текстовый файл</a:t>
           </a:r>
-          <a:endParaRPr lang="ru-RU" sz="2300" kern="1200" dirty="0"/>
+          <a:endParaRPr lang="ru-RU" sz="2200" kern="1200" dirty="0"/>
         </a:p>
         <a:p>
-          <a:pPr marL="228600" lvl="1" indent="-228600" algn="l" defTabSz="1022350">
+          <a:pPr marL="228600" lvl="1" indent="-228600" algn="l" defTabSz="977900">
             <a:lnSpc>
               <a:spcPct val="90000"/>
             </a:lnSpc>
@@ -10733,21 +10307,21 @@
             <a:buChar char="••"/>
           </a:pPr>
           <a:r>
-            <a:rPr lang="ru-RU" sz="2300" kern="1200" dirty="0" smtClean="0"/>
+            <a:rPr lang="ru-RU" sz="2200" kern="1200" dirty="0" smtClean="0"/>
             <a:t>Прочитать/записать </a:t>
           </a:r>
           <a:r>
-            <a:rPr lang="en-US" sz="2300" kern="1200" dirty="0" smtClean="0"/>
+            <a:rPr lang="en-US" sz="2200" kern="1200" dirty="0" smtClean="0"/>
             <a:t>JSON-</a:t>
           </a:r>
           <a:r>
-            <a:rPr lang="ru-RU" sz="2300" kern="1200" dirty="0" smtClean="0"/>
+            <a:rPr lang="ru-RU" sz="2200" kern="1200" dirty="0" smtClean="0"/>
             <a:t>файл</a:t>
           </a:r>
-          <a:endParaRPr lang="ru-RU" sz="2300" kern="1200" dirty="0"/>
+          <a:endParaRPr lang="ru-RU" sz="2200" kern="1200" dirty="0"/>
         </a:p>
         <a:p>
-          <a:pPr marL="228600" lvl="1" indent="-228600" algn="l" defTabSz="1022350">
+          <a:pPr marL="228600" lvl="1" indent="-228600" algn="l" defTabSz="977900">
             <a:lnSpc>
               <a:spcPct val="90000"/>
             </a:lnSpc>
@@ -10760,23 +10334,50 @@
             <a:buChar char="••"/>
           </a:pPr>
           <a:r>
-            <a:rPr lang="ru-RU" sz="2300" kern="1200" dirty="0" smtClean="0"/>
+            <a:rPr lang="ru-RU" sz="2200" kern="1200" dirty="0" smtClean="0"/>
             <a:t>Проверить </a:t>
           </a:r>
           <a:r>
-            <a:rPr lang="en-US" sz="2300" kern="1200" dirty="0" smtClean="0"/>
+            <a:rPr lang="en-US" sz="2200" kern="1200" dirty="0" smtClean="0"/>
             <a:t>JSON-</a:t>
           </a:r>
           <a:r>
-            <a:rPr lang="ru-RU" sz="2300" kern="1200" dirty="0" smtClean="0"/>
+            <a:rPr lang="ru-RU" sz="2200" kern="1200" dirty="0" smtClean="0"/>
             <a:t>структуру на соответствие шаблону</a:t>
           </a:r>
-          <a:endParaRPr lang="ru-RU" sz="2300" kern="1200" dirty="0"/>
+          <a:endParaRPr lang="ru-RU" sz="2200" kern="1200" dirty="0"/>
+        </a:p>
+        <a:p>
+          <a:pPr marL="228600" lvl="1" indent="-228600" algn="l" defTabSz="977900">
+            <a:lnSpc>
+              <a:spcPct val="90000"/>
+            </a:lnSpc>
+            <a:spcBef>
+              <a:spcPct val="0"/>
+            </a:spcBef>
+            <a:spcAft>
+              <a:spcPct val="20000"/>
+            </a:spcAft>
+            <a:buChar char="••"/>
+          </a:pPr>
+          <a:r>
+            <a:rPr lang="ru-RU" sz="2200" kern="1200" dirty="0" smtClean="0"/>
+            <a:t>Проверить </a:t>
+          </a:r>
+          <a:r>
+            <a:rPr lang="en-US" sz="2200" kern="1200" dirty="0" smtClean="0"/>
+            <a:t>JSON-</a:t>
+          </a:r>
+          <a:r>
+            <a:rPr lang="ru-RU" sz="2200" kern="1200" dirty="0" smtClean="0"/>
+            <a:t>структуру на целостность</a:t>
+          </a:r>
+          <a:endParaRPr lang="ru-RU" sz="2200" kern="1200" dirty="0"/>
         </a:p>
       </dsp:txBody>
       <dsp:txXfrm>
-        <a:off x="0" y="782637"/>
-        <a:ext cx="8208085" cy="1210950"/>
+        <a:off x="0" y="674997"/>
+        <a:ext cx="8208085" cy="1506960"/>
       </dsp:txXfrm>
     </dsp:sp>
     <dsp:sp modelId="{557F1F5C-6D75-4492-8EF1-6580ED92ACAF}">
@@ -10786,8 +10387,8 @@
       </dsp:nvSpPr>
       <dsp:spPr>
         <a:xfrm>
-          <a:off x="0" y="1993587"/>
-          <a:ext cx="8208085" cy="719549"/>
+          <a:off x="0" y="2181957"/>
+          <a:ext cx="8208085" cy="671580"/>
         </a:xfrm>
         <a:prstGeom prst="roundRect">
           <a:avLst/>
@@ -10828,12 +10429,12 @@
         </a:fontRef>
       </dsp:style>
       <dsp:txBody>
-        <a:bodyPr spcFirstLastPara="0" vert="horz" wrap="square" lIns="114300" tIns="114300" rIns="114300" bIns="114300" numCol="1" spcCol="1270" anchor="ctr" anchorCtr="0">
+        <a:bodyPr spcFirstLastPara="0" vert="horz" wrap="square" lIns="106680" tIns="106680" rIns="106680" bIns="106680" numCol="1" spcCol="1270" anchor="ctr" anchorCtr="0">
           <a:noAutofit/>
         </a:bodyPr>
         <a:lstStyle/>
         <a:p>
-          <a:pPr lvl="0" algn="l" defTabSz="1333500">
+          <a:pPr lvl="0" algn="l" defTabSz="1244600">
             <a:lnSpc>
               <a:spcPct val="90000"/>
             </a:lnSpc>
@@ -10845,15 +10446,15 @@
             </a:spcAft>
           </a:pPr>
           <a:r>
-            <a:rPr lang="ru-RU" sz="3000" kern="1200" dirty="0" smtClean="0"/>
+            <a:rPr lang="ru-RU" sz="2800" kern="1200" dirty="0" smtClean="0"/>
             <a:t>Проверка при работе с файлами</a:t>
           </a:r>
-          <a:endParaRPr lang="ru-RU" sz="3000" kern="1200" dirty="0"/>
+          <a:endParaRPr lang="ru-RU" sz="2800" kern="1200" dirty="0"/>
         </a:p>
       </dsp:txBody>
       <dsp:txXfrm>
-        <a:off x="35125" y="2028712"/>
-        <a:ext cx="8137835" cy="649299"/>
+        <a:off x="32784" y="2214741"/>
+        <a:ext cx="8142517" cy="606012"/>
       </dsp:txXfrm>
     </dsp:sp>
     <dsp:sp modelId="{657A1B8A-9783-4C29-9201-29A02D448FA4}">
@@ -10863,8 +10464,8 @@
       </dsp:nvSpPr>
       <dsp:spPr>
         <a:xfrm>
-          <a:off x="0" y="2713137"/>
-          <a:ext cx="8208085" cy="1210950"/>
+          <a:off x="0" y="2853537"/>
+          <a:ext cx="8208085" cy="1130220"/>
         </a:xfrm>
         <a:prstGeom prst="rect">
           <a:avLst/>
@@ -10888,12 +10489,12 @@
         <a:fontRef idx="minor"/>
       </dsp:style>
       <dsp:txBody>
-        <a:bodyPr spcFirstLastPara="0" vert="horz" wrap="square" lIns="260607" tIns="38100" rIns="213360" bIns="38100" numCol="1" spcCol="1270" anchor="t" anchorCtr="0">
+        <a:bodyPr spcFirstLastPara="0" vert="horz" wrap="square" lIns="260607" tIns="35560" rIns="199136" bIns="35560" numCol="1" spcCol="1270" anchor="t" anchorCtr="0">
           <a:noAutofit/>
         </a:bodyPr>
         <a:lstStyle/>
         <a:p>
-          <a:pPr marL="228600" lvl="1" indent="-228600" algn="l" defTabSz="1022350">
+          <a:pPr marL="228600" lvl="1" indent="-228600" algn="l" defTabSz="977900">
             <a:lnSpc>
               <a:spcPct val="90000"/>
             </a:lnSpc>
@@ -10906,13 +10507,13 @@
             <a:buChar char="••"/>
           </a:pPr>
           <a:r>
-            <a:rPr lang="ru-RU" sz="2300" kern="1200" dirty="0" smtClean="0"/>
+            <a:rPr lang="ru-RU" sz="2200" kern="1200" dirty="0" smtClean="0"/>
             <a:t>Проверка на существование файла</a:t>
           </a:r>
-          <a:endParaRPr lang="ru-RU" sz="2300" kern="1200" dirty="0"/>
+          <a:endParaRPr lang="ru-RU" sz="2200" kern="1200" dirty="0"/>
         </a:p>
         <a:p>
-          <a:pPr marL="228600" lvl="1" indent="-228600" algn="l" defTabSz="1022350">
+          <a:pPr marL="228600" lvl="1" indent="-228600" algn="l" defTabSz="977900">
             <a:lnSpc>
               <a:spcPct val="90000"/>
             </a:lnSpc>
@@ -10925,13 +10526,13 @@
             <a:buChar char="••"/>
           </a:pPr>
           <a:r>
-            <a:rPr lang="ru-RU" sz="2300" kern="1200" dirty="0" smtClean="0"/>
+            <a:rPr lang="ru-RU" sz="2200" kern="1200" dirty="0" smtClean="0"/>
             <a:t>Проверка на открытие файла</a:t>
           </a:r>
-          <a:endParaRPr lang="ru-RU" sz="2300" kern="1200" dirty="0"/>
+          <a:endParaRPr lang="ru-RU" sz="2200" kern="1200" dirty="0"/>
         </a:p>
         <a:p>
-          <a:pPr marL="228600" lvl="1" indent="-228600" algn="l" defTabSz="1022350">
+          <a:pPr marL="228600" lvl="1" indent="-228600" algn="l" defTabSz="977900">
             <a:lnSpc>
               <a:spcPct val="90000"/>
             </a:lnSpc>
@@ -10944,15 +10545,15 @@
             <a:buChar char="••"/>
           </a:pPr>
           <a:r>
-            <a:rPr lang="ru-RU" sz="2300" kern="1200" dirty="0" smtClean="0"/>
+            <a:rPr lang="ru-RU" sz="2200" kern="1200" dirty="0" smtClean="0"/>
             <a:t>Проверка на ошибки во время чтения/записи файла</a:t>
           </a:r>
-          <a:endParaRPr lang="ru-RU" sz="2300" kern="1200" dirty="0"/>
+          <a:endParaRPr lang="ru-RU" sz="2200" kern="1200" dirty="0"/>
         </a:p>
       </dsp:txBody>
       <dsp:txXfrm>
-        <a:off x="0" y="2713137"/>
-        <a:ext cx="8208085" cy="1210950"/>
+        <a:off x="0" y="2853537"/>
+        <a:ext cx="8208085" cy="1130220"/>
       </dsp:txXfrm>
     </dsp:sp>
   </dsp:spTree>
@@ -23087,7 +22688,7 @@
           <a:p>
             <a:fld id="{FF87DA49-9917-4A7E-BE43-A1E4A72285DB}" type="datetimeFigureOut">
               <a:rPr lang="ru-RU" smtClean="0"/>
-              <a:t>22.11.2025</a:t>
+              <a:t>23.11.2025</a:t>
             </a:fld>
             <a:endParaRPr lang="ru-RU"/>
           </a:p>
@@ -23667,7 +23268,7 @@
           <a:p>
             <a:fld id="{82D494A6-AC0E-4564-848B-C9299726F19B}" type="datetime1">
               <a:rPr lang="ru-RU" smtClean="0"/>
-              <a:t>22.11.2025</a:t>
+              <a:t>23.11.2025</a:t>
             </a:fld>
             <a:endParaRPr lang="ru-RU"/>
           </a:p>
@@ -23875,7 +23476,7 @@
           <a:p>
             <a:fld id="{8F54F09E-5B73-4FCA-A245-E4B9F24EF6EE}" type="datetime1">
               <a:rPr lang="ru-RU" smtClean="0"/>
-              <a:t>22.11.2025</a:t>
+              <a:t>23.11.2025</a:t>
             </a:fld>
             <a:endParaRPr lang="ru-RU"/>
           </a:p>
@@ -24133,7 +23734,7 @@
           <a:p>
             <a:fld id="{EE0EF1CB-1F45-4BB0-ACA2-7F2CD691ED8E}" type="datetime1">
               <a:rPr lang="ru-RU" smtClean="0"/>
-              <a:t>22.11.2025</a:t>
+              <a:t>23.11.2025</a:t>
             </a:fld>
             <a:endParaRPr lang="ru-RU"/>
           </a:p>
@@ -24303,7 +23904,7 @@
           <a:p>
             <a:fld id="{8AC5719E-8A6A-457D-98CF-1B213C53F5CE}" type="datetime1">
               <a:rPr lang="ru-RU" smtClean="0"/>
-              <a:t>22.11.2025</a:t>
+              <a:t>23.11.2025</a:t>
             </a:fld>
             <a:endParaRPr lang="ru-RU"/>
           </a:p>
@@ -24640,7 +24241,7 @@
           <a:p>
             <a:fld id="{9187F089-DB3A-44EC-8E6C-70C807261B64}" type="datetime1">
               <a:rPr lang="ru-RU" smtClean="0"/>
-              <a:t>22.11.2025</a:t>
+              <a:t>23.11.2025</a:t>
             </a:fld>
             <a:endParaRPr lang="ru-RU"/>
           </a:p>
@@ -24915,7 +24516,7 @@
           <a:p>
             <a:fld id="{8D89F477-1E06-42B9-98CE-724D285F544D}" type="datetime1">
               <a:rPr lang="ru-RU" smtClean="0"/>
-              <a:t>22.11.2025</a:t>
+              <a:t>23.11.2025</a:t>
             </a:fld>
             <a:endParaRPr lang="ru-RU"/>
           </a:p>
@@ -25294,7 +24895,7 @@
           <a:p>
             <a:fld id="{D1ABE4F1-295B-4CC0-A10F-3BDEF5F6B9B6}" type="datetime1">
               <a:rPr lang="ru-RU" smtClean="0"/>
-              <a:t>22.11.2025</a:t>
+              <a:t>23.11.2025</a:t>
             </a:fld>
             <a:endParaRPr lang="ru-RU"/>
           </a:p>
@@ -25412,7 +25013,7 @@
           <a:p>
             <a:fld id="{5415850B-FCCB-4950-8D75-8D81D52F3FBD}" type="datetime1">
               <a:rPr lang="ru-RU" smtClean="0"/>
-              <a:t>22.11.2025</a:t>
+              <a:t>23.11.2025</a:t>
             </a:fld>
             <a:endParaRPr lang="ru-RU"/>
           </a:p>
@@ -25585,7 +25186,7 @@
           <a:p>
             <a:fld id="{BFEAB0DF-01E8-4782-A602-314B3FF37A29}" type="datetime1">
               <a:rPr lang="ru-RU" smtClean="0"/>
-              <a:t>22.11.2025</a:t>
+              <a:t>23.11.2025</a:t>
             </a:fld>
             <a:endParaRPr lang="ru-RU"/>
           </a:p>
@@ -25941,7 +25542,7 @@
           <a:p>
             <a:fld id="{AA82D743-4282-4860-9AE2-FAD442C19B6D}" type="datetime1">
               <a:rPr lang="ru-RU" smtClean="0"/>
-              <a:t>22.11.2025</a:t>
+              <a:t>23.11.2025</a:t>
             </a:fld>
             <a:endParaRPr lang="ru-RU"/>
           </a:p>
@@ -26320,7 +25921,7 @@
           <a:p>
             <a:fld id="{F2122F36-14C5-4E46-8DE1-22F5FE5A6635}" type="datetime1">
               <a:rPr lang="ru-RU" smtClean="0"/>
-              <a:t>22.11.2025</a:t>
+              <a:t>23.11.2025</a:t>
             </a:fld>
             <a:endParaRPr lang="ru-RU"/>
           </a:p>
@@ -26609,7 +26210,7 @@
           <a:p>
             <a:fld id="{DF78E439-9BA7-4640-B448-B030DCC85B49}" type="datetime1">
               <a:rPr lang="ru-RU" smtClean="0"/>
-              <a:t>22.11.2025</a:t>
+              <a:t>23.11.2025</a:t>
             </a:fld>
             <a:endParaRPr lang="ru-RU"/>
           </a:p>
@@ -27275,7 +26876,7 @@
           <a:p>
             <a:fld id="{8AC5719E-8A6A-457D-98CF-1B213C53F5CE}" type="datetime1">
               <a:rPr lang="ru-RU" smtClean="0"/>
-              <a:t>22.11.2025</a:t>
+              <a:t>23.11.2025</a:t>
             </a:fld>
             <a:endParaRPr lang="ru-RU"/>
           </a:p>
@@ -27653,7 +27254,6 @@
               <a:rPr lang="ru-RU" sz="1200" dirty="0" smtClean="0"/>
               <a:t>рганизует </a:t>
             </a:r>
-            <a:endParaRPr lang="ru-RU" sz="1200" dirty="0" smtClean="0"/>
           </a:p>
           <a:p>
             <a:r>
@@ -28437,7 +28037,7 @@
           <a:p>
             <a:fld id="{8AC5719E-8A6A-457D-98CF-1B213C53F5CE}" type="datetime1">
               <a:rPr lang="ru-RU" smtClean="0"/>
-              <a:t>22.11.2025</a:t>
+              <a:t>23.11.2025</a:t>
             </a:fld>
             <a:endParaRPr lang="ru-RU"/>
           </a:p>
@@ -29024,7 +28624,7 @@
           <a:p>
             <a:fld id="{5415850B-FCCB-4950-8D75-8D81D52F3FBD}" type="datetime1">
               <a:rPr lang="ru-RU" smtClean="0"/>
-              <a:t>22.11.2025</a:t>
+              <a:t>23.11.2025</a:t>
             </a:fld>
             <a:endParaRPr lang="ru-RU"/>
           </a:p>
@@ -31904,7 +31504,7 @@
           <a:p>
             <a:fld id="{8AC5719E-8A6A-457D-98CF-1B213C53F5CE}" type="datetime1">
               <a:rPr lang="ru-RU" smtClean="0"/>
-              <a:t>22.11.2025</a:t>
+              <a:t>23.11.2025</a:t>
             </a:fld>
             <a:endParaRPr lang="ru-RU"/>
           </a:p>
@@ -34589,7 +34189,7 @@
           <a:p>
             <a:fld id="{8AC5719E-8A6A-457D-98CF-1B213C53F5CE}" type="datetime1">
               <a:rPr lang="ru-RU" smtClean="0"/>
-              <a:t>22.11.2025</a:t>
+              <a:t>23.11.2025</a:t>
             </a:fld>
             <a:endParaRPr lang="ru-RU"/>
           </a:p>
@@ -37113,7 +36713,7 @@
           <a:p>
             <a:fld id="{8AC5719E-8A6A-457D-98CF-1B213C53F5CE}" type="datetime1">
               <a:rPr lang="ru-RU" smtClean="0"/>
-              <a:t>22.11.2025</a:t>
+              <a:t>23.11.2025</a:t>
             </a:fld>
             <a:endParaRPr lang="ru-RU"/>
           </a:p>
@@ -40552,7 +40152,7 @@
           <a:p>
             <a:fld id="{8AC5719E-8A6A-457D-98CF-1B213C53F5CE}" type="datetime1">
               <a:rPr lang="ru-RU" smtClean="0"/>
-              <a:t>22.11.2025</a:t>
+              <a:t>23.11.2025</a:t>
             </a:fld>
             <a:endParaRPr lang="ru-RU"/>
           </a:p>
@@ -43824,7 +43424,7 @@
           <a:p>
             <a:fld id="{8AC5719E-8A6A-457D-98CF-1B213C53F5CE}" type="datetime1">
               <a:rPr lang="ru-RU" smtClean="0"/>
-              <a:t>22.11.2025</a:t>
+              <a:t>23.11.2025</a:t>
             </a:fld>
             <a:endParaRPr lang="ru-RU"/>
           </a:p>
@@ -47616,7 +47216,7 @@
           <a:p>
             <a:fld id="{8AC5719E-8A6A-457D-98CF-1B213C53F5CE}" type="datetime1">
               <a:rPr lang="ru-RU" smtClean="0"/>
-              <a:t>22.11.2025</a:t>
+              <a:t>23.11.2025</a:t>
             </a:fld>
             <a:endParaRPr lang="ru-RU"/>
           </a:p>
@@ -51215,7 +50815,7 @@
           <a:p>
             <a:fld id="{AA82D743-4282-4860-9AE2-FAD442C19B6D}" type="datetime1">
               <a:rPr lang="ru-RU" smtClean="0"/>
-              <a:t>22.11.2025</a:t>
+              <a:t>23.11.2025</a:t>
             </a:fld>
             <a:endParaRPr lang="ru-RU"/>
           </a:p>
@@ -53588,6 +53188,36 @@
           </a:fontRef>
         </p:style>
       </p:cxnSp>
+      <p:pic>
+        <p:nvPicPr>
+          <p:cNvPr id="2" name="Рисунок 1"/>
+          <p:cNvPicPr>
+            <a:picLocks noChangeAspect="1"/>
+          </p:cNvPicPr>
+          <p:nvPr/>
+        </p:nvPicPr>
+        <p:blipFill>
+          <a:blip r:embed="rId5" cstate="print">
+            <a:extLst>
+              <a:ext uri="{28A0092B-C50C-407E-A947-70E740481C1C}">
+                <a14:useLocalDpi xmlns:a14="http://schemas.microsoft.com/office/drawing/2010/main" val="0"/>
+              </a:ext>
+            </a:extLst>
+          </a:blip>
+          <a:stretch>
+            <a:fillRect/>
+          </a:stretch>
+        </p:blipFill>
+        <p:spPr>
+          <a:xfrm>
+            <a:off x="6494977" y="3677411"/>
+            <a:ext cx="1418509" cy="2006279"/>
+          </a:xfrm>
+          <a:prstGeom prst="rect">
+            <a:avLst/>
+          </a:prstGeom>
+        </p:spPr>
+      </p:pic>
     </p:spTree>
     <p:extLst>
       <p:ext uri="{BB962C8B-B14F-4D97-AF65-F5344CB8AC3E}">
@@ -53680,7 +53310,7 @@
           <a:p>
             <a:fld id="{9187F089-DB3A-44EC-8E6C-70C807261B64}" type="datetime1">
               <a:rPr lang="ru-RU" smtClean="0"/>
-              <a:t>22.11.2025</a:t>
+              <a:t>23.11.2025</a:t>
             </a:fld>
             <a:endParaRPr lang="ru-RU"/>
           </a:p>
@@ -53849,7 +53479,7 @@
           <a:p>
             <a:fld id="{8D89F477-1E06-42B9-98CE-724D285F544D}" type="datetime1">
               <a:rPr lang="ru-RU" smtClean="0"/>
-              <a:t>22.11.2025</a:t>
+              <a:t>23.11.2025</a:t>
             </a:fld>
             <a:endParaRPr lang="ru-RU"/>
           </a:p>
@@ -53978,7 +53608,7 @@
           <a:p>
             <a:fld id="{5415850B-FCCB-4950-8D75-8D81D52F3FBD}" type="datetime1">
               <a:rPr lang="ru-RU" smtClean="0"/>
-              <a:t>22.11.2025</a:t>
+              <a:t>23.11.2025</a:t>
             </a:fld>
             <a:endParaRPr lang="ru-RU"/>
           </a:p>
@@ -54033,7 +53663,7 @@
           <p:nvPr>
             <p:extLst>
               <p:ext uri="{D42A27DB-BD31-4B8C-83A1-F6EECF244321}">
-                <p14:modId xmlns:p14="http://schemas.microsoft.com/office/powerpoint/2010/main" val="2642172954"/>
+                <p14:modId xmlns:p14="http://schemas.microsoft.com/office/powerpoint/2010/main" val="2216395055"/>
               </p:ext>
             </p:extLst>
           </p:nvPr>
@@ -54048,6 +53678,216 @@
           </a:graphicData>
         </a:graphic>
       </p:graphicFrame>
+      <p:pic>
+        <p:nvPicPr>
+          <p:cNvPr id="13" name="Рисунок 12"/>
+          <p:cNvPicPr>
+            <a:picLocks noChangeAspect="1"/>
+          </p:cNvPicPr>
+          <p:nvPr/>
+        </p:nvPicPr>
+        <p:blipFill>
+          <a:blip r:embed="rId7" cstate="print">
+            <a:extLst>
+              <a:ext uri="{28A0092B-C50C-407E-A947-70E740481C1C}">
+                <a14:useLocalDpi xmlns:a14="http://schemas.microsoft.com/office/drawing/2010/main" val="0"/>
+              </a:ext>
+            </a:extLst>
+          </a:blip>
+          <a:stretch>
+            <a:fillRect/>
+          </a:stretch>
+        </p:blipFill>
+        <p:spPr>
+          <a:xfrm>
+            <a:off x="8187743" y="2354276"/>
+            <a:ext cx="994302" cy="703006"/>
+          </a:xfrm>
+          <a:prstGeom prst="rect">
+            <a:avLst/>
+          </a:prstGeom>
+        </p:spPr>
+      </p:pic>
+      <p:pic>
+        <p:nvPicPr>
+          <p:cNvPr id="14" name="Рисунок 13"/>
+          <p:cNvPicPr>
+            <a:picLocks noChangeAspect="1"/>
+          </p:cNvPicPr>
+          <p:nvPr/>
+        </p:nvPicPr>
+        <p:blipFill>
+          <a:blip r:embed="rId8" cstate="print">
+            <a:extLst>
+              <a:ext uri="{28A0092B-C50C-407E-A947-70E740481C1C}">
+                <a14:useLocalDpi xmlns:a14="http://schemas.microsoft.com/office/drawing/2010/main" val="0"/>
+              </a:ext>
+            </a:extLst>
+          </a:blip>
+          <a:stretch>
+            <a:fillRect/>
+          </a:stretch>
+        </p:blipFill>
+        <p:spPr>
+          <a:xfrm>
+            <a:off x="9619876" y="2374677"/>
+            <a:ext cx="936594" cy="662204"/>
+          </a:xfrm>
+          <a:prstGeom prst="rect">
+            <a:avLst/>
+          </a:prstGeom>
+        </p:spPr>
+      </p:pic>
+      <p:pic>
+        <p:nvPicPr>
+          <p:cNvPr id="15" name="Рисунок 14"/>
+          <p:cNvPicPr>
+            <a:picLocks noChangeAspect="1"/>
+          </p:cNvPicPr>
+          <p:nvPr/>
+        </p:nvPicPr>
+        <p:blipFill>
+          <a:blip r:embed="rId9" cstate="print">
+            <a:extLst>
+              <a:ext uri="{28A0092B-C50C-407E-A947-70E740481C1C}">
+                <a14:useLocalDpi xmlns:a14="http://schemas.microsoft.com/office/drawing/2010/main" val="0"/>
+              </a:ext>
+            </a:extLst>
+          </a:blip>
+          <a:stretch>
+            <a:fillRect/>
+          </a:stretch>
+        </p:blipFill>
+        <p:spPr>
+          <a:xfrm>
+            <a:off x="7990978" y="2809364"/>
+            <a:ext cx="1036021" cy="732503"/>
+          </a:xfrm>
+          <a:prstGeom prst="rect">
+            <a:avLst/>
+          </a:prstGeom>
+        </p:spPr>
+      </p:pic>
+      <p:pic>
+        <p:nvPicPr>
+          <p:cNvPr id="16" name="Рисунок 15"/>
+          <p:cNvPicPr>
+            <a:picLocks noChangeAspect="1"/>
+          </p:cNvPicPr>
+          <p:nvPr/>
+        </p:nvPicPr>
+        <p:blipFill>
+          <a:blip r:embed="rId10" cstate="print">
+            <a:extLst>
+              <a:ext uri="{28A0092B-C50C-407E-A947-70E740481C1C}">
+                <a14:useLocalDpi xmlns:a14="http://schemas.microsoft.com/office/drawing/2010/main" val="0"/>
+              </a:ext>
+            </a:extLst>
+          </a:blip>
+          <a:stretch>
+            <a:fillRect/>
+          </a:stretch>
+        </p:blipFill>
+        <p:spPr>
+          <a:xfrm>
+            <a:off x="9489542" y="2846389"/>
+            <a:ext cx="1048549" cy="741361"/>
+          </a:xfrm>
+          <a:prstGeom prst="rect">
+            <a:avLst/>
+          </a:prstGeom>
+        </p:spPr>
+      </p:pic>
+      <p:pic>
+        <p:nvPicPr>
+          <p:cNvPr id="18" name="Рисунок 17"/>
+          <p:cNvPicPr>
+            <a:picLocks noChangeAspect="1"/>
+          </p:cNvPicPr>
+          <p:nvPr/>
+        </p:nvPicPr>
+        <p:blipFill>
+          <a:blip r:embed="rId11" cstate="print">
+            <a:extLst>
+              <a:ext uri="{28A0092B-C50C-407E-A947-70E740481C1C}">
+                <a14:useLocalDpi xmlns:a14="http://schemas.microsoft.com/office/drawing/2010/main" val="0"/>
+              </a:ext>
+            </a:extLst>
+          </a:blip>
+          <a:stretch>
+            <a:fillRect/>
+          </a:stretch>
+        </p:blipFill>
+        <p:spPr>
+          <a:xfrm>
+            <a:off x="10752884" y="3057282"/>
+            <a:ext cx="634067" cy="896797"/>
+          </a:xfrm>
+          <a:prstGeom prst="rect">
+            <a:avLst/>
+          </a:prstGeom>
+        </p:spPr>
+      </p:pic>
+      <p:pic>
+        <p:nvPicPr>
+          <p:cNvPr id="19" name="Рисунок 18"/>
+          <p:cNvPicPr>
+            <a:picLocks noChangeAspect="1"/>
+          </p:cNvPicPr>
+          <p:nvPr/>
+        </p:nvPicPr>
+        <p:blipFill>
+          <a:blip r:embed="rId12" cstate="print">
+            <a:extLst>
+              <a:ext uri="{28A0092B-C50C-407E-A947-70E740481C1C}">
+                <a14:useLocalDpi xmlns:a14="http://schemas.microsoft.com/office/drawing/2010/main" val="0"/>
+              </a:ext>
+            </a:extLst>
+          </a:blip>
+          <a:stretch>
+            <a:fillRect/>
+          </a:stretch>
+        </p:blipFill>
+        <p:spPr>
+          <a:xfrm>
+            <a:off x="8985809" y="3310985"/>
+            <a:ext cx="634067" cy="896797"/>
+          </a:xfrm>
+          <a:prstGeom prst="rect">
+            <a:avLst/>
+          </a:prstGeom>
+        </p:spPr>
+      </p:pic>
+      <p:pic>
+        <p:nvPicPr>
+          <p:cNvPr id="20" name="Рисунок 19"/>
+          <p:cNvPicPr>
+            <a:picLocks noChangeAspect="1"/>
+          </p:cNvPicPr>
+          <p:nvPr/>
+        </p:nvPicPr>
+        <p:blipFill>
+          <a:blip r:embed="rId13" cstate="print">
+            <a:extLst>
+              <a:ext uri="{28A0092B-C50C-407E-A947-70E740481C1C}">
+                <a14:useLocalDpi xmlns:a14="http://schemas.microsoft.com/office/drawing/2010/main" val="0"/>
+              </a:ext>
+            </a:extLst>
+          </a:blip>
+          <a:stretch>
+            <a:fillRect/>
+          </a:stretch>
+        </p:blipFill>
+        <p:spPr>
+          <a:xfrm>
+            <a:off x="8105728" y="4424516"/>
+            <a:ext cx="543263" cy="768368"/>
+          </a:xfrm>
+          <a:prstGeom prst="rect">
+            <a:avLst/>
+          </a:prstGeom>
+        </p:spPr>
+      </p:pic>
     </p:spTree>
     <p:extLst>
       <p:ext uri="{BB962C8B-B14F-4D97-AF65-F5344CB8AC3E}">
@@ -54134,7 +53974,7 @@
           <a:p>
             <a:fld id="{5415850B-FCCB-4950-8D75-8D81D52F3FBD}" type="datetime1">
               <a:rPr lang="ru-RU" smtClean="0"/>
-              <a:t>22.11.2025</a:t>
+              <a:t>23.11.2025</a:t>
             </a:fld>
             <a:endParaRPr lang="ru-RU"/>
           </a:p>
@@ -54420,7 +54260,7 @@
           <a:p>
             <a:fld id="{8AC5719E-8A6A-457D-98CF-1B213C53F5CE}" type="datetime1">
               <a:rPr lang="ru-RU" smtClean="0"/>
-              <a:t>22.11.2025</a:t>
+              <a:t>23.11.2025</a:t>
             </a:fld>
             <a:endParaRPr lang="ru-RU"/>
           </a:p>
@@ -54739,7 +54579,7 @@
           <a:p>
             <a:fld id="{AA82D743-4282-4860-9AE2-FAD442C19B6D}" type="datetime1">
               <a:rPr lang="ru-RU" smtClean="0"/>
-              <a:t>22.11.2025</a:t>
+              <a:t>23.11.2025</a:t>
             </a:fld>
             <a:endParaRPr lang="ru-RU"/>
           </a:p>
@@ -54928,7 +54768,7 @@
           <a:p>
             <a:fld id="{22C4FDAF-C654-4288-9437-917D77737F5E}" type="datetime1">
               <a:rPr lang="ru-RU" smtClean="0"/>
-              <a:t>22.11.2025</a:t>
+              <a:t>23.11.2025</a:t>
             </a:fld>
             <a:endParaRPr lang="ru-RU"/>
           </a:p>
@@ -55569,7 +55409,7 @@
           <a:p>
             <a:fld id="{8D89F477-1E06-42B9-98CE-724D285F544D}" type="datetime1">
               <a:rPr lang="ru-RU" smtClean="0"/>
-              <a:t>22.11.2025</a:t>
+              <a:t>23.11.2025</a:t>
             </a:fld>
             <a:endParaRPr lang="ru-RU"/>
           </a:p>
@@ -55761,7 +55601,6 @@
               <a:rPr lang="ru-RU" dirty="0" smtClean="0"/>
               <a:t>конфигурации:</a:t>
             </a:r>
-            <a:endParaRPr lang="ru-RU" dirty="0" smtClean="0"/>
           </a:p>
           <a:p>
             <a:pPr marL="285750" indent="-285750">
@@ -55780,11 +55619,7 @@
             </a:pPr>
             <a:r>
               <a:rPr lang="ru-RU" dirty="0" smtClean="0"/>
-              <a:t>массив </a:t>
-            </a:r>
-            <a:r>
-              <a:rPr lang="ru-RU" dirty="0" smtClean="0"/>
-              <a:t>имён файлов</a:t>
+              <a:t>массив имён файлов</a:t>
             </a:r>
             <a:endParaRPr lang="ru-RU" dirty="0"/>
           </a:p>
@@ -55928,7 +55763,7 @@
           <a:p>
             <a:fld id="{8D89F477-1E06-42B9-98CE-724D285F544D}" type="datetime1">
               <a:rPr lang="ru-RU" smtClean="0"/>
-              <a:t>22.11.2025</a:t>
+              <a:t>23.11.2025</a:t>
             </a:fld>
             <a:endParaRPr lang="ru-RU"/>
           </a:p>
@@ -56418,7 +56253,7 @@
           <a:p>
             <a:fld id="{8D89F477-1E06-42B9-98CE-724D285F544D}" type="datetime1">
               <a:rPr lang="ru-RU" smtClean="0"/>
-              <a:t>22.11.2025</a:t>
+              <a:t>23.11.2025</a:t>
             </a:fld>
             <a:endParaRPr lang="ru-RU"/>
           </a:p>
@@ -57041,7 +56876,7 @@
           <a:p>
             <a:fld id="{8D89F477-1E06-42B9-98CE-724D285F544D}" type="datetime1">
               <a:rPr lang="ru-RU" smtClean="0"/>
-              <a:t>22.11.2025</a:t>
+              <a:t>23.11.2025</a:t>
             </a:fld>
             <a:endParaRPr lang="ru-RU"/>
           </a:p>

--- a/presentation/защита.pptx
+++ b/presentation/защита.pptx
@@ -210,7 +210,6 @@
           </a:p>
         </c:rich>
       </c:tx>
-      <c:layout/>
       <c:overlay val="0"/>
       <c:spPr>
         <a:noFill/>
@@ -353,11 +352,11 @@
         </c:dLbls>
         <c:gapWidth val="219"/>
         <c:overlap val="-27"/>
-        <c:axId val="408247728"/>
-        <c:axId val="408248904"/>
+        <c:axId val="189577856"/>
+        <c:axId val="189570408"/>
       </c:barChart>
       <c:catAx>
-        <c:axId val="408247728"/>
+        <c:axId val="189577856"/>
         <c:scaling>
           <c:orientation val="minMax"/>
         </c:scaling>
@@ -400,7 +399,7 @@
             <a:endParaRPr lang="ru-RU"/>
           </a:p>
         </c:txPr>
-        <c:crossAx val="408248904"/>
+        <c:crossAx val="189570408"/>
         <c:crosses val="autoZero"/>
         <c:auto val="1"/>
         <c:lblAlgn val="ctr"/>
@@ -408,7 +407,7 @@
         <c:noMultiLvlLbl val="0"/>
       </c:catAx>
       <c:valAx>
-        <c:axId val="408248904"/>
+        <c:axId val="189570408"/>
         <c:scaling>
           <c:orientation val="minMax"/>
         </c:scaling>
@@ -459,7 +458,7 @@
             <a:endParaRPr lang="ru-RU"/>
           </a:p>
         </c:txPr>
-        <c:crossAx val="408247728"/>
+        <c:crossAx val="189577856"/>
         <c:crosses val="autoZero"/>
         <c:crossBetween val="between"/>
       </c:valAx>
@@ -473,7 +472,6 @@
     </c:plotArea>
     <c:legend>
       <c:legendPos val="b"/>
-      <c:layout/>
       <c:overlay val="0"/>
       <c:spPr>
         <a:noFill/>
@@ -571,7 +569,6 @@
           </a:p>
         </c:rich>
       </c:tx>
-      <c:layout/>
       <c:overlay val="0"/>
       <c:spPr>
         <a:noFill/>
@@ -714,11 +711,11 @@
         </c:dLbls>
         <c:gapWidth val="219"/>
         <c:overlap val="-27"/>
-        <c:axId val="408241456"/>
-        <c:axId val="316984816"/>
+        <c:axId val="477577880"/>
+        <c:axId val="477577096"/>
       </c:barChart>
       <c:catAx>
-        <c:axId val="408241456"/>
+        <c:axId val="477577880"/>
         <c:scaling>
           <c:orientation val="minMax"/>
         </c:scaling>
@@ -761,7 +758,7 @@
             <a:endParaRPr lang="ru-RU"/>
           </a:p>
         </c:txPr>
-        <c:crossAx val="316984816"/>
+        <c:crossAx val="477577096"/>
         <c:crosses val="autoZero"/>
         <c:auto val="1"/>
         <c:lblAlgn val="ctr"/>
@@ -769,7 +766,7 @@
         <c:noMultiLvlLbl val="0"/>
       </c:catAx>
       <c:valAx>
-        <c:axId val="316984816"/>
+        <c:axId val="477577096"/>
         <c:scaling>
           <c:orientation val="minMax"/>
         </c:scaling>
@@ -820,7 +817,7 @@
             <a:endParaRPr lang="ru-RU"/>
           </a:p>
         </c:txPr>
-        <c:crossAx val="408241456"/>
+        <c:crossAx val="477577880"/>
         <c:crosses val="autoZero"/>
         <c:crossBetween val="between"/>
       </c:valAx>
@@ -834,7 +831,6 @@
     </c:plotArea>
     <c:legend>
       <c:legendPos val="b"/>
-      <c:layout/>
       <c:overlay val="0"/>
       <c:spPr>
         <a:noFill/>
@@ -8737,15 +8733,15 @@
     <dgm:cxn modelId="{F3B4AF9B-7FE3-40D3-BA22-E241A2CE68FB}" srcId="{2E623F1E-8BE3-4C3D-8265-19EDBBBD0197}" destId="{A11CB2FD-A157-4C68-83D6-C4C5B942172A}" srcOrd="2" destOrd="0" parTransId="{0253DC1D-0C3C-405D-93F7-80D19AD67065}" sibTransId="{72CE49A4-A530-4D9D-B4FC-D654EF8E746F}"/>
     <dgm:cxn modelId="{6CF4803D-F75D-4A12-AC1C-B72C879BD512}" type="presOf" srcId="{1EF42ADA-5F02-4E46-BE50-FEA15D3D173E}" destId="{557F1F5C-6D75-4492-8EF1-6580ED92ACAF}" srcOrd="0" destOrd="0" presId="urn:microsoft.com/office/officeart/2005/8/layout/vList2"/>
     <dgm:cxn modelId="{4D98B2F0-948C-433F-8FFC-AAC710408A78}" type="presOf" srcId="{F0E2124C-8CCA-471D-943A-B8A9321110B7}" destId="{625A264F-F3DF-4EEC-8B66-102C93BB9818}" srcOrd="0" destOrd="3" presId="urn:microsoft.com/office/officeart/2005/8/layout/vList2"/>
+    <dgm:cxn modelId="{BAC2D091-19B2-47EA-A560-CF3C9EE07EEE}" srcId="{2E623F1E-8BE3-4C3D-8265-19EDBBBD0197}" destId="{79306A6F-DF62-4B70-AEAA-7AACBA933274}" srcOrd="0" destOrd="0" parTransId="{ED6D6C32-A6A4-4F53-BECD-31DF94AB2F2D}" sibTransId="{3C0A9A96-F363-4021-A337-B08E7E4FF28B}"/>
     <dgm:cxn modelId="{ABE72B95-550F-4C6F-A736-9AEE0A6AFA42}" srcId="{1EF42ADA-5F02-4E46-BE50-FEA15D3D173E}" destId="{017FE366-74F1-4A0F-BBA6-BE17472606E3}" srcOrd="2" destOrd="0" parTransId="{6204BB66-3532-4E4F-B7A3-5D564691C70E}" sibTransId="{84425D09-E092-4EB6-A849-487EBDBB914D}"/>
-    <dgm:cxn modelId="{BAC2D091-19B2-47EA-A560-CF3C9EE07EEE}" srcId="{2E623F1E-8BE3-4C3D-8265-19EDBBBD0197}" destId="{79306A6F-DF62-4B70-AEAA-7AACBA933274}" srcOrd="0" destOrd="0" parTransId="{ED6D6C32-A6A4-4F53-BECD-31DF94AB2F2D}" sibTransId="{3C0A9A96-F363-4021-A337-B08E7E4FF28B}"/>
     <dgm:cxn modelId="{D817F523-88F6-435B-AF3D-410EB41D04C7}" type="presOf" srcId="{79306A6F-DF62-4B70-AEAA-7AACBA933274}" destId="{625A264F-F3DF-4EEC-8B66-102C93BB9818}" srcOrd="0" destOrd="0" presId="urn:microsoft.com/office/officeart/2005/8/layout/vList2"/>
     <dgm:cxn modelId="{48A65D49-CABF-4D36-AE62-7F08CF0329A8}" srcId="{1EF42ADA-5F02-4E46-BE50-FEA15D3D173E}" destId="{573D393A-66A2-446E-BFEF-C3FBF1C42C84}" srcOrd="0" destOrd="0" parTransId="{8FB5C8FE-E193-41CA-9D85-84904BACA977}" sibTransId="{20177508-7C4A-44B7-9491-F2F874B79DF0}"/>
     <dgm:cxn modelId="{C3CFC676-C5FC-4571-B86C-5A148CFD44A5}" type="presOf" srcId="{6EC4C7A0-7E2A-47DE-B2E1-3DBF10A006E4}" destId="{657A1B8A-9783-4C29-9201-29A02D448FA4}" srcOrd="0" destOrd="1" presId="urn:microsoft.com/office/officeart/2005/8/layout/vList2"/>
     <dgm:cxn modelId="{64AA8193-3439-4C5F-B251-813F4773F941}" type="presOf" srcId="{43654343-DB53-42AB-A74A-F1B8C77FC7AB}" destId="{8997A8C5-71D1-4253-A406-6EEF7A742701}" srcOrd="0" destOrd="0" presId="urn:microsoft.com/office/officeart/2005/8/layout/vList2"/>
     <dgm:cxn modelId="{F10569FF-8F86-4F84-B533-45D6AE975FD5}" type="presOf" srcId="{A11CB2FD-A157-4C68-83D6-C4C5B942172A}" destId="{625A264F-F3DF-4EEC-8B66-102C93BB9818}" srcOrd="0" destOrd="2" presId="urn:microsoft.com/office/officeart/2005/8/layout/vList2"/>
+    <dgm:cxn modelId="{A077084D-BD82-48E8-9493-C824B2A7DEC1}" srcId="{1EF42ADA-5F02-4E46-BE50-FEA15D3D173E}" destId="{6EC4C7A0-7E2A-47DE-B2E1-3DBF10A006E4}" srcOrd="1" destOrd="0" parTransId="{153CCD8A-EEDE-42A6-83D5-2DBF09F852E6}" sibTransId="{18B62E41-65DF-4ED6-9329-DB071B0EAC9F}"/>
     <dgm:cxn modelId="{050D1CCC-6CCB-47AC-B1B0-006D5C3B9463}" type="presOf" srcId="{017FE366-74F1-4A0F-BBA6-BE17472606E3}" destId="{657A1B8A-9783-4C29-9201-29A02D448FA4}" srcOrd="0" destOrd="2" presId="urn:microsoft.com/office/officeart/2005/8/layout/vList2"/>
-    <dgm:cxn modelId="{A077084D-BD82-48E8-9493-C824B2A7DEC1}" srcId="{1EF42ADA-5F02-4E46-BE50-FEA15D3D173E}" destId="{6EC4C7A0-7E2A-47DE-B2E1-3DBF10A006E4}" srcOrd="1" destOrd="0" parTransId="{153CCD8A-EEDE-42A6-83D5-2DBF09F852E6}" sibTransId="{18B62E41-65DF-4ED6-9329-DB071B0EAC9F}"/>
     <dgm:cxn modelId="{CAD3D820-E2B7-4353-8121-030808F9E88E}" type="presOf" srcId="{2E623F1E-8BE3-4C3D-8265-19EDBBBD0197}" destId="{B9E4810E-52F3-40F0-9593-6C037BA1D12A}" srcOrd="0" destOrd="0" presId="urn:microsoft.com/office/officeart/2005/8/layout/vList2"/>
     <dgm:cxn modelId="{3CD1693C-FD15-4008-95EC-E01AA2B4F014}" srcId="{2E623F1E-8BE3-4C3D-8265-19EDBBBD0197}" destId="{6BC8465F-F152-4B2B-B6B0-8BEFA793F1E3}" srcOrd="1" destOrd="0" parTransId="{9A34D1F0-FD46-4312-B06F-D5D631444813}" sibTransId="{A9B214D6-FC85-452E-A1AA-6CACFC7D5066}"/>
     <dgm:cxn modelId="{1DC3C6B9-EDD0-4B3C-817F-3B6C7FA796B1}" srcId="{43654343-DB53-42AB-A74A-F1B8C77FC7AB}" destId="{2E623F1E-8BE3-4C3D-8265-19EDBBBD0197}" srcOrd="0" destOrd="0" parTransId="{DC9D396A-E0D1-49AA-A782-4C3FBF25DB9D}" sibTransId="{D487729C-3736-4AB6-8A23-244116BE78F6}"/>
@@ -8938,7 +8934,15 @@
         <a:p>
           <a:r>
             <a:rPr lang="ru-RU" dirty="0" smtClean="0"/>
-            <a:t>Выводит события в консоль в другом потоке и в другом процессе</a:t>
+            <a:t>Выводит события в консоль </a:t>
+          </a:r>
+          <a:r>
+            <a:rPr lang="ru-RU" dirty="0" smtClean="0"/>
+            <a:t>в </a:t>
+          </a:r>
+          <a:r>
+            <a:rPr lang="ru-RU" dirty="0" smtClean="0"/>
+            <a:t>другом процессе</a:t>
           </a:r>
           <a:endParaRPr lang="ru-RU" dirty="0"/>
         </a:p>
@@ -9193,914 +9197,6 @@
       <dsp:cNvGrpSpPr/>
     </dsp:nvGrpSpPr>
     <dsp:grpSpPr/>
-    <dsp:sp modelId="{628E21F9-F946-457A-B5D6-7107E4B5B54D}">
-      <dsp:nvSpPr>
-        <dsp:cNvPr id="0" name=""/>
-        <dsp:cNvSpPr/>
-      </dsp:nvSpPr>
-      <dsp:spPr>
-        <a:xfrm>
-          <a:off x="4036874" y="2064394"/>
-          <a:ext cx="1980003" cy="1980003"/>
-        </a:xfrm>
-        <a:prstGeom prst="roundRect">
-          <a:avLst/>
-        </a:prstGeom>
-        <a:solidFill>
-          <a:schemeClr val="accent1">
-            <a:hueOff val="0"/>
-            <a:satOff val="0"/>
-            <a:lumOff val="0"/>
-            <a:alphaOff val="0"/>
-          </a:schemeClr>
-        </a:solidFill>
-        <a:ln w="15875" cap="flat" cmpd="sng" algn="ctr">
-          <a:solidFill>
-            <a:schemeClr val="lt1">
-              <a:hueOff val="0"/>
-              <a:satOff val="0"/>
-              <a:lumOff val="0"/>
-              <a:alphaOff val="0"/>
-            </a:schemeClr>
-          </a:solidFill>
-          <a:prstDash val="solid"/>
-        </a:ln>
-        <a:effectLst/>
-      </dsp:spPr>
-      <dsp:style>
-        <a:lnRef idx="2">
-          <a:scrgbClr r="0" g="0" b="0"/>
-        </a:lnRef>
-        <a:fillRef idx="1">
-          <a:scrgbClr r="0" g="0" b="0"/>
-        </a:fillRef>
-        <a:effectRef idx="0">
-          <a:scrgbClr r="0" g="0" b="0"/>
-        </a:effectRef>
-        <a:fontRef idx="minor">
-          <a:schemeClr val="lt1"/>
-        </a:fontRef>
-      </dsp:style>
-      <dsp:txBody>
-        <a:bodyPr spcFirstLastPara="0" vert="horz" wrap="square" lIns="81280" tIns="81280" rIns="81280" bIns="81280" numCol="1" spcCol="1270" anchor="t" anchorCtr="0">
-          <a:noAutofit/>
-        </a:bodyPr>
-        <a:lstStyle/>
-        <a:p>
-          <a:pPr lvl="0" algn="ctr" defTabSz="1422400">
-            <a:lnSpc>
-              <a:spcPct val="90000"/>
-            </a:lnSpc>
-            <a:spcBef>
-              <a:spcPct val="0"/>
-            </a:spcBef>
-            <a:spcAft>
-              <a:spcPct val="35000"/>
-            </a:spcAft>
-          </a:pPr>
-          <a:r>
-            <a:rPr lang="en-US" sz="3200" b="1" kern="1200" dirty="0" smtClean="0"/>
-            <a:t>Search</a:t>
-          </a:r>
-        </a:p>
-        <a:p>
-          <a:pPr lvl="0" algn="ctr" defTabSz="1422400">
-            <a:lnSpc>
-              <a:spcPct val="90000"/>
-            </a:lnSpc>
-            <a:spcBef>
-              <a:spcPct val="0"/>
-            </a:spcBef>
-            <a:spcAft>
-              <a:spcPct val="35000"/>
-            </a:spcAft>
-          </a:pPr>
-          <a:r>
-            <a:rPr lang="en-US" sz="3200" b="1" kern="1200" dirty="0" smtClean="0"/>
-            <a:t>Engine</a:t>
-          </a:r>
-          <a:endParaRPr lang="ru-RU" sz="3200" b="1" kern="1200" dirty="0"/>
-        </a:p>
-      </dsp:txBody>
-      <dsp:txXfrm>
-        <a:off x="4133530" y="2161050"/>
-        <a:ext cx="1786691" cy="1786691"/>
-      </dsp:txXfrm>
-    </dsp:sp>
-    <dsp:sp modelId="{667DE06D-C223-4C57-8F2C-DDC107791A47}">
-      <dsp:nvSpPr>
-        <dsp:cNvPr id="0" name=""/>
-        <dsp:cNvSpPr/>
-      </dsp:nvSpPr>
-      <dsp:spPr>
-        <a:xfrm rot="12462445">
-          <a:off x="1655143" y="1947092"/>
-          <a:ext cx="2526589" cy="0"/>
-        </a:xfrm>
-        <a:custGeom>
-          <a:avLst/>
-          <a:gdLst/>
-          <a:ahLst/>
-          <a:cxnLst/>
-          <a:rect l="0" t="0" r="0" b="0"/>
-          <a:pathLst>
-            <a:path>
-              <a:moveTo>
-                <a:pt x="0" y="0"/>
-              </a:moveTo>
-              <a:lnTo>
-                <a:pt x="2526589" y="0"/>
-              </a:lnTo>
-            </a:path>
-          </a:pathLst>
-        </a:custGeom>
-        <a:noFill/>
-        <a:ln w="15875" cap="flat" cmpd="sng" algn="ctr">
-          <a:solidFill>
-            <a:scrgbClr r="0" g="0" b="0"/>
-          </a:solidFill>
-          <a:prstDash val="solid"/>
-          <a:headEnd type="none"/>
-          <a:tailEnd type="triangle"/>
-        </a:ln>
-        <a:effectLst/>
-      </dsp:spPr>
-      <dsp:style>
-        <a:lnRef idx="2">
-          <a:scrgbClr r="0" g="0" b="0"/>
-        </a:lnRef>
-        <a:fillRef idx="0">
-          <a:scrgbClr r="0" g="0" b="0"/>
-        </a:fillRef>
-        <a:effectRef idx="0">
-          <a:scrgbClr r="0" g="0" b="0"/>
-        </a:effectRef>
-        <a:fontRef idx="minor"/>
-      </dsp:style>
-    </dsp:sp>
-    <dsp:sp modelId="{F29DD78D-084E-44BB-95B2-65781CA7A531}">
-      <dsp:nvSpPr>
-        <dsp:cNvPr id="0" name=""/>
-        <dsp:cNvSpPr/>
-      </dsp:nvSpPr>
-      <dsp:spPr>
-        <a:xfrm>
-          <a:off x="0" y="-12944"/>
-          <a:ext cx="1800000" cy="1800000"/>
-        </a:xfrm>
-        <a:prstGeom prst="roundRect">
-          <a:avLst/>
-        </a:prstGeom>
-        <a:solidFill>
-          <a:schemeClr val="accent1">
-            <a:hueOff val="0"/>
-            <a:satOff val="0"/>
-            <a:lumOff val="0"/>
-            <a:alphaOff val="0"/>
-          </a:schemeClr>
-        </a:solidFill>
-        <a:ln w="15875" cap="flat" cmpd="sng" algn="ctr">
-          <a:solidFill>
-            <a:schemeClr val="lt1">
-              <a:hueOff val="0"/>
-              <a:satOff val="0"/>
-              <a:lumOff val="0"/>
-              <a:alphaOff val="0"/>
-            </a:schemeClr>
-          </a:solidFill>
-          <a:prstDash val="solid"/>
-        </a:ln>
-        <a:effectLst/>
-      </dsp:spPr>
-      <dsp:style>
-        <a:lnRef idx="2">
-          <a:scrgbClr r="0" g="0" b="0"/>
-        </a:lnRef>
-        <a:fillRef idx="1">
-          <a:scrgbClr r="0" g="0" b="0"/>
-        </a:fillRef>
-        <a:effectRef idx="0">
-          <a:scrgbClr r="0" g="0" b="0"/>
-        </a:effectRef>
-        <a:fontRef idx="minor">
-          <a:schemeClr val="lt1"/>
-        </a:fontRef>
-      </dsp:style>
-      <dsp:txBody>
-        <a:bodyPr spcFirstLastPara="0" vert="horz" wrap="square" lIns="50800" tIns="50800" rIns="50800" bIns="50800" numCol="1" spcCol="1270" anchor="t" anchorCtr="0">
-          <a:noAutofit/>
-        </a:bodyPr>
-        <a:lstStyle/>
-        <a:p>
-          <a:pPr lvl="0" algn="ctr" defTabSz="889000">
-            <a:lnSpc>
-              <a:spcPct val="90000"/>
-            </a:lnSpc>
-            <a:spcBef>
-              <a:spcPct val="0"/>
-            </a:spcBef>
-            <a:spcAft>
-              <a:spcPct val="35000"/>
-            </a:spcAft>
-          </a:pPr>
-          <a:r>
-            <a:rPr lang="en-US" sz="2000" b="1" kern="1200" dirty="0" smtClean="0"/>
-            <a:t>Converter</a:t>
-          </a:r>
-        </a:p>
-        <a:p>
-          <a:pPr lvl="0" algn="ctr" defTabSz="889000">
-            <a:lnSpc>
-              <a:spcPct val="90000"/>
-            </a:lnSpc>
-            <a:spcBef>
-              <a:spcPct val="0"/>
-            </a:spcBef>
-            <a:spcAft>
-              <a:spcPct val="35000"/>
-            </a:spcAft>
-          </a:pPr>
-          <a:r>
-            <a:rPr lang="en-US" sz="2000" b="1" kern="1200" dirty="0" smtClean="0"/>
-            <a:t>JSON </a:t>
-          </a:r>
-          <a:endParaRPr lang="ru-RU" sz="2000" b="1" kern="1200" dirty="0"/>
-        </a:p>
-      </dsp:txBody>
-      <dsp:txXfrm>
-        <a:off x="87869" y="74925"/>
-        <a:ext cx="1624262" cy="1624262"/>
-      </dsp:txXfrm>
-    </dsp:sp>
-    <dsp:sp modelId="{65390B38-AF76-4E62-872B-309581DF08C7}">
-      <dsp:nvSpPr>
-        <dsp:cNvPr id="0" name=""/>
-        <dsp:cNvSpPr/>
-      </dsp:nvSpPr>
-      <dsp:spPr>
-        <a:xfrm rot="146502">
-          <a:off x="6015778" y="3148233"/>
-          <a:ext cx="2423396" cy="0"/>
-        </a:xfrm>
-        <a:custGeom>
-          <a:avLst/>
-          <a:gdLst/>
-          <a:ahLst/>
-          <a:cxnLst/>
-          <a:rect l="0" t="0" r="0" b="0"/>
-          <a:pathLst>
-            <a:path>
-              <a:moveTo>
-                <a:pt x="0" y="0"/>
-              </a:moveTo>
-              <a:lnTo>
-                <a:pt x="2423396" y="0"/>
-              </a:lnTo>
-            </a:path>
-          </a:pathLst>
-        </a:custGeom>
-        <a:noFill/>
-        <a:ln w="15875" cap="flat" cmpd="sng" algn="ctr">
-          <a:solidFill>
-            <a:scrgbClr r="0" g="0" b="0"/>
-          </a:solidFill>
-          <a:prstDash val="solid"/>
-          <a:tailEnd type="triangle"/>
-        </a:ln>
-        <a:effectLst/>
-      </dsp:spPr>
-      <dsp:style>
-        <a:lnRef idx="2">
-          <a:scrgbClr r="0" g="0" b="0"/>
-        </a:lnRef>
-        <a:fillRef idx="0">
-          <a:scrgbClr r="0" g="0" b="0"/>
-        </a:fillRef>
-        <a:effectRef idx="0">
-          <a:scrgbClr r="0" g="0" b="0"/>
-        </a:effectRef>
-        <a:fontRef idx="minor"/>
-      </dsp:style>
-    </dsp:sp>
-    <dsp:sp modelId="{24EC1B40-97B8-4A97-A728-C57093596661}">
-      <dsp:nvSpPr>
-        <dsp:cNvPr id="0" name=""/>
-        <dsp:cNvSpPr/>
-      </dsp:nvSpPr>
-      <dsp:spPr>
-        <a:xfrm>
-          <a:off x="8438075" y="2424393"/>
-          <a:ext cx="1620003" cy="1620003"/>
-        </a:xfrm>
-        <a:prstGeom prst="roundRect">
-          <a:avLst/>
-        </a:prstGeom>
-        <a:solidFill>
-          <a:schemeClr val="accent1">
-            <a:hueOff val="0"/>
-            <a:satOff val="0"/>
-            <a:lumOff val="0"/>
-            <a:alphaOff val="0"/>
-          </a:schemeClr>
-        </a:solidFill>
-        <a:ln w="15875" cap="flat" cmpd="sng" algn="ctr">
-          <a:solidFill>
-            <a:schemeClr val="lt1">
-              <a:hueOff val="0"/>
-              <a:satOff val="0"/>
-              <a:lumOff val="0"/>
-              <a:alphaOff val="0"/>
-            </a:schemeClr>
-          </a:solidFill>
-          <a:prstDash val="solid"/>
-        </a:ln>
-        <a:effectLst/>
-      </dsp:spPr>
-      <dsp:style>
-        <a:lnRef idx="2">
-          <a:scrgbClr r="0" g="0" b="0"/>
-        </a:lnRef>
-        <a:fillRef idx="1">
-          <a:scrgbClr r="0" g="0" b="0"/>
-        </a:fillRef>
-        <a:effectRef idx="0">
-          <a:scrgbClr r="0" g="0" b="0"/>
-        </a:effectRef>
-        <a:fontRef idx="minor">
-          <a:schemeClr val="lt1"/>
-        </a:fontRef>
-      </dsp:style>
-      <dsp:txBody>
-        <a:bodyPr spcFirstLastPara="0" vert="horz" wrap="square" lIns="50800" tIns="50800" rIns="50800" bIns="50800" numCol="1" spcCol="1270" anchor="t" anchorCtr="0">
-          <a:noAutofit/>
-        </a:bodyPr>
-        <a:lstStyle/>
-        <a:p>
-          <a:pPr lvl="0" algn="ctr" defTabSz="889000">
-            <a:lnSpc>
-              <a:spcPct val="90000"/>
-            </a:lnSpc>
-            <a:spcBef>
-              <a:spcPct val="0"/>
-            </a:spcBef>
-            <a:spcAft>
-              <a:spcPct val="35000"/>
-            </a:spcAft>
-          </a:pPr>
-          <a:r>
-            <a:rPr lang="en-US" sz="2000" b="1" kern="1200" dirty="0" smtClean="0"/>
-            <a:t>Dispatcher</a:t>
-          </a:r>
-        </a:p>
-        <a:p>
-          <a:pPr lvl="0" algn="ctr" defTabSz="889000">
-            <a:lnSpc>
-              <a:spcPct val="90000"/>
-            </a:lnSpc>
-            <a:spcBef>
-              <a:spcPct val="0"/>
-            </a:spcBef>
-            <a:spcAft>
-              <a:spcPct val="35000"/>
-            </a:spcAft>
-          </a:pPr>
-          <a:r>
-            <a:rPr lang="en-US" sz="2000" b="1" kern="1200" dirty="0" smtClean="0"/>
-            <a:t>Operations</a:t>
-          </a:r>
-          <a:endParaRPr lang="ru-RU" sz="2000" b="1" kern="1200" dirty="0"/>
-        </a:p>
-      </dsp:txBody>
-      <dsp:txXfrm>
-        <a:off x="8517157" y="2503475"/>
-        <a:ext cx="1461839" cy="1461839"/>
-      </dsp:txXfrm>
-    </dsp:sp>
-    <dsp:sp modelId="{8F086A69-6FE7-48AB-8D4E-831F6AAADB3F}">
-      <dsp:nvSpPr>
-        <dsp:cNvPr id="0" name=""/>
-        <dsp:cNvSpPr/>
-      </dsp:nvSpPr>
-      <dsp:spPr>
-        <a:xfrm rot="13495766">
-          <a:off x="3723755" y="1937357"/>
-          <a:ext cx="366655" cy="0"/>
-        </a:xfrm>
-        <a:custGeom>
-          <a:avLst/>
-          <a:gdLst/>
-          <a:ahLst/>
-          <a:cxnLst/>
-          <a:rect l="0" t="0" r="0" b="0"/>
-          <a:pathLst>
-            <a:path>
-              <a:moveTo>
-                <a:pt x="0" y="0"/>
-              </a:moveTo>
-              <a:lnTo>
-                <a:pt x="366655" y="0"/>
-              </a:lnTo>
-            </a:path>
-          </a:pathLst>
-        </a:custGeom>
-        <a:noFill/>
-        <a:ln w="15875" cap="flat" cmpd="sng" algn="ctr">
-          <a:solidFill>
-            <a:scrgbClr r="0" g="0" b="0"/>
-          </a:solidFill>
-          <a:prstDash val="solid"/>
-          <a:tailEnd type="triangle"/>
-        </a:ln>
-        <a:effectLst/>
-      </dsp:spPr>
-      <dsp:style>
-        <a:lnRef idx="2">
-          <a:scrgbClr r="0" g="0" b="0"/>
-        </a:lnRef>
-        <a:fillRef idx="0">
-          <a:scrgbClr r="0" g="0" b="0"/>
-        </a:fillRef>
-        <a:effectRef idx="0">
-          <a:scrgbClr r="0" g="0" b="0"/>
-        </a:effectRef>
-        <a:fontRef idx="minor"/>
-      </dsp:style>
-    </dsp:sp>
-    <dsp:sp modelId="{D5C3917E-2284-4E85-847C-82C5C871E472}">
-      <dsp:nvSpPr>
-        <dsp:cNvPr id="0" name=""/>
-        <dsp:cNvSpPr/>
-      </dsp:nvSpPr>
-      <dsp:spPr>
-        <a:xfrm>
-          <a:off x="1977290" y="10098"/>
-          <a:ext cx="1800000" cy="1800000"/>
-        </a:xfrm>
-        <a:prstGeom prst="roundRect">
-          <a:avLst/>
-        </a:prstGeom>
-        <a:solidFill>
-          <a:schemeClr val="accent1">
-            <a:hueOff val="0"/>
-            <a:satOff val="0"/>
-            <a:lumOff val="0"/>
-            <a:alphaOff val="0"/>
-          </a:schemeClr>
-        </a:solidFill>
-        <a:ln w="15875" cap="flat" cmpd="sng" algn="ctr">
-          <a:solidFill>
-            <a:schemeClr val="lt1">
-              <a:hueOff val="0"/>
-              <a:satOff val="0"/>
-              <a:lumOff val="0"/>
-              <a:alphaOff val="0"/>
-            </a:schemeClr>
-          </a:solidFill>
-          <a:prstDash val="solid"/>
-        </a:ln>
-        <a:effectLst/>
-      </dsp:spPr>
-      <dsp:style>
-        <a:lnRef idx="2">
-          <a:scrgbClr r="0" g="0" b="0"/>
-        </a:lnRef>
-        <a:fillRef idx="1">
-          <a:scrgbClr r="0" g="0" b="0"/>
-        </a:fillRef>
-        <a:effectRef idx="0">
-          <a:scrgbClr r="0" g="0" b="0"/>
-        </a:effectRef>
-        <a:fontRef idx="minor">
-          <a:schemeClr val="lt1"/>
-        </a:fontRef>
-      </dsp:style>
-      <dsp:txBody>
-        <a:bodyPr spcFirstLastPara="0" vert="horz" wrap="square" lIns="50800" tIns="50800" rIns="50800" bIns="50800" numCol="1" spcCol="1270" anchor="t" anchorCtr="0">
-          <a:noAutofit/>
-        </a:bodyPr>
-        <a:lstStyle/>
-        <a:p>
-          <a:pPr lvl="0" algn="ctr" defTabSz="889000">
-            <a:lnSpc>
-              <a:spcPct val="90000"/>
-            </a:lnSpc>
-            <a:spcBef>
-              <a:spcPct val="0"/>
-            </a:spcBef>
-            <a:spcAft>
-              <a:spcPct val="35000"/>
-            </a:spcAft>
-          </a:pPr>
-          <a:r>
-            <a:rPr lang="en-US" sz="2000" b="1" kern="1200" dirty="0" smtClean="0"/>
-            <a:t>Documents </a:t>
-          </a:r>
-          <a:endParaRPr lang="ru-RU" sz="2000" b="1" kern="1200" dirty="0"/>
-        </a:p>
-      </dsp:txBody>
-      <dsp:txXfrm>
-        <a:off x="2065159" y="97967"/>
-        <a:ext cx="1624262" cy="1624262"/>
-      </dsp:txXfrm>
-    </dsp:sp>
-    <dsp:sp modelId="{1503B29C-C796-4217-A6E0-D8D0E4C12287}">
-      <dsp:nvSpPr>
-        <dsp:cNvPr id="0" name=""/>
-        <dsp:cNvSpPr/>
-      </dsp:nvSpPr>
-      <dsp:spPr>
-        <a:xfrm rot="18928235">
-          <a:off x="5960287" y="1942298"/>
-          <a:ext cx="394213" cy="0"/>
-        </a:xfrm>
-        <a:custGeom>
-          <a:avLst/>
-          <a:gdLst/>
-          <a:ahLst/>
-          <a:cxnLst/>
-          <a:rect l="0" t="0" r="0" b="0"/>
-          <a:pathLst>
-            <a:path>
-              <a:moveTo>
-                <a:pt x="0" y="0"/>
-              </a:moveTo>
-              <a:lnTo>
-                <a:pt x="394213" y="0"/>
-              </a:lnTo>
-            </a:path>
-          </a:pathLst>
-        </a:custGeom>
-        <a:noFill/>
-        <a:ln w="15875" cap="flat" cmpd="sng" algn="ctr">
-          <a:solidFill>
-            <a:scrgbClr r="0" g="0" b="0"/>
-          </a:solidFill>
-          <a:prstDash val="solid"/>
-          <a:tailEnd type="triangle"/>
-        </a:ln>
-        <a:effectLst/>
-      </dsp:spPr>
-      <dsp:style>
-        <a:lnRef idx="2">
-          <a:scrgbClr r="0" g="0" b="0"/>
-        </a:lnRef>
-        <a:fillRef idx="0">
-          <a:scrgbClr r="0" g="0" b="0"/>
-        </a:fillRef>
-        <a:effectRef idx="0">
-          <a:scrgbClr r="0" g="0" b="0"/>
-        </a:effectRef>
-        <a:fontRef idx="minor"/>
-      </dsp:style>
-    </dsp:sp>
-    <dsp:sp modelId="{76784C24-975E-4373-9AB0-0D36214A64F1}">
-      <dsp:nvSpPr>
-        <dsp:cNvPr id="0" name=""/>
-        <dsp:cNvSpPr/>
-      </dsp:nvSpPr>
-      <dsp:spPr>
-        <a:xfrm>
-          <a:off x="6297910" y="18734"/>
-          <a:ext cx="1800000" cy="1800000"/>
-        </a:xfrm>
-        <a:prstGeom prst="roundRect">
-          <a:avLst/>
-        </a:prstGeom>
-        <a:solidFill>
-          <a:schemeClr val="accent1">
-            <a:hueOff val="0"/>
-            <a:satOff val="0"/>
-            <a:lumOff val="0"/>
-            <a:alphaOff val="0"/>
-          </a:schemeClr>
-        </a:solidFill>
-        <a:ln w="15875" cap="flat" cmpd="sng" algn="ctr">
-          <a:solidFill>
-            <a:schemeClr val="lt1">
-              <a:hueOff val="0"/>
-              <a:satOff val="0"/>
-              <a:lumOff val="0"/>
-              <a:alphaOff val="0"/>
-            </a:schemeClr>
-          </a:solidFill>
-          <a:prstDash val="solid"/>
-        </a:ln>
-        <a:effectLst/>
-      </dsp:spPr>
-      <dsp:style>
-        <a:lnRef idx="2">
-          <a:scrgbClr r="0" g="0" b="0"/>
-        </a:lnRef>
-        <a:fillRef idx="1">
-          <a:scrgbClr r="0" g="0" b="0"/>
-        </a:fillRef>
-        <a:effectRef idx="0">
-          <a:scrgbClr r="0" g="0" b="0"/>
-        </a:effectRef>
-        <a:fontRef idx="minor">
-          <a:schemeClr val="lt1"/>
-        </a:fontRef>
-      </dsp:style>
-      <dsp:txBody>
-        <a:bodyPr spcFirstLastPara="0" vert="horz" wrap="square" lIns="50800" tIns="50800" rIns="50800" bIns="50800" numCol="1" spcCol="1270" anchor="t" anchorCtr="0">
-          <a:noAutofit/>
-        </a:bodyPr>
-        <a:lstStyle/>
-        <a:p>
-          <a:pPr lvl="0" algn="ctr" defTabSz="889000">
-            <a:lnSpc>
-              <a:spcPct val="90000"/>
-            </a:lnSpc>
-            <a:spcBef>
-              <a:spcPct val="0"/>
-            </a:spcBef>
-            <a:spcAft>
-              <a:spcPct val="35000"/>
-            </a:spcAft>
-          </a:pPr>
-          <a:r>
-            <a:rPr lang="ru-RU" sz="2000" b="1" kern="1200" dirty="0" smtClean="0"/>
-            <a:t>Requests </a:t>
-          </a:r>
-          <a:endParaRPr lang="ru-RU" sz="2000" b="1" kern="1200" dirty="0"/>
-        </a:p>
-      </dsp:txBody>
-      <dsp:txXfrm>
-        <a:off x="6385779" y="106603"/>
-        <a:ext cx="1624262" cy="1624262"/>
-      </dsp:txXfrm>
-    </dsp:sp>
-    <dsp:sp modelId="{B23D5C2B-B6D2-4298-9DAF-A69442F1C2D7}">
-      <dsp:nvSpPr>
-        <dsp:cNvPr id="0" name=""/>
-        <dsp:cNvSpPr/>
-      </dsp:nvSpPr>
-      <dsp:spPr>
-        <a:xfrm rot="16184308">
-          <a:off x="4889557" y="1932199"/>
-          <a:ext cx="264392" cy="0"/>
-        </a:xfrm>
-        <a:custGeom>
-          <a:avLst/>
-          <a:gdLst/>
-          <a:ahLst/>
-          <a:cxnLst/>
-          <a:rect l="0" t="0" r="0" b="0"/>
-          <a:pathLst>
-            <a:path>
-              <a:moveTo>
-                <a:pt x="0" y="0"/>
-              </a:moveTo>
-              <a:lnTo>
-                <a:pt x="264392" y="0"/>
-              </a:lnTo>
-            </a:path>
-          </a:pathLst>
-        </a:custGeom>
-        <a:noFill/>
-        <a:ln w="15875" cap="flat" cmpd="sng" algn="ctr">
-          <a:solidFill>
-            <a:scrgbClr r="0" g="0" b="0"/>
-          </a:solidFill>
-          <a:prstDash val="solid"/>
-          <a:tailEnd type="triangle"/>
-        </a:ln>
-        <a:effectLst/>
-      </dsp:spPr>
-      <dsp:style>
-        <a:lnRef idx="2">
-          <a:scrgbClr r="0" g="0" b="0"/>
-        </a:lnRef>
-        <a:fillRef idx="0">
-          <a:scrgbClr r="0" g="0" b="0"/>
-        </a:fillRef>
-        <a:effectRef idx="0">
-          <a:scrgbClr r="0" g="0" b="0"/>
-        </a:effectRef>
-        <a:fontRef idx="minor"/>
-      </dsp:style>
-    </dsp:sp>
-    <dsp:sp modelId="{635D6D0E-E44D-465D-9B55-5006A2372644}">
-      <dsp:nvSpPr>
-        <dsp:cNvPr id="0" name=""/>
-        <dsp:cNvSpPr/>
-      </dsp:nvSpPr>
-      <dsp:spPr>
-        <a:xfrm>
-          <a:off x="4117042" y="3"/>
-          <a:ext cx="1800000" cy="1800000"/>
-        </a:xfrm>
-        <a:prstGeom prst="roundRect">
-          <a:avLst/>
-        </a:prstGeom>
-        <a:solidFill>
-          <a:schemeClr val="accent1">
-            <a:hueOff val="0"/>
-            <a:satOff val="0"/>
-            <a:lumOff val="0"/>
-            <a:alphaOff val="0"/>
-          </a:schemeClr>
-        </a:solidFill>
-        <a:ln w="15875" cap="flat" cmpd="sng" algn="ctr">
-          <a:solidFill>
-            <a:schemeClr val="lt1">
-              <a:hueOff val="0"/>
-              <a:satOff val="0"/>
-              <a:lumOff val="0"/>
-              <a:alphaOff val="0"/>
-            </a:schemeClr>
-          </a:solidFill>
-          <a:prstDash val="solid"/>
-        </a:ln>
-        <a:effectLst/>
-      </dsp:spPr>
-      <dsp:style>
-        <a:lnRef idx="2">
-          <a:scrgbClr r="0" g="0" b="0"/>
-        </a:lnRef>
-        <a:fillRef idx="1">
-          <a:scrgbClr r="0" g="0" b="0"/>
-        </a:fillRef>
-        <a:effectRef idx="0">
-          <a:scrgbClr r="0" g="0" b="0"/>
-        </a:effectRef>
-        <a:fontRef idx="minor">
-          <a:schemeClr val="lt1"/>
-        </a:fontRef>
-      </dsp:style>
-      <dsp:txBody>
-        <a:bodyPr spcFirstLastPara="0" vert="horz" wrap="square" lIns="50800" tIns="50800" rIns="50800" bIns="50800" numCol="1" spcCol="1270" anchor="t" anchorCtr="0">
-          <a:noAutofit/>
-        </a:bodyPr>
-        <a:lstStyle/>
-        <a:p>
-          <a:pPr lvl="0" algn="ctr" defTabSz="889000">
-            <a:lnSpc>
-              <a:spcPct val="90000"/>
-            </a:lnSpc>
-            <a:spcBef>
-              <a:spcPct val="0"/>
-            </a:spcBef>
-            <a:spcAft>
-              <a:spcPct val="35000"/>
-            </a:spcAft>
-          </a:pPr>
-          <a:r>
-            <a:rPr lang="en-US" sz="2000" b="1" kern="1200" dirty="0" smtClean="0"/>
-            <a:t>InvertedIndex </a:t>
-          </a:r>
-          <a:endParaRPr lang="ru-RU" sz="2000" b="1" kern="1200" dirty="0"/>
-        </a:p>
-      </dsp:txBody>
-      <dsp:txXfrm>
-        <a:off x="4204911" y="87872"/>
-        <a:ext cx="1624262" cy="1624262"/>
-      </dsp:txXfrm>
-    </dsp:sp>
-    <dsp:sp modelId="{645660FC-29F0-4ECD-9736-2F09D9960928}">
-      <dsp:nvSpPr>
-        <dsp:cNvPr id="0" name=""/>
-        <dsp:cNvSpPr/>
-      </dsp:nvSpPr>
-      <dsp:spPr>
-        <a:xfrm rot="19953010">
-          <a:off x="5876466" y="1965227"/>
-          <a:ext cx="2494325" cy="0"/>
-        </a:xfrm>
-        <a:custGeom>
-          <a:avLst/>
-          <a:gdLst/>
-          <a:ahLst/>
-          <a:cxnLst/>
-          <a:rect l="0" t="0" r="0" b="0"/>
-          <a:pathLst>
-            <a:path>
-              <a:moveTo>
-                <a:pt x="0" y="0"/>
-              </a:moveTo>
-              <a:lnTo>
-                <a:pt x="2494325" y="0"/>
-              </a:lnTo>
-            </a:path>
-          </a:pathLst>
-        </a:custGeom>
-        <a:noFill/>
-        <a:ln w="15875" cap="flat" cmpd="sng" algn="ctr">
-          <a:solidFill>
-            <a:scrgbClr r="0" g="0" b="0"/>
-          </a:solidFill>
-          <a:prstDash val="solid"/>
-          <a:tailEnd type="triangle"/>
-        </a:ln>
-        <a:effectLst/>
-      </dsp:spPr>
-      <dsp:style>
-        <a:lnRef idx="2">
-          <a:scrgbClr r="0" g="0" b="0"/>
-        </a:lnRef>
-        <a:fillRef idx="0">
-          <a:scrgbClr r="0" g="0" b="0"/>
-        </a:fillRef>
-        <a:effectRef idx="0">
-          <a:scrgbClr r="0" g="0" b="0"/>
-        </a:effectRef>
-        <a:fontRef idx="minor"/>
-      </dsp:style>
-    </dsp:sp>
-    <dsp:sp modelId="{EF6A00EF-2BA3-4AAD-B69B-A8E8767F6738}">
-      <dsp:nvSpPr>
-        <dsp:cNvPr id="0" name=""/>
-        <dsp:cNvSpPr/>
-      </dsp:nvSpPr>
-      <dsp:spPr>
-        <a:xfrm>
-          <a:off x="8230380" y="22810"/>
-          <a:ext cx="1800000" cy="1800000"/>
-        </a:xfrm>
-        <a:prstGeom prst="roundRect">
-          <a:avLst/>
-        </a:prstGeom>
-        <a:solidFill>
-          <a:schemeClr val="accent1">
-            <a:hueOff val="0"/>
-            <a:satOff val="0"/>
-            <a:lumOff val="0"/>
-            <a:alphaOff val="0"/>
-          </a:schemeClr>
-        </a:solidFill>
-        <a:ln w="15875" cap="flat" cmpd="sng" algn="ctr">
-          <a:solidFill>
-            <a:schemeClr val="lt1">
-              <a:hueOff val="0"/>
-              <a:satOff val="0"/>
-              <a:lumOff val="0"/>
-              <a:alphaOff val="0"/>
-            </a:schemeClr>
-          </a:solidFill>
-          <a:prstDash val="solid"/>
-        </a:ln>
-        <a:effectLst/>
-      </dsp:spPr>
-      <dsp:style>
-        <a:lnRef idx="2">
-          <a:scrgbClr r="0" g="0" b="0"/>
-        </a:lnRef>
-        <a:fillRef idx="1">
-          <a:scrgbClr r="0" g="0" b="0"/>
-        </a:fillRef>
-        <a:effectRef idx="0">
-          <a:scrgbClr r="0" g="0" b="0"/>
-        </a:effectRef>
-        <a:fontRef idx="minor">
-          <a:schemeClr val="lt1"/>
-        </a:fontRef>
-      </dsp:style>
-      <dsp:txBody>
-        <a:bodyPr spcFirstLastPara="0" vert="horz" wrap="square" lIns="50800" tIns="50800" rIns="50800" bIns="50800" numCol="1" spcCol="1270" anchor="t" anchorCtr="0">
-          <a:noAutofit/>
-        </a:bodyPr>
-        <a:lstStyle/>
-        <a:p>
-          <a:pPr lvl="0" algn="ctr" defTabSz="889000">
-            <a:lnSpc>
-              <a:spcPct val="90000"/>
-            </a:lnSpc>
-            <a:spcBef>
-              <a:spcPct val="0"/>
-            </a:spcBef>
-            <a:spcAft>
-              <a:spcPct val="35000"/>
-            </a:spcAft>
-          </a:pPr>
-          <a:r>
-            <a:rPr lang="en-US" sz="2000" b="1" kern="1200" dirty="0" smtClean="0"/>
-            <a:t>Relevant</a:t>
-          </a:r>
-        </a:p>
-        <a:p>
-          <a:pPr lvl="0" algn="ctr" defTabSz="889000">
-            <a:lnSpc>
-              <a:spcPct val="90000"/>
-            </a:lnSpc>
-            <a:spcBef>
-              <a:spcPct val="0"/>
-            </a:spcBef>
-            <a:spcAft>
-              <a:spcPct val="35000"/>
-            </a:spcAft>
-          </a:pPr>
-          <a:r>
-            <a:rPr lang="en-US" sz="2000" b="1" kern="1200" dirty="0" smtClean="0"/>
-            <a:t>Response </a:t>
-          </a:r>
-          <a:endParaRPr lang="ru-RU" sz="2000" b="1" kern="1200" dirty="0"/>
-        </a:p>
-      </dsp:txBody>
-      <dsp:txXfrm>
-        <a:off x="8318249" y="110679"/>
-        <a:ext cx="1624262" cy="1624262"/>
-      </dsp:txXfrm>
-    </dsp:sp>
   </dsp:spTree>
 </dsp:drawing>
 </file>
@@ -10575,8 +9671,8 @@
       </dsp:nvSpPr>
       <dsp:spPr>
         <a:xfrm>
-          <a:off x="0" y="0"/>
-          <a:ext cx="7868458" cy="647595"/>
+          <a:off x="0" y="5575"/>
+          <a:ext cx="7868458" cy="695565"/>
         </a:xfrm>
         <a:prstGeom prst="roundRect">
           <a:avLst/>
@@ -10617,12 +9713,12 @@
         </a:fontRef>
       </dsp:style>
       <dsp:txBody>
-        <a:bodyPr spcFirstLastPara="0" vert="horz" wrap="square" lIns="102870" tIns="102870" rIns="102870" bIns="102870" numCol="1" spcCol="1270" anchor="ctr" anchorCtr="0">
+        <a:bodyPr spcFirstLastPara="0" vert="horz" wrap="square" lIns="110490" tIns="110490" rIns="110490" bIns="110490" numCol="1" spcCol="1270" anchor="ctr" anchorCtr="0">
           <a:noAutofit/>
         </a:bodyPr>
         <a:lstStyle/>
         <a:p>
-          <a:pPr lvl="0" algn="l" defTabSz="1200150">
+          <a:pPr lvl="0" algn="l" defTabSz="1289050">
             <a:lnSpc>
               <a:spcPct val="90000"/>
             </a:lnSpc>
@@ -10634,15 +9730,15 @@
             </a:spcAft>
           </a:pPr>
           <a:r>
-            <a:rPr lang="ru-RU" sz="2700" kern="1200" dirty="0" smtClean="0"/>
+            <a:rPr lang="ru-RU" sz="2900" kern="1200" dirty="0" smtClean="0"/>
             <a:t>Функции библиотеки</a:t>
           </a:r>
-          <a:endParaRPr lang="ru-RU" sz="2700" kern="1200" dirty="0"/>
+          <a:endParaRPr lang="ru-RU" sz="2900" kern="1200" dirty="0"/>
         </a:p>
       </dsp:txBody>
       <dsp:txXfrm>
-        <a:off x="31613" y="31613"/>
-        <a:ext cx="7805232" cy="584369"/>
+        <a:off x="33955" y="39530"/>
+        <a:ext cx="7800548" cy="627655"/>
       </dsp:txXfrm>
     </dsp:sp>
     <dsp:sp modelId="{F2725D4B-59A7-40CF-AA8E-A27EC37530B2}">
@@ -10652,8 +9748,8 @@
       </dsp:nvSpPr>
       <dsp:spPr>
         <a:xfrm>
-          <a:off x="0" y="665250"/>
-          <a:ext cx="7868458" cy="447120"/>
+          <a:off x="0" y="720105"/>
+          <a:ext cx="7868458" cy="480240"/>
         </a:xfrm>
         <a:prstGeom prst="rect">
           <a:avLst/>
@@ -10677,12 +9773,12 @@
         <a:fontRef idx="minor"/>
       </dsp:style>
       <dsp:txBody>
-        <a:bodyPr spcFirstLastPara="0" vert="horz" wrap="square" lIns="249824" tIns="34290" rIns="192024" bIns="34290" numCol="1" spcCol="1270" anchor="t" anchorCtr="0">
+        <a:bodyPr spcFirstLastPara="0" vert="horz" wrap="square" lIns="249824" tIns="36830" rIns="206248" bIns="36830" numCol="1" spcCol="1270" anchor="t" anchorCtr="0">
           <a:noAutofit/>
         </a:bodyPr>
         <a:lstStyle/>
         <a:p>
-          <a:pPr marL="228600" lvl="1" indent="-228600" algn="l" defTabSz="933450">
+          <a:pPr marL="228600" lvl="1" indent="-228600" algn="l" defTabSz="1022350">
             <a:lnSpc>
               <a:spcPct val="90000"/>
             </a:lnSpc>
@@ -10695,15 +9791,15 @@
             <a:buChar char="••"/>
           </a:pPr>
           <a:r>
-            <a:rPr lang="ru-RU" sz="2100" kern="1200" dirty="0" smtClean="0"/>
+            <a:rPr lang="ru-RU" sz="2300" kern="1200" dirty="0" smtClean="0"/>
             <a:t>Предоставляет 5 уровней логирования</a:t>
           </a:r>
-          <a:endParaRPr lang="ru-RU" sz="2100" kern="1200" dirty="0"/>
+          <a:endParaRPr lang="ru-RU" sz="2300" kern="1200" dirty="0"/>
         </a:p>
       </dsp:txBody>
       <dsp:txXfrm>
-        <a:off x="0" y="665250"/>
-        <a:ext cx="7868458" cy="447120"/>
+        <a:off x="0" y="720105"/>
+        <a:ext cx="7868458" cy="480240"/>
       </dsp:txXfrm>
     </dsp:sp>
     <dsp:sp modelId="{6C5C9815-44A2-4551-A509-FE6F0947C3DB}">
@@ -10713,8 +9809,8 @@
       </dsp:nvSpPr>
       <dsp:spPr>
         <a:xfrm>
-          <a:off x="0" y="1112370"/>
-          <a:ext cx="7868458" cy="647595"/>
+          <a:off x="0" y="1200345"/>
+          <a:ext cx="7868458" cy="695565"/>
         </a:xfrm>
         <a:prstGeom prst="roundRect">
           <a:avLst/>
@@ -10755,12 +9851,12 @@
         </a:fontRef>
       </dsp:style>
       <dsp:txBody>
-        <a:bodyPr spcFirstLastPara="0" vert="horz" wrap="square" lIns="102870" tIns="102870" rIns="102870" bIns="102870" numCol="1" spcCol="1270" anchor="ctr" anchorCtr="0">
+        <a:bodyPr spcFirstLastPara="0" vert="horz" wrap="square" lIns="110490" tIns="110490" rIns="110490" bIns="110490" numCol="1" spcCol="1270" anchor="ctr" anchorCtr="0">
           <a:noAutofit/>
         </a:bodyPr>
         <a:lstStyle/>
         <a:p>
-          <a:pPr lvl="0" algn="l" defTabSz="1200150">
+          <a:pPr lvl="0" algn="l" defTabSz="1289050">
             <a:lnSpc>
               <a:spcPct val="90000"/>
             </a:lnSpc>
@@ -10772,15 +9868,15 @@
             </a:spcAft>
           </a:pPr>
           <a:r>
-            <a:rPr lang="ru-RU" sz="2700" kern="1200" dirty="0" smtClean="0"/>
+            <a:rPr lang="ru-RU" sz="2900" kern="1200" dirty="0" smtClean="0"/>
             <a:t>Внутренние функции</a:t>
           </a:r>
-          <a:endParaRPr lang="ru-RU" sz="2700" kern="1200" dirty="0"/>
+          <a:endParaRPr lang="ru-RU" sz="2900" kern="1200" dirty="0"/>
         </a:p>
       </dsp:txBody>
       <dsp:txXfrm>
-        <a:off x="31613" y="1143983"/>
-        <a:ext cx="7805232" cy="584369"/>
+        <a:off x="33955" y="1234300"/>
+        <a:ext cx="7800548" cy="627655"/>
       </dsp:txXfrm>
     </dsp:sp>
     <dsp:sp modelId="{84271FDF-D644-48A5-8BBB-391AF85E26F5}">
@@ -10790,8 +9886,8 @@
       </dsp:nvSpPr>
       <dsp:spPr>
         <a:xfrm>
-          <a:off x="0" y="1759965"/>
-          <a:ext cx="7868458" cy="2123819"/>
+          <a:off x="0" y="1895910"/>
+          <a:ext cx="7868458" cy="1980989"/>
         </a:xfrm>
         <a:prstGeom prst="rect">
           <a:avLst/>
@@ -10815,12 +9911,12 @@
         <a:fontRef idx="minor"/>
       </dsp:style>
       <dsp:txBody>
-        <a:bodyPr spcFirstLastPara="0" vert="horz" wrap="square" lIns="249824" tIns="34290" rIns="192024" bIns="34290" numCol="1" spcCol="1270" anchor="t" anchorCtr="0">
+        <a:bodyPr spcFirstLastPara="0" vert="horz" wrap="square" lIns="249824" tIns="36830" rIns="206248" bIns="36830" numCol="1" spcCol="1270" anchor="t" anchorCtr="0">
           <a:noAutofit/>
         </a:bodyPr>
         <a:lstStyle/>
         <a:p>
-          <a:pPr marL="228600" lvl="1" indent="-228600" algn="l" defTabSz="933450">
+          <a:pPr marL="228600" lvl="1" indent="-228600" algn="l" defTabSz="1022350">
             <a:lnSpc>
               <a:spcPct val="90000"/>
             </a:lnSpc>
@@ -10833,13 +9929,13 @@
             <a:buChar char="••"/>
           </a:pPr>
           <a:r>
-            <a:rPr lang="ru-RU" sz="2100" kern="1200" dirty="0" smtClean="0"/>
+            <a:rPr lang="ru-RU" sz="2300" kern="1200" dirty="0" smtClean="0"/>
             <a:t>Записывает сообщения в лог-файлы в другом потоке</a:t>
           </a:r>
-          <a:endParaRPr lang="ru-RU" sz="2100" kern="1200" dirty="0"/>
+          <a:endParaRPr lang="ru-RU" sz="2300" kern="1200" dirty="0"/>
         </a:p>
         <a:p>
-          <a:pPr marL="228600" lvl="1" indent="-228600" algn="l" defTabSz="933450">
+          <a:pPr marL="228600" lvl="1" indent="-228600" algn="l" defTabSz="1022350">
             <a:lnSpc>
               <a:spcPct val="90000"/>
             </a:lnSpc>
@@ -10852,13 +9948,21 @@
             <a:buChar char="••"/>
           </a:pPr>
           <a:r>
-            <a:rPr lang="ru-RU" sz="2100" kern="1200" dirty="0" smtClean="0"/>
-            <a:t>Выводит события в консоль в другом потоке и в другом процессе</a:t>
+            <a:rPr lang="ru-RU" sz="2300" kern="1200" dirty="0" smtClean="0"/>
+            <a:t>Выводит события в консоль </a:t>
           </a:r>
-          <a:endParaRPr lang="ru-RU" sz="2100" kern="1200" dirty="0"/>
+          <a:r>
+            <a:rPr lang="ru-RU" sz="2300" kern="1200" dirty="0" smtClean="0"/>
+            <a:t>в </a:t>
+          </a:r>
+          <a:r>
+            <a:rPr lang="ru-RU" sz="2300" kern="1200" dirty="0" smtClean="0"/>
+            <a:t>другом процессе</a:t>
+          </a:r>
+          <a:endParaRPr lang="ru-RU" sz="2300" kern="1200" dirty="0"/>
         </a:p>
         <a:p>
-          <a:pPr marL="228600" lvl="1" indent="-228600" algn="l" defTabSz="933450">
+          <a:pPr marL="228600" lvl="1" indent="-228600" algn="l" defTabSz="1022350">
             <a:lnSpc>
               <a:spcPct val="90000"/>
             </a:lnSpc>
@@ -10871,13 +9975,13 @@
             <a:buChar char="••"/>
           </a:pPr>
           <a:r>
-            <a:rPr lang="ru-RU" sz="2100" kern="1200" dirty="0" smtClean="0"/>
+            <a:rPr lang="ru-RU" sz="2300" kern="1200" dirty="0" smtClean="0"/>
             <a:t>Регулирует интервал времени использования файла</a:t>
           </a:r>
-          <a:endParaRPr lang="ru-RU" sz="2100" kern="1200" dirty="0"/>
+          <a:endParaRPr lang="ru-RU" sz="2300" kern="1200" dirty="0"/>
         </a:p>
         <a:p>
-          <a:pPr marL="228600" lvl="1" indent="-228600" algn="l" defTabSz="933450">
+          <a:pPr marL="228600" lvl="1" indent="-228600" algn="l" defTabSz="1022350">
             <a:lnSpc>
               <a:spcPct val="90000"/>
             </a:lnSpc>
@@ -10890,13 +9994,13 @@
             <a:buChar char="••"/>
           </a:pPr>
           <a:r>
-            <a:rPr lang="ru-RU" sz="2100" kern="1200" dirty="0" smtClean="0"/>
+            <a:rPr lang="ru-RU" sz="2300" kern="1200" dirty="0" smtClean="0"/>
             <a:t>Регулирует интервал времени хранения файла</a:t>
           </a:r>
-          <a:endParaRPr lang="ru-RU" sz="2100" kern="1200" dirty="0"/>
+          <a:endParaRPr lang="ru-RU" sz="2300" kern="1200" dirty="0"/>
         </a:p>
         <a:p>
-          <a:pPr marL="228600" lvl="1" indent="-228600" algn="l" defTabSz="933450">
+          <a:pPr marL="228600" lvl="1" indent="-228600" algn="l" defTabSz="1022350">
             <a:lnSpc>
               <a:spcPct val="90000"/>
             </a:lnSpc>
@@ -10908,12 +10012,12 @@
             </a:spcAft>
             <a:buChar char="••"/>
           </a:pPr>
-          <a:endParaRPr lang="ru-RU" sz="2100" kern="1200" dirty="0"/>
+          <a:endParaRPr lang="ru-RU" sz="2300" kern="1200" dirty="0"/>
         </a:p>
       </dsp:txBody>
       <dsp:txXfrm>
-        <a:off x="0" y="1759965"/>
-        <a:ext cx="7868458" cy="2123819"/>
+        <a:off x="0" y="1895910"/>
+        <a:ext cx="7868458" cy="1980989"/>
       </dsp:txXfrm>
     </dsp:sp>
   </dsp:spTree>
@@ -22688,7 +21792,7 @@
           <a:p>
             <a:fld id="{FF87DA49-9917-4A7E-BE43-A1E4A72285DB}" type="datetimeFigureOut">
               <a:rPr lang="ru-RU" smtClean="0"/>
-              <a:t>23.11.2025</a:t>
+              <a:t>25.11.2025</a:t>
             </a:fld>
             <a:endParaRPr lang="ru-RU"/>
           </a:p>
@@ -23268,7 +22372,7 @@
           <a:p>
             <a:fld id="{82D494A6-AC0E-4564-848B-C9299726F19B}" type="datetime1">
               <a:rPr lang="ru-RU" smtClean="0"/>
-              <a:t>23.11.2025</a:t>
+              <a:t>25.11.2025</a:t>
             </a:fld>
             <a:endParaRPr lang="ru-RU"/>
           </a:p>
@@ -23476,7 +22580,7 @@
           <a:p>
             <a:fld id="{8F54F09E-5B73-4FCA-A245-E4B9F24EF6EE}" type="datetime1">
               <a:rPr lang="ru-RU" smtClean="0"/>
-              <a:t>23.11.2025</a:t>
+              <a:t>25.11.2025</a:t>
             </a:fld>
             <a:endParaRPr lang="ru-RU"/>
           </a:p>
@@ -23734,7 +22838,7 @@
           <a:p>
             <a:fld id="{EE0EF1CB-1F45-4BB0-ACA2-7F2CD691ED8E}" type="datetime1">
               <a:rPr lang="ru-RU" smtClean="0"/>
-              <a:t>23.11.2025</a:t>
+              <a:t>25.11.2025</a:t>
             </a:fld>
             <a:endParaRPr lang="ru-RU"/>
           </a:p>
@@ -23904,7 +23008,7 @@
           <a:p>
             <a:fld id="{8AC5719E-8A6A-457D-98CF-1B213C53F5CE}" type="datetime1">
               <a:rPr lang="ru-RU" smtClean="0"/>
-              <a:t>23.11.2025</a:t>
+              <a:t>25.11.2025</a:t>
             </a:fld>
             <a:endParaRPr lang="ru-RU"/>
           </a:p>
@@ -24241,7 +23345,7 @@
           <a:p>
             <a:fld id="{9187F089-DB3A-44EC-8E6C-70C807261B64}" type="datetime1">
               <a:rPr lang="ru-RU" smtClean="0"/>
-              <a:t>23.11.2025</a:t>
+              <a:t>25.11.2025</a:t>
             </a:fld>
             <a:endParaRPr lang="ru-RU"/>
           </a:p>
@@ -24516,7 +23620,7 @@
           <a:p>
             <a:fld id="{8D89F477-1E06-42B9-98CE-724D285F544D}" type="datetime1">
               <a:rPr lang="ru-RU" smtClean="0"/>
-              <a:t>23.11.2025</a:t>
+              <a:t>25.11.2025</a:t>
             </a:fld>
             <a:endParaRPr lang="ru-RU"/>
           </a:p>
@@ -24895,7 +23999,7 @@
           <a:p>
             <a:fld id="{D1ABE4F1-295B-4CC0-A10F-3BDEF5F6B9B6}" type="datetime1">
               <a:rPr lang="ru-RU" smtClean="0"/>
-              <a:t>23.11.2025</a:t>
+              <a:t>25.11.2025</a:t>
             </a:fld>
             <a:endParaRPr lang="ru-RU"/>
           </a:p>
@@ -25013,7 +24117,7 @@
           <a:p>
             <a:fld id="{5415850B-FCCB-4950-8D75-8D81D52F3FBD}" type="datetime1">
               <a:rPr lang="ru-RU" smtClean="0"/>
-              <a:t>23.11.2025</a:t>
+              <a:t>25.11.2025</a:t>
             </a:fld>
             <a:endParaRPr lang="ru-RU"/>
           </a:p>
@@ -25186,7 +24290,7 @@
           <a:p>
             <a:fld id="{BFEAB0DF-01E8-4782-A602-314B3FF37A29}" type="datetime1">
               <a:rPr lang="ru-RU" smtClean="0"/>
-              <a:t>23.11.2025</a:t>
+              <a:t>25.11.2025</a:t>
             </a:fld>
             <a:endParaRPr lang="ru-RU"/>
           </a:p>
@@ -25542,7 +24646,7 @@
           <a:p>
             <a:fld id="{AA82D743-4282-4860-9AE2-FAD442C19B6D}" type="datetime1">
               <a:rPr lang="ru-RU" smtClean="0"/>
-              <a:t>23.11.2025</a:t>
+              <a:t>25.11.2025</a:t>
             </a:fld>
             <a:endParaRPr lang="ru-RU"/>
           </a:p>
@@ -25921,7 +25025,7 @@
           <a:p>
             <a:fld id="{F2122F36-14C5-4E46-8DE1-22F5FE5A6635}" type="datetime1">
               <a:rPr lang="ru-RU" smtClean="0"/>
-              <a:t>23.11.2025</a:t>
+              <a:t>25.11.2025</a:t>
             </a:fld>
             <a:endParaRPr lang="ru-RU"/>
           </a:p>
@@ -26210,7 +25314,7 @@
           <a:p>
             <a:fld id="{DF78E439-9BA7-4640-B448-B030DCC85B49}" type="datetime1">
               <a:rPr lang="ru-RU" smtClean="0"/>
-              <a:t>23.11.2025</a:t>
+              <a:t>25.11.2025</a:t>
             </a:fld>
             <a:endParaRPr lang="ru-RU"/>
           </a:p>
@@ -26876,7 +25980,7 @@
           <a:p>
             <a:fld id="{8AC5719E-8A6A-457D-98CF-1B213C53F5CE}" type="datetime1">
               <a:rPr lang="ru-RU" smtClean="0"/>
-              <a:t>23.11.2025</a:t>
+              <a:t>25.11.2025</a:t>
             </a:fld>
             <a:endParaRPr lang="ru-RU"/>
           </a:p>
@@ -28037,7 +27141,7 @@
           <a:p>
             <a:fld id="{8AC5719E-8A6A-457D-98CF-1B213C53F5CE}" type="datetime1">
               <a:rPr lang="ru-RU" smtClean="0"/>
-              <a:t>23.11.2025</a:t>
+              <a:t>25.11.2025</a:t>
             </a:fld>
             <a:endParaRPr lang="ru-RU"/>
           </a:p>
@@ -28624,7 +27728,7 @@
           <a:p>
             <a:fld id="{5415850B-FCCB-4950-8D75-8D81D52F3FBD}" type="datetime1">
               <a:rPr lang="ru-RU" smtClean="0"/>
-              <a:t>23.11.2025</a:t>
+              <a:t>25.11.2025</a:t>
             </a:fld>
             <a:endParaRPr lang="ru-RU"/>
           </a:p>
@@ -31504,7 +30608,7 @@
           <a:p>
             <a:fld id="{8AC5719E-8A6A-457D-98CF-1B213C53F5CE}" type="datetime1">
               <a:rPr lang="ru-RU" smtClean="0"/>
-              <a:t>23.11.2025</a:t>
+              <a:t>25.11.2025</a:t>
             </a:fld>
             <a:endParaRPr lang="ru-RU"/>
           </a:p>
@@ -34189,7 +33293,7 @@
           <a:p>
             <a:fld id="{8AC5719E-8A6A-457D-98CF-1B213C53F5CE}" type="datetime1">
               <a:rPr lang="ru-RU" smtClean="0"/>
-              <a:t>23.11.2025</a:t>
+              <a:t>25.11.2025</a:t>
             </a:fld>
             <a:endParaRPr lang="ru-RU"/>
           </a:p>
@@ -36713,7 +35817,7 @@
           <a:p>
             <a:fld id="{8AC5719E-8A6A-457D-98CF-1B213C53F5CE}" type="datetime1">
               <a:rPr lang="ru-RU" smtClean="0"/>
-              <a:t>23.11.2025</a:t>
+              <a:t>25.11.2025</a:t>
             </a:fld>
             <a:endParaRPr lang="ru-RU"/>
           </a:p>
@@ -40152,7 +39256,7 @@
           <a:p>
             <a:fld id="{8AC5719E-8A6A-457D-98CF-1B213C53F5CE}" type="datetime1">
               <a:rPr lang="ru-RU" smtClean="0"/>
-              <a:t>23.11.2025</a:t>
+              <a:t>25.11.2025</a:t>
             </a:fld>
             <a:endParaRPr lang="ru-RU"/>
           </a:p>
@@ -43424,7 +42528,7 @@
           <a:p>
             <a:fld id="{8AC5719E-8A6A-457D-98CF-1B213C53F5CE}" type="datetime1">
               <a:rPr lang="ru-RU" smtClean="0"/>
-              <a:t>23.11.2025</a:t>
+              <a:t>25.11.2025</a:t>
             </a:fld>
             <a:endParaRPr lang="ru-RU"/>
           </a:p>
@@ -47216,7 +46320,7 @@
           <a:p>
             <a:fld id="{8AC5719E-8A6A-457D-98CF-1B213C53F5CE}" type="datetime1">
               <a:rPr lang="ru-RU" smtClean="0"/>
-              <a:t>23.11.2025</a:t>
+              <a:t>25.11.2025</a:t>
             </a:fld>
             <a:endParaRPr lang="ru-RU"/>
           </a:p>
@@ -50815,7 +49919,7 @@
           <a:p>
             <a:fld id="{AA82D743-4282-4860-9AE2-FAD442C19B6D}" type="datetime1">
               <a:rPr lang="ru-RU" smtClean="0"/>
-              <a:t>23.11.2025</a:t>
+              <a:t>25.11.2025</a:t>
             </a:fld>
             <a:endParaRPr lang="ru-RU"/>
           </a:p>
@@ -53310,7 +52414,7 @@
           <a:p>
             <a:fld id="{9187F089-DB3A-44EC-8E6C-70C807261B64}" type="datetime1">
               <a:rPr lang="ru-RU" smtClean="0"/>
-              <a:t>23.11.2025</a:t>
+              <a:t>25.11.2025</a:t>
             </a:fld>
             <a:endParaRPr lang="ru-RU"/>
           </a:p>
@@ -53479,7 +52583,7 @@
           <a:p>
             <a:fld id="{8D89F477-1E06-42B9-98CE-724D285F544D}" type="datetime1">
               <a:rPr lang="ru-RU" smtClean="0"/>
-              <a:t>23.11.2025</a:t>
+              <a:t>25.11.2025</a:t>
             </a:fld>
             <a:endParaRPr lang="ru-RU"/>
           </a:p>
@@ -53608,7 +52712,7 @@
           <a:p>
             <a:fld id="{5415850B-FCCB-4950-8D75-8D81D52F3FBD}" type="datetime1">
               <a:rPr lang="ru-RU" smtClean="0"/>
-              <a:t>23.11.2025</a:t>
+              <a:t>25.11.2025</a:t>
             </a:fld>
             <a:endParaRPr lang="ru-RU"/>
           </a:p>
@@ -53680,7 +52784,7 @@
       </p:graphicFrame>
       <p:pic>
         <p:nvPicPr>
-          <p:cNvPr id="13" name="Рисунок 12"/>
+          <p:cNvPr id="14" name="Рисунок 13"/>
           <p:cNvPicPr>
             <a:picLocks noChangeAspect="1"/>
           </p:cNvPicPr>
@@ -53688,36 +52792,6 @@
         </p:nvPicPr>
         <p:blipFill>
           <a:blip r:embed="rId7" cstate="print">
-            <a:extLst>
-              <a:ext uri="{28A0092B-C50C-407E-A947-70E740481C1C}">
-                <a14:useLocalDpi xmlns:a14="http://schemas.microsoft.com/office/drawing/2010/main" val="0"/>
-              </a:ext>
-            </a:extLst>
-          </a:blip>
-          <a:stretch>
-            <a:fillRect/>
-          </a:stretch>
-        </p:blipFill>
-        <p:spPr>
-          <a:xfrm>
-            <a:off x="8187743" y="2354276"/>
-            <a:ext cx="994302" cy="703006"/>
-          </a:xfrm>
-          <a:prstGeom prst="rect">
-            <a:avLst/>
-          </a:prstGeom>
-        </p:spPr>
-      </p:pic>
-      <p:pic>
-        <p:nvPicPr>
-          <p:cNvPr id="14" name="Рисунок 13"/>
-          <p:cNvPicPr>
-            <a:picLocks noChangeAspect="1"/>
-          </p:cNvPicPr>
-          <p:nvPr/>
-        </p:nvPicPr>
-        <p:blipFill>
-          <a:blip r:embed="rId8" cstate="print">
             <a:extLst>
               <a:ext uri="{28A0092B-C50C-407E-A947-70E740481C1C}">
                 <a14:useLocalDpi xmlns:a14="http://schemas.microsoft.com/office/drawing/2010/main" val="0"/>
@@ -53740,36 +52814,6 @@
       </p:pic>
       <p:pic>
         <p:nvPicPr>
-          <p:cNvPr id="15" name="Рисунок 14"/>
-          <p:cNvPicPr>
-            <a:picLocks noChangeAspect="1"/>
-          </p:cNvPicPr>
-          <p:nvPr/>
-        </p:nvPicPr>
-        <p:blipFill>
-          <a:blip r:embed="rId9" cstate="print">
-            <a:extLst>
-              <a:ext uri="{28A0092B-C50C-407E-A947-70E740481C1C}">
-                <a14:useLocalDpi xmlns:a14="http://schemas.microsoft.com/office/drawing/2010/main" val="0"/>
-              </a:ext>
-            </a:extLst>
-          </a:blip>
-          <a:stretch>
-            <a:fillRect/>
-          </a:stretch>
-        </p:blipFill>
-        <p:spPr>
-          <a:xfrm>
-            <a:off x="7990978" y="2809364"/>
-            <a:ext cx="1036021" cy="732503"/>
-          </a:xfrm>
-          <a:prstGeom prst="rect">
-            <a:avLst/>
-          </a:prstGeom>
-        </p:spPr>
-      </p:pic>
-      <p:pic>
-        <p:nvPicPr>
           <p:cNvPr id="16" name="Рисунок 15"/>
           <p:cNvPicPr>
             <a:picLocks noChangeAspect="1"/>
@@ -53777,7 +52821,7 @@
           <p:nvPr/>
         </p:nvPicPr>
         <p:blipFill>
-          <a:blip r:embed="rId10" cstate="print">
+          <a:blip r:embed="rId8" cstate="print">
             <a:extLst>
               <a:ext uri="{28A0092B-C50C-407E-A947-70E740481C1C}">
                 <a14:useLocalDpi xmlns:a14="http://schemas.microsoft.com/office/drawing/2010/main" val="0"/>
@@ -53807,7 +52851,7 @@
           <p:nvPr/>
         </p:nvPicPr>
         <p:blipFill>
-          <a:blip r:embed="rId11" cstate="print">
+          <a:blip r:embed="rId9" cstate="print">
             <a:extLst>
               <a:ext uri="{28A0092B-C50C-407E-A947-70E740481C1C}">
                 <a14:useLocalDpi xmlns:a14="http://schemas.microsoft.com/office/drawing/2010/main" val="0"/>
@@ -53837,7 +52881,7 @@
           <p:nvPr/>
         </p:nvPicPr>
         <p:blipFill>
-          <a:blip r:embed="rId12" cstate="print">
+          <a:blip r:embed="rId10" cstate="print">
             <a:extLst>
               <a:ext uri="{28A0092B-C50C-407E-A947-70E740481C1C}">
                 <a14:useLocalDpi xmlns:a14="http://schemas.microsoft.com/office/drawing/2010/main" val="0"/>
@@ -53860,7 +52904,67 @@
       </p:pic>
       <p:pic>
         <p:nvPicPr>
-          <p:cNvPr id="20" name="Рисунок 19"/>
+          <p:cNvPr id="7" name="Рисунок 6"/>
+          <p:cNvPicPr>
+            <a:picLocks noChangeAspect="1"/>
+          </p:cNvPicPr>
+          <p:nvPr/>
+        </p:nvPicPr>
+        <p:blipFill>
+          <a:blip r:embed="rId11" cstate="print">
+            <a:extLst>
+              <a:ext uri="{28A0092B-C50C-407E-A947-70E740481C1C}">
+                <a14:useLocalDpi xmlns:a14="http://schemas.microsoft.com/office/drawing/2010/main" val="0"/>
+              </a:ext>
+            </a:extLst>
+          </a:blip>
+          <a:stretch>
+            <a:fillRect/>
+          </a:stretch>
+        </p:blipFill>
+        <p:spPr>
+          <a:xfrm>
+            <a:off x="8508988" y="2256685"/>
+            <a:ext cx="815715" cy="576739"/>
+          </a:xfrm>
+          <a:prstGeom prst="rect">
+            <a:avLst/>
+          </a:prstGeom>
+        </p:spPr>
+      </p:pic>
+      <p:pic>
+        <p:nvPicPr>
+          <p:cNvPr id="8" name="Рисунок 7"/>
+          <p:cNvPicPr>
+            <a:picLocks noChangeAspect="1"/>
+          </p:cNvPicPr>
+          <p:nvPr/>
+        </p:nvPicPr>
+        <p:blipFill>
+          <a:blip r:embed="rId12" cstate="print">
+            <a:extLst>
+              <a:ext uri="{28A0092B-C50C-407E-A947-70E740481C1C}">
+                <a14:useLocalDpi xmlns:a14="http://schemas.microsoft.com/office/drawing/2010/main" val="0"/>
+              </a:ext>
+            </a:extLst>
+          </a:blip>
+          <a:stretch>
+            <a:fillRect/>
+          </a:stretch>
+        </p:blipFill>
+        <p:spPr>
+          <a:xfrm>
+            <a:off x="8281965" y="2738718"/>
+            <a:ext cx="976306" cy="690282"/>
+          </a:xfrm>
+          <a:prstGeom prst="rect">
+            <a:avLst/>
+          </a:prstGeom>
+        </p:spPr>
+      </p:pic>
+      <p:pic>
+        <p:nvPicPr>
+          <p:cNvPr id="9" name="Рисунок 8"/>
           <p:cNvPicPr>
             <a:picLocks noChangeAspect="1"/>
           </p:cNvPicPr>
@@ -53880,8 +52984,98 @@
         </p:blipFill>
         <p:spPr>
           <a:xfrm>
-            <a:off x="8105728" y="4424516"/>
-            <a:ext cx="543263" cy="768368"/>
+            <a:off x="9815371" y="5287093"/>
+            <a:ext cx="722720" cy="510988"/>
+          </a:xfrm>
+          <a:prstGeom prst="rect">
+            <a:avLst/>
+          </a:prstGeom>
+        </p:spPr>
+      </p:pic>
+      <p:pic>
+        <p:nvPicPr>
+          <p:cNvPr id="10" name="Рисунок 9"/>
+          <p:cNvPicPr>
+            <a:picLocks noChangeAspect="1"/>
+          </p:cNvPicPr>
+          <p:nvPr/>
+        </p:nvPicPr>
+        <p:blipFill>
+          <a:blip r:embed="rId14" cstate="print">
+            <a:extLst>
+              <a:ext uri="{28A0092B-C50C-407E-A947-70E740481C1C}">
+                <a14:useLocalDpi xmlns:a14="http://schemas.microsoft.com/office/drawing/2010/main" val="0"/>
+              </a:ext>
+            </a:extLst>
+          </a:blip>
+          <a:stretch>
+            <a:fillRect/>
+          </a:stretch>
+        </p:blipFill>
+        <p:spPr>
+          <a:xfrm>
+            <a:off x="10316684" y="5392897"/>
+            <a:ext cx="636421" cy="449972"/>
+          </a:xfrm>
+          <a:prstGeom prst="rect">
+            <a:avLst/>
+          </a:prstGeom>
+        </p:spPr>
+      </p:pic>
+      <p:pic>
+        <p:nvPicPr>
+          <p:cNvPr id="11" name="Рисунок 10"/>
+          <p:cNvPicPr>
+            <a:picLocks noChangeAspect="1"/>
+          </p:cNvPicPr>
+          <p:nvPr/>
+        </p:nvPicPr>
+        <p:blipFill>
+          <a:blip r:embed="rId15" cstate="print">
+            <a:extLst>
+              <a:ext uri="{28A0092B-C50C-407E-A947-70E740481C1C}">
+                <a14:useLocalDpi xmlns:a14="http://schemas.microsoft.com/office/drawing/2010/main" val="0"/>
+              </a:ext>
+            </a:extLst>
+          </a:blip>
+          <a:stretch>
+            <a:fillRect/>
+          </a:stretch>
+        </p:blipFill>
+        <p:spPr>
+          <a:xfrm>
+            <a:off x="7125599" y="5029826"/>
+            <a:ext cx="362540" cy="512761"/>
+          </a:xfrm>
+          <a:prstGeom prst="rect">
+            <a:avLst/>
+          </a:prstGeom>
+        </p:spPr>
+      </p:pic>
+      <p:pic>
+        <p:nvPicPr>
+          <p:cNvPr id="12" name="Рисунок 11"/>
+          <p:cNvPicPr>
+            <a:picLocks noChangeAspect="1"/>
+          </p:cNvPicPr>
+          <p:nvPr/>
+        </p:nvPicPr>
+        <p:blipFill>
+          <a:blip r:embed="rId16" cstate="print">
+            <a:extLst>
+              <a:ext uri="{28A0092B-C50C-407E-A947-70E740481C1C}">
+                <a14:useLocalDpi xmlns:a14="http://schemas.microsoft.com/office/drawing/2010/main" val="0"/>
+              </a:ext>
+            </a:extLst>
+          </a:blip>
+          <a:stretch>
+            <a:fillRect/>
+          </a:stretch>
+        </p:blipFill>
+        <p:spPr>
+          <a:xfrm>
+            <a:off x="7802350" y="4482354"/>
+            <a:ext cx="479615" cy="678347"/>
           </a:xfrm>
           <a:prstGeom prst="rect">
             <a:avLst/>
@@ -53974,7 +53168,7 @@
           <a:p>
             <a:fld id="{5415850B-FCCB-4950-8D75-8D81D52F3FBD}" type="datetime1">
               <a:rPr lang="ru-RU" smtClean="0"/>
-              <a:t>23.11.2025</a:t>
+              <a:t>25.11.2025</a:t>
             </a:fld>
             <a:endParaRPr lang="ru-RU"/>
           </a:p>
@@ -54029,7 +53223,7 @@
           <p:nvPr>
             <p:extLst>
               <p:ext uri="{D42A27DB-BD31-4B8C-83A1-F6EECF244321}">
-                <p14:modId xmlns:p14="http://schemas.microsoft.com/office/powerpoint/2010/main" val="1091872992"/>
+                <p14:modId xmlns:p14="http://schemas.microsoft.com/office/powerpoint/2010/main" val="2173872973"/>
               </p:ext>
             </p:extLst>
           </p:nvPr>
@@ -54145,48 +53339,66 @@
           </a:p>
         </p:txBody>
       </p:sp>
-      <p:sp>
-        <p:nvSpPr>
-          <p:cNvPr id="9" name="TextBox 8"/>
-          <p:cNvSpPr txBox="1"/>
+      <p:pic>
+        <p:nvPicPr>
+          <p:cNvPr id="8" name="Рисунок 7"/>
+          <p:cNvPicPr>
+            <a:picLocks noChangeAspect="1"/>
+          </p:cNvPicPr>
           <p:nvPr/>
-        </p:nvSpPr>
+        </p:nvPicPr>
+        <p:blipFill>
+          <a:blip r:embed="rId8" cstate="print">
+            <a:extLst>
+              <a:ext uri="{28A0092B-C50C-407E-A947-70E740481C1C}">
+                <a14:useLocalDpi xmlns:a14="http://schemas.microsoft.com/office/drawing/2010/main" val="0"/>
+              </a:ext>
+            </a:extLst>
+          </a:blip>
+          <a:stretch>
+            <a:fillRect/>
+          </a:stretch>
+        </p:blipFill>
         <p:spPr>
           <a:xfrm>
-            <a:off x="1640541" y="2599765"/>
-            <a:ext cx="1383712" cy="923330"/>
+            <a:off x="2333415" y="3658628"/>
+            <a:ext cx="436621" cy="617538"/>
           </a:xfrm>
           <a:prstGeom prst="rect">
             <a:avLst/>
           </a:prstGeom>
-          <a:noFill/>
         </p:spPr>
-        <p:txBody>
-          <a:bodyPr wrap="none" rtlCol="0">
-            <a:spAutoFit/>
-          </a:bodyPr>
-          <a:lstStyle/>
-          <a:p>
-            <a:r>
-              <a:rPr lang="ru-RU" dir